--- a/documents/개발계획서.pptx
+++ b/documents/개발계획서.pptx
@@ -206,7 +206,7 @@
           <a:p>
             <a:fld id="{9458FFD9-5838-1449-9919-C8A4367C6D0D}" type="datetimeFigureOut">
               <a:rPr kumimoji="1" lang="ko-KR" altLang="en-US" smtClean="0"/>
-              <a:t>2024. 12. 7.</a:t>
+              <a:t>2024. 12. 9.</a:t>
             </a:fld>
             <a:endParaRPr kumimoji="1" lang="ko-KR" altLang="en-US"/>
           </a:p>
@@ -872,7 +872,7 @@
           <a:p>
             <a:fld id="{B2310862-A932-4A4D-BE7A-7832C8DBE490}" type="datetimeFigureOut">
               <a:rPr kumimoji="1" lang="ko-KR" altLang="en-US" smtClean="0"/>
-              <a:t>2024. 12. 7.</a:t>
+              <a:t>2024. 12. 9.</a:t>
             </a:fld>
             <a:endParaRPr kumimoji="1" lang="ko-KR" altLang="en-US"/>
           </a:p>
@@ -1070,7 +1070,7 @@
           <a:p>
             <a:fld id="{B2310862-A932-4A4D-BE7A-7832C8DBE490}" type="datetimeFigureOut">
               <a:rPr kumimoji="1" lang="ko-KR" altLang="en-US" smtClean="0"/>
-              <a:t>2024. 12. 7.</a:t>
+              <a:t>2024. 12. 9.</a:t>
             </a:fld>
             <a:endParaRPr kumimoji="1" lang="ko-KR" altLang="en-US"/>
           </a:p>
@@ -1278,7 +1278,7 @@
           <a:p>
             <a:fld id="{B2310862-A932-4A4D-BE7A-7832C8DBE490}" type="datetimeFigureOut">
               <a:rPr kumimoji="1" lang="ko-KR" altLang="en-US" smtClean="0"/>
-              <a:t>2024. 12. 7.</a:t>
+              <a:t>2024. 12. 9.</a:t>
             </a:fld>
             <a:endParaRPr kumimoji="1" lang="ko-KR" altLang="en-US"/>
           </a:p>
@@ -1476,7 +1476,7 @@
           <a:p>
             <a:fld id="{B2310862-A932-4A4D-BE7A-7832C8DBE490}" type="datetimeFigureOut">
               <a:rPr kumimoji="1" lang="ko-KR" altLang="en-US" smtClean="0"/>
-              <a:t>2024. 12. 7.</a:t>
+              <a:t>2024. 12. 9.</a:t>
             </a:fld>
             <a:endParaRPr kumimoji="1" lang="ko-KR" altLang="en-US"/>
           </a:p>
@@ -1751,7 +1751,7 @@
           <a:p>
             <a:fld id="{B2310862-A932-4A4D-BE7A-7832C8DBE490}" type="datetimeFigureOut">
               <a:rPr kumimoji="1" lang="ko-KR" altLang="en-US" smtClean="0"/>
-              <a:t>2024. 12. 7.</a:t>
+              <a:t>2024. 12. 9.</a:t>
             </a:fld>
             <a:endParaRPr kumimoji="1" lang="ko-KR" altLang="en-US"/>
           </a:p>
@@ -2016,7 +2016,7 @@
           <a:p>
             <a:fld id="{B2310862-A932-4A4D-BE7A-7832C8DBE490}" type="datetimeFigureOut">
               <a:rPr kumimoji="1" lang="ko-KR" altLang="en-US" smtClean="0"/>
-              <a:t>2024. 12. 7.</a:t>
+              <a:t>2024. 12. 9.</a:t>
             </a:fld>
             <a:endParaRPr kumimoji="1" lang="ko-KR" altLang="en-US"/>
           </a:p>
@@ -2428,7 +2428,7 @@
           <a:p>
             <a:fld id="{B2310862-A932-4A4D-BE7A-7832C8DBE490}" type="datetimeFigureOut">
               <a:rPr kumimoji="1" lang="ko-KR" altLang="en-US" smtClean="0"/>
-              <a:t>2024. 12. 7.</a:t>
+              <a:t>2024. 12. 9.</a:t>
             </a:fld>
             <a:endParaRPr kumimoji="1" lang="ko-KR" altLang="en-US"/>
           </a:p>
@@ -2569,7 +2569,7 @@
           <a:p>
             <a:fld id="{B2310862-A932-4A4D-BE7A-7832C8DBE490}" type="datetimeFigureOut">
               <a:rPr kumimoji="1" lang="ko-KR" altLang="en-US" smtClean="0"/>
-              <a:t>2024. 12. 7.</a:t>
+              <a:t>2024. 12. 9.</a:t>
             </a:fld>
             <a:endParaRPr kumimoji="1" lang="ko-KR" altLang="en-US"/>
           </a:p>
@@ -2682,7 +2682,7 @@
           <a:p>
             <a:fld id="{B2310862-A932-4A4D-BE7A-7832C8DBE490}" type="datetimeFigureOut">
               <a:rPr kumimoji="1" lang="ko-KR" altLang="en-US" smtClean="0"/>
-              <a:t>2024. 12. 7.</a:t>
+              <a:t>2024. 12. 9.</a:t>
             </a:fld>
             <a:endParaRPr kumimoji="1" lang="ko-KR" altLang="en-US"/>
           </a:p>
@@ -2993,7 +2993,7 @@
           <a:p>
             <a:fld id="{B2310862-A932-4A4D-BE7A-7832C8DBE490}" type="datetimeFigureOut">
               <a:rPr kumimoji="1" lang="ko-KR" altLang="en-US" smtClean="0"/>
-              <a:t>2024. 12. 7.</a:t>
+              <a:t>2024. 12. 9.</a:t>
             </a:fld>
             <a:endParaRPr kumimoji="1" lang="ko-KR" altLang="en-US"/>
           </a:p>
@@ -3281,7 +3281,7 @@
           <a:p>
             <a:fld id="{B2310862-A932-4A4D-BE7A-7832C8DBE490}" type="datetimeFigureOut">
               <a:rPr kumimoji="1" lang="ko-KR" altLang="en-US" smtClean="0"/>
-              <a:t>2024. 12. 7.</a:t>
+              <a:t>2024. 12. 9.</a:t>
             </a:fld>
             <a:endParaRPr kumimoji="1" lang="ko-KR" altLang="en-US"/>
           </a:p>
@@ -3522,7 +3522,7 @@
           <a:p>
             <a:fld id="{B2310862-A932-4A4D-BE7A-7832C8DBE490}" type="datetimeFigureOut">
               <a:rPr kumimoji="1" lang="ko-KR" altLang="en-US" smtClean="0"/>
-              <a:t>2024. 12. 7.</a:t>
+              <a:t>2024. 12. 9.</a:t>
             </a:fld>
             <a:endParaRPr kumimoji="1" lang="ko-KR" altLang="en-US"/>
           </a:p>
@@ -3999,6 +3999,50 @@
           <a:chExt cx="0" cy="0"/>
         </a:xfrm>
       </p:grpSpPr>
+      <p:cxnSp>
+        <p:nvCxnSpPr>
+          <p:cNvPr id="1062" name="직선 화살표 연결선 1061">
+            <a:extLst>
+              <a:ext uri="{FF2B5EF4-FFF2-40B4-BE49-F238E27FC236}">
+                <a16:creationId xmlns:a16="http://schemas.microsoft.com/office/drawing/2014/main" id="{5C34B7EB-59BA-BEF8-5F40-4A2CC3AE2F03}"/>
+              </a:ext>
+            </a:extLst>
+          </p:cNvPr>
+          <p:cNvCxnSpPr>
+            <a:cxnSpLocks/>
+            <a:stCxn id="1038" idx="0"/>
+            <a:endCxn id="1024" idx="2"/>
+          </p:cNvCxnSpPr>
+          <p:nvPr/>
+        </p:nvCxnSpPr>
+        <p:spPr>
+          <a:xfrm flipV="1">
+            <a:off x="3803799" y="748674"/>
+            <a:ext cx="1" cy="405647"/>
+          </a:xfrm>
+          <a:prstGeom prst="straightConnector1">
+            <a:avLst/>
+          </a:prstGeom>
+          <a:ln>
+            <a:headEnd type="none" w="med" len="med"/>
+            <a:tailEnd type="none" w="med" len="med"/>
+          </a:ln>
+        </p:spPr>
+        <p:style>
+          <a:lnRef idx="2">
+            <a:schemeClr val="accent1"/>
+          </a:lnRef>
+          <a:fillRef idx="0">
+            <a:schemeClr val="accent1"/>
+          </a:fillRef>
+          <a:effectRef idx="1">
+            <a:schemeClr val="accent1"/>
+          </a:effectRef>
+          <a:fontRef idx="minor">
+            <a:schemeClr val="tx1"/>
+          </a:fontRef>
+        </p:style>
+      </p:cxnSp>
       <p:pic>
         <p:nvPicPr>
           <p:cNvPr id="1026" name="Picture 2" descr="Amazon Bedrock Connector - Overview (O11) | OutSystems">
@@ -4028,7 +4072,7 @@
         </p:blipFill>
         <p:spPr bwMode="auto">
           <a:xfrm>
-            <a:off x="9430107" y="3020575"/>
+            <a:off x="9430107" y="2316487"/>
             <a:ext cx="465430" cy="465430"/>
           </a:xfrm>
           <a:prstGeom prst="rect">
@@ -4062,7 +4106,7 @@
         </p:nvSpPr>
         <p:spPr>
           <a:xfrm>
-            <a:off x="9302452" y="3500812"/>
+            <a:off x="9302452" y="2796724"/>
             <a:ext cx="739201" cy="267998"/>
           </a:xfrm>
           <a:prstGeom prst="rect">
@@ -4126,7 +4170,7 @@
         </p:nvSpPr>
         <p:spPr>
           <a:xfrm>
-            <a:off x="10844718" y="3964171"/>
+            <a:off x="10844718" y="3260083"/>
             <a:ext cx="1304524" cy="262033"/>
           </a:xfrm>
           <a:prstGeom prst="rect">
@@ -4201,7 +4245,7 @@
         </p:blipFill>
         <p:spPr bwMode="auto">
           <a:xfrm>
-            <a:off x="11208375" y="3465927"/>
+            <a:off x="11208375" y="2761839"/>
             <a:ext cx="465430" cy="465430"/>
           </a:xfrm>
           <a:prstGeom prst="rect">
@@ -4235,7 +4279,7 @@
         </p:nvSpPr>
         <p:spPr>
           <a:xfrm>
-            <a:off x="10265105" y="4865632"/>
+            <a:off x="10265105" y="4161544"/>
             <a:ext cx="1206609" cy="267998"/>
           </a:xfrm>
           <a:prstGeom prst="rect">
@@ -4315,7 +4359,7 @@
         </p:nvSpPr>
         <p:spPr>
           <a:xfrm>
-            <a:off x="7092963" y="5713253"/>
+            <a:off x="7092963" y="5009165"/>
             <a:ext cx="739201" cy="267998"/>
           </a:xfrm>
           <a:prstGeom prst="rect">
@@ -4385,7 +4429,7 @@
         </p:blipFill>
         <p:spPr>
           <a:xfrm>
-            <a:off x="9464036" y="4212266"/>
+            <a:off x="9464036" y="3508178"/>
             <a:ext cx="465429" cy="465429"/>
           </a:xfrm>
           <a:prstGeom prst="rect">
@@ -4409,7 +4453,7 @@
         </p:nvSpPr>
         <p:spPr>
           <a:xfrm>
-            <a:off x="9236531" y="4708204"/>
+            <a:off x="9236531" y="4004116"/>
             <a:ext cx="869150" cy="267998"/>
           </a:xfrm>
           <a:prstGeom prst="rect">
@@ -4479,7 +4523,7 @@
         </p:blipFill>
         <p:spPr>
           <a:xfrm>
-            <a:off x="5330556" y="6094411"/>
+            <a:off x="5330556" y="5390323"/>
             <a:ext cx="462142" cy="462142"/>
           </a:xfrm>
           <a:prstGeom prst="rect">
@@ -4509,7 +4553,7 @@
         </p:blipFill>
         <p:spPr>
           <a:xfrm>
-            <a:off x="5345224" y="3104055"/>
+            <a:off x="5345224" y="2399967"/>
             <a:ext cx="461326" cy="461326"/>
           </a:xfrm>
           <a:prstGeom prst="rect">
@@ -4517,65 +4561,55 @@
           </a:prstGeom>
         </p:spPr>
       </p:pic>
-      <p:sp>
-        <p:nvSpPr>
-          <p:cNvPr id="28" name="직사각형 27">
-            <a:extLst>
-              <a:ext uri="{FF2B5EF4-FFF2-40B4-BE49-F238E27FC236}">
-                <a16:creationId xmlns:a16="http://schemas.microsoft.com/office/drawing/2014/main" id="{B74730AF-E164-6232-603B-2E81071DA6AA}"/>
-              </a:ext>
-            </a:extLst>
-          </p:cNvPr>
-          <p:cNvSpPr/>
-          <p:nvPr/>
-        </p:nvSpPr>
-        <p:spPr>
-          <a:xfrm>
-            <a:off x="3011323" y="1382749"/>
-            <a:ext cx="1503655" cy="1054929"/>
-          </a:xfrm>
-          <a:prstGeom prst="rect">
-            <a:avLst/>
-          </a:prstGeom>
-          <a:noFill/>
+      <p:cxnSp>
+        <p:nvCxnSpPr>
+          <p:cNvPr id="32" name="직선 화살표 연결선 31">
+            <a:extLst>
+              <a:ext uri="{FF2B5EF4-FFF2-40B4-BE49-F238E27FC236}">
+                <a16:creationId xmlns:a16="http://schemas.microsoft.com/office/drawing/2014/main" id="{9C4C48DA-AB9C-66CF-5BC3-E8C3AB5FEC45}"/>
+              </a:ext>
+            </a:extLst>
+          </p:cNvPr>
+          <p:cNvCxnSpPr>
+            <a:cxnSpLocks/>
+            <a:stCxn id="39" idx="1"/>
+          </p:cNvCxnSpPr>
+          <p:nvPr/>
+        </p:nvCxnSpPr>
+        <p:spPr>
+          <a:xfrm flipH="1">
+            <a:off x="853780" y="634244"/>
+            <a:ext cx="374636" cy="0"/>
+          </a:xfrm>
+          <a:prstGeom prst="straightConnector1">
+            <a:avLst/>
+          </a:prstGeom>
           <a:ln>
-            <a:solidFill>
-              <a:srgbClr val="000000"/>
-            </a:solidFill>
-            <a:prstDash val="sysDash"/>
+            <a:headEnd type="none" w="med" len="med"/>
+            <a:tailEnd type="none" w="med" len="med"/>
           </a:ln>
         </p:spPr>
         <p:style>
           <a:lnRef idx="2">
-            <a:schemeClr val="accent1">
-              <a:shade val="15000"/>
-            </a:schemeClr>
+            <a:schemeClr val="accent1"/>
           </a:lnRef>
-          <a:fillRef idx="1">
+          <a:fillRef idx="0">
             <a:schemeClr val="accent1"/>
           </a:fillRef>
-          <a:effectRef idx="0">
+          <a:effectRef idx="1">
             <a:schemeClr val="accent1"/>
           </a:effectRef>
           <a:fontRef idx="minor">
-            <a:schemeClr val="lt1"/>
+            <a:schemeClr val="tx1"/>
           </a:fontRef>
         </p:style>
-        <p:txBody>
-          <a:bodyPr rtlCol="0" anchor="ctr"/>
-          <a:lstStyle/>
-          <a:p>
-            <a:pPr algn="ctr"/>
-            <a:endParaRPr kumimoji="1" lang="ko-KR" altLang="en-US" sz="900"/>
-          </a:p>
-        </p:txBody>
-      </p:sp>
+      </p:cxnSp>
       <p:pic>
         <p:nvPicPr>
-          <p:cNvPr id="29" name="그림 28">
-            <a:extLst>
-              <a:ext uri="{FF2B5EF4-FFF2-40B4-BE49-F238E27FC236}">
-                <a16:creationId xmlns:a16="http://schemas.microsoft.com/office/drawing/2014/main" id="{E014D017-3F5D-E9D6-99EC-0EAB748C0697}"/>
+          <p:cNvPr id="33" name="그림 32">
+            <a:extLst>
+              <a:ext uri="{FF2B5EF4-FFF2-40B4-BE49-F238E27FC236}">
+                <a16:creationId xmlns:a16="http://schemas.microsoft.com/office/drawing/2014/main" id="{299B75B5-D8F0-18BC-D6BE-E676585A616C}"/>
               </a:ext>
             </a:extLst>
           </p:cNvPr>
@@ -4585,15 +4619,17 @@
           <p:nvPr/>
         </p:nvPicPr>
         <p:blipFill>
-          <a:blip r:embed="rId8"/>
+          <a:blip r:embed="rId8">
+            <a:alphaModFix amt="35000"/>
+          </a:blip>
           <a:stretch>
             <a:fillRect/>
           </a:stretch>
         </p:blipFill>
         <p:spPr>
           <a:xfrm>
-            <a:off x="3537383" y="2227629"/>
-            <a:ext cx="462142" cy="462142"/>
+            <a:off x="595262" y="5830075"/>
+            <a:ext cx="435116" cy="435116"/>
           </a:xfrm>
           <a:prstGeom prst="rect">
             <a:avLst/>
@@ -4602,10 +4638,10 @@
       </p:pic>
       <p:sp>
         <p:nvSpPr>
-          <p:cNvPr id="31" name="제목 1">
-            <a:extLst>
-              <a:ext uri="{FF2B5EF4-FFF2-40B4-BE49-F238E27FC236}">
-                <a16:creationId xmlns:a16="http://schemas.microsoft.com/office/drawing/2014/main" id="{B68F8371-67DD-46F1-CFB7-A708C5740D02}"/>
+          <p:cNvPr id="37" name="제목 1">
+            <a:extLst>
+              <a:ext uri="{FF2B5EF4-FFF2-40B4-BE49-F238E27FC236}">
+                <a16:creationId xmlns:a16="http://schemas.microsoft.com/office/drawing/2014/main" id="{4883C4EB-69F2-7707-5907-D402594B4B41}"/>
               </a:ext>
             </a:extLst>
           </p:cNvPr>
@@ -4616,8 +4652,8 @@
         </p:nvSpPr>
         <p:spPr>
           <a:xfrm>
-            <a:off x="3280433" y="2699918"/>
-            <a:ext cx="967879" cy="267998"/>
+            <a:off x="205604" y="6333524"/>
+            <a:ext cx="1260673" cy="267998"/>
           </a:xfrm>
           <a:prstGeom prst="rect">
             <a:avLst/>
@@ -4654,7 +4690,7 @@
                 <a:ea typeface="KoPubWorldDotum Bold" pitchFamily="2" charset="-127"/>
                 <a:cs typeface="KoPubWorldDotum Bold" pitchFamily="2" charset="-127"/>
               </a:rPr>
-              <a:t>S3</a:t>
+              <a:t>CloudFront - TBD</a:t>
             </a:r>
             <a:endParaRPr kumimoji="1" lang="ko-KR" altLang="en-US" sz="900" b="1" dirty="0">
               <a:latin typeface="KoPubWorldDotum Bold" pitchFamily="2" charset="-127"/>
@@ -4664,55 +4700,12 @@
           </a:p>
         </p:txBody>
       </p:sp>
-      <p:cxnSp>
-        <p:nvCxnSpPr>
-          <p:cNvPr id="32" name="직선 화살표 연결선 31">
-            <a:extLst>
-              <a:ext uri="{FF2B5EF4-FFF2-40B4-BE49-F238E27FC236}">
-                <a16:creationId xmlns:a16="http://schemas.microsoft.com/office/drawing/2014/main" id="{9C4C48DA-AB9C-66CF-5BC3-E8C3AB5FEC45}"/>
-              </a:ext>
-            </a:extLst>
-          </p:cNvPr>
-          <p:cNvCxnSpPr>
-            <a:cxnSpLocks/>
-            <a:stCxn id="39" idx="1"/>
-          </p:cNvCxnSpPr>
-          <p:nvPr/>
-        </p:nvCxnSpPr>
-        <p:spPr>
-          <a:xfrm flipH="1">
-            <a:off x="853780" y="634244"/>
-            <a:ext cx="374636" cy="0"/>
-          </a:xfrm>
-          <a:prstGeom prst="straightConnector1">
-            <a:avLst/>
-          </a:prstGeom>
-          <a:ln>
-            <a:headEnd type="none" w="med" len="med"/>
-            <a:tailEnd type="none" w="med" len="med"/>
-          </a:ln>
-        </p:spPr>
-        <p:style>
-          <a:lnRef idx="2">
-            <a:schemeClr val="accent1"/>
-          </a:lnRef>
-          <a:fillRef idx="0">
-            <a:schemeClr val="accent1"/>
-          </a:fillRef>
-          <a:effectRef idx="1">
-            <a:schemeClr val="accent1"/>
-          </a:effectRef>
-          <a:fontRef idx="minor">
-            <a:schemeClr val="tx1"/>
-          </a:fontRef>
-        </p:style>
-      </p:cxnSp>
       <p:pic>
         <p:nvPicPr>
-          <p:cNvPr id="33" name="그림 32">
-            <a:extLst>
-              <a:ext uri="{FF2B5EF4-FFF2-40B4-BE49-F238E27FC236}">
-                <a16:creationId xmlns:a16="http://schemas.microsoft.com/office/drawing/2014/main" id="{299B75B5-D8F0-18BC-D6BE-E676585A616C}"/>
+          <p:cNvPr id="38" name="그래픽 37" descr="사용자 단색으로 채워진">
+            <a:extLst>
+              <a:ext uri="{FF2B5EF4-FFF2-40B4-BE49-F238E27FC236}">
+                <a16:creationId xmlns:a16="http://schemas.microsoft.com/office/drawing/2014/main" id="{3CCFFB7A-B116-AF77-980D-C90D7C5B0E09}"/>
               </a:ext>
             </a:extLst>
           </p:cNvPr>
@@ -4723,6 +4716,42 @@
         </p:nvPicPr>
         <p:blipFill>
           <a:blip r:embed="rId9">
+            <a:extLst>
+              <a:ext uri="{96DAC541-7B7A-43D3-8B79-37D633B846F1}">
+                <asvg:svgBlip xmlns:asvg="http://schemas.microsoft.com/office/drawing/2016/SVG/main" r:embed="rId10"/>
+              </a:ext>
+            </a:extLst>
+          </a:blip>
+          <a:stretch>
+            <a:fillRect/>
+          </a:stretch>
+        </p:blipFill>
+        <p:spPr>
+          <a:xfrm>
+            <a:off x="199647" y="257231"/>
+            <a:ext cx="754027" cy="754027"/>
+          </a:xfrm>
+          <a:prstGeom prst="rect">
+            <a:avLst/>
+          </a:prstGeom>
+        </p:spPr>
+      </p:pic>
+      <p:pic>
+        <p:nvPicPr>
+          <p:cNvPr id="39" name="그림 38">
+            <a:extLst>
+              <a:ext uri="{FF2B5EF4-FFF2-40B4-BE49-F238E27FC236}">
+                <a16:creationId xmlns:a16="http://schemas.microsoft.com/office/drawing/2014/main" id="{4ECCA4A3-4896-020A-6E1B-A5C0CABA7AB0}"/>
+              </a:ext>
+            </a:extLst>
+          </p:cNvPr>
+          <p:cNvPicPr>
+            <a:picLocks noChangeAspect="1"/>
+          </p:cNvPicPr>
+          <p:nvPr/>
+        </p:nvPicPr>
+        <p:blipFill>
+          <a:blip r:embed="rId11">
             <a:alphaModFix amt="35000"/>
           </a:blip>
           <a:stretch>
@@ -4731,8 +4760,8 @@
         </p:blipFill>
         <p:spPr>
           <a:xfrm>
-            <a:off x="1266079" y="2023546"/>
-            <a:ext cx="435116" cy="435116"/>
+            <a:off x="1228416" y="399544"/>
+            <a:ext cx="469400" cy="469400"/>
           </a:xfrm>
           <a:prstGeom prst="rect">
             <a:avLst/>
@@ -4741,10 +4770,10 @@
       </p:pic>
       <p:sp>
         <p:nvSpPr>
-          <p:cNvPr id="37" name="제목 1">
-            <a:extLst>
-              <a:ext uri="{FF2B5EF4-FFF2-40B4-BE49-F238E27FC236}">
-                <a16:creationId xmlns:a16="http://schemas.microsoft.com/office/drawing/2014/main" id="{4883C4EB-69F2-7707-5907-D402594B4B41}"/>
+          <p:cNvPr id="40" name="제목 1">
+            <a:extLst>
+              <a:ext uri="{FF2B5EF4-FFF2-40B4-BE49-F238E27FC236}">
+                <a16:creationId xmlns:a16="http://schemas.microsoft.com/office/drawing/2014/main" id="{D265A0A2-EE38-19E6-4AB8-846CED18BE20}"/>
               </a:ext>
             </a:extLst>
           </p:cNvPr>
@@ -4755,8 +4784,8 @@
         </p:nvSpPr>
         <p:spPr>
           <a:xfrm>
-            <a:off x="876421" y="2526995"/>
-            <a:ext cx="1260673" cy="267998"/>
+            <a:off x="979444" y="874498"/>
+            <a:ext cx="967879" cy="267998"/>
           </a:xfrm>
           <a:prstGeom prst="rect">
             <a:avLst/>
@@ -4793,7 +4822,7 @@
                 <a:ea typeface="KoPubWorldDotum Bold" pitchFamily="2" charset="-127"/>
                 <a:cs typeface="KoPubWorldDotum Bold" pitchFamily="2" charset="-127"/>
               </a:rPr>
-              <a:t>CloudFront - TBD</a:t>
+              <a:t>Route 53</a:t>
             </a:r>
             <a:endParaRPr kumimoji="1" lang="ko-KR" altLang="en-US" sz="900" b="1" dirty="0">
               <a:latin typeface="KoPubWorldDotum Bold" pitchFamily="2" charset="-127"/>
@@ -4803,48 +4832,76 @@
           </a:p>
         </p:txBody>
       </p:sp>
+      <p:sp>
+        <p:nvSpPr>
+          <p:cNvPr id="41" name="처리 40">
+            <a:extLst>
+              <a:ext uri="{FF2B5EF4-FFF2-40B4-BE49-F238E27FC236}">
+                <a16:creationId xmlns:a16="http://schemas.microsoft.com/office/drawing/2014/main" id="{3696A90F-8B52-3CF7-5BAE-40A3644A9762}"/>
+              </a:ext>
+            </a:extLst>
+          </p:cNvPr>
+          <p:cNvSpPr/>
+          <p:nvPr/>
+        </p:nvSpPr>
+        <p:spPr>
+          <a:xfrm>
+            <a:off x="3183220" y="830282"/>
+            <a:ext cx="1241157" cy="242431"/>
+          </a:xfrm>
+          <a:prstGeom prst="flowChartProcess">
+            <a:avLst/>
+          </a:prstGeom>
+          <a:solidFill>
+            <a:schemeClr val="accent1"/>
+          </a:solidFill>
+          <a:ln>
+            <a:noFill/>
+          </a:ln>
+        </p:spPr>
+        <p:style>
+          <a:lnRef idx="2">
+            <a:schemeClr val="accent1">
+              <a:shade val="15000"/>
+            </a:schemeClr>
+          </a:lnRef>
+          <a:fillRef idx="1">
+            <a:schemeClr val="accent1"/>
+          </a:fillRef>
+          <a:effectRef idx="0">
+            <a:schemeClr val="accent1"/>
+          </a:effectRef>
+          <a:fontRef idx="minor">
+            <a:schemeClr val="lt1"/>
+          </a:fontRef>
+        </p:style>
+        <p:txBody>
+          <a:bodyPr rtlCol="0" anchor="ctr"/>
+          <a:lstStyle/>
+          <a:p>
+            <a:pPr algn="ctr"/>
+            <a:r>
+              <a:rPr kumimoji="1" lang="en-US" altLang="ko-KR" sz="900" b="1" dirty="0" err="1">
+                <a:latin typeface="KoPubWorldDotum Bold" pitchFamily="2" charset="-127"/>
+                <a:ea typeface="KoPubWorldDotum Bold" pitchFamily="2" charset="-127"/>
+                <a:cs typeface="KoPubWorldDotum Bold" pitchFamily="2" charset="-127"/>
+              </a:rPr>
+              <a:t>Service.html</a:t>
+            </a:r>
+            <a:endParaRPr kumimoji="1" lang="ko-KR" altLang="en-US" sz="900" b="1" dirty="0">
+              <a:latin typeface="KoPubWorldDotum Bold" pitchFamily="2" charset="-127"/>
+              <a:ea typeface="KoPubWorldDotum Bold" pitchFamily="2" charset="-127"/>
+              <a:cs typeface="KoPubWorldDotum Bold" pitchFamily="2" charset="-127"/>
+            </a:endParaRPr>
+          </a:p>
+        </p:txBody>
+      </p:sp>
       <p:pic>
         <p:nvPicPr>
-          <p:cNvPr id="38" name="그래픽 37" descr="사용자 단색으로 채워진">
-            <a:extLst>
-              <a:ext uri="{FF2B5EF4-FFF2-40B4-BE49-F238E27FC236}">
-                <a16:creationId xmlns:a16="http://schemas.microsoft.com/office/drawing/2014/main" id="{3CCFFB7A-B116-AF77-980D-C90D7C5B0E09}"/>
-              </a:ext>
-            </a:extLst>
-          </p:cNvPr>
-          <p:cNvPicPr>
-            <a:picLocks noChangeAspect="1"/>
-          </p:cNvPicPr>
-          <p:nvPr/>
-        </p:nvPicPr>
-        <p:blipFill>
-          <a:blip r:embed="rId10">
-            <a:extLst>
-              <a:ext uri="{96DAC541-7B7A-43D3-8B79-37D633B846F1}">
-                <asvg:svgBlip xmlns:asvg="http://schemas.microsoft.com/office/drawing/2016/SVG/main" r:embed="rId11"/>
-              </a:ext>
-            </a:extLst>
-          </a:blip>
-          <a:stretch>
-            <a:fillRect/>
-          </a:stretch>
-        </p:blipFill>
-        <p:spPr>
-          <a:xfrm>
-            <a:off x="199647" y="257231"/>
-            <a:ext cx="754027" cy="754027"/>
-          </a:xfrm>
-          <a:prstGeom prst="rect">
-            <a:avLst/>
-          </a:prstGeom>
-        </p:spPr>
-      </p:pic>
-      <p:pic>
-        <p:nvPicPr>
-          <p:cNvPr id="39" name="그림 38">
-            <a:extLst>
-              <a:ext uri="{FF2B5EF4-FFF2-40B4-BE49-F238E27FC236}">
-                <a16:creationId xmlns:a16="http://schemas.microsoft.com/office/drawing/2014/main" id="{4ECCA4A3-4896-020A-6E1B-A5C0CABA7AB0}"/>
+          <p:cNvPr id="45" name="그림 44">
+            <a:extLst>
+              <a:ext uri="{FF2B5EF4-FFF2-40B4-BE49-F238E27FC236}">
+                <a16:creationId xmlns:a16="http://schemas.microsoft.com/office/drawing/2014/main" id="{371D1B9E-F9A5-B818-0A2D-56C3F74432FB}"/>
               </a:ext>
             </a:extLst>
           </p:cNvPr>
@@ -4863,7 +4920,7 @@
         </p:blipFill>
         <p:spPr>
           <a:xfrm>
-            <a:off x="1228416" y="399544"/>
+            <a:off x="2251678" y="399544"/>
             <a:ext cx="469400" cy="469400"/>
           </a:xfrm>
           <a:prstGeom prst="rect">
@@ -4873,10 +4930,10 @@
       </p:pic>
       <p:sp>
         <p:nvSpPr>
-          <p:cNvPr id="40" name="제목 1">
-            <a:extLst>
-              <a:ext uri="{FF2B5EF4-FFF2-40B4-BE49-F238E27FC236}">
-                <a16:creationId xmlns:a16="http://schemas.microsoft.com/office/drawing/2014/main" id="{D265A0A2-EE38-19E6-4AB8-846CED18BE20}"/>
+          <p:cNvPr id="48" name="제목 1">
+            <a:extLst>
+              <a:ext uri="{FF2B5EF4-FFF2-40B4-BE49-F238E27FC236}">
+                <a16:creationId xmlns:a16="http://schemas.microsoft.com/office/drawing/2014/main" id="{6666B4EF-DAA2-18A1-C3FB-6AA06B52EA62}"/>
               </a:ext>
             </a:extLst>
           </p:cNvPr>
@@ -4887,8 +4944,8 @@
         </p:nvSpPr>
         <p:spPr>
           <a:xfrm>
-            <a:off x="979444" y="874498"/>
-            <a:ext cx="967879" cy="267998"/>
+            <a:off x="5068556" y="2891137"/>
+            <a:ext cx="967879" cy="387771"/>
           </a:xfrm>
           <a:prstGeom prst="rect">
             <a:avLst/>
@@ -4925,7 +4982,18 @@
                 <a:ea typeface="KoPubWorldDotum Bold" pitchFamily="2" charset="-127"/>
                 <a:cs typeface="KoPubWorldDotum Bold" pitchFamily="2" charset="-127"/>
               </a:rPr>
-              <a:t>Route 53</a:t>
+              <a:t>API Gateway</a:t>
+            </a:r>
+          </a:p>
+          <a:p>
+            <a:pPr algn="ctr"/>
+            <a:r>
+              <a:rPr kumimoji="1" lang="en-US" altLang="ko-KR" sz="900" b="1" dirty="0">
+                <a:latin typeface="KoPubWorldDotum Bold" pitchFamily="2" charset="-127"/>
+                <a:ea typeface="KoPubWorldDotum Bold" pitchFamily="2" charset="-127"/>
+                <a:cs typeface="KoPubWorldDotum Bold" pitchFamily="2" charset="-127"/>
+              </a:rPr>
+              <a:t>(WSS)</a:t>
             </a:r>
             <a:endParaRPr kumimoji="1" lang="ko-KR" altLang="en-US" sz="900" b="1" dirty="0">
               <a:latin typeface="KoPubWorldDotum Bold" pitchFamily="2" charset="-127"/>
@@ -4937,106 +5005,10 @@
       </p:sp>
       <p:sp>
         <p:nvSpPr>
-          <p:cNvPr id="41" name="처리 40">
-            <a:extLst>
-              <a:ext uri="{FF2B5EF4-FFF2-40B4-BE49-F238E27FC236}">
-                <a16:creationId xmlns:a16="http://schemas.microsoft.com/office/drawing/2014/main" id="{3696A90F-8B52-3CF7-5BAE-40A3644A9762}"/>
-              </a:ext>
-            </a:extLst>
-          </p:cNvPr>
-          <p:cNvSpPr/>
-          <p:nvPr/>
-        </p:nvSpPr>
-        <p:spPr>
-          <a:xfrm>
-            <a:off x="4926696" y="1693608"/>
-            <a:ext cx="1241157" cy="242431"/>
-          </a:xfrm>
-          <a:prstGeom prst="flowChartProcess">
-            <a:avLst/>
-          </a:prstGeom>
-          <a:solidFill>
-            <a:schemeClr val="accent1"/>
-          </a:solidFill>
-          <a:ln>
-            <a:noFill/>
-          </a:ln>
-        </p:spPr>
-        <p:style>
-          <a:lnRef idx="2">
-            <a:schemeClr val="accent1">
-              <a:shade val="15000"/>
-            </a:schemeClr>
-          </a:lnRef>
-          <a:fillRef idx="1">
-            <a:schemeClr val="accent1"/>
-          </a:fillRef>
-          <a:effectRef idx="0">
-            <a:schemeClr val="accent1"/>
-          </a:effectRef>
-          <a:fontRef idx="minor">
-            <a:schemeClr val="lt1"/>
-          </a:fontRef>
-        </p:style>
-        <p:txBody>
-          <a:bodyPr rtlCol="0" anchor="ctr"/>
-          <a:lstStyle/>
-          <a:p>
-            <a:pPr algn="ctr"/>
-            <a:r>
-              <a:rPr kumimoji="1" lang="en-US" altLang="ko-KR" sz="900" b="1" dirty="0" err="1">
-                <a:latin typeface="KoPubWorldDotum Bold" pitchFamily="2" charset="-127"/>
-                <a:ea typeface="KoPubWorldDotum Bold" pitchFamily="2" charset="-127"/>
-                <a:cs typeface="KoPubWorldDotum Bold" pitchFamily="2" charset="-127"/>
-              </a:rPr>
-              <a:t>Service.html</a:t>
-            </a:r>
-            <a:endParaRPr kumimoji="1" lang="ko-KR" altLang="en-US" sz="900" b="1" dirty="0">
-              <a:latin typeface="KoPubWorldDotum Bold" pitchFamily="2" charset="-127"/>
-              <a:ea typeface="KoPubWorldDotum Bold" pitchFamily="2" charset="-127"/>
-              <a:cs typeface="KoPubWorldDotum Bold" pitchFamily="2" charset="-127"/>
-            </a:endParaRPr>
-          </a:p>
-        </p:txBody>
-      </p:sp>
-      <p:pic>
-        <p:nvPicPr>
-          <p:cNvPr id="45" name="그림 44">
-            <a:extLst>
-              <a:ext uri="{FF2B5EF4-FFF2-40B4-BE49-F238E27FC236}">
-                <a16:creationId xmlns:a16="http://schemas.microsoft.com/office/drawing/2014/main" id="{371D1B9E-F9A5-B818-0A2D-56C3F74432FB}"/>
-              </a:ext>
-            </a:extLst>
-          </p:cNvPr>
-          <p:cNvPicPr>
-            <a:picLocks noChangeAspect="1"/>
-          </p:cNvPicPr>
-          <p:nvPr/>
-        </p:nvPicPr>
-        <p:blipFill>
-          <a:blip r:embed="rId13">
-            <a:alphaModFix amt="35000"/>
-          </a:blip>
-          <a:stretch>
-            <a:fillRect/>
-          </a:stretch>
-        </p:blipFill>
-        <p:spPr>
-          <a:xfrm>
-            <a:off x="2251678" y="399544"/>
-            <a:ext cx="469400" cy="469400"/>
-          </a:xfrm>
-          <a:prstGeom prst="rect">
-            <a:avLst/>
-          </a:prstGeom>
-        </p:spPr>
-      </p:pic>
-      <p:sp>
-        <p:nvSpPr>
-          <p:cNvPr id="47" name="제목 1">
-            <a:extLst>
-              <a:ext uri="{FF2B5EF4-FFF2-40B4-BE49-F238E27FC236}">
-                <a16:creationId xmlns:a16="http://schemas.microsoft.com/office/drawing/2014/main" id="{366394CA-2055-4338-75FA-29FAE3468C72}"/>
+          <p:cNvPr id="52" name="제목 1">
+            <a:extLst>
+              <a:ext uri="{FF2B5EF4-FFF2-40B4-BE49-F238E27FC236}">
+                <a16:creationId xmlns:a16="http://schemas.microsoft.com/office/drawing/2014/main" id="{E9F17F88-4DCB-803E-4479-A1146811AEB5}"/>
               </a:ext>
             </a:extLst>
           </p:cNvPr>
@@ -5047,7 +5019,7 @@
         </p:nvSpPr>
         <p:spPr>
           <a:xfrm>
-            <a:off x="6973894" y="1754663"/>
+            <a:off x="5073022" y="5855215"/>
             <a:ext cx="967879" cy="267998"/>
           </a:xfrm>
           <a:prstGeom prst="rect">
@@ -5080,12 +5052,12 @@
           <a:p>
             <a:pPr algn="ctr"/>
             <a:r>
-              <a:rPr kumimoji="1" lang="en-US" altLang="ko-KR" sz="900" b="1" dirty="0">
+              <a:rPr kumimoji="1" lang="en-US" altLang="ko-KR" sz="900" b="1" dirty="0" err="1">
                 <a:latin typeface="KoPubWorldDotum Bold" pitchFamily="2" charset="-127"/>
                 <a:ea typeface="KoPubWorldDotum Bold" pitchFamily="2" charset="-127"/>
                 <a:cs typeface="KoPubWorldDotum Bold" pitchFamily="2" charset="-127"/>
               </a:rPr>
-              <a:t>WAF</a:t>
+              <a:t>Cloudwatch</a:t>
             </a:r>
             <a:endParaRPr kumimoji="1" lang="ko-KR" altLang="en-US" sz="900" b="1" dirty="0">
               <a:latin typeface="KoPubWorldDotum Bold" pitchFamily="2" charset="-127"/>
@@ -5095,12 +5067,44 @@
           </a:p>
         </p:txBody>
       </p:sp>
-      <p:sp>
-        <p:nvSpPr>
-          <p:cNvPr id="48" name="제목 1">
-            <a:extLst>
-              <a:ext uri="{FF2B5EF4-FFF2-40B4-BE49-F238E27FC236}">
-                <a16:creationId xmlns:a16="http://schemas.microsoft.com/office/drawing/2014/main" id="{6666B4EF-DAA2-18A1-C3FB-6AA06B52EA62}"/>
+      <p:pic>
+        <p:nvPicPr>
+          <p:cNvPr id="53" name="그림 52">
+            <a:extLst>
+              <a:ext uri="{FF2B5EF4-FFF2-40B4-BE49-F238E27FC236}">
+                <a16:creationId xmlns:a16="http://schemas.microsoft.com/office/drawing/2014/main" id="{2553ADDA-AB0D-A775-5972-34D82429DC78}"/>
+              </a:ext>
+            </a:extLst>
+          </p:cNvPr>
+          <p:cNvPicPr>
+            <a:picLocks noChangeAspect="1"/>
+          </p:cNvPicPr>
+          <p:nvPr/>
+        </p:nvPicPr>
+        <p:blipFill>
+          <a:blip r:embed="rId13">
+            <a:alphaModFix/>
+          </a:blip>
+          <a:stretch>
+            <a:fillRect/>
+          </a:stretch>
+        </p:blipFill>
+        <p:spPr>
+          <a:xfrm>
+            <a:off x="8857860" y="399544"/>
+            <a:ext cx="462143" cy="462143"/>
+          </a:xfrm>
+          <a:prstGeom prst="rect">
+            <a:avLst/>
+          </a:prstGeom>
+        </p:spPr>
+      </p:pic>
+      <p:sp>
+        <p:nvSpPr>
+          <p:cNvPr id="59" name="제목 1">
+            <a:extLst>
+              <a:ext uri="{FF2B5EF4-FFF2-40B4-BE49-F238E27FC236}">
+                <a16:creationId xmlns:a16="http://schemas.microsoft.com/office/drawing/2014/main" id="{136BCF7D-BE45-1249-0A36-AE08D869C09D}"/>
               </a:ext>
             </a:extLst>
           </p:cNvPr>
@@ -5111,8 +5115,8 @@
         </p:nvSpPr>
         <p:spPr>
           <a:xfrm>
-            <a:off x="5068556" y="3595225"/>
-            <a:ext cx="967879" cy="387771"/>
+            <a:off x="8402591" y="890302"/>
+            <a:ext cx="1372683" cy="267998"/>
           </a:xfrm>
           <a:prstGeom prst="rect">
             <a:avLst/>
@@ -5149,18 +5153,173 @@
                 <a:ea typeface="KoPubWorldDotum Bold" pitchFamily="2" charset="-127"/>
                 <a:cs typeface="KoPubWorldDotum Bold" pitchFamily="2" charset="-127"/>
               </a:rPr>
-              <a:t>API Gateway</a:t>
-            </a:r>
-          </a:p>
-          <a:p>
-            <a:pPr algn="ctr"/>
+              <a:t>Cognito</a:t>
+            </a:r>
+            <a:r>
+              <a:rPr kumimoji="1" lang="ko-KR" altLang="en-US" sz="900" b="1" dirty="0">
+                <a:latin typeface="KoPubWorldDotum Bold" pitchFamily="2" charset="-127"/>
+                <a:ea typeface="KoPubWorldDotum Bold" pitchFamily="2" charset="-127"/>
+                <a:cs typeface="KoPubWorldDotum Bold" pitchFamily="2" charset="-127"/>
+              </a:rPr>
+              <a:t> </a:t>
+            </a:r>
             <a:r>
               <a:rPr kumimoji="1" lang="en-US" altLang="ko-KR" sz="900" b="1" dirty="0">
                 <a:latin typeface="KoPubWorldDotum Bold" pitchFamily="2" charset="-127"/>
                 <a:ea typeface="KoPubWorldDotum Bold" pitchFamily="2" charset="-127"/>
                 <a:cs typeface="KoPubWorldDotum Bold" pitchFamily="2" charset="-127"/>
               </a:rPr>
-              <a:t>(WSS)</a:t>
+              <a:t>User Pool</a:t>
+            </a:r>
+            <a:r>
+              <a:rPr kumimoji="1" lang="ko-KR" altLang="en-US" sz="900" b="1" dirty="0">
+                <a:latin typeface="KoPubWorldDotum Bold" pitchFamily="2" charset="-127"/>
+                <a:ea typeface="KoPubWorldDotum Bold" pitchFamily="2" charset="-127"/>
+                <a:cs typeface="KoPubWorldDotum Bold" pitchFamily="2" charset="-127"/>
+              </a:rPr>
+              <a:t> </a:t>
+            </a:r>
+          </a:p>
+        </p:txBody>
+      </p:sp>
+      <p:sp>
+        <p:nvSpPr>
+          <p:cNvPr id="1043" name="직사각형 1042">
+            <a:extLst>
+              <a:ext uri="{FF2B5EF4-FFF2-40B4-BE49-F238E27FC236}">
+                <a16:creationId xmlns:a16="http://schemas.microsoft.com/office/drawing/2014/main" id="{11BEF97D-88AF-EEA9-C1B8-93C0D79DF3E2}"/>
+              </a:ext>
+            </a:extLst>
+          </p:cNvPr>
+          <p:cNvSpPr/>
+          <p:nvPr/>
+        </p:nvSpPr>
+        <p:spPr>
+          <a:xfrm>
+            <a:off x="6698433" y="2208192"/>
+            <a:ext cx="1503655" cy="2536567"/>
+          </a:xfrm>
+          <a:prstGeom prst="rect">
+            <a:avLst/>
+          </a:prstGeom>
+          <a:noFill/>
+          <a:ln>
+            <a:solidFill>
+              <a:srgbClr val="000000"/>
+            </a:solidFill>
+            <a:prstDash val="sysDash"/>
+          </a:ln>
+        </p:spPr>
+        <p:style>
+          <a:lnRef idx="2">
+            <a:schemeClr val="accent1">
+              <a:shade val="15000"/>
+            </a:schemeClr>
+          </a:lnRef>
+          <a:fillRef idx="1">
+            <a:schemeClr val="accent1"/>
+          </a:fillRef>
+          <a:effectRef idx="0">
+            <a:schemeClr val="accent1"/>
+          </a:effectRef>
+          <a:fontRef idx="minor">
+            <a:schemeClr val="lt1"/>
+          </a:fontRef>
+        </p:style>
+        <p:txBody>
+          <a:bodyPr rtlCol="0" anchor="ctr"/>
+          <a:lstStyle/>
+          <a:p>
+            <a:pPr algn="ctr"/>
+            <a:endParaRPr kumimoji="1" lang="ko-KR" altLang="en-US" sz="900"/>
+          </a:p>
+        </p:txBody>
+      </p:sp>
+      <p:pic>
+        <p:nvPicPr>
+          <p:cNvPr id="15" name="그림 14">
+            <a:extLst>
+              <a:ext uri="{FF2B5EF4-FFF2-40B4-BE49-F238E27FC236}">
+                <a16:creationId xmlns:a16="http://schemas.microsoft.com/office/drawing/2014/main" id="{1ABC9D3B-CFA7-E166-CF7C-86924353DAE6}"/>
+              </a:ext>
+            </a:extLst>
+          </p:cNvPr>
+          <p:cNvPicPr>
+            <a:picLocks noChangeAspect="1"/>
+          </p:cNvPicPr>
+          <p:nvPr/>
+        </p:nvPicPr>
+        <p:blipFill>
+          <a:blip r:embed="rId14"/>
+          <a:stretch>
+            <a:fillRect/>
+          </a:stretch>
+        </p:blipFill>
+        <p:spPr>
+          <a:xfrm>
+            <a:off x="7220461" y="4513689"/>
+            <a:ext cx="462142" cy="462142"/>
+          </a:xfrm>
+          <a:prstGeom prst="rect">
+            <a:avLst/>
+          </a:prstGeom>
+        </p:spPr>
+      </p:pic>
+      <p:sp>
+        <p:nvSpPr>
+          <p:cNvPr id="1052" name="처리 1051">
+            <a:extLst>
+              <a:ext uri="{FF2B5EF4-FFF2-40B4-BE49-F238E27FC236}">
+                <a16:creationId xmlns:a16="http://schemas.microsoft.com/office/drawing/2014/main" id="{2B3FAD64-4705-E1C2-42FE-94B44868B7B4}"/>
+              </a:ext>
+            </a:extLst>
+          </p:cNvPr>
+          <p:cNvSpPr/>
+          <p:nvPr/>
+        </p:nvSpPr>
+        <p:spPr>
+          <a:xfrm>
+            <a:off x="6857688" y="2327487"/>
+            <a:ext cx="1203109" cy="243942"/>
+          </a:xfrm>
+          <a:prstGeom prst="flowChartProcess">
+            <a:avLst/>
+          </a:prstGeom>
+          <a:solidFill>
+            <a:schemeClr val="accent1"/>
+          </a:solidFill>
+          <a:ln>
+            <a:noFill/>
+          </a:ln>
+        </p:spPr>
+        <p:style>
+          <a:lnRef idx="2">
+            <a:schemeClr val="accent1">
+              <a:shade val="15000"/>
+            </a:schemeClr>
+          </a:lnRef>
+          <a:fillRef idx="1">
+            <a:schemeClr val="accent1"/>
+          </a:fillRef>
+          <a:effectRef idx="0">
+            <a:schemeClr val="accent1"/>
+          </a:effectRef>
+          <a:fontRef idx="minor">
+            <a:schemeClr val="lt1"/>
+          </a:fontRef>
+        </p:style>
+        <p:txBody>
+          <a:bodyPr rtlCol="0" anchor="ctr"/>
+          <a:lstStyle/>
+          <a:p>
+            <a:pPr algn="ctr"/>
+            <a:r>
+              <a:rPr kumimoji="1" lang="en-US" altLang="ko-KR" sz="900" b="1" dirty="0" err="1">
+                <a:latin typeface="KoPubWorldDotum Bold" pitchFamily="2" charset="-127"/>
+                <a:ea typeface="KoPubWorldDotum Bold" pitchFamily="2" charset="-127"/>
+                <a:cs typeface="KoPubWorldDotum Bold" pitchFamily="2" charset="-127"/>
+              </a:rPr>
+              <a:t>Connect.py</a:t>
             </a:r>
             <a:endParaRPr kumimoji="1" lang="ko-KR" altLang="en-US" sz="900" b="1" dirty="0">
               <a:latin typeface="KoPubWorldDotum Bold" pitchFamily="2" charset="-127"/>
@@ -5172,10 +5331,212 @@
       </p:sp>
       <p:sp>
         <p:nvSpPr>
-          <p:cNvPr id="52" name="제목 1">
-            <a:extLst>
-              <a:ext uri="{FF2B5EF4-FFF2-40B4-BE49-F238E27FC236}">
-                <a16:creationId xmlns:a16="http://schemas.microsoft.com/office/drawing/2014/main" id="{E9F17F88-4DCB-803E-4479-A1146811AEB5}"/>
+          <p:cNvPr id="1053" name="처리 1052">
+            <a:extLst>
+              <a:ext uri="{FF2B5EF4-FFF2-40B4-BE49-F238E27FC236}">
+                <a16:creationId xmlns:a16="http://schemas.microsoft.com/office/drawing/2014/main" id="{A45DEA1D-9009-4C1F-77FF-51C1DCDF71ED}"/>
+              </a:ext>
+            </a:extLst>
+          </p:cNvPr>
+          <p:cNvSpPr/>
+          <p:nvPr/>
+        </p:nvSpPr>
+        <p:spPr>
+          <a:xfrm>
+            <a:off x="6857688" y="2587453"/>
+            <a:ext cx="1203109" cy="243942"/>
+          </a:xfrm>
+          <a:prstGeom prst="flowChartProcess">
+            <a:avLst/>
+          </a:prstGeom>
+          <a:solidFill>
+            <a:schemeClr val="accent1"/>
+          </a:solidFill>
+          <a:ln>
+            <a:noFill/>
+          </a:ln>
+        </p:spPr>
+        <p:style>
+          <a:lnRef idx="2">
+            <a:schemeClr val="accent1">
+              <a:shade val="15000"/>
+            </a:schemeClr>
+          </a:lnRef>
+          <a:fillRef idx="1">
+            <a:schemeClr val="accent1"/>
+          </a:fillRef>
+          <a:effectRef idx="0">
+            <a:schemeClr val="accent1"/>
+          </a:effectRef>
+          <a:fontRef idx="minor">
+            <a:schemeClr val="lt1"/>
+          </a:fontRef>
+        </p:style>
+        <p:txBody>
+          <a:bodyPr rtlCol="0" anchor="ctr"/>
+          <a:lstStyle/>
+          <a:p>
+            <a:pPr algn="ctr"/>
+            <a:r>
+              <a:rPr kumimoji="1" lang="en-US" altLang="ko-KR" sz="900" b="1" dirty="0" err="1">
+                <a:latin typeface="KoPubWorldDotum Bold" pitchFamily="2" charset="-127"/>
+                <a:ea typeface="KoPubWorldDotum Bold" pitchFamily="2" charset="-127"/>
+                <a:cs typeface="KoPubWorldDotum Bold" pitchFamily="2" charset="-127"/>
+              </a:rPr>
+              <a:t>SendMsg.py</a:t>
+            </a:r>
+            <a:endParaRPr kumimoji="1" lang="ko-KR" altLang="en-US" sz="900" b="1" dirty="0">
+              <a:latin typeface="KoPubWorldDotum Bold" pitchFamily="2" charset="-127"/>
+              <a:ea typeface="KoPubWorldDotum Bold" pitchFamily="2" charset="-127"/>
+              <a:cs typeface="KoPubWorldDotum Bold" pitchFamily="2" charset="-127"/>
+            </a:endParaRPr>
+          </a:p>
+        </p:txBody>
+      </p:sp>
+      <p:sp>
+        <p:nvSpPr>
+          <p:cNvPr id="1054" name="처리 1053">
+            <a:extLst>
+              <a:ext uri="{FF2B5EF4-FFF2-40B4-BE49-F238E27FC236}">
+                <a16:creationId xmlns:a16="http://schemas.microsoft.com/office/drawing/2014/main" id="{3D678DE6-EA83-F61A-84F9-F9C57880A466}"/>
+              </a:ext>
+            </a:extLst>
+          </p:cNvPr>
+          <p:cNvSpPr/>
+          <p:nvPr/>
+        </p:nvSpPr>
+        <p:spPr>
+          <a:xfrm>
+            <a:off x="6857688" y="2850281"/>
+            <a:ext cx="1203109" cy="243942"/>
+          </a:xfrm>
+          <a:prstGeom prst="flowChartProcess">
+            <a:avLst/>
+          </a:prstGeom>
+          <a:solidFill>
+            <a:schemeClr val="accent1"/>
+          </a:solidFill>
+          <a:ln>
+            <a:noFill/>
+          </a:ln>
+        </p:spPr>
+        <p:style>
+          <a:lnRef idx="2">
+            <a:schemeClr val="accent1">
+              <a:shade val="15000"/>
+            </a:schemeClr>
+          </a:lnRef>
+          <a:fillRef idx="1">
+            <a:schemeClr val="accent1"/>
+          </a:fillRef>
+          <a:effectRef idx="0">
+            <a:schemeClr val="accent1"/>
+          </a:effectRef>
+          <a:fontRef idx="minor">
+            <a:schemeClr val="lt1"/>
+          </a:fontRef>
+        </p:style>
+        <p:txBody>
+          <a:bodyPr rtlCol="0" anchor="ctr"/>
+          <a:lstStyle/>
+          <a:p>
+            <a:pPr algn="ctr"/>
+            <a:r>
+              <a:rPr kumimoji="1" lang="en-US" altLang="ko-KR" sz="900" b="1" dirty="0" err="1">
+                <a:latin typeface="KoPubWorldDotum Bold" pitchFamily="2" charset="-127"/>
+                <a:ea typeface="KoPubWorldDotum Bold" pitchFamily="2" charset="-127"/>
+                <a:cs typeface="KoPubWorldDotum Bold" pitchFamily="2" charset="-127"/>
+              </a:rPr>
+              <a:t>Disconnect.py</a:t>
+            </a:r>
+            <a:endParaRPr kumimoji="1" lang="ko-KR" altLang="en-US" sz="900" b="1" dirty="0">
+              <a:latin typeface="KoPubWorldDotum Bold" pitchFamily="2" charset="-127"/>
+              <a:ea typeface="KoPubWorldDotum Bold" pitchFamily="2" charset="-127"/>
+              <a:cs typeface="KoPubWorldDotum Bold" pitchFamily="2" charset="-127"/>
+            </a:endParaRPr>
+          </a:p>
+        </p:txBody>
+      </p:sp>
+      <p:cxnSp>
+        <p:nvCxnSpPr>
+          <p:cNvPr id="1089" name="직선 화살표 연결선 1088">
+            <a:extLst>
+              <a:ext uri="{FF2B5EF4-FFF2-40B4-BE49-F238E27FC236}">
+                <a16:creationId xmlns:a16="http://schemas.microsoft.com/office/drawing/2014/main" id="{E3317280-D50E-F500-87BA-9D60DB1CFD51}"/>
+              </a:ext>
+            </a:extLst>
+          </p:cNvPr>
+          <p:cNvCxnSpPr>
+            <a:cxnSpLocks/>
+            <a:stCxn id="45" idx="1"/>
+            <a:endCxn id="39" idx="3"/>
+          </p:cNvCxnSpPr>
+          <p:nvPr/>
+        </p:nvCxnSpPr>
+        <p:spPr>
+          <a:xfrm flipH="1">
+            <a:off x="1697816" y="634244"/>
+            <a:ext cx="553862" cy="0"/>
+          </a:xfrm>
+          <a:prstGeom prst="straightConnector1">
+            <a:avLst/>
+          </a:prstGeom>
+          <a:ln>
+            <a:headEnd type="none" w="med" len="med"/>
+            <a:tailEnd type="none" w="med" len="med"/>
+          </a:ln>
+        </p:spPr>
+        <p:style>
+          <a:lnRef idx="2">
+            <a:schemeClr val="accent1"/>
+          </a:lnRef>
+          <a:fillRef idx="0">
+            <a:schemeClr val="accent1"/>
+          </a:fillRef>
+          <a:effectRef idx="1">
+            <a:schemeClr val="accent1"/>
+          </a:effectRef>
+          <a:fontRef idx="minor">
+            <a:schemeClr val="tx1"/>
+          </a:fontRef>
+        </p:style>
+      </p:cxnSp>
+      <p:pic>
+        <p:nvPicPr>
+          <p:cNvPr id="57" name="그림 56">
+            <a:extLst>
+              <a:ext uri="{FF2B5EF4-FFF2-40B4-BE49-F238E27FC236}">
+                <a16:creationId xmlns:a16="http://schemas.microsoft.com/office/drawing/2014/main" id="{00CE3C54-93F1-5BBE-9276-476AB4993BB0}"/>
+              </a:ext>
+            </a:extLst>
+          </p:cNvPr>
+          <p:cNvPicPr>
+            <a:picLocks noChangeAspect="1"/>
+          </p:cNvPicPr>
+          <p:nvPr/>
+        </p:nvPicPr>
+        <p:blipFill>
+          <a:blip r:embed="rId7"/>
+          <a:stretch>
+            <a:fillRect/>
+          </a:stretch>
+        </p:blipFill>
+        <p:spPr>
+          <a:xfrm>
+            <a:off x="5345224" y="3439711"/>
+            <a:ext cx="461326" cy="461326"/>
+          </a:xfrm>
+          <a:prstGeom prst="rect">
+            <a:avLst/>
+          </a:prstGeom>
+        </p:spPr>
+      </p:pic>
+      <p:sp>
+        <p:nvSpPr>
+          <p:cNvPr id="58" name="제목 1">
+            <a:extLst>
+              <a:ext uri="{FF2B5EF4-FFF2-40B4-BE49-F238E27FC236}">
+                <a16:creationId xmlns:a16="http://schemas.microsoft.com/office/drawing/2014/main" id="{454AAD7C-6AE8-FD86-81B3-FB5018671B41}"/>
               </a:ext>
             </a:extLst>
           </p:cNvPr>
@@ -5186,8 +5547,8 @@
         </p:nvSpPr>
         <p:spPr>
           <a:xfrm>
-            <a:off x="5073022" y="6559303"/>
-            <a:ext cx="967879" cy="267998"/>
+            <a:off x="5068556" y="3930881"/>
+            <a:ext cx="967879" cy="387771"/>
           </a:xfrm>
           <a:prstGeom prst="rect">
             <a:avLst/>
@@ -5219,12 +5580,23 @@
           <a:p>
             <a:pPr algn="ctr"/>
             <a:r>
-              <a:rPr kumimoji="1" lang="en-US" altLang="ko-KR" sz="900" b="1" dirty="0" err="1">
+              <a:rPr kumimoji="1" lang="en-US" altLang="ko-KR" sz="900" b="1" dirty="0">
                 <a:latin typeface="KoPubWorldDotum Bold" pitchFamily="2" charset="-127"/>
                 <a:ea typeface="KoPubWorldDotum Bold" pitchFamily="2" charset="-127"/>
                 <a:cs typeface="KoPubWorldDotum Bold" pitchFamily="2" charset="-127"/>
               </a:rPr>
-              <a:t>Cloudwatch</a:t>
+              <a:t>API Gateway</a:t>
+            </a:r>
+          </a:p>
+          <a:p>
+            <a:pPr algn="ctr"/>
+            <a:r>
+              <a:rPr kumimoji="1" lang="en-US" altLang="ko-KR" sz="900" b="1" dirty="0">
+                <a:latin typeface="KoPubWorldDotum Bold" pitchFamily="2" charset="-127"/>
+                <a:ea typeface="KoPubWorldDotum Bold" pitchFamily="2" charset="-127"/>
+                <a:cs typeface="KoPubWorldDotum Bold" pitchFamily="2" charset="-127"/>
+              </a:rPr>
+              <a:t>(REST)</a:t>
             </a:r>
             <a:endParaRPr kumimoji="1" lang="ko-KR" altLang="en-US" sz="900" b="1" dirty="0">
               <a:latin typeface="KoPubWorldDotum Bold" pitchFamily="2" charset="-127"/>
@@ -5236,42 +5608,291 @@
       </p:sp>
       <p:pic>
         <p:nvPicPr>
-          <p:cNvPr id="53" name="그림 52">
-            <a:extLst>
-              <a:ext uri="{FF2B5EF4-FFF2-40B4-BE49-F238E27FC236}">
-                <a16:creationId xmlns:a16="http://schemas.microsoft.com/office/drawing/2014/main" id="{2553ADDA-AB0D-A775-5972-34D82429DC78}"/>
+          <p:cNvPr id="1028" name="Picture 2" descr="JavaScript | Kakao Developers 문서">
+            <a:extLst>
+              <a:ext uri="{FF2B5EF4-FFF2-40B4-BE49-F238E27FC236}">
+                <a16:creationId xmlns:a16="http://schemas.microsoft.com/office/drawing/2014/main" id="{61689886-B4CA-0B2E-7E58-76390717B1B6}"/>
               </a:ext>
             </a:extLst>
           </p:cNvPr>
           <p:cNvPicPr>
-            <a:picLocks noChangeAspect="1"/>
+            <a:picLocks noChangeAspect="1" noChangeArrowheads="1"/>
           </p:cNvPicPr>
           <p:nvPr/>
         </p:nvPicPr>
-        <p:blipFill>
-          <a:blip r:embed="rId14">
-            <a:alphaModFix/>
+        <p:blipFill rotWithShape="1">
+          <a:blip r:embed="rId15">
+            <a:extLst>
+              <a:ext uri="{28A0092B-C50C-407E-A947-70E740481C1C}">
+                <a14:useLocalDpi xmlns:a14="http://schemas.microsoft.com/office/drawing/2010/main" val="0"/>
+              </a:ext>
+            </a:extLst>
           </a:blip>
-          <a:stretch>
-            <a:fillRect/>
-          </a:stretch>
+          <a:srcRect l="35001" t="35938" r="20859" b="37167"/>
+          <a:stretch/>
         </p:blipFill>
-        <p:spPr>
-          <a:xfrm>
-            <a:off x="7226763" y="388567"/>
-            <a:ext cx="462143" cy="462143"/>
+        <p:spPr bwMode="auto">
+          <a:xfrm>
+            <a:off x="10608756" y="462832"/>
+            <a:ext cx="649591" cy="333312"/>
           </a:xfrm>
           <a:prstGeom prst="rect">
             <a:avLst/>
           </a:prstGeom>
+          <a:noFill/>
+          <a:extLst>
+            <a:ext uri="{909E8E84-426E-40DD-AFC4-6F175D3DCCD1}">
+              <a14:hiddenFill xmlns:a14="http://schemas.microsoft.com/office/drawing/2010/main">
+                <a:solidFill>
+                  <a:srgbClr val="FFFFFF"/>
+                </a:solidFill>
+              </a14:hiddenFill>
+            </a:ext>
+          </a:extLst>
         </p:spPr>
       </p:pic>
-      <p:sp>
-        <p:nvSpPr>
-          <p:cNvPr id="59" name="제목 1">
-            <a:extLst>
-              <a:ext uri="{FF2B5EF4-FFF2-40B4-BE49-F238E27FC236}">
-                <a16:creationId xmlns:a16="http://schemas.microsoft.com/office/drawing/2014/main" id="{136BCF7D-BE45-1249-0A36-AE08D869C09D}"/>
+      <p:cxnSp>
+        <p:nvCxnSpPr>
+          <p:cNvPr id="1029" name="직선 화살표 연결선 1028">
+            <a:extLst>
+              <a:ext uri="{FF2B5EF4-FFF2-40B4-BE49-F238E27FC236}">
+                <a16:creationId xmlns:a16="http://schemas.microsoft.com/office/drawing/2014/main" id="{2289ADC0-8153-C4A0-F4DC-BB74F791A427}"/>
+              </a:ext>
+            </a:extLst>
+          </p:cNvPr>
+          <p:cNvCxnSpPr>
+            <a:cxnSpLocks/>
+            <a:stCxn id="25" idx="1"/>
+            <a:endCxn id="45" idx="3"/>
+          </p:cNvCxnSpPr>
+          <p:nvPr/>
+        </p:nvCxnSpPr>
+        <p:spPr>
+          <a:xfrm flipH="1">
+            <a:off x="2721078" y="634244"/>
+            <a:ext cx="2632955" cy="0"/>
+          </a:xfrm>
+          <a:prstGeom prst="straightConnector1">
+            <a:avLst/>
+          </a:prstGeom>
+          <a:ln>
+            <a:headEnd type="none" w="med" len="med"/>
+            <a:tailEnd type="none" w="med" len="med"/>
+          </a:ln>
+        </p:spPr>
+        <p:style>
+          <a:lnRef idx="2">
+            <a:schemeClr val="accent1"/>
+          </a:lnRef>
+          <a:fillRef idx="0">
+            <a:schemeClr val="accent1"/>
+          </a:fillRef>
+          <a:effectRef idx="1">
+            <a:schemeClr val="accent1"/>
+          </a:effectRef>
+          <a:fontRef idx="minor">
+            <a:schemeClr val="tx1"/>
+          </a:fontRef>
+        </p:style>
+      </p:cxnSp>
+      <p:cxnSp>
+        <p:nvCxnSpPr>
+          <p:cNvPr id="1033" name="직선 화살표 연결선 1032">
+            <a:extLst>
+              <a:ext uri="{FF2B5EF4-FFF2-40B4-BE49-F238E27FC236}">
+                <a16:creationId xmlns:a16="http://schemas.microsoft.com/office/drawing/2014/main" id="{76AD7131-7A4A-7DE2-AB41-93F8B25691CA}"/>
+              </a:ext>
+            </a:extLst>
+          </p:cNvPr>
+          <p:cNvCxnSpPr>
+            <a:cxnSpLocks/>
+            <a:stCxn id="53" idx="1"/>
+            <a:endCxn id="25" idx="3"/>
+          </p:cNvCxnSpPr>
+          <p:nvPr/>
+        </p:nvCxnSpPr>
+        <p:spPr>
+          <a:xfrm flipH="1">
+            <a:off x="5816176" y="630616"/>
+            <a:ext cx="3041684" cy="3628"/>
+          </a:xfrm>
+          <a:prstGeom prst="straightConnector1">
+            <a:avLst/>
+          </a:prstGeom>
+          <a:ln>
+            <a:headEnd type="none" w="med" len="med"/>
+            <a:tailEnd type="none" w="med" len="med"/>
+          </a:ln>
+        </p:spPr>
+        <p:style>
+          <a:lnRef idx="2">
+            <a:schemeClr val="accent1"/>
+          </a:lnRef>
+          <a:fillRef idx="0">
+            <a:schemeClr val="accent1"/>
+          </a:fillRef>
+          <a:effectRef idx="1">
+            <a:schemeClr val="accent1"/>
+          </a:effectRef>
+          <a:fontRef idx="minor">
+            <a:schemeClr val="tx1"/>
+          </a:fontRef>
+        </p:style>
+      </p:cxnSp>
+      <p:sp>
+        <p:nvSpPr>
+          <p:cNvPr id="1058" name="처리 1057">
+            <a:extLst>
+              <a:ext uri="{FF2B5EF4-FFF2-40B4-BE49-F238E27FC236}">
+                <a16:creationId xmlns:a16="http://schemas.microsoft.com/office/drawing/2014/main" id="{8E4E0422-7642-B895-B2F2-84BE478639D5}"/>
+              </a:ext>
+            </a:extLst>
+          </p:cNvPr>
+          <p:cNvSpPr/>
+          <p:nvPr/>
+        </p:nvSpPr>
+        <p:spPr>
+          <a:xfrm>
+            <a:off x="6783879" y="506243"/>
+            <a:ext cx="1203109" cy="245334"/>
+          </a:xfrm>
+          <a:prstGeom prst="flowChartProcess">
+            <a:avLst/>
+          </a:prstGeom>
+          <a:solidFill>
+            <a:schemeClr val="accent1"/>
+          </a:solidFill>
+          <a:ln>
+            <a:noFill/>
+          </a:ln>
+        </p:spPr>
+        <p:style>
+          <a:lnRef idx="2">
+            <a:schemeClr val="accent1">
+              <a:shade val="15000"/>
+            </a:schemeClr>
+          </a:lnRef>
+          <a:fillRef idx="1">
+            <a:schemeClr val="accent1"/>
+          </a:fillRef>
+          <a:effectRef idx="0">
+            <a:schemeClr val="accent1"/>
+          </a:effectRef>
+          <a:fontRef idx="minor">
+            <a:schemeClr val="lt1"/>
+          </a:fontRef>
+        </p:style>
+        <p:txBody>
+          <a:bodyPr rtlCol="0" anchor="ctr"/>
+          <a:lstStyle/>
+          <a:p>
+            <a:pPr algn="ctr"/>
+            <a:r>
+              <a:rPr kumimoji="1" lang="en-US" altLang="ko-KR" sz="900" b="1" dirty="0" err="1">
+                <a:latin typeface="KoPubWorldDotum Bold" pitchFamily="2" charset="-127"/>
+                <a:ea typeface="KoPubWorldDotum Bold" pitchFamily="2" charset="-127"/>
+                <a:cs typeface="KoPubWorldDotum Bold" pitchFamily="2" charset="-127"/>
+              </a:rPr>
+              <a:t>Authinfo.py</a:t>
+            </a:r>
+            <a:endParaRPr kumimoji="1" lang="ko-KR" altLang="en-US" sz="900" b="1" dirty="0">
+              <a:latin typeface="KoPubWorldDotum Bold" pitchFamily="2" charset="-127"/>
+              <a:ea typeface="KoPubWorldDotum Bold" pitchFamily="2" charset="-127"/>
+              <a:cs typeface="KoPubWorldDotum Bold" pitchFamily="2" charset="-127"/>
+            </a:endParaRPr>
+          </a:p>
+        </p:txBody>
+      </p:sp>
+      <p:cxnSp>
+        <p:nvCxnSpPr>
+          <p:cNvPr id="1084" name="꺾인 연결선[E] 1083">
+            <a:extLst>
+              <a:ext uri="{FF2B5EF4-FFF2-40B4-BE49-F238E27FC236}">
+                <a16:creationId xmlns:a16="http://schemas.microsoft.com/office/drawing/2014/main" id="{31BA6834-A13B-B90C-A5E9-F950F67D21B3}"/>
+              </a:ext>
+            </a:extLst>
+          </p:cNvPr>
+          <p:cNvCxnSpPr>
+            <a:cxnSpLocks/>
+            <a:stCxn id="1052" idx="1"/>
+            <a:endCxn id="24" idx="3"/>
+          </p:cNvCxnSpPr>
+          <p:nvPr/>
+        </p:nvCxnSpPr>
+        <p:spPr>
+          <a:xfrm rot="10800000" flipV="1">
+            <a:off x="5806550" y="2449458"/>
+            <a:ext cx="1051138" cy="181172"/>
+          </a:xfrm>
+          <a:prstGeom prst="bentConnector3">
+            <a:avLst>
+              <a:gd name="adj1" fmla="val 50000"/>
+            </a:avLst>
+          </a:prstGeom>
+        </p:spPr>
+        <p:style>
+          <a:lnRef idx="2">
+            <a:schemeClr val="accent1"/>
+          </a:lnRef>
+          <a:fillRef idx="0">
+            <a:schemeClr val="accent1"/>
+          </a:fillRef>
+          <a:effectRef idx="1">
+            <a:schemeClr val="accent1"/>
+          </a:effectRef>
+          <a:fontRef idx="minor">
+            <a:schemeClr val="tx1"/>
+          </a:fontRef>
+        </p:style>
+      </p:cxnSp>
+      <p:cxnSp>
+        <p:nvCxnSpPr>
+          <p:cNvPr id="1101" name="꺾인 연결선[E] 1100">
+            <a:extLst>
+              <a:ext uri="{FF2B5EF4-FFF2-40B4-BE49-F238E27FC236}">
+                <a16:creationId xmlns:a16="http://schemas.microsoft.com/office/drawing/2014/main" id="{8D32C0CD-B118-B505-B44D-0C407FEAF52E}"/>
+              </a:ext>
+            </a:extLst>
+          </p:cNvPr>
+          <p:cNvCxnSpPr>
+            <a:cxnSpLocks/>
+            <a:stCxn id="1024" idx="3"/>
+            <a:endCxn id="24" idx="1"/>
+          </p:cNvCxnSpPr>
+          <p:nvPr/>
+        </p:nvCxnSpPr>
+        <p:spPr>
+          <a:xfrm>
+            <a:off x="4424378" y="627459"/>
+            <a:ext cx="920846" cy="2003171"/>
+          </a:xfrm>
+          <a:prstGeom prst="bentConnector3">
+            <a:avLst>
+              <a:gd name="adj1" fmla="val 50000"/>
+            </a:avLst>
+          </a:prstGeom>
+        </p:spPr>
+        <p:style>
+          <a:lnRef idx="2">
+            <a:schemeClr val="accent1"/>
+          </a:lnRef>
+          <a:fillRef idx="0">
+            <a:schemeClr val="accent1"/>
+          </a:fillRef>
+          <a:effectRef idx="1">
+            <a:schemeClr val="accent1"/>
+          </a:effectRef>
+          <a:fontRef idx="minor">
+            <a:schemeClr val="tx1"/>
+          </a:fontRef>
+        </p:style>
+      </p:cxnSp>
+      <p:sp>
+        <p:nvSpPr>
+          <p:cNvPr id="1127" name="제목 1">
+            <a:extLst>
+              <a:ext uri="{FF2B5EF4-FFF2-40B4-BE49-F238E27FC236}">
+                <a16:creationId xmlns:a16="http://schemas.microsoft.com/office/drawing/2014/main" id="{21FCD9F5-EAB2-00A3-7567-FD4506672900}"/>
               </a:ext>
             </a:extLst>
           </p:cNvPr>
@@ -5282,8 +5903,8 @@
         </p:nvSpPr>
         <p:spPr>
           <a:xfrm>
-            <a:off x="6771491" y="890302"/>
-            <a:ext cx="1372683" cy="267998"/>
+            <a:off x="10152224" y="901587"/>
+            <a:ext cx="1651921" cy="267998"/>
           </a:xfrm>
           <a:prstGeom prst="rect">
             <a:avLst/>
@@ -5320,330 +5941,31 @@
                 <a:ea typeface="KoPubWorldDotum Bold" pitchFamily="2" charset="-127"/>
                 <a:cs typeface="KoPubWorldDotum Bold" pitchFamily="2" charset="-127"/>
               </a:rPr>
-              <a:t>Cognito</a:t>
-            </a:r>
-            <a:r>
-              <a:rPr kumimoji="1" lang="ko-KR" altLang="en-US" sz="900" b="1" dirty="0">
-                <a:latin typeface="KoPubWorldDotum Bold" pitchFamily="2" charset="-127"/>
-                <a:ea typeface="KoPubWorldDotum Bold" pitchFamily="2" charset="-127"/>
-                <a:cs typeface="KoPubWorldDotum Bold" pitchFamily="2" charset="-127"/>
-              </a:rPr>
-              <a:t> </a:t>
-            </a:r>
-            <a:r>
-              <a:rPr kumimoji="1" lang="en-US" altLang="ko-KR" sz="900" b="1" dirty="0">
-                <a:latin typeface="KoPubWorldDotum Bold" pitchFamily="2" charset="-127"/>
-                <a:ea typeface="KoPubWorldDotum Bold" pitchFamily="2" charset="-127"/>
-                <a:cs typeface="KoPubWorldDotum Bold" pitchFamily="2" charset="-127"/>
-              </a:rPr>
-              <a:t>User Pool</a:t>
-            </a:r>
-            <a:r>
-              <a:rPr kumimoji="1" lang="ko-KR" altLang="en-US" sz="900" b="1" dirty="0">
-                <a:latin typeface="KoPubWorldDotum Bold" pitchFamily="2" charset="-127"/>
-                <a:ea typeface="KoPubWorldDotum Bold" pitchFamily="2" charset="-127"/>
-                <a:cs typeface="KoPubWorldDotum Bold" pitchFamily="2" charset="-127"/>
-              </a:rPr>
-              <a:t> </a:t>
-            </a:r>
-          </a:p>
-        </p:txBody>
-      </p:sp>
-      <p:sp>
-        <p:nvSpPr>
-          <p:cNvPr id="1043" name="직사각형 1042">
-            <a:extLst>
-              <a:ext uri="{FF2B5EF4-FFF2-40B4-BE49-F238E27FC236}">
-                <a16:creationId xmlns:a16="http://schemas.microsoft.com/office/drawing/2014/main" id="{11BEF97D-88AF-EEA9-C1B8-93C0D79DF3E2}"/>
-              </a:ext>
-            </a:extLst>
-          </p:cNvPr>
-          <p:cNvSpPr/>
-          <p:nvPr/>
-        </p:nvSpPr>
-        <p:spPr>
-          <a:xfrm>
-            <a:off x="6698433" y="2912280"/>
-            <a:ext cx="1503655" cy="2536567"/>
-          </a:xfrm>
-          <a:prstGeom prst="rect">
-            <a:avLst/>
-          </a:prstGeom>
-          <a:noFill/>
-          <a:ln>
-            <a:solidFill>
-              <a:srgbClr val="000000"/>
-            </a:solidFill>
-            <a:prstDash val="sysDash"/>
-          </a:ln>
-        </p:spPr>
-        <p:style>
-          <a:lnRef idx="2">
-            <a:schemeClr val="accent1">
-              <a:shade val="15000"/>
-            </a:schemeClr>
-          </a:lnRef>
-          <a:fillRef idx="1">
-            <a:schemeClr val="accent1"/>
-          </a:fillRef>
-          <a:effectRef idx="0">
-            <a:schemeClr val="accent1"/>
-          </a:effectRef>
-          <a:fontRef idx="minor">
-            <a:schemeClr val="lt1"/>
-          </a:fontRef>
-        </p:style>
-        <p:txBody>
-          <a:bodyPr rtlCol="0" anchor="ctr"/>
-          <a:lstStyle/>
-          <a:p>
-            <a:pPr algn="ctr"/>
-            <a:endParaRPr kumimoji="1" lang="ko-KR" altLang="en-US" sz="900"/>
-          </a:p>
-        </p:txBody>
-      </p:sp>
-      <p:pic>
-        <p:nvPicPr>
-          <p:cNvPr id="15" name="그림 14">
-            <a:extLst>
-              <a:ext uri="{FF2B5EF4-FFF2-40B4-BE49-F238E27FC236}">
-                <a16:creationId xmlns:a16="http://schemas.microsoft.com/office/drawing/2014/main" id="{1ABC9D3B-CFA7-E166-CF7C-86924353DAE6}"/>
-              </a:ext>
-            </a:extLst>
-          </p:cNvPr>
-          <p:cNvPicPr>
-            <a:picLocks noChangeAspect="1"/>
-          </p:cNvPicPr>
-          <p:nvPr/>
-        </p:nvPicPr>
-        <p:blipFill>
-          <a:blip r:embed="rId15"/>
-          <a:stretch>
-            <a:fillRect/>
-          </a:stretch>
-        </p:blipFill>
-        <p:spPr>
-          <a:xfrm>
-            <a:off x="7220461" y="5217777"/>
-            <a:ext cx="462142" cy="462142"/>
-          </a:xfrm>
-          <a:prstGeom prst="rect">
-            <a:avLst/>
-          </a:prstGeom>
-        </p:spPr>
-      </p:pic>
-      <p:sp>
-        <p:nvSpPr>
-          <p:cNvPr id="1052" name="처리 1051">
-            <a:extLst>
-              <a:ext uri="{FF2B5EF4-FFF2-40B4-BE49-F238E27FC236}">
-                <a16:creationId xmlns:a16="http://schemas.microsoft.com/office/drawing/2014/main" id="{2B3FAD64-4705-E1C2-42FE-94B44868B7B4}"/>
-              </a:ext>
-            </a:extLst>
-          </p:cNvPr>
-          <p:cNvSpPr/>
-          <p:nvPr/>
-        </p:nvSpPr>
-        <p:spPr>
-          <a:xfrm>
-            <a:off x="6857688" y="3031575"/>
-            <a:ext cx="1203109" cy="243942"/>
-          </a:xfrm>
-          <a:prstGeom prst="flowChartProcess">
-            <a:avLst/>
-          </a:prstGeom>
-          <a:solidFill>
-            <a:schemeClr val="accent1"/>
-          </a:solidFill>
-          <a:ln>
-            <a:noFill/>
-          </a:ln>
-        </p:spPr>
-        <p:style>
-          <a:lnRef idx="2">
-            <a:schemeClr val="accent1">
-              <a:shade val="15000"/>
-            </a:schemeClr>
-          </a:lnRef>
-          <a:fillRef idx="1">
-            <a:schemeClr val="accent1"/>
-          </a:fillRef>
-          <a:effectRef idx="0">
-            <a:schemeClr val="accent1"/>
-          </a:effectRef>
-          <a:fontRef idx="minor">
-            <a:schemeClr val="lt1"/>
-          </a:fontRef>
-        </p:style>
-        <p:txBody>
-          <a:bodyPr rtlCol="0" anchor="ctr"/>
-          <a:lstStyle/>
-          <a:p>
-            <a:pPr algn="ctr"/>
-            <a:r>
-              <a:rPr kumimoji="1" lang="en-US" altLang="ko-KR" sz="900" b="1" dirty="0" err="1">
-                <a:latin typeface="KoPubWorldDotum Bold" pitchFamily="2" charset="-127"/>
-                <a:ea typeface="KoPubWorldDotum Bold" pitchFamily="2" charset="-127"/>
-                <a:cs typeface="KoPubWorldDotum Bold" pitchFamily="2" charset="-127"/>
-              </a:rPr>
-              <a:t>Connect.py</a:t>
-            </a:r>
-            <a:endParaRPr kumimoji="1" lang="ko-KR" altLang="en-US" sz="900" b="1" dirty="0">
-              <a:latin typeface="KoPubWorldDotum Bold" pitchFamily="2" charset="-127"/>
-              <a:ea typeface="KoPubWorldDotum Bold" pitchFamily="2" charset="-127"/>
-              <a:cs typeface="KoPubWorldDotum Bold" pitchFamily="2" charset="-127"/>
-            </a:endParaRPr>
-          </a:p>
-        </p:txBody>
-      </p:sp>
-      <p:sp>
-        <p:nvSpPr>
-          <p:cNvPr id="1053" name="처리 1052">
-            <a:extLst>
-              <a:ext uri="{FF2B5EF4-FFF2-40B4-BE49-F238E27FC236}">
-                <a16:creationId xmlns:a16="http://schemas.microsoft.com/office/drawing/2014/main" id="{A45DEA1D-9009-4C1F-77FF-51C1DCDF71ED}"/>
-              </a:ext>
-            </a:extLst>
-          </p:cNvPr>
-          <p:cNvSpPr/>
-          <p:nvPr/>
-        </p:nvSpPr>
-        <p:spPr>
-          <a:xfrm>
-            <a:off x="6857688" y="3291541"/>
-            <a:ext cx="1203109" cy="243942"/>
-          </a:xfrm>
-          <a:prstGeom prst="flowChartProcess">
-            <a:avLst/>
-          </a:prstGeom>
-          <a:solidFill>
-            <a:schemeClr val="accent1"/>
-          </a:solidFill>
-          <a:ln>
-            <a:noFill/>
-          </a:ln>
-        </p:spPr>
-        <p:style>
-          <a:lnRef idx="2">
-            <a:schemeClr val="accent1">
-              <a:shade val="15000"/>
-            </a:schemeClr>
-          </a:lnRef>
-          <a:fillRef idx="1">
-            <a:schemeClr val="accent1"/>
-          </a:fillRef>
-          <a:effectRef idx="0">
-            <a:schemeClr val="accent1"/>
-          </a:effectRef>
-          <a:fontRef idx="minor">
-            <a:schemeClr val="lt1"/>
-          </a:fontRef>
-        </p:style>
-        <p:txBody>
-          <a:bodyPr rtlCol="0" anchor="ctr"/>
-          <a:lstStyle/>
-          <a:p>
-            <a:pPr algn="ctr"/>
-            <a:r>
-              <a:rPr kumimoji="1" lang="en-US" altLang="ko-KR" sz="900" b="1" dirty="0" err="1">
-                <a:latin typeface="KoPubWorldDotum Bold" pitchFamily="2" charset="-127"/>
-                <a:ea typeface="KoPubWorldDotum Bold" pitchFamily="2" charset="-127"/>
-                <a:cs typeface="KoPubWorldDotum Bold" pitchFamily="2" charset="-127"/>
-              </a:rPr>
-              <a:t>SendMsg.py</a:t>
-            </a:r>
-            <a:endParaRPr kumimoji="1" lang="ko-KR" altLang="en-US" sz="900" b="1" dirty="0">
-              <a:latin typeface="KoPubWorldDotum Bold" pitchFamily="2" charset="-127"/>
-              <a:ea typeface="KoPubWorldDotum Bold" pitchFamily="2" charset="-127"/>
-              <a:cs typeface="KoPubWorldDotum Bold" pitchFamily="2" charset="-127"/>
-            </a:endParaRPr>
-          </a:p>
-        </p:txBody>
-      </p:sp>
-      <p:sp>
-        <p:nvSpPr>
-          <p:cNvPr id="1054" name="처리 1053">
-            <a:extLst>
-              <a:ext uri="{FF2B5EF4-FFF2-40B4-BE49-F238E27FC236}">
-                <a16:creationId xmlns:a16="http://schemas.microsoft.com/office/drawing/2014/main" id="{3D678DE6-EA83-F61A-84F9-F9C57880A466}"/>
-              </a:ext>
-            </a:extLst>
-          </p:cNvPr>
-          <p:cNvSpPr/>
-          <p:nvPr/>
-        </p:nvSpPr>
-        <p:spPr>
-          <a:xfrm>
-            <a:off x="6857688" y="3554369"/>
-            <a:ext cx="1203109" cy="243942"/>
-          </a:xfrm>
-          <a:prstGeom prst="flowChartProcess">
-            <a:avLst/>
-          </a:prstGeom>
-          <a:solidFill>
-            <a:schemeClr val="accent1"/>
-          </a:solidFill>
-          <a:ln>
-            <a:noFill/>
-          </a:ln>
-        </p:spPr>
-        <p:style>
-          <a:lnRef idx="2">
-            <a:schemeClr val="accent1">
-              <a:shade val="15000"/>
-            </a:schemeClr>
-          </a:lnRef>
-          <a:fillRef idx="1">
-            <a:schemeClr val="accent1"/>
-          </a:fillRef>
-          <a:effectRef idx="0">
-            <a:schemeClr val="accent1"/>
-          </a:effectRef>
-          <a:fontRef idx="minor">
-            <a:schemeClr val="lt1"/>
-          </a:fontRef>
-        </p:style>
-        <p:txBody>
-          <a:bodyPr rtlCol="0" anchor="ctr"/>
-          <a:lstStyle/>
-          <a:p>
-            <a:pPr algn="ctr"/>
-            <a:r>
-              <a:rPr kumimoji="1" lang="en-US" altLang="ko-KR" sz="900" b="1" dirty="0" err="1">
-                <a:latin typeface="KoPubWorldDotum Bold" pitchFamily="2" charset="-127"/>
-                <a:ea typeface="KoPubWorldDotum Bold" pitchFamily="2" charset="-127"/>
-                <a:cs typeface="KoPubWorldDotum Bold" pitchFamily="2" charset="-127"/>
-              </a:rPr>
-              <a:t>Disconnect.py</a:t>
-            </a:r>
-            <a:endParaRPr kumimoji="1" lang="ko-KR" altLang="en-US" sz="900" b="1" dirty="0">
-              <a:latin typeface="KoPubWorldDotum Bold" pitchFamily="2" charset="-127"/>
-              <a:ea typeface="KoPubWorldDotum Bold" pitchFamily="2" charset="-127"/>
-              <a:cs typeface="KoPubWorldDotum Bold" pitchFamily="2" charset="-127"/>
-            </a:endParaRPr>
+              <a:t>Kakao Login OIDC</a:t>
+            </a:r>
           </a:p>
         </p:txBody>
       </p:sp>
       <p:cxnSp>
         <p:nvCxnSpPr>
-          <p:cNvPr id="1089" name="직선 화살표 연결선 1088">
-            <a:extLst>
-              <a:ext uri="{FF2B5EF4-FFF2-40B4-BE49-F238E27FC236}">
-                <a16:creationId xmlns:a16="http://schemas.microsoft.com/office/drawing/2014/main" id="{E3317280-D50E-F500-87BA-9D60DB1CFD51}"/>
+          <p:cNvPr id="1140" name="직선 화살표 연결선 1139">
+            <a:extLst>
+              <a:ext uri="{FF2B5EF4-FFF2-40B4-BE49-F238E27FC236}">
+                <a16:creationId xmlns:a16="http://schemas.microsoft.com/office/drawing/2014/main" id="{8F43D639-ABD4-4922-F4C1-D031D44F31D3}"/>
               </a:ext>
             </a:extLst>
           </p:cNvPr>
           <p:cNvCxnSpPr>
             <a:cxnSpLocks/>
-            <a:stCxn id="45" idx="1"/>
-            <a:endCxn id="39" idx="3"/>
+            <a:stCxn id="53" idx="3"/>
+            <a:endCxn id="1028" idx="1"/>
           </p:cNvCxnSpPr>
           <p:nvPr/>
         </p:nvCxnSpPr>
         <p:spPr>
-          <a:xfrm flipH="1">
-            <a:off x="1697816" y="634244"/>
-            <a:ext cx="553862" cy="0"/>
+          <a:xfrm flipV="1">
+            <a:off x="9320003" y="629488"/>
+            <a:ext cx="1288753" cy="1128"/>
           </a:xfrm>
           <a:prstGeom prst="straightConnector1">
             <a:avLst/>
@@ -5670,40 +5992,101 @@
       </p:cxnSp>
       <p:pic>
         <p:nvPicPr>
-          <p:cNvPr id="54" name="그림 53">
-            <a:extLst>
-              <a:ext uri="{FF2B5EF4-FFF2-40B4-BE49-F238E27FC236}">
-                <a16:creationId xmlns:a16="http://schemas.microsoft.com/office/drawing/2014/main" id="{35E89B8B-EE29-D4D2-630A-2DA6FAC45DBD}"/>
+          <p:cNvPr id="3" name="Picture 2" descr="Amazon Bedrock Connector - Overview (O11) | OutSystems">
+            <a:extLst>
+              <a:ext uri="{FF2B5EF4-FFF2-40B4-BE49-F238E27FC236}">
+                <a16:creationId xmlns:a16="http://schemas.microsoft.com/office/drawing/2014/main" id="{0CC4E556-84F1-E509-8785-5CDBC5B57903}"/>
               </a:ext>
             </a:extLst>
           </p:cNvPr>
           <p:cNvPicPr>
-            <a:picLocks noChangeAspect="1"/>
+            <a:picLocks noChangeAspect="1" noChangeArrowheads="1"/>
           </p:cNvPicPr>
           <p:nvPr/>
         </p:nvPicPr>
         <p:blipFill>
-          <a:blip r:embed="rId7"/>
+          <a:blip r:embed="rId3">
+            <a:alphaModFix amt="35000"/>
+            <a:extLst>
+              <a:ext uri="{28A0092B-C50C-407E-A947-70E740481C1C}">
+                <a14:useLocalDpi xmlns:a14="http://schemas.microsoft.com/office/drawing/2010/main" val="0"/>
+              </a:ext>
+            </a:extLst>
+          </a:blip>
+          <a:srcRect/>
           <a:stretch>
             <a:fillRect/>
           </a:stretch>
         </p:blipFill>
-        <p:spPr>
-          <a:xfrm>
-            <a:off x="5311399" y="401126"/>
-            <a:ext cx="461326" cy="461326"/>
+        <p:spPr bwMode="auto">
+          <a:xfrm>
+            <a:off x="10635695" y="3670374"/>
+            <a:ext cx="465430" cy="465430"/>
           </a:xfrm>
           <a:prstGeom prst="rect">
             <a:avLst/>
           </a:prstGeom>
+          <a:noFill/>
+          <a:extLst>
+            <a:ext uri="{909E8E84-426E-40DD-AFC4-6F175D3DCCD1}">
+              <a14:hiddenFill xmlns:a14="http://schemas.microsoft.com/office/drawing/2010/main">
+                <a:solidFill>
+                  <a:srgbClr val="FFFFFF"/>
+                </a:solidFill>
+              </a14:hiddenFill>
+            </a:ext>
+          </a:extLst>
         </p:spPr>
       </p:pic>
-      <p:sp>
-        <p:nvSpPr>
-          <p:cNvPr id="56" name="제목 1">
-            <a:extLst>
-              <a:ext uri="{FF2B5EF4-FFF2-40B4-BE49-F238E27FC236}">
-                <a16:creationId xmlns:a16="http://schemas.microsoft.com/office/drawing/2014/main" id="{930CA60A-48EA-5A43-AC7B-5435E9FED87B}"/>
+      <p:cxnSp>
+        <p:nvCxnSpPr>
+          <p:cNvPr id="42" name="직선 화살표 연결선 41">
+            <a:extLst>
+              <a:ext uri="{FF2B5EF4-FFF2-40B4-BE49-F238E27FC236}">
+                <a16:creationId xmlns:a16="http://schemas.microsoft.com/office/drawing/2014/main" id="{AC7837A5-3724-9825-FD95-0F4C3E3563F6}"/>
+              </a:ext>
+            </a:extLst>
+          </p:cNvPr>
+          <p:cNvCxnSpPr>
+            <a:cxnSpLocks/>
+            <a:endCxn id="6" idx="2"/>
+          </p:cNvCxnSpPr>
+          <p:nvPr/>
+        </p:nvCxnSpPr>
+        <p:spPr>
+          <a:xfrm flipV="1">
+            <a:off x="10868409" y="4429542"/>
+            <a:ext cx="1" cy="315218"/>
+          </a:xfrm>
+          <a:prstGeom prst="straightConnector1">
+            <a:avLst/>
+          </a:prstGeom>
+          <a:ln>
+            <a:headEnd type="none" w="med" len="med"/>
+            <a:tailEnd type="none" w="med" len="med"/>
+          </a:ln>
+        </p:spPr>
+        <p:style>
+          <a:lnRef idx="2">
+            <a:schemeClr val="accent1"/>
+          </a:lnRef>
+          <a:fillRef idx="0">
+            <a:schemeClr val="accent1"/>
+          </a:fillRef>
+          <a:effectRef idx="1">
+            <a:schemeClr val="accent1"/>
+          </a:effectRef>
+          <a:fontRef idx="minor">
+            <a:schemeClr val="tx1"/>
+          </a:fontRef>
+        </p:style>
+      </p:cxnSp>
+      <p:sp>
+        <p:nvSpPr>
+          <p:cNvPr id="44" name="제목 1">
+            <a:extLst>
+              <a:ext uri="{FF2B5EF4-FFF2-40B4-BE49-F238E27FC236}">
+                <a16:creationId xmlns:a16="http://schemas.microsoft.com/office/drawing/2014/main" id="{43508820-7D00-3296-E58D-51165381425D}"/>
               </a:ext>
             </a:extLst>
           </p:cNvPr>
@@ -5714,8 +6097,8 @@
         </p:nvSpPr>
         <p:spPr>
           <a:xfrm>
-            <a:off x="5067319" y="839028"/>
-            <a:ext cx="967879" cy="461326"/>
+            <a:off x="10134221" y="5197090"/>
+            <a:ext cx="1462517" cy="267998"/>
           </a:xfrm>
           <a:prstGeom prst="rect">
             <a:avLst/>
@@ -5752,18 +6135,7 @@
                 <a:ea typeface="KoPubWorldDotum Bold" pitchFamily="2" charset="-127"/>
                 <a:cs typeface="KoPubWorldDotum Bold" pitchFamily="2" charset="-127"/>
               </a:rPr>
-              <a:t>API Gateway</a:t>
-            </a:r>
-          </a:p>
-          <a:p>
-            <a:pPr algn="ctr"/>
-            <a:r>
-              <a:rPr kumimoji="1" lang="en-US" altLang="ko-KR" sz="900" b="1" dirty="0">
-                <a:latin typeface="KoPubWorldDotum Bold" pitchFamily="2" charset="-127"/>
-                <a:ea typeface="KoPubWorldDotum Bold" pitchFamily="2" charset="-127"/>
-                <a:cs typeface="KoPubWorldDotum Bold" pitchFamily="2" charset="-127"/>
-              </a:rPr>
-              <a:t>(http)</a:t>
+              <a:t>Aurora Serverless</a:t>
             </a:r>
             <a:endParaRPr kumimoji="1" lang="ko-KR" altLang="en-US" sz="900" b="1" dirty="0">
               <a:latin typeface="KoPubWorldDotum Bold" pitchFamily="2" charset="-127"/>
@@ -5773,42 +6145,498 @@
           </a:p>
         </p:txBody>
       </p:sp>
-      <p:pic>
-        <p:nvPicPr>
-          <p:cNvPr id="57" name="그림 56">
-            <a:extLst>
-              <a:ext uri="{FF2B5EF4-FFF2-40B4-BE49-F238E27FC236}">
-                <a16:creationId xmlns:a16="http://schemas.microsoft.com/office/drawing/2014/main" id="{00CE3C54-93F1-5BBE-9276-476AB4993BB0}"/>
-              </a:ext>
-            </a:extLst>
-          </p:cNvPr>
-          <p:cNvPicPr>
-            <a:picLocks noChangeAspect="1"/>
-          </p:cNvPicPr>
-          <p:nvPr/>
-        </p:nvPicPr>
-        <p:blipFill>
-          <a:blip r:embed="rId7"/>
-          <a:stretch>
-            <a:fillRect/>
-          </a:stretch>
-        </p:blipFill>
-        <p:spPr>
-          <a:xfrm>
-            <a:off x="5345224" y="4143799"/>
-            <a:ext cx="461326" cy="461326"/>
-          </a:xfrm>
-          <a:prstGeom prst="rect">
-            <a:avLst/>
-          </a:prstGeom>
-        </p:spPr>
-      </p:pic>
-      <p:sp>
-        <p:nvSpPr>
-          <p:cNvPr id="58" name="제목 1">
-            <a:extLst>
-              <a:ext uri="{FF2B5EF4-FFF2-40B4-BE49-F238E27FC236}">
-                <a16:creationId xmlns:a16="http://schemas.microsoft.com/office/drawing/2014/main" id="{454AAD7C-6AE8-FD86-81B3-FB5018671B41}"/>
+      <p:sp>
+        <p:nvSpPr>
+          <p:cNvPr id="2" name="처리 1">
+            <a:extLst>
+              <a:ext uri="{FF2B5EF4-FFF2-40B4-BE49-F238E27FC236}">
+                <a16:creationId xmlns:a16="http://schemas.microsoft.com/office/drawing/2014/main" id="{24D94196-81AC-D425-7880-C5EC9596E02E}"/>
+              </a:ext>
+            </a:extLst>
+          </p:cNvPr>
+          <p:cNvSpPr/>
+          <p:nvPr/>
+        </p:nvSpPr>
+        <p:spPr>
+          <a:xfrm>
+            <a:off x="6867764" y="3248212"/>
+            <a:ext cx="1203109" cy="243942"/>
+          </a:xfrm>
+          <a:prstGeom prst="flowChartProcess">
+            <a:avLst/>
+          </a:prstGeom>
+          <a:solidFill>
+            <a:schemeClr val="accent1"/>
+          </a:solidFill>
+          <a:ln>
+            <a:noFill/>
+          </a:ln>
+        </p:spPr>
+        <p:style>
+          <a:lnRef idx="2">
+            <a:schemeClr val="accent1">
+              <a:shade val="15000"/>
+            </a:schemeClr>
+          </a:lnRef>
+          <a:fillRef idx="1">
+            <a:schemeClr val="accent1"/>
+          </a:fillRef>
+          <a:effectRef idx="0">
+            <a:schemeClr val="accent1"/>
+          </a:effectRef>
+          <a:fontRef idx="minor">
+            <a:schemeClr val="lt1"/>
+          </a:fontRef>
+        </p:style>
+        <p:txBody>
+          <a:bodyPr rtlCol="0" anchor="ctr"/>
+          <a:lstStyle/>
+          <a:p>
+            <a:pPr algn="ctr"/>
+            <a:r>
+              <a:rPr kumimoji="1" lang="en-US" altLang="ko-KR" sz="900" b="1" dirty="0" err="1">
+                <a:latin typeface="KoPubWorldDotum Bold" pitchFamily="2" charset="-127"/>
+                <a:ea typeface="KoPubWorldDotum Bold" pitchFamily="2" charset="-127"/>
+                <a:cs typeface="KoPubWorldDotum Bold" pitchFamily="2" charset="-127"/>
+              </a:rPr>
+              <a:t>NewSession.py</a:t>
+            </a:r>
+            <a:endParaRPr kumimoji="1" lang="ko-KR" altLang="en-US" sz="900" b="1" dirty="0">
+              <a:latin typeface="KoPubWorldDotum Bold" pitchFamily="2" charset="-127"/>
+              <a:ea typeface="KoPubWorldDotum Bold" pitchFamily="2" charset="-127"/>
+              <a:cs typeface="KoPubWorldDotum Bold" pitchFamily="2" charset="-127"/>
+            </a:endParaRPr>
+          </a:p>
+        </p:txBody>
+      </p:sp>
+      <p:sp>
+        <p:nvSpPr>
+          <p:cNvPr id="7" name="처리 6">
+            <a:extLst>
+              <a:ext uri="{FF2B5EF4-FFF2-40B4-BE49-F238E27FC236}">
+                <a16:creationId xmlns:a16="http://schemas.microsoft.com/office/drawing/2014/main" id="{2F58B189-C692-A414-8EA3-4589E9AFC6A9}"/>
+              </a:ext>
+            </a:extLst>
+          </p:cNvPr>
+          <p:cNvSpPr/>
+          <p:nvPr/>
+        </p:nvSpPr>
+        <p:spPr>
+          <a:xfrm>
+            <a:off x="6867764" y="3508178"/>
+            <a:ext cx="1203109" cy="243942"/>
+          </a:xfrm>
+          <a:prstGeom prst="flowChartProcess">
+            <a:avLst/>
+          </a:prstGeom>
+          <a:solidFill>
+            <a:schemeClr val="accent1"/>
+          </a:solidFill>
+          <a:ln>
+            <a:noFill/>
+          </a:ln>
+        </p:spPr>
+        <p:style>
+          <a:lnRef idx="2">
+            <a:schemeClr val="accent1">
+              <a:shade val="15000"/>
+            </a:schemeClr>
+          </a:lnRef>
+          <a:fillRef idx="1">
+            <a:schemeClr val="accent1"/>
+          </a:fillRef>
+          <a:effectRef idx="0">
+            <a:schemeClr val="accent1"/>
+          </a:effectRef>
+          <a:fontRef idx="minor">
+            <a:schemeClr val="lt1"/>
+          </a:fontRef>
+        </p:style>
+        <p:txBody>
+          <a:bodyPr rtlCol="0" anchor="ctr"/>
+          <a:lstStyle/>
+          <a:p>
+            <a:pPr algn="ctr"/>
+            <a:r>
+              <a:rPr kumimoji="1" lang="en-US" altLang="ko-KR" sz="900" b="1" dirty="0" err="1">
+                <a:latin typeface="KoPubWorldDotum Bold" pitchFamily="2" charset="-127"/>
+                <a:ea typeface="KoPubWorldDotum Bold" pitchFamily="2" charset="-127"/>
+                <a:cs typeface="KoPubWorldDotum Bold" pitchFamily="2" charset="-127"/>
+              </a:rPr>
+              <a:t>GetMsg.py</a:t>
+            </a:r>
+            <a:endParaRPr kumimoji="1" lang="ko-KR" altLang="en-US" sz="900" b="1" dirty="0">
+              <a:latin typeface="KoPubWorldDotum Bold" pitchFamily="2" charset="-127"/>
+              <a:ea typeface="KoPubWorldDotum Bold" pitchFamily="2" charset="-127"/>
+              <a:cs typeface="KoPubWorldDotum Bold" pitchFamily="2" charset="-127"/>
+            </a:endParaRPr>
+          </a:p>
+        </p:txBody>
+      </p:sp>
+      <p:sp>
+        <p:nvSpPr>
+          <p:cNvPr id="9" name="처리 8">
+            <a:extLst>
+              <a:ext uri="{FF2B5EF4-FFF2-40B4-BE49-F238E27FC236}">
+                <a16:creationId xmlns:a16="http://schemas.microsoft.com/office/drawing/2014/main" id="{D8114163-093C-360E-6931-8D0B6081B6F4}"/>
+              </a:ext>
+            </a:extLst>
+          </p:cNvPr>
+          <p:cNvSpPr/>
+          <p:nvPr/>
+        </p:nvSpPr>
+        <p:spPr>
+          <a:xfrm>
+            <a:off x="6867764" y="3771006"/>
+            <a:ext cx="1203109" cy="243942"/>
+          </a:xfrm>
+          <a:prstGeom prst="flowChartProcess">
+            <a:avLst/>
+          </a:prstGeom>
+          <a:solidFill>
+            <a:schemeClr val="accent1"/>
+          </a:solidFill>
+          <a:ln>
+            <a:noFill/>
+          </a:ln>
+        </p:spPr>
+        <p:style>
+          <a:lnRef idx="2">
+            <a:schemeClr val="accent1">
+              <a:shade val="15000"/>
+            </a:schemeClr>
+          </a:lnRef>
+          <a:fillRef idx="1">
+            <a:schemeClr val="accent1"/>
+          </a:fillRef>
+          <a:effectRef idx="0">
+            <a:schemeClr val="accent1"/>
+          </a:effectRef>
+          <a:fontRef idx="minor">
+            <a:schemeClr val="lt1"/>
+          </a:fontRef>
+        </p:style>
+        <p:txBody>
+          <a:bodyPr rtlCol="0" anchor="ctr"/>
+          <a:lstStyle/>
+          <a:p>
+            <a:pPr algn="ctr"/>
+            <a:r>
+              <a:rPr kumimoji="1" lang="en-US" altLang="ko-KR" sz="900" b="1" dirty="0" err="1">
+                <a:latin typeface="KoPubWorldDotum Bold" pitchFamily="2" charset="-127"/>
+                <a:ea typeface="KoPubWorldDotum Bold" pitchFamily="2" charset="-127"/>
+                <a:cs typeface="KoPubWorldDotum Bold" pitchFamily="2" charset="-127"/>
+              </a:rPr>
+              <a:t>GetSession.py</a:t>
+            </a:r>
+            <a:endParaRPr kumimoji="1" lang="ko-KR" altLang="en-US" sz="900" b="1" dirty="0">
+              <a:latin typeface="KoPubWorldDotum Bold" pitchFamily="2" charset="-127"/>
+              <a:ea typeface="KoPubWorldDotum Bold" pitchFamily="2" charset="-127"/>
+              <a:cs typeface="KoPubWorldDotum Bold" pitchFamily="2" charset="-127"/>
+            </a:endParaRPr>
+          </a:p>
+        </p:txBody>
+      </p:sp>
+      <p:cxnSp>
+        <p:nvCxnSpPr>
+          <p:cNvPr id="11" name="꺾인 연결선[E] 10">
+            <a:extLst>
+              <a:ext uri="{FF2B5EF4-FFF2-40B4-BE49-F238E27FC236}">
+                <a16:creationId xmlns:a16="http://schemas.microsoft.com/office/drawing/2014/main" id="{06559759-C710-7689-0DB9-E2CCCCA14EE4}"/>
+              </a:ext>
+            </a:extLst>
+          </p:cNvPr>
+          <p:cNvCxnSpPr>
+            <a:cxnSpLocks/>
+            <a:stCxn id="2" idx="1"/>
+            <a:endCxn id="57" idx="3"/>
+          </p:cNvCxnSpPr>
+          <p:nvPr/>
+        </p:nvCxnSpPr>
+        <p:spPr>
+          <a:xfrm rot="10800000" flipV="1">
+            <a:off x="5806550" y="3370182"/>
+            <a:ext cx="1061214" cy="300191"/>
+          </a:xfrm>
+          <a:prstGeom prst="bentConnector3">
+            <a:avLst>
+              <a:gd name="adj1" fmla="val 50000"/>
+            </a:avLst>
+          </a:prstGeom>
+        </p:spPr>
+        <p:style>
+          <a:lnRef idx="2">
+            <a:schemeClr val="accent1"/>
+          </a:lnRef>
+          <a:fillRef idx="0">
+            <a:schemeClr val="accent1"/>
+          </a:fillRef>
+          <a:effectRef idx="1">
+            <a:schemeClr val="accent1"/>
+          </a:effectRef>
+          <a:fontRef idx="minor">
+            <a:schemeClr val="tx1"/>
+          </a:fontRef>
+        </p:style>
+      </p:cxnSp>
+      <p:cxnSp>
+        <p:nvCxnSpPr>
+          <p:cNvPr id="34" name="꺾인 연결선[E] 33">
+            <a:extLst>
+              <a:ext uri="{FF2B5EF4-FFF2-40B4-BE49-F238E27FC236}">
+                <a16:creationId xmlns:a16="http://schemas.microsoft.com/office/drawing/2014/main" id="{3FB965EF-BC8D-556E-1DFC-FF7F67D12475}"/>
+              </a:ext>
+            </a:extLst>
+          </p:cNvPr>
+          <p:cNvCxnSpPr>
+            <a:cxnSpLocks/>
+            <a:stCxn id="1053" idx="1"/>
+            <a:endCxn id="24" idx="3"/>
+          </p:cNvCxnSpPr>
+          <p:nvPr/>
+        </p:nvCxnSpPr>
+        <p:spPr>
+          <a:xfrm rot="10800000">
+            <a:off x="5806550" y="2630630"/>
+            <a:ext cx="1051138" cy="78794"/>
+          </a:xfrm>
+          <a:prstGeom prst="bentConnector3">
+            <a:avLst>
+              <a:gd name="adj1" fmla="val 50000"/>
+            </a:avLst>
+          </a:prstGeom>
+        </p:spPr>
+        <p:style>
+          <a:lnRef idx="2">
+            <a:schemeClr val="accent1"/>
+          </a:lnRef>
+          <a:fillRef idx="0">
+            <a:schemeClr val="accent1"/>
+          </a:fillRef>
+          <a:effectRef idx="1">
+            <a:schemeClr val="accent1"/>
+          </a:effectRef>
+          <a:fontRef idx="minor">
+            <a:schemeClr val="tx1"/>
+          </a:fontRef>
+        </p:style>
+      </p:cxnSp>
+      <p:cxnSp>
+        <p:nvCxnSpPr>
+          <p:cNvPr id="43" name="꺾인 연결선[E] 42">
+            <a:extLst>
+              <a:ext uri="{FF2B5EF4-FFF2-40B4-BE49-F238E27FC236}">
+                <a16:creationId xmlns:a16="http://schemas.microsoft.com/office/drawing/2014/main" id="{89070E6F-D7BA-2052-C553-FABC01E13052}"/>
+              </a:ext>
+            </a:extLst>
+          </p:cNvPr>
+          <p:cNvCxnSpPr>
+            <a:cxnSpLocks/>
+            <a:stCxn id="1054" idx="1"/>
+            <a:endCxn id="24" idx="3"/>
+          </p:cNvCxnSpPr>
+          <p:nvPr/>
+        </p:nvCxnSpPr>
+        <p:spPr>
+          <a:xfrm rot="10800000">
+            <a:off x="5806550" y="2630630"/>
+            <a:ext cx="1051138" cy="341622"/>
+          </a:xfrm>
+          <a:prstGeom prst="bentConnector3">
+            <a:avLst>
+              <a:gd name="adj1" fmla="val 50000"/>
+            </a:avLst>
+          </a:prstGeom>
+        </p:spPr>
+        <p:style>
+          <a:lnRef idx="2">
+            <a:schemeClr val="accent1"/>
+          </a:lnRef>
+          <a:fillRef idx="0">
+            <a:schemeClr val="accent1"/>
+          </a:fillRef>
+          <a:effectRef idx="1">
+            <a:schemeClr val="accent1"/>
+          </a:effectRef>
+          <a:fontRef idx="minor">
+            <a:schemeClr val="tx1"/>
+          </a:fontRef>
+        </p:style>
+      </p:cxnSp>
+      <p:cxnSp>
+        <p:nvCxnSpPr>
+          <p:cNvPr id="50" name="꺾인 연결선[E] 49">
+            <a:extLst>
+              <a:ext uri="{FF2B5EF4-FFF2-40B4-BE49-F238E27FC236}">
+                <a16:creationId xmlns:a16="http://schemas.microsoft.com/office/drawing/2014/main" id="{415530AB-EB1E-A5D9-FC17-723E8967B421}"/>
+              </a:ext>
+            </a:extLst>
+          </p:cNvPr>
+          <p:cNvCxnSpPr>
+            <a:cxnSpLocks/>
+            <a:stCxn id="7" idx="1"/>
+            <a:endCxn id="57" idx="3"/>
+          </p:cNvCxnSpPr>
+          <p:nvPr/>
+        </p:nvCxnSpPr>
+        <p:spPr>
+          <a:xfrm rot="10800000" flipV="1">
+            <a:off x="5806550" y="3630148"/>
+            <a:ext cx="1061214" cy="40225"/>
+          </a:xfrm>
+          <a:prstGeom prst="bentConnector3">
+            <a:avLst>
+              <a:gd name="adj1" fmla="val 50000"/>
+            </a:avLst>
+          </a:prstGeom>
+        </p:spPr>
+        <p:style>
+          <a:lnRef idx="2">
+            <a:schemeClr val="accent1"/>
+          </a:lnRef>
+          <a:fillRef idx="0">
+            <a:schemeClr val="accent1"/>
+          </a:fillRef>
+          <a:effectRef idx="1">
+            <a:schemeClr val="accent1"/>
+          </a:effectRef>
+          <a:fontRef idx="minor">
+            <a:schemeClr val="tx1"/>
+          </a:fontRef>
+        </p:style>
+      </p:cxnSp>
+      <p:cxnSp>
+        <p:nvCxnSpPr>
+          <p:cNvPr id="60" name="꺾인 연결선[E] 59">
+            <a:extLst>
+              <a:ext uri="{FF2B5EF4-FFF2-40B4-BE49-F238E27FC236}">
+                <a16:creationId xmlns:a16="http://schemas.microsoft.com/office/drawing/2014/main" id="{D5E55D13-2559-110A-0099-F075FDD42166}"/>
+              </a:ext>
+            </a:extLst>
+          </p:cNvPr>
+          <p:cNvCxnSpPr>
+            <a:cxnSpLocks/>
+            <a:stCxn id="9" idx="1"/>
+            <a:endCxn id="57" idx="3"/>
+          </p:cNvCxnSpPr>
+          <p:nvPr/>
+        </p:nvCxnSpPr>
+        <p:spPr>
+          <a:xfrm rot="10800000">
+            <a:off x="5806550" y="3670375"/>
+            <a:ext cx="1061214" cy="222603"/>
+          </a:xfrm>
+          <a:prstGeom prst="bentConnector3">
+            <a:avLst>
+              <a:gd name="adj1" fmla="val 50000"/>
+            </a:avLst>
+          </a:prstGeom>
+        </p:spPr>
+        <p:style>
+          <a:lnRef idx="2">
+            <a:schemeClr val="accent1"/>
+          </a:lnRef>
+          <a:fillRef idx="0">
+            <a:schemeClr val="accent1"/>
+          </a:fillRef>
+          <a:effectRef idx="1">
+            <a:schemeClr val="accent1"/>
+          </a:effectRef>
+          <a:fontRef idx="minor">
+            <a:schemeClr val="tx1"/>
+          </a:fontRef>
+        </p:style>
+      </p:cxnSp>
+      <p:cxnSp>
+        <p:nvCxnSpPr>
+          <p:cNvPr id="1031" name="꺾인 연결선[E] 1030">
+            <a:extLst>
+              <a:ext uri="{FF2B5EF4-FFF2-40B4-BE49-F238E27FC236}">
+                <a16:creationId xmlns:a16="http://schemas.microsoft.com/office/drawing/2014/main" id="{F11D9286-5235-FE79-4E16-F4507254E9A8}"/>
+              </a:ext>
+            </a:extLst>
+          </p:cNvPr>
+          <p:cNvCxnSpPr>
+            <a:cxnSpLocks/>
+            <a:stCxn id="1024" idx="3"/>
+            <a:endCxn id="57" idx="1"/>
+          </p:cNvCxnSpPr>
+          <p:nvPr/>
+        </p:nvCxnSpPr>
+        <p:spPr>
+          <a:xfrm>
+            <a:off x="4424378" y="627459"/>
+            <a:ext cx="920846" cy="3042915"/>
+          </a:xfrm>
+          <a:prstGeom prst="bentConnector3">
+            <a:avLst>
+              <a:gd name="adj1" fmla="val 50000"/>
+            </a:avLst>
+          </a:prstGeom>
+        </p:spPr>
+        <p:style>
+          <a:lnRef idx="2">
+            <a:schemeClr val="accent1"/>
+          </a:lnRef>
+          <a:fillRef idx="0">
+            <a:schemeClr val="accent1"/>
+          </a:fillRef>
+          <a:effectRef idx="1">
+            <a:schemeClr val="accent1"/>
+          </a:effectRef>
+          <a:fontRef idx="minor">
+            <a:schemeClr val="tx1"/>
+          </a:fontRef>
+        </p:style>
+      </p:cxnSp>
+      <p:cxnSp>
+        <p:nvCxnSpPr>
+          <p:cNvPr id="1067" name="꺾인 연결선[E] 1066">
+            <a:extLst>
+              <a:ext uri="{FF2B5EF4-FFF2-40B4-BE49-F238E27FC236}">
+                <a16:creationId xmlns:a16="http://schemas.microsoft.com/office/drawing/2014/main" id="{ADB27A0D-2290-9799-7878-C12367C7B254}"/>
+              </a:ext>
+            </a:extLst>
+          </p:cNvPr>
+          <p:cNvCxnSpPr>
+            <a:cxnSpLocks/>
+            <a:stCxn id="1026" idx="1"/>
+            <a:endCxn id="1043" idx="3"/>
+          </p:cNvCxnSpPr>
+          <p:nvPr/>
+        </p:nvCxnSpPr>
+        <p:spPr>
+          <a:xfrm rot="10800000" flipV="1">
+            <a:off x="8202089" y="2549202"/>
+            <a:ext cx="1228019" cy="927274"/>
+          </a:xfrm>
+          <a:prstGeom prst="bentConnector3">
+            <a:avLst>
+              <a:gd name="adj1" fmla="val 48646"/>
+            </a:avLst>
+          </a:prstGeom>
+        </p:spPr>
+        <p:style>
+          <a:lnRef idx="2">
+            <a:schemeClr val="accent1"/>
+          </a:lnRef>
+          <a:fillRef idx="0">
+            <a:schemeClr val="accent1"/>
+          </a:fillRef>
+          <a:effectRef idx="1">
+            <a:schemeClr val="accent1"/>
+          </a:effectRef>
+          <a:fontRef idx="minor">
+            <a:schemeClr val="tx1"/>
+          </a:fontRef>
+        </p:style>
+      </p:cxnSp>
+      <p:sp>
+        <p:nvSpPr>
+          <p:cNvPr id="5" name="제목 1">
+            <a:extLst>
+              <a:ext uri="{FF2B5EF4-FFF2-40B4-BE49-F238E27FC236}">
+                <a16:creationId xmlns:a16="http://schemas.microsoft.com/office/drawing/2014/main" id="{65D95CA5-D44B-2EB7-BC26-A8F4140EBB0D}"/>
               </a:ext>
             </a:extLst>
           </p:cNvPr>
@@ -5819,8 +6647,8 @@
         </p:nvSpPr>
         <p:spPr>
           <a:xfrm>
-            <a:off x="5068556" y="4634969"/>
-            <a:ext cx="967879" cy="387771"/>
+            <a:off x="2002438" y="874498"/>
+            <a:ext cx="967879" cy="267998"/>
           </a:xfrm>
           <a:prstGeom prst="rect">
             <a:avLst/>
@@ -5857,18 +6685,7 @@
                 <a:ea typeface="KoPubWorldDotum Bold" pitchFamily="2" charset="-127"/>
                 <a:cs typeface="KoPubWorldDotum Bold" pitchFamily="2" charset="-127"/>
               </a:rPr>
-              <a:t>API Gateway</a:t>
-            </a:r>
-          </a:p>
-          <a:p>
-            <a:pPr algn="ctr"/>
-            <a:r>
-              <a:rPr kumimoji="1" lang="en-US" altLang="ko-KR" sz="900" b="1" dirty="0">
-                <a:latin typeface="KoPubWorldDotum Bold" pitchFamily="2" charset="-127"/>
-                <a:ea typeface="KoPubWorldDotum Bold" pitchFamily="2" charset="-127"/>
-                <a:cs typeface="KoPubWorldDotum Bold" pitchFamily="2" charset="-127"/>
-              </a:rPr>
-              <a:t>(REST)</a:t>
+              <a:t>WAF</a:t>
             </a:r>
             <a:endParaRPr kumimoji="1" lang="ko-KR" altLang="en-US" sz="900" b="1" dirty="0">
               <a:latin typeface="KoPubWorldDotum Bold" pitchFamily="2" charset="-127"/>
@@ -5878,79 +6695,30 @@
           </a:p>
         </p:txBody>
       </p:sp>
-      <p:pic>
-        <p:nvPicPr>
-          <p:cNvPr id="1028" name="Picture 2" descr="JavaScript | Kakao Developers 문서">
-            <a:extLst>
-              <a:ext uri="{FF2B5EF4-FFF2-40B4-BE49-F238E27FC236}">
-                <a16:creationId xmlns:a16="http://schemas.microsoft.com/office/drawing/2014/main" id="{61689886-B4CA-0B2E-7E58-76390717B1B6}"/>
-              </a:ext>
-            </a:extLst>
-          </p:cNvPr>
-          <p:cNvPicPr>
-            <a:picLocks noChangeAspect="1" noChangeArrowheads="1"/>
-          </p:cNvPicPr>
-          <p:nvPr/>
-        </p:nvPicPr>
-        <p:blipFill rotWithShape="1">
-          <a:blip r:embed="rId16">
-            <a:extLst>
-              <a:ext uri="{28A0092B-C50C-407E-A947-70E740481C1C}">
-                <a14:useLocalDpi xmlns:a14="http://schemas.microsoft.com/office/drawing/2010/main" val="0"/>
-              </a:ext>
-            </a:extLst>
-          </a:blip>
-          <a:srcRect l="35001" t="35938" r="20859" b="37167"/>
-          <a:stretch/>
-        </p:blipFill>
-        <p:spPr bwMode="auto">
-          <a:xfrm>
-            <a:off x="8977656" y="463551"/>
-            <a:ext cx="649591" cy="333312"/>
-          </a:xfrm>
-          <a:prstGeom prst="rect">
-            <a:avLst/>
-          </a:prstGeom>
-          <a:noFill/>
-          <a:extLst>
-            <a:ext uri="{909E8E84-426E-40DD-AFC4-6F175D3DCCD1}">
-              <a14:hiddenFill xmlns:a14="http://schemas.microsoft.com/office/drawing/2010/main">
-                <a:solidFill>
-                  <a:srgbClr val="FFFFFF"/>
-                </a:solidFill>
-              </a14:hiddenFill>
-            </a:ext>
-          </a:extLst>
-        </p:spPr>
-      </p:pic>
       <p:cxnSp>
         <p:nvCxnSpPr>
-          <p:cNvPr id="1029" name="직선 화살표 연결선 1028">
-            <a:extLst>
-              <a:ext uri="{FF2B5EF4-FFF2-40B4-BE49-F238E27FC236}">
-                <a16:creationId xmlns:a16="http://schemas.microsoft.com/office/drawing/2014/main" id="{2289ADC0-8153-C4A0-F4DC-BB74F791A427}"/>
+          <p:cNvPr id="23" name="꺾인 연결선[E] 22">
+            <a:extLst>
+              <a:ext uri="{FF2B5EF4-FFF2-40B4-BE49-F238E27FC236}">
+                <a16:creationId xmlns:a16="http://schemas.microsoft.com/office/drawing/2014/main" id="{019784CC-420B-09FC-7FA6-32A6A24C9C7C}"/>
               </a:ext>
             </a:extLst>
           </p:cNvPr>
           <p:cNvCxnSpPr>
             <a:cxnSpLocks/>
-            <a:stCxn id="25" idx="1"/>
-            <a:endCxn id="45" idx="3"/>
+            <a:stCxn id="63" idx="3"/>
+            <a:endCxn id="16" idx="2"/>
           </p:cNvCxnSpPr>
           <p:nvPr/>
         </p:nvCxnSpPr>
         <p:spPr>
-          <a:xfrm flipH="1">
-            <a:off x="2721078" y="632518"/>
-            <a:ext cx="808847" cy="1726"/>
-          </a:xfrm>
-          <a:prstGeom prst="straightConnector1">
-            <a:avLst/>
-          </a:prstGeom>
-          <a:ln>
-            <a:headEnd type="none" w="med" len="med"/>
-            <a:tailEnd type="none" w="med" len="med"/>
-          </a:ln>
+          <a:xfrm flipV="1">
+            <a:off x="5792698" y="5277163"/>
+            <a:ext cx="1669866" cy="344231"/>
+          </a:xfrm>
+          <a:prstGeom prst="bentConnector2">
+            <a:avLst/>
+          </a:prstGeom>
         </p:spPr>
         <p:style>
           <a:lnRef idx="2">
@@ -5967,100 +6735,42 @@
           </a:fontRef>
         </p:style>
       </p:cxnSp>
-      <p:cxnSp>
-        <p:nvCxnSpPr>
-          <p:cNvPr id="1033" name="직선 화살표 연결선 1032">
-            <a:extLst>
-              <a:ext uri="{FF2B5EF4-FFF2-40B4-BE49-F238E27FC236}">
-                <a16:creationId xmlns:a16="http://schemas.microsoft.com/office/drawing/2014/main" id="{76AD7131-7A4A-7DE2-AB41-93F8B25691CA}"/>
-              </a:ext>
-            </a:extLst>
-          </p:cNvPr>
-          <p:cNvCxnSpPr>
-            <a:cxnSpLocks/>
-            <a:stCxn id="54" idx="1"/>
-            <a:endCxn id="25" idx="3"/>
-          </p:cNvCxnSpPr>
-          <p:nvPr/>
-        </p:nvCxnSpPr>
-        <p:spPr>
-          <a:xfrm flipH="1">
-            <a:off x="3992068" y="631789"/>
-            <a:ext cx="1319331" cy="729"/>
-          </a:xfrm>
-          <a:prstGeom prst="straightConnector1">
-            <a:avLst/>
-          </a:prstGeom>
-          <a:ln>
-            <a:headEnd type="none" w="med" len="med"/>
-            <a:tailEnd type="none" w="med" len="med"/>
-          </a:ln>
-        </p:spPr>
-        <p:style>
-          <a:lnRef idx="2">
-            <a:schemeClr val="accent1"/>
-          </a:lnRef>
-          <a:fillRef idx="0">
-            <a:schemeClr val="accent1"/>
-          </a:fillRef>
-          <a:effectRef idx="1">
-            <a:schemeClr val="accent1"/>
-          </a:effectRef>
-          <a:fontRef idx="minor">
-            <a:schemeClr val="tx1"/>
-          </a:fontRef>
-        </p:style>
-      </p:cxnSp>
-      <p:cxnSp>
-        <p:nvCxnSpPr>
-          <p:cNvPr id="1037" name="직선 화살표 연결선 1036">
-            <a:extLst>
-              <a:ext uri="{FF2B5EF4-FFF2-40B4-BE49-F238E27FC236}">
-                <a16:creationId xmlns:a16="http://schemas.microsoft.com/office/drawing/2014/main" id="{377287A8-2E6B-8C5B-3969-5AFE81FF55D6}"/>
-              </a:ext>
-            </a:extLst>
-          </p:cNvPr>
-          <p:cNvCxnSpPr>
-            <a:cxnSpLocks/>
-            <a:stCxn id="53" idx="1"/>
-            <a:endCxn id="54" idx="3"/>
-          </p:cNvCxnSpPr>
-          <p:nvPr/>
-        </p:nvCxnSpPr>
-        <p:spPr>
-          <a:xfrm flipH="1">
-            <a:off x="5772725" y="619639"/>
-            <a:ext cx="1454038" cy="12150"/>
-          </a:xfrm>
-          <a:prstGeom prst="straightConnector1">
-            <a:avLst/>
-          </a:prstGeom>
-          <a:ln>
-            <a:headEnd type="none" w="med" len="med"/>
-            <a:tailEnd type="none" w="med" len="med"/>
-          </a:ln>
-        </p:spPr>
-        <p:style>
-          <a:lnRef idx="2">
-            <a:schemeClr val="accent1"/>
-          </a:lnRef>
-          <a:fillRef idx="0">
-            <a:schemeClr val="accent1"/>
-          </a:fillRef>
-          <a:effectRef idx="1">
-            <a:schemeClr val="accent1"/>
-          </a:effectRef>
-          <a:fontRef idx="minor">
-            <a:schemeClr val="tx1"/>
-          </a:fontRef>
-        </p:style>
-      </p:cxnSp>
-      <p:sp>
-        <p:nvSpPr>
-          <p:cNvPr id="1055" name="제목 1">
-            <a:extLst>
-              <a:ext uri="{FF2B5EF4-FFF2-40B4-BE49-F238E27FC236}">
-                <a16:creationId xmlns:a16="http://schemas.microsoft.com/office/drawing/2014/main" id="{A54290A2-14FB-559C-439E-46C4EE54F821}"/>
+      <p:pic>
+        <p:nvPicPr>
+          <p:cNvPr id="14" name="그림 13">
+            <a:extLst>
+              <a:ext uri="{FF2B5EF4-FFF2-40B4-BE49-F238E27FC236}">
+                <a16:creationId xmlns:a16="http://schemas.microsoft.com/office/drawing/2014/main" id="{65B494CF-56A5-41CD-A0CB-E3236E1C62F2}"/>
+              </a:ext>
+            </a:extLst>
+          </p:cNvPr>
+          <p:cNvPicPr>
+            <a:picLocks noChangeAspect="1"/>
+          </p:cNvPicPr>
+          <p:nvPr/>
+        </p:nvPicPr>
+        <p:blipFill>
+          <a:blip r:embed="rId16"/>
+          <a:stretch>
+            <a:fillRect/>
+          </a:stretch>
+        </p:blipFill>
+        <p:spPr>
+          <a:xfrm>
+            <a:off x="10635044" y="4736221"/>
+            <a:ext cx="460869" cy="460869"/>
+          </a:xfrm>
+          <a:prstGeom prst="rect">
+            <a:avLst/>
+          </a:prstGeom>
+        </p:spPr>
+      </p:pic>
+      <p:sp>
+        <p:nvSpPr>
+          <p:cNvPr id="12" name="제목 1">
+            <a:extLst>
+              <a:ext uri="{FF2B5EF4-FFF2-40B4-BE49-F238E27FC236}">
+                <a16:creationId xmlns:a16="http://schemas.microsoft.com/office/drawing/2014/main" id="{FA4EB3BE-1A7B-21BC-2153-F4E39E61BC46}"/>
               </a:ext>
             </a:extLst>
           </p:cNvPr>
@@ -6071,8 +6781,8 @@
         </p:nvSpPr>
         <p:spPr>
           <a:xfrm>
-            <a:off x="7089641" y="2537992"/>
-            <a:ext cx="739201" cy="267998"/>
+            <a:off x="10844718" y="2357793"/>
+            <a:ext cx="1304524" cy="262033"/>
           </a:xfrm>
           <a:prstGeom prst="rect">
             <a:avLst/>
@@ -6109,7 +6819,7 @@
                 <a:ea typeface="KoPubWorldDotum Bold" pitchFamily="2" charset="-127"/>
                 <a:cs typeface="KoPubWorldDotum Bold" pitchFamily="2" charset="-127"/>
               </a:rPr>
-              <a:t>Lambda</a:t>
+              <a:t>Claude 3 Haiku</a:t>
             </a:r>
             <a:endParaRPr kumimoji="1" lang="ko-KR" altLang="en-US" sz="900" b="1" dirty="0">
               <a:latin typeface="KoPubWorldDotum Bold" pitchFamily="2" charset="-127"/>
@@ -6119,173 +6829,71 @@
           </a:p>
         </p:txBody>
       </p:sp>
-      <p:sp>
-        <p:nvSpPr>
-          <p:cNvPr id="1056" name="직사각형 1055">
-            <a:extLst>
-              <a:ext uri="{FF2B5EF4-FFF2-40B4-BE49-F238E27FC236}">
-                <a16:creationId xmlns:a16="http://schemas.microsoft.com/office/drawing/2014/main" id="{1A5822A4-6559-B569-6F51-128ADF0FE4A6}"/>
-              </a:ext>
-            </a:extLst>
-          </p:cNvPr>
-          <p:cNvSpPr/>
-          <p:nvPr/>
-        </p:nvSpPr>
-        <p:spPr>
-          <a:xfrm>
-            <a:off x="6708804" y="1483726"/>
-            <a:ext cx="1503655" cy="754027"/>
-          </a:xfrm>
-          <a:prstGeom prst="rect">
-            <a:avLst/>
-          </a:prstGeom>
-          <a:noFill/>
-          <a:ln>
-            <a:solidFill>
-              <a:srgbClr val="000000"/>
-            </a:solidFill>
-            <a:prstDash val="sysDash"/>
-          </a:ln>
-        </p:spPr>
-        <p:style>
-          <a:lnRef idx="2">
-            <a:schemeClr val="accent1">
-              <a:shade val="15000"/>
-            </a:schemeClr>
-          </a:lnRef>
-          <a:fillRef idx="1">
-            <a:schemeClr val="accent1"/>
-          </a:fillRef>
-          <a:effectRef idx="0">
-            <a:schemeClr val="accent1"/>
-          </a:effectRef>
-          <a:fontRef idx="minor">
-            <a:schemeClr val="lt1"/>
-          </a:fontRef>
-        </p:style>
-        <p:txBody>
-          <a:bodyPr rtlCol="0" anchor="ctr"/>
-          <a:lstStyle/>
-          <a:p>
-            <a:pPr algn="ctr"/>
-            <a:endParaRPr kumimoji="1" lang="ko-KR" altLang="en-US" sz="900"/>
-          </a:p>
-        </p:txBody>
-      </p:sp>
       <p:pic>
         <p:nvPicPr>
-          <p:cNvPr id="1057" name="그림 1056">
-            <a:extLst>
-              <a:ext uri="{FF2B5EF4-FFF2-40B4-BE49-F238E27FC236}">
-                <a16:creationId xmlns:a16="http://schemas.microsoft.com/office/drawing/2014/main" id="{A3E2BDC1-59D6-FFDB-8B32-92061EC8B91E}"/>
+          <p:cNvPr id="17" name="Picture 2" descr="The AI wars heat up with Claude 3, claimed to have “near-human” abilities |  Ars Technica">
+            <a:extLst>
+              <a:ext uri="{FF2B5EF4-FFF2-40B4-BE49-F238E27FC236}">
+                <a16:creationId xmlns:a16="http://schemas.microsoft.com/office/drawing/2014/main" id="{46FC2761-7E9A-6124-5215-BA20F763E78A}"/>
               </a:ext>
             </a:extLst>
           </p:cNvPr>
           <p:cNvPicPr>
-            <a:picLocks noChangeAspect="1"/>
+            <a:picLocks noChangeAspect="1" noChangeArrowheads="1"/>
           </p:cNvPicPr>
           <p:nvPr/>
         </p:nvPicPr>
-        <p:blipFill>
-          <a:blip r:embed="rId15"/>
-          <a:stretch>
-            <a:fillRect/>
-          </a:stretch>
+        <p:blipFill rotWithShape="1">
+          <a:blip r:embed="rId4">
+            <a:extLst>
+              <a:ext uri="{28A0092B-C50C-407E-A947-70E740481C1C}">
+                <a14:useLocalDpi xmlns:a14="http://schemas.microsoft.com/office/drawing/2010/main" val="0"/>
+              </a:ext>
+            </a:extLst>
+          </a:blip>
+          <a:srcRect l="28567" t="10984" r="29591" b="14630"/>
+          <a:stretch/>
         </p:blipFill>
-        <p:spPr>
-          <a:xfrm>
-            <a:off x="7220461" y="2015366"/>
-            <a:ext cx="462142" cy="462142"/>
+        <p:spPr bwMode="auto">
+          <a:xfrm>
+            <a:off x="11208375" y="1859549"/>
+            <a:ext cx="465430" cy="465430"/>
           </a:xfrm>
           <a:prstGeom prst="rect">
             <a:avLst/>
           </a:prstGeom>
+          <a:noFill/>
+          <a:extLst>
+            <a:ext uri="{909E8E84-426E-40DD-AFC4-6F175D3DCCD1}">
+              <a14:hiddenFill xmlns:a14="http://schemas.microsoft.com/office/drawing/2010/main">
+                <a:solidFill>
+                  <a:srgbClr val="FFFFFF"/>
+                </a:solidFill>
+              </a14:hiddenFill>
+            </a:ext>
+          </a:extLst>
         </p:spPr>
       </p:pic>
-      <p:sp>
-        <p:nvSpPr>
-          <p:cNvPr id="1058" name="처리 1057">
-            <a:extLst>
-              <a:ext uri="{FF2B5EF4-FFF2-40B4-BE49-F238E27FC236}">
-                <a16:creationId xmlns:a16="http://schemas.microsoft.com/office/drawing/2014/main" id="{8E4E0422-7642-B895-B2F2-84BE478639D5}"/>
-              </a:ext>
-            </a:extLst>
-          </p:cNvPr>
-          <p:cNvSpPr/>
-          <p:nvPr/>
-        </p:nvSpPr>
-        <p:spPr>
-          <a:xfrm>
-            <a:off x="6868059" y="1690704"/>
-            <a:ext cx="1203109" cy="245334"/>
-          </a:xfrm>
-          <a:prstGeom prst="flowChartProcess">
-            <a:avLst/>
-          </a:prstGeom>
-          <a:solidFill>
-            <a:schemeClr val="accent1"/>
-          </a:solidFill>
-          <a:ln>
-            <a:noFill/>
-          </a:ln>
-        </p:spPr>
-        <p:style>
-          <a:lnRef idx="2">
-            <a:schemeClr val="accent1">
-              <a:shade val="15000"/>
-            </a:schemeClr>
-          </a:lnRef>
-          <a:fillRef idx="1">
-            <a:schemeClr val="accent1"/>
-          </a:fillRef>
-          <a:effectRef idx="0">
-            <a:schemeClr val="accent1"/>
-          </a:effectRef>
-          <a:fontRef idx="minor">
-            <a:schemeClr val="lt1"/>
-          </a:fontRef>
-        </p:style>
-        <p:txBody>
-          <a:bodyPr rtlCol="0" anchor="ctr"/>
-          <a:lstStyle/>
-          <a:p>
-            <a:pPr algn="ctr"/>
-            <a:r>
-              <a:rPr kumimoji="1" lang="en-US" altLang="ko-KR" sz="900" b="1" dirty="0" err="1">
-                <a:latin typeface="KoPubWorldDotum Bold" pitchFamily="2" charset="-127"/>
-                <a:ea typeface="KoPubWorldDotum Bold" pitchFamily="2" charset="-127"/>
-                <a:cs typeface="KoPubWorldDotum Bold" pitchFamily="2" charset="-127"/>
-              </a:rPr>
-              <a:t>Authinfo.py</a:t>
-            </a:r>
-            <a:endParaRPr kumimoji="1" lang="ko-KR" altLang="en-US" sz="900" b="1" dirty="0">
-              <a:latin typeface="KoPubWorldDotum Bold" pitchFamily="2" charset="-127"/>
-              <a:ea typeface="KoPubWorldDotum Bold" pitchFamily="2" charset="-127"/>
-              <a:cs typeface="KoPubWorldDotum Bold" pitchFamily="2" charset="-127"/>
-            </a:endParaRPr>
-          </a:p>
-        </p:txBody>
-      </p:sp>
       <p:cxnSp>
         <p:nvCxnSpPr>
-          <p:cNvPr id="1084" name="꺾인 연결선[E] 1083">
-            <a:extLst>
-              <a:ext uri="{FF2B5EF4-FFF2-40B4-BE49-F238E27FC236}">
-                <a16:creationId xmlns:a16="http://schemas.microsoft.com/office/drawing/2014/main" id="{31BA6834-A13B-B90C-A5E9-F950F67D21B3}"/>
+          <p:cNvPr id="20" name="꺾인 연결선[E] 19">
+            <a:extLst>
+              <a:ext uri="{FF2B5EF4-FFF2-40B4-BE49-F238E27FC236}">
+                <a16:creationId xmlns:a16="http://schemas.microsoft.com/office/drawing/2014/main" id="{840BDB77-BCB7-7958-D61D-6C83D1218510}"/>
               </a:ext>
             </a:extLst>
           </p:cNvPr>
           <p:cNvCxnSpPr>
             <a:cxnSpLocks/>
-            <a:stCxn id="1052" idx="1"/>
-            <a:endCxn id="24" idx="3"/>
+            <a:stCxn id="17" idx="1"/>
+            <a:endCxn id="1026" idx="3"/>
           </p:cNvCxnSpPr>
           <p:nvPr/>
         </p:nvCxnSpPr>
         <p:spPr>
           <a:xfrm rot="10800000" flipV="1">
-            <a:off x="5806550" y="3153546"/>
-            <a:ext cx="1051138" cy="181172"/>
+            <a:off x="9895537" y="2092264"/>
+            <a:ext cx="1312838" cy="456938"/>
           </a:xfrm>
           <a:prstGeom prst="bentConnector3">
             <a:avLst>
@@ -6310,28 +6918,28 @@
       </p:cxnSp>
       <p:cxnSp>
         <p:nvCxnSpPr>
-          <p:cNvPr id="1101" name="꺾인 연결선[E] 1100">
-            <a:extLst>
-              <a:ext uri="{FF2B5EF4-FFF2-40B4-BE49-F238E27FC236}">
-                <a16:creationId xmlns:a16="http://schemas.microsoft.com/office/drawing/2014/main" id="{8D32C0CD-B118-B505-B44D-0C407FEAF52E}"/>
+          <p:cNvPr id="46" name="꺾인 연결선[E] 45">
+            <a:extLst>
+              <a:ext uri="{FF2B5EF4-FFF2-40B4-BE49-F238E27FC236}">
+                <a16:creationId xmlns:a16="http://schemas.microsoft.com/office/drawing/2014/main" id="{9EDC3DC1-D47C-A99B-B734-BDC68BAFF980}"/>
               </a:ext>
             </a:extLst>
           </p:cNvPr>
           <p:cNvCxnSpPr>
             <a:cxnSpLocks/>
-            <a:stCxn id="1024" idx="1"/>
-            <a:endCxn id="24" idx="1"/>
+            <a:stCxn id="13" idx="1"/>
+            <a:endCxn id="1026" idx="3"/>
           </p:cNvCxnSpPr>
           <p:nvPr/>
         </p:nvCxnSpPr>
         <p:spPr>
-          <a:xfrm rot="10800000" flipH="1" flipV="1">
-            <a:off x="3135300" y="2005748"/>
-            <a:ext cx="2209924" cy="1328969"/>
+          <a:xfrm rot="10800000">
+            <a:off x="9895537" y="2549202"/>
+            <a:ext cx="1312838" cy="445352"/>
           </a:xfrm>
           <a:prstGeom prst="bentConnector3">
             <a:avLst>
-              <a:gd name="adj1" fmla="val -10344"/>
+              <a:gd name="adj1" fmla="val 50000"/>
             </a:avLst>
           </a:prstGeom>
         </p:spPr>
@@ -6350,12 +6958,232 @@
           </a:fontRef>
         </p:style>
       </p:cxnSp>
-      <p:sp>
-        <p:nvSpPr>
-          <p:cNvPr id="1127" name="제목 1">
-            <a:extLst>
-              <a:ext uri="{FF2B5EF4-FFF2-40B4-BE49-F238E27FC236}">
-                <a16:creationId xmlns:a16="http://schemas.microsoft.com/office/drawing/2014/main" id="{21FCD9F5-EAB2-00A3-7567-FD4506672900}"/>
+      <p:cxnSp>
+        <p:nvCxnSpPr>
+          <p:cNvPr id="1025" name="꺾인 연결선[E] 1024">
+            <a:extLst>
+              <a:ext uri="{FF2B5EF4-FFF2-40B4-BE49-F238E27FC236}">
+                <a16:creationId xmlns:a16="http://schemas.microsoft.com/office/drawing/2014/main" id="{775E5D73-4837-8715-689A-C56F25A0C95A}"/>
+              </a:ext>
+            </a:extLst>
+          </p:cNvPr>
+          <p:cNvCxnSpPr>
+            <a:cxnSpLocks/>
+            <a:stCxn id="13" idx="1"/>
+            <a:endCxn id="3" idx="0"/>
+          </p:cNvCxnSpPr>
+          <p:nvPr/>
+        </p:nvCxnSpPr>
+        <p:spPr>
+          <a:xfrm rot="10800000" flipV="1">
+            <a:off x="10868411" y="2994554"/>
+            <a:ext cx="339965" cy="675820"/>
+          </a:xfrm>
+          <a:prstGeom prst="bentConnector2">
+            <a:avLst/>
+          </a:prstGeom>
+        </p:spPr>
+        <p:style>
+          <a:lnRef idx="2">
+            <a:schemeClr val="accent1"/>
+          </a:lnRef>
+          <a:fillRef idx="0">
+            <a:schemeClr val="accent1"/>
+          </a:fillRef>
+          <a:effectRef idx="1">
+            <a:schemeClr val="accent1"/>
+          </a:effectRef>
+          <a:fontRef idx="minor">
+            <a:schemeClr val="tx1"/>
+          </a:fontRef>
+        </p:style>
+      </p:cxnSp>
+      <p:cxnSp>
+        <p:nvCxnSpPr>
+          <p:cNvPr id="1041" name="꺾인 연결선[E] 1040">
+            <a:extLst>
+              <a:ext uri="{FF2B5EF4-FFF2-40B4-BE49-F238E27FC236}">
+                <a16:creationId xmlns:a16="http://schemas.microsoft.com/office/drawing/2014/main" id="{057F2AAA-880E-C167-FE14-1A5AE3AC603C}"/>
+              </a:ext>
+            </a:extLst>
+          </p:cNvPr>
+          <p:cNvCxnSpPr>
+            <a:cxnSpLocks/>
+            <a:stCxn id="18" idx="1"/>
+            <a:endCxn id="1043" idx="3"/>
+          </p:cNvCxnSpPr>
+          <p:nvPr/>
+        </p:nvCxnSpPr>
+        <p:spPr>
+          <a:xfrm rot="10800000">
+            <a:off x="8202088" y="3476477"/>
+            <a:ext cx="1261948" cy="264417"/>
+          </a:xfrm>
+          <a:prstGeom prst="bentConnector3">
+            <a:avLst>
+              <a:gd name="adj1" fmla="val 50000"/>
+            </a:avLst>
+          </a:prstGeom>
+        </p:spPr>
+        <p:style>
+          <a:lnRef idx="2">
+            <a:schemeClr val="accent1"/>
+          </a:lnRef>
+          <a:fillRef idx="0">
+            <a:schemeClr val="accent1"/>
+          </a:fillRef>
+          <a:effectRef idx="1">
+            <a:schemeClr val="accent1"/>
+          </a:effectRef>
+          <a:fontRef idx="minor">
+            <a:schemeClr val="tx1"/>
+          </a:fontRef>
+        </p:style>
+      </p:cxnSp>
+      <p:sp>
+        <p:nvSpPr>
+          <p:cNvPr id="26" name="처리 25">
+            <a:extLst>
+              <a:ext uri="{FF2B5EF4-FFF2-40B4-BE49-F238E27FC236}">
+                <a16:creationId xmlns:a16="http://schemas.microsoft.com/office/drawing/2014/main" id="{EB7ADC3C-C91C-23BF-988B-06D1300A67FA}"/>
+              </a:ext>
+            </a:extLst>
+          </p:cNvPr>
+          <p:cNvSpPr/>
+          <p:nvPr/>
+        </p:nvSpPr>
+        <p:spPr>
+          <a:xfrm>
+            <a:off x="6861666" y="4037248"/>
+            <a:ext cx="1203109" cy="243942"/>
+          </a:xfrm>
+          <a:prstGeom prst="flowChartProcess">
+            <a:avLst/>
+          </a:prstGeom>
+          <a:solidFill>
+            <a:schemeClr val="accent1"/>
+          </a:solidFill>
+          <a:ln>
+            <a:noFill/>
+          </a:ln>
+        </p:spPr>
+        <p:style>
+          <a:lnRef idx="2">
+            <a:schemeClr val="accent1">
+              <a:shade val="15000"/>
+            </a:schemeClr>
+          </a:lnRef>
+          <a:fillRef idx="1">
+            <a:schemeClr val="accent1"/>
+          </a:fillRef>
+          <a:effectRef idx="0">
+            <a:schemeClr val="accent1"/>
+          </a:effectRef>
+          <a:fontRef idx="minor">
+            <a:schemeClr val="lt1"/>
+          </a:fontRef>
+        </p:style>
+        <p:txBody>
+          <a:bodyPr rtlCol="0" anchor="ctr"/>
+          <a:lstStyle/>
+          <a:p>
+            <a:pPr algn="ctr"/>
+            <a:r>
+              <a:rPr kumimoji="1" lang="en-US" altLang="ko-KR" sz="900" b="1" dirty="0" err="1">
+                <a:latin typeface="KoPubWorldDotum Bold" pitchFamily="2" charset="-127"/>
+                <a:ea typeface="KoPubWorldDotum Bold" pitchFamily="2" charset="-127"/>
+                <a:cs typeface="KoPubWorldDotum Bold" pitchFamily="2" charset="-127"/>
+              </a:rPr>
+              <a:t>DelteSession.py</a:t>
+            </a:r>
+            <a:endParaRPr kumimoji="1" lang="ko-KR" altLang="en-US" sz="900" b="1" dirty="0">
+              <a:latin typeface="KoPubWorldDotum Bold" pitchFamily="2" charset="-127"/>
+              <a:ea typeface="KoPubWorldDotum Bold" pitchFamily="2" charset="-127"/>
+              <a:cs typeface="KoPubWorldDotum Bold" pitchFamily="2" charset="-127"/>
+            </a:endParaRPr>
+          </a:p>
+        </p:txBody>
+      </p:sp>
+      <p:cxnSp>
+        <p:nvCxnSpPr>
+          <p:cNvPr id="30" name="꺾인 연결선[E] 29">
+            <a:extLst>
+              <a:ext uri="{FF2B5EF4-FFF2-40B4-BE49-F238E27FC236}">
+                <a16:creationId xmlns:a16="http://schemas.microsoft.com/office/drawing/2014/main" id="{452EF380-476F-711F-E59B-E9C084446D0B}"/>
+              </a:ext>
+            </a:extLst>
+          </p:cNvPr>
+          <p:cNvCxnSpPr>
+            <a:cxnSpLocks/>
+            <a:stCxn id="26" idx="1"/>
+            <a:endCxn id="57" idx="3"/>
+          </p:cNvCxnSpPr>
+          <p:nvPr/>
+        </p:nvCxnSpPr>
+        <p:spPr>
+          <a:xfrm rot="10800000">
+            <a:off x="5806550" y="3670375"/>
+            <a:ext cx="1055116" cy="488845"/>
+          </a:xfrm>
+          <a:prstGeom prst="bentConnector3">
+            <a:avLst>
+              <a:gd name="adj1" fmla="val 49444"/>
+            </a:avLst>
+          </a:prstGeom>
+        </p:spPr>
+        <p:style>
+          <a:lnRef idx="2">
+            <a:schemeClr val="accent1"/>
+          </a:lnRef>
+          <a:fillRef idx="0">
+            <a:schemeClr val="accent1"/>
+          </a:fillRef>
+          <a:effectRef idx="1">
+            <a:schemeClr val="accent1"/>
+          </a:effectRef>
+          <a:fontRef idx="minor">
+            <a:schemeClr val="tx1"/>
+          </a:fontRef>
+        </p:style>
+      </p:cxnSp>
+      <p:pic>
+        <p:nvPicPr>
+          <p:cNvPr id="25" name="그림 24">
+            <a:extLst>
+              <a:ext uri="{FF2B5EF4-FFF2-40B4-BE49-F238E27FC236}">
+                <a16:creationId xmlns:a16="http://schemas.microsoft.com/office/drawing/2014/main" id="{09E9DA29-BD6C-C571-3BA6-73F68C3D371C}"/>
+              </a:ext>
+            </a:extLst>
+          </p:cNvPr>
+          <p:cNvPicPr>
+            <a:picLocks noChangeAspect="1"/>
+          </p:cNvPicPr>
+          <p:nvPr/>
+        </p:nvPicPr>
+        <p:blipFill>
+          <a:blip r:embed="rId13">
+            <a:alphaModFix/>
+          </a:blip>
+          <a:stretch>
+            <a:fillRect/>
+          </a:stretch>
+        </p:blipFill>
+        <p:spPr>
+          <a:xfrm>
+            <a:off x="5354033" y="403172"/>
+            <a:ext cx="462143" cy="462143"/>
+          </a:xfrm>
+          <a:prstGeom prst="rect">
+            <a:avLst/>
+          </a:prstGeom>
+        </p:spPr>
+      </p:pic>
+      <p:sp>
+        <p:nvSpPr>
+          <p:cNvPr id="35" name="제목 1">
+            <a:extLst>
+              <a:ext uri="{FF2B5EF4-FFF2-40B4-BE49-F238E27FC236}">
+                <a16:creationId xmlns:a16="http://schemas.microsoft.com/office/drawing/2014/main" id="{68F41F23-2DB1-1E4C-910A-8CF23B8333BC}"/>
               </a:ext>
             </a:extLst>
           </p:cNvPr>
@@ -6366,8 +7194,8 @@
         </p:nvSpPr>
         <p:spPr>
           <a:xfrm>
-            <a:off x="8521124" y="901587"/>
-            <a:ext cx="1651921" cy="267998"/>
+            <a:off x="4870969" y="881153"/>
+            <a:ext cx="1418039" cy="360853"/>
           </a:xfrm>
           <a:prstGeom prst="rect">
             <a:avLst/>
@@ -6404,201 +7232,7 @@
                 <a:ea typeface="KoPubWorldDotum Bold" pitchFamily="2" charset="-127"/>
                 <a:cs typeface="KoPubWorldDotum Bold" pitchFamily="2" charset="-127"/>
               </a:rPr>
-              <a:t>Kakao Login OIDC</a:t>
-            </a:r>
-          </a:p>
-        </p:txBody>
-      </p:sp>
-      <p:cxnSp>
-        <p:nvCxnSpPr>
-          <p:cNvPr id="1140" name="직선 화살표 연결선 1139">
-            <a:extLst>
-              <a:ext uri="{FF2B5EF4-FFF2-40B4-BE49-F238E27FC236}">
-                <a16:creationId xmlns:a16="http://schemas.microsoft.com/office/drawing/2014/main" id="{8F43D639-ABD4-4922-F4C1-D031D44F31D3}"/>
-              </a:ext>
-            </a:extLst>
-          </p:cNvPr>
-          <p:cNvCxnSpPr>
-            <a:cxnSpLocks/>
-            <a:stCxn id="53" idx="3"/>
-            <a:endCxn id="1028" idx="1"/>
-          </p:cNvCxnSpPr>
-          <p:nvPr/>
-        </p:nvCxnSpPr>
-        <p:spPr>
-          <a:xfrm>
-            <a:off x="7688906" y="619639"/>
-            <a:ext cx="1288750" cy="10568"/>
-          </a:xfrm>
-          <a:prstGeom prst="straightConnector1">
-            <a:avLst/>
-          </a:prstGeom>
-          <a:ln>
-            <a:headEnd type="none" w="med" len="med"/>
-            <a:tailEnd type="none" w="med" len="med"/>
-          </a:ln>
-        </p:spPr>
-        <p:style>
-          <a:lnRef idx="2">
-            <a:schemeClr val="accent1"/>
-          </a:lnRef>
-          <a:fillRef idx="0">
-            <a:schemeClr val="accent1"/>
-          </a:fillRef>
-          <a:effectRef idx="1">
-            <a:schemeClr val="accent1"/>
-          </a:effectRef>
-          <a:fontRef idx="minor">
-            <a:schemeClr val="tx1"/>
-          </a:fontRef>
-        </p:style>
-      </p:cxnSp>
-      <p:pic>
-        <p:nvPicPr>
-          <p:cNvPr id="3" name="Picture 2" descr="Amazon Bedrock Connector - Overview (O11) | OutSystems">
-            <a:extLst>
-              <a:ext uri="{FF2B5EF4-FFF2-40B4-BE49-F238E27FC236}">
-                <a16:creationId xmlns:a16="http://schemas.microsoft.com/office/drawing/2014/main" id="{0CC4E556-84F1-E509-8785-5CDBC5B57903}"/>
-              </a:ext>
-            </a:extLst>
-          </p:cNvPr>
-          <p:cNvPicPr>
-            <a:picLocks noChangeAspect="1" noChangeArrowheads="1"/>
-          </p:cNvPicPr>
-          <p:nvPr/>
-        </p:nvPicPr>
-        <p:blipFill>
-          <a:blip r:embed="rId3">
-            <a:alphaModFix amt="35000"/>
-            <a:extLst>
-              <a:ext uri="{28A0092B-C50C-407E-A947-70E740481C1C}">
-                <a14:useLocalDpi xmlns:a14="http://schemas.microsoft.com/office/drawing/2010/main" val="0"/>
-              </a:ext>
-            </a:extLst>
-          </a:blip>
-          <a:srcRect/>
-          <a:stretch>
-            <a:fillRect/>
-          </a:stretch>
-        </p:blipFill>
-        <p:spPr bwMode="auto">
-          <a:xfrm>
-            <a:off x="10635695" y="4374462"/>
-            <a:ext cx="465430" cy="465430"/>
-          </a:xfrm>
-          <a:prstGeom prst="rect">
-            <a:avLst/>
-          </a:prstGeom>
-          <a:noFill/>
-          <a:extLst>
-            <a:ext uri="{909E8E84-426E-40DD-AFC4-6F175D3DCCD1}">
-              <a14:hiddenFill xmlns:a14="http://schemas.microsoft.com/office/drawing/2010/main">
-                <a:solidFill>
-                  <a:srgbClr val="FFFFFF"/>
-                </a:solidFill>
-              </a14:hiddenFill>
-            </a:ext>
-          </a:extLst>
-        </p:spPr>
-      </p:pic>
-      <p:cxnSp>
-        <p:nvCxnSpPr>
-          <p:cNvPr id="42" name="직선 화살표 연결선 41">
-            <a:extLst>
-              <a:ext uri="{FF2B5EF4-FFF2-40B4-BE49-F238E27FC236}">
-                <a16:creationId xmlns:a16="http://schemas.microsoft.com/office/drawing/2014/main" id="{AC7837A5-3724-9825-FD95-0F4C3E3563F6}"/>
-              </a:ext>
-            </a:extLst>
-          </p:cNvPr>
-          <p:cNvCxnSpPr>
-            <a:cxnSpLocks/>
-            <a:endCxn id="6" idx="2"/>
-          </p:cNvCxnSpPr>
-          <p:nvPr/>
-        </p:nvCxnSpPr>
-        <p:spPr>
-          <a:xfrm flipV="1">
-            <a:off x="10868409" y="5133630"/>
-            <a:ext cx="1" cy="315218"/>
-          </a:xfrm>
-          <a:prstGeom prst="straightConnector1">
-            <a:avLst/>
-          </a:prstGeom>
-          <a:ln>
-            <a:headEnd type="none" w="med" len="med"/>
-            <a:tailEnd type="none" w="med" len="med"/>
-          </a:ln>
-        </p:spPr>
-        <p:style>
-          <a:lnRef idx="2">
-            <a:schemeClr val="accent1"/>
-          </a:lnRef>
-          <a:fillRef idx="0">
-            <a:schemeClr val="accent1"/>
-          </a:fillRef>
-          <a:effectRef idx="1">
-            <a:schemeClr val="accent1"/>
-          </a:effectRef>
-          <a:fontRef idx="minor">
-            <a:schemeClr val="tx1"/>
-          </a:fontRef>
-        </p:style>
-      </p:cxnSp>
-      <p:sp>
-        <p:nvSpPr>
-          <p:cNvPr id="44" name="제목 1">
-            <a:extLst>
-              <a:ext uri="{FF2B5EF4-FFF2-40B4-BE49-F238E27FC236}">
-                <a16:creationId xmlns:a16="http://schemas.microsoft.com/office/drawing/2014/main" id="{43508820-7D00-3296-E58D-51165381425D}"/>
-              </a:ext>
-            </a:extLst>
-          </p:cNvPr>
-          <p:cNvSpPr txBox="1">
-            <a:spLocks/>
-          </p:cNvSpPr>
-          <p:nvPr/>
-        </p:nvSpPr>
-        <p:spPr>
-          <a:xfrm>
-            <a:off x="10134221" y="5901178"/>
-            <a:ext cx="1462517" cy="267998"/>
-          </a:xfrm>
-          <a:prstGeom prst="rect">
-            <a:avLst/>
-          </a:prstGeom>
-        </p:spPr>
-        <p:txBody>
-          <a:bodyPr vert="horz" lIns="91440" tIns="45720" rIns="91440" bIns="45720" rtlCol="0" anchor="ctr">
-            <a:normAutofit/>
-          </a:bodyPr>
-          <a:lstStyle>
-            <a:lvl1pPr algn="l" defTabSz="914400" rtl="0" eaLnBrk="1" latinLnBrk="1" hangingPunct="1">
-              <a:lnSpc>
-                <a:spcPct val="90000"/>
-              </a:lnSpc>
-              <a:spcBef>
-                <a:spcPct val="0"/>
-              </a:spcBef>
-              <a:buNone/>
-              <a:defRPr sz="4400" kern="1200">
-                <a:solidFill>
-                  <a:schemeClr val="tx1"/>
-                </a:solidFill>
-                <a:latin typeface="+mj-lt"/>
-                <a:ea typeface="+mj-ea"/>
-                <a:cs typeface="+mj-cs"/>
-              </a:defRPr>
-            </a:lvl1pPr>
-          </a:lstStyle>
-          <a:p>
-            <a:pPr algn="ctr"/>
-            <a:r>
-              <a:rPr kumimoji="1" lang="en-US" altLang="ko-KR" sz="900" b="1" dirty="0">
-                <a:latin typeface="KoPubWorldDotum Bold" pitchFamily="2" charset="-127"/>
-                <a:ea typeface="KoPubWorldDotum Bold" pitchFamily="2" charset="-127"/>
-                <a:cs typeface="KoPubWorldDotum Bold" pitchFamily="2" charset="-127"/>
-              </a:rPr>
-              <a:t>Aurora Serverless</a:t>
+              <a:t>Cognito Hosted UI</a:t>
             </a:r>
             <a:endParaRPr kumimoji="1" lang="ko-KR" altLang="en-US" sz="900" b="1" dirty="0">
               <a:latin typeface="KoPubWorldDotum Bold" pitchFamily="2" charset="-127"/>
@@ -6610,10 +7244,10 @@
       </p:sp>
       <p:sp>
         <p:nvSpPr>
-          <p:cNvPr id="2" name="처리 1">
-            <a:extLst>
-              <a:ext uri="{FF2B5EF4-FFF2-40B4-BE49-F238E27FC236}">
-                <a16:creationId xmlns:a16="http://schemas.microsoft.com/office/drawing/2014/main" id="{24D94196-81AC-D425-7880-C5EC9596E02E}"/>
+          <p:cNvPr id="1024" name="처리 1023">
+            <a:extLst>
+              <a:ext uri="{FF2B5EF4-FFF2-40B4-BE49-F238E27FC236}">
+                <a16:creationId xmlns:a16="http://schemas.microsoft.com/office/drawing/2014/main" id="{C171848F-012A-258C-CC6E-42196AD92626}"/>
               </a:ext>
             </a:extLst>
           </p:cNvPr>
@@ -6622,8 +7256,8 @@
         </p:nvSpPr>
         <p:spPr>
           <a:xfrm>
-            <a:off x="6867764" y="3952300"/>
-            <a:ext cx="1203109" cy="243942"/>
+            <a:off x="3183221" y="506243"/>
+            <a:ext cx="1241157" cy="242431"/>
           </a:xfrm>
           <a:prstGeom prst="flowChartProcess">
             <a:avLst/>
@@ -6662,7 +7296,7 @@
                 <a:ea typeface="KoPubWorldDotum Bold" pitchFamily="2" charset="-127"/>
                 <a:cs typeface="KoPubWorldDotum Bold" pitchFamily="2" charset="-127"/>
               </a:rPr>
-              <a:t>NewSession.py</a:t>
+              <a:t>Service_script.js</a:t>
             </a:r>
             <a:endParaRPr kumimoji="1" lang="ko-KR" altLang="en-US" sz="900" b="1" dirty="0">
               <a:latin typeface="KoPubWorldDotum Bold" pitchFamily="2" charset="-127"/>
@@ -6674,10 +7308,10 @@
       </p:sp>
       <p:sp>
         <p:nvSpPr>
-          <p:cNvPr id="7" name="처리 6">
-            <a:extLst>
-              <a:ext uri="{FF2B5EF4-FFF2-40B4-BE49-F238E27FC236}">
-                <a16:creationId xmlns:a16="http://schemas.microsoft.com/office/drawing/2014/main" id="{2F58B189-C692-A414-8EA3-4589E9AFC6A9}"/>
+          <p:cNvPr id="1038" name="처리 1037">
+            <a:extLst>
+              <a:ext uri="{FF2B5EF4-FFF2-40B4-BE49-F238E27FC236}">
+                <a16:creationId xmlns:a16="http://schemas.microsoft.com/office/drawing/2014/main" id="{2DB953C1-A657-64C5-01DE-8F19E20C8C57}"/>
               </a:ext>
             </a:extLst>
           </p:cNvPr>
@@ -6686,8 +7320,8 @@
         </p:nvSpPr>
         <p:spPr>
           <a:xfrm>
-            <a:off x="6867764" y="4212266"/>
-            <a:ext cx="1203109" cy="243942"/>
+            <a:off x="3183220" y="1154321"/>
+            <a:ext cx="1241157" cy="242431"/>
           </a:xfrm>
           <a:prstGeom prst="flowChartProcess">
             <a:avLst/>
@@ -6726,7 +7360,7 @@
                 <a:ea typeface="KoPubWorldDotum Bold" pitchFamily="2" charset="-127"/>
                 <a:cs typeface="KoPubWorldDotum Bold" pitchFamily="2" charset="-127"/>
               </a:rPr>
-              <a:t>GetMsg.py</a:t>
+              <a:t>Service_style.css</a:t>
             </a:r>
             <a:endParaRPr kumimoji="1" lang="ko-KR" altLang="en-US" sz="900" b="1" dirty="0">
               <a:latin typeface="KoPubWorldDotum Bold" pitchFamily="2" charset="-127"/>
@@ -6738,10 +7372,10 @@
       </p:sp>
       <p:sp>
         <p:nvSpPr>
-          <p:cNvPr id="9" name="처리 8">
-            <a:extLst>
-              <a:ext uri="{FF2B5EF4-FFF2-40B4-BE49-F238E27FC236}">
-                <a16:creationId xmlns:a16="http://schemas.microsoft.com/office/drawing/2014/main" id="{D8114163-093C-360E-6931-8D0B6081B6F4}"/>
+          <p:cNvPr id="1065" name="처리 1064">
+            <a:extLst>
+              <a:ext uri="{FF2B5EF4-FFF2-40B4-BE49-F238E27FC236}">
+                <a16:creationId xmlns:a16="http://schemas.microsoft.com/office/drawing/2014/main" id="{A4F6528F-77D9-AC67-4037-693066202966}"/>
               </a:ext>
             </a:extLst>
           </p:cNvPr>
@@ -6750,8 +7384,8 @@
         </p:nvSpPr>
         <p:spPr>
           <a:xfrm>
-            <a:off x="6867764" y="4475094"/>
-            <a:ext cx="1203109" cy="243942"/>
+            <a:off x="4264222" y="1594089"/>
+            <a:ext cx="1241157" cy="242431"/>
           </a:xfrm>
           <a:prstGeom prst="flowChartProcess">
             <a:avLst/>
@@ -6790,7 +7424,7 @@
                 <a:ea typeface="KoPubWorldDotum Bold" pitchFamily="2" charset="-127"/>
                 <a:cs typeface="KoPubWorldDotum Bold" pitchFamily="2" charset="-127"/>
               </a:rPr>
-              <a:t>GetSession.py</a:t>
+              <a:t>express_server.js</a:t>
             </a:r>
             <a:endParaRPr kumimoji="1" lang="ko-KR" altLang="en-US" sz="900" b="1" dirty="0">
               <a:latin typeface="KoPubWorldDotum Bold" pitchFamily="2" charset="-127"/>
@@ -6800,1222 +7434,6 @@
           </a:p>
         </p:txBody>
       </p:sp>
-      <p:cxnSp>
-        <p:nvCxnSpPr>
-          <p:cNvPr id="11" name="꺾인 연결선[E] 10">
-            <a:extLst>
-              <a:ext uri="{FF2B5EF4-FFF2-40B4-BE49-F238E27FC236}">
-                <a16:creationId xmlns:a16="http://schemas.microsoft.com/office/drawing/2014/main" id="{06559759-C710-7689-0DB9-E2CCCCA14EE4}"/>
-              </a:ext>
-            </a:extLst>
-          </p:cNvPr>
-          <p:cNvCxnSpPr>
-            <a:cxnSpLocks/>
-            <a:stCxn id="2" idx="1"/>
-            <a:endCxn id="57" idx="3"/>
-          </p:cNvCxnSpPr>
-          <p:nvPr/>
-        </p:nvCxnSpPr>
-        <p:spPr>
-          <a:xfrm rot="10800000" flipV="1">
-            <a:off x="5806550" y="4074270"/>
-            <a:ext cx="1061214" cy="300191"/>
-          </a:xfrm>
-          <a:prstGeom prst="bentConnector3">
-            <a:avLst>
-              <a:gd name="adj1" fmla="val 50000"/>
-            </a:avLst>
-          </a:prstGeom>
-        </p:spPr>
-        <p:style>
-          <a:lnRef idx="2">
-            <a:schemeClr val="accent1"/>
-          </a:lnRef>
-          <a:fillRef idx="0">
-            <a:schemeClr val="accent1"/>
-          </a:fillRef>
-          <a:effectRef idx="1">
-            <a:schemeClr val="accent1"/>
-          </a:effectRef>
-          <a:fontRef idx="minor">
-            <a:schemeClr val="tx1"/>
-          </a:fontRef>
-        </p:style>
-      </p:cxnSp>
-      <p:cxnSp>
-        <p:nvCxnSpPr>
-          <p:cNvPr id="34" name="꺾인 연결선[E] 33">
-            <a:extLst>
-              <a:ext uri="{FF2B5EF4-FFF2-40B4-BE49-F238E27FC236}">
-                <a16:creationId xmlns:a16="http://schemas.microsoft.com/office/drawing/2014/main" id="{3FB965EF-BC8D-556E-1DFC-FF7F67D12475}"/>
-              </a:ext>
-            </a:extLst>
-          </p:cNvPr>
-          <p:cNvCxnSpPr>
-            <a:cxnSpLocks/>
-            <a:stCxn id="1053" idx="1"/>
-            <a:endCxn id="24" idx="3"/>
-          </p:cNvCxnSpPr>
-          <p:nvPr/>
-        </p:nvCxnSpPr>
-        <p:spPr>
-          <a:xfrm rot="10800000">
-            <a:off x="5806550" y="3334718"/>
-            <a:ext cx="1051138" cy="78794"/>
-          </a:xfrm>
-          <a:prstGeom prst="bentConnector3">
-            <a:avLst>
-              <a:gd name="adj1" fmla="val 50000"/>
-            </a:avLst>
-          </a:prstGeom>
-        </p:spPr>
-        <p:style>
-          <a:lnRef idx="2">
-            <a:schemeClr val="accent1"/>
-          </a:lnRef>
-          <a:fillRef idx="0">
-            <a:schemeClr val="accent1"/>
-          </a:fillRef>
-          <a:effectRef idx="1">
-            <a:schemeClr val="accent1"/>
-          </a:effectRef>
-          <a:fontRef idx="minor">
-            <a:schemeClr val="tx1"/>
-          </a:fontRef>
-        </p:style>
-      </p:cxnSp>
-      <p:cxnSp>
-        <p:nvCxnSpPr>
-          <p:cNvPr id="43" name="꺾인 연결선[E] 42">
-            <a:extLst>
-              <a:ext uri="{FF2B5EF4-FFF2-40B4-BE49-F238E27FC236}">
-                <a16:creationId xmlns:a16="http://schemas.microsoft.com/office/drawing/2014/main" id="{89070E6F-D7BA-2052-C553-FABC01E13052}"/>
-              </a:ext>
-            </a:extLst>
-          </p:cNvPr>
-          <p:cNvCxnSpPr>
-            <a:cxnSpLocks/>
-            <a:stCxn id="1054" idx="1"/>
-            <a:endCxn id="24" idx="3"/>
-          </p:cNvCxnSpPr>
-          <p:nvPr/>
-        </p:nvCxnSpPr>
-        <p:spPr>
-          <a:xfrm rot="10800000">
-            <a:off x="5806550" y="3334718"/>
-            <a:ext cx="1051138" cy="341622"/>
-          </a:xfrm>
-          <a:prstGeom prst="bentConnector3">
-            <a:avLst>
-              <a:gd name="adj1" fmla="val 50000"/>
-            </a:avLst>
-          </a:prstGeom>
-        </p:spPr>
-        <p:style>
-          <a:lnRef idx="2">
-            <a:schemeClr val="accent1"/>
-          </a:lnRef>
-          <a:fillRef idx="0">
-            <a:schemeClr val="accent1"/>
-          </a:fillRef>
-          <a:effectRef idx="1">
-            <a:schemeClr val="accent1"/>
-          </a:effectRef>
-          <a:fontRef idx="minor">
-            <a:schemeClr val="tx1"/>
-          </a:fontRef>
-        </p:style>
-      </p:cxnSp>
-      <p:cxnSp>
-        <p:nvCxnSpPr>
-          <p:cNvPr id="50" name="꺾인 연결선[E] 49">
-            <a:extLst>
-              <a:ext uri="{FF2B5EF4-FFF2-40B4-BE49-F238E27FC236}">
-                <a16:creationId xmlns:a16="http://schemas.microsoft.com/office/drawing/2014/main" id="{415530AB-EB1E-A5D9-FC17-723E8967B421}"/>
-              </a:ext>
-            </a:extLst>
-          </p:cNvPr>
-          <p:cNvCxnSpPr>
-            <a:cxnSpLocks/>
-            <a:stCxn id="7" idx="1"/>
-            <a:endCxn id="57" idx="3"/>
-          </p:cNvCxnSpPr>
-          <p:nvPr/>
-        </p:nvCxnSpPr>
-        <p:spPr>
-          <a:xfrm rot="10800000" flipV="1">
-            <a:off x="5806550" y="4334236"/>
-            <a:ext cx="1061214" cy="40225"/>
-          </a:xfrm>
-          <a:prstGeom prst="bentConnector3">
-            <a:avLst>
-              <a:gd name="adj1" fmla="val 50000"/>
-            </a:avLst>
-          </a:prstGeom>
-        </p:spPr>
-        <p:style>
-          <a:lnRef idx="2">
-            <a:schemeClr val="accent1"/>
-          </a:lnRef>
-          <a:fillRef idx="0">
-            <a:schemeClr val="accent1"/>
-          </a:fillRef>
-          <a:effectRef idx="1">
-            <a:schemeClr val="accent1"/>
-          </a:effectRef>
-          <a:fontRef idx="minor">
-            <a:schemeClr val="tx1"/>
-          </a:fontRef>
-        </p:style>
-      </p:cxnSp>
-      <p:cxnSp>
-        <p:nvCxnSpPr>
-          <p:cNvPr id="60" name="꺾인 연결선[E] 59">
-            <a:extLst>
-              <a:ext uri="{FF2B5EF4-FFF2-40B4-BE49-F238E27FC236}">
-                <a16:creationId xmlns:a16="http://schemas.microsoft.com/office/drawing/2014/main" id="{D5E55D13-2559-110A-0099-F075FDD42166}"/>
-              </a:ext>
-            </a:extLst>
-          </p:cNvPr>
-          <p:cNvCxnSpPr>
-            <a:cxnSpLocks/>
-            <a:stCxn id="9" idx="1"/>
-            <a:endCxn id="57" idx="3"/>
-          </p:cNvCxnSpPr>
-          <p:nvPr/>
-        </p:nvCxnSpPr>
-        <p:spPr>
-          <a:xfrm rot="10800000">
-            <a:off x="5806550" y="4374463"/>
-            <a:ext cx="1061214" cy="222603"/>
-          </a:xfrm>
-          <a:prstGeom prst="bentConnector3">
-            <a:avLst>
-              <a:gd name="adj1" fmla="val 50000"/>
-            </a:avLst>
-          </a:prstGeom>
-        </p:spPr>
-        <p:style>
-          <a:lnRef idx="2">
-            <a:schemeClr val="accent1"/>
-          </a:lnRef>
-          <a:fillRef idx="0">
-            <a:schemeClr val="accent1"/>
-          </a:fillRef>
-          <a:effectRef idx="1">
-            <a:schemeClr val="accent1"/>
-          </a:effectRef>
-          <a:fontRef idx="minor">
-            <a:schemeClr val="tx1"/>
-          </a:fontRef>
-        </p:style>
-      </p:cxnSp>
-      <p:cxnSp>
-        <p:nvCxnSpPr>
-          <p:cNvPr id="1031" name="꺾인 연결선[E] 1030">
-            <a:extLst>
-              <a:ext uri="{FF2B5EF4-FFF2-40B4-BE49-F238E27FC236}">
-                <a16:creationId xmlns:a16="http://schemas.microsoft.com/office/drawing/2014/main" id="{F11D9286-5235-FE79-4E16-F4507254E9A8}"/>
-              </a:ext>
-            </a:extLst>
-          </p:cNvPr>
-          <p:cNvCxnSpPr>
-            <a:cxnSpLocks/>
-            <a:stCxn id="1024" idx="1"/>
-            <a:endCxn id="57" idx="1"/>
-          </p:cNvCxnSpPr>
-          <p:nvPr/>
-        </p:nvCxnSpPr>
-        <p:spPr>
-          <a:xfrm rot="10800000" flipH="1" flipV="1">
-            <a:off x="3135300" y="2005748"/>
-            <a:ext cx="2209924" cy="2368713"/>
-          </a:xfrm>
-          <a:prstGeom prst="bentConnector3">
-            <a:avLst>
-              <a:gd name="adj1" fmla="val -10344"/>
-            </a:avLst>
-          </a:prstGeom>
-        </p:spPr>
-        <p:style>
-          <a:lnRef idx="2">
-            <a:schemeClr val="accent1"/>
-          </a:lnRef>
-          <a:fillRef idx="0">
-            <a:schemeClr val="accent1"/>
-          </a:fillRef>
-          <a:effectRef idx="1">
-            <a:schemeClr val="accent1"/>
-          </a:effectRef>
-          <a:fontRef idx="minor">
-            <a:schemeClr val="tx1"/>
-          </a:fontRef>
-        </p:style>
-      </p:cxnSp>
-      <p:cxnSp>
-        <p:nvCxnSpPr>
-          <p:cNvPr id="1067" name="꺾인 연결선[E] 1066">
-            <a:extLst>
-              <a:ext uri="{FF2B5EF4-FFF2-40B4-BE49-F238E27FC236}">
-                <a16:creationId xmlns:a16="http://schemas.microsoft.com/office/drawing/2014/main" id="{ADB27A0D-2290-9799-7878-C12367C7B254}"/>
-              </a:ext>
-            </a:extLst>
-          </p:cNvPr>
-          <p:cNvCxnSpPr>
-            <a:cxnSpLocks/>
-            <a:stCxn id="1026" idx="1"/>
-            <a:endCxn id="1043" idx="3"/>
-          </p:cNvCxnSpPr>
-          <p:nvPr/>
-        </p:nvCxnSpPr>
-        <p:spPr>
-          <a:xfrm rot="10800000" flipV="1">
-            <a:off x="8202089" y="3253290"/>
-            <a:ext cx="1228019" cy="927274"/>
-          </a:xfrm>
-          <a:prstGeom prst="bentConnector3">
-            <a:avLst>
-              <a:gd name="adj1" fmla="val 48646"/>
-            </a:avLst>
-          </a:prstGeom>
-        </p:spPr>
-        <p:style>
-          <a:lnRef idx="2">
-            <a:schemeClr val="accent1"/>
-          </a:lnRef>
-          <a:fillRef idx="0">
-            <a:schemeClr val="accent1"/>
-          </a:fillRef>
-          <a:effectRef idx="1">
-            <a:schemeClr val="accent1"/>
-          </a:effectRef>
-          <a:fontRef idx="minor">
-            <a:schemeClr val="tx1"/>
-          </a:fontRef>
-        </p:style>
-      </p:cxnSp>
-      <p:cxnSp>
-        <p:nvCxnSpPr>
-          <p:cNvPr id="62" name="직선 화살표 연결선 61">
-            <a:extLst>
-              <a:ext uri="{FF2B5EF4-FFF2-40B4-BE49-F238E27FC236}">
-                <a16:creationId xmlns:a16="http://schemas.microsoft.com/office/drawing/2014/main" id="{9F6F868C-6836-77BA-CEFE-0F9BCB4F0CC0}"/>
-              </a:ext>
-            </a:extLst>
-          </p:cNvPr>
-          <p:cNvCxnSpPr>
-            <a:cxnSpLocks/>
-            <a:stCxn id="59" idx="2"/>
-            <a:endCxn id="1058" idx="0"/>
-          </p:cNvCxnSpPr>
-          <p:nvPr/>
-        </p:nvCxnSpPr>
-        <p:spPr>
-          <a:xfrm>
-            <a:off x="7457833" y="1158300"/>
-            <a:ext cx="11781" cy="532404"/>
-          </a:xfrm>
-          <a:prstGeom prst="straightConnector1">
-            <a:avLst/>
-          </a:prstGeom>
-          <a:ln>
-            <a:headEnd type="none" w="med" len="med"/>
-            <a:tailEnd type="none" w="med" len="med"/>
-          </a:ln>
-        </p:spPr>
-        <p:style>
-          <a:lnRef idx="2">
-            <a:schemeClr val="accent1"/>
-          </a:lnRef>
-          <a:fillRef idx="0">
-            <a:schemeClr val="accent1"/>
-          </a:fillRef>
-          <a:effectRef idx="1">
-            <a:schemeClr val="accent1"/>
-          </a:effectRef>
-          <a:fontRef idx="minor">
-            <a:schemeClr val="tx1"/>
-          </a:fontRef>
-        </p:style>
-      </p:cxnSp>
-      <p:sp>
-        <p:nvSpPr>
-          <p:cNvPr id="5" name="제목 1">
-            <a:extLst>
-              <a:ext uri="{FF2B5EF4-FFF2-40B4-BE49-F238E27FC236}">
-                <a16:creationId xmlns:a16="http://schemas.microsoft.com/office/drawing/2014/main" id="{65D95CA5-D44B-2EB7-BC26-A8F4140EBB0D}"/>
-              </a:ext>
-            </a:extLst>
-          </p:cNvPr>
-          <p:cNvSpPr txBox="1">
-            <a:spLocks/>
-          </p:cNvSpPr>
-          <p:nvPr/>
-        </p:nvSpPr>
-        <p:spPr>
-          <a:xfrm>
-            <a:off x="2002438" y="874498"/>
-            <a:ext cx="967879" cy="267998"/>
-          </a:xfrm>
-          <a:prstGeom prst="rect">
-            <a:avLst/>
-          </a:prstGeom>
-        </p:spPr>
-        <p:txBody>
-          <a:bodyPr vert="horz" lIns="91440" tIns="45720" rIns="91440" bIns="45720" rtlCol="0" anchor="ctr">
-            <a:normAutofit/>
-          </a:bodyPr>
-          <a:lstStyle>
-            <a:lvl1pPr algn="l" defTabSz="914400" rtl="0" eaLnBrk="1" latinLnBrk="1" hangingPunct="1">
-              <a:lnSpc>
-                <a:spcPct val="90000"/>
-              </a:lnSpc>
-              <a:spcBef>
-                <a:spcPct val="0"/>
-              </a:spcBef>
-              <a:buNone/>
-              <a:defRPr sz="4400" kern="1200">
-                <a:solidFill>
-                  <a:schemeClr val="tx1"/>
-                </a:solidFill>
-                <a:latin typeface="+mj-lt"/>
-                <a:ea typeface="+mj-ea"/>
-                <a:cs typeface="+mj-cs"/>
-              </a:defRPr>
-            </a:lvl1pPr>
-          </a:lstStyle>
-          <a:p>
-            <a:pPr algn="ctr"/>
-            <a:r>
-              <a:rPr kumimoji="1" lang="en-US" altLang="ko-KR" sz="900" b="1" dirty="0">
-                <a:latin typeface="KoPubWorldDotum Bold" pitchFamily="2" charset="-127"/>
-                <a:ea typeface="KoPubWorldDotum Bold" pitchFamily="2" charset="-127"/>
-                <a:cs typeface="KoPubWorldDotum Bold" pitchFamily="2" charset="-127"/>
-              </a:rPr>
-              <a:t>WAF</a:t>
-            </a:r>
-            <a:endParaRPr kumimoji="1" lang="ko-KR" altLang="en-US" sz="900" b="1" dirty="0">
-              <a:latin typeface="KoPubWorldDotum Bold" pitchFamily="2" charset="-127"/>
-              <a:ea typeface="KoPubWorldDotum Bold" pitchFamily="2" charset="-127"/>
-              <a:cs typeface="KoPubWorldDotum Bold" pitchFamily="2" charset="-127"/>
-            </a:endParaRPr>
-          </a:p>
-        </p:txBody>
-      </p:sp>
-      <p:cxnSp>
-        <p:nvCxnSpPr>
-          <p:cNvPr id="23" name="꺾인 연결선[E] 22">
-            <a:extLst>
-              <a:ext uri="{FF2B5EF4-FFF2-40B4-BE49-F238E27FC236}">
-                <a16:creationId xmlns:a16="http://schemas.microsoft.com/office/drawing/2014/main" id="{019784CC-420B-09FC-7FA6-32A6A24C9C7C}"/>
-              </a:ext>
-            </a:extLst>
-          </p:cNvPr>
-          <p:cNvCxnSpPr>
-            <a:cxnSpLocks/>
-            <a:stCxn id="63" idx="3"/>
-            <a:endCxn id="16" idx="2"/>
-          </p:cNvCxnSpPr>
-          <p:nvPr/>
-        </p:nvCxnSpPr>
-        <p:spPr>
-          <a:xfrm flipV="1">
-            <a:off x="5792698" y="5981251"/>
-            <a:ext cx="1669866" cy="344231"/>
-          </a:xfrm>
-          <a:prstGeom prst="bentConnector2">
-            <a:avLst/>
-          </a:prstGeom>
-        </p:spPr>
-        <p:style>
-          <a:lnRef idx="2">
-            <a:schemeClr val="accent1"/>
-          </a:lnRef>
-          <a:fillRef idx="0">
-            <a:schemeClr val="accent1"/>
-          </a:fillRef>
-          <a:effectRef idx="1">
-            <a:schemeClr val="accent1"/>
-          </a:effectRef>
-          <a:fontRef idx="minor">
-            <a:schemeClr val="tx1"/>
-          </a:fontRef>
-        </p:style>
-      </p:cxnSp>
-      <p:pic>
-        <p:nvPicPr>
-          <p:cNvPr id="14" name="그림 13">
-            <a:extLst>
-              <a:ext uri="{FF2B5EF4-FFF2-40B4-BE49-F238E27FC236}">
-                <a16:creationId xmlns:a16="http://schemas.microsoft.com/office/drawing/2014/main" id="{65B494CF-56A5-41CD-A0CB-E3236E1C62F2}"/>
-              </a:ext>
-            </a:extLst>
-          </p:cNvPr>
-          <p:cNvPicPr>
-            <a:picLocks noChangeAspect="1"/>
-          </p:cNvPicPr>
-          <p:nvPr/>
-        </p:nvPicPr>
-        <p:blipFill>
-          <a:blip r:embed="rId17"/>
-          <a:stretch>
-            <a:fillRect/>
-          </a:stretch>
-        </p:blipFill>
-        <p:spPr>
-          <a:xfrm>
-            <a:off x="10635044" y="5440309"/>
-            <a:ext cx="460869" cy="460869"/>
-          </a:xfrm>
-          <a:prstGeom prst="rect">
-            <a:avLst/>
-          </a:prstGeom>
-        </p:spPr>
-      </p:pic>
-      <p:sp>
-        <p:nvSpPr>
-          <p:cNvPr id="12" name="제목 1">
-            <a:extLst>
-              <a:ext uri="{FF2B5EF4-FFF2-40B4-BE49-F238E27FC236}">
-                <a16:creationId xmlns:a16="http://schemas.microsoft.com/office/drawing/2014/main" id="{FA4EB3BE-1A7B-21BC-2153-F4E39E61BC46}"/>
-              </a:ext>
-            </a:extLst>
-          </p:cNvPr>
-          <p:cNvSpPr txBox="1">
-            <a:spLocks/>
-          </p:cNvSpPr>
-          <p:nvPr/>
-        </p:nvSpPr>
-        <p:spPr>
-          <a:xfrm>
-            <a:off x="10844718" y="3061881"/>
-            <a:ext cx="1304524" cy="262033"/>
-          </a:xfrm>
-          <a:prstGeom prst="rect">
-            <a:avLst/>
-          </a:prstGeom>
-        </p:spPr>
-        <p:txBody>
-          <a:bodyPr vert="horz" lIns="91440" tIns="45720" rIns="91440" bIns="45720" rtlCol="0" anchor="ctr">
-            <a:normAutofit/>
-          </a:bodyPr>
-          <a:lstStyle>
-            <a:lvl1pPr algn="l" defTabSz="914400" rtl="0" eaLnBrk="1" latinLnBrk="1" hangingPunct="1">
-              <a:lnSpc>
-                <a:spcPct val="90000"/>
-              </a:lnSpc>
-              <a:spcBef>
-                <a:spcPct val="0"/>
-              </a:spcBef>
-              <a:buNone/>
-              <a:defRPr sz="4400" kern="1200">
-                <a:solidFill>
-                  <a:schemeClr val="tx1"/>
-                </a:solidFill>
-                <a:latin typeface="+mj-lt"/>
-                <a:ea typeface="+mj-ea"/>
-                <a:cs typeface="+mj-cs"/>
-              </a:defRPr>
-            </a:lvl1pPr>
-          </a:lstStyle>
-          <a:p>
-            <a:pPr algn="ctr"/>
-            <a:r>
-              <a:rPr kumimoji="1" lang="en-US" altLang="ko-KR" sz="900" b="1" dirty="0">
-                <a:latin typeface="KoPubWorldDotum Bold" pitchFamily="2" charset="-127"/>
-                <a:ea typeface="KoPubWorldDotum Bold" pitchFamily="2" charset="-127"/>
-                <a:cs typeface="KoPubWorldDotum Bold" pitchFamily="2" charset="-127"/>
-              </a:rPr>
-              <a:t>Claude 3 Haiku</a:t>
-            </a:r>
-            <a:endParaRPr kumimoji="1" lang="ko-KR" altLang="en-US" sz="900" b="1" dirty="0">
-              <a:latin typeface="KoPubWorldDotum Bold" pitchFamily="2" charset="-127"/>
-              <a:ea typeface="KoPubWorldDotum Bold" pitchFamily="2" charset="-127"/>
-              <a:cs typeface="KoPubWorldDotum Bold" pitchFamily="2" charset="-127"/>
-            </a:endParaRPr>
-          </a:p>
-        </p:txBody>
-      </p:sp>
-      <p:pic>
-        <p:nvPicPr>
-          <p:cNvPr id="17" name="Picture 2" descr="The AI wars heat up with Claude 3, claimed to have “near-human” abilities |  Ars Technica">
-            <a:extLst>
-              <a:ext uri="{FF2B5EF4-FFF2-40B4-BE49-F238E27FC236}">
-                <a16:creationId xmlns:a16="http://schemas.microsoft.com/office/drawing/2014/main" id="{46FC2761-7E9A-6124-5215-BA20F763E78A}"/>
-              </a:ext>
-            </a:extLst>
-          </p:cNvPr>
-          <p:cNvPicPr>
-            <a:picLocks noChangeAspect="1" noChangeArrowheads="1"/>
-          </p:cNvPicPr>
-          <p:nvPr/>
-        </p:nvPicPr>
-        <p:blipFill rotWithShape="1">
-          <a:blip r:embed="rId4">
-            <a:extLst>
-              <a:ext uri="{28A0092B-C50C-407E-A947-70E740481C1C}">
-                <a14:useLocalDpi xmlns:a14="http://schemas.microsoft.com/office/drawing/2010/main" val="0"/>
-              </a:ext>
-            </a:extLst>
-          </a:blip>
-          <a:srcRect l="28567" t="10984" r="29591" b="14630"/>
-          <a:stretch/>
-        </p:blipFill>
-        <p:spPr bwMode="auto">
-          <a:xfrm>
-            <a:off x="11208375" y="2563637"/>
-            <a:ext cx="465430" cy="465430"/>
-          </a:xfrm>
-          <a:prstGeom prst="rect">
-            <a:avLst/>
-          </a:prstGeom>
-          <a:noFill/>
-          <a:extLst>
-            <a:ext uri="{909E8E84-426E-40DD-AFC4-6F175D3DCCD1}">
-              <a14:hiddenFill xmlns:a14="http://schemas.microsoft.com/office/drawing/2010/main">
-                <a:solidFill>
-                  <a:srgbClr val="FFFFFF"/>
-                </a:solidFill>
-              </a14:hiddenFill>
-            </a:ext>
-          </a:extLst>
-        </p:spPr>
-      </p:pic>
-      <p:cxnSp>
-        <p:nvCxnSpPr>
-          <p:cNvPr id="20" name="꺾인 연결선[E] 19">
-            <a:extLst>
-              <a:ext uri="{FF2B5EF4-FFF2-40B4-BE49-F238E27FC236}">
-                <a16:creationId xmlns:a16="http://schemas.microsoft.com/office/drawing/2014/main" id="{840BDB77-BCB7-7958-D61D-6C83D1218510}"/>
-              </a:ext>
-            </a:extLst>
-          </p:cNvPr>
-          <p:cNvCxnSpPr>
-            <a:cxnSpLocks/>
-            <a:stCxn id="17" idx="1"/>
-            <a:endCxn id="1026" idx="3"/>
-          </p:cNvCxnSpPr>
-          <p:nvPr/>
-        </p:nvCxnSpPr>
-        <p:spPr>
-          <a:xfrm rot="10800000" flipV="1">
-            <a:off x="9895537" y="2796352"/>
-            <a:ext cx="1312838" cy="456938"/>
-          </a:xfrm>
-          <a:prstGeom prst="bentConnector3">
-            <a:avLst>
-              <a:gd name="adj1" fmla="val 50000"/>
-            </a:avLst>
-          </a:prstGeom>
-        </p:spPr>
-        <p:style>
-          <a:lnRef idx="2">
-            <a:schemeClr val="accent1"/>
-          </a:lnRef>
-          <a:fillRef idx="0">
-            <a:schemeClr val="accent1"/>
-          </a:fillRef>
-          <a:effectRef idx="1">
-            <a:schemeClr val="accent1"/>
-          </a:effectRef>
-          <a:fontRef idx="minor">
-            <a:schemeClr val="tx1"/>
-          </a:fontRef>
-        </p:style>
-      </p:cxnSp>
-      <p:cxnSp>
-        <p:nvCxnSpPr>
-          <p:cNvPr id="46" name="꺾인 연결선[E] 45">
-            <a:extLst>
-              <a:ext uri="{FF2B5EF4-FFF2-40B4-BE49-F238E27FC236}">
-                <a16:creationId xmlns:a16="http://schemas.microsoft.com/office/drawing/2014/main" id="{9EDC3DC1-D47C-A99B-B734-BDC68BAFF980}"/>
-              </a:ext>
-            </a:extLst>
-          </p:cNvPr>
-          <p:cNvCxnSpPr>
-            <a:cxnSpLocks/>
-            <a:stCxn id="13" idx="1"/>
-            <a:endCxn id="1026" idx="3"/>
-          </p:cNvCxnSpPr>
-          <p:nvPr/>
-        </p:nvCxnSpPr>
-        <p:spPr>
-          <a:xfrm rot="10800000">
-            <a:off x="9895537" y="3253290"/>
-            <a:ext cx="1312838" cy="445352"/>
-          </a:xfrm>
-          <a:prstGeom prst="bentConnector3">
-            <a:avLst>
-              <a:gd name="adj1" fmla="val 50000"/>
-            </a:avLst>
-          </a:prstGeom>
-        </p:spPr>
-        <p:style>
-          <a:lnRef idx="2">
-            <a:schemeClr val="accent1"/>
-          </a:lnRef>
-          <a:fillRef idx="0">
-            <a:schemeClr val="accent1"/>
-          </a:fillRef>
-          <a:effectRef idx="1">
-            <a:schemeClr val="accent1"/>
-          </a:effectRef>
-          <a:fontRef idx="minor">
-            <a:schemeClr val="tx1"/>
-          </a:fontRef>
-        </p:style>
-      </p:cxnSp>
-      <p:cxnSp>
-        <p:nvCxnSpPr>
-          <p:cNvPr id="1025" name="꺾인 연결선[E] 1024">
-            <a:extLst>
-              <a:ext uri="{FF2B5EF4-FFF2-40B4-BE49-F238E27FC236}">
-                <a16:creationId xmlns:a16="http://schemas.microsoft.com/office/drawing/2014/main" id="{775E5D73-4837-8715-689A-C56F25A0C95A}"/>
-              </a:ext>
-            </a:extLst>
-          </p:cNvPr>
-          <p:cNvCxnSpPr>
-            <a:cxnSpLocks/>
-            <a:stCxn id="13" idx="1"/>
-            <a:endCxn id="3" idx="0"/>
-          </p:cNvCxnSpPr>
-          <p:nvPr/>
-        </p:nvCxnSpPr>
-        <p:spPr>
-          <a:xfrm rot="10800000" flipV="1">
-            <a:off x="10868411" y="3698642"/>
-            <a:ext cx="339965" cy="675820"/>
-          </a:xfrm>
-          <a:prstGeom prst="bentConnector2">
-            <a:avLst/>
-          </a:prstGeom>
-        </p:spPr>
-        <p:style>
-          <a:lnRef idx="2">
-            <a:schemeClr val="accent1"/>
-          </a:lnRef>
-          <a:fillRef idx="0">
-            <a:schemeClr val="accent1"/>
-          </a:fillRef>
-          <a:effectRef idx="1">
-            <a:schemeClr val="accent1"/>
-          </a:effectRef>
-          <a:fontRef idx="minor">
-            <a:schemeClr val="tx1"/>
-          </a:fontRef>
-        </p:style>
-      </p:cxnSp>
-      <p:cxnSp>
-        <p:nvCxnSpPr>
-          <p:cNvPr id="1041" name="꺾인 연결선[E] 1040">
-            <a:extLst>
-              <a:ext uri="{FF2B5EF4-FFF2-40B4-BE49-F238E27FC236}">
-                <a16:creationId xmlns:a16="http://schemas.microsoft.com/office/drawing/2014/main" id="{057F2AAA-880E-C167-FE14-1A5AE3AC603C}"/>
-              </a:ext>
-            </a:extLst>
-          </p:cNvPr>
-          <p:cNvCxnSpPr>
-            <a:cxnSpLocks/>
-            <a:stCxn id="18" idx="1"/>
-            <a:endCxn id="1043" idx="3"/>
-          </p:cNvCxnSpPr>
-          <p:nvPr/>
-        </p:nvCxnSpPr>
-        <p:spPr>
-          <a:xfrm rot="10800000">
-            <a:off x="8202088" y="4180565"/>
-            <a:ext cx="1261948" cy="264417"/>
-          </a:xfrm>
-          <a:prstGeom prst="bentConnector3">
-            <a:avLst>
-              <a:gd name="adj1" fmla="val 50000"/>
-            </a:avLst>
-          </a:prstGeom>
-        </p:spPr>
-        <p:style>
-          <a:lnRef idx="2">
-            <a:schemeClr val="accent1"/>
-          </a:lnRef>
-          <a:fillRef idx="0">
-            <a:schemeClr val="accent1"/>
-          </a:fillRef>
-          <a:effectRef idx="1">
-            <a:schemeClr val="accent1"/>
-          </a:effectRef>
-          <a:fontRef idx="minor">
-            <a:schemeClr val="tx1"/>
-          </a:fontRef>
-        </p:style>
-      </p:cxnSp>
-      <p:sp>
-        <p:nvSpPr>
-          <p:cNvPr id="26" name="처리 25">
-            <a:extLst>
-              <a:ext uri="{FF2B5EF4-FFF2-40B4-BE49-F238E27FC236}">
-                <a16:creationId xmlns:a16="http://schemas.microsoft.com/office/drawing/2014/main" id="{EB7ADC3C-C91C-23BF-988B-06D1300A67FA}"/>
-              </a:ext>
-            </a:extLst>
-          </p:cNvPr>
-          <p:cNvSpPr/>
-          <p:nvPr/>
-        </p:nvSpPr>
-        <p:spPr>
-          <a:xfrm>
-            <a:off x="6861666" y="4741336"/>
-            <a:ext cx="1203109" cy="243942"/>
-          </a:xfrm>
-          <a:prstGeom prst="flowChartProcess">
-            <a:avLst/>
-          </a:prstGeom>
-          <a:solidFill>
-            <a:schemeClr val="accent1"/>
-          </a:solidFill>
-          <a:ln>
-            <a:noFill/>
-          </a:ln>
-        </p:spPr>
-        <p:style>
-          <a:lnRef idx="2">
-            <a:schemeClr val="accent1">
-              <a:shade val="15000"/>
-            </a:schemeClr>
-          </a:lnRef>
-          <a:fillRef idx="1">
-            <a:schemeClr val="accent1"/>
-          </a:fillRef>
-          <a:effectRef idx="0">
-            <a:schemeClr val="accent1"/>
-          </a:effectRef>
-          <a:fontRef idx="minor">
-            <a:schemeClr val="lt1"/>
-          </a:fontRef>
-        </p:style>
-        <p:txBody>
-          <a:bodyPr rtlCol="0" anchor="ctr"/>
-          <a:lstStyle/>
-          <a:p>
-            <a:pPr algn="ctr"/>
-            <a:r>
-              <a:rPr kumimoji="1" lang="en-US" altLang="ko-KR" sz="900" b="1" dirty="0" err="1">
-                <a:latin typeface="KoPubWorldDotum Bold" pitchFamily="2" charset="-127"/>
-                <a:ea typeface="KoPubWorldDotum Bold" pitchFamily="2" charset="-127"/>
-                <a:cs typeface="KoPubWorldDotum Bold" pitchFamily="2" charset="-127"/>
-              </a:rPr>
-              <a:t>DelteSession.py</a:t>
-            </a:r>
-            <a:endParaRPr kumimoji="1" lang="ko-KR" altLang="en-US" sz="900" b="1" dirty="0">
-              <a:latin typeface="KoPubWorldDotum Bold" pitchFamily="2" charset="-127"/>
-              <a:ea typeface="KoPubWorldDotum Bold" pitchFamily="2" charset="-127"/>
-              <a:cs typeface="KoPubWorldDotum Bold" pitchFamily="2" charset="-127"/>
-            </a:endParaRPr>
-          </a:p>
-        </p:txBody>
-      </p:sp>
-      <p:cxnSp>
-        <p:nvCxnSpPr>
-          <p:cNvPr id="30" name="꺾인 연결선[E] 29">
-            <a:extLst>
-              <a:ext uri="{FF2B5EF4-FFF2-40B4-BE49-F238E27FC236}">
-                <a16:creationId xmlns:a16="http://schemas.microsoft.com/office/drawing/2014/main" id="{452EF380-476F-711F-E59B-E9C084446D0B}"/>
-              </a:ext>
-            </a:extLst>
-          </p:cNvPr>
-          <p:cNvCxnSpPr>
-            <a:cxnSpLocks/>
-            <a:stCxn id="26" idx="1"/>
-            <a:endCxn id="57" idx="3"/>
-          </p:cNvCxnSpPr>
-          <p:nvPr/>
-        </p:nvCxnSpPr>
-        <p:spPr>
-          <a:xfrm rot="10800000">
-            <a:off x="5806550" y="4374463"/>
-            <a:ext cx="1055116" cy="488845"/>
-          </a:xfrm>
-          <a:prstGeom prst="bentConnector3">
-            <a:avLst>
-              <a:gd name="adj1" fmla="val 49444"/>
-            </a:avLst>
-          </a:prstGeom>
-        </p:spPr>
-        <p:style>
-          <a:lnRef idx="2">
-            <a:schemeClr val="accent1"/>
-          </a:lnRef>
-          <a:fillRef idx="0">
-            <a:schemeClr val="accent1"/>
-          </a:fillRef>
-          <a:effectRef idx="1">
-            <a:schemeClr val="accent1"/>
-          </a:effectRef>
-          <a:fontRef idx="minor">
-            <a:schemeClr val="tx1"/>
-          </a:fontRef>
-        </p:style>
-      </p:cxnSp>
-      <p:pic>
-        <p:nvPicPr>
-          <p:cNvPr id="25" name="그림 24">
-            <a:extLst>
-              <a:ext uri="{FF2B5EF4-FFF2-40B4-BE49-F238E27FC236}">
-                <a16:creationId xmlns:a16="http://schemas.microsoft.com/office/drawing/2014/main" id="{09E9DA29-BD6C-C571-3BA6-73F68C3D371C}"/>
-              </a:ext>
-            </a:extLst>
-          </p:cNvPr>
-          <p:cNvPicPr>
-            <a:picLocks noChangeAspect="1"/>
-          </p:cNvPicPr>
-          <p:nvPr/>
-        </p:nvPicPr>
-        <p:blipFill>
-          <a:blip r:embed="rId14">
-            <a:alphaModFix/>
-          </a:blip>
-          <a:stretch>
-            <a:fillRect/>
-          </a:stretch>
-        </p:blipFill>
-        <p:spPr>
-          <a:xfrm>
-            <a:off x="3529925" y="401446"/>
-            <a:ext cx="462143" cy="462143"/>
-          </a:xfrm>
-          <a:prstGeom prst="rect">
-            <a:avLst/>
-          </a:prstGeom>
-        </p:spPr>
-      </p:pic>
-      <p:sp>
-        <p:nvSpPr>
-          <p:cNvPr id="35" name="제목 1">
-            <a:extLst>
-              <a:ext uri="{FF2B5EF4-FFF2-40B4-BE49-F238E27FC236}">
-                <a16:creationId xmlns:a16="http://schemas.microsoft.com/office/drawing/2014/main" id="{68F41F23-2DB1-1E4C-910A-8CF23B8333BC}"/>
-              </a:ext>
-            </a:extLst>
-          </p:cNvPr>
-          <p:cNvSpPr txBox="1">
-            <a:spLocks/>
-          </p:cNvSpPr>
-          <p:nvPr/>
-        </p:nvSpPr>
-        <p:spPr>
-          <a:xfrm>
-            <a:off x="3046861" y="879427"/>
-            <a:ext cx="1418039" cy="360853"/>
-          </a:xfrm>
-          <a:prstGeom prst="rect">
-            <a:avLst/>
-          </a:prstGeom>
-        </p:spPr>
-        <p:txBody>
-          <a:bodyPr vert="horz" lIns="91440" tIns="45720" rIns="91440" bIns="45720" rtlCol="0" anchor="ctr">
-            <a:normAutofit/>
-          </a:bodyPr>
-          <a:lstStyle>
-            <a:lvl1pPr algn="l" defTabSz="914400" rtl="0" eaLnBrk="1" latinLnBrk="1" hangingPunct="1">
-              <a:lnSpc>
-                <a:spcPct val="90000"/>
-              </a:lnSpc>
-              <a:spcBef>
-                <a:spcPct val="0"/>
-              </a:spcBef>
-              <a:buNone/>
-              <a:defRPr sz="4400" kern="1200">
-                <a:solidFill>
-                  <a:schemeClr val="tx1"/>
-                </a:solidFill>
-                <a:latin typeface="+mj-lt"/>
-                <a:ea typeface="+mj-ea"/>
-                <a:cs typeface="+mj-cs"/>
-              </a:defRPr>
-            </a:lvl1pPr>
-          </a:lstStyle>
-          <a:p>
-            <a:pPr algn="ctr"/>
-            <a:r>
-              <a:rPr kumimoji="1" lang="en-US" altLang="ko-KR" sz="900" b="1" dirty="0">
-                <a:latin typeface="KoPubWorldDotum Bold" pitchFamily="2" charset="-127"/>
-                <a:ea typeface="KoPubWorldDotum Bold" pitchFamily="2" charset="-127"/>
-                <a:cs typeface="KoPubWorldDotum Bold" pitchFamily="2" charset="-127"/>
-              </a:rPr>
-              <a:t>Cognito User Pool</a:t>
-            </a:r>
-          </a:p>
-          <a:p>
-            <a:pPr algn="ctr"/>
-            <a:r>
-              <a:rPr kumimoji="1" lang="en-US" altLang="ko-KR" sz="900" b="1" dirty="0">
-                <a:latin typeface="KoPubWorldDotum Bold" pitchFamily="2" charset="-127"/>
-                <a:ea typeface="KoPubWorldDotum Bold" pitchFamily="2" charset="-127"/>
-                <a:cs typeface="KoPubWorldDotum Bold" pitchFamily="2" charset="-127"/>
-              </a:rPr>
-              <a:t>Hosted UI</a:t>
-            </a:r>
-            <a:endParaRPr kumimoji="1" lang="ko-KR" altLang="en-US" sz="900" b="1" dirty="0">
-              <a:latin typeface="KoPubWorldDotum Bold" pitchFamily="2" charset="-127"/>
-              <a:ea typeface="KoPubWorldDotum Bold" pitchFamily="2" charset="-127"/>
-              <a:cs typeface="KoPubWorldDotum Bold" pitchFamily="2" charset="-127"/>
-            </a:endParaRPr>
-          </a:p>
-        </p:txBody>
-      </p:sp>
-      <p:sp>
-        <p:nvSpPr>
-          <p:cNvPr id="1024" name="처리 1023">
-            <a:extLst>
-              <a:ext uri="{FF2B5EF4-FFF2-40B4-BE49-F238E27FC236}">
-                <a16:creationId xmlns:a16="http://schemas.microsoft.com/office/drawing/2014/main" id="{C171848F-012A-258C-CC6E-42196AD92626}"/>
-              </a:ext>
-            </a:extLst>
-          </p:cNvPr>
-          <p:cNvSpPr/>
-          <p:nvPr/>
-        </p:nvSpPr>
-        <p:spPr>
-          <a:xfrm>
-            <a:off x="3135300" y="1884533"/>
-            <a:ext cx="1241157" cy="242431"/>
-          </a:xfrm>
-          <a:prstGeom prst="flowChartProcess">
-            <a:avLst/>
-          </a:prstGeom>
-          <a:solidFill>
-            <a:schemeClr val="accent1"/>
-          </a:solidFill>
-          <a:ln>
-            <a:noFill/>
-          </a:ln>
-        </p:spPr>
-        <p:style>
-          <a:lnRef idx="2">
-            <a:schemeClr val="accent1">
-              <a:shade val="15000"/>
-            </a:schemeClr>
-          </a:lnRef>
-          <a:fillRef idx="1">
-            <a:schemeClr val="accent1"/>
-          </a:fillRef>
-          <a:effectRef idx="0">
-            <a:schemeClr val="accent1"/>
-          </a:effectRef>
-          <a:fontRef idx="minor">
-            <a:schemeClr val="lt1"/>
-          </a:fontRef>
-        </p:style>
-        <p:txBody>
-          <a:bodyPr rtlCol="0" anchor="ctr"/>
-          <a:lstStyle/>
-          <a:p>
-            <a:pPr algn="ctr"/>
-            <a:r>
-              <a:rPr kumimoji="1" lang="en-US" altLang="ko-KR" sz="900" b="1" dirty="0" err="1">
-                <a:latin typeface="KoPubWorldDotum Bold" pitchFamily="2" charset="-127"/>
-                <a:ea typeface="KoPubWorldDotum Bold" pitchFamily="2" charset="-127"/>
-                <a:cs typeface="KoPubWorldDotum Bold" pitchFamily="2" charset="-127"/>
-              </a:rPr>
-              <a:t>Service_script.js</a:t>
-            </a:r>
-            <a:endParaRPr kumimoji="1" lang="ko-KR" altLang="en-US" sz="900" b="1" dirty="0">
-              <a:latin typeface="KoPubWorldDotum Bold" pitchFamily="2" charset="-127"/>
-              <a:ea typeface="KoPubWorldDotum Bold" pitchFamily="2" charset="-127"/>
-              <a:cs typeface="KoPubWorldDotum Bold" pitchFamily="2" charset="-127"/>
-            </a:endParaRPr>
-          </a:p>
-        </p:txBody>
-      </p:sp>
-      <p:sp>
-        <p:nvSpPr>
-          <p:cNvPr id="1038" name="처리 1037">
-            <a:extLst>
-              <a:ext uri="{FF2B5EF4-FFF2-40B4-BE49-F238E27FC236}">
-                <a16:creationId xmlns:a16="http://schemas.microsoft.com/office/drawing/2014/main" id="{2DB953C1-A657-64C5-01DE-8F19E20C8C57}"/>
-              </a:ext>
-            </a:extLst>
-          </p:cNvPr>
-          <p:cNvSpPr/>
-          <p:nvPr/>
-        </p:nvSpPr>
-        <p:spPr>
-          <a:xfrm>
-            <a:off x="3135301" y="1532246"/>
-            <a:ext cx="1241157" cy="242431"/>
-          </a:xfrm>
-          <a:prstGeom prst="flowChartProcess">
-            <a:avLst/>
-          </a:prstGeom>
-          <a:solidFill>
-            <a:schemeClr val="accent1"/>
-          </a:solidFill>
-          <a:ln>
-            <a:noFill/>
-          </a:ln>
-        </p:spPr>
-        <p:style>
-          <a:lnRef idx="2">
-            <a:schemeClr val="accent1">
-              <a:shade val="15000"/>
-            </a:schemeClr>
-          </a:lnRef>
-          <a:fillRef idx="1">
-            <a:schemeClr val="accent1"/>
-          </a:fillRef>
-          <a:effectRef idx="0">
-            <a:schemeClr val="accent1"/>
-          </a:effectRef>
-          <a:fontRef idx="minor">
-            <a:schemeClr val="lt1"/>
-          </a:fontRef>
-        </p:style>
-        <p:txBody>
-          <a:bodyPr rtlCol="0" anchor="ctr"/>
-          <a:lstStyle/>
-          <a:p>
-            <a:pPr algn="ctr"/>
-            <a:r>
-              <a:rPr kumimoji="1" lang="en-US" altLang="ko-KR" sz="900" b="1" dirty="0" err="1">
-                <a:latin typeface="KoPubWorldDotum Bold" pitchFamily="2" charset="-127"/>
-                <a:ea typeface="KoPubWorldDotum Bold" pitchFamily="2" charset="-127"/>
-                <a:cs typeface="KoPubWorldDotum Bold" pitchFamily="2" charset="-127"/>
-              </a:rPr>
-              <a:t>Service_style.css</a:t>
-            </a:r>
-            <a:endParaRPr kumimoji="1" lang="ko-KR" altLang="en-US" sz="900" b="1" dirty="0">
-              <a:latin typeface="KoPubWorldDotum Bold" pitchFamily="2" charset="-127"/>
-              <a:ea typeface="KoPubWorldDotum Bold" pitchFamily="2" charset="-127"/>
-              <a:cs typeface="KoPubWorldDotum Bold" pitchFamily="2" charset="-127"/>
-            </a:endParaRPr>
-          </a:p>
-        </p:txBody>
-      </p:sp>
-      <p:cxnSp>
-        <p:nvCxnSpPr>
-          <p:cNvPr id="1045" name="꺾인 연결선[E] 1044">
-            <a:extLst>
-              <a:ext uri="{FF2B5EF4-FFF2-40B4-BE49-F238E27FC236}">
-                <a16:creationId xmlns:a16="http://schemas.microsoft.com/office/drawing/2014/main" id="{57440D5B-CC22-4472-27CB-16FBD72CB5B1}"/>
-              </a:ext>
-            </a:extLst>
-          </p:cNvPr>
-          <p:cNvCxnSpPr>
-            <a:cxnSpLocks/>
-            <a:stCxn id="41" idx="1"/>
-            <a:endCxn id="1024" idx="3"/>
-          </p:cNvCxnSpPr>
-          <p:nvPr/>
-        </p:nvCxnSpPr>
-        <p:spPr>
-          <a:xfrm rot="10800000" flipV="1">
-            <a:off x="4376458" y="1814823"/>
-            <a:ext cx="550239" cy="190925"/>
-          </a:xfrm>
-          <a:prstGeom prst="bentConnector3">
-            <a:avLst>
-              <a:gd name="adj1" fmla="val 50000"/>
-            </a:avLst>
-          </a:prstGeom>
-        </p:spPr>
-        <p:style>
-          <a:lnRef idx="2">
-            <a:schemeClr val="accent1"/>
-          </a:lnRef>
-          <a:fillRef idx="0">
-            <a:schemeClr val="accent1"/>
-          </a:fillRef>
-          <a:effectRef idx="1">
-            <a:schemeClr val="accent1"/>
-          </a:effectRef>
-          <a:fontRef idx="minor">
-            <a:schemeClr val="tx1"/>
-          </a:fontRef>
-        </p:style>
-      </p:cxnSp>
-      <p:cxnSp>
-        <p:nvCxnSpPr>
-          <p:cNvPr id="1073" name="직선 화살표 연결선 1072">
-            <a:extLst>
-              <a:ext uri="{FF2B5EF4-FFF2-40B4-BE49-F238E27FC236}">
-                <a16:creationId xmlns:a16="http://schemas.microsoft.com/office/drawing/2014/main" id="{08BE03F6-8978-4CAA-0263-A9EC79CCC3CB}"/>
-              </a:ext>
-            </a:extLst>
-          </p:cNvPr>
-          <p:cNvCxnSpPr>
-            <a:cxnSpLocks/>
-            <a:stCxn id="41" idx="3"/>
-            <a:endCxn id="1058" idx="1"/>
-          </p:cNvCxnSpPr>
-          <p:nvPr/>
-        </p:nvCxnSpPr>
-        <p:spPr>
-          <a:xfrm flipV="1">
-            <a:off x="6167853" y="1813371"/>
-            <a:ext cx="700206" cy="1453"/>
-          </a:xfrm>
-          <a:prstGeom prst="straightConnector1">
-            <a:avLst/>
-          </a:prstGeom>
-          <a:ln>
-            <a:headEnd type="none" w="med" len="med"/>
-            <a:tailEnd type="none" w="med" len="med"/>
-          </a:ln>
-        </p:spPr>
-        <p:style>
-          <a:lnRef idx="2">
-            <a:schemeClr val="accent1"/>
-          </a:lnRef>
-          <a:fillRef idx="0">
-            <a:schemeClr val="accent1"/>
-          </a:fillRef>
-          <a:effectRef idx="1">
-            <a:schemeClr val="accent1"/>
-          </a:effectRef>
-          <a:fontRef idx="minor">
-            <a:schemeClr val="tx1"/>
-          </a:fontRef>
-        </p:style>
-      </p:cxnSp>
-      <p:cxnSp>
-        <p:nvCxnSpPr>
-          <p:cNvPr id="1078" name="꺾인 연결선[E] 1077">
-            <a:extLst>
-              <a:ext uri="{FF2B5EF4-FFF2-40B4-BE49-F238E27FC236}">
-                <a16:creationId xmlns:a16="http://schemas.microsoft.com/office/drawing/2014/main" id="{CF3F10E8-72FA-9A19-21C4-38F989671C3A}"/>
-              </a:ext>
-            </a:extLst>
-          </p:cNvPr>
-          <p:cNvCxnSpPr>
-            <a:cxnSpLocks/>
-            <a:stCxn id="41" idx="1"/>
-            <a:endCxn id="1038" idx="3"/>
-          </p:cNvCxnSpPr>
-          <p:nvPr/>
-        </p:nvCxnSpPr>
-        <p:spPr>
-          <a:xfrm rot="10800000">
-            <a:off x="4376458" y="1653462"/>
-            <a:ext cx="550238" cy="161362"/>
-          </a:xfrm>
-          <a:prstGeom prst="bentConnector3">
-            <a:avLst>
-              <a:gd name="adj1" fmla="val 50000"/>
-            </a:avLst>
-          </a:prstGeom>
-        </p:spPr>
-        <p:style>
-          <a:lnRef idx="2">
-            <a:schemeClr val="accent1"/>
-          </a:lnRef>
-          <a:fillRef idx="0">
-            <a:schemeClr val="accent1"/>
-          </a:fillRef>
-          <a:effectRef idx="1">
-            <a:schemeClr val="accent1"/>
-          </a:effectRef>
-          <a:fontRef idx="minor">
-            <a:schemeClr val="tx1"/>
-          </a:fontRef>
-        </p:style>
-      </p:cxnSp>
     </p:spTree>
     <p:extLst>
       <p:ext uri="{BB962C8B-B14F-4D97-AF65-F5344CB8AC3E}">

--- a/documents/개발계획서.pptx
+++ b/documents/개발계획서.pptx
@@ -206,7 +206,7 @@
           <a:p>
             <a:fld id="{9458FFD9-5838-1449-9919-C8A4367C6D0D}" type="datetimeFigureOut">
               <a:rPr kumimoji="1" lang="ko-KR" altLang="en-US" smtClean="0"/>
-              <a:t>2024. 12. 29.</a:t>
+              <a:t>2025. 1. 5.</a:t>
             </a:fld>
             <a:endParaRPr kumimoji="1" lang="ko-KR" altLang="en-US"/>
           </a:p>
@@ -871,7 +871,7 @@
           <a:p>
             <a:fld id="{B2310862-A932-4A4D-BE7A-7832C8DBE490}" type="datetimeFigureOut">
               <a:rPr kumimoji="1" lang="ko-KR" altLang="en-US" smtClean="0"/>
-              <a:t>2024. 12. 29.</a:t>
+              <a:t>2025. 1. 5.</a:t>
             </a:fld>
             <a:endParaRPr kumimoji="1" lang="ko-KR" altLang="en-US"/>
           </a:p>
@@ -1041,7 +1041,7 @@
           <a:p>
             <a:fld id="{B2310862-A932-4A4D-BE7A-7832C8DBE490}" type="datetimeFigureOut">
               <a:rPr kumimoji="1" lang="ko-KR" altLang="en-US" smtClean="0"/>
-              <a:t>2024. 12. 29.</a:t>
+              <a:t>2025. 1. 5.</a:t>
             </a:fld>
             <a:endParaRPr kumimoji="1" lang="ko-KR" altLang="en-US"/>
           </a:p>
@@ -1221,7 +1221,7 @@
           <a:p>
             <a:fld id="{B2310862-A932-4A4D-BE7A-7832C8DBE490}" type="datetimeFigureOut">
               <a:rPr kumimoji="1" lang="ko-KR" altLang="en-US" smtClean="0"/>
-              <a:t>2024. 12. 29.</a:t>
+              <a:t>2025. 1. 5.</a:t>
             </a:fld>
             <a:endParaRPr kumimoji="1" lang="ko-KR" altLang="en-US"/>
           </a:p>
@@ -1391,7 +1391,7 @@
           <a:p>
             <a:fld id="{B2310862-A932-4A4D-BE7A-7832C8DBE490}" type="datetimeFigureOut">
               <a:rPr kumimoji="1" lang="ko-KR" altLang="en-US" smtClean="0"/>
-              <a:t>2024. 12. 29.</a:t>
+              <a:t>2025. 1. 5.</a:t>
             </a:fld>
             <a:endParaRPr kumimoji="1" lang="ko-KR" altLang="en-US"/>
           </a:p>
@@ -1637,7 +1637,7 @@
           <a:p>
             <a:fld id="{B2310862-A932-4A4D-BE7A-7832C8DBE490}" type="datetimeFigureOut">
               <a:rPr kumimoji="1" lang="ko-KR" altLang="en-US" smtClean="0"/>
-              <a:t>2024. 12. 29.</a:t>
+              <a:t>2025. 1. 5.</a:t>
             </a:fld>
             <a:endParaRPr kumimoji="1" lang="ko-KR" altLang="en-US"/>
           </a:p>
@@ -1869,7 +1869,7 @@
           <a:p>
             <a:fld id="{B2310862-A932-4A4D-BE7A-7832C8DBE490}" type="datetimeFigureOut">
               <a:rPr kumimoji="1" lang="ko-KR" altLang="en-US" smtClean="0"/>
-              <a:t>2024. 12. 29.</a:t>
+              <a:t>2025. 1. 5.</a:t>
             </a:fld>
             <a:endParaRPr kumimoji="1" lang="ko-KR" altLang="en-US"/>
           </a:p>
@@ -2236,7 +2236,7 @@
           <a:p>
             <a:fld id="{B2310862-A932-4A4D-BE7A-7832C8DBE490}" type="datetimeFigureOut">
               <a:rPr kumimoji="1" lang="ko-KR" altLang="en-US" smtClean="0"/>
-              <a:t>2024. 12. 29.</a:t>
+              <a:t>2025. 1. 5.</a:t>
             </a:fld>
             <a:endParaRPr kumimoji="1" lang="ko-KR" altLang="en-US"/>
           </a:p>
@@ -2354,7 +2354,7 @@
           <a:p>
             <a:fld id="{B2310862-A932-4A4D-BE7A-7832C8DBE490}" type="datetimeFigureOut">
               <a:rPr kumimoji="1" lang="ko-KR" altLang="en-US" smtClean="0"/>
-              <a:t>2024. 12. 29.</a:t>
+              <a:t>2025. 1. 5.</a:t>
             </a:fld>
             <a:endParaRPr kumimoji="1" lang="ko-KR" altLang="en-US"/>
           </a:p>
@@ -2449,7 +2449,7 @@
           <a:p>
             <a:fld id="{B2310862-A932-4A4D-BE7A-7832C8DBE490}" type="datetimeFigureOut">
               <a:rPr kumimoji="1" lang="ko-KR" altLang="en-US" smtClean="0"/>
-              <a:t>2024. 12. 29.</a:t>
+              <a:t>2025. 1. 5.</a:t>
             </a:fld>
             <a:endParaRPr kumimoji="1" lang="ko-KR" altLang="en-US"/>
           </a:p>
@@ -2726,7 +2726,7 @@
           <a:p>
             <a:fld id="{B2310862-A932-4A4D-BE7A-7832C8DBE490}" type="datetimeFigureOut">
               <a:rPr kumimoji="1" lang="ko-KR" altLang="en-US" smtClean="0"/>
-              <a:t>2024. 12. 29.</a:t>
+              <a:t>2025. 1. 5.</a:t>
             </a:fld>
             <a:endParaRPr kumimoji="1" lang="ko-KR" altLang="en-US"/>
           </a:p>
@@ -2983,7 +2983,7 @@
           <a:p>
             <a:fld id="{B2310862-A932-4A4D-BE7A-7832C8DBE490}" type="datetimeFigureOut">
               <a:rPr kumimoji="1" lang="ko-KR" altLang="en-US" smtClean="0"/>
-              <a:t>2024. 12. 29.</a:t>
+              <a:t>2025. 1. 5.</a:t>
             </a:fld>
             <a:endParaRPr kumimoji="1" lang="ko-KR" altLang="en-US"/>
           </a:p>
@@ -3196,7 +3196,7 @@
           <a:p>
             <a:fld id="{B2310862-A932-4A4D-BE7A-7832C8DBE490}" type="datetimeFigureOut">
               <a:rPr kumimoji="1" lang="ko-KR" altLang="en-US" smtClean="0"/>
-              <a:t>2024. 12. 29.</a:t>
+              <a:t>2025. 1. 5.</a:t>
             </a:fld>
             <a:endParaRPr kumimoji="1" lang="ko-KR" altLang="en-US"/>
           </a:p>
@@ -3675,7 +3675,7 @@
         </p:nvSpPr>
         <p:spPr>
           <a:xfrm>
-            <a:off x="6953536" y="3731665"/>
+            <a:off x="7347213" y="3731665"/>
             <a:ext cx="2211868" cy="1998578"/>
           </a:xfrm>
           <a:prstGeom prst="rect">
@@ -3743,7 +3743,7 @@
         </p:blipFill>
         <p:spPr bwMode="auto">
           <a:xfrm>
-            <a:off x="4959486" y="6813156"/>
+            <a:off x="2052490" y="6938301"/>
             <a:ext cx="465430" cy="465430"/>
           </a:xfrm>
           <a:prstGeom prst="rect">
@@ -3777,7 +3777,7 @@
         </p:nvSpPr>
         <p:spPr>
           <a:xfrm>
-            <a:off x="4831832" y="7293393"/>
+            <a:off x="1924836" y="7418538"/>
             <a:ext cx="739201" cy="267998"/>
           </a:xfrm>
           <a:prstGeom prst="rect">
@@ -3841,7 +3841,7 @@
         </p:nvSpPr>
         <p:spPr>
           <a:xfrm>
-            <a:off x="6785028" y="7860284"/>
+            <a:off x="3545355" y="8399998"/>
             <a:ext cx="1304524" cy="262033"/>
           </a:xfrm>
           <a:prstGeom prst="rect">
@@ -3881,6 +3881,22 @@
               </a:rPr>
               <a:t>Claude 3.5 Sonnet</a:t>
             </a:r>
+            <a:r>
+              <a:rPr kumimoji="1" lang="ko-KR" altLang="en-US" sz="900" b="1" dirty="0">
+                <a:latin typeface="KoPubWorldDotum Bold" pitchFamily="2" charset="-127"/>
+                <a:ea typeface="KoPubWorldDotum Bold" pitchFamily="2" charset="-127"/>
+                <a:cs typeface="KoPubWorldDotum Bold" pitchFamily="2" charset="-127"/>
+              </a:rPr>
+              <a:t> </a:t>
+            </a:r>
+            <a:r>
+              <a:rPr kumimoji="1" lang="en-US" altLang="ko-KR" sz="900" b="1" dirty="0">
+                <a:latin typeface="KoPubWorldDotum Bold" pitchFamily="2" charset="-127"/>
+                <a:ea typeface="KoPubWorldDotum Bold" pitchFamily="2" charset="-127"/>
+                <a:cs typeface="KoPubWorldDotum Bold" pitchFamily="2" charset="-127"/>
+              </a:rPr>
+              <a:t>V2</a:t>
+            </a:r>
             <a:endParaRPr kumimoji="1" lang="ko-KR" altLang="en-US" sz="900" b="1" dirty="0">
               <a:latin typeface="KoPubWorldDotum Bold" pitchFamily="2" charset="-127"/>
               <a:ea typeface="KoPubWorldDotum Bold" pitchFamily="2" charset="-127"/>
@@ -3916,7 +3932,7 @@
         </p:blipFill>
         <p:spPr bwMode="auto">
           <a:xfrm>
-            <a:off x="7129229" y="7363877"/>
+            <a:off x="3978060" y="7897281"/>
             <a:ext cx="465430" cy="465430"/>
           </a:xfrm>
           <a:prstGeom prst="rect">
@@ -3950,7 +3966,7 @@
         </p:nvSpPr>
         <p:spPr>
           <a:xfrm>
-            <a:off x="8468402" y="7855047"/>
+            <a:off x="3608195" y="7429471"/>
             <a:ext cx="1206609" cy="267998"/>
           </a:xfrm>
           <a:prstGeom prst="rect">
@@ -4036,7 +4052,7 @@
         </p:blipFill>
         <p:spPr>
           <a:xfrm>
-            <a:off x="2989064" y="6813156"/>
+            <a:off x="6252487" y="9097632"/>
             <a:ext cx="465429" cy="465429"/>
           </a:xfrm>
           <a:prstGeom prst="rect">
@@ -4060,7 +4076,7 @@
         </p:nvSpPr>
         <p:spPr>
           <a:xfrm>
-            <a:off x="2761558" y="7290857"/>
+            <a:off x="6024981" y="9575333"/>
             <a:ext cx="869150" cy="267998"/>
           </a:xfrm>
           <a:prstGeom prst="rect">
@@ -4463,7 +4479,7 @@
         </p:blipFill>
         <p:spPr>
           <a:xfrm>
-            <a:off x="10722122" y="9256161"/>
+            <a:off x="9436496" y="10334988"/>
             <a:ext cx="469400" cy="469400"/>
           </a:xfrm>
           <a:prstGeom prst="rect">
@@ -4634,7 +4650,7 @@
         </p:blipFill>
         <p:spPr>
           <a:xfrm>
-            <a:off x="9165404" y="2883406"/>
+            <a:off x="9276914" y="2883406"/>
             <a:ext cx="461327" cy="461327"/>
           </a:xfrm>
           <a:prstGeom prst="rect">
@@ -4658,7 +4674,7 @@
         </p:nvSpPr>
         <p:spPr>
           <a:xfrm>
-            <a:off x="8710135" y="3368609"/>
+            <a:off x="8821645" y="3368609"/>
             <a:ext cx="1372683" cy="267998"/>
           </a:xfrm>
           <a:prstGeom prst="rect">
@@ -4827,12 +4843,12 @@
           <a:p>
             <a:pPr algn="ctr"/>
             <a:r>
-              <a:rPr kumimoji="1" lang="en-US" altLang="ko-KR" sz="900" b="1" dirty="0" err="1">
+              <a:rPr kumimoji="1" lang="en-US" altLang="ko-KR" sz="900" b="1" dirty="0">
                 <a:latin typeface="KoPubWorldDotum Bold" pitchFamily="2" charset="-127"/>
                 <a:ea typeface="KoPubWorldDotum Bold" pitchFamily="2" charset="-127"/>
                 <a:cs typeface="KoPubWorldDotum Bold" pitchFamily="2" charset="-127"/>
               </a:rPr>
-              <a:t>Connect.py</a:t>
+              <a:t>Connect</a:t>
             </a:r>
             <a:endParaRPr kumimoji="1" lang="ko-KR" altLang="en-US" sz="900" b="1" dirty="0">
               <a:latin typeface="KoPubWorldDotum Bold" pitchFamily="2" charset="-127"/>
@@ -4896,7 +4912,7 @@
                 <a:ea typeface="KoPubWorldDotum Bold" pitchFamily="2" charset="-127"/>
                 <a:cs typeface="KoPubWorldDotum Bold" pitchFamily="2" charset="-127"/>
               </a:rPr>
-              <a:t>SendMsg.py</a:t>
+              <a:t>SendMsg</a:t>
             </a:r>
             <a:endParaRPr kumimoji="1" lang="ko-KR" altLang="en-US" sz="900" b="1" dirty="0">
               <a:latin typeface="KoPubWorldDotum Bold" pitchFamily="2" charset="-127"/>
@@ -4955,12 +4971,12 @@
           <a:p>
             <a:pPr algn="ctr"/>
             <a:r>
-              <a:rPr kumimoji="1" lang="en-US" altLang="ko-KR" sz="900" b="1" dirty="0" err="1">
+              <a:rPr kumimoji="1" lang="en-US" altLang="ko-KR" sz="900" b="1" dirty="0">
                 <a:latin typeface="KoPubWorldDotum Bold" pitchFamily="2" charset="-127"/>
                 <a:ea typeface="KoPubWorldDotum Bold" pitchFamily="2" charset="-127"/>
                 <a:cs typeface="KoPubWorldDotum Bold" pitchFamily="2" charset="-127"/>
               </a:rPr>
-              <a:t>Disconnect.py</a:t>
+              <a:t>Disconnect</a:t>
             </a:r>
             <a:endParaRPr kumimoji="1" lang="ko-KR" altLang="en-US" sz="900" b="1" dirty="0">
               <a:latin typeface="KoPubWorldDotum Bold" pitchFamily="2" charset="-127"/>
@@ -5146,7 +5162,7 @@
         </p:blipFill>
         <p:spPr bwMode="auto">
           <a:xfrm>
-            <a:off x="10444118" y="2942857"/>
+            <a:off x="10555628" y="2942857"/>
             <a:ext cx="649591" cy="333312"/>
           </a:xfrm>
           <a:prstGeom prst="rect">
@@ -5182,8 +5198,8 @@
         </p:nvCxnSpPr>
         <p:spPr>
           <a:xfrm flipH="1" flipV="1">
-            <a:off x="2848700" y="1240315"/>
-            <a:ext cx="726746" cy="1323"/>
+            <a:off x="2848701" y="1240315"/>
+            <a:ext cx="779000" cy="1323"/>
           </a:xfrm>
           <a:prstGeom prst="straightConnector1">
             <a:avLst/>
@@ -5226,8 +5242,8 @@
         </p:nvCxnSpPr>
         <p:spPr>
           <a:xfrm flipH="1">
-            <a:off x="4055224" y="1241590"/>
-            <a:ext cx="907859" cy="48"/>
+            <a:off x="4107478" y="1241590"/>
+            <a:ext cx="855605" cy="48"/>
           </a:xfrm>
           <a:prstGeom prst="straightConnector1">
             <a:avLst/>
@@ -5311,7 +5327,7 @@
         </p:nvSpPr>
         <p:spPr>
           <a:xfrm>
-            <a:off x="9998414" y="3368609"/>
+            <a:off x="10109924" y="3368609"/>
             <a:ext cx="1651921" cy="267998"/>
           </a:xfrm>
           <a:prstGeom prst="rect">
@@ -5365,15 +5381,15 @@
           </p:cNvPr>
           <p:cNvCxnSpPr>
             <a:cxnSpLocks/>
-            <a:stCxn id="53" idx="3"/>
-            <a:endCxn id="1028" idx="1"/>
+            <a:stCxn id="1044" idx="3"/>
+            <a:endCxn id="14" idx="1"/>
           </p:cNvCxnSpPr>
           <p:nvPr/>
         </p:nvCxnSpPr>
         <p:spPr>
           <a:xfrm flipV="1">
-            <a:off x="9626731" y="3109513"/>
-            <a:ext cx="817387" cy="4557"/>
+            <a:off x="9559081" y="4730583"/>
+            <a:ext cx="1065654" cy="371"/>
           </a:xfrm>
           <a:prstGeom prst="straightConnector1">
             <a:avLst/>
@@ -5428,7 +5444,7 @@
         </p:blipFill>
         <p:spPr bwMode="auto">
           <a:xfrm>
-            <a:off x="8838991" y="7363877"/>
+            <a:off x="3978784" y="6938301"/>
             <a:ext cx="465430" cy="465430"/>
           </a:xfrm>
           <a:prstGeom prst="rect">
@@ -5446,34 +5462,161 @@
           </a:extLst>
         </p:spPr>
       </p:pic>
+      <p:sp>
+        <p:nvSpPr>
+          <p:cNvPr id="2" name="처리 1">
+            <a:extLst>
+              <a:ext uri="{FF2B5EF4-FFF2-40B4-BE49-F238E27FC236}">
+                <a16:creationId xmlns:a16="http://schemas.microsoft.com/office/drawing/2014/main" id="{24D94196-81AC-D425-7880-C5EC9596E02E}"/>
+              </a:ext>
+            </a:extLst>
+          </p:cNvPr>
+          <p:cNvSpPr/>
+          <p:nvPr/>
+        </p:nvSpPr>
+        <p:spPr>
+          <a:xfrm>
+            <a:off x="2465653" y="4547971"/>
+            <a:ext cx="1203109" cy="243942"/>
+          </a:xfrm>
+          <a:prstGeom prst="flowChartProcess">
+            <a:avLst/>
+          </a:prstGeom>
+          <a:solidFill>
+            <a:schemeClr val="accent1"/>
+          </a:solidFill>
+          <a:ln>
+            <a:noFill/>
+          </a:ln>
+        </p:spPr>
+        <p:style>
+          <a:lnRef idx="2">
+            <a:schemeClr val="accent1">
+              <a:shade val="15000"/>
+            </a:schemeClr>
+          </a:lnRef>
+          <a:fillRef idx="1">
+            <a:schemeClr val="accent1"/>
+          </a:fillRef>
+          <a:effectRef idx="0">
+            <a:schemeClr val="accent1"/>
+          </a:effectRef>
+          <a:fontRef idx="minor">
+            <a:schemeClr val="lt1"/>
+          </a:fontRef>
+        </p:style>
+        <p:txBody>
+          <a:bodyPr rtlCol="0" anchor="ctr"/>
+          <a:lstStyle/>
+          <a:p>
+            <a:pPr algn="ctr"/>
+            <a:r>
+              <a:rPr kumimoji="1" lang="en-US" altLang="ko-KR" sz="900" b="1" dirty="0" err="1">
+                <a:latin typeface="KoPubWorldDotum Bold" pitchFamily="2" charset="-127"/>
+                <a:ea typeface="KoPubWorldDotum Bold" pitchFamily="2" charset="-127"/>
+                <a:cs typeface="KoPubWorldDotum Bold" pitchFamily="2" charset="-127"/>
+              </a:rPr>
+              <a:t>NewSession</a:t>
+            </a:r>
+            <a:endParaRPr kumimoji="1" lang="ko-KR" altLang="en-US" sz="900" b="1" dirty="0">
+              <a:latin typeface="KoPubWorldDotum Bold" pitchFamily="2" charset="-127"/>
+              <a:ea typeface="KoPubWorldDotum Bold" pitchFamily="2" charset="-127"/>
+              <a:cs typeface="KoPubWorldDotum Bold" pitchFamily="2" charset="-127"/>
+            </a:endParaRPr>
+          </a:p>
+        </p:txBody>
+      </p:sp>
+      <p:sp>
+        <p:nvSpPr>
+          <p:cNvPr id="9" name="처리 8">
+            <a:extLst>
+              <a:ext uri="{FF2B5EF4-FFF2-40B4-BE49-F238E27FC236}">
+                <a16:creationId xmlns:a16="http://schemas.microsoft.com/office/drawing/2014/main" id="{D8114163-093C-360E-6931-8D0B6081B6F4}"/>
+              </a:ext>
+            </a:extLst>
+          </p:cNvPr>
+          <p:cNvSpPr/>
+          <p:nvPr/>
+        </p:nvSpPr>
+        <p:spPr>
+          <a:xfrm>
+            <a:off x="2480156" y="3918056"/>
+            <a:ext cx="1203109" cy="243942"/>
+          </a:xfrm>
+          <a:prstGeom prst="flowChartProcess">
+            <a:avLst/>
+          </a:prstGeom>
+          <a:solidFill>
+            <a:schemeClr val="accent1"/>
+          </a:solidFill>
+          <a:ln>
+            <a:noFill/>
+          </a:ln>
+        </p:spPr>
+        <p:style>
+          <a:lnRef idx="2">
+            <a:schemeClr val="accent1">
+              <a:shade val="15000"/>
+            </a:schemeClr>
+          </a:lnRef>
+          <a:fillRef idx="1">
+            <a:schemeClr val="accent1"/>
+          </a:fillRef>
+          <a:effectRef idx="0">
+            <a:schemeClr val="accent1"/>
+          </a:effectRef>
+          <a:fontRef idx="minor">
+            <a:schemeClr val="lt1"/>
+          </a:fontRef>
+        </p:style>
+        <p:txBody>
+          <a:bodyPr rtlCol="0" anchor="ctr"/>
+          <a:lstStyle/>
+          <a:p>
+            <a:pPr algn="ctr"/>
+            <a:r>
+              <a:rPr kumimoji="1" lang="en-US" altLang="ko-KR" sz="900" b="1" dirty="0" err="1">
+                <a:latin typeface="KoPubWorldDotum Bold" pitchFamily="2" charset="-127"/>
+                <a:ea typeface="KoPubWorldDotum Bold" pitchFamily="2" charset="-127"/>
+                <a:cs typeface="KoPubWorldDotum Bold" pitchFamily="2" charset="-127"/>
+              </a:rPr>
+              <a:t>GetSession</a:t>
+            </a:r>
+            <a:endParaRPr kumimoji="1" lang="ko-KR" altLang="en-US" sz="900" b="1" dirty="0">
+              <a:latin typeface="KoPubWorldDotum Bold" pitchFamily="2" charset="-127"/>
+              <a:ea typeface="KoPubWorldDotum Bold" pitchFamily="2" charset="-127"/>
+              <a:cs typeface="KoPubWorldDotum Bold" pitchFamily="2" charset="-127"/>
+            </a:endParaRPr>
+          </a:p>
+        </p:txBody>
+      </p:sp>
       <p:cxnSp>
         <p:nvCxnSpPr>
-          <p:cNvPr id="42" name="직선 화살표 연결선 41">
-            <a:extLst>
-              <a:ext uri="{FF2B5EF4-FFF2-40B4-BE49-F238E27FC236}">
-                <a16:creationId xmlns:a16="http://schemas.microsoft.com/office/drawing/2014/main" id="{AC7837A5-3724-9825-FD95-0F4C3E3563F6}"/>
+          <p:cNvPr id="11" name="꺾인 연결선[E] 10">
+            <a:extLst>
+              <a:ext uri="{FF2B5EF4-FFF2-40B4-BE49-F238E27FC236}">
+                <a16:creationId xmlns:a16="http://schemas.microsoft.com/office/drawing/2014/main" id="{06559759-C710-7689-0DB9-E2CCCCA14EE4}"/>
               </a:ext>
             </a:extLst>
           </p:cNvPr>
           <p:cNvCxnSpPr>
             <a:cxnSpLocks/>
-            <a:stCxn id="23" idx="1"/>
-            <a:endCxn id="3" idx="3"/>
+            <a:stCxn id="2" idx="1"/>
+            <a:endCxn id="57" idx="2"/>
           </p:cNvCxnSpPr>
           <p:nvPr/>
         </p:nvCxnSpPr>
         <p:spPr>
-          <a:xfrm flipH="1">
-            <a:off x="9304421" y="7596592"/>
-            <a:ext cx="1201645" cy="0"/>
-          </a:xfrm>
-          <a:prstGeom prst="straightConnector1">
-            <a:avLst/>
-          </a:prstGeom>
-          <a:ln>
-            <a:headEnd type="none" w="med" len="med"/>
-            <a:tailEnd type="none" w="med" len="med"/>
-          </a:ln>
+          <a:xfrm rot="10800000" flipH="1">
+            <a:off x="2465652" y="3345672"/>
+            <a:ext cx="610595" cy="1324270"/>
+          </a:xfrm>
+          <a:prstGeom prst="bentConnector4">
+            <a:avLst>
+              <a:gd name="adj1" fmla="val -37439"/>
+              <a:gd name="adj2" fmla="val 81077"/>
+            </a:avLst>
+          </a:prstGeom>
         </p:spPr>
         <p:style>
           <a:lnRef idx="2">
@@ -5490,12 +5633,226 @@
           </a:fontRef>
         </p:style>
       </p:cxnSp>
-      <p:sp>
-        <p:nvSpPr>
-          <p:cNvPr id="44" name="제목 1">
-            <a:extLst>
-              <a:ext uri="{FF2B5EF4-FFF2-40B4-BE49-F238E27FC236}">
-                <a16:creationId xmlns:a16="http://schemas.microsoft.com/office/drawing/2014/main" id="{43508820-7D00-3296-E58D-51165381425D}"/>
+      <p:cxnSp>
+        <p:nvCxnSpPr>
+          <p:cNvPr id="34" name="꺾인 연결선[E] 33">
+            <a:extLst>
+              <a:ext uri="{FF2B5EF4-FFF2-40B4-BE49-F238E27FC236}">
+                <a16:creationId xmlns:a16="http://schemas.microsoft.com/office/drawing/2014/main" id="{3FB965EF-BC8D-556E-1DFC-FF7F67D12475}"/>
+              </a:ext>
+            </a:extLst>
+          </p:cNvPr>
+          <p:cNvCxnSpPr>
+            <a:cxnSpLocks/>
+            <a:stCxn id="1054" idx="1"/>
+            <a:endCxn id="24" idx="2"/>
+          </p:cNvCxnSpPr>
+          <p:nvPr/>
+        </p:nvCxnSpPr>
+        <p:spPr>
+          <a:xfrm rot="10800000" flipH="1">
+            <a:off x="4937165" y="3350135"/>
+            <a:ext cx="644973" cy="1316457"/>
+          </a:xfrm>
+          <a:prstGeom prst="bentConnector4">
+            <a:avLst>
+              <a:gd name="adj1" fmla="val -35443"/>
+              <a:gd name="adj2" fmla="val 81003"/>
+            </a:avLst>
+          </a:prstGeom>
+        </p:spPr>
+        <p:style>
+          <a:lnRef idx="2">
+            <a:schemeClr val="accent1"/>
+          </a:lnRef>
+          <a:fillRef idx="0">
+            <a:schemeClr val="accent1"/>
+          </a:fillRef>
+          <a:effectRef idx="1">
+            <a:schemeClr val="accent1"/>
+          </a:effectRef>
+          <a:fontRef idx="minor">
+            <a:schemeClr val="tx1"/>
+          </a:fontRef>
+        </p:style>
+      </p:cxnSp>
+      <p:cxnSp>
+        <p:nvCxnSpPr>
+          <p:cNvPr id="43" name="꺾인 연결선[E] 42">
+            <a:extLst>
+              <a:ext uri="{FF2B5EF4-FFF2-40B4-BE49-F238E27FC236}">
+                <a16:creationId xmlns:a16="http://schemas.microsoft.com/office/drawing/2014/main" id="{89070E6F-D7BA-2052-C553-FABC01E13052}"/>
+              </a:ext>
+            </a:extLst>
+          </p:cNvPr>
+          <p:cNvCxnSpPr>
+            <a:cxnSpLocks/>
+            <a:stCxn id="1052" idx="1"/>
+            <a:endCxn id="24" idx="2"/>
+          </p:cNvCxnSpPr>
+          <p:nvPr/>
+        </p:nvCxnSpPr>
+        <p:spPr>
+          <a:xfrm rot="10800000" flipH="1">
+            <a:off x="4937165" y="3350135"/>
+            <a:ext cx="644973" cy="691201"/>
+          </a:xfrm>
+          <a:prstGeom prst="bentConnector4">
+            <a:avLst>
+              <a:gd name="adj1" fmla="val -35443"/>
+              <a:gd name="adj2" fmla="val 63876"/>
+            </a:avLst>
+          </a:prstGeom>
+        </p:spPr>
+        <p:style>
+          <a:lnRef idx="2">
+            <a:schemeClr val="accent1"/>
+          </a:lnRef>
+          <a:fillRef idx="0">
+            <a:schemeClr val="accent1"/>
+          </a:fillRef>
+          <a:effectRef idx="1">
+            <a:schemeClr val="accent1"/>
+          </a:effectRef>
+          <a:fontRef idx="minor">
+            <a:schemeClr val="tx1"/>
+          </a:fontRef>
+        </p:style>
+      </p:cxnSp>
+      <p:cxnSp>
+        <p:nvCxnSpPr>
+          <p:cNvPr id="50" name="꺾인 연결선[E] 49">
+            <a:extLst>
+              <a:ext uri="{FF2B5EF4-FFF2-40B4-BE49-F238E27FC236}">
+                <a16:creationId xmlns:a16="http://schemas.microsoft.com/office/drawing/2014/main" id="{415530AB-EB1E-A5D9-FC17-723E8967B421}"/>
+              </a:ext>
+            </a:extLst>
+          </p:cNvPr>
+          <p:cNvCxnSpPr>
+            <a:cxnSpLocks/>
+            <a:stCxn id="7" idx="1"/>
+            <a:endCxn id="57" idx="2"/>
+          </p:cNvCxnSpPr>
+          <p:nvPr/>
+        </p:nvCxnSpPr>
+        <p:spPr>
+          <a:xfrm rot="10800000" flipH="1">
+            <a:off x="2467534" y="3345673"/>
+            <a:ext cx="608714" cy="1018697"/>
+          </a:xfrm>
+          <a:prstGeom prst="bentConnector4">
+            <a:avLst>
+              <a:gd name="adj1" fmla="val -37555"/>
+              <a:gd name="adj2" fmla="val 75639"/>
+            </a:avLst>
+          </a:prstGeom>
+        </p:spPr>
+        <p:style>
+          <a:lnRef idx="2">
+            <a:schemeClr val="accent1"/>
+          </a:lnRef>
+          <a:fillRef idx="0">
+            <a:schemeClr val="accent1"/>
+          </a:fillRef>
+          <a:effectRef idx="1">
+            <a:schemeClr val="accent1"/>
+          </a:effectRef>
+          <a:fontRef idx="minor">
+            <a:schemeClr val="tx1"/>
+          </a:fontRef>
+        </p:style>
+      </p:cxnSp>
+      <p:cxnSp>
+        <p:nvCxnSpPr>
+          <p:cNvPr id="60" name="꺾인 연결선[E] 59">
+            <a:extLst>
+              <a:ext uri="{FF2B5EF4-FFF2-40B4-BE49-F238E27FC236}">
+                <a16:creationId xmlns:a16="http://schemas.microsoft.com/office/drawing/2014/main" id="{D5E55D13-2559-110A-0099-F075FDD42166}"/>
+              </a:ext>
+            </a:extLst>
+          </p:cNvPr>
+          <p:cNvCxnSpPr>
+            <a:cxnSpLocks/>
+            <a:stCxn id="9" idx="1"/>
+            <a:endCxn id="57" idx="2"/>
+          </p:cNvCxnSpPr>
+          <p:nvPr/>
+        </p:nvCxnSpPr>
+        <p:spPr>
+          <a:xfrm rot="10800000" flipH="1">
+            <a:off x="2480156" y="3345673"/>
+            <a:ext cx="596092" cy="694355"/>
+          </a:xfrm>
+          <a:prstGeom prst="bentConnector4">
+            <a:avLst>
+              <a:gd name="adj1" fmla="val -40480"/>
+              <a:gd name="adj2" fmla="val 63574"/>
+            </a:avLst>
+          </a:prstGeom>
+        </p:spPr>
+        <p:style>
+          <a:lnRef idx="2">
+            <a:schemeClr val="accent1"/>
+          </a:lnRef>
+          <a:fillRef idx="0">
+            <a:schemeClr val="accent1"/>
+          </a:fillRef>
+          <a:effectRef idx="1">
+            <a:schemeClr val="accent1"/>
+          </a:effectRef>
+          <a:fontRef idx="minor">
+            <a:schemeClr val="tx1"/>
+          </a:fontRef>
+        </p:style>
+      </p:cxnSp>
+      <p:cxnSp>
+        <p:nvCxnSpPr>
+          <p:cNvPr id="1067" name="꺾인 연결선[E] 1066">
+            <a:extLst>
+              <a:ext uri="{FF2B5EF4-FFF2-40B4-BE49-F238E27FC236}">
+                <a16:creationId xmlns:a16="http://schemas.microsoft.com/office/drawing/2014/main" id="{ADB27A0D-2290-9799-7878-C12367C7B254}"/>
+              </a:ext>
+            </a:extLst>
+          </p:cNvPr>
+          <p:cNvCxnSpPr>
+            <a:cxnSpLocks/>
+            <a:stCxn id="1026" idx="0"/>
+            <a:endCxn id="1281" idx="2"/>
+          </p:cNvCxnSpPr>
+          <p:nvPr/>
+        </p:nvCxnSpPr>
+        <p:spPr>
+          <a:xfrm rot="5400000" flipH="1" flipV="1">
+            <a:off x="2894365" y="5623109"/>
+            <a:ext cx="706033" cy="1924352"/>
+          </a:xfrm>
+          <a:prstGeom prst="bentConnector3">
+            <a:avLst>
+              <a:gd name="adj1" fmla="val 50000"/>
+            </a:avLst>
+          </a:prstGeom>
+        </p:spPr>
+        <p:style>
+          <a:lnRef idx="2">
+            <a:schemeClr val="accent1"/>
+          </a:lnRef>
+          <a:fillRef idx="0">
+            <a:schemeClr val="accent1"/>
+          </a:fillRef>
+          <a:effectRef idx="1">
+            <a:schemeClr val="accent1"/>
+          </a:effectRef>
+          <a:fontRef idx="minor">
+            <a:schemeClr val="tx1"/>
+          </a:fontRef>
+        </p:style>
+      </p:cxnSp>
+      <p:sp>
+        <p:nvSpPr>
+          <p:cNvPr id="5" name="제목 1">
+            <a:extLst>
+              <a:ext uri="{FF2B5EF4-FFF2-40B4-BE49-F238E27FC236}">
+                <a16:creationId xmlns:a16="http://schemas.microsoft.com/office/drawing/2014/main" id="{65D95CA5-D44B-2EB7-BC26-A8F4140EBB0D}"/>
               </a:ext>
             </a:extLst>
           </p:cNvPr>
@@ -5506,8 +5863,8 @@
         </p:nvSpPr>
         <p:spPr>
           <a:xfrm>
-            <a:off x="10007523" y="7856103"/>
-            <a:ext cx="1462517" cy="267998"/>
+            <a:off x="9187257" y="10809942"/>
+            <a:ext cx="967879" cy="267998"/>
           </a:xfrm>
           <a:prstGeom prst="rect">
             <a:avLst/>
@@ -5544,7 +5901,7 @@
                 <a:ea typeface="KoPubWorldDotum Bold" pitchFamily="2" charset="-127"/>
                 <a:cs typeface="KoPubWorldDotum Bold" pitchFamily="2" charset="-127"/>
               </a:rPr>
-              <a:t>RDS</a:t>
+              <a:t>WAF</a:t>
             </a:r>
             <a:endParaRPr kumimoji="1" lang="ko-KR" altLang="en-US" sz="900" b="1" dirty="0">
               <a:latin typeface="KoPubWorldDotum Bold" pitchFamily="2" charset="-127"/>
@@ -5556,395 +5913,10 @@
       </p:sp>
       <p:sp>
         <p:nvSpPr>
-          <p:cNvPr id="2" name="처리 1">
-            <a:extLst>
-              <a:ext uri="{FF2B5EF4-FFF2-40B4-BE49-F238E27FC236}">
-                <a16:creationId xmlns:a16="http://schemas.microsoft.com/office/drawing/2014/main" id="{24D94196-81AC-D425-7880-C5EC9596E02E}"/>
-              </a:ext>
-            </a:extLst>
-          </p:cNvPr>
-          <p:cNvSpPr/>
-          <p:nvPr/>
-        </p:nvSpPr>
-        <p:spPr>
-          <a:xfrm>
-            <a:off x="2465653" y="4547971"/>
-            <a:ext cx="1203109" cy="243942"/>
-          </a:xfrm>
-          <a:prstGeom prst="flowChartProcess">
-            <a:avLst/>
-          </a:prstGeom>
-          <a:solidFill>
-            <a:schemeClr val="accent1"/>
-          </a:solidFill>
-          <a:ln>
-            <a:noFill/>
-          </a:ln>
-        </p:spPr>
-        <p:style>
-          <a:lnRef idx="2">
-            <a:schemeClr val="accent1">
-              <a:shade val="15000"/>
-            </a:schemeClr>
-          </a:lnRef>
-          <a:fillRef idx="1">
-            <a:schemeClr val="accent1"/>
-          </a:fillRef>
-          <a:effectRef idx="0">
-            <a:schemeClr val="accent1"/>
-          </a:effectRef>
-          <a:fontRef idx="minor">
-            <a:schemeClr val="lt1"/>
-          </a:fontRef>
-        </p:style>
-        <p:txBody>
-          <a:bodyPr rtlCol="0" anchor="ctr"/>
-          <a:lstStyle/>
-          <a:p>
-            <a:pPr algn="ctr"/>
-            <a:r>
-              <a:rPr kumimoji="1" lang="en-US" altLang="ko-KR" sz="900" b="1" dirty="0" err="1">
-                <a:latin typeface="KoPubWorldDotum Bold" pitchFamily="2" charset="-127"/>
-                <a:ea typeface="KoPubWorldDotum Bold" pitchFamily="2" charset="-127"/>
-                <a:cs typeface="KoPubWorldDotum Bold" pitchFamily="2" charset="-127"/>
-              </a:rPr>
-              <a:t>NewSession.py</a:t>
-            </a:r>
-            <a:endParaRPr kumimoji="1" lang="ko-KR" altLang="en-US" sz="900" b="1" dirty="0">
-              <a:latin typeface="KoPubWorldDotum Bold" pitchFamily="2" charset="-127"/>
-              <a:ea typeface="KoPubWorldDotum Bold" pitchFamily="2" charset="-127"/>
-              <a:cs typeface="KoPubWorldDotum Bold" pitchFamily="2" charset="-127"/>
-            </a:endParaRPr>
-          </a:p>
-        </p:txBody>
-      </p:sp>
-      <p:sp>
-        <p:nvSpPr>
-          <p:cNvPr id="9" name="처리 8">
-            <a:extLst>
-              <a:ext uri="{FF2B5EF4-FFF2-40B4-BE49-F238E27FC236}">
-                <a16:creationId xmlns:a16="http://schemas.microsoft.com/office/drawing/2014/main" id="{D8114163-093C-360E-6931-8D0B6081B6F4}"/>
-              </a:ext>
-            </a:extLst>
-          </p:cNvPr>
-          <p:cNvSpPr/>
-          <p:nvPr/>
-        </p:nvSpPr>
-        <p:spPr>
-          <a:xfrm>
-            <a:off x="2480156" y="3918056"/>
-            <a:ext cx="1203109" cy="243942"/>
-          </a:xfrm>
-          <a:prstGeom prst="flowChartProcess">
-            <a:avLst/>
-          </a:prstGeom>
-          <a:solidFill>
-            <a:schemeClr val="accent1"/>
-          </a:solidFill>
-          <a:ln>
-            <a:noFill/>
-          </a:ln>
-        </p:spPr>
-        <p:style>
-          <a:lnRef idx="2">
-            <a:schemeClr val="accent1">
-              <a:shade val="15000"/>
-            </a:schemeClr>
-          </a:lnRef>
-          <a:fillRef idx="1">
-            <a:schemeClr val="accent1"/>
-          </a:fillRef>
-          <a:effectRef idx="0">
-            <a:schemeClr val="accent1"/>
-          </a:effectRef>
-          <a:fontRef idx="minor">
-            <a:schemeClr val="lt1"/>
-          </a:fontRef>
-        </p:style>
-        <p:txBody>
-          <a:bodyPr rtlCol="0" anchor="ctr"/>
-          <a:lstStyle/>
-          <a:p>
-            <a:pPr algn="ctr"/>
-            <a:r>
-              <a:rPr kumimoji="1" lang="en-US" altLang="ko-KR" sz="900" b="1" dirty="0" err="1">
-                <a:latin typeface="KoPubWorldDotum Bold" pitchFamily="2" charset="-127"/>
-                <a:ea typeface="KoPubWorldDotum Bold" pitchFamily="2" charset="-127"/>
-                <a:cs typeface="KoPubWorldDotum Bold" pitchFamily="2" charset="-127"/>
-              </a:rPr>
-              <a:t>GetSession.py</a:t>
-            </a:r>
-            <a:endParaRPr kumimoji="1" lang="ko-KR" altLang="en-US" sz="900" b="1" dirty="0">
-              <a:latin typeface="KoPubWorldDotum Bold" pitchFamily="2" charset="-127"/>
-              <a:ea typeface="KoPubWorldDotum Bold" pitchFamily="2" charset="-127"/>
-              <a:cs typeface="KoPubWorldDotum Bold" pitchFamily="2" charset="-127"/>
-            </a:endParaRPr>
-          </a:p>
-        </p:txBody>
-      </p:sp>
-      <p:cxnSp>
-        <p:nvCxnSpPr>
-          <p:cNvPr id="11" name="꺾인 연결선[E] 10">
-            <a:extLst>
-              <a:ext uri="{FF2B5EF4-FFF2-40B4-BE49-F238E27FC236}">
-                <a16:creationId xmlns:a16="http://schemas.microsoft.com/office/drawing/2014/main" id="{06559759-C710-7689-0DB9-E2CCCCA14EE4}"/>
-              </a:ext>
-            </a:extLst>
-          </p:cNvPr>
-          <p:cNvCxnSpPr>
-            <a:cxnSpLocks/>
-            <a:stCxn id="2" idx="1"/>
-            <a:endCxn id="57" idx="2"/>
-          </p:cNvCxnSpPr>
-          <p:nvPr/>
-        </p:nvCxnSpPr>
-        <p:spPr>
-          <a:xfrm rot="10800000" flipH="1">
-            <a:off x="2465652" y="3345672"/>
-            <a:ext cx="610595" cy="1324270"/>
-          </a:xfrm>
-          <a:prstGeom prst="bentConnector4">
-            <a:avLst>
-              <a:gd name="adj1" fmla="val -37439"/>
-              <a:gd name="adj2" fmla="val 81077"/>
-            </a:avLst>
-          </a:prstGeom>
-        </p:spPr>
-        <p:style>
-          <a:lnRef idx="2">
-            <a:schemeClr val="accent1"/>
-          </a:lnRef>
-          <a:fillRef idx="0">
-            <a:schemeClr val="accent1"/>
-          </a:fillRef>
-          <a:effectRef idx="1">
-            <a:schemeClr val="accent1"/>
-          </a:effectRef>
-          <a:fontRef idx="minor">
-            <a:schemeClr val="tx1"/>
-          </a:fontRef>
-        </p:style>
-      </p:cxnSp>
-      <p:cxnSp>
-        <p:nvCxnSpPr>
-          <p:cNvPr id="34" name="꺾인 연결선[E] 33">
-            <a:extLst>
-              <a:ext uri="{FF2B5EF4-FFF2-40B4-BE49-F238E27FC236}">
-                <a16:creationId xmlns:a16="http://schemas.microsoft.com/office/drawing/2014/main" id="{3FB965EF-BC8D-556E-1DFC-FF7F67D12475}"/>
-              </a:ext>
-            </a:extLst>
-          </p:cNvPr>
-          <p:cNvCxnSpPr>
-            <a:cxnSpLocks/>
-            <a:stCxn id="1054" idx="1"/>
-            <a:endCxn id="24" idx="2"/>
-          </p:cNvCxnSpPr>
-          <p:nvPr/>
-        </p:nvCxnSpPr>
-        <p:spPr>
-          <a:xfrm rot="10800000" flipH="1">
-            <a:off x="4937165" y="3350135"/>
-            <a:ext cx="644973" cy="1316457"/>
-          </a:xfrm>
-          <a:prstGeom prst="bentConnector4">
-            <a:avLst>
-              <a:gd name="adj1" fmla="val -35443"/>
-              <a:gd name="adj2" fmla="val 81003"/>
-            </a:avLst>
-          </a:prstGeom>
-        </p:spPr>
-        <p:style>
-          <a:lnRef idx="2">
-            <a:schemeClr val="accent1"/>
-          </a:lnRef>
-          <a:fillRef idx="0">
-            <a:schemeClr val="accent1"/>
-          </a:fillRef>
-          <a:effectRef idx="1">
-            <a:schemeClr val="accent1"/>
-          </a:effectRef>
-          <a:fontRef idx="minor">
-            <a:schemeClr val="tx1"/>
-          </a:fontRef>
-        </p:style>
-      </p:cxnSp>
-      <p:cxnSp>
-        <p:nvCxnSpPr>
-          <p:cNvPr id="43" name="꺾인 연결선[E] 42">
-            <a:extLst>
-              <a:ext uri="{FF2B5EF4-FFF2-40B4-BE49-F238E27FC236}">
-                <a16:creationId xmlns:a16="http://schemas.microsoft.com/office/drawing/2014/main" id="{89070E6F-D7BA-2052-C553-FABC01E13052}"/>
-              </a:ext>
-            </a:extLst>
-          </p:cNvPr>
-          <p:cNvCxnSpPr>
-            <a:cxnSpLocks/>
-            <a:stCxn id="1052" idx="1"/>
-            <a:endCxn id="24" idx="2"/>
-          </p:cNvCxnSpPr>
-          <p:nvPr/>
-        </p:nvCxnSpPr>
-        <p:spPr>
-          <a:xfrm rot="10800000" flipH="1">
-            <a:off x="4937165" y="3350135"/>
-            <a:ext cx="644973" cy="691201"/>
-          </a:xfrm>
-          <a:prstGeom prst="bentConnector4">
-            <a:avLst>
-              <a:gd name="adj1" fmla="val -35443"/>
-              <a:gd name="adj2" fmla="val 63876"/>
-            </a:avLst>
-          </a:prstGeom>
-        </p:spPr>
-        <p:style>
-          <a:lnRef idx="2">
-            <a:schemeClr val="accent1"/>
-          </a:lnRef>
-          <a:fillRef idx="0">
-            <a:schemeClr val="accent1"/>
-          </a:fillRef>
-          <a:effectRef idx="1">
-            <a:schemeClr val="accent1"/>
-          </a:effectRef>
-          <a:fontRef idx="minor">
-            <a:schemeClr val="tx1"/>
-          </a:fontRef>
-        </p:style>
-      </p:cxnSp>
-      <p:cxnSp>
-        <p:nvCxnSpPr>
-          <p:cNvPr id="50" name="꺾인 연결선[E] 49">
-            <a:extLst>
-              <a:ext uri="{FF2B5EF4-FFF2-40B4-BE49-F238E27FC236}">
-                <a16:creationId xmlns:a16="http://schemas.microsoft.com/office/drawing/2014/main" id="{415530AB-EB1E-A5D9-FC17-723E8967B421}"/>
-              </a:ext>
-            </a:extLst>
-          </p:cNvPr>
-          <p:cNvCxnSpPr>
-            <a:cxnSpLocks/>
-            <a:stCxn id="7" idx="1"/>
-            <a:endCxn id="57" idx="2"/>
-          </p:cNvCxnSpPr>
-          <p:nvPr/>
-        </p:nvCxnSpPr>
-        <p:spPr>
-          <a:xfrm rot="10800000" flipH="1">
-            <a:off x="2467534" y="3345673"/>
-            <a:ext cx="608714" cy="1018697"/>
-          </a:xfrm>
-          <a:prstGeom prst="bentConnector4">
-            <a:avLst>
-              <a:gd name="adj1" fmla="val -37555"/>
-              <a:gd name="adj2" fmla="val 75639"/>
-            </a:avLst>
-          </a:prstGeom>
-        </p:spPr>
-        <p:style>
-          <a:lnRef idx="2">
-            <a:schemeClr val="accent1"/>
-          </a:lnRef>
-          <a:fillRef idx="0">
-            <a:schemeClr val="accent1"/>
-          </a:fillRef>
-          <a:effectRef idx="1">
-            <a:schemeClr val="accent1"/>
-          </a:effectRef>
-          <a:fontRef idx="minor">
-            <a:schemeClr val="tx1"/>
-          </a:fontRef>
-        </p:style>
-      </p:cxnSp>
-      <p:cxnSp>
-        <p:nvCxnSpPr>
-          <p:cNvPr id="60" name="꺾인 연결선[E] 59">
-            <a:extLst>
-              <a:ext uri="{FF2B5EF4-FFF2-40B4-BE49-F238E27FC236}">
-                <a16:creationId xmlns:a16="http://schemas.microsoft.com/office/drawing/2014/main" id="{D5E55D13-2559-110A-0099-F075FDD42166}"/>
-              </a:ext>
-            </a:extLst>
-          </p:cNvPr>
-          <p:cNvCxnSpPr>
-            <a:cxnSpLocks/>
-            <a:stCxn id="9" idx="1"/>
-            <a:endCxn id="57" idx="2"/>
-          </p:cNvCxnSpPr>
-          <p:nvPr/>
-        </p:nvCxnSpPr>
-        <p:spPr>
-          <a:xfrm rot="10800000" flipH="1">
-            <a:off x="2480156" y="3345673"/>
-            <a:ext cx="596092" cy="694355"/>
-          </a:xfrm>
-          <a:prstGeom prst="bentConnector4">
-            <a:avLst>
-              <a:gd name="adj1" fmla="val -40480"/>
-              <a:gd name="adj2" fmla="val 63574"/>
-            </a:avLst>
-          </a:prstGeom>
-        </p:spPr>
-        <p:style>
-          <a:lnRef idx="2">
-            <a:schemeClr val="accent1"/>
-          </a:lnRef>
-          <a:fillRef idx="0">
-            <a:schemeClr val="accent1"/>
-          </a:fillRef>
-          <a:effectRef idx="1">
-            <a:schemeClr val="accent1"/>
-          </a:effectRef>
-          <a:fontRef idx="minor">
-            <a:schemeClr val="tx1"/>
-          </a:fontRef>
-        </p:style>
-      </p:cxnSp>
-      <p:cxnSp>
-        <p:nvCxnSpPr>
-          <p:cNvPr id="1067" name="꺾인 연결선[E] 1066">
-            <a:extLst>
-              <a:ext uri="{FF2B5EF4-FFF2-40B4-BE49-F238E27FC236}">
-                <a16:creationId xmlns:a16="http://schemas.microsoft.com/office/drawing/2014/main" id="{ADB27A0D-2290-9799-7878-C12367C7B254}"/>
-              </a:ext>
-            </a:extLst>
-          </p:cNvPr>
-          <p:cNvCxnSpPr>
-            <a:cxnSpLocks/>
-            <a:stCxn id="1026" idx="0"/>
-            <a:endCxn id="1281" idx="2"/>
-          </p:cNvCxnSpPr>
-          <p:nvPr/>
-        </p:nvCxnSpPr>
-        <p:spPr>
-          <a:xfrm rot="16200000" flipV="1">
-            <a:off x="4410435" y="6031390"/>
-            <a:ext cx="580888" cy="982644"/>
-          </a:xfrm>
-          <a:prstGeom prst="bentConnector3">
-            <a:avLst>
-              <a:gd name="adj1" fmla="val 50000"/>
-            </a:avLst>
-          </a:prstGeom>
-        </p:spPr>
-        <p:style>
-          <a:lnRef idx="2">
-            <a:schemeClr val="accent1"/>
-          </a:lnRef>
-          <a:fillRef idx="0">
-            <a:schemeClr val="accent1"/>
-          </a:fillRef>
-          <a:effectRef idx="1">
-            <a:schemeClr val="accent1"/>
-          </a:effectRef>
-          <a:fontRef idx="minor">
-            <a:schemeClr val="tx1"/>
-          </a:fontRef>
-        </p:style>
-      </p:cxnSp>
-      <p:sp>
-        <p:nvSpPr>
-          <p:cNvPr id="5" name="제목 1">
-            <a:extLst>
-              <a:ext uri="{FF2B5EF4-FFF2-40B4-BE49-F238E27FC236}">
-                <a16:creationId xmlns:a16="http://schemas.microsoft.com/office/drawing/2014/main" id="{65D95CA5-D44B-2EB7-BC26-A8F4140EBB0D}"/>
+          <p:cNvPr id="12" name="제목 1">
+            <a:extLst>
+              <a:ext uri="{FF2B5EF4-FFF2-40B4-BE49-F238E27FC236}">
+                <a16:creationId xmlns:a16="http://schemas.microsoft.com/office/drawing/2014/main" id="{FA4EB3BE-1A7B-21BC-2153-F4E39E61BC46}"/>
               </a:ext>
             </a:extLst>
           </p:cNvPr>
@@ -5955,8 +5927,8 @@
         </p:nvSpPr>
         <p:spPr>
           <a:xfrm>
-            <a:off x="10472883" y="9731115"/>
-            <a:ext cx="967879" cy="267998"/>
+            <a:off x="1622563" y="8408697"/>
+            <a:ext cx="1304524" cy="262033"/>
           </a:xfrm>
           <a:prstGeom prst="rect">
             <a:avLst/>
@@ -5993,7 +5965,7 @@
                 <a:ea typeface="KoPubWorldDotum Bold" pitchFamily="2" charset="-127"/>
                 <a:cs typeface="KoPubWorldDotum Bold" pitchFamily="2" charset="-127"/>
               </a:rPr>
-              <a:t>WAF</a:t>
+              <a:t>Claude 3 Haiku</a:t>
             </a:r>
             <a:endParaRPr kumimoji="1" lang="ko-KR" altLang="en-US" sz="900" b="1" dirty="0">
               <a:latin typeface="KoPubWorldDotum Bold" pitchFamily="2" charset="-127"/>
@@ -6003,12 +5975,280 @@
           </a:p>
         </p:txBody>
       </p:sp>
-      <p:sp>
-        <p:nvSpPr>
-          <p:cNvPr id="12" name="제목 1">
-            <a:extLst>
-              <a:ext uri="{FF2B5EF4-FFF2-40B4-BE49-F238E27FC236}">
-                <a16:creationId xmlns:a16="http://schemas.microsoft.com/office/drawing/2014/main" id="{FA4EB3BE-1A7B-21BC-2153-F4E39E61BC46}"/>
+      <p:pic>
+        <p:nvPicPr>
+          <p:cNvPr id="17" name="Picture 2" descr="The AI wars heat up with Claude 3, claimed to have “near-human” abilities |  Ars Technica">
+            <a:extLst>
+              <a:ext uri="{FF2B5EF4-FFF2-40B4-BE49-F238E27FC236}">
+                <a16:creationId xmlns:a16="http://schemas.microsoft.com/office/drawing/2014/main" id="{46FC2761-7E9A-6124-5215-BA20F763E78A}"/>
+              </a:ext>
+            </a:extLst>
+          </p:cNvPr>
+          <p:cNvPicPr>
+            <a:picLocks noChangeAspect="1" noChangeArrowheads="1"/>
+          </p:cNvPicPr>
+          <p:nvPr/>
+        </p:nvPicPr>
+        <p:blipFill rotWithShape="1">
+          <a:blip r:embed="rId4">
+            <a:extLst>
+              <a:ext uri="{28A0092B-C50C-407E-A947-70E740481C1C}">
+                <a14:useLocalDpi xmlns:a14="http://schemas.microsoft.com/office/drawing/2010/main" val="0"/>
+              </a:ext>
+            </a:extLst>
+          </a:blip>
+          <a:srcRect l="28567" t="10984" r="29591" b="14630"/>
+          <a:stretch/>
+        </p:blipFill>
+        <p:spPr bwMode="auto">
+          <a:xfrm>
+            <a:off x="2059634" y="7921780"/>
+            <a:ext cx="465430" cy="465430"/>
+          </a:xfrm>
+          <a:prstGeom prst="rect">
+            <a:avLst/>
+          </a:prstGeom>
+          <a:noFill/>
+          <a:extLst>
+            <a:ext uri="{909E8E84-426E-40DD-AFC4-6F175D3DCCD1}">
+              <a14:hiddenFill xmlns:a14="http://schemas.microsoft.com/office/drawing/2010/main">
+                <a:solidFill>
+                  <a:srgbClr val="FFFFFF"/>
+                </a:solidFill>
+              </a14:hiddenFill>
+            </a:ext>
+          </a:extLst>
+        </p:spPr>
+      </p:pic>
+      <p:cxnSp>
+        <p:nvCxnSpPr>
+          <p:cNvPr id="46" name="꺾인 연결선[E] 45">
+            <a:extLst>
+              <a:ext uri="{FF2B5EF4-FFF2-40B4-BE49-F238E27FC236}">
+                <a16:creationId xmlns:a16="http://schemas.microsoft.com/office/drawing/2014/main" id="{9EDC3DC1-D47C-A99B-B734-BDC68BAFF980}"/>
+              </a:ext>
+            </a:extLst>
+          </p:cNvPr>
+          <p:cNvCxnSpPr>
+            <a:cxnSpLocks/>
+            <a:stCxn id="3" idx="0"/>
+            <a:endCxn id="1281" idx="2"/>
+          </p:cNvCxnSpPr>
+          <p:nvPr/>
+        </p:nvCxnSpPr>
+        <p:spPr>
+          <a:xfrm rot="16200000" flipV="1">
+            <a:off x="3857512" y="6584314"/>
+            <a:ext cx="706033" cy="1942"/>
+          </a:xfrm>
+          <a:prstGeom prst="bentConnector3">
+            <a:avLst>
+              <a:gd name="adj1" fmla="val 50000"/>
+            </a:avLst>
+          </a:prstGeom>
+        </p:spPr>
+        <p:style>
+          <a:lnRef idx="2">
+            <a:schemeClr val="accent1"/>
+          </a:lnRef>
+          <a:fillRef idx="0">
+            <a:schemeClr val="accent1"/>
+          </a:fillRef>
+          <a:effectRef idx="1">
+            <a:schemeClr val="accent1"/>
+          </a:effectRef>
+          <a:fontRef idx="minor">
+            <a:schemeClr val="tx1"/>
+          </a:fontRef>
+        </p:style>
+      </p:cxnSp>
+      <p:cxnSp>
+        <p:nvCxnSpPr>
+          <p:cNvPr id="1041" name="꺾인 연결선[E] 1040">
+            <a:extLst>
+              <a:ext uri="{FF2B5EF4-FFF2-40B4-BE49-F238E27FC236}">
+                <a16:creationId xmlns:a16="http://schemas.microsoft.com/office/drawing/2014/main" id="{057F2AAA-880E-C167-FE14-1A5AE3AC603C}"/>
+              </a:ext>
+            </a:extLst>
+          </p:cNvPr>
+          <p:cNvCxnSpPr>
+            <a:cxnSpLocks/>
+            <a:stCxn id="18" idx="0"/>
+            <a:endCxn id="1281" idx="2"/>
+          </p:cNvCxnSpPr>
+          <p:nvPr/>
+        </p:nvCxnSpPr>
+        <p:spPr>
+          <a:xfrm rot="16200000" flipV="1">
+            <a:off x="3914698" y="6527127"/>
+            <a:ext cx="2865364" cy="2275645"/>
+          </a:xfrm>
+          <a:prstGeom prst="bentConnector3">
+            <a:avLst>
+              <a:gd name="adj1" fmla="val 87781"/>
+            </a:avLst>
+          </a:prstGeom>
+        </p:spPr>
+        <p:style>
+          <a:lnRef idx="2">
+            <a:schemeClr val="accent1"/>
+          </a:lnRef>
+          <a:fillRef idx="0">
+            <a:schemeClr val="accent1"/>
+          </a:fillRef>
+          <a:effectRef idx="1">
+            <a:schemeClr val="accent1"/>
+          </a:effectRef>
+          <a:fontRef idx="minor">
+            <a:schemeClr val="tx1"/>
+          </a:fontRef>
+        </p:style>
+      </p:cxnSp>
+      <p:sp>
+        <p:nvSpPr>
+          <p:cNvPr id="26" name="처리 25">
+            <a:extLst>
+              <a:ext uri="{FF2B5EF4-FFF2-40B4-BE49-F238E27FC236}">
+                <a16:creationId xmlns:a16="http://schemas.microsoft.com/office/drawing/2014/main" id="{EB7ADC3C-C91C-23BF-988B-06D1300A67FA}"/>
+              </a:ext>
+            </a:extLst>
+          </p:cNvPr>
+          <p:cNvSpPr/>
+          <p:nvPr/>
+        </p:nvSpPr>
+        <p:spPr>
+          <a:xfrm>
+            <a:off x="2465653" y="4855296"/>
+            <a:ext cx="1203109" cy="243942"/>
+          </a:xfrm>
+          <a:prstGeom prst="flowChartProcess">
+            <a:avLst/>
+          </a:prstGeom>
+          <a:solidFill>
+            <a:schemeClr val="accent1"/>
+          </a:solidFill>
+          <a:ln>
+            <a:noFill/>
+          </a:ln>
+        </p:spPr>
+        <p:style>
+          <a:lnRef idx="2">
+            <a:schemeClr val="accent1">
+              <a:shade val="15000"/>
+            </a:schemeClr>
+          </a:lnRef>
+          <a:fillRef idx="1">
+            <a:schemeClr val="accent1"/>
+          </a:fillRef>
+          <a:effectRef idx="0">
+            <a:schemeClr val="accent1"/>
+          </a:effectRef>
+          <a:fontRef idx="minor">
+            <a:schemeClr val="lt1"/>
+          </a:fontRef>
+        </p:style>
+        <p:txBody>
+          <a:bodyPr rtlCol="0" anchor="ctr"/>
+          <a:lstStyle/>
+          <a:p>
+            <a:pPr algn="ctr"/>
+            <a:r>
+              <a:rPr kumimoji="1" lang="en-US" altLang="ko-KR" sz="900" b="1" dirty="0" err="1">
+                <a:latin typeface="KoPubWorldDotum Bold" pitchFamily="2" charset="-127"/>
+                <a:ea typeface="KoPubWorldDotum Bold" pitchFamily="2" charset="-127"/>
+                <a:cs typeface="KoPubWorldDotum Bold" pitchFamily="2" charset="-127"/>
+              </a:rPr>
+              <a:t>DelteSession</a:t>
+            </a:r>
+            <a:endParaRPr kumimoji="1" lang="ko-KR" altLang="en-US" sz="900" b="1" dirty="0">
+              <a:latin typeface="KoPubWorldDotum Bold" pitchFamily="2" charset="-127"/>
+              <a:ea typeface="KoPubWorldDotum Bold" pitchFamily="2" charset="-127"/>
+              <a:cs typeface="KoPubWorldDotum Bold" pitchFamily="2" charset="-127"/>
+            </a:endParaRPr>
+          </a:p>
+        </p:txBody>
+      </p:sp>
+      <p:cxnSp>
+        <p:nvCxnSpPr>
+          <p:cNvPr id="30" name="꺾인 연결선[E] 29">
+            <a:extLst>
+              <a:ext uri="{FF2B5EF4-FFF2-40B4-BE49-F238E27FC236}">
+                <a16:creationId xmlns:a16="http://schemas.microsoft.com/office/drawing/2014/main" id="{452EF380-476F-711F-E59B-E9C084446D0B}"/>
+              </a:ext>
+            </a:extLst>
+          </p:cNvPr>
+          <p:cNvCxnSpPr>
+            <a:cxnSpLocks/>
+            <a:stCxn id="26" idx="1"/>
+            <a:endCxn id="57" idx="2"/>
+          </p:cNvCxnSpPr>
+          <p:nvPr/>
+        </p:nvCxnSpPr>
+        <p:spPr>
+          <a:xfrm rot="10800000" flipH="1">
+            <a:off x="2465652" y="3345673"/>
+            <a:ext cx="610595" cy="1631595"/>
+          </a:xfrm>
+          <a:prstGeom prst="bentConnector4">
+            <a:avLst>
+              <a:gd name="adj1" fmla="val -37439"/>
+              <a:gd name="adj2" fmla="val 84640"/>
+            </a:avLst>
+          </a:prstGeom>
+        </p:spPr>
+        <p:style>
+          <a:lnRef idx="2">
+            <a:schemeClr val="accent1"/>
+          </a:lnRef>
+          <a:fillRef idx="0">
+            <a:schemeClr val="accent1"/>
+          </a:fillRef>
+          <a:effectRef idx="1">
+            <a:schemeClr val="accent1"/>
+          </a:effectRef>
+          <a:fontRef idx="minor">
+            <a:schemeClr val="tx1"/>
+          </a:fontRef>
+        </p:style>
+      </p:cxnSp>
+      <p:pic>
+        <p:nvPicPr>
+          <p:cNvPr id="25" name="그림 24">
+            <a:extLst>
+              <a:ext uri="{FF2B5EF4-FFF2-40B4-BE49-F238E27FC236}">
+                <a16:creationId xmlns:a16="http://schemas.microsoft.com/office/drawing/2014/main" id="{09E9DA29-BD6C-C571-3BA6-73F68C3D371C}"/>
+              </a:ext>
+            </a:extLst>
+          </p:cNvPr>
+          <p:cNvPicPr>
+            <a:picLocks noChangeAspect="1"/>
+          </p:cNvPicPr>
+          <p:nvPr/>
+        </p:nvPicPr>
+        <p:blipFill>
+          <a:blip r:embed="rId13">
+            <a:alphaModFix/>
+          </a:blip>
+          <a:stretch>
+            <a:fillRect/>
+          </a:stretch>
+        </p:blipFill>
+        <p:spPr>
+          <a:xfrm>
+            <a:off x="3627701" y="1001749"/>
+            <a:ext cx="479777" cy="479777"/>
+          </a:xfrm>
+          <a:prstGeom prst="rect">
+            <a:avLst/>
+          </a:prstGeom>
+        </p:spPr>
+      </p:pic>
+      <p:sp>
+        <p:nvSpPr>
+          <p:cNvPr id="35" name="제목 1">
+            <a:extLst>
+              <a:ext uri="{FF2B5EF4-FFF2-40B4-BE49-F238E27FC236}">
+                <a16:creationId xmlns:a16="http://schemas.microsoft.com/office/drawing/2014/main" id="{68F41F23-2DB1-1E4C-910A-8CF23B8333BC}"/>
               </a:ext>
             </a:extLst>
           </p:cNvPr>
@@ -6019,8 +6259,8 @@
         </p:nvSpPr>
         <p:spPr>
           <a:xfrm>
-            <a:off x="6694159" y="6936056"/>
-            <a:ext cx="1304524" cy="262033"/>
+            <a:off x="3119462" y="1508532"/>
+            <a:ext cx="1418039" cy="269792"/>
           </a:xfrm>
           <a:prstGeom prst="rect">
             <a:avLst/>
@@ -6057,7 +6297,7 @@
                 <a:ea typeface="KoPubWorldDotum Bold" pitchFamily="2" charset="-127"/>
                 <a:cs typeface="KoPubWorldDotum Bold" pitchFamily="2" charset="-127"/>
               </a:rPr>
-              <a:t>Claude 3 Haiku</a:t>
+              <a:t>Cognito Hosted UI</a:t>
             </a:r>
             <a:endParaRPr kumimoji="1" lang="ko-KR" altLang="en-US" sz="900" b="1" dirty="0">
               <a:latin typeface="KoPubWorldDotum Bold" pitchFamily="2" charset="-127"/>
@@ -6067,183 +6307,12 @@
           </a:p>
         </p:txBody>
       </p:sp>
-      <p:pic>
-        <p:nvPicPr>
-          <p:cNvPr id="17" name="Picture 2" descr="The AI wars heat up with Claude 3, claimed to have “near-human” abilities |  Ars Technica">
-            <a:extLst>
-              <a:ext uri="{FF2B5EF4-FFF2-40B4-BE49-F238E27FC236}">
-                <a16:creationId xmlns:a16="http://schemas.microsoft.com/office/drawing/2014/main" id="{46FC2761-7E9A-6124-5215-BA20F763E78A}"/>
-              </a:ext>
-            </a:extLst>
-          </p:cNvPr>
-          <p:cNvPicPr>
-            <a:picLocks noChangeAspect="1" noChangeArrowheads="1"/>
-          </p:cNvPicPr>
-          <p:nvPr/>
-        </p:nvPicPr>
-        <p:blipFill rotWithShape="1">
-          <a:blip r:embed="rId4">
-            <a:extLst>
-              <a:ext uri="{28A0092B-C50C-407E-A947-70E740481C1C}">
-                <a14:useLocalDpi xmlns:a14="http://schemas.microsoft.com/office/drawing/2010/main" val="0"/>
-              </a:ext>
-            </a:extLst>
-          </a:blip>
-          <a:srcRect l="28567" t="10984" r="29591" b="14630"/>
-          <a:stretch/>
-        </p:blipFill>
-        <p:spPr bwMode="auto">
-          <a:xfrm>
-            <a:off x="7131230" y="6449139"/>
-            <a:ext cx="465430" cy="465430"/>
-          </a:xfrm>
-          <a:prstGeom prst="rect">
-            <a:avLst/>
-          </a:prstGeom>
-          <a:noFill/>
-          <a:extLst>
-            <a:ext uri="{909E8E84-426E-40DD-AFC4-6F175D3DCCD1}">
-              <a14:hiddenFill xmlns:a14="http://schemas.microsoft.com/office/drawing/2010/main">
-                <a:solidFill>
-                  <a:srgbClr val="FFFFFF"/>
-                </a:solidFill>
-              </a14:hiddenFill>
-            </a:ext>
-          </a:extLst>
-        </p:spPr>
-      </p:pic>
-      <p:cxnSp>
-        <p:nvCxnSpPr>
-          <p:cNvPr id="20" name="꺾인 연결선[E] 19">
-            <a:extLst>
-              <a:ext uri="{FF2B5EF4-FFF2-40B4-BE49-F238E27FC236}">
-                <a16:creationId xmlns:a16="http://schemas.microsoft.com/office/drawing/2014/main" id="{840BDB77-BCB7-7958-D61D-6C83D1218510}"/>
-              </a:ext>
-            </a:extLst>
-          </p:cNvPr>
-          <p:cNvCxnSpPr>
-            <a:cxnSpLocks/>
-            <a:stCxn id="17" idx="1"/>
-            <a:endCxn id="1026" idx="3"/>
-          </p:cNvCxnSpPr>
-          <p:nvPr/>
-        </p:nvCxnSpPr>
-        <p:spPr>
-          <a:xfrm rot="10800000" flipV="1">
-            <a:off x="5424916" y="6681853"/>
-            <a:ext cx="1706314" cy="364017"/>
-          </a:xfrm>
-          <a:prstGeom prst="bentConnector3">
-            <a:avLst>
-              <a:gd name="adj1" fmla="val 50000"/>
-            </a:avLst>
-          </a:prstGeom>
-        </p:spPr>
-        <p:style>
-          <a:lnRef idx="2">
-            <a:schemeClr val="accent1"/>
-          </a:lnRef>
-          <a:fillRef idx="0">
-            <a:schemeClr val="accent1"/>
-          </a:fillRef>
-          <a:effectRef idx="1">
-            <a:schemeClr val="accent1"/>
-          </a:effectRef>
-          <a:fontRef idx="minor">
-            <a:schemeClr val="tx1"/>
-          </a:fontRef>
-        </p:style>
-      </p:cxnSp>
-      <p:cxnSp>
-        <p:nvCxnSpPr>
-          <p:cNvPr id="46" name="꺾인 연결선[E] 45">
-            <a:extLst>
-              <a:ext uri="{FF2B5EF4-FFF2-40B4-BE49-F238E27FC236}">
-                <a16:creationId xmlns:a16="http://schemas.microsoft.com/office/drawing/2014/main" id="{9EDC3DC1-D47C-A99B-B734-BDC68BAFF980}"/>
-              </a:ext>
-            </a:extLst>
-          </p:cNvPr>
-          <p:cNvCxnSpPr>
-            <a:cxnSpLocks/>
-            <a:stCxn id="13" idx="1"/>
-            <a:endCxn id="1026" idx="3"/>
-          </p:cNvCxnSpPr>
-          <p:nvPr/>
-        </p:nvCxnSpPr>
-        <p:spPr>
-          <a:xfrm rot="10800000">
-            <a:off x="5424917" y="7045872"/>
-            <a:ext cx="1704313" cy="550721"/>
-          </a:xfrm>
-          <a:prstGeom prst="bentConnector3">
-            <a:avLst>
-              <a:gd name="adj1" fmla="val 50000"/>
-            </a:avLst>
-          </a:prstGeom>
-        </p:spPr>
-        <p:style>
-          <a:lnRef idx="2">
-            <a:schemeClr val="accent1"/>
-          </a:lnRef>
-          <a:fillRef idx="0">
-            <a:schemeClr val="accent1"/>
-          </a:fillRef>
-          <a:effectRef idx="1">
-            <a:schemeClr val="accent1"/>
-          </a:effectRef>
-          <a:fontRef idx="minor">
-            <a:schemeClr val="tx1"/>
-          </a:fontRef>
-        </p:style>
-      </p:cxnSp>
-      <p:cxnSp>
-        <p:nvCxnSpPr>
-          <p:cNvPr id="1041" name="꺾인 연결선[E] 1040">
-            <a:extLst>
-              <a:ext uri="{FF2B5EF4-FFF2-40B4-BE49-F238E27FC236}">
-                <a16:creationId xmlns:a16="http://schemas.microsoft.com/office/drawing/2014/main" id="{057F2AAA-880E-C167-FE14-1A5AE3AC603C}"/>
-              </a:ext>
-            </a:extLst>
-          </p:cNvPr>
-          <p:cNvCxnSpPr>
-            <a:cxnSpLocks/>
-            <a:stCxn id="18" idx="0"/>
-            <a:endCxn id="1281" idx="2"/>
-          </p:cNvCxnSpPr>
-          <p:nvPr/>
-        </p:nvCxnSpPr>
-        <p:spPr>
-          <a:xfrm rot="5400000" flipH="1" flipV="1">
-            <a:off x="3425224" y="6028823"/>
-            <a:ext cx="580888" cy="987778"/>
-          </a:xfrm>
-          <a:prstGeom prst="bentConnector3">
-            <a:avLst>
-              <a:gd name="adj1" fmla="val 50000"/>
-            </a:avLst>
-          </a:prstGeom>
-        </p:spPr>
-        <p:style>
-          <a:lnRef idx="2">
-            <a:schemeClr val="accent1"/>
-          </a:lnRef>
-          <a:fillRef idx="0">
-            <a:schemeClr val="accent1"/>
-          </a:fillRef>
-          <a:effectRef idx="1">
-            <a:schemeClr val="accent1"/>
-          </a:effectRef>
-          <a:fontRef idx="minor">
-            <a:schemeClr val="tx1"/>
-          </a:fontRef>
-        </p:style>
-      </p:cxnSp>
-      <p:sp>
-        <p:nvSpPr>
-          <p:cNvPr id="26" name="처리 25">
-            <a:extLst>
-              <a:ext uri="{FF2B5EF4-FFF2-40B4-BE49-F238E27FC236}">
-                <a16:creationId xmlns:a16="http://schemas.microsoft.com/office/drawing/2014/main" id="{EB7ADC3C-C91C-23BF-988B-06D1300A67FA}"/>
+      <p:sp>
+        <p:nvSpPr>
+          <p:cNvPr id="1024" name="처리 1023">
+            <a:extLst>
+              <a:ext uri="{FF2B5EF4-FFF2-40B4-BE49-F238E27FC236}">
+                <a16:creationId xmlns:a16="http://schemas.microsoft.com/office/drawing/2014/main" id="{C171848F-012A-258C-CC6E-42196AD92626}"/>
               </a:ext>
             </a:extLst>
           </p:cNvPr>
@@ -6252,8 +6321,8 @@
         </p:nvSpPr>
         <p:spPr>
           <a:xfrm>
-            <a:off x="2465653" y="4855296"/>
-            <a:ext cx="1203109" cy="243942"/>
+            <a:off x="4963083" y="1120374"/>
+            <a:ext cx="1241157" cy="242431"/>
           </a:xfrm>
           <a:prstGeom prst="flowChartProcess">
             <a:avLst/>
@@ -6287,12 +6356,12 @@
           <a:p>
             <a:pPr algn="ctr"/>
             <a:r>
-              <a:rPr kumimoji="1" lang="en-US" altLang="ko-KR" sz="900" b="1" dirty="0" err="1">
+              <a:rPr kumimoji="1" lang="en-US" altLang="ko-KR" sz="900" b="1" dirty="0">
                 <a:latin typeface="KoPubWorldDotum Bold" pitchFamily="2" charset="-127"/>
                 <a:ea typeface="KoPubWorldDotum Bold" pitchFamily="2" charset="-127"/>
                 <a:cs typeface="KoPubWorldDotum Bold" pitchFamily="2" charset="-127"/>
               </a:rPr>
-              <a:t>DelteSession.py</a:t>
+              <a:t>JAVASCRIPT</a:t>
             </a:r>
             <a:endParaRPr kumimoji="1" lang="ko-KR" altLang="en-US" sz="900" b="1" dirty="0">
               <a:latin typeface="KoPubWorldDotum Bold" pitchFamily="2" charset="-127"/>
@@ -6302,55 +6371,129 @@
           </a:p>
         </p:txBody>
       </p:sp>
-      <p:cxnSp>
-        <p:nvCxnSpPr>
-          <p:cNvPr id="30" name="꺾인 연결선[E] 29">
-            <a:extLst>
-              <a:ext uri="{FF2B5EF4-FFF2-40B4-BE49-F238E27FC236}">
-                <a16:creationId xmlns:a16="http://schemas.microsoft.com/office/drawing/2014/main" id="{452EF380-476F-711F-E59B-E9C084446D0B}"/>
-              </a:ext>
-            </a:extLst>
-          </p:cNvPr>
-          <p:cNvCxnSpPr>
-            <a:cxnSpLocks/>
-            <a:stCxn id="26" idx="1"/>
-            <a:endCxn id="57" idx="2"/>
-          </p:cNvCxnSpPr>
-          <p:nvPr/>
-        </p:nvCxnSpPr>
-        <p:spPr>
-          <a:xfrm rot="10800000" flipH="1">
-            <a:off x="2465652" y="3345673"/>
-            <a:ext cx="610595" cy="1631595"/>
-          </a:xfrm>
-          <a:prstGeom prst="bentConnector4">
-            <a:avLst>
-              <a:gd name="adj1" fmla="val -37439"/>
-              <a:gd name="adj2" fmla="val 84640"/>
-            </a:avLst>
-          </a:prstGeom>
+      <p:sp>
+        <p:nvSpPr>
+          <p:cNvPr id="1038" name="처리 1037">
+            <a:extLst>
+              <a:ext uri="{FF2B5EF4-FFF2-40B4-BE49-F238E27FC236}">
+                <a16:creationId xmlns:a16="http://schemas.microsoft.com/office/drawing/2014/main" id="{2DB953C1-A657-64C5-01DE-8F19E20C8C57}"/>
+              </a:ext>
+            </a:extLst>
+          </p:cNvPr>
+          <p:cNvSpPr/>
+          <p:nvPr/>
+        </p:nvSpPr>
+        <p:spPr>
+          <a:xfrm>
+            <a:off x="4963082" y="434352"/>
+            <a:ext cx="1241157" cy="242431"/>
+          </a:xfrm>
+          <a:prstGeom prst="flowChartProcess">
+            <a:avLst/>
+          </a:prstGeom>
+          <a:solidFill>
+            <a:schemeClr val="accent1"/>
+          </a:solidFill>
+          <a:ln>
+            <a:noFill/>
+          </a:ln>
         </p:spPr>
         <p:style>
           <a:lnRef idx="2">
-            <a:schemeClr val="accent1"/>
+            <a:schemeClr val="accent1">
+              <a:shade val="15000"/>
+            </a:schemeClr>
           </a:lnRef>
-          <a:fillRef idx="0">
+          <a:fillRef idx="1">
             <a:schemeClr val="accent1"/>
           </a:fillRef>
-          <a:effectRef idx="1">
+          <a:effectRef idx="0">
             <a:schemeClr val="accent1"/>
           </a:effectRef>
           <a:fontRef idx="minor">
-            <a:schemeClr val="tx1"/>
+            <a:schemeClr val="lt1"/>
           </a:fontRef>
         </p:style>
-      </p:cxnSp>
+        <p:txBody>
+          <a:bodyPr rtlCol="0" anchor="ctr"/>
+          <a:lstStyle/>
+          <a:p>
+            <a:pPr algn="ctr"/>
+            <a:r>
+              <a:rPr kumimoji="1" lang="en-US" altLang="ko-KR" sz="900" b="1" dirty="0">
+                <a:latin typeface="KoPubWorldDotum Bold" pitchFamily="2" charset="-127"/>
+                <a:ea typeface="KoPubWorldDotum Bold" pitchFamily="2" charset="-127"/>
+                <a:cs typeface="KoPubWorldDotum Bold" pitchFamily="2" charset="-127"/>
+              </a:rPr>
+              <a:t>CSS</a:t>
+            </a:r>
+            <a:endParaRPr kumimoji="1" lang="ko-KR" altLang="en-US" sz="900" b="1" dirty="0">
+              <a:latin typeface="KoPubWorldDotum Bold" pitchFamily="2" charset="-127"/>
+              <a:ea typeface="KoPubWorldDotum Bold" pitchFamily="2" charset="-127"/>
+              <a:cs typeface="KoPubWorldDotum Bold" pitchFamily="2" charset="-127"/>
+            </a:endParaRPr>
+          </a:p>
+        </p:txBody>
+      </p:sp>
+      <p:sp>
+        <p:nvSpPr>
+          <p:cNvPr id="31" name="직사각형 30">
+            <a:extLst>
+              <a:ext uri="{FF2B5EF4-FFF2-40B4-BE49-F238E27FC236}">
+                <a16:creationId xmlns:a16="http://schemas.microsoft.com/office/drawing/2014/main" id="{A713E7F9-51B9-8F73-7862-8A20497AA0F5}"/>
+              </a:ext>
+            </a:extLst>
+          </p:cNvPr>
+          <p:cNvSpPr/>
+          <p:nvPr/>
+        </p:nvSpPr>
+        <p:spPr>
+          <a:xfrm>
+            <a:off x="4831832" y="308181"/>
+            <a:ext cx="3002314" cy="1396574"/>
+          </a:xfrm>
+          <a:prstGeom prst="rect">
+            <a:avLst/>
+          </a:prstGeom>
+          <a:noFill/>
+          <a:ln>
+            <a:solidFill>
+              <a:srgbClr val="000000"/>
+            </a:solidFill>
+            <a:prstDash val="sysDash"/>
+          </a:ln>
+        </p:spPr>
+        <p:style>
+          <a:lnRef idx="2">
+            <a:schemeClr val="accent1">
+              <a:shade val="15000"/>
+            </a:schemeClr>
+          </a:lnRef>
+          <a:fillRef idx="1">
+            <a:schemeClr val="accent1"/>
+          </a:fillRef>
+          <a:effectRef idx="0">
+            <a:schemeClr val="accent1"/>
+          </a:effectRef>
+          <a:fontRef idx="minor">
+            <a:schemeClr val="lt1"/>
+          </a:fontRef>
+        </p:style>
+        <p:txBody>
+          <a:bodyPr rtlCol="0" anchor="ctr"/>
+          <a:lstStyle/>
+          <a:p>
+            <a:pPr algn="ctr"/>
+            <a:endParaRPr kumimoji="1" lang="ko-KR" altLang="en-US" sz="900"/>
+          </a:p>
+        </p:txBody>
+      </p:sp>
       <p:pic>
         <p:nvPicPr>
-          <p:cNvPr id="25" name="그림 24">
-            <a:extLst>
-              <a:ext uri="{FF2B5EF4-FFF2-40B4-BE49-F238E27FC236}">
-                <a16:creationId xmlns:a16="http://schemas.microsoft.com/office/drawing/2014/main" id="{09E9DA29-BD6C-C571-3BA6-73F68C3D371C}"/>
+          <p:cNvPr id="1057" name="그림 1056">
+            <a:extLst>
+              <a:ext uri="{FF2B5EF4-FFF2-40B4-BE49-F238E27FC236}">
+                <a16:creationId xmlns:a16="http://schemas.microsoft.com/office/drawing/2014/main" id="{CC23FB97-2446-B0EA-050A-B105D2CBAE40}"/>
               </a:ext>
             </a:extLst>
           </p:cNvPr>
@@ -6360,17 +6503,15 @@
           <p:nvPr/>
         </p:nvPicPr>
         <p:blipFill>
-          <a:blip r:embed="rId13">
-            <a:alphaModFix/>
-          </a:blip>
+          <a:blip r:embed="rId15"/>
           <a:stretch>
             <a:fillRect/>
           </a:stretch>
         </p:blipFill>
         <p:spPr>
           <a:xfrm>
-            <a:off x="3575447" y="1001749"/>
-            <a:ext cx="479777" cy="479777"/>
+            <a:off x="6015629" y="1499838"/>
+            <a:ext cx="462142" cy="462142"/>
           </a:xfrm>
           <a:prstGeom prst="rect">
             <a:avLst/>
@@ -6379,10 +6520,10 @@
       </p:pic>
       <p:sp>
         <p:nvSpPr>
-          <p:cNvPr id="35" name="제목 1">
-            <a:extLst>
-              <a:ext uri="{FF2B5EF4-FFF2-40B4-BE49-F238E27FC236}">
-                <a16:creationId xmlns:a16="http://schemas.microsoft.com/office/drawing/2014/main" id="{68F41F23-2DB1-1E4C-910A-8CF23B8333BC}"/>
+          <p:cNvPr id="1059" name="제목 1">
+            <a:extLst>
+              <a:ext uri="{FF2B5EF4-FFF2-40B4-BE49-F238E27FC236}">
+                <a16:creationId xmlns:a16="http://schemas.microsoft.com/office/drawing/2014/main" id="{CBEBDBD3-3C67-6B6F-AE99-2105963B4185}"/>
               </a:ext>
             </a:extLst>
           </p:cNvPr>
@@ -6393,8 +6534,8 @@
         </p:nvSpPr>
         <p:spPr>
           <a:xfrm>
-            <a:off x="3067208" y="1508532"/>
-            <a:ext cx="1418039" cy="269792"/>
+            <a:off x="5758257" y="1999590"/>
+            <a:ext cx="967879" cy="267998"/>
           </a:xfrm>
           <a:prstGeom prst="rect">
             <a:avLst/>
@@ -6431,7 +6572,7 @@
                 <a:ea typeface="KoPubWorldDotum Bold" pitchFamily="2" charset="-127"/>
                 <a:cs typeface="KoPubWorldDotum Bold" pitchFamily="2" charset="-127"/>
               </a:rPr>
-              <a:t>Cognito Hosted UI</a:t>
+              <a:t>S3</a:t>
             </a:r>
             <a:endParaRPr kumimoji="1" lang="ko-KR" altLang="en-US" sz="900" b="1" dirty="0">
               <a:latin typeface="KoPubWorldDotum Bold" pitchFamily="2" charset="-127"/>
@@ -6443,221 +6584,10 @@
       </p:sp>
       <p:sp>
         <p:nvSpPr>
-          <p:cNvPr id="1024" name="처리 1023">
-            <a:extLst>
-              <a:ext uri="{FF2B5EF4-FFF2-40B4-BE49-F238E27FC236}">
-                <a16:creationId xmlns:a16="http://schemas.microsoft.com/office/drawing/2014/main" id="{C171848F-012A-258C-CC6E-42196AD92626}"/>
-              </a:ext>
-            </a:extLst>
-          </p:cNvPr>
-          <p:cNvSpPr/>
-          <p:nvPr/>
-        </p:nvSpPr>
-        <p:spPr>
-          <a:xfrm>
-            <a:off x="4963083" y="1120374"/>
-            <a:ext cx="1241157" cy="242431"/>
-          </a:xfrm>
-          <a:prstGeom prst="flowChartProcess">
-            <a:avLst/>
-          </a:prstGeom>
-          <a:solidFill>
-            <a:schemeClr val="accent1"/>
-          </a:solidFill>
-          <a:ln>
-            <a:noFill/>
-          </a:ln>
-        </p:spPr>
-        <p:style>
-          <a:lnRef idx="2">
-            <a:schemeClr val="accent1">
-              <a:shade val="15000"/>
-            </a:schemeClr>
-          </a:lnRef>
-          <a:fillRef idx="1">
-            <a:schemeClr val="accent1"/>
-          </a:fillRef>
-          <a:effectRef idx="0">
-            <a:schemeClr val="accent1"/>
-          </a:effectRef>
-          <a:fontRef idx="minor">
-            <a:schemeClr val="lt1"/>
-          </a:fontRef>
-        </p:style>
-        <p:txBody>
-          <a:bodyPr rtlCol="0" anchor="ctr"/>
-          <a:lstStyle/>
-          <a:p>
-            <a:pPr algn="ctr"/>
-            <a:r>
-              <a:rPr kumimoji="1" lang="en-US" altLang="ko-KR" sz="900" b="1" dirty="0" err="1">
-                <a:latin typeface="KoPubWorldDotum Bold" pitchFamily="2" charset="-127"/>
-                <a:ea typeface="KoPubWorldDotum Bold" pitchFamily="2" charset="-127"/>
-                <a:cs typeface="KoPubWorldDotum Bold" pitchFamily="2" charset="-127"/>
-              </a:rPr>
-              <a:t>Service_script.js</a:t>
-            </a:r>
-            <a:endParaRPr kumimoji="1" lang="ko-KR" altLang="en-US" sz="900" b="1" dirty="0">
-              <a:latin typeface="KoPubWorldDotum Bold" pitchFamily="2" charset="-127"/>
-              <a:ea typeface="KoPubWorldDotum Bold" pitchFamily="2" charset="-127"/>
-              <a:cs typeface="KoPubWorldDotum Bold" pitchFamily="2" charset="-127"/>
-            </a:endParaRPr>
-          </a:p>
-        </p:txBody>
-      </p:sp>
-      <p:sp>
-        <p:nvSpPr>
-          <p:cNvPr id="1038" name="처리 1037">
-            <a:extLst>
-              <a:ext uri="{FF2B5EF4-FFF2-40B4-BE49-F238E27FC236}">
-                <a16:creationId xmlns:a16="http://schemas.microsoft.com/office/drawing/2014/main" id="{2DB953C1-A657-64C5-01DE-8F19E20C8C57}"/>
-              </a:ext>
-            </a:extLst>
-          </p:cNvPr>
-          <p:cNvSpPr/>
-          <p:nvPr/>
-        </p:nvSpPr>
-        <p:spPr>
-          <a:xfrm>
-            <a:off x="4963082" y="434352"/>
-            <a:ext cx="1241157" cy="242431"/>
-          </a:xfrm>
-          <a:prstGeom prst="flowChartProcess">
-            <a:avLst/>
-          </a:prstGeom>
-          <a:solidFill>
-            <a:schemeClr val="accent1"/>
-          </a:solidFill>
-          <a:ln>
-            <a:noFill/>
-          </a:ln>
-        </p:spPr>
-        <p:style>
-          <a:lnRef idx="2">
-            <a:schemeClr val="accent1">
-              <a:shade val="15000"/>
-            </a:schemeClr>
-          </a:lnRef>
-          <a:fillRef idx="1">
-            <a:schemeClr val="accent1"/>
-          </a:fillRef>
-          <a:effectRef idx="0">
-            <a:schemeClr val="accent1"/>
-          </a:effectRef>
-          <a:fontRef idx="minor">
-            <a:schemeClr val="lt1"/>
-          </a:fontRef>
-        </p:style>
-        <p:txBody>
-          <a:bodyPr rtlCol="0" anchor="ctr"/>
-          <a:lstStyle/>
-          <a:p>
-            <a:pPr algn="ctr"/>
-            <a:r>
-              <a:rPr kumimoji="1" lang="en-US" altLang="ko-KR" sz="900" b="1" dirty="0" err="1">
-                <a:latin typeface="KoPubWorldDotum Bold" pitchFamily="2" charset="-127"/>
-                <a:ea typeface="KoPubWorldDotum Bold" pitchFamily="2" charset="-127"/>
-                <a:cs typeface="KoPubWorldDotum Bold" pitchFamily="2" charset="-127"/>
-              </a:rPr>
-              <a:t>Service_style.css</a:t>
-            </a:r>
-            <a:endParaRPr kumimoji="1" lang="ko-KR" altLang="en-US" sz="900" b="1" dirty="0">
-              <a:latin typeface="KoPubWorldDotum Bold" pitchFamily="2" charset="-127"/>
-              <a:ea typeface="KoPubWorldDotum Bold" pitchFamily="2" charset="-127"/>
-              <a:cs typeface="KoPubWorldDotum Bold" pitchFamily="2" charset="-127"/>
-            </a:endParaRPr>
-          </a:p>
-        </p:txBody>
-      </p:sp>
-      <p:sp>
-        <p:nvSpPr>
-          <p:cNvPr id="31" name="직사각형 30">
-            <a:extLst>
-              <a:ext uri="{FF2B5EF4-FFF2-40B4-BE49-F238E27FC236}">
-                <a16:creationId xmlns:a16="http://schemas.microsoft.com/office/drawing/2014/main" id="{A713E7F9-51B9-8F73-7862-8A20497AA0F5}"/>
-              </a:ext>
-            </a:extLst>
-          </p:cNvPr>
-          <p:cNvSpPr/>
-          <p:nvPr/>
-        </p:nvSpPr>
-        <p:spPr>
-          <a:xfrm>
-            <a:off x="4831832" y="308181"/>
-            <a:ext cx="3002314" cy="1396574"/>
-          </a:xfrm>
-          <a:prstGeom prst="rect">
-            <a:avLst/>
-          </a:prstGeom>
-          <a:noFill/>
-          <a:ln>
-            <a:solidFill>
-              <a:srgbClr val="000000"/>
-            </a:solidFill>
-            <a:prstDash val="sysDash"/>
-          </a:ln>
-        </p:spPr>
-        <p:style>
-          <a:lnRef idx="2">
-            <a:schemeClr val="accent1">
-              <a:shade val="15000"/>
-            </a:schemeClr>
-          </a:lnRef>
-          <a:fillRef idx="1">
-            <a:schemeClr val="accent1"/>
-          </a:fillRef>
-          <a:effectRef idx="0">
-            <a:schemeClr val="accent1"/>
-          </a:effectRef>
-          <a:fontRef idx="minor">
-            <a:schemeClr val="lt1"/>
-          </a:fontRef>
-        </p:style>
-        <p:txBody>
-          <a:bodyPr rtlCol="0" anchor="ctr"/>
-          <a:lstStyle/>
-          <a:p>
-            <a:pPr algn="ctr"/>
-            <a:endParaRPr kumimoji="1" lang="ko-KR" altLang="en-US" sz="900"/>
-          </a:p>
-        </p:txBody>
-      </p:sp>
-      <p:pic>
-        <p:nvPicPr>
-          <p:cNvPr id="1057" name="그림 1056">
-            <a:extLst>
-              <a:ext uri="{FF2B5EF4-FFF2-40B4-BE49-F238E27FC236}">
-                <a16:creationId xmlns:a16="http://schemas.microsoft.com/office/drawing/2014/main" id="{CC23FB97-2446-B0EA-050A-B105D2CBAE40}"/>
-              </a:ext>
-            </a:extLst>
-          </p:cNvPr>
-          <p:cNvPicPr>
-            <a:picLocks noChangeAspect="1"/>
-          </p:cNvPicPr>
-          <p:nvPr/>
-        </p:nvPicPr>
-        <p:blipFill>
-          <a:blip r:embed="rId15"/>
-          <a:stretch>
-            <a:fillRect/>
-          </a:stretch>
-        </p:blipFill>
-        <p:spPr>
-          <a:xfrm>
-            <a:off x="6015629" y="1499838"/>
-            <a:ext cx="462142" cy="462142"/>
-          </a:xfrm>
-          <a:prstGeom prst="rect">
-            <a:avLst/>
-          </a:prstGeom>
-        </p:spPr>
-      </p:pic>
-      <p:sp>
-        <p:nvSpPr>
-          <p:cNvPr id="1059" name="제목 1">
-            <a:extLst>
-              <a:ext uri="{FF2B5EF4-FFF2-40B4-BE49-F238E27FC236}">
-                <a16:creationId xmlns:a16="http://schemas.microsoft.com/office/drawing/2014/main" id="{CBEBDBD3-3C67-6B6F-AE99-2105963B4185}"/>
+          <p:cNvPr id="1076" name="제목 1">
+            <a:extLst>
+              <a:ext uri="{FF2B5EF4-FFF2-40B4-BE49-F238E27FC236}">
+                <a16:creationId xmlns:a16="http://schemas.microsoft.com/office/drawing/2014/main" id="{8F98096F-CBC8-C490-20C3-EF35BB9C8BA2}"/>
               </a:ext>
             </a:extLst>
           </p:cNvPr>
@@ -6668,8 +6598,8 @@
         </p:nvSpPr>
         <p:spPr>
           <a:xfrm>
-            <a:off x="5758257" y="1999590"/>
-            <a:ext cx="967879" cy="267998"/>
+            <a:off x="8122878" y="5964270"/>
+            <a:ext cx="739201" cy="267998"/>
           </a:xfrm>
           <a:prstGeom prst="rect">
             <a:avLst/>
@@ -6706,7 +6636,7 @@
                 <a:ea typeface="KoPubWorldDotum Bold" pitchFamily="2" charset="-127"/>
                 <a:cs typeface="KoPubWorldDotum Bold" pitchFamily="2" charset="-127"/>
               </a:rPr>
-              <a:t>S3</a:t>
+              <a:t>Lambda</a:t>
             </a:r>
             <a:endParaRPr kumimoji="1" lang="ko-KR" altLang="en-US" sz="900" b="1" dirty="0">
               <a:latin typeface="KoPubWorldDotum Bold" pitchFamily="2" charset="-127"/>
@@ -6716,12 +6646,200 @@
           </a:p>
         </p:txBody>
       </p:sp>
-      <p:sp>
-        <p:nvSpPr>
-          <p:cNvPr id="1076" name="제목 1">
-            <a:extLst>
-              <a:ext uri="{FF2B5EF4-FFF2-40B4-BE49-F238E27FC236}">
-                <a16:creationId xmlns:a16="http://schemas.microsoft.com/office/drawing/2014/main" id="{8F98096F-CBC8-C490-20C3-EF35BB9C8BA2}"/>
+      <p:pic>
+        <p:nvPicPr>
+          <p:cNvPr id="1077" name="그림 1076">
+            <a:extLst>
+              <a:ext uri="{FF2B5EF4-FFF2-40B4-BE49-F238E27FC236}">
+                <a16:creationId xmlns:a16="http://schemas.microsoft.com/office/drawing/2014/main" id="{8FC5D015-0610-EF8E-8D86-8B8AEA279D01}"/>
+              </a:ext>
+            </a:extLst>
+          </p:cNvPr>
+          <p:cNvPicPr>
+            <a:picLocks noChangeAspect="1"/>
+          </p:cNvPicPr>
+          <p:nvPr/>
+        </p:nvPicPr>
+        <p:blipFill>
+          <a:blip r:embed="rId16"/>
+          <a:stretch>
+            <a:fillRect/>
+          </a:stretch>
+        </p:blipFill>
+        <p:spPr>
+          <a:xfrm>
+            <a:off x="8250375" y="5468794"/>
+            <a:ext cx="462142" cy="462142"/>
+          </a:xfrm>
+          <a:prstGeom prst="rect">
+            <a:avLst/>
+          </a:prstGeom>
+        </p:spPr>
+      </p:pic>
+      <p:sp>
+        <p:nvSpPr>
+          <p:cNvPr id="10" name="처리 9">
+            <a:extLst>
+              <a:ext uri="{FF2B5EF4-FFF2-40B4-BE49-F238E27FC236}">
+                <a16:creationId xmlns:a16="http://schemas.microsoft.com/office/drawing/2014/main" id="{55ABE4A4-6F25-F3DA-547D-51A6BD91D2DB}"/>
+              </a:ext>
+            </a:extLst>
+          </p:cNvPr>
+          <p:cNvSpPr/>
+          <p:nvPr/>
+        </p:nvSpPr>
+        <p:spPr>
+          <a:xfrm>
+            <a:off x="6392461" y="1118786"/>
+            <a:ext cx="1241157" cy="245334"/>
+          </a:xfrm>
+          <a:prstGeom prst="flowChartProcess">
+            <a:avLst/>
+          </a:prstGeom>
+          <a:solidFill>
+            <a:schemeClr val="accent1"/>
+          </a:solidFill>
+          <a:ln>
+            <a:noFill/>
+          </a:ln>
+        </p:spPr>
+        <p:style>
+          <a:lnRef idx="2">
+            <a:schemeClr val="accent1">
+              <a:shade val="15000"/>
+            </a:schemeClr>
+          </a:lnRef>
+          <a:fillRef idx="1">
+            <a:schemeClr val="accent1"/>
+          </a:fillRef>
+          <a:effectRef idx="0">
+            <a:schemeClr val="accent1"/>
+          </a:effectRef>
+          <a:fontRef idx="minor">
+            <a:schemeClr val="lt1"/>
+          </a:fontRef>
+        </p:style>
+        <p:txBody>
+          <a:bodyPr rtlCol="0" anchor="ctr"/>
+          <a:lstStyle/>
+          <a:p>
+            <a:pPr algn="ctr"/>
+            <a:r>
+              <a:rPr kumimoji="1" lang="en-US" altLang="ko-KR" sz="900" b="1" dirty="0" err="1">
+                <a:latin typeface="KoPubWorldDotum Bold" pitchFamily="2" charset="-127"/>
+                <a:ea typeface="KoPubWorldDotum Bold" pitchFamily="2" charset="-127"/>
+                <a:cs typeface="KoPubWorldDotum Bold" pitchFamily="2" charset="-127"/>
+              </a:rPr>
+              <a:t>config.js</a:t>
+            </a:r>
+            <a:endParaRPr kumimoji="1" lang="ko-KR" altLang="en-US" sz="900" b="1" dirty="0">
+              <a:latin typeface="KoPubWorldDotum Bold" pitchFamily="2" charset="-127"/>
+              <a:ea typeface="KoPubWorldDotum Bold" pitchFamily="2" charset="-127"/>
+              <a:cs typeface="KoPubWorldDotum Bold" pitchFamily="2" charset="-127"/>
+            </a:endParaRPr>
+          </a:p>
+        </p:txBody>
+      </p:sp>
+      <p:sp>
+        <p:nvSpPr>
+          <p:cNvPr id="21" name="처리 20">
+            <a:extLst>
+              <a:ext uri="{FF2B5EF4-FFF2-40B4-BE49-F238E27FC236}">
+                <a16:creationId xmlns:a16="http://schemas.microsoft.com/office/drawing/2014/main" id="{6E69BE1B-A4A8-D40A-92F7-294E8C1EB0C6}"/>
+              </a:ext>
+            </a:extLst>
+          </p:cNvPr>
+          <p:cNvSpPr/>
+          <p:nvPr/>
+        </p:nvSpPr>
+        <p:spPr>
+          <a:xfrm>
+            <a:off x="7897960" y="3927630"/>
+            <a:ext cx="1241157" cy="245334"/>
+          </a:xfrm>
+          <a:prstGeom prst="flowChartProcess">
+            <a:avLst/>
+          </a:prstGeom>
+          <a:solidFill>
+            <a:schemeClr val="accent1"/>
+          </a:solidFill>
+          <a:ln>
+            <a:noFill/>
+          </a:ln>
+        </p:spPr>
+        <p:style>
+          <a:lnRef idx="2">
+            <a:schemeClr val="accent1">
+              <a:shade val="15000"/>
+            </a:schemeClr>
+          </a:lnRef>
+          <a:fillRef idx="1">
+            <a:schemeClr val="accent1"/>
+          </a:fillRef>
+          <a:effectRef idx="0">
+            <a:schemeClr val="accent1"/>
+          </a:effectRef>
+          <a:fontRef idx="minor">
+            <a:schemeClr val="lt1"/>
+          </a:fontRef>
+        </p:style>
+        <p:txBody>
+          <a:bodyPr rtlCol="0" anchor="ctr"/>
+          <a:lstStyle/>
+          <a:p>
+            <a:pPr algn="ctr"/>
+            <a:r>
+              <a:rPr kumimoji="1" lang="en-US" altLang="ko-KR" sz="900" b="1" dirty="0">
+                <a:latin typeface="KoPubWorldDotum Bold" pitchFamily="2" charset="-127"/>
+                <a:ea typeface="KoPubWorldDotum Bold" pitchFamily="2" charset="-127"/>
+                <a:cs typeface="KoPubWorldDotum Bold" pitchFamily="2" charset="-127"/>
+              </a:rPr>
+              <a:t>Config</a:t>
+            </a:r>
+            <a:endParaRPr kumimoji="1" lang="ko-KR" altLang="en-US" sz="900" b="1" dirty="0">
+              <a:latin typeface="KoPubWorldDotum Bold" pitchFamily="2" charset="-127"/>
+              <a:ea typeface="KoPubWorldDotum Bold" pitchFamily="2" charset="-127"/>
+              <a:cs typeface="KoPubWorldDotum Bold" pitchFamily="2" charset="-127"/>
+            </a:endParaRPr>
+          </a:p>
+        </p:txBody>
+      </p:sp>
+      <p:pic>
+        <p:nvPicPr>
+          <p:cNvPr id="27" name="그림 26">
+            <a:extLst>
+              <a:ext uri="{FF2B5EF4-FFF2-40B4-BE49-F238E27FC236}">
+                <a16:creationId xmlns:a16="http://schemas.microsoft.com/office/drawing/2014/main" id="{5E9B27B5-6CBC-394E-6287-D2B0D931E509}"/>
+              </a:ext>
+            </a:extLst>
+          </p:cNvPr>
+          <p:cNvPicPr>
+            <a:picLocks noChangeAspect="1"/>
+          </p:cNvPicPr>
+          <p:nvPr/>
+        </p:nvPicPr>
+        <p:blipFill>
+          <a:blip r:embed="rId7"/>
+          <a:stretch>
+            <a:fillRect/>
+          </a:stretch>
+        </p:blipFill>
+        <p:spPr>
+          <a:xfrm>
+            <a:off x="7858890" y="2884346"/>
+            <a:ext cx="461326" cy="461326"/>
+          </a:xfrm>
+          <a:prstGeom prst="rect">
+            <a:avLst/>
+          </a:prstGeom>
+        </p:spPr>
+      </p:pic>
+      <p:sp>
+        <p:nvSpPr>
+          <p:cNvPr id="28" name="제목 1">
+            <a:extLst>
+              <a:ext uri="{FF2B5EF4-FFF2-40B4-BE49-F238E27FC236}">
+                <a16:creationId xmlns:a16="http://schemas.microsoft.com/office/drawing/2014/main" id="{D296726A-F03D-3D43-3444-11996D685CB9}"/>
               </a:ext>
             </a:extLst>
           </p:cNvPr>
@@ -6732,8 +6850,8 @@
         </p:nvSpPr>
         <p:spPr>
           <a:xfrm>
-            <a:off x="7729201" y="5964270"/>
-            <a:ext cx="739201" cy="267998"/>
+            <a:off x="6901552" y="2931910"/>
+            <a:ext cx="967879" cy="387771"/>
           </a:xfrm>
           <a:prstGeom prst="rect">
             <a:avLst/>
@@ -6770,7 +6888,18 @@
                 <a:ea typeface="KoPubWorldDotum Bold" pitchFamily="2" charset="-127"/>
                 <a:cs typeface="KoPubWorldDotum Bold" pitchFamily="2" charset="-127"/>
               </a:rPr>
-              <a:t>Lambda</a:t>
+              <a:t>API Gateway</a:t>
+            </a:r>
+          </a:p>
+          <a:p>
+            <a:pPr algn="ctr"/>
+            <a:r>
+              <a:rPr kumimoji="1" lang="en-US" altLang="ko-KR" sz="900" b="1" dirty="0">
+                <a:latin typeface="KoPubWorldDotum Bold" pitchFamily="2" charset="-127"/>
+                <a:ea typeface="KoPubWorldDotum Bold" pitchFamily="2" charset="-127"/>
+                <a:cs typeface="KoPubWorldDotum Bold" pitchFamily="2" charset="-127"/>
+              </a:rPr>
+              <a:t>(REST)</a:t>
             </a:r>
             <a:endParaRPr kumimoji="1" lang="ko-KR" altLang="en-US" sz="900" b="1" dirty="0">
               <a:latin typeface="KoPubWorldDotum Bold" pitchFamily="2" charset="-127"/>
@@ -6780,42 +6909,12 @@
           </a:p>
         </p:txBody>
       </p:sp>
-      <p:pic>
-        <p:nvPicPr>
-          <p:cNvPr id="1077" name="그림 1076">
-            <a:extLst>
-              <a:ext uri="{FF2B5EF4-FFF2-40B4-BE49-F238E27FC236}">
-                <a16:creationId xmlns:a16="http://schemas.microsoft.com/office/drawing/2014/main" id="{8FC5D015-0610-EF8E-8D86-8B8AEA279D01}"/>
-              </a:ext>
-            </a:extLst>
-          </p:cNvPr>
-          <p:cNvPicPr>
-            <a:picLocks noChangeAspect="1"/>
-          </p:cNvPicPr>
-          <p:nvPr/>
-        </p:nvPicPr>
-        <p:blipFill>
-          <a:blip r:embed="rId16"/>
-          <a:stretch>
-            <a:fillRect/>
-          </a:stretch>
-        </p:blipFill>
-        <p:spPr>
-          <a:xfrm>
-            <a:off x="7856698" y="5468794"/>
-            <a:ext cx="462142" cy="462142"/>
-          </a:xfrm>
-          <a:prstGeom prst="rect">
-            <a:avLst/>
-          </a:prstGeom>
-        </p:spPr>
-      </p:pic>
-      <p:sp>
-        <p:nvSpPr>
-          <p:cNvPr id="10" name="처리 9">
-            <a:extLst>
-              <a:ext uri="{FF2B5EF4-FFF2-40B4-BE49-F238E27FC236}">
-                <a16:creationId xmlns:a16="http://schemas.microsoft.com/office/drawing/2014/main" id="{55ABE4A4-6F25-F3DA-547D-51A6BD91D2DB}"/>
+      <p:sp>
+        <p:nvSpPr>
+          <p:cNvPr id="29" name="처리 28">
+            <a:extLst>
+              <a:ext uri="{FF2B5EF4-FFF2-40B4-BE49-F238E27FC236}">
+                <a16:creationId xmlns:a16="http://schemas.microsoft.com/office/drawing/2014/main" id="{1A193837-2E82-CEB0-6757-77060553FF11}"/>
               </a:ext>
             </a:extLst>
           </p:cNvPr>
@@ -6824,7 +6923,7 @@
         </p:nvSpPr>
         <p:spPr>
           <a:xfrm>
-            <a:off x="6392461" y="1118786"/>
+            <a:off x="7897957" y="5162221"/>
             <a:ext cx="1241157" cy="245334"/>
           </a:xfrm>
           <a:prstGeom prst="flowChartProcess">
@@ -6859,12 +6958,12 @@
           <a:p>
             <a:pPr algn="ctr"/>
             <a:r>
-              <a:rPr kumimoji="1" lang="en-US" altLang="ko-KR" sz="900" b="1" dirty="0" err="1">
+              <a:rPr kumimoji="1" lang="en-US" altLang="ko-KR" sz="900" b="1" dirty="0">
                 <a:latin typeface="KoPubWorldDotum Bold" pitchFamily="2" charset="-127"/>
                 <a:ea typeface="KoPubWorldDotum Bold" pitchFamily="2" charset="-127"/>
                 <a:cs typeface="KoPubWorldDotum Bold" pitchFamily="2" charset="-127"/>
               </a:rPr>
-              <a:t>config.js</a:t>
+              <a:t>Logout</a:t>
             </a:r>
             <a:endParaRPr kumimoji="1" lang="ko-KR" altLang="en-US" sz="900" b="1" dirty="0">
               <a:latin typeface="KoPubWorldDotum Bold" pitchFamily="2" charset="-127"/>
@@ -6876,10 +6975,10 @@
       </p:sp>
       <p:sp>
         <p:nvSpPr>
-          <p:cNvPr id="21" name="처리 20">
-            <a:extLst>
-              <a:ext uri="{FF2B5EF4-FFF2-40B4-BE49-F238E27FC236}">
-                <a16:creationId xmlns:a16="http://schemas.microsoft.com/office/drawing/2014/main" id="{6E69BE1B-A4A8-D40A-92F7-294E8C1EB0C6}"/>
+          <p:cNvPr id="36" name="처리 35">
+            <a:extLst>
+              <a:ext uri="{FF2B5EF4-FFF2-40B4-BE49-F238E27FC236}">
+                <a16:creationId xmlns:a16="http://schemas.microsoft.com/office/drawing/2014/main" id="{EFA01255-DEE4-B5ED-040D-8D4F294B1BB1}"/>
               </a:ext>
             </a:extLst>
           </p:cNvPr>
@@ -6888,7 +6987,7 @@
         </p:nvSpPr>
         <p:spPr>
           <a:xfrm>
-            <a:off x="7504283" y="3927630"/>
+            <a:off x="7897959" y="4242398"/>
             <a:ext cx="1241157" cy="245334"/>
           </a:xfrm>
           <a:prstGeom prst="flowChartProcess">
@@ -6928,7 +7027,7 @@
                 <a:ea typeface="KoPubWorldDotum Bold" pitchFamily="2" charset="-127"/>
                 <a:cs typeface="KoPubWorldDotum Bold" pitchFamily="2" charset="-127"/>
               </a:rPr>
-              <a:t>Config.py</a:t>
+              <a:t>TokenExchange</a:t>
             </a:r>
             <a:endParaRPr kumimoji="1" lang="ko-KR" altLang="en-US" sz="900" b="1" dirty="0">
               <a:latin typeface="KoPubWorldDotum Bold" pitchFamily="2" charset="-127"/>
@@ -6938,42 +7037,526 @@
           </a:p>
         </p:txBody>
       </p:sp>
-      <p:pic>
-        <p:nvPicPr>
-          <p:cNvPr id="27" name="그림 26">
-            <a:extLst>
-              <a:ext uri="{FF2B5EF4-FFF2-40B4-BE49-F238E27FC236}">
-                <a16:creationId xmlns:a16="http://schemas.microsoft.com/office/drawing/2014/main" id="{5E9B27B5-6CBC-394E-6287-D2B0D931E509}"/>
-              </a:ext>
-            </a:extLst>
-          </p:cNvPr>
-          <p:cNvPicPr>
-            <a:picLocks noChangeAspect="1"/>
-          </p:cNvPicPr>
-          <p:nvPr/>
-        </p:nvPicPr>
-        <p:blipFill>
-          <a:blip r:embed="rId7"/>
-          <a:stretch>
-            <a:fillRect/>
-          </a:stretch>
-        </p:blipFill>
-        <p:spPr>
-          <a:xfrm>
-            <a:off x="7858890" y="2884346"/>
-            <a:ext cx="461326" cy="461326"/>
-          </a:xfrm>
-          <a:prstGeom prst="rect">
-            <a:avLst/>
-          </a:prstGeom>
-        </p:spPr>
-      </p:pic>
-      <p:sp>
-        <p:nvSpPr>
-          <p:cNvPr id="28" name="제목 1">
-            <a:extLst>
-              <a:ext uri="{FF2B5EF4-FFF2-40B4-BE49-F238E27FC236}">
-                <a16:creationId xmlns:a16="http://schemas.microsoft.com/office/drawing/2014/main" id="{D296726A-F03D-3D43-3444-11996D685CB9}"/>
+      <p:sp>
+        <p:nvSpPr>
+          <p:cNvPr id="49" name="처리 48">
+            <a:extLst>
+              <a:ext uri="{FF2B5EF4-FFF2-40B4-BE49-F238E27FC236}">
+                <a16:creationId xmlns:a16="http://schemas.microsoft.com/office/drawing/2014/main" id="{5F79AB7F-0D4E-235B-6DD3-22FECBC28875}"/>
+              </a:ext>
+            </a:extLst>
+          </p:cNvPr>
+          <p:cNvSpPr/>
+          <p:nvPr/>
+        </p:nvSpPr>
+        <p:spPr>
+          <a:xfrm>
+            <a:off x="7897959" y="4545726"/>
+            <a:ext cx="1241158" cy="245334"/>
+          </a:xfrm>
+          <a:prstGeom prst="flowChartProcess">
+            <a:avLst/>
+          </a:prstGeom>
+          <a:solidFill>
+            <a:schemeClr val="accent1"/>
+          </a:solidFill>
+          <a:ln>
+            <a:noFill/>
+          </a:ln>
+        </p:spPr>
+        <p:style>
+          <a:lnRef idx="2">
+            <a:schemeClr val="accent1">
+              <a:shade val="15000"/>
+            </a:schemeClr>
+          </a:lnRef>
+          <a:fillRef idx="1">
+            <a:schemeClr val="accent1"/>
+          </a:fillRef>
+          <a:effectRef idx="0">
+            <a:schemeClr val="accent1"/>
+          </a:effectRef>
+          <a:fontRef idx="minor">
+            <a:schemeClr val="lt1"/>
+          </a:fontRef>
+        </p:style>
+        <p:txBody>
+          <a:bodyPr rtlCol="0" anchor="ctr"/>
+          <a:lstStyle/>
+          <a:p>
+            <a:pPr algn="ctr"/>
+            <a:r>
+              <a:rPr kumimoji="1" lang="en-US" altLang="ko-KR" sz="900" b="1" dirty="0" err="1">
+                <a:latin typeface="KoPubWorldDotum Bold" pitchFamily="2" charset="-127"/>
+                <a:ea typeface="KoPubWorldDotum Bold" pitchFamily="2" charset="-127"/>
+                <a:cs typeface="KoPubWorldDotum Bold" pitchFamily="2" charset="-127"/>
+              </a:rPr>
+              <a:t>TokenRefresh</a:t>
+            </a:r>
+            <a:endParaRPr kumimoji="1" lang="ko-KR" altLang="en-US" sz="900" b="1" dirty="0">
+              <a:latin typeface="KoPubWorldDotum Bold" pitchFamily="2" charset="-127"/>
+              <a:ea typeface="KoPubWorldDotum Bold" pitchFamily="2" charset="-127"/>
+              <a:cs typeface="KoPubWorldDotum Bold" pitchFamily="2" charset="-127"/>
+            </a:endParaRPr>
+          </a:p>
+        </p:txBody>
+      </p:sp>
+      <p:sp>
+        <p:nvSpPr>
+          <p:cNvPr id="51" name="처리 50">
+            <a:extLst>
+              <a:ext uri="{FF2B5EF4-FFF2-40B4-BE49-F238E27FC236}">
+                <a16:creationId xmlns:a16="http://schemas.microsoft.com/office/drawing/2014/main" id="{D5CCB231-067F-48EF-1DA6-844DE8F5BCC5}"/>
+              </a:ext>
+            </a:extLst>
+          </p:cNvPr>
+          <p:cNvSpPr/>
+          <p:nvPr/>
+        </p:nvSpPr>
+        <p:spPr>
+          <a:xfrm>
+            <a:off x="7897958" y="4861570"/>
+            <a:ext cx="1241157" cy="245334"/>
+          </a:xfrm>
+          <a:prstGeom prst="flowChartProcess">
+            <a:avLst/>
+          </a:prstGeom>
+          <a:solidFill>
+            <a:schemeClr val="accent1"/>
+          </a:solidFill>
+          <a:ln>
+            <a:noFill/>
+          </a:ln>
+        </p:spPr>
+        <p:style>
+          <a:lnRef idx="2">
+            <a:schemeClr val="accent1">
+              <a:shade val="15000"/>
+            </a:schemeClr>
+          </a:lnRef>
+          <a:fillRef idx="1">
+            <a:schemeClr val="accent1"/>
+          </a:fillRef>
+          <a:effectRef idx="0">
+            <a:schemeClr val="accent1"/>
+          </a:effectRef>
+          <a:fontRef idx="minor">
+            <a:schemeClr val="lt1"/>
+          </a:fontRef>
+        </p:style>
+        <p:txBody>
+          <a:bodyPr rtlCol="0" anchor="ctr"/>
+          <a:lstStyle/>
+          <a:p>
+            <a:pPr algn="ctr"/>
+            <a:r>
+              <a:rPr kumimoji="1" lang="en-US" altLang="ko-KR" sz="900" b="1" dirty="0" err="1">
+                <a:latin typeface="KoPubWorldDotum Bold" pitchFamily="2" charset="-127"/>
+                <a:ea typeface="KoPubWorldDotum Bold" pitchFamily="2" charset="-127"/>
+                <a:cs typeface="KoPubWorldDotum Bold" pitchFamily="2" charset="-127"/>
+              </a:rPr>
+              <a:t>UserInfo</a:t>
+            </a:r>
+            <a:endParaRPr kumimoji="1" lang="ko-KR" altLang="en-US" sz="900" b="1" dirty="0">
+              <a:latin typeface="KoPubWorldDotum Bold" pitchFamily="2" charset="-127"/>
+              <a:ea typeface="KoPubWorldDotum Bold" pitchFamily="2" charset="-127"/>
+              <a:cs typeface="KoPubWorldDotum Bold" pitchFamily="2" charset="-127"/>
+            </a:endParaRPr>
+          </a:p>
+        </p:txBody>
+      </p:sp>
+      <p:cxnSp>
+        <p:nvCxnSpPr>
+          <p:cNvPr id="1051" name="꺾인 연결선[E] 1050">
+            <a:extLst>
+              <a:ext uri="{FF2B5EF4-FFF2-40B4-BE49-F238E27FC236}">
+                <a16:creationId xmlns:a16="http://schemas.microsoft.com/office/drawing/2014/main" id="{EE4C1F8E-28A7-6EB0-4D78-4CF29404DD93}"/>
+              </a:ext>
+            </a:extLst>
+          </p:cNvPr>
+          <p:cNvCxnSpPr>
+            <a:cxnSpLocks/>
+            <a:stCxn id="24" idx="0"/>
+            <a:endCxn id="1024" idx="2"/>
+          </p:cNvCxnSpPr>
+          <p:nvPr/>
+        </p:nvCxnSpPr>
+        <p:spPr>
+          <a:xfrm rot="5400000" flipH="1" flipV="1">
+            <a:off x="4819899" y="2125046"/>
+            <a:ext cx="1526003" cy="1523"/>
+          </a:xfrm>
+          <a:prstGeom prst="bentConnector3">
+            <a:avLst>
+              <a:gd name="adj1" fmla="val 50000"/>
+            </a:avLst>
+          </a:prstGeom>
+        </p:spPr>
+        <p:style>
+          <a:lnRef idx="2">
+            <a:schemeClr val="accent1"/>
+          </a:lnRef>
+          <a:fillRef idx="0">
+            <a:schemeClr val="accent1"/>
+          </a:fillRef>
+          <a:effectRef idx="1">
+            <a:schemeClr val="accent1"/>
+          </a:effectRef>
+          <a:fontRef idx="minor">
+            <a:schemeClr val="tx1"/>
+          </a:fontRef>
+        </p:style>
+      </p:cxnSp>
+      <p:cxnSp>
+        <p:nvCxnSpPr>
+          <p:cNvPr id="1060" name="꺾인 연결선[E] 1059">
+            <a:extLst>
+              <a:ext uri="{FF2B5EF4-FFF2-40B4-BE49-F238E27FC236}">
+                <a16:creationId xmlns:a16="http://schemas.microsoft.com/office/drawing/2014/main" id="{C2FF751F-B4C6-9279-7E43-8F16622ACDD7}"/>
+              </a:ext>
+            </a:extLst>
+          </p:cNvPr>
+          <p:cNvCxnSpPr>
+            <a:cxnSpLocks/>
+            <a:stCxn id="57" idx="0"/>
+            <a:endCxn id="1024" idx="2"/>
+          </p:cNvCxnSpPr>
+          <p:nvPr/>
+        </p:nvCxnSpPr>
+        <p:spPr>
+          <a:xfrm rot="5400000" flipH="1" flipV="1">
+            <a:off x="3569185" y="869869"/>
+            <a:ext cx="1521541" cy="2507414"/>
+          </a:xfrm>
+          <a:prstGeom prst="bentConnector3">
+            <a:avLst>
+              <a:gd name="adj1" fmla="val 15277"/>
+            </a:avLst>
+          </a:prstGeom>
+        </p:spPr>
+        <p:style>
+          <a:lnRef idx="2">
+            <a:schemeClr val="accent1"/>
+          </a:lnRef>
+          <a:fillRef idx="0">
+            <a:schemeClr val="accent1"/>
+          </a:fillRef>
+          <a:effectRef idx="1">
+            <a:schemeClr val="accent1"/>
+          </a:effectRef>
+          <a:fontRef idx="minor">
+            <a:schemeClr val="tx1"/>
+          </a:fontRef>
+        </p:style>
+      </p:cxnSp>
+      <p:cxnSp>
+        <p:nvCxnSpPr>
+          <p:cNvPr id="1073" name="직선 화살표 연결선 1072">
+            <a:extLst>
+              <a:ext uri="{FF2B5EF4-FFF2-40B4-BE49-F238E27FC236}">
+                <a16:creationId xmlns:a16="http://schemas.microsoft.com/office/drawing/2014/main" id="{08F86CFB-B030-835B-A253-81E7AE61C4F9}"/>
+              </a:ext>
+            </a:extLst>
+          </p:cNvPr>
+          <p:cNvCxnSpPr>
+            <a:cxnSpLocks/>
+            <a:stCxn id="1024" idx="0"/>
+            <a:endCxn id="1038" idx="2"/>
+          </p:cNvCxnSpPr>
+          <p:nvPr/>
+        </p:nvCxnSpPr>
+        <p:spPr>
+          <a:xfrm flipH="1" flipV="1">
+            <a:off x="5583661" y="676783"/>
+            <a:ext cx="1" cy="443591"/>
+          </a:xfrm>
+          <a:prstGeom prst="straightConnector1">
+            <a:avLst/>
+          </a:prstGeom>
+          <a:ln>
+            <a:headEnd type="none" w="med" len="med"/>
+            <a:tailEnd type="none" w="med" len="med"/>
+          </a:ln>
+        </p:spPr>
+        <p:style>
+          <a:lnRef idx="2">
+            <a:schemeClr val="accent1"/>
+          </a:lnRef>
+          <a:fillRef idx="0">
+            <a:schemeClr val="accent1"/>
+          </a:fillRef>
+          <a:effectRef idx="1">
+            <a:schemeClr val="accent1"/>
+          </a:effectRef>
+          <a:fontRef idx="minor">
+            <a:schemeClr val="tx1"/>
+          </a:fontRef>
+        </p:style>
+      </p:cxnSp>
+      <p:sp>
+        <p:nvSpPr>
+          <p:cNvPr id="41" name="처리 40">
+            <a:extLst>
+              <a:ext uri="{FF2B5EF4-FFF2-40B4-BE49-F238E27FC236}">
+                <a16:creationId xmlns:a16="http://schemas.microsoft.com/office/drawing/2014/main" id="{3696A90F-8B52-3CF7-5BAE-40A3644A9762}"/>
+              </a:ext>
+            </a:extLst>
+          </p:cNvPr>
+          <p:cNvSpPr/>
+          <p:nvPr/>
+        </p:nvSpPr>
+        <p:spPr>
+          <a:xfrm>
+            <a:off x="4963082" y="766164"/>
+            <a:ext cx="1241157" cy="242431"/>
+          </a:xfrm>
+          <a:prstGeom prst="flowChartProcess">
+            <a:avLst/>
+          </a:prstGeom>
+          <a:solidFill>
+            <a:schemeClr val="accent1"/>
+          </a:solidFill>
+          <a:ln>
+            <a:noFill/>
+          </a:ln>
+        </p:spPr>
+        <p:style>
+          <a:lnRef idx="2">
+            <a:schemeClr val="accent1">
+              <a:shade val="15000"/>
+            </a:schemeClr>
+          </a:lnRef>
+          <a:fillRef idx="1">
+            <a:schemeClr val="accent1"/>
+          </a:fillRef>
+          <a:effectRef idx="0">
+            <a:schemeClr val="accent1"/>
+          </a:effectRef>
+          <a:fontRef idx="minor">
+            <a:schemeClr val="lt1"/>
+          </a:fontRef>
+        </p:style>
+        <p:txBody>
+          <a:bodyPr rtlCol="0" anchor="ctr"/>
+          <a:lstStyle/>
+          <a:p>
+            <a:pPr algn="ctr"/>
+            <a:r>
+              <a:rPr kumimoji="1" lang="en-US" altLang="ko-KR" sz="900" b="1" dirty="0">
+                <a:latin typeface="KoPubWorldDotum Bold" pitchFamily="2" charset="-127"/>
+                <a:ea typeface="KoPubWorldDotum Bold" pitchFamily="2" charset="-127"/>
+                <a:cs typeface="KoPubWorldDotum Bold" pitchFamily="2" charset="-127"/>
+              </a:rPr>
+              <a:t>HTML</a:t>
+            </a:r>
+            <a:endParaRPr kumimoji="1" lang="ko-KR" altLang="en-US" sz="900" b="1" dirty="0">
+              <a:latin typeface="KoPubWorldDotum Bold" pitchFamily="2" charset="-127"/>
+              <a:ea typeface="KoPubWorldDotum Bold" pitchFamily="2" charset="-127"/>
+              <a:cs typeface="KoPubWorldDotum Bold" pitchFamily="2" charset="-127"/>
+            </a:endParaRPr>
+          </a:p>
+        </p:txBody>
+      </p:sp>
+      <p:sp>
+        <p:nvSpPr>
+          <p:cNvPr id="7" name="처리 6">
+            <a:extLst>
+              <a:ext uri="{FF2B5EF4-FFF2-40B4-BE49-F238E27FC236}">
+                <a16:creationId xmlns:a16="http://schemas.microsoft.com/office/drawing/2014/main" id="{2F58B189-C692-A414-8EA3-4589E9AFC6A9}"/>
+              </a:ext>
+            </a:extLst>
+          </p:cNvPr>
+          <p:cNvSpPr/>
+          <p:nvPr/>
+        </p:nvSpPr>
+        <p:spPr>
+          <a:xfrm>
+            <a:off x="2467534" y="4242398"/>
+            <a:ext cx="1203109" cy="243942"/>
+          </a:xfrm>
+          <a:prstGeom prst="flowChartProcess">
+            <a:avLst/>
+          </a:prstGeom>
+          <a:solidFill>
+            <a:schemeClr val="accent1"/>
+          </a:solidFill>
+          <a:ln>
+            <a:noFill/>
+          </a:ln>
+        </p:spPr>
+        <p:style>
+          <a:lnRef idx="2">
+            <a:schemeClr val="accent1">
+              <a:shade val="15000"/>
+            </a:schemeClr>
+          </a:lnRef>
+          <a:fillRef idx="1">
+            <a:schemeClr val="accent1"/>
+          </a:fillRef>
+          <a:effectRef idx="0">
+            <a:schemeClr val="accent1"/>
+          </a:effectRef>
+          <a:fontRef idx="minor">
+            <a:schemeClr val="lt1"/>
+          </a:fontRef>
+        </p:style>
+        <p:txBody>
+          <a:bodyPr rtlCol="0" anchor="ctr"/>
+          <a:lstStyle/>
+          <a:p>
+            <a:pPr algn="ctr"/>
+            <a:r>
+              <a:rPr kumimoji="1" lang="en-US" altLang="ko-KR" sz="900" b="1" dirty="0" err="1">
+                <a:latin typeface="KoPubWorldDotum Bold" pitchFamily="2" charset="-127"/>
+                <a:ea typeface="KoPubWorldDotum Bold" pitchFamily="2" charset="-127"/>
+                <a:cs typeface="KoPubWorldDotum Bold" pitchFamily="2" charset="-127"/>
+              </a:rPr>
+              <a:t>GetSessionMsg</a:t>
+            </a:r>
+            <a:endParaRPr kumimoji="1" lang="ko-KR" altLang="en-US" sz="900" b="1" dirty="0">
+              <a:latin typeface="KoPubWorldDotum Bold" pitchFamily="2" charset="-127"/>
+              <a:ea typeface="KoPubWorldDotum Bold" pitchFamily="2" charset="-127"/>
+              <a:cs typeface="KoPubWorldDotum Bold" pitchFamily="2" charset="-127"/>
+            </a:endParaRPr>
+          </a:p>
+        </p:txBody>
+      </p:sp>
+      <p:cxnSp>
+        <p:nvCxnSpPr>
+          <p:cNvPr id="1241" name="꺾인 연결선[E] 1240">
+            <a:extLst>
+              <a:ext uri="{FF2B5EF4-FFF2-40B4-BE49-F238E27FC236}">
+                <a16:creationId xmlns:a16="http://schemas.microsoft.com/office/drawing/2014/main" id="{D2154CFE-A159-563B-555A-EFE3D7DFF0E8}"/>
+              </a:ext>
+            </a:extLst>
+          </p:cNvPr>
+          <p:cNvCxnSpPr>
+            <a:cxnSpLocks/>
+            <a:stCxn id="27" idx="0"/>
+            <a:endCxn id="1024" idx="2"/>
+          </p:cNvCxnSpPr>
+          <p:nvPr/>
+        </p:nvCxnSpPr>
+        <p:spPr>
+          <a:xfrm rot="16200000" flipV="1">
+            <a:off x="6075838" y="870630"/>
+            <a:ext cx="1521541" cy="2505891"/>
+          </a:xfrm>
+          <a:prstGeom prst="bentConnector3">
+            <a:avLst>
+              <a:gd name="adj1" fmla="val 15277"/>
+            </a:avLst>
+          </a:prstGeom>
+        </p:spPr>
+        <p:style>
+          <a:lnRef idx="2">
+            <a:schemeClr val="accent1"/>
+          </a:lnRef>
+          <a:fillRef idx="0">
+            <a:schemeClr val="accent1"/>
+          </a:fillRef>
+          <a:effectRef idx="1">
+            <a:schemeClr val="accent1"/>
+          </a:effectRef>
+          <a:fontRef idx="minor">
+            <a:schemeClr val="tx1"/>
+          </a:fontRef>
+        </p:style>
+      </p:cxnSp>
+      <p:cxnSp>
+        <p:nvCxnSpPr>
+          <p:cNvPr id="1260" name="직선 화살표 연결선 1259">
+            <a:extLst>
+              <a:ext uri="{FF2B5EF4-FFF2-40B4-BE49-F238E27FC236}">
+                <a16:creationId xmlns:a16="http://schemas.microsoft.com/office/drawing/2014/main" id="{59290E9E-8215-3A80-64ED-0F427B495EC1}"/>
+              </a:ext>
+            </a:extLst>
+          </p:cNvPr>
+          <p:cNvCxnSpPr>
+            <a:cxnSpLocks/>
+            <a:stCxn id="1024" idx="3"/>
+            <a:endCxn id="10" idx="1"/>
+          </p:cNvCxnSpPr>
+          <p:nvPr/>
+        </p:nvCxnSpPr>
+        <p:spPr>
+          <a:xfrm flipV="1">
+            <a:off x="6204240" y="1241453"/>
+            <a:ext cx="188221" cy="137"/>
+          </a:xfrm>
+          <a:prstGeom prst="straightConnector1">
+            <a:avLst/>
+          </a:prstGeom>
+          <a:ln>
+            <a:headEnd type="none" w="med" len="med"/>
+            <a:tailEnd type="none" w="med" len="med"/>
+          </a:ln>
+        </p:spPr>
+        <p:style>
+          <a:lnRef idx="2">
+            <a:schemeClr val="accent1"/>
+          </a:lnRef>
+          <a:fillRef idx="0">
+            <a:schemeClr val="accent1"/>
+          </a:fillRef>
+          <a:effectRef idx="1">
+            <a:schemeClr val="accent1"/>
+          </a:effectRef>
+          <a:fontRef idx="minor">
+            <a:schemeClr val="tx1"/>
+          </a:fontRef>
+        </p:style>
+      </p:cxnSp>
+      <p:cxnSp>
+        <p:nvCxnSpPr>
+          <p:cNvPr id="1266" name="직선 화살표 연결선 1265">
+            <a:extLst>
+              <a:ext uri="{FF2B5EF4-FFF2-40B4-BE49-F238E27FC236}">
+                <a16:creationId xmlns:a16="http://schemas.microsoft.com/office/drawing/2014/main" id="{35C7AA75-6D3C-158F-D9A2-28D83FC3B848}"/>
+              </a:ext>
+            </a:extLst>
+          </p:cNvPr>
+          <p:cNvCxnSpPr>
+            <a:cxnSpLocks/>
+            <a:stCxn id="53" idx="1"/>
+            <a:endCxn id="27" idx="3"/>
+          </p:cNvCxnSpPr>
+          <p:nvPr/>
+        </p:nvCxnSpPr>
+        <p:spPr>
+          <a:xfrm flipH="1">
+            <a:off x="8320216" y="3114070"/>
+            <a:ext cx="956698" cy="939"/>
+          </a:xfrm>
+          <a:prstGeom prst="straightConnector1">
+            <a:avLst/>
+          </a:prstGeom>
+          <a:ln>
+            <a:headEnd type="none" w="med" len="med"/>
+            <a:tailEnd type="none" w="med" len="med"/>
+          </a:ln>
+        </p:spPr>
+        <p:style>
+          <a:lnRef idx="2">
+            <a:schemeClr val="accent1"/>
+          </a:lnRef>
+          <a:fillRef idx="0">
+            <a:schemeClr val="accent1"/>
+          </a:fillRef>
+          <a:effectRef idx="1">
+            <a:schemeClr val="accent1"/>
+          </a:effectRef>
+          <a:fontRef idx="minor">
+            <a:schemeClr val="tx1"/>
+          </a:fontRef>
+        </p:style>
+      </p:cxnSp>
+      <p:sp>
+        <p:nvSpPr>
+          <p:cNvPr id="1281" name="제목 1">
+            <a:extLst>
+              <a:ext uri="{FF2B5EF4-FFF2-40B4-BE49-F238E27FC236}">
+                <a16:creationId xmlns:a16="http://schemas.microsoft.com/office/drawing/2014/main" id="{FF0CFD82-8918-EA6B-8C9A-567BD293F0F1}"/>
               </a:ext>
             </a:extLst>
           </p:cNvPr>
@@ -6984,8 +7567,8 @@
         </p:nvSpPr>
         <p:spPr>
           <a:xfrm>
-            <a:off x="6901552" y="2931910"/>
-            <a:ext cx="967879" cy="387771"/>
+            <a:off x="3839956" y="5964270"/>
+            <a:ext cx="739201" cy="267998"/>
           </a:xfrm>
           <a:prstGeom prst="rect">
             <a:avLst/>
@@ -7022,18 +7605,7 @@
                 <a:ea typeface="KoPubWorldDotum Bold" pitchFamily="2" charset="-127"/>
                 <a:cs typeface="KoPubWorldDotum Bold" pitchFamily="2" charset="-127"/>
               </a:rPr>
-              <a:t>API Gateway</a:t>
-            </a:r>
-          </a:p>
-          <a:p>
-            <a:pPr algn="ctr"/>
-            <a:r>
-              <a:rPr kumimoji="1" lang="en-US" altLang="ko-KR" sz="900" b="1" dirty="0">
-                <a:latin typeface="KoPubWorldDotum Bold" pitchFamily="2" charset="-127"/>
-                <a:ea typeface="KoPubWorldDotum Bold" pitchFamily="2" charset="-127"/>
-                <a:cs typeface="KoPubWorldDotum Bold" pitchFamily="2" charset="-127"/>
-              </a:rPr>
-              <a:t>(REST)</a:t>
+              <a:t>Lambda</a:t>
             </a:r>
             <a:endParaRPr kumimoji="1" lang="ko-KR" altLang="en-US" sz="900" b="1" dirty="0">
               <a:latin typeface="KoPubWorldDotum Bold" pitchFamily="2" charset="-127"/>
@@ -7043,286 +7615,61 @@
           </a:p>
         </p:txBody>
       </p:sp>
-      <p:sp>
-        <p:nvSpPr>
-          <p:cNvPr id="29" name="처리 28">
-            <a:extLst>
-              <a:ext uri="{FF2B5EF4-FFF2-40B4-BE49-F238E27FC236}">
-                <a16:creationId xmlns:a16="http://schemas.microsoft.com/office/drawing/2014/main" id="{1A193837-2E82-CEB0-6757-77060553FF11}"/>
-              </a:ext>
-            </a:extLst>
-          </p:cNvPr>
-          <p:cNvSpPr/>
-          <p:nvPr/>
-        </p:nvSpPr>
-        <p:spPr>
-          <a:xfrm>
-            <a:off x="7504280" y="5162221"/>
-            <a:ext cx="1241157" cy="245334"/>
-          </a:xfrm>
-          <a:prstGeom prst="flowChartProcess">
-            <a:avLst/>
-          </a:prstGeom>
-          <a:solidFill>
-            <a:schemeClr val="accent1"/>
-          </a:solidFill>
-          <a:ln>
-            <a:noFill/>
-          </a:ln>
-        </p:spPr>
-        <p:style>
-          <a:lnRef idx="2">
-            <a:schemeClr val="accent1">
-              <a:shade val="15000"/>
-            </a:schemeClr>
-          </a:lnRef>
-          <a:fillRef idx="1">
-            <a:schemeClr val="accent1"/>
-          </a:fillRef>
-          <a:effectRef idx="0">
-            <a:schemeClr val="accent1"/>
-          </a:effectRef>
-          <a:fontRef idx="minor">
-            <a:schemeClr val="lt1"/>
-          </a:fontRef>
-        </p:style>
-        <p:txBody>
-          <a:bodyPr rtlCol="0" anchor="ctr"/>
-          <a:lstStyle/>
-          <a:p>
-            <a:pPr algn="ctr"/>
-            <a:r>
-              <a:rPr kumimoji="1" lang="en-US" altLang="ko-KR" sz="900" b="1" dirty="0" err="1">
-                <a:latin typeface="KoPubWorldDotum Bold" pitchFamily="2" charset="-127"/>
-                <a:ea typeface="KoPubWorldDotum Bold" pitchFamily="2" charset="-127"/>
-                <a:cs typeface="KoPubWorldDotum Bold" pitchFamily="2" charset="-127"/>
-              </a:rPr>
-              <a:t>Logout.py</a:t>
-            </a:r>
-            <a:endParaRPr kumimoji="1" lang="ko-KR" altLang="en-US" sz="900" b="1" dirty="0">
-              <a:latin typeface="KoPubWorldDotum Bold" pitchFamily="2" charset="-127"/>
-              <a:ea typeface="KoPubWorldDotum Bold" pitchFamily="2" charset="-127"/>
-              <a:cs typeface="KoPubWorldDotum Bold" pitchFamily="2" charset="-127"/>
-            </a:endParaRPr>
-          </a:p>
-        </p:txBody>
-      </p:sp>
-      <p:sp>
-        <p:nvSpPr>
-          <p:cNvPr id="36" name="처리 35">
-            <a:extLst>
-              <a:ext uri="{FF2B5EF4-FFF2-40B4-BE49-F238E27FC236}">
-                <a16:creationId xmlns:a16="http://schemas.microsoft.com/office/drawing/2014/main" id="{EFA01255-DEE4-B5ED-040D-8D4F294B1BB1}"/>
-              </a:ext>
-            </a:extLst>
-          </p:cNvPr>
-          <p:cNvSpPr/>
-          <p:nvPr/>
-        </p:nvSpPr>
-        <p:spPr>
-          <a:xfrm>
-            <a:off x="7504282" y="4242398"/>
-            <a:ext cx="1241157" cy="245334"/>
-          </a:xfrm>
-          <a:prstGeom prst="flowChartProcess">
-            <a:avLst/>
-          </a:prstGeom>
-          <a:solidFill>
-            <a:schemeClr val="accent1"/>
-          </a:solidFill>
-          <a:ln>
-            <a:noFill/>
-          </a:ln>
-        </p:spPr>
-        <p:style>
-          <a:lnRef idx="2">
-            <a:schemeClr val="accent1">
-              <a:shade val="15000"/>
-            </a:schemeClr>
-          </a:lnRef>
-          <a:fillRef idx="1">
-            <a:schemeClr val="accent1"/>
-          </a:fillRef>
-          <a:effectRef idx="0">
-            <a:schemeClr val="accent1"/>
-          </a:effectRef>
-          <a:fontRef idx="minor">
-            <a:schemeClr val="lt1"/>
-          </a:fontRef>
-        </p:style>
-        <p:txBody>
-          <a:bodyPr rtlCol="0" anchor="ctr"/>
-          <a:lstStyle/>
-          <a:p>
-            <a:pPr algn="ctr"/>
-            <a:r>
-              <a:rPr kumimoji="1" lang="en-US" altLang="ko-KR" sz="900" b="1" dirty="0" err="1">
-                <a:latin typeface="KoPubWorldDotum Bold" pitchFamily="2" charset="-127"/>
-                <a:ea typeface="KoPubWorldDotum Bold" pitchFamily="2" charset="-127"/>
-                <a:cs typeface="KoPubWorldDotum Bold" pitchFamily="2" charset="-127"/>
-              </a:rPr>
-              <a:t>TokenExchange.py</a:t>
-            </a:r>
-            <a:endParaRPr kumimoji="1" lang="ko-KR" altLang="en-US" sz="900" b="1" dirty="0">
-              <a:latin typeface="KoPubWorldDotum Bold" pitchFamily="2" charset="-127"/>
-              <a:ea typeface="KoPubWorldDotum Bold" pitchFamily="2" charset="-127"/>
-              <a:cs typeface="KoPubWorldDotum Bold" pitchFamily="2" charset="-127"/>
-            </a:endParaRPr>
-          </a:p>
-        </p:txBody>
-      </p:sp>
-      <p:sp>
-        <p:nvSpPr>
-          <p:cNvPr id="49" name="처리 48">
-            <a:extLst>
-              <a:ext uri="{FF2B5EF4-FFF2-40B4-BE49-F238E27FC236}">
-                <a16:creationId xmlns:a16="http://schemas.microsoft.com/office/drawing/2014/main" id="{5F79AB7F-0D4E-235B-6DD3-22FECBC28875}"/>
-              </a:ext>
-            </a:extLst>
-          </p:cNvPr>
-          <p:cNvSpPr/>
-          <p:nvPr/>
-        </p:nvSpPr>
-        <p:spPr>
-          <a:xfrm>
-            <a:off x="7504282" y="4545726"/>
-            <a:ext cx="1241158" cy="245334"/>
-          </a:xfrm>
-          <a:prstGeom prst="flowChartProcess">
-            <a:avLst/>
-          </a:prstGeom>
-          <a:solidFill>
-            <a:schemeClr val="accent1"/>
-          </a:solidFill>
-          <a:ln>
-            <a:noFill/>
-          </a:ln>
-        </p:spPr>
-        <p:style>
-          <a:lnRef idx="2">
-            <a:schemeClr val="accent1">
-              <a:shade val="15000"/>
-            </a:schemeClr>
-          </a:lnRef>
-          <a:fillRef idx="1">
-            <a:schemeClr val="accent1"/>
-          </a:fillRef>
-          <a:effectRef idx="0">
-            <a:schemeClr val="accent1"/>
-          </a:effectRef>
-          <a:fontRef idx="minor">
-            <a:schemeClr val="lt1"/>
-          </a:fontRef>
-        </p:style>
-        <p:txBody>
-          <a:bodyPr rtlCol="0" anchor="ctr"/>
-          <a:lstStyle/>
-          <a:p>
-            <a:pPr algn="ctr"/>
-            <a:r>
-              <a:rPr kumimoji="1" lang="en-US" altLang="ko-KR" sz="900" b="1" dirty="0" err="1">
-                <a:latin typeface="KoPubWorldDotum Bold" pitchFamily="2" charset="-127"/>
-                <a:ea typeface="KoPubWorldDotum Bold" pitchFamily="2" charset="-127"/>
-                <a:cs typeface="KoPubWorldDotum Bold" pitchFamily="2" charset="-127"/>
-              </a:rPr>
-              <a:t>TokenRefresh.py</a:t>
-            </a:r>
-            <a:endParaRPr kumimoji="1" lang="ko-KR" altLang="en-US" sz="900" b="1" dirty="0">
-              <a:latin typeface="KoPubWorldDotum Bold" pitchFamily="2" charset="-127"/>
-              <a:ea typeface="KoPubWorldDotum Bold" pitchFamily="2" charset="-127"/>
-              <a:cs typeface="KoPubWorldDotum Bold" pitchFamily="2" charset="-127"/>
-            </a:endParaRPr>
-          </a:p>
-        </p:txBody>
-      </p:sp>
-      <p:sp>
-        <p:nvSpPr>
-          <p:cNvPr id="51" name="처리 50">
-            <a:extLst>
-              <a:ext uri="{FF2B5EF4-FFF2-40B4-BE49-F238E27FC236}">
-                <a16:creationId xmlns:a16="http://schemas.microsoft.com/office/drawing/2014/main" id="{D5CCB231-067F-48EF-1DA6-844DE8F5BCC5}"/>
-              </a:ext>
-            </a:extLst>
-          </p:cNvPr>
-          <p:cNvSpPr/>
-          <p:nvPr/>
-        </p:nvSpPr>
-        <p:spPr>
-          <a:xfrm>
-            <a:off x="7504281" y="4861570"/>
-            <a:ext cx="1241157" cy="245334"/>
-          </a:xfrm>
-          <a:prstGeom prst="flowChartProcess">
-            <a:avLst/>
-          </a:prstGeom>
-          <a:solidFill>
-            <a:schemeClr val="accent1"/>
-          </a:solidFill>
-          <a:ln>
-            <a:noFill/>
-          </a:ln>
-        </p:spPr>
-        <p:style>
-          <a:lnRef idx="2">
-            <a:schemeClr val="accent1">
-              <a:shade val="15000"/>
-            </a:schemeClr>
-          </a:lnRef>
-          <a:fillRef idx="1">
-            <a:schemeClr val="accent1"/>
-          </a:fillRef>
-          <a:effectRef idx="0">
-            <a:schemeClr val="accent1"/>
-          </a:effectRef>
-          <a:fontRef idx="minor">
-            <a:schemeClr val="lt1"/>
-          </a:fontRef>
-        </p:style>
-        <p:txBody>
-          <a:bodyPr rtlCol="0" anchor="ctr"/>
-          <a:lstStyle/>
-          <a:p>
-            <a:pPr algn="ctr"/>
-            <a:r>
-              <a:rPr kumimoji="1" lang="en-US" altLang="ko-KR" sz="900" b="1" dirty="0" err="1">
-                <a:latin typeface="KoPubWorldDotum Bold" pitchFamily="2" charset="-127"/>
-                <a:ea typeface="KoPubWorldDotum Bold" pitchFamily="2" charset="-127"/>
-                <a:cs typeface="KoPubWorldDotum Bold" pitchFamily="2" charset="-127"/>
-              </a:rPr>
-              <a:t>UserInfo.py</a:t>
-            </a:r>
-            <a:endParaRPr kumimoji="1" lang="ko-KR" altLang="en-US" sz="900" b="1" dirty="0">
-              <a:latin typeface="KoPubWorldDotum Bold" pitchFamily="2" charset="-127"/>
-              <a:ea typeface="KoPubWorldDotum Bold" pitchFamily="2" charset="-127"/>
-              <a:cs typeface="KoPubWorldDotum Bold" pitchFamily="2" charset="-127"/>
-            </a:endParaRPr>
-          </a:p>
-        </p:txBody>
-      </p:sp>
+      <p:pic>
+        <p:nvPicPr>
+          <p:cNvPr id="1282" name="그림 1281">
+            <a:extLst>
+              <a:ext uri="{FF2B5EF4-FFF2-40B4-BE49-F238E27FC236}">
+                <a16:creationId xmlns:a16="http://schemas.microsoft.com/office/drawing/2014/main" id="{BBAFE351-B01F-24A6-C4B5-4A2B5D666E94}"/>
+              </a:ext>
+            </a:extLst>
+          </p:cNvPr>
+          <p:cNvPicPr>
+            <a:picLocks noChangeAspect="1"/>
+          </p:cNvPicPr>
+          <p:nvPr/>
+        </p:nvPicPr>
+        <p:blipFill>
+          <a:blip r:embed="rId16"/>
+          <a:stretch>
+            <a:fillRect/>
+          </a:stretch>
+        </p:blipFill>
+        <p:spPr>
+          <a:xfrm>
+            <a:off x="3967453" y="5468794"/>
+            <a:ext cx="462142" cy="462142"/>
+          </a:xfrm>
+          <a:prstGeom prst="rect">
+            <a:avLst/>
+          </a:prstGeom>
+        </p:spPr>
+      </p:pic>
       <p:cxnSp>
         <p:nvCxnSpPr>
-          <p:cNvPr id="1051" name="꺾인 연결선[E] 1050">
-            <a:extLst>
-              <a:ext uri="{FF2B5EF4-FFF2-40B4-BE49-F238E27FC236}">
-                <a16:creationId xmlns:a16="http://schemas.microsoft.com/office/drawing/2014/main" id="{EE4C1F8E-28A7-6EB0-4D78-4CF29404DD93}"/>
+          <p:cNvPr id="1283" name="꺾인 연결선[E] 1282">
+            <a:extLst>
+              <a:ext uri="{FF2B5EF4-FFF2-40B4-BE49-F238E27FC236}">
+                <a16:creationId xmlns:a16="http://schemas.microsoft.com/office/drawing/2014/main" id="{0F2AAECE-5665-AD65-5046-626B661DE760}"/>
               </a:ext>
             </a:extLst>
           </p:cNvPr>
           <p:cNvCxnSpPr>
             <a:cxnSpLocks/>
-            <a:stCxn id="24" idx="0"/>
-            <a:endCxn id="1024" idx="2"/>
+            <a:stCxn id="29" idx="1"/>
+            <a:endCxn id="27" idx="2"/>
           </p:cNvCxnSpPr>
           <p:nvPr/>
         </p:nvCxnSpPr>
         <p:spPr>
-          <a:xfrm rot="5400000" flipH="1" flipV="1">
-            <a:off x="4819899" y="2125046"/>
-            <a:ext cx="1526003" cy="1523"/>
-          </a:xfrm>
-          <a:prstGeom prst="bentConnector3">
+          <a:xfrm rot="10800000" flipH="1">
+            <a:off x="7897957" y="3345672"/>
+            <a:ext cx="191596" cy="1939216"/>
+          </a:xfrm>
+          <a:prstGeom prst="bentConnector4">
             <a:avLst>
-              <a:gd name="adj1" fmla="val 50000"/>
+              <a:gd name="adj1" fmla="val -119314"/>
+              <a:gd name="adj2" fmla="val 84880"/>
             </a:avLst>
           </a:prstGeom>
         </p:spPr>
@@ -7343,28 +7690,29 @@
       </p:cxnSp>
       <p:cxnSp>
         <p:nvCxnSpPr>
-          <p:cNvPr id="1060" name="꺾인 연결선[E] 1059">
-            <a:extLst>
-              <a:ext uri="{FF2B5EF4-FFF2-40B4-BE49-F238E27FC236}">
-                <a16:creationId xmlns:a16="http://schemas.microsoft.com/office/drawing/2014/main" id="{C2FF751F-B4C6-9279-7E43-8F16622ACDD7}"/>
+          <p:cNvPr id="1309" name="꺾인 연결선[E] 1308">
+            <a:extLst>
+              <a:ext uri="{FF2B5EF4-FFF2-40B4-BE49-F238E27FC236}">
+                <a16:creationId xmlns:a16="http://schemas.microsoft.com/office/drawing/2014/main" id="{687C4D7D-A794-02AD-B474-FE2357E60152}"/>
               </a:ext>
             </a:extLst>
           </p:cNvPr>
           <p:cNvCxnSpPr>
             <a:cxnSpLocks/>
-            <a:stCxn id="57" idx="0"/>
-            <a:endCxn id="1024" idx="2"/>
+            <a:stCxn id="51" idx="1"/>
+            <a:endCxn id="27" idx="2"/>
           </p:cNvCxnSpPr>
           <p:nvPr/>
         </p:nvCxnSpPr>
         <p:spPr>
-          <a:xfrm rot="5400000" flipH="1" flipV="1">
-            <a:off x="3569185" y="869869"/>
-            <a:ext cx="1521541" cy="2507414"/>
-          </a:xfrm>
-          <a:prstGeom prst="bentConnector3">
+          <a:xfrm rot="10800000" flipH="1">
+            <a:off x="7897957" y="3345673"/>
+            <a:ext cx="191595" cy="1638565"/>
+          </a:xfrm>
+          <a:prstGeom prst="bentConnector4">
             <a:avLst>
-              <a:gd name="adj1" fmla="val 15277"/>
+              <a:gd name="adj1" fmla="val -119314"/>
+              <a:gd name="adj2" fmla="val 82271"/>
             </a:avLst>
           </a:prstGeom>
         </p:spPr>
@@ -7385,200 +7733,29 @@
       </p:cxnSp>
       <p:cxnSp>
         <p:nvCxnSpPr>
-          <p:cNvPr id="1073" name="직선 화살표 연결선 1072">
-            <a:extLst>
-              <a:ext uri="{FF2B5EF4-FFF2-40B4-BE49-F238E27FC236}">
-                <a16:creationId xmlns:a16="http://schemas.microsoft.com/office/drawing/2014/main" id="{08F86CFB-B030-835B-A253-81E7AE61C4F9}"/>
+          <p:cNvPr id="1313" name="꺾인 연결선[E] 1312">
+            <a:extLst>
+              <a:ext uri="{FF2B5EF4-FFF2-40B4-BE49-F238E27FC236}">
+                <a16:creationId xmlns:a16="http://schemas.microsoft.com/office/drawing/2014/main" id="{1762EA29-BD57-2039-B918-C815B029BBA7}"/>
               </a:ext>
             </a:extLst>
           </p:cNvPr>
           <p:cNvCxnSpPr>
             <a:cxnSpLocks/>
-            <a:stCxn id="1024" idx="0"/>
-            <a:endCxn id="1038" idx="2"/>
+            <a:stCxn id="49" idx="1"/>
+            <a:endCxn id="27" idx="2"/>
           </p:cNvCxnSpPr>
           <p:nvPr/>
         </p:nvCxnSpPr>
         <p:spPr>
-          <a:xfrm flipH="1" flipV="1">
-            <a:off x="5583661" y="676783"/>
-            <a:ext cx="1" cy="443591"/>
-          </a:xfrm>
-          <a:prstGeom prst="straightConnector1">
-            <a:avLst/>
-          </a:prstGeom>
-          <a:ln>
-            <a:headEnd type="none" w="med" len="med"/>
-            <a:tailEnd type="none" w="med" len="med"/>
-          </a:ln>
-        </p:spPr>
-        <p:style>
-          <a:lnRef idx="2">
-            <a:schemeClr val="accent1"/>
-          </a:lnRef>
-          <a:fillRef idx="0">
-            <a:schemeClr val="accent1"/>
-          </a:fillRef>
-          <a:effectRef idx="1">
-            <a:schemeClr val="accent1"/>
-          </a:effectRef>
-          <a:fontRef idx="minor">
-            <a:schemeClr val="tx1"/>
-          </a:fontRef>
-        </p:style>
-      </p:cxnSp>
-      <p:sp>
-        <p:nvSpPr>
-          <p:cNvPr id="41" name="처리 40">
-            <a:extLst>
-              <a:ext uri="{FF2B5EF4-FFF2-40B4-BE49-F238E27FC236}">
-                <a16:creationId xmlns:a16="http://schemas.microsoft.com/office/drawing/2014/main" id="{3696A90F-8B52-3CF7-5BAE-40A3644A9762}"/>
-              </a:ext>
-            </a:extLst>
-          </p:cNvPr>
-          <p:cNvSpPr/>
-          <p:nvPr/>
-        </p:nvSpPr>
-        <p:spPr>
-          <a:xfrm>
-            <a:off x="4963082" y="766164"/>
-            <a:ext cx="1241157" cy="242431"/>
-          </a:xfrm>
-          <a:prstGeom prst="flowChartProcess">
-            <a:avLst/>
-          </a:prstGeom>
-          <a:solidFill>
-            <a:schemeClr val="accent1"/>
-          </a:solidFill>
-          <a:ln>
-            <a:noFill/>
-          </a:ln>
-        </p:spPr>
-        <p:style>
-          <a:lnRef idx="2">
-            <a:schemeClr val="accent1">
-              <a:shade val="15000"/>
-            </a:schemeClr>
-          </a:lnRef>
-          <a:fillRef idx="1">
-            <a:schemeClr val="accent1"/>
-          </a:fillRef>
-          <a:effectRef idx="0">
-            <a:schemeClr val="accent1"/>
-          </a:effectRef>
-          <a:fontRef idx="minor">
-            <a:schemeClr val="lt1"/>
-          </a:fontRef>
-        </p:style>
-        <p:txBody>
-          <a:bodyPr rtlCol="0" anchor="ctr"/>
-          <a:lstStyle/>
-          <a:p>
-            <a:pPr algn="ctr"/>
-            <a:r>
-              <a:rPr kumimoji="1" lang="en-US" altLang="ko-KR" sz="900" b="1" dirty="0" err="1">
-                <a:latin typeface="KoPubWorldDotum Bold" pitchFamily="2" charset="-127"/>
-                <a:ea typeface="KoPubWorldDotum Bold" pitchFamily="2" charset="-127"/>
-                <a:cs typeface="KoPubWorldDotum Bold" pitchFamily="2" charset="-127"/>
-              </a:rPr>
-              <a:t>Service.html</a:t>
-            </a:r>
-            <a:endParaRPr kumimoji="1" lang="ko-KR" altLang="en-US" sz="900" b="1" dirty="0">
-              <a:latin typeface="KoPubWorldDotum Bold" pitchFamily="2" charset="-127"/>
-              <a:ea typeface="KoPubWorldDotum Bold" pitchFamily="2" charset="-127"/>
-              <a:cs typeface="KoPubWorldDotum Bold" pitchFamily="2" charset="-127"/>
-            </a:endParaRPr>
-          </a:p>
-        </p:txBody>
-      </p:sp>
-      <p:sp>
-        <p:nvSpPr>
-          <p:cNvPr id="7" name="처리 6">
-            <a:extLst>
-              <a:ext uri="{FF2B5EF4-FFF2-40B4-BE49-F238E27FC236}">
-                <a16:creationId xmlns:a16="http://schemas.microsoft.com/office/drawing/2014/main" id="{2F58B189-C692-A414-8EA3-4589E9AFC6A9}"/>
-              </a:ext>
-            </a:extLst>
-          </p:cNvPr>
-          <p:cNvSpPr/>
-          <p:nvPr/>
-        </p:nvSpPr>
-        <p:spPr>
-          <a:xfrm>
-            <a:off x="2467534" y="4242398"/>
-            <a:ext cx="1203109" cy="243942"/>
-          </a:xfrm>
-          <a:prstGeom prst="flowChartProcess">
-            <a:avLst/>
-          </a:prstGeom>
-          <a:solidFill>
-            <a:schemeClr val="accent1"/>
-          </a:solidFill>
-          <a:ln>
-            <a:noFill/>
-          </a:ln>
-        </p:spPr>
-        <p:style>
-          <a:lnRef idx="2">
-            <a:schemeClr val="accent1">
-              <a:shade val="15000"/>
-            </a:schemeClr>
-          </a:lnRef>
-          <a:fillRef idx="1">
-            <a:schemeClr val="accent1"/>
-          </a:fillRef>
-          <a:effectRef idx="0">
-            <a:schemeClr val="accent1"/>
-          </a:effectRef>
-          <a:fontRef idx="minor">
-            <a:schemeClr val="lt1"/>
-          </a:fontRef>
-        </p:style>
-        <p:txBody>
-          <a:bodyPr rtlCol="0" anchor="ctr"/>
-          <a:lstStyle/>
-          <a:p>
-            <a:pPr algn="ctr"/>
-            <a:r>
-              <a:rPr kumimoji="1" lang="en-US" altLang="ko-KR" sz="900" b="1" dirty="0" err="1">
-                <a:latin typeface="KoPubWorldDotum Bold" pitchFamily="2" charset="-127"/>
-                <a:ea typeface="KoPubWorldDotum Bold" pitchFamily="2" charset="-127"/>
-                <a:cs typeface="KoPubWorldDotum Bold" pitchFamily="2" charset="-127"/>
-              </a:rPr>
-              <a:t>GetSessionMsg.py</a:t>
-            </a:r>
-            <a:endParaRPr kumimoji="1" lang="ko-KR" altLang="en-US" sz="900" b="1" dirty="0">
-              <a:latin typeface="KoPubWorldDotum Bold" pitchFamily="2" charset="-127"/>
-              <a:ea typeface="KoPubWorldDotum Bold" pitchFamily="2" charset="-127"/>
-              <a:cs typeface="KoPubWorldDotum Bold" pitchFamily="2" charset="-127"/>
-            </a:endParaRPr>
-          </a:p>
-        </p:txBody>
-      </p:sp>
-      <p:cxnSp>
-        <p:nvCxnSpPr>
-          <p:cNvPr id="1241" name="꺾인 연결선[E] 1240">
-            <a:extLst>
-              <a:ext uri="{FF2B5EF4-FFF2-40B4-BE49-F238E27FC236}">
-                <a16:creationId xmlns:a16="http://schemas.microsoft.com/office/drawing/2014/main" id="{D2154CFE-A159-563B-555A-EFE3D7DFF0E8}"/>
-              </a:ext>
-            </a:extLst>
-          </p:cNvPr>
-          <p:cNvCxnSpPr>
-            <a:cxnSpLocks/>
-            <a:stCxn id="27" idx="0"/>
-            <a:endCxn id="1024" idx="2"/>
-          </p:cNvCxnSpPr>
-          <p:nvPr/>
-        </p:nvCxnSpPr>
-        <p:spPr>
-          <a:xfrm rot="16200000" flipV="1">
-            <a:off x="6075838" y="870630"/>
-            <a:ext cx="1521541" cy="2505891"/>
-          </a:xfrm>
-          <a:prstGeom prst="bentConnector3">
+          <a:xfrm rot="10800000" flipH="1">
+            <a:off x="7897959" y="3345673"/>
+            <a:ext cx="191594" cy="1322721"/>
+          </a:xfrm>
+          <a:prstGeom prst="bentConnector4">
             <a:avLst>
-              <a:gd name="adj1" fmla="val 15277"/>
+              <a:gd name="adj1" fmla="val -119315"/>
+              <a:gd name="adj2" fmla="val 77887"/>
             </a:avLst>
           </a:prstGeom>
         </p:spPr>
@@ -7599,32 +7776,31 @@
       </p:cxnSp>
       <p:cxnSp>
         <p:nvCxnSpPr>
-          <p:cNvPr id="1260" name="직선 화살표 연결선 1259">
-            <a:extLst>
-              <a:ext uri="{FF2B5EF4-FFF2-40B4-BE49-F238E27FC236}">
-                <a16:creationId xmlns:a16="http://schemas.microsoft.com/office/drawing/2014/main" id="{59290E9E-8215-3A80-64ED-0F427B495EC1}"/>
+          <p:cNvPr id="1314" name="꺾인 연결선[E] 1313">
+            <a:extLst>
+              <a:ext uri="{FF2B5EF4-FFF2-40B4-BE49-F238E27FC236}">
+                <a16:creationId xmlns:a16="http://schemas.microsoft.com/office/drawing/2014/main" id="{A71AE571-E403-2012-1B48-223A003BAF08}"/>
               </a:ext>
             </a:extLst>
           </p:cNvPr>
           <p:cNvCxnSpPr>
             <a:cxnSpLocks/>
-            <a:stCxn id="1024" idx="3"/>
-            <a:endCxn id="10" idx="1"/>
+            <a:stCxn id="36" idx="1"/>
+            <a:endCxn id="27" idx="2"/>
           </p:cNvCxnSpPr>
           <p:nvPr/>
         </p:nvCxnSpPr>
         <p:spPr>
-          <a:xfrm flipV="1">
-            <a:off x="6204240" y="1241453"/>
-            <a:ext cx="188221" cy="137"/>
-          </a:xfrm>
-          <a:prstGeom prst="straightConnector1">
-            <a:avLst/>
-          </a:prstGeom>
-          <a:ln>
-            <a:headEnd type="none" w="med" len="med"/>
-            <a:tailEnd type="none" w="med" len="med"/>
-          </a:ln>
+          <a:xfrm rot="10800000" flipH="1">
+            <a:off x="7897959" y="3345673"/>
+            <a:ext cx="191594" cy="1019393"/>
+          </a:xfrm>
+          <a:prstGeom prst="bentConnector4">
+            <a:avLst>
+              <a:gd name="adj1" fmla="val -119315"/>
+              <a:gd name="adj2" fmla="val 71302"/>
+            </a:avLst>
+          </a:prstGeom>
         </p:spPr>
         <p:style>
           <a:lnRef idx="2">
@@ -7643,32 +7819,31 @@
       </p:cxnSp>
       <p:cxnSp>
         <p:nvCxnSpPr>
-          <p:cNvPr id="1266" name="직선 화살표 연결선 1265">
-            <a:extLst>
-              <a:ext uri="{FF2B5EF4-FFF2-40B4-BE49-F238E27FC236}">
-                <a16:creationId xmlns:a16="http://schemas.microsoft.com/office/drawing/2014/main" id="{35C7AA75-6D3C-158F-D9A2-28D83FC3B848}"/>
+          <p:cNvPr id="1323" name="꺾인 연결선[E] 1322">
+            <a:extLst>
+              <a:ext uri="{FF2B5EF4-FFF2-40B4-BE49-F238E27FC236}">
+                <a16:creationId xmlns:a16="http://schemas.microsoft.com/office/drawing/2014/main" id="{58AFC1B8-AFF8-0AF8-6819-E7CE160A3528}"/>
               </a:ext>
             </a:extLst>
           </p:cNvPr>
           <p:cNvCxnSpPr>
             <a:cxnSpLocks/>
-            <a:stCxn id="53" idx="1"/>
-            <a:endCxn id="27" idx="3"/>
+            <a:stCxn id="21" idx="1"/>
+            <a:endCxn id="27" idx="2"/>
           </p:cNvCxnSpPr>
           <p:nvPr/>
         </p:nvCxnSpPr>
         <p:spPr>
-          <a:xfrm flipH="1">
-            <a:off x="8320216" y="3114070"/>
-            <a:ext cx="845188" cy="939"/>
-          </a:xfrm>
-          <a:prstGeom prst="straightConnector1">
-            <a:avLst/>
-          </a:prstGeom>
-          <a:ln>
-            <a:headEnd type="none" w="med" len="med"/>
-            <a:tailEnd type="none" w="med" len="med"/>
-          </a:ln>
+          <a:xfrm rot="10800000" flipH="1">
+            <a:off x="7897959" y="3345673"/>
+            <a:ext cx="191593" cy="704625"/>
+          </a:xfrm>
+          <a:prstGeom prst="bentConnector4">
+            <a:avLst>
+              <a:gd name="adj1" fmla="val -119315"/>
+              <a:gd name="adj2" fmla="val 58704"/>
+            </a:avLst>
+          </a:prstGeom>
         </p:spPr>
         <p:style>
           <a:lnRef idx="2">
@@ -7685,12 +7860,87 @@
           </a:fontRef>
         </p:style>
       </p:cxnSp>
-      <p:sp>
-        <p:nvSpPr>
-          <p:cNvPr id="1281" name="제목 1">
-            <a:extLst>
-              <a:ext uri="{FF2B5EF4-FFF2-40B4-BE49-F238E27FC236}">
-                <a16:creationId xmlns:a16="http://schemas.microsoft.com/office/drawing/2014/main" id="{FF0CFD82-8918-EA6B-8C9A-567BD293F0F1}"/>
+      <p:cxnSp>
+        <p:nvCxnSpPr>
+          <p:cNvPr id="1330" name="직선 화살표 연결선 1329">
+            <a:extLst>
+              <a:ext uri="{FF2B5EF4-FFF2-40B4-BE49-F238E27FC236}">
+                <a16:creationId xmlns:a16="http://schemas.microsoft.com/office/drawing/2014/main" id="{0A4AD28A-ABAF-7706-8237-ECA08EB7CE5B}"/>
+              </a:ext>
+            </a:extLst>
+          </p:cNvPr>
+          <p:cNvCxnSpPr>
+            <a:cxnSpLocks/>
+          </p:cNvCxnSpPr>
+          <p:nvPr/>
+        </p:nvCxnSpPr>
+        <p:spPr>
+          <a:xfrm flipH="1">
+            <a:off x="540925" y="10072377"/>
+            <a:ext cx="11198699" cy="0"/>
+          </a:xfrm>
+          <a:prstGeom prst="straightConnector1">
+            <a:avLst/>
+          </a:prstGeom>
+          <a:ln>
+            <a:solidFill>
+              <a:srgbClr val="FF0000"/>
+            </a:solidFill>
+            <a:headEnd type="none" w="med" len="med"/>
+            <a:tailEnd type="none" w="med" len="med"/>
+          </a:ln>
+        </p:spPr>
+        <p:style>
+          <a:lnRef idx="2">
+            <a:schemeClr val="accent1"/>
+          </a:lnRef>
+          <a:fillRef idx="0">
+            <a:schemeClr val="accent1"/>
+          </a:fillRef>
+          <a:effectRef idx="1">
+            <a:schemeClr val="accent1"/>
+          </a:effectRef>
+          <a:fontRef idx="minor">
+            <a:schemeClr val="tx1"/>
+          </a:fontRef>
+        </p:style>
+      </p:cxnSp>
+      <p:pic>
+        <p:nvPicPr>
+          <p:cNvPr id="15" name="그림 14">
+            <a:extLst>
+              <a:ext uri="{FF2B5EF4-FFF2-40B4-BE49-F238E27FC236}">
+                <a16:creationId xmlns:a16="http://schemas.microsoft.com/office/drawing/2014/main" id="{3E23C581-ED7F-37CE-6107-1D581983A936}"/>
+              </a:ext>
+            </a:extLst>
+          </p:cNvPr>
+          <p:cNvPicPr>
+            <a:picLocks noChangeAspect="1"/>
+          </p:cNvPicPr>
+          <p:nvPr/>
+        </p:nvPicPr>
+        <p:blipFill>
+          <a:blip r:embed="rId5"/>
+          <a:stretch>
+            <a:fillRect/>
+          </a:stretch>
+        </p:blipFill>
+        <p:spPr>
+          <a:xfrm>
+            <a:off x="8287587" y="9110241"/>
+            <a:ext cx="465429" cy="465429"/>
+          </a:xfrm>
+          <a:prstGeom prst="rect">
+            <a:avLst/>
+          </a:prstGeom>
+        </p:spPr>
+      </p:pic>
+      <p:sp>
+        <p:nvSpPr>
+          <p:cNvPr id="16" name="제목 1">
+            <a:extLst>
+              <a:ext uri="{FF2B5EF4-FFF2-40B4-BE49-F238E27FC236}">
+                <a16:creationId xmlns:a16="http://schemas.microsoft.com/office/drawing/2014/main" id="{1F804A88-1016-06BA-EEE7-945EE4E1EC67}"/>
               </a:ext>
             </a:extLst>
           </p:cNvPr>
@@ -7701,8 +7951,8 @@
         </p:nvSpPr>
         <p:spPr>
           <a:xfrm>
-            <a:off x="3839956" y="5964270"/>
-            <a:ext cx="739201" cy="267998"/>
+            <a:off x="8060081" y="9587942"/>
+            <a:ext cx="869150" cy="267998"/>
           </a:xfrm>
           <a:prstGeom prst="rect">
             <a:avLst/>
@@ -7739,7 +7989,7 @@
                 <a:ea typeface="KoPubWorldDotum Bold" pitchFamily="2" charset="-127"/>
                 <a:cs typeface="KoPubWorldDotum Bold" pitchFamily="2" charset="-127"/>
               </a:rPr>
-              <a:t>Lambda</a:t>
+              <a:t>DynamoDB</a:t>
             </a:r>
             <a:endParaRPr kumimoji="1" lang="ko-KR" altLang="en-US" sz="900" b="1" dirty="0">
               <a:latin typeface="KoPubWorldDotum Bold" pitchFamily="2" charset="-127"/>
@@ -7751,10 +8001,10 @@
       </p:sp>
       <p:pic>
         <p:nvPicPr>
-          <p:cNvPr id="1282" name="그림 1281">
-            <a:extLst>
-              <a:ext uri="{FF2B5EF4-FFF2-40B4-BE49-F238E27FC236}">
-                <a16:creationId xmlns:a16="http://schemas.microsoft.com/office/drawing/2014/main" id="{BBAFE351-B01F-24A6-C4B5-4A2B5D666E94}"/>
+          <p:cNvPr id="23" name="그림 22">
+            <a:extLst>
+              <a:ext uri="{FF2B5EF4-FFF2-40B4-BE49-F238E27FC236}">
+                <a16:creationId xmlns:a16="http://schemas.microsoft.com/office/drawing/2014/main" id="{AC4A61BD-7967-6BC8-24DA-796154C8C30C}"/>
               </a:ext>
             </a:extLst>
           </p:cNvPr>
@@ -7764,331 +8014,27 @@
           <p:nvPr/>
         </p:nvPicPr>
         <p:blipFill>
-          <a:blip r:embed="rId16"/>
+          <a:blip r:embed="rId17"/>
           <a:stretch>
             <a:fillRect/>
           </a:stretch>
         </p:blipFill>
         <p:spPr>
           <a:xfrm>
-            <a:off x="3967453" y="5468794"/>
-            <a:ext cx="462142" cy="462142"/>
+            <a:off x="3963978" y="9109903"/>
+            <a:ext cx="465430" cy="465430"/>
           </a:xfrm>
           <a:prstGeom prst="rect">
             <a:avLst/>
           </a:prstGeom>
         </p:spPr>
       </p:pic>
-      <p:cxnSp>
-        <p:nvCxnSpPr>
-          <p:cNvPr id="1283" name="꺾인 연결선[E] 1282">
-            <a:extLst>
-              <a:ext uri="{FF2B5EF4-FFF2-40B4-BE49-F238E27FC236}">
-                <a16:creationId xmlns:a16="http://schemas.microsoft.com/office/drawing/2014/main" id="{0F2AAECE-5665-AD65-5046-626B661DE760}"/>
-              </a:ext>
-            </a:extLst>
-          </p:cNvPr>
-          <p:cNvCxnSpPr>
-            <a:cxnSpLocks/>
-            <a:stCxn id="29" idx="1"/>
-            <a:endCxn id="27" idx="2"/>
-          </p:cNvCxnSpPr>
-          <p:nvPr/>
-        </p:nvCxnSpPr>
-        <p:spPr>
-          <a:xfrm rot="10800000" flipH="1">
-            <a:off x="7504279" y="3345672"/>
-            <a:ext cx="585273" cy="1939216"/>
-          </a:xfrm>
-          <a:prstGeom prst="bentConnector4">
-            <a:avLst>
-              <a:gd name="adj1" fmla="val -39059"/>
-              <a:gd name="adj2" fmla="val 87195"/>
-            </a:avLst>
-          </a:prstGeom>
-        </p:spPr>
-        <p:style>
-          <a:lnRef idx="2">
-            <a:schemeClr val="accent1"/>
-          </a:lnRef>
-          <a:fillRef idx="0">
-            <a:schemeClr val="accent1"/>
-          </a:fillRef>
-          <a:effectRef idx="1">
-            <a:schemeClr val="accent1"/>
-          </a:effectRef>
-          <a:fontRef idx="minor">
-            <a:schemeClr val="tx1"/>
-          </a:fontRef>
-        </p:style>
-      </p:cxnSp>
-      <p:cxnSp>
-        <p:nvCxnSpPr>
-          <p:cNvPr id="1304" name="직선 화살표 연결선 1303">
-            <a:extLst>
-              <a:ext uri="{FF2B5EF4-FFF2-40B4-BE49-F238E27FC236}">
-                <a16:creationId xmlns:a16="http://schemas.microsoft.com/office/drawing/2014/main" id="{36B1791D-0E5E-BB06-A568-1C565CD772D7}"/>
-              </a:ext>
-            </a:extLst>
-          </p:cNvPr>
-          <p:cNvCxnSpPr>
-            <a:cxnSpLocks/>
-            <a:stCxn id="3" idx="1"/>
-            <a:endCxn id="13" idx="3"/>
-          </p:cNvCxnSpPr>
-          <p:nvPr/>
-        </p:nvCxnSpPr>
-        <p:spPr>
-          <a:xfrm flipH="1">
-            <a:off x="7594659" y="7596592"/>
-            <a:ext cx="1244332" cy="0"/>
-          </a:xfrm>
-          <a:prstGeom prst="straightConnector1">
-            <a:avLst/>
-          </a:prstGeom>
-          <a:ln>
-            <a:headEnd type="none" w="med" len="med"/>
-            <a:tailEnd type="none" w="med" len="med"/>
-          </a:ln>
-        </p:spPr>
-        <p:style>
-          <a:lnRef idx="2">
-            <a:schemeClr val="accent1"/>
-          </a:lnRef>
-          <a:fillRef idx="0">
-            <a:schemeClr val="accent1"/>
-          </a:fillRef>
-          <a:effectRef idx="1">
-            <a:schemeClr val="accent1"/>
-          </a:effectRef>
-          <a:fontRef idx="minor">
-            <a:schemeClr val="tx1"/>
-          </a:fontRef>
-        </p:style>
-      </p:cxnSp>
-      <p:cxnSp>
-        <p:nvCxnSpPr>
-          <p:cNvPr id="1309" name="꺾인 연결선[E] 1308">
-            <a:extLst>
-              <a:ext uri="{FF2B5EF4-FFF2-40B4-BE49-F238E27FC236}">
-                <a16:creationId xmlns:a16="http://schemas.microsoft.com/office/drawing/2014/main" id="{687C4D7D-A794-02AD-B474-FE2357E60152}"/>
-              </a:ext>
-            </a:extLst>
-          </p:cNvPr>
-          <p:cNvCxnSpPr>
-            <a:cxnSpLocks/>
-            <a:stCxn id="51" idx="1"/>
-            <a:endCxn id="27" idx="2"/>
-          </p:cNvCxnSpPr>
-          <p:nvPr/>
-        </p:nvCxnSpPr>
-        <p:spPr>
-          <a:xfrm rot="10800000" flipH="1">
-            <a:off x="7504281" y="3345673"/>
-            <a:ext cx="585272" cy="1638565"/>
-          </a:xfrm>
-          <a:prstGeom prst="bentConnector4">
-            <a:avLst>
-              <a:gd name="adj1" fmla="val -39059"/>
-              <a:gd name="adj2" fmla="val 84906"/>
-            </a:avLst>
-          </a:prstGeom>
-        </p:spPr>
-        <p:style>
-          <a:lnRef idx="2">
-            <a:schemeClr val="accent1"/>
-          </a:lnRef>
-          <a:fillRef idx="0">
-            <a:schemeClr val="accent1"/>
-          </a:fillRef>
-          <a:effectRef idx="1">
-            <a:schemeClr val="accent1"/>
-          </a:effectRef>
-          <a:fontRef idx="minor">
-            <a:schemeClr val="tx1"/>
-          </a:fontRef>
-        </p:style>
-      </p:cxnSp>
-      <p:cxnSp>
-        <p:nvCxnSpPr>
-          <p:cNvPr id="1313" name="꺾인 연결선[E] 1312">
-            <a:extLst>
-              <a:ext uri="{FF2B5EF4-FFF2-40B4-BE49-F238E27FC236}">
-                <a16:creationId xmlns:a16="http://schemas.microsoft.com/office/drawing/2014/main" id="{1762EA29-BD57-2039-B918-C815B029BBA7}"/>
-              </a:ext>
-            </a:extLst>
-          </p:cNvPr>
-          <p:cNvCxnSpPr>
-            <a:cxnSpLocks/>
-            <a:stCxn id="49" idx="1"/>
-            <a:endCxn id="27" idx="2"/>
-          </p:cNvCxnSpPr>
-          <p:nvPr/>
-        </p:nvCxnSpPr>
-        <p:spPr>
-          <a:xfrm rot="10800000" flipH="1">
-            <a:off x="7504281" y="3345673"/>
-            <a:ext cx="585271" cy="1322721"/>
-          </a:xfrm>
-          <a:prstGeom prst="bentConnector4">
-            <a:avLst>
-              <a:gd name="adj1" fmla="val -39059"/>
-              <a:gd name="adj2" fmla="val 81212"/>
-            </a:avLst>
-          </a:prstGeom>
-        </p:spPr>
-        <p:style>
-          <a:lnRef idx="2">
-            <a:schemeClr val="accent1"/>
-          </a:lnRef>
-          <a:fillRef idx="0">
-            <a:schemeClr val="accent1"/>
-          </a:fillRef>
-          <a:effectRef idx="1">
-            <a:schemeClr val="accent1"/>
-          </a:effectRef>
-          <a:fontRef idx="minor">
-            <a:schemeClr val="tx1"/>
-          </a:fontRef>
-        </p:style>
-      </p:cxnSp>
-      <p:cxnSp>
-        <p:nvCxnSpPr>
-          <p:cNvPr id="1314" name="꺾인 연결선[E] 1313">
-            <a:extLst>
-              <a:ext uri="{FF2B5EF4-FFF2-40B4-BE49-F238E27FC236}">
-                <a16:creationId xmlns:a16="http://schemas.microsoft.com/office/drawing/2014/main" id="{A71AE571-E403-2012-1B48-223A003BAF08}"/>
-              </a:ext>
-            </a:extLst>
-          </p:cNvPr>
-          <p:cNvCxnSpPr>
-            <a:cxnSpLocks/>
-            <a:stCxn id="36" idx="1"/>
-            <a:endCxn id="27" idx="2"/>
-          </p:cNvCxnSpPr>
-          <p:nvPr/>
-        </p:nvCxnSpPr>
-        <p:spPr>
-          <a:xfrm rot="10800000" flipH="1">
-            <a:off x="7504281" y="3345673"/>
-            <a:ext cx="585271" cy="1019393"/>
-          </a:xfrm>
-          <a:prstGeom prst="bentConnector4">
-            <a:avLst>
-              <a:gd name="adj1" fmla="val -39059"/>
-              <a:gd name="adj2" fmla="val 75227"/>
-            </a:avLst>
-          </a:prstGeom>
-        </p:spPr>
-        <p:style>
-          <a:lnRef idx="2">
-            <a:schemeClr val="accent1"/>
-          </a:lnRef>
-          <a:fillRef idx="0">
-            <a:schemeClr val="accent1"/>
-          </a:fillRef>
-          <a:effectRef idx="1">
-            <a:schemeClr val="accent1"/>
-          </a:effectRef>
-          <a:fontRef idx="minor">
-            <a:schemeClr val="tx1"/>
-          </a:fontRef>
-        </p:style>
-      </p:cxnSp>
-      <p:cxnSp>
-        <p:nvCxnSpPr>
-          <p:cNvPr id="1323" name="꺾인 연결선[E] 1322">
-            <a:extLst>
-              <a:ext uri="{FF2B5EF4-FFF2-40B4-BE49-F238E27FC236}">
-                <a16:creationId xmlns:a16="http://schemas.microsoft.com/office/drawing/2014/main" id="{58AFC1B8-AFF8-0AF8-6819-E7CE160A3528}"/>
-              </a:ext>
-            </a:extLst>
-          </p:cNvPr>
-          <p:cNvCxnSpPr>
-            <a:cxnSpLocks/>
-            <a:stCxn id="21" idx="1"/>
-            <a:endCxn id="27" idx="2"/>
-          </p:cNvCxnSpPr>
-          <p:nvPr/>
-        </p:nvCxnSpPr>
-        <p:spPr>
-          <a:xfrm rot="10800000" flipH="1">
-            <a:off x="7504283" y="3345673"/>
-            <a:ext cx="585270" cy="704625"/>
-          </a:xfrm>
-          <a:prstGeom prst="bentConnector4">
-            <a:avLst>
-              <a:gd name="adj1" fmla="val -39059"/>
-              <a:gd name="adj2" fmla="val 64562"/>
-            </a:avLst>
-          </a:prstGeom>
-        </p:spPr>
-        <p:style>
-          <a:lnRef idx="2">
-            <a:schemeClr val="accent1"/>
-          </a:lnRef>
-          <a:fillRef idx="0">
-            <a:schemeClr val="accent1"/>
-          </a:fillRef>
-          <a:effectRef idx="1">
-            <a:schemeClr val="accent1"/>
-          </a:effectRef>
-          <a:fontRef idx="minor">
-            <a:schemeClr val="tx1"/>
-          </a:fontRef>
-        </p:style>
-      </p:cxnSp>
-      <p:cxnSp>
-        <p:nvCxnSpPr>
-          <p:cNvPr id="1330" name="직선 화살표 연결선 1329">
-            <a:extLst>
-              <a:ext uri="{FF2B5EF4-FFF2-40B4-BE49-F238E27FC236}">
-                <a16:creationId xmlns:a16="http://schemas.microsoft.com/office/drawing/2014/main" id="{0A4AD28A-ABAF-7706-8237-ECA08EB7CE5B}"/>
-              </a:ext>
-            </a:extLst>
-          </p:cNvPr>
-          <p:cNvCxnSpPr>
-            <a:cxnSpLocks/>
-          </p:cNvCxnSpPr>
-          <p:nvPr/>
-        </p:nvCxnSpPr>
-        <p:spPr>
-          <a:xfrm flipH="1">
-            <a:off x="540925" y="8696489"/>
-            <a:ext cx="11198699" cy="0"/>
-          </a:xfrm>
-          <a:prstGeom prst="straightConnector1">
-            <a:avLst/>
-          </a:prstGeom>
-          <a:ln>
-            <a:solidFill>
-              <a:srgbClr val="FF0000"/>
-            </a:solidFill>
-            <a:headEnd type="none" w="med" len="med"/>
-            <a:tailEnd type="none" w="med" len="med"/>
-          </a:ln>
-        </p:spPr>
-        <p:style>
-          <a:lnRef idx="2">
-            <a:schemeClr val="accent1"/>
-          </a:lnRef>
-          <a:fillRef idx="0">
-            <a:schemeClr val="accent1"/>
-          </a:fillRef>
-          <a:effectRef idx="1">
-            <a:schemeClr val="accent1"/>
-          </a:effectRef>
-          <a:fontRef idx="minor">
-            <a:schemeClr val="tx1"/>
-          </a:fontRef>
-        </p:style>
-      </p:cxnSp>
       <p:pic>
         <p:nvPicPr>
-          <p:cNvPr id="15" name="그림 14">
-            <a:extLst>
-              <a:ext uri="{FF2B5EF4-FFF2-40B4-BE49-F238E27FC236}">
-                <a16:creationId xmlns:a16="http://schemas.microsoft.com/office/drawing/2014/main" id="{3E23C581-ED7F-37CE-6107-1D581983A936}"/>
+          <p:cNvPr id="14" name="그림 13">
+            <a:extLst>
+              <a:ext uri="{FF2B5EF4-FFF2-40B4-BE49-F238E27FC236}">
+                <a16:creationId xmlns:a16="http://schemas.microsoft.com/office/drawing/2014/main" id="{71DBA4B4-25A0-5D0D-19A2-D02C50ACB8D0}"/>
               </a:ext>
             </a:extLst>
           </p:cNvPr>
@@ -8098,15 +8044,15 @@
           <p:nvPr/>
         </p:nvPicPr>
         <p:blipFill>
-          <a:blip r:embed="rId5"/>
+          <a:blip r:embed="rId18"/>
           <a:stretch>
             <a:fillRect/>
           </a:stretch>
         </p:blipFill>
         <p:spPr>
           <a:xfrm>
-            <a:off x="10411445" y="4857243"/>
-            <a:ext cx="465429" cy="465429"/>
+            <a:off x="10624735" y="4499920"/>
+            <a:ext cx="461326" cy="461326"/>
           </a:xfrm>
           <a:prstGeom prst="rect">
             <a:avLst/>
@@ -8115,10 +8061,10 @@
       </p:pic>
       <p:sp>
         <p:nvSpPr>
-          <p:cNvPr id="16" name="제목 1">
-            <a:extLst>
-              <a:ext uri="{FF2B5EF4-FFF2-40B4-BE49-F238E27FC236}">
-                <a16:creationId xmlns:a16="http://schemas.microsoft.com/office/drawing/2014/main" id="{1F804A88-1016-06BA-EEE7-945EE4E1EC67}"/>
+          <p:cNvPr id="47" name="제목 1">
+            <a:extLst>
+              <a:ext uri="{FF2B5EF4-FFF2-40B4-BE49-F238E27FC236}">
+                <a16:creationId xmlns:a16="http://schemas.microsoft.com/office/drawing/2014/main" id="{BA6437DA-1E87-2A60-6AEA-1DCAC8B6D3C7}"/>
               </a:ext>
             </a:extLst>
           </p:cNvPr>
@@ -8129,8 +8075,8 @@
         </p:nvSpPr>
         <p:spPr>
           <a:xfrm>
-            <a:off x="10183939" y="5334944"/>
-            <a:ext cx="869150" cy="267998"/>
+            <a:off x="10194328" y="4961246"/>
+            <a:ext cx="1314173" cy="267998"/>
           </a:xfrm>
           <a:prstGeom prst="rect">
             <a:avLst/>
@@ -8167,82 +8113,105 @@
                 <a:ea typeface="KoPubWorldDotum Bold" pitchFamily="2" charset="-127"/>
                 <a:cs typeface="KoPubWorldDotum Bold" pitchFamily="2" charset="-127"/>
               </a:rPr>
-              <a:t>DynamoDB</a:t>
-            </a:r>
-            <a:endParaRPr kumimoji="1" lang="ko-KR" altLang="en-US" sz="900" b="1" dirty="0">
-              <a:latin typeface="KoPubWorldDotum Bold" pitchFamily="2" charset="-127"/>
-              <a:ea typeface="KoPubWorldDotum Bold" pitchFamily="2" charset="-127"/>
-              <a:cs typeface="KoPubWorldDotum Bold" pitchFamily="2" charset="-127"/>
-            </a:endParaRPr>
-          </a:p>
-        </p:txBody>
-      </p:sp>
-      <p:pic>
-        <p:nvPicPr>
-          <p:cNvPr id="23" name="그림 22">
-            <a:extLst>
-              <a:ext uri="{FF2B5EF4-FFF2-40B4-BE49-F238E27FC236}">
-                <a16:creationId xmlns:a16="http://schemas.microsoft.com/office/drawing/2014/main" id="{AC4A61BD-7967-6BC8-24DA-796154C8C30C}"/>
-              </a:ext>
-            </a:extLst>
-          </p:cNvPr>
-          <p:cNvPicPr>
-            <a:picLocks noChangeAspect="1"/>
-          </p:cNvPicPr>
-          <p:nvPr/>
-        </p:nvPicPr>
-        <p:blipFill>
-          <a:blip r:embed="rId17"/>
-          <a:stretch>
-            <a:fillRect/>
-          </a:stretch>
-        </p:blipFill>
-        <p:spPr>
-          <a:xfrm>
-            <a:off x="10506066" y="7363877"/>
-            <a:ext cx="465430" cy="465430"/>
-          </a:xfrm>
-          <a:prstGeom prst="rect">
-            <a:avLst/>
-          </a:prstGeom>
-        </p:spPr>
-      </p:pic>
-      <p:pic>
-        <p:nvPicPr>
-          <p:cNvPr id="14" name="그림 13">
-            <a:extLst>
-              <a:ext uri="{FF2B5EF4-FFF2-40B4-BE49-F238E27FC236}">
-                <a16:creationId xmlns:a16="http://schemas.microsoft.com/office/drawing/2014/main" id="{71DBA4B4-25A0-5D0D-19A2-D02C50ACB8D0}"/>
-              </a:ext>
-            </a:extLst>
-          </p:cNvPr>
-          <p:cNvPicPr>
-            <a:picLocks noChangeAspect="1"/>
-          </p:cNvPicPr>
-          <p:nvPr/>
-        </p:nvPicPr>
-        <p:blipFill>
-          <a:blip r:embed="rId18"/>
-          <a:stretch>
-            <a:fillRect/>
-          </a:stretch>
-        </p:blipFill>
-        <p:spPr>
-          <a:xfrm>
-            <a:off x="10410202" y="4054142"/>
-            <a:ext cx="461326" cy="461326"/>
-          </a:xfrm>
-          <a:prstGeom prst="rect">
-            <a:avLst/>
-          </a:prstGeom>
-        </p:spPr>
-      </p:pic>
-      <p:sp>
-        <p:nvSpPr>
-          <p:cNvPr id="47" name="제목 1">
-            <a:extLst>
-              <a:ext uri="{FF2B5EF4-FFF2-40B4-BE49-F238E27FC236}">
-                <a16:creationId xmlns:a16="http://schemas.microsoft.com/office/drawing/2014/main" id="{BA6437DA-1E87-2A60-6AEA-1DCAC8B6D3C7}"/>
+              <a:t>SSM Parameter Store</a:t>
+            </a:r>
+          </a:p>
+        </p:txBody>
+      </p:sp>
+      <p:cxnSp>
+        <p:nvCxnSpPr>
+          <p:cNvPr id="1079" name="직선 화살표 연결선 1078">
+            <a:extLst>
+              <a:ext uri="{FF2B5EF4-FFF2-40B4-BE49-F238E27FC236}">
+                <a16:creationId xmlns:a16="http://schemas.microsoft.com/office/drawing/2014/main" id="{9CF04B74-8B16-40A4-2199-CE6A131D7B71}"/>
+              </a:ext>
+            </a:extLst>
+          </p:cNvPr>
+          <p:cNvCxnSpPr>
+            <a:cxnSpLocks/>
+            <a:stCxn id="17" idx="0"/>
+            <a:endCxn id="4" idx="2"/>
+          </p:cNvCxnSpPr>
+          <p:nvPr/>
+        </p:nvCxnSpPr>
+        <p:spPr>
+          <a:xfrm flipV="1">
+            <a:off x="2292349" y="7686536"/>
+            <a:ext cx="2088" cy="235244"/>
+          </a:xfrm>
+          <a:prstGeom prst="straightConnector1">
+            <a:avLst/>
+          </a:prstGeom>
+          <a:ln>
+            <a:headEnd type="none" w="med" len="med"/>
+            <a:tailEnd type="none" w="med" len="med"/>
+          </a:ln>
+        </p:spPr>
+        <p:style>
+          <a:lnRef idx="2">
+            <a:schemeClr val="accent1"/>
+          </a:lnRef>
+          <a:fillRef idx="0">
+            <a:schemeClr val="accent1"/>
+          </a:fillRef>
+          <a:effectRef idx="1">
+            <a:schemeClr val="accent1"/>
+          </a:effectRef>
+          <a:fontRef idx="minor">
+            <a:schemeClr val="tx1"/>
+          </a:fontRef>
+        </p:style>
+      </p:cxnSp>
+      <p:cxnSp>
+        <p:nvCxnSpPr>
+          <p:cNvPr id="1081" name="직선 화살표 연결선 1080">
+            <a:extLst>
+              <a:ext uri="{FF2B5EF4-FFF2-40B4-BE49-F238E27FC236}">
+                <a16:creationId xmlns:a16="http://schemas.microsoft.com/office/drawing/2014/main" id="{499FAE31-E5A4-C799-5C85-5B36664045FB}"/>
+              </a:ext>
+            </a:extLst>
+          </p:cNvPr>
+          <p:cNvCxnSpPr>
+            <a:cxnSpLocks/>
+            <a:stCxn id="13" idx="0"/>
+            <a:endCxn id="6" idx="2"/>
+          </p:cNvCxnSpPr>
+          <p:nvPr/>
+        </p:nvCxnSpPr>
+        <p:spPr>
+          <a:xfrm flipV="1">
+            <a:off x="4210775" y="7697469"/>
+            <a:ext cx="725" cy="199812"/>
+          </a:xfrm>
+          <a:prstGeom prst="straightConnector1">
+            <a:avLst/>
+          </a:prstGeom>
+          <a:ln>
+            <a:headEnd type="none" w="med" len="med"/>
+            <a:tailEnd type="none" w="med" len="med"/>
+          </a:ln>
+        </p:spPr>
+        <p:style>
+          <a:lnRef idx="2">
+            <a:schemeClr val="accent1"/>
+          </a:lnRef>
+          <a:fillRef idx="0">
+            <a:schemeClr val="accent1"/>
+          </a:fillRef>
+          <a:effectRef idx="1">
+            <a:schemeClr val="accent1"/>
+          </a:effectRef>
+          <a:fontRef idx="minor">
+            <a:schemeClr val="tx1"/>
+          </a:fontRef>
+        </p:style>
+      </p:cxnSp>
+      <p:sp>
+        <p:nvSpPr>
+          <p:cNvPr id="1217" name="제목 1">
+            <a:extLst>
+              <a:ext uri="{FF2B5EF4-FFF2-40B4-BE49-F238E27FC236}">
+                <a16:creationId xmlns:a16="http://schemas.microsoft.com/office/drawing/2014/main" id="{9DFD3D5D-CDEB-B859-0DFB-9E92EE6AA8C9}"/>
               </a:ext>
             </a:extLst>
           </p:cNvPr>
@@ -8253,8 +8222,8 @@
         </p:nvSpPr>
         <p:spPr>
           <a:xfrm>
-            <a:off x="9979795" y="4515468"/>
-            <a:ext cx="1314173" cy="267998"/>
+            <a:off x="3752647" y="9581818"/>
+            <a:ext cx="869150" cy="267998"/>
           </a:xfrm>
           <a:prstGeom prst="rect">
             <a:avLst/>
@@ -8291,37 +8260,44 @@
                 <a:ea typeface="KoPubWorldDotum Bold" pitchFamily="2" charset="-127"/>
                 <a:cs typeface="KoPubWorldDotum Bold" pitchFamily="2" charset="-127"/>
               </a:rPr>
-              <a:t>SSM Parameter Store</a:t>
-            </a:r>
+              <a:t>RDS</a:t>
+            </a:r>
+            <a:endParaRPr kumimoji="1" lang="ko-KR" altLang="en-US" sz="900" b="1" dirty="0">
+              <a:latin typeface="KoPubWorldDotum Bold" pitchFamily="2" charset="-127"/>
+              <a:ea typeface="KoPubWorldDotum Bold" pitchFamily="2" charset="-127"/>
+              <a:cs typeface="KoPubWorldDotum Bold" pitchFamily="2" charset="-127"/>
+            </a:endParaRPr>
           </a:p>
         </p:txBody>
       </p:sp>
       <p:cxnSp>
         <p:nvCxnSpPr>
-          <p:cNvPr id="56" name="꺾인 연결선[E] 55">
-            <a:extLst>
-              <a:ext uri="{FF2B5EF4-FFF2-40B4-BE49-F238E27FC236}">
-                <a16:creationId xmlns:a16="http://schemas.microsoft.com/office/drawing/2014/main" id="{2A8D8BE4-0E0E-9FC7-34BB-E7DBFEF75C27}"/>
+          <p:cNvPr id="1231" name="직선 화살표 연결선 1230">
+            <a:extLst>
+              <a:ext uri="{FF2B5EF4-FFF2-40B4-BE49-F238E27FC236}">
+                <a16:creationId xmlns:a16="http://schemas.microsoft.com/office/drawing/2014/main" id="{EE53A184-6A56-E74F-B47E-0367D50E1AFF}"/>
               </a:ext>
             </a:extLst>
           </p:cNvPr>
           <p:cNvCxnSpPr>
             <a:cxnSpLocks/>
-            <a:stCxn id="1044" idx="3"/>
-            <a:endCxn id="14" idx="1"/>
+            <a:stCxn id="1076" idx="2"/>
+            <a:endCxn id="15" idx="0"/>
           </p:cNvCxnSpPr>
           <p:nvPr/>
         </p:nvCxnSpPr>
         <p:spPr>
-          <a:xfrm flipV="1">
-            <a:off x="9165404" y="4284805"/>
-            <a:ext cx="1244798" cy="446149"/>
-          </a:xfrm>
-          <a:prstGeom prst="bentConnector3">
-            <a:avLst>
-              <a:gd name="adj1" fmla="val 50000"/>
-            </a:avLst>
-          </a:prstGeom>
+          <a:xfrm>
+            <a:off x="8492479" y="6232268"/>
+            <a:ext cx="27823" cy="2877973"/>
+          </a:xfrm>
+          <a:prstGeom prst="straightConnector1">
+            <a:avLst/>
+          </a:prstGeom>
+          <a:ln>
+            <a:headEnd type="none" w="med" len="med"/>
+            <a:tailEnd type="none" w="med" len="med"/>
+          </a:ln>
         </p:spPr>
         <p:style>
           <a:lnRef idx="2">
@@ -8340,30 +8316,76 @@
       </p:cxnSp>
       <p:cxnSp>
         <p:nvCxnSpPr>
-          <p:cNvPr id="1025" name="꺾인 연결선[E] 1024">
-            <a:extLst>
-              <a:ext uri="{FF2B5EF4-FFF2-40B4-BE49-F238E27FC236}">
-                <a16:creationId xmlns:a16="http://schemas.microsoft.com/office/drawing/2014/main" id="{D41BF496-1864-DF3B-4C07-88F3096F6B03}"/>
+          <p:cNvPr id="1240" name="직선 화살표 연결선 1239">
+            <a:extLst>
+              <a:ext uri="{FF2B5EF4-FFF2-40B4-BE49-F238E27FC236}">
+                <a16:creationId xmlns:a16="http://schemas.microsoft.com/office/drawing/2014/main" id="{E1B90D06-F049-546C-298B-12F359379916}"/>
               </a:ext>
             </a:extLst>
           </p:cNvPr>
           <p:cNvCxnSpPr>
             <a:cxnSpLocks/>
-            <a:stCxn id="1044" idx="3"/>
-            <a:endCxn id="15" idx="1"/>
+            <a:stCxn id="8" idx="2"/>
+            <a:endCxn id="23" idx="0"/>
           </p:cNvCxnSpPr>
           <p:nvPr/>
         </p:nvCxnSpPr>
         <p:spPr>
-          <a:xfrm>
-            <a:off x="9165404" y="4730954"/>
-            <a:ext cx="1246041" cy="359004"/>
-          </a:xfrm>
-          <a:prstGeom prst="bentConnector3">
-            <a:avLst>
-              <a:gd name="adj1" fmla="val 50000"/>
-            </a:avLst>
-          </a:prstGeom>
+          <a:xfrm flipH="1">
+            <a:off x="4196693" y="8662031"/>
+            <a:ext cx="924" cy="447872"/>
+          </a:xfrm>
+          <a:prstGeom prst="straightConnector1">
+            <a:avLst/>
+          </a:prstGeom>
+          <a:ln>
+            <a:headEnd type="none" w="med" len="med"/>
+            <a:tailEnd type="none" w="med" len="med"/>
+          </a:ln>
+        </p:spPr>
+        <p:style>
+          <a:lnRef idx="2">
+            <a:schemeClr val="accent1"/>
+          </a:lnRef>
+          <a:fillRef idx="0">
+            <a:schemeClr val="accent1"/>
+          </a:fillRef>
+          <a:effectRef idx="1">
+            <a:schemeClr val="accent1"/>
+          </a:effectRef>
+          <a:fontRef idx="minor">
+            <a:schemeClr val="tx1"/>
+          </a:fontRef>
+        </p:style>
+      </p:cxnSp>
+      <p:cxnSp>
+        <p:nvCxnSpPr>
+          <p:cNvPr id="1246" name="직선 화살표 연결선 1245">
+            <a:extLst>
+              <a:ext uri="{FF2B5EF4-FFF2-40B4-BE49-F238E27FC236}">
+                <a16:creationId xmlns:a16="http://schemas.microsoft.com/office/drawing/2014/main" id="{BFD640ED-6644-24DE-0876-E93E5BAACCB5}"/>
+              </a:ext>
+            </a:extLst>
+          </p:cNvPr>
+          <p:cNvCxnSpPr>
+            <a:cxnSpLocks/>
+            <a:stCxn id="1028" idx="1"/>
+            <a:endCxn id="53" idx="3"/>
+          </p:cNvCxnSpPr>
+          <p:nvPr/>
+        </p:nvCxnSpPr>
+        <p:spPr>
+          <a:xfrm flipH="1">
+            <a:off x="9738241" y="3109513"/>
+            <a:ext cx="817387" cy="4557"/>
+          </a:xfrm>
+          <a:prstGeom prst="straightConnector1">
+            <a:avLst/>
+          </a:prstGeom>
+          <a:ln>
+            <a:headEnd type="none" w="med" len="med"/>
+            <a:tailEnd type="none" w="med" len="med"/>
+          </a:ln>
         </p:spPr>
         <p:style>
           <a:lnRef idx="2">

--- a/documents/개발계획서.pptx
+++ b/documents/개발계획서.pptx
@@ -5,7 +5,7 @@
     <p:sldMasterId id="2147483660" r:id="rId1"/>
   </p:sldMasterIdLst>
   <p:notesMasterIdLst>
-    <p:notesMasterId r:id="rId12"/>
+    <p:notesMasterId r:id="rId13"/>
   </p:notesMasterIdLst>
   <p:sldIdLst>
     <p:sldId id="257" r:id="rId2"/>
@@ -18,6 +18,7 @@
     <p:sldId id="274" r:id="rId9"/>
     <p:sldId id="275" r:id="rId10"/>
     <p:sldId id="276" r:id="rId11"/>
+    <p:sldId id="277" r:id="rId12"/>
   </p:sldIdLst>
   <p:sldSz cx="12192000" cy="12193588"/>
   <p:notesSz cx="6858000" cy="9144000"/>
@@ -206,7 +207,7 @@
           <a:p>
             <a:fld id="{9458FFD9-5838-1449-9919-C8A4367C6D0D}" type="datetimeFigureOut">
               <a:rPr kumimoji="1" lang="ko-KR" altLang="en-US" smtClean="0"/>
-              <a:t>2025. 1. 5.</a:t>
+              <a:t>2025. 2. 24.</a:t>
             </a:fld>
             <a:endParaRPr kumimoji="1" lang="ko-KR" altLang="en-US"/>
           </a:p>
@@ -740,6 +741,95 @@
 </p:notes>
 </file>
 
+<file path=ppt/notesSlides/notesSlide4.xml><?xml version="1.0" encoding="utf-8"?>
+<p:notes xmlns:a="http://schemas.openxmlformats.org/drawingml/2006/main" xmlns:r="http://schemas.openxmlformats.org/officeDocument/2006/relationships" xmlns:p="http://schemas.openxmlformats.org/presentationml/2006/main">
+  <p:cSld>
+    <p:spTree>
+      <p:nvGrpSpPr>
+        <p:cNvPr id="1" name=""/>
+        <p:cNvGrpSpPr/>
+        <p:nvPr/>
+      </p:nvGrpSpPr>
+      <p:grpSpPr>
+        <a:xfrm>
+          <a:off x="0" y="0"/>
+          <a:ext cx="0" cy="0"/>
+          <a:chOff x="0" y="0"/>
+          <a:chExt cx="0" cy="0"/>
+        </a:xfrm>
+      </p:grpSpPr>
+      <p:sp>
+        <p:nvSpPr>
+          <p:cNvPr id="2" name="슬라이드 이미지 개체 틀 1"/>
+          <p:cNvSpPr>
+            <a:spLocks noGrp="1" noRot="1" noChangeAspect="1"/>
+          </p:cNvSpPr>
+          <p:nvPr>
+            <p:ph type="sldImg"/>
+          </p:nvPr>
+        </p:nvSpPr>
+        <p:spPr>
+          <a:xfrm>
+            <a:off x="1885950" y="1143000"/>
+            <a:ext cx="3086100" cy="3086100"/>
+          </a:xfrm>
+        </p:spPr>
+      </p:sp>
+      <p:sp>
+        <p:nvSpPr>
+          <p:cNvPr id="3" name="슬라이드 노트 개체 틀 2"/>
+          <p:cNvSpPr>
+            <a:spLocks noGrp="1"/>
+          </p:cNvSpPr>
+          <p:nvPr>
+            <p:ph type="body" idx="1"/>
+          </p:nvPr>
+        </p:nvSpPr>
+        <p:spPr/>
+        <p:txBody>
+          <a:bodyPr/>
+          <a:lstStyle/>
+          <a:p>
+            <a:endParaRPr kumimoji="1" lang="ko-KR" altLang="en-US" dirty="0"/>
+          </a:p>
+        </p:txBody>
+      </p:sp>
+      <p:sp>
+        <p:nvSpPr>
+          <p:cNvPr id="4" name="슬라이드 번호 개체 틀 3"/>
+          <p:cNvSpPr>
+            <a:spLocks noGrp="1"/>
+          </p:cNvSpPr>
+          <p:nvPr>
+            <p:ph type="sldNum" sz="quarter" idx="5"/>
+          </p:nvPr>
+        </p:nvSpPr>
+        <p:spPr/>
+        <p:txBody>
+          <a:bodyPr/>
+          <a:lstStyle/>
+          <a:p>
+            <a:fld id="{C7D1C44E-14C5-4047-905B-19D9AA244188}" type="slidenum">
+              <a:rPr kumimoji="1" lang="ko-KR" altLang="en-US" smtClean="0"/>
+              <a:t>11</a:t>
+            </a:fld>
+            <a:endParaRPr kumimoji="1" lang="ko-KR" altLang="en-US"/>
+          </a:p>
+        </p:txBody>
+      </p:sp>
+    </p:spTree>
+    <p:extLst>
+      <p:ext uri="{BB962C8B-B14F-4D97-AF65-F5344CB8AC3E}">
+        <p14:creationId xmlns:p14="http://schemas.microsoft.com/office/powerpoint/2010/main" val="2915369706"/>
+      </p:ext>
+    </p:extLst>
+  </p:cSld>
+  <p:clrMapOvr>
+    <a:masterClrMapping/>
+  </p:clrMapOvr>
+</p:notes>
+</file>
+
 <file path=ppt/slideLayouts/slideLayout1.xml><?xml version="1.0" encoding="utf-8"?>
 <p:sldLayout xmlns:a="http://schemas.openxmlformats.org/drawingml/2006/main" xmlns:r="http://schemas.openxmlformats.org/officeDocument/2006/relationships" xmlns:p="http://schemas.openxmlformats.org/presentationml/2006/main" type="title" preserve="1">
   <p:cSld name="제목 슬라이드">
@@ -871,7 +961,7 @@
           <a:p>
             <a:fld id="{B2310862-A932-4A4D-BE7A-7832C8DBE490}" type="datetimeFigureOut">
               <a:rPr kumimoji="1" lang="ko-KR" altLang="en-US" smtClean="0"/>
-              <a:t>2025. 1. 5.</a:t>
+              <a:t>2025. 2. 24.</a:t>
             </a:fld>
             <a:endParaRPr kumimoji="1" lang="ko-KR" altLang="en-US"/>
           </a:p>
@@ -1041,7 +1131,7 @@
           <a:p>
             <a:fld id="{B2310862-A932-4A4D-BE7A-7832C8DBE490}" type="datetimeFigureOut">
               <a:rPr kumimoji="1" lang="ko-KR" altLang="en-US" smtClean="0"/>
-              <a:t>2025. 1. 5.</a:t>
+              <a:t>2025. 2. 24.</a:t>
             </a:fld>
             <a:endParaRPr kumimoji="1" lang="ko-KR" altLang="en-US"/>
           </a:p>
@@ -1221,7 +1311,7 @@
           <a:p>
             <a:fld id="{B2310862-A932-4A4D-BE7A-7832C8DBE490}" type="datetimeFigureOut">
               <a:rPr kumimoji="1" lang="ko-KR" altLang="en-US" smtClean="0"/>
-              <a:t>2025. 1. 5.</a:t>
+              <a:t>2025. 2. 24.</a:t>
             </a:fld>
             <a:endParaRPr kumimoji="1" lang="ko-KR" altLang="en-US"/>
           </a:p>
@@ -1391,7 +1481,7 @@
           <a:p>
             <a:fld id="{B2310862-A932-4A4D-BE7A-7832C8DBE490}" type="datetimeFigureOut">
               <a:rPr kumimoji="1" lang="ko-KR" altLang="en-US" smtClean="0"/>
-              <a:t>2025. 1. 5.</a:t>
+              <a:t>2025. 2. 24.</a:t>
             </a:fld>
             <a:endParaRPr kumimoji="1" lang="ko-KR" altLang="en-US"/>
           </a:p>
@@ -1637,7 +1727,7 @@
           <a:p>
             <a:fld id="{B2310862-A932-4A4D-BE7A-7832C8DBE490}" type="datetimeFigureOut">
               <a:rPr kumimoji="1" lang="ko-KR" altLang="en-US" smtClean="0"/>
-              <a:t>2025. 1. 5.</a:t>
+              <a:t>2025. 2. 24.</a:t>
             </a:fld>
             <a:endParaRPr kumimoji="1" lang="ko-KR" altLang="en-US"/>
           </a:p>
@@ -1869,7 +1959,7 @@
           <a:p>
             <a:fld id="{B2310862-A932-4A4D-BE7A-7832C8DBE490}" type="datetimeFigureOut">
               <a:rPr kumimoji="1" lang="ko-KR" altLang="en-US" smtClean="0"/>
-              <a:t>2025. 1. 5.</a:t>
+              <a:t>2025. 2. 24.</a:t>
             </a:fld>
             <a:endParaRPr kumimoji="1" lang="ko-KR" altLang="en-US"/>
           </a:p>
@@ -2236,7 +2326,7 @@
           <a:p>
             <a:fld id="{B2310862-A932-4A4D-BE7A-7832C8DBE490}" type="datetimeFigureOut">
               <a:rPr kumimoji="1" lang="ko-KR" altLang="en-US" smtClean="0"/>
-              <a:t>2025. 1. 5.</a:t>
+              <a:t>2025. 2. 24.</a:t>
             </a:fld>
             <a:endParaRPr kumimoji="1" lang="ko-KR" altLang="en-US"/>
           </a:p>
@@ -2354,7 +2444,7 @@
           <a:p>
             <a:fld id="{B2310862-A932-4A4D-BE7A-7832C8DBE490}" type="datetimeFigureOut">
               <a:rPr kumimoji="1" lang="ko-KR" altLang="en-US" smtClean="0"/>
-              <a:t>2025. 1. 5.</a:t>
+              <a:t>2025. 2. 24.</a:t>
             </a:fld>
             <a:endParaRPr kumimoji="1" lang="ko-KR" altLang="en-US"/>
           </a:p>
@@ -2449,7 +2539,7 @@
           <a:p>
             <a:fld id="{B2310862-A932-4A4D-BE7A-7832C8DBE490}" type="datetimeFigureOut">
               <a:rPr kumimoji="1" lang="ko-KR" altLang="en-US" smtClean="0"/>
-              <a:t>2025. 1. 5.</a:t>
+              <a:t>2025. 2. 24.</a:t>
             </a:fld>
             <a:endParaRPr kumimoji="1" lang="ko-KR" altLang="en-US"/>
           </a:p>
@@ -2726,7 +2816,7 @@
           <a:p>
             <a:fld id="{B2310862-A932-4A4D-BE7A-7832C8DBE490}" type="datetimeFigureOut">
               <a:rPr kumimoji="1" lang="ko-KR" altLang="en-US" smtClean="0"/>
-              <a:t>2025. 1. 5.</a:t>
+              <a:t>2025. 2. 24.</a:t>
             </a:fld>
             <a:endParaRPr kumimoji="1" lang="ko-KR" altLang="en-US"/>
           </a:p>
@@ -2983,7 +3073,7 @@
           <a:p>
             <a:fld id="{B2310862-A932-4A4D-BE7A-7832C8DBE490}" type="datetimeFigureOut">
               <a:rPr kumimoji="1" lang="ko-KR" altLang="en-US" smtClean="0"/>
-              <a:t>2025. 1. 5.</a:t>
+              <a:t>2025. 2. 24.</a:t>
             </a:fld>
             <a:endParaRPr kumimoji="1" lang="ko-KR" altLang="en-US"/>
           </a:p>
@@ -3196,7 +3286,7 @@
           <a:p>
             <a:fld id="{B2310862-A932-4A4D-BE7A-7832C8DBE490}" type="datetimeFigureOut">
               <a:rPr kumimoji="1" lang="ko-KR" altLang="en-US" smtClean="0"/>
-              <a:t>2025. 1. 5.</a:t>
+              <a:t>2025. 2. 24.</a:t>
             </a:fld>
             <a:endParaRPr kumimoji="1" lang="ko-KR" altLang="en-US"/>
           </a:p>
@@ -8406,6 +8496,3880 @@
     <p:extLst>
       <p:ext uri="{BB962C8B-B14F-4D97-AF65-F5344CB8AC3E}">
         <p14:creationId xmlns:p14="http://schemas.microsoft.com/office/powerpoint/2010/main" val="1439120568"/>
+      </p:ext>
+    </p:extLst>
+  </p:cSld>
+  <p:clrMapOvr>
+    <a:masterClrMapping/>
+  </p:clrMapOvr>
+</p:sld>
+</file>
+
+<file path=ppt/slides/slide11.xml><?xml version="1.0" encoding="utf-8"?>
+<p:sld xmlns:a="http://schemas.openxmlformats.org/drawingml/2006/main" xmlns:r="http://schemas.openxmlformats.org/officeDocument/2006/relationships" xmlns:p="http://schemas.openxmlformats.org/presentationml/2006/main">
+  <p:cSld>
+    <p:spTree>
+      <p:nvGrpSpPr>
+        <p:cNvPr id="1" name=""/>
+        <p:cNvGrpSpPr/>
+        <p:nvPr/>
+      </p:nvGrpSpPr>
+      <p:grpSpPr>
+        <a:xfrm>
+          <a:off x="0" y="0"/>
+          <a:ext cx="0" cy="0"/>
+          <a:chOff x="0" y="0"/>
+          <a:chExt cx="0" cy="0"/>
+        </a:xfrm>
+      </p:grpSpPr>
+      <p:sp>
+        <p:nvSpPr>
+          <p:cNvPr id="1044" name="직사각형 1043">
+            <a:extLst>
+              <a:ext uri="{FF2B5EF4-FFF2-40B4-BE49-F238E27FC236}">
+                <a16:creationId xmlns:a16="http://schemas.microsoft.com/office/drawing/2014/main" id="{69455D03-AF5D-A6C2-EA8F-84E7F7B5B8B5}"/>
+              </a:ext>
+            </a:extLst>
+          </p:cNvPr>
+          <p:cNvSpPr/>
+          <p:nvPr/>
+        </p:nvSpPr>
+        <p:spPr>
+          <a:xfrm>
+            <a:off x="7347213" y="4364371"/>
+            <a:ext cx="2211868" cy="1196306"/>
+          </a:xfrm>
+          <a:prstGeom prst="rect">
+            <a:avLst/>
+          </a:prstGeom>
+          <a:noFill/>
+          <a:ln>
+            <a:solidFill>
+              <a:srgbClr val="000000"/>
+            </a:solidFill>
+            <a:prstDash val="sysDash"/>
+          </a:ln>
+        </p:spPr>
+        <p:style>
+          <a:lnRef idx="2">
+            <a:schemeClr val="accent1">
+              <a:shade val="15000"/>
+            </a:schemeClr>
+          </a:lnRef>
+          <a:fillRef idx="1">
+            <a:schemeClr val="accent1"/>
+          </a:fillRef>
+          <a:effectRef idx="0">
+            <a:schemeClr val="accent1"/>
+          </a:effectRef>
+          <a:fontRef idx="minor">
+            <a:schemeClr val="lt1"/>
+          </a:fontRef>
+        </p:style>
+        <p:txBody>
+          <a:bodyPr rtlCol="0" anchor="ctr"/>
+          <a:lstStyle/>
+          <a:p>
+            <a:pPr algn="ctr"/>
+            <a:endParaRPr kumimoji="1" lang="ko-KR" altLang="en-US" sz="900" b="1" dirty="0"/>
+          </a:p>
+        </p:txBody>
+      </p:sp>
+      <p:pic>
+        <p:nvPicPr>
+          <p:cNvPr id="1026" name="Picture 2" descr="Amazon Bedrock Connector - Overview (O11) | OutSystems">
+            <a:extLst>
+              <a:ext uri="{FF2B5EF4-FFF2-40B4-BE49-F238E27FC236}">
+                <a16:creationId xmlns:a16="http://schemas.microsoft.com/office/drawing/2014/main" id="{6DA16296-BD32-D7F0-01D5-6C09271FAC81}"/>
+              </a:ext>
+            </a:extLst>
+          </p:cNvPr>
+          <p:cNvPicPr>
+            <a:picLocks noChangeAspect="1" noChangeArrowheads="1"/>
+          </p:cNvPicPr>
+          <p:nvPr/>
+        </p:nvPicPr>
+        <p:blipFill>
+          <a:blip r:embed="rId3">
+            <a:extLst>
+              <a:ext uri="{28A0092B-C50C-407E-A947-70E740481C1C}">
+                <a14:useLocalDpi xmlns:a14="http://schemas.microsoft.com/office/drawing/2010/main" val="0"/>
+              </a:ext>
+            </a:extLst>
+          </a:blip>
+          <a:srcRect/>
+          <a:stretch>
+            <a:fillRect/>
+          </a:stretch>
+        </p:blipFill>
+        <p:spPr bwMode="auto">
+          <a:xfrm>
+            <a:off x="2052490" y="6938301"/>
+            <a:ext cx="465430" cy="465430"/>
+          </a:xfrm>
+          <a:prstGeom prst="rect">
+            <a:avLst/>
+          </a:prstGeom>
+          <a:noFill/>
+          <a:extLst>
+            <a:ext uri="{909E8E84-426E-40DD-AFC4-6F175D3DCCD1}">
+              <a14:hiddenFill xmlns:a14="http://schemas.microsoft.com/office/drawing/2010/main">
+                <a:solidFill>
+                  <a:srgbClr val="FFFFFF"/>
+                </a:solidFill>
+              </a14:hiddenFill>
+            </a:ext>
+          </a:extLst>
+        </p:spPr>
+      </p:pic>
+      <p:sp>
+        <p:nvSpPr>
+          <p:cNvPr id="4" name="제목 1">
+            <a:extLst>
+              <a:ext uri="{FF2B5EF4-FFF2-40B4-BE49-F238E27FC236}">
+                <a16:creationId xmlns:a16="http://schemas.microsoft.com/office/drawing/2014/main" id="{6B3A304C-BFF1-2B0E-6D04-E3EBC01A9BD6}"/>
+              </a:ext>
+            </a:extLst>
+          </p:cNvPr>
+          <p:cNvSpPr txBox="1">
+            <a:spLocks/>
+          </p:cNvSpPr>
+          <p:nvPr/>
+        </p:nvSpPr>
+        <p:spPr>
+          <a:xfrm>
+            <a:off x="1924836" y="7418538"/>
+            <a:ext cx="739201" cy="267998"/>
+          </a:xfrm>
+          <a:prstGeom prst="rect">
+            <a:avLst/>
+          </a:prstGeom>
+        </p:spPr>
+        <p:txBody>
+          <a:bodyPr vert="horz" lIns="91440" tIns="45720" rIns="91440" bIns="45720" rtlCol="0" anchor="ctr">
+            <a:normAutofit/>
+          </a:bodyPr>
+          <a:lstStyle>
+            <a:lvl1pPr algn="l" defTabSz="914400" rtl="0" eaLnBrk="1" latinLnBrk="1" hangingPunct="1">
+              <a:lnSpc>
+                <a:spcPct val="90000"/>
+              </a:lnSpc>
+              <a:spcBef>
+                <a:spcPct val="0"/>
+              </a:spcBef>
+              <a:buNone/>
+              <a:defRPr sz="4400" kern="1200">
+                <a:solidFill>
+                  <a:schemeClr val="tx1"/>
+                </a:solidFill>
+                <a:latin typeface="+mj-lt"/>
+                <a:ea typeface="+mj-ea"/>
+                <a:cs typeface="+mj-cs"/>
+              </a:defRPr>
+            </a:lvl1pPr>
+          </a:lstStyle>
+          <a:p>
+            <a:pPr algn="ctr"/>
+            <a:r>
+              <a:rPr kumimoji="1" lang="en-US" altLang="ko-KR" sz="900" b="1" dirty="0">
+                <a:latin typeface="KoPubWorldDotum Bold" pitchFamily="2" charset="-127"/>
+                <a:ea typeface="KoPubWorldDotum Bold" pitchFamily="2" charset="-127"/>
+                <a:cs typeface="KoPubWorldDotum Bold" pitchFamily="2" charset="-127"/>
+              </a:rPr>
+              <a:t>Bedrock</a:t>
+            </a:r>
+            <a:endParaRPr kumimoji="1" lang="ko-KR" altLang="en-US" sz="900" b="1" dirty="0">
+              <a:latin typeface="KoPubWorldDotum Bold" pitchFamily="2" charset="-127"/>
+              <a:ea typeface="KoPubWorldDotum Bold" pitchFamily="2" charset="-127"/>
+              <a:cs typeface="KoPubWorldDotum Bold" pitchFamily="2" charset="-127"/>
+            </a:endParaRPr>
+          </a:p>
+        </p:txBody>
+      </p:sp>
+      <p:sp>
+        <p:nvSpPr>
+          <p:cNvPr id="8" name="제목 1">
+            <a:extLst>
+              <a:ext uri="{FF2B5EF4-FFF2-40B4-BE49-F238E27FC236}">
+                <a16:creationId xmlns:a16="http://schemas.microsoft.com/office/drawing/2014/main" id="{7CB821EA-A35B-3E71-C9DD-00E24904DF39}"/>
+              </a:ext>
+            </a:extLst>
+          </p:cNvPr>
+          <p:cNvSpPr txBox="1">
+            <a:spLocks/>
+          </p:cNvSpPr>
+          <p:nvPr/>
+        </p:nvSpPr>
+        <p:spPr>
+          <a:xfrm>
+            <a:off x="3545355" y="8399998"/>
+            <a:ext cx="1304524" cy="262033"/>
+          </a:xfrm>
+          <a:prstGeom prst="rect">
+            <a:avLst/>
+          </a:prstGeom>
+        </p:spPr>
+        <p:txBody>
+          <a:bodyPr vert="horz" lIns="91440" tIns="45720" rIns="91440" bIns="45720" rtlCol="0" anchor="ctr">
+            <a:normAutofit/>
+          </a:bodyPr>
+          <a:lstStyle>
+            <a:lvl1pPr algn="l" defTabSz="914400" rtl="0" eaLnBrk="1" latinLnBrk="1" hangingPunct="1">
+              <a:lnSpc>
+                <a:spcPct val="90000"/>
+              </a:lnSpc>
+              <a:spcBef>
+                <a:spcPct val="0"/>
+              </a:spcBef>
+              <a:buNone/>
+              <a:defRPr sz="4400" kern="1200">
+                <a:solidFill>
+                  <a:schemeClr val="tx1"/>
+                </a:solidFill>
+                <a:latin typeface="+mj-lt"/>
+                <a:ea typeface="+mj-ea"/>
+                <a:cs typeface="+mj-cs"/>
+              </a:defRPr>
+            </a:lvl1pPr>
+          </a:lstStyle>
+          <a:p>
+            <a:pPr algn="ctr"/>
+            <a:r>
+              <a:rPr kumimoji="1" lang="en-US" altLang="ko-KR" sz="900" b="1" dirty="0">
+                <a:latin typeface="KoPubWorldDotum Bold" pitchFamily="2" charset="-127"/>
+                <a:ea typeface="KoPubWorldDotum Bold" pitchFamily="2" charset="-127"/>
+                <a:cs typeface="KoPubWorldDotum Bold" pitchFamily="2" charset="-127"/>
+              </a:rPr>
+              <a:t>Claude 3.5 Sonnet</a:t>
+            </a:r>
+            <a:r>
+              <a:rPr kumimoji="1" lang="ko-KR" altLang="en-US" sz="900" b="1" dirty="0">
+                <a:latin typeface="KoPubWorldDotum Bold" pitchFamily="2" charset="-127"/>
+                <a:ea typeface="KoPubWorldDotum Bold" pitchFamily="2" charset="-127"/>
+                <a:cs typeface="KoPubWorldDotum Bold" pitchFamily="2" charset="-127"/>
+              </a:rPr>
+              <a:t> </a:t>
+            </a:r>
+            <a:r>
+              <a:rPr kumimoji="1" lang="en-US" altLang="ko-KR" sz="900" b="1" dirty="0">
+                <a:latin typeface="KoPubWorldDotum Bold" pitchFamily="2" charset="-127"/>
+                <a:ea typeface="KoPubWorldDotum Bold" pitchFamily="2" charset="-127"/>
+                <a:cs typeface="KoPubWorldDotum Bold" pitchFamily="2" charset="-127"/>
+              </a:rPr>
+              <a:t>V2</a:t>
+            </a:r>
+            <a:endParaRPr kumimoji="1" lang="ko-KR" altLang="en-US" sz="900" b="1" dirty="0">
+              <a:latin typeface="KoPubWorldDotum Bold" pitchFamily="2" charset="-127"/>
+              <a:ea typeface="KoPubWorldDotum Bold" pitchFamily="2" charset="-127"/>
+              <a:cs typeface="KoPubWorldDotum Bold" pitchFamily="2" charset="-127"/>
+            </a:endParaRPr>
+          </a:p>
+        </p:txBody>
+      </p:sp>
+      <p:pic>
+        <p:nvPicPr>
+          <p:cNvPr id="13" name="Picture 2" descr="The AI wars heat up with Claude 3, claimed to have “near-human” abilities |  Ars Technica">
+            <a:extLst>
+              <a:ext uri="{FF2B5EF4-FFF2-40B4-BE49-F238E27FC236}">
+                <a16:creationId xmlns:a16="http://schemas.microsoft.com/office/drawing/2014/main" id="{9106017E-A991-4292-85EB-1286A8B1B55F}"/>
+              </a:ext>
+            </a:extLst>
+          </p:cNvPr>
+          <p:cNvPicPr>
+            <a:picLocks noChangeAspect="1" noChangeArrowheads="1"/>
+          </p:cNvPicPr>
+          <p:nvPr/>
+        </p:nvPicPr>
+        <p:blipFill rotWithShape="1">
+          <a:blip r:embed="rId4">
+            <a:extLst>
+              <a:ext uri="{28A0092B-C50C-407E-A947-70E740481C1C}">
+                <a14:useLocalDpi xmlns:a14="http://schemas.microsoft.com/office/drawing/2010/main" val="0"/>
+              </a:ext>
+            </a:extLst>
+          </a:blip>
+          <a:srcRect l="28567" t="10984" r="29591" b="14630"/>
+          <a:stretch/>
+        </p:blipFill>
+        <p:spPr bwMode="auto">
+          <a:xfrm>
+            <a:off x="3978060" y="7897281"/>
+            <a:ext cx="465430" cy="465430"/>
+          </a:xfrm>
+          <a:prstGeom prst="rect">
+            <a:avLst/>
+          </a:prstGeom>
+          <a:noFill/>
+          <a:extLst>
+            <a:ext uri="{909E8E84-426E-40DD-AFC4-6F175D3DCCD1}">
+              <a14:hiddenFill xmlns:a14="http://schemas.microsoft.com/office/drawing/2010/main">
+                <a:solidFill>
+                  <a:srgbClr val="FFFFFF"/>
+                </a:solidFill>
+              </a14:hiddenFill>
+            </a:ext>
+          </a:extLst>
+        </p:spPr>
+      </p:pic>
+      <p:sp>
+        <p:nvSpPr>
+          <p:cNvPr id="6" name="제목 1">
+            <a:extLst>
+              <a:ext uri="{FF2B5EF4-FFF2-40B4-BE49-F238E27FC236}">
+                <a16:creationId xmlns:a16="http://schemas.microsoft.com/office/drawing/2014/main" id="{E3E7097A-D899-57F0-AA84-4CA445238B28}"/>
+              </a:ext>
+            </a:extLst>
+          </p:cNvPr>
+          <p:cNvSpPr txBox="1">
+            <a:spLocks/>
+          </p:cNvSpPr>
+          <p:nvPr/>
+        </p:nvSpPr>
+        <p:spPr>
+          <a:xfrm>
+            <a:off x="3608195" y="7429471"/>
+            <a:ext cx="1206609" cy="267998"/>
+          </a:xfrm>
+          <a:prstGeom prst="rect">
+            <a:avLst/>
+          </a:prstGeom>
+        </p:spPr>
+        <p:txBody>
+          <a:bodyPr vert="horz" lIns="91440" tIns="45720" rIns="91440" bIns="45720" rtlCol="0" anchor="ctr">
+            <a:normAutofit/>
+          </a:bodyPr>
+          <a:lstStyle>
+            <a:lvl1pPr algn="l" defTabSz="914400" rtl="0" eaLnBrk="1" latinLnBrk="1" hangingPunct="1">
+              <a:lnSpc>
+                <a:spcPct val="90000"/>
+              </a:lnSpc>
+              <a:spcBef>
+                <a:spcPct val="0"/>
+              </a:spcBef>
+              <a:buNone/>
+              <a:defRPr sz="4400" kern="1200">
+                <a:solidFill>
+                  <a:schemeClr val="tx1"/>
+                </a:solidFill>
+                <a:latin typeface="+mj-lt"/>
+                <a:ea typeface="+mj-ea"/>
+                <a:cs typeface="+mj-cs"/>
+              </a:defRPr>
+            </a:lvl1pPr>
+          </a:lstStyle>
+          <a:p>
+            <a:pPr algn="ctr"/>
+            <a:r>
+              <a:rPr kumimoji="1" lang="en-US" altLang="ko-KR" sz="900" b="1" dirty="0">
+                <a:latin typeface="KoPubWorldDotum Bold" pitchFamily="2" charset="-127"/>
+                <a:ea typeface="KoPubWorldDotum Bold" pitchFamily="2" charset="-127"/>
+                <a:cs typeface="KoPubWorldDotum Bold" pitchFamily="2" charset="-127"/>
+              </a:rPr>
+              <a:t>Bedrock</a:t>
+            </a:r>
+            <a:r>
+              <a:rPr kumimoji="1" lang="ko-KR" altLang="en-US" sz="900" b="1" dirty="0">
+                <a:latin typeface="KoPubWorldDotum Bold" pitchFamily="2" charset="-127"/>
+                <a:ea typeface="KoPubWorldDotum Bold" pitchFamily="2" charset="-127"/>
+                <a:cs typeface="KoPubWorldDotum Bold" pitchFamily="2" charset="-127"/>
+              </a:rPr>
+              <a:t> </a:t>
+            </a:r>
+            <a:r>
+              <a:rPr kumimoji="1" lang="en-US" altLang="ko-KR" sz="900" b="1" dirty="0">
+                <a:latin typeface="KoPubWorldDotum Bold" pitchFamily="2" charset="-127"/>
+                <a:ea typeface="KoPubWorldDotum Bold" pitchFamily="2" charset="-127"/>
+                <a:cs typeface="KoPubWorldDotum Bold" pitchFamily="2" charset="-127"/>
+              </a:rPr>
+              <a:t>Agent</a:t>
+            </a:r>
+            <a:endParaRPr kumimoji="1" lang="ko-KR" altLang="en-US" sz="900" b="1" dirty="0">
+              <a:latin typeface="KoPubWorldDotum Bold" pitchFamily="2" charset="-127"/>
+              <a:ea typeface="KoPubWorldDotum Bold" pitchFamily="2" charset="-127"/>
+              <a:cs typeface="KoPubWorldDotum Bold" pitchFamily="2" charset="-127"/>
+            </a:endParaRPr>
+          </a:p>
+        </p:txBody>
+      </p:sp>
+      <p:pic>
+        <p:nvPicPr>
+          <p:cNvPr id="18" name="그림 17">
+            <a:extLst>
+              <a:ext uri="{FF2B5EF4-FFF2-40B4-BE49-F238E27FC236}">
+                <a16:creationId xmlns:a16="http://schemas.microsoft.com/office/drawing/2014/main" id="{E4E2557D-5953-C1A9-118E-BEB9C692C0BE}"/>
+              </a:ext>
+            </a:extLst>
+          </p:cNvPr>
+          <p:cNvPicPr>
+            <a:picLocks noChangeAspect="1"/>
+          </p:cNvPicPr>
+          <p:nvPr/>
+        </p:nvPicPr>
+        <p:blipFill>
+          <a:blip r:embed="rId5"/>
+          <a:stretch>
+            <a:fillRect/>
+          </a:stretch>
+        </p:blipFill>
+        <p:spPr>
+          <a:xfrm>
+            <a:off x="6252487" y="9097632"/>
+            <a:ext cx="465429" cy="465429"/>
+          </a:xfrm>
+          <a:prstGeom prst="rect">
+            <a:avLst/>
+          </a:prstGeom>
+        </p:spPr>
+      </p:pic>
+      <p:sp>
+        <p:nvSpPr>
+          <p:cNvPr id="19" name="제목 1">
+            <a:extLst>
+              <a:ext uri="{FF2B5EF4-FFF2-40B4-BE49-F238E27FC236}">
+                <a16:creationId xmlns:a16="http://schemas.microsoft.com/office/drawing/2014/main" id="{43B19051-C4DB-2973-13E0-26D3E5B051C2}"/>
+              </a:ext>
+            </a:extLst>
+          </p:cNvPr>
+          <p:cNvSpPr txBox="1">
+            <a:spLocks/>
+          </p:cNvSpPr>
+          <p:nvPr/>
+        </p:nvSpPr>
+        <p:spPr>
+          <a:xfrm>
+            <a:off x="6024981" y="9575333"/>
+            <a:ext cx="869150" cy="267998"/>
+          </a:xfrm>
+          <a:prstGeom prst="rect">
+            <a:avLst/>
+          </a:prstGeom>
+        </p:spPr>
+        <p:txBody>
+          <a:bodyPr vert="horz" lIns="91440" tIns="45720" rIns="91440" bIns="45720" rtlCol="0" anchor="ctr">
+            <a:normAutofit/>
+          </a:bodyPr>
+          <a:lstStyle>
+            <a:lvl1pPr algn="l" defTabSz="914400" rtl="0" eaLnBrk="1" latinLnBrk="1" hangingPunct="1">
+              <a:lnSpc>
+                <a:spcPct val="90000"/>
+              </a:lnSpc>
+              <a:spcBef>
+                <a:spcPct val="0"/>
+              </a:spcBef>
+              <a:buNone/>
+              <a:defRPr sz="4400" kern="1200">
+                <a:solidFill>
+                  <a:schemeClr val="tx1"/>
+                </a:solidFill>
+                <a:latin typeface="+mj-lt"/>
+                <a:ea typeface="+mj-ea"/>
+                <a:cs typeface="+mj-cs"/>
+              </a:defRPr>
+            </a:lvl1pPr>
+          </a:lstStyle>
+          <a:p>
+            <a:pPr algn="ctr"/>
+            <a:r>
+              <a:rPr kumimoji="1" lang="en-US" altLang="ko-KR" sz="900" b="1" dirty="0">
+                <a:latin typeface="KoPubWorldDotum Bold" pitchFamily="2" charset="-127"/>
+                <a:ea typeface="KoPubWorldDotum Bold" pitchFamily="2" charset="-127"/>
+                <a:cs typeface="KoPubWorldDotum Bold" pitchFamily="2" charset="-127"/>
+              </a:rPr>
+              <a:t>DynamoDB</a:t>
+            </a:r>
+            <a:endParaRPr kumimoji="1" lang="ko-KR" altLang="en-US" sz="900" b="1" dirty="0">
+              <a:latin typeface="KoPubWorldDotum Bold" pitchFamily="2" charset="-127"/>
+              <a:ea typeface="KoPubWorldDotum Bold" pitchFamily="2" charset="-127"/>
+              <a:cs typeface="KoPubWorldDotum Bold" pitchFamily="2" charset="-127"/>
+            </a:endParaRPr>
+          </a:p>
+        </p:txBody>
+      </p:sp>
+      <p:pic>
+        <p:nvPicPr>
+          <p:cNvPr id="63" name="그림 62">
+            <a:extLst>
+              <a:ext uri="{FF2B5EF4-FFF2-40B4-BE49-F238E27FC236}">
+                <a16:creationId xmlns:a16="http://schemas.microsoft.com/office/drawing/2014/main" id="{30AA3DF9-0C34-53E0-3770-48ED28E21865}"/>
+              </a:ext>
+            </a:extLst>
+          </p:cNvPr>
+          <p:cNvPicPr>
+            <a:picLocks noChangeAspect="1"/>
+          </p:cNvPicPr>
+          <p:nvPr/>
+        </p:nvPicPr>
+        <p:blipFill>
+          <a:blip r:embed="rId6"/>
+          <a:stretch>
+            <a:fillRect/>
+          </a:stretch>
+        </p:blipFill>
+        <p:spPr>
+          <a:xfrm>
+            <a:off x="10730416" y="10377578"/>
+            <a:ext cx="462142" cy="462142"/>
+          </a:xfrm>
+          <a:prstGeom prst="rect">
+            <a:avLst/>
+          </a:prstGeom>
+        </p:spPr>
+      </p:pic>
+      <p:pic>
+        <p:nvPicPr>
+          <p:cNvPr id="24" name="그림 23">
+            <a:extLst>
+              <a:ext uri="{FF2B5EF4-FFF2-40B4-BE49-F238E27FC236}">
+                <a16:creationId xmlns:a16="http://schemas.microsoft.com/office/drawing/2014/main" id="{E5C7CE01-3AD3-869D-EAEB-D8D94DCA248B}"/>
+              </a:ext>
+            </a:extLst>
+          </p:cNvPr>
+          <p:cNvPicPr>
+            <a:picLocks noChangeAspect="1"/>
+          </p:cNvPicPr>
+          <p:nvPr/>
+        </p:nvPicPr>
+        <p:blipFill>
+          <a:blip r:embed="rId7"/>
+          <a:stretch>
+            <a:fillRect/>
+          </a:stretch>
+        </p:blipFill>
+        <p:spPr>
+          <a:xfrm>
+            <a:off x="5351476" y="2368530"/>
+            <a:ext cx="461326" cy="461326"/>
+          </a:xfrm>
+          <a:prstGeom prst="rect">
+            <a:avLst/>
+          </a:prstGeom>
+        </p:spPr>
+      </p:pic>
+      <p:cxnSp>
+        <p:nvCxnSpPr>
+          <p:cNvPr id="32" name="직선 화살표 연결선 31">
+            <a:extLst>
+              <a:ext uri="{FF2B5EF4-FFF2-40B4-BE49-F238E27FC236}">
+                <a16:creationId xmlns:a16="http://schemas.microsoft.com/office/drawing/2014/main" id="{9C4C48DA-AB9C-66CF-5BC3-E8C3AB5FEC45}"/>
+              </a:ext>
+            </a:extLst>
+          </p:cNvPr>
+          <p:cNvCxnSpPr>
+            <a:cxnSpLocks/>
+            <a:stCxn id="39" idx="1"/>
+          </p:cNvCxnSpPr>
+          <p:nvPr/>
+        </p:nvCxnSpPr>
+        <p:spPr>
+          <a:xfrm flipH="1">
+            <a:off x="861387" y="1045961"/>
+            <a:ext cx="367029" cy="0"/>
+          </a:xfrm>
+          <a:prstGeom prst="straightConnector1">
+            <a:avLst/>
+          </a:prstGeom>
+          <a:ln>
+            <a:headEnd type="none" w="med" len="med"/>
+            <a:tailEnd type="none" w="med" len="med"/>
+          </a:ln>
+        </p:spPr>
+        <p:style>
+          <a:lnRef idx="2">
+            <a:schemeClr val="accent1"/>
+          </a:lnRef>
+          <a:fillRef idx="0">
+            <a:schemeClr val="accent1"/>
+          </a:fillRef>
+          <a:effectRef idx="1">
+            <a:schemeClr val="accent1"/>
+          </a:effectRef>
+          <a:fontRef idx="minor">
+            <a:schemeClr val="tx1"/>
+          </a:fontRef>
+        </p:style>
+      </p:cxnSp>
+      <p:pic>
+        <p:nvPicPr>
+          <p:cNvPr id="33" name="그림 32">
+            <a:extLst>
+              <a:ext uri="{FF2B5EF4-FFF2-40B4-BE49-F238E27FC236}">
+                <a16:creationId xmlns:a16="http://schemas.microsoft.com/office/drawing/2014/main" id="{299B75B5-D8F0-18BC-D6BE-E676585A616C}"/>
+              </a:ext>
+            </a:extLst>
+          </p:cNvPr>
+          <p:cNvPicPr>
+            <a:picLocks noChangeAspect="1"/>
+          </p:cNvPicPr>
+          <p:nvPr/>
+        </p:nvPicPr>
+        <p:blipFill>
+          <a:blip r:embed="rId8">
+            <a:alphaModFix/>
+          </a:blip>
+          <a:stretch>
+            <a:fillRect/>
+          </a:stretch>
+        </p:blipFill>
+        <p:spPr>
+          <a:xfrm>
+            <a:off x="2386558" y="816585"/>
+            <a:ext cx="462143" cy="462143"/>
+          </a:xfrm>
+          <a:prstGeom prst="rect">
+            <a:avLst/>
+          </a:prstGeom>
+        </p:spPr>
+      </p:pic>
+      <p:sp>
+        <p:nvSpPr>
+          <p:cNvPr id="37" name="제목 1">
+            <a:extLst>
+              <a:ext uri="{FF2B5EF4-FFF2-40B4-BE49-F238E27FC236}">
+                <a16:creationId xmlns:a16="http://schemas.microsoft.com/office/drawing/2014/main" id="{4883C4EB-69F2-7707-5907-D402594B4B41}"/>
+              </a:ext>
+            </a:extLst>
+          </p:cNvPr>
+          <p:cNvSpPr txBox="1">
+            <a:spLocks/>
+          </p:cNvSpPr>
+          <p:nvPr/>
+        </p:nvSpPr>
+        <p:spPr>
+          <a:xfrm>
+            <a:off x="1996901" y="1312539"/>
+            <a:ext cx="1260673" cy="267998"/>
+          </a:xfrm>
+          <a:prstGeom prst="rect">
+            <a:avLst/>
+          </a:prstGeom>
+        </p:spPr>
+        <p:txBody>
+          <a:bodyPr vert="horz" lIns="91440" tIns="45720" rIns="91440" bIns="45720" rtlCol="0" anchor="ctr">
+            <a:normAutofit/>
+          </a:bodyPr>
+          <a:lstStyle>
+            <a:lvl1pPr algn="l" defTabSz="914400" rtl="0" eaLnBrk="1" latinLnBrk="1" hangingPunct="1">
+              <a:lnSpc>
+                <a:spcPct val="90000"/>
+              </a:lnSpc>
+              <a:spcBef>
+                <a:spcPct val="0"/>
+              </a:spcBef>
+              <a:buNone/>
+              <a:defRPr sz="4400" kern="1200">
+                <a:solidFill>
+                  <a:schemeClr val="tx1"/>
+                </a:solidFill>
+                <a:latin typeface="+mj-lt"/>
+                <a:ea typeface="+mj-ea"/>
+                <a:cs typeface="+mj-cs"/>
+              </a:defRPr>
+            </a:lvl1pPr>
+          </a:lstStyle>
+          <a:p>
+            <a:pPr algn="ctr"/>
+            <a:r>
+              <a:rPr kumimoji="1" lang="en-US" altLang="ko-KR" sz="900" b="1" dirty="0">
+                <a:latin typeface="KoPubWorldDotum Bold" pitchFamily="2" charset="-127"/>
+                <a:ea typeface="KoPubWorldDotum Bold" pitchFamily="2" charset="-127"/>
+                <a:cs typeface="KoPubWorldDotum Bold" pitchFamily="2" charset="-127"/>
+              </a:rPr>
+              <a:t>CloudFront</a:t>
+            </a:r>
+            <a:endParaRPr kumimoji="1" lang="ko-KR" altLang="en-US" sz="900" b="1" dirty="0">
+              <a:latin typeface="KoPubWorldDotum Bold" pitchFamily="2" charset="-127"/>
+              <a:ea typeface="KoPubWorldDotum Bold" pitchFamily="2" charset="-127"/>
+              <a:cs typeface="KoPubWorldDotum Bold" pitchFamily="2" charset="-127"/>
+            </a:endParaRPr>
+          </a:p>
+        </p:txBody>
+      </p:sp>
+      <p:pic>
+        <p:nvPicPr>
+          <p:cNvPr id="38" name="그래픽 37" descr="사용자 단색으로 채워진">
+            <a:extLst>
+              <a:ext uri="{FF2B5EF4-FFF2-40B4-BE49-F238E27FC236}">
+                <a16:creationId xmlns:a16="http://schemas.microsoft.com/office/drawing/2014/main" id="{3CCFFB7A-B116-AF77-980D-C90D7C5B0E09}"/>
+              </a:ext>
+            </a:extLst>
+          </p:cNvPr>
+          <p:cNvPicPr>
+            <a:picLocks noChangeAspect="1"/>
+          </p:cNvPicPr>
+          <p:nvPr/>
+        </p:nvPicPr>
+        <p:blipFill>
+          <a:blip r:embed="rId9">
+            <a:extLst>
+              <a:ext uri="{96DAC541-7B7A-43D3-8B79-37D633B846F1}">
+                <asvg:svgBlip xmlns:asvg="http://schemas.microsoft.com/office/drawing/2016/SVG/main" r:embed="rId10"/>
+              </a:ext>
+            </a:extLst>
+          </a:blip>
+          <a:stretch>
+            <a:fillRect/>
+          </a:stretch>
+        </p:blipFill>
+        <p:spPr>
+          <a:xfrm>
+            <a:off x="199648" y="663150"/>
+            <a:ext cx="754027" cy="754027"/>
+          </a:xfrm>
+          <a:prstGeom prst="rect">
+            <a:avLst/>
+          </a:prstGeom>
+        </p:spPr>
+      </p:pic>
+      <p:pic>
+        <p:nvPicPr>
+          <p:cNvPr id="39" name="그림 38">
+            <a:extLst>
+              <a:ext uri="{FF2B5EF4-FFF2-40B4-BE49-F238E27FC236}">
+                <a16:creationId xmlns:a16="http://schemas.microsoft.com/office/drawing/2014/main" id="{4ECCA4A3-4896-020A-6E1B-A5C0CABA7AB0}"/>
+              </a:ext>
+            </a:extLst>
+          </p:cNvPr>
+          <p:cNvPicPr>
+            <a:picLocks noChangeAspect="1"/>
+          </p:cNvPicPr>
+          <p:nvPr/>
+        </p:nvPicPr>
+        <p:blipFill>
+          <a:blip r:embed="rId11">
+            <a:alphaModFix/>
+          </a:blip>
+          <a:stretch>
+            <a:fillRect/>
+          </a:stretch>
+        </p:blipFill>
+        <p:spPr>
+          <a:xfrm>
+            <a:off x="1228416" y="814889"/>
+            <a:ext cx="462143" cy="462143"/>
+          </a:xfrm>
+          <a:prstGeom prst="rect">
+            <a:avLst/>
+          </a:prstGeom>
+        </p:spPr>
+      </p:pic>
+      <p:sp>
+        <p:nvSpPr>
+          <p:cNvPr id="40" name="제목 1">
+            <a:extLst>
+              <a:ext uri="{FF2B5EF4-FFF2-40B4-BE49-F238E27FC236}">
+                <a16:creationId xmlns:a16="http://schemas.microsoft.com/office/drawing/2014/main" id="{D265A0A2-EE38-19E6-4AB8-846CED18BE20}"/>
+              </a:ext>
+            </a:extLst>
+          </p:cNvPr>
+          <p:cNvSpPr txBox="1">
+            <a:spLocks/>
+          </p:cNvSpPr>
+          <p:nvPr/>
+        </p:nvSpPr>
+        <p:spPr>
+          <a:xfrm>
+            <a:off x="979445" y="1302752"/>
+            <a:ext cx="967879" cy="267998"/>
+          </a:xfrm>
+          <a:prstGeom prst="rect">
+            <a:avLst/>
+          </a:prstGeom>
+        </p:spPr>
+        <p:txBody>
+          <a:bodyPr vert="horz" lIns="91440" tIns="45720" rIns="91440" bIns="45720" rtlCol="0" anchor="ctr">
+            <a:normAutofit/>
+          </a:bodyPr>
+          <a:lstStyle>
+            <a:lvl1pPr algn="l" defTabSz="914400" rtl="0" eaLnBrk="1" latinLnBrk="1" hangingPunct="1">
+              <a:lnSpc>
+                <a:spcPct val="90000"/>
+              </a:lnSpc>
+              <a:spcBef>
+                <a:spcPct val="0"/>
+              </a:spcBef>
+              <a:buNone/>
+              <a:defRPr sz="4400" kern="1200">
+                <a:solidFill>
+                  <a:schemeClr val="tx1"/>
+                </a:solidFill>
+                <a:latin typeface="+mj-lt"/>
+                <a:ea typeface="+mj-ea"/>
+                <a:cs typeface="+mj-cs"/>
+              </a:defRPr>
+            </a:lvl1pPr>
+          </a:lstStyle>
+          <a:p>
+            <a:pPr algn="ctr"/>
+            <a:r>
+              <a:rPr kumimoji="1" lang="en-US" altLang="ko-KR" sz="900" b="1" dirty="0">
+                <a:latin typeface="KoPubWorldDotum Bold" pitchFamily="2" charset="-127"/>
+                <a:ea typeface="KoPubWorldDotum Bold" pitchFamily="2" charset="-127"/>
+                <a:cs typeface="KoPubWorldDotum Bold" pitchFamily="2" charset="-127"/>
+              </a:rPr>
+              <a:t>Route 53</a:t>
+            </a:r>
+            <a:endParaRPr kumimoji="1" lang="ko-KR" altLang="en-US" sz="900" b="1" dirty="0">
+              <a:latin typeface="KoPubWorldDotum Bold" pitchFamily="2" charset="-127"/>
+              <a:ea typeface="KoPubWorldDotum Bold" pitchFamily="2" charset="-127"/>
+              <a:cs typeface="KoPubWorldDotum Bold" pitchFamily="2" charset="-127"/>
+            </a:endParaRPr>
+          </a:p>
+        </p:txBody>
+      </p:sp>
+      <p:sp>
+        <p:nvSpPr>
+          <p:cNvPr id="48" name="제목 1">
+            <a:extLst>
+              <a:ext uri="{FF2B5EF4-FFF2-40B4-BE49-F238E27FC236}">
+                <a16:creationId xmlns:a16="http://schemas.microsoft.com/office/drawing/2014/main" id="{6666B4EF-DAA2-18A1-C3FB-6AA06B52EA62}"/>
+              </a:ext>
+            </a:extLst>
+          </p:cNvPr>
+          <p:cNvSpPr txBox="1">
+            <a:spLocks/>
+          </p:cNvSpPr>
+          <p:nvPr/>
+        </p:nvSpPr>
+        <p:spPr>
+          <a:xfrm>
+            <a:off x="4485247" y="2391075"/>
+            <a:ext cx="967879" cy="387771"/>
+          </a:xfrm>
+          <a:prstGeom prst="rect">
+            <a:avLst/>
+          </a:prstGeom>
+        </p:spPr>
+        <p:txBody>
+          <a:bodyPr vert="horz" lIns="91440" tIns="45720" rIns="91440" bIns="45720" rtlCol="0" anchor="ctr">
+            <a:normAutofit/>
+          </a:bodyPr>
+          <a:lstStyle>
+            <a:lvl1pPr algn="l" defTabSz="914400" rtl="0" eaLnBrk="1" latinLnBrk="1" hangingPunct="1">
+              <a:lnSpc>
+                <a:spcPct val="90000"/>
+              </a:lnSpc>
+              <a:spcBef>
+                <a:spcPct val="0"/>
+              </a:spcBef>
+              <a:buNone/>
+              <a:defRPr sz="4400" kern="1200">
+                <a:solidFill>
+                  <a:schemeClr val="tx1"/>
+                </a:solidFill>
+                <a:latin typeface="+mj-lt"/>
+                <a:ea typeface="+mj-ea"/>
+                <a:cs typeface="+mj-cs"/>
+              </a:defRPr>
+            </a:lvl1pPr>
+          </a:lstStyle>
+          <a:p>
+            <a:pPr algn="ctr"/>
+            <a:r>
+              <a:rPr kumimoji="1" lang="en-US" altLang="ko-KR" sz="900" b="1" dirty="0">
+                <a:latin typeface="KoPubWorldDotum Bold" pitchFamily="2" charset="-127"/>
+                <a:ea typeface="KoPubWorldDotum Bold" pitchFamily="2" charset="-127"/>
+                <a:cs typeface="KoPubWorldDotum Bold" pitchFamily="2" charset="-127"/>
+              </a:rPr>
+              <a:t>API Gateway</a:t>
+            </a:r>
+          </a:p>
+          <a:p>
+            <a:pPr algn="ctr"/>
+            <a:r>
+              <a:rPr kumimoji="1" lang="en-US" altLang="ko-KR" sz="900" b="1" dirty="0">
+                <a:latin typeface="KoPubWorldDotum Bold" pitchFamily="2" charset="-127"/>
+                <a:ea typeface="KoPubWorldDotum Bold" pitchFamily="2" charset="-127"/>
+                <a:cs typeface="KoPubWorldDotum Bold" pitchFamily="2" charset="-127"/>
+              </a:rPr>
+              <a:t>(WS)</a:t>
+            </a:r>
+            <a:endParaRPr kumimoji="1" lang="ko-KR" altLang="en-US" sz="900" b="1" dirty="0">
+              <a:latin typeface="KoPubWorldDotum Bold" pitchFamily="2" charset="-127"/>
+              <a:ea typeface="KoPubWorldDotum Bold" pitchFamily="2" charset="-127"/>
+              <a:cs typeface="KoPubWorldDotum Bold" pitchFamily="2" charset="-127"/>
+            </a:endParaRPr>
+          </a:p>
+        </p:txBody>
+      </p:sp>
+      <p:sp>
+        <p:nvSpPr>
+          <p:cNvPr id="52" name="제목 1">
+            <a:extLst>
+              <a:ext uri="{FF2B5EF4-FFF2-40B4-BE49-F238E27FC236}">
+                <a16:creationId xmlns:a16="http://schemas.microsoft.com/office/drawing/2014/main" id="{E9F17F88-4DCB-803E-4479-A1146811AEB5}"/>
+              </a:ext>
+            </a:extLst>
+          </p:cNvPr>
+          <p:cNvSpPr txBox="1">
+            <a:spLocks/>
+          </p:cNvSpPr>
+          <p:nvPr/>
+        </p:nvSpPr>
+        <p:spPr>
+          <a:xfrm>
+            <a:off x="10472883" y="10842470"/>
+            <a:ext cx="967879" cy="267998"/>
+          </a:xfrm>
+          <a:prstGeom prst="rect">
+            <a:avLst/>
+          </a:prstGeom>
+        </p:spPr>
+        <p:txBody>
+          <a:bodyPr vert="horz" lIns="91440" tIns="45720" rIns="91440" bIns="45720" rtlCol="0" anchor="ctr">
+            <a:normAutofit/>
+          </a:bodyPr>
+          <a:lstStyle>
+            <a:lvl1pPr algn="l" defTabSz="914400" rtl="0" eaLnBrk="1" latinLnBrk="1" hangingPunct="1">
+              <a:lnSpc>
+                <a:spcPct val="90000"/>
+              </a:lnSpc>
+              <a:spcBef>
+                <a:spcPct val="0"/>
+              </a:spcBef>
+              <a:buNone/>
+              <a:defRPr sz="4400" kern="1200">
+                <a:solidFill>
+                  <a:schemeClr val="tx1"/>
+                </a:solidFill>
+                <a:latin typeface="+mj-lt"/>
+                <a:ea typeface="+mj-ea"/>
+                <a:cs typeface="+mj-cs"/>
+              </a:defRPr>
+            </a:lvl1pPr>
+          </a:lstStyle>
+          <a:p>
+            <a:pPr algn="ctr"/>
+            <a:r>
+              <a:rPr kumimoji="1" lang="en-US" altLang="ko-KR" sz="900" b="1" dirty="0" err="1">
+                <a:latin typeface="KoPubWorldDotum Bold" pitchFamily="2" charset="-127"/>
+                <a:ea typeface="KoPubWorldDotum Bold" pitchFamily="2" charset="-127"/>
+                <a:cs typeface="KoPubWorldDotum Bold" pitchFamily="2" charset="-127"/>
+              </a:rPr>
+              <a:t>Cloudwatch</a:t>
+            </a:r>
+            <a:endParaRPr kumimoji="1" lang="ko-KR" altLang="en-US" sz="900" b="1" dirty="0">
+              <a:latin typeface="KoPubWorldDotum Bold" pitchFamily="2" charset="-127"/>
+              <a:ea typeface="KoPubWorldDotum Bold" pitchFamily="2" charset="-127"/>
+              <a:cs typeface="KoPubWorldDotum Bold" pitchFamily="2" charset="-127"/>
+            </a:endParaRPr>
+          </a:p>
+        </p:txBody>
+      </p:sp>
+      <p:pic>
+        <p:nvPicPr>
+          <p:cNvPr id="53" name="그림 52">
+            <a:extLst>
+              <a:ext uri="{FF2B5EF4-FFF2-40B4-BE49-F238E27FC236}">
+                <a16:creationId xmlns:a16="http://schemas.microsoft.com/office/drawing/2014/main" id="{2553ADDA-AB0D-A775-5972-34D82429DC78}"/>
+              </a:ext>
+            </a:extLst>
+          </p:cNvPr>
+          <p:cNvPicPr>
+            <a:picLocks noChangeAspect="1"/>
+          </p:cNvPicPr>
+          <p:nvPr/>
+        </p:nvPicPr>
+        <p:blipFill>
+          <a:blip r:embed="rId12">
+            <a:alphaModFix/>
+          </a:blip>
+          <a:stretch>
+            <a:fillRect/>
+          </a:stretch>
+        </p:blipFill>
+        <p:spPr>
+          <a:xfrm>
+            <a:off x="9276914" y="3389846"/>
+            <a:ext cx="461327" cy="461327"/>
+          </a:xfrm>
+          <a:prstGeom prst="rect">
+            <a:avLst/>
+          </a:prstGeom>
+        </p:spPr>
+      </p:pic>
+      <p:sp>
+        <p:nvSpPr>
+          <p:cNvPr id="59" name="제목 1">
+            <a:extLst>
+              <a:ext uri="{FF2B5EF4-FFF2-40B4-BE49-F238E27FC236}">
+                <a16:creationId xmlns:a16="http://schemas.microsoft.com/office/drawing/2014/main" id="{136BCF7D-BE45-1249-0A36-AE08D869C09D}"/>
+              </a:ext>
+            </a:extLst>
+          </p:cNvPr>
+          <p:cNvSpPr txBox="1">
+            <a:spLocks/>
+          </p:cNvSpPr>
+          <p:nvPr/>
+        </p:nvSpPr>
+        <p:spPr>
+          <a:xfrm>
+            <a:off x="8821645" y="3875049"/>
+            <a:ext cx="1372683" cy="267998"/>
+          </a:xfrm>
+          <a:prstGeom prst="rect">
+            <a:avLst/>
+          </a:prstGeom>
+        </p:spPr>
+        <p:txBody>
+          <a:bodyPr vert="horz" lIns="91440" tIns="45720" rIns="91440" bIns="45720" rtlCol="0" anchor="ctr">
+            <a:normAutofit/>
+          </a:bodyPr>
+          <a:lstStyle>
+            <a:lvl1pPr algn="l" defTabSz="914400" rtl="0" eaLnBrk="1" latinLnBrk="1" hangingPunct="1">
+              <a:lnSpc>
+                <a:spcPct val="90000"/>
+              </a:lnSpc>
+              <a:spcBef>
+                <a:spcPct val="0"/>
+              </a:spcBef>
+              <a:buNone/>
+              <a:defRPr sz="4400" kern="1200">
+                <a:solidFill>
+                  <a:schemeClr val="tx1"/>
+                </a:solidFill>
+                <a:latin typeface="+mj-lt"/>
+                <a:ea typeface="+mj-ea"/>
+                <a:cs typeface="+mj-cs"/>
+              </a:defRPr>
+            </a:lvl1pPr>
+          </a:lstStyle>
+          <a:p>
+            <a:pPr algn="ctr"/>
+            <a:r>
+              <a:rPr kumimoji="1" lang="en-US" altLang="ko-KR" sz="900" b="1" dirty="0">
+                <a:latin typeface="KoPubWorldDotum Bold" pitchFamily="2" charset="-127"/>
+                <a:ea typeface="KoPubWorldDotum Bold" pitchFamily="2" charset="-127"/>
+                <a:cs typeface="KoPubWorldDotum Bold" pitchFamily="2" charset="-127"/>
+              </a:rPr>
+              <a:t>Cognito</a:t>
+            </a:r>
+            <a:r>
+              <a:rPr kumimoji="1" lang="ko-KR" altLang="en-US" sz="900" b="1" dirty="0">
+                <a:latin typeface="KoPubWorldDotum Bold" pitchFamily="2" charset="-127"/>
+                <a:ea typeface="KoPubWorldDotum Bold" pitchFamily="2" charset="-127"/>
+                <a:cs typeface="KoPubWorldDotum Bold" pitchFamily="2" charset="-127"/>
+              </a:rPr>
+              <a:t> </a:t>
+            </a:r>
+            <a:r>
+              <a:rPr kumimoji="1" lang="en-US" altLang="ko-KR" sz="900" b="1" dirty="0">
+                <a:latin typeface="KoPubWorldDotum Bold" pitchFamily="2" charset="-127"/>
+                <a:ea typeface="KoPubWorldDotum Bold" pitchFamily="2" charset="-127"/>
+                <a:cs typeface="KoPubWorldDotum Bold" pitchFamily="2" charset="-127"/>
+              </a:rPr>
+              <a:t>User Pool</a:t>
+            </a:r>
+            <a:r>
+              <a:rPr kumimoji="1" lang="ko-KR" altLang="en-US" sz="900" b="1" dirty="0">
+                <a:latin typeface="KoPubWorldDotum Bold" pitchFamily="2" charset="-127"/>
+                <a:ea typeface="KoPubWorldDotum Bold" pitchFamily="2" charset="-127"/>
+                <a:cs typeface="KoPubWorldDotum Bold" pitchFamily="2" charset="-127"/>
+              </a:rPr>
+              <a:t> </a:t>
+            </a:r>
+          </a:p>
+        </p:txBody>
+      </p:sp>
+      <p:sp>
+        <p:nvSpPr>
+          <p:cNvPr id="1043" name="직사각형 1042">
+            <a:extLst>
+              <a:ext uri="{FF2B5EF4-FFF2-40B4-BE49-F238E27FC236}">
+                <a16:creationId xmlns:a16="http://schemas.microsoft.com/office/drawing/2014/main" id="{11BEF97D-88AF-EEA9-C1B8-93C0D79DF3E2}"/>
+              </a:ext>
+            </a:extLst>
+          </p:cNvPr>
+          <p:cNvSpPr/>
+          <p:nvPr/>
+        </p:nvSpPr>
+        <p:spPr>
+          <a:xfrm>
+            <a:off x="1996900" y="3731666"/>
+            <a:ext cx="4360903" cy="1832768"/>
+          </a:xfrm>
+          <a:prstGeom prst="rect">
+            <a:avLst/>
+          </a:prstGeom>
+          <a:noFill/>
+          <a:ln>
+            <a:solidFill>
+              <a:srgbClr val="000000"/>
+            </a:solidFill>
+            <a:prstDash val="sysDash"/>
+          </a:ln>
+        </p:spPr>
+        <p:style>
+          <a:lnRef idx="2">
+            <a:schemeClr val="accent1">
+              <a:shade val="15000"/>
+            </a:schemeClr>
+          </a:lnRef>
+          <a:fillRef idx="1">
+            <a:schemeClr val="accent1"/>
+          </a:fillRef>
+          <a:effectRef idx="0">
+            <a:schemeClr val="accent1"/>
+          </a:effectRef>
+          <a:fontRef idx="minor">
+            <a:schemeClr val="lt1"/>
+          </a:fontRef>
+        </p:style>
+        <p:txBody>
+          <a:bodyPr rtlCol="0" anchor="ctr"/>
+          <a:lstStyle/>
+          <a:p>
+            <a:pPr algn="ctr"/>
+            <a:endParaRPr kumimoji="1" lang="ko-KR" altLang="en-US" sz="900"/>
+          </a:p>
+        </p:txBody>
+      </p:sp>
+      <p:sp>
+        <p:nvSpPr>
+          <p:cNvPr id="1052" name="처리 1051">
+            <a:extLst>
+              <a:ext uri="{FF2B5EF4-FFF2-40B4-BE49-F238E27FC236}">
+                <a16:creationId xmlns:a16="http://schemas.microsoft.com/office/drawing/2014/main" id="{2B3FAD64-4705-E1C2-42FE-94B44868B7B4}"/>
+              </a:ext>
+            </a:extLst>
+          </p:cNvPr>
+          <p:cNvSpPr/>
+          <p:nvPr/>
+        </p:nvSpPr>
+        <p:spPr>
+          <a:xfrm>
+            <a:off x="4937166" y="3919364"/>
+            <a:ext cx="1203109" cy="243942"/>
+          </a:xfrm>
+          <a:prstGeom prst="flowChartProcess">
+            <a:avLst/>
+          </a:prstGeom>
+          <a:solidFill>
+            <a:schemeClr val="accent1"/>
+          </a:solidFill>
+          <a:ln>
+            <a:noFill/>
+          </a:ln>
+        </p:spPr>
+        <p:style>
+          <a:lnRef idx="2">
+            <a:schemeClr val="accent1">
+              <a:shade val="15000"/>
+            </a:schemeClr>
+          </a:lnRef>
+          <a:fillRef idx="1">
+            <a:schemeClr val="accent1"/>
+          </a:fillRef>
+          <a:effectRef idx="0">
+            <a:schemeClr val="accent1"/>
+          </a:effectRef>
+          <a:fontRef idx="minor">
+            <a:schemeClr val="lt1"/>
+          </a:fontRef>
+        </p:style>
+        <p:txBody>
+          <a:bodyPr rtlCol="0" anchor="ctr"/>
+          <a:lstStyle/>
+          <a:p>
+            <a:pPr algn="ctr"/>
+            <a:r>
+              <a:rPr kumimoji="1" lang="en-US" altLang="ko-KR" sz="900" b="1" dirty="0">
+                <a:latin typeface="KoPubWorldDotum Bold" pitchFamily="2" charset="-127"/>
+                <a:ea typeface="KoPubWorldDotum Bold" pitchFamily="2" charset="-127"/>
+                <a:cs typeface="KoPubWorldDotum Bold" pitchFamily="2" charset="-127"/>
+              </a:rPr>
+              <a:t>Connect</a:t>
+            </a:r>
+            <a:endParaRPr kumimoji="1" lang="ko-KR" altLang="en-US" sz="900" b="1" dirty="0">
+              <a:latin typeface="KoPubWorldDotum Bold" pitchFamily="2" charset="-127"/>
+              <a:ea typeface="KoPubWorldDotum Bold" pitchFamily="2" charset="-127"/>
+              <a:cs typeface="KoPubWorldDotum Bold" pitchFamily="2" charset="-127"/>
+            </a:endParaRPr>
+          </a:p>
+        </p:txBody>
+      </p:sp>
+      <p:sp>
+        <p:nvSpPr>
+          <p:cNvPr id="1053" name="처리 1052">
+            <a:extLst>
+              <a:ext uri="{FF2B5EF4-FFF2-40B4-BE49-F238E27FC236}">
+                <a16:creationId xmlns:a16="http://schemas.microsoft.com/office/drawing/2014/main" id="{A45DEA1D-9009-4C1F-77FF-51C1DCDF71ED}"/>
+              </a:ext>
+            </a:extLst>
+          </p:cNvPr>
+          <p:cNvSpPr/>
+          <p:nvPr/>
+        </p:nvSpPr>
+        <p:spPr>
+          <a:xfrm>
+            <a:off x="4937166" y="4242398"/>
+            <a:ext cx="1203109" cy="243942"/>
+          </a:xfrm>
+          <a:prstGeom prst="flowChartProcess">
+            <a:avLst/>
+          </a:prstGeom>
+          <a:solidFill>
+            <a:schemeClr val="accent1"/>
+          </a:solidFill>
+          <a:ln>
+            <a:noFill/>
+          </a:ln>
+        </p:spPr>
+        <p:style>
+          <a:lnRef idx="2">
+            <a:schemeClr val="accent1">
+              <a:shade val="15000"/>
+            </a:schemeClr>
+          </a:lnRef>
+          <a:fillRef idx="1">
+            <a:schemeClr val="accent1"/>
+          </a:fillRef>
+          <a:effectRef idx="0">
+            <a:schemeClr val="accent1"/>
+          </a:effectRef>
+          <a:fontRef idx="minor">
+            <a:schemeClr val="lt1"/>
+          </a:fontRef>
+        </p:style>
+        <p:txBody>
+          <a:bodyPr rtlCol="0" anchor="ctr"/>
+          <a:lstStyle/>
+          <a:p>
+            <a:pPr algn="ctr"/>
+            <a:r>
+              <a:rPr kumimoji="1" lang="en-US" altLang="ko-KR" sz="900" b="1" dirty="0" err="1">
+                <a:latin typeface="KoPubWorldDotum Bold" pitchFamily="2" charset="-127"/>
+                <a:ea typeface="KoPubWorldDotum Bold" pitchFamily="2" charset="-127"/>
+                <a:cs typeface="KoPubWorldDotum Bold" pitchFamily="2" charset="-127"/>
+              </a:rPr>
+              <a:t>SendMsg</a:t>
+            </a:r>
+            <a:endParaRPr kumimoji="1" lang="ko-KR" altLang="en-US" sz="900" b="1" dirty="0">
+              <a:latin typeface="KoPubWorldDotum Bold" pitchFamily="2" charset="-127"/>
+              <a:ea typeface="KoPubWorldDotum Bold" pitchFamily="2" charset="-127"/>
+              <a:cs typeface="KoPubWorldDotum Bold" pitchFamily="2" charset="-127"/>
+            </a:endParaRPr>
+          </a:p>
+        </p:txBody>
+      </p:sp>
+      <p:sp>
+        <p:nvSpPr>
+          <p:cNvPr id="1054" name="처리 1053">
+            <a:extLst>
+              <a:ext uri="{FF2B5EF4-FFF2-40B4-BE49-F238E27FC236}">
+                <a16:creationId xmlns:a16="http://schemas.microsoft.com/office/drawing/2014/main" id="{3D678DE6-EA83-F61A-84F9-F9C57880A466}"/>
+              </a:ext>
+            </a:extLst>
+          </p:cNvPr>
+          <p:cNvSpPr/>
+          <p:nvPr/>
+        </p:nvSpPr>
+        <p:spPr>
+          <a:xfrm>
+            <a:off x="4937166" y="4544620"/>
+            <a:ext cx="1203109" cy="243942"/>
+          </a:xfrm>
+          <a:prstGeom prst="flowChartProcess">
+            <a:avLst/>
+          </a:prstGeom>
+          <a:solidFill>
+            <a:schemeClr val="accent1"/>
+          </a:solidFill>
+          <a:ln>
+            <a:noFill/>
+          </a:ln>
+        </p:spPr>
+        <p:style>
+          <a:lnRef idx="2">
+            <a:schemeClr val="accent1">
+              <a:shade val="15000"/>
+            </a:schemeClr>
+          </a:lnRef>
+          <a:fillRef idx="1">
+            <a:schemeClr val="accent1"/>
+          </a:fillRef>
+          <a:effectRef idx="0">
+            <a:schemeClr val="accent1"/>
+          </a:effectRef>
+          <a:fontRef idx="minor">
+            <a:schemeClr val="lt1"/>
+          </a:fontRef>
+        </p:style>
+        <p:txBody>
+          <a:bodyPr rtlCol="0" anchor="ctr"/>
+          <a:lstStyle/>
+          <a:p>
+            <a:pPr algn="ctr"/>
+            <a:r>
+              <a:rPr kumimoji="1" lang="en-US" altLang="ko-KR" sz="900" b="1" dirty="0">
+                <a:latin typeface="KoPubWorldDotum Bold" pitchFamily="2" charset="-127"/>
+                <a:ea typeface="KoPubWorldDotum Bold" pitchFamily="2" charset="-127"/>
+                <a:cs typeface="KoPubWorldDotum Bold" pitchFamily="2" charset="-127"/>
+              </a:rPr>
+              <a:t>Disconnect</a:t>
+            </a:r>
+            <a:endParaRPr kumimoji="1" lang="ko-KR" altLang="en-US" sz="900" b="1" dirty="0">
+              <a:latin typeface="KoPubWorldDotum Bold" pitchFamily="2" charset="-127"/>
+              <a:ea typeface="KoPubWorldDotum Bold" pitchFamily="2" charset="-127"/>
+              <a:cs typeface="KoPubWorldDotum Bold" pitchFamily="2" charset="-127"/>
+            </a:endParaRPr>
+          </a:p>
+        </p:txBody>
+      </p:sp>
+      <p:cxnSp>
+        <p:nvCxnSpPr>
+          <p:cNvPr id="1089" name="직선 화살표 연결선 1088">
+            <a:extLst>
+              <a:ext uri="{FF2B5EF4-FFF2-40B4-BE49-F238E27FC236}">
+                <a16:creationId xmlns:a16="http://schemas.microsoft.com/office/drawing/2014/main" id="{E3317280-D50E-F500-87BA-9D60DB1CFD51}"/>
+              </a:ext>
+            </a:extLst>
+          </p:cNvPr>
+          <p:cNvCxnSpPr>
+            <a:cxnSpLocks/>
+            <a:stCxn id="33" idx="1"/>
+            <a:endCxn id="39" idx="3"/>
+          </p:cNvCxnSpPr>
+          <p:nvPr/>
+        </p:nvCxnSpPr>
+        <p:spPr>
+          <a:xfrm flipH="1" flipV="1">
+            <a:off x="1690559" y="1045961"/>
+            <a:ext cx="695999" cy="1696"/>
+          </a:xfrm>
+          <a:prstGeom prst="straightConnector1">
+            <a:avLst/>
+          </a:prstGeom>
+          <a:ln>
+            <a:headEnd type="none" w="med" len="med"/>
+            <a:tailEnd type="none" w="med" len="med"/>
+          </a:ln>
+        </p:spPr>
+        <p:style>
+          <a:lnRef idx="2">
+            <a:schemeClr val="accent1"/>
+          </a:lnRef>
+          <a:fillRef idx="0">
+            <a:schemeClr val="accent1"/>
+          </a:fillRef>
+          <a:effectRef idx="1">
+            <a:schemeClr val="accent1"/>
+          </a:effectRef>
+          <a:fontRef idx="minor">
+            <a:schemeClr val="tx1"/>
+          </a:fontRef>
+        </p:style>
+      </p:cxnSp>
+      <p:pic>
+        <p:nvPicPr>
+          <p:cNvPr id="57" name="그림 56">
+            <a:extLst>
+              <a:ext uri="{FF2B5EF4-FFF2-40B4-BE49-F238E27FC236}">
+                <a16:creationId xmlns:a16="http://schemas.microsoft.com/office/drawing/2014/main" id="{00CE3C54-93F1-5BBE-9276-476AB4993BB0}"/>
+              </a:ext>
+            </a:extLst>
+          </p:cNvPr>
+          <p:cNvPicPr>
+            <a:picLocks noChangeAspect="1"/>
+          </p:cNvPicPr>
+          <p:nvPr/>
+        </p:nvPicPr>
+        <p:blipFill>
+          <a:blip r:embed="rId7"/>
+          <a:stretch>
+            <a:fillRect/>
+          </a:stretch>
+        </p:blipFill>
+        <p:spPr>
+          <a:xfrm>
+            <a:off x="2845585" y="2364068"/>
+            <a:ext cx="461326" cy="461326"/>
+          </a:xfrm>
+          <a:prstGeom prst="rect">
+            <a:avLst/>
+          </a:prstGeom>
+        </p:spPr>
+      </p:pic>
+      <p:sp>
+        <p:nvSpPr>
+          <p:cNvPr id="58" name="제목 1">
+            <a:extLst>
+              <a:ext uri="{FF2B5EF4-FFF2-40B4-BE49-F238E27FC236}">
+                <a16:creationId xmlns:a16="http://schemas.microsoft.com/office/drawing/2014/main" id="{454AAD7C-6AE8-FD86-81B3-FB5018671B41}"/>
+              </a:ext>
+            </a:extLst>
+          </p:cNvPr>
+          <p:cNvSpPr txBox="1">
+            <a:spLocks/>
+          </p:cNvSpPr>
+          <p:nvPr/>
+        </p:nvSpPr>
+        <p:spPr>
+          <a:xfrm>
+            <a:off x="1895815" y="2401985"/>
+            <a:ext cx="967879" cy="387771"/>
+          </a:xfrm>
+          <a:prstGeom prst="rect">
+            <a:avLst/>
+          </a:prstGeom>
+        </p:spPr>
+        <p:txBody>
+          <a:bodyPr vert="horz" lIns="91440" tIns="45720" rIns="91440" bIns="45720" rtlCol="0" anchor="ctr">
+            <a:normAutofit/>
+          </a:bodyPr>
+          <a:lstStyle>
+            <a:lvl1pPr algn="l" defTabSz="914400" rtl="0" eaLnBrk="1" latinLnBrk="1" hangingPunct="1">
+              <a:lnSpc>
+                <a:spcPct val="90000"/>
+              </a:lnSpc>
+              <a:spcBef>
+                <a:spcPct val="0"/>
+              </a:spcBef>
+              <a:buNone/>
+              <a:defRPr sz="4400" kern="1200">
+                <a:solidFill>
+                  <a:schemeClr val="tx1"/>
+                </a:solidFill>
+                <a:latin typeface="+mj-lt"/>
+                <a:ea typeface="+mj-ea"/>
+                <a:cs typeface="+mj-cs"/>
+              </a:defRPr>
+            </a:lvl1pPr>
+          </a:lstStyle>
+          <a:p>
+            <a:pPr algn="ctr"/>
+            <a:r>
+              <a:rPr kumimoji="1" lang="en-US" altLang="ko-KR" sz="900" b="1" dirty="0">
+                <a:latin typeface="KoPubWorldDotum Bold" pitchFamily="2" charset="-127"/>
+                <a:ea typeface="KoPubWorldDotum Bold" pitchFamily="2" charset="-127"/>
+                <a:cs typeface="KoPubWorldDotum Bold" pitchFamily="2" charset="-127"/>
+              </a:rPr>
+              <a:t>API Gateway</a:t>
+            </a:r>
+          </a:p>
+          <a:p>
+            <a:pPr algn="ctr"/>
+            <a:r>
+              <a:rPr kumimoji="1" lang="en-US" altLang="ko-KR" sz="900" b="1" dirty="0">
+                <a:latin typeface="KoPubWorldDotum Bold" pitchFamily="2" charset="-127"/>
+                <a:ea typeface="KoPubWorldDotum Bold" pitchFamily="2" charset="-127"/>
+                <a:cs typeface="KoPubWorldDotum Bold" pitchFamily="2" charset="-127"/>
+              </a:rPr>
+              <a:t>(REST)</a:t>
+            </a:r>
+            <a:endParaRPr kumimoji="1" lang="ko-KR" altLang="en-US" sz="900" b="1" dirty="0">
+              <a:latin typeface="KoPubWorldDotum Bold" pitchFamily="2" charset="-127"/>
+              <a:ea typeface="KoPubWorldDotum Bold" pitchFamily="2" charset="-127"/>
+              <a:cs typeface="KoPubWorldDotum Bold" pitchFamily="2" charset="-127"/>
+            </a:endParaRPr>
+          </a:p>
+        </p:txBody>
+      </p:sp>
+      <p:pic>
+        <p:nvPicPr>
+          <p:cNvPr id="1028" name="Picture 2" descr="JavaScript | Kakao Developers 문서">
+            <a:extLst>
+              <a:ext uri="{FF2B5EF4-FFF2-40B4-BE49-F238E27FC236}">
+                <a16:creationId xmlns:a16="http://schemas.microsoft.com/office/drawing/2014/main" id="{61689886-B4CA-0B2E-7E58-76390717B1B6}"/>
+              </a:ext>
+            </a:extLst>
+          </p:cNvPr>
+          <p:cNvPicPr>
+            <a:picLocks noChangeAspect="1" noChangeArrowheads="1"/>
+          </p:cNvPicPr>
+          <p:nvPr/>
+        </p:nvPicPr>
+        <p:blipFill rotWithShape="1">
+          <a:blip r:embed="rId13">
+            <a:extLst>
+              <a:ext uri="{28A0092B-C50C-407E-A947-70E740481C1C}">
+                <a14:useLocalDpi xmlns:a14="http://schemas.microsoft.com/office/drawing/2010/main" val="0"/>
+              </a:ext>
+            </a:extLst>
+          </a:blip>
+          <a:srcRect l="35001" t="35938" r="20859" b="37167"/>
+          <a:stretch/>
+        </p:blipFill>
+        <p:spPr bwMode="auto">
+          <a:xfrm>
+            <a:off x="10555628" y="3449297"/>
+            <a:ext cx="649591" cy="333312"/>
+          </a:xfrm>
+          <a:prstGeom prst="rect">
+            <a:avLst/>
+          </a:prstGeom>
+          <a:noFill/>
+          <a:extLst>
+            <a:ext uri="{909E8E84-426E-40DD-AFC4-6F175D3DCCD1}">
+              <a14:hiddenFill xmlns:a14="http://schemas.microsoft.com/office/drawing/2010/main">
+                <a:solidFill>
+                  <a:srgbClr val="FFFFFF"/>
+                </a:solidFill>
+              </a14:hiddenFill>
+            </a:ext>
+          </a:extLst>
+        </p:spPr>
+      </p:pic>
+      <p:cxnSp>
+        <p:nvCxnSpPr>
+          <p:cNvPr id="1029" name="직선 화살표 연결선 1028">
+            <a:extLst>
+              <a:ext uri="{FF2B5EF4-FFF2-40B4-BE49-F238E27FC236}">
+                <a16:creationId xmlns:a16="http://schemas.microsoft.com/office/drawing/2014/main" id="{2289ADC0-8153-C4A0-F4DC-BB74F791A427}"/>
+              </a:ext>
+            </a:extLst>
+          </p:cNvPr>
+          <p:cNvCxnSpPr>
+            <a:cxnSpLocks/>
+            <a:stCxn id="25" idx="1"/>
+            <a:endCxn id="33" idx="3"/>
+          </p:cNvCxnSpPr>
+          <p:nvPr/>
+        </p:nvCxnSpPr>
+        <p:spPr>
+          <a:xfrm flipH="1" flipV="1">
+            <a:off x="2848701" y="1047657"/>
+            <a:ext cx="779000" cy="1323"/>
+          </a:xfrm>
+          <a:prstGeom prst="straightConnector1">
+            <a:avLst/>
+          </a:prstGeom>
+          <a:ln>
+            <a:headEnd type="none" w="med" len="med"/>
+            <a:tailEnd type="none" w="med" len="med"/>
+          </a:ln>
+        </p:spPr>
+        <p:style>
+          <a:lnRef idx="2">
+            <a:schemeClr val="accent1"/>
+          </a:lnRef>
+          <a:fillRef idx="0">
+            <a:schemeClr val="accent1"/>
+          </a:fillRef>
+          <a:effectRef idx="1">
+            <a:schemeClr val="accent1"/>
+          </a:effectRef>
+          <a:fontRef idx="minor">
+            <a:schemeClr val="tx1"/>
+          </a:fontRef>
+        </p:style>
+      </p:cxnSp>
+      <p:cxnSp>
+        <p:nvCxnSpPr>
+          <p:cNvPr id="1033" name="직선 화살표 연결선 1032">
+            <a:extLst>
+              <a:ext uri="{FF2B5EF4-FFF2-40B4-BE49-F238E27FC236}">
+                <a16:creationId xmlns:a16="http://schemas.microsoft.com/office/drawing/2014/main" id="{76AD7131-7A4A-7DE2-AB41-93F8B25691CA}"/>
+              </a:ext>
+            </a:extLst>
+          </p:cNvPr>
+          <p:cNvCxnSpPr>
+            <a:cxnSpLocks/>
+            <a:endCxn id="25" idx="3"/>
+          </p:cNvCxnSpPr>
+          <p:nvPr/>
+        </p:nvCxnSpPr>
+        <p:spPr>
+          <a:xfrm flipH="1">
+            <a:off x="4107478" y="1048980"/>
+            <a:ext cx="722974" cy="0"/>
+          </a:xfrm>
+          <a:prstGeom prst="straightConnector1">
+            <a:avLst/>
+          </a:prstGeom>
+          <a:ln>
+            <a:headEnd type="none" w="med" len="med"/>
+            <a:tailEnd type="none" w="med" len="med"/>
+          </a:ln>
+        </p:spPr>
+        <p:style>
+          <a:lnRef idx="2">
+            <a:schemeClr val="accent1"/>
+          </a:lnRef>
+          <a:fillRef idx="0">
+            <a:schemeClr val="accent1"/>
+          </a:fillRef>
+          <a:effectRef idx="1">
+            <a:schemeClr val="accent1"/>
+          </a:effectRef>
+          <a:fontRef idx="minor">
+            <a:schemeClr val="tx1"/>
+          </a:fontRef>
+        </p:style>
+      </p:cxnSp>
+      <p:cxnSp>
+        <p:nvCxnSpPr>
+          <p:cNvPr id="1084" name="꺾인 연결선[E] 1083">
+            <a:extLst>
+              <a:ext uri="{FF2B5EF4-FFF2-40B4-BE49-F238E27FC236}">
+                <a16:creationId xmlns:a16="http://schemas.microsoft.com/office/drawing/2014/main" id="{31BA6834-A13B-B90C-A5E9-F950F67D21B3}"/>
+              </a:ext>
+            </a:extLst>
+          </p:cNvPr>
+          <p:cNvCxnSpPr>
+            <a:cxnSpLocks/>
+            <a:stCxn id="1053" idx="1"/>
+            <a:endCxn id="24" idx="2"/>
+          </p:cNvCxnSpPr>
+          <p:nvPr/>
+        </p:nvCxnSpPr>
+        <p:spPr>
+          <a:xfrm rot="10800000" flipH="1">
+            <a:off x="4937165" y="2829857"/>
+            <a:ext cx="644973" cy="1534513"/>
+          </a:xfrm>
+          <a:prstGeom prst="bentConnector4">
+            <a:avLst>
+              <a:gd name="adj1" fmla="val -35443"/>
+              <a:gd name="adj2" fmla="val 64212"/>
+            </a:avLst>
+          </a:prstGeom>
+        </p:spPr>
+        <p:style>
+          <a:lnRef idx="2">
+            <a:schemeClr val="accent1"/>
+          </a:lnRef>
+          <a:fillRef idx="0">
+            <a:schemeClr val="accent1"/>
+          </a:fillRef>
+          <a:effectRef idx="1">
+            <a:schemeClr val="accent1"/>
+          </a:effectRef>
+          <a:fontRef idx="minor">
+            <a:schemeClr val="tx1"/>
+          </a:fontRef>
+        </p:style>
+      </p:cxnSp>
+      <p:sp>
+        <p:nvSpPr>
+          <p:cNvPr id="1127" name="제목 1">
+            <a:extLst>
+              <a:ext uri="{FF2B5EF4-FFF2-40B4-BE49-F238E27FC236}">
+                <a16:creationId xmlns:a16="http://schemas.microsoft.com/office/drawing/2014/main" id="{21FCD9F5-EAB2-00A3-7567-FD4506672900}"/>
+              </a:ext>
+            </a:extLst>
+          </p:cNvPr>
+          <p:cNvSpPr txBox="1">
+            <a:spLocks/>
+          </p:cNvSpPr>
+          <p:nvPr/>
+        </p:nvSpPr>
+        <p:spPr>
+          <a:xfrm>
+            <a:off x="10109924" y="3875049"/>
+            <a:ext cx="1651921" cy="267998"/>
+          </a:xfrm>
+          <a:prstGeom prst="rect">
+            <a:avLst/>
+          </a:prstGeom>
+        </p:spPr>
+        <p:txBody>
+          <a:bodyPr vert="horz" lIns="91440" tIns="45720" rIns="91440" bIns="45720" rtlCol="0" anchor="ctr">
+            <a:normAutofit/>
+          </a:bodyPr>
+          <a:lstStyle>
+            <a:lvl1pPr algn="l" defTabSz="914400" rtl="0" eaLnBrk="1" latinLnBrk="1" hangingPunct="1">
+              <a:lnSpc>
+                <a:spcPct val="90000"/>
+              </a:lnSpc>
+              <a:spcBef>
+                <a:spcPct val="0"/>
+              </a:spcBef>
+              <a:buNone/>
+              <a:defRPr sz="4400" kern="1200">
+                <a:solidFill>
+                  <a:schemeClr val="tx1"/>
+                </a:solidFill>
+                <a:latin typeface="+mj-lt"/>
+                <a:ea typeface="+mj-ea"/>
+                <a:cs typeface="+mj-cs"/>
+              </a:defRPr>
+            </a:lvl1pPr>
+          </a:lstStyle>
+          <a:p>
+            <a:pPr algn="ctr"/>
+            <a:r>
+              <a:rPr kumimoji="1" lang="en-US" altLang="ko-KR" sz="900" b="1" dirty="0">
+                <a:latin typeface="KoPubWorldDotum Bold" pitchFamily="2" charset="-127"/>
+                <a:ea typeface="KoPubWorldDotum Bold" pitchFamily="2" charset="-127"/>
+                <a:cs typeface="KoPubWorldDotum Bold" pitchFamily="2" charset="-127"/>
+              </a:rPr>
+              <a:t>Kakao Login OIDC</a:t>
+            </a:r>
+          </a:p>
+        </p:txBody>
+      </p:sp>
+      <p:cxnSp>
+        <p:nvCxnSpPr>
+          <p:cNvPr id="1140" name="직선 화살표 연결선 1139">
+            <a:extLst>
+              <a:ext uri="{FF2B5EF4-FFF2-40B4-BE49-F238E27FC236}">
+                <a16:creationId xmlns:a16="http://schemas.microsoft.com/office/drawing/2014/main" id="{8F43D639-ABD4-4922-F4C1-D031D44F31D3}"/>
+              </a:ext>
+            </a:extLst>
+          </p:cNvPr>
+          <p:cNvCxnSpPr>
+            <a:cxnSpLocks/>
+            <a:stCxn id="31" idx="3"/>
+            <a:endCxn id="14" idx="1"/>
+          </p:cNvCxnSpPr>
+          <p:nvPr/>
+        </p:nvCxnSpPr>
+        <p:spPr>
+          <a:xfrm flipV="1">
+            <a:off x="6969352" y="881073"/>
+            <a:ext cx="2205610" cy="4973"/>
+          </a:xfrm>
+          <a:prstGeom prst="straightConnector1">
+            <a:avLst/>
+          </a:prstGeom>
+          <a:ln>
+            <a:headEnd type="none" w="med" len="med"/>
+            <a:tailEnd type="none" w="med" len="med"/>
+          </a:ln>
+        </p:spPr>
+        <p:style>
+          <a:lnRef idx="2">
+            <a:schemeClr val="accent1"/>
+          </a:lnRef>
+          <a:fillRef idx="0">
+            <a:schemeClr val="accent1"/>
+          </a:fillRef>
+          <a:effectRef idx="1">
+            <a:schemeClr val="accent1"/>
+          </a:effectRef>
+          <a:fontRef idx="minor">
+            <a:schemeClr val="tx1"/>
+          </a:fontRef>
+        </p:style>
+      </p:cxnSp>
+      <p:pic>
+        <p:nvPicPr>
+          <p:cNvPr id="3" name="Picture 2" descr="Amazon Bedrock Connector - Overview (O11) | OutSystems">
+            <a:extLst>
+              <a:ext uri="{FF2B5EF4-FFF2-40B4-BE49-F238E27FC236}">
+                <a16:creationId xmlns:a16="http://schemas.microsoft.com/office/drawing/2014/main" id="{0CC4E556-84F1-E509-8785-5CDBC5B57903}"/>
+              </a:ext>
+            </a:extLst>
+          </p:cNvPr>
+          <p:cNvPicPr>
+            <a:picLocks noChangeAspect="1" noChangeArrowheads="1"/>
+          </p:cNvPicPr>
+          <p:nvPr/>
+        </p:nvPicPr>
+        <p:blipFill>
+          <a:blip r:embed="rId3">
+            <a:alphaModFix/>
+            <a:extLst>
+              <a:ext uri="{28A0092B-C50C-407E-A947-70E740481C1C}">
+                <a14:useLocalDpi xmlns:a14="http://schemas.microsoft.com/office/drawing/2010/main" val="0"/>
+              </a:ext>
+            </a:extLst>
+          </a:blip>
+          <a:srcRect/>
+          <a:stretch>
+            <a:fillRect/>
+          </a:stretch>
+        </p:blipFill>
+        <p:spPr bwMode="auto">
+          <a:xfrm>
+            <a:off x="3978784" y="6938301"/>
+            <a:ext cx="465430" cy="465430"/>
+          </a:xfrm>
+          <a:prstGeom prst="rect">
+            <a:avLst/>
+          </a:prstGeom>
+          <a:noFill/>
+          <a:extLst>
+            <a:ext uri="{909E8E84-426E-40DD-AFC4-6F175D3DCCD1}">
+              <a14:hiddenFill xmlns:a14="http://schemas.microsoft.com/office/drawing/2010/main">
+                <a:solidFill>
+                  <a:srgbClr val="FFFFFF"/>
+                </a:solidFill>
+              </a14:hiddenFill>
+            </a:ext>
+          </a:extLst>
+        </p:spPr>
+      </p:pic>
+      <p:sp>
+        <p:nvSpPr>
+          <p:cNvPr id="2" name="처리 1">
+            <a:extLst>
+              <a:ext uri="{FF2B5EF4-FFF2-40B4-BE49-F238E27FC236}">
+                <a16:creationId xmlns:a16="http://schemas.microsoft.com/office/drawing/2014/main" id="{24D94196-81AC-D425-7880-C5EC9596E02E}"/>
+              </a:ext>
+            </a:extLst>
+          </p:cNvPr>
+          <p:cNvSpPr/>
+          <p:nvPr/>
+        </p:nvSpPr>
+        <p:spPr>
+          <a:xfrm>
+            <a:off x="2465653" y="4547971"/>
+            <a:ext cx="1203109" cy="243942"/>
+          </a:xfrm>
+          <a:prstGeom prst="flowChartProcess">
+            <a:avLst/>
+          </a:prstGeom>
+          <a:solidFill>
+            <a:schemeClr val="accent1"/>
+          </a:solidFill>
+          <a:ln>
+            <a:noFill/>
+          </a:ln>
+        </p:spPr>
+        <p:style>
+          <a:lnRef idx="2">
+            <a:schemeClr val="accent1">
+              <a:shade val="15000"/>
+            </a:schemeClr>
+          </a:lnRef>
+          <a:fillRef idx="1">
+            <a:schemeClr val="accent1"/>
+          </a:fillRef>
+          <a:effectRef idx="0">
+            <a:schemeClr val="accent1"/>
+          </a:effectRef>
+          <a:fontRef idx="minor">
+            <a:schemeClr val="lt1"/>
+          </a:fontRef>
+        </p:style>
+        <p:txBody>
+          <a:bodyPr rtlCol="0" anchor="ctr"/>
+          <a:lstStyle/>
+          <a:p>
+            <a:pPr algn="ctr"/>
+            <a:r>
+              <a:rPr kumimoji="1" lang="en-US" altLang="ko-KR" sz="900" b="1" dirty="0" err="1">
+                <a:latin typeface="KoPubWorldDotum Bold" pitchFamily="2" charset="-127"/>
+                <a:ea typeface="KoPubWorldDotum Bold" pitchFamily="2" charset="-127"/>
+                <a:cs typeface="KoPubWorldDotum Bold" pitchFamily="2" charset="-127"/>
+              </a:rPr>
+              <a:t>NewSession</a:t>
+            </a:r>
+            <a:endParaRPr kumimoji="1" lang="ko-KR" altLang="en-US" sz="900" b="1" dirty="0">
+              <a:latin typeface="KoPubWorldDotum Bold" pitchFamily="2" charset="-127"/>
+              <a:ea typeface="KoPubWorldDotum Bold" pitchFamily="2" charset="-127"/>
+              <a:cs typeface="KoPubWorldDotum Bold" pitchFamily="2" charset="-127"/>
+            </a:endParaRPr>
+          </a:p>
+        </p:txBody>
+      </p:sp>
+      <p:sp>
+        <p:nvSpPr>
+          <p:cNvPr id="9" name="처리 8">
+            <a:extLst>
+              <a:ext uri="{FF2B5EF4-FFF2-40B4-BE49-F238E27FC236}">
+                <a16:creationId xmlns:a16="http://schemas.microsoft.com/office/drawing/2014/main" id="{D8114163-093C-360E-6931-8D0B6081B6F4}"/>
+              </a:ext>
+            </a:extLst>
+          </p:cNvPr>
+          <p:cNvSpPr/>
+          <p:nvPr/>
+        </p:nvSpPr>
+        <p:spPr>
+          <a:xfrm>
+            <a:off x="2480156" y="3918056"/>
+            <a:ext cx="1203109" cy="243942"/>
+          </a:xfrm>
+          <a:prstGeom prst="flowChartProcess">
+            <a:avLst/>
+          </a:prstGeom>
+          <a:solidFill>
+            <a:schemeClr val="accent1"/>
+          </a:solidFill>
+          <a:ln>
+            <a:noFill/>
+          </a:ln>
+        </p:spPr>
+        <p:style>
+          <a:lnRef idx="2">
+            <a:schemeClr val="accent1">
+              <a:shade val="15000"/>
+            </a:schemeClr>
+          </a:lnRef>
+          <a:fillRef idx="1">
+            <a:schemeClr val="accent1"/>
+          </a:fillRef>
+          <a:effectRef idx="0">
+            <a:schemeClr val="accent1"/>
+          </a:effectRef>
+          <a:fontRef idx="minor">
+            <a:schemeClr val="lt1"/>
+          </a:fontRef>
+        </p:style>
+        <p:txBody>
+          <a:bodyPr rtlCol="0" anchor="ctr"/>
+          <a:lstStyle/>
+          <a:p>
+            <a:pPr algn="ctr"/>
+            <a:r>
+              <a:rPr kumimoji="1" lang="en-US" altLang="ko-KR" sz="900" b="1" dirty="0" err="1">
+                <a:latin typeface="KoPubWorldDotum Bold" pitchFamily="2" charset="-127"/>
+                <a:ea typeface="KoPubWorldDotum Bold" pitchFamily="2" charset="-127"/>
+                <a:cs typeface="KoPubWorldDotum Bold" pitchFamily="2" charset="-127"/>
+              </a:rPr>
+              <a:t>GetSession</a:t>
+            </a:r>
+            <a:endParaRPr kumimoji="1" lang="ko-KR" altLang="en-US" sz="900" b="1" dirty="0">
+              <a:latin typeface="KoPubWorldDotum Bold" pitchFamily="2" charset="-127"/>
+              <a:ea typeface="KoPubWorldDotum Bold" pitchFamily="2" charset="-127"/>
+              <a:cs typeface="KoPubWorldDotum Bold" pitchFamily="2" charset="-127"/>
+            </a:endParaRPr>
+          </a:p>
+        </p:txBody>
+      </p:sp>
+      <p:cxnSp>
+        <p:nvCxnSpPr>
+          <p:cNvPr id="11" name="꺾인 연결선[E] 10">
+            <a:extLst>
+              <a:ext uri="{FF2B5EF4-FFF2-40B4-BE49-F238E27FC236}">
+                <a16:creationId xmlns:a16="http://schemas.microsoft.com/office/drawing/2014/main" id="{06559759-C710-7689-0DB9-E2CCCCA14EE4}"/>
+              </a:ext>
+            </a:extLst>
+          </p:cNvPr>
+          <p:cNvCxnSpPr>
+            <a:cxnSpLocks/>
+            <a:stCxn id="2" idx="1"/>
+            <a:endCxn id="57" idx="2"/>
+          </p:cNvCxnSpPr>
+          <p:nvPr/>
+        </p:nvCxnSpPr>
+        <p:spPr>
+          <a:xfrm rot="10800000" flipH="1">
+            <a:off x="2465652" y="2825394"/>
+            <a:ext cx="610595" cy="1844548"/>
+          </a:xfrm>
+          <a:prstGeom prst="bentConnector4">
+            <a:avLst>
+              <a:gd name="adj1" fmla="val -35248"/>
+              <a:gd name="adj2" fmla="val 70233"/>
+            </a:avLst>
+          </a:prstGeom>
+        </p:spPr>
+        <p:style>
+          <a:lnRef idx="2">
+            <a:schemeClr val="accent1"/>
+          </a:lnRef>
+          <a:fillRef idx="0">
+            <a:schemeClr val="accent1"/>
+          </a:fillRef>
+          <a:effectRef idx="1">
+            <a:schemeClr val="accent1"/>
+          </a:effectRef>
+          <a:fontRef idx="minor">
+            <a:schemeClr val="tx1"/>
+          </a:fontRef>
+        </p:style>
+      </p:cxnSp>
+      <p:cxnSp>
+        <p:nvCxnSpPr>
+          <p:cNvPr id="34" name="꺾인 연결선[E] 33">
+            <a:extLst>
+              <a:ext uri="{FF2B5EF4-FFF2-40B4-BE49-F238E27FC236}">
+                <a16:creationId xmlns:a16="http://schemas.microsoft.com/office/drawing/2014/main" id="{3FB965EF-BC8D-556E-1DFC-FF7F67D12475}"/>
+              </a:ext>
+            </a:extLst>
+          </p:cNvPr>
+          <p:cNvCxnSpPr>
+            <a:cxnSpLocks/>
+            <a:stCxn id="1054" idx="1"/>
+            <a:endCxn id="24" idx="2"/>
+          </p:cNvCxnSpPr>
+          <p:nvPr/>
+        </p:nvCxnSpPr>
+        <p:spPr>
+          <a:xfrm rot="10800000" flipH="1">
+            <a:off x="4937165" y="2829857"/>
+            <a:ext cx="644973" cy="1836735"/>
+          </a:xfrm>
+          <a:prstGeom prst="bentConnector4">
+            <a:avLst>
+              <a:gd name="adj1" fmla="val -35443"/>
+              <a:gd name="adj2" fmla="val 70207"/>
+            </a:avLst>
+          </a:prstGeom>
+        </p:spPr>
+        <p:style>
+          <a:lnRef idx="2">
+            <a:schemeClr val="accent1"/>
+          </a:lnRef>
+          <a:fillRef idx="0">
+            <a:schemeClr val="accent1"/>
+          </a:fillRef>
+          <a:effectRef idx="1">
+            <a:schemeClr val="accent1"/>
+          </a:effectRef>
+          <a:fontRef idx="minor">
+            <a:schemeClr val="tx1"/>
+          </a:fontRef>
+        </p:style>
+      </p:cxnSp>
+      <p:cxnSp>
+        <p:nvCxnSpPr>
+          <p:cNvPr id="43" name="꺾인 연결선[E] 42">
+            <a:extLst>
+              <a:ext uri="{FF2B5EF4-FFF2-40B4-BE49-F238E27FC236}">
+                <a16:creationId xmlns:a16="http://schemas.microsoft.com/office/drawing/2014/main" id="{89070E6F-D7BA-2052-C553-FABC01E13052}"/>
+              </a:ext>
+            </a:extLst>
+          </p:cNvPr>
+          <p:cNvCxnSpPr>
+            <a:cxnSpLocks/>
+            <a:stCxn id="1052" idx="1"/>
+            <a:endCxn id="24" idx="2"/>
+          </p:cNvCxnSpPr>
+          <p:nvPr/>
+        </p:nvCxnSpPr>
+        <p:spPr>
+          <a:xfrm rot="10800000" flipH="1">
+            <a:off x="4937165" y="2829857"/>
+            <a:ext cx="644973" cy="1211479"/>
+          </a:xfrm>
+          <a:prstGeom prst="bentConnector4">
+            <a:avLst>
+              <a:gd name="adj1" fmla="val -35443"/>
+              <a:gd name="adj2" fmla="val 55034"/>
+            </a:avLst>
+          </a:prstGeom>
+        </p:spPr>
+        <p:style>
+          <a:lnRef idx="2">
+            <a:schemeClr val="accent1"/>
+          </a:lnRef>
+          <a:fillRef idx="0">
+            <a:schemeClr val="accent1"/>
+          </a:fillRef>
+          <a:effectRef idx="1">
+            <a:schemeClr val="accent1"/>
+          </a:effectRef>
+          <a:fontRef idx="minor">
+            <a:schemeClr val="tx1"/>
+          </a:fontRef>
+        </p:style>
+      </p:cxnSp>
+      <p:cxnSp>
+        <p:nvCxnSpPr>
+          <p:cNvPr id="50" name="꺾인 연결선[E] 49">
+            <a:extLst>
+              <a:ext uri="{FF2B5EF4-FFF2-40B4-BE49-F238E27FC236}">
+                <a16:creationId xmlns:a16="http://schemas.microsoft.com/office/drawing/2014/main" id="{415530AB-EB1E-A5D9-FC17-723E8967B421}"/>
+              </a:ext>
+            </a:extLst>
+          </p:cNvPr>
+          <p:cNvCxnSpPr>
+            <a:cxnSpLocks/>
+            <a:stCxn id="7" idx="1"/>
+            <a:endCxn id="57" idx="2"/>
+          </p:cNvCxnSpPr>
+          <p:nvPr/>
+        </p:nvCxnSpPr>
+        <p:spPr>
+          <a:xfrm rot="10800000" flipH="1">
+            <a:off x="2467534" y="2825395"/>
+            <a:ext cx="608714" cy="1538975"/>
+          </a:xfrm>
+          <a:prstGeom prst="bentConnector4">
+            <a:avLst>
+              <a:gd name="adj1" fmla="val -35357"/>
+              <a:gd name="adj2" fmla="val 64687"/>
+            </a:avLst>
+          </a:prstGeom>
+        </p:spPr>
+        <p:style>
+          <a:lnRef idx="2">
+            <a:schemeClr val="accent1"/>
+          </a:lnRef>
+          <a:fillRef idx="0">
+            <a:schemeClr val="accent1"/>
+          </a:fillRef>
+          <a:effectRef idx="1">
+            <a:schemeClr val="accent1"/>
+          </a:effectRef>
+          <a:fontRef idx="minor">
+            <a:schemeClr val="tx1"/>
+          </a:fontRef>
+        </p:style>
+      </p:cxnSp>
+      <p:cxnSp>
+        <p:nvCxnSpPr>
+          <p:cNvPr id="60" name="꺾인 연결선[E] 59">
+            <a:extLst>
+              <a:ext uri="{FF2B5EF4-FFF2-40B4-BE49-F238E27FC236}">
+                <a16:creationId xmlns:a16="http://schemas.microsoft.com/office/drawing/2014/main" id="{D5E55D13-2559-110A-0099-F075FDD42166}"/>
+              </a:ext>
+            </a:extLst>
+          </p:cNvPr>
+          <p:cNvCxnSpPr>
+            <a:cxnSpLocks/>
+            <a:stCxn id="9" idx="1"/>
+            <a:endCxn id="57" idx="2"/>
+          </p:cNvCxnSpPr>
+          <p:nvPr/>
+        </p:nvCxnSpPr>
+        <p:spPr>
+          <a:xfrm rot="10800000" flipH="1">
+            <a:off x="2480156" y="2825395"/>
+            <a:ext cx="596092" cy="1214633"/>
+          </a:xfrm>
+          <a:prstGeom prst="bentConnector4">
+            <a:avLst>
+              <a:gd name="adj1" fmla="val -38350"/>
+              <a:gd name="adj2" fmla="val 55021"/>
+            </a:avLst>
+          </a:prstGeom>
+        </p:spPr>
+        <p:style>
+          <a:lnRef idx="2">
+            <a:schemeClr val="accent1"/>
+          </a:lnRef>
+          <a:fillRef idx="0">
+            <a:schemeClr val="accent1"/>
+          </a:fillRef>
+          <a:effectRef idx="1">
+            <a:schemeClr val="accent1"/>
+          </a:effectRef>
+          <a:fontRef idx="minor">
+            <a:schemeClr val="tx1"/>
+          </a:fontRef>
+        </p:style>
+      </p:cxnSp>
+      <p:cxnSp>
+        <p:nvCxnSpPr>
+          <p:cNvPr id="1067" name="꺾인 연결선[E] 1066">
+            <a:extLst>
+              <a:ext uri="{FF2B5EF4-FFF2-40B4-BE49-F238E27FC236}">
+                <a16:creationId xmlns:a16="http://schemas.microsoft.com/office/drawing/2014/main" id="{ADB27A0D-2290-9799-7878-C12367C7B254}"/>
+              </a:ext>
+            </a:extLst>
+          </p:cNvPr>
+          <p:cNvCxnSpPr>
+            <a:cxnSpLocks/>
+            <a:stCxn id="1026" idx="0"/>
+            <a:endCxn id="1281" idx="2"/>
+          </p:cNvCxnSpPr>
+          <p:nvPr/>
+        </p:nvCxnSpPr>
+        <p:spPr>
+          <a:xfrm rot="5400000" flipH="1" flipV="1">
+            <a:off x="2812069" y="5540813"/>
+            <a:ext cx="870625" cy="1924352"/>
+          </a:xfrm>
+          <a:prstGeom prst="bentConnector3">
+            <a:avLst>
+              <a:gd name="adj1" fmla="val 50000"/>
+            </a:avLst>
+          </a:prstGeom>
+        </p:spPr>
+        <p:style>
+          <a:lnRef idx="2">
+            <a:schemeClr val="accent1"/>
+          </a:lnRef>
+          <a:fillRef idx="0">
+            <a:schemeClr val="accent1"/>
+          </a:fillRef>
+          <a:effectRef idx="1">
+            <a:schemeClr val="accent1"/>
+          </a:effectRef>
+          <a:fontRef idx="minor">
+            <a:schemeClr val="tx1"/>
+          </a:fontRef>
+        </p:style>
+      </p:cxnSp>
+      <p:sp>
+        <p:nvSpPr>
+          <p:cNvPr id="12" name="제목 1">
+            <a:extLst>
+              <a:ext uri="{FF2B5EF4-FFF2-40B4-BE49-F238E27FC236}">
+                <a16:creationId xmlns:a16="http://schemas.microsoft.com/office/drawing/2014/main" id="{FA4EB3BE-1A7B-21BC-2153-F4E39E61BC46}"/>
+              </a:ext>
+            </a:extLst>
+          </p:cNvPr>
+          <p:cNvSpPr txBox="1">
+            <a:spLocks/>
+          </p:cNvSpPr>
+          <p:nvPr/>
+        </p:nvSpPr>
+        <p:spPr>
+          <a:xfrm>
+            <a:off x="1622563" y="8408697"/>
+            <a:ext cx="1304524" cy="262033"/>
+          </a:xfrm>
+          <a:prstGeom prst="rect">
+            <a:avLst/>
+          </a:prstGeom>
+        </p:spPr>
+        <p:txBody>
+          <a:bodyPr vert="horz" lIns="91440" tIns="45720" rIns="91440" bIns="45720" rtlCol="0" anchor="ctr">
+            <a:normAutofit/>
+          </a:bodyPr>
+          <a:lstStyle>
+            <a:lvl1pPr algn="l" defTabSz="914400" rtl="0" eaLnBrk="1" latinLnBrk="1" hangingPunct="1">
+              <a:lnSpc>
+                <a:spcPct val="90000"/>
+              </a:lnSpc>
+              <a:spcBef>
+                <a:spcPct val="0"/>
+              </a:spcBef>
+              <a:buNone/>
+              <a:defRPr sz="4400" kern="1200">
+                <a:solidFill>
+                  <a:schemeClr val="tx1"/>
+                </a:solidFill>
+                <a:latin typeface="+mj-lt"/>
+                <a:ea typeface="+mj-ea"/>
+                <a:cs typeface="+mj-cs"/>
+              </a:defRPr>
+            </a:lvl1pPr>
+          </a:lstStyle>
+          <a:p>
+            <a:pPr algn="ctr"/>
+            <a:r>
+              <a:rPr kumimoji="1" lang="en-US" altLang="ko-KR" sz="900" b="1" dirty="0">
+                <a:latin typeface="KoPubWorldDotum Bold" pitchFamily="2" charset="-127"/>
+                <a:ea typeface="KoPubWorldDotum Bold" pitchFamily="2" charset="-127"/>
+                <a:cs typeface="KoPubWorldDotum Bold" pitchFamily="2" charset="-127"/>
+              </a:rPr>
+              <a:t>Claude 3 Haiku</a:t>
+            </a:r>
+            <a:endParaRPr kumimoji="1" lang="ko-KR" altLang="en-US" sz="900" b="1" dirty="0">
+              <a:latin typeface="KoPubWorldDotum Bold" pitchFamily="2" charset="-127"/>
+              <a:ea typeface="KoPubWorldDotum Bold" pitchFamily="2" charset="-127"/>
+              <a:cs typeface="KoPubWorldDotum Bold" pitchFamily="2" charset="-127"/>
+            </a:endParaRPr>
+          </a:p>
+        </p:txBody>
+      </p:sp>
+      <p:pic>
+        <p:nvPicPr>
+          <p:cNvPr id="17" name="Picture 2" descr="The AI wars heat up with Claude 3, claimed to have “near-human” abilities |  Ars Technica">
+            <a:extLst>
+              <a:ext uri="{FF2B5EF4-FFF2-40B4-BE49-F238E27FC236}">
+                <a16:creationId xmlns:a16="http://schemas.microsoft.com/office/drawing/2014/main" id="{46FC2761-7E9A-6124-5215-BA20F763E78A}"/>
+              </a:ext>
+            </a:extLst>
+          </p:cNvPr>
+          <p:cNvPicPr>
+            <a:picLocks noChangeAspect="1" noChangeArrowheads="1"/>
+          </p:cNvPicPr>
+          <p:nvPr/>
+        </p:nvPicPr>
+        <p:blipFill rotWithShape="1">
+          <a:blip r:embed="rId4">
+            <a:extLst>
+              <a:ext uri="{28A0092B-C50C-407E-A947-70E740481C1C}">
+                <a14:useLocalDpi xmlns:a14="http://schemas.microsoft.com/office/drawing/2010/main" val="0"/>
+              </a:ext>
+            </a:extLst>
+          </a:blip>
+          <a:srcRect l="28567" t="10984" r="29591" b="14630"/>
+          <a:stretch/>
+        </p:blipFill>
+        <p:spPr bwMode="auto">
+          <a:xfrm>
+            <a:off x="2059634" y="7921780"/>
+            <a:ext cx="465430" cy="465430"/>
+          </a:xfrm>
+          <a:prstGeom prst="rect">
+            <a:avLst/>
+          </a:prstGeom>
+          <a:noFill/>
+          <a:extLst>
+            <a:ext uri="{909E8E84-426E-40DD-AFC4-6F175D3DCCD1}">
+              <a14:hiddenFill xmlns:a14="http://schemas.microsoft.com/office/drawing/2010/main">
+                <a:solidFill>
+                  <a:srgbClr val="FFFFFF"/>
+                </a:solidFill>
+              </a14:hiddenFill>
+            </a:ext>
+          </a:extLst>
+        </p:spPr>
+      </p:pic>
+      <p:cxnSp>
+        <p:nvCxnSpPr>
+          <p:cNvPr id="46" name="꺾인 연결선[E] 45">
+            <a:extLst>
+              <a:ext uri="{FF2B5EF4-FFF2-40B4-BE49-F238E27FC236}">
+                <a16:creationId xmlns:a16="http://schemas.microsoft.com/office/drawing/2014/main" id="{9EDC3DC1-D47C-A99B-B734-BDC68BAFF980}"/>
+              </a:ext>
+            </a:extLst>
+          </p:cNvPr>
+          <p:cNvCxnSpPr>
+            <a:cxnSpLocks/>
+            <a:stCxn id="3" idx="0"/>
+            <a:endCxn id="1281" idx="2"/>
+          </p:cNvCxnSpPr>
+          <p:nvPr/>
+        </p:nvCxnSpPr>
+        <p:spPr>
+          <a:xfrm rot="16200000" flipV="1">
+            <a:off x="3775216" y="6502018"/>
+            <a:ext cx="870625" cy="1942"/>
+          </a:xfrm>
+          <a:prstGeom prst="bentConnector3">
+            <a:avLst>
+              <a:gd name="adj1" fmla="val 50000"/>
+            </a:avLst>
+          </a:prstGeom>
+        </p:spPr>
+        <p:style>
+          <a:lnRef idx="2">
+            <a:schemeClr val="accent1"/>
+          </a:lnRef>
+          <a:fillRef idx="0">
+            <a:schemeClr val="accent1"/>
+          </a:fillRef>
+          <a:effectRef idx="1">
+            <a:schemeClr val="accent1"/>
+          </a:effectRef>
+          <a:fontRef idx="minor">
+            <a:schemeClr val="tx1"/>
+          </a:fontRef>
+        </p:style>
+      </p:cxnSp>
+      <p:cxnSp>
+        <p:nvCxnSpPr>
+          <p:cNvPr id="1041" name="꺾인 연결선[E] 1040">
+            <a:extLst>
+              <a:ext uri="{FF2B5EF4-FFF2-40B4-BE49-F238E27FC236}">
+                <a16:creationId xmlns:a16="http://schemas.microsoft.com/office/drawing/2014/main" id="{057F2AAA-880E-C167-FE14-1A5AE3AC603C}"/>
+              </a:ext>
+            </a:extLst>
+          </p:cNvPr>
+          <p:cNvCxnSpPr>
+            <a:cxnSpLocks/>
+            <a:stCxn id="18" idx="0"/>
+            <a:endCxn id="1281" idx="2"/>
+          </p:cNvCxnSpPr>
+          <p:nvPr/>
+        </p:nvCxnSpPr>
+        <p:spPr>
+          <a:xfrm rot="16200000" flipV="1">
+            <a:off x="3832402" y="6444831"/>
+            <a:ext cx="3029956" cy="2275645"/>
+          </a:xfrm>
+          <a:prstGeom prst="bentConnector3">
+            <a:avLst>
+              <a:gd name="adj1" fmla="val 85611"/>
+            </a:avLst>
+          </a:prstGeom>
+        </p:spPr>
+        <p:style>
+          <a:lnRef idx="2">
+            <a:schemeClr val="accent1"/>
+          </a:lnRef>
+          <a:fillRef idx="0">
+            <a:schemeClr val="accent1"/>
+          </a:fillRef>
+          <a:effectRef idx="1">
+            <a:schemeClr val="accent1"/>
+          </a:effectRef>
+          <a:fontRef idx="minor">
+            <a:schemeClr val="tx1"/>
+          </a:fontRef>
+        </p:style>
+      </p:cxnSp>
+      <p:sp>
+        <p:nvSpPr>
+          <p:cNvPr id="26" name="처리 25">
+            <a:extLst>
+              <a:ext uri="{FF2B5EF4-FFF2-40B4-BE49-F238E27FC236}">
+                <a16:creationId xmlns:a16="http://schemas.microsoft.com/office/drawing/2014/main" id="{EB7ADC3C-C91C-23BF-988B-06D1300A67FA}"/>
+              </a:ext>
+            </a:extLst>
+          </p:cNvPr>
+          <p:cNvSpPr/>
+          <p:nvPr/>
+        </p:nvSpPr>
+        <p:spPr>
+          <a:xfrm>
+            <a:off x="2465653" y="4855296"/>
+            <a:ext cx="1203109" cy="243942"/>
+          </a:xfrm>
+          <a:prstGeom prst="flowChartProcess">
+            <a:avLst/>
+          </a:prstGeom>
+          <a:solidFill>
+            <a:schemeClr val="accent1"/>
+          </a:solidFill>
+          <a:ln>
+            <a:noFill/>
+          </a:ln>
+        </p:spPr>
+        <p:style>
+          <a:lnRef idx="2">
+            <a:schemeClr val="accent1">
+              <a:shade val="15000"/>
+            </a:schemeClr>
+          </a:lnRef>
+          <a:fillRef idx="1">
+            <a:schemeClr val="accent1"/>
+          </a:fillRef>
+          <a:effectRef idx="0">
+            <a:schemeClr val="accent1"/>
+          </a:effectRef>
+          <a:fontRef idx="minor">
+            <a:schemeClr val="lt1"/>
+          </a:fontRef>
+        </p:style>
+        <p:txBody>
+          <a:bodyPr rtlCol="0" anchor="ctr"/>
+          <a:lstStyle/>
+          <a:p>
+            <a:pPr algn="ctr"/>
+            <a:r>
+              <a:rPr kumimoji="1" lang="en-US" altLang="ko-KR" sz="900" b="1" dirty="0" err="1">
+                <a:latin typeface="KoPubWorldDotum Bold" pitchFamily="2" charset="-127"/>
+                <a:ea typeface="KoPubWorldDotum Bold" pitchFamily="2" charset="-127"/>
+                <a:cs typeface="KoPubWorldDotum Bold" pitchFamily="2" charset="-127"/>
+              </a:rPr>
+              <a:t>DelteSession</a:t>
+            </a:r>
+            <a:endParaRPr kumimoji="1" lang="ko-KR" altLang="en-US" sz="900" b="1" dirty="0">
+              <a:latin typeface="KoPubWorldDotum Bold" pitchFamily="2" charset="-127"/>
+              <a:ea typeface="KoPubWorldDotum Bold" pitchFamily="2" charset="-127"/>
+              <a:cs typeface="KoPubWorldDotum Bold" pitchFamily="2" charset="-127"/>
+            </a:endParaRPr>
+          </a:p>
+        </p:txBody>
+      </p:sp>
+      <p:cxnSp>
+        <p:nvCxnSpPr>
+          <p:cNvPr id="30" name="꺾인 연결선[E] 29">
+            <a:extLst>
+              <a:ext uri="{FF2B5EF4-FFF2-40B4-BE49-F238E27FC236}">
+                <a16:creationId xmlns:a16="http://schemas.microsoft.com/office/drawing/2014/main" id="{452EF380-476F-711F-E59B-E9C084446D0B}"/>
+              </a:ext>
+            </a:extLst>
+          </p:cNvPr>
+          <p:cNvCxnSpPr>
+            <a:cxnSpLocks/>
+            <a:stCxn id="26" idx="1"/>
+            <a:endCxn id="57" idx="2"/>
+          </p:cNvCxnSpPr>
+          <p:nvPr/>
+        </p:nvCxnSpPr>
+        <p:spPr>
+          <a:xfrm rot="10800000" flipH="1">
+            <a:off x="2465652" y="2825395"/>
+            <a:ext cx="610595" cy="2151873"/>
+          </a:xfrm>
+          <a:prstGeom prst="bentConnector4">
+            <a:avLst>
+              <a:gd name="adj1" fmla="val -35248"/>
+              <a:gd name="adj2" fmla="val 74806"/>
+            </a:avLst>
+          </a:prstGeom>
+        </p:spPr>
+        <p:style>
+          <a:lnRef idx="2">
+            <a:schemeClr val="accent1"/>
+          </a:lnRef>
+          <a:fillRef idx="0">
+            <a:schemeClr val="accent1"/>
+          </a:fillRef>
+          <a:effectRef idx="1">
+            <a:schemeClr val="accent1"/>
+          </a:effectRef>
+          <a:fontRef idx="minor">
+            <a:schemeClr val="tx1"/>
+          </a:fontRef>
+        </p:style>
+      </p:cxnSp>
+      <p:pic>
+        <p:nvPicPr>
+          <p:cNvPr id="25" name="그림 24">
+            <a:extLst>
+              <a:ext uri="{FF2B5EF4-FFF2-40B4-BE49-F238E27FC236}">
+                <a16:creationId xmlns:a16="http://schemas.microsoft.com/office/drawing/2014/main" id="{09E9DA29-BD6C-C571-3BA6-73F68C3D371C}"/>
+              </a:ext>
+            </a:extLst>
+          </p:cNvPr>
+          <p:cNvPicPr>
+            <a:picLocks noChangeAspect="1"/>
+          </p:cNvPicPr>
+          <p:nvPr/>
+        </p:nvPicPr>
+        <p:blipFill>
+          <a:blip r:embed="rId12">
+            <a:alphaModFix/>
+          </a:blip>
+          <a:stretch>
+            <a:fillRect/>
+          </a:stretch>
+        </p:blipFill>
+        <p:spPr>
+          <a:xfrm>
+            <a:off x="3627701" y="809091"/>
+            <a:ext cx="479777" cy="479777"/>
+          </a:xfrm>
+          <a:prstGeom prst="rect">
+            <a:avLst/>
+          </a:prstGeom>
+        </p:spPr>
+      </p:pic>
+      <p:sp>
+        <p:nvSpPr>
+          <p:cNvPr id="35" name="제목 1">
+            <a:extLst>
+              <a:ext uri="{FF2B5EF4-FFF2-40B4-BE49-F238E27FC236}">
+                <a16:creationId xmlns:a16="http://schemas.microsoft.com/office/drawing/2014/main" id="{68F41F23-2DB1-1E4C-910A-8CF23B8333BC}"/>
+              </a:ext>
+            </a:extLst>
+          </p:cNvPr>
+          <p:cNvSpPr txBox="1">
+            <a:spLocks/>
+          </p:cNvSpPr>
+          <p:nvPr/>
+        </p:nvSpPr>
+        <p:spPr>
+          <a:xfrm>
+            <a:off x="3119462" y="1315874"/>
+            <a:ext cx="1418039" cy="269792"/>
+          </a:xfrm>
+          <a:prstGeom prst="rect">
+            <a:avLst/>
+          </a:prstGeom>
+        </p:spPr>
+        <p:txBody>
+          <a:bodyPr vert="horz" lIns="91440" tIns="45720" rIns="91440" bIns="45720" rtlCol="0" anchor="ctr">
+            <a:normAutofit/>
+          </a:bodyPr>
+          <a:lstStyle>
+            <a:lvl1pPr algn="l" defTabSz="914400" rtl="0" eaLnBrk="1" latinLnBrk="1" hangingPunct="1">
+              <a:lnSpc>
+                <a:spcPct val="90000"/>
+              </a:lnSpc>
+              <a:spcBef>
+                <a:spcPct val="0"/>
+              </a:spcBef>
+              <a:buNone/>
+              <a:defRPr sz="4400" kern="1200">
+                <a:solidFill>
+                  <a:schemeClr val="tx1"/>
+                </a:solidFill>
+                <a:latin typeface="+mj-lt"/>
+                <a:ea typeface="+mj-ea"/>
+                <a:cs typeface="+mj-cs"/>
+              </a:defRPr>
+            </a:lvl1pPr>
+          </a:lstStyle>
+          <a:p>
+            <a:pPr algn="ctr"/>
+            <a:r>
+              <a:rPr kumimoji="1" lang="en-US" altLang="ko-KR" sz="900" b="1" dirty="0">
+                <a:latin typeface="KoPubWorldDotum Bold" pitchFamily="2" charset="-127"/>
+                <a:ea typeface="KoPubWorldDotum Bold" pitchFamily="2" charset="-127"/>
+                <a:cs typeface="KoPubWorldDotum Bold" pitchFamily="2" charset="-127"/>
+              </a:rPr>
+              <a:t>Cognito Hosted UI</a:t>
+            </a:r>
+            <a:endParaRPr kumimoji="1" lang="ko-KR" altLang="en-US" sz="900" b="1" dirty="0">
+              <a:latin typeface="KoPubWorldDotum Bold" pitchFamily="2" charset="-127"/>
+              <a:ea typeface="KoPubWorldDotum Bold" pitchFamily="2" charset="-127"/>
+              <a:cs typeface="KoPubWorldDotum Bold" pitchFamily="2" charset="-127"/>
+            </a:endParaRPr>
+          </a:p>
+        </p:txBody>
+      </p:sp>
+      <p:sp>
+        <p:nvSpPr>
+          <p:cNvPr id="31" name="직사각형 30">
+            <a:extLst>
+              <a:ext uri="{FF2B5EF4-FFF2-40B4-BE49-F238E27FC236}">
+                <a16:creationId xmlns:a16="http://schemas.microsoft.com/office/drawing/2014/main" id="{A713E7F9-51B9-8F73-7862-8A20497AA0F5}"/>
+              </a:ext>
+            </a:extLst>
+          </p:cNvPr>
+          <p:cNvSpPr/>
+          <p:nvPr/>
+        </p:nvSpPr>
+        <p:spPr>
+          <a:xfrm>
+            <a:off x="4831832" y="332513"/>
+            <a:ext cx="2137520" cy="1107066"/>
+          </a:xfrm>
+          <a:prstGeom prst="rect">
+            <a:avLst/>
+          </a:prstGeom>
+          <a:noFill/>
+          <a:ln>
+            <a:solidFill>
+              <a:srgbClr val="000000"/>
+            </a:solidFill>
+            <a:prstDash val="sysDash"/>
+          </a:ln>
+        </p:spPr>
+        <p:style>
+          <a:lnRef idx="2">
+            <a:schemeClr val="accent1">
+              <a:shade val="15000"/>
+            </a:schemeClr>
+          </a:lnRef>
+          <a:fillRef idx="1">
+            <a:schemeClr val="accent1"/>
+          </a:fillRef>
+          <a:effectRef idx="0">
+            <a:schemeClr val="accent1"/>
+          </a:effectRef>
+          <a:fontRef idx="minor">
+            <a:schemeClr val="lt1"/>
+          </a:fontRef>
+        </p:style>
+        <p:txBody>
+          <a:bodyPr rtlCol="0" anchor="ctr"/>
+          <a:lstStyle/>
+          <a:p>
+            <a:pPr algn="ctr"/>
+            <a:endParaRPr kumimoji="1" lang="ko-KR" altLang="en-US" sz="900"/>
+          </a:p>
+        </p:txBody>
+      </p:sp>
+      <p:pic>
+        <p:nvPicPr>
+          <p:cNvPr id="1057" name="그림 1056">
+            <a:extLst>
+              <a:ext uri="{FF2B5EF4-FFF2-40B4-BE49-F238E27FC236}">
+                <a16:creationId xmlns:a16="http://schemas.microsoft.com/office/drawing/2014/main" id="{CC23FB97-2446-B0EA-050A-B105D2CBAE40}"/>
+              </a:ext>
+            </a:extLst>
+          </p:cNvPr>
+          <p:cNvPicPr>
+            <a:picLocks noChangeAspect="1"/>
+          </p:cNvPicPr>
+          <p:nvPr/>
+        </p:nvPicPr>
+        <p:blipFill>
+          <a:blip r:embed="rId14"/>
+          <a:stretch>
+            <a:fillRect/>
+          </a:stretch>
+        </p:blipFill>
+        <p:spPr>
+          <a:xfrm>
+            <a:off x="5663052" y="76278"/>
+            <a:ext cx="462142" cy="462142"/>
+          </a:xfrm>
+          <a:prstGeom prst="rect">
+            <a:avLst/>
+          </a:prstGeom>
+        </p:spPr>
+      </p:pic>
+      <p:sp>
+        <p:nvSpPr>
+          <p:cNvPr id="1059" name="제목 1">
+            <a:extLst>
+              <a:ext uri="{FF2B5EF4-FFF2-40B4-BE49-F238E27FC236}">
+                <a16:creationId xmlns:a16="http://schemas.microsoft.com/office/drawing/2014/main" id="{CBEBDBD3-3C67-6B6F-AE99-2105963B4185}"/>
+              </a:ext>
+            </a:extLst>
+          </p:cNvPr>
+          <p:cNvSpPr txBox="1">
+            <a:spLocks/>
+          </p:cNvSpPr>
+          <p:nvPr/>
+        </p:nvSpPr>
+        <p:spPr>
+          <a:xfrm>
+            <a:off x="5405680" y="550152"/>
+            <a:ext cx="967879" cy="267998"/>
+          </a:xfrm>
+          <a:prstGeom prst="rect">
+            <a:avLst/>
+          </a:prstGeom>
+        </p:spPr>
+        <p:txBody>
+          <a:bodyPr vert="horz" lIns="91440" tIns="45720" rIns="91440" bIns="45720" rtlCol="0" anchor="ctr">
+            <a:normAutofit/>
+          </a:bodyPr>
+          <a:lstStyle>
+            <a:lvl1pPr algn="l" defTabSz="914400" rtl="0" eaLnBrk="1" latinLnBrk="1" hangingPunct="1">
+              <a:lnSpc>
+                <a:spcPct val="90000"/>
+              </a:lnSpc>
+              <a:spcBef>
+                <a:spcPct val="0"/>
+              </a:spcBef>
+              <a:buNone/>
+              <a:defRPr sz="4400" kern="1200">
+                <a:solidFill>
+                  <a:schemeClr val="tx1"/>
+                </a:solidFill>
+                <a:latin typeface="+mj-lt"/>
+                <a:ea typeface="+mj-ea"/>
+                <a:cs typeface="+mj-cs"/>
+              </a:defRPr>
+            </a:lvl1pPr>
+          </a:lstStyle>
+          <a:p>
+            <a:pPr algn="ctr"/>
+            <a:r>
+              <a:rPr kumimoji="1" lang="en-US" altLang="ko-KR" sz="900" b="1" dirty="0">
+                <a:latin typeface="KoPubWorldDotum Bold" pitchFamily="2" charset="-127"/>
+                <a:ea typeface="KoPubWorldDotum Bold" pitchFamily="2" charset="-127"/>
+                <a:cs typeface="KoPubWorldDotum Bold" pitchFamily="2" charset="-127"/>
+              </a:rPr>
+              <a:t>S3</a:t>
+            </a:r>
+            <a:endParaRPr kumimoji="1" lang="ko-KR" altLang="en-US" sz="900" b="1" dirty="0">
+              <a:latin typeface="KoPubWorldDotum Bold" pitchFamily="2" charset="-127"/>
+              <a:ea typeface="KoPubWorldDotum Bold" pitchFamily="2" charset="-127"/>
+              <a:cs typeface="KoPubWorldDotum Bold" pitchFamily="2" charset="-127"/>
+            </a:endParaRPr>
+          </a:p>
+        </p:txBody>
+      </p:sp>
+      <p:sp>
+        <p:nvSpPr>
+          <p:cNvPr id="1076" name="제목 1">
+            <a:extLst>
+              <a:ext uri="{FF2B5EF4-FFF2-40B4-BE49-F238E27FC236}">
+                <a16:creationId xmlns:a16="http://schemas.microsoft.com/office/drawing/2014/main" id="{8F98096F-CBC8-C490-20C3-EF35BB9C8BA2}"/>
+              </a:ext>
+            </a:extLst>
+          </p:cNvPr>
+          <p:cNvSpPr txBox="1">
+            <a:spLocks/>
+          </p:cNvSpPr>
+          <p:nvPr/>
+        </p:nvSpPr>
+        <p:spPr>
+          <a:xfrm>
+            <a:off x="8122878" y="5799678"/>
+            <a:ext cx="739201" cy="267998"/>
+          </a:xfrm>
+          <a:prstGeom prst="rect">
+            <a:avLst/>
+          </a:prstGeom>
+        </p:spPr>
+        <p:txBody>
+          <a:bodyPr vert="horz" lIns="91440" tIns="45720" rIns="91440" bIns="45720" rtlCol="0" anchor="ctr">
+            <a:normAutofit/>
+          </a:bodyPr>
+          <a:lstStyle>
+            <a:lvl1pPr algn="l" defTabSz="914400" rtl="0" eaLnBrk="1" latinLnBrk="1" hangingPunct="1">
+              <a:lnSpc>
+                <a:spcPct val="90000"/>
+              </a:lnSpc>
+              <a:spcBef>
+                <a:spcPct val="0"/>
+              </a:spcBef>
+              <a:buNone/>
+              <a:defRPr sz="4400" kern="1200">
+                <a:solidFill>
+                  <a:schemeClr val="tx1"/>
+                </a:solidFill>
+                <a:latin typeface="+mj-lt"/>
+                <a:ea typeface="+mj-ea"/>
+                <a:cs typeface="+mj-cs"/>
+              </a:defRPr>
+            </a:lvl1pPr>
+          </a:lstStyle>
+          <a:p>
+            <a:pPr algn="ctr"/>
+            <a:r>
+              <a:rPr kumimoji="1" lang="en-US" altLang="ko-KR" sz="900" b="1" dirty="0">
+                <a:latin typeface="KoPubWorldDotum Bold" pitchFamily="2" charset="-127"/>
+                <a:ea typeface="KoPubWorldDotum Bold" pitchFamily="2" charset="-127"/>
+                <a:cs typeface="KoPubWorldDotum Bold" pitchFamily="2" charset="-127"/>
+              </a:rPr>
+              <a:t>Lambda</a:t>
+            </a:r>
+            <a:endParaRPr kumimoji="1" lang="ko-KR" altLang="en-US" sz="900" b="1" dirty="0">
+              <a:latin typeface="KoPubWorldDotum Bold" pitchFamily="2" charset="-127"/>
+              <a:ea typeface="KoPubWorldDotum Bold" pitchFamily="2" charset="-127"/>
+              <a:cs typeface="KoPubWorldDotum Bold" pitchFamily="2" charset="-127"/>
+            </a:endParaRPr>
+          </a:p>
+        </p:txBody>
+      </p:sp>
+      <p:pic>
+        <p:nvPicPr>
+          <p:cNvPr id="1077" name="그림 1076">
+            <a:extLst>
+              <a:ext uri="{FF2B5EF4-FFF2-40B4-BE49-F238E27FC236}">
+                <a16:creationId xmlns:a16="http://schemas.microsoft.com/office/drawing/2014/main" id="{8FC5D015-0610-EF8E-8D86-8B8AEA279D01}"/>
+              </a:ext>
+            </a:extLst>
+          </p:cNvPr>
+          <p:cNvPicPr>
+            <a:picLocks noChangeAspect="1"/>
+          </p:cNvPicPr>
+          <p:nvPr/>
+        </p:nvPicPr>
+        <p:blipFill>
+          <a:blip r:embed="rId15"/>
+          <a:stretch>
+            <a:fillRect/>
+          </a:stretch>
+        </p:blipFill>
+        <p:spPr>
+          <a:xfrm>
+            <a:off x="8250375" y="5304202"/>
+            <a:ext cx="462142" cy="462142"/>
+          </a:xfrm>
+          <a:prstGeom prst="rect">
+            <a:avLst/>
+          </a:prstGeom>
+        </p:spPr>
+      </p:pic>
+      <p:pic>
+        <p:nvPicPr>
+          <p:cNvPr id="27" name="그림 26">
+            <a:extLst>
+              <a:ext uri="{FF2B5EF4-FFF2-40B4-BE49-F238E27FC236}">
+                <a16:creationId xmlns:a16="http://schemas.microsoft.com/office/drawing/2014/main" id="{5E9B27B5-6CBC-394E-6287-D2B0D931E509}"/>
+              </a:ext>
+            </a:extLst>
+          </p:cNvPr>
+          <p:cNvPicPr>
+            <a:picLocks noChangeAspect="1"/>
+          </p:cNvPicPr>
+          <p:nvPr/>
+        </p:nvPicPr>
+        <p:blipFill>
+          <a:blip r:embed="rId7"/>
+          <a:stretch>
+            <a:fillRect/>
+          </a:stretch>
+        </p:blipFill>
+        <p:spPr>
+          <a:xfrm>
+            <a:off x="7858890" y="2364068"/>
+            <a:ext cx="461326" cy="461326"/>
+          </a:xfrm>
+          <a:prstGeom prst="rect">
+            <a:avLst/>
+          </a:prstGeom>
+        </p:spPr>
+      </p:pic>
+      <p:sp>
+        <p:nvSpPr>
+          <p:cNvPr id="28" name="제목 1">
+            <a:extLst>
+              <a:ext uri="{FF2B5EF4-FFF2-40B4-BE49-F238E27FC236}">
+                <a16:creationId xmlns:a16="http://schemas.microsoft.com/office/drawing/2014/main" id="{D296726A-F03D-3D43-3444-11996D685CB9}"/>
+              </a:ext>
+            </a:extLst>
+          </p:cNvPr>
+          <p:cNvSpPr txBox="1">
+            <a:spLocks/>
+          </p:cNvSpPr>
+          <p:nvPr/>
+        </p:nvSpPr>
+        <p:spPr>
+          <a:xfrm>
+            <a:off x="6901552" y="2411632"/>
+            <a:ext cx="967879" cy="387771"/>
+          </a:xfrm>
+          <a:prstGeom prst="rect">
+            <a:avLst/>
+          </a:prstGeom>
+        </p:spPr>
+        <p:txBody>
+          <a:bodyPr vert="horz" lIns="91440" tIns="45720" rIns="91440" bIns="45720" rtlCol="0" anchor="ctr">
+            <a:normAutofit/>
+          </a:bodyPr>
+          <a:lstStyle>
+            <a:lvl1pPr algn="l" defTabSz="914400" rtl="0" eaLnBrk="1" latinLnBrk="1" hangingPunct="1">
+              <a:lnSpc>
+                <a:spcPct val="90000"/>
+              </a:lnSpc>
+              <a:spcBef>
+                <a:spcPct val="0"/>
+              </a:spcBef>
+              <a:buNone/>
+              <a:defRPr sz="4400" kern="1200">
+                <a:solidFill>
+                  <a:schemeClr val="tx1"/>
+                </a:solidFill>
+                <a:latin typeface="+mj-lt"/>
+                <a:ea typeface="+mj-ea"/>
+                <a:cs typeface="+mj-cs"/>
+              </a:defRPr>
+            </a:lvl1pPr>
+          </a:lstStyle>
+          <a:p>
+            <a:pPr algn="ctr"/>
+            <a:r>
+              <a:rPr kumimoji="1" lang="en-US" altLang="ko-KR" sz="900" b="1" dirty="0">
+                <a:latin typeface="KoPubWorldDotum Bold" pitchFamily="2" charset="-127"/>
+                <a:ea typeface="KoPubWorldDotum Bold" pitchFamily="2" charset="-127"/>
+                <a:cs typeface="KoPubWorldDotum Bold" pitchFamily="2" charset="-127"/>
+              </a:rPr>
+              <a:t>API Gateway</a:t>
+            </a:r>
+          </a:p>
+          <a:p>
+            <a:pPr algn="ctr"/>
+            <a:r>
+              <a:rPr kumimoji="1" lang="en-US" altLang="ko-KR" sz="900" b="1" dirty="0">
+                <a:latin typeface="KoPubWorldDotum Bold" pitchFamily="2" charset="-127"/>
+                <a:ea typeface="KoPubWorldDotum Bold" pitchFamily="2" charset="-127"/>
+                <a:cs typeface="KoPubWorldDotum Bold" pitchFamily="2" charset="-127"/>
+              </a:rPr>
+              <a:t>(REST)</a:t>
+            </a:r>
+            <a:endParaRPr kumimoji="1" lang="ko-KR" altLang="en-US" sz="900" b="1" dirty="0">
+              <a:latin typeface="KoPubWorldDotum Bold" pitchFamily="2" charset="-127"/>
+              <a:ea typeface="KoPubWorldDotum Bold" pitchFamily="2" charset="-127"/>
+              <a:cs typeface="KoPubWorldDotum Bold" pitchFamily="2" charset="-127"/>
+            </a:endParaRPr>
+          </a:p>
+        </p:txBody>
+      </p:sp>
+      <p:sp>
+        <p:nvSpPr>
+          <p:cNvPr id="51" name="처리 50">
+            <a:extLst>
+              <a:ext uri="{FF2B5EF4-FFF2-40B4-BE49-F238E27FC236}">
+                <a16:creationId xmlns:a16="http://schemas.microsoft.com/office/drawing/2014/main" id="{D5CCB231-067F-48EF-1DA6-844DE8F5BCC5}"/>
+              </a:ext>
+            </a:extLst>
+          </p:cNvPr>
+          <p:cNvSpPr/>
+          <p:nvPr/>
+        </p:nvSpPr>
+        <p:spPr>
+          <a:xfrm>
+            <a:off x="7897958" y="4723094"/>
+            <a:ext cx="1241157" cy="245334"/>
+          </a:xfrm>
+          <a:prstGeom prst="flowChartProcess">
+            <a:avLst/>
+          </a:prstGeom>
+          <a:solidFill>
+            <a:schemeClr val="accent1"/>
+          </a:solidFill>
+          <a:ln>
+            <a:noFill/>
+          </a:ln>
+        </p:spPr>
+        <p:style>
+          <a:lnRef idx="2">
+            <a:schemeClr val="accent1">
+              <a:shade val="15000"/>
+            </a:schemeClr>
+          </a:lnRef>
+          <a:fillRef idx="1">
+            <a:schemeClr val="accent1"/>
+          </a:fillRef>
+          <a:effectRef idx="0">
+            <a:schemeClr val="accent1"/>
+          </a:effectRef>
+          <a:fontRef idx="minor">
+            <a:schemeClr val="lt1"/>
+          </a:fontRef>
+        </p:style>
+        <p:txBody>
+          <a:bodyPr rtlCol="0" anchor="ctr"/>
+          <a:lstStyle/>
+          <a:p>
+            <a:pPr algn="ctr"/>
+            <a:r>
+              <a:rPr kumimoji="1" lang="en-US" altLang="ko-KR" sz="900" b="1" dirty="0" err="1">
+                <a:latin typeface="KoPubWorldDotum Bold" pitchFamily="2" charset="-127"/>
+                <a:ea typeface="KoPubWorldDotum Bold" pitchFamily="2" charset="-127"/>
+                <a:cs typeface="KoPubWorldDotum Bold" pitchFamily="2" charset="-127"/>
+              </a:rPr>
+              <a:t>UserInfo</a:t>
+            </a:r>
+            <a:endParaRPr kumimoji="1" lang="ko-KR" altLang="en-US" sz="900" b="1" dirty="0">
+              <a:latin typeface="KoPubWorldDotum Bold" pitchFamily="2" charset="-127"/>
+              <a:ea typeface="KoPubWorldDotum Bold" pitchFamily="2" charset="-127"/>
+              <a:cs typeface="KoPubWorldDotum Bold" pitchFamily="2" charset="-127"/>
+            </a:endParaRPr>
+          </a:p>
+        </p:txBody>
+      </p:sp>
+      <p:cxnSp>
+        <p:nvCxnSpPr>
+          <p:cNvPr id="1051" name="꺾인 연결선[E] 1050">
+            <a:extLst>
+              <a:ext uri="{FF2B5EF4-FFF2-40B4-BE49-F238E27FC236}">
+                <a16:creationId xmlns:a16="http://schemas.microsoft.com/office/drawing/2014/main" id="{EE4C1F8E-28A7-6EB0-4D78-4CF29404DD93}"/>
+              </a:ext>
+            </a:extLst>
+          </p:cNvPr>
+          <p:cNvCxnSpPr>
+            <a:cxnSpLocks/>
+            <a:stCxn id="24" idx="0"/>
+            <a:endCxn id="31" idx="2"/>
+          </p:cNvCxnSpPr>
+          <p:nvPr/>
+        </p:nvCxnSpPr>
+        <p:spPr>
+          <a:xfrm rot="5400000" flipH="1" flipV="1">
+            <a:off x="5276890" y="1744829"/>
+            <a:ext cx="928951" cy="318453"/>
+          </a:xfrm>
+          <a:prstGeom prst="bentConnector3">
+            <a:avLst>
+              <a:gd name="adj1" fmla="val 50000"/>
+            </a:avLst>
+          </a:prstGeom>
+        </p:spPr>
+        <p:style>
+          <a:lnRef idx="2">
+            <a:schemeClr val="accent1"/>
+          </a:lnRef>
+          <a:fillRef idx="0">
+            <a:schemeClr val="accent1"/>
+          </a:fillRef>
+          <a:effectRef idx="1">
+            <a:schemeClr val="accent1"/>
+          </a:effectRef>
+          <a:fontRef idx="minor">
+            <a:schemeClr val="tx1"/>
+          </a:fontRef>
+        </p:style>
+      </p:cxnSp>
+      <p:cxnSp>
+        <p:nvCxnSpPr>
+          <p:cNvPr id="1060" name="꺾인 연결선[E] 1059">
+            <a:extLst>
+              <a:ext uri="{FF2B5EF4-FFF2-40B4-BE49-F238E27FC236}">
+                <a16:creationId xmlns:a16="http://schemas.microsoft.com/office/drawing/2014/main" id="{C2FF751F-B4C6-9279-7E43-8F16622ACDD7}"/>
+              </a:ext>
+            </a:extLst>
+          </p:cNvPr>
+          <p:cNvCxnSpPr>
+            <a:cxnSpLocks/>
+            <a:stCxn id="57" idx="0"/>
+            <a:endCxn id="31" idx="2"/>
+          </p:cNvCxnSpPr>
+          <p:nvPr/>
+        </p:nvCxnSpPr>
+        <p:spPr>
+          <a:xfrm rot="5400000" flipH="1" flipV="1">
+            <a:off x="4026176" y="489652"/>
+            <a:ext cx="924489" cy="2824344"/>
+          </a:xfrm>
+          <a:prstGeom prst="bentConnector3">
+            <a:avLst>
+              <a:gd name="adj1" fmla="val 50000"/>
+            </a:avLst>
+          </a:prstGeom>
+        </p:spPr>
+        <p:style>
+          <a:lnRef idx="2">
+            <a:schemeClr val="accent1"/>
+          </a:lnRef>
+          <a:fillRef idx="0">
+            <a:schemeClr val="accent1"/>
+          </a:fillRef>
+          <a:effectRef idx="1">
+            <a:schemeClr val="accent1"/>
+          </a:effectRef>
+          <a:fontRef idx="minor">
+            <a:schemeClr val="tx1"/>
+          </a:fontRef>
+        </p:style>
+      </p:cxnSp>
+      <p:sp>
+        <p:nvSpPr>
+          <p:cNvPr id="7" name="처리 6">
+            <a:extLst>
+              <a:ext uri="{FF2B5EF4-FFF2-40B4-BE49-F238E27FC236}">
+                <a16:creationId xmlns:a16="http://schemas.microsoft.com/office/drawing/2014/main" id="{2F58B189-C692-A414-8EA3-4589E9AFC6A9}"/>
+              </a:ext>
+            </a:extLst>
+          </p:cNvPr>
+          <p:cNvSpPr/>
+          <p:nvPr/>
+        </p:nvSpPr>
+        <p:spPr>
+          <a:xfrm>
+            <a:off x="2467534" y="4242398"/>
+            <a:ext cx="1203109" cy="243942"/>
+          </a:xfrm>
+          <a:prstGeom prst="flowChartProcess">
+            <a:avLst/>
+          </a:prstGeom>
+          <a:solidFill>
+            <a:schemeClr val="accent1"/>
+          </a:solidFill>
+          <a:ln>
+            <a:noFill/>
+          </a:ln>
+        </p:spPr>
+        <p:style>
+          <a:lnRef idx="2">
+            <a:schemeClr val="accent1">
+              <a:shade val="15000"/>
+            </a:schemeClr>
+          </a:lnRef>
+          <a:fillRef idx="1">
+            <a:schemeClr val="accent1"/>
+          </a:fillRef>
+          <a:effectRef idx="0">
+            <a:schemeClr val="accent1"/>
+          </a:effectRef>
+          <a:fontRef idx="minor">
+            <a:schemeClr val="lt1"/>
+          </a:fontRef>
+        </p:style>
+        <p:txBody>
+          <a:bodyPr rtlCol="0" anchor="ctr"/>
+          <a:lstStyle/>
+          <a:p>
+            <a:pPr algn="ctr"/>
+            <a:r>
+              <a:rPr kumimoji="1" lang="en-US" altLang="ko-KR" sz="900" b="1" dirty="0" err="1">
+                <a:latin typeface="KoPubWorldDotum Bold" pitchFamily="2" charset="-127"/>
+                <a:ea typeface="KoPubWorldDotum Bold" pitchFamily="2" charset="-127"/>
+                <a:cs typeface="KoPubWorldDotum Bold" pitchFamily="2" charset="-127"/>
+              </a:rPr>
+              <a:t>GetSessionMsg</a:t>
+            </a:r>
+            <a:endParaRPr kumimoji="1" lang="ko-KR" altLang="en-US" sz="900" b="1" dirty="0">
+              <a:latin typeface="KoPubWorldDotum Bold" pitchFamily="2" charset="-127"/>
+              <a:ea typeface="KoPubWorldDotum Bold" pitchFamily="2" charset="-127"/>
+              <a:cs typeface="KoPubWorldDotum Bold" pitchFamily="2" charset="-127"/>
+            </a:endParaRPr>
+          </a:p>
+        </p:txBody>
+      </p:sp>
+      <p:cxnSp>
+        <p:nvCxnSpPr>
+          <p:cNvPr id="1241" name="꺾인 연결선[E] 1240">
+            <a:extLst>
+              <a:ext uri="{FF2B5EF4-FFF2-40B4-BE49-F238E27FC236}">
+                <a16:creationId xmlns:a16="http://schemas.microsoft.com/office/drawing/2014/main" id="{D2154CFE-A159-563B-555A-EFE3D7DFF0E8}"/>
+              </a:ext>
+            </a:extLst>
+          </p:cNvPr>
+          <p:cNvCxnSpPr>
+            <a:cxnSpLocks/>
+            <a:stCxn id="27" idx="0"/>
+            <a:endCxn id="31" idx="2"/>
+          </p:cNvCxnSpPr>
+          <p:nvPr/>
+        </p:nvCxnSpPr>
+        <p:spPr>
+          <a:xfrm rot="16200000" flipV="1">
+            <a:off x="6532829" y="807343"/>
+            <a:ext cx="924489" cy="2188961"/>
+          </a:xfrm>
+          <a:prstGeom prst="bentConnector3">
+            <a:avLst>
+              <a:gd name="adj1" fmla="val 50000"/>
+            </a:avLst>
+          </a:prstGeom>
+        </p:spPr>
+        <p:style>
+          <a:lnRef idx="2">
+            <a:schemeClr val="accent1"/>
+          </a:lnRef>
+          <a:fillRef idx="0">
+            <a:schemeClr val="accent1"/>
+          </a:fillRef>
+          <a:effectRef idx="1">
+            <a:schemeClr val="accent1"/>
+          </a:effectRef>
+          <a:fontRef idx="minor">
+            <a:schemeClr val="tx1"/>
+          </a:fontRef>
+        </p:style>
+      </p:cxnSp>
+      <p:cxnSp>
+        <p:nvCxnSpPr>
+          <p:cNvPr id="1266" name="직선 화살표 연결선 1265">
+            <a:extLst>
+              <a:ext uri="{FF2B5EF4-FFF2-40B4-BE49-F238E27FC236}">
+                <a16:creationId xmlns:a16="http://schemas.microsoft.com/office/drawing/2014/main" id="{35C7AA75-6D3C-158F-D9A2-28D83FC3B848}"/>
+              </a:ext>
+            </a:extLst>
+          </p:cNvPr>
+          <p:cNvCxnSpPr>
+            <a:cxnSpLocks/>
+            <a:stCxn id="53" idx="1"/>
+          </p:cNvCxnSpPr>
+          <p:nvPr/>
+        </p:nvCxnSpPr>
+        <p:spPr>
+          <a:xfrm flipH="1">
+            <a:off x="8089552" y="3620510"/>
+            <a:ext cx="1187362" cy="0"/>
+          </a:xfrm>
+          <a:prstGeom prst="straightConnector1">
+            <a:avLst/>
+          </a:prstGeom>
+          <a:ln>
+            <a:headEnd type="none" w="med" len="med"/>
+            <a:tailEnd type="none" w="med" len="med"/>
+          </a:ln>
+        </p:spPr>
+        <p:style>
+          <a:lnRef idx="2">
+            <a:schemeClr val="accent1"/>
+          </a:lnRef>
+          <a:fillRef idx="0">
+            <a:schemeClr val="accent1"/>
+          </a:fillRef>
+          <a:effectRef idx="1">
+            <a:schemeClr val="accent1"/>
+          </a:effectRef>
+          <a:fontRef idx="minor">
+            <a:schemeClr val="tx1"/>
+          </a:fontRef>
+        </p:style>
+      </p:cxnSp>
+      <p:sp>
+        <p:nvSpPr>
+          <p:cNvPr id="1281" name="제목 1">
+            <a:extLst>
+              <a:ext uri="{FF2B5EF4-FFF2-40B4-BE49-F238E27FC236}">
+                <a16:creationId xmlns:a16="http://schemas.microsoft.com/office/drawing/2014/main" id="{FF0CFD82-8918-EA6B-8C9A-567BD293F0F1}"/>
+              </a:ext>
+            </a:extLst>
+          </p:cNvPr>
+          <p:cNvSpPr txBox="1">
+            <a:spLocks/>
+          </p:cNvSpPr>
+          <p:nvPr/>
+        </p:nvSpPr>
+        <p:spPr>
+          <a:xfrm>
+            <a:off x="3839956" y="5799678"/>
+            <a:ext cx="739201" cy="267998"/>
+          </a:xfrm>
+          <a:prstGeom prst="rect">
+            <a:avLst/>
+          </a:prstGeom>
+        </p:spPr>
+        <p:txBody>
+          <a:bodyPr vert="horz" lIns="91440" tIns="45720" rIns="91440" bIns="45720" rtlCol="0" anchor="ctr">
+            <a:normAutofit/>
+          </a:bodyPr>
+          <a:lstStyle>
+            <a:lvl1pPr algn="l" defTabSz="914400" rtl="0" eaLnBrk="1" latinLnBrk="1" hangingPunct="1">
+              <a:lnSpc>
+                <a:spcPct val="90000"/>
+              </a:lnSpc>
+              <a:spcBef>
+                <a:spcPct val="0"/>
+              </a:spcBef>
+              <a:buNone/>
+              <a:defRPr sz="4400" kern="1200">
+                <a:solidFill>
+                  <a:schemeClr val="tx1"/>
+                </a:solidFill>
+                <a:latin typeface="+mj-lt"/>
+                <a:ea typeface="+mj-ea"/>
+                <a:cs typeface="+mj-cs"/>
+              </a:defRPr>
+            </a:lvl1pPr>
+          </a:lstStyle>
+          <a:p>
+            <a:pPr algn="ctr"/>
+            <a:r>
+              <a:rPr kumimoji="1" lang="en-US" altLang="ko-KR" sz="900" b="1" dirty="0">
+                <a:latin typeface="KoPubWorldDotum Bold" pitchFamily="2" charset="-127"/>
+                <a:ea typeface="KoPubWorldDotum Bold" pitchFamily="2" charset="-127"/>
+                <a:cs typeface="KoPubWorldDotum Bold" pitchFamily="2" charset="-127"/>
+              </a:rPr>
+              <a:t>Lambda</a:t>
+            </a:r>
+            <a:endParaRPr kumimoji="1" lang="ko-KR" altLang="en-US" sz="900" b="1" dirty="0">
+              <a:latin typeface="KoPubWorldDotum Bold" pitchFamily="2" charset="-127"/>
+              <a:ea typeface="KoPubWorldDotum Bold" pitchFamily="2" charset="-127"/>
+              <a:cs typeface="KoPubWorldDotum Bold" pitchFamily="2" charset="-127"/>
+            </a:endParaRPr>
+          </a:p>
+        </p:txBody>
+      </p:sp>
+      <p:pic>
+        <p:nvPicPr>
+          <p:cNvPr id="1282" name="그림 1281">
+            <a:extLst>
+              <a:ext uri="{FF2B5EF4-FFF2-40B4-BE49-F238E27FC236}">
+                <a16:creationId xmlns:a16="http://schemas.microsoft.com/office/drawing/2014/main" id="{BBAFE351-B01F-24A6-C4B5-4A2B5D666E94}"/>
+              </a:ext>
+            </a:extLst>
+          </p:cNvPr>
+          <p:cNvPicPr>
+            <a:picLocks noChangeAspect="1"/>
+          </p:cNvPicPr>
+          <p:nvPr/>
+        </p:nvPicPr>
+        <p:blipFill>
+          <a:blip r:embed="rId15"/>
+          <a:stretch>
+            <a:fillRect/>
+          </a:stretch>
+        </p:blipFill>
+        <p:spPr>
+          <a:xfrm>
+            <a:off x="3967453" y="5304202"/>
+            <a:ext cx="462142" cy="462142"/>
+          </a:xfrm>
+          <a:prstGeom prst="rect">
+            <a:avLst/>
+          </a:prstGeom>
+        </p:spPr>
+      </p:pic>
+      <p:cxnSp>
+        <p:nvCxnSpPr>
+          <p:cNvPr id="1309" name="꺾인 연결선[E] 1308">
+            <a:extLst>
+              <a:ext uri="{FF2B5EF4-FFF2-40B4-BE49-F238E27FC236}">
+                <a16:creationId xmlns:a16="http://schemas.microsoft.com/office/drawing/2014/main" id="{687C4D7D-A794-02AD-B474-FE2357E60152}"/>
+              </a:ext>
+            </a:extLst>
+          </p:cNvPr>
+          <p:cNvCxnSpPr>
+            <a:cxnSpLocks/>
+            <a:stCxn id="51" idx="1"/>
+            <a:endCxn id="27" idx="2"/>
+          </p:cNvCxnSpPr>
+          <p:nvPr/>
+        </p:nvCxnSpPr>
+        <p:spPr>
+          <a:xfrm rot="10800000" flipH="1">
+            <a:off x="7897957" y="2825395"/>
+            <a:ext cx="191595" cy="2020367"/>
+          </a:xfrm>
+          <a:prstGeom prst="bentConnector4">
+            <a:avLst>
+              <a:gd name="adj1" fmla="val -119314"/>
+              <a:gd name="adj2" fmla="val 53036"/>
+            </a:avLst>
+          </a:prstGeom>
+        </p:spPr>
+        <p:style>
+          <a:lnRef idx="2">
+            <a:schemeClr val="accent1"/>
+          </a:lnRef>
+          <a:fillRef idx="0">
+            <a:schemeClr val="accent1"/>
+          </a:fillRef>
+          <a:effectRef idx="1">
+            <a:schemeClr val="accent1"/>
+          </a:effectRef>
+          <a:fontRef idx="minor">
+            <a:schemeClr val="tx1"/>
+          </a:fontRef>
+        </p:style>
+      </p:cxnSp>
+      <p:cxnSp>
+        <p:nvCxnSpPr>
+          <p:cNvPr id="1330" name="직선 화살표 연결선 1329">
+            <a:extLst>
+              <a:ext uri="{FF2B5EF4-FFF2-40B4-BE49-F238E27FC236}">
+                <a16:creationId xmlns:a16="http://schemas.microsoft.com/office/drawing/2014/main" id="{0A4AD28A-ABAF-7706-8237-ECA08EB7CE5B}"/>
+              </a:ext>
+            </a:extLst>
+          </p:cNvPr>
+          <p:cNvCxnSpPr>
+            <a:cxnSpLocks/>
+          </p:cNvCxnSpPr>
+          <p:nvPr/>
+        </p:nvCxnSpPr>
+        <p:spPr>
+          <a:xfrm flipH="1">
+            <a:off x="540925" y="11601513"/>
+            <a:ext cx="11198699" cy="0"/>
+          </a:xfrm>
+          <a:prstGeom prst="straightConnector1">
+            <a:avLst/>
+          </a:prstGeom>
+          <a:ln>
+            <a:solidFill>
+              <a:srgbClr val="FF0000"/>
+            </a:solidFill>
+            <a:headEnd type="none" w="med" len="med"/>
+            <a:tailEnd type="none" w="med" len="med"/>
+          </a:ln>
+        </p:spPr>
+        <p:style>
+          <a:lnRef idx="2">
+            <a:schemeClr val="accent1"/>
+          </a:lnRef>
+          <a:fillRef idx="0">
+            <a:schemeClr val="accent1"/>
+          </a:fillRef>
+          <a:effectRef idx="1">
+            <a:schemeClr val="accent1"/>
+          </a:effectRef>
+          <a:fontRef idx="minor">
+            <a:schemeClr val="tx1"/>
+          </a:fontRef>
+        </p:style>
+      </p:cxnSp>
+      <p:pic>
+        <p:nvPicPr>
+          <p:cNvPr id="23" name="그림 22">
+            <a:extLst>
+              <a:ext uri="{FF2B5EF4-FFF2-40B4-BE49-F238E27FC236}">
+                <a16:creationId xmlns:a16="http://schemas.microsoft.com/office/drawing/2014/main" id="{AC4A61BD-7967-6BC8-24DA-796154C8C30C}"/>
+              </a:ext>
+            </a:extLst>
+          </p:cNvPr>
+          <p:cNvPicPr>
+            <a:picLocks noChangeAspect="1"/>
+          </p:cNvPicPr>
+          <p:nvPr/>
+        </p:nvPicPr>
+        <p:blipFill>
+          <a:blip r:embed="rId16"/>
+          <a:stretch>
+            <a:fillRect/>
+          </a:stretch>
+        </p:blipFill>
+        <p:spPr>
+          <a:xfrm>
+            <a:off x="3963978" y="9109903"/>
+            <a:ext cx="465430" cy="465430"/>
+          </a:xfrm>
+          <a:prstGeom prst="rect">
+            <a:avLst/>
+          </a:prstGeom>
+        </p:spPr>
+      </p:pic>
+      <p:pic>
+        <p:nvPicPr>
+          <p:cNvPr id="14" name="그림 13">
+            <a:extLst>
+              <a:ext uri="{FF2B5EF4-FFF2-40B4-BE49-F238E27FC236}">
+                <a16:creationId xmlns:a16="http://schemas.microsoft.com/office/drawing/2014/main" id="{71DBA4B4-25A0-5D0D-19A2-D02C50ACB8D0}"/>
+              </a:ext>
+            </a:extLst>
+          </p:cNvPr>
+          <p:cNvPicPr>
+            <a:picLocks noChangeAspect="1"/>
+          </p:cNvPicPr>
+          <p:nvPr/>
+        </p:nvPicPr>
+        <p:blipFill>
+          <a:blip r:embed="rId17"/>
+          <a:stretch>
+            <a:fillRect/>
+          </a:stretch>
+        </p:blipFill>
+        <p:spPr>
+          <a:xfrm>
+            <a:off x="9174962" y="650410"/>
+            <a:ext cx="461326" cy="461326"/>
+          </a:xfrm>
+          <a:prstGeom prst="rect">
+            <a:avLst/>
+          </a:prstGeom>
+        </p:spPr>
+      </p:pic>
+      <p:sp>
+        <p:nvSpPr>
+          <p:cNvPr id="47" name="제목 1">
+            <a:extLst>
+              <a:ext uri="{FF2B5EF4-FFF2-40B4-BE49-F238E27FC236}">
+                <a16:creationId xmlns:a16="http://schemas.microsoft.com/office/drawing/2014/main" id="{BA6437DA-1E87-2A60-6AEA-1DCAC8B6D3C7}"/>
+              </a:ext>
+            </a:extLst>
+          </p:cNvPr>
+          <p:cNvSpPr txBox="1">
+            <a:spLocks/>
+          </p:cNvSpPr>
+          <p:nvPr/>
+        </p:nvSpPr>
+        <p:spPr>
+          <a:xfrm>
+            <a:off x="8748539" y="1119650"/>
+            <a:ext cx="1314173" cy="267998"/>
+          </a:xfrm>
+          <a:prstGeom prst="rect">
+            <a:avLst/>
+          </a:prstGeom>
+        </p:spPr>
+        <p:txBody>
+          <a:bodyPr vert="horz" lIns="91440" tIns="45720" rIns="91440" bIns="45720" rtlCol="0" anchor="ctr">
+            <a:normAutofit/>
+          </a:bodyPr>
+          <a:lstStyle>
+            <a:lvl1pPr algn="l" defTabSz="914400" rtl="0" eaLnBrk="1" latinLnBrk="1" hangingPunct="1">
+              <a:lnSpc>
+                <a:spcPct val="90000"/>
+              </a:lnSpc>
+              <a:spcBef>
+                <a:spcPct val="0"/>
+              </a:spcBef>
+              <a:buNone/>
+              <a:defRPr sz="4400" kern="1200">
+                <a:solidFill>
+                  <a:schemeClr val="tx1"/>
+                </a:solidFill>
+                <a:latin typeface="+mj-lt"/>
+                <a:ea typeface="+mj-ea"/>
+                <a:cs typeface="+mj-cs"/>
+              </a:defRPr>
+            </a:lvl1pPr>
+          </a:lstStyle>
+          <a:p>
+            <a:pPr algn="ctr"/>
+            <a:r>
+              <a:rPr kumimoji="1" lang="en-US" altLang="ko-KR" sz="900" b="1" dirty="0">
+                <a:latin typeface="KoPubWorldDotum Bold" pitchFamily="2" charset="-127"/>
+                <a:ea typeface="KoPubWorldDotum Bold" pitchFamily="2" charset="-127"/>
+                <a:cs typeface="KoPubWorldDotum Bold" pitchFamily="2" charset="-127"/>
+              </a:rPr>
+              <a:t>SSM Parameter Store</a:t>
+            </a:r>
+          </a:p>
+        </p:txBody>
+      </p:sp>
+      <p:cxnSp>
+        <p:nvCxnSpPr>
+          <p:cNvPr id="1079" name="직선 화살표 연결선 1078">
+            <a:extLst>
+              <a:ext uri="{FF2B5EF4-FFF2-40B4-BE49-F238E27FC236}">
+                <a16:creationId xmlns:a16="http://schemas.microsoft.com/office/drawing/2014/main" id="{9CF04B74-8B16-40A4-2199-CE6A131D7B71}"/>
+              </a:ext>
+            </a:extLst>
+          </p:cNvPr>
+          <p:cNvCxnSpPr>
+            <a:cxnSpLocks/>
+            <a:stCxn id="17" idx="0"/>
+            <a:endCxn id="4" idx="2"/>
+          </p:cNvCxnSpPr>
+          <p:nvPr/>
+        </p:nvCxnSpPr>
+        <p:spPr>
+          <a:xfrm flipV="1">
+            <a:off x="2292349" y="7686536"/>
+            <a:ext cx="2088" cy="235244"/>
+          </a:xfrm>
+          <a:prstGeom prst="straightConnector1">
+            <a:avLst/>
+          </a:prstGeom>
+          <a:ln>
+            <a:headEnd type="none" w="med" len="med"/>
+            <a:tailEnd type="none" w="med" len="med"/>
+          </a:ln>
+        </p:spPr>
+        <p:style>
+          <a:lnRef idx="2">
+            <a:schemeClr val="accent1"/>
+          </a:lnRef>
+          <a:fillRef idx="0">
+            <a:schemeClr val="accent1"/>
+          </a:fillRef>
+          <a:effectRef idx="1">
+            <a:schemeClr val="accent1"/>
+          </a:effectRef>
+          <a:fontRef idx="minor">
+            <a:schemeClr val="tx1"/>
+          </a:fontRef>
+        </p:style>
+      </p:cxnSp>
+      <p:cxnSp>
+        <p:nvCxnSpPr>
+          <p:cNvPr id="1081" name="직선 화살표 연결선 1080">
+            <a:extLst>
+              <a:ext uri="{FF2B5EF4-FFF2-40B4-BE49-F238E27FC236}">
+                <a16:creationId xmlns:a16="http://schemas.microsoft.com/office/drawing/2014/main" id="{499FAE31-E5A4-C799-5C85-5B36664045FB}"/>
+              </a:ext>
+            </a:extLst>
+          </p:cNvPr>
+          <p:cNvCxnSpPr>
+            <a:cxnSpLocks/>
+            <a:stCxn id="13" idx="0"/>
+            <a:endCxn id="6" idx="2"/>
+          </p:cNvCxnSpPr>
+          <p:nvPr/>
+        </p:nvCxnSpPr>
+        <p:spPr>
+          <a:xfrm flipV="1">
+            <a:off x="4210775" y="7697469"/>
+            <a:ext cx="725" cy="199812"/>
+          </a:xfrm>
+          <a:prstGeom prst="straightConnector1">
+            <a:avLst/>
+          </a:prstGeom>
+          <a:ln>
+            <a:headEnd type="none" w="med" len="med"/>
+            <a:tailEnd type="none" w="med" len="med"/>
+          </a:ln>
+        </p:spPr>
+        <p:style>
+          <a:lnRef idx="2">
+            <a:schemeClr val="accent1"/>
+          </a:lnRef>
+          <a:fillRef idx="0">
+            <a:schemeClr val="accent1"/>
+          </a:fillRef>
+          <a:effectRef idx="1">
+            <a:schemeClr val="accent1"/>
+          </a:effectRef>
+          <a:fontRef idx="minor">
+            <a:schemeClr val="tx1"/>
+          </a:fontRef>
+        </p:style>
+      </p:cxnSp>
+      <p:sp>
+        <p:nvSpPr>
+          <p:cNvPr id="1217" name="제목 1">
+            <a:extLst>
+              <a:ext uri="{FF2B5EF4-FFF2-40B4-BE49-F238E27FC236}">
+                <a16:creationId xmlns:a16="http://schemas.microsoft.com/office/drawing/2014/main" id="{9DFD3D5D-CDEB-B859-0DFB-9E92EE6AA8C9}"/>
+              </a:ext>
+            </a:extLst>
+          </p:cNvPr>
+          <p:cNvSpPr txBox="1">
+            <a:spLocks/>
+          </p:cNvSpPr>
+          <p:nvPr/>
+        </p:nvSpPr>
+        <p:spPr>
+          <a:xfrm>
+            <a:off x="3752647" y="9581818"/>
+            <a:ext cx="869150" cy="267998"/>
+          </a:xfrm>
+          <a:prstGeom prst="rect">
+            <a:avLst/>
+          </a:prstGeom>
+        </p:spPr>
+        <p:txBody>
+          <a:bodyPr vert="horz" lIns="91440" tIns="45720" rIns="91440" bIns="45720" rtlCol="0" anchor="ctr">
+            <a:normAutofit/>
+          </a:bodyPr>
+          <a:lstStyle>
+            <a:lvl1pPr algn="l" defTabSz="914400" rtl="0" eaLnBrk="1" latinLnBrk="1" hangingPunct="1">
+              <a:lnSpc>
+                <a:spcPct val="90000"/>
+              </a:lnSpc>
+              <a:spcBef>
+                <a:spcPct val="0"/>
+              </a:spcBef>
+              <a:buNone/>
+              <a:defRPr sz="4400" kern="1200">
+                <a:solidFill>
+                  <a:schemeClr val="tx1"/>
+                </a:solidFill>
+                <a:latin typeface="+mj-lt"/>
+                <a:ea typeface="+mj-ea"/>
+                <a:cs typeface="+mj-cs"/>
+              </a:defRPr>
+            </a:lvl1pPr>
+          </a:lstStyle>
+          <a:p>
+            <a:pPr algn="ctr"/>
+            <a:r>
+              <a:rPr kumimoji="1" lang="en-US" altLang="ko-KR" sz="900" b="1" dirty="0">
+                <a:latin typeface="KoPubWorldDotum Bold" pitchFamily="2" charset="-127"/>
+                <a:ea typeface="KoPubWorldDotum Bold" pitchFamily="2" charset="-127"/>
+                <a:cs typeface="KoPubWorldDotum Bold" pitchFamily="2" charset="-127"/>
+              </a:rPr>
+              <a:t>RDS</a:t>
+            </a:r>
+            <a:endParaRPr kumimoji="1" lang="ko-KR" altLang="en-US" sz="900" b="1" dirty="0">
+              <a:latin typeface="KoPubWorldDotum Bold" pitchFamily="2" charset="-127"/>
+              <a:ea typeface="KoPubWorldDotum Bold" pitchFamily="2" charset="-127"/>
+              <a:cs typeface="KoPubWorldDotum Bold" pitchFamily="2" charset="-127"/>
+            </a:endParaRPr>
+          </a:p>
+        </p:txBody>
+      </p:sp>
+      <p:cxnSp>
+        <p:nvCxnSpPr>
+          <p:cNvPr id="1240" name="직선 화살표 연결선 1239">
+            <a:extLst>
+              <a:ext uri="{FF2B5EF4-FFF2-40B4-BE49-F238E27FC236}">
+                <a16:creationId xmlns:a16="http://schemas.microsoft.com/office/drawing/2014/main" id="{E1B90D06-F049-546C-298B-12F359379916}"/>
+              </a:ext>
+            </a:extLst>
+          </p:cNvPr>
+          <p:cNvCxnSpPr>
+            <a:cxnSpLocks/>
+            <a:stCxn id="8" idx="2"/>
+            <a:endCxn id="23" idx="0"/>
+          </p:cNvCxnSpPr>
+          <p:nvPr/>
+        </p:nvCxnSpPr>
+        <p:spPr>
+          <a:xfrm flipH="1">
+            <a:off x="4196693" y="8662031"/>
+            <a:ext cx="924" cy="447872"/>
+          </a:xfrm>
+          <a:prstGeom prst="straightConnector1">
+            <a:avLst/>
+          </a:prstGeom>
+          <a:ln>
+            <a:headEnd type="none" w="med" len="med"/>
+            <a:tailEnd type="none" w="med" len="med"/>
+          </a:ln>
+        </p:spPr>
+        <p:style>
+          <a:lnRef idx="2">
+            <a:schemeClr val="accent1"/>
+          </a:lnRef>
+          <a:fillRef idx="0">
+            <a:schemeClr val="accent1"/>
+          </a:fillRef>
+          <a:effectRef idx="1">
+            <a:schemeClr val="accent1"/>
+          </a:effectRef>
+          <a:fontRef idx="minor">
+            <a:schemeClr val="tx1"/>
+          </a:fontRef>
+        </p:style>
+      </p:cxnSp>
+      <p:cxnSp>
+        <p:nvCxnSpPr>
+          <p:cNvPr id="1246" name="직선 화살표 연결선 1245">
+            <a:extLst>
+              <a:ext uri="{FF2B5EF4-FFF2-40B4-BE49-F238E27FC236}">
+                <a16:creationId xmlns:a16="http://schemas.microsoft.com/office/drawing/2014/main" id="{BFD640ED-6644-24DE-0876-E93E5BAACCB5}"/>
+              </a:ext>
+            </a:extLst>
+          </p:cNvPr>
+          <p:cNvCxnSpPr>
+            <a:cxnSpLocks/>
+            <a:stCxn id="1028" idx="1"/>
+            <a:endCxn id="53" idx="3"/>
+          </p:cNvCxnSpPr>
+          <p:nvPr/>
+        </p:nvCxnSpPr>
+        <p:spPr>
+          <a:xfrm flipH="1">
+            <a:off x="9738241" y="3615953"/>
+            <a:ext cx="817387" cy="4557"/>
+          </a:xfrm>
+          <a:prstGeom prst="straightConnector1">
+            <a:avLst/>
+          </a:prstGeom>
+          <a:ln>
+            <a:headEnd type="none" w="med" len="med"/>
+            <a:tailEnd type="none" w="med" len="med"/>
+          </a:ln>
+        </p:spPr>
+        <p:style>
+          <a:lnRef idx="2">
+            <a:schemeClr val="accent1"/>
+          </a:lnRef>
+          <a:fillRef idx="0">
+            <a:schemeClr val="accent1"/>
+          </a:fillRef>
+          <a:effectRef idx="1">
+            <a:schemeClr val="accent1"/>
+          </a:effectRef>
+          <a:fontRef idx="minor">
+            <a:schemeClr val="tx1"/>
+          </a:fontRef>
+        </p:style>
+      </p:cxnSp>
+      <p:pic>
+        <p:nvPicPr>
+          <p:cNvPr id="49" name="그림 48">
+            <a:extLst>
+              <a:ext uri="{FF2B5EF4-FFF2-40B4-BE49-F238E27FC236}">
+                <a16:creationId xmlns:a16="http://schemas.microsoft.com/office/drawing/2014/main" id="{6D309DDB-C7E9-A597-6773-2D20B90C08A9}"/>
+              </a:ext>
+            </a:extLst>
+          </p:cNvPr>
+          <p:cNvPicPr>
+            <a:picLocks noChangeAspect="1"/>
+          </p:cNvPicPr>
+          <p:nvPr/>
+        </p:nvPicPr>
+        <p:blipFill rotWithShape="1">
+          <a:blip r:embed="rId18">
+            <a:duotone>
+              <a:schemeClr val="accent1">
+                <a:shade val="45000"/>
+                <a:satMod val="135000"/>
+              </a:schemeClr>
+              <a:prstClr val="white"/>
+            </a:duotone>
+          </a:blip>
+          <a:srcRect l="15555" t="8281" r="15408" b="21898"/>
+          <a:stretch/>
+        </p:blipFill>
+        <p:spPr>
+          <a:xfrm>
+            <a:off x="4949429" y="811786"/>
+            <a:ext cx="471321" cy="476674"/>
+          </a:xfrm>
+          <a:prstGeom prst="rect">
+            <a:avLst/>
+          </a:prstGeom>
+        </p:spPr>
+      </p:pic>
+      <p:pic>
+        <p:nvPicPr>
+          <p:cNvPr id="54" name="그림 53">
+            <a:extLst>
+              <a:ext uri="{FF2B5EF4-FFF2-40B4-BE49-F238E27FC236}">
+                <a16:creationId xmlns:a16="http://schemas.microsoft.com/office/drawing/2014/main" id="{F33E5A4C-52F1-1E6B-FF9B-30F3F9910BE2}"/>
+              </a:ext>
+            </a:extLst>
+          </p:cNvPr>
+          <p:cNvPicPr>
+            <a:picLocks noChangeAspect="1"/>
+          </p:cNvPicPr>
+          <p:nvPr/>
+        </p:nvPicPr>
+        <p:blipFill rotWithShape="1">
+          <a:blip r:embed="rId19">
+            <a:duotone>
+              <a:schemeClr val="accent1">
+                <a:shade val="45000"/>
+                <a:satMod val="135000"/>
+              </a:schemeClr>
+              <a:prstClr val="white"/>
+            </a:duotone>
+          </a:blip>
+          <a:srcRect l="15128" t="7976" r="15361" b="21421"/>
+          <a:stretch/>
+        </p:blipFill>
+        <p:spPr>
+          <a:xfrm>
+            <a:off x="5620431" y="807583"/>
+            <a:ext cx="472963" cy="480395"/>
+          </a:xfrm>
+          <a:prstGeom prst="rect">
+            <a:avLst/>
+          </a:prstGeom>
+        </p:spPr>
+      </p:pic>
+      <p:pic>
+        <p:nvPicPr>
+          <p:cNvPr id="55" name="그림 54">
+            <a:extLst>
+              <a:ext uri="{FF2B5EF4-FFF2-40B4-BE49-F238E27FC236}">
+                <a16:creationId xmlns:a16="http://schemas.microsoft.com/office/drawing/2014/main" id="{225DE08C-E4D0-F0DF-3CDF-CB415D79D42E}"/>
+              </a:ext>
+            </a:extLst>
+          </p:cNvPr>
+          <p:cNvPicPr>
+            <a:picLocks noChangeAspect="1"/>
+          </p:cNvPicPr>
+          <p:nvPr/>
+        </p:nvPicPr>
+        <p:blipFill rotWithShape="1">
+          <a:blip r:embed="rId20">
+            <a:duotone>
+              <a:schemeClr val="accent1">
+                <a:shade val="45000"/>
+                <a:satMod val="135000"/>
+              </a:schemeClr>
+              <a:prstClr val="white"/>
+            </a:duotone>
+          </a:blip>
+          <a:srcRect l="6507" r="6483" b="14266"/>
+          <a:stretch/>
+        </p:blipFill>
+        <p:spPr>
+          <a:xfrm>
+            <a:off x="6273177" y="796075"/>
+            <a:ext cx="444739" cy="438219"/>
+          </a:xfrm>
+          <a:prstGeom prst="rect">
+            <a:avLst/>
+          </a:prstGeom>
+        </p:spPr>
+      </p:pic>
+    </p:spTree>
+    <p:extLst>
+      <p:ext uri="{BB962C8B-B14F-4D97-AF65-F5344CB8AC3E}">
+        <p14:creationId xmlns:p14="http://schemas.microsoft.com/office/powerpoint/2010/main" val="191943867"/>
       </p:ext>
     </p:extLst>
   </p:cSld>

--- a/documents/개발계획서.pptx
+++ b/documents/개발계획서.pptx
@@ -2,7 +2,7 @@
 <file path=ppt/presentation.xml><?xml version="1.0" encoding="utf-8"?>
 <p:presentation xmlns:a="http://schemas.openxmlformats.org/drawingml/2006/main" xmlns:r="http://schemas.openxmlformats.org/officeDocument/2006/relationships" xmlns:p="http://schemas.openxmlformats.org/presentationml/2006/main" saveSubsetFonts="1" autoCompressPictures="0">
   <p:sldMasterIdLst>
-    <p:sldMasterId id="2147483660" r:id="rId1"/>
+    <p:sldMasterId id="2147483672" r:id="rId1"/>
   </p:sldMasterIdLst>
   <p:notesMasterIdLst>
     <p:notesMasterId r:id="rId13"/>
@@ -20,7 +20,7 @@
     <p:sldId id="276" r:id="rId11"/>
     <p:sldId id="277" r:id="rId12"/>
   </p:sldIdLst>
-  <p:sldSz cx="12192000" cy="12193588"/>
+  <p:sldSz cx="21677313" cy="12193588"/>
   <p:notesSz cx="6858000" cy="9144000"/>
   <p:defaultTextStyle>
     <a:defPPr>
@@ -207,7 +207,7 @@
           <a:p>
             <a:fld id="{9458FFD9-5838-1449-9919-C8A4367C6D0D}" type="datetimeFigureOut">
               <a:rPr kumimoji="1" lang="ko-KR" altLang="en-US" smtClean="0"/>
-              <a:t>2025. 2. 24.</a:t>
+              <a:t>2025. 3. 7.</a:t>
             </a:fld>
             <a:endParaRPr kumimoji="1" lang="ko-KR" altLang="en-US"/>
           </a:p>
@@ -225,8 +225,8 @@
         </p:nvSpPr>
         <p:spPr>
           <a:xfrm>
-            <a:off x="1885950" y="1143000"/>
-            <a:ext cx="3086100" cy="3086100"/>
+            <a:off x="687388" y="1143000"/>
+            <a:ext cx="5483225" cy="3086100"/>
           </a:xfrm>
           <a:prstGeom prst="rect">
             <a:avLst/>
@@ -503,8 +503,8 @@
         </p:nvSpPr>
         <p:spPr>
           <a:xfrm>
-            <a:off x="1885950" y="1143000"/>
-            <a:ext cx="3086100" cy="3086100"/>
+            <a:off x="687388" y="1143000"/>
+            <a:ext cx="5483225" cy="3086100"/>
           </a:xfrm>
         </p:spPr>
       </p:sp>
@@ -592,8 +592,8 @@
         </p:nvSpPr>
         <p:spPr>
           <a:xfrm>
-            <a:off x="1885950" y="1143000"/>
-            <a:ext cx="3086100" cy="3086100"/>
+            <a:off x="687388" y="1143000"/>
+            <a:ext cx="5483225" cy="3086100"/>
           </a:xfrm>
         </p:spPr>
       </p:sp>
@@ -681,8 +681,8 @@
         </p:nvSpPr>
         <p:spPr>
           <a:xfrm>
-            <a:off x="1885950" y="1143000"/>
-            <a:ext cx="3086100" cy="3086100"/>
+            <a:off x="687388" y="1143000"/>
+            <a:ext cx="5483225" cy="3086100"/>
           </a:xfrm>
         </p:spPr>
       </p:sp>
@@ -770,8 +770,8 @@
         </p:nvSpPr>
         <p:spPr>
           <a:xfrm>
-            <a:off x="1885950" y="1143000"/>
-            <a:ext cx="3086100" cy="3086100"/>
+            <a:off x="687388" y="1143000"/>
+            <a:ext cx="5483225" cy="3086100"/>
           </a:xfrm>
         </p:spPr>
       </p:sp>
@@ -859,15 +859,15 @@
         </p:nvSpPr>
         <p:spPr>
           <a:xfrm>
-            <a:off x="914400" y="1995572"/>
-            <a:ext cx="10363200" cy="4245175"/>
+            <a:off x="2709664" y="1995572"/>
+            <a:ext cx="16257985" cy="4245175"/>
           </a:xfrm>
         </p:spPr>
         <p:txBody>
           <a:bodyPr anchor="b"/>
           <a:lstStyle>
             <a:lvl1pPr algn="ctr">
-              <a:defRPr sz="8000"/>
+              <a:defRPr sz="10668"/>
             </a:lvl1pPr>
           </a:lstStyle>
           <a:p>
@@ -891,8 +891,8 @@
         </p:nvSpPr>
         <p:spPr>
           <a:xfrm>
-            <a:off x="1524000" y="6404457"/>
-            <a:ext cx="9144000" cy="2943960"/>
+            <a:off x="2709664" y="6404457"/>
+            <a:ext cx="16257985" cy="2943960"/>
           </a:xfrm>
         </p:spPr>
         <p:txBody>
@@ -900,39 +900,39 @@
           <a:lstStyle>
             <a:lvl1pPr marL="0" indent="0" algn="ctr">
               <a:buNone/>
+              <a:defRPr sz="4267"/>
+            </a:lvl1pPr>
+            <a:lvl2pPr marL="812902" indent="0" algn="ctr">
+              <a:buNone/>
+              <a:defRPr sz="3556"/>
+            </a:lvl2pPr>
+            <a:lvl3pPr marL="1625803" indent="0" algn="ctr">
+              <a:buNone/>
               <a:defRPr sz="3200"/>
-            </a:lvl1pPr>
-            <a:lvl2pPr marL="609585" indent="0" algn="ctr">
+            </a:lvl3pPr>
+            <a:lvl4pPr marL="2438705" indent="0" algn="ctr">
               <a:buNone/>
-              <a:defRPr sz="2667"/>
-            </a:lvl2pPr>
-            <a:lvl3pPr marL="1219170" indent="0" algn="ctr">
+              <a:defRPr sz="2845"/>
+            </a:lvl4pPr>
+            <a:lvl5pPr marL="3251606" indent="0" algn="ctr">
               <a:buNone/>
-              <a:defRPr sz="2400"/>
-            </a:lvl3pPr>
-            <a:lvl4pPr marL="1828754" indent="0" algn="ctr">
+              <a:defRPr sz="2845"/>
+            </a:lvl5pPr>
+            <a:lvl6pPr marL="4064508" indent="0" algn="ctr">
               <a:buNone/>
-              <a:defRPr sz="2133"/>
-            </a:lvl4pPr>
-            <a:lvl5pPr marL="2438339" indent="0" algn="ctr">
+              <a:defRPr sz="2845"/>
+            </a:lvl6pPr>
+            <a:lvl7pPr marL="4877410" indent="0" algn="ctr">
               <a:buNone/>
-              <a:defRPr sz="2133"/>
-            </a:lvl5pPr>
-            <a:lvl6pPr marL="3047924" indent="0" algn="ctr">
+              <a:defRPr sz="2845"/>
+            </a:lvl7pPr>
+            <a:lvl8pPr marL="5690311" indent="0" algn="ctr">
               <a:buNone/>
-              <a:defRPr sz="2133"/>
-            </a:lvl6pPr>
-            <a:lvl7pPr marL="3657509" indent="0" algn="ctr">
+              <a:defRPr sz="2845"/>
+            </a:lvl8pPr>
+            <a:lvl9pPr marL="6503213" indent="0" algn="ctr">
               <a:buNone/>
-              <a:defRPr sz="2133"/>
-            </a:lvl7pPr>
-            <a:lvl8pPr marL="4267093" indent="0" algn="ctr">
-              <a:buNone/>
-              <a:defRPr sz="2133"/>
-            </a:lvl8pPr>
-            <a:lvl9pPr marL="4876678" indent="0" algn="ctr">
-              <a:buNone/>
-              <a:defRPr sz="2133"/>
+              <a:defRPr sz="2845"/>
             </a:lvl9pPr>
           </a:lstStyle>
           <a:p>
@@ -961,7 +961,7 @@
           <a:p>
             <a:fld id="{B2310862-A932-4A4D-BE7A-7832C8DBE490}" type="datetimeFigureOut">
               <a:rPr kumimoji="1" lang="ko-KR" altLang="en-US" smtClean="0"/>
-              <a:t>2025. 2. 24.</a:t>
+              <a:t>2025. 3. 7.</a:t>
             </a:fld>
             <a:endParaRPr kumimoji="1" lang="ko-KR" altLang="en-US"/>
           </a:p>
@@ -1012,7 +1012,7 @@
     </p:spTree>
     <p:extLst>
       <p:ext uri="{BB962C8B-B14F-4D97-AF65-F5344CB8AC3E}">
-        <p14:creationId xmlns:p14="http://schemas.microsoft.com/office/powerpoint/2010/main" val="627963687"/>
+        <p14:creationId xmlns:p14="http://schemas.microsoft.com/office/powerpoint/2010/main" val="1149355186"/>
       </p:ext>
     </p:extLst>
   </p:cSld>
@@ -1131,7 +1131,7 @@
           <a:p>
             <a:fld id="{B2310862-A932-4A4D-BE7A-7832C8DBE490}" type="datetimeFigureOut">
               <a:rPr kumimoji="1" lang="ko-KR" altLang="en-US" smtClean="0"/>
-              <a:t>2025. 2. 24.</a:t>
+              <a:t>2025. 3. 7.</a:t>
             </a:fld>
             <a:endParaRPr kumimoji="1" lang="ko-KR" altLang="en-US"/>
           </a:p>
@@ -1182,7 +1182,7 @@
     </p:spTree>
     <p:extLst>
       <p:ext uri="{BB962C8B-B14F-4D97-AF65-F5344CB8AC3E}">
-        <p14:creationId xmlns:p14="http://schemas.microsoft.com/office/powerpoint/2010/main" val="1744951506"/>
+        <p14:creationId xmlns:p14="http://schemas.microsoft.com/office/powerpoint/2010/main" val="3354894190"/>
       </p:ext>
     </p:extLst>
   </p:cSld>
@@ -1221,8 +1221,8 @@
         </p:nvSpPr>
         <p:spPr>
           <a:xfrm>
-            <a:off x="8724901" y="649196"/>
-            <a:ext cx="2628900" cy="10333502"/>
+            <a:off x="15512827" y="649196"/>
+            <a:ext cx="4674171" cy="10333502"/>
           </a:xfrm>
         </p:spPr>
         <p:txBody>
@@ -1249,8 +1249,8 @@
         </p:nvSpPr>
         <p:spPr>
           <a:xfrm>
-            <a:off x="838201" y="649196"/>
-            <a:ext cx="7734300" cy="10333502"/>
+            <a:off x="1490315" y="649196"/>
+            <a:ext cx="13751545" cy="10333502"/>
           </a:xfrm>
         </p:spPr>
         <p:txBody>
@@ -1311,7 +1311,7 @@
           <a:p>
             <a:fld id="{B2310862-A932-4A4D-BE7A-7832C8DBE490}" type="datetimeFigureOut">
               <a:rPr kumimoji="1" lang="ko-KR" altLang="en-US" smtClean="0"/>
-              <a:t>2025. 2. 24.</a:t>
+              <a:t>2025. 3. 7.</a:t>
             </a:fld>
             <a:endParaRPr kumimoji="1" lang="ko-KR" altLang="en-US"/>
           </a:p>
@@ -1362,7 +1362,7 @@
     </p:spTree>
     <p:extLst>
       <p:ext uri="{BB962C8B-B14F-4D97-AF65-F5344CB8AC3E}">
-        <p14:creationId xmlns:p14="http://schemas.microsoft.com/office/powerpoint/2010/main" val="2762163196"/>
+        <p14:creationId xmlns:p14="http://schemas.microsoft.com/office/powerpoint/2010/main" val="679556551"/>
       </p:ext>
     </p:extLst>
   </p:cSld>
@@ -1481,7 +1481,7 @@
           <a:p>
             <a:fld id="{B2310862-A932-4A4D-BE7A-7832C8DBE490}" type="datetimeFigureOut">
               <a:rPr kumimoji="1" lang="ko-KR" altLang="en-US" smtClean="0"/>
-              <a:t>2025. 2. 24.</a:t>
+              <a:t>2025. 3. 7.</a:t>
             </a:fld>
             <a:endParaRPr kumimoji="1" lang="ko-KR" altLang="en-US"/>
           </a:p>
@@ -1532,7 +1532,7 @@
     </p:spTree>
     <p:extLst>
       <p:ext uri="{BB962C8B-B14F-4D97-AF65-F5344CB8AC3E}">
-        <p14:creationId xmlns:p14="http://schemas.microsoft.com/office/powerpoint/2010/main" val="1327776910"/>
+        <p14:creationId xmlns:p14="http://schemas.microsoft.com/office/powerpoint/2010/main" val="812067253"/>
       </p:ext>
     </p:extLst>
   </p:cSld>
@@ -1571,15 +1571,15 @@
         </p:nvSpPr>
         <p:spPr>
           <a:xfrm>
-            <a:off x="831851" y="3039933"/>
-            <a:ext cx="10515600" cy="5072193"/>
+            <a:off x="1479025" y="3039931"/>
+            <a:ext cx="18696682" cy="5072193"/>
           </a:xfrm>
         </p:spPr>
         <p:txBody>
           <a:bodyPr anchor="b"/>
           <a:lstStyle>
             <a:lvl1pPr>
-              <a:defRPr sz="8000"/>
+              <a:defRPr sz="10668"/>
             </a:lvl1pPr>
           </a:lstStyle>
           <a:p>
@@ -1603,14 +1603,34 @@
         </p:nvSpPr>
         <p:spPr>
           <a:xfrm>
-            <a:off x="831851" y="8160111"/>
-            <a:ext cx="10515600" cy="2667346"/>
+            <a:off x="1479025" y="8160109"/>
+            <a:ext cx="18696682" cy="2667346"/>
           </a:xfrm>
         </p:spPr>
         <p:txBody>
           <a:bodyPr/>
           <a:lstStyle>
             <a:lvl1pPr marL="0" indent="0">
+              <a:buNone/>
+              <a:defRPr sz="4267">
+                <a:solidFill>
+                  <a:schemeClr val="tx1">
+                    <a:tint val="82000"/>
+                  </a:schemeClr>
+                </a:solidFill>
+              </a:defRPr>
+            </a:lvl1pPr>
+            <a:lvl2pPr marL="812902" indent="0">
+              <a:buNone/>
+              <a:defRPr sz="3556">
+                <a:solidFill>
+                  <a:schemeClr val="tx1">
+                    <a:tint val="82000"/>
+                  </a:schemeClr>
+                </a:solidFill>
+              </a:defRPr>
+            </a:lvl2pPr>
+            <a:lvl3pPr marL="1625803" indent="0">
               <a:buNone/>
               <a:defRPr sz="3200">
                 <a:solidFill>
@@ -1619,30 +1639,10 @@
                   </a:schemeClr>
                 </a:solidFill>
               </a:defRPr>
-            </a:lvl1pPr>
-            <a:lvl2pPr marL="609585" indent="0">
+            </a:lvl3pPr>
+            <a:lvl4pPr marL="2438705" indent="0">
               <a:buNone/>
-              <a:defRPr sz="2667">
-                <a:solidFill>
-                  <a:schemeClr val="tx1">
-                    <a:tint val="82000"/>
-                  </a:schemeClr>
-                </a:solidFill>
-              </a:defRPr>
-            </a:lvl2pPr>
-            <a:lvl3pPr marL="1219170" indent="0">
-              <a:buNone/>
-              <a:defRPr sz="2400">
-                <a:solidFill>
-                  <a:schemeClr val="tx1">
-                    <a:tint val="82000"/>
-                  </a:schemeClr>
-                </a:solidFill>
-              </a:defRPr>
-            </a:lvl3pPr>
-            <a:lvl4pPr marL="1828754" indent="0">
-              <a:buNone/>
-              <a:defRPr sz="2133">
+              <a:defRPr sz="2845">
                 <a:solidFill>
                   <a:schemeClr val="tx1">
                     <a:tint val="82000"/>
@@ -1650,9 +1650,9 @@
                 </a:solidFill>
               </a:defRPr>
             </a:lvl4pPr>
-            <a:lvl5pPr marL="2438339" indent="0">
+            <a:lvl5pPr marL="3251606" indent="0">
               <a:buNone/>
-              <a:defRPr sz="2133">
+              <a:defRPr sz="2845">
                 <a:solidFill>
                   <a:schemeClr val="tx1">
                     <a:tint val="82000"/>
@@ -1660,9 +1660,9 @@
                 </a:solidFill>
               </a:defRPr>
             </a:lvl5pPr>
-            <a:lvl6pPr marL="3047924" indent="0">
+            <a:lvl6pPr marL="4064508" indent="0">
               <a:buNone/>
-              <a:defRPr sz="2133">
+              <a:defRPr sz="2845">
                 <a:solidFill>
                   <a:schemeClr val="tx1">
                     <a:tint val="82000"/>
@@ -1670,9 +1670,9 @@
                 </a:solidFill>
               </a:defRPr>
             </a:lvl6pPr>
-            <a:lvl7pPr marL="3657509" indent="0">
+            <a:lvl7pPr marL="4877410" indent="0">
               <a:buNone/>
-              <a:defRPr sz="2133">
+              <a:defRPr sz="2845">
                 <a:solidFill>
                   <a:schemeClr val="tx1">
                     <a:tint val="82000"/>
@@ -1680,9 +1680,9 @@
                 </a:solidFill>
               </a:defRPr>
             </a:lvl7pPr>
-            <a:lvl8pPr marL="4267093" indent="0">
+            <a:lvl8pPr marL="5690311" indent="0">
               <a:buNone/>
-              <a:defRPr sz="2133">
+              <a:defRPr sz="2845">
                 <a:solidFill>
                   <a:schemeClr val="tx1">
                     <a:tint val="82000"/>
@@ -1690,9 +1690,9 @@
                 </a:solidFill>
               </a:defRPr>
             </a:lvl8pPr>
-            <a:lvl9pPr marL="4876678" indent="0">
+            <a:lvl9pPr marL="6503213" indent="0">
               <a:buNone/>
-              <a:defRPr sz="2133">
+              <a:defRPr sz="2845">
                 <a:solidFill>
                   <a:schemeClr val="tx1">
                     <a:tint val="82000"/>
@@ -1727,7 +1727,7 @@
           <a:p>
             <a:fld id="{B2310862-A932-4A4D-BE7A-7832C8DBE490}" type="datetimeFigureOut">
               <a:rPr kumimoji="1" lang="ko-KR" altLang="en-US" smtClean="0"/>
-              <a:t>2025. 2. 24.</a:t>
+              <a:t>2025. 3. 7.</a:t>
             </a:fld>
             <a:endParaRPr kumimoji="1" lang="ko-KR" altLang="en-US"/>
           </a:p>
@@ -1778,7 +1778,7 @@
     </p:spTree>
     <p:extLst>
       <p:ext uri="{BB962C8B-B14F-4D97-AF65-F5344CB8AC3E}">
-        <p14:creationId xmlns:p14="http://schemas.microsoft.com/office/powerpoint/2010/main" val="2622285082"/>
+        <p14:creationId xmlns:p14="http://schemas.microsoft.com/office/powerpoint/2010/main" val="2532917442"/>
       </p:ext>
     </p:extLst>
   </p:cSld>
@@ -1840,8 +1840,8 @@
         </p:nvSpPr>
         <p:spPr>
           <a:xfrm>
-            <a:off x="838200" y="3245978"/>
-            <a:ext cx="5181600" cy="7736720"/>
+            <a:off x="1490315" y="3245978"/>
+            <a:ext cx="9212858" cy="7736720"/>
           </a:xfrm>
         </p:spPr>
         <p:txBody>
@@ -1897,8 +1897,8 @@
         </p:nvSpPr>
         <p:spPr>
           <a:xfrm>
-            <a:off x="6172200" y="3245978"/>
-            <a:ext cx="5181600" cy="7736720"/>
+            <a:off x="10974140" y="3245978"/>
+            <a:ext cx="9212858" cy="7736720"/>
           </a:xfrm>
         </p:spPr>
         <p:txBody>
@@ -1959,7 +1959,7 @@
           <a:p>
             <a:fld id="{B2310862-A932-4A4D-BE7A-7832C8DBE490}" type="datetimeFigureOut">
               <a:rPr kumimoji="1" lang="ko-KR" altLang="en-US" smtClean="0"/>
-              <a:t>2025. 2. 24.</a:t>
+              <a:t>2025. 3. 7.</a:t>
             </a:fld>
             <a:endParaRPr kumimoji="1" lang="ko-KR" altLang="en-US"/>
           </a:p>
@@ -2010,7 +2010,7 @@
     </p:spTree>
     <p:extLst>
       <p:ext uri="{BB962C8B-B14F-4D97-AF65-F5344CB8AC3E}">
-        <p14:creationId xmlns:p14="http://schemas.microsoft.com/office/powerpoint/2010/main" val="451590127"/>
+        <p14:creationId xmlns:p14="http://schemas.microsoft.com/office/powerpoint/2010/main" val="654438192"/>
       </p:ext>
     </p:extLst>
   </p:cSld>
@@ -2049,8 +2049,8 @@
         </p:nvSpPr>
         <p:spPr>
           <a:xfrm>
-            <a:off x="839788" y="649199"/>
-            <a:ext cx="10515600" cy="2356863"/>
+            <a:off x="1493139" y="649197"/>
+            <a:ext cx="18696682" cy="2356863"/>
           </a:xfrm>
         </p:spPr>
         <p:txBody>
@@ -2077,8 +2077,8 @@
         </p:nvSpPr>
         <p:spPr>
           <a:xfrm>
-            <a:off x="839789" y="2989124"/>
-            <a:ext cx="5157787" cy="1464923"/>
+            <a:off x="1493139" y="2989124"/>
+            <a:ext cx="9170519" cy="1464923"/>
           </a:xfrm>
         </p:spPr>
         <p:txBody>
@@ -2086,39 +2086,39 @@
           <a:lstStyle>
             <a:lvl1pPr marL="0" indent="0">
               <a:buNone/>
+              <a:defRPr sz="4267" b="1"/>
+            </a:lvl1pPr>
+            <a:lvl2pPr marL="812902" indent="0">
+              <a:buNone/>
+              <a:defRPr sz="3556" b="1"/>
+            </a:lvl2pPr>
+            <a:lvl3pPr marL="1625803" indent="0">
+              <a:buNone/>
               <a:defRPr sz="3200" b="1"/>
-            </a:lvl1pPr>
-            <a:lvl2pPr marL="609585" indent="0">
+            </a:lvl3pPr>
+            <a:lvl4pPr marL="2438705" indent="0">
               <a:buNone/>
-              <a:defRPr sz="2667" b="1"/>
-            </a:lvl2pPr>
-            <a:lvl3pPr marL="1219170" indent="0">
+              <a:defRPr sz="2845" b="1"/>
+            </a:lvl4pPr>
+            <a:lvl5pPr marL="3251606" indent="0">
               <a:buNone/>
-              <a:defRPr sz="2400" b="1"/>
-            </a:lvl3pPr>
-            <a:lvl4pPr marL="1828754" indent="0">
+              <a:defRPr sz="2845" b="1"/>
+            </a:lvl5pPr>
+            <a:lvl6pPr marL="4064508" indent="0">
               <a:buNone/>
-              <a:defRPr sz="2133" b="1"/>
-            </a:lvl4pPr>
-            <a:lvl5pPr marL="2438339" indent="0">
+              <a:defRPr sz="2845" b="1"/>
+            </a:lvl6pPr>
+            <a:lvl7pPr marL="4877410" indent="0">
               <a:buNone/>
-              <a:defRPr sz="2133" b="1"/>
-            </a:lvl5pPr>
-            <a:lvl6pPr marL="3047924" indent="0">
+              <a:defRPr sz="2845" b="1"/>
+            </a:lvl7pPr>
+            <a:lvl8pPr marL="5690311" indent="0">
               <a:buNone/>
-              <a:defRPr sz="2133" b="1"/>
-            </a:lvl6pPr>
-            <a:lvl7pPr marL="3657509" indent="0">
+              <a:defRPr sz="2845" b="1"/>
+            </a:lvl8pPr>
+            <a:lvl9pPr marL="6503213" indent="0">
               <a:buNone/>
-              <a:defRPr sz="2133" b="1"/>
-            </a:lvl7pPr>
-            <a:lvl8pPr marL="4267093" indent="0">
-              <a:buNone/>
-              <a:defRPr sz="2133" b="1"/>
-            </a:lvl8pPr>
-            <a:lvl9pPr marL="4876678" indent="0">
-              <a:buNone/>
-              <a:defRPr sz="2133" b="1"/>
+              <a:defRPr sz="2845" b="1"/>
             </a:lvl9pPr>
           </a:lstStyle>
           <a:p>
@@ -2142,8 +2142,8 @@
         </p:nvSpPr>
         <p:spPr>
           <a:xfrm>
-            <a:off x="839789" y="4454047"/>
-            <a:ext cx="5157787" cy="6551232"/>
+            <a:off x="1493139" y="4454047"/>
+            <a:ext cx="9170519" cy="6551232"/>
           </a:xfrm>
         </p:spPr>
         <p:txBody>
@@ -2199,8 +2199,8 @@
         </p:nvSpPr>
         <p:spPr>
           <a:xfrm>
-            <a:off x="6172201" y="2989124"/>
-            <a:ext cx="5183188" cy="1464923"/>
+            <a:off x="10974140" y="2989124"/>
+            <a:ext cx="9215681" cy="1464923"/>
           </a:xfrm>
         </p:spPr>
         <p:txBody>
@@ -2208,39 +2208,39 @@
           <a:lstStyle>
             <a:lvl1pPr marL="0" indent="0">
               <a:buNone/>
+              <a:defRPr sz="4267" b="1"/>
+            </a:lvl1pPr>
+            <a:lvl2pPr marL="812902" indent="0">
+              <a:buNone/>
+              <a:defRPr sz="3556" b="1"/>
+            </a:lvl2pPr>
+            <a:lvl3pPr marL="1625803" indent="0">
+              <a:buNone/>
               <a:defRPr sz="3200" b="1"/>
-            </a:lvl1pPr>
-            <a:lvl2pPr marL="609585" indent="0">
+            </a:lvl3pPr>
+            <a:lvl4pPr marL="2438705" indent="0">
               <a:buNone/>
-              <a:defRPr sz="2667" b="1"/>
-            </a:lvl2pPr>
-            <a:lvl3pPr marL="1219170" indent="0">
+              <a:defRPr sz="2845" b="1"/>
+            </a:lvl4pPr>
+            <a:lvl5pPr marL="3251606" indent="0">
               <a:buNone/>
-              <a:defRPr sz="2400" b="1"/>
-            </a:lvl3pPr>
-            <a:lvl4pPr marL="1828754" indent="0">
+              <a:defRPr sz="2845" b="1"/>
+            </a:lvl5pPr>
+            <a:lvl6pPr marL="4064508" indent="0">
               <a:buNone/>
-              <a:defRPr sz="2133" b="1"/>
-            </a:lvl4pPr>
-            <a:lvl5pPr marL="2438339" indent="0">
+              <a:defRPr sz="2845" b="1"/>
+            </a:lvl6pPr>
+            <a:lvl7pPr marL="4877410" indent="0">
               <a:buNone/>
-              <a:defRPr sz="2133" b="1"/>
-            </a:lvl5pPr>
-            <a:lvl6pPr marL="3047924" indent="0">
+              <a:defRPr sz="2845" b="1"/>
+            </a:lvl7pPr>
+            <a:lvl8pPr marL="5690311" indent="0">
               <a:buNone/>
-              <a:defRPr sz="2133" b="1"/>
-            </a:lvl6pPr>
-            <a:lvl7pPr marL="3657509" indent="0">
+              <a:defRPr sz="2845" b="1"/>
+            </a:lvl8pPr>
+            <a:lvl9pPr marL="6503213" indent="0">
               <a:buNone/>
-              <a:defRPr sz="2133" b="1"/>
-            </a:lvl7pPr>
-            <a:lvl8pPr marL="4267093" indent="0">
-              <a:buNone/>
-              <a:defRPr sz="2133" b="1"/>
-            </a:lvl8pPr>
-            <a:lvl9pPr marL="4876678" indent="0">
-              <a:buNone/>
-              <a:defRPr sz="2133" b="1"/>
+              <a:defRPr sz="2845" b="1"/>
             </a:lvl9pPr>
           </a:lstStyle>
           <a:p>
@@ -2264,8 +2264,8 @@
         </p:nvSpPr>
         <p:spPr>
           <a:xfrm>
-            <a:off x="6172201" y="4454047"/>
-            <a:ext cx="5183188" cy="6551232"/>
+            <a:off x="10974140" y="4454047"/>
+            <a:ext cx="9215681" cy="6551232"/>
           </a:xfrm>
         </p:spPr>
         <p:txBody>
@@ -2326,7 +2326,7 @@
           <a:p>
             <a:fld id="{B2310862-A932-4A4D-BE7A-7832C8DBE490}" type="datetimeFigureOut">
               <a:rPr kumimoji="1" lang="ko-KR" altLang="en-US" smtClean="0"/>
-              <a:t>2025. 2. 24.</a:t>
+              <a:t>2025. 3. 7.</a:t>
             </a:fld>
             <a:endParaRPr kumimoji="1" lang="ko-KR" altLang="en-US"/>
           </a:p>
@@ -2377,7 +2377,7 @@
     </p:spTree>
     <p:extLst>
       <p:ext uri="{BB962C8B-B14F-4D97-AF65-F5344CB8AC3E}">
-        <p14:creationId xmlns:p14="http://schemas.microsoft.com/office/powerpoint/2010/main" val="1922122923"/>
+        <p14:creationId xmlns:p14="http://schemas.microsoft.com/office/powerpoint/2010/main" val="1898166974"/>
       </p:ext>
     </p:extLst>
   </p:cSld>
@@ -2444,7 +2444,7 @@
           <a:p>
             <a:fld id="{B2310862-A932-4A4D-BE7A-7832C8DBE490}" type="datetimeFigureOut">
               <a:rPr kumimoji="1" lang="ko-KR" altLang="en-US" smtClean="0"/>
-              <a:t>2025. 2. 24.</a:t>
+              <a:t>2025. 3. 7.</a:t>
             </a:fld>
             <a:endParaRPr kumimoji="1" lang="ko-KR" altLang="en-US"/>
           </a:p>
@@ -2495,7 +2495,7 @@
     </p:spTree>
     <p:extLst>
       <p:ext uri="{BB962C8B-B14F-4D97-AF65-F5344CB8AC3E}">
-        <p14:creationId xmlns:p14="http://schemas.microsoft.com/office/powerpoint/2010/main" val="2950518418"/>
+        <p14:creationId xmlns:p14="http://schemas.microsoft.com/office/powerpoint/2010/main" val="2699170729"/>
       </p:ext>
     </p:extLst>
   </p:cSld>
@@ -2539,7 +2539,7 @@
           <a:p>
             <a:fld id="{B2310862-A932-4A4D-BE7A-7832C8DBE490}" type="datetimeFigureOut">
               <a:rPr kumimoji="1" lang="ko-KR" altLang="en-US" smtClean="0"/>
-              <a:t>2025. 2. 24.</a:t>
+              <a:t>2025. 3. 7.</a:t>
             </a:fld>
             <a:endParaRPr kumimoji="1" lang="ko-KR" altLang="en-US"/>
           </a:p>
@@ -2590,7 +2590,7 @@
     </p:spTree>
     <p:extLst>
       <p:ext uri="{BB962C8B-B14F-4D97-AF65-F5344CB8AC3E}">
-        <p14:creationId xmlns:p14="http://schemas.microsoft.com/office/powerpoint/2010/main" val="1063736251"/>
+        <p14:creationId xmlns:p14="http://schemas.microsoft.com/office/powerpoint/2010/main" val="3248106211"/>
       </p:ext>
     </p:extLst>
   </p:cSld>
@@ -2629,15 +2629,15 @@
         </p:nvSpPr>
         <p:spPr>
           <a:xfrm>
-            <a:off x="839788" y="812906"/>
-            <a:ext cx="3932237" cy="2845171"/>
+            <a:off x="1493140" y="812906"/>
+            <a:ext cx="6991497" cy="2845171"/>
           </a:xfrm>
         </p:spPr>
         <p:txBody>
           <a:bodyPr anchor="b"/>
           <a:lstStyle>
             <a:lvl1pPr>
-              <a:defRPr sz="4267"/>
+              <a:defRPr sz="5690"/>
             </a:lvl1pPr>
           </a:lstStyle>
           <a:p>
@@ -2661,39 +2661,39 @@
         </p:nvSpPr>
         <p:spPr>
           <a:xfrm>
-            <a:off x="5183188" y="1755653"/>
-            <a:ext cx="6172200" cy="8665351"/>
+            <a:off x="9215681" y="1755652"/>
+            <a:ext cx="10974140" cy="8665351"/>
           </a:xfrm>
         </p:spPr>
         <p:txBody>
           <a:bodyPr/>
           <a:lstStyle>
             <a:lvl1pPr>
-              <a:defRPr sz="4267"/>
+              <a:defRPr sz="5690"/>
             </a:lvl1pPr>
             <a:lvl2pPr>
-              <a:defRPr sz="3733"/>
+              <a:defRPr sz="4978"/>
             </a:lvl2pPr>
             <a:lvl3pPr>
-              <a:defRPr sz="3200"/>
+              <a:defRPr sz="4267"/>
             </a:lvl3pPr>
             <a:lvl4pPr>
-              <a:defRPr sz="2667"/>
+              <a:defRPr sz="3556"/>
             </a:lvl4pPr>
             <a:lvl5pPr>
-              <a:defRPr sz="2667"/>
+              <a:defRPr sz="3556"/>
             </a:lvl5pPr>
             <a:lvl6pPr>
-              <a:defRPr sz="2667"/>
+              <a:defRPr sz="3556"/>
             </a:lvl6pPr>
             <a:lvl7pPr>
-              <a:defRPr sz="2667"/>
+              <a:defRPr sz="3556"/>
             </a:lvl7pPr>
             <a:lvl8pPr>
-              <a:defRPr sz="2667"/>
+              <a:defRPr sz="3556"/>
             </a:lvl8pPr>
             <a:lvl9pPr>
-              <a:defRPr sz="2667"/>
+              <a:defRPr sz="3556"/>
             </a:lvl9pPr>
           </a:lstStyle>
           <a:p>
@@ -2746,8 +2746,8 @@
         </p:nvSpPr>
         <p:spPr>
           <a:xfrm>
-            <a:off x="839788" y="3658076"/>
-            <a:ext cx="3932237" cy="6777039"/>
+            <a:off x="1493140" y="3658076"/>
+            <a:ext cx="6991497" cy="6777039"/>
           </a:xfrm>
         </p:spPr>
         <p:txBody>
@@ -2755,39 +2755,39 @@
           <a:lstStyle>
             <a:lvl1pPr marL="0" indent="0">
               <a:buNone/>
-              <a:defRPr sz="2133"/>
+              <a:defRPr sz="2845"/>
             </a:lvl1pPr>
-            <a:lvl2pPr marL="609585" indent="0">
+            <a:lvl2pPr marL="812902" indent="0">
               <a:buNone/>
-              <a:defRPr sz="1867"/>
+              <a:defRPr sz="2489"/>
             </a:lvl2pPr>
-            <a:lvl3pPr marL="1219170" indent="0">
+            <a:lvl3pPr marL="1625803" indent="0">
               <a:buNone/>
-              <a:defRPr sz="1600"/>
+              <a:defRPr sz="2134"/>
             </a:lvl3pPr>
-            <a:lvl4pPr marL="1828754" indent="0">
+            <a:lvl4pPr marL="2438705" indent="0">
               <a:buNone/>
-              <a:defRPr sz="1333"/>
+              <a:defRPr sz="1778"/>
             </a:lvl4pPr>
-            <a:lvl5pPr marL="2438339" indent="0">
+            <a:lvl5pPr marL="3251606" indent="0">
               <a:buNone/>
-              <a:defRPr sz="1333"/>
+              <a:defRPr sz="1778"/>
             </a:lvl5pPr>
-            <a:lvl6pPr marL="3047924" indent="0">
+            <a:lvl6pPr marL="4064508" indent="0">
               <a:buNone/>
-              <a:defRPr sz="1333"/>
+              <a:defRPr sz="1778"/>
             </a:lvl6pPr>
-            <a:lvl7pPr marL="3657509" indent="0">
+            <a:lvl7pPr marL="4877410" indent="0">
               <a:buNone/>
-              <a:defRPr sz="1333"/>
+              <a:defRPr sz="1778"/>
             </a:lvl7pPr>
-            <a:lvl8pPr marL="4267093" indent="0">
+            <a:lvl8pPr marL="5690311" indent="0">
               <a:buNone/>
-              <a:defRPr sz="1333"/>
+              <a:defRPr sz="1778"/>
             </a:lvl8pPr>
-            <a:lvl9pPr marL="4876678" indent="0">
+            <a:lvl9pPr marL="6503213" indent="0">
               <a:buNone/>
-              <a:defRPr sz="1333"/>
+              <a:defRPr sz="1778"/>
             </a:lvl9pPr>
           </a:lstStyle>
           <a:p>
@@ -2816,7 +2816,7 @@
           <a:p>
             <a:fld id="{B2310862-A932-4A4D-BE7A-7832C8DBE490}" type="datetimeFigureOut">
               <a:rPr kumimoji="1" lang="ko-KR" altLang="en-US" smtClean="0"/>
-              <a:t>2025. 2. 24.</a:t>
+              <a:t>2025. 3. 7.</a:t>
             </a:fld>
             <a:endParaRPr kumimoji="1" lang="ko-KR" altLang="en-US"/>
           </a:p>
@@ -2867,7 +2867,7 @@
     </p:spTree>
     <p:extLst>
       <p:ext uri="{BB962C8B-B14F-4D97-AF65-F5344CB8AC3E}">
-        <p14:creationId xmlns:p14="http://schemas.microsoft.com/office/powerpoint/2010/main" val="2859664090"/>
+        <p14:creationId xmlns:p14="http://schemas.microsoft.com/office/powerpoint/2010/main" val="2535454018"/>
       </p:ext>
     </p:extLst>
   </p:cSld>
@@ -2906,15 +2906,15 @@
         </p:nvSpPr>
         <p:spPr>
           <a:xfrm>
-            <a:off x="839788" y="812906"/>
-            <a:ext cx="3932237" cy="2845171"/>
+            <a:off x="1493140" y="812906"/>
+            <a:ext cx="6991497" cy="2845171"/>
           </a:xfrm>
         </p:spPr>
         <p:txBody>
           <a:bodyPr anchor="b"/>
           <a:lstStyle>
             <a:lvl1pPr>
-              <a:defRPr sz="4267"/>
+              <a:defRPr sz="5690"/>
             </a:lvl1pPr>
           </a:lstStyle>
           <a:p>
@@ -2938,8 +2938,8 @@
         </p:nvSpPr>
         <p:spPr>
           <a:xfrm>
-            <a:off x="5183188" y="1755653"/>
-            <a:ext cx="6172200" cy="8665351"/>
+            <a:off x="9215681" y="1755652"/>
+            <a:ext cx="10974140" cy="8665351"/>
           </a:xfrm>
         </p:spPr>
         <p:txBody>
@@ -2947,39 +2947,39 @@
           <a:lstStyle>
             <a:lvl1pPr marL="0" indent="0">
               <a:buNone/>
+              <a:defRPr sz="5690"/>
+            </a:lvl1pPr>
+            <a:lvl2pPr marL="812902" indent="0">
+              <a:buNone/>
+              <a:defRPr sz="4978"/>
+            </a:lvl2pPr>
+            <a:lvl3pPr marL="1625803" indent="0">
+              <a:buNone/>
               <a:defRPr sz="4267"/>
-            </a:lvl1pPr>
-            <a:lvl2pPr marL="609585" indent="0">
+            </a:lvl3pPr>
+            <a:lvl4pPr marL="2438705" indent="0">
               <a:buNone/>
-              <a:defRPr sz="3733"/>
-            </a:lvl2pPr>
-            <a:lvl3pPr marL="1219170" indent="0">
+              <a:defRPr sz="3556"/>
+            </a:lvl4pPr>
+            <a:lvl5pPr marL="3251606" indent="0">
               <a:buNone/>
-              <a:defRPr sz="3200"/>
-            </a:lvl3pPr>
-            <a:lvl4pPr marL="1828754" indent="0">
+              <a:defRPr sz="3556"/>
+            </a:lvl5pPr>
+            <a:lvl6pPr marL="4064508" indent="0">
               <a:buNone/>
-              <a:defRPr sz="2667"/>
-            </a:lvl4pPr>
-            <a:lvl5pPr marL="2438339" indent="0">
+              <a:defRPr sz="3556"/>
+            </a:lvl6pPr>
+            <a:lvl7pPr marL="4877410" indent="0">
               <a:buNone/>
-              <a:defRPr sz="2667"/>
-            </a:lvl5pPr>
-            <a:lvl6pPr marL="3047924" indent="0">
+              <a:defRPr sz="3556"/>
+            </a:lvl7pPr>
+            <a:lvl8pPr marL="5690311" indent="0">
               <a:buNone/>
-              <a:defRPr sz="2667"/>
-            </a:lvl6pPr>
-            <a:lvl7pPr marL="3657509" indent="0">
+              <a:defRPr sz="3556"/>
+            </a:lvl8pPr>
+            <a:lvl9pPr marL="6503213" indent="0">
               <a:buNone/>
-              <a:defRPr sz="2667"/>
-            </a:lvl7pPr>
-            <a:lvl8pPr marL="4267093" indent="0">
-              <a:buNone/>
-              <a:defRPr sz="2667"/>
-            </a:lvl8pPr>
-            <a:lvl9pPr marL="4876678" indent="0">
-              <a:buNone/>
-              <a:defRPr sz="2667"/>
+              <a:defRPr sz="3556"/>
             </a:lvl9pPr>
           </a:lstStyle>
           <a:p>
@@ -3003,8 +3003,8 @@
         </p:nvSpPr>
         <p:spPr>
           <a:xfrm>
-            <a:off x="839788" y="3658076"/>
-            <a:ext cx="3932237" cy="6777039"/>
+            <a:off x="1493140" y="3658076"/>
+            <a:ext cx="6991497" cy="6777039"/>
           </a:xfrm>
         </p:spPr>
         <p:txBody>
@@ -3012,39 +3012,39 @@
           <a:lstStyle>
             <a:lvl1pPr marL="0" indent="0">
               <a:buNone/>
-              <a:defRPr sz="2133"/>
+              <a:defRPr sz="2845"/>
             </a:lvl1pPr>
-            <a:lvl2pPr marL="609585" indent="0">
+            <a:lvl2pPr marL="812902" indent="0">
               <a:buNone/>
-              <a:defRPr sz="1867"/>
+              <a:defRPr sz="2489"/>
             </a:lvl2pPr>
-            <a:lvl3pPr marL="1219170" indent="0">
+            <a:lvl3pPr marL="1625803" indent="0">
               <a:buNone/>
-              <a:defRPr sz="1600"/>
+              <a:defRPr sz="2134"/>
             </a:lvl3pPr>
-            <a:lvl4pPr marL="1828754" indent="0">
+            <a:lvl4pPr marL="2438705" indent="0">
               <a:buNone/>
-              <a:defRPr sz="1333"/>
+              <a:defRPr sz="1778"/>
             </a:lvl4pPr>
-            <a:lvl5pPr marL="2438339" indent="0">
+            <a:lvl5pPr marL="3251606" indent="0">
               <a:buNone/>
-              <a:defRPr sz="1333"/>
+              <a:defRPr sz="1778"/>
             </a:lvl5pPr>
-            <a:lvl6pPr marL="3047924" indent="0">
+            <a:lvl6pPr marL="4064508" indent="0">
               <a:buNone/>
-              <a:defRPr sz="1333"/>
+              <a:defRPr sz="1778"/>
             </a:lvl6pPr>
-            <a:lvl7pPr marL="3657509" indent="0">
+            <a:lvl7pPr marL="4877410" indent="0">
               <a:buNone/>
-              <a:defRPr sz="1333"/>
+              <a:defRPr sz="1778"/>
             </a:lvl7pPr>
-            <a:lvl8pPr marL="4267093" indent="0">
+            <a:lvl8pPr marL="5690311" indent="0">
               <a:buNone/>
-              <a:defRPr sz="1333"/>
+              <a:defRPr sz="1778"/>
             </a:lvl8pPr>
-            <a:lvl9pPr marL="4876678" indent="0">
+            <a:lvl9pPr marL="6503213" indent="0">
               <a:buNone/>
-              <a:defRPr sz="1333"/>
+              <a:defRPr sz="1778"/>
             </a:lvl9pPr>
           </a:lstStyle>
           <a:p>
@@ -3073,7 +3073,7 @@
           <a:p>
             <a:fld id="{B2310862-A932-4A4D-BE7A-7832C8DBE490}" type="datetimeFigureOut">
               <a:rPr kumimoji="1" lang="ko-KR" altLang="en-US" smtClean="0"/>
-              <a:t>2025. 2. 24.</a:t>
+              <a:t>2025. 3. 7.</a:t>
             </a:fld>
             <a:endParaRPr kumimoji="1" lang="ko-KR" altLang="en-US"/>
           </a:p>
@@ -3124,7 +3124,7 @@
     </p:spTree>
     <p:extLst>
       <p:ext uri="{BB962C8B-B14F-4D97-AF65-F5344CB8AC3E}">
-        <p14:creationId xmlns:p14="http://schemas.microsoft.com/office/powerpoint/2010/main" val="114911762"/>
+        <p14:creationId xmlns:p14="http://schemas.microsoft.com/office/powerpoint/2010/main" val="3678987751"/>
       </p:ext>
     </p:extLst>
   </p:cSld>
@@ -3168,8 +3168,8 @@
         </p:nvSpPr>
         <p:spPr>
           <a:xfrm>
-            <a:off x="838200" y="649199"/>
-            <a:ext cx="10515600" cy="2356863"/>
+            <a:off x="1490316" y="649197"/>
+            <a:ext cx="18696682" cy="2356863"/>
           </a:xfrm>
           <a:prstGeom prst="rect">
             <a:avLst/>
@@ -3201,8 +3201,8 @@
         </p:nvSpPr>
         <p:spPr>
           <a:xfrm>
-            <a:off x="838200" y="3245978"/>
-            <a:ext cx="10515600" cy="7736720"/>
+            <a:off x="1490316" y="3245978"/>
+            <a:ext cx="18696682" cy="7736720"/>
           </a:xfrm>
           <a:prstGeom prst="rect">
             <a:avLst/>
@@ -3263,8 +3263,8 @@
         </p:nvSpPr>
         <p:spPr>
           <a:xfrm>
-            <a:off x="838200" y="11301652"/>
-            <a:ext cx="2743200" cy="649196"/>
+            <a:off x="1490315" y="11301650"/>
+            <a:ext cx="4877395" cy="649196"/>
           </a:xfrm>
           <a:prstGeom prst="rect">
             <a:avLst/>
@@ -3274,7 +3274,7 @@
           <a:bodyPr vert="horz" lIns="91440" tIns="45720" rIns="91440" bIns="45720" rtlCol="0" anchor="ctr"/>
           <a:lstStyle>
             <a:lvl1pPr algn="l">
-              <a:defRPr sz="1600">
+              <a:defRPr sz="2134">
                 <a:solidFill>
                   <a:schemeClr val="tx1">
                     <a:tint val="82000"/>
@@ -3286,7 +3286,7 @@
           <a:p>
             <a:fld id="{B2310862-A932-4A4D-BE7A-7832C8DBE490}" type="datetimeFigureOut">
               <a:rPr kumimoji="1" lang="ko-KR" altLang="en-US" smtClean="0"/>
-              <a:t>2025. 2. 24.</a:t>
+              <a:t>2025. 3. 7.</a:t>
             </a:fld>
             <a:endParaRPr kumimoji="1" lang="ko-KR" altLang="en-US"/>
           </a:p>
@@ -3304,8 +3304,8 @@
         </p:nvSpPr>
         <p:spPr>
           <a:xfrm>
-            <a:off x="4038600" y="11301652"/>
-            <a:ext cx="4114800" cy="649196"/>
+            <a:off x="7180610" y="11301650"/>
+            <a:ext cx="7316093" cy="649196"/>
           </a:xfrm>
           <a:prstGeom prst="rect">
             <a:avLst/>
@@ -3315,7 +3315,7 @@
           <a:bodyPr vert="horz" lIns="91440" tIns="45720" rIns="91440" bIns="45720" rtlCol="0" anchor="ctr"/>
           <a:lstStyle>
             <a:lvl1pPr algn="ctr">
-              <a:defRPr sz="1600">
+              <a:defRPr sz="2134">
                 <a:solidFill>
                   <a:schemeClr val="tx1">
                     <a:tint val="82000"/>
@@ -3341,8 +3341,8 @@
         </p:nvSpPr>
         <p:spPr>
           <a:xfrm>
-            <a:off x="8610600" y="11301652"/>
-            <a:ext cx="2743200" cy="649196"/>
+            <a:off x="15309603" y="11301650"/>
+            <a:ext cx="4877395" cy="649196"/>
           </a:xfrm>
           <a:prstGeom prst="rect">
             <a:avLst/>
@@ -3352,7 +3352,7 @@
           <a:bodyPr vert="horz" lIns="91440" tIns="45720" rIns="91440" bIns="45720" rtlCol="0" anchor="ctr"/>
           <a:lstStyle>
             <a:lvl1pPr algn="r">
-              <a:defRPr sz="1600">
+              <a:defRPr sz="2134">
                 <a:solidFill>
                   <a:schemeClr val="tx1">
                     <a:tint val="82000"/>
@@ -3373,27 +3373,27 @@
     </p:spTree>
     <p:extLst>
       <p:ext uri="{BB962C8B-B14F-4D97-AF65-F5344CB8AC3E}">
-        <p14:creationId xmlns:p14="http://schemas.microsoft.com/office/powerpoint/2010/main" val="2896459865"/>
+        <p14:creationId xmlns:p14="http://schemas.microsoft.com/office/powerpoint/2010/main" val="1545490194"/>
       </p:ext>
     </p:extLst>
   </p:cSld>
   <p:clrMap bg1="lt1" tx1="dk1" bg2="lt2" tx2="dk2" accent1="accent1" accent2="accent2" accent3="accent3" accent4="accent4" accent5="accent5" accent6="accent6" hlink="hlink" folHlink="folHlink"/>
   <p:sldLayoutIdLst>
-    <p:sldLayoutId id="2147483661" r:id="rId1"/>
-    <p:sldLayoutId id="2147483662" r:id="rId2"/>
-    <p:sldLayoutId id="2147483663" r:id="rId3"/>
-    <p:sldLayoutId id="2147483664" r:id="rId4"/>
-    <p:sldLayoutId id="2147483665" r:id="rId5"/>
-    <p:sldLayoutId id="2147483666" r:id="rId6"/>
-    <p:sldLayoutId id="2147483667" r:id="rId7"/>
-    <p:sldLayoutId id="2147483668" r:id="rId8"/>
-    <p:sldLayoutId id="2147483669" r:id="rId9"/>
-    <p:sldLayoutId id="2147483670" r:id="rId10"/>
-    <p:sldLayoutId id="2147483671" r:id="rId11"/>
+    <p:sldLayoutId id="2147483673" r:id="rId1"/>
+    <p:sldLayoutId id="2147483674" r:id="rId2"/>
+    <p:sldLayoutId id="2147483675" r:id="rId3"/>
+    <p:sldLayoutId id="2147483676" r:id="rId4"/>
+    <p:sldLayoutId id="2147483677" r:id="rId5"/>
+    <p:sldLayoutId id="2147483678" r:id="rId6"/>
+    <p:sldLayoutId id="2147483679" r:id="rId7"/>
+    <p:sldLayoutId id="2147483680" r:id="rId8"/>
+    <p:sldLayoutId id="2147483681" r:id="rId9"/>
+    <p:sldLayoutId id="2147483682" r:id="rId10"/>
+    <p:sldLayoutId id="2147483683" r:id="rId11"/>
   </p:sldLayoutIdLst>
   <p:txStyles>
     <p:titleStyle>
-      <a:lvl1pPr algn="l" defTabSz="1219170" rtl="0" eaLnBrk="1" latinLnBrk="1" hangingPunct="1">
+      <a:lvl1pPr algn="l" defTabSz="1625803" rtl="0" eaLnBrk="1" latinLnBrk="1" hangingPunct="1">
         <a:lnSpc>
           <a:spcPct val="90000"/>
         </a:lnSpc>
@@ -3401,7 +3401,7 @@
           <a:spcPct val="0"/>
         </a:spcBef>
         <a:buNone/>
-        <a:defRPr sz="5867" kern="1200">
+        <a:defRPr sz="7823" kern="1200">
           <a:solidFill>
             <a:schemeClr val="tx1"/>
           </a:solidFill>
@@ -3412,16 +3412,16 @@
       </a:lvl1pPr>
     </p:titleStyle>
     <p:bodyStyle>
-      <a:lvl1pPr marL="304792" indent="-304792" algn="l" defTabSz="1219170" rtl="0" eaLnBrk="1" latinLnBrk="1" hangingPunct="1">
+      <a:lvl1pPr marL="406451" indent="-406451" algn="l" defTabSz="1625803" rtl="0" eaLnBrk="1" latinLnBrk="1" hangingPunct="1">
         <a:lnSpc>
           <a:spcPct val="90000"/>
         </a:lnSpc>
         <a:spcBef>
-          <a:spcPts val="1333"/>
+          <a:spcPts val="1778"/>
         </a:spcBef>
         <a:buFont typeface="Arial" panose="020B0604020202020204" pitchFamily="34" charset="0"/>
         <a:buChar char="•"/>
-        <a:defRPr sz="3733" kern="1200">
+        <a:defRPr sz="4978" kern="1200">
           <a:solidFill>
             <a:schemeClr val="tx1"/>
           </a:solidFill>
@@ -3430,12 +3430,48 @@
           <a:cs typeface="+mn-cs"/>
         </a:defRPr>
       </a:lvl1pPr>
-      <a:lvl2pPr marL="914377" indent="-304792" algn="l" defTabSz="1219170" rtl="0" eaLnBrk="1" latinLnBrk="1" hangingPunct="1">
+      <a:lvl2pPr marL="1219352" indent="-406451" algn="l" defTabSz="1625803" rtl="0" eaLnBrk="1" latinLnBrk="1" hangingPunct="1">
         <a:lnSpc>
           <a:spcPct val="90000"/>
         </a:lnSpc>
         <a:spcBef>
-          <a:spcPts val="667"/>
+          <a:spcPts val="889"/>
+        </a:spcBef>
+        <a:buFont typeface="Arial" panose="020B0604020202020204" pitchFamily="34" charset="0"/>
+        <a:buChar char="•"/>
+        <a:defRPr sz="4267" kern="1200">
+          <a:solidFill>
+            <a:schemeClr val="tx1"/>
+          </a:solidFill>
+          <a:latin typeface="+mn-lt"/>
+          <a:ea typeface="+mn-ea"/>
+          <a:cs typeface="+mn-cs"/>
+        </a:defRPr>
+      </a:lvl2pPr>
+      <a:lvl3pPr marL="2032254" indent="-406451" algn="l" defTabSz="1625803" rtl="0" eaLnBrk="1" latinLnBrk="1" hangingPunct="1">
+        <a:lnSpc>
+          <a:spcPct val="90000"/>
+        </a:lnSpc>
+        <a:spcBef>
+          <a:spcPts val="889"/>
+        </a:spcBef>
+        <a:buFont typeface="Arial" panose="020B0604020202020204" pitchFamily="34" charset="0"/>
+        <a:buChar char="•"/>
+        <a:defRPr sz="3556" kern="1200">
+          <a:solidFill>
+            <a:schemeClr val="tx1"/>
+          </a:solidFill>
+          <a:latin typeface="+mn-lt"/>
+          <a:ea typeface="+mn-ea"/>
+          <a:cs typeface="+mn-cs"/>
+        </a:defRPr>
+      </a:lvl3pPr>
+      <a:lvl4pPr marL="2845156" indent="-406451" algn="l" defTabSz="1625803" rtl="0" eaLnBrk="1" latinLnBrk="1" hangingPunct="1">
+        <a:lnSpc>
+          <a:spcPct val="90000"/>
+        </a:lnSpc>
+        <a:spcBef>
+          <a:spcPts val="889"/>
         </a:spcBef>
         <a:buFont typeface="Arial" panose="020B0604020202020204" pitchFamily="34" charset="0"/>
         <a:buChar char="•"/>
@@ -3447,53 +3483,17 @@
           <a:ea typeface="+mn-ea"/>
           <a:cs typeface="+mn-cs"/>
         </a:defRPr>
-      </a:lvl2pPr>
-      <a:lvl3pPr marL="1523962" indent="-304792" algn="l" defTabSz="1219170" rtl="0" eaLnBrk="1" latinLnBrk="1" hangingPunct="1">
+      </a:lvl4pPr>
+      <a:lvl5pPr marL="3658057" indent="-406451" algn="l" defTabSz="1625803" rtl="0" eaLnBrk="1" latinLnBrk="1" hangingPunct="1">
         <a:lnSpc>
           <a:spcPct val="90000"/>
         </a:lnSpc>
         <a:spcBef>
-          <a:spcPts val="667"/>
+          <a:spcPts val="889"/>
         </a:spcBef>
         <a:buFont typeface="Arial" panose="020B0604020202020204" pitchFamily="34" charset="0"/>
         <a:buChar char="•"/>
-        <a:defRPr sz="2667" kern="1200">
-          <a:solidFill>
-            <a:schemeClr val="tx1"/>
-          </a:solidFill>
-          <a:latin typeface="+mn-lt"/>
-          <a:ea typeface="+mn-ea"/>
-          <a:cs typeface="+mn-cs"/>
-        </a:defRPr>
-      </a:lvl3pPr>
-      <a:lvl4pPr marL="2133547" indent="-304792" algn="l" defTabSz="1219170" rtl="0" eaLnBrk="1" latinLnBrk="1" hangingPunct="1">
-        <a:lnSpc>
-          <a:spcPct val="90000"/>
-        </a:lnSpc>
-        <a:spcBef>
-          <a:spcPts val="667"/>
-        </a:spcBef>
-        <a:buFont typeface="Arial" panose="020B0604020202020204" pitchFamily="34" charset="0"/>
-        <a:buChar char="•"/>
-        <a:defRPr sz="2400" kern="1200">
-          <a:solidFill>
-            <a:schemeClr val="tx1"/>
-          </a:solidFill>
-          <a:latin typeface="+mn-lt"/>
-          <a:ea typeface="+mn-ea"/>
-          <a:cs typeface="+mn-cs"/>
-        </a:defRPr>
-      </a:lvl4pPr>
-      <a:lvl5pPr marL="2743131" indent="-304792" algn="l" defTabSz="1219170" rtl="0" eaLnBrk="1" latinLnBrk="1" hangingPunct="1">
-        <a:lnSpc>
-          <a:spcPct val="90000"/>
-        </a:lnSpc>
-        <a:spcBef>
-          <a:spcPts val="667"/>
-        </a:spcBef>
-        <a:buFont typeface="Arial" panose="020B0604020202020204" pitchFamily="34" charset="0"/>
-        <a:buChar char="•"/>
-        <a:defRPr sz="2400" kern="1200">
+        <a:defRPr sz="3200" kern="1200">
           <a:solidFill>
             <a:schemeClr val="tx1"/>
           </a:solidFill>
@@ -3502,16 +3502,16 @@
           <a:cs typeface="+mn-cs"/>
         </a:defRPr>
       </a:lvl5pPr>
-      <a:lvl6pPr marL="3352716" indent="-304792" algn="l" defTabSz="1219170" rtl="0" eaLnBrk="1" latinLnBrk="1" hangingPunct="1">
+      <a:lvl6pPr marL="4470959" indent="-406451" algn="l" defTabSz="1625803" rtl="0" eaLnBrk="1" latinLnBrk="1" hangingPunct="1">
         <a:lnSpc>
           <a:spcPct val="90000"/>
         </a:lnSpc>
         <a:spcBef>
-          <a:spcPts val="667"/>
+          <a:spcPts val="889"/>
         </a:spcBef>
         <a:buFont typeface="Arial" panose="020B0604020202020204" pitchFamily="34" charset="0"/>
         <a:buChar char="•"/>
-        <a:defRPr sz="2400" kern="1200">
+        <a:defRPr sz="3200" kern="1200">
           <a:solidFill>
             <a:schemeClr val="tx1"/>
           </a:solidFill>
@@ -3520,16 +3520,16 @@
           <a:cs typeface="+mn-cs"/>
         </a:defRPr>
       </a:lvl6pPr>
-      <a:lvl7pPr marL="3962301" indent="-304792" algn="l" defTabSz="1219170" rtl="0" eaLnBrk="1" latinLnBrk="1" hangingPunct="1">
+      <a:lvl7pPr marL="5283860" indent="-406451" algn="l" defTabSz="1625803" rtl="0" eaLnBrk="1" latinLnBrk="1" hangingPunct="1">
         <a:lnSpc>
           <a:spcPct val="90000"/>
         </a:lnSpc>
         <a:spcBef>
-          <a:spcPts val="667"/>
+          <a:spcPts val="889"/>
         </a:spcBef>
         <a:buFont typeface="Arial" panose="020B0604020202020204" pitchFamily="34" charset="0"/>
         <a:buChar char="•"/>
-        <a:defRPr sz="2400" kern="1200">
+        <a:defRPr sz="3200" kern="1200">
           <a:solidFill>
             <a:schemeClr val="tx1"/>
           </a:solidFill>
@@ -3538,16 +3538,16 @@
           <a:cs typeface="+mn-cs"/>
         </a:defRPr>
       </a:lvl7pPr>
-      <a:lvl8pPr marL="4571886" indent="-304792" algn="l" defTabSz="1219170" rtl="0" eaLnBrk="1" latinLnBrk="1" hangingPunct="1">
+      <a:lvl8pPr marL="6096762" indent="-406451" algn="l" defTabSz="1625803" rtl="0" eaLnBrk="1" latinLnBrk="1" hangingPunct="1">
         <a:lnSpc>
           <a:spcPct val="90000"/>
         </a:lnSpc>
         <a:spcBef>
-          <a:spcPts val="667"/>
+          <a:spcPts val="889"/>
         </a:spcBef>
         <a:buFont typeface="Arial" panose="020B0604020202020204" pitchFamily="34" charset="0"/>
         <a:buChar char="•"/>
-        <a:defRPr sz="2400" kern="1200">
+        <a:defRPr sz="3200" kern="1200">
           <a:solidFill>
             <a:schemeClr val="tx1"/>
           </a:solidFill>
@@ -3556,16 +3556,16 @@
           <a:cs typeface="+mn-cs"/>
         </a:defRPr>
       </a:lvl8pPr>
-      <a:lvl9pPr marL="5181470" indent="-304792" algn="l" defTabSz="1219170" rtl="0" eaLnBrk="1" latinLnBrk="1" hangingPunct="1">
+      <a:lvl9pPr marL="6909664" indent="-406451" algn="l" defTabSz="1625803" rtl="0" eaLnBrk="1" latinLnBrk="1" hangingPunct="1">
         <a:lnSpc>
           <a:spcPct val="90000"/>
         </a:lnSpc>
         <a:spcBef>
-          <a:spcPts val="667"/>
+          <a:spcPts val="889"/>
         </a:spcBef>
         <a:buFont typeface="Arial" panose="020B0604020202020204" pitchFamily="34" charset="0"/>
         <a:buChar char="•"/>
-        <a:defRPr sz="2400" kern="1200">
+        <a:defRPr sz="3200" kern="1200">
           <a:solidFill>
             <a:schemeClr val="tx1"/>
           </a:solidFill>
@@ -3579,8 +3579,8 @@
       <a:defPPr>
         <a:defRPr lang="en-US"/>
       </a:defPPr>
-      <a:lvl1pPr marL="0" algn="l" defTabSz="1219170" rtl="0" eaLnBrk="1" latinLnBrk="1" hangingPunct="1">
-        <a:defRPr sz="2400" kern="1200">
+      <a:lvl1pPr marL="0" algn="l" defTabSz="1625803" rtl="0" eaLnBrk="1" latinLnBrk="1" hangingPunct="1">
+        <a:defRPr sz="3200" kern="1200">
           <a:solidFill>
             <a:schemeClr val="tx1"/>
           </a:solidFill>
@@ -3589,8 +3589,8 @@
           <a:cs typeface="+mn-cs"/>
         </a:defRPr>
       </a:lvl1pPr>
-      <a:lvl2pPr marL="609585" algn="l" defTabSz="1219170" rtl="0" eaLnBrk="1" latinLnBrk="1" hangingPunct="1">
-        <a:defRPr sz="2400" kern="1200">
+      <a:lvl2pPr marL="812902" algn="l" defTabSz="1625803" rtl="0" eaLnBrk="1" latinLnBrk="1" hangingPunct="1">
+        <a:defRPr sz="3200" kern="1200">
           <a:solidFill>
             <a:schemeClr val="tx1"/>
           </a:solidFill>
@@ -3599,8 +3599,8 @@
           <a:cs typeface="+mn-cs"/>
         </a:defRPr>
       </a:lvl2pPr>
-      <a:lvl3pPr marL="1219170" algn="l" defTabSz="1219170" rtl="0" eaLnBrk="1" latinLnBrk="1" hangingPunct="1">
-        <a:defRPr sz="2400" kern="1200">
+      <a:lvl3pPr marL="1625803" algn="l" defTabSz="1625803" rtl="0" eaLnBrk="1" latinLnBrk="1" hangingPunct="1">
+        <a:defRPr sz="3200" kern="1200">
           <a:solidFill>
             <a:schemeClr val="tx1"/>
           </a:solidFill>
@@ -3609,8 +3609,8 @@
           <a:cs typeface="+mn-cs"/>
         </a:defRPr>
       </a:lvl3pPr>
-      <a:lvl4pPr marL="1828754" algn="l" defTabSz="1219170" rtl="0" eaLnBrk="1" latinLnBrk="1" hangingPunct="1">
-        <a:defRPr sz="2400" kern="1200">
+      <a:lvl4pPr marL="2438705" algn="l" defTabSz="1625803" rtl="0" eaLnBrk="1" latinLnBrk="1" hangingPunct="1">
+        <a:defRPr sz="3200" kern="1200">
           <a:solidFill>
             <a:schemeClr val="tx1"/>
           </a:solidFill>
@@ -3619,8 +3619,8 @@
           <a:cs typeface="+mn-cs"/>
         </a:defRPr>
       </a:lvl4pPr>
-      <a:lvl5pPr marL="2438339" algn="l" defTabSz="1219170" rtl="0" eaLnBrk="1" latinLnBrk="1" hangingPunct="1">
-        <a:defRPr sz="2400" kern="1200">
+      <a:lvl5pPr marL="3251606" algn="l" defTabSz="1625803" rtl="0" eaLnBrk="1" latinLnBrk="1" hangingPunct="1">
+        <a:defRPr sz="3200" kern="1200">
           <a:solidFill>
             <a:schemeClr val="tx1"/>
           </a:solidFill>
@@ -3629,8 +3629,8 @@
           <a:cs typeface="+mn-cs"/>
         </a:defRPr>
       </a:lvl5pPr>
-      <a:lvl6pPr marL="3047924" algn="l" defTabSz="1219170" rtl="0" eaLnBrk="1" latinLnBrk="1" hangingPunct="1">
-        <a:defRPr sz="2400" kern="1200">
+      <a:lvl6pPr marL="4064508" algn="l" defTabSz="1625803" rtl="0" eaLnBrk="1" latinLnBrk="1" hangingPunct="1">
+        <a:defRPr sz="3200" kern="1200">
           <a:solidFill>
             <a:schemeClr val="tx1"/>
           </a:solidFill>
@@ -3639,8 +3639,8 @@
           <a:cs typeface="+mn-cs"/>
         </a:defRPr>
       </a:lvl6pPr>
-      <a:lvl7pPr marL="3657509" algn="l" defTabSz="1219170" rtl="0" eaLnBrk="1" latinLnBrk="1" hangingPunct="1">
-        <a:defRPr sz="2400" kern="1200">
+      <a:lvl7pPr marL="4877410" algn="l" defTabSz="1625803" rtl="0" eaLnBrk="1" latinLnBrk="1" hangingPunct="1">
+        <a:defRPr sz="3200" kern="1200">
           <a:solidFill>
             <a:schemeClr val="tx1"/>
           </a:solidFill>
@@ -3649,8 +3649,8 @@
           <a:cs typeface="+mn-cs"/>
         </a:defRPr>
       </a:lvl7pPr>
-      <a:lvl8pPr marL="4267093" algn="l" defTabSz="1219170" rtl="0" eaLnBrk="1" latinLnBrk="1" hangingPunct="1">
-        <a:defRPr sz="2400" kern="1200">
+      <a:lvl8pPr marL="5690311" algn="l" defTabSz="1625803" rtl="0" eaLnBrk="1" latinLnBrk="1" hangingPunct="1">
+        <a:defRPr sz="3200" kern="1200">
           <a:solidFill>
             <a:schemeClr val="tx1"/>
           </a:solidFill>
@@ -3659,8 +3659,8 @@
           <a:cs typeface="+mn-cs"/>
         </a:defRPr>
       </a:lvl8pPr>
-      <a:lvl9pPr marL="4876678" algn="l" defTabSz="1219170" rtl="0" eaLnBrk="1" latinLnBrk="1" hangingPunct="1">
-        <a:defRPr sz="2400" kern="1200">
+      <a:lvl9pPr marL="6503213" algn="l" defTabSz="1625803" rtl="0" eaLnBrk="1" latinLnBrk="1" hangingPunct="1">
+        <a:defRPr sz="3200" kern="1200">
           <a:solidFill>
             <a:schemeClr val="tx1"/>
           </a:solidFill>
@@ -3713,7 +3713,7 @@
         </p:blipFill>
         <p:spPr>
           <a:xfrm>
-            <a:off x="2209800" y="2903588"/>
+            <a:off x="6952456" y="2903588"/>
             <a:ext cx="7772400" cy="6386412"/>
           </a:xfrm>
           <a:prstGeom prst="rect">
@@ -3765,7 +3765,7 @@
         </p:nvSpPr>
         <p:spPr>
           <a:xfrm>
-            <a:off x="7347213" y="3731665"/>
+            <a:off x="12089869" y="3731665"/>
             <a:ext cx="2211868" cy="1998578"/>
           </a:xfrm>
           <a:prstGeom prst="rect">
@@ -3833,7 +3833,7 @@
         </p:blipFill>
         <p:spPr bwMode="auto">
           <a:xfrm>
-            <a:off x="2052490" y="6938301"/>
+            <a:off x="6795146" y="6938301"/>
             <a:ext cx="465430" cy="465430"/>
           </a:xfrm>
           <a:prstGeom prst="rect">
@@ -3867,7 +3867,7 @@
         </p:nvSpPr>
         <p:spPr>
           <a:xfrm>
-            <a:off x="1924836" y="7418538"/>
+            <a:off x="6667493" y="7418538"/>
             <a:ext cx="739201" cy="267998"/>
           </a:xfrm>
           <a:prstGeom prst="rect">
@@ -3931,7 +3931,7 @@
         </p:nvSpPr>
         <p:spPr>
           <a:xfrm>
-            <a:off x="3545355" y="8399998"/>
+            <a:off x="8288011" y="8399999"/>
             <a:ext cx="1304524" cy="262033"/>
           </a:xfrm>
           <a:prstGeom prst="rect">
@@ -4022,7 +4022,7 @@
         </p:blipFill>
         <p:spPr bwMode="auto">
           <a:xfrm>
-            <a:off x="3978060" y="7897281"/>
+            <a:off x="8720716" y="7897281"/>
             <a:ext cx="465430" cy="465430"/>
           </a:xfrm>
           <a:prstGeom prst="rect">
@@ -4056,7 +4056,7 @@
         </p:nvSpPr>
         <p:spPr>
           <a:xfrm>
-            <a:off x="3608195" y="7429471"/>
+            <a:off x="8350852" y="7429471"/>
             <a:ext cx="1206609" cy="267998"/>
           </a:xfrm>
           <a:prstGeom prst="rect">
@@ -4142,7 +4142,7 @@
         </p:blipFill>
         <p:spPr>
           <a:xfrm>
-            <a:off x="6252487" y="9097632"/>
+            <a:off x="10995144" y="9097633"/>
             <a:ext cx="465429" cy="465429"/>
           </a:xfrm>
           <a:prstGeom prst="rect">
@@ -4166,7 +4166,7 @@
         </p:nvSpPr>
         <p:spPr>
           <a:xfrm>
-            <a:off x="6024981" y="9575333"/>
+            <a:off x="10767637" y="9575333"/>
             <a:ext cx="869150" cy="267998"/>
           </a:xfrm>
           <a:prstGeom prst="rect">
@@ -4236,7 +4236,7 @@
         </p:blipFill>
         <p:spPr>
           <a:xfrm>
-            <a:off x="10730416" y="10377578"/>
+            <a:off x="15473072" y="10377578"/>
             <a:ext cx="462142" cy="462142"/>
           </a:xfrm>
           <a:prstGeom prst="rect">
@@ -4266,7 +4266,7 @@
         </p:blipFill>
         <p:spPr>
           <a:xfrm>
-            <a:off x="5351476" y="2888808"/>
+            <a:off x="10094132" y="2888808"/>
             <a:ext cx="461326" cy="461326"/>
           </a:xfrm>
           <a:prstGeom prst="rect">
@@ -4291,7 +4291,7 @@
         </p:nvCxnSpPr>
         <p:spPr>
           <a:xfrm flipH="1">
-            <a:off x="861387" y="1238619"/>
+            <a:off x="5604044" y="1238619"/>
             <a:ext cx="367029" cy="0"/>
           </a:xfrm>
           <a:prstGeom prst="straightConnector1">
@@ -4341,7 +4341,7 @@
         </p:blipFill>
         <p:spPr>
           <a:xfrm>
-            <a:off x="2386558" y="1009243"/>
+            <a:off x="7129215" y="1009244"/>
             <a:ext cx="462143" cy="462143"/>
           </a:xfrm>
           <a:prstGeom prst="rect">
@@ -4365,7 +4365,7 @@
         </p:nvSpPr>
         <p:spPr>
           <a:xfrm>
-            <a:off x="1996901" y="1505197"/>
+            <a:off x="6739558" y="1505197"/>
             <a:ext cx="1260673" cy="267998"/>
           </a:xfrm>
           <a:prstGeom prst="rect">
@@ -4441,7 +4441,7 @@
         </p:blipFill>
         <p:spPr>
           <a:xfrm>
-            <a:off x="199648" y="855808"/>
+            <a:off x="4942305" y="855809"/>
             <a:ext cx="754027" cy="754027"/>
           </a:xfrm>
           <a:prstGeom prst="rect">
@@ -4473,7 +4473,7 @@
         </p:blipFill>
         <p:spPr>
           <a:xfrm>
-            <a:off x="1228416" y="1007547"/>
+            <a:off x="5971073" y="1007548"/>
             <a:ext cx="462143" cy="462143"/>
           </a:xfrm>
           <a:prstGeom prst="rect">
@@ -4497,7 +4497,7 @@
         </p:nvSpPr>
         <p:spPr>
           <a:xfrm>
-            <a:off x="979445" y="1495410"/>
+            <a:off x="5722102" y="1495410"/>
             <a:ext cx="967879" cy="267998"/>
           </a:xfrm>
           <a:prstGeom prst="rect">
@@ -4569,7 +4569,7 @@
         </p:blipFill>
         <p:spPr>
           <a:xfrm>
-            <a:off x="9436496" y="10334988"/>
+            <a:off x="14179152" y="10334988"/>
             <a:ext cx="469400" cy="469400"/>
           </a:xfrm>
           <a:prstGeom prst="rect">
@@ -4593,7 +4593,7 @@
         </p:nvSpPr>
         <p:spPr>
           <a:xfrm>
-            <a:off x="4485247" y="2911353"/>
+            <a:off x="9227904" y="2911354"/>
             <a:ext cx="967879" cy="387771"/>
           </a:xfrm>
           <a:prstGeom prst="rect">
@@ -4668,7 +4668,7 @@
         </p:nvSpPr>
         <p:spPr>
           <a:xfrm>
-            <a:off x="10472883" y="10842470"/>
+            <a:off x="15215540" y="10842470"/>
             <a:ext cx="967879" cy="267998"/>
           </a:xfrm>
           <a:prstGeom prst="rect">
@@ -4740,7 +4740,7 @@
         </p:blipFill>
         <p:spPr>
           <a:xfrm>
-            <a:off x="9276914" y="2883406"/>
+            <a:off x="14019571" y="2883407"/>
             <a:ext cx="461327" cy="461327"/>
           </a:xfrm>
           <a:prstGeom prst="rect">
@@ -4764,7 +4764,7 @@
         </p:nvSpPr>
         <p:spPr>
           <a:xfrm>
-            <a:off x="8821645" y="3368609"/>
+            <a:off x="13564302" y="3368609"/>
             <a:ext cx="1372683" cy="267998"/>
           </a:xfrm>
           <a:prstGeom prst="rect">
@@ -4845,7 +4845,7 @@
         </p:nvSpPr>
         <p:spPr>
           <a:xfrm>
-            <a:off x="1996900" y="3731666"/>
+            <a:off x="6739557" y="3731666"/>
             <a:ext cx="4360903" cy="1987310"/>
           </a:xfrm>
           <a:prstGeom prst="rect">
@@ -4898,7 +4898,7 @@
         </p:nvSpPr>
         <p:spPr>
           <a:xfrm>
-            <a:off x="4937166" y="3919364"/>
+            <a:off x="9679823" y="3919364"/>
             <a:ext cx="1203109" cy="243942"/>
           </a:xfrm>
           <a:prstGeom prst="flowChartProcess">
@@ -4962,7 +4962,7 @@
         </p:nvSpPr>
         <p:spPr>
           <a:xfrm>
-            <a:off x="4937166" y="4242398"/>
+            <a:off x="9679823" y="4242398"/>
             <a:ext cx="1203109" cy="243942"/>
           </a:xfrm>
           <a:prstGeom prst="flowChartProcess">
@@ -5026,7 +5026,7 @@
         </p:nvSpPr>
         <p:spPr>
           <a:xfrm>
-            <a:off x="4937166" y="4544620"/>
+            <a:off x="9679823" y="4544620"/>
             <a:ext cx="1203109" cy="243942"/>
           </a:xfrm>
           <a:prstGeom prst="flowChartProcess">
@@ -5094,7 +5094,7 @@
         </p:nvCxnSpPr>
         <p:spPr>
           <a:xfrm flipH="1" flipV="1">
-            <a:off x="1690559" y="1238619"/>
+            <a:off x="6433216" y="1238619"/>
             <a:ext cx="695999" cy="1696"/>
           </a:xfrm>
           <a:prstGeom prst="straightConnector1">
@@ -5142,7 +5142,7 @@
         </p:blipFill>
         <p:spPr>
           <a:xfrm>
-            <a:off x="2845585" y="2884346"/>
+            <a:off x="7588241" y="2884346"/>
             <a:ext cx="461326" cy="461326"/>
           </a:xfrm>
           <a:prstGeom prst="rect">
@@ -5166,7 +5166,7 @@
         </p:nvSpPr>
         <p:spPr>
           <a:xfrm>
-            <a:off x="1895815" y="2922263"/>
+            <a:off x="6638472" y="2922264"/>
             <a:ext cx="967879" cy="387771"/>
           </a:xfrm>
           <a:prstGeom prst="rect">
@@ -5252,7 +5252,7 @@
         </p:blipFill>
         <p:spPr bwMode="auto">
           <a:xfrm>
-            <a:off x="10555628" y="2942857"/>
+            <a:off x="15298285" y="2942857"/>
             <a:ext cx="649591" cy="333312"/>
           </a:xfrm>
           <a:prstGeom prst="rect">
@@ -5288,7 +5288,7 @@
         </p:nvCxnSpPr>
         <p:spPr>
           <a:xfrm flipH="1" flipV="1">
-            <a:off x="2848701" y="1240315"/>
+            <a:off x="7591357" y="1240316"/>
             <a:ext cx="779000" cy="1323"/>
           </a:xfrm>
           <a:prstGeom prst="straightConnector1">
@@ -5332,7 +5332,7 @@
         </p:nvCxnSpPr>
         <p:spPr>
           <a:xfrm flipH="1">
-            <a:off x="4107478" y="1241590"/>
+            <a:off x="8850135" y="1241590"/>
             <a:ext cx="855605" cy="48"/>
           </a:xfrm>
           <a:prstGeom prst="straightConnector1">
@@ -5376,7 +5376,7 @@
         </p:nvCxnSpPr>
         <p:spPr>
           <a:xfrm rot="10800000" flipH="1">
-            <a:off x="4937165" y="3350135"/>
+            <a:off x="9679822" y="3350136"/>
             <a:ext cx="644973" cy="1014235"/>
           </a:xfrm>
           <a:prstGeom prst="bentConnector4">
@@ -5417,7 +5417,7 @@
         </p:nvSpPr>
         <p:spPr>
           <a:xfrm>
-            <a:off x="10109924" y="3368609"/>
+            <a:off x="14852581" y="3368609"/>
             <a:ext cx="1651921" cy="267998"/>
           </a:xfrm>
           <a:prstGeom prst="rect">
@@ -5478,7 +5478,7 @@
         </p:nvCxnSpPr>
         <p:spPr>
           <a:xfrm flipV="1">
-            <a:off x="9559081" y="4730583"/>
+            <a:off x="14301737" y="4730584"/>
             <a:ext cx="1065654" cy="371"/>
           </a:xfrm>
           <a:prstGeom prst="straightConnector1">
@@ -5534,7 +5534,7 @@
         </p:blipFill>
         <p:spPr bwMode="auto">
           <a:xfrm>
-            <a:off x="3978784" y="6938301"/>
+            <a:off x="8721440" y="6938301"/>
             <a:ext cx="465430" cy="465430"/>
           </a:xfrm>
           <a:prstGeom prst="rect">
@@ -5566,7 +5566,7 @@
         </p:nvSpPr>
         <p:spPr>
           <a:xfrm>
-            <a:off x="2465653" y="4547971"/>
+            <a:off x="7208310" y="4547971"/>
             <a:ext cx="1203109" cy="243942"/>
           </a:xfrm>
           <a:prstGeom prst="flowChartProcess">
@@ -5630,7 +5630,7 @@
         </p:nvSpPr>
         <p:spPr>
           <a:xfrm>
-            <a:off x="2480156" y="3918056"/>
+            <a:off x="7222813" y="3918056"/>
             <a:ext cx="1203109" cy="243942"/>
           </a:xfrm>
           <a:prstGeom prst="flowChartProcess">
@@ -5698,7 +5698,7 @@
         </p:nvCxnSpPr>
         <p:spPr>
           <a:xfrm rot="10800000" flipH="1">
-            <a:off x="2465652" y="3345672"/>
+            <a:off x="7208309" y="3345672"/>
             <a:ext cx="610595" cy="1324270"/>
           </a:xfrm>
           <a:prstGeom prst="bentConnector4">
@@ -5741,7 +5741,7 @@
         </p:nvCxnSpPr>
         <p:spPr>
           <a:xfrm rot="10800000" flipH="1">
-            <a:off x="4937165" y="3350135"/>
+            <a:off x="9679822" y="3350136"/>
             <a:ext cx="644973" cy="1316457"/>
           </a:xfrm>
           <a:prstGeom prst="bentConnector4">
@@ -5784,7 +5784,7 @@
         </p:nvCxnSpPr>
         <p:spPr>
           <a:xfrm rot="10800000" flipH="1">
-            <a:off x="4937165" y="3350135"/>
+            <a:off x="9679822" y="3350136"/>
             <a:ext cx="644973" cy="691201"/>
           </a:xfrm>
           <a:prstGeom prst="bentConnector4">
@@ -5827,7 +5827,7 @@
         </p:nvCxnSpPr>
         <p:spPr>
           <a:xfrm rot="10800000" flipH="1">
-            <a:off x="2467534" y="3345673"/>
+            <a:off x="7210190" y="3345674"/>
             <a:ext cx="608714" cy="1018697"/>
           </a:xfrm>
           <a:prstGeom prst="bentConnector4">
@@ -5870,7 +5870,7 @@
         </p:nvCxnSpPr>
         <p:spPr>
           <a:xfrm rot="10800000" flipH="1">
-            <a:off x="2480156" y="3345673"/>
+            <a:off x="7222812" y="3345674"/>
             <a:ext cx="596092" cy="694355"/>
           </a:xfrm>
           <a:prstGeom prst="bentConnector4">
@@ -5913,7 +5913,7 @@
         </p:nvCxnSpPr>
         <p:spPr>
           <a:xfrm rot="5400000" flipH="1" flipV="1">
-            <a:off x="2894365" y="5623109"/>
+            <a:off x="7637022" y="5623109"/>
             <a:ext cx="706033" cy="1924352"/>
           </a:xfrm>
           <a:prstGeom prst="bentConnector3">
@@ -5953,7 +5953,7 @@
         </p:nvSpPr>
         <p:spPr>
           <a:xfrm>
-            <a:off x="9187257" y="10809942"/>
+            <a:off x="13929914" y="10809942"/>
             <a:ext cx="967879" cy="267998"/>
           </a:xfrm>
           <a:prstGeom prst="rect">
@@ -6017,7 +6017,7 @@
         </p:nvSpPr>
         <p:spPr>
           <a:xfrm>
-            <a:off x="1622563" y="8408697"/>
+            <a:off x="6365219" y="8408698"/>
             <a:ext cx="1304524" cy="262033"/>
           </a:xfrm>
           <a:prstGeom prst="rect">
@@ -6092,7 +6092,7 @@
         </p:blipFill>
         <p:spPr bwMode="auto">
           <a:xfrm>
-            <a:off x="2059634" y="7921780"/>
+            <a:off x="6802290" y="7921780"/>
             <a:ext cx="465430" cy="465430"/>
           </a:xfrm>
           <a:prstGeom prst="rect">
@@ -6128,7 +6128,7 @@
         </p:nvCxnSpPr>
         <p:spPr>
           <a:xfrm rot="16200000" flipV="1">
-            <a:off x="3857512" y="6584314"/>
+            <a:off x="8600169" y="6584314"/>
             <a:ext cx="706033" cy="1942"/>
           </a:xfrm>
           <a:prstGeom prst="bentConnector3">
@@ -6170,7 +6170,7 @@
         </p:nvCxnSpPr>
         <p:spPr>
           <a:xfrm rot="16200000" flipV="1">
-            <a:off x="3914698" y="6527127"/>
+            <a:off x="8657354" y="6527128"/>
             <a:ext cx="2865364" cy="2275645"/>
           </a:xfrm>
           <a:prstGeom prst="bentConnector3">
@@ -6208,7 +6208,7 @@
         </p:nvSpPr>
         <p:spPr>
           <a:xfrm>
-            <a:off x="2465653" y="4855296"/>
+            <a:off x="7208310" y="4855296"/>
             <a:ext cx="1203109" cy="243942"/>
           </a:xfrm>
           <a:prstGeom prst="flowChartProcess">
@@ -6276,7 +6276,7 @@
         </p:nvCxnSpPr>
         <p:spPr>
           <a:xfrm rot="10800000" flipH="1">
-            <a:off x="2465652" y="3345673"/>
+            <a:off x="7208309" y="3345674"/>
             <a:ext cx="610595" cy="1631595"/>
           </a:xfrm>
           <a:prstGeom prst="bentConnector4">
@@ -6325,7 +6325,7 @@
         </p:blipFill>
         <p:spPr>
           <a:xfrm>
-            <a:off x="3627701" y="1001749"/>
+            <a:off x="8370358" y="1001750"/>
             <a:ext cx="479777" cy="479777"/>
           </a:xfrm>
           <a:prstGeom prst="rect">
@@ -6349,7 +6349,7 @@
         </p:nvSpPr>
         <p:spPr>
           <a:xfrm>
-            <a:off x="3119462" y="1508532"/>
+            <a:off x="7862119" y="1508532"/>
             <a:ext cx="1418039" cy="269792"/>
           </a:xfrm>
           <a:prstGeom prst="rect">
@@ -6411,7 +6411,7 @@
         </p:nvSpPr>
         <p:spPr>
           <a:xfrm>
-            <a:off x="4963083" y="1120374"/>
+            <a:off x="9705740" y="1120375"/>
             <a:ext cx="1241157" cy="242431"/>
           </a:xfrm>
           <a:prstGeom prst="flowChartProcess">
@@ -6475,7 +6475,7 @@
         </p:nvSpPr>
         <p:spPr>
           <a:xfrm>
-            <a:off x="4963082" y="434352"/>
+            <a:off x="9705739" y="434353"/>
             <a:ext cx="1241157" cy="242431"/>
           </a:xfrm>
           <a:prstGeom prst="flowChartProcess">
@@ -6539,7 +6539,7 @@
         </p:nvSpPr>
         <p:spPr>
           <a:xfrm>
-            <a:off x="4831832" y="308181"/>
+            <a:off x="9574488" y="308181"/>
             <a:ext cx="3002314" cy="1396574"/>
           </a:xfrm>
           <a:prstGeom prst="rect">
@@ -6600,7 +6600,7 @@
         </p:blipFill>
         <p:spPr>
           <a:xfrm>
-            <a:off x="6015629" y="1499838"/>
+            <a:off x="10758285" y="1499838"/>
             <a:ext cx="462142" cy="462142"/>
           </a:xfrm>
           <a:prstGeom prst="rect">
@@ -6624,7 +6624,7 @@
         </p:nvSpPr>
         <p:spPr>
           <a:xfrm>
-            <a:off x="5758257" y="1999590"/>
+            <a:off x="10500914" y="1999590"/>
             <a:ext cx="967879" cy="267998"/>
           </a:xfrm>
           <a:prstGeom prst="rect">
@@ -6688,7 +6688,7 @@
         </p:nvSpPr>
         <p:spPr>
           <a:xfrm>
-            <a:off x="8122878" y="5964270"/>
+            <a:off x="12865535" y="5964270"/>
             <a:ext cx="739201" cy="267998"/>
           </a:xfrm>
           <a:prstGeom prst="rect">
@@ -6758,7 +6758,7 @@
         </p:blipFill>
         <p:spPr>
           <a:xfrm>
-            <a:off x="8250375" y="5468794"/>
+            <a:off x="12993031" y="5468794"/>
             <a:ext cx="462142" cy="462142"/>
           </a:xfrm>
           <a:prstGeom prst="rect">
@@ -6780,7 +6780,7 @@
         </p:nvSpPr>
         <p:spPr>
           <a:xfrm>
-            <a:off x="6392461" y="1118786"/>
+            <a:off x="11135118" y="1118786"/>
             <a:ext cx="1241157" cy="245334"/>
           </a:xfrm>
           <a:prstGeom prst="flowChartProcess">
@@ -6844,7 +6844,7 @@
         </p:nvSpPr>
         <p:spPr>
           <a:xfrm>
-            <a:off x="7897960" y="3927630"/>
+            <a:off x="12640617" y="3927630"/>
             <a:ext cx="1241157" cy="245334"/>
           </a:xfrm>
           <a:prstGeom prst="flowChartProcess">
@@ -6916,7 +6916,7 @@
         </p:blipFill>
         <p:spPr>
           <a:xfrm>
-            <a:off x="7858890" y="2884346"/>
+            <a:off x="12601546" y="2884346"/>
             <a:ext cx="461326" cy="461326"/>
           </a:xfrm>
           <a:prstGeom prst="rect">
@@ -6940,7 +6940,7 @@
         </p:nvSpPr>
         <p:spPr>
           <a:xfrm>
-            <a:off x="6901552" y="2931910"/>
+            <a:off x="11644209" y="2931911"/>
             <a:ext cx="967879" cy="387771"/>
           </a:xfrm>
           <a:prstGeom prst="rect">
@@ -7013,7 +7013,7 @@
         </p:nvSpPr>
         <p:spPr>
           <a:xfrm>
-            <a:off x="7897957" y="5162221"/>
+            <a:off x="12640614" y="5162221"/>
             <a:ext cx="1241157" cy="245334"/>
           </a:xfrm>
           <a:prstGeom prst="flowChartProcess">
@@ -7077,7 +7077,7 @@
         </p:nvSpPr>
         <p:spPr>
           <a:xfrm>
-            <a:off x="7897959" y="4242398"/>
+            <a:off x="12640616" y="4242398"/>
             <a:ext cx="1241157" cy="245334"/>
           </a:xfrm>
           <a:prstGeom prst="flowChartProcess">
@@ -7141,7 +7141,7 @@
         </p:nvSpPr>
         <p:spPr>
           <a:xfrm>
-            <a:off x="7897959" y="4545726"/>
+            <a:off x="12640615" y="4545726"/>
             <a:ext cx="1241158" cy="245334"/>
           </a:xfrm>
           <a:prstGeom prst="flowChartProcess">
@@ -7205,7 +7205,7 @@
         </p:nvSpPr>
         <p:spPr>
           <a:xfrm>
-            <a:off x="7897958" y="4861570"/>
+            <a:off x="12640615" y="4861570"/>
             <a:ext cx="1241157" cy="245334"/>
           </a:xfrm>
           <a:prstGeom prst="flowChartProcess">
@@ -7273,7 +7273,7 @@
         </p:nvCxnSpPr>
         <p:spPr>
           <a:xfrm rot="5400000" flipH="1" flipV="1">
-            <a:off x="4819899" y="2125046"/>
+            <a:off x="9562556" y="2125047"/>
             <a:ext cx="1526003" cy="1523"/>
           </a:xfrm>
           <a:prstGeom prst="bentConnector3">
@@ -7315,7 +7315,7 @@
         </p:nvCxnSpPr>
         <p:spPr>
           <a:xfrm rot="5400000" flipH="1" flipV="1">
-            <a:off x="3569185" y="869869"/>
+            <a:off x="8311842" y="869869"/>
             <a:ext cx="1521541" cy="2507414"/>
           </a:xfrm>
           <a:prstGeom prst="bentConnector3">
@@ -7357,7 +7357,7 @@
         </p:nvCxnSpPr>
         <p:spPr>
           <a:xfrm flipH="1" flipV="1">
-            <a:off x="5583661" y="676783"/>
+            <a:off x="10326318" y="676784"/>
             <a:ext cx="1" cy="443591"/>
           </a:xfrm>
           <a:prstGeom prst="straightConnector1">
@@ -7397,7 +7397,7 @@
         </p:nvSpPr>
         <p:spPr>
           <a:xfrm>
-            <a:off x="4963082" y="766164"/>
+            <a:off x="9705739" y="766165"/>
             <a:ext cx="1241157" cy="242431"/>
           </a:xfrm>
           <a:prstGeom prst="flowChartProcess">
@@ -7461,7 +7461,7 @@
         </p:nvSpPr>
         <p:spPr>
           <a:xfrm>
-            <a:off x="2467534" y="4242398"/>
+            <a:off x="7210191" y="4242398"/>
             <a:ext cx="1203109" cy="243942"/>
           </a:xfrm>
           <a:prstGeom prst="flowChartProcess">
@@ -7529,7 +7529,7 @@
         </p:nvCxnSpPr>
         <p:spPr>
           <a:xfrm rot="16200000" flipV="1">
-            <a:off x="6075838" y="870630"/>
+            <a:off x="10818495" y="870631"/>
             <a:ext cx="1521541" cy="2505891"/>
           </a:xfrm>
           <a:prstGeom prst="bentConnector3">
@@ -7571,7 +7571,7 @@
         </p:nvCxnSpPr>
         <p:spPr>
           <a:xfrm flipV="1">
-            <a:off x="6204240" y="1241453"/>
+            <a:off x="10946897" y="1241454"/>
             <a:ext cx="188221" cy="137"/>
           </a:xfrm>
           <a:prstGeom prst="straightConnector1">
@@ -7615,7 +7615,7 @@
         </p:nvCxnSpPr>
         <p:spPr>
           <a:xfrm flipH="1">
-            <a:off x="8320216" y="3114070"/>
+            <a:off x="13062872" y="3114071"/>
             <a:ext cx="956698" cy="939"/>
           </a:xfrm>
           <a:prstGeom prst="straightConnector1">
@@ -7657,7 +7657,7 @@
         </p:nvSpPr>
         <p:spPr>
           <a:xfrm>
-            <a:off x="3839956" y="5964270"/>
+            <a:off x="8582613" y="5964270"/>
             <a:ext cx="739201" cy="267998"/>
           </a:xfrm>
           <a:prstGeom prst="rect">
@@ -7727,7 +7727,7 @@
         </p:blipFill>
         <p:spPr>
           <a:xfrm>
-            <a:off x="3967453" y="5468794"/>
+            <a:off x="8710109" y="5468794"/>
             <a:ext cx="462142" cy="462142"/>
           </a:xfrm>
           <a:prstGeom prst="rect">
@@ -7753,7 +7753,7 @@
         </p:nvCxnSpPr>
         <p:spPr>
           <a:xfrm rot="10800000" flipH="1">
-            <a:off x="7897957" y="3345672"/>
+            <a:off x="12640613" y="3345672"/>
             <a:ext cx="191596" cy="1939216"/>
           </a:xfrm>
           <a:prstGeom prst="bentConnector4">
@@ -7796,7 +7796,7 @@
         </p:nvCxnSpPr>
         <p:spPr>
           <a:xfrm rot="10800000" flipH="1">
-            <a:off x="7897957" y="3345673"/>
+            <a:off x="12640614" y="3345674"/>
             <a:ext cx="191595" cy="1638565"/>
           </a:xfrm>
           <a:prstGeom prst="bentConnector4">
@@ -7839,7 +7839,7 @@
         </p:nvCxnSpPr>
         <p:spPr>
           <a:xfrm rot="10800000" flipH="1">
-            <a:off x="7897959" y="3345673"/>
+            <a:off x="12640615" y="3345674"/>
             <a:ext cx="191594" cy="1322721"/>
           </a:xfrm>
           <a:prstGeom prst="bentConnector4">
@@ -7882,7 +7882,7 @@
         </p:nvCxnSpPr>
         <p:spPr>
           <a:xfrm rot="10800000" flipH="1">
-            <a:off x="7897959" y="3345673"/>
+            <a:off x="12640615" y="3345674"/>
             <a:ext cx="191594" cy="1019393"/>
           </a:xfrm>
           <a:prstGeom prst="bentConnector4">
@@ -7925,7 +7925,7 @@
         </p:nvCxnSpPr>
         <p:spPr>
           <a:xfrm rot="10800000" flipH="1">
-            <a:off x="7897959" y="3345673"/>
+            <a:off x="12640616" y="3345674"/>
             <a:ext cx="191593" cy="704625"/>
           </a:xfrm>
           <a:prstGeom prst="bentConnector4">
@@ -7966,7 +7966,7 @@
         </p:nvCxnSpPr>
         <p:spPr>
           <a:xfrm flipH="1">
-            <a:off x="540925" y="10072377"/>
+            <a:off x="5283582" y="10072377"/>
             <a:ext cx="11198699" cy="0"/>
           </a:xfrm>
           <a:prstGeom prst="straightConnector1">
@@ -8017,7 +8017,7 @@
         </p:blipFill>
         <p:spPr>
           <a:xfrm>
-            <a:off x="8287587" y="9110241"/>
+            <a:off x="13030244" y="9110242"/>
             <a:ext cx="465429" cy="465429"/>
           </a:xfrm>
           <a:prstGeom prst="rect">
@@ -8041,7 +8041,7 @@
         </p:nvSpPr>
         <p:spPr>
           <a:xfrm>
-            <a:off x="8060081" y="9587942"/>
+            <a:off x="12802737" y="9587942"/>
             <a:ext cx="869150" cy="267998"/>
           </a:xfrm>
           <a:prstGeom prst="rect">
@@ -8111,7 +8111,7 @@
         </p:blipFill>
         <p:spPr>
           <a:xfrm>
-            <a:off x="3963978" y="9109903"/>
+            <a:off x="8706634" y="9109903"/>
             <a:ext cx="465430" cy="465430"/>
           </a:xfrm>
           <a:prstGeom prst="rect">
@@ -8141,7 +8141,7 @@
         </p:blipFill>
         <p:spPr>
           <a:xfrm>
-            <a:off x="10624735" y="4499920"/>
+            <a:off x="15367391" y="4499920"/>
             <a:ext cx="461326" cy="461326"/>
           </a:xfrm>
           <a:prstGeom prst="rect">
@@ -8165,7 +8165,7 @@
         </p:nvSpPr>
         <p:spPr>
           <a:xfrm>
-            <a:off x="10194328" y="4961246"/>
+            <a:off x="14936985" y="4961246"/>
             <a:ext cx="1314173" cy="267998"/>
           </a:xfrm>
           <a:prstGeom prst="rect">
@@ -8226,7 +8226,7 @@
         </p:nvCxnSpPr>
         <p:spPr>
           <a:xfrm flipV="1">
-            <a:off x="2292349" y="7686536"/>
+            <a:off x="7035005" y="7686536"/>
             <a:ext cx="2088" cy="235244"/>
           </a:xfrm>
           <a:prstGeom prst="straightConnector1">
@@ -8270,7 +8270,7 @@
         </p:nvCxnSpPr>
         <p:spPr>
           <a:xfrm flipV="1">
-            <a:off x="4210775" y="7697469"/>
+            <a:off x="8953432" y="7697469"/>
             <a:ext cx="725" cy="199812"/>
           </a:xfrm>
           <a:prstGeom prst="straightConnector1">
@@ -8312,7 +8312,7 @@
         </p:nvSpPr>
         <p:spPr>
           <a:xfrm>
-            <a:off x="3752647" y="9581818"/>
+            <a:off x="8495303" y="9581818"/>
             <a:ext cx="869150" cy="267998"/>
           </a:xfrm>
           <a:prstGeom prst="rect">
@@ -8378,7 +8378,7 @@
         </p:nvCxnSpPr>
         <p:spPr>
           <a:xfrm>
-            <a:off x="8492479" y="6232268"/>
+            <a:off x="13235136" y="6232269"/>
             <a:ext cx="27823" cy="2877973"/>
           </a:xfrm>
           <a:prstGeom prst="straightConnector1">
@@ -8422,7 +8422,7 @@
         </p:nvCxnSpPr>
         <p:spPr>
           <a:xfrm flipH="1">
-            <a:off x="4196693" y="8662031"/>
+            <a:off x="8939349" y="8662031"/>
             <a:ext cx="924" cy="447872"/>
           </a:xfrm>
           <a:prstGeom prst="straightConnector1">
@@ -8466,7 +8466,7 @@
         </p:nvCxnSpPr>
         <p:spPr>
           <a:xfrm flipH="1">
-            <a:off x="9738241" y="3109513"/>
+            <a:off x="14480898" y="3109514"/>
             <a:ext cx="817387" cy="4557"/>
           </a:xfrm>
           <a:prstGeom prst="straightConnector1">
@@ -8524,10 +8524,10 @@
       </p:grpSpPr>
       <p:sp>
         <p:nvSpPr>
-          <p:cNvPr id="1044" name="직사각형 1043">
-            <a:extLst>
-              <a:ext uri="{FF2B5EF4-FFF2-40B4-BE49-F238E27FC236}">
-                <a16:creationId xmlns:a16="http://schemas.microsoft.com/office/drawing/2014/main" id="{69455D03-AF5D-A6C2-EA8F-84E7F7B5B8B5}"/>
+          <p:cNvPr id="1322" name="직사각형 1321">
+            <a:extLst>
+              <a:ext uri="{FF2B5EF4-FFF2-40B4-BE49-F238E27FC236}">
+                <a16:creationId xmlns:a16="http://schemas.microsoft.com/office/drawing/2014/main" id="{31038B88-F7AE-43D2-3A38-0859B8072AF2}"/>
               </a:ext>
             </a:extLst>
           </p:cNvPr>
@@ -8536,16 +8536,20 @@
         </p:nvSpPr>
         <p:spPr>
           <a:xfrm>
-            <a:off x="7347213" y="4364371"/>
-            <a:ext cx="2211868" cy="1196306"/>
-          </a:xfrm>
-          <a:prstGeom prst="rect">
-            <a:avLst/>
-          </a:prstGeom>
-          <a:noFill/>
+            <a:off x="8042371" y="2390238"/>
+            <a:ext cx="1345941" cy="4344977"/>
+          </a:xfrm>
+          <a:prstGeom prst="rect">
+            <a:avLst/>
+          </a:prstGeom>
+          <a:solidFill>
+            <a:srgbClr val="D82C6C">
+              <a:alpha val="13000"/>
+            </a:srgbClr>
+          </a:solidFill>
           <a:ln>
             <a:solidFill>
-              <a:srgbClr val="000000"/>
+              <a:srgbClr val="156082"/>
             </a:solidFill>
             <a:prstDash val="sysDash"/>
           </a:ln>
@@ -8571,7 +8575,64 @@
           <a:lstStyle/>
           <a:p>
             <a:pPr algn="ctr"/>
-            <a:endParaRPr kumimoji="1" lang="ko-KR" altLang="en-US" sz="900" b="1" dirty="0"/>
+            <a:endParaRPr kumimoji="1" lang="ko-KR" altLang="en-US" sz="900"/>
+          </a:p>
+        </p:txBody>
+      </p:sp>
+      <p:sp>
+        <p:nvSpPr>
+          <p:cNvPr id="1315" name="직사각형 1314">
+            <a:extLst>
+              <a:ext uri="{FF2B5EF4-FFF2-40B4-BE49-F238E27FC236}">
+                <a16:creationId xmlns:a16="http://schemas.microsoft.com/office/drawing/2014/main" id="{C6426C93-F7E6-94F0-C6F7-9E3EB42582BD}"/>
+              </a:ext>
+            </a:extLst>
+          </p:cNvPr>
+          <p:cNvSpPr/>
+          <p:nvPr/>
+        </p:nvSpPr>
+        <p:spPr>
+          <a:xfrm>
+            <a:off x="10186012" y="2390239"/>
+            <a:ext cx="1789747" cy="4342226"/>
+          </a:xfrm>
+          <a:prstGeom prst="rect">
+            <a:avLst/>
+          </a:prstGeom>
+          <a:solidFill>
+            <a:srgbClr val="EB7D0B">
+              <a:alpha val="11000"/>
+            </a:srgbClr>
+          </a:solidFill>
+          <a:ln>
+            <a:solidFill>
+              <a:srgbClr val="156082"/>
+            </a:solidFill>
+            <a:prstDash val="sysDash"/>
+          </a:ln>
+        </p:spPr>
+        <p:style>
+          <a:lnRef idx="2">
+            <a:schemeClr val="accent1">
+              <a:shade val="15000"/>
+            </a:schemeClr>
+          </a:lnRef>
+          <a:fillRef idx="1">
+            <a:schemeClr val="accent1"/>
+          </a:fillRef>
+          <a:effectRef idx="0">
+            <a:schemeClr val="accent1"/>
+          </a:effectRef>
+          <a:fontRef idx="minor">
+            <a:schemeClr val="lt1"/>
+          </a:fontRef>
+        </p:style>
+        <p:txBody>
+          <a:bodyPr rtlCol="0" anchor="ctr"/>
+          <a:lstStyle/>
+          <a:p>
+            <a:pPr algn="ctr"/>
+            <a:endParaRPr kumimoji="1" lang="ko-KR" altLang="en-US" sz="900" dirty="0"/>
           </a:p>
         </p:txBody>
       </p:sp>
@@ -8604,7 +8665,7 @@
         </p:blipFill>
         <p:spPr bwMode="auto">
           <a:xfrm>
-            <a:off x="2052490" y="6938301"/>
+            <a:off x="13325736" y="4255883"/>
             <a:ext cx="465430" cy="465430"/>
           </a:xfrm>
           <a:prstGeom prst="rect">
@@ -8638,7 +8699,7 @@
         </p:nvSpPr>
         <p:spPr>
           <a:xfrm>
-            <a:off x="1924836" y="7418538"/>
+            <a:off x="13198083" y="4736120"/>
             <a:ext cx="739201" cy="267998"/>
           </a:xfrm>
           <a:prstGeom prst="rect">
@@ -8702,7 +8763,7 @@
         </p:nvSpPr>
         <p:spPr>
           <a:xfrm>
-            <a:off x="3545355" y="8399998"/>
+            <a:off x="14585848" y="5560643"/>
             <a:ext cx="1304524" cy="262033"/>
           </a:xfrm>
           <a:prstGeom prst="rect">
@@ -8793,7 +8854,7 @@
         </p:blipFill>
         <p:spPr bwMode="auto">
           <a:xfrm>
-            <a:off x="3978060" y="7897281"/>
+            <a:off x="15018553" y="5057925"/>
             <a:ext cx="465430" cy="465430"/>
           </a:xfrm>
           <a:prstGeom prst="rect">
@@ -8827,7 +8888,7 @@
         </p:nvSpPr>
         <p:spPr>
           <a:xfrm>
-            <a:off x="3608195" y="7429471"/>
+            <a:off x="12940917" y="5544551"/>
             <a:ext cx="1206609" cy="267998"/>
           </a:xfrm>
           <a:prstGeom prst="rect">
@@ -8913,7 +8974,7 @@
         </p:blipFill>
         <p:spPr>
           <a:xfrm>
-            <a:off x="6252487" y="9097632"/>
+            <a:off x="16650759" y="3278952"/>
             <a:ext cx="465429" cy="465429"/>
           </a:xfrm>
           <a:prstGeom prst="rect">
@@ -8937,7 +8998,7 @@
         </p:nvSpPr>
         <p:spPr>
           <a:xfrm>
-            <a:off x="6024981" y="9575333"/>
+            <a:off x="16449141" y="3756652"/>
             <a:ext cx="869150" cy="267998"/>
           </a:xfrm>
           <a:prstGeom prst="rect">
@@ -9007,38 +9068,8 @@
         </p:blipFill>
         <p:spPr>
           <a:xfrm>
-            <a:off x="10730416" y="10377578"/>
+            <a:off x="10850005" y="7753571"/>
             <a:ext cx="462142" cy="462142"/>
-          </a:xfrm>
-          <a:prstGeom prst="rect">
-            <a:avLst/>
-          </a:prstGeom>
-        </p:spPr>
-      </p:pic>
-      <p:pic>
-        <p:nvPicPr>
-          <p:cNvPr id="24" name="그림 23">
-            <a:extLst>
-              <a:ext uri="{FF2B5EF4-FFF2-40B4-BE49-F238E27FC236}">
-                <a16:creationId xmlns:a16="http://schemas.microsoft.com/office/drawing/2014/main" id="{E5C7CE01-3AD3-869D-EAEB-D8D94DCA248B}"/>
-              </a:ext>
-            </a:extLst>
-          </p:cNvPr>
-          <p:cNvPicPr>
-            <a:picLocks noChangeAspect="1"/>
-          </p:cNvPicPr>
-          <p:nvPr/>
-        </p:nvPicPr>
-        <p:blipFill>
-          <a:blip r:embed="rId7"/>
-          <a:stretch>
-            <a:fillRect/>
-          </a:stretch>
-        </p:blipFill>
-        <p:spPr>
-          <a:xfrm>
-            <a:off x="5351476" y="2368530"/>
-            <a:ext cx="461326" cy="461326"/>
           </a:xfrm>
           <a:prstGeom prst="rect">
             <a:avLst/>
@@ -9062,7 +9093,7 @@
         </p:nvCxnSpPr>
         <p:spPr>
           <a:xfrm flipH="1">
-            <a:off x="861387" y="1045961"/>
+            <a:off x="1220413" y="4560840"/>
             <a:ext cx="367029" cy="0"/>
           </a:xfrm>
           <a:prstGeom prst="straightConnector1">
@@ -9103,7 +9134,7 @@
           <p:nvPr/>
         </p:nvPicPr>
         <p:blipFill>
-          <a:blip r:embed="rId8">
+          <a:blip r:embed="rId7">
             <a:alphaModFix/>
           </a:blip>
           <a:stretch>
@@ -9112,7 +9143,7 @@
         </p:blipFill>
         <p:spPr>
           <a:xfrm>
-            <a:off x="2386558" y="816585"/>
+            <a:off x="2745584" y="4331465"/>
             <a:ext cx="462143" cy="462143"/>
           </a:xfrm>
           <a:prstGeom prst="rect">
@@ -9136,7 +9167,7 @@
         </p:nvSpPr>
         <p:spPr>
           <a:xfrm>
-            <a:off x="1996901" y="1312539"/>
+            <a:off x="2357529" y="4794329"/>
             <a:ext cx="1260673" cy="267998"/>
           </a:xfrm>
           <a:prstGeom prst="rect">
@@ -9199,10 +9230,10 @@
           <p:nvPr/>
         </p:nvPicPr>
         <p:blipFill>
-          <a:blip r:embed="rId9">
+          <a:blip r:embed="rId8">
             <a:extLst>
               <a:ext uri="{96DAC541-7B7A-43D3-8B79-37D633B846F1}">
-                <asvg:svgBlip xmlns:asvg="http://schemas.microsoft.com/office/drawing/2016/SVG/main" r:embed="rId10"/>
+                <asvg:svgBlip xmlns:asvg="http://schemas.microsoft.com/office/drawing/2016/SVG/main" r:embed="rId9"/>
               </a:ext>
             </a:extLst>
           </a:blip>
@@ -9212,7 +9243,7 @@
         </p:blipFill>
         <p:spPr>
           <a:xfrm>
-            <a:off x="199648" y="663150"/>
+            <a:off x="514429" y="4222166"/>
             <a:ext cx="754027" cy="754027"/>
           </a:xfrm>
           <a:prstGeom prst="rect">
@@ -9235,7 +9266,7 @@
           <p:nvPr/>
         </p:nvPicPr>
         <p:blipFill>
-          <a:blip r:embed="rId11">
+          <a:blip r:embed="rId10">
             <a:alphaModFix/>
           </a:blip>
           <a:stretch>
@@ -9244,7 +9275,7 @@
         </p:blipFill>
         <p:spPr>
           <a:xfrm>
-            <a:off x="1228416" y="814889"/>
+            <a:off x="1587442" y="4329769"/>
             <a:ext cx="462143" cy="462143"/>
           </a:xfrm>
           <a:prstGeom prst="rect">
@@ -9268,7 +9299,7 @@
         </p:nvSpPr>
         <p:spPr>
           <a:xfrm>
-            <a:off x="979445" y="1302752"/>
+            <a:off x="1338034" y="4788699"/>
             <a:ext cx="967879" cy="267998"/>
           </a:xfrm>
           <a:prstGeom prst="rect">
@@ -9332,12 +9363,15 @@
         </p:nvSpPr>
         <p:spPr>
           <a:xfrm>
-            <a:off x="4485247" y="2391075"/>
+            <a:off x="8213880" y="4768027"/>
             <a:ext cx="967879" cy="387771"/>
           </a:xfrm>
           <a:prstGeom prst="rect">
             <a:avLst/>
           </a:prstGeom>
+          <a:solidFill>
+            <a:srgbClr val="156082"/>
+          </a:solidFill>
         </p:spPr>
         <p:txBody>
           <a:bodyPr vert="horz" lIns="91440" tIns="45720" rIns="91440" bIns="45720" rtlCol="0" anchor="ctr">
@@ -9366,24 +9400,19 @@
             <a:pPr algn="ctr"/>
             <a:r>
               <a:rPr kumimoji="1" lang="en-US" altLang="ko-KR" sz="900" b="1" dirty="0">
+                <a:solidFill>
+                  <a:schemeClr val="bg1"/>
+                </a:solidFill>
                 <a:latin typeface="KoPubWorldDotum Bold" pitchFamily="2" charset="-127"/>
                 <a:ea typeface="KoPubWorldDotum Bold" pitchFamily="2" charset="-127"/>
                 <a:cs typeface="KoPubWorldDotum Bold" pitchFamily="2" charset="-127"/>
               </a:rPr>
-              <a:t>API Gateway</a:t>
-            </a:r>
-          </a:p>
-          <a:p>
-            <a:pPr algn="ctr"/>
-            <a:r>
-              <a:rPr kumimoji="1" lang="en-US" altLang="ko-KR" sz="900" b="1" dirty="0">
-                <a:latin typeface="KoPubWorldDotum Bold" pitchFamily="2" charset="-127"/>
-                <a:ea typeface="KoPubWorldDotum Bold" pitchFamily="2" charset="-127"/>
-                <a:cs typeface="KoPubWorldDotum Bold" pitchFamily="2" charset="-127"/>
-              </a:rPr>
-              <a:t>(WS)</a:t>
+              <a:t>WS API</a:t>
             </a:r>
             <a:endParaRPr kumimoji="1" lang="ko-KR" altLang="en-US" sz="900" b="1" dirty="0">
+              <a:solidFill>
+                <a:schemeClr val="bg1"/>
+              </a:solidFill>
               <a:latin typeface="KoPubWorldDotum Bold" pitchFamily="2" charset="-127"/>
               <a:ea typeface="KoPubWorldDotum Bold" pitchFamily="2" charset="-127"/>
               <a:cs typeface="KoPubWorldDotum Bold" pitchFamily="2" charset="-127"/>
@@ -9407,7 +9436,7 @@
         </p:nvSpPr>
         <p:spPr>
           <a:xfrm>
-            <a:off x="10472883" y="10842470"/>
+            <a:off x="10592473" y="8218463"/>
             <a:ext cx="967879" cy="267998"/>
           </a:xfrm>
           <a:prstGeom prst="rect">
@@ -9470,7 +9499,7 @@
           <p:nvPr/>
         </p:nvPicPr>
         <p:blipFill>
-          <a:blip r:embed="rId12">
+          <a:blip r:embed="rId11">
             <a:alphaModFix/>
           </a:blip>
           <a:stretch>
@@ -9479,7 +9508,7 @@
         </p:blipFill>
         <p:spPr>
           <a:xfrm>
-            <a:off x="9276914" y="3389846"/>
+            <a:off x="13369978" y="5984244"/>
             <a:ext cx="461327" cy="461327"/>
           </a:xfrm>
           <a:prstGeom prst="rect">
@@ -9503,7 +9532,7 @@
         </p:nvSpPr>
         <p:spPr>
           <a:xfrm>
-            <a:off x="8821645" y="3875049"/>
+            <a:off x="12914299" y="6469446"/>
             <a:ext cx="1372683" cy="267998"/>
           </a:xfrm>
           <a:prstGeom prst="rect">
@@ -9584,8 +9613,8 @@
         </p:nvSpPr>
         <p:spPr>
           <a:xfrm>
-            <a:off x="1996900" y="3731666"/>
-            <a:ext cx="4360903" cy="1832768"/>
+            <a:off x="10426343" y="2864106"/>
+            <a:ext cx="1371957" cy="1342638"/>
           </a:xfrm>
           <a:prstGeom prst="rect">
             <a:avLst/>
@@ -9593,7 +9622,7 @@
           <a:noFill/>
           <a:ln>
             <a:solidFill>
-              <a:srgbClr val="000000"/>
+              <a:srgbClr val="156082"/>
             </a:solidFill>
             <a:prstDash val="sysDash"/>
           </a:ln>
@@ -9637,7 +9666,7 @@
         </p:nvSpPr>
         <p:spPr>
           <a:xfrm>
-            <a:off x="4937166" y="3919364"/>
+            <a:off x="10503505" y="4546541"/>
             <a:ext cx="1203109" cy="243942"/>
           </a:xfrm>
           <a:prstGeom prst="flowChartProcess">
@@ -9701,7 +9730,7 @@
         </p:nvSpPr>
         <p:spPr>
           <a:xfrm>
-            <a:off x="4937166" y="4242398"/>
+            <a:off x="10503505" y="4838021"/>
             <a:ext cx="1203109" cy="243942"/>
           </a:xfrm>
           <a:prstGeom prst="flowChartProcess">
@@ -9765,7 +9794,7 @@
         </p:nvSpPr>
         <p:spPr>
           <a:xfrm>
-            <a:off x="4937166" y="4544620"/>
+            <a:off x="10503505" y="5126795"/>
             <a:ext cx="1203109" cy="243942"/>
           </a:xfrm>
           <a:prstGeom prst="flowChartProcess">
@@ -9833,7 +9862,7 @@
         </p:nvCxnSpPr>
         <p:spPr>
           <a:xfrm flipH="1" flipV="1">
-            <a:off x="1690559" y="1045961"/>
+            <a:off x="2049585" y="4560841"/>
             <a:ext cx="695999" cy="1696"/>
           </a:xfrm>
           <a:prstGeom prst="straightConnector1">
@@ -9859,36 +9888,6 @@
           </a:fontRef>
         </p:style>
       </p:cxnSp>
-      <p:pic>
-        <p:nvPicPr>
-          <p:cNvPr id="57" name="그림 56">
-            <a:extLst>
-              <a:ext uri="{FF2B5EF4-FFF2-40B4-BE49-F238E27FC236}">
-                <a16:creationId xmlns:a16="http://schemas.microsoft.com/office/drawing/2014/main" id="{00CE3C54-93F1-5BBE-9276-476AB4993BB0}"/>
-              </a:ext>
-            </a:extLst>
-          </p:cNvPr>
-          <p:cNvPicPr>
-            <a:picLocks noChangeAspect="1"/>
-          </p:cNvPicPr>
-          <p:nvPr/>
-        </p:nvPicPr>
-        <p:blipFill>
-          <a:blip r:embed="rId7"/>
-          <a:stretch>
-            <a:fillRect/>
-          </a:stretch>
-        </p:blipFill>
-        <p:spPr>
-          <a:xfrm>
-            <a:off x="2845585" y="2364068"/>
-            <a:ext cx="461326" cy="461326"/>
-          </a:xfrm>
-          <a:prstGeom prst="rect">
-            <a:avLst/>
-          </a:prstGeom>
-        </p:spPr>
-      </p:pic>
       <p:sp>
         <p:nvSpPr>
           <p:cNvPr id="58" name="제목 1">
@@ -9905,12 +9904,15 @@
         </p:nvSpPr>
         <p:spPr>
           <a:xfrm>
-            <a:off x="1895815" y="2401985"/>
+            <a:off x="8232201" y="3332211"/>
             <a:ext cx="967879" cy="387771"/>
           </a:xfrm>
           <a:prstGeom prst="rect">
             <a:avLst/>
           </a:prstGeom>
+          <a:solidFill>
+            <a:srgbClr val="156082"/>
+          </a:solidFill>
         </p:spPr>
         <p:txBody>
           <a:bodyPr vert="horz" lIns="91440" tIns="45720" rIns="91440" bIns="45720" rtlCol="0" anchor="ctr">
@@ -9939,24 +9941,33 @@
             <a:pPr algn="ctr"/>
             <a:r>
               <a:rPr kumimoji="1" lang="en-US" altLang="ko-KR" sz="900" b="1" dirty="0">
+                <a:solidFill>
+                  <a:schemeClr val="bg1"/>
+                </a:solidFill>
                 <a:latin typeface="KoPubWorldDotum Bold" pitchFamily="2" charset="-127"/>
                 <a:ea typeface="KoPubWorldDotum Bold" pitchFamily="2" charset="-127"/>
                 <a:cs typeface="KoPubWorldDotum Bold" pitchFamily="2" charset="-127"/>
               </a:rPr>
-              <a:t>API Gateway</a:t>
+              <a:t>REST API</a:t>
             </a:r>
           </a:p>
           <a:p>
             <a:pPr algn="ctr"/>
             <a:r>
               <a:rPr kumimoji="1" lang="en-US" altLang="ko-KR" sz="900" b="1" dirty="0">
+                <a:solidFill>
+                  <a:schemeClr val="bg1"/>
+                </a:solidFill>
                 <a:latin typeface="KoPubWorldDotum Bold" pitchFamily="2" charset="-127"/>
                 <a:ea typeface="KoPubWorldDotum Bold" pitchFamily="2" charset="-127"/>
                 <a:cs typeface="KoPubWorldDotum Bold" pitchFamily="2" charset="-127"/>
               </a:rPr>
-              <a:t>(REST)</a:t>
+              <a:t>(Session)</a:t>
             </a:r>
             <a:endParaRPr kumimoji="1" lang="ko-KR" altLang="en-US" sz="900" b="1" dirty="0">
+              <a:solidFill>
+                <a:schemeClr val="bg1"/>
+              </a:solidFill>
               <a:latin typeface="KoPubWorldDotum Bold" pitchFamily="2" charset="-127"/>
               <a:ea typeface="KoPubWorldDotum Bold" pitchFamily="2" charset="-127"/>
               <a:cs typeface="KoPubWorldDotum Bold" pitchFamily="2" charset="-127"/>
@@ -9979,7 +9990,7 @@
           <p:nvPr/>
         </p:nvPicPr>
         <p:blipFill rotWithShape="1">
-          <a:blip r:embed="rId13">
+          <a:blip r:embed="rId12">
             <a:extLst>
               <a:ext uri="{28A0092B-C50C-407E-A947-70E740481C1C}">
                 <a14:useLocalDpi xmlns:a14="http://schemas.microsoft.com/office/drawing/2010/main" val="0"/>
@@ -9991,7 +10002,7 @@
         </p:blipFill>
         <p:spPr bwMode="auto">
           <a:xfrm>
-            <a:off x="10555628" y="3449297"/>
+            <a:off x="14992113" y="6043694"/>
             <a:ext cx="649591" cy="333312"/>
           </a:xfrm>
           <a:prstGeom prst="rect">
@@ -10020,15 +10031,15 @@
           </p:cNvPr>
           <p:cNvCxnSpPr>
             <a:cxnSpLocks/>
-            <a:stCxn id="25" idx="1"/>
+            <a:stCxn id="1387" idx="1"/>
             <a:endCxn id="33" idx="3"/>
           </p:cNvCxnSpPr>
           <p:nvPr/>
         </p:nvCxnSpPr>
         <p:spPr>
-          <a:xfrm flipH="1" flipV="1">
-            <a:off x="2848701" y="1047657"/>
-            <a:ext cx="779000" cy="1323"/>
+          <a:xfrm flipH="1">
+            <a:off x="3207727" y="4562436"/>
+            <a:ext cx="822764" cy="101"/>
           </a:xfrm>
           <a:prstGeom prst="straightConnector1">
             <a:avLst/>
@@ -10053,92 +10064,6 @@
           </a:fontRef>
         </p:style>
       </p:cxnSp>
-      <p:cxnSp>
-        <p:nvCxnSpPr>
-          <p:cNvPr id="1033" name="직선 화살표 연결선 1032">
-            <a:extLst>
-              <a:ext uri="{FF2B5EF4-FFF2-40B4-BE49-F238E27FC236}">
-                <a16:creationId xmlns:a16="http://schemas.microsoft.com/office/drawing/2014/main" id="{76AD7131-7A4A-7DE2-AB41-93F8B25691CA}"/>
-              </a:ext>
-            </a:extLst>
-          </p:cNvPr>
-          <p:cNvCxnSpPr>
-            <a:cxnSpLocks/>
-            <a:endCxn id="25" idx="3"/>
-          </p:cNvCxnSpPr>
-          <p:nvPr/>
-        </p:nvCxnSpPr>
-        <p:spPr>
-          <a:xfrm flipH="1">
-            <a:off x="4107478" y="1048980"/>
-            <a:ext cx="722974" cy="0"/>
-          </a:xfrm>
-          <a:prstGeom prst="straightConnector1">
-            <a:avLst/>
-          </a:prstGeom>
-          <a:ln>
-            <a:headEnd type="none" w="med" len="med"/>
-            <a:tailEnd type="none" w="med" len="med"/>
-          </a:ln>
-        </p:spPr>
-        <p:style>
-          <a:lnRef idx="2">
-            <a:schemeClr val="accent1"/>
-          </a:lnRef>
-          <a:fillRef idx="0">
-            <a:schemeClr val="accent1"/>
-          </a:fillRef>
-          <a:effectRef idx="1">
-            <a:schemeClr val="accent1"/>
-          </a:effectRef>
-          <a:fontRef idx="minor">
-            <a:schemeClr val="tx1"/>
-          </a:fontRef>
-        </p:style>
-      </p:cxnSp>
-      <p:cxnSp>
-        <p:nvCxnSpPr>
-          <p:cNvPr id="1084" name="꺾인 연결선[E] 1083">
-            <a:extLst>
-              <a:ext uri="{FF2B5EF4-FFF2-40B4-BE49-F238E27FC236}">
-                <a16:creationId xmlns:a16="http://schemas.microsoft.com/office/drawing/2014/main" id="{31BA6834-A13B-B90C-A5E9-F950F67D21B3}"/>
-              </a:ext>
-            </a:extLst>
-          </p:cNvPr>
-          <p:cNvCxnSpPr>
-            <a:cxnSpLocks/>
-            <a:stCxn id="1053" idx="1"/>
-            <a:endCxn id="24" idx="2"/>
-          </p:cNvCxnSpPr>
-          <p:nvPr/>
-        </p:nvCxnSpPr>
-        <p:spPr>
-          <a:xfrm rot="10800000" flipH="1">
-            <a:off x="4937165" y="2829857"/>
-            <a:ext cx="644973" cy="1534513"/>
-          </a:xfrm>
-          <a:prstGeom prst="bentConnector4">
-            <a:avLst>
-              <a:gd name="adj1" fmla="val -35443"/>
-              <a:gd name="adj2" fmla="val 64212"/>
-            </a:avLst>
-          </a:prstGeom>
-        </p:spPr>
-        <p:style>
-          <a:lnRef idx="2">
-            <a:schemeClr val="accent1"/>
-          </a:lnRef>
-          <a:fillRef idx="0">
-            <a:schemeClr val="accent1"/>
-          </a:fillRef>
-          <a:effectRef idx="1">
-            <a:schemeClr val="accent1"/>
-          </a:effectRef>
-          <a:fontRef idx="minor">
-            <a:schemeClr val="tx1"/>
-          </a:fontRef>
-        </p:style>
-      </p:cxnSp>
       <p:sp>
         <p:nvSpPr>
           <p:cNvPr id="1127" name="제목 1">
@@ -10155,7 +10080,7 @@
         </p:nvSpPr>
         <p:spPr>
           <a:xfrm>
-            <a:off x="10109924" y="3875049"/>
+            <a:off x="14490947" y="6469446"/>
             <a:ext cx="1651921" cy="267998"/>
           </a:xfrm>
           <a:prstGeom prst="rect">
@@ -10198,50 +10123,6 @@
           </a:p>
         </p:txBody>
       </p:sp>
-      <p:cxnSp>
-        <p:nvCxnSpPr>
-          <p:cNvPr id="1140" name="직선 화살표 연결선 1139">
-            <a:extLst>
-              <a:ext uri="{FF2B5EF4-FFF2-40B4-BE49-F238E27FC236}">
-                <a16:creationId xmlns:a16="http://schemas.microsoft.com/office/drawing/2014/main" id="{8F43D639-ABD4-4922-F4C1-D031D44F31D3}"/>
-              </a:ext>
-            </a:extLst>
-          </p:cNvPr>
-          <p:cNvCxnSpPr>
-            <a:cxnSpLocks/>
-            <a:stCxn id="31" idx="3"/>
-            <a:endCxn id="14" idx="1"/>
-          </p:cNvCxnSpPr>
-          <p:nvPr/>
-        </p:nvCxnSpPr>
-        <p:spPr>
-          <a:xfrm flipV="1">
-            <a:off x="6969352" y="881073"/>
-            <a:ext cx="2205610" cy="4973"/>
-          </a:xfrm>
-          <a:prstGeom prst="straightConnector1">
-            <a:avLst/>
-          </a:prstGeom>
-          <a:ln>
-            <a:headEnd type="none" w="med" len="med"/>
-            <a:tailEnd type="none" w="med" len="med"/>
-          </a:ln>
-        </p:spPr>
-        <p:style>
-          <a:lnRef idx="2">
-            <a:schemeClr val="accent1"/>
-          </a:lnRef>
-          <a:fillRef idx="0">
-            <a:schemeClr val="accent1"/>
-          </a:fillRef>
-          <a:effectRef idx="1">
-            <a:schemeClr val="accent1"/>
-          </a:effectRef>
-          <a:fontRef idx="minor">
-            <a:schemeClr val="tx1"/>
-          </a:fontRef>
-        </p:style>
-      </p:cxnSp>
       <p:pic>
         <p:nvPicPr>
           <p:cNvPr id="3" name="Picture 2" descr="Amazon Bedrock Connector - Overview (O11) | OutSystems">
@@ -10272,7 +10153,7 @@
         </p:blipFill>
         <p:spPr bwMode="auto">
           <a:xfrm>
-            <a:off x="3978784" y="6938301"/>
+            <a:off x="13301119" y="5061615"/>
             <a:ext cx="465430" cy="465430"/>
           </a:xfrm>
           <a:prstGeom prst="rect">
@@ -10304,7 +10185,7 @@
         </p:nvSpPr>
         <p:spPr>
           <a:xfrm>
-            <a:off x="2465653" y="4547971"/>
+            <a:off x="10501624" y="3578425"/>
             <a:ext cx="1203109" cy="243942"/>
           </a:xfrm>
           <a:prstGeom prst="flowChartProcess">
@@ -10368,7 +10249,7 @@
         </p:nvSpPr>
         <p:spPr>
           <a:xfrm>
-            <a:off x="2480156" y="3918056"/>
+            <a:off x="10495943" y="2948510"/>
             <a:ext cx="1203109" cy="243942"/>
           </a:xfrm>
           <a:prstGeom prst="flowChartProcess">
@@ -10418,263 +10299,6 @@
           </a:p>
         </p:txBody>
       </p:sp>
-      <p:cxnSp>
-        <p:nvCxnSpPr>
-          <p:cNvPr id="11" name="꺾인 연결선[E] 10">
-            <a:extLst>
-              <a:ext uri="{FF2B5EF4-FFF2-40B4-BE49-F238E27FC236}">
-                <a16:creationId xmlns:a16="http://schemas.microsoft.com/office/drawing/2014/main" id="{06559759-C710-7689-0DB9-E2CCCCA14EE4}"/>
-              </a:ext>
-            </a:extLst>
-          </p:cNvPr>
-          <p:cNvCxnSpPr>
-            <a:cxnSpLocks/>
-            <a:stCxn id="2" idx="1"/>
-            <a:endCxn id="57" idx="2"/>
-          </p:cNvCxnSpPr>
-          <p:nvPr/>
-        </p:nvCxnSpPr>
-        <p:spPr>
-          <a:xfrm rot="10800000" flipH="1">
-            <a:off x="2465652" y="2825394"/>
-            <a:ext cx="610595" cy="1844548"/>
-          </a:xfrm>
-          <a:prstGeom prst="bentConnector4">
-            <a:avLst>
-              <a:gd name="adj1" fmla="val -35248"/>
-              <a:gd name="adj2" fmla="val 70233"/>
-            </a:avLst>
-          </a:prstGeom>
-        </p:spPr>
-        <p:style>
-          <a:lnRef idx="2">
-            <a:schemeClr val="accent1"/>
-          </a:lnRef>
-          <a:fillRef idx="0">
-            <a:schemeClr val="accent1"/>
-          </a:fillRef>
-          <a:effectRef idx="1">
-            <a:schemeClr val="accent1"/>
-          </a:effectRef>
-          <a:fontRef idx="minor">
-            <a:schemeClr val="tx1"/>
-          </a:fontRef>
-        </p:style>
-      </p:cxnSp>
-      <p:cxnSp>
-        <p:nvCxnSpPr>
-          <p:cNvPr id="34" name="꺾인 연결선[E] 33">
-            <a:extLst>
-              <a:ext uri="{FF2B5EF4-FFF2-40B4-BE49-F238E27FC236}">
-                <a16:creationId xmlns:a16="http://schemas.microsoft.com/office/drawing/2014/main" id="{3FB965EF-BC8D-556E-1DFC-FF7F67D12475}"/>
-              </a:ext>
-            </a:extLst>
-          </p:cNvPr>
-          <p:cNvCxnSpPr>
-            <a:cxnSpLocks/>
-            <a:stCxn id="1054" idx="1"/>
-            <a:endCxn id="24" idx="2"/>
-          </p:cNvCxnSpPr>
-          <p:nvPr/>
-        </p:nvCxnSpPr>
-        <p:spPr>
-          <a:xfrm rot="10800000" flipH="1">
-            <a:off x="4937165" y="2829857"/>
-            <a:ext cx="644973" cy="1836735"/>
-          </a:xfrm>
-          <a:prstGeom prst="bentConnector4">
-            <a:avLst>
-              <a:gd name="adj1" fmla="val -35443"/>
-              <a:gd name="adj2" fmla="val 70207"/>
-            </a:avLst>
-          </a:prstGeom>
-        </p:spPr>
-        <p:style>
-          <a:lnRef idx="2">
-            <a:schemeClr val="accent1"/>
-          </a:lnRef>
-          <a:fillRef idx="0">
-            <a:schemeClr val="accent1"/>
-          </a:fillRef>
-          <a:effectRef idx="1">
-            <a:schemeClr val="accent1"/>
-          </a:effectRef>
-          <a:fontRef idx="minor">
-            <a:schemeClr val="tx1"/>
-          </a:fontRef>
-        </p:style>
-      </p:cxnSp>
-      <p:cxnSp>
-        <p:nvCxnSpPr>
-          <p:cNvPr id="43" name="꺾인 연결선[E] 42">
-            <a:extLst>
-              <a:ext uri="{FF2B5EF4-FFF2-40B4-BE49-F238E27FC236}">
-                <a16:creationId xmlns:a16="http://schemas.microsoft.com/office/drawing/2014/main" id="{89070E6F-D7BA-2052-C553-FABC01E13052}"/>
-              </a:ext>
-            </a:extLst>
-          </p:cNvPr>
-          <p:cNvCxnSpPr>
-            <a:cxnSpLocks/>
-            <a:stCxn id="1052" idx="1"/>
-            <a:endCxn id="24" idx="2"/>
-          </p:cNvCxnSpPr>
-          <p:nvPr/>
-        </p:nvCxnSpPr>
-        <p:spPr>
-          <a:xfrm rot="10800000" flipH="1">
-            <a:off x="4937165" y="2829857"/>
-            <a:ext cx="644973" cy="1211479"/>
-          </a:xfrm>
-          <a:prstGeom prst="bentConnector4">
-            <a:avLst>
-              <a:gd name="adj1" fmla="val -35443"/>
-              <a:gd name="adj2" fmla="val 55034"/>
-            </a:avLst>
-          </a:prstGeom>
-        </p:spPr>
-        <p:style>
-          <a:lnRef idx="2">
-            <a:schemeClr val="accent1"/>
-          </a:lnRef>
-          <a:fillRef idx="0">
-            <a:schemeClr val="accent1"/>
-          </a:fillRef>
-          <a:effectRef idx="1">
-            <a:schemeClr val="accent1"/>
-          </a:effectRef>
-          <a:fontRef idx="minor">
-            <a:schemeClr val="tx1"/>
-          </a:fontRef>
-        </p:style>
-      </p:cxnSp>
-      <p:cxnSp>
-        <p:nvCxnSpPr>
-          <p:cNvPr id="50" name="꺾인 연결선[E] 49">
-            <a:extLst>
-              <a:ext uri="{FF2B5EF4-FFF2-40B4-BE49-F238E27FC236}">
-                <a16:creationId xmlns:a16="http://schemas.microsoft.com/office/drawing/2014/main" id="{415530AB-EB1E-A5D9-FC17-723E8967B421}"/>
-              </a:ext>
-            </a:extLst>
-          </p:cNvPr>
-          <p:cNvCxnSpPr>
-            <a:cxnSpLocks/>
-            <a:stCxn id="7" idx="1"/>
-            <a:endCxn id="57" idx="2"/>
-          </p:cNvCxnSpPr>
-          <p:nvPr/>
-        </p:nvCxnSpPr>
-        <p:spPr>
-          <a:xfrm rot="10800000" flipH="1">
-            <a:off x="2467534" y="2825395"/>
-            <a:ext cx="608714" cy="1538975"/>
-          </a:xfrm>
-          <a:prstGeom prst="bentConnector4">
-            <a:avLst>
-              <a:gd name="adj1" fmla="val -35357"/>
-              <a:gd name="adj2" fmla="val 64687"/>
-            </a:avLst>
-          </a:prstGeom>
-        </p:spPr>
-        <p:style>
-          <a:lnRef idx="2">
-            <a:schemeClr val="accent1"/>
-          </a:lnRef>
-          <a:fillRef idx="0">
-            <a:schemeClr val="accent1"/>
-          </a:fillRef>
-          <a:effectRef idx="1">
-            <a:schemeClr val="accent1"/>
-          </a:effectRef>
-          <a:fontRef idx="minor">
-            <a:schemeClr val="tx1"/>
-          </a:fontRef>
-        </p:style>
-      </p:cxnSp>
-      <p:cxnSp>
-        <p:nvCxnSpPr>
-          <p:cNvPr id="60" name="꺾인 연결선[E] 59">
-            <a:extLst>
-              <a:ext uri="{FF2B5EF4-FFF2-40B4-BE49-F238E27FC236}">
-                <a16:creationId xmlns:a16="http://schemas.microsoft.com/office/drawing/2014/main" id="{D5E55D13-2559-110A-0099-F075FDD42166}"/>
-              </a:ext>
-            </a:extLst>
-          </p:cNvPr>
-          <p:cNvCxnSpPr>
-            <a:cxnSpLocks/>
-            <a:stCxn id="9" idx="1"/>
-            <a:endCxn id="57" idx="2"/>
-          </p:cNvCxnSpPr>
-          <p:nvPr/>
-        </p:nvCxnSpPr>
-        <p:spPr>
-          <a:xfrm rot="10800000" flipH="1">
-            <a:off x="2480156" y="2825395"/>
-            <a:ext cx="596092" cy="1214633"/>
-          </a:xfrm>
-          <a:prstGeom prst="bentConnector4">
-            <a:avLst>
-              <a:gd name="adj1" fmla="val -38350"/>
-              <a:gd name="adj2" fmla="val 55021"/>
-            </a:avLst>
-          </a:prstGeom>
-        </p:spPr>
-        <p:style>
-          <a:lnRef idx="2">
-            <a:schemeClr val="accent1"/>
-          </a:lnRef>
-          <a:fillRef idx="0">
-            <a:schemeClr val="accent1"/>
-          </a:fillRef>
-          <a:effectRef idx="1">
-            <a:schemeClr val="accent1"/>
-          </a:effectRef>
-          <a:fontRef idx="minor">
-            <a:schemeClr val="tx1"/>
-          </a:fontRef>
-        </p:style>
-      </p:cxnSp>
-      <p:cxnSp>
-        <p:nvCxnSpPr>
-          <p:cNvPr id="1067" name="꺾인 연결선[E] 1066">
-            <a:extLst>
-              <a:ext uri="{FF2B5EF4-FFF2-40B4-BE49-F238E27FC236}">
-                <a16:creationId xmlns:a16="http://schemas.microsoft.com/office/drawing/2014/main" id="{ADB27A0D-2290-9799-7878-C12367C7B254}"/>
-              </a:ext>
-            </a:extLst>
-          </p:cNvPr>
-          <p:cNvCxnSpPr>
-            <a:cxnSpLocks/>
-            <a:stCxn id="1026" idx="0"/>
-            <a:endCxn id="1281" idx="2"/>
-          </p:cNvCxnSpPr>
-          <p:nvPr/>
-        </p:nvCxnSpPr>
-        <p:spPr>
-          <a:xfrm rot="5400000" flipH="1" flipV="1">
-            <a:off x="2812069" y="5540813"/>
-            <a:ext cx="870625" cy="1924352"/>
-          </a:xfrm>
-          <a:prstGeom prst="bentConnector3">
-            <a:avLst>
-              <a:gd name="adj1" fmla="val 50000"/>
-            </a:avLst>
-          </a:prstGeom>
-        </p:spPr>
-        <p:style>
-          <a:lnRef idx="2">
-            <a:schemeClr val="accent1"/>
-          </a:lnRef>
-          <a:fillRef idx="0">
-            <a:schemeClr val="accent1"/>
-          </a:fillRef>
-          <a:effectRef idx="1">
-            <a:schemeClr val="accent1"/>
-          </a:effectRef>
-          <a:fontRef idx="minor">
-            <a:schemeClr val="tx1"/>
-          </a:fontRef>
-        </p:style>
-      </p:cxnSp>
       <p:sp>
         <p:nvSpPr>
           <p:cNvPr id="12" name="제목 1">
@@ -10691,7 +10315,7 @@
         </p:nvSpPr>
         <p:spPr>
           <a:xfrm>
-            <a:off x="1622563" y="8408697"/>
+            <a:off x="14604470" y="4749744"/>
             <a:ext cx="1304524" cy="262033"/>
           </a:xfrm>
           <a:prstGeom prst="rect">
@@ -10766,7 +10390,7 @@
         </p:blipFill>
         <p:spPr bwMode="auto">
           <a:xfrm>
-            <a:off x="2059634" y="7921780"/>
+            <a:off x="15041541" y="4262826"/>
             <a:ext cx="465430" cy="465430"/>
           </a:xfrm>
           <a:prstGeom prst="rect">
@@ -10784,90 +10408,6 @@
           </a:extLst>
         </p:spPr>
       </p:pic>
-      <p:cxnSp>
-        <p:nvCxnSpPr>
-          <p:cNvPr id="46" name="꺾인 연결선[E] 45">
-            <a:extLst>
-              <a:ext uri="{FF2B5EF4-FFF2-40B4-BE49-F238E27FC236}">
-                <a16:creationId xmlns:a16="http://schemas.microsoft.com/office/drawing/2014/main" id="{9EDC3DC1-D47C-A99B-B734-BDC68BAFF980}"/>
-              </a:ext>
-            </a:extLst>
-          </p:cNvPr>
-          <p:cNvCxnSpPr>
-            <a:cxnSpLocks/>
-            <a:stCxn id="3" idx="0"/>
-            <a:endCxn id="1281" idx="2"/>
-          </p:cNvCxnSpPr>
-          <p:nvPr/>
-        </p:nvCxnSpPr>
-        <p:spPr>
-          <a:xfrm rot="16200000" flipV="1">
-            <a:off x="3775216" y="6502018"/>
-            <a:ext cx="870625" cy="1942"/>
-          </a:xfrm>
-          <a:prstGeom prst="bentConnector3">
-            <a:avLst>
-              <a:gd name="adj1" fmla="val 50000"/>
-            </a:avLst>
-          </a:prstGeom>
-        </p:spPr>
-        <p:style>
-          <a:lnRef idx="2">
-            <a:schemeClr val="accent1"/>
-          </a:lnRef>
-          <a:fillRef idx="0">
-            <a:schemeClr val="accent1"/>
-          </a:fillRef>
-          <a:effectRef idx="1">
-            <a:schemeClr val="accent1"/>
-          </a:effectRef>
-          <a:fontRef idx="minor">
-            <a:schemeClr val="tx1"/>
-          </a:fontRef>
-        </p:style>
-      </p:cxnSp>
-      <p:cxnSp>
-        <p:nvCxnSpPr>
-          <p:cNvPr id="1041" name="꺾인 연결선[E] 1040">
-            <a:extLst>
-              <a:ext uri="{FF2B5EF4-FFF2-40B4-BE49-F238E27FC236}">
-                <a16:creationId xmlns:a16="http://schemas.microsoft.com/office/drawing/2014/main" id="{057F2AAA-880E-C167-FE14-1A5AE3AC603C}"/>
-              </a:ext>
-            </a:extLst>
-          </p:cNvPr>
-          <p:cNvCxnSpPr>
-            <a:cxnSpLocks/>
-            <a:stCxn id="18" idx="0"/>
-            <a:endCxn id="1281" idx="2"/>
-          </p:cNvCxnSpPr>
-          <p:nvPr/>
-        </p:nvCxnSpPr>
-        <p:spPr>
-          <a:xfrm rot="16200000" flipV="1">
-            <a:off x="3832402" y="6444831"/>
-            <a:ext cx="3029956" cy="2275645"/>
-          </a:xfrm>
-          <a:prstGeom prst="bentConnector3">
-            <a:avLst>
-              <a:gd name="adj1" fmla="val 85611"/>
-            </a:avLst>
-          </a:prstGeom>
-        </p:spPr>
-        <p:style>
-          <a:lnRef idx="2">
-            <a:schemeClr val="accent1"/>
-          </a:lnRef>
-          <a:fillRef idx="0">
-            <a:schemeClr val="accent1"/>
-          </a:fillRef>
-          <a:effectRef idx="1">
-            <a:schemeClr val="accent1"/>
-          </a:effectRef>
-          <a:fontRef idx="minor">
-            <a:schemeClr val="tx1"/>
-          </a:fontRef>
-        </p:style>
-      </p:cxnSp>
       <p:sp>
         <p:nvSpPr>
           <p:cNvPr id="26" name="처리 25">
@@ -10882,7 +10422,7 @@
         </p:nvSpPr>
         <p:spPr>
           <a:xfrm>
-            <a:off x="2465653" y="4855296"/>
+            <a:off x="10501624" y="3885750"/>
             <a:ext cx="1203109" cy="243942"/>
           </a:xfrm>
           <a:prstGeom prst="flowChartProcess">
@@ -10932,55 +10472,67 @@
           </a:p>
         </p:txBody>
       </p:sp>
-      <p:cxnSp>
-        <p:nvCxnSpPr>
-          <p:cNvPr id="30" name="꺾인 연결선[E] 29">
-            <a:extLst>
-              <a:ext uri="{FF2B5EF4-FFF2-40B4-BE49-F238E27FC236}">
-                <a16:creationId xmlns:a16="http://schemas.microsoft.com/office/drawing/2014/main" id="{452EF380-476F-711F-E59B-E9C084446D0B}"/>
-              </a:ext>
-            </a:extLst>
-          </p:cNvPr>
-          <p:cNvCxnSpPr>
-            <a:cxnSpLocks/>
-            <a:stCxn id="26" idx="1"/>
-            <a:endCxn id="57" idx="2"/>
-          </p:cNvCxnSpPr>
-          <p:nvPr/>
-        </p:nvCxnSpPr>
-        <p:spPr>
-          <a:xfrm rot="10800000" flipH="1">
-            <a:off x="2465652" y="2825395"/>
-            <a:ext cx="610595" cy="2151873"/>
-          </a:xfrm>
-          <a:prstGeom prst="bentConnector4">
-            <a:avLst>
-              <a:gd name="adj1" fmla="val -35248"/>
-              <a:gd name="adj2" fmla="val 74806"/>
-            </a:avLst>
-          </a:prstGeom>
+      <p:sp>
+        <p:nvSpPr>
+          <p:cNvPr id="31" name="직사각형 30">
+            <a:extLst>
+              <a:ext uri="{FF2B5EF4-FFF2-40B4-BE49-F238E27FC236}">
+                <a16:creationId xmlns:a16="http://schemas.microsoft.com/office/drawing/2014/main" id="{A713E7F9-51B9-8F73-7862-8A20497AA0F5}"/>
+              </a:ext>
+            </a:extLst>
+          </p:cNvPr>
+          <p:cNvSpPr/>
+          <p:nvPr/>
+        </p:nvSpPr>
+        <p:spPr>
+          <a:xfrm>
+            <a:off x="3858533" y="3734460"/>
+            <a:ext cx="2398096" cy="2077739"/>
+          </a:xfrm>
+          <a:prstGeom prst="rect">
+            <a:avLst/>
+          </a:prstGeom>
+          <a:solidFill>
+            <a:srgbClr val="60A436">
+              <a:alpha val="13000"/>
+            </a:srgbClr>
+          </a:solidFill>
+          <a:ln>
+            <a:noFill/>
+            <a:prstDash val="sysDash"/>
+          </a:ln>
         </p:spPr>
         <p:style>
           <a:lnRef idx="2">
-            <a:schemeClr val="accent1"/>
+            <a:schemeClr val="accent1">
+              <a:shade val="15000"/>
+            </a:schemeClr>
           </a:lnRef>
-          <a:fillRef idx="0">
+          <a:fillRef idx="1">
             <a:schemeClr val="accent1"/>
           </a:fillRef>
-          <a:effectRef idx="1">
+          <a:effectRef idx="0">
             <a:schemeClr val="accent1"/>
           </a:effectRef>
           <a:fontRef idx="minor">
-            <a:schemeClr val="tx1"/>
+            <a:schemeClr val="lt1"/>
           </a:fontRef>
         </p:style>
-      </p:cxnSp>
+        <p:txBody>
+          <a:bodyPr rtlCol="0" anchor="ctr"/>
+          <a:lstStyle/>
+          <a:p>
+            <a:pPr algn="ctr"/>
+            <a:endParaRPr kumimoji="1" lang="ko-KR" altLang="en-US" sz="900"/>
+          </a:p>
+        </p:txBody>
+      </p:sp>
       <p:pic>
         <p:nvPicPr>
-          <p:cNvPr id="25" name="그림 24">
-            <a:extLst>
-              <a:ext uri="{FF2B5EF4-FFF2-40B4-BE49-F238E27FC236}">
-                <a16:creationId xmlns:a16="http://schemas.microsoft.com/office/drawing/2014/main" id="{09E9DA29-BD6C-C571-3BA6-73F68C3D371C}"/>
+          <p:cNvPr id="1057" name="그림 1056">
+            <a:extLst>
+              <a:ext uri="{FF2B5EF4-FFF2-40B4-BE49-F238E27FC236}">
+                <a16:creationId xmlns:a16="http://schemas.microsoft.com/office/drawing/2014/main" id="{CC23FB97-2446-B0EA-050A-B105D2CBAE40}"/>
               </a:ext>
             </a:extLst>
           </p:cNvPr>
@@ -10990,17 +10542,15 @@
           <p:nvPr/>
         </p:nvPicPr>
         <p:blipFill>
-          <a:blip r:embed="rId12">
-            <a:alphaModFix/>
-          </a:blip>
+          <a:blip r:embed="rId13"/>
           <a:stretch>
             <a:fillRect/>
           </a:stretch>
         </p:blipFill>
         <p:spPr>
           <a:xfrm>
-            <a:off x="3627701" y="809091"/>
-            <a:ext cx="479777" cy="479777"/>
+            <a:off x="4794404" y="3503389"/>
+            <a:ext cx="462142" cy="462142"/>
           </a:xfrm>
           <a:prstGeom prst="rect">
             <a:avLst/>
@@ -11009,10 +10559,10 @@
       </p:pic>
       <p:sp>
         <p:nvSpPr>
-          <p:cNvPr id="35" name="제목 1">
-            <a:extLst>
-              <a:ext uri="{FF2B5EF4-FFF2-40B4-BE49-F238E27FC236}">
-                <a16:creationId xmlns:a16="http://schemas.microsoft.com/office/drawing/2014/main" id="{68F41F23-2DB1-1E4C-910A-8CF23B8333BC}"/>
+          <p:cNvPr id="1059" name="제목 1">
+            <a:extLst>
+              <a:ext uri="{FF2B5EF4-FFF2-40B4-BE49-F238E27FC236}">
+                <a16:creationId xmlns:a16="http://schemas.microsoft.com/office/drawing/2014/main" id="{CBEBDBD3-3C67-6B6F-AE99-2105963B4185}"/>
               </a:ext>
             </a:extLst>
           </p:cNvPr>
@@ -11023,8 +10573,8 @@
         </p:nvSpPr>
         <p:spPr>
           <a:xfrm>
-            <a:off x="3119462" y="1315874"/>
-            <a:ext cx="1418039" cy="269792"/>
+            <a:off x="4537033" y="3278969"/>
+            <a:ext cx="967879" cy="267998"/>
           </a:xfrm>
           <a:prstGeom prst="rect">
             <a:avLst/>
@@ -11061,7 +10611,7 @@
                 <a:ea typeface="KoPubWorldDotum Bold" pitchFamily="2" charset="-127"/>
                 <a:cs typeface="KoPubWorldDotum Bold" pitchFamily="2" charset="-127"/>
               </a:rPr>
-              <a:t>Cognito Hosted UI</a:t>
+              <a:t>S3</a:t>
             </a:r>
             <a:endParaRPr kumimoji="1" lang="ko-KR" altLang="en-US" sz="900" b="1" dirty="0">
               <a:latin typeface="KoPubWorldDotum Bold" pitchFamily="2" charset="-127"/>
@@ -11071,65 +10621,12 @@
           </a:p>
         </p:txBody>
       </p:sp>
-      <p:sp>
-        <p:nvSpPr>
-          <p:cNvPr id="31" name="직사각형 30">
-            <a:extLst>
-              <a:ext uri="{FF2B5EF4-FFF2-40B4-BE49-F238E27FC236}">
-                <a16:creationId xmlns:a16="http://schemas.microsoft.com/office/drawing/2014/main" id="{A713E7F9-51B9-8F73-7862-8A20497AA0F5}"/>
-              </a:ext>
-            </a:extLst>
-          </p:cNvPr>
-          <p:cNvSpPr/>
-          <p:nvPr/>
-        </p:nvSpPr>
-        <p:spPr>
-          <a:xfrm>
-            <a:off x="4831832" y="332513"/>
-            <a:ext cx="2137520" cy="1107066"/>
-          </a:xfrm>
-          <a:prstGeom prst="rect">
-            <a:avLst/>
-          </a:prstGeom>
-          <a:noFill/>
-          <a:ln>
-            <a:solidFill>
-              <a:srgbClr val="000000"/>
-            </a:solidFill>
-            <a:prstDash val="sysDash"/>
-          </a:ln>
-        </p:spPr>
-        <p:style>
-          <a:lnRef idx="2">
-            <a:schemeClr val="accent1">
-              <a:shade val="15000"/>
-            </a:schemeClr>
-          </a:lnRef>
-          <a:fillRef idx="1">
-            <a:schemeClr val="accent1"/>
-          </a:fillRef>
-          <a:effectRef idx="0">
-            <a:schemeClr val="accent1"/>
-          </a:effectRef>
-          <a:fontRef idx="minor">
-            <a:schemeClr val="lt1"/>
-          </a:fontRef>
-        </p:style>
-        <p:txBody>
-          <a:bodyPr rtlCol="0" anchor="ctr"/>
-          <a:lstStyle/>
-          <a:p>
-            <a:pPr algn="ctr"/>
-            <a:endParaRPr kumimoji="1" lang="ko-KR" altLang="en-US" sz="900"/>
-          </a:p>
-        </p:txBody>
-      </p:sp>
       <p:pic>
         <p:nvPicPr>
-          <p:cNvPr id="1057" name="그림 1056">
-            <a:extLst>
-              <a:ext uri="{FF2B5EF4-FFF2-40B4-BE49-F238E27FC236}">
-                <a16:creationId xmlns:a16="http://schemas.microsoft.com/office/drawing/2014/main" id="{CC23FB97-2446-B0EA-050A-B105D2CBAE40}"/>
+          <p:cNvPr id="27" name="그림 26">
+            <a:extLst>
+              <a:ext uri="{FF2B5EF4-FFF2-40B4-BE49-F238E27FC236}">
+                <a16:creationId xmlns:a16="http://schemas.microsoft.com/office/drawing/2014/main" id="{5E9B27B5-6CBC-394E-6287-D2B0D931E509}"/>
               </a:ext>
             </a:extLst>
           </p:cNvPr>
@@ -11146,8 +10643,8 @@
         </p:blipFill>
         <p:spPr>
           <a:xfrm>
-            <a:off x="5663052" y="76278"/>
-            <a:ext cx="462142" cy="462142"/>
+            <a:off x="8484679" y="2161062"/>
+            <a:ext cx="461326" cy="461326"/>
           </a:xfrm>
           <a:prstGeom prst="rect">
             <a:avLst/>
@@ -11156,10 +10653,10 @@
       </p:pic>
       <p:sp>
         <p:nvSpPr>
-          <p:cNvPr id="1059" name="제목 1">
-            <a:extLst>
-              <a:ext uri="{FF2B5EF4-FFF2-40B4-BE49-F238E27FC236}">
-                <a16:creationId xmlns:a16="http://schemas.microsoft.com/office/drawing/2014/main" id="{CBEBDBD3-3C67-6B6F-AE99-2105963B4185}"/>
+          <p:cNvPr id="28" name="제목 1">
+            <a:extLst>
+              <a:ext uri="{FF2B5EF4-FFF2-40B4-BE49-F238E27FC236}">
+                <a16:creationId xmlns:a16="http://schemas.microsoft.com/office/drawing/2014/main" id="{D296726A-F03D-3D43-3444-11996D685CB9}"/>
               </a:ext>
             </a:extLst>
           </p:cNvPr>
@@ -11170,12 +10667,15 @@
         </p:nvSpPr>
         <p:spPr>
           <a:xfrm>
-            <a:off x="5405680" y="550152"/>
-            <a:ext cx="967879" cy="267998"/>
-          </a:xfrm>
-          <a:prstGeom prst="rect">
-            <a:avLst/>
-          </a:prstGeom>
+            <a:off x="8213879" y="6025511"/>
+            <a:ext cx="967879" cy="387771"/>
+          </a:xfrm>
+          <a:prstGeom prst="rect">
+            <a:avLst/>
+          </a:prstGeom>
+          <a:solidFill>
+            <a:srgbClr val="156082"/>
+          </a:solidFill>
         </p:spPr>
         <p:txBody>
           <a:bodyPr vert="horz" lIns="91440" tIns="45720" rIns="91440" bIns="45720" rtlCol="0" anchor="ctr">
@@ -11204,11 +10704,95 @@
             <a:pPr algn="ctr"/>
             <a:r>
               <a:rPr kumimoji="1" lang="en-US" altLang="ko-KR" sz="900" b="1" dirty="0">
+                <a:solidFill>
+                  <a:schemeClr val="bg1"/>
+                </a:solidFill>
                 <a:latin typeface="KoPubWorldDotum Bold" pitchFamily="2" charset="-127"/>
                 <a:ea typeface="KoPubWorldDotum Bold" pitchFamily="2" charset="-127"/>
                 <a:cs typeface="KoPubWorldDotum Bold" pitchFamily="2" charset="-127"/>
               </a:rPr>
-              <a:t>S3</a:t>
+              <a:t>REST API</a:t>
+            </a:r>
+          </a:p>
+          <a:p>
+            <a:pPr algn="ctr"/>
+            <a:r>
+              <a:rPr kumimoji="1" lang="en-US" altLang="ko-KR" sz="900" b="1" dirty="0">
+                <a:solidFill>
+                  <a:schemeClr val="bg1"/>
+                </a:solidFill>
+                <a:latin typeface="KoPubWorldDotum Bold" pitchFamily="2" charset="-127"/>
+                <a:ea typeface="KoPubWorldDotum Bold" pitchFamily="2" charset="-127"/>
+                <a:cs typeface="KoPubWorldDotum Bold" pitchFamily="2" charset="-127"/>
+              </a:rPr>
+              <a:t>(Auth)</a:t>
+            </a:r>
+            <a:endParaRPr kumimoji="1" lang="ko-KR" altLang="en-US" sz="900" b="1" dirty="0">
+              <a:solidFill>
+                <a:schemeClr val="bg1"/>
+              </a:solidFill>
+              <a:latin typeface="KoPubWorldDotum Bold" pitchFamily="2" charset="-127"/>
+              <a:ea typeface="KoPubWorldDotum Bold" pitchFamily="2" charset="-127"/>
+              <a:cs typeface="KoPubWorldDotum Bold" pitchFamily="2" charset="-127"/>
+            </a:endParaRPr>
+          </a:p>
+        </p:txBody>
+      </p:sp>
+      <p:sp>
+        <p:nvSpPr>
+          <p:cNvPr id="51" name="처리 50">
+            <a:extLst>
+              <a:ext uri="{FF2B5EF4-FFF2-40B4-BE49-F238E27FC236}">
+                <a16:creationId xmlns:a16="http://schemas.microsoft.com/office/drawing/2014/main" id="{D5CCB231-067F-48EF-1DA6-844DE8F5BCC5}"/>
+              </a:ext>
+            </a:extLst>
+          </p:cNvPr>
+          <p:cNvSpPr/>
+          <p:nvPr/>
+        </p:nvSpPr>
+        <p:spPr>
+          <a:xfrm>
+            <a:off x="10503505" y="6103605"/>
+            <a:ext cx="1200406" cy="245334"/>
+          </a:xfrm>
+          <a:prstGeom prst="flowChartProcess">
+            <a:avLst/>
+          </a:prstGeom>
+          <a:solidFill>
+            <a:schemeClr val="accent1"/>
+          </a:solidFill>
+          <a:ln>
+            <a:noFill/>
+          </a:ln>
+        </p:spPr>
+        <p:style>
+          <a:lnRef idx="2">
+            <a:schemeClr val="accent1">
+              <a:shade val="15000"/>
+            </a:schemeClr>
+          </a:lnRef>
+          <a:fillRef idx="1">
+            <a:schemeClr val="accent1"/>
+          </a:fillRef>
+          <a:effectRef idx="0">
+            <a:schemeClr val="accent1"/>
+          </a:effectRef>
+          <a:fontRef idx="minor">
+            <a:schemeClr val="lt1"/>
+          </a:fontRef>
+        </p:style>
+        <p:txBody>
+          <a:bodyPr rtlCol="0" anchor="ctr"/>
+          <a:lstStyle/>
+          <a:p>
+            <a:pPr algn="ctr"/>
+            <a:r>
+              <a:rPr kumimoji="1" lang="en-US" altLang="ko-KR" sz="900" b="1" dirty="0" err="1">
+                <a:latin typeface="KoPubWorldDotum Bold" pitchFamily="2" charset="-127"/>
+                <a:ea typeface="KoPubWorldDotum Bold" pitchFamily="2" charset="-127"/>
+                <a:cs typeface="KoPubWorldDotum Bold" pitchFamily="2" charset="-127"/>
+              </a:rPr>
+              <a:t>UserInfo</a:t>
             </a:r>
             <a:endParaRPr kumimoji="1" lang="ko-KR" altLang="en-US" sz="900" b="1" dirty="0">
               <a:latin typeface="KoPubWorldDotum Bold" pitchFamily="2" charset="-127"/>
@@ -11220,10 +10804,118 @@
       </p:sp>
       <p:sp>
         <p:nvSpPr>
-          <p:cNvPr id="1076" name="제목 1">
-            <a:extLst>
-              <a:ext uri="{FF2B5EF4-FFF2-40B4-BE49-F238E27FC236}">
-                <a16:creationId xmlns:a16="http://schemas.microsoft.com/office/drawing/2014/main" id="{8F98096F-CBC8-C490-20C3-EF35BB9C8BA2}"/>
+          <p:cNvPr id="7" name="처리 6">
+            <a:extLst>
+              <a:ext uri="{FF2B5EF4-FFF2-40B4-BE49-F238E27FC236}">
+                <a16:creationId xmlns:a16="http://schemas.microsoft.com/office/drawing/2014/main" id="{2F58B189-C692-A414-8EA3-4589E9AFC6A9}"/>
+              </a:ext>
+            </a:extLst>
+          </p:cNvPr>
+          <p:cNvSpPr/>
+          <p:nvPr/>
+        </p:nvSpPr>
+        <p:spPr>
+          <a:xfrm>
+            <a:off x="10503505" y="3272852"/>
+            <a:ext cx="1203109" cy="243942"/>
+          </a:xfrm>
+          <a:prstGeom prst="flowChartProcess">
+            <a:avLst/>
+          </a:prstGeom>
+          <a:solidFill>
+            <a:schemeClr val="accent1"/>
+          </a:solidFill>
+          <a:ln>
+            <a:noFill/>
+          </a:ln>
+        </p:spPr>
+        <p:style>
+          <a:lnRef idx="2">
+            <a:schemeClr val="accent1">
+              <a:shade val="15000"/>
+            </a:schemeClr>
+          </a:lnRef>
+          <a:fillRef idx="1">
+            <a:schemeClr val="accent1"/>
+          </a:fillRef>
+          <a:effectRef idx="0">
+            <a:schemeClr val="accent1"/>
+          </a:effectRef>
+          <a:fontRef idx="minor">
+            <a:schemeClr val="lt1"/>
+          </a:fontRef>
+        </p:style>
+        <p:txBody>
+          <a:bodyPr rtlCol="0" anchor="ctr"/>
+          <a:lstStyle/>
+          <a:p>
+            <a:pPr algn="ctr"/>
+            <a:r>
+              <a:rPr kumimoji="1" lang="en-US" altLang="ko-KR" sz="900" b="1" dirty="0" err="1">
+                <a:latin typeface="KoPubWorldDotum Bold" pitchFamily="2" charset="-127"/>
+                <a:ea typeface="KoPubWorldDotum Bold" pitchFamily="2" charset="-127"/>
+                <a:cs typeface="KoPubWorldDotum Bold" pitchFamily="2" charset="-127"/>
+              </a:rPr>
+              <a:t>GetSessionMsg</a:t>
+            </a:r>
+            <a:endParaRPr kumimoji="1" lang="ko-KR" altLang="en-US" sz="900" b="1" dirty="0">
+              <a:latin typeface="KoPubWorldDotum Bold" pitchFamily="2" charset="-127"/>
+              <a:ea typeface="KoPubWorldDotum Bold" pitchFamily="2" charset="-127"/>
+              <a:cs typeface="KoPubWorldDotum Bold" pitchFamily="2" charset="-127"/>
+            </a:endParaRPr>
+          </a:p>
+        </p:txBody>
+      </p:sp>
+      <p:cxnSp>
+        <p:nvCxnSpPr>
+          <p:cNvPr id="1266" name="직선 화살표 연결선 1265">
+            <a:extLst>
+              <a:ext uri="{FF2B5EF4-FFF2-40B4-BE49-F238E27FC236}">
+                <a16:creationId xmlns:a16="http://schemas.microsoft.com/office/drawing/2014/main" id="{35C7AA75-6D3C-158F-D9A2-28D83FC3B848}"/>
+              </a:ext>
+            </a:extLst>
+          </p:cNvPr>
+          <p:cNvCxnSpPr>
+            <a:cxnSpLocks/>
+            <a:stCxn id="53" idx="1"/>
+            <a:endCxn id="51" idx="3"/>
+          </p:cNvCxnSpPr>
+          <p:nvPr/>
+        </p:nvCxnSpPr>
+        <p:spPr>
+          <a:xfrm flipH="1">
+            <a:off x="11703911" y="6214908"/>
+            <a:ext cx="1666067" cy="11364"/>
+          </a:xfrm>
+          <a:prstGeom prst="straightConnector1">
+            <a:avLst/>
+          </a:prstGeom>
+          <a:ln>
+            <a:headEnd type="none" w="med" len="med"/>
+            <a:tailEnd type="none" w="med" len="med"/>
+          </a:ln>
+        </p:spPr>
+        <p:style>
+          <a:lnRef idx="2">
+            <a:schemeClr val="accent1"/>
+          </a:lnRef>
+          <a:fillRef idx="0">
+            <a:schemeClr val="accent1"/>
+          </a:fillRef>
+          <a:effectRef idx="1">
+            <a:schemeClr val="accent1"/>
+          </a:effectRef>
+          <a:fontRef idx="minor">
+            <a:schemeClr val="tx1"/>
+          </a:fontRef>
+        </p:style>
+      </p:cxnSp>
+      <p:sp>
+        <p:nvSpPr>
+          <p:cNvPr id="1281" name="제목 1">
+            <a:extLst>
+              <a:ext uri="{FF2B5EF4-FFF2-40B4-BE49-F238E27FC236}">
+                <a16:creationId xmlns:a16="http://schemas.microsoft.com/office/drawing/2014/main" id="{FF0CFD82-8918-EA6B-8C9A-567BD293F0F1}"/>
               </a:ext>
             </a:extLst>
           </p:cNvPr>
@@ -11234,7 +10926,7 @@
         </p:nvSpPr>
         <p:spPr>
           <a:xfrm>
-            <a:off x="8122878" y="5799678"/>
+            <a:off x="10711284" y="1892727"/>
             <a:ext cx="739201" cy="267998"/>
           </a:xfrm>
           <a:prstGeom prst="rect">
@@ -11282,12 +10974,57 @@
           </a:p>
         </p:txBody>
       </p:sp>
+      <p:cxnSp>
+        <p:nvCxnSpPr>
+          <p:cNvPr id="1330" name="직선 화살표 연결선 1329">
+            <a:extLst>
+              <a:ext uri="{FF2B5EF4-FFF2-40B4-BE49-F238E27FC236}">
+                <a16:creationId xmlns:a16="http://schemas.microsoft.com/office/drawing/2014/main" id="{0A4AD28A-ABAF-7706-8237-ECA08EB7CE5B}"/>
+              </a:ext>
+            </a:extLst>
+          </p:cNvPr>
+          <p:cNvCxnSpPr>
+            <a:cxnSpLocks/>
+          </p:cNvCxnSpPr>
+          <p:nvPr/>
+        </p:nvCxnSpPr>
+        <p:spPr>
+          <a:xfrm flipH="1">
+            <a:off x="1139846" y="11601513"/>
+            <a:ext cx="11198699" cy="0"/>
+          </a:xfrm>
+          <a:prstGeom prst="straightConnector1">
+            <a:avLst/>
+          </a:prstGeom>
+          <a:ln>
+            <a:solidFill>
+              <a:srgbClr val="FF0000"/>
+            </a:solidFill>
+            <a:headEnd type="none" w="med" len="med"/>
+            <a:tailEnd type="none" w="med" len="med"/>
+          </a:ln>
+        </p:spPr>
+        <p:style>
+          <a:lnRef idx="2">
+            <a:schemeClr val="accent1"/>
+          </a:lnRef>
+          <a:fillRef idx="0">
+            <a:schemeClr val="accent1"/>
+          </a:fillRef>
+          <a:effectRef idx="1">
+            <a:schemeClr val="accent1"/>
+          </a:effectRef>
+          <a:fontRef idx="minor">
+            <a:schemeClr val="tx1"/>
+          </a:fontRef>
+        </p:style>
+      </p:cxnSp>
       <p:pic>
         <p:nvPicPr>
-          <p:cNvPr id="1077" name="그림 1076">
-            <a:extLst>
-              <a:ext uri="{FF2B5EF4-FFF2-40B4-BE49-F238E27FC236}">
-                <a16:creationId xmlns:a16="http://schemas.microsoft.com/office/drawing/2014/main" id="{8FC5D015-0610-EF8E-8D86-8B8AEA279D01}"/>
+          <p:cNvPr id="23" name="그림 22">
+            <a:extLst>
+              <a:ext uri="{FF2B5EF4-FFF2-40B4-BE49-F238E27FC236}">
+                <a16:creationId xmlns:a16="http://schemas.microsoft.com/office/drawing/2014/main" id="{AC4A61BD-7967-6BC8-24DA-796154C8C30C}"/>
               </a:ext>
             </a:extLst>
           </p:cNvPr>
@@ -11304,8 +11041,8 @@
         </p:blipFill>
         <p:spPr>
           <a:xfrm>
-            <a:off x="8250375" y="5304202"/>
-            <a:ext cx="462142" cy="462142"/>
+            <a:off x="16660472" y="5042805"/>
+            <a:ext cx="465430" cy="465430"/>
           </a:xfrm>
           <a:prstGeom prst="rect">
             <a:avLst/>
@@ -11314,10 +11051,10 @@
       </p:pic>
       <p:pic>
         <p:nvPicPr>
-          <p:cNvPr id="27" name="그림 26">
-            <a:extLst>
-              <a:ext uri="{FF2B5EF4-FFF2-40B4-BE49-F238E27FC236}">
-                <a16:creationId xmlns:a16="http://schemas.microsoft.com/office/drawing/2014/main" id="{5E9B27B5-6CBC-394E-6287-D2B0D931E509}"/>
+          <p:cNvPr id="14" name="그림 13">
+            <a:extLst>
+              <a:ext uri="{FF2B5EF4-FFF2-40B4-BE49-F238E27FC236}">
+                <a16:creationId xmlns:a16="http://schemas.microsoft.com/office/drawing/2014/main" id="{71DBA4B4-25A0-5D0D-19A2-D02C50ACB8D0}"/>
               </a:ext>
             </a:extLst>
           </p:cNvPr>
@@ -11327,14 +11064,14 @@
           <p:nvPr/>
         </p:nvPicPr>
         <p:blipFill>
-          <a:blip r:embed="rId7"/>
+          <a:blip r:embed="rId16"/>
           <a:stretch>
             <a:fillRect/>
           </a:stretch>
         </p:blipFill>
         <p:spPr>
           <a:xfrm>
-            <a:off x="7858890" y="2364068"/>
+            <a:off x="6860510" y="3516835"/>
             <a:ext cx="461326" cy="461326"/>
           </a:xfrm>
           <a:prstGeom prst="rect">
@@ -11344,10 +11081,10 @@
       </p:pic>
       <p:sp>
         <p:nvSpPr>
-          <p:cNvPr id="28" name="제목 1">
-            <a:extLst>
-              <a:ext uri="{FF2B5EF4-FFF2-40B4-BE49-F238E27FC236}">
-                <a16:creationId xmlns:a16="http://schemas.microsoft.com/office/drawing/2014/main" id="{D296726A-F03D-3D43-3444-11996D685CB9}"/>
+          <p:cNvPr id="47" name="제목 1">
+            <a:extLst>
+              <a:ext uri="{FF2B5EF4-FFF2-40B4-BE49-F238E27FC236}">
+                <a16:creationId xmlns:a16="http://schemas.microsoft.com/office/drawing/2014/main" id="{BA6437DA-1E87-2A60-6AEA-1DCAC8B6D3C7}"/>
               </a:ext>
             </a:extLst>
           </p:cNvPr>
@@ -11358,8 +11095,8 @@
         </p:nvSpPr>
         <p:spPr>
           <a:xfrm>
-            <a:off x="6901552" y="2411632"/>
-            <a:ext cx="967879" cy="387771"/>
+            <a:off x="6434088" y="3986075"/>
+            <a:ext cx="1314173" cy="267998"/>
           </a:xfrm>
           <a:prstGeom prst="rect">
             <a:avLst/>
@@ -11396,117 +11133,39 @@
                 <a:ea typeface="KoPubWorldDotum Bold" pitchFamily="2" charset="-127"/>
                 <a:cs typeface="KoPubWorldDotum Bold" pitchFamily="2" charset="-127"/>
               </a:rPr>
-              <a:t>API Gateway</a:t>
-            </a:r>
-          </a:p>
-          <a:p>
-            <a:pPr algn="ctr"/>
-            <a:r>
-              <a:rPr kumimoji="1" lang="en-US" altLang="ko-KR" sz="900" b="1" dirty="0">
-                <a:latin typeface="KoPubWorldDotum Bold" pitchFamily="2" charset="-127"/>
-                <a:ea typeface="KoPubWorldDotum Bold" pitchFamily="2" charset="-127"/>
-                <a:cs typeface="KoPubWorldDotum Bold" pitchFamily="2" charset="-127"/>
-              </a:rPr>
-              <a:t>(REST)</a:t>
-            </a:r>
-            <a:endParaRPr kumimoji="1" lang="ko-KR" altLang="en-US" sz="900" b="1" dirty="0">
-              <a:latin typeface="KoPubWorldDotum Bold" pitchFamily="2" charset="-127"/>
-              <a:ea typeface="KoPubWorldDotum Bold" pitchFamily="2" charset="-127"/>
-              <a:cs typeface="KoPubWorldDotum Bold" pitchFamily="2" charset="-127"/>
-            </a:endParaRPr>
-          </a:p>
-        </p:txBody>
-      </p:sp>
-      <p:sp>
-        <p:nvSpPr>
-          <p:cNvPr id="51" name="처리 50">
-            <a:extLst>
-              <a:ext uri="{FF2B5EF4-FFF2-40B4-BE49-F238E27FC236}">
-                <a16:creationId xmlns:a16="http://schemas.microsoft.com/office/drawing/2014/main" id="{D5CCB231-067F-48EF-1DA6-844DE8F5BCC5}"/>
-              </a:ext>
-            </a:extLst>
-          </p:cNvPr>
-          <p:cNvSpPr/>
-          <p:nvPr/>
-        </p:nvSpPr>
-        <p:spPr>
-          <a:xfrm>
-            <a:off x="7897958" y="4723094"/>
-            <a:ext cx="1241157" cy="245334"/>
-          </a:xfrm>
-          <a:prstGeom prst="flowChartProcess">
-            <a:avLst/>
-          </a:prstGeom>
-          <a:solidFill>
-            <a:schemeClr val="accent1"/>
-          </a:solidFill>
-          <a:ln>
-            <a:noFill/>
-          </a:ln>
-        </p:spPr>
-        <p:style>
-          <a:lnRef idx="2">
-            <a:schemeClr val="accent1">
-              <a:shade val="15000"/>
-            </a:schemeClr>
-          </a:lnRef>
-          <a:fillRef idx="1">
-            <a:schemeClr val="accent1"/>
-          </a:fillRef>
-          <a:effectRef idx="0">
-            <a:schemeClr val="accent1"/>
-          </a:effectRef>
-          <a:fontRef idx="minor">
-            <a:schemeClr val="lt1"/>
-          </a:fontRef>
-        </p:style>
-        <p:txBody>
-          <a:bodyPr rtlCol="0" anchor="ctr"/>
-          <a:lstStyle/>
-          <a:p>
-            <a:pPr algn="ctr"/>
-            <a:r>
-              <a:rPr kumimoji="1" lang="en-US" altLang="ko-KR" sz="900" b="1" dirty="0" err="1">
-                <a:latin typeface="KoPubWorldDotum Bold" pitchFamily="2" charset="-127"/>
-                <a:ea typeface="KoPubWorldDotum Bold" pitchFamily="2" charset="-127"/>
-                <a:cs typeface="KoPubWorldDotum Bold" pitchFamily="2" charset="-127"/>
-              </a:rPr>
-              <a:t>UserInfo</a:t>
-            </a:r>
-            <a:endParaRPr kumimoji="1" lang="ko-KR" altLang="en-US" sz="900" b="1" dirty="0">
-              <a:latin typeface="KoPubWorldDotum Bold" pitchFamily="2" charset="-127"/>
-              <a:ea typeface="KoPubWorldDotum Bold" pitchFamily="2" charset="-127"/>
-              <a:cs typeface="KoPubWorldDotum Bold" pitchFamily="2" charset="-127"/>
-            </a:endParaRPr>
+              <a:t>SSM Parameter Store</a:t>
+            </a:r>
           </a:p>
         </p:txBody>
       </p:sp>
       <p:cxnSp>
         <p:nvCxnSpPr>
-          <p:cNvPr id="1051" name="꺾인 연결선[E] 1050">
-            <a:extLst>
-              <a:ext uri="{FF2B5EF4-FFF2-40B4-BE49-F238E27FC236}">
-                <a16:creationId xmlns:a16="http://schemas.microsoft.com/office/drawing/2014/main" id="{EE4C1F8E-28A7-6EB0-4D78-4CF29404DD93}"/>
+          <p:cNvPr id="1079" name="직선 화살표 연결선 1078">
+            <a:extLst>
+              <a:ext uri="{FF2B5EF4-FFF2-40B4-BE49-F238E27FC236}">
+                <a16:creationId xmlns:a16="http://schemas.microsoft.com/office/drawing/2014/main" id="{9CF04B74-8B16-40A4-2199-CE6A131D7B71}"/>
               </a:ext>
             </a:extLst>
           </p:cNvPr>
           <p:cNvCxnSpPr>
             <a:cxnSpLocks/>
-            <a:stCxn id="24" idx="0"/>
-            <a:endCxn id="31" idx="2"/>
+            <a:stCxn id="17" idx="1"/>
+            <a:endCxn id="1026" idx="3"/>
           </p:cNvCxnSpPr>
           <p:nvPr/>
         </p:nvCxnSpPr>
         <p:spPr>
-          <a:xfrm rot="5400000" flipH="1" flipV="1">
-            <a:off x="5276890" y="1744829"/>
-            <a:ext cx="928951" cy="318453"/>
-          </a:xfrm>
-          <a:prstGeom prst="bentConnector3">
-            <a:avLst>
-              <a:gd name="adj1" fmla="val 50000"/>
-            </a:avLst>
-          </a:prstGeom>
+          <a:xfrm flipH="1" flipV="1">
+            <a:off x="13791166" y="4488598"/>
+            <a:ext cx="1250375" cy="6943"/>
+          </a:xfrm>
+          <a:prstGeom prst="straightConnector1">
+            <a:avLst/>
+          </a:prstGeom>
+          <a:ln>
+            <a:headEnd type="none" w="med" len="med"/>
+            <a:tailEnd type="none" w="med" len="med"/>
+          </a:ln>
         </p:spPr>
         <p:style>
           <a:lnRef idx="2">
@@ -11525,30 +11184,32 @@
       </p:cxnSp>
       <p:cxnSp>
         <p:nvCxnSpPr>
-          <p:cNvPr id="1060" name="꺾인 연결선[E] 1059">
-            <a:extLst>
-              <a:ext uri="{FF2B5EF4-FFF2-40B4-BE49-F238E27FC236}">
-                <a16:creationId xmlns:a16="http://schemas.microsoft.com/office/drawing/2014/main" id="{C2FF751F-B4C6-9279-7E43-8F16622ACDD7}"/>
+          <p:cNvPr id="1081" name="직선 화살표 연결선 1080">
+            <a:extLst>
+              <a:ext uri="{FF2B5EF4-FFF2-40B4-BE49-F238E27FC236}">
+                <a16:creationId xmlns:a16="http://schemas.microsoft.com/office/drawing/2014/main" id="{499FAE31-E5A4-C799-5C85-5B36664045FB}"/>
               </a:ext>
             </a:extLst>
           </p:cNvPr>
           <p:cNvCxnSpPr>
             <a:cxnSpLocks/>
-            <a:stCxn id="57" idx="0"/>
-            <a:endCxn id="31" idx="2"/>
+            <a:stCxn id="13" idx="1"/>
+            <a:endCxn id="3" idx="3"/>
           </p:cNvCxnSpPr>
           <p:nvPr/>
         </p:nvCxnSpPr>
         <p:spPr>
-          <a:xfrm rot="5400000" flipH="1" flipV="1">
-            <a:off x="4026176" y="489652"/>
-            <a:ext cx="924489" cy="2824344"/>
-          </a:xfrm>
-          <a:prstGeom prst="bentConnector3">
-            <a:avLst>
-              <a:gd name="adj1" fmla="val 50000"/>
-            </a:avLst>
-          </a:prstGeom>
+          <a:xfrm flipH="1">
+            <a:off x="13766549" y="5290640"/>
+            <a:ext cx="1252004" cy="3690"/>
+          </a:xfrm>
+          <a:prstGeom prst="straightConnector1">
+            <a:avLst/>
+          </a:prstGeom>
+          <a:ln>
+            <a:headEnd type="none" w="med" len="med"/>
+            <a:tailEnd type="none" w="med" len="med"/>
+          </a:ln>
         </p:spPr>
         <p:style>
           <a:lnRef idx="2">
@@ -11567,159 +11228,10 @@
       </p:cxnSp>
       <p:sp>
         <p:nvSpPr>
-          <p:cNvPr id="7" name="처리 6">
-            <a:extLst>
-              <a:ext uri="{FF2B5EF4-FFF2-40B4-BE49-F238E27FC236}">
-                <a16:creationId xmlns:a16="http://schemas.microsoft.com/office/drawing/2014/main" id="{2F58B189-C692-A414-8EA3-4589E9AFC6A9}"/>
-              </a:ext>
-            </a:extLst>
-          </p:cNvPr>
-          <p:cNvSpPr/>
-          <p:nvPr/>
-        </p:nvSpPr>
-        <p:spPr>
-          <a:xfrm>
-            <a:off x="2467534" y="4242398"/>
-            <a:ext cx="1203109" cy="243942"/>
-          </a:xfrm>
-          <a:prstGeom prst="flowChartProcess">
-            <a:avLst/>
-          </a:prstGeom>
-          <a:solidFill>
-            <a:schemeClr val="accent1"/>
-          </a:solidFill>
-          <a:ln>
-            <a:noFill/>
-          </a:ln>
-        </p:spPr>
-        <p:style>
-          <a:lnRef idx="2">
-            <a:schemeClr val="accent1">
-              <a:shade val="15000"/>
-            </a:schemeClr>
-          </a:lnRef>
-          <a:fillRef idx="1">
-            <a:schemeClr val="accent1"/>
-          </a:fillRef>
-          <a:effectRef idx="0">
-            <a:schemeClr val="accent1"/>
-          </a:effectRef>
-          <a:fontRef idx="minor">
-            <a:schemeClr val="lt1"/>
-          </a:fontRef>
-        </p:style>
-        <p:txBody>
-          <a:bodyPr rtlCol="0" anchor="ctr"/>
-          <a:lstStyle/>
-          <a:p>
-            <a:pPr algn="ctr"/>
-            <a:r>
-              <a:rPr kumimoji="1" lang="en-US" altLang="ko-KR" sz="900" b="1" dirty="0" err="1">
-                <a:latin typeface="KoPubWorldDotum Bold" pitchFamily="2" charset="-127"/>
-                <a:ea typeface="KoPubWorldDotum Bold" pitchFamily="2" charset="-127"/>
-                <a:cs typeface="KoPubWorldDotum Bold" pitchFamily="2" charset="-127"/>
-              </a:rPr>
-              <a:t>GetSessionMsg</a:t>
-            </a:r>
-            <a:endParaRPr kumimoji="1" lang="ko-KR" altLang="en-US" sz="900" b="1" dirty="0">
-              <a:latin typeface="KoPubWorldDotum Bold" pitchFamily="2" charset="-127"/>
-              <a:ea typeface="KoPubWorldDotum Bold" pitchFamily="2" charset="-127"/>
-              <a:cs typeface="KoPubWorldDotum Bold" pitchFamily="2" charset="-127"/>
-            </a:endParaRPr>
-          </a:p>
-        </p:txBody>
-      </p:sp>
-      <p:cxnSp>
-        <p:nvCxnSpPr>
-          <p:cNvPr id="1241" name="꺾인 연결선[E] 1240">
-            <a:extLst>
-              <a:ext uri="{FF2B5EF4-FFF2-40B4-BE49-F238E27FC236}">
-                <a16:creationId xmlns:a16="http://schemas.microsoft.com/office/drawing/2014/main" id="{D2154CFE-A159-563B-555A-EFE3D7DFF0E8}"/>
-              </a:ext>
-            </a:extLst>
-          </p:cNvPr>
-          <p:cNvCxnSpPr>
-            <a:cxnSpLocks/>
-            <a:stCxn id="27" idx="0"/>
-            <a:endCxn id="31" idx="2"/>
-          </p:cNvCxnSpPr>
-          <p:nvPr/>
-        </p:nvCxnSpPr>
-        <p:spPr>
-          <a:xfrm rot="16200000" flipV="1">
-            <a:off x="6532829" y="807343"/>
-            <a:ext cx="924489" cy="2188961"/>
-          </a:xfrm>
-          <a:prstGeom prst="bentConnector3">
-            <a:avLst>
-              <a:gd name="adj1" fmla="val 50000"/>
-            </a:avLst>
-          </a:prstGeom>
-        </p:spPr>
-        <p:style>
-          <a:lnRef idx="2">
-            <a:schemeClr val="accent1"/>
-          </a:lnRef>
-          <a:fillRef idx="0">
-            <a:schemeClr val="accent1"/>
-          </a:fillRef>
-          <a:effectRef idx="1">
-            <a:schemeClr val="accent1"/>
-          </a:effectRef>
-          <a:fontRef idx="minor">
-            <a:schemeClr val="tx1"/>
-          </a:fontRef>
-        </p:style>
-      </p:cxnSp>
-      <p:cxnSp>
-        <p:nvCxnSpPr>
-          <p:cNvPr id="1266" name="직선 화살표 연결선 1265">
-            <a:extLst>
-              <a:ext uri="{FF2B5EF4-FFF2-40B4-BE49-F238E27FC236}">
-                <a16:creationId xmlns:a16="http://schemas.microsoft.com/office/drawing/2014/main" id="{35C7AA75-6D3C-158F-D9A2-28D83FC3B848}"/>
-              </a:ext>
-            </a:extLst>
-          </p:cNvPr>
-          <p:cNvCxnSpPr>
-            <a:cxnSpLocks/>
-            <a:stCxn id="53" idx="1"/>
-          </p:cNvCxnSpPr>
-          <p:nvPr/>
-        </p:nvCxnSpPr>
-        <p:spPr>
-          <a:xfrm flipH="1">
-            <a:off x="8089552" y="3620510"/>
-            <a:ext cx="1187362" cy="0"/>
-          </a:xfrm>
-          <a:prstGeom prst="straightConnector1">
-            <a:avLst/>
-          </a:prstGeom>
-          <a:ln>
-            <a:headEnd type="none" w="med" len="med"/>
-            <a:tailEnd type="none" w="med" len="med"/>
-          </a:ln>
-        </p:spPr>
-        <p:style>
-          <a:lnRef idx="2">
-            <a:schemeClr val="accent1"/>
-          </a:lnRef>
-          <a:fillRef idx="0">
-            <a:schemeClr val="accent1"/>
-          </a:fillRef>
-          <a:effectRef idx="1">
-            <a:schemeClr val="accent1"/>
-          </a:effectRef>
-          <a:fontRef idx="minor">
-            <a:schemeClr val="tx1"/>
-          </a:fontRef>
-        </p:style>
-      </p:cxnSp>
-      <p:sp>
-        <p:nvSpPr>
-          <p:cNvPr id="1281" name="제목 1">
-            <a:extLst>
-              <a:ext uri="{FF2B5EF4-FFF2-40B4-BE49-F238E27FC236}">
-                <a16:creationId xmlns:a16="http://schemas.microsoft.com/office/drawing/2014/main" id="{FF0CFD82-8918-EA6B-8C9A-567BD293F0F1}"/>
+          <p:cNvPr id="1217" name="제목 1">
+            <a:extLst>
+              <a:ext uri="{FF2B5EF4-FFF2-40B4-BE49-F238E27FC236}">
+                <a16:creationId xmlns:a16="http://schemas.microsoft.com/office/drawing/2014/main" id="{9DFD3D5D-CDEB-B859-0DFB-9E92EE6AA8C9}"/>
               </a:ext>
             </a:extLst>
           </p:cNvPr>
@@ -11730,8 +11242,8 @@
         </p:nvSpPr>
         <p:spPr>
           <a:xfrm>
-            <a:off x="3839956" y="5799678"/>
-            <a:ext cx="739201" cy="267998"/>
+            <a:off x="16449141" y="5514720"/>
+            <a:ext cx="869150" cy="267998"/>
           </a:xfrm>
           <a:prstGeom prst="rect">
             <a:avLst/>
@@ -11768,7 +11280,7 @@
                 <a:ea typeface="KoPubWorldDotum Bold" pitchFamily="2" charset="-127"/>
                 <a:cs typeface="KoPubWorldDotum Bold" pitchFamily="2" charset="-127"/>
               </a:rPr>
-              <a:t>Lambda</a:t>
+              <a:t>RDS</a:t>
             </a:r>
             <a:endParaRPr kumimoji="1" lang="ko-KR" altLang="en-US" sz="900" b="1" dirty="0">
               <a:latin typeface="KoPubWorldDotum Bold" pitchFamily="2" charset="-127"/>
@@ -11778,63 +11290,34 @@
           </a:p>
         </p:txBody>
       </p:sp>
-      <p:pic>
-        <p:nvPicPr>
-          <p:cNvPr id="1282" name="그림 1281">
-            <a:extLst>
-              <a:ext uri="{FF2B5EF4-FFF2-40B4-BE49-F238E27FC236}">
-                <a16:creationId xmlns:a16="http://schemas.microsoft.com/office/drawing/2014/main" id="{BBAFE351-B01F-24A6-C4B5-4A2B5D666E94}"/>
-              </a:ext>
-            </a:extLst>
-          </p:cNvPr>
-          <p:cNvPicPr>
-            <a:picLocks noChangeAspect="1"/>
-          </p:cNvPicPr>
-          <p:nvPr/>
-        </p:nvPicPr>
-        <p:blipFill>
-          <a:blip r:embed="rId15"/>
-          <a:stretch>
-            <a:fillRect/>
-          </a:stretch>
-        </p:blipFill>
-        <p:spPr>
-          <a:xfrm>
-            <a:off x="3967453" y="5304202"/>
-            <a:ext cx="462142" cy="462142"/>
-          </a:xfrm>
-          <a:prstGeom prst="rect">
-            <a:avLst/>
-          </a:prstGeom>
-        </p:spPr>
-      </p:pic>
       <p:cxnSp>
         <p:nvCxnSpPr>
-          <p:cNvPr id="1309" name="꺾인 연결선[E] 1308">
-            <a:extLst>
-              <a:ext uri="{FF2B5EF4-FFF2-40B4-BE49-F238E27FC236}">
-                <a16:creationId xmlns:a16="http://schemas.microsoft.com/office/drawing/2014/main" id="{687C4D7D-A794-02AD-B474-FE2357E60152}"/>
+          <p:cNvPr id="1240" name="직선 화살표 연결선 1239">
+            <a:extLst>
+              <a:ext uri="{FF2B5EF4-FFF2-40B4-BE49-F238E27FC236}">
+                <a16:creationId xmlns:a16="http://schemas.microsoft.com/office/drawing/2014/main" id="{E1B90D06-F049-546C-298B-12F359379916}"/>
               </a:ext>
             </a:extLst>
           </p:cNvPr>
           <p:cNvCxnSpPr>
             <a:cxnSpLocks/>
-            <a:stCxn id="51" idx="1"/>
-            <a:endCxn id="27" idx="2"/>
+            <a:stCxn id="13" idx="3"/>
+            <a:endCxn id="23" idx="1"/>
           </p:cNvCxnSpPr>
           <p:nvPr/>
         </p:nvCxnSpPr>
         <p:spPr>
-          <a:xfrm rot="10800000" flipH="1">
-            <a:off x="7897957" y="2825395"/>
-            <a:ext cx="191595" cy="2020367"/>
-          </a:xfrm>
-          <a:prstGeom prst="bentConnector4">
-            <a:avLst>
-              <a:gd name="adj1" fmla="val -119314"/>
-              <a:gd name="adj2" fmla="val 53036"/>
-            </a:avLst>
-          </a:prstGeom>
+          <a:xfrm flipV="1">
+            <a:off x="15483983" y="5275520"/>
+            <a:ext cx="1176489" cy="15120"/>
+          </a:xfrm>
+          <a:prstGeom prst="straightConnector1">
+            <a:avLst/>
+          </a:prstGeom>
+          <a:ln>
+            <a:headEnd type="none" w="med" len="med"/>
+            <a:tailEnd type="none" w="med" len="med"/>
+          </a:ln>
         </p:spPr>
         <p:style>
           <a:lnRef idx="2">
@@ -11853,30 +11336,29 @@
       </p:cxnSp>
       <p:cxnSp>
         <p:nvCxnSpPr>
-          <p:cNvPr id="1330" name="직선 화살표 연결선 1329">
-            <a:extLst>
-              <a:ext uri="{FF2B5EF4-FFF2-40B4-BE49-F238E27FC236}">
-                <a16:creationId xmlns:a16="http://schemas.microsoft.com/office/drawing/2014/main" id="{0A4AD28A-ABAF-7706-8237-ECA08EB7CE5B}"/>
+          <p:cNvPr id="1246" name="직선 화살표 연결선 1245">
+            <a:extLst>
+              <a:ext uri="{FF2B5EF4-FFF2-40B4-BE49-F238E27FC236}">
+                <a16:creationId xmlns:a16="http://schemas.microsoft.com/office/drawing/2014/main" id="{BFD640ED-6644-24DE-0876-E93E5BAACCB5}"/>
               </a:ext>
             </a:extLst>
           </p:cNvPr>
           <p:cNvCxnSpPr>
             <a:cxnSpLocks/>
+            <a:stCxn id="1028" idx="1"/>
+            <a:endCxn id="53" idx="3"/>
           </p:cNvCxnSpPr>
           <p:nvPr/>
         </p:nvCxnSpPr>
         <p:spPr>
           <a:xfrm flipH="1">
-            <a:off x="540925" y="11601513"/>
-            <a:ext cx="11198699" cy="0"/>
+            <a:off x="13831305" y="6210350"/>
+            <a:ext cx="1160808" cy="4558"/>
           </a:xfrm>
           <a:prstGeom prst="straightConnector1">
             <a:avLst/>
           </a:prstGeom>
           <a:ln>
-            <a:solidFill>
-              <a:srgbClr val="FF0000"/>
-            </a:solidFill>
             <a:headEnd type="none" w="med" len="med"/>
             <a:tailEnd type="none" w="med" len="med"/>
           </a:ln>
@@ -11898,10 +11380,10 @@
       </p:cxnSp>
       <p:pic>
         <p:nvPicPr>
-          <p:cNvPr id="23" name="그림 22">
-            <a:extLst>
-              <a:ext uri="{FF2B5EF4-FFF2-40B4-BE49-F238E27FC236}">
-                <a16:creationId xmlns:a16="http://schemas.microsoft.com/office/drawing/2014/main" id="{AC4A61BD-7967-6BC8-24DA-796154C8C30C}"/>
+          <p:cNvPr id="49" name="그림 48">
+            <a:extLst>
+              <a:ext uri="{FF2B5EF4-FFF2-40B4-BE49-F238E27FC236}">
+                <a16:creationId xmlns:a16="http://schemas.microsoft.com/office/drawing/2014/main" id="{6D309DDB-C7E9-A597-6773-2D20B90C08A9}"/>
               </a:ext>
             </a:extLst>
           </p:cNvPr>
@@ -11910,58 +11392,505 @@
           </p:cNvPicPr>
           <p:nvPr/>
         </p:nvPicPr>
+        <p:blipFill rotWithShape="1">
+          <a:blip r:embed="rId17">
+            <a:duotone>
+              <a:schemeClr val="accent1">
+                <a:shade val="45000"/>
+                <a:satMod val="135000"/>
+              </a:schemeClr>
+              <a:prstClr val="white"/>
+            </a:duotone>
+          </a:blip>
+          <a:srcRect l="15555" t="8281" r="15408" b="21898"/>
+          <a:stretch/>
+        </p:blipFill>
+        <p:spPr>
+          <a:xfrm>
+            <a:off x="4080782" y="4365105"/>
+            <a:ext cx="471321" cy="476674"/>
+          </a:xfrm>
+          <a:prstGeom prst="rect">
+            <a:avLst/>
+          </a:prstGeom>
+        </p:spPr>
+      </p:pic>
+      <p:pic>
+        <p:nvPicPr>
+          <p:cNvPr id="54" name="그림 53">
+            <a:extLst>
+              <a:ext uri="{FF2B5EF4-FFF2-40B4-BE49-F238E27FC236}">
+                <a16:creationId xmlns:a16="http://schemas.microsoft.com/office/drawing/2014/main" id="{F33E5A4C-52F1-1E6B-FF9B-30F3F9910BE2}"/>
+              </a:ext>
+            </a:extLst>
+          </p:cNvPr>
+          <p:cNvPicPr>
+            <a:picLocks noChangeAspect="1"/>
+          </p:cNvPicPr>
+          <p:nvPr/>
+        </p:nvPicPr>
+        <p:blipFill rotWithShape="1">
+          <a:blip r:embed="rId18">
+            <a:duotone>
+              <a:schemeClr val="accent1">
+                <a:shade val="45000"/>
+                <a:satMod val="135000"/>
+              </a:schemeClr>
+              <a:prstClr val="white"/>
+            </a:duotone>
+          </a:blip>
+          <a:srcRect l="15128" t="7976" r="15361" b="21421"/>
+          <a:stretch/>
+        </p:blipFill>
+        <p:spPr>
+          <a:xfrm>
+            <a:off x="4751784" y="4360903"/>
+            <a:ext cx="472963" cy="480395"/>
+          </a:xfrm>
+          <a:prstGeom prst="rect">
+            <a:avLst/>
+          </a:prstGeom>
+        </p:spPr>
+      </p:pic>
+      <p:pic>
+        <p:nvPicPr>
+          <p:cNvPr id="55" name="그림 54">
+            <a:extLst>
+              <a:ext uri="{FF2B5EF4-FFF2-40B4-BE49-F238E27FC236}">
+                <a16:creationId xmlns:a16="http://schemas.microsoft.com/office/drawing/2014/main" id="{225DE08C-E4D0-F0DF-3CDF-CB415D79D42E}"/>
+              </a:ext>
+            </a:extLst>
+          </p:cNvPr>
+          <p:cNvPicPr>
+            <a:picLocks noChangeAspect="1"/>
+          </p:cNvPicPr>
+          <p:nvPr/>
+        </p:nvPicPr>
+        <p:blipFill rotWithShape="1">
+          <a:blip r:embed="rId19">
+            <a:duotone>
+              <a:schemeClr val="accent1">
+                <a:shade val="45000"/>
+                <a:satMod val="135000"/>
+              </a:schemeClr>
+              <a:prstClr val="white"/>
+            </a:duotone>
+          </a:blip>
+          <a:srcRect l="6507" r="6483" b="14266"/>
+          <a:stretch/>
+        </p:blipFill>
+        <p:spPr>
+          <a:xfrm>
+            <a:off x="5404530" y="4349395"/>
+            <a:ext cx="444739" cy="438219"/>
+          </a:xfrm>
+          <a:prstGeom prst="rect">
+            <a:avLst/>
+          </a:prstGeom>
+        </p:spPr>
+      </p:pic>
+      <p:cxnSp>
+        <p:nvCxnSpPr>
+          <p:cNvPr id="1229" name="직선 화살표 연결선 1228">
+            <a:extLst>
+              <a:ext uri="{FF2B5EF4-FFF2-40B4-BE49-F238E27FC236}">
+                <a16:creationId xmlns:a16="http://schemas.microsoft.com/office/drawing/2014/main" id="{88E7C7BA-FE19-A867-1BEF-D31FDBAAF711}"/>
+              </a:ext>
+            </a:extLst>
+          </p:cNvPr>
+          <p:cNvCxnSpPr>
+            <a:cxnSpLocks/>
+            <a:stCxn id="63" idx="1"/>
+            <a:endCxn id="1413" idx="3"/>
+          </p:cNvCxnSpPr>
+          <p:nvPr/>
+        </p:nvCxnSpPr>
+        <p:spPr>
+          <a:xfrm flipH="1">
+            <a:off x="7289310" y="7984642"/>
+            <a:ext cx="3560695" cy="2007"/>
+          </a:xfrm>
+          <a:prstGeom prst="straightConnector1">
+            <a:avLst/>
+          </a:prstGeom>
+          <a:ln>
+            <a:headEnd type="none" w="med" len="med"/>
+            <a:tailEnd type="triangle" w="med" len="med"/>
+          </a:ln>
+        </p:spPr>
+        <p:style>
+          <a:lnRef idx="2">
+            <a:schemeClr val="accent1"/>
+          </a:lnRef>
+          <a:fillRef idx="0">
+            <a:schemeClr val="accent1"/>
+          </a:fillRef>
+          <a:effectRef idx="1">
+            <a:schemeClr val="accent1"/>
+          </a:effectRef>
+          <a:fontRef idx="minor">
+            <a:schemeClr val="tx1"/>
+          </a:fontRef>
+        </p:style>
+      </p:cxnSp>
+      <p:sp>
+        <p:nvSpPr>
+          <p:cNvPr id="1270" name="직사각형 1269">
+            <a:extLst>
+              <a:ext uri="{FF2B5EF4-FFF2-40B4-BE49-F238E27FC236}">
+                <a16:creationId xmlns:a16="http://schemas.microsoft.com/office/drawing/2014/main" id="{D7A4B624-8D64-8AB2-FA0B-ADED0211B1ED}"/>
+              </a:ext>
+            </a:extLst>
+          </p:cNvPr>
+          <p:cNvSpPr/>
+          <p:nvPr/>
+        </p:nvSpPr>
+        <p:spPr>
+          <a:xfrm>
+            <a:off x="10356191" y="5977161"/>
+            <a:ext cx="1442110" cy="531631"/>
+          </a:xfrm>
+          <a:prstGeom prst="rect">
+            <a:avLst/>
+          </a:prstGeom>
+          <a:noFill/>
+          <a:ln>
+            <a:solidFill>
+              <a:srgbClr val="156082"/>
+            </a:solidFill>
+            <a:prstDash val="sysDash"/>
+          </a:ln>
+        </p:spPr>
+        <p:style>
+          <a:lnRef idx="2">
+            <a:schemeClr val="accent1">
+              <a:shade val="15000"/>
+            </a:schemeClr>
+          </a:lnRef>
+          <a:fillRef idx="1">
+            <a:schemeClr val="accent1"/>
+          </a:fillRef>
+          <a:effectRef idx="0">
+            <a:schemeClr val="accent1"/>
+          </a:effectRef>
+          <a:fontRef idx="minor">
+            <a:schemeClr val="lt1"/>
+          </a:fontRef>
+        </p:style>
+        <p:txBody>
+          <a:bodyPr rtlCol="0" anchor="ctr"/>
+          <a:lstStyle/>
+          <a:p>
+            <a:pPr algn="ctr"/>
+            <a:endParaRPr kumimoji="1" lang="ko-KR" altLang="en-US" sz="900"/>
+          </a:p>
+        </p:txBody>
+      </p:sp>
+      <p:pic>
+        <p:nvPicPr>
+          <p:cNvPr id="1282" name="그림 1281">
+            <a:extLst>
+              <a:ext uri="{FF2B5EF4-FFF2-40B4-BE49-F238E27FC236}">
+                <a16:creationId xmlns:a16="http://schemas.microsoft.com/office/drawing/2014/main" id="{BBAFE351-B01F-24A6-C4B5-4A2B5D666E94}"/>
+              </a:ext>
+            </a:extLst>
+          </p:cNvPr>
+          <p:cNvPicPr>
+            <a:picLocks noChangeAspect="1"/>
+          </p:cNvPicPr>
+          <p:nvPr/>
+        </p:nvPicPr>
         <p:blipFill>
-          <a:blip r:embed="rId16"/>
+          <a:blip r:embed="rId20"/>
           <a:stretch>
             <a:fillRect/>
           </a:stretch>
         </p:blipFill>
         <p:spPr>
           <a:xfrm>
-            <a:off x="3963978" y="9109903"/>
-            <a:ext cx="465430" cy="465430"/>
+            <a:off x="10819559" y="2160725"/>
+            <a:ext cx="462142" cy="462142"/>
           </a:xfrm>
           <a:prstGeom prst="rect">
             <a:avLst/>
           </a:prstGeom>
         </p:spPr>
       </p:pic>
-      <p:pic>
-        <p:nvPicPr>
-          <p:cNvPr id="14" name="그림 13">
-            <a:extLst>
-              <a:ext uri="{FF2B5EF4-FFF2-40B4-BE49-F238E27FC236}">
-                <a16:creationId xmlns:a16="http://schemas.microsoft.com/office/drawing/2014/main" id="{71DBA4B4-25A0-5D0D-19A2-D02C50ACB8D0}"/>
-              </a:ext>
-            </a:extLst>
-          </p:cNvPr>
-          <p:cNvPicPr>
-            <a:picLocks noChangeAspect="1"/>
-          </p:cNvPicPr>
-          <p:nvPr/>
-        </p:nvPicPr>
-        <p:blipFill>
-          <a:blip r:embed="rId17"/>
-          <a:stretch>
-            <a:fillRect/>
-          </a:stretch>
-        </p:blipFill>
-        <p:spPr>
-          <a:xfrm>
-            <a:off x="9174962" y="650410"/>
-            <a:ext cx="461326" cy="461326"/>
-          </a:xfrm>
-          <a:prstGeom prst="rect">
-            <a:avLst/>
-          </a:prstGeom>
-        </p:spPr>
-      </p:pic>
-      <p:sp>
-        <p:nvSpPr>
-          <p:cNvPr id="47" name="제목 1">
-            <a:extLst>
-              <a:ext uri="{FF2B5EF4-FFF2-40B4-BE49-F238E27FC236}">
-                <a16:creationId xmlns:a16="http://schemas.microsoft.com/office/drawing/2014/main" id="{BA6437DA-1E87-2A60-6AEA-1DCAC8B6D3C7}"/>
+      <p:cxnSp>
+        <p:nvCxnSpPr>
+          <p:cNvPr id="1274" name="직선 화살표 연결선 1273">
+            <a:extLst>
+              <a:ext uri="{FF2B5EF4-FFF2-40B4-BE49-F238E27FC236}">
+                <a16:creationId xmlns:a16="http://schemas.microsoft.com/office/drawing/2014/main" id="{8A79098A-BCFE-862D-FBDA-B81964D4C05E}"/>
+              </a:ext>
+            </a:extLst>
+          </p:cNvPr>
+          <p:cNvCxnSpPr>
+            <a:cxnSpLocks/>
+            <a:stCxn id="58" idx="3"/>
+            <a:endCxn id="1043" idx="1"/>
+          </p:cNvCxnSpPr>
+          <p:nvPr/>
+        </p:nvCxnSpPr>
+        <p:spPr>
+          <a:xfrm>
+            <a:off x="9200080" y="3526097"/>
+            <a:ext cx="1226263" cy="9328"/>
+          </a:xfrm>
+          <a:prstGeom prst="straightConnector1">
+            <a:avLst/>
+          </a:prstGeom>
+          <a:ln>
+            <a:headEnd type="none" w="med" len="med"/>
+            <a:tailEnd type="none" w="med" len="med"/>
+          </a:ln>
+        </p:spPr>
+        <p:style>
+          <a:lnRef idx="2">
+            <a:schemeClr val="accent1"/>
+          </a:lnRef>
+          <a:fillRef idx="0">
+            <a:schemeClr val="accent1"/>
+          </a:fillRef>
+          <a:effectRef idx="1">
+            <a:schemeClr val="accent1"/>
+          </a:effectRef>
+          <a:fontRef idx="minor">
+            <a:schemeClr val="tx1"/>
+          </a:fontRef>
+        </p:style>
+      </p:cxnSp>
+      <p:sp>
+        <p:nvSpPr>
+          <p:cNvPr id="1277" name="직사각형 1276">
+            <a:extLst>
+              <a:ext uri="{FF2B5EF4-FFF2-40B4-BE49-F238E27FC236}">
+                <a16:creationId xmlns:a16="http://schemas.microsoft.com/office/drawing/2014/main" id="{4D102516-2F50-64E4-CCF3-23A68F8F1EEE}"/>
+              </a:ext>
+            </a:extLst>
+          </p:cNvPr>
+          <p:cNvSpPr/>
+          <p:nvPr/>
+        </p:nvSpPr>
+        <p:spPr>
+          <a:xfrm>
+            <a:off x="10358248" y="4480057"/>
+            <a:ext cx="1452222" cy="968766"/>
+          </a:xfrm>
+          <a:prstGeom prst="rect">
+            <a:avLst/>
+          </a:prstGeom>
+          <a:noFill/>
+          <a:ln>
+            <a:solidFill>
+              <a:srgbClr val="156082"/>
+            </a:solidFill>
+            <a:prstDash val="sysDash"/>
+          </a:ln>
+        </p:spPr>
+        <p:style>
+          <a:lnRef idx="2">
+            <a:schemeClr val="accent1">
+              <a:shade val="15000"/>
+            </a:schemeClr>
+          </a:lnRef>
+          <a:fillRef idx="1">
+            <a:schemeClr val="accent1"/>
+          </a:fillRef>
+          <a:effectRef idx="0">
+            <a:schemeClr val="accent1"/>
+          </a:effectRef>
+          <a:fontRef idx="minor">
+            <a:schemeClr val="lt1"/>
+          </a:fontRef>
+        </p:style>
+        <p:txBody>
+          <a:bodyPr rtlCol="0" anchor="ctr"/>
+          <a:lstStyle/>
+          <a:p>
+            <a:pPr algn="ctr"/>
+            <a:endParaRPr kumimoji="1" lang="ko-KR" altLang="en-US" sz="900"/>
+          </a:p>
+        </p:txBody>
+      </p:sp>
+      <p:cxnSp>
+        <p:nvCxnSpPr>
+          <p:cNvPr id="1294" name="직선 화살표 연결선 1293">
+            <a:extLst>
+              <a:ext uri="{FF2B5EF4-FFF2-40B4-BE49-F238E27FC236}">
+                <a16:creationId xmlns:a16="http://schemas.microsoft.com/office/drawing/2014/main" id="{A314EE83-E5F0-FCF2-3CBE-8EA4A96E65B1}"/>
+              </a:ext>
+            </a:extLst>
+          </p:cNvPr>
+          <p:cNvCxnSpPr>
+            <a:cxnSpLocks/>
+            <a:stCxn id="48" idx="3"/>
+            <a:endCxn id="1277" idx="1"/>
+          </p:cNvCxnSpPr>
+          <p:nvPr/>
+        </p:nvCxnSpPr>
+        <p:spPr>
+          <a:xfrm>
+            <a:off x="9181759" y="4961913"/>
+            <a:ext cx="1176489" cy="2527"/>
+          </a:xfrm>
+          <a:prstGeom prst="straightConnector1">
+            <a:avLst/>
+          </a:prstGeom>
+          <a:ln>
+            <a:headEnd type="none" w="med" len="med"/>
+            <a:tailEnd type="none" w="med" len="med"/>
+          </a:ln>
+        </p:spPr>
+        <p:style>
+          <a:lnRef idx="2">
+            <a:schemeClr val="accent1"/>
+          </a:lnRef>
+          <a:fillRef idx="0">
+            <a:schemeClr val="accent1"/>
+          </a:fillRef>
+          <a:effectRef idx="1">
+            <a:schemeClr val="accent1"/>
+          </a:effectRef>
+          <a:fontRef idx="minor">
+            <a:schemeClr val="tx1"/>
+          </a:fontRef>
+        </p:style>
+      </p:cxnSp>
+      <p:cxnSp>
+        <p:nvCxnSpPr>
+          <p:cNvPr id="1299" name="직선 화살표 연결선 1298">
+            <a:extLst>
+              <a:ext uri="{FF2B5EF4-FFF2-40B4-BE49-F238E27FC236}">
+                <a16:creationId xmlns:a16="http://schemas.microsoft.com/office/drawing/2014/main" id="{8729CCE0-B005-16A3-584E-9AAB8485584F}"/>
+              </a:ext>
+            </a:extLst>
+          </p:cNvPr>
+          <p:cNvCxnSpPr>
+            <a:cxnSpLocks/>
+            <a:stCxn id="1043" idx="3"/>
+            <a:endCxn id="18" idx="1"/>
+          </p:cNvCxnSpPr>
+          <p:nvPr/>
+        </p:nvCxnSpPr>
+        <p:spPr>
+          <a:xfrm flipV="1">
+            <a:off x="11798300" y="3511667"/>
+            <a:ext cx="4852459" cy="23758"/>
+          </a:xfrm>
+          <a:prstGeom prst="straightConnector1">
+            <a:avLst/>
+          </a:prstGeom>
+          <a:ln>
+            <a:headEnd type="none" w="med" len="med"/>
+            <a:tailEnd type="none" w="med" len="med"/>
+          </a:ln>
+        </p:spPr>
+        <p:style>
+          <a:lnRef idx="2">
+            <a:schemeClr val="accent1"/>
+          </a:lnRef>
+          <a:fillRef idx="0">
+            <a:schemeClr val="accent1"/>
+          </a:fillRef>
+          <a:effectRef idx="1">
+            <a:schemeClr val="accent1"/>
+          </a:effectRef>
+          <a:fontRef idx="minor">
+            <a:schemeClr val="tx1"/>
+          </a:fontRef>
+        </p:style>
+      </p:cxnSp>
+      <p:cxnSp>
+        <p:nvCxnSpPr>
+          <p:cNvPr id="1304" name="꺾인 연결선[E] 1303">
+            <a:extLst>
+              <a:ext uri="{FF2B5EF4-FFF2-40B4-BE49-F238E27FC236}">
+                <a16:creationId xmlns:a16="http://schemas.microsoft.com/office/drawing/2014/main" id="{C72891EE-A97E-9D6E-47CA-21EE82787F87}"/>
+              </a:ext>
+            </a:extLst>
+          </p:cNvPr>
+          <p:cNvCxnSpPr>
+            <a:cxnSpLocks/>
+            <a:stCxn id="1026" idx="1"/>
+            <a:endCxn id="1277" idx="3"/>
+          </p:cNvCxnSpPr>
+          <p:nvPr/>
+        </p:nvCxnSpPr>
+        <p:spPr>
+          <a:xfrm rot="10800000" flipV="1">
+            <a:off x="11810470" y="4488598"/>
+            <a:ext cx="1515266" cy="475842"/>
+          </a:xfrm>
+          <a:prstGeom prst="bentConnector3">
+            <a:avLst>
+              <a:gd name="adj1" fmla="val 50000"/>
+            </a:avLst>
+          </a:prstGeom>
+        </p:spPr>
+        <p:style>
+          <a:lnRef idx="2">
+            <a:schemeClr val="accent1"/>
+          </a:lnRef>
+          <a:fillRef idx="0">
+            <a:schemeClr val="accent1"/>
+          </a:fillRef>
+          <a:effectRef idx="1">
+            <a:schemeClr val="accent1"/>
+          </a:effectRef>
+          <a:fontRef idx="minor">
+            <a:schemeClr val="tx1"/>
+          </a:fontRef>
+        </p:style>
+      </p:cxnSp>
+      <p:cxnSp>
+        <p:nvCxnSpPr>
+          <p:cNvPr id="1307" name="꺾인 연결선[E] 1306">
+            <a:extLst>
+              <a:ext uri="{FF2B5EF4-FFF2-40B4-BE49-F238E27FC236}">
+                <a16:creationId xmlns:a16="http://schemas.microsoft.com/office/drawing/2014/main" id="{85D0B392-BB4C-2A48-775D-6061FCA7F40C}"/>
+              </a:ext>
+            </a:extLst>
+          </p:cNvPr>
+          <p:cNvCxnSpPr>
+            <a:cxnSpLocks/>
+            <a:stCxn id="3" idx="1"/>
+            <a:endCxn id="1277" idx="3"/>
+          </p:cNvCxnSpPr>
+          <p:nvPr/>
+        </p:nvCxnSpPr>
+        <p:spPr>
+          <a:xfrm rot="10800000">
+            <a:off x="11810471" y="4964440"/>
+            <a:ext cx="1490649" cy="329890"/>
+          </a:xfrm>
+          <a:prstGeom prst="bentConnector3">
+            <a:avLst>
+              <a:gd name="adj1" fmla="val 49148"/>
+            </a:avLst>
+          </a:prstGeom>
+        </p:spPr>
+        <p:style>
+          <a:lnRef idx="2">
+            <a:schemeClr val="accent1"/>
+          </a:lnRef>
+          <a:fillRef idx="0">
+            <a:schemeClr val="accent1"/>
+          </a:fillRef>
+          <a:effectRef idx="1">
+            <a:schemeClr val="accent1"/>
+          </a:effectRef>
+          <a:fontRef idx="minor">
+            <a:schemeClr val="tx1"/>
+          </a:fontRef>
+        </p:style>
+      </p:cxnSp>
+      <p:sp>
+        <p:nvSpPr>
+          <p:cNvPr id="1321" name="제목 1">
+            <a:extLst>
+              <a:ext uri="{FF2B5EF4-FFF2-40B4-BE49-F238E27FC236}">
+                <a16:creationId xmlns:a16="http://schemas.microsoft.com/office/drawing/2014/main" id="{8B82FBC2-A70B-5056-EB88-E560B8E8DC46}"/>
               </a:ext>
             </a:extLst>
           </p:cNvPr>
@@ -11972,8 +11901,8 @@
         </p:nvSpPr>
         <p:spPr>
           <a:xfrm>
-            <a:off x="8748539" y="1119650"/>
-            <a:ext cx="1314173" cy="267998"/>
+            <a:off x="8252201" y="1920527"/>
+            <a:ext cx="926279" cy="267998"/>
           </a:xfrm>
           <a:prstGeom prst="rect">
             <a:avLst/>
@@ -12010,39 +11939,42 @@
                 <a:ea typeface="KoPubWorldDotum Bold" pitchFamily="2" charset="-127"/>
                 <a:cs typeface="KoPubWorldDotum Bold" pitchFamily="2" charset="-127"/>
               </a:rPr>
-              <a:t>SSM Parameter Store</a:t>
-            </a:r>
+              <a:t>API Gateway</a:t>
+            </a:r>
+            <a:endParaRPr kumimoji="1" lang="ko-KR" altLang="en-US" sz="900" b="1" dirty="0">
+              <a:latin typeface="KoPubWorldDotum Bold" pitchFamily="2" charset="-127"/>
+              <a:ea typeface="KoPubWorldDotum Bold" pitchFamily="2" charset="-127"/>
+              <a:cs typeface="KoPubWorldDotum Bold" pitchFamily="2" charset="-127"/>
+            </a:endParaRPr>
           </a:p>
         </p:txBody>
       </p:sp>
       <p:cxnSp>
         <p:nvCxnSpPr>
-          <p:cNvPr id="1079" name="직선 화살표 연결선 1078">
-            <a:extLst>
-              <a:ext uri="{FF2B5EF4-FFF2-40B4-BE49-F238E27FC236}">
-                <a16:creationId xmlns:a16="http://schemas.microsoft.com/office/drawing/2014/main" id="{9CF04B74-8B16-40A4-2199-CE6A131D7B71}"/>
+          <p:cNvPr id="1334" name="꺾인 연결선[E] 1333">
+            <a:extLst>
+              <a:ext uri="{FF2B5EF4-FFF2-40B4-BE49-F238E27FC236}">
+                <a16:creationId xmlns:a16="http://schemas.microsoft.com/office/drawing/2014/main" id="{F5ECF011-7393-BA08-54C1-834873A6AB76}"/>
               </a:ext>
             </a:extLst>
           </p:cNvPr>
           <p:cNvCxnSpPr>
             <a:cxnSpLocks/>
-            <a:stCxn id="17" idx="0"/>
-            <a:endCxn id="4" idx="2"/>
+            <a:stCxn id="63" idx="0"/>
+            <a:endCxn id="1322" idx="2"/>
           </p:cNvCxnSpPr>
           <p:nvPr/>
         </p:nvCxnSpPr>
         <p:spPr>
-          <a:xfrm flipV="1">
-            <a:off x="2292349" y="7686536"/>
-            <a:ext cx="2088" cy="235244"/>
-          </a:xfrm>
-          <a:prstGeom prst="straightConnector1">
-            <a:avLst/>
-          </a:prstGeom>
-          <a:ln>
-            <a:headEnd type="none" w="med" len="med"/>
-            <a:tailEnd type="none" w="med" len="med"/>
-          </a:ln>
+          <a:xfrm rot="16200000" flipV="1">
+            <a:off x="9389031" y="6061526"/>
+            <a:ext cx="1018356" cy="2365734"/>
+          </a:xfrm>
+          <a:prstGeom prst="bentConnector3">
+            <a:avLst>
+              <a:gd name="adj1" fmla="val 50000"/>
+            </a:avLst>
+          </a:prstGeom>
         </p:spPr>
         <p:style>
           <a:lnRef idx="2">
@@ -12061,32 +11993,30 @@
       </p:cxnSp>
       <p:cxnSp>
         <p:nvCxnSpPr>
-          <p:cNvPr id="1081" name="직선 화살표 연결선 1080">
-            <a:extLst>
-              <a:ext uri="{FF2B5EF4-FFF2-40B4-BE49-F238E27FC236}">
-                <a16:creationId xmlns:a16="http://schemas.microsoft.com/office/drawing/2014/main" id="{499FAE31-E5A4-C799-5C85-5B36664045FB}"/>
+          <p:cNvPr id="1337" name="꺾인 연결선[E] 1336">
+            <a:extLst>
+              <a:ext uri="{FF2B5EF4-FFF2-40B4-BE49-F238E27FC236}">
+                <a16:creationId xmlns:a16="http://schemas.microsoft.com/office/drawing/2014/main" id="{0BF208C2-6827-7436-88CC-B13C6368456A}"/>
               </a:ext>
             </a:extLst>
           </p:cNvPr>
           <p:cNvCxnSpPr>
             <a:cxnSpLocks/>
-            <a:stCxn id="13" idx="0"/>
-            <a:endCxn id="6" idx="2"/>
+            <a:stCxn id="1315" idx="2"/>
+            <a:endCxn id="63" idx="0"/>
           </p:cNvCxnSpPr>
           <p:nvPr/>
         </p:nvCxnSpPr>
         <p:spPr>
-          <a:xfrm flipV="1">
-            <a:off x="4210775" y="7697469"/>
-            <a:ext cx="725" cy="199812"/>
-          </a:xfrm>
-          <a:prstGeom prst="straightConnector1">
-            <a:avLst/>
-          </a:prstGeom>
-          <a:ln>
-            <a:headEnd type="none" w="med" len="med"/>
-            <a:tailEnd type="none" w="med" len="med"/>
-          </a:ln>
+          <a:xfrm rot="16200000" flipH="1">
+            <a:off x="10570428" y="7242923"/>
+            <a:ext cx="1021106" cy="190"/>
+          </a:xfrm>
+          <a:prstGeom prst="bentConnector3">
+            <a:avLst>
+              <a:gd name="adj1" fmla="val 50000"/>
+            </a:avLst>
+          </a:prstGeom>
         </p:spPr>
         <p:style>
           <a:lnRef idx="2">
@@ -12103,12 +12033,221 @@
           </a:fontRef>
         </p:style>
       </p:cxnSp>
-      <p:sp>
-        <p:nvSpPr>
-          <p:cNvPr id="1217" name="제목 1">
-            <a:extLst>
-              <a:ext uri="{FF2B5EF4-FFF2-40B4-BE49-F238E27FC236}">
-                <a16:creationId xmlns:a16="http://schemas.microsoft.com/office/drawing/2014/main" id="{9DFD3D5D-CDEB-B859-0DFB-9E92EE6AA8C9}"/>
+      <p:cxnSp>
+        <p:nvCxnSpPr>
+          <p:cNvPr id="1340" name="꺾인 연결선[E] 1339">
+            <a:extLst>
+              <a:ext uri="{FF2B5EF4-FFF2-40B4-BE49-F238E27FC236}">
+                <a16:creationId xmlns:a16="http://schemas.microsoft.com/office/drawing/2014/main" id="{224E3202-9C11-7DF8-7567-A06FDA76AF41}"/>
+              </a:ext>
+            </a:extLst>
+          </p:cNvPr>
+          <p:cNvCxnSpPr>
+            <a:cxnSpLocks/>
+            <a:stCxn id="59" idx="2"/>
+            <a:endCxn id="63" idx="0"/>
+          </p:cNvCxnSpPr>
+          <p:nvPr/>
+        </p:nvCxnSpPr>
+        <p:spPr>
+          <a:xfrm rot="5400000">
+            <a:off x="11832796" y="5985725"/>
+            <a:ext cx="1016127" cy="2519565"/>
+          </a:xfrm>
+          <a:prstGeom prst="bentConnector3">
+            <a:avLst>
+              <a:gd name="adj1" fmla="val 50000"/>
+            </a:avLst>
+          </a:prstGeom>
+        </p:spPr>
+        <p:style>
+          <a:lnRef idx="2">
+            <a:schemeClr val="accent1"/>
+          </a:lnRef>
+          <a:fillRef idx="0">
+            <a:schemeClr val="accent1"/>
+          </a:fillRef>
+          <a:effectRef idx="1">
+            <a:schemeClr val="accent1"/>
+          </a:effectRef>
+          <a:fontRef idx="minor">
+            <a:schemeClr val="tx1"/>
+          </a:fontRef>
+        </p:style>
+      </p:cxnSp>
+      <p:cxnSp>
+        <p:nvCxnSpPr>
+          <p:cNvPr id="1354" name="꺾인 연결선[E] 1353">
+            <a:extLst>
+              <a:ext uri="{FF2B5EF4-FFF2-40B4-BE49-F238E27FC236}">
+                <a16:creationId xmlns:a16="http://schemas.microsoft.com/office/drawing/2014/main" id="{492316CD-3307-BE3B-2AD0-ED4FE4552EE6}"/>
+              </a:ext>
+            </a:extLst>
+          </p:cNvPr>
+          <p:cNvCxnSpPr>
+            <a:cxnSpLocks/>
+            <a:stCxn id="47" idx="2"/>
+            <a:endCxn id="1387" idx="3"/>
+          </p:cNvCxnSpPr>
+          <p:nvPr/>
+        </p:nvCxnSpPr>
+        <p:spPr>
+          <a:xfrm rot="5400000">
+            <a:off x="6405601" y="3876861"/>
+            <a:ext cx="308363" cy="1062787"/>
+          </a:xfrm>
+          <a:prstGeom prst="bentConnector2">
+            <a:avLst/>
+          </a:prstGeom>
+        </p:spPr>
+        <p:style>
+          <a:lnRef idx="2">
+            <a:schemeClr val="accent1"/>
+          </a:lnRef>
+          <a:fillRef idx="0">
+            <a:schemeClr val="accent1"/>
+          </a:fillRef>
+          <a:effectRef idx="1">
+            <a:schemeClr val="accent1"/>
+          </a:effectRef>
+          <a:fontRef idx="minor">
+            <a:schemeClr val="tx1"/>
+          </a:fontRef>
+        </p:style>
+      </p:cxnSp>
+      <p:cxnSp>
+        <p:nvCxnSpPr>
+          <p:cNvPr id="1358" name="직선 화살표 연결선 1357">
+            <a:extLst>
+              <a:ext uri="{FF2B5EF4-FFF2-40B4-BE49-F238E27FC236}">
+                <a16:creationId xmlns:a16="http://schemas.microsoft.com/office/drawing/2014/main" id="{E01261CE-497D-0011-2A75-393AF9C0E55A}"/>
+              </a:ext>
+            </a:extLst>
+          </p:cNvPr>
+          <p:cNvCxnSpPr>
+            <a:cxnSpLocks/>
+            <a:stCxn id="1322" idx="1"/>
+            <a:endCxn id="1387" idx="3"/>
+          </p:cNvCxnSpPr>
+          <p:nvPr/>
+        </p:nvCxnSpPr>
+        <p:spPr>
+          <a:xfrm flipH="1" flipV="1">
+            <a:off x="6028388" y="4562436"/>
+            <a:ext cx="2013983" cy="291"/>
+          </a:xfrm>
+          <a:prstGeom prst="straightConnector1">
+            <a:avLst/>
+          </a:prstGeom>
+          <a:ln>
+            <a:headEnd type="none" w="med" len="med"/>
+            <a:tailEnd type="none" w="med" len="med"/>
+          </a:ln>
+        </p:spPr>
+        <p:style>
+          <a:lnRef idx="2">
+            <a:schemeClr val="accent1"/>
+          </a:lnRef>
+          <a:fillRef idx="0">
+            <a:schemeClr val="accent1"/>
+          </a:fillRef>
+          <a:effectRef idx="1">
+            <a:schemeClr val="accent1"/>
+          </a:effectRef>
+          <a:fontRef idx="minor">
+            <a:schemeClr val="tx1"/>
+          </a:fontRef>
+        </p:style>
+      </p:cxnSp>
+      <p:sp>
+        <p:nvSpPr>
+          <p:cNvPr id="1387" name="직사각형 1386">
+            <a:extLst>
+              <a:ext uri="{FF2B5EF4-FFF2-40B4-BE49-F238E27FC236}">
+                <a16:creationId xmlns:a16="http://schemas.microsoft.com/office/drawing/2014/main" id="{92016821-DF80-2676-AC28-D1920624FCBF}"/>
+              </a:ext>
+            </a:extLst>
+          </p:cNvPr>
+          <p:cNvSpPr/>
+          <p:nvPr/>
+        </p:nvSpPr>
+        <p:spPr>
+          <a:xfrm>
+            <a:off x="4030491" y="4212088"/>
+            <a:ext cx="1997897" cy="700696"/>
+          </a:xfrm>
+          <a:prstGeom prst="rect">
+            <a:avLst/>
+          </a:prstGeom>
+          <a:noFill/>
+          <a:ln>
+            <a:solidFill>
+              <a:srgbClr val="156082"/>
+            </a:solidFill>
+            <a:prstDash val="sysDash"/>
+          </a:ln>
+        </p:spPr>
+        <p:style>
+          <a:lnRef idx="2">
+            <a:schemeClr val="accent1">
+              <a:shade val="15000"/>
+            </a:schemeClr>
+          </a:lnRef>
+          <a:fillRef idx="1">
+            <a:schemeClr val="accent1"/>
+          </a:fillRef>
+          <a:effectRef idx="0">
+            <a:schemeClr val="accent1"/>
+          </a:effectRef>
+          <a:fontRef idx="minor">
+            <a:schemeClr val="lt1"/>
+          </a:fontRef>
+        </p:style>
+        <p:txBody>
+          <a:bodyPr rtlCol="0" anchor="ctr"/>
+          <a:lstStyle/>
+          <a:p>
+            <a:pPr algn="ctr"/>
+            <a:endParaRPr kumimoji="1" lang="ko-KR" altLang="en-US" sz="900"/>
+          </a:p>
+        </p:txBody>
+      </p:sp>
+      <p:pic>
+        <p:nvPicPr>
+          <p:cNvPr id="1413" name="그림 1412">
+            <a:extLst>
+              <a:ext uri="{FF2B5EF4-FFF2-40B4-BE49-F238E27FC236}">
+                <a16:creationId xmlns:a16="http://schemas.microsoft.com/office/drawing/2014/main" id="{25F43465-C3FE-14B4-A013-BA2800C032DE}"/>
+              </a:ext>
+            </a:extLst>
+          </p:cNvPr>
+          <p:cNvPicPr>
+            <a:picLocks noChangeAspect="1"/>
+          </p:cNvPicPr>
+          <p:nvPr/>
+        </p:nvPicPr>
+        <p:blipFill>
+          <a:blip r:embed="rId21"/>
+          <a:stretch>
+            <a:fillRect/>
+          </a:stretch>
+        </p:blipFill>
+        <p:spPr>
+          <a:xfrm>
+            <a:off x="6827168" y="7755578"/>
+            <a:ext cx="462142" cy="462142"/>
+          </a:xfrm>
+          <a:prstGeom prst="rect">
+            <a:avLst/>
+          </a:prstGeom>
+        </p:spPr>
+      </p:pic>
+      <p:sp>
+        <p:nvSpPr>
+          <p:cNvPr id="5" name="제목 1">
+            <a:extLst>
+              <a:ext uri="{FF2B5EF4-FFF2-40B4-BE49-F238E27FC236}">
+                <a16:creationId xmlns:a16="http://schemas.microsoft.com/office/drawing/2014/main" id="{F791A400-F7BF-32A7-8AE2-901F5BEC124C}"/>
               </a:ext>
             </a:extLst>
           </p:cNvPr>
@@ -12119,8 +12258,8 @@
         </p:nvSpPr>
         <p:spPr>
           <a:xfrm>
-            <a:off x="3752647" y="9581818"/>
-            <a:ext cx="869150" cy="267998"/>
+            <a:off x="6467483" y="8218463"/>
+            <a:ext cx="1257659" cy="267998"/>
           </a:xfrm>
           <a:prstGeom prst="rect">
             <a:avLst/>
@@ -12157,7 +12296,15 @@
                 <a:ea typeface="KoPubWorldDotum Bold" pitchFamily="2" charset="-127"/>
                 <a:cs typeface="KoPubWorldDotum Bold" pitchFamily="2" charset="-127"/>
               </a:rPr>
-              <a:t>RDS</a:t>
+              <a:t>Kinesis </a:t>
+            </a:r>
+            <a:r>
+              <a:rPr kumimoji="1" lang="en-US" altLang="ko-KR" sz="900" b="1" dirty="0" err="1">
+                <a:latin typeface="KoPubWorldDotum Bold" pitchFamily="2" charset="-127"/>
+                <a:ea typeface="KoPubWorldDotum Bold" pitchFamily="2" charset="-127"/>
+                <a:cs typeface="KoPubWorldDotum Bold" pitchFamily="2" charset="-127"/>
+              </a:rPr>
+              <a:t>FireHose</a:t>
             </a:r>
             <a:endParaRPr kumimoji="1" lang="ko-KR" altLang="en-US" sz="900" b="1" dirty="0">
               <a:latin typeface="KoPubWorldDotum Bold" pitchFamily="2" charset="-127"/>
@@ -12167,33 +12314,255 @@
           </a:p>
         </p:txBody>
       </p:sp>
+      <p:pic>
+        <p:nvPicPr>
+          <p:cNvPr id="22" name="그림 21">
+            <a:extLst>
+              <a:ext uri="{FF2B5EF4-FFF2-40B4-BE49-F238E27FC236}">
+                <a16:creationId xmlns:a16="http://schemas.microsoft.com/office/drawing/2014/main" id="{D2333B75-D60C-9933-5A6C-1FC8BF360EB6}"/>
+              </a:ext>
+            </a:extLst>
+          </p:cNvPr>
+          <p:cNvPicPr>
+            <a:picLocks noChangeAspect="1"/>
+          </p:cNvPicPr>
+          <p:nvPr/>
+        </p:nvPicPr>
+        <p:blipFill>
+          <a:blip r:embed="rId22"/>
+          <a:stretch>
+            <a:fillRect/>
+          </a:stretch>
+        </p:blipFill>
+        <p:spPr>
+          <a:xfrm>
+            <a:off x="2691873" y="7643366"/>
+            <a:ext cx="462142" cy="462142"/>
+          </a:xfrm>
+          <a:prstGeom prst="rect">
+            <a:avLst/>
+          </a:prstGeom>
+        </p:spPr>
+      </p:pic>
+      <p:sp>
+        <p:nvSpPr>
+          <p:cNvPr id="24" name="제목 1">
+            <a:extLst>
+              <a:ext uri="{FF2B5EF4-FFF2-40B4-BE49-F238E27FC236}">
+                <a16:creationId xmlns:a16="http://schemas.microsoft.com/office/drawing/2014/main" id="{F26C1E1A-00F8-52FD-9B29-C0DECBC994D6}"/>
+              </a:ext>
+            </a:extLst>
+          </p:cNvPr>
+          <p:cNvSpPr txBox="1">
+            <a:spLocks/>
+          </p:cNvSpPr>
+          <p:nvPr/>
+        </p:nvSpPr>
+        <p:spPr>
+          <a:xfrm>
+            <a:off x="2294114" y="8115679"/>
+            <a:ext cx="1257659" cy="267998"/>
+          </a:xfrm>
+          <a:prstGeom prst="rect">
+            <a:avLst/>
+          </a:prstGeom>
+        </p:spPr>
+        <p:txBody>
+          <a:bodyPr vert="horz" lIns="91440" tIns="45720" rIns="91440" bIns="45720" rtlCol="0" anchor="ctr">
+            <a:normAutofit/>
+          </a:bodyPr>
+          <a:lstStyle>
+            <a:lvl1pPr algn="l" defTabSz="914400" rtl="0" eaLnBrk="1" latinLnBrk="1" hangingPunct="1">
+              <a:lnSpc>
+                <a:spcPct val="90000"/>
+              </a:lnSpc>
+              <a:spcBef>
+                <a:spcPct val="0"/>
+              </a:spcBef>
+              <a:buNone/>
+              <a:defRPr sz="4400" kern="1200">
+                <a:solidFill>
+                  <a:schemeClr val="tx1"/>
+                </a:solidFill>
+                <a:latin typeface="+mj-lt"/>
+                <a:ea typeface="+mj-ea"/>
+                <a:cs typeface="+mj-cs"/>
+              </a:defRPr>
+            </a:lvl1pPr>
+          </a:lstStyle>
+          <a:p>
+            <a:pPr algn="ctr"/>
+            <a:r>
+              <a:rPr kumimoji="1" lang="en-US" altLang="ko-KR" sz="900" b="1" dirty="0">
+                <a:latin typeface="KoPubWorldDotum Bold" pitchFamily="2" charset="-127"/>
+                <a:ea typeface="KoPubWorldDotum Bold" pitchFamily="2" charset="-127"/>
+                <a:cs typeface="KoPubWorldDotum Bold" pitchFamily="2" charset="-127"/>
+              </a:rPr>
+              <a:t>Athena</a:t>
+            </a:r>
+            <a:endParaRPr kumimoji="1" lang="ko-KR" altLang="en-US" sz="900" b="1" dirty="0">
+              <a:latin typeface="KoPubWorldDotum Bold" pitchFamily="2" charset="-127"/>
+              <a:ea typeface="KoPubWorldDotum Bold" pitchFamily="2" charset="-127"/>
+              <a:cs typeface="KoPubWorldDotum Bold" pitchFamily="2" charset="-127"/>
+            </a:endParaRPr>
+          </a:p>
+        </p:txBody>
+      </p:sp>
+      <p:sp>
+        <p:nvSpPr>
+          <p:cNvPr id="25" name="직사각형 24">
+            <a:extLst>
+              <a:ext uri="{FF2B5EF4-FFF2-40B4-BE49-F238E27FC236}">
+                <a16:creationId xmlns:a16="http://schemas.microsoft.com/office/drawing/2014/main" id="{D9506844-BED0-1286-314E-61B7A01B1904}"/>
+              </a:ext>
+            </a:extLst>
+          </p:cNvPr>
+          <p:cNvSpPr/>
+          <p:nvPr/>
+        </p:nvSpPr>
+        <p:spPr>
+          <a:xfrm>
+            <a:off x="4027888" y="5018585"/>
+            <a:ext cx="1997897" cy="700696"/>
+          </a:xfrm>
+          <a:prstGeom prst="rect">
+            <a:avLst/>
+          </a:prstGeom>
+          <a:noFill/>
+          <a:ln>
+            <a:solidFill>
+              <a:srgbClr val="156082"/>
+            </a:solidFill>
+            <a:prstDash val="sysDash"/>
+          </a:ln>
+        </p:spPr>
+        <p:style>
+          <a:lnRef idx="2">
+            <a:schemeClr val="accent1">
+              <a:shade val="15000"/>
+            </a:schemeClr>
+          </a:lnRef>
+          <a:fillRef idx="1">
+            <a:schemeClr val="accent1"/>
+          </a:fillRef>
+          <a:effectRef idx="0">
+            <a:schemeClr val="accent1"/>
+          </a:effectRef>
+          <a:fontRef idx="minor">
+            <a:schemeClr val="lt1"/>
+          </a:fontRef>
+        </p:style>
+        <p:txBody>
+          <a:bodyPr rtlCol="0" anchor="ctr"/>
+          <a:lstStyle/>
+          <a:p>
+            <a:pPr algn="ctr"/>
+            <a:endParaRPr kumimoji="1" lang="ko-KR" altLang="en-US" sz="900"/>
+          </a:p>
+        </p:txBody>
+      </p:sp>
+      <p:sp>
+        <p:nvSpPr>
+          <p:cNvPr id="29" name="제목 1">
+            <a:extLst>
+              <a:ext uri="{FF2B5EF4-FFF2-40B4-BE49-F238E27FC236}">
+                <a16:creationId xmlns:a16="http://schemas.microsoft.com/office/drawing/2014/main" id="{A7EC2B79-50AE-8C30-7BE5-484D3CCB1FD2}"/>
+              </a:ext>
+            </a:extLst>
+          </p:cNvPr>
+          <p:cNvSpPr txBox="1">
+            <a:spLocks/>
+          </p:cNvSpPr>
+          <p:nvPr/>
+        </p:nvSpPr>
+        <p:spPr>
+          <a:xfrm>
+            <a:off x="4731966" y="5167273"/>
+            <a:ext cx="512382" cy="387771"/>
+          </a:xfrm>
+          <a:prstGeom prst="rect">
+            <a:avLst/>
+          </a:prstGeom>
+          <a:solidFill>
+            <a:srgbClr val="156082"/>
+          </a:solidFill>
+        </p:spPr>
+        <p:txBody>
+          <a:bodyPr vert="horz" lIns="91440" tIns="45720" rIns="91440" bIns="45720" rtlCol="0" anchor="ctr">
+            <a:normAutofit/>
+          </a:bodyPr>
+          <a:lstStyle>
+            <a:lvl1pPr algn="l" defTabSz="914400" rtl="0" eaLnBrk="1" latinLnBrk="1" hangingPunct="1">
+              <a:lnSpc>
+                <a:spcPct val="90000"/>
+              </a:lnSpc>
+              <a:spcBef>
+                <a:spcPct val="0"/>
+              </a:spcBef>
+              <a:buNone/>
+              <a:defRPr sz="4400" kern="1200">
+                <a:solidFill>
+                  <a:schemeClr val="tx1"/>
+                </a:solidFill>
+                <a:latin typeface="+mj-lt"/>
+                <a:ea typeface="+mj-ea"/>
+                <a:cs typeface="+mj-cs"/>
+              </a:defRPr>
+            </a:lvl1pPr>
+          </a:lstStyle>
+          <a:p>
+            <a:pPr algn="ctr"/>
+            <a:r>
+              <a:rPr kumimoji="1" lang="en-US" altLang="ko-KR" sz="900" b="1" dirty="0">
+                <a:solidFill>
+                  <a:schemeClr val="bg1"/>
+                </a:solidFill>
+                <a:latin typeface="KoPubWorldDotum Bold" pitchFamily="2" charset="-127"/>
+                <a:ea typeface="KoPubWorldDotum Bold" pitchFamily="2" charset="-127"/>
+                <a:cs typeface="KoPubWorldDotum Bold" pitchFamily="2" charset="-127"/>
+              </a:rPr>
+              <a:t>logs</a:t>
+            </a:r>
+            <a:endParaRPr kumimoji="1" lang="ko-KR" altLang="en-US" sz="900" b="1" dirty="0">
+              <a:solidFill>
+                <a:schemeClr val="bg1"/>
+              </a:solidFill>
+              <a:latin typeface="KoPubWorldDotum Bold" pitchFamily="2" charset="-127"/>
+              <a:ea typeface="KoPubWorldDotum Bold" pitchFamily="2" charset="-127"/>
+              <a:cs typeface="KoPubWorldDotum Bold" pitchFamily="2" charset="-127"/>
+            </a:endParaRPr>
+          </a:p>
+        </p:txBody>
+      </p:sp>
       <p:cxnSp>
         <p:nvCxnSpPr>
-          <p:cNvPr id="1240" name="직선 화살표 연결선 1239">
-            <a:extLst>
-              <a:ext uri="{FF2B5EF4-FFF2-40B4-BE49-F238E27FC236}">
-                <a16:creationId xmlns:a16="http://schemas.microsoft.com/office/drawing/2014/main" id="{E1B90D06-F049-546C-298B-12F359379916}"/>
+          <p:cNvPr id="36" name="꺾인 연결선[E] 35">
+            <a:extLst>
+              <a:ext uri="{FF2B5EF4-FFF2-40B4-BE49-F238E27FC236}">
+                <a16:creationId xmlns:a16="http://schemas.microsoft.com/office/drawing/2014/main" id="{C9B237B3-DF88-41A9-09B5-5D485B068656}"/>
               </a:ext>
             </a:extLst>
           </p:cNvPr>
           <p:cNvCxnSpPr>
             <a:cxnSpLocks/>
-            <a:stCxn id="8" idx="2"/>
-            <a:endCxn id="23" idx="0"/>
+            <a:stCxn id="1413" idx="1"/>
+            <a:endCxn id="29" idx="3"/>
           </p:cNvCxnSpPr>
           <p:nvPr/>
         </p:nvCxnSpPr>
         <p:spPr>
-          <a:xfrm flipH="1">
-            <a:off x="4196693" y="8662031"/>
-            <a:ext cx="924" cy="447872"/>
-          </a:xfrm>
-          <a:prstGeom prst="straightConnector1">
-            <a:avLst/>
+          <a:xfrm rot="10800000">
+            <a:off x="5244348" y="5361159"/>
+            <a:ext cx="1582820" cy="2625490"/>
+          </a:xfrm>
+          <a:prstGeom prst="bentConnector3">
+            <a:avLst>
+              <a:gd name="adj1" fmla="val 74169"/>
+            </a:avLst>
           </a:prstGeom>
           <a:ln>
             <a:headEnd type="none" w="med" len="med"/>
-            <a:tailEnd type="none" w="med" len="med"/>
+            <a:tailEnd type="triangle" w="med" len="med"/>
           </a:ln>
         </p:spPr>
         <p:style>
@@ -12213,24 +12582,24 @@
       </p:cxnSp>
       <p:cxnSp>
         <p:nvCxnSpPr>
-          <p:cNvPr id="1246" name="직선 화살표 연결선 1245">
-            <a:extLst>
-              <a:ext uri="{FF2B5EF4-FFF2-40B4-BE49-F238E27FC236}">
-                <a16:creationId xmlns:a16="http://schemas.microsoft.com/office/drawing/2014/main" id="{BFD640ED-6644-24DE-0876-E93E5BAACCB5}"/>
+          <p:cNvPr id="60" name="직선 화살표 연결선 59">
+            <a:extLst>
+              <a:ext uri="{FF2B5EF4-FFF2-40B4-BE49-F238E27FC236}">
+                <a16:creationId xmlns:a16="http://schemas.microsoft.com/office/drawing/2014/main" id="{DE5DFF09-AC9B-F0A2-6E83-F92A89935CDD}"/>
               </a:ext>
             </a:extLst>
           </p:cNvPr>
           <p:cNvCxnSpPr>
             <a:cxnSpLocks/>
-            <a:stCxn id="1028" idx="1"/>
-            <a:endCxn id="53" idx="3"/>
+            <a:stCxn id="28" idx="3"/>
+            <a:endCxn id="51" idx="1"/>
           </p:cNvCxnSpPr>
           <p:nvPr/>
         </p:nvCxnSpPr>
         <p:spPr>
-          <a:xfrm flipH="1">
-            <a:off x="9738241" y="3615953"/>
-            <a:ext cx="817387" cy="4557"/>
+          <a:xfrm>
+            <a:off x="9181758" y="6219397"/>
+            <a:ext cx="1321747" cy="6875"/>
           </a:xfrm>
           <a:prstGeom prst="straightConnector1">
             <a:avLst/>
@@ -12238,6 +12607,50 @@
           <a:ln>
             <a:headEnd type="none" w="med" len="med"/>
             <a:tailEnd type="none" w="med" len="med"/>
+          </a:ln>
+        </p:spPr>
+        <p:style>
+          <a:lnRef idx="2">
+            <a:schemeClr val="accent1"/>
+          </a:lnRef>
+          <a:fillRef idx="0">
+            <a:schemeClr val="accent1"/>
+          </a:fillRef>
+          <a:effectRef idx="1">
+            <a:schemeClr val="accent1"/>
+          </a:effectRef>
+          <a:fontRef idx="minor">
+            <a:schemeClr val="tx1"/>
+          </a:fontRef>
+        </p:style>
+      </p:cxnSp>
+      <p:cxnSp>
+        <p:nvCxnSpPr>
+          <p:cNvPr id="1362" name="꺾인 연결선[E] 1361">
+            <a:extLst>
+              <a:ext uri="{FF2B5EF4-FFF2-40B4-BE49-F238E27FC236}">
+                <a16:creationId xmlns:a16="http://schemas.microsoft.com/office/drawing/2014/main" id="{DFBB3A9B-7E53-A4A7-B576-D847FFCC2B68}"/>
+              </a:ext>
+            </a:extLst>
+          </p:cNvPr>
+          <p:cNvCxnSpPr>
+            <a:cxnSpLocks/>
+            <a:stCxn id="29" idx="1"/>
+            <a:endCxn id="22" idx="0"/>
+          </p:cNvCxnSpPr>
+          <p:nvPr/>
+        </p:nvCxnSpPr>
+        <p:spPr>
+          <a:xfrm rot="10800000" flipV="1">
+            <a:off x="2922944" y="5361158"/>
+            <a:ext cx="1809022" cy="2282207"/>
+          </a:xfrm>
+          <a:prstGeom prst="bentConnector2">
+            <a:avLst/>
+          </a:prstGeom>
+          <a:ln>
+            <a:headEnd type="none" w="med" len="med"/>
+            <a:tailEnd type="triangle" w="med" len="med"/>
           </a:ln>
         </p:spPr>
         <p:style>
@@ -12257,10 +12670,10 @@
       </p:cxnSp>
       <p:pic>
         <p:nvPicPr>
-          <p:cNvPr id="49" name="그림 48">
-            <a:extLst>
-              <a:ext uri="{FF2B5EF4-FFF2-40B4-BE49-F238E27FC236}">
-                <a16:creationId xmlns:a16="http://schemas.microsoft.com/office/drawing/2014/main" id="{6D309DDB-C7E9-A597-6773-2D20B90C08A9}"/>
+          <p:cNvPr id="1371" name="그림 1370">
+            <a:extLst>
+              <a:ext uri="{FF2B5EF4-FFF2-40B4-BE49-F238E27FC236}">
+                <a16:creationId xmlns:a16="http://schemas.microsoft.com/office/drawing/2014/main" id="{0026A04F-7095-F1CD-8FED-036D83B80A8D}"/>
               </a:ext>
             </a:extLst>
           </p:cNvPr>
@@ -12269,97 +12682,16 @@
           </p:cNvPicPr>
           <p:nvPr/>
         </p:nvPicPr>
-        <p:blipFill rotWithShape="1">
-          <a:blip r:embed="rId18">
-            <a:duotone>
-              <a:schemeClr val="accent1">
-                <a:shade val="45000"/>
-                <a:satMod val="135000"/>
-              </a:schemeClr>
-              <a:prstClr val="white"/>
-            </a:duotone>
-          </a:blip>
-          <a:srcRect l="15555" t="8281" r="15408" b="21898"/>
-          <a:stretch/>
+        <p:blipFill>
+          <a:blip r:embed="rId23"/>
+          <a:stretch>
+            <a:fillRect/>
+          </a:stretch>
         </p:blipFill>
         <p:spPr>
           <a:xfrm>
-            <a:off x="4949429" y="811786"/>
-            <a:ext cx="471321" cy="476674"/>
-          </a:xfrm>
-          <a:prstGeom prst="rect">
-            <a:avLst/>
-          </a:prstGeom>
-        </p:spPr>
-      </p:pic>
-      <p:pic>
-        <p:nvPicPr>
-          <p:cNvPr id="54" name="그림 53">
-            <a:extLst>
-              <a:ext uri="{FF2B5EF4-FFF2-40B4-BE49-F238E27FC236}">
-                <a16:creationId xmlns:a16="http://schemas.microsoft.com/office/drawing/2014/main" id="{F33E5A4C-52F1-1E6B-FF9B-30F3F9910BE2}"/>
-              </a:ext>
-            </a:extLst>
-          </p:cNvPr>
-          <p:cNvPicPr>
-            <a:picLocks noChangeAspect="1"/>
-          </p:cNvPicPr>
-          <p:nvPr/>
-        </p:nvPicPr>
-        <p:blipFill rotWithShape="1">
-          <a:blip r:embed="rId19">
-            <a:duotone>
-              <a:schemeClr val="accent1">
-                <a:shade val="45000"/>
-                <a:satMod val="135000"/>
-              </a:schemeClr>
-              <a:prstClr val="white"/>
-            </a:duotone>
-          </a:blip>
-          <a:srcRect l="15128" t="7976" r="15361" b="21421"/>
-          <a:stretch/>
-        </p:blipFill>
-        <p:spPr>
-          <a:xfrm>
-            <a:off x="5620431" y="807583"/>
-            <a:ext cx="472963" cy="480395"/>
-          </a:xfrm>
-          <a:prstGeom prst="rect">
-            <a:avLst/>
-          </a:prstGeom>
-        </p:spPr>
-      </p:pic>
-      <p:pic>
-        <p:nvPicPr>
-          <p:cNvPr id="55" name="그림 54">
-            <a:extLst>
-              <a:ext uri="{FF2B5EF4-FFF2-40B4-BE49-F238E27FC236}">
-                <a16:creationId xmlns:a16="http://schemas.microsoft.com/office/drawing/2014/main" id="{225DE08C-E4D0-F0DF-3CDF-CB415D79D42E}"/>
-              </a:ext>
-            </a:extLst>
-          </p:cNvPr>
-          <p:cNvPicPr>
-            <a:picLocks noChangeAspect="1"/>
-          </p:cNvPicPr>
-          <p:nvPr/>
-        </p:nvPicPr>
-        <p:blipFill rotWithShape="1">
-          <a:blip r:embed="rId20">
-            <a:duotone>
-              <a:schemeClr val="accent1">
-                <a:shade val="45000"/>
-                <a:satMod val="135000"/>
-              </a:schemeClr>
-              <a:prstClr val="white"/>
-            </a:duotone>
-          </a:blip>
-          <a:srcRect l="6507" r="6483" b="14266"/>
-          <a:stretch/>
-        </p:blipFill>
-        <p:spPr>
-          <a:xfrm>
-            <a:off x="6273177" y="796075"/>
-            <a:ext cx="444739" cy="438219"/>
+            <a:off x="2691872" y="6182211"/>
+            <a:ext cx="462142" cy="462142"/>
           </a:xfrm>
           <a:prstGeom prst="rect">
             <a:avLst/>
@@ -12414,7 +12746,7 @@
         </p:nvSpPr>
         <p:spPr>
           <a:xfrm>
-            <a:off x="236783" y="2934730"/>
+            <a:off x="4979439" y="2934730"/>
             <a:ext cx="10515600" cy="487906"/>
           </a:xfrm>
         </p:spPr>
@@ -12459,7 +12791,7 @@
         </p:nvSpPr>
         <p:spPr>
           <a:xfrm>
-            <a:off x="514801" y="3895390"/>
+            <a:off x="5257458" y="3895390"/>
             <a:ext cx="11454925" cy="2201404"/>
           </a:xfrm>
           <a:prstGeom prst="rect">
@@ -12864,7 +13196,7 @@
         </p:nvSpPr>
         <p:spPr>
           <a:xfrm>
-            <a:off x="236783" y="2934730"/>
+            <a:off x="4979439" y="2934730"/>
             <a:ext cx="10515600" cy="487906"/>
           </a:xfrm>
         </p:spPr>
@@ -12909,7 +13241,7 @@
         </p:nvSpPr>
         <p:spPr>
           <a:xfrm>
-            <a:off x="368538" y="3417684"/>
+            <a:off x="5111195" y="3417685"/>
             <a:ext cx="11454925" cy="1139237"/>
           </a:xfrm>
           <a:prstGeom prst="rect">
@@ -13115,7 +13447,7 @@
         </p:nvSpPr>
         <p:spPr>
           <a:xfrm>
-            <a:off x="486535" y="4998245"/>
+            <a:off x="5229191" y="4998245"/>
             <a:ext cx="2250316" cy="2965492"/>
           </a:xfrm>
           <a:prstGeom prst="rect">
@@ -13185,7 +13517,7 @@
         </p:blipFill>
         <p:spPr bwMode="auto">
           <a:xfrm>
-            <a:off x="1976960" y="6046856"/>
+            <a:off x="6719616" y="6046856"/>
             <a:ext cx="465430" cy="465430"/>
           </a:xfrm>
           <a:prstGeom prst="rect">
@@ -13219,7 +13551,7 @@
         </p:nvSpPr>
         <p:spPr>
           <a:xfrm>
-            <a:off x="1840075" y="6497731"/>
+            <a:off x="6582732" y="6497731"/>
             <a:ext cx="739201" cy="267998"/>
           </a:xfrm>
           <a:prstGeom prst="rect">
@@ -13285,7 +13617,7 @@
         </p:nvCxnSpPr>
         <p:spPr>
           <a:xfrm flipH="1">
-            <a:off x="2442390" y="6265381"/>
+            <a:off x="7185046" y="6265381"/>
             <a:ext cx="2444754" cy="14190"/>
           </a:xfrm>
           <a:prstGeom prst="straightConnector1">
@@ -13328,7 +13660,7 @@
         </p:nvCxnSpPr>
         <p:spPr>
           <a:xfrm flipH="1">
-            <a:off x="6090254" y="6265381"/>
+            <a:off x="10832911" y="6265381"/>
             <a:ext cx="5415947" cy="0"/>
           </a:xfrm>
           <a:prstGeom prst="straightConnector1">
@@ -13370,7 +13702,7 @@
         </p:nvSpPr>
         <p:spPr>
           <a:xfrm>
-            <a:off x="606664" y="6530454"/>
+            <a:off x="5349321" y="6530454"/>
             <a:ext cx="1206609" cy="267998"/>
           </a:xfrm>
           <a:prstGeom prst="rect">
@@ -13435,7 +13767,7 @@
         </p:nvCxnSpPr>
         <p:spPr>
           <a:xfrm flipH="1">
-            <a:off x="1463248" y="6279571"/>
+            <a:off x="6205904" y="6279571"/>
             <a:ext cx="513712" cy="7056"/>
           </a:xfrm>
           <a:prstGeom prst="straightConnector1">
@@ -13488,7 +13820,7 @@
         </p:blipFill>
         <p:spPr bwMode="auto">
           <a:xfrm>
-            <a:off x="1018257" y="6059050"/>
+            <a:off x="5760913" y="6059050"/>
             <a:ext cx="465430" cy="465430"/>
           </a:xfrm>
           <a:prstGeom prst="rect">
@@ -13520,7 +13852,7 @@
         </p:nvSpPr>
         <p:spPr>
           <a:xfrm>
-            <a:off x="481291" y="5004595"/>
+            <a:off x="5223947" y="5004596"/>
             <a:ext cx="2250316" cy="2965493"/>
           </a:xfrm>
           <a:prstGeom prst="rect">
@@ -13588,7 +13920,7 @@
         </p:blipFill>
         <p:spPr bwMode="auto">
           <a:xfrm>
-            <a:off x="486534" y="4996558"/>
+            <a:off x="5229190" y="4996558"/>
             <a:ext cx="377292" cy="377292"/>
           </a:xfrm>
           <a:prstGeom prst="rect">
@@ -13620,7 +13952,7 @@
         </p:nvSpPr>
         <p:spPr>
           <a:xfrm>
-            <a:off x="4887145" y="6143410"/>
+            <a:off x="9629802" y="6143410"/>
             <a:ext cx="1203109" cy="243942"/>
           </a:xfrm>
           <a:prstGeom prst="flowChartProcess">
@@ -13698,7 +14030,7 @@
         </p:blipFill>
         <p:spPr>
           <a:xfrm>
-            <a:off x="11069436" y="5808942"/>
+            <a:off x="15812093" y="5808943"/>
             <a:ext cx="754027" cy="754027"/>
           </a:xfrm>
           <a:prstGeom prst="rect">
@@ -13720,7 +14052,7 @@
         </p:nvSpPr>
         <p:spPr>
           <a:xfrm>
-            <a:off x="4646367" y="5004594"/>
+            <a:off x="9389024" y="5004595"/>
             <a:ext cx="1672053" cy="2965493"/>
           </a:xfrm>
           <a:prstGeom prst="rect">
@@ -13773,7 +14105,7 @@
         </p:nvSpPr>
         <p:spPr>
           <a:xfrm>
-            <a:off x="4633754" y="4996558"/>
+            <a:off x="9376410" y="4996558"/>
             <a:ext cx="377292" cy="377292"/>
           </a:xfrm>
           <a:prstGeom prst="rect">
@@ -13839,7 +14171,7 @@
         </p:blipFill>
         <p:spPr>
           <a:xfrm>
-            <a:off x="4673306" y="5035648"/>
+            <a:off x="9415963" y="5035649"/>
             <a:ext cx="298189" cy="298189"/>
           </a:xfrm>
           <a:prstGeom prst="rect">
@@ -13895,7 +14227,7 @@
         </p:nvSpPr>
         <p:spPr>
           <a:xfrm>
-            <a:off x="236783" y="2934730"/>
+            <a:off x="4979439" y="2934730"/>
             <a:ext cx="10515600" cy="487906"/>
           </a:xfrm>
         </p:spPr>
@@ -13948,7 +14280,7 @@
         </p:nvSpPr>
         <p:spPr>
           <a:xfrm>
-            <a:off x="368538" y="3368658"/>
+            <a:off x="5111195" y="3368659"/>
             <a:ext cx="11454925" cy="1518755"/>
           </a:xfrm>
           <a:prstGeom prst="rect">
@@ -14219,7 +14551,7 @@
         </p:nvSpPr>
         <p:spPr>
           <a:xfrm>
-            <a:off x="486535" y="4998245"/>
+            <a:off x="5229192" y="4998245"/>
             <a:ext cx="5023559" cy="2965492"/>
           </a:xfrm>
           <a:prstGeom prst="rect">
@@ -14289,7 +14621,7 @@
         </p:blipFill>
         <p:spPr bwMode="auto">
           <a:xfrm>
-            <a:off x="1976960" y="6046856"/>
+            <a:off x="6719616" y="6046856"/>
             <a:ext cx="465430" cy="465430"/>
           </a:xfrm>
           <a:prstGeom prst="rect">
@@ -14323,7 +14655,7 @@
         </p:nvSpPr>
         <p:spPr>
           <a:xfrm>
-            <a:off x="1840075" y="6497731"/>
+            <a:off x="6582732" y="6497731"/>
             <a:ext cx="739201" cy="267998"/>
           </a:xfrm>
           <a:prstGeom prst="rect">
@@ -14388,7 +14720,7 @@
         </p:nvCxnSpPr>
         <p:spPr>
           <a:xfrm flipH="1">
-            <a:off x="2442390" y="6265381"/>
+            <a:off x="7185046" y="6265381"/>
             <a:ext cx="647704" cy="14190"/>
           </a:xfrm>
           <a:prstGeom prst="straightConnector1">
@@ -14431,7 +14763,7 @@
         </p:nvCxnSpPr>
         <p:spPr>
           <a:xfrm flipH="1">
-            <a:off x="4293204" y="6265381"/>
+            <a:off x="9035861" y="6265381"/>
             <a:ext cx="7041547" cy="0"/>
           </a:xfrm>
           <a:prstGeom prst="straightConnector1">
@@ -14473,7 +14805,7 @@
         </p:nvSpPr>
         <p:spPr>
           <a:xfrm>
-            <a:off x="606664" y="6530454"/>
+            <a:off x="5349321" y="6530454"/>
             <a:ext cx="1206609" cy="267998"/>
           </a:xfrm>
           <a:prstGeom prst="rect">
@@ -14538,7 +14870,7 @@
         </p:nvCxnSpPr>
         <p:spPr>
           <a:xfrm flipH="1">
-            <a:off x="1463248" y="6279571"/>
+            <a:off x="6205904" y="6279571"/>
             <a:ext cx="513712" cy="7056"/>
           </a:xfrm>
           <a:prstGeom prst="straightConnector1">
@@ -14591,7 +14923,7 @@
         </p:blipFill>
         <p:spPr bwMode="auto">
           <a:xfrm>
-            <a:off x="1018257" y="6059050"/>
+            <a:off x="5760913" y="6059050"/>
             <a:ext cx="465430" cy="465430"/>
           </a:xfrm>
           <a:prstGeom prst="rect">
@@ -14638,7 +14970,7 @@
         </p:blipFill>
         <p:spPr bwMode="auto">
           <a:xfrm>
-            <a:off x="1511530" y="6944326"/>
+            <a:off x="6254186" y="6944326"/>
             <a:ext cx="465430" cy="465430"/>
           </a:xfrm>
           <a:prstGeom prst="rect">
@@ -14672,7 +15004,7 @@
         </p:nvSpPr>
         <p:spPr>
           <a:xfrm>
-            <a:off x="1140941" y="7405127"/>
+            <a:off x="5883598" y="7405127"/>
             <a:ext cx="1206609" cy="267998"/>
           </a:xfrm>
           <a:prstGeom prst="rect">
@@ -14752,7 +15084,7 @@
         </p:nvCxnSpPr>
         <p:spPr>
           <a:xfrm>
-            <a:off x="1744244" y="6286628"/>
+            <a:off x="6486900" y="6286629"/>
             <a:ext cx="0" cy="661227"/>
           </a:xfrm>
           <a:prstGeom prst="straightConnector1">
@@ -14792,7 +15124,7 @@
         </p:nvSpPr>
         <p:spPr>
           <a:xfrm>
-            <a:off x="2950854" y="5891361"/>
+            <a:off x="7693511" y="5891361"/>
             <a:ext cx="1503655" cy="734740"/>
           </a:xfrm>
           <a:prstGeom prst="rect">
@@ -14853,7 +15185,7 @@
         </p:blipFill>
         <p:spPr>
           <a:xfrm>
-            <a:off x="3460577" y="6419543"/>
+            <a:off x="8203233" y="6419543"/>
             <a:ext cx="462142" cy="462142"/>
           </a:xfrm>
           <a:prstGeom prst="rect">
@@ -14877,7 +15209,7 @@
         </p:nvSpPr>
         <p:spPr>
           <a:xfrm>
-            <a:off x="3333080" y="6857882"/>
+            <a:off x="8075737" y="6857882"/>
             <a:ext cx="739201" cy="267998"/>
           </a:xfrm>
           <a:prstGeom prst="rect">
@@ -14947,7 +15279,7 @@
         </p:blipFill>
         <p:spPr>
           <a:xfrm>
-            <a:off x="3469965" y="7188671"/>
+            <a:off x="8212622" y="7188672"/>
             <a:ext cx="465429" cy="465429"/>
           </a:xfrm>
           <a:prstGeom prst="rect">
@@ -14971,7 +15303,7 @@
         </p:nvSpPr>
         <p:spPr>
           <a:xfrm>
-            <a:off x="3257073" y="7676013"/>
+            <a:off x="7999729" y="7676013"/>
             <a:ext cx="869150" cy="267998"/>
           </a:xfrm>
           <a:prstGeom prst="rect">
@@ -15036,7 +15368,7 @@
         </p:nvCxnSpPr>
         <p:spPr>
           <a:xfrm>
-            <a:off x="3702679" y="7051108"/>
+            <a:off x="8445335" y="7051108"/>
             <a:ext cx="0" cy="137562"/>
           </a:xfrm>
           <a:prstGeom prst="straightConnector1">
@@ -15076,7 +15408,7 @@
         </p:nvSpPr>
         <p:spPr>
           <a:xfrm>
-            <a:off x="481291" y="5004595"/>
+            <a:off x="5223947" y="5004596"/>
             <a:ext cx="5023560" cy="2965493"/>
           </a:xfrm>
           <a:prstGeom prst="rect">
@@ -15144,7 +15476,7 @@
         </p:blipFill>
         <p:spPr bwMode="auto">
           <a:xfrm>
-            <a:off x="486534" y="4996558"/>
+            <a:off x="5229190" y="4996558"/>
             <a:ext cx="377292" cy="377292"/>
           </a:xfrm>
           <a:prstGeom prst="rect">
@@ -15176,7 +15508,7 @@
         </p:nvSpPr>
         <p:spPr>
           <a:xfrm>
-            <a:off x="3090095" y="6143410"/>
+            <a:off x="7832752" y="6143410"/>
             <a:ext cx="1203109" cy="243942"/>
           </a:xfrm>
           <a:prstGeom prst="flowChartProcess">
@@ -15254,7 +15586,7 @@
         </p:blipFill>
         <p:spPr>
           <a:xfrm>
-            <a:off x="11069436" y="5808942"/>
+            <a:off x="15812093" y="5808943"/>
             <a:ext cx="754027" cy="754027"/>
           </a:xfrm>
           <a:prstGeom prst="rect">
@@ -15310,7 +15642,7 @@
         </p:nvSpPr>
         <p:spPr>
           <a:xfrm>
-            <a:off x="236783" y="2934730"/>
+            <a:off x="4979439" y="2934730"/>
             <a:ext cx="10515600" cy="487906"/>
           </a:xfrm>
         </p:spPr>
@@ -15363,7 +15695,7 @@
         </p:nvSpPr>
         <p:spPr>
           <a:xfrm>
-            <a:off x="368538" y="3368658"/>
+            <a:off x="5111195" y="3368659"/>
             <a:ext cx="11454925" cy="1657301"/>
           </a:xfrm>
           <a:prstGeom prst="rect">
@@ -15575,7 +15907,7 @@
         </p:nvSpPr>
         <p:spPr>
           <a:xfrm>
-            <a:off x="5510807" y="5004594"/>
+            <a:off x="10253463" y="5004595"/>
             <a:ext cx="5450364" cy="2965493"/>
           </a:xfrm>
           <a:prstGeom prst="rect">
@@ -15630,7 +15962,7 @@
         </p:nvSpPr>
         <p:spPr>
           <a:xfrm>
-            <a:off x="486535" y="4998245"/>
+            <a:off x="5229192" y="4998245"/>
             <a:ext cx="5023559" cy="2965492"/>
           </a:xfrm>
           <a:prstGeom prst="rect">
@@ -15700,7 +16032,7 @@
         </p:blipFill>
         <p:spPr bwMode="auto">
           <a:xfrm>
-            <a:off x="1976960" y="6046856"/>
+            <a:off x="6719616" y="6046856"/>
             <a:ext cx="465430" cy="465430"/>
           </a:xfrm>
           <a:prstGeom prst="rect">
@@ -15734,7 +16066,7 @@
         </p:nvSpPr>
         <p:spPr>
           <a:xfrm>
-            <a:off x="1840075" y="6497731"/>
+            <a:off x="6582732" y="6497731"/>
             <a:ext cx="739201" cy="267998"/>
           </a:xfrm>
           <a:prstGeom prst="rect">
@@ -15799,7 +16131,7 @@
         </p:nvCxnSpPr>
         <p:spPr>
           <a:xfrm flipH="1">
-            <a:off x="2442390" y="6265381"/>
+            <a:off x="7185046" y="6265381"/>
             <a:ext cx="647704" cy="14190"/>
           </a:xfrm>
           <a:prstGeom prst="straightConnector1">
@@ -15842,7 +16174,7 @@
         </p:nvCxnSpPr>
         <p:spPr>
           <a:xfrm flipH="1">
-            <a:off x="4293203" y="6251939"/>
+            <a:off x="9035859" y="6251939"/>
             <a:ext cx="3047776" cy="13442"/>
           </a:xfrm>
           <a:prstGeom prst="straightConnector1">
@@ -15884,7 +16216,7 @@
         </p:nvSpPr>
         <p:spPr>
           <a:xfrm>
-            <a:off x="606664" y="6530454"/>
+            <a:off x="5349321" y="6530454"/>
             <a:ext cx="1206609" cy="267998"/>
           </a:xfrm>
           <a:prstGeom prst="rect">
@@ -15949,7 +16281,7 @@
         </p:nvCxnSpPr>
         <p:spPr>
           <a:xfrm flipH="1">
-            <a:off x="1463248" y="6279571"/>
+            <a:off x="6205904" y="6279571"/>
             <a:ext cx="513712" cy="7056"/>
           </a:xfrm>
           <a:prstGeom prst="straightConnector1">
@@ -16002,7 +16334,7 @@
         </p:blipFill>
         <p:spPr bwMode="auto">
           <a:xfrm>
-            <a:off x="1018257" y="6059050"/>
+            <a:off x="5760913" y="6059050"/>
             <a:ext cx="465430" cy="465430"/>
           </a:xfrm>
           <a:prstGeom prst="rect">
@@ -16049,7 +16381,7 @@
         </p:blipFill>
         <p:spPr bwMode="auto">
           <a:xfrm>
-            <a:off x="1511530" y="6944326"/>
+            <a:off x="6254186" y="6944326"/>
             <a:ext cx="465430" cy="465430"/>
           </a:xfrm>
           <a:prstGeom prst="rect">
@@ -16083,7 +16415,7 @@
         </p:nvSpPr>
         <p:spPr>
           <a:xfrm>
-            <a:off x="1140941" y="7405127"/>
+            <a:off x="5883598" y="7405127"/>
             <a:ext cx="1206609" cy="267998"/>
           </a:xfrm>
           <a:prstGeom prst="rect">
@@ -16163,7 +16495,7 @@
         </p:nvCxnSpPr>
         <p:spPr>
           <a:xfrm>
-            <a:off x="1744244" y="6286628"/>
+            <a:off x="6486900" y="6286629"/>
             <a:ext cx="0" cy="661227"/>
           </a:xfrm>
           <a:prstGeom prst="straightConnector1">
@@ -16203,7 +16535,7 @@
         </p:nvSpPr>
         <p:spPr>
           <a:xfrm>
-            <a:off x="2950854" y="5891361"/>
+            <a:off x="7693511" y="5891361"/>
             <a:ext cx="1503655" cy="734740"/>
           </a:xfrm>
           <a:prstGeom prst="rect">
@@ -16264,7 +16596,7 @@
         </p:blipFill>
         <p:spPr>
           <a:xfrm>
-            <a:off x="3460577" y="6419543"/>
+            <a:off x="8203233" y="6419543"/>
             <a:ext cx="462142" cy="462142"/>
           </a:xfrm>
           <a:prstGeom prst="rect">
@@ -16288,7 +16620,7 @@
         </p:nvSpPr>
         <p:spPr>
           <a:xfrm>
-            <a:off x="3333080" y="6857882"/>
+            <a:off x="8075737" y="6857882"/>
             <a:ext cx="739201" cy="267998"/>
           </a:xfrm>
           <a:prstGeom prst="rect">
@@ -16358,7 +16690,7 @@
         </p:blipFill>
         <p:spPr>
           <a:xfrm>
-            <a:off x="3469965" y="7188671"/>
+            <a:off x="8212622" y="7188672"/>
             <a:ext cx="465429" cy="465429"/>
           </a:xfrm>
           <a:prstGeom prst="rect">
@@ -16382,7 +16714,7 @@
         </p:nvSpPr>
         <p:spPr>
           <a:xfrm>
-            <a:off x="3257073" y="7676013"/>
+            <a:off x="7999729" y="7676013"/>
             <a:ext cx="869150" cy="267998"/>
           </a:xfrm>
           <a:prstGeom prst="rect">
@@ -16447,7 +16779,7 @@
         </p:nvCxnSpPr>
         <p:spPr>
           <a:xfrm>
-            <a:off x="3702679" y="7051108"/>
+            <a:off x="8445335" y="7051108"/>
             <a:ext cx="0" cy="137562"/>
           </a:xfrm>
           <a:prstGeom prst="straightConnector1">
@@ -16487,7 +16819,7 @@
         </p:nvSpPr>
         <p:spPr>
           <a:xfrm>
-            <a:off x="481291" y="5004595"/>
+            <a:off x="5223948" y="5004596"/>
             <a:ext cx="10479881" cy="2965493"/>
           </a:xfrm>
           <a:prstGeom prst="rect">
@@ -16555,7 +16887,7 @@
         </p:blipFill>
         <p:spPr bwMode="auto">
           <a:xfrm>
-            <a:off x="486534" y="4996558"/>
+            <a:off x="5229190" y="4996558"/>
             <a:ext cx="377292" cy="377292"/>
           </a:xfrm>
           <a:prstGeom prst="rect">
@@ -16587,7 +16919,7 @@
         </p:nvSpPr>
         <p:spPr>
           <a:xfrm>
-            <a:off x="3090095" y="6143410"/>
+            <a:off x="7832752" y="6143410"/>
             <a:ext cx="1203109" cy="243942"/>
           </a:xfrm>
           <a:prstGeom prst="flowChartProcess">
@@ -16659,7 +16991,7 @@
         </p:blipFill>
         <p:spPr>
           <a:xfrm>
-            <a:off x="5695248" y="6028068"/>
+            <a:off x="10437904" y="6028068"/>
             <a:ext cx="461326" cy="461326"/>
           </a:xfrm>
           <a:prstGeom prst="rect">
@@ -16681,7 +17013,7 @@
         </p:nvSpPr>
         <p:spPr>
           <a:xfrm>
-            <a:off x="7340980" y="5705426"/>
+            <a:off x="12083637" y="5705427"/>
             <a:ext cx="1503655" cy="1093027"/>
           </a:xfrm>
           <a:prstGeom prst="rect">
@@ -16742,7 +17074,7 @@
         </p:blipFill>
         <p:spPr>
           <a:xfrm>
-            <a:off x="7896163" y="6583405"/>
+            <a:off x="12638819" y="6583405"/>
             <a:ext cx="462142" cy="462142"/>
           </a:xfrm>
           <a:prstGeom prst="rect">
@@ -16766,7 +17098,7 @@
         </p:nvSpPr>
         <p:spPr>
           <a:xfrm>
-            <a:off x="7669738" y="7054907"/>
+            <a:off x="12412395" y="7054907"/>
             <a:ext cx="967879" cy="267998"/>
           </a:xfrm>
           <a:prstGeom prst="rect">
@@ -16831,7 +17163,7 @@
         </p:nvCxnSpPr>
         <p:spPr>
           <a:xfrm flipH="1">
-            <a:off x="8844634" y="6251939"/>
+            <a:off x="13587290" y="6251939"/>
             <a:ext cx="2545956" cy="0"/>
           </a:xfrm>
           <a:prstGeom prst="straightConnector1">
@@ -16885,7 +17217,7 @@
         </p:blipFill>
         <p:spPr>
           <a:xfrm>
-            <a:off x="11069436" y="5808942"/>
+            <a:off x="15812093" y="5808943"/>
             <a:ext cx="754027" cy="754027"/>
           </a:xfrm>
           <a:prstGeom prst="rect">
@@ -16907,7 +17239,7 @@
         </p:nvSpPr>
         <p:spPr>
           <a:xfrm>
-            <a:off x="7502417" y="5791731"/>
+            <a:off x="12245074" y="5791731"/>
             <a:ext cx="1203109" cy="243942"/>
           </a:xfrm>
           <a:prstGeom prst="flowChartProcess">
@@ -16971,7 +17303,7 @@
         </p:nvSpPr>
         <p:spPr>
           <a:xfrm>
-            <a:off x="7502417" y="6051697"/>
+            <a:off x="12245074" y="6051697"/>
             <a:ext cx="1203109" cy="243942"/>
           </a:xfrm>
           <a:prstGeom prst="flowChartProcess">
@@ -17037,7 +17369,7 @@
         </p:nvSpPr>
         <p:spPr>
           <a:xfrm>
-            <a:off x="5451169" y="6537081"/>
+            <a:off x="10193826" y="6537081"/>
             <a:ext cx="967879" cy="267998"/>
           </a:xfrm>
           <a:prstGeom prst="rect">
@@ -17133,7 +17465,7 @@
         </p:nvSpPr>
         <p:spPr>
           <a:xfrm>
-            <a:off x="236783" y="2934730"/>
+            <a:off x="4979439" y="2934730"/>
             <a:ext cx="10515600" cy="487906"/>
           </a:xfrm>
         </p:spPr>
@@ -17178,7 +17510,7 @@
         </p:nvSpPr>
         <p:spPr>
           <a:xfrm>
-            <a:off x="368538" y="3368658"/>
+            <a:off x="5111195" y="3368659"/>
             <a:ext cx="11454925" cy="1275277"/>
           </a:xfrm>
           <a:prstGeom prst="rect">
@@ -17363,7 +17695,7 @@
         </p:nvSpPr>
         <p:spPr>
           <a:xfrm>
-            <a:off x="5510807" y="5004594"/>
+            <a:off x="10253463" y="5004595"/>
             <a:ext cx="5450364" cy="2965493"/>
           </a:xfrm>
           <a:prstGeom prst="rect">
@@ -17418,7 +17750,7 @@
         </p:nvSpPr>
         <p:spPr>
           <a:xfrm>
-            <a:off x="486535" y="4998245"/>
+            <a:off x="5229192" y="4998245"/>
             <a:ext cx="5023559" cy="2965492"/>
           </a:xfrm>
           <a:prstGeom prst="rect">
@@ -17488,7 +17820,7 @@
         </p:blipFill>
         <p:spPr bwMode="auto">
           <a:xfrm>
-            <a:off x="1976960" y="6046856"/>
+            <a:off x="6719616" y="6046856"/>
             <a:ext cx="465430" cy="465430"/>
           </a:xfrm>
           <a:prstGeom prst="rect">
@@ -17522,7 +17854,7 @@
         </p:nvSpPr>
         <p:spPr>
           <a:xfrm>
-            <a:off x="1840075" y="6497731"/>
+            <a:off x="6582732" y="6497731"/>
             <a:ext cx="739201" cy="267998"/>
           </a:xfrm>
           <a:prstGeom prst="rect">
@@ -17587,7 +17919,7 @@
         </p:nvCxnSpPr>
         <p:spPr>
           <a:xfrm flipH="1">
-            <a:off x="2442390" y="6265381"/>
+            <a:off x="7185046" y="6265381"/>
             <a:ext cx="647704" cy="14190"/>
           </a:xfrm>
           <a:prstGeom prst="straightConnector1">
@@ -17630,7 +17962,7 @@
         </p:nvCxnSpPr>
         <p:spPr>
           <a:xfrm flipH="1">
-            <a:off x="4293203" y="6251939"/>
+            <a:off x="9035859" y="6251939"/>
             <a:ext cx="3047776" cy="13442"/>
           </a:xfrm>
           <a:prstGeom prst="straightConnector1">
@@ -17672,7 +18004,7 @@
         </p:nvSpPr>
         <p:spPr>
           <a:xfrm>
-            <a:off x="606664" y="6530454"/>
+            <a:off x="5349321" y="6530454"/>
             <a:ext cx="1206609" cy="267998"/>
           </a:xfrm>
           <a:prstGeom prst="rect">
@@ -17737,7 +18069,7 @@
         </p:nvCxnSpPr>
         <p:spPr>
           <a:xfrm flipH="1">
-            <a:off x="1463248" y="6279571"/>
+            <a:off x="6205904" y="6279571"/>
             <a:ext cx="513712" cy="7056"/>
           </a:xfrm>
           <a:prstGeom prst="straightConnector1">
@@ -17790,7 +18122,7 @@
         </p:blipFill>
         <p:spPr bwMode="auto">
           <a:xfrm>
-            <a:off x="1018257" y="6059050"/>
+            <a:off x="5760913" y="6059050"/>
             <a:ext cx="465430" cy="465430"/>
           </a:xfrm>
           <a:prstGeom prst="rect">
@@ -17837,7 +18169,7 @@
         </p:blipFill>
         <p:spPr bwMode="auto">
           <a:xfrm>
-            <a:off x="1511530" y="6944326"/>
+            <a:off x="6254186" y="6944326"/>
             <a:ext cx="465430" cy="465430"/>
           </a:xfrm>
           <a:prstGeom prst="rect">
@@ -17871,7 +18203,7 @@
         </p:nvSpPr>
         <p:spPr>
           <a:xfrm>
-            <a:off x="1140941" y="7405127"/>
+            <a:off x="5883598" y="7405127"/>
             <a:ext cx="1206609" cy="267998"/>
           </a:xfrm>
           <a:prstGeom prst="rect">
@@ -17951,7 +18283,7 @@
         </p:nvCxnSpPr>
         <p:spPr>
           <a:xfrm>
-            <a:off x="1744244" y="6286628"/>
+            <a:off x="6486900" y="6286629"/>
             <a:ext cx="0" cy="661227"/>
           </a:xfrm>
           <a:prstGeom prst="straightConnector1">
@@ -17991,7 +18323,7 @@
         </p:nvSpPr>
         <p:spPr>
           <a:xfrm>
-            <a:off x="2950854" y="5891361"/>
+            <a:off x="7693511" y="5891361"/>
             <a:ext cx="1503655" cy="734740"/>
           </a:xfrm>
           <a:prstGeom prst="rect">
@@ -18052,7 +18384,7 @@
         </p:blipFill>
         <p:spPr>
           <a:xfrm>
-            <a:off x="3460577" y="6419543"/>
+            <a:off x="8203233" y="6419543"/>
             <a:ext cx="462142" cy="462142"/>
           </a:xfrm>
           <a:prstGeom prst="rect">
@@ -18076,7 +18408,7 @@
         </p:nvSpPr>
         <p:spPr>
           <a:xfrm>
-            <a:off x="3333080" y="6857882"/>
+            <a:off x="8075737" y="6857882"/>
             <a:ext cx="739201" cy="267998"/>
           </a:xfrm>
           <a:prstGeom prst="rect">
@@ -18146,7 +18478,7 @@
         </p:blipFill>
         <p:spPr>
           <a:xfrm>
-            <a:off x="3469965" y="7188671"/>
+            <a:off x="8212622" y="7188672"/>
             <a:ext cx="465429" cy="465429"/>
           </a:xfrm>
           <a:prstGeom prst="rect">
@@ -18170,7 +18502,7 @@
         </p:nvSpPr>
         <p:spPr>
           <a:xfrm>
-            <a:off x="3257073" y="7676013"/>
+            <a:off x="7999729" y="7676013"/>
             <a:ext cx="869150" cy="267998"/>
           </a:xfrm>
           <a:prstGeom prst="rect">
@@ -18235,7 +18567,7 @@
         </p:nvCxnSpPr>
         <p:spPr>
           <a:xfrm>
-            <a:off x="3702679" y="7051108"/>
+            <a:off x="8445335" y="7051108"/>
             <a:ext cx="0" cy="137562"/>
           </a:xfrm>
           <a:prstGeom prst="straightConnector1">
@@ -18275,7 +18607,7 @@
         </p:nvSpPr>
         <p:spPr>
           <a:xfrm>
-            <a:off x="481291" y="5004595"/>
+            <a:off x="5223948" y="5004596"/>
             <a:ext cx="10479881" cy="2965493"/>
           </a:xfrm>
           <a:prstGeom prst="rect">
@@ -18343,7 +18675,7 @@
         </p:blipFill>
         <p:spPr bwMode="auto">
           <a:xfrm>
-            <a:off x="486534" y="4996558"/>
+            <a:off x="5229190" y="4996558"/>
             <a:ext cx="377292" cy="377292"/>
           </a:xfrm>
           <a:prstGeom prst="rect">
@@ -18375,7 +18707,7 @@
         </p:nvSpPr>
         <p:spPr>
           <a:xfrm>
-            <a:off x="3090095" y="6143410"/>
+            <a:off x="7832752" y="6143410"/>
             <a:ext cx="1203109" cy="243942"/>
           </a:xfrm>
           <a:prstGeom prst="flowChartProcess">
@@ -18447,7 +18779,7 @@
         </p:blipFill>
         <p:spPr>
           <a:xfrm>
-            <a:off x="4816158" y="6016490"/>
+            <a:off x="9558814" y="6016490"/>
             <a:ext cx="462142" cy="462142"/>
           </a:xfrm>
           <a:prstGeom prst="rect">
@@ -18477,7 +18809,7 @@
         </p:blipFill>
         <p:spPr>
           <a:xfrm>
-            <a:off x="5695248" y="6028068"/>
+            <a:off x="10437904" y="6028068"/>
             <a:ext cx="461326" cy="461326"/>
           </a:xfrm>
           <a:prstGeom prst="rect">
@@ -18499,7 +18831,7 @@
         </p:nvSpPr>
         <p:spPr>
           <a:xfrm>
-            <a:off x="7340980" y="5705426"/>
+            <a:off x="12083637" y="5705427"/>
             <a:ext cx="1503655" cy="1093027"/>
           </a:xfrm>
           <a:prstGeom prst="rect">
@@ -18560,7 +18892,7 @@
         </p:blipFill>
         <p:spPr>
           <a:xfrm>
-            <a:off x="7896163" y="6583405"/>
+            <a:off x="12638819" y="6583405"/>
             <a:ext cx="462142" cy="462142"/>
           </a:xfrm>
           <a:prstGeom prst="rect">
@@ -18584,7 +18916,7 @@
         </p:nvSpPr>
         <p:spPr>
           <a:xfrm>
-            <a:off x="7669738" y="7054907"/>
+            <a:off x="12412395" y="7054907"/>
             <a:ext cx="967879" cy="267998"/>
           </a:xfrm>
           <a:prstGeom prst="rect">
@@ -18649,7 +18981,7 @@
         </p:nvCxnSpPr>
         <p:spPr>
           <a:xfrm flipH="1">
-            <a:off x="8844634" y="6251939"/>
+            <a:off x="13587290" y="6251939"/>
             <a:ext cx="2545956" cy="0"/>
           </a:xfrm>
           <a:prstGeom prst="straightConnector1">
@@ -18703,7 +19035,7 @@
         </p:blipFill>
         <p:spPr>
           <a:xfrm>
-            <a:off x="11069436" y="5808942"/>
+            <a:off x="15812093" y="5808943"/>
             <a:ext cx="754027" cy="754027"/>
           </a:xfrm>
           <a:prstGeom prst="rect">
@@ -18733,7 +19065,7 @@
         </p:blipFill>
         <p:spPr>
           <a:xfrm>
-            <a:off x="10061669" y="6016490"/>
+            <a:off x="14804325" y="6016490"/>
             <a:ext cx="469400" cy="469400"/>
           </a:xfrm>
           <a:prstGeom prst="rect">
@@ -18757,7 +19089,7 @@
         </p:nvSpPr>
         <p:spPr>
           <a:xfrm>
-            <a:off x="9808139" y="6485890"/>
+            <a:off x="14550796" y="6485890"/>
             <a:ext cx="967879" cy="267998"/>
           </a:xfrm>
           <a:prstGeom prst="rect">
@@ -18819,7 +19151,7 @@
         </p:nvSpPr>
         <p:spPr>
           <a:xfrm>
-            <a:off x="7502417" y="5791731"/>
+            <a:off x="12245074" y="5791731"/>
             <a:ext cx="1203109" cy="243942"/>
           </a:xfrm>
           <a:prstGeom prst="flowChartProcess">
@@ -18883,7 +19215,7 @@
         </p:nvSpPr>
         <p:spPr>
           <a:xfrm>
-            <a:off x="7502417" y="6051697"/>
+            <a:off x="12245074" y="6051697"/>
             <a:ext cx="1203109" cy="243942"/>
           </a:xfrm>
           <a:prstGeom prst="flowChartProcess">
@@ -18947,7 +19279,7 @@
         </p:nvSpPr>
         <p:spPr>
           <a:xfrm>
-            <a:off x="7502417" y="6314525"/>
+            <a:off x="12245074" y="6314525"/>
             <a:ext cx="1203109" cy="243942"/>
           </a:xfrm>
           <a:prstGeom prst="flowChartProcess">
@@ -19013,7 +19345,7 @@
         </p:nvSpPr>
         <p:spPr>
           <a:xfrm>
-            <a:off x="5451169" y="6537081"/>
+            <a:off x="10193826" y="6537081"/>
             <a:ext cx="967879" cy="267998"/>
           </a:xfrm>
           <a:prstGeom prst="rect">
@@ -19077,7 +19409,7 @@
         </p:nvSpPr>
         <p:spPr>
           <a:xfrm>
-            <a:off x="4528539" y="6530454"/>
+            <a:off x="9271196" y="6530454"/>
             <a:ext cx="967879" cy="267998"/>
           </a:xfrm>
           <a:prstGeom prst="rect">
@@ -19169,7 +19501,7 @@
         </p:nvSpPr>
         <p:spPr>
           <a:xfrm>
-            <a:off x="5510807" y="5004594"/>
+            <a:off x="10253463" y="5004595"/>
             <a:ext cx="5450364" cy="2965493"/>
           </a:xfrm>
           <a:prstGeom prst="rect">
@@ -19224,7 +19556,7 @@
         </p:nvSpPr>
         <p:spPr>
           <a:xfrm>
-            <a:off x="486535" y="5004595"/>
+            <a:off x="5229192" y="5004595"/>
             <a:ext cx="5023559" cy="2965492"/>
           </a:xfrm>
           <a:prstGeom prst="rect">
@@ -19294,7 +19626,7 @@
         </p:blipFill>
         <p:spPr bwMode="auto">
           <a:xfrm>
-            <a:off x="1976960" y="6046856"/>
+            <a:off x="6719616" y="6046856"/>
             <a:ext cx="465430" cy="465430"/>
           </a:xfrm>
           <a:prstGeom prst="rect">
@@ -19328,7 +19660,7 @@
         </p:nvSpPr>
         <p:spPr>
           <a:xfrm>
-            <a:off x="1840075" y="6497731"/>
+            <a:off x="6582732" y="6497731"/>
             <a:ext cx="739201" cy="267998"/>
           </a:xfrm>
           <a:prstGeom prst="rect">
@@ -19393,7 +19725,7 @@
         </p:nvCxnSpPr>
         <p:spPr>
           <a:xfrm flipH="1">
-            <a:off x="2442390" y="6265381"/>
+            <a:off x="7185046" y="6265381"/>
             <a:ext cx="647704" cy="14190"/>
           </a:xfrm>
           <a:prstGeom prst="straightConnector1">
@@ -19436,7 +19768,7 @@
         </p:nvCxnSpPr>
         <p:spPr>
           <a:xfrm flipH="1">
-            <a:off x="4293203" y="6251939"/>
+            <a:off x="9035859" y="6251939"/>
             <a:ext cx="3047776" cy="13442"/>
           </a:xfrm>
           <a:prstGeom prst="straightConnector1">
@@ -19478,7 +19810,7 @@
         </p:nvSpPr>
         <p:spPr>
           <a:xfrm>
-            <a:off x="606664" y="6530454"/>
+            <a:off x="5349321" y="6530454"/>
             <a:ext cx="1206609" cy="267998"/>
           </a:xfrm>
           <a:prstGeom prst="rect">
@@ -19543,7 +19875,7 @@
         </p:nvCxnSpPr>
         <p:spPr>
           <a:xfrm flipH="1">
-            <a:off x="1463248" y="6279571"/>
+            <a:off x="6205904" y="6279571"/>
             <a:ext cx="513712" cy="7056"/>
           </a:xfrm>
           <a:prstGeom prst="straightConnector1">
@@ -19596,7 +19928,7 @@
         </p:blipFill>
         <p:spPr bwMode="auto">
           <a:xfrm>
-            <a:off x="1018257" y="6059050"/>
+            <a:off x="5760913" y="6059050"/>
             <a:ext cx="465430" cy="465430"/>
           </a:xfrm>
           <a:prstGeom prst="rect">
@@ -19643,7 +19975,7 @@
         </p:blipFill>
         <p:spPr bwMode="auto">
           <a:xfrm>
-            <a:off x="1511530" y="6944326"/>
+            <a:off x="6254186" y="6944326"/>
             <a:ext cx="465430" cy="465430"/>
           </a:xfrm>
           <a:prstGeom prst="rect">
@@ -19677,7 +20009,7 @@
         </p:nvSpPr>
         <p:spPr>
           <a:xfrm>
-            <a:off x="1140941" y="7405127"/>
+            <a:off x="5883598" y="7405127"/>
             <a:ext cx="1206609" cy="267998"/>
           </a:xfrm>
           <a:prstGeom prst="rect">
@@ -19757,7 +20089,7 @@
         </p:nvCxnSpPr>
         <p:spPr>
           <a:xfrm>
-            <a:off x="1744244" y="6286628"/>
+            <a:off x="6486900" y="6286629"/>
             <a:ext cx="0" cy="661227"/>
           </a:xfrm>
           <a:prstGeom prst="straightConnector1">
@@ -19797,7 +20129,7 @@
         </p:nvSpPr>
         <p:spPr>
           <a:xfrm>
-            <a:off x="2950854" y="5891361"/>
+            <a:off x="7693511" y="5891361"/>
             <a:ext cx="1503655" cy="734740"/>
           </a:xfrm>
           <a:prstGeom prst="rect">
@@ -19858,7 +20190,7 @@
         </p:blipFill>
         <p:spPr>
           <a:xfrm>
-            <a:off x="3460577" y="6419543"/>
+            <a:off x="8203233" y="6419543"/>
             <a:ext cx="462142" cy="462142"/>
           </a:xfrm>
           <a:prstGeom prst="rect">
@@ -19882,7 +20214,7 @@
         </p:nvSpPr>
         <p:spPr>
           <a:xfrm>
-            <a:off x="3333080" y="6857882"/>
+            <a:off x="8075737" y="6857882"/>
             <a:ext cx="739201" cy="267998"/>
           </a:xfrm>
           <a:prstGeom prst="rect">
@@ -19952,7 +20284,7 @@
         </p:blipFill>
         <p:spPr>
           <a:xfrm>
-            <a:off x="3469965" y="7188671"/>
+            <a:off x="8212622" y="7188672"/>
             <a:ext cx="465429" cy="465429"/>
           </a:xfrm>
           <a:prstGeom prst="rect">
@@ -19976,7 +20308,7 @@
         </p:nvSpPr>
         <p:spPr>
           <a:xfrm>
-            <a:off x="3257073" y="7676013"/>
+            <a:off x="7999729" y="7676013"/>
             <a:ext cx="869150" cy="267998"/>
           </a:xfrm>
           <a:prstGeom prst="rect">
@@ -20041,7 +20373,7 @@
         </p:nvCxnSpPr>
         <p:spPr>
           <a:xfrm>
-            <a:off x="3702679" y="7051108"/>
+            <a:off x="8445335" y="7051108"/>
             <a:ext cx="0" cy="137562"/>
           </a:xfrm>
           <a:prstGeom prst="straightConnector1">
@@ -20081,7 +20413,7 @@
         </p:nvSpPr>
         <p:spPr>
           <a:xfrm>
-            <a:off x="481291" y="5004595"/>
+            <a:off x="5223948" y="5004596"/>
             <a:ext cx="10479881" cy="2965493"/>
           </a:xfrm>
           <a:prstGeom prst="rect">
@@ -20149,7 +20481,7 @@
         </p:blipFill>
         <p:spPr bwMode="auto">
           <a:xfrm>
-            <a:off x="486534" y="4996558"/>
+            <a:off x="5229190" y="4996558"/>
             <a:ext cx="377292" cy="377292"/>
           </a:xfrm>
           <a:prstGeom prst="rect">
@@ -20181,7 +20513,7 @@
         </p:nvSpPr>
         <p:spPr>
           <a:xfrm>
-            <a:off x="3090095" y="6143410"/>
+            <a:off x="7832752" y="6143410"/>
             <a:ext cx="1203109" cy="243942"/>
           </a:xfrm>
           <a:prstGeom prst="flowChartProcess">
@@ -20253,7 +20585,7 @@
         </p:blipFill>
         <p:spPr>
           <a:xfrm>
-            <a:off x="4816158" y="6016490"/>
+            <a:off x="9558814" y="6016490"/>
             <a:ext cx="462142" cy="462142"/>
           </a:xfrm>
           <a:prstGeom prst="rect">
@@ -20277,7 +20609,7 @@
         </p:nvSpPr>
         <p:spPr>
           <a:xfrm>
-            <a:off x="236783" y="2934730"/>
+            <a:off x="4979439" y="2934730"/>
             <a:ext cx="10515600" cy="487906"/>
           </a:xfrm>
           <a:prstGeom prst="rect">
@@ -20348,7 +20680,7 @@
         </p:nvSpPr>
         <p:spPr>
           <a:xfrm>
-            <a:off x="368538" y="3368658"/>
+            <a:off x="5111195" y="3368659"/>
             <a:ext cx="11454925" cy="1518755"/>
           </a:xfrm>
           <a:prstGeom prst="rect">
@@ -20592,7 +20924,7 @@
         </p:blipFill>
         <p:spPr>
           <a:xfrm>
-            <a:off x="5695248" y="6028068"/>
+            <a:off x="10437904" y="6028068"/>
             <a:ext cx="461326" cy="461326"/>
           </a:xfrm>
           <a:prstGeom prst="rect">
@@ -20614,7 +20946,7 @@
         </p:nvSpPr>
         <p:spPr>
           <a:xfrm>
-            <a:off x="7340980" y="5705426"/>
+            <a:off x="12083637" y="5705427"/>
             <a:ext cx="1503655" cy="1093027"/>
           </a:xfrm>
           <a:prstGeom prst="rect">
@@ -20675,7 +21007,7 @@
         </p:blipFill>
         <p:spPr>
           <a:xfrm>
-            <a:off x="7896163" y="6583405"/>
+            <a:off x="12638819" y="6583405"/>
             <a:ext cx="462142" cy="462142"/>
           </a:xfrm>
           <a:prstGeom prst="rect">
@@ -20699,7 +21031,7 @@
         </p:nvSpPr>
         <p:spPr>
           <a:xfrm>
-            <a:off x="7669738" y="7054907"/>
+            <a:off x="12412395" y="7054907"/>
             <a:ext cx="967879" cy="267998"/>
           </a:xfrm>
           <a:prstGeom prst="rect">
@@ -20764,7 +21096,7 @@
         </p:nvCxnSpPr>
         <p:spPr>
           <a:xfrm flipH="1">
-            <a:off x="8844634" y="6251939"/>
+            <a:off x="13587290" y="6251939"/>
             <a:ext cx="2545956" cy="0"/>
           </a:xfrm>
           <a:prstGeom prst="straightConnector1">
@@ -20812,7 +21144,7 @@
         </p:blipFill>
         <p:spPr>
           <a:xfrm>
-            <a:off x="6581429" y="6033632"/>
+            <a:off x="11324085" y="6033632"/>
             <a:ext cx="435116" cy="435116"/>
           </a:xfrm>
           <a:prstGeom prst="rect">
@@ -20836,7 +21168,7 @@
         </p:nvSpPr>
         <p:spPr>
           <a:xfrm>
-            <a:off x="6312346" y="6537081"/>
+            <a:off x="11055003" y="6537081"/>
             <a:ext cx="967879" cy="267998"/>
           </a:xfrm>
           <a:prstGeom prst="rect">
@@ -20912,7 +21244,7 @@
         </p:blipFill>
         <p:spPr>
           <a:xfrm>
-            <a:off x="11069436" y="5808942"/>
+            <a:off x="15812093" y="5808943"/>
             <a:ext cx="754027" cy="754027"/>
           </a:xfrm>
           <a:prstGeom prst="rect">
@@ -20942,7 +21274,7 @@
         </p:blipFill>
         <p:spPr>
           <a:xfrm>
-            <a:off x="10061669" y="6016490"/>
+            <a:off x="14804325" y="6016490"/>
             <a:ext cx="469400" cy="469400"/>
           </a:xfrm>
           <a:prstGeom prst="rect">
@@ -20966,7 +21298,7 @@
         </p:nvSpPr>
         <p:spPr>
           <a:xfrm>
-            <a:off x="9808139" y="6485890"/>
+            <a:off x="14550796" y="6485890"/>
             <a:ext cx="967879" cy="267998"/>
           </a:xfrm>
           <a:prstGeom prst="rect">
@@ -21028,7 +21360,7 @@
         </p:nvSpPr>
         <p:spPr>
           <a:xfrm>
-            <a:off x="7502417" y="5791731"/>
+            <a:off x="12245074" y="5791731"/>
             <a:ext cx="1203109" cy="243942"/>
           </a:xfrm>
           <a:prstGeom prst="flowChartProcess">
@@ -21092,7 +21424,7 @@
         </p:nvSpPr>
         <p:spPr>
           <a:xfrm>
-            <a:off x="7502417" y="6051697"/>
+            <a:off x="12245074" y="6051697"/>
             <a:ext cx="1203109" cy="243942"/>
           </a:xfrm>
           <a:prstGeom prst="flowChartProcess">
@@ -21156,7 +21488,7 @@
         </p:nvSpPr>
         <p:spPr>
           <a:xfrm>
-            <a:off x="7502417" y="6314525"/>
+            <a:off x="12245074" y="6314525"/>
             <a:ext cx="1203109" cy="243942"/>
           </a:xfrm>
           <a:prstGeom prst="flowChartProcess">
@@ -21228,7 +21560,7 @@
         </p:blipFill>
         <p:spPr>
           <a:xfrm>
-            <a:off x="9214495" y="6019859"/>
+            <a:off x="13957152" y="6019860"/>
             <a:ext cx="458939" cy="458939"/>
           </a:xfrm>
           <a:prstGeom prst="rect">
@@ -21252,7 +21584,7 @@
         </p:nvSpPr>
         <p:spPr>
           <a:xfrm>
-            <a:off x="8954682" y="6485890"/>
+            <a:off x="13697339" y="6485890"/>
             <a:ext cx="967879" cy="267998"/>
           </a:xfrm>
           <a:prstGeom prst="rect">
@@ -21316,7 +21648,7 @@
         </p:nvSpPr>
         <p:spPr>
           <a:xfrm>
-            <a:off x="5451169" y="6537081"/>
+            <a:off x="10193826" y="6537081"/>
             <a:ext cx="967879" cy="267998"/>
           </a:xfrm>
           <a:prstGeom prst="rect">
@@ -21380,7 +21712,7 @@
         </p:nvSpPr>
         <p:spPr>
           <a:xfrm>
-            <a:off x="4528539" y="6530454"/>
+            <a:off x="9271196" y="6530454"/>
             <a:ext cx="967879" cy="267998"/>
           </a:xfrm>
           <a:prstGeom prst="rect">
@@ -21450,7 +21782,7 @@
         </p:blipFill>
         <p:spPr>
           <a:xfrm>
-            <a:off x="3459640" y="5106208"/>
+            <a:off x="8202297" y="5106209"/>
             <a:ext cx="462143" cy="462143"/>
           </a:xfrm>
           <a:prstGeom prst="rect">
@@ -21474,7 +21806,7 @@
         </p:nvCxnSpPr>
         <p:spPr>
           <a:xfrm>
-            <a:off x="3690710" y="5781091"/>
+            <a:off x="8433366" y="5781091"/>
             <a:ext cx="0" cy="110270"/>
           </a:xfrm>
           <a:prstGeom prst="straightConnector1">
@@ -21516,7 +21848,7 @@
         </p:nvSpPr>
         <p:spPr>
           <a:xfrm>
-            <a:off x="3333080" y="5532376"/>
+            <a:off x="8075737" y="5532376"/>
             <a:ext cx="739201" cy="267998"/>
           </a:xfrm>
           <a:prstGeom prst="rect">
@@ -21608,7 +21940,7 @@
         </p:nvSpPr>
         <p:spPr>
           <a:xfrm>
-            <a:off x="5510807" y="4330460"/>
+            <a:off x="10253463" y="4330461"/>
             <a:ext cx="5450364" cy="3639629"/>
           </a:xfrm>
           <a:prstGeom prst="rect">
@@ -21663,7 +21995,7 @@
         </p:nvSpPr>
         <p:spPr>
           <a:xfrm>
-            <a:off x="863827" y="4330461"/>
+            <a:off x="5606484" y="4330461"/>
             <a:ext cx="4646267" cy="3639628"/>
           </a:xfrm>
           <a:prstGeom prst="rect">
@@ -21733,7 +22065,7 @@
         </p:blipFill>
         <p:spPr bwMode="auto">
           <a:xfrm>
-            <a:off x="2371775" y="4842252"/>
+            <a:off x="7114431" y="4842252"/>
             <a:ext cx="465430" cy="465430"/>
           </a:xfrm>
           <a:prstGeom prst="rect">
@@ -21767,7 +22099,7 @@
         </p:nvSpPr>
         <p:spPr>
           <a:xfrm>
-            <a:off x="2234890" y="5293127"/>
+            <a:off x="6977547" y="5293127"/>
             <a:ext cx="739201" cy="267998"/>
           </a:xfrm>
           <a:prstGeom prst="rect">
@@ -21832,7 +22164,7 @@
         </p:nvCxnSpPr>
         <p:spPr>
           <a:xfrm flipH="1">
-            <a:off x="2837205" y="5068851"/>
+            <a:off x="7579861" y="5068852"/>
             <a:ext cx="647704" cy="6117"/>
           </a:xfrm>
           <a:prstGeom prst="straightConnector1">
@@ -21875,7 +22207,7 @@
         </p:nvCxnSpPr>
         <p:spPr>
           <a:xfrm flipH="1" flipV="1">
-            <a:off x="4696908" y="5057694"/>
+            <a:off x="9439564" y="5057695"/>
             <a:ext cx="998340" cy="1"/>
           </a:xfrm>
           <a:prstGeom prst="straightConnector1">
@@ -21917,7 +22249,7 @@
         </p:nvSpPr>
         <p:spPr>
           <a:xfrm>
-            <a:off x="1001479" y="5325850"/>
+            <a:off x="5744136" y="5325850"/>
             <a:ext cx="1206609" cy="267998"/>
           </a:xfrm>
           <a:prstGeom prst="rect">
@@ -21982,7 +22314,7 @@
         </p:nvCxnSpPr>
         <p:spPr>
           <a:xfrm flipH="1">
-            <a:off x="1858063" y="5074967"/>
+            <a:off x="6600719" y="5074967"/>
             <a:ext cx="513712" cy="7056"/>
           </a:xfrm>
           <a:prstGeom prst="straightConnector1">
@@ -22035,7 +22367,7 @@
         </p:blipFill>
         <p:spPr bwMode="auto">
           <a:xfrm>
-            <a:off x="1413072" y="4854446"/>
+            <a:off x="6155728" y="4854446"/>
             <a:ext cx="465430" cy="465430"/>
           </a:xfrm>
           <a:prstGeom prst="rect">
@@ -22083,7 +22415,7 @@
         </p:blipFill>
         <p:spPr bwMode="auto">
           <a:xfrm>
-            <a:off x="1906345" y="5739722"/>
+            <a:off x="6649001" y="5739722"/>
             <a:ext cx="465430" cy="465430"/>
           </a:xfrm>
           <a:prstGeom prst="rect">
@@ -22117,7 +22449,7 @@
         </p:nvSpPr>
         <p:spPr>
           <a:xfrm>
-            <a:off x="1535756" y="6200523"/>
+            <a:off x="6278413" y="6200523"/>
             <a:ext cx="1206609" cy="267998"/>
           </a:xfrm>
           <a:prstGeom prst="rect">
@@ -22197,7 +22529,7 @@
         </p:nvCxnSpPr>
         <p:spPr>
           <a:xfrm>
-            <a:off x="2139059" y="5082024"/>
+            <a:off x="6881715" y="5082025"/>
             <a:ext cx="0" cy="661227"/>
           </a:xfrm>
           <a:prstGeom prst="straightConnector1">
@@ -22239,7 +22571,7 @@
         </p:nvSpPr>
         <p:spPr>
           <a:xfrm>
-            <a:off x="3727895" y="5953394"/>
+            <a:off x="8470552" y="5953394"/>
             <a:ext cx="739201" cy="267998"/>
           </a:xfrm>
           <a:prstGeom prst="rect">
@@ -22309,7 +22641,7 @@
         </p:blipFill>
         <p:spPr>
           <a:xfrm>
-            <a:off x="4457925" y="6070063"/>
+            <a:off x="9200582" y="6070064"/>
             <a:ext cx="465429" cy="465429"/>
           </a:xfrm>
           <a:prstGeom prst="rect">
@@ -22333,7 +22665,7 @@
         </p:nvSpPr>
         <p:spPr>
           <a:xfrm>
-            <a:off x="4245033" y="6496613"/>
+            <a:off x="8987689" y="6496613"/>
             <a:ext cx="869150" cy="267998"/>
           </a:xfrm>
           <a:prstGeom prst="rect">
@@ -22395,7 +22727,7 @@
         </p:nvSpPr>
         <p:spPr>
           <a:xfrm>
-            <a:off x="863113" y="4322424"/>
+            <a:off x="5605770" y="4322424"/>
             <a:ext cx="10098059" cy="3647664"/>
           </a:xfrm>
           <a:prstGeom prst="rect">
@@ -22463,7 +22795,7 @@
         </p:blipFill>
         <p:spPr bwMode="auto">
           <a:xfrm>
-            <a:off x="863112" y="4322424"/>
+            <a:off x="5605768" y="4322424"/>
             <a:ext cx="377292" cy="377292"/>
           </a:xfrm>
           <a:prstGeom prst="rect">
@@ -22503,7 +22835,7 @@
         </p:blipFill>
         <p:spPr>
           <a:xfrm>
-            <a:off x="3855392" y="6983932"/>
+            <a:off x="8598048" y="6983932"/>
             <a:ext cx="462142" cy="462142"/>
           </a:xfrm>
           <a:prstGeom prst="rect">
@@ -22533,7 +22865,7 @@
         </p:blipFill>
         <p:spPr>
           <a:xfrm>
-            <a:off x="5695248" y="4827031"/>
+            <a:off x="10437904" y="4827031"/>
             <a:ext cx="461326" cy="461326"/>
           </a:xfrm>
           <a:prstGeom prst="rect">
@@ -22555,7 +22887,7 @@
         </p:nvSpPr>
         <p:spPr>
           <a:xfrm>
-            <a:off x="7340980" y="4578429"/>
+            <a:off x="12083637" y="4578430"/>
             <a:ext cx="1503655" cy="1093027"/>
           </a:xfrm>
           <a:prstGeom prst="rect">
@@ -22616,7 +22948,7 @@
         </p:blipFill>
         <p:spPr>
           <a:xfrm>
-            <a:off x="7896163" y="5456408"/>
+            <a:off x="12638819" y="5456408"/>
             <a:ext cx="462142" cy="462142"/>
           </a:xfrm>
           <a:prstGeom prst="rect">
@@ -22640,7 +22972,7 @@
         </p:nvSpPr>
         <p:spPr>
           <a:xfrm>
-            <a:off x="7669738" y="5927910"/>
+            <a:off x="12412395" y="5927910"/>
             <a:ext cx="967879" cy="267998"/>
           </a:xfrm>
           <a:prstGeom prst="rect">
@@ -22705,7 +23037,7 @@
         </p:nvCxnSpPr>
         <p:spPr>
           <a:xfrm flipH="1" flipV="1">
-            <a:off x="10531070" y="5033197"/>
+            <a:off x="15273727" y="5033198"/>
             <a:ext cx="859521" cy="749"/>
           </a:xfrm>
           <a:prstGeom prst="straightConnector1">
@@ -22755,7 +23087,7 @@
         </p:blipFill>
         <p:spPr>
           <a:xfrm>
-            <a:off x="6581429" y="4832595"/>
+            <a:off x="11324085" y="4832595"/>
             <a:ext cx="435116" cy="435116"/>
           </a:xfrm>
           <a:prstGeom prst="rect">
@@ -22779,7 +23111,7 @@
         </p:nvSpPr>
         <p:spPr>
           <a:xfrm>
-            <a:off x="6312346" y="5336044"/>
+            <a:off x="11055003" y="5336044"/>
             <a:ext cx="967879" cy="267998"/>
           </a:xfrm>
           <a:prstGeom prst="rect">
@@ -22855,7 +23187,7 @@
         </p:blipFill>
         <p:spPr>
           <a:xfrm>
-            <a:off x="11069436" y="4590948"/>
+            <a:off x="15812093" y="4590949"/>
             <a:ext cx="754027" cy="754027"/>
           </a:xfrm>
           <a:prstGeom prst="rect">
@@ -22887,7 +23219,7 @@
         </p:blipFill>
         <p:spPr>
           <a:xfrm>
-            <a:off x="10061669" y="4798496"/>
+            <a:off x="14804325" y="4798496"/>
             <a:ext cx="469400" cy="469400"/>
           </a:xfrm>
           <a:prstGeom prst="rect">
@@ -22911,7 +23243,7 @@
         </p:nvSpPr>
         <p:spPr>
           <a:xfrm>
-            <a:off x="9808139" y="5267896"/>
+            <a:off x="14550796" y="5267896"/>
             <a:ext cx="967879" cy="267998"/>
           </a:xfrm>
           <a:prstGeom prst="rect">
@@ -22973,7 +23305,7 @@
         </p:nvSpPr>
         <p:spPr>
           <a:xfrm>
-            <a:off x="7502417" y="4664734"/>
+            <a:off x="12245074" y="4664734"/>
             <a:ext cx="1203109" cy="243942"/>
           </a:xfrm>
           <a:prstGeom prst="flowChartProcess">
@@ -23037,7 +23369,7 @@
         </p:nvSpPr>
         <p:spPr>
           <a:xfrm>
-            <a:off x="7502417" y="4924700"/>
+            <a:off x="12245074" y="4924700"/>
             <a:ext cx="1203109" cy="243942"/>
           </a:xfrm>
           <a:prstGeom prst="flowChartProcess">
@@ -23101,7 +23433,7 @@
         </p:nvSpPr>
         <p:spPr>
           <a:xfrm>
-            <a:off x="7502417" y="5187528"/>
+            <a:off x="12245074" y="5187528"/>
             <a:ext cx="1203109" cy="243942"/>
           </a:xfrm>
           <a:prstGeom prst="flowChartProcess">
@@ -23177,7 +23509,7 @@
         </p:blipFill>
         <p:spPr>
           <a:xfrm>
-            <a:off x="9214495" y="4801865"/>
+            <a:off x="13957152" y="4801866"/>
             <a:ext cx="458939" cy="458939"/>
           </a:xfrm>
           <a:prstGeom prst="rect">
@@ -23201,7 +23533,7 @@
         </p:nvSpPr>
         <p:spPr>
           <a:xfrm>
-            <a:off x="8954682" y="5267896"/>
+            <a:off x="13697339" y="5267896"/>
             <a:ext cx="967879" cy="267998"/>
           </a:xfrm>
           <a:prstGeom prst="rect">
@@ -23265,7 +23597,7 @@
         </p:nvSpPr>
         <p:spPr>
           <a:xfrm>
-            <a:off x="5451169" y="5336044"/>
+            <a:off x="10193826" y="5336044"/>
             <a:ext cx="967879" cy="267998"/>
           </a:xfrm>
           <a:prstGeom prst="rect">
@@ -23329,7 +23661,7 @@
         </p:nvSpPr>
         <p:spPr>
           <a:xfrm>
-            <a:off x="3597859" y="7448824"/>
+            <a:off x="8340516" y="7448824"/>
             <a:ext cx="967879" cy="267998"/>
           </a:xfrm>
           <a:prstGeom prst="rect">
@@ -23401,7 +23733,7 @@
         </p:blipFill>
         <p:spPr>
           <a:xfrm>
-            <a:off x="3287022" y="6070063"/>
+            <a:off x="8029679" y="6070064"/>
             <a:ext cx="462143" cy="462143"/>
           </a:xfrm>
           <a:prstGeom prst="rect">
@@ -23425,7 +23757,7 @@
         </p:nvSpPr>
         <p:spPr>
           <a:xfrm>
-            <a:off x="3160462" y="6496231"/>
+            <a:off x="7903119" y="6496231"/>
             <a:ext cx="739201" cy="267998"/>
           </a:xfrm>
           <a:prstGeom prst="rect">
@@ -23491,7 +23823,7 @@
         </p:nvCxnSpPr>
         <p:spPr>
           <a:xfrm rot="5400000">
-            <a:off x="4273377" y="6577700"/>
+            <a:off x="9016034" y="6577701"/>
             <a:ext cx="219321" cy="593145"/>
           </a:xfrm>
           <a:prstGeom prst="bentConnector3">
@@ -23532,7 +23864,7 @@
         </p:nvCxnSpPr>
         <p:spPr>
           <a:xfrm>
-            <a:off x="4267095" y="5866410"/>
+            <a:off x="9009752" y="5866410"/>
             <a:ext cx="423545" cy="203652"/>
           </a:xfrm>
           <a:prstGeom prst="bentConnector2">
@@ -23571,7 +23903,7 @@
         </p:nvCxnSpPr>
         <p:spPr>
           <a:xfrm rot="10800000" flipV="1">
-            <a:off x="3518095" y="5846847"/>
+            <a:off x="8260752" y="5846848"/>
             <a:ext cx="353199" cy="223215"/>
           </a:xfrm>
           <a:prstGeom prst="bentConnector2">
@@ -23611,7 +23943,7 @@
         </p:nvCxnSpPr>
         <p:spPr>
           <a:xfrm rot="16200000" flipH="1">
-            <a:off x="3698412" y="6595880"/>
+            <a:off x="8441069" y="6595881"/>
             <a:ext cx="219703" cy="556401"/>
           </a:xfrm>
           <a:prstGeom prst="bentConnector3">
@@ -23649,7 +23981,7 @@
         </p:nvSpPr>
         <p:spPr>
           <a:xfrm>
-            <a:off x="3310048" y="4593445"/>
+            <a:off x="8052705" y="4593446"/>
             <a:ext cx="1503655" cy="1093027"/>
           </a:xfrm>
           <a:prstGeom prst="rect">
@@ -23710,7 +24042,7 @@
         </p:blipFill>
         <p:spPr>
           <a:xfrm>
-            <a:off x="3855392" y="5500241"/>
+            <a:off x="8598048" y="5500241"/>
             <a:ext cx="462142" cy="462142"/>
           </a:xfrm>
           <a:prstGeom prst="rect">
@@ -23732,7 +24064,7 @@
         </p:nvSpPr>
         <p:spPr>
           <a:xfrm>
-            <a:off x="3489355" y="4680557"/>
+            <a:off x="8232012" y="4680557"/>
             <a:ext cx="1203109" cy="243942"/>
           </a:xfrm>
           <a:prstGeom prst="flowChartProcess">
@@ -23796,7 +24128,7 @@
         </p:nvSpPr>
         <p:spPr>
           <a:xfrm>
-            <a:off x="3489355" y="4940523"/>
+            <a:off x="8232012" y="4940523"/>
             <a:ext cx="1203109" cy="243942"/>
           </a:xfrm>
           <a:prstGeom prst="flowChartProcess">
@@ -23860,7 +24192,7 @@
         </p:nvSpPr>
         <p:spPr>
           <a:xfrm>
-            <a:off x="3489355" y="5203351"/>
+            <a:off x="8232012" y="5203351"/>
             <a:ext cx="1203109" cy="243942"/>
           </a:xfrm>
           <a:prstGeom prst="flowChartProcess">
@@ -23927,7 +24259,7 @@
         </p:nvCxnSpPr>
         <p:spPr>
           <a:xfrm flipH="1">
-            <a:off x="4086463" y="6200524"/>
+            <a:off x="8829119" y="6200525"/>
             <a:ext cx="714" cy="783409"/>
           </a:xfrm>
           <a:prstGeom prst="straightConnector1">
@@ -23971,7 +24303,7 @@
         </p:nvCxnSpPr>
         <p:spPr>
           <a:xfrm rot="5400000">
-            <a:off x="4320841" y="5369666"/>
+            <a:off x="9063497" y="5369667"/>
             <a:ext cx="1379890" cy="1848645"/>
           </a:xfrm>
           <a:prstGeom prst="bentConnector3">
@@ -24013,7 +24345,7 @@
         </p:nvCxnSpPr>
         <p:spPr>
           <a:xfrm flipH="1">
-            <a:off x="7016546" y="5046671"/>
+            <a:off x="11759203" y="5046671"/>
             <a:ext cx="485871" cy="3482"/>
           </a:xfrm>
           <a:prstGeom prst="straightConnector1">
@@ -24056,7 +24388,7 @@
         </p:nvCxnSpPr>
         <p:spPr>
           <a:xfrm flipH="1" flipV="1">
-            <a:off x="9678241" y="5032822"/>
+            <a:off x="14420898" y="5032822"/>
             <a:ext cx="383429" cy="374"/>
           </a:xfrm>
           <a:prstGeom prst="straightConnector1">
@@ -24098,7 +24430,7 @@
         </p:nvCxnSpPr>
         <p:spPr>
           <a:xfrm flipH="1">
-            <a:off x="8705526" y="5032822"/>
+            <a:off x="13448183" y="5032822"/>
             <a:ext cx="503315" cy="0"/>
           </a:xfrm>
           <a:prstGeom prst="straightConnector1">
@@ -24141,7 +24473,7 @@
         </p:nvCxnSpPr>
         <p:spPr>
           <a:xfrm>
-            <a:off x="4692464" y="4802528"/>
+            <a:off x="9435121" y="4802528"/>
             <a:ext cx="1002785" cy="255166"/>
           </a:xfrm>
           <a:prstGeom prst="bentConnector3">
@@ -24181,7 +24513,7 @@
         </p:nvCxnSpPr>
         <p:spPr>
           <a:xfrm flipV="1">
-            <a:off x="4692464" y="5057694"/>
+            <a:off x="9435121" y="5057694"/>
             <a:ext cx="1002785" cy="267628"/>
           </a:xfrm>
           <a:prstGeom prst="bentConnector3">
@@ -24220,7 +24552,7 @@
         </p:nvCxnSpPr>
         <p:spPr>
           <a:xfrm>
-            <a:off x="6156575" y="5050153"/>
+            <a:off x="10899232" y="5050153"/>
             <a:ext cx="424855" cy="0"/>
           </a:xfrm>
           <a:prstGeom prst="straightConnector1">
@@ -24260,7 +24592,7 @@
         </p:nvSpPr>
         <p:spPr>
           <a:xfrm>
-            <a:off x="1683027" y="3973133"/>
+            <a:off x="6425684" y="3973133"/>
             <a:ext cx="184731" cy="369332"/>
           </a:xfrm>
           <a:prstGeom prst="rect">
@@ -24337,7 +24669,7 @@
         </p:blipFill>
         <p:spPr bwMode="auto">
           <a:xfrm>
-            <a:off x="9430107" y="5688369"/>
+            <a:off x="14172763" y="5688369"/>
             <a:ext cx="465430" cy="465430"/>
           </a:xfrm>
           <a:prstGeom prst="rect">
@@ -24371,7 +24703,7 @@
         </p:nvSpPr>
         <p:spPr>
           <a:xfrm>
-            <a:off x="9302453" y="6168606"/>
+            <a:off x="14045110" y="6168606"/>
             <a:ext cx="739201" cy="267998"/>
           </a:xfrm>
           <a:prstGeom prst="rect">
@@ -24435,7 +24767,7 @@
         </p:nvSpPr>
         <p:spPr>
           <a:xfrm>
-            <a:off x="10844718" y="6631966"/>
+            <a:off x="15587374" y="6631967"/>
             <a:ext cx="1304524" cy="262033"/>
           </a:xfrm>
           <a:prstGeom prst="rect">
@@ -24510,7 +24842,7 @@
         </p:blipFill>
         <p:spPr bwMode="auto">
           <a:xfrm>
-            <a:off x="11208375" y="6133721"/>
+            <a:off x="15951031" y="6133721"/>
             <a:ext cx="465430" cy="465430"/>
           </a:xfrm>
           <a:prstGeom prst="rect">
@@ -24544,7 +24876,7 @@
         </p:nvSpPr>
         <p:spPr>
           <a:xfrm>
-            <a:off x="10265106" y="7533426"/>
+            <a:off x="15007763" y="7533426"/>
             <a:ext cx="1206609" cy="267998"/>
           </a:xfrm>
           <a:prstGeom prst="rect">
@@ -24624,7 +24956,7 @@
         </p:nvSpPr>
         <p:spPr>
           <a:xfrm>
-            <a:off x="7092964" y="8381047"/>
+            <a:off x="11835621" y="8381047"/>
             <a:ext cx="739201" cy="267998"/>
           </a:xfrm>
           <a:prstGeom prst="rect">
@@ -24694,7 +25026,7 @@
         </p:blipFill>
         <p:spPr>
           <a:xfrm>
-            <a:off x="9464037" y="6880061"/>
+            <a:off x="14206694" y="6880062"/>
             <a:ext cx="465429" cy="465429"/>
           </a:xfrm>
           <a:prstGeom prst="rect">
@@ -24718,7 +25050,7 @@
         </p:nvSpPr>
         <p:spPr>
           <a:xfrm>
-            <a:off x="9236531" y="7375998"/>
+            <a:off x="13979187" y="7375998"/>
             <a:ext cx="869150" cy="267998"/>
           </a:xfrm>
           <a:prstGeom prst="rect">
@@ -24788,7 +25120,7 @@
         </p:blipFill>
         <p:spPr>
           <a:xfrm>
-            <a:off x="5330556" y="8762205"/>
+            <a:off x="10073212" y="8762205"/>
             <a:ext cx="462142" cy="462142"/>
           </a:xfrm>
           <a:prstGeom prst="rect">
@@ -24818,7 +25150,7 @@
         </p:blipFill>
         <p:spPr>
           <a:xfrm>
-            <a:off x="5345224" y="5771849"/>
+            <a:off x="10087880" y="5771849"/>
             <a:ext cx="461326" cy="461326"/>
           </a:xfrm>
           <a:prstGeom prst="rect">
@@ -24840,7 +25172,7 @@
         </p:nvSpPr>
         <p:spPr>
           <a:xfrm>
-            <a:off x="3016982" y="2800657"/>
+            <a:off x="7759639" y="2800657"/>
             <a:ext cx="1503655" cy="3216266"/>
           </a:xfrm>
           <a:prstGeom prst="rect">
@@ -24901,7 +25233,7 @@
         </p:blipFill>
         <p:spPr>
           <a:xfrm>
-            <a:off x="3572165" y="5790903"/>
+            <a:off x="8314821" y="5790903"/>
             <a:ext cx="462142" cy="462142"/>
           </a:xfrm>
           <a:prstGeom prst="rect">
@@ -24925,7 +25257,7 @@
         </p:nvSpPr>
         <p:spPr>
           <a:xfrm>
-            <a:off x="3315216" y="6263192"/>
+            <a:off x="8057873" y="6263192"/>
             <a:ext cx="967879" cy="267998"/>
           </a:xfrm>
           <a:prstGeom prst="rect">
@@ -24990,7 +25322,7 @@
         </p:nvCxnSpPr>
         <p:spPr>
           <a:xfrm flipH="1">
-            <a:off x="853780" y="3302038"/>
+            <a:off x="5596436" y="3302038"/>
             <a:ext cx="374636" cy="0"/>
           </a:xfrm>
           <a:prstGeom prst="straightConnector1">
@@ -25040,7 +25372,7 @@
         </p:blipFill>
         <p:spPr>
           <a:xfrm>
-            <a:off x="1266079" y="4691340"/>
+            <a:off x="6008735" y="4691340"/>
             <a:ext cx="435116" cy="435116"/>
           </a:xfrm>
           <a:prstGeom prst="rect">
@@ -25064,7 +25396,7 @@
         </p:nvSpPr>
         <p:spPr>
           <a:xfrm>
-            <a:off x="876422" y="5194789"/>
+            <a:off x="5619079" y="5194789"/>
             <a:ext cx="1260673" cy="267998"/>
           </a:xfrm>
           <a:prstGeom prst="rect">
@@ -25140,7 +25472,7 @@
         </p:blipFill>
         <p:spPr>
           <a:xfrm>
-            <a:off x="199648" y="2925026"/>
+            <a:off x="4942305" y="2925027"/>
             <a:ext cx="754027" cy="754027"/>
           </a:xfrm>
           <a:prstGeom prst="rect">
@@ -25172,7 +25504,7 @@
         </p:blipFill>
         <p:spPr>
           <a:xfrm>
-            <a:off x="1228416" y="3067338"/>
+            <a:off x="5971072" y="3067338"/>
             <a:ext cx="469400" cy="469400"/>
           </a:xfrm>
           <a:prstGeom prst="rect">
@@ -25196,7 +25528,7 @@
         </p:nvSpPr>
         <p:spPr>
           <a:xfrm>
-            <a:off x="979445" y="3542292"/>
+            <a:off x="5722102" y="3542292"/>
             <a:ext cx="967879" cy="267998"/>
           </a:xfrm>
           <a:prstGeom prst="rect">
@@ -25258,7 +25590,7 @@
         </p:nvSpPr>
         <p:spPr>
           <a:xfrm>
-            <a:off x="3140371" y="4728021"/>
+            <a:off x="7883028" y="4728021"/>
             <a:ext cx="1241157" cy="763206"/>
           </a:xfrm>
           <a:prstGeom prst="flowChartProcess">
@@ -25332,7 +25664,7 @@
         </p:blipFill>
         <p:spPr>
           <a:xfrm>
-            <a:off x="2251678" y="3067338"/>
+            <a:off x="6994334" y="3067338"/>
             <a:ext cx="469400" cy="469400"/>
           </a:xfrm>
           <a:prstGeom prst="rect">
@@ -25356,7 +25688,7 @@
         </p:nvSpPr>
         <p:spPr>
           <a:xfrm>
-            <a:off x="6973895" y="4422457"/>
+            <a:off x="11716552" y="4422457"/>
             <a:ext cx="967879" cy="267998"/>
           </a:xfrm>
           <a:prstGeom prst="rect">
@@ -25420,7 +25752,7 @@
         </p:nvSpPr>
         <p:spPr>
           <a:xfrm>
-            <a:off x="5068557" y="6263020"/>
+            <a:off x="9811214" y="6263021"/>
             <a:ext cx="967879" cy="387771"/>
           </a:xfrm>
           <a:prstGeom prst="rect">
@@ -25495,7 +25827,7 @@
         </p:nvSpPr>
         <p:spPr>
           <a:xfrm>
-            <a:off x="5073023" y="9227097"/>
+            <a:off x="9815680" y="9227097"/>
             <a:ext cx="967879" cy="267998"/>
           </a:xfrm>
           <a:prstGeom prst="rect">
@@ -25567,7 +25899,7 @@
         </p:blipFill>
         <p:spPr>
           <a:xfrm>
-            <a:off x="7226764" y="3056362"/>
+            <a:off x="11969421" y="3056363"/>
             <a:ext cx="462143" cy="462143"/>
           </a:xfrm>
           <a:prstGeom prst="rect">
@@ -25591,7 +25923,7 @@
         </p:nvSpPr>
         <p:spPr>
           <a:xfrm>
-            <a:off x="7098816" y="3558096"/>
+            <a:off x="11841473" y="3558096"/>
             <a:ext cx="739201" cy="267998"/>
           </a:xfrm>
           <a:prstGeom prst="rect">
@@ -25653,7 +25985,7 @@
         </p:nvSpPr>
         <p:spPr>
           <a:xfrm>
-            <a:off x="6698434" y="5580075"/>
+            <a:off x="11441091" y="5580076"/>
             <a:ext cx="1503655" cy="2536567"/>
           </a:xfrm>
           <a:prstGeom prst="rect">
@@ -25714,7 +26046,7 @@
         </p:blipFill>
         <p:spPr>
           <a:xfrm>
-            <a:off x="7220461" y="7885571"/>
+            <a:off x="11963117" y="7885571"/>
             <a:ext cx="462142" cy="462142"/>
           </a:xfrm>
           <a:prstGeom prst="rect">
@@ -25736,7 +26068,7 @@
         </p:nvSpPr>
         <p:spPr>
           <a:xfrm>
-            <a:off x="6857689" y="5699369"/>
+            <a:off x="11600346" y="5699369"/>
             <a:ext cx="1203109" cy="243942"/>
           </a:xfrm>
           <a:prstGeom prst="flowChartProcess">
@@ -25800,7 +26132,7 @@
         </p:nvSpPr>
         <p:spPr>
           <a:xfrm>
-            <a:off x="6857689" y="5959335"/>
+            <a:off x="11600346" y="5959335"/>
             <a:ext cx="1203109" cy="243942"/>
           </a:xfrm>
           <a:prstGeom prst="flowChartProcess">
@@ -25864,7 +26196,7 @@
         </p:nvSpPr>
         <p:spPr>
           <a:xfrm>
-            <a:off x="6857689" y="6222163"/>
+            <a:off x="11600346" y="6222163"/>
             <a:ext cx="1203109" cy="243942"/>
           </a:xfrm>
           <a:prstGeom prst="flowChartProcess">
@@ -25932,7 +26264,7 @@
         </p:nvCxnSpPr>
         <p:spPr>
           <a:xfrm flipH="1">
-            <a:off x="1697816" y="3302038"/>
+            <a:off x="6440472" y="3302038"/>
             <a:ext cx="553862" cy="0"/>
           </a:xfrm>
           <a:prstGeom prst="straightConnector1">
@@ -25972,7 +26304,7 @@
         </p:nvSpPr>
         <p:spPr>
           <a:xfrm>
-            <a:off x="3140371" y="2973715"/>
+            <a:off x="7883028" y="2973715"/>
             <a:ext cx="1203109" cy="656646"/>
           </a:xfrm>
           <a:prstGeom prst="flowChartProcess">
@@ -26044,7 +26376,7 @@
         </p:blipFill>
         <p:spPr>
           <a:xfrm>
-            <a:off x="5311399" y="3068920"/>
+            <a:off x="10054055" y="3068920"/>
             <a:ext cx="461326" cy="461326"/>
           </a:xfrm>
           <a:prstGeom prst="rect">
@@ -26068,7 +26400,7 @@
         </p:nvSpPr>
         <p:spPr>
           <a:xfrm>
-            <a:off x="5067320" y="3506822"/>
+            <a:off x="9809977" y="3506822"/>
             <a:ext cx="967879" cy="461326"/>
           </a:xfrm>
           <a:prstGeom prst="rect">
@@ -26149,7 +26481,7 @@
         </p:blipFill>
         <p:spPr>
           <a:xfrm>
-            <a:off x="5345224" y="6811593"/>
+            <a:off x="10087880" y="6811593"/>
             <a:ext cx="461326" cy="461326"/>
           </a:xfrm>
           <a:prstGeom prst="rect">
@@ -26173,7 +26505,7 @@
         </p:nvSpPr>
         <p:spPr>
           <a:xfrm>
-            <a:off x="5068557" y="7302764"/>
+            <a:off x="9811214" y="7302765"/>
             <a:ext cx="967879" cy="387771"/>
           </a:xfrm>
           <a:prstGeom prst="rect">
@@ -26259,7 +26591,7 @@
         </p:blipFill>
         <p:spPr bwMode="auto">
           <a:xfrm>
-            <a:off x="8977657" y="3131345"/>
+            <a:off x="13720314" y="3131345"/>
             <a:ext cx="649591" cy="333312"/>
           </a:xfrm>
           <a:prstGeom prst="rect">
@@ -26295,7 +26627,7 @@
         </p:nvCxnSpPr>
         <p:spPr>
           <a:xfrm flipH="1">
-            <a:off x="2721078" y="3302038"/>
+            <a:off x="7463734" y="3302038"/>
             <a:ext cx="419292" cy="0"/>
           </a:xfrm>
           <a:prstGeom prst="straightConnector1">
@@ -26339,7 +26671,7 @@
         </p:nvCxnSpPr>
         <p:spPr>
           <a:xfrm flipH="1">
-            <a:off x="4343479" y="3299584"/>
+            <a:off x="9086135" y="3299585"/>
             <a:ext cx="967920" cy="2455"/>
           </a:xfrm>
           <a:prstGeom prst="straightConnector1">
@@ -26383,7 +26715,7 @@
         </p:nvCxnSpPr>
         <p:spPr>
           <a:xfrm flipH="1">
-            <a:off x="5772725" y="3287433"/>
+            <a:off x="10515381" y="3287433"/>
             <a:ext cx="1454038" cy="12150"/>
           </a:xfrm>
           <a:prstGeom prst="straightConnector1">
@@ -26425,7 +26757,7 @@
         </p:nvSpPr>
         <p:spPr>
           <a:xfrm>
-            <a:off x="7089642" y="5205786"/>
+            <a:off x="11832299" y="5205786"/>
             <a:ext cx="739201" cy="267998"/>
           </a:xfrm>
           <a:prstGeom prst="rect">
@@ -26487,7 +26819,7 @@
         </p:nvSpPr>
         <p:spPr>
           <a:xfrm>
-            <a:off x="6708805" y="4151521"/>
+            <a:off x="11451462" y="4151522"/>
             <a:ext cx="1503655" cy="754027"/>
           </a:xfrm>
           <a:prstGeom prst="rect">
@@ -26548,7 +26880,7 @@
         </p:blipFill>
         <p:spPr>
           <a:xfrm>
-            <a:off x="7220461" y="4683160"/>
+            <a:off x="11963117" y="4683160"/>
             <a:ext cx="462142" cy="462142"/>
           </a:xfrm>
           <a:prstGeom prst="rect">
@@ -26570,7 +26902,7 @@
         </p:nvSpPr>
         <p:spPr>
           <a:xfrm>
-            <a:off x="6868060" y="4360444"/>
+            <a:off x="11610717" y="4360444"/>
             <a:ext cx="1203109" cy="243942"/>
           </a:xfrm>
           <a:prstGeom prst="flowChartProcess">
@@ -26638,7 +26970,7 @@
         </p:nvCxnSpPr>
         <p:spPr>
           <a:xfrm rot="10800000" flipV="1">
-            <a:off x="5806550" y="5821340"/>
+            <a:off x="10549206" y="5821340"/>
             <a:ext cx="1051138" cy="181172"/>
           </a:xfrm>
           <a:prstGeom prst="bentConnector3">
@@ -26680,7 +27012,7 @@
         </p:nvCxnSpPr>
         <p:spPr>
           <a:xfrm>
-            <a:off x="4381528" y="5109624"/>
+            <a:off x="9124185" y="5109624"/>
             <a:ext cx="963697" cy="892888"/>
           </a:xfrm>
           <a:prstGeom prst="bentConnector3">
@@ -26720,7 +27052,7 @@
         </p:nvSpPr>
         <p:spPr>
           <a:xfrm>
-            <a:off x="8521125" y="3569381"/>
+            <a:off x="13263782" y="3569381"/>
             <a:ext cx="1651921" cy="267998"/>
           </a:xfrm>
           <a:prstGeom prst="rect">
@@ -26781,7 +27113,7 @@
         </p:nvCxnSpPr>
         <p:spPr>
           <a:xfrm>
-            <a:off x="7688906" y="3287433"/>
+            <a:off x="12431562" y="3287433"/>
             <a:ext cx="1288750" cy="10568"/>
           </a:xfrm>
           <a:prstGeom prst="straightConnector1">
@@ -26837,7 +27169,7 @@
         </p:blipFill>
         <p:spPr bwMode="auto">
           <a:xfrm>
-            <a:off x="10635695" y="7042256"/>
+            <a:off x="15378351" y="7042256"/>
             <a:ext cx="465430" cy="465430"/>
           </a:xfrm>
           <a:prstGeom prst="rect">
@@ -26872,7 +27204,7 @@
         </p:nvCxnSpPr>
         <p:spPr>
           <a:xfrm flipV="1">
-            <a:off x="10868410" y="7801424"/>
+            <a:off x="15611067" y="7801424"/>
             <a:ext cx="1" cy="315218"/>
           </a:xfrm>
           <a:prstGeom prst="straightConnector1">
@@ -26914,7 +27246,7 @@
         </p:nvSpPr>
         <p:spPr>
           <a:xfrm>
-            <a:off x="10134222" y="8568972"/>
+            <a:off x="14876879" y="8568972"/>
             <a:ext cx="1462517" cy="267998"/>
           </a:xfrm>
           <a:prstGeom prst="rect">
@@ -26976,7 +27308,7 @@
         </p:nvSpPr>
         <p:spPr>
           <a:xfrm>
-            <a:off x="6867765" y="6620094"/>
+            <a:off x="11610422" y="6620094"/>
             <a:ext cx="1203109" cy="243942"/>
           </a:xfrm>
           <a:prstGeom prst="flowChartProcess">
@@ -27040,7 +27372,7 @@
         </p:nvSpPr>
         <p:spPr>
           <a:xfrm>
-            <a:off x="6867765" y="6880060"/>
+            <a:off x="11610422" y="6880060"/>
             <a:ext cx="1203109" cy="243942"/>
           </a:xfrm>
           <a:prstGeom prst="flowChartProcess">
@@ -27104,7 +27436,7 @@
         </p:nvSpPr>
         <p:spPr>
           <a:xfrm>
-            <a:off x="6867765" y="7142888"/>
+            <a:off x="11610422" y="7142888"/>
             <a:ext cx="1203109" cy="243942"/>
           </a:xfrm>
           <a:prstGeom prst="flowChartProcess">
@@ -27172,7 +27504,7 @@
         </p:nvCxnSpPr>
         <p:spPr>
           <a:xfrm rot="10800000" flipV="1">
-            <a:off x="5806550" y="6742065"/>
+            <a:off x="10549206" y="6742066"/>
             <a:ext cx="1061214" cy="300191"/>
           </a:xfrm>
           <a:prstGeom prst="bentConnector3">
@@ -27214,7 +27546,7 @@
         </p:nvCxnSpPr>
         <p:spPr>
           <a:xfrm rot="10800000">
-            <a:off x="5806550" y="6002512"/>
+            <a:off x="10549206" y="6002512"/>
             <a:ext cx="1051138" cy="78794"/>
           </a:xfrm>
           <a:prstGeom prst="bentConnector3">
@@ -27256,7 +27588,7 @@
         </p:nvCxnSpPr>
         <p:spPr>
           <a:xfrm rot="10800000">
-            <a:off x="5806550" y="6002512"/>
+            <a:off x="10549206" y="6002512"/>
             <a:ext cx="1051138" cy="341622"/>
           </a:xfrm>
           <a:prstGeom prst="bentConnector3">
@@ -27298,7 +27630,7 @@
         </p:nvCxnSpPr>
         <p:spPr>
           <a:xfrm rot="10800000" flipV="1">
-            <a:off x="5806550" y="7002031"/>
+            <a:off x="10549206" y="7002032"/>
             <a:ext cx="1061214" cy="40225"/>
           </a:xfrm>
           <a:prstGeom prst="bentConnector3">
@@ -27340,7 +27672,7 @@
         </p:nvCxnSpPr>
         <p:spPr>
           <a:xfrm rot="10800000">
-            <a:off x="5806550" y="7042258"/>
+            <a:off x="10549206" y="7042259"/>
             <a:ext cx="1061214" cy="222603"/>
           </a:xfrm>
           <a:prstGeom prst="bentConnector3">
@@ -27382,7 +27714,7 @@
         </p:nvCxnSpPr>
         <p:spPr>
           <a:xfrm>
-            <a:off x="4381528" y="5109624"/>
+            <a:off x="9124185" y="5109624"/>
             <a:ext cx="963697" cy="1932632"/>
           </a:xfrm>
           <a:prstGeom prst="bentConnector3">
@@ -27424,7 +27756,7 @@
         </p:nvCxnSpPr>
         <p:spPr>
           <a:xfrm rot="10800000" flipV="1">
-            <a:off x="8202090" y="5921084"/>
+            <a:off x="12944747" y="5921084"/>
             <a:ext cx="1228019" cy="927274"/>
           </a:xfrm>
           <a:prstGeom prst="bentConnector3">
@@ -27466,7 +27798,7 @@
         </p:nvCxnSpPr>
         <p:spPr>
           <a:xfrm>
-            <a:off x="7468416" y="3826094"/>
+            <a:off x="12211072" y="3826094"/>
             <a:ext cx="1198" cy="534350"/>
           </a:xfrm>
           <a:prstGeom prst="straightConnector1">
@@ -27510,7 +27842,7 @@
         </p:nvCxnSpPr>
         <p:spPr>
           <a:xfrm rot="5400000" flipH="1" flipV="1">
-            <a:off x="5191701" y="3051663"/>
+            <a:off x="9934357" y="3051663"/>
             <a:ext cx="245606" cy="3107110"/>
           </a:xfrm>
           <a:prstGeom prst="bentConnector2">
@@ -27548,7 +27880,7 @@
         </p:nvSpPr>
         <p:spPr>
           <a:xfrm>
-            <a:off x="2002439" y="3542292"/>
+            <a:off x="6745096" y="3542292"/>
             <a:ext cx="967879" cy="267998"/>
           </a:xfrm>
           <a:prstGeom prst="rect">
@@ -27614,7 +27946,7 @@
         </p:nvCxnSpPr>
         <p:spPr>
           <a:xfrm flipV="1">
-            <a:off x="5792698" y="8649046"/>
+            <a:off x="10535354" y="8649047"/>
             <a:ext cx="1669866" cy="344231"/>
           </a:xfrm>
           <a:prstGeom prst="bentConnector2">
@@ -27658,7 +27990,7 @@
         </p:blipFill>
         <p:spPr>
           <a:xfrm>
-            <a:off x="10635045" y="8108104"/>
+            <a:off x="15377702" y="8108105"/>
             <a:ext cx="460869" cy="460869"/>
           </a:xfrm>
           <a:prstGeom prst="rect">
@@ -27682,7 +28014,7 @@
         </p:nvSpPr>
         <p:spPr>
           <a:xfrm>
-            <a:off x="10844718" y="5729676"/>
+            <a:off x="15587374" y="5729677"/>
             <a:ext cx="1304524" cy="262033"/>
           </a:xfrm>
           <a:prstGeom prst="rect">
@@ -27757,7 +28089,7 @@
         </p:blipFill>
         <p:spPr bwMode="auto">
           <a:xfrm>
-            <a:off x="11208375" y="5231431"/>
+            <a:off x="15951031" y="5231431"/>
             <a:ext cx="465430" cy="465430"/>
           </a:xfrm>
           <a:prstGeom prst="rect">
@@ -27793,7 +28125,7 @@
         </p:nvCxnSpPr>
         <p:spPr>
           <a:xfrm rot="10800000" flipV="1">
-            <a:off x="9895537" y="5464146"/>
+            <a:off x="14638193" y="5464146"/>
             <a:ext cx="1312838" cy="456938"/>
           </a:xfrm>
           <a:prstGeom prst="bentConnector3">
@@ -27835,7 +28167,7 @@
         </p:nvCxnSpPr>
         <p:spPr>
           <a:xfrm rot="10800000">
-            <a:off x="9895537" y="5921084"/>
+            <a:off x="14638193" y="5921084"/>
             <a:ext cx="1312838" cy="445352"/>
           </a:xfrm>
           <a:prstGeom prst="bentConnector3">
@@ -27877,7 +28209,7 @@
         </p:nvCxnSpPr>
         <p:spPr>
           <a:xfrm rot="10800000" flipV="1">
-            <a:off x="10868412" y="6366436"/>
+            <a:off x="15611069" y="6366436"/>
             <a:ext cx="339965" cy="675820"/>
           </a:xfrm>
           <a:prstGeom prst="bentConnector2">
@@ -27917,7 +28249,7 @@
         </p:nvCxnSpPr>
         <p:spPr>
           <a:xfrm rot="10800000">
-            <a:off x="8202088" y="6848360"/>
+            <a:off x="12944744" y="6848361"/>
             <a:ext cx="1261948" cy="264417"/>
           </a:xfrm>
           <a:prstGeom prst="bentConnector3">
@@ -27955,7 +28287,7 @@
         </p:nvSpPr>
         <p:spPr>
           <a:xfrm>
-            <a:off x="6861667" y="7409130"/>
+            <a:off x="11604324" y="7409130"/>
             <a:ext cx="1203109" cy="243942"/>
           </a:xfrm>
           <a:prstGeom prst="flowChartProcess">
@@ -28023,7 +28355,7 @@
         </p:nvCxnSpPr>
         <p:spPr>
           <a:xfrm rot="10800000">
-            <a:off x="5806550" y="7042258"/>
+            <a:off x="10549206" y="7042259"/>
             <a:ext cx="1055116" cy="488845"/>
           </a:xfrm>
           <a:prstGeom prst="bentConnector3">

--- a/documents/개발계획서.pptx
+++ b/documents/개발계획서.pptx
@@ -8536,7 +8536,7 @@
         </p:nvSpPr>
         <p:spPr>
           <a:xfrm>
-            <a:off x="8042371" y="2390238"/>
+            <a:off x="9318323" y="3484747"/>
             <a:ext cx="1345941" cy="4344977"/>
           </a:xfrm>
           <a:prstGeom prst="rect">
@@ -8593,7 +8593,7 @@
         </p:nvSpPr>
         <p:spPr>
           <a:xfrm>
-            <a:off x="10186012" y="2390239"/>
+            <a:off x="11488340" y="3484748"/>
             <a:ext cx="1789747" cy="4342226"/>
           </a:xfrm>
           <a:prstGeom prst="rect">
@@ -8665,7 +8665,7 @@
         </p:blipFill>
         <p:spPr bwMode="auto">
           <a:xfrm>
-            <a:off x="13325736" y="4255883"/>
+            <a:off x="13909543" y="6266020"/>
             <a:ext cx="465430" cy="465430"/>
           </a:xfrm>
           <a:prstGeom prst="rect">
@@ -8699,7 +8699,7 @@
         </p:nvSpPr>
         <p:spPr>
           <a:xfrm>
-            <a:off x="13198083" y="4736120"/>
+            <a:off x="13781890" y="6038367"/>
             <a:ext cx="739201" cy="267998"/>
           </a:xfrm>
           <a:prstGeom prst="rect">
@@ -8763,7 +8763,7 @@
         </p:nvSpPr>
         <p:spPr>
           <a:xfrm>
-            <a:off x="14585848" y="5560643"/>
+            <a:off x="15037028" y="6851766"/>
             <a:ext cx="1304524" cy="262033"/>
           </a:xfrm>
           <a:prstGeom prst="rect">
@@ -8854,7 +8854,7 @@
         </p:blipFill>
         <p:spPr bwMode="auto">
           <a:xfrm>
-            <a:off x="15018553" y="5057925"/>
+            <a:off x="15469733" y="7068062"/>
             <a:ext cx="465430" cy="465430"/>
           </a:xfrm>
           <a:prstGeom prst="rect">
@@ -8888,7 +8888,7 @@
         </p:nvSpPr>
         <p:spPr>
           <a:xfrm>
-            <a:off x="12940917" y="5544551"/>
+            <a:off x="13524724" y="6835674"/>
             <a:ext cx="1206609" cy="267998"/>
           </a:xfrm>
           <a:prstGeom prst="rect">
@@ -8974,7 +8974,7 @@
         </p:blipFill>
         <p:spPr>
           <a:xfrm>
-            <a:off x="16650759" y="3278952"/>
+            <a:off x="17071647" y="5487327"/>
             <a:ext cx="465429" cy="465429"/>
           </a:xfrm>
           <a:prstGeom prst="rect">
@@ -8998,7 +8998,7 @@
         </p:nvSpPr>
         <p:spPr>
           <a:xfrm>
-            <a:off x="16449141" y="3756652"/>
+            <a:off x="16870029" y="5927183"/>
             <a:ext cx="869150" cy="267998"/>
           </a:xfrm>
           <a:prstGeom prst="rect">
@@ -9068,7 +9068,7 @@
         </p:blipFill>
         <p:spPr>
           <a:xfrm>
-            <a:off x="10850005" y="7753571"/>
+            <a:off x="12154295" y="1830826"/>
             <a:ext cx="462142" cy="462142"/>
           </a:xfrm>
           <a:prstGeom prst="rect">
@@ -9093,7 +9093,7 @@
         </p:nvCxnSpPr>
         <p:spPr>
           <a:xfrm flipH="1">
-            <a:off x="1220413" y="4560840"/>
+            <a:off x="2522741" y="5655349"/>
             <a:ext cx="367029" cy="0"/>
           </a:xfrm>
           <a:prstGeom prst="straightConnector1">
@@ -9143,7 +9143,7 @@
         </p:blipFill>
         <p:spPr>
           <a:xfrm>
-            <a:off x="2745584" y="4331465"/>
+            <a:off x="4047912" y="5425974"/>
             <a:ext cx="462143" cy="462143"/>
           </a:xfrm>
           <a:prstGeom prst="rect">
@@ -9167,7 +9167,7 @@
         </p:nvSpPr>
         <p:spPr>
           <a:xfrm>
-            <a:off x="2357529" y="4794329"/>
+            <a:off x="3659857" y="5182344"/>
             <a:ext cx="1260673" cy="267998"/>
           </a:xfrm>
           <a:prstGeom prst="rect">
@@ -9243,7 +9243,7 @@
         </p:blipFill>
         <p:spPr>
           <a:xfrm>
-            <a:off x="514429" y="4222166"/>
+            <a:off x="1816757" y="5316675"/>
             <a:ext cx="754027" cy="754027"/>
           </a:xfrm>
           <a:prstGeom prst="rect">
@@ -9275,7 +9275,7 @@
         </p:blipFill>
         <p:spPr>
           <a:xfrm>
-            <a:off x="1587442" y="4329769"/>
+            <a:off x="2889770" y="5424278"/>
             <a:ext cx="462143" cy="462143"/>
           </a:xfrm>
           <a:prstGeom prst="rect">
@@ -9299,7 +9299,7 @@
         </p:nvSpPr>
         <p:spPr>
           <a:xfrm>
-            <a:off x="1338034" y="4788699"/>
+            <a:off x="2640362" y="5176714"/>
             <a:ext cx="967879" cy="267998"/>
           </a:xfrm>
           <a:prstGeom prst="rect">
@@ -9363,7 +9363,7 @@
         </p:nvSpPr>
         <p:spPr>
           <a:xfrm>
-            <a:off x="8213880" y="4768027"/>
+            <a:off x="9516208" y="6778164"/>
             <a:ext cx="967879" cy="387771"/>
           </a:xfrm>
           <a:prstGeom prst="rect">
@@ -9422,10 +9422,246 @@
       </p:sp>
       <p:sp>
         <p:nvSpPr>
-          <p:cNvPr id="52" name="제목 1">
-            <a:extLst>
-              <a:ext uri="{FF2B5EF4-FFF2-40B4-BE49-F238E27FC236}">
-                <a16:creationId xmlns:a16="http://schemas.microsoft.com/office/drawing/2014/main" id="{E9F17F88-4DCB-803E-4479-A1146811AEB5}"/>
+          <p:cNvPr id="1052" name="처리 1051">
+            <a:extLst>
+              <a:ext uri="{FF2B5EF4-FFF2-40B4-BE49-F238E27FC236}">
+                <a16:creationId xmlns:a16="http://schemas.microsoft.com/office/drawing/2014/main" id="{2B3FAD64-4705-E1C2-42FE-94B44868B7B4}"/>
+              </a:ext>
+            </a:extLst>
+          </p:cNvPr>
+          <p:cNvSpPr/>
+          <p:nvPr/>
+        </p:nvSpPr>
+        <p:spPr>
+          <a:xfrm>
+            <a:off x="11805833" y="6556678"/>
+            <a:ext cx="1203109" cy="243942"/>
+          </a:xfrm>
+          <a:prstGeom prst="flowChartProcess">
+            <a:avLst/>
+          </a:prstGeom>
+          <a:solidFill>
+            <a:schemeClr val="accent1"/>
+          </a:solidFill>
+          <a:ln>
+            <a:noFill/>
+          </a:ln>
+        </p:spPr>
+        <p:style>
+          <a:lnRef idx="2">
+            <a:schemeClr val="accent1">
+              <a:shade val="15000"/>
+            </a:schemeClr>
+          </a:lnRef>
+          <a:fillRef idx="1">
+            <a:schemeClr val="accent1"/>
+          </a:fillRef>
+          <a:effectRef idx="0">
+            <a:schemeClr val="accent1"/>
+          </a:effectRef>
+          <a:fontRef idx="minor">
+            <a:schemeClr val="lt1"/>
+          </a:fontRef>
+        </p:style>
+        <p:txBody>
+          <a:bodyPr rtlCol="0" anchor="ctr"/>
+          <a:lstStyle/>
+          <a:p>
+            <a:pPr algn="ctr"/>
+            <a:r>
+              <a:rPr kumimoji="1" lang="en-US" altLang="ko-KR" sz="900" b="1" dirty="0">
+                <a:latin typeface="KoPubWorldDotum Bold" pitchFamily="2" charset="-127"/>
+                <a:ea typeface="KoPubWorldDotum Bold" pitchFamily="2" charset="-127"/>
+                <a:cs typeface="KoPubWorldDotum Bold" pitchFamily="2" charset="-127"/>
+              </a:rPr>
+              <a:t>Connect</a:t>
+            </a:r>
+            <a:endParaRPr kumimoji="1" lang="ko-KR" altLang="en-US" sz="900" b="1" dirty="0">
+              <a:latin typeface="KoPubWorldDotum Bold" pitchFamily="2" charset="-127"/>
+              <a:ea typeface="KoPubWorldDotum Bold" pitchFamily="2" charset="-127"/>
+              <a:cs typeface="KoPubWorldDotum Bold" pitchFamily="2" charset="-127"/>
+            </a:endParaRPr>
+          </a:p>
+        </p:txBody>
+      </p:sp>
+      <p:sp>
+        <p:nvSpPr>
+          <p:cNvPr id="1053" name="처리 1052">
+            <a:extLst>
+              <a:ext uri="{FF2B5EF4-FFF2-40B4-BE49-F238E27FC236}">
+                <a16:creationId xmlns:a16="http://schemas.microsoft.com/office/drawing/2014/main" id="{A45DEA1D-9009-4C1F-77FF-51C1DCDF71ED}"/>
+              </a:ext>
+            </a:extLst>
+          </p:cNvPr>
+          <p:cNvSpPr/>
+          <p:nvPr/>
+        </p:nvSpPr>
+        <p:spPr>
+          <a:xfrm>
+            <a:off x="11805833" y="6848158"/>
+            <a:ext cx="1203109" cy="243942"/>
+          </a:xfrm>
+          <a:prstGeom prst="flowChartProcess">
+            <a:avLst/>
+          </a:prstGeom>
+          <a:solidFill>
+            <a:schemeClr val="accent1"/>
+          </a:solidFill>
+          <a:ln>
+            <a:noFill/>
+          </a:ln>
+        </p:spPr>
+        <p:style>
+          <a:lnRef idx="2">
+            <a:schemeClr val="accent1">
+              <a:shade val="15000"/>
+            </a:schemeClr>
+          </a:lnRef>
+          <a:fillRef idx="1">
+            <a:schemeClr val="accent1"/>
+          </a:fillRef>
+          <a:effectRef idx="0">
+            <a:schemeClr val="accent1"/>
+          </a:effectRef>
+          <a:fontRef idx="minor">
+            <a:schemeClr val="lt1"/>
+          </a:fontRef>
+        </p:style>
+        <p:txBody>
+          <a:bodyPr rtlCol="0" anchor="ctr"/>
+          <a:lstStyle/>
+          <a:p>
+            <a:pPr algn="ctr"/>
+            <a:r>
+              <a:rPr kumimoji="1" lang="en-US" altLang="ko-KR" sz="900" b="1" dirty="0" err="1">
+                <a:latin typeface="KoPubWorldDotum Bold" pitchFamily="2" charset="-127"/>
+                <a:ea typeface="KoPubWorldDotum Bold" pitchFamily="2" charset="-127"/>
+                <a:cs typeface="KoPubWorldDotum Bold" pitchFamily="2" charset="-127"/>
+              </a:rPr>
+              <a:t>SendMsg</a:t>
+            </a:r>
+            <a:endParaRPr kumimoji="1" lang="ko-KR" altLang="en-US" sz="900" b="1" dirty="0">
+              <a:latin typeface="KoPubWorldDotum Bold" pitchFamily="2" charset="-127"/>
+              <a:ea typeface="KoPubWorldDotum Bold" pitchFamily="2" charset="-127"/>
+              <a:cs typeface="KoPubWorldDotum Bold" pitchFamily="2" charset="-127"/>
+            </a:endParaRPr>
+          </a:p>
+        </p:txBody>
+      </p:sp>
+      <p:sp>
+        <p:nvSpPr>
+          <p:cNvPr id="1054" name="처리 1053">
+            <a:extLst>
+              <a:ext uri="{FF2B5EF4-FFF2-40B4-BE49-F238E27FC236}">
+                <a16:creationId xmlns:a16="http://schemas.microsoft.com/office/drawing/2014/main" id="{3D678DE6-EA83-F61A-84F9-F9C57880A466}"/>
+              </a:ext>
+            </a:extLst>
+          </p:cNvPr>
+          <p:cNvSpPr/>
+          <p:nvPr/>
+        </p:nvSpPr>
+        <p:spPr>
+          <a:xfrm>
+            <a:off x="11805833" y="7136932"/>
+            <a:ext cx="1203109" cy="243942"/>
+          </a:xfrm>
+          <a:prstGeom prst="flowChartProcess">
+            <a:avLst/>
+          </a:prstGeom>
+          <a:solidFill>
+            <a:schemeClr val="accent1"/>
+          </a:solidFill>
+          <a:ln>
+            <a:noFill/>
+          </a:ln>
+        </p:spPr>
+        <p:style>
+          <a:lnRef idx="2">
+            <a:schemeClr val="accent1">
+              <a:shade val="15000"/>
+            </a:schemeClr>
+          </a:lnRef>
+          <a:fillRef idx="1">
+            <a:schemeClr val="accent1"/>
+          </a:fillRef>
+          <a:effectRef idx="0">
+            <a:schemeClr val="accent1"/>
+          </a:effectRef>
+          <a:fontRef idx="minor">
+            <a:schemeClr val="lt1"/>
+          </a:fontRef>
+        </p:style>
+        <p:txBody>
+          <a:bodyPr rtlCol="0" anchor="ctr"/>
+          <a:lstStyle/>
+          <a:p>
+            <a:pPr algn="ctr"/>
+            <a:r>
+              <a:rPr kumimoji="1" lang="en-US" altLang="ko-KR" sz="900" b="1" dirty="0">
+                <a:latin typeface="KoPubWorldDotum Bold" pitchFamily="2" charset="-127"/>
+                <a:ea typeface="KoPubWorldDotum Bold" pitchFamily="2" charset="-127"/>
+                <a:cs typeface="KoPubWorldDotum Bold" pitchFamily="2" charset="-127"/>
+              </a:rPr>
+              <a:t>Disconnect</a:t>
+            </a:r>
+            <a:endParaRPr kumimoji="1" lang="ko-KR" altLang="en-US" sz="900" b="1" dirty="0">
+              <a:latin typeface="KoPubWorldDotum Bold" pitchFamily="2" charset="-127"/>
+              <a:ea typeface="KoPubWorldDotum Bold" pitchFamily="2" charset="-127"/>
+              <a:cs typeface="KoPubWorldDotum Bold" pitchFamily="2" charset="-127"/>
+            </a:endParaRPr>
+          </a:p>
+        </p:txBody>
+      </p:sp>
+      <p:cxnSp>
+        <p:nvCxnSpPr>
+          <p:cNvPr id="1089" name="직선 화살표 연결선 1088">
+            <a:extLst>
+              <a:ext uri="{FF2B5EF4-FFF2-40B4-BE49-F238E27FC236}">
+                <a16:creationId xmlns:a16="http://schemas.microsoft.com/office/drawing/2014/main" id="{E3317280-D50E-F500-87BA-9D60DB1CFD51}"/>
+              </a:ext>
+            </a:extLst>
+          </p:cNvPr>
+          <p:cNvCxnSpPr>
+            <a:cxnSpLocks/>
+            <a:stCxn id="33" idx="1"/>
+            <a:endCxn id="39" idx="3"/>
+          </p:cNvCxnSpPr>
+          <p:nvPr/>
+        </p:nvCxnSpPr>
+        <p:spPr>
+          <a:xfrm flipH="1" flipV="1">
+            <a:off x="3351913" y="5655350"/>
+            <a:ext cx="695999" cy="1696"/>
+          </a:xfrm>
+          <a:prstGeom prst="straightConnector1">
+            <a:avLst/>
+          </a:prstGeom>
+          <a:ln>
+            <a:headEnd type="none" w="med" len="med"/>
+            <a:tailEnd type="none" w="med" len="med"/>
+          </a:ln>
+        </p:spPr>
+        <p:style>
+          <a:lnRef idx="2">
+            <a:schemeClr val="accent1"/>
+          </a:lnRef>
+          <a:fillRef idx="0">
+            <a:schemeClr val="accent1"/>
+          </a:fillRef>
+          <a:effectRef idx="1">
+            <a:schemeClr val="accent1"/>
+          </a:effectRef>
+          <a:fontRef idx="minor">
+            <a:schemeClr val="tx1"/>
+          </a:fontRef>
+        </p:style>
+      </p:cxnSp>
+      <p:sp>
+        <p:nvSpPr>
+          <p:cNvPr id="58" name="제목 1">
+            <a:extLst>
+              <a:ext uri="{FF2B5EF4-FFF2-40B4-BE49-F238E27FC236}">
+                <a16:creationId xmlns:a16="http://schemas.microsoft.com/office/drawing/2014/main" id="{454AAD7C-6AE8-FD86-81B3-FB5018671B41}"/>
               </a:ext>
             </a:extLst>
           </p:cNvPr>
@@ -9436,12 +9672,15 @@
         </p:nvSpPr>
         <p:spPr>
           <a:xfrm>
-            <a:off x="10592473" y="8218463"/>
-            <a:ext cx="967879" cy="267998"/>
+            <a:off x="9534529" y="5540586"/>
+            <a:ext cx="967879" cy="387771"/>
           </a:xfrm>
           <a:prstGeom prst="rect">
             <a:avLst/>
           </a:prstGeom>
+          <a:solidFill>
+            <a:srgbClr val="156082"/>
+          </a:solidFill>
         </p:spPr>
         <p:txBody>
           <a:bodyPr vert="horz" lIns="91440" tIns="45720" rIns="91440" bIns="45720" rtlCol="0" anchor="ctr">
@@ -9469,12 +9708,188 @@
           <a:p>
             <a:pPr algn="ctr"/>
             <a:r>
+              <a:rPr kumimoji="1" lang="en-US" altLang="ko-KR" sz="900" b="1" dirty="0">
+                <a:solidFill>
+                  <a:schemeClr val="bg1"/>
+                </a:solidFill>
+                <a:latin typeface="KoPubWorldDotum Bold" pitchFamily="2" charset="-127"/>
+                <a:ea typeface="KoPubWorldDotum Bold" pitchFamily="2" charset="-127"/>
+                <a:cs typeface="KoPubWorldDotum Bold" pitchFamily="2" charset="-127"/>
+              </a:rPr>
+              <a:t>REST API</a:t>
+            </a:r>
+          </a:p>
+          <a:p>
+            <a:pPr algn="ctr"/>
+            <a:r>
+              <a:rPr kumimoji="1" lang="en-US" altLang="ko-KR" sz="900" b="1" dirty="0">
+                <a:solidFill>
+                  <a:schemeClr val="bg1"/>
+                </a:solidFill>
+                <a:latin typeface="KoPubWorldDotum Bold" pitchFamily="2" charset="-127"/>
+                <a:ea typeface="KoPubWorldDotum Bold" pitchFamily="2" charset="-127"/>
+                <a:cs typeface="KoPubWorldDotum Bold" pitchFamily="2" charset="-127"/>
+              </a:rPr>
+              <a:t>(Session)</a:t>
+            </a:r>
+            <a:endParaRPr kumimoji="1" lang="ko-KR" altLang="en-US" sz="900" b="1" dirty="0">
+              <a:solidFill>
+                <a:schemeClr val="bg1"/>
+              </a:solidFill>
+              <a:latin typeface="KoPubWorldDotum Bold" pitchFamily="2" charset="-127"/>
+              <a:ea typeface="KoPubWorldDotum Bold" pitchFamily="2" charset="-127"/>
+              <a:cs typeface="KoPubWorldDotum Bold" pitchFamily="2" charset="-127"/>
+            </a:endParaRPr>
+          </a:p>
+        </p:txBody>
+      </p:sp>
+      <p:cxnSp>
+        <p:nvCxnSpPr>
+          <p:cNvPr id="1029" name="직선 화살표 연결선 1028">
+            <a:extLst>
+              <a:ext uri="{FF2B5EF4-FFF2-40B4-BE49-F238E27FC236}">
+                <a16:creationId xmlns:a16="http://schemas.microsoft.com/office/drawing/2014/main" id="{2289ADC0-8153-C4A0-F4DC-BB74F791A427}"/>
+              </a:ext>
+            </a:extLst>
+          </p:cNvPr>
+          <p:cNvCxnSpPr>
+            <a:cxnSpLocks/>
+            <a:stCxn id="1387" idx="1"/>
+            <a:endCxn id="33" idx="3"/>
+          </p:cNvCxnSpPr>
+          <p:nvPr/>
+        </p:nvCxnSpPr>
+        <p:spPr>
+          <a:xfrm flipH="1">
+            <a:off x="4510055" y="5656945"/>
+            <a:ext cx="822764" cy="101"/>
+          </a:xfrm>
+          <a:prstGeom prst="straightConnector1">
+            <a:avLst/>
+          </a:prstGeom>
+          <a:ln>
+            <a:headEnd type="none" w="med" len="med"/>
+            <a:tailEnd type="none" w="med" len="med"/>
+          </a:ln>
+        </p:spPr>
+        <p:style>
+          <a:lnRef idx="2">
+            <a:schemeClr val="accent1"/>
+          </a:lnRef>
+          <a:fillRef idx="0">
+            <a:schemeClr val="accent1"/>
+          </a:fillRef>
+          <a:effectRef idx="1">
+            <a:schemeClr val="accent1"/>
+          </a:effectRef>
+          <a:fontRef idx="minor">
+            <a:schemeClr val="tx1"/>
+          </a:fontRef>
+        </p:style>
+      </p:cxnSp>
+      <p:pic>
+        <p:nvPicPr>
+          <p:cNvPr id="3" name="Picture 2" descr="Amazon Bedrock Connector - Overview (O11) | OutSystems">
+            <a:extLst>
+              <a:ext uri="{FF2B5EF4-FFF2-40B4-BE49-F238E27FC236}">
+                <a16:creationId xmlns:a16="http://schemas.microsoft.com/office/drawing/2014/main" id="{0CC4E556-84F1-E509-8785-5CDBC5B57903}"/>
+              </a:ext>
+            </a:extLst>
+          </p:cNvPr>
+          <p:cNvPicPr>
+            <a:picLocks noChangeAspect="1" noChangeArrowheads="1"/>
+          </p:cNvPicPr>
+          <p:nvPr/>
+        </p:nvPicPr>
+        <p:blipFill>
+          <a:blip r:embed="rId3">
+            <a:alphaModFix/>
+            <a:extLst>
+              <a:ext uri="{28A0092B-C50C-407E-A947-70E740481C1C}">
+                <a14:useLocalDpi xmlns:a14="http://schemas.microsoft.com/office/drawing/2010/main" val="0"/>
+              </a:ext>
+            </a:extLst>
+          </a:blip>
+          <a:srcRect/>
+          <a:stretch>
+            <a:fillRect/>
+          </a:stretch>
+        </p:blipFill>
+        <p:spPr bwMode="auto">
+          <a:xfrm>
+            <a:off x="13884926" y="7071752"/>
+            <a:ext cx="465430" cy="465430"/>
+          </a:xfrm>
+          <a:prstGeom prst="rect">
+            <a:avLst/>
+          </a:prstGeom>
+          <a:noFill/>
+          <a:extLst>
+            <a:ext uri="{909E8E84-426E-40DD-AFC4-6F175D3DCCD1}">
+              <a14:hiddenFill xmlns:a14="http://schemas.microsoft.com/office/drawing/2010/main">
+                <a:solidFill>
+                  <a:srgbClr val="FFFFFF"/>
+                </a:solidFill>
+              </a14:hiddenFill>
+            </a:ext>
+          </a:extLst>
+        </p:spPr>
+      </p:pic>
+      <p:sp>
+        <p:nvSpPr>
+          <p:cNvPr id="2" name="처리 1">
+            <a:extLst>
+              <a:ext uri="{FF2B5EF4-FFF2-40B4-BE49-F238E27FC236}">
+                <a16:creationId xmlns:a16="http://schemas.microsoft.com/office/drawing/2014/main" id="{24D94196-81AC-D425-7880-C5EC9596E02E}"/>
+              </a:ext>
+            </a:extLst>
+          </p:cNvPr>
+          <p:cNvSpPr/>
+          <p:nvPr/>
+        </p:nvSpPr>
+        <p:spPr>
+          <a:xfrm>
+            <a:off x="11803952" y="5786800"/>
+            <a:ext cx="1203109" cy="243942"/>
+          </a:xfrm>
+          <a:prstGeom prst="flowChartProcess">
+            <a:avLst/>
+          </a:prstGeom>
+          <a:solidFill>
+            <a:schemeClr val="accent1"/>
+          </a:solidFill>
+          <a:ln>
+            <a:noFill/>
+          </a:ln>
+        </p:spPr>
+        <p:style>
+          <a:lnRef idx="2">
+            <a:schemeClr val="accent1">
+              <a:shade val="15000"/>
+            </a:schemeClr>
+          </a:lnRef>
+          <a:fillRef idx="1">
+            <a:schemeClr val="accent1"/>
+          </a:fillRef>
+          <a:effectRef idx="0">
+            <a:schemeClr val="accent1"/>
+          </a:effectRef>
+          <a:fontRef idx="minor">
+            <a:schemeClr val="lt1"/>
+          </a:fontRef>
+        </p:style>
+        <p:txBody>
+          <a:bodyPr rtlCol="0" anchor="ctr"/>
+          <a:lstStyle/>
+          <a:p>
+            <a:pPr algn="ctr"/>
+            <a:r>
               <a:rPr kumimoji="1" lang="en-US" altLang="ko-KR" sz="900" b="1" dirty="0" err="1">
                 <a:latin typeface="KoPubWorldDotum Bold" pitchFamily="2" charset="-127"/>
                 <a:ea typeface="KoPubWorldDotum Bold" pitchFamily="2" charset="-127"/>
                 <a:cs typeface="KoPubWorldDotum Bold" pitchFamily="2" charset="-127"/>
               </a:rPr>
-              <a:t>Cloudwatch</a:t>
+              <a:t>NewSession</a:t>
             </a:r>
             <a:endParaRPr kumimoji="1" lang="ko-KR" altLang="en-US" sz="900" b="1" dirty="0">
               <a:latin typeface="KoPubWorldDotum Bold" pitchFamily="2" charset="-127"/>
@@ -9484,44 +9899,76 @@
           </a:p>
         </p:txBody>
       </p:sp>
-      <p:pic>
-        <p:nvPicPr>
-          <p:cNvPr id="53" name="그림 52">
-            <a:extLst>
-              <a:ext uri="{FF2B5EF4-FFF2-40B4-BE49-F238E27FC236}">
-                <a16:creationId xmlns:a16="http://schemas.microsoft.com/office/drawing/2014/main" id="{2553ADDA-AB0D-A775-5972-34D82429DC78}"/>
-              </a:ext>
-            </a:extLst>
-          </p:cNvPr>
-          <p:cNvPicPr>
-            <a:picLocks noChangeAspect="1"/>
-          </p:cNvPicPr>
-          <p:nvPr/>
-        </p:nvPicPr>
-        <p:blipFill>
-          <a:blip r:embed="rId11">
-            <a:alphaModFix/>
-          </a:blip>
-          <a:stretch>
-            <a:fillRect/>
-          </a:stretch>
-        </p:blipFill>
-        <p:spPr>
-          <a:xfrm>
-            <a:off x="13369978" y="5984244"/>
-            <a:ext cx="461327" cy="461327"/>
-          </a:xfrm>
-          <a:prstGeom prst="rect">
-            <a:avLst/>
-          </a:prstGeom>
-        </p:spPr>
-      </p:pic>
       <p:sp>
         <p:nvSpPr>
-          <p:cNvPr id="59" name="제목 1">
-            <a:extLst>
-              <a:ext uri="{FF2B5EF4-FFF2-40B4-BE49-F238E27FC236}">
-                <a16:creationId xmlns:a16="http://schemas.microsoft.com/office/drawing/2014/main" id="{136BCF7D-BE45-1249-0A36-AE08D869C09D}"/>
+          <p:cNvPr id="9" name="처리 8">
+            <a:extLst>
+              <a:ext uri="{FF2B5EF4-FFF2-40B4-BE49-F238E27FC236}">
+                <a16:creationId xmlns:a16="http://schemas.microsoft.com/office/drawing/2014/main" id="{D8114163-093C-360E-6931-8D0B6081B6F4}"/>
+              </a:ext>
+            </a:extLst>
+          </p:cNvPr>
+          <p:cNvSpPr/>
+          <p:nvPr/>
+        </p:nvSpPr>
+        <p:spPr>
+          <a:xfrm>
+            <a:off x="11798271" y="5156885"/>
+            <a:ext cx="1203109" cy="243942"/>
+          </a:xfrm>
+          <a:prstGeom prst="flowChartProcess">
+            <a:avLst/>
+          </a:prstGeom>
+          <a:solidFill>
+            <a:schemeClr val="accent1"/>
+          </a:solidFill>
+          <a:ln>
+            <a:noFill/>
+          </a:ln>
+        </p:spPr>
+        <p:style>
+          <a:lnRef idx="2">
+            <a:schemeClr val="accent1">
+              <a:shade val="15000"/>
+            </a:schemeClr>
+          </a:lnRef>
+          <a:fillRef idx="1">
+            <a:schemeClr val="accent1"/>
+          </a:fillRef>
+          <a:effectRef idx="0">
+            <a:schemeClr val="accent1"/>
+          </a:effectRef>
+          <a:fontRef idx="minor">
+            <a:schemeClr val="lt1"/>
+          </a:fontRef>
+        </p:style>
+        <p:txBody>
+          <a:bodyPr rtlCol="0" anchor="ctr"/>
+          <a:lstStyle/>
+          <a:p>
+            <a:pPr algn="ctr"/>
+            <a:r>
+              <a:rPr kumimoji="1" lang="en-US" altLang="ko-KR" sz="900" b="1" dirty="0" err="1">
+                <a:latin typeface="KoPubWorldDotum Bold" pitchFamily="2" charset="-127"/>
+                <a:ea typeface="KoPubWorldDotum Bold" pitchFamily="2" charset="-127"/>
+                <a:cs typeface="KoPubWorldDotum Bold" pitchFamily="2" charset="-127"/>
+              </a:rPr>
+              <a:t>GetSession</a:t>
+            </a:r>
+            <a:endParaRPr kumimoji="1" lang="ko-KR" altLang="en-US" sz="900" b="1" dirty="0">
+              <a:latin typeface="KoPubWorldDotum Bold" pitchFamily="2" charset="-127"/>
+              <a:ea typeface="KoPubWorldDotum Bold" pitchFamily="2" charset="-127"/>
+              <a:cs typeface="KoPubWorldDotum Bold" pitchFamily="2" charset="-127"/>
+            </a:endParaRPr>
+          </a:p>
+        </p:txBody>
+      </p:sp>
+      <p:sp>
+        <p:nvSpPr>
+          <p:cNvPr id="12" name="제목 1">
+            <a:extLst>
+              <a:ext uri="{FF2B5EF4-FFF2-40B4-BE49-F238E27FC236}">
+                <a16:creationId xmlns:a16="http://schemas.microsoft.com/office/drawing/2014/main" id="{FA4EB3BE-1A7B-21BC-2153-F4E39E61BC46}"/>
               </a:ext>
             </a:extLst>
           </p:cNvPr>
@@ -9532,8 +9979,8 @@
         </p:nvSpPr>
         <p:spPr>
           <a:xfrm>
-            <a:off x="12914299" y="6469446"/>
-            <a:ext cx="1372683" cy="267998"/>
+            <a:off x="15055650" y="6044957"/>
+            <a:ext cx="1304524" cy="262033"/>
           </a:xfrm>
           <a:prstGeom prst="rect">
             <a:avLst/>
@@ -9570,41 +10017,67 @@
                 <a:ea typeface="KoPubWorldDotum Bold" pitchFamily="2" charset="-127"/>
                 <a:cs typeface="KoPubWorldDotum Bold" pitchFamily="2" charset="-127"/>
               </a:rPr>
-              <a:t>Cognito</a:t>
-            </a:r>
-            <a:r>
-              <a:rPr kumimoji="1" lang="ko-KR" altLang="en-US" sz="900" b="1" dirty="0">
-                <a:latin typeface="KoPubWorldDotum Bold" pitchFamily="2" charset="-127"/>
-                <a:ea typeface="KoPubWorldDotum Bold" pitchFamily="2" charset="-127"/>
-                <a:cs typeface="KoPubWorldDotum Bold" pitchFamily="2" charset="-127"/>
-              </a:rPr>
-              <a:t> </a:t>
-            </a:r>
-            <a:r>
-              <a:rPr kumimoji="1" lang="en-US" altLang="ko-KR" sz="900" b="1" dirty="0">
-                <a:latin typeface="KoPubWorldDotum Bold" pitchFamily="2" charset="-127"/>
-                <a:ea typeface="KoPubWorldDotum Bold" pitchFamily="2" charset="-127"/>
-                <a:cs typeface="KoPubWorldDotum Bold" pitchFamily="2" charset="-127"/>
-              </a:rPr>
-              <a:t>User Pool</a:t>
-            </a:r>
-            <a:r>
-              <a:rPr kumimoji="1" lang="ko-KR" altLang="en-US" sz="900" b="1" dirty="0">
-                <a:latin typeface="KoPubWorldDotum Bold" pitchFamily="2" charset="-127"/>
-                <a:ea typeface="KoPubWorldDotum Bold" pitchFamily="2" charset="-127"/>
-                <a:cs typeface="KoPubWorldDotum Bold" pitchFamily="2" charset="-127"/>
-              </a:rPr>
-              <a:t> </a:t>
-            </a:r>
+              <a:t>Claude 3 Haiku</a:t>
+            </a:r>
+            <a:endParaRPr kumimoji="1" lang="ko-KR" altLang="en-US" sz="900" b="1" dirty="0">
+              <a:latin typeface="KoPubWorldDotum Bold" pitchFamily="2" charset="-127"/>
+              <a:ea typeface="KoPubWorldDotum Bold" pitchFamily="2" charset="-127"/>
+              <a:cs typeface="KoPubWorldDotum Bold" pitchFamily="2" charset="-127"/>
+            </a:endParaRPr>
           </a:p>
         </p:txBody>
       </p:sp>
+      <p:pic>
+        <p:nvPicPr>
+          <p:cNvPr id="17" name="Picture 2" descr="The AI wars heat up with Claude 3, claimed to have “near-human” abilities |  Ars Technica">
+            <a:extLst>
+              <a:ext uri="{FF2B5EF4-FFF2-40B4-BE49-F238E27FC236}">
+                <a16:creationId xmlns:a16="http://schemas.microsoft.com/office/drawing/2014/main" id="{46FC2761-7E9A-6124-5215-BA20F763E78A}"/>
+              </a:ext>
+            </a:extLst>
+          </p:cNvPr>
+          <p:cNvPicPr>
+            <a:picLocks noChangeAspect="1" noChangeArrowheads="1"/>
+          </p:cNvPicPr>
+          <p:nvPr/>
+        </p:nvPicPr>
+        <p:blipFill rotWithShape="1">
+          <a:blip r:embed="rId4">
+            <a:extLst>
+              <a:ext uri="{28A0092B-C50C-407E-A947-70E740481C1C}">
+                <a14:useLocalDpi xmlns:a14="http://schemas.microsoft.com/office/drawing/2010/main" val="0"/>
+              </a:ext>
+            </a:extLst>
+          </a:blip>
+          <a:srcRect l="28567" t="10984" r="29591" b="14630"/>
+          <a:stretch/>
+        </p:blipFill>
+        <p:spPr bwMode="auto">
+          <a:xfrm>
+            <a:off x="15492721" y="6265929"/>
+            <a:ext cx="465430" cy="465430"/>
+          </a:xfrm>
+          <a:prstGeom prst="rect">
+            <a:avLst/>
+          </a:prstGeom>
+          <a:noFill/>
+          <a:extLst>
+            <a:ext uri="{909E8E84-426E-40DD-AFC4-6F175D3DCCD1}">
+              <a14:hiddenFill xmlns:a14="http://schemas.microsoft.com/office/drawing/2010/main">
+                <a:solidFill>
+                  <a:srgbClr val="FFFFFF"/>
+                </a:solidFill>
+              </a14:hiddenFill>
+            </a:ext>
+          </a:extLst>
+        </p:spPr>
+      </p:pic>
       <p:sp>
         <p:nvSpPr>
-          <p:cNvPr id="1043" name="직사각형 1042">
-            <a:extLst>
-              <a:ext uri="{FF2B5EF4-FFF2-40B4-BE49-F238E27FC236}">
-                <a16:creationId xmlns:a16="http://schemas.microsoft.com/office/drawing/2014/main" id="{11BEF97D-88AF-EEA9-C1B8-93C0D79DF3E2}"/>
+          <p:cNvPr id="26" name="처리 25">
+            <a:extLst>
+              <a:ext uri="{FF2B5EF4-FFF2-40B4-BE49-F238E27FC236}">
+                <a16:creationId xmlns:a16="http://schemas.microsoft.com/office/drawing/2014/main" id="{EB7ADC3C-C91C-23BF-988B-06D1300A67FA}"/>
               </a:ext>
             </a:extLst>
           </p:cNvPr>
@@ -9613,18 +10086,17 @@
         </p:nvSpPr>
         <p:spPr>
           <a:xfrm>
-            <a:off x="10426343" y="2864106"/>
-            <a:ext cx="1371957" cy="1342638"/>
-          </a:xfrm>
-          <a:prstGeom prst="rect">
-            <a:avLst/>
-          </a:prstGeom>
-          <a:noFill/>
+            <a:off x="11803952" y="6094125"/>
+            <a:ext cx="1203109" cy="243942"/>
+          </a:xfrm>
+          <a:prstGeom prst="flowChartProcess">
+            <a:avLst/>
+          </a:prstGeom>
+          <a:solidFill>
+            <a:schemeClr val="accent1"/>
+          </a:solidFill>
           <a:ln>
-            <a:solidFill>
-              <a:srgbClr val="156082"/>
-            </a:solidFill>
-            <a:prstDash val="sysDash"/>
+            <a:noFill/>
           </a:ln>
         </p:spPr>
         <p:style>
@@ -9648,16 +10120,28 @@
           <a:lstStyle/>
           <a:p>
             <a:pPr algn="ctr"/>
-            <a:endParaRPr kumimoji="1" lang="ko-KR" altLang="en-US" sz="900"/>
+            <a:r>
+              <a:rPr kumimoji="1" lang="en-US" altLang="ko-KR" sz="900" b="1" dirty="0" err="1">
+                <a:latin typeface="KoPubWorldDotum Bold" pitchFamily="2" charset="-127"/>
+                <a:ea typeface="KoPubWorldDotum Bold" pitchFamily="2" charset="-127"/>
+                <a:cs typeface="KoPubWorldDotum Bold" pitchFamily="2" charset="-127"/>
+              </a:rPr>
+              <a:t>DelteSession</a:t>
+            </a:r>
+            <a:endParaRPr kumimoji="1" lang="ko-KR" altLang="en-US" sz="900" b="1" dirty="0">
+              <a:latin typeface="KoPubWorldDotum Bold" pitchFamily="2" charset="-127"/>
+              <a:ea typeface="KoPubWorldDotum Bold" pitchFamily="2" charset="-127"/>
+              <a:cs typeface="KoPubWorldDotum Bold" pitchFamily="2" charset="-127"/>
+            </a:endParaRPr>
           </a:p>
         </p:txBody>
       </p:sp>
       <p:sp>
         <p:nvSpPr>
-          <p:cNvPr id="1052" name="처리 1051">
-            <a:extLst>
-              <a:ext uri="{FF2B5EF4-FFF2-40B4-BE49-F238E27FC236}">
-                <a16:creationId xmlns:a16="http://schemas.microsoft.com/office/drawing/2014/main" id="{2B3FAD64-4705-E1C2-42FE-94B44868B7B4}"/>
+          <p:cNvPr id="31" name="직사각형 30">
+            <a:extLst>
+              <a:ext uri="{FF2B5EF4-FFF2-40B4-BE49-F238E27FC236}">
+                <a16:creationId xmlns:a16="http://schemas.microsoft.com/office/drawing/2014/main" id="{A713E7F9-51B9-8F73-7862-8A20497AA0F5}"/>
               </a:ext>
             </a:extLst>
           </p:cNvPr>
@@ -9666,17 +10150,20 @@
         </p:nvSpPr>
         <p:spPr>
           <a:xfrm>
-            <a:off x="10503505" y="4546541"/>
-            <a:ext cx="1203109" cy="243942"/>
-          </a:xfrm>
-          <a:prstGeom prst="flowChartProcess">
+            <a:off x="5160861" y="3484747"/>
+            <a:ext cx="2398096" cy="2666459"/>
+          </a:xfrm>
+          <a:prstGeom prst="rect">
             <a:avLst/>
           </a:prstGeom>
           <a:solidFill>
-            <a:schemeClr val="accent1"/>
+            <a:srgbClr val="60A436">
+              <a:alpha val="13000"/>
+            </a:srgbClr>
           </a:solidFill>
           <a:ln>
             <a:noFill/>
+            <a:prstDash val="sysDash"/>
           </a:ln>
         </p:spPr>
         <p:style>
@@ -9700,200 +10187,46 @@
           <a:lstStyle/>
           <a:p>
             <a:pPr algn="ctr"/>
-            <a:r>
-              <a:rPr kumimoji="1" lang="en-US" altLang="ko-KR" sz="900" b="1" dirty="0">
-                <a:latin typeface="KoPubWorldDotum Bold" pitchFamily="2" charset="-127"/>
-                <a:ea typeface="KoPubWorldDotum Bold" pitchFamily="2" charset="-127"/>
-                <a:cs typeface="KoPubWorldDotum Bold" pitchFamily="2" charset="-127"/>
-              </a:rPr>
-              <a:t>Connect</a:t>
-            </a:r>
-            <a:endParaRPr kumimoji="1" lang="ko-KR" altLang="en-US" sz="900" b="1" dirty="0">
-              <a:latin typeface="KoPubWorldDotum Bold" pitchFamily="2" charset="-127"/>
-              <a:ea typeface="KoPubWorldDotum Bold" pitchFamily="2" charset="-127"/>
-              <a:cs typeface="KoPubWorldDotum Bold" pitchFamily="2" charset="-127"/>
-            </a:endParaRPr>
+            <a:endParaRPr kumimoji="1" lang="ko-KR" altLang="en-US" sz="900"/>
           </a:p>
         </p:txBody>
       </p:sp>
+      <p:pic>
+        <p:nvPicPr>
+          <p:cNvPr id="1057" name="그림 1056">
+            <a:extLst>
+              <a:ext uri="{FF2B5EF4-FFF2-40B4-BE49-F238E27FC236}">
+                <a16:creationId xmlns:a16="http://schemas.microsoft.com/office/drawing/2014/main" id="{CC23FB97-2446-B0EA-050A-B105D2CBAE40}"/>
+              </a:ext>
+            </a:extLst>
+          </p:cNvPr>
+          <p:cNvPicPr>
+            <a:picLocks noChangeAspect="1"/>
+          </p:cNvPicPr>
+          <p:nvPr/>
+        </p:nvPicPr>
+        <p:blipFill>
+          <a:blip r:embed="rId11"/>
+          <a:stretch>
+            <a:fillRect/>
+          </a:stretch>
+        </p:blipFill>
+        <p:spPr>
+          <a:xfrm>
+            <a:off x="6096732" y="3260634"/>
+            <a:ext cx="462142" cy="462142"/>
+          </a:xfrm>
+          <a:prstGeom prst="rect">
+            <a:avLst/>
+          </a:prstGeom>
+        </p:spPr>
+      </p:pic>
       <p:sp>
         <p:nvSpPr>
-          <p:cNvPr id="1053" name="처리 1052">
-            <a:extLst>
-              <a:ext uri="{FF2B5EF4-FFF2-40B4-BE49-F238E27FC236}">
-                <a16:creationId xmlns:a16="http://schemas.microsoft.com/office/drawing/2014/main" id="{A45DEA1D-9009-4C1F-77FF-51C1DCDF71ED}"/>
-              </a:ext>
-            </a:extLst>
-          </p:cNvPr>
-          <p:cNvSpPr/>
-          <p:nvPr/>
-        </p:nvSpPr>
-        <p:spPr>
-          <a:xfrm>
-            <a:off x="10503505" y="4838021"/>
-            <a:ext cx="1203109" cy="243942"/>
-          </a:xfrm>
-          <a:prstGeom prst="flowChartProcess">
-            <a:avLst/>
-          </a:prstGeom>
-          <a:solidFill>
-            <a:schemeClr val="accent1"/>
-          </a:solidFill>
-          <a:ln>
-            <a:noFill/>
-          </a:ln>
-        </p:spPr>
-        <p:style>
-          <a:lnRef idx="2">
-            <a:schemeClr val="accent1">
-              <a:shade val="15000"/>
-            </a:schemeClr>
-          </a:lnRef>
-          <a:fillRef idx="1">
-            <a:schemeClr val="accent1"/>
-          </a:fillRef>
-          <a:effectRef idx="0">
-            <a:schemeClr val="accent1"/>
-          </a:effectRef>
-          <a:fontRef idx="minor">
-            <a:schemeClr val="lt1"/>
-          </a:fontRef>
-        </p:style>
-        <p:txBody>
-          <a:bodyPr rtlCol="0" anchor="ctr"/>
-          <a:lstStyle/>
-          <a:p>
-            <a:pPr algn="ctr"/>
-            <a:r>
-              <a:rPr kumimoji="1" lang="en-US" altLang="ko-KR" sz="900" b="1" dirty="0" err="1">
-                <a:latin typeface="KoPubWorldDotum Bold" pitchFamily="2" charset="-127"/>
-                <a:ea typeface="KoPubWorldDotum Bold" pitchFamily="2" charset="-127"/>
-                <a:cs typeface="KoPubWorldDotum Bold" pitchFamily="2" charset="-127"/>
-              </a:rPr>
-              <a:t>SendMsg</a:t>
-            </a:r>
-            <a:endParaRPr kumimoji="1" lang="ko-KR" altLang="en-US" sz="900" b="1" dirty="0">
-              <a:latin typeface="KoPubWorldDotum Bold" pitchFamily="2" charset="-127"/>
-              <a:ea typeface="KoPubWorldDotum Bold" pitchFamily="2" charset="-127"/>
-              <a:cs typeface="KoPubWorldDotum Bold" pitchFamily="2" charset="-127"/>
-            </a:endParaRPr>
-          </a:p>
-        </p:txBody>
-      </p:sp>
-      <p:sp>
-        <p:nvSpPr>
-          <p:cNvPr id="1054" name="처리 1053">
-            <a:extLst>
-              <a:ext uri="{FF2B5EF4-FFF2-40B4-BE49-F238E27FC236}">
-                <a16:creationId xmlns:a16="http://schemas.microsoft.com/office/drawing/2014/main" id="{3D678DE6-EA83-F61A-84F9-F9C57880A466}"/>
-              </a:ext>
-            </a:extLst>
-          </p:cNvPr>
-          <p:cNvSpPr/>
-          <p:nvPr/>
-        </p:nvSpPr>
-        <p:spPr>
-          <a:xfrm>
-            <a:off x="10503505" y="5126795"/>
-            <a:ext cx="1203109" cy="243942"/>
-          </a:xfrm>
-          <a:prstGeom prst="flowChartProcess">
-            <a:avLst/>
-          </a:prstGeom>
-          <a:solidFill>
-            <a:schemeClr val="accent1"/>
-          </a:solidFill>
-          <a:ln>
-            <a:noFill/>
-          </a:ln>
-        </p:spPr>
-        <p:style>
-          <a:lnRef idx="2">
-            <a:schemeClr val="accent1">
-              <a:shade val="15000"/>
-            </a:schemeClr>
-          </a:lnRef>
-          <a:fillRef idx="1">
-            <a:schemeClr val="accent1"/>
-          </a:fillRef>
-          <a:effectRef idx="0">
-            <a:schemeClr val="accent1"/>
-          </a:effectRef>
-          <a:fontRef idx="minor">
-            <a:schemeClr val="lt1"/>
-          </a:fontRef>
-        </p:style>
-        <p:txBody>
-          <a:bodyPr rtlCol="0" anchor="ctr"/>
-          <a:lstStyle/>
-          <a:p>
-            <a:pPr algn="ctr"/>
-            <a:r>
-              <a:rPr kumimoji="1" lang="en-US" altLang="ko-KR" sz="900" b="1" dirty="0">
-                <a:latin typeface="KoPubWorldDotum Bold" pitchFamily="2" charset="-127"/>
-                <a:ea typeface="KoPubWorldDotum Bold" pitchFamily="2" charset="-127"/>
-                <a:cs typeface="KoPubWorldDotum Bold" pitchFamily="2" charset="-127"/>
-              </a:rPr>
-              <a:t>Disconnect</a:t>
-            </a:r>
-            <a:endParaRPr kumimoji="1" lang="ko-KR" altLang="en-US" sz="900" b="1" dirty="0">
-              <a:latin typeface="KoPubWorldDotum Bold" pitchFamily="2" charset="-127"/>
-              <a:ea typeface="KoPubWorldDotum Bold" pitchFamily="2" charset="-127"/>
-              <a:cs typeface="KoPubWorldDotum Bold" pitchFamily="2" charset="-127"/>
-            </a:endParaRPr>
-          </a:p>
-        </p:txBody>
-      </p:sp>
-      <p:cxnSp>
-        <p:nvCxnSpPr>
-          <p:cNvPr id="1089" name="직선 화살표 연결선 1088">
-            <a:extLst>
-              <a:ext uri="{FF2B5EF4-FFF2-40B4-BE49-F238E27FC236}">
-                <a16:creationId xmlns:a16="http://schemas.microsoft.com/office/drawing/2014/main" id="{E3317280-D50E-F500-87BA-9D60DB1CFD51}"/>
-              </a:ext>
-            </a:extLst>
-          </p:cNvPr>
-          <p:cNvCxnSpPr>
-            <a:cxnSpLocks/>
-            <a:stCxn id="33" idx="1"/>
-            <a:endCxn id="39" idx="3"/>
-          </p:cNvCxnSpPr>
-          <p:nvPr/>
-        </p:nvCxnSpPr>
-        <p:spPr>
-          <a:xfrm flipH="1" flipV="1">
-            <a:off x="2049585" y="4560841"/>
-            <a:ext cx="695999" cy="1696"/>
-          </a:xfrm>
-          <a:prstGeom prst="straightConnector1">
-            <a:avLst/>
-          </a:prstGeom>
-          <a:ln>
-            <a:headEnd type="none" w="med" len="med"/>
-            <a:tailEnd type="none" w="med" len="med"/>
-          </a:ln>
-        </p:spPr>
-        <p:style>
-          <a:lnRef idx="2">
-            <a:schemeClr val="accent1"/>
-          </a:lnRef>
-          <a:fillRef idx="0">
-            <a:schemeClr val="accent1"/>
-          </a:fillRef>
-          <a:effectRef idx="1">
-            <a:schemeClr val="accent1"/>
-          </a:effectRef>
-          <a:fontRef idx="minor">
-            <a:schemeClr val="tx1"/>
-          </a:fontRef>
-        </p:style>
-      </p:cxnSp>
-      <p:sp>
-        <p:nvSpPr>
-          <p:cNvPr id="58" name="제목 1">
-            <a:extLst>
-              <a:ext uri="{FF2B5EF4-FFF2-40B4-BE49-F238E27FC236}">
-                <a16:creationId xmlns:a16="http://schemas.microsoft.com/office/drawing/2014/main" id="{454AAD7C-6AE8-FD86-81B3-FB5018671B41}"/>
+          <p:cNvPr id="1059" name="제목 1">
+            <a:extLst>
+              <a:ext uri="{FF2B5EF4-FFF2-40B4-BE49-F238E27FC236}">
+                <a16:creationId xmlns:a16="http://schemas.microsoft.com/office/drawing/2014/main" id="{CBEBDBD3-3C67-6B6F-AE99-2105963B4185}"/>
               </a:ext>
             </a:extLst>
           </p:cNvPr>
@@ -9904,15 +10237,12 @@
         </p:nvSpPr>
         <p:spPr>
           <a:xfrm>
-            <a:off x="8232201" y="3332211"/>
-            <a:ext cx="967879" cy="387771"/>
+            <a:off x="5839361" y="3036214"/>
+            <a:ext cx="967879" cy="267998"/>
           </a:xfrm>
           <a:prstGeom prst="rect">
             <a:avLst/>
           </a:prstGeom>
-          <a:solidFill>
-            <a:srgbClr val="156082"/>
-          </a:solidFill>
         </p:spPr>
         <p:txBody>
           <a:bodyPr vert="horz" lIns="91440" tIns="45720" rIns="91440" bIns="45720" rtlCol="0" anchor="ctr">
@@ -9941,33 +10271,13 @@
             <a:pPr algn="ctr"/>
             <a:r>
               <a:rPr kumimoji="1" lang="en-US" altLang="ko-KR" sz="900" b="1" dirty="0">
-                <a:solidFill>
-                  <a:schemeClr val="bg1"/>
-                </a:solidFill>
                 <a:latin typeface="KoPubWorldDotum Bold" pitchFamily="2" charset="-127"/>
                 <a:ea typeface="KoPubWorldDotum Bold" pitchFamily="2" charset="-127"/>
                 <a:cs typeface="KoPubWorldDotum Bold" pitchFamily="2" charset="-127"/>
               </a:rPr>
-              <a:t>REST API</a:t>
-            </a:r>
-          </a:p>
-          <a:p>
-            <a:pPr algn="ctr"/>
-            <a:r>
-              <a:rPr kumimoji="1" lang="en-US" altLang="ko-KR" sz="900" b="1" dirty="0">
-                <a:solidFill>
-                  <a:schemeClr val="bg1"/>
-                </a:solidFill>
-                <a:latin typeface="KoPubWorldDotum Bold" pitchFamily="2" charset="-127"/>
-                <a:ea typeface="KoPubWorldDotum Bold" pitchFamily="2" charset="-127"/>
-                <a:cs typeface="KoPubWorldDotum Bold" pitchFamily="2" charset="-127"/>
-              </a:rPr>
-              <a:t>(Session)</a:t>
+              <a:t>S3</a:t>
             </a:r>
             <a:endParaRPr kumimoji="1" lang="ko-KR" altLang="en-US" sz="900" b="1" dirty="0">
-              <a:solidFill>
-                <a:schemeClr val="bg1"/>
-              </a:solidFill>
               <a:latin typeface="KoPubWorldDotum Bold" pitchFamily="2" charset="-127"/>
               <a:ea typeface="KoPubWorldDotum Bold" pitchFamily="2" charset="-127"/>
               <a:cs typeface="KoPubWorldDotum Bold" pitchFamily="2" charset="-127"/>
@@ -9977,99 +10287,104 @@
       </p:sp>
       <p:pic>
         <p:nvPicPr>
-          <p:cNvPr id="1028" name="Picture 2" descr="JavaScript | Kakao Developers 문서">
-            <a:extLst>
-              <a:ext uri="{FF2B5EF4-FFF2-40B4-BE49-F238E27FC236}">
-                <a16:creationId xmlns:a16="http://schemas.microsoft.com/office/drawing/2014/main" id="{61689886-B4CA-0B2E-7E58-76390717B1B6}"/>
+          <p:cNvPr id="27" name="그림 26">
+            <a:extLst>
+              <a:ext uri="{FF2B5EF4-FFF2-40B4-BE49-F238E27FC236}">
+                <a16:creationId xmlns:a16="http://schemas.microsoft.com/office/drawing/2014/main" id="{5E9B27B5-6CBC-394E-6287-D2B0D931E509}"/>
               </a:ext>
             </a:extLst>
           </p:cNvPr>
           <p:cNvPicPr>
-            <a:picLocks noChangeAspect="1" noChangeArrowheads="1"/>
+            <a:picLocks noChangeAspect="1"/>
           </p:cNvPicPr>
           <p:nvPr/>
         </p:nvPicPr>
-        <p:blipFill rotWithShape="1">
-          <a:blip r:embed="rId12">
-            <a:extLst>
-              <a:ext uri="{28A0092B-C50C-407E-A947-70E740481C1C}">
-                <a14:useLocalDpi xmlns:a14="http://schemas.microsoft.com/office/drawing/2010/main" val="0"/>
-              </a:ext>
-            </a:extLst>
-          </a:blip>
-          <a:srcRect l="35001" t="35938" r="20859" b="37167"/>
-          <a:stretch/>
+        <p:blipFill>
+          <a:blip r:embed="rId12"/>
+          <a:stretch>
+            <a:fillRect/>
+          </a:stretch>
         </p:blipFill>
-        <p:spPr bwMode="auto">
-          <a:xfrm>
-            <a:off x="14992113" y="6043694"/>
-            <a:ext cx="649591" cy="333312"/>
+        <p:spPr>
+          <a:xfrm>
+            <a:off x="9760631" y="3255571"/>
+            <a:ext cx="461326" cy="461326"/>
           </a:xfrm>
           <a:prstGeom prst="rect">
             <a:avLst/>
           </a:prstGeom>
-          <a:noFill/>
-          <a:extLst>
-            <a:ext uri="{909E8E84-426E-40DD-AFC4-6F175D3DCCD1}">
-              <a14:hiddenFill xmlns:a14="http://schemas.microsoft.com/office/drawing/2010/main">
-                <a:solidFill>
-                  <a:srgbClr val="FFFFFF"/>
-                </a:solidFill>
-              </a14:hiddenFill>
-            </a:ext>
-          </a:extLst>
         </p:spPr>
       </p:pic>
-      <p:cxnSp>
-        <p:nvCxnSpPr>
-          <p:cNvPr id="1029" name="직선 화살표 연결선 1028">
-            <a:extLst>
-              <a:ext uri="{FF2B5EF4-FFF2-40B4-BE49-F238E27FC236}">
-                <a16:creationId xmlns:a16="http://schemas.microsoft.com/office/drawing/2014/main" id="{2289ADC0-8153-C4A0-F4DC-BB74F791A427}"/>
-              </a:ext>
-            </a:extLst>
-          </p:cNvPr>
-          <p:cNvCxnSpPr>
-            <a:cxnSpLocks/>
-            <a:stCxn id="1387" idx="1"/>
-            <a:endCxn id="33" idx="3"/>
-          </p:cNvCxnSpPr>
-          <p:nvPr/>
-        </p:nvCxnSpPr>
-        <p:spPr>
-          <a:xfrm flipH="1">
-            <a:off x="3207727" y="4562436"/>
-            <a:ext cx="822764" cy="101"/>
-          </a:xfrm>
-          <a:prstGeom prst="straightConnector1">
-            <a:avLst/>
-          </a:prstGeom>
+      <p:sp>
+        <p:nvSpPr>
+          <p:cNvPr id="7" name="처리 6">
+            <a:extLst>
+              <a:ext uri="{FF2B5EF4-FFF2-40B4-BE49-F238E27FC236}">
+                <a16:creationId xmlns:a16="http://schemas.microsoft.com/office/drawing/2014/main" id="{2F58B189-C692-A414-8EA3-4589E9AFC6A9}"/>
+              </a:ext>
+            </a:extLst>
+          </p:cNvPr>
+          <p:cNvSpPr/>
+          <p:nvPr/>
+        </p:nvSpPr>
+        <p:spPr>
+          <a:xfrm>
+            <a:off x="11805833" y="5481227"/>
+            <a:ext cx="1203109" cy="243942"/>
+          </a:xfrm>
+          <a:prstGeom prst="flowChartProcess">
+            <a:avLst/>
+          </a:prstGeom>
+          <a:solidFill>
+            <a:schemeClr val="accent1"/>
+          </a:solidFill>
           <a:ln>
-            <a:headEnd type="none" w="med" len="med"/>
-            <a:tailEnd type="none" w="med" len="med"/>
+            <a:noFill/>
           </a:ln>
         </p:spPr>
         <p:style>
           <a:lnRef idx="2">
-            <a:schemeClr val="accent1"/>
+            <a:schemeClr val="accent1">
+              <a:shade val="15000"/>
+            </a:schemeClr>
           </a:lnRef>
-          <a:fillRef idx="0">
+          <a:fillRef idx="1">
             <a:schemeClr val="accent1"/>
           </a:fillRef>
-          <a:effectRef idx="1">
+          <a:effectRef idx="0">
             <a:schemeClr val="accent1"/>
           </a:effectRef>
           <a:fontRef idx="minor">
-            <a:schemeClr val="tx1"/>
+            <a:schemeClr val="lt1"/>
           </a:fontRef>
         </p:style>
-      </p:cxnSp>
+        <p:txBody>
+          <a:bodyPr rtlCol="0" anchor="ctr"/>
+          <a:lstStyle/>
+          <a:p>
+            <a:pPr algn="ctr"/>
+            <a:r>
+              <a:rPr kumimoji="1" lang="en-US" altLang="ko-KR" sz="900" b="1" dirty="0" err="1">
+                <a:latin typeface="KoPubWorldDotum Bold" pitchFamily="2" charset="-127"/>
+                <a:ea typeface="KoPubWorldDotum Bold" pitchFamily="2" charset="-127"/>
+                <a:cs typeface="KoPubWorldDotum Bold" pitchFamily="2" charset="-127"/>
+              </a:rPr>
+              <a:t>GetSessionMsg</a:t>
+            </a:r>
+            <a:endParaRPr kumimoji="1" lang="ko-KR" altLang="en-US" sz="900" b="1" dirty="0">
+              <a:latin typeface="KoPubWorldDotum Bold" pitchFamily="2" charset="-127"/>
+              <a:ea typeface="KoPubWorldDotum Bold" pitchFamily="2" charset="-127"/>
+              <a:cs typeface="KoPubWorldDotum Bold" pitchFamily="2" charset="-127"/>
+            </a:endParaRPr>
+          </a:p>
+        </p:txBody>
+      </p:sp>
       <p:sp>
         <p:nvSpPr>
-          <p:cNvPr id="1127" name="제목 1">
-            <a:extLst>
-              <a:ext uri="{FF2B5EF4-FFF2-40B4-BE49-F238E27FC236}">
-                <a16:creationId xmlns:a16="http://schemas.microsoft.com/office/drawing/2014/main" id="{21FCD9F5-EAB2-00A3-7567-FD4506672900}"/>
+          <p:cNvPr id="1281" name="제목 1">
+            <a:extLst>
+              <a:ext uri="{FF2B5EF4-FFF2-40B4-BE49-F238E27FC236}">
+                <a16:creationId xmlns:a16="http://schemas.microsoft.com/office/drawing/2014/main" id="{FF0CFD82-8918-EA6B-8C9A-567BD293F0F1}"/>
               </a:ext>
             </a:extLst>
           </p:cNvPr>
@@ -10080,8 +10395,8 @@
         </p:nvSpPr>
         <p:spPr>
           <a:xfrm>
-            <a:off x="14490947" y="6469446"/>
-            <a:ext cx="1651921" cy="267998"/>
+            <a:off x="12013612" y="2987236"/>
+            <a:ext cx="739201" cy="267998"/>
           </a:xfrm>
           <a:prstGeom prst="rect">
             <a:avLst/>
@@ -10118,114 +10433,7 @@
                 <a:ea typeface="KoPubWorldDotum Bold" pitchFamily="2" charset="-127"/>
                 <a:cs typeface="KoPubWorldDotum Bold" pitchFamily="2" charset="-127"/>
               </a:rPr>
-              <a:t>Kakao Login OIDC</a:t>
-            </a:r>
-          </a:p>
-        </p:txBody>
-      </p:sp>
-      <p:pic>
-        <p:nvPicPr>
-          <p:cNvPr id="3" name="Picture 2" descr="Amazon Bedrock Connector - Overview (O11) | OutSystems">
-            <a:extLst>
-              <a:ext uri="{FF2B5EF4-FFF2-40B4-BE49-F238E27FC236}">
-                <a16:creationId xmlns:a16="http://schemas.microsoft.com/office/drawing/2014/main" id="{0CC4E556-84F1-E509-8785-5CDBC5B57903}"/>
-              </a:ext>
-            </a:extLst>
-          </p:cNvPr>
-          <p:cNvPicPr>
-            <a:picLocks noChangeAspect="1" noChangeArrowheads="1"/>
-          </p:cNvPicPr>
-          <p:nvPr/>
-        </p:nvPicPr>
-        <p:blipFill>
-          <a:blip r:embed="rId3">
-            <a:alphaModFix/>
-            <a:extLst>
-              <a:ext uri="{28A0092B-C50C-407E-A947-70E740481C1C}">
-                <a14:useLocalDpi xmlns:a14="http://schemas.microsoft.com/office/drawing/2010/main" val="0"/>
-              </a:ext>
-            </a:extLst>
-          </a:blip>
-          <a:srcRect/>
-          <a:stretch>
-            <a:fillRect/>
-          </a:stretch>
-        </p:blipFill>
-        <p:spPr bwMode="auto">
-          <a:xfrm>
-            <a:off x="13301119" y="5061615"/>
-            <a:ext cx="465430" cy="465430"/>
-          </a:xfrm>
-          <a:prstGeom prst="rect">
-            <a:avLst/>
-          </a:prstGeom>
-          <a:noFill/>
-          <a:extLst>
-            <a:ext uri="{909E8E84-426E-40DD-AFC4-6F175D3DCCD1}">
-              <a14:hiddenFill xmlns:a14="http://schemas.microsoft.com/office/drawing/2010/main">
-                <a:solidFill>
-                  <a:srgbClr val="FFFFFF"/>
-                </a:solidFill>
-              </a14:hiddenFill>
-            </a:ext>
-          </a:extLst>
-        </p:spPr>
-      </p:pic>
-      <p:sp>
-        <p:nvSpPr>
-          <p:cNvPr id="2" name="처리 1">
-            <a:extLst>
-              <a:ext uri="{FF2B5EF4-FFF2-40B4-BE49-F238E27FC236}">
-                <a16:creationId xmlns:a16="http://schemas.microsoft.com/office/drawing/2014/main" id="{24D94196-81AC-D425-7880-C5EC9596E02E}"/>
-              </a:ext>
-            </a:extLst>
-          </p:cNvPr>
-          <p:cNvSpPr/>
-          <p:nvPr/>
-        </p:nvSpPr>
-        <p:spPr>
-          <a:xfrm>
-            <a:off x="10501624" y="3578425"/>
-            <a:ext cx="1203109" cy="243942"/>
-          </a:xfrm>
-          <a:prstGeom prst="flowChartProcess">
-            <a:avLst/>
-          </a:prstGeom>
-          <a:solidFill>
-            <a:schemeClr val="accent1"/>
-          </a:solidFill>
-          <a:ln>
-            <a:noFill/>
-          </a:ln>
-        </p:spPr>
-        <p:style>
-          <a:lnRef idx="2">
-            <a:schemeClr val="accent1">
-              <a:shade val="15000"/>
-            </a:schemeClr>
-          </a:lnRef>
-          <a:fillRef idx="1">
-            <a:schemeClr val="accent1"/>
-          </a:fillRef>
-          <a:effectRef idx="0">
-            <a:schemeClr val="accent1"/>
-          </a:effectRef>
-          <a:fontRef idx="minor">
-            <a:schemeClr val="lt1"/>
-          </a:fontRef>
-        </p:style>
-        <p:txBody>
-          <a:bodyPr rtlCol="0" anchor="ctr"/>
-          <a:lstStyle/>
-          <a:p>
-            <a:pPr algn="ctr"/>
-            <a:r>
-              <a:rPr kumimoji="1" lang="en-US" altLang="ko-KR" sz="900" b="1" dirty="0" err="1">
-                <a:latin typeface="KoPubWorldDotum Bold" pitchFamily="2" charset="-127"/>
-                <a:ea typeface="KoPubWorldDotum Bold" pitchFamily="2" charset="-127"/>
-                <a:cs typeface="KoPubWorldDotum Bold" pitchFamily="2" charset="-127"/>
-              </a:rPr>
-              <a:t>NewSession</a:t>
+              <a:t>Lambda</a:t>
             </a:r>
             <a:endParaRPr kumimoji="1" lang="ko-KR" altLang="en-US" sz="900" b="1" dirty="0">
               <a:latin typeface="KoPubWorldDotum Bold" pitchFamily="2" charset="-127"/>
@@ -10235,76 +10443,117 @@
           </a:p>
         </p:txBody>
       </p:sp>
+      <p:cxnSp>
+        <p:nvCxnSpPr>
+          <p:cNvPr id="1330" name="직선 화살표 연결선 1329">
+            <a:extLst>
+              <a:ext uri="{FF2B5EF4-FFF2-40B4-BE49-F238E27FC236}">
+                <a16:creationId xmlns:a16="http://schemas.microsoft.com/office/drawing/2014/main" id="{0A4AD28A-ABAF-7706-8237-ECA08EB7CE5B}"/>
+              </a:ext>
+            </a:extLst>
+          </p:cNvPr>
+          <p:cNvCxnSpPr>
+            <a:cxnSpLocks/>
+          </p:cNvCxnSpPr>
+          <p:nvPr/>
+        </p:nvCxnSpPr>
+        <p:spPr>
+          <a:xfrm flipH="1">
+            <a:off x="1139846" y="11601513"/>
+            <a:ext cx="11198699" cy="0"/>
+          </a:xfrm>
+          <a:prstGeom prst="straightConnector1">
+            <a:avLst/>
+          </a:prstGeom>
+          <a:ln>
+            <a:solidFill>
+              <a:srgbClr val="FF0000"/>
+            </a:solidFill>
+            <a:headEnd type="none" w="med" len="med"/>
+            <a:tailEnd type="none" w="med" len="med"/>
+          </a:ln>
+        </p:spPr>
+        <p:style>
+          <a:lnRef idx="2">
+            <a:schemeClr val="accent1"/>
+          </a:lnRef>
+          <a:fillRef idx="0">
+            <a:schemeClr val="accent1"/>
+          </a:fillRef>
+          <a:effectRef idx="1">
+            <a:schemeClr val="accent1"/>
+          </a:effectRef>
+          <a:fontRef idx="minor">
+            <a:schemeClr val="tx1"/>
+          </a:fontRef>
+        </p:style>
+      </p:cxnSp>
+      <p:pic>
+        <p:nvPicPr>
+          <p:cNvPr id="23" name="그림 22">
+            <a:extLst>
+              <a:ext uri="{FF2B5EF4-FFF2-40B4-BE49-F238E27FC236}">
+                <a16:creationId xmlns:a16="http://schemas.microsoft.com/office/drawing/2014/main" id="{AC4A61BD-7967-6BC8-24DA-796154C8C30C}"/>
+              </a:ext>
+            </a:extLst>
+          </p:cNvPr>
+          <p:cNvPicPr>
+            <a:picLocks noChangeAspect="1"/>
+          </p:cNvPicPr>
+          <p:nvPr/>
+        </p:nvPicPr>
+        <p:blipFill>
+          <a:blip r:embed="rId13"/>
+          <a:stretch>
+            <a:fillRect/>
+          </a:stretch>
+        </p:blipFill>
+        <p:spPr>
+          <a:xfrm>
+            <a:off x="17081360" y="7052942"/>
+            <a:ext cx="465430" cy="465430"/>
+          </a:xfrm>
+          <a:prstGeom prst="rect">
+            <a:avLst/>
+          </a:prstGeom>
+        </p:spPr>
+      </p:pic>
+      <p:pic>
+        <p:nvPicPr>
+          <p:cNvPr id="14" name="그림 13">
+            <a:extLst>
+              <a:ext uri="{FF2B5EF4-FFF2-40B4-BE49-F238E27FC236}">
+                <a16:creationId xmlns:a16="http://schemas.microsoft.com/office/drawing/2014/main" id="{71DBA4B4-25A0-5D0D-19A2-D02C50ACB8D0}"/>
+              </a:ext>
+            </a:extLst>
+          </p:cNvPr>
+          <p:cNvPicPr>
+            <a:picLocks noChangeAspect="1"/>
+          </p:cNvPicPr>
+          <p:nvPr/>
+        </p:nvPicPr>
+        <p:blipFill>
+          <a:blip r:embed="rId14"/>
+          <a:stretch>
+            <a:fillRect/>
+          </a:stretch>
+        </p:blipFill>
+        <p:spPr>
+          <a:xfrm>
+            <a:off x="8162838" y="3261561"/>
+            <a:ext cx="461326" cy="461326"/>
+          </a:xfrm>
+          <a:prstGeom prst="rect">
+            <a:avLst/>
+          </a:prstGeom>
+        </p:spPr>
+      </p:pic>
       <p:sp>
         <p:nvSpPr>
-          <p:cNvPr id="9" name="처리 8">
-            <a:extLst>
-              <a:ext uri="{FF2B5EF4-FFF2-40B4-BE49-F238E27FC236}">
-                <a16:creationId xmlns:a16="http://schemas.microsoft.com/office/drawing/2014/main" id="{D8114163-093C-360E-6931-8D0B6081B6F4}"/>
-              </a:ext>
-            </a:extLst>
-          </p:cNvPr>
-          <p:cNvSpPr/>
-          <p:nvPr/>
-        </p:nvSpPr>
-        <p:spPr>
-          <a:xfrm>
-            <a:off x="10495943" y="2948510"/>
-            <a:ext cx="1203109" cy="243942"/>
-          </a:xfrm>
-          <a:prstGeom prst="flowChartProcess">
-            <a:avLst/>
-          </a:prstGeom>
-          <a:solidFill>
-            <a:schemeClr val="accent1"/>
-          </a:solidFill>
-          <a:ln>
-            <a:noFill/>
-          </a:ln>
-        </p:spPr>
-        <p:style>
-          <a:lnRef idx="2">
-            <a:schemeClr val="accent1">
-              <a:shade val="15000"/>
-            </a:schemeClr>
-          </a:lnRef>
-          <a:fillRef idx="1">
-            <a:schemeClr val="accent1"/>
-          </a:fillRef>
-          <a:effectRef idx="0">
-            <a:schemeClr val="accent1"/>
-          </a:effectRef>
-          <a:fontRef idx="minor">
-            <a:schemeClr val="lt1"/>
-          </a:fontRef>
-        </p:style>
-        <p:txBody>
-          <a:bodyPr rtlCol="0" anchor="ctr"/>
-          <a:lstStyle/>
-          <a:p>
-            <a:pPr algn="ctr"/>
-            <a:r>
-              <a:rPr kumimoji="1" lang="en-US" altLang="ko-KR" sz="900" b="1" dirty="0" err="1">
-                <a:latin typeface="KoPubWorldDotum Bold" pitchFamily="2" charset="-127"/>
-                <a:ea typeface="KoPubWorldDotum Bold" pitchFamily="2" charset="-127"/>
-                <a:cs typeface="KoPubWorldDotum Bold" pitchFamily="2" charset="-127"/>
-              </a:rPr>
-              <a:t>GetSession</a:t>
-            </a:r>
-            <a:endParaRPr kumimoji="1" lang="ko-KR" altLang="en-US" sz="900" b="1" dirty="0">
-              <a:latin typeface="KoPubWorldDotum Bold" pitchFamily="2" charset="-127"/>
-              <a:ea typeface="KoPubWorldDotum Bold" pitchFamily="2" charset="-127"/>
-              <a:cs typeface="KoPubWorldDotum Bold" pitchFamily="2" charset="-127"/>
-            </a:endParaRPr>
-          </a:p>
-        </p:txBody>
-      </p:sp>
-      <p:sp>
-        <p:nvSpPr>
-          <p:cNvPr id="12" name="제목 1">
-            <a:extLst>
-              <a:ext uri="{FF2B5EF4-FFF2-40B4-BE49-F238E27FC236}">
-                <a16:creationId xmlns:a16="http://schemas.microsoft.com/office/drawing/2014/main" id="{FA4EB3BE-1A7B-21BC-2153-F4E39E61BC46}"/>
+          <p:cNvPr id="47" name="제목 1">
+            <a:extLst>
+              <a:ext uri="{FF2B5EF4-FFF2-40B4-BE49-F238E27FC236}">
+                <a16:creationId xmlns:a16="http://schemas.microsoft.com/office/drawing/2014/main" id="{BA6437DA-1E87-2A60-6AEA-1DCAC8B6D3C7}"/>
               </a:ext>
             </a:extLst>
           </p:cNvPr>
@@ -10315,8 +10564,8 @@
         </p:nvSpPr>
         <p:spPr>
           <a:xfrm>
-            <a:off x="14604470" y="4749744"/>
-            <a:ext cx="1304524" cy="262033"/>
+            <a:off x="7736416" y="3015036"/>
+            <a:ext cx="1314173" cy="267998"/>
           </a:xfrm>
           <a:prstGeom prst="rect">
             <a:avLst/>
@@ -10353,216 +10602,105 @@
                 <a:ea typeface="KoPubWorldDotum Bold" pitchFamily="2" charset="-127"/>
                 <a:cs typeface="KoPubWorldDotum Bold" pitchFamily="2" charset="-127"/>
               </a:rPr>
-              <a:t>Claude 3 Haiku</a:t>
-            </a:r>
-            <a:endParaRPr kumimoji="1" lang="ko-KR" altLang="en-US" sz="900" b="1" dirty="0">
-              <a:latin typeface="KoPubWorldDotum Bold" pitchFamily="2" charset="-127"/>
-              <a:ea typeface="KoPubWorldDotum Bold" pitchFamily="2" charset="-127"/>
-              <a:cs typeface="KoPubWorldDotum Bold" pitchFamily="2" charset="-127"/>
-            </a:endParaRPr>
+              <a:t>SSM Parameter Store</a:t>
+            </a:r>
           </a:p>
         </p:txBody>
       </p:sp>
-      <p:pic>
-        <p:nvPicPr>
-          <p:cNvPr id="17" name="Picture 2" descr="The AI wars heat up with Claude 3, claimed to have “near-human” abilities |  Ars Technica">
-            <a:extLst>
-              <a:ext uri="{FF2B5EF4-FFF2-40B4-BE49-F238E27FC236}">
-                <a16:creationId xmlns:a16="http://schemas.microsoft.com/office/drawing/2014/main" id="{46FC2761-7E9A-6124-5215-BA20F763E78A}"/>
-              </a:ext>
-            </a:extLst>
-          </p:cNvPr>
-          <p:cNvPicPr>
-            <a:picLocks noChangeAspect="1" noChangeArrowheads="1"/>
-          </p:cNvPicPr>
-          <p:nvPr/>
-        </p:nvPicPr>
-        <p:blipFill rotWithShape="1">
-          <a:blip r:embed="rId4">
-            <a:extLst>
-              <a:ext uri="{28A0092B-C50C-407E-A947-70E740481C1C}">
-                <a14:useLocalDpi xmlns:a14="http://schemas.microsoft.com/office/drawing/2010/main" val="0"/>
-              </a:ext>
-            </a:extLst>
-          </a:blip>
-          <a:srcRect l="28567" t="10984" r="29591" b="14630"/>
-          <a:stretch/>
-        </p:blipFill>
-        <p:spPr bwMode="auto">
-          <a:xfrm>
-            <a:off x="15041541" y="4262826"/>
-            <a:ext cx="465430" cy="465430"/>
-          </a:xfrm>
-          <a:prstGeom prst="rect">
-            <a:avLst/>
-          </a:prstGeom>
-          <a:noFill/>
-          <a:extLst>
-            <a:ext uri="{909E8E84-426E-40DD-AFC4-6F175D3DCCD1}">
-              <a14:hiddenFill xmlns:a14="http://schemas.microsoft.com/office/drawing/2010/main">
-                <a:solidFill>
-                  <a:srgbClr val="FFFFFF"/>
-                </a:solidFill>
-              </a14:hiddenFill>
-            </a:ext>
-          </a:extLst>
-        </p:spPr>
-      </p:pic>
+      <p:cxnSp>
+        <p:nvCxnSpPr>
+          <p:cNvPr id="1079" name="직선 화살표 연결선 1078">
+            <a:extLst>
+              <a:ext uri="{FF2B5EF4-FFF2-40B4-BE49-F238E27FC236}">
+                <a16:creationId xmlns:a16="http://schemas.microsoft.com/office/drawing/2014/main" id="{9CF04B74-8B16-40A4-2199-CE6A131D7B71}"/>
+              </a:ext>
+            </a:extLst>
+          </p:cNvPr>
+          <p:cNvCxnSpPr>
+            <a:cxnSpLocks/>
+            <a:stCxn id="17" idx="1"/>
+            <a:endCxn id="1026" idx="3"/>
+          </p:cNvCxnSpPr>
+          <p:nvPr/>
+        </p:nvCxnSpPr>
+        <p:spPr>
+          <a:xfrm flipH="1">
+            <a:off x="14374973" y="6498644"/>
+            <a:ext cx="1117748" cy="91"/>
+          </a:xfrm>
+          <a:prstGeom prst="straightConnector1">
+            <a:avLst/>
+          </a:prstGeom>
+          <a:ln>
+            <a:headEnd type="none" w="med" len="med"/>
+            <a:tailEnd type="none" w="med" len="med"/>
+          </a:ln>
+        </p:spPr>
+        <p:style>
+          <a:lnRef idx="2">
+            <a:schemeClr val="accent1"/>
+          </a:lnRef>
+          <a:fillRef idx="0">
+            <a:schemeClr val="accent1"/>
+          </a:fillRef>
+          <a:effectRef idx="1">
+            <a:schemeClr val="accent1"/>
+          </a:effectRef>
+          <a:fontRef idx="minor">
+            <a:schemeClr val="tx1"/>
+          </a:fontRef>
+        </p:style>
+      </p:cxnSp>
+      <p:cxnSp>
+        <p:nvCxnSpPr>
+          <p:cNvPr id="1081" name="직선 화살표 연결선 1080">
+            <a:extLst>
+              <a:ext uri="{FF2B5EF4-FFF2-40B4-BE49-F238E27FC236}">
+                <a16:creationId xmlns:a16="http://schemas.microsoft.com/office/drawing/2014/main" id="{499FAE31-E5A4-C799-5C85-5B36664045FB}"/>
+              </a:ext>
+            </a:extLst>
+          </p:cNvPr>
+          <p:cNvCxnSpPr>
+            <a:cxnSpLocks/>
+            <a:stCxn id="13" idx="1"/>
+            <a:endCxn id="3" idx="3"/>
+          </p:cNvCxnSpPr>
+          <p:nvPr/>
+        </p:nvCxnSpPr>
+        <p:spPr>
+          <a:xfrm flipH="1">
+            <a:off x="14350356" y="7300777"/>
+            <a:ext cx="1119377" cy="3690"/>
+          </a:xfrm>
+          <a:prstGeom prst="straightConnector1">
+            <a:avLst/>
+          </a:prstGeom>
+          <a:ln>
+            <a:headEnd type="none" w="med" len="med"/>
+            <a:tailEnd type="none" w="med" len="med"/>
+          </a:ln>
+        </p:spPr>
+        <p:style>
+          <a:lnRef idx="2">
+            <a:schemeClr val="accent1"/>
+          </a:lnRef>
+          <a:fillRef idx="0">
+            <a:schemeClr val="accent1"/>
+          </a:fillRef>
+          <a:effectRef idx="1">
+            <a:schemeClr val="accent1"/>
+          </a:effectRef>
+          <a:fontRef idx="minor">
+            <a:schemeClr val="tx1"/>
+          </a:fontRef>
+        </p:style>
+      </p:cxnSp>
       <p:sp>
         <p:nvSpPr>
-          <p:cNvPr id="26" name="처리 25">
-            <a:extLst>
-              <a:ext uri="{FF2B5EF4-FFF2-40B4-BE49-F238E27FC236}">
-                <a16:creationId xmlns:a16="http://schemas.microsoft.com/office/drawing/2014/main" id="{EB7ADC3C-C91C-23BF-988B-06D1300A67FA}"/>
-              </a:ext>
-            </a:extLst>
-          </p:cNvPr>
-          <p:cNvSpPr/>
-          <p:nvPr/>
-        </p:nvSpPr>
-        <p:spPr>
-          <a:xfrm>
-            <a:off x="10501624" y="3885750"/>
-            <a:ext cx="1203109" cy="243942"/>
-          </a:xfrm>
-          <a:prstGeom prst="flowChartProcess">
-            <a:avLst/>
-          </a:prstGeom>
-          <a:solidFill>
-            <a:schemeClr val="accent1"/>
-          </a:solidFill>
-          <a:ln>
-            <a:noFill/>
-          </a:ln>
-        </p:spPr>
-        <p:style>
-          <a:lnRef idx="2">
-            <a:schemeClr val="accent1">
-              <a:shade val="15000"/>
-            </a:schemeClr>
-          </a:lnRef>
-          <a:fillRef idx="1">
-            <a:schemeClr val="accent1"/>
-          </a:fillRef>
-          <a:effectRef idx="0">
-            <a:schemeClr val="accent1"/>
-          </a:effectRef>
-          <a:fontRef idx="minor">
-            <a:schemeClr val="lt1"/>
-          </a:fontRef>
-        </p:style>
-        <p:txBody>
-          <a:bodyPr rtlCol="0" anchor="ctr"/>
-          <a:lstStyle/>
-          <a:p>
-            <a:pPr algn="ctr"/>
-            <a:r>
-              <a:rPr kumimoji="1" lang="en-US" altLang="ko-KR" sz="900" b="1" dirty="0" err="1">
-                <a:latin typeface="KoPubWorldDotum Bold" pitchFamily="2" charset="-127"/>
-                <a:ea typeface="KoPubWorldDotum Bold" pitchFamily="2" charset="-127"/>
-                <a:cs typeface="KoPubWorldDotum Bold" pitchFamily="2" charset="-127"/>
-              </a:rPr>
-              <a:t>DelteSession</a:t>
-            </a:r>
-            <a:endParaRPr kumimoji="1" lang="ko-KR" altLang="en-US" sz="900" b="1" dirty="0">
-              <a:latin typeface="KoPubWorldDotum Bold" pitchFamily="2" charset="-127"/>
-              <a:ea typeface="KoPubWorldDotum Bold" pitchFamily="2" charset="-127"/>
-              <a:cs typeface="KoPubWorldDotum Bold" pitchFamily="2" charset="-127"/>
-            </a:endParaRPr>
-          </a:p>
-        </p:txBody>
-      </p:sp>
-      <p:sp>
-        <p:nvSpPr>
-          <p:cNvPr id="31" name="직사각형 30">
-            <a:extLst>
-              <a:ext uri="{FF2B5EF4-FFF2-40B4-BE49-F238E27FC236}">
-                <a16:creationId xmlns:a16="http://schemas.microsoft.com/office/drawing/2014/main" id="{A713E7F9-51B9-8F73-7862-8A20497AA0F5}"/>
-              </a:ext>
-            </a:extLst>
-          </p:cNvPr>
-          <p:cNvSpPr/>
-          <p:nvPr/>
-        </p:nvSpPr>
-        <p:spPr>
-          <a:xfrm>
-            <a:off x="3858533" y="3734460"/>
-            <a:ext cx="2398096" cy="2077739"/>
-          </a:xfrm>
-          <a:prstGeom prst="rect">
-            <a:avLst/>
-          </a:prstGeom>
-          <a:solidFill>
-            <a:srgbClr val="60A436">
-              <a:alpha val="13000"/>
-            </a:srgbClr>
-          </a:solidFill>
-          <a:ln>
-            <a:noFill/>
-            <a:prstDash val="sysDash"/>
-          </a:ln>
-        </p:spPr>
-        <p:style>
-          <a:lnRef idx="2">
-            <a:schemeClr val="accent1">
-              <a:shade val="15000"/>
-            </a:schemeClr>
-          </a:lnRef>
-          <a:fillRef idx="1">
-            <a:schemeClr val="accent1"/>
-          </a:fillRef>
-          <a:effectRef idx="0">
-            <a:schemeClr val="accent1"/>
-          </a:effectRef>
-          <a:fontRef idx="minor">
-            <a:schemeClr val="lt1"/>
-          </a:fontRef>
-        </p:style>
-        <p:txBody>
-          <a:bodyPr rtlCol="0" anchor="ctr"/>
-          <a:lstStyle/>
-          <a:p>
-            <a:pPr algn="ctr"/>
-            <a:endParaRPr kumimoji="1" lang="ko-KR" altLang="en-US" sz="900"/>
-          </a:p>
-        </p:txBody>
-      </p:sp>
-      <p:pic>
-        <p:nvPicPr>
-          <p:cNvPr id="1057" name="그림 1056">
-            <a:extLst>
-              <a:ext uri="{FF2B5EF4-FFF2-40B4-BE49-F238E27FC236}">
-                <a16:creationId xmlns:a16="http://schemas.microsoft.com/office/drawing/2014/main" id="{CC23FB97-2446-B0EA-050A-B105D2CBAE40}"/>
-              </a:ext>
-            </a:extLst>
-          </p:cNvPr>
-          <p:cNvPicPr>
-            <a:picLocks noChangeAspect="1"/>
-          </p:cNvPicPr>
-          <p:nvPr/>
-        </p:nvPicPr>
-        <p:blipFill>
-          <a:blip r:embed="rId13"/>
-          <a:stretch>
-            <a:fillRect/>
-          </a:stretch>
-        </p:blipFill>
-        <p:spPr>
-          <a:xfrm>
-            <a:off x="4794404" y="3503389"/>
-            <a:ext cx="462142" cy="462142"/>
-          </a:xfrm>
-          <a:prstGeom prst="rect">
-            <a:avLst/>
-          </a:prstGeom>
-        </p:spPr>
-      </p:pic>
-      <p:sp>
-        <p:nvSpPr>
-          <p:cNvPr id="1059" name="제목 1">
-            <a:extLst>
-              <a:ext uri="{FF2B5EF4-FFF2-40B4-BE49-F238E27FC236}">
-                <a16:creationId xmlns:a16="http://schemas.microsoft.com/office/drawing/2014/main" id="{CBEBDBD3-3C67-6B6F-AE99-2105963B4185}"/>
+          <p:cNvPr id="1217" name="제목 1">
+            <a:extLst>
+              <a:ext uri="{FF2B5EF4-FFF2-40B4-BE49-F238E27FC236}">
+                <a16:creationId xmlns:a16="http://schemas.microsoft.com/office/drawing/2014/main" id="{9DFD3D5D-CDEB-B859-0DFB-9E92EE6AA8C9}"/>
               </a:ext>
             </a:extLst>
           </p:cNvPr>
@@ -10573,8 +10711,8 @@
         </p:nvSpPr>
         <p:spPr>
           <a:xfrm>
-            <a:off x="4537033" y="3278969"/>
-            <a:ext cx="967879" cy="267998"/>
+            <a:off x="16870029" y="6845801"/>
+            <a:ext cx="869150" cy="267998"/>
           </a:xfrm>
           <a:prstGeom prst="rect">
             <a:avLst/>
@@ -10611,7 +10749,7 @@
                 <a:ea typeface="KoPubWorldDotum Bold" pitchFamily="2" charset="-127"/>
                 <a:cs typeface="KoPubWorldDotum Bold" pitchFamily="2" charset="-127"/>
               </a:rPr>
-              <a:t>S3</a:t>
+              <a:t>RDS</a:t>
             </a:r>
             <a:endParaRPr kumimoji="1" lang="ko-KR" altLang="en-US" sz="900" b="1" dirty="0">
               <a:latin typeface="KoPubWorldDotum Bold" pitchFamily="2" charset="-127"/>
@@ -10621,12 +10759,56 @@
           </a:p>
         </p:txBody>
       </p:sp>
+      <p:cxnSp>
+        <p:nvCxnSpPr>
+          <p:cNvPr id="1240" name="직선 화살표 연결선 1239">
+            <a:extLst>
+              <a:ext uri="{FF2B5EF4-FFF2-40B4-BE49-F238E27FC236}">
+                <a16:creationId xmlns:a16="http://schemas.microsoft.com/office/drawing/2014/main" id="{E1B90D06-F049-546C-298B-12F359379916}"/>
+              </a:ext>
+            </a:extLst>
+          </p:cNvPr>
+          <p:cNvCxnSpPr>
+            <a:cxnSpLocks/>
+            <a:stCxn id="13" idx="3"/>
+            <a:endCxn id="23" idx="1"/>
+          </p:cNvCxnSpPr>
+          <p:nvPr/>
+        </p:nvCxnSpPr>
+        <p:spPr>
+          <a:xfrm flipV="1">
+            <a:off x="15935163" y="7285657"/>
+            <a:ext cx="1146197" cy="15120"/>
+          </a:xfrm>
+          <a:prstGeom prst="straightConnector1">
+            <a:avLst/>
+          </a:prstGeom>
+          <a:ln>
+            <a:headEnd type="none" w="med" len="med"/>
+            <a:tailEnd type="none" w="med" len="med"/>
+          </a:ln>
+        </p:spPr>
+        <p:style>
+          <a:lnRef idx="2">
+            <a:schemeClr val="accent1"/>
+          </a:lnRef>
+          <a:fillRef idx="0">
+            <a:schemeClr val="accent1"/>
+          </a:fillRef>
+          <a:effectRef idx="1">
+            <a:schemeClr val="accent1"/>
+          </a:effectRef>
+          <a:fontRef idx="minor">
+            <a:schemeClr val="tx1"/>
+          </a:fontRef>
+        </p:style>
+      </p:cxnSp>
       <p:pic>
         <p:nvPicPr>
-          <p:cNvPr id="27" name="그림 26">
-            <a:extLst>
-              <a:ext uri="{FF2B5EF4-FFF2-40B4-BE49-F238E27FC236}">
-                <a16:creationId xmlns:a16="http://schemas.microsoft.com/office/drawing/2014/main" id="{5E9B27B5-6CBC-394E-6287-D2B0D931E509}"/>
+          <p:cNvPr id="49" name="그림 48">
+            <a:extLst>
+              <a:ext uri="{FF2B5EF4-FFF2-40B4-BE49-F238E27FC236}">
+                <a16:creationId xmlns:a16="http://schemas.microsoft.com/office/drawing/2014/main" id="{6D309DDB-C7E9-A597-6773-2D20B90C08A9}"/>
               </a:ext>
             </a:extLst>
           </p:cNvPr>
@@ -10635,28 +10817,223 @@
           </p:cNvPicPr>
           <p:nvPr/>
         </p:nvPicPr>
+        <p:blipFill rotWithShape="1">
+          <a:blip r:embed="rId15">
+            <a:duotone>
+              <a:schemeClr val="accent1">
+                <a:shade val="45000"/>
+                <a:satMod val="135000"/>
+              </a:schemeClr>
+              <a:prstClr val="white"/>
+            </a:duotone>
+          </a:blip>
+          <a:srcRect l="15555" t="8281" r="15408" b="21898"/>
+          <a:stretch/>
+        </p:blipFill>
+        <p:spPr>
+          <a:xfrm>
+            <a:off x="5383110" y="5459614"/>
+            <a:ext cx="471321" cy="476674"/>
+          </a:xfrm>
+          <a:prstGeom prst="rect">
+            <a:avLst/>
+          </a:prstGeom>
+        </p:spPr>
+      </p:pic>
+      <p:pic>
+        <p:nvPicPr>
+          <p:cNvPr id="54" name="그림 53">
+            <a:extLst>
+              <a:ext uri="{FF2B5EF4-FFF2-40B4-BE49-F238E27FC236}">
+                <a16:creationId xmlns:a16="http://schemas.microsoft.com/office/drawing/2014/main" id="{F33E5A4C-52F1-1E6B-FF9B-30F3F9910BE2}"/>
+              </a:ext>
+            </a:extLst>
+          </p:cNvPr>
+          <p:cNvPicPr>
+            <a:picLocks noChangeAspect="1"/>
+          </p:cNvPicPr>
+          <p:nvPr/>
+        </p:nvPicPr>
+        <p:blipFill rotWithShape="1">
+          <a:blip r:embed="rId16">
+            <a:duotone>
+              <a:schemeClr val="accent1">
+                <a:shade val="45000"/>
+                <a:satMod val="135000"/>
+              </a:schemeClr>
+              <a:prstClr val="white"/>
+            </a:duotone>
+          </a:blip>
+          <a:srcRect l="15128" t="7976" r="15361" b="21421"/>
+          <a:stretch/>
+        </p:blipFill>
+        <p:spPr>
+          <a:xfrm>
+            <a:off x="6054112" y="5455412"/>
+            <a:ext cx="472963" cy="480395"/>
+          </a:xfrm>
+          <a:prstGeom prst="rect">
+            <a:avLst/>
+          </a:prstGeom>
+        </p:spPr>
+      </p:pic>
+      <p:pic>
+        <p:nvPicPr>
+          <p:cNvPr id="55" name="그림 54">
+            <a:extLst>
+              <a:ext uri="{FF2B5EF4-FFF2-40B4-BE49-F238E27FC236}">
+                <a16:creationId xmlns:a16="http://schemas.microsoft.com/office/drawing/2014/main" id="{225DE08C-E4D0-F0DF-3CDF-CB415D79D42E}"/>
+              </a:ext>
+            </a:extLst>
+          </p:cNvPr>
+          <p:cNvPicPr>
+            <a:picLocks noChangeAspect="1"/>
+          </p:cNvPicPr>
+          <p:nvPr/>
+        </p:nvPicPr>
+        <p:blipFill rotWithShape="1">
+          <a:blip r:embed="rId17">
+            <a:duotone>
+              <a:schemeClr val="accent1">
+                <a:shade val="45000"/>
+                <a:satMod val="135000"/>
+              </a:schemeClr>
+              <a:prstClr val="white"/>
+            </a:duotone>
+          </a:blip>
+          <a:srcRect l="6507" r="6483" b="14266"/>
+          <a:stretch/>
+        </p:blipFill>
+        <p:spPr>
+          <a:xfrm>
+            <a:off x="6706858" y="5443904"/>
+            <a:ext cx="444739" cy="438219"/>
+          </a:xfrm>
+          <a:prstGeom prst="rect">
+            <a:avLst/>
+          </a:prstGeom>
+        </p:spPr>
+      </p:pic>
+      <p:pic>
+        <p:nvPicPr>
+          <p:cNvPr id="1282" name="그림 1281">
+            <a:extLst>
+              <a:ext uri="{FF2B5EF4-FFF2-40B4-BE49-F238E27FC236}">
+                <a16:creationId xmlns:a16="http://schemas.microsoft.com/office/drawing/2014/main" id="{BBAFE351-B01F-24A6-C4B5-4A2B5D666E94}"/>
+              </a:ext>
+            </a:extLst>
+          </p:cNvPr>
+          <p:cNvPicPr>
+            <a:picLocks noChangeAspect="1"/>
+          </p:cNvPicPr>
+          <p:nvPr/>
+        </p:nvPicPr>
         <p:blipFill>
-          <a:blip r:embed="rId14"/>
+          <a:blip r:embed="rId18"/>
           <a:stretch>
             <a:fillRect/>
           </a:stretch>
         </p:blipFill>
         <p:spPr>
           <a:xfrm>
-            <a:off x="8484679" y="2161062"/>
-            <a:ext cx="461326" cy="461326"/>
+            <a:off x="12121887" y="3255234"/>
+            <a:ext cx="462142" cy="462142"/>
           </a:xfrm>
           <a:prstGeom prst="rect">
             <a:avLst/>
           </a:prstGeom>
         </p:spPr>
       </p:pic>
+      <p:cxnSp>
+        <p:nvCxnSpPr>
+          <p:cNvPr id="1304" name="꺾인 연결선[E] 1303">
+            <a:extLst>
+              <a:ext uri="{FF2B5EF4-FFF2-40B4-BE49-F238E27FC236}">
+                <a16:creationId xmlns:a16="http://schemas.microsoft.com/office/drawing/2014/main" id="{C72891EE-A97E-9D6E-47CA-21EE82787F87}"/>
+              </a:ext>
+            </a:extLst>
+          </p:cNvPr>
+          <p:cNvCxnSpPr>
+            <a:cxnSpLocks/>
+            <a:stCxn id="1026" idx="1"/>
+            <a:endCxn id="1053" idx="3"/>
+          </p:cNvCxnSpPr>
+          <p:nvPr/>
+        </p:nvCxnSpPr>
+        <p:spPr>
+          <a:xfrm rot="10800000" flipV="1">
+            <a:off x="13008943" y="6498735"/>
+            <a:ext cx="900601" cy="471394"/>
+          </a:xfrm>
+          <a:prstGeom prst="bentConnector3">
+            <a:avLst>
+              <a:gd name="adj1" fmla="val 85927"/>
+            </a:avLst>
+          </a:prstGeom>
+        </p:spPr>
+        <p:style>
+          <a:lnRef idx="2">
+            <a:schemeClr val="accent1"/>
+          </a:lnRef>
+          <a:fillRef idx="0">
+            <a:schemeClr val="accent1"/>
+          </a:fillRef>
+          <a:effectRef idx="1">
+            <a:schemeClr val="accent1"/>
+          </a:effectRef>
+          <a:fontRef idx="minor">
+            <a:schemeClr val="tx1"/>
+          </a:fontRef>
+        </p:style>
+      </p:cxnSp>
+      <p:cxnSp>
+        <p:nvCxnSpPr>
+          <p:cNvPr id="1307" name="꺾인 연결선[E] 1306">
+            <a:extLst>
+              <a:ext uri="{FF2B5EF4-FFF2-40B4-BE49-F238E27FC236}">
+                <a16:creationId xmlns:a16="http://schemas.microsoft.com/office/drawing/2014/main" id="{85D0B392-BB4C-2A48-775D-6061FCA7F40C}"/>
+              </a:ext>
+            </a:extLst>
+          </p:cNvPr>
+          <p:cNvCxnSpPr>
+            <a:cxnSpLocks/>
+            <a:stCxn id="3" idx="1"/>
+            <a:endCxn id="1053" idx="3"/>
+          </p:cNvCxnSpPr>
+          <p:nvPr/>
+        </p:nvCxnSpPr>
+        <p:spPr>
+          <a:xfrm rot="10800000">
+            <a:off x="13008942" y="6970129"/>
+            <a:ext cx="875984" cy="334338"/>
+          </a:xfrm>
+          <a:prstGeom prst="bentConnector3">
+            <a:avLst>
+              <a:gd name="adj1" fmla="val 86426"/>
+            </a:avLst>
+          </a:prstGeom>
+        </p:spPr>
+        <p:style>
+          <a:lnRef idx="2">
+            <a:schemeClr val="accent1"/>
+          </a:lnRef>
+          <a:fillRef idx="0">
+            <a:schemeClr val="accent1"/>
+          </a:fillRef>
+          <a:effectRef idx="1">
+            <a:schemeClr val="accent1"/>
+          </a:effectRef>
+          <a:fontRef idx="minor">
+            <a:schemeClr val="tx1"/>
+          </a:fontRef>
+        </p:style>
+      </p:cxnSp>
       <p:sp>
         <p:nvSpPr>
-          <p:cNvPr id="28" name="제목 1">
-            <a:extLst>
-              <a:ext uri="{FF2B5EF4-FFF2-40B4-BE49-F238E27FC236}">
-                <a16:creationId xmlns:a16="http://schemas.microsoft.com/office/drawing/2014/main" id="{D296726A-F03D-3D43-3444-11996D685CB9}"/>
+          <p:cNvPr id="1321" name="제목 1">
+            <a:extLst>
+              <a:ext uri="{FF2B5EF4-FFF2-40B4-BE49-F238E27FC236}">
+                <a16:creationId xmlns:a16="http://schemas.microsoft.com/office/drawing/2014/main" id="{8B82FBC2-A70B-5056-EB88-E560B8E8DC46}"/>
               </a:ext>
             </a:extLst>
           </p:cNvPr>
@@ -10667,15 +11044,12 @@
         </p:nvSpPr>
         <p:spPr>
           <a:xfrm>
-            <a:off x="8213879" y="6025511"/>
-            <a:ext cx="967879" cy="387771"/>
+            <a:off x="9528153" y="3015036"/>
+            <a:ext cx="926279" cy="267998"/>
           </a:xfrm>
           <a:prstGeom prst="rect">
             <a:avLst/>
           </a:prstGeom>
-          <a:solidFill>
-            <a:srgbClr val="156082"/>
-          </a:solidFill>
         </p:spPr>
         <p:txBody>
           <a:bodyPr vert="horz" lIns="91440" tIns="45720" rIns="91440" bIns="45720" rtlCol="0" anchor="ctr">
@@ -10704,33 +11078,13 @@
             <a:pPr algn="ctr"/>
             <a:r>
               <a:rPr kumimoji="1" lang="en-US" altLang="ko-KR" sz="900" b="1" dirty="0">
-                <a:solidFill>
-                  <a:schemeClr val="bg1"/>
-                </a:solidFill>
                 <a:latin typeface="KoPubWorldDotum Bold" pitchFamily="2" charset="-127"/>
                 <a:ea typeface="KoPubWorldDotum Bold" pitchFamily="2" charset="-127"/>
                 <a:cs typeface="KoPubWorldDotum Bold" pitchFamily="2" charset="-127"/>
               </a:rPr>
-              <a:t>REST API</a:t>
-            </a:r>
-          </a:p>
-          <a:p>
-            <a:pPr algn="ctr"/>
-            <a:r>
-              <a:rPr kumimoji="1" lang="en-US" altLang="ko-KR" sz="900" b="1" dirty="0">
-                <a:solidFill>
-                  <a:schemeClr val="bg1"/>
-                </a:solidFill>
-                <a:latin typeface="KoPubWorldDotum Bold" pitchFamily="2" charset="-127"/>
-                <a:ea typeface="KoPubWorldDotum Bold" pitchFamily="2" charset="-127"/>
-                <a:cs typeface="KoPubWorldDotum Bold" pitchFamily="2" charset="-127"/>
-              </a:rPr>
-              <a:t>(Auth)</a:t>
+              <a:t>API Gateway</a:t>
             </a:r>
             <a:endParaRPr kumimoji="1" lang="ko-KR" altLang="en-US" sz="900" b="1" dirty="0">
-              <a:solidFill>
-                <a:schemeClr val="bg1"/>
-              </a:solidFill>
               <a:latin typeface="KoPubWorldDotum Bold" pitchFamily="2" charset="-127"/>
               <a:ea typeface="KoPubWorldDotum Bold" pitchFamily="2" charset="-127"/>
               <a:cs typeface="KoPubWorldDotum Bold" pitchFamily="2" charset="-127"/>
@@ -10740,10 +11094,10 @@
       </p:sp>
       <p:sp>
         <p:nvSpPr>
-          <p:cNvPr id="51" name="처리 50">
-            <a:extLst>
-              <a:ext uri="{FF2B5EF4-FFF2-40B4-BE49-F238E27FC236}">
-                <a16:creationId xmlns:a16="http://schemas.microsoft.com/office/drawing/2014/main" id="{D5CCB231-067F-48EF-1DA6-844DE8F5BCC5}"/>
+          <p:cNvPr id="1387" name="직사각형 1386">
+            <a:extLst>
+              <a:ext uri="{FF2B5EF4-FFF2-40B4-BE49-F238E27FC236}">
+                <a16:creationId xmlns:a16="http://schemas.microsoft.com/office/drawing/2014/main" id="{92016821-DF80-2676-AC28-D1920624FCBF}"/>
               </a:ext>
             </a:extLst>
           </p:cNvPr>
@@ -10752,17 +11106,18 @@
         </p:nvSpPr>
         <p:spPr>
           <a:xfrm>
-            <a:off x="10503505" y="6103605"/>
-            <a:ext cx="1200406" cy="245334"/>
-          </a:xfrm>
-          <a:prstGeom prst="flowChartProcess">
-            <a:avLst/>
-          </a:prstGeom>
-          <a:solidFill>
-            <a:schemeClr val="accent1"/>
-          </a:solidFill>
+            <a:off x="5332819" y="5306597"/>
+            <a:ext cx="1997897" cy="700696"/>
+          </a:xfrm>
+          <a:prstGeom prst="rect">
+            <a:avLst/>
+          </a:prstGeom>
+          <a:noFill/>
           <a:ln>
-            <a:noFill/>
+            <a:solidFill>
+              <a:srgbClr val="156082"/>
+            </a:solidFill>
+            <a:prstDash val="sysDash"/>
           </a:ln>
         </p:spPr>
         <p:style>
@@ -10786,136 +11141,46 @@
           <a:lstStyle/>
           <a:p>
             <a:pPr algn="ctr"/>
-            <a:r>
-              <a:rPr kumimoji="1" lang="en-US" altLang="ko-KR" sz="900" b="1" dirty="0" err="1">
-                <a:latin typeface="KoPubWorldDotum Bold" pitchFamily="2" charset="-127"/>
-                <a:ea typeface="KoPubWorldDotum Bold" pitchFamily="2" charset="-127"/>
-                <a:cs typeface="KoPubWorldDotum Bold" pitchFamily="2" charset="-127"/>
-              </a:rPr>
-              <a:t>UserInfo</a:t>
-            </a:r>
-            <a:endParaRPr kumimoji="1" lang="ko-KR" altLang="en-US" sz="900" b="1" dirty="0">
-              <a:latin typeface="KoPubWorldDotum Bold" pitchFamily="2" charset="-127"/>
-              <a:ea typeface="KoPubWorldDotum Bold" pitchFamily="2" charset="-127"/>
-              <a:cs typeface="KoPubWorldDotum Bold" pitchFamily="2" charset="-127"/>
-            </a:endParaRPr>
+            <a:endParaRPr kumimoji="1" lang="ko-KR" altLang="en-US" sz="900"/>
           </a:p>
         </p:txBody>
       </p:sp>
+      <p:pic>
+        <p:nvPicPr>
+          <p:cNvPr id="22" name="그림 21">
+            <a:extLst>
+              <a:ext uri="{FF2B5EF4-FFF2-40B4-BE49-F238E27FC236}">
+                <a16:creationId xmlns:a16="http://schemas.microsoft.com/office/drawing/2014/main" id="{D2333B75-D60C-9933-5A6C-1FC8BF360EB6}"/>
+              </a:ext>
+            </a:extLst>
+          </p:cNvPr>
+          <p:cNvPicPr>
+            <a:picLocks noChangeAspect="1"/>
+          </p:cNvPicPr>
+          <p:nvPr/>
+        </p:nvPicPr>
+        <p:blipFill>
+          <a:blip r:embed="rId19"/>
+          <a:stretch>
+            <a:fillRect/>
+          </a:stretch>
+        </p:blipFill>
+        <p:spPr>
+          <a:xfrm>
+            <a:off x="8164207" y="1833455"/>
+            <a:ext cx="462142" cy="462142"/>
+          </a:xfrm>
+          <a:prstGeom prst="rect">
+            <a:avLst/>
+          </a:prstGeom>
+        </p:spPr>
+      </p:pic>
       <p:sp>
         <p:nvSpPr>
-          <p:cNvPr id="7" name="처리 6">
-            <a:extLst>
-              <a:ext uri="{FF2B5EF4-FFF2-40B4-BE49-F238E27FC236}">
-                <a16:creationId xmlns:a16="http://schemas.microsoft.com/office/drawing/2014/main" id="{2F58B189-C692-A414-8EA3-4589E9AFC6A9}"/>
-              </a:ext>
-            </a:extLst>
-          </p:cNvPr>
-          <p:cNvSpPr/>
-          <p:nvPr/>
-        </p:nvSpPr>
-        <p:spPr>
-          <a:xfrm>
-            <a:off x="10503505" y="3272852"/>
-            <a:ext cx="1203109" cy="243942"/>
-          </a:xfrm>
-          <a:prstGeom prst="flowChartProcess">
-            <a:avLst/>
-          </a:prstGeom>
-          <a:solidFill>
-            <a:schemeClr val="accent1"/>
-          </a:solidFill>
-          <a:ln>
-            <a:noFill/>
-          </a:ln>
-        </p:spPr>
-        <p:style>
-          <a:lnRef idx="2">
-            <a:schemeClr val="accent1">
-              <a:shade val="15000"/>
-            </a:schemeClr>
-          </a:lnRef>
-          <a:fillRef idx="1">
-            <a:schemeClr val="accent1"/>
-          </a:fillRef>
-          <a:effectRef idx="0">
-            <a:schemeClr val="accent1"/>
-          </a:effectRef>
-          <a:fontRef idx="minor">
-            <a:schemeClr val="lt1"/>
-          </a:fontRef>
-        </p:style>
-        <p:txBody>
-          <a:bodyPr rtlCol="0" anchor="ctr"/>
-          <a:lstStyle/>
-          <a:p>
-            <a:pPr algn="ctr"/>
-            <a:r>
-              <a:rPr kumimoji="1" lang="en-US" altLang="ko-KR" sz="900" b="1" dirty="0" err="1">
-                <a:latin typeface="KoPubWorldDotum Bold" pitchFamily="2" charset="-127"/>
-                <a:ea typeface="KoPubWorldDotum Bold" pitchFamily="2" charset="-127"/>
-                <a:cs typeface="KoPubWorldDotum Bold" pitchFamily="2" charset="-127"/>
-              </a:rPr>
-              <a:t>GetSessionMsg</a:t>
-            </a:r>
-            <a:endParaRPr kumimoji="1" lang="ko-KR" altLang="en-US" sz="900" b="1" dirty="0">
-              <a:latin typeface="KoPubWorldDotum Bold" pitchFamily="2" charset="-127"/>
-              <a:ea typeface="KoPubWorldDotum Bold" pitchFamily="2" charset="-127"/>
-              <a:cs typeface="KoPubWorldDotum Bold" pitchFamily="2" charset="-127"/>
-            </a:endParaRPr>
-          </a:p>
-        </p:txBody>
-      </p:sp>
-      <p:cxnSp>
-        <p:nvCxnSpPr>
-          <p:cNvPr id="1266" name="직선 화살표 연결선 1265">
-            <a:extLst>
-              <a:ext uri="{FF2B5EF4-FFF2-40B4-BE49-F238E27FC236}">
-                <a16:creationId xmlns:a16="http://schemas.microsoft.com/office/drawing/2014/main" id="{35C7AA75-6D3C-158F-D9A2-28D83FC3B848}"/>
-              </a:ext>
-            </a:extLst>
-          </p:cNvPr>
-          <p:cNvCxnSpPr>
-            <a:cxnSpLocks/>
-            <a:stCxn id="53" idx="1"/>
-            <a:endCxn id="51" idx="3"/>
-          </p:cNvCxnSpPr>
-          <p:nvPr/>
-        </p:nvCxnSpPr>
-        <p:spPr>
-          <a:xfrm flipH="1">
-            <a:off x="11703911" y="6214908"/>
-            <a:ext cx="1666067" cy="11364"/>
-          </a:xfrm>
-          <a:prstGeom prst="straightConnector1">
-            <a:avLst/>
-          </a:prstGeom>
-          <a:ln>
-            <a:headEnd type="none" w="med" len="med"/>
-            <a:tailEnd type="none" w="med" len="med"/>
-          </a:ln>
-        </p:spPr>
-        <p:style>
-          <a:lnRef idx="2">
-            <a:schemeClr val="accent1"/>
-          </a:lnRef>
-          <a:fillRef idx="0">
-            <a:schemeClr val="accent1"/>
-          </a:fillRef>
-          <a:effectRef idx="1">
-            <a:schemeClr val="accent1"/>
-          </a:effectRef>
-          <a:fontRef idx="minor">
-            <a:schemeClr val="tx1"/>
-          </a:fontRef>
-        </p:style>
-      </p:cxnSp>
-      <p:sp>
-        <p:nvSpPr>
-          <p:cNvPr id="1281" name="제목 1">
-            <a:extLst>
-              <a:ext uri="{FF2B5EF4-FFF2-40B4-BE49-F238E27FC236}">
-                <a16:creationId xmlns:a16="http://schemas.microsoft.com/office/drawing/2014/main" id="{FF0CFD82-8918-EA6B-8C9A-567BD293F0F1}"/>
+          <p:cNvPr id="24" name="제목 1">
+            <a:extLst>
+              <a:ext uri="{FF2B5EF4-FFF2-40B4-BE49-F238E27FC236}">
+                <a16:creationId xmlns:a16="http://schemas.microsoft.com/office/drawing/2014/main" id="{F26C1E1A-00F8-52FD-9B29-C0DECBC994D6}"/>
               </a:ext>
             </a:extLst>
           </p:cNvPr>
@@ -10926,8 +11191,8 @@
         </p:nvSpPr>
         <p:spPr>
           <a:xfrm>
-            <a:off x="10711284" y="1892727"/>
-            <a:ext cx="739201" cy="267998"/>
+            <a:off x="7766448" y="1639572"/>
+            <a:ext cx="1257659" cy="236354"/>
           </a:xfrm>
           <a:prstGeom prst="rect">
             <a:avLst/>
@@ -10964,7 +11229,7 @@
                 <a:ea typeface="KoPubWorldDotum Bold" pitchFamily="2" charset="-127"/>
                 <a:cs typeface="KoPubWorldDotum Bold" pitchFamily="2" charset="-127"/>
               </a:rPr>
-              <a:t>Lambda</a:t>
+              <a:t>Athena</a:t>
             </a:r>
             <a:endParaRPr kumimoji="1" lang="ko-KR" altLang="en-US" sz="900" b="1" dirty="0">
               <a:latin typeface="KoPubWorldDotum Bold" pitchFamily="2" charset="-127"/>
@@ -10974,117 +11239,65 @@
           </a:p>
         </p:txBody>
       </p:sp>
-      <p:cxnSp>
-        <p:nvCxnSpPr>
-          <p:cNvPr id="1330" name="직선 화살표 연결선 1329">
-            <a:extLst>
-              <a:ext uri="{FF2B5EF4-FFF2-40B4-BE49-F238E27FC236}">
-                <a16:creationId xmlns:a16="http://schemas.microsoft.com/office/drawing/2014/main" id="{0A4AD28A-ABAF-7706-8237-ECA08EB7CE5B}"/>
-              </a:ext>
-            </a:extLst>
-          </p:cNvPr>
-          <p:cNvCxnSpPr>
-            <a:cxnSpLocks/>
-          </p:cNvCxnSpPr>
-          <p:nvPr/>
-        </p:nvCxnSpPr>
-        <p:spPr>
-          <a:xfrm flipH="1">
-            <a:off x="1139846" y="11601513"/>
-            <a:ext cx="11198699" cy="0"/>
-          </a:xfrm>
-          <a:prstGeom prst="straightConnector1">
-            <a:avLst/>
-          </a:prstGeom>
+      <p:sp>
+        <p:nvSpPr>
+          <p:cNvPr id="25" name="직사각형 24">
+            <a:extLst>
+              <a:ext uri="{FF2B5EF4-FFF2-40B4-BE49-F238E27FC236}">
+                <a16:creationId xmlns:a16="http://schemas.microsoft.com/office/drawing/2014/main" id="{D9506844-BED0-1286-314E-61B7A01B1904}"/>
+              </a:ext>
+            </a:extLst>
+          </p:cNvPr>
+          <p:cNvSpPr/>
+          <p:nvPr/>
+        </p:nvSpPr>
+        <p:spPr>
+          <a:xfrm>
+            <a:off x="5330216" y="4161689"/>
+            <a:ext cx="1997897" cy="700696"/>
+          </a:xfrm>
+          <a:prstGeom prst="rect">
+            <a:avLst/>
+          </a:prstGeom>
+          <a:noFill/>
           <a:ln>
             <a:solidFill>
-              <a:srgbClr val="FF0000"/>
+              <a:srgbClr val="156082"/>
             </a:solidFill>
-            <a:headEnd type="none" w="med" len="med"/>
-            <a:tailEnd type="none" w="med" len="med"/>
+            <a:prstDash val="sysDash"/>
           </a:ln>
         </p:spPr>
         <p:style>
           <a:lnRef idx="2">
-            <a:schemeClr val="accent1"/>
+            <a:schemeClr val="accent1">
+              <a:shade val="15000"/>
+            </a:schemeClr>
           </a:lnRef>
-          <a:fillRef idx="0">
+          <a:fillRef idx="1">
             <a:schemeClr val="accent1"/>
           </a:fillRef>
-          <a:effectRef idx="1">
+          <a:effectRef idx="0">
             <a:schemeClr val="accent1"/>
           </a:effectRef>
           <a:fontRef idx="minor">
-            <a:schemeClr val="tx1"/>
+            <a:schemeClr val="lt1"/>
           </a:fontRef>
         </p:style>
-      </p:cxnSp>
-      <p:pic>
-        <p:nvPicPr>
-          <p:cNvPr id="23" name="그림 22">
-            <a:extLst>
-              <a:ext uri="{FF2B5EF4-FFF2-40B4-BE49-F238E27FC236}">
-                <a16:creationId xmlns:a16="http://schemas.microsoft.com/office/drawing/2014/main" id="{AC4A61BD-7967-6BC8-24DA-796154C8C30C}"/>
-              </a:ext>
-            </a:extLst>
-          </p:cNvPr>
-          <p:cNvPicPr>
-            <a:picLocks noChangeAspect="1"/>
-          </p:cNvPicPr>
-          <p:nvPr/>
-        </p:nvPicPr>
-        <p:blipFill>
-          <a:blip r:embed="rId15"/>
-          <a:stretch>
-            <a:fillRect/>
-          </a:stretch>
-        </p:blipFill>
-        <p:spPr>
-          <a:xfrm>
-            <a:off x="16660472" y="5042805"/>
-            <a:ext cx="465430" cy="465430"/>
-          </a:xfrm>
-          <a:prstGeom prst="rect">
-            <a:avLst/>
-          </a:prstGeom>
-        </p:spPr>
-      </p:pic>
-      <p:pic>
-        <p:nvPicPr>
-          <p:cNvPr id="14" name="그림 13">
-            <a:extLst>
-              <a:ext uri="{FF2B5EF4-FFF2-40B4-BE49-F238E27FC236}">
-                <a16:creationId xmlns:a16="http://schemas.microsoft.com/office/drawing/2014/main" id="{71DBA4B4-25A0-5D0D-19A2-D02C50ACB8D0}"/>
-              </a:ext>
-            </a:extLst>
-          </p:cNvPr>
-          <p:cNvPicPr>
-            <a:picLocks noChangeAspect="1"/>
-          </p:cNvPicPr>
-          <p:nvPr/>
-        </p:nvPicPr>
-        <p:blipFill>
-          <a:blip r:embed="rId16"/>
-          <a:stretch>
-            <a:fillRect/>
-          </a:stretch>
-        </p:blipFill>
-        <p:spPr>
-          <a:xfrm>
-            <a:off x="6860510" y="3516835"/>
-            <a:ext cx="461326" cy="461326"/>
-          </a:xfrm>
-          <a:prstGeom prst="rect">
-            <a:avLst/>
-          </a:prstGeom>
-        </p:spPr>
-      </p:pic>
+        <p:txBody>
+          <a:bodyPr rtlCol="0" anchor="ctr"/>
+          <a:lstStyle/>
+          <a:p>
+            <a:pPr algn="ctr"/>
+            <a:endParaRPr kumimoji="1" lang="ko-KR" altLang="en-US" sz="900"/>
+          </a:p>
+        </p:txBody>
+      </p:sp>
       <p:sp>
         <p:nvSpPr>
-          <p:cNvPr id="47" name="제목 1">
-            <a:extLst>
-              <a:ext uri="{FF2B5EF4-FFF2-40B4-BE49-F238E27FC236}">
-                <a16:creationId xmlns:a16="http://schemas.microsoft.com/office/drawing/2014/main" id="{BA6437DA-1E87-2A60-6AEA-1DCAC8B6D3C7}"/>
+          <p:cNvPr id="29" name="제목 1">
+            <a:extLst>
+              <a:ext uri="{FF2B5EF4-FFF2-40B4-BE49-F238E27FC236}">
+                <a16:creationId xmlns:a16="http://schemas.microsoft.com/office/drawing/2014/main" id="{A7EC2B79-50AE-8C30-7BE5-484D3CCB1FD2}"/>
               </a:ext>
             </a:extLst>
           </p:cNvPr>
@@ -11095,12 +11308,15 @@
         </p:nvSpPr>
         <p:spPr>
           <a:xfrm>
-            <a:off x="6434088" y="3986075"/>
-            <a:ext cx="1314173" cy="267998"/>
+            <a:off x="6034294" y="4310377"/>
+            <a:ext cx="512382" cy="387771"/>
           </a:xfrm>
           <a:prstGeom prst="rect">
             <a:avLst/>
           </a:prstGeom>
+          <a:solidFill>
+            <a:srgbClr val="156082"/>
+          </a:solidFill>
         </p:spPr>
         <p:txBody>
           <a:bodyPr vert="horz" lIns="91440" tIns="45720" rIns="91440" bIns="45720" rtlCol="0" anchor="ctr">
@@ -11129,43 +11345,52 @@
             <a:pPr algn="ctr"/>
             <a:r>
               <a:rPr kumimoji="1" lang="en-US" altLang="ko-KR" sz="900" b="1" dirty="0">
+                <a:solidFill>
+                  <a:schemeClr val="bg1"/>
+                </a:solidFill>
                 <a:latin typeface="KoPubWorldDotum Bold" pitchFamily="2" charset="-127"/>
                 <a:ea typeface="KoPubWorldDotum Bold" pitchFamily="2" charset="-127"/>
                 <a:cs typeface="KoPubWorldDotum Bold" pitchFamily="2" charset="-127"/>
               </a:rPr>
-              <a:t>SSM Parameter Store</a:t>
-            </a:r>
+              <a:t>logs</a:t>
+            </a:r>
+            <a:endParaRPr kumimoji="1" lang="ko-KR" altLang="en-US" sz="900" b="1" dirty="0">
+              <a:solidFill>
+                <a:schemeClr val="bg1"/>
+              </a:solidFill>
+              <a:latin typeface="KoPubWorldDotum Bold" pitchFamily="2" charset="-127"/>
+              <a:ea typeface="KoPubWorldDotum Bold" pitchFamily="2" charset="-127"/>
+              <a:cs typeface="KoPubWorldDotum Bold" pitchFamily="2" charset="-127"/>
+            </a:endParaRPr>
           </a:p>
         </p:txBody>
       </p:sp>
       <p:cxnSp>
         <p:nvCxnSpPr>
-          <p:cNvPr id="1079" name="직선 화살표 연결선 1078">
-            <a:extLst>
-              <a:ext uri="{FF2B5EF4-FFF2-40B4-BE49-F238E27FC236}">
-                <a16:creationId xmlns:a16="http://schemas.microsoft.com/office/drawing/2014/main" id="{9CF04B74-8B16-40A4-2199-CE6A131D7B71}"/>
+          <p:cNvPr id="10" name="꺾인 연결선[E] 9">
+            <a:extLst>
+              <a:ext uri="{FF2B5EF4-FFF2-40B4-BE49-F238E27FC236}">
+                <a16:creationId xmlns:a16="http://schemas.microsoft.com/office/drawing/2014/main" id="{2D29D2D6-87F4-C7B4-E26C-5D92C501ECF4}"/>
               </a:ext>
             </a:extLst>
           </p:cNvPr>
           <p:cNvCxnSpPr>
             <a:cxnSpLocks/>
-            <a:stCxn id="17" idx="1"/>
-            <a:endCxn id="1026" idx="3"/>
+            <a:stCxn id="58" idx="1"/>
+            <a:endCxn id="1387" idx="3"/>
           </p:cNvCxnSpPr>
           <p:nvPr/>
         </p:nvCxnSpPr>
         <p:spPr>
-          <a:xfrm flipH="1" flipV="1">
-            <a:off x="13791166" y="4488598"/>
-            <a:ext cx="1250375" cy="6943"/>
-          </a:xfrm>
-          <a:prstGeom prst="straightConnector1">
-            <a:avLst/>
-          </a:prstGeom>
-          <a:ln>
-            <a:headEnd type="none" w="med" len="med"/>
-            <a:tailEnd type="none" w="med" len="med"/>
-          </a:ln>
+          <a:xfrm rot="10800000">
+            <a:off x="7330717" y="5656946"/>
+            <a:ext cx="2203813" cy="77527"/>
+          </a:xfrm>
+          <a:prstGeom prst="bentConnector3">
+            <a:avLst>
+              <a:gd name="adj1" fmla="val 4495"/>
+            </a:avLst>
+          </a:prstGeom>
         </p:spPr>
         <p:style>
           <a:lnRef idx="2">
@@ -11184,32 +11409,30 @@
       </p:cxnSp>
       <p:cxnSp>
         <p:nvCxnSpPr>
-          <p:cNvPr id="1081" name="직선 화살표 연결선 1080">
-            <a:extLst>
-              <a:ext uri="{FF2B5EF4-FFF2-40B4-BE49-F238E27FC236}">
-                <a16:creationId xmlns:a16="http://schemas.microsoft.com/office/drawing/2014/main" id="{499FAE31-E5A4-C799-5C85-5B36664045FB}"/>
+          <p:cNvPr id="21" name="꺾인 연결선[E] 20">
+            <a:extLst>
+              <a:ext uri="{FF2B5EF4-FFF2-40B4-BE49-F238E27FC236}">
+                <a16:creationId xmlns:a16="http://schemas.microsoft.com/office/drawing/2014/main" id="{9F0380B2-BCFC-D739-F160-C58614F63999}"/>
               </a:ext>
             </a:extLst>
           </p:cNvPr>
           <p:cNvCxnSpPr>
             <a:cxnSpLocks/>
-            <a:stCxn id="13" idx="1"/>
-            <a:endCxn id="3" idx="3"/>
+            <a:stCxn id="48" idx="1"/>
+            <a:endCxn id="1387" idx="3"/>
           </p:cNvCxnSpPr>
           <p:nvPr/>
         </p:nvCxnSpPr>
         <p:spPr>
-          <a:xfrm flipH="1">
-            <a:off x="13766549" y="5290640"/>
-            <a:ext cx="1252004" cy="3690"/>
-          </a:xfrm>
-          <a:prstGeom prst="straightConnector1">
-            <a:avLst/>
-          </a:prstGeom>
-          <a:ln>
-            <a:headEnd type="none" w="med" len="med"/>
-            <a:tailEnd type="none" w="med" len="med"/>
-          </a:ln>
+          <a:xfrm rot="10800000">
+            <a:off x="7330716" y="5656946"/>
+            <a:ext cx="2185492" cy="1315105"/>
+          </a:xfrm>
+          <a:prstGeom prst="bentConnector3">
+            <a:avLst>
+              <a:gd name="adj1" fmla="val 3554"/>
+            </a:avLst>
+          </a:prstGeom>
         </p:spPr>
         <p:style>
           <a:lnRef idx="2">
@@ -11226,12 +11449,125 @@
           </a:fontRef>
         </p:style>
       </p:cxnSp>
+      <p:cxnSp>
+        <p:nvCxnSpPr>
+          <p:cNvPr id="35" name="꺾인 연결선[E] 34">
+            <a:extLst>
+              <a:ext uri="{FF2B5EF4-FFF2-40B4-BE49-F238E27FC236}">
+                <a16:creationId xmlns:a16="http://schemas.microsoft.com/office/drawing/2014/main" id="{785E2163-03A4-C769-BACC-C8EFA654FFDD}"/>
+              </a:ext>
+            </a:extLst>
+          </p:cNvPr>
+          <p:cNvCxnSpPr>
+            <a:cxnSpLocks/>
+            <a:stCxn id="1368" idx="1"/>
+            <a:endCxn id="1387" idx="3"/>
+          </p:cNvCxnSpPr>
+          <p:nvPr/>
+        </p:nvCxnSpPr>
+        <p:spPr>
+          <a:xfrm rot="10800000" flipV="1">
+            <a:off x="7330717" y="4628843"/>
+            <a:ext cx="2185491" cy="1028102"/>
+          </a:xfrm>
+          <a:prstGeom prst="bentConnector3">
+            <a:avLst>
+              <a:gd name="adj1" fmla="val 3512"/>
+            </a:avLst>
+          </a:prstGeom>
+        </p:spPr>
+        <p:style>
+          <a:lnRef idx="2">
+            <a:schemeClr val="accent1"/>
+          </a:lnRef>
+          <a:fillRef idx="0">
+            <a:schemeClr val="accent1"/>
+          </a:fillRef>
+          <a:effectRef idx="1">
+            <a:schemeClr val="accent1"/>
+          </a:effectRef>
+          <a:fontRef idx="minor">
+            <a:schemeClr val="tx1"/>
+          </a:fontRef>
+        </p:style>
+      </p:cxnSp>
+      <p:cxnSp>
+        <p:nvCxnSpPr>
+          <p:cNvPr id="46" name="꺾인 연결선[E] 45">
+            <a:extLst>
+              <a:ext uri="{FF2B5EF4-FFF2-40B4-BE49-F238E27FC236}">
+                <a16:creationId xmlns:a16="http://schemas.microsoft.com/office/drawing/2014/main" id="{73601330-F47C-B76E-4E47-FEC090DDEB75}"/>
+              </a:ext>
+            </a:extLst>
+          </p:cNvPr>
+          <p:cNvCxnSpPr>
+            <a:cxnSpLocks/>
+            <a:endCxn id="1387" idx="3"/>
+          </p:cNvCxnSpPr>
+          <p:nvPr/>
+        </p:nvCxnSpPr>
+        <p:spPr>
+          <a:xfrm rot="5400000">
+            <a:off x="6951291" y="4193780"/>
+            <a:ext cx="1842590" cy="1083740"/>
+          </a:xfrm>
+          <a:prstGeom prst="bentConnector2">
+            <a:avLst/>
+          </a:prstGeom>
+        </p:spPr>
+        <p:style>
+          <a:lnRef idx="2">
+            <a:schemeClr val="accent1"/>
+          </a:lnRef>
+          <a:fillRef idx="0">
+            <a:schemeClr val="accent1"/>
+          </a:fillRef>
+          <a:effectRef idx="1">
+            <a:schemeClr val="accent1"/>
+          </a:effectRef>
+          <a:fontRef idx="minor">
+            <a:schemeClr val="tx1"/>
+          </a:fontRef>
+        </p:style>
+      </p:cxnSp>
+      <p:pic>
+        <p:nvPicPr>
+          <p:cNvPr id="1364" name="그림 1363">
+            <a:extLst>
+              <a:ext uri="{FF2B5EF4-FFF2-40B4-BE49-F238E27FC236}">
+                <a16:creationId xmlns:a16="http://schemas.microsoft.com/office/drawing/2014/main" id="{341488FF-93C0-A601-6CE8-363A04D1A25A}"/>
+              </a:ext>
+            </a:extLst>
+          </p:cNvPr>
+          <p:cNvPicPr>
+            <a:picLocks noChangeAspect="1"/>
+          </p:cNvPicPr>
+          <p:nvPr/>
+        </p:nvPicPr>
+        <p:blipFill>
+          <a:blip r:embed="rId20">
+            <a:alphaModFix/>
+          </a:blip>
+          <a:stretch>
+            <a:fillRect/>
+          </a:stretch>
+        </p:blipFill>
+        <p:spPr>
+          <a:xfrm>
+            <a:off x="13953785" y="4399078"/>
+            <a:ext cx="461327" cy="461327"/>
+          </a:xfrm>
+          <a:prstGeom prst="rect">
+            <a:avLst/>
+          </a:prstGeom>
+        </p:spPr>
+      </p:pic>
       <p:sp>
         <p:nvSpPr>
-          <p:cNvPr id="1217" name="제목 1">
-            <a:extLst>
-              <a:ext uri="{FF2B5EF4-FFF2-40B4-BE49-F238E27FC236}">
-                <a16:creationId xmlns:a16="http://schemas.microsoft.com/office/drawing/2014/main" id="{9DFD3D5D-CDEB-B859-0DFB-9E92EE6AA8C9}"/>
+          <p:cNvPr id="1365" name="제목 1">
+            <a:extLst>
+              <a:ext uri="{FF2B5EF4-FFF2-40B4-BE49-F238E27FC236}">
+                <a16:creationId xmlns:a16="http://schemas.microsoft.com/office/drawing/2014/main" id="{EF62E46B-C322-4C4A-78D7-78862F5A2CC2}"/>
               </a:ext>
             </a:extLst>
           </p:cNvPr>
@@ -11242,8 +11578,8 @@
         </p:nvSpPr>
         <p:spPr>
           <a:xfrm>
-            <a:off x="16449141" y="5514720"/>
-            <a:ext cx="869150" cy="267998"/>
+            <a:off x="13480012" y="4196761"/>
+            <a:ext cx="1372683" cy="267998"/>
           </a:xfrm>
           <a:prstGeom prst="rect">
             <a:avLst/>
@@ -11280,617 +11616,86 @@
                 <a:ea typeface="KoPubWorldDotum Bold" pitchFamily="2" charset="-127"/>
                 <a:cs typeface="KoPubWorldDotum Bold" pitchFamily="2" charset="-127"/>
               </a:rPr>
-              <a:t>RDS</a:t>
-            </a:r>
-            <a:endParaRPr kumimoji="1" lang="ko-KR" altLang="en-US" sz="900" b="1" dirty="0">
-              <a:latin typeface="KoPubWorldDotum Bold" pitchFamily="2" charset="-127"/>
-              <a:ea typeface="KoPubWorldDotum Bold" pitchFamily="2" charset="-127"/>
-              <a:cs typeface="KoPubWorldDotum Bold" pitchFamily="2" charset="-127"/>
-            </a:endParaRPr>
-          </a:p>
-        </p:txBody>
-      </p:sp>
-      <p:cxnSp>
-        <p:nvCxnSpPr>
-          <p:cNvPr id="1240" name="직선 화살표 연결선 1239">
-            <a:extLst>
-              <a:ext uri="{FF2B5EF4-FFF2-40B4-BE49-F238E27FC236}">
-                <a16:creationId xmlns:a16="http://schemas.microsoft.com/office/drawing/2014/main" id="{E1B90D06-F049-546C-298B-12F359379916}"/>
-              </a:ext>
-            </a:extLst>
-          </p:cNvPr>
-          <p:cNvCxnSpPr>
-            <a:cxnSpLocks/>
-            <a:stCxn id="13" idx="3"/>
-            <a:endCxn id="23" idx="1"/>
-          </p:cNvCxnSpPr>
-          <p:nvPr/>
-        </p:nvCxnSpPr>
-        <p:spPr>
-          <a:xfrm flipV="1">
-            <a:off x="15483983" y="5275520"/>
-            <a:ext cx="1176489" cy="15120"/>
-          </a:xfrm>
-          <a:prstGeom prst="straightConnector1">
-            <a:avLst/>
-          </a:prstGeom>
-          <a:ln>
-            <a:headEnd type="none" w="med" len="med"/>
-            <a:tailEnd type="none" w="med" len="med"/>
-          </a:ln>
-        </p:spPr>
-        <p:style>
-          <a:lnRef idx="2">
-            <a:schemeClr val="accent1"/>
-          </a:lnRef>
-          <a:fillRef idx="0">
-            <a:schemeClr val="accent1"/>
-          </a:fillRef>
-          <a:effectRef idx="1">
-            <a:schemeClr val="accent1"/>
-          </a:effectRef>
-          <a:fontRef idx="minor">
-            <a:schemeClr val="tx1"/>
-          </a:fontRef>
-        </p:style>
-      </p:cxnSp>
-      <p:cxnSp>
-        <p:nvCxnSpPr>
-          <p:cNvPr id="1246" name="직선 화살표 연결선 1245">
-            <a:extLst>
-              <a:ext uri="{FF2B5EF4-FFF2-40B4-BE49-F238E27FC236}">
-                <a16:creationId xmlns:a16="http://schemas.microsoft.com/office/drawing/2014/main" id="{BFD640ED-6644-24DE-0876-E93E5BAACCB5}"/>
-              </a:ext>
-            </a:extLst>
-          </p:cNvPr>
-          <p:cNvCxnSpPr>
-            <a:cxnSpLocks/>
-            <a:stCxn id="1028" idx="1"/>
-            <a:endCxn id="53" idx="3"/>
-          </p:cNvCxnSpPr>
-          <p:nvPr/>
-        </p:nvCxnSpPr>
-        <p:spPr>
-          <a:xfrm flipH="1">
-            <a:off x="13831305" y="6210350"/>
-            <a:ext cx="1160808" cy="4558"/>
-          </a:xfrm>
-          <a:prstGeom prst="straightConnector1">
-            <a:avLst/>
-          </a:prstGeom>
-          <a:ln>
-            <a:headEnd type="none" w="med" len="med"/>
-            <a:tailEnd type="none" w="med" len="med"/>
-          </a:ln>
-        </p:spPr>
-        <p:style>
-          <a:lnRef idx="2">
-            <a:schemeClr val="accent1"/>
-          </a:lnRef>
-          <a:fillRef idx="0">
-            <a:schemeClr val="accent1"/>
-          </a:fillRef>
-          <a:effectRef idx="1">
-            <a:schemeClr val="accent1"/>
-          </a:effectRef>
-          <a:fontRef idx="minor">
-            <a:schemeClr val="tx1"/>
-          </a:fontRef>
-        </p:style>
-      </p:cxnSp>
-      <p:pic>
-        <p:nvPicPr>
-          <p:cNvPr id="49" name="그림 48">
-            <a:extLst>
-              <a:ext uri="{FF2B5EF4-FFF2-40B4-BE49-F238E27FC236}">
-                <a16:creationId xmlns:a16="http://schemas.microsoft.com/office/drawing/2014/main" id="{6D309DDB-C7E9-A597-6773-2D20B90C08A9}"/>
-              </a:ext>
-            </a:extLst>
-          </p:cNvPr>
-          <p:cNvPicPr>
-            <a:picLocks noChangeAspect="1"/>
-          </p:cNvPicPr>
-          <p:nvPr/>
-        </p:nvPicPr>
-        <p:blipFill rotWithShape="1">
-          <a:blip r:embed="rId17">
-            <a:duotone>
-              <a:schemeClr val="accent1">
-                <a:shade val="45000"/>
-                <a:satMod val="135000"/>
-              </a:schemeClr>
-              <a:prstClr val="white"/>
-            </a:duotone>
-          </a:blip>
-          <a:srcRect l="15555" t="8281" r="15408" b="21898"/>
-          <a:stretch/>
-        </p:blipFill>
-        <p:spPr>
-          <a:xfrm>
-            <a:off x="4080782" y="4365105"/>
-            <a:ext cx="471321" cy="476674"/>
-          </a:xfrm>
-          <a:prstGeom prst="rect">
-            <a:avLst/>
-          </a:prstGeom>
-        </p:spPr>
-      </p:pic>
-      <p:pic>
-        <p:nvPicPr>
-          <p:cNvPr id="54" name="그림 53">
-            <a:extLst>
-              <a:ext uri="{FF2B5EF4-FFF2-40B4-BE49-F238E27FC236}">
-                <a16:creationId xmlns:a16="http://schemas.microsoft.com/office/drawing/2014/main" id="{F33E5A4C-52F1-1E6B-FF9B-30F3F9910BE2}"/>
-              </a:ext>
-            </a:extLst>
-          </p:cNvPr>
-          <p:cNvPicPr>
-            <a:picLocks noChangeAspect="1"/>
-          </p:cNvPicPr>
-          <p:nvPr/>
-        </p:nvPicPr>
-        <p:blipFill rotWithShape="1">
-          <a:blip r:embed="rId18">
-            <a:duotone>
-              <a:schemeClr val="accent1">
-                <a:shade val="45000"/>
-                <a:satMod val="135000"/>
-              </a:schemeClr>
-              <a:prstClr val="white"/>
-            </a:duotone>
-          </a:blip>
-          <a:srcRect l="15128" t="7976" r="15361" b="21421"/>
-          <a:stretch/>
-        </p:blipFill>
-        <p:spPr>
-          <a:xfrm>
-            <a:off x="4751784" y="4360903"/>
-            <a:ext cx="472963" cy="480395"/>
-          </a:xfrm>
-          <a:prstGeom prst="rect">
-            <a:avLst/>
-          </a:prstGeom>
-        </p:spPr>
-      </p:pic>
-      <p:pic>
-        <p:nvPicPr>
-          <p:cNvPr id="55" name="그림 54">
-            <a:extLst>
-              <a:ext uri="{FF2B5EF4-FFF2-40B4-BE49-F238E27FC236}">
-                <a16:creationId xmlns:a16="http://schemas.microsoft.com/office/drawing/2014/main" id="{225DE08C-E4D0-F0DF-3CDF-CB415D79D42E}"/>
-              </a:ext>
-            </a:extLst>
-          </p:cNvPr>
-          <p:cNvPicPr>
-            <a:picLocks noChangeAspect="1"/>
-          </p:cNvPicPr>
-          <p:nvPr/>
-        </p:nvPicPr>
-        <p:blipFill rotWithShape="1">
-          <a:blip r:embed="rId19">
-            <a:duotone>
-              <a:schemeClr val="accent1">
-                <a:shade val="45000"/>
-                <a:satMod val="135000"/>
-              </a:schemeClr>
-              <a:prstClr val="white"/>
-            </a:duotone>
-          </a:blip>
-          <a:srcRect l="6507" r="6483" b="14266"/>
-          <a:stretch/>
-        </p:blipFill>
-        <p:spPr>
-          <a:xfrm>
-            <a:off x="5404530" y="4349395"/>
-            <a:ext cx="444739" cy="438219"/>
-          </a:xfrm>
-          <a:prstGeom prst="rect">
-            <a:avLst/>
-          </a:prstGeom>
-        </p:spPr>
-      </p:pic>
-      <p:cxnSp>
-        <p:nvCxnSpPr>
-          <p:cNvPr id="1229" name="직선 화살표 연결선 1228">
-            <a:extLst>
-              <a:ext uri="{FF2B5EF4-FFF2-40B4-BE49-F238E27FC236}">
-                <a16:creationId xmlns:a16="http://schemas.microsoft.com/office/drawing/2014/main" id="{88E7C7BA-FE19-A867-1BEF-D31FDBAAF711}"/>
-              </a:ext>
-            </a:extLst>
-          </p:cNvPr>
-          <p:cNvCxnSpPr>
-            <a:cxnSpLocks/>
-            <a:stCxn id="63" idx="1"/>
-            <a:endCxn id="1413" idx="3"/>
-          </p:cNvCxnSpPr>
-          <p:nvPr/>
-        </p:nvCxnSpPr>
-        <p:spPr>
-          <a:xfrm flipH="1">
-            <a:off x="7289310" y="7984642"/>
-            <a:ext cx="3560695" cy="2007"/>
-          </a:xfrm>
-          <a:prstGeom prst="straightConnector1">
-            <a:avLst/>
-          </a:prstGeom>
-          <a:ln>
-            <a:headEnd type="none" w="med" len="med"/>
-            <a:tailEnd type="triangle" w="med" len="med"/>
-          </a:ln>
-        </p:spPr>
-        <p:style>
-          <a:lnRef idx="2">
-            <a:schemeClr val="accent1"/>
-          </a:lnRef>
-          <a:fillRef idx="0">
-            <a:schemeClr val="accent1"/>
-          </a:fillRef>
-          <a:effectRef idx="1">
-            <a:schemeClr val="accent1"/>
-          </a:effectRef>
-          <a:fontRef idx="minor">
-            <a:schemeClr val="tx1"/>
-          </a:fontRef>
-        </p:style>
-      </p:cxnSp>
-      <p:sp>
-        <p:nvSpPr>
-          <p:cNvPr id="1270" name="직사각형 1269">
-            <a:extLst>
-              <a:ext uri="{FF2B5EF4-FFF2-40B4-BE49-F238E27FC236}">
-                <a16:creationId xmlns:a16="http://schemas.microsoft.com/office/drawing/2014/main" id="{D7A4B624-8D64-8AB2-FA0B-ADED0211B1ED}"/>
-              </a:ext>
-            </a:extLst>
-          </p:cNvPr>
-          <p:cNvSpPr/>
-          <p:nvPr/>
-        </p:nvSpPr>
-        <p:spPr>
-          <a:xfrm>
-            <a:off x="10356191" y="5977161"/>
-            <a:ext cx="1442110" cy="531631"/>
-          </a:xfrm>
-          <a:prstGeom prst="rect">
-            <a:avLst/>
-          </a:prstGeom>
-          <a:noFill/>
-          <a:ln>
-            <a:solidFill>
-              <a:srgbClr val="156082"/>
-            </a:solidFill>
-            <a:prstDash val="sysDash"/>
-          </a:ln>
-        </p:spPr>
-        <p:style>
-          <a:lnRef idx="2">
-            <a:schemeClr val="accent1">
-              <a:shade val="15000"/>
-            </a:schemeClr>
-          </a:lnRef>
-          <a:fillRef idx="1">
-            <a:schemeClr val="accent1"/>
-          </a:fillRef>
-          <a:effectRef idx="0">
-            <a:schemeClr val="accent1"/>
-          </a:effectRef>
-          <a:fontRef idx="minor">
-            <a:schemeClr val="lt1"/>
-          </a:fontRef>
-        </p:style>
-        <p:txBody>
-          <a:bodyPr rtlCol="0" anchor="ctr"/>
-          <a:lstStyle/>
-          <a:p>
-            <a:pPr algn="ctr"/>
-            <a:endParaRPr kumimoji="1" lang="ko-KR" altLang="en-US" sz="900"/>
+              <a:t>Cognito</a:t>
+            </a:r>
+            <a:r>
+              <a:rPr kumimoji="1" lang="ko-KR" altLang="en-US" sz="900" b="1" dirty="0">
+                <a:latin typeface="KoPubWorldDotum Bold" pitchFamily="2" charset="-127"/>
+                <a:ea typeface="KoPubWorldDotum Bold" pitchFamily="2" charset="-127"/>
+                <a:cs typeface="KoPubWorldDotum Bold" pitchFamily="2" charset="-127"/>
+              </a:rPr>
+              <a:t> </a:t>
+            </a:r>
+            <a:r>
+              <a:rPr kumimoji="1" lang="en-US" altLang="ko-KR" sz="900" b="1" dirty="0">
+                <a:latin typeface="KoPubWorldDotum Bold" pitchFamily="2" charset="-127"/>
+                <a:ea typeface="KoPubWorldDotum Bold" pitchFamily="2" charset="-127"/>
+                <a:cs typeface="KoPubWorldDotum Bold" pitchFamily="2" charset="-127"/>
+              </a:rPr>
+              <a:t>User Pool</a:t>
+            </a:r>
+            <a:r>
+              <a:rPr kumimoji="1" lang="ko-KR" altLang="en-US" sz="900" b="1" dirty="0">
+                <a:latin typeface="KoPubWorldDotum Bold" pitchFamily="2" charset="-127"/>
+                <a:ea typeface="KoPubWorldDotum Bold" pitchFamily="2" charset="-127"/>
+                <a:cs typeface="KoPubWorldDotum Bold" pitchFamily="2" charset="-127"/>
+              </a:rPr>
+              <a:t> </a:t>
+            </a:r>
           </a:p>
         </p:txBody>
       </p:sp>
       <p:pic>
         <p:nvPicPr>
-          <p:cNvPr id="1282" name="그림 1281">
-            <a:extLst>
-              <a:ext uri="{FF2B5EF4-FFF2-40B4-BE49-F238E27FC236}">
-                <a16:creationId xmlns:a16="http://schemas.microsoft.com/office/drawing/2014/main" id="{BBAFE351-B01F-24A6-C4B5-4A2B5D666E94}"/>
+          <p:cNvPr id="1366" name="Picture 2" descr="JavaScript | Kakao Developers 문서">
+            <a:extLst>
+              <a:ext uri="{FF2B5EF4-FFF2-40B4-BE49-F238E27FC236}">
+                <a16:creationId xmlns:a16="http://schemas.microsoft.com/office/drawing/2014/main" id="{D9183634-D7D8-68FC-36F7-82A39535D445}"/>
               </a:ext>
             </a:extLst>
           </p:cNvPr>
           <p:cNvPicPr>
-            <a:picLocks noChangeAspect="1"/>
+            <a:picLocks noChangeAspect="1" noChangeArrowheads="1"/>
           </p:cNvPicPr>
           <p:nvPr/>
         </p:nvPicPr>
-        <p:blipFill>
-          <a:blip r:embed="rId20"/>
-          <a:stretch>
-            <a:fillRect/>
-          </a:stretch>
+        <p:blipFill rotWithShape="1">
+          <a:blip r:embed="rId21">
+            <a:extLst>
+              <a:ext uri="{28A0092B-C50C-407E-A947-70E740481C1C}">
+                <a14:useLocalDpi xmlns:a14="http://schemas.microsoft.com/office/drawing/2010/main" val="0"/>
+              </a:ext>
+            </a:extLst>
+          </a:blip>
+          <a:srcRect l="35001" t="35938" r="20859" b="37167"/>
+          <a:stretch/>
         </p:blipFill>
-        <p:spPr>
-          <a:xfrm>
-            <a:off x="10819559" y="2160725"/>
-            <a:ext cx="462142" cy="462142"/>
+        <p:spPr bwMode="auto">
+          <a:xfrm>
+            <a:off x="15443293" y="4463086"/>
+            <a:ext cx="649591" cy="333312"/>
           </a:xfrm>
           <a:prstGeom prst="rect">
             <a:avLst/>
           </a:prstGeom>
+          <a:noFill/>
+          <a:extLst>
+            <a:ext uri="{909E8E84-426E-40DD-AFC4-6F175D3DCCD1}">
+              <a14:hiddenFill xmlns:a14="http://schemas.microsoft.com/office/drawing/2010/main">
+                <a:solidFill>
+                  <a:srgbClr val="FFFFFF"/>
+                </a:solidFill>
+              </a14:hiddenFill>
+            </a:ext>
+          </a:extLst>
         </p:spPr>
       </p:pic>
-      <p:cxnSp>
-        <p:nvCxnSpPr>
-          <p:cNvPr id="1274" name="직선 화살표 연결선 1273">
-            <a:extLst>
-              <a:ext uri="{FF2B5EF4-FFF2-40B4-BE49-F238E27FC236}">
-                <a16:creationId xmlns:a16="http://schemas.microsoft.com/office/drawing/2014/main" id="{8A79098A-BCFE-862D-FBDA-B81964D4C05E}"/>
-              </a:ext>
-            </a:extLst>
-          </p:cNvPr>
-          <p:cNvCxnSpPr>
-            <a:cxnSpLocks/>
-            <a:stCxn id="58" idx="3"/>
-            <a:endCxn id="1043" idx="1"/>
-          </p:cNvCxnSpPr>
-          <p:nvPr/>
-        </p:nvCxnSpPr>
-        <p:spPr>
-          <a:xfrm>
-            <a:off x="9200080" y="3526097"/>
-            <a:ext cx="1226263" cy="9328"/>
-          </a:xfrm>
-          <a:prstGeom prst="straightConnector1">
-            <a:avLst/>
-          </a:prstGeom>
-          <a:ln>
-            <a:headEnd type="none" w="med" len="med"/>
-            <a:tailEnd type="none" w="med" len="med"/>
-          </a:ln>
-        </p:spPr>
-        <p:style>
-          <a:lnRef idx="2">
-            <a:schemeClr val="accent1"/>
-          </a:lnRef>
-          <a:fillRef idx="0">
-            <a:schemeClr val="accent1"/>
-          </a:fillRef>
-          <a:effectRef idx="1">
-            <a:schemeClr val="accent1"/>
-          </a:effectRef>
-          <a:fontRef idx="minor">
-            <a:schemeClr val="tx1"/>
-          </a:fontRef>
-        </p:style>
-      </p:cxnSp>
       <p:sp>
         <p:nvSpPr>
-          <p:cNvPr id="1277" name="직사각형 1276">
-            <a:extLst>
-              <a:ext uri="{FF2B5EF4-FFF2-40B4-BE49-F238E27FC236}">
-                <a16:creationId xmlns:a16="http://schemas.microsoft.com/office/drawing/2014/main" id="{4D102516-2F50-64E4-CCF3-23A68F8F1EEE}"/>
-              </a:ext>
-            </a:extLst>
-          </p:cNvPr>
-          <p:cNvSpPr/>
-          <p:nvPr/>
-        </p:nvSpPr>
-        <p:spPr>
-          <a:xfrm>
-            <a:off x="10358248" y="4480057"/>
-            <a:ext cx="1452222" cy="968766"/>
-          </a:xfrm>
-          <a:prstGeom prst="rect">
-            <a:avLst/>
-          </a:prstGeom>
-          <a:noFill/>
-          <a:ln>
-            <a:solidFill>
-              <a:srgbClr val="156082"/>
-            </a:solidFill>
-            <a:prstDash val="sysDash"/>
-          </a:ln>
-        </p:spPr>
-        <p:style>
-          <a:lnRef idx="2">
-            <a:schemeClr val="accent1">
-              <a:shade val="15000"/>
-            </a:schemeClr>
-          </a:lnRef>
-          <a:fillRef idx="1">
-            <a:schemeClr val="accent1"/>
-          </a:fillRef>
-          <a:effectRef idx="0">
-            <a:schemeClr val="accent1"/>
-          </a:effectRef>
-          <a:fontRef idx="minor">
-            <a:schemeClr val="lt1"/>
-          </a:fontRef>
-        </p:style>
-        <p:txBody>
-          <a:bodyPr rtlCol="0" anchor="ctr"/>
-          <a:lstStyle/>
-          <a:p>
-            <a:pPr algn="ctr"/>
-            <a:endParaRPr kumimoji="1" lang="ko-KR" altLang="en-US" sz="900"/>
-          </a:p>
-        </p:txBody>
-      </p:sp>
-      <p:cxnSp>
-        <p:nvCxnSpPr>
-          <p:cNvPr id="1294" name="직선 화살표 연결선 1293">
-            <a:extLst>
-              <a:ext uri="{FF2B5EF4-FFF2-40B4-BE49-F238E27FC236}">
-                <a16:creationId xmlns:a16="http://schemas.microsoft.com/office/drawing/2014/main" id="{A314EE83-E5F0-FCF2-3CBE-8EA4A96E65B1}"/>
-              </a:ext>
-            </a:extLst>
-          </p:cNvPr>
-          <p:cNvCxnSpPr>
-            <a:cxnSpLocks/>
-            <a:stCxn id="48" idx="3"/>
-            <a:endCxn id="1277" idx="1"/>
-          </p:cNvCxnSpPr>
-          <p:nvPr/>
-        </p:nvCxnSpPr>
-        <p:spPr>
-          <a:xfrm>
-            <a:off x="9181759" y="4961913"/>
-            <a:ext cx="1176489" cy="2527"/>
-          </a:xfrm>
-          <a:prstGeom prst="straightConnector1">
-            <a:avLst/>
-          </a:prstGeom>
-          <a:ln>
-            <a:headEnd type="none" w="med" len="med"/>
-            <a:tailEnd type="none" w="med" len="med"/>
-          </a:ln>
-        </p:spPr>
-        <p:style>
-          <a:lnRef idx="2">
-            <a:schemeClr val="accent1"/>
-          </a:lnRef>
-          <a:fillRef idx="0">
-            <a:schemeClr val="accent1"/>
-          </a:fillRef>
-          <a:effectRef idx="1">
-            <a:schemeClr val="accent1"/>
-          </a:effectRef>
-          <a:fontRef idx="minor">
-            <a:schemeClr val="tx1"/>
-          </a:fontRef>
-        </p:style>
-      </p:cxnSp>
-      <p:cxnSp>
-        <p:nvCxnSpPr>
-          <p:cNvPr id="1299" name="직선 화살표 연결선 1298">
-            <a:extLst>
-              <a:ext uri="{FF2B5EF4-FFF2-40B4-BE49-F238E27FC236}">
-                <a16:creationId xmlns:a16="http://schemas.microsoft.com/office/drawing/2014/main" id="{8729CCE0-B005-16A3-584E-9AAB8485584F}"/>
-              </a:ext>
-            </a:extLst>
-          </p:cNvPr>
-          <p:cNvCxnSpPr>
-            <a:cxnSpLocks/>
-            <a:stCxn id="1043" idx="3"/>
-            <a:endCxn id="18" idx="1"/>
-          </p:cNvCxnSpPr>
-          <p:nvPr/>
-        </p:nvCxnSpPr>
-        <p:spPr>
-          <a:xfrm flipV="1">
-            <a:off x="11798300" y="3511667"/>
-            <a:ext cx="4852459" cy="23758"/>
-          </a:xfrm>
-          <a:prstGeom prst="straightConnector1">
-            <a:avLst/>
-          </a:prstGeom>
-          <a:ln>
-            <a:headEnd type="none" w="med" len="med"/>
-            <a:tailEnd type="none" w="med" len="med"/>
-          </a:ln>
-        </p:spPr>
-        <p:style>
-          <a:lnRef idx="2">
-            <a:schemeClr val="accent1"/>
-          </a:lnRef>
-          <a:fillRef idx="0">
-            <a:schemeClr val="accent1"/>
-          </a:fillRef>
-          <a:effectRef idx="1">
-            <a:schemeClr val="accent1"/>
-          </a:effectRef>
-          <a:fontRef idx="minor">
-            <a:schemeClr val="tx1"/>
-          </a:fontRef>
-        </p:style>
-      </p:cxnSp>
-      <p:cxnSp>
-        <p:nvCxnSpPr>
-          <p:cNvPr id="1304" name="꺾인 연결선[E] 1303">
-            <a:extLst>
-              <a:ext uri="{FF2B5EF4-FFF2-40B4-BE49-F238E27FC236}">
-                <a16:creationId xmlns:a16="http://schemas.microsoft.com/office/drawing/2014/main" id="{C72891EE-A97E-9D6E-47CA-21EE82787F87}"/>
-              </a:ext>
-            </a:extLst>
-          </p:cNvPr>
-          <p:cNvCxnSpPr>
-            <a:cxnSpLocks/>
-            <a:stCxn id="1026" idx="1"/>
-            <a:endCxn id="1277" idx="3"/>
-          </p:cNvCxnSpPr>
-          <p:nvPr/>
-        </p:nvCxnSpPr>
-        <p:spPr>
-          <a:xfrm rot="10800000" flipV="1">
-            <a:off x="11810470" y="4488598"/>
-            <a:ext cx="1515266" cy="475842"/>
-          </a:xfrm>
-          <a:prstGeom prst="bentConnector3">
-            <a:avLst>
-              <a:gd name="adj1" fmla="val 50000"/>
-            </a:avLst>
-          </a:prstGeom>
-        </p:spPr>
-        <p:style>
-          <a:lnRef idx="2">
-            <a:schemeClr val="accent1"/>
-          </a:lnRef>
-          <a:fillRef idx="0">
-            <a:schemeClr val="accent1"/>
-          </a:fillRef>
-          <a:effectRef idx="1">
-            <a:schemeClr val="accent1"/>
-          </a:effectRef>
-          <a:fontRef idx="minor">
-            <a:schemeClr val="tx1"/>
-          </a:fontRef>
-        </p:style>
-      </p:cxnSp>
-      <p:cxnSp>
-        <p:nvCxnSpPr>
-          <p:cNvPr id="1307" name="꺾인 연결선[E] 1306">
-            <a:extLst>
-              <a:ext uri="{FF2B5EF4-FFF2-40B4-BE49-F238E27FC236}">
-                <a16:creationId xmlns:a16="http://schemas.microsoft.com/office/drawing/2014/main" id="{85D0B392-BB4C-2A48-775D-6061FCA7F40C}"/>
-              </a:ext>
-            </a:extLst>
-          </p:cNvPr>
-          <p:cNvCxnSpPr>
-            <a:cxnSpLocks/>
-            <a:stCxn id="3" idx="1"/>
-            <a:endCxn id="1277" idx="3"/>
-          </p:cNvCxnSpPr>
-          <p:nvPr/>
-        </p:nvCxnSpPr>
-        <p:spPr>
-          <a:xfrm rot="10800000">
-            <a:off x="11810471" y="4964440"/>
-            <a:ext cx="1490649" cy="329890"/>
-          </a:xfrm>
-          <a:prstGeom prst="bentConnector3">
-            <a:avLst>
-              <a:gd name="adj1" fmla="val 49148"/>
-            </a:avLst>
-          </a:prstGeom>
-        </p:spPr>
-        <p:style>
-          <a:lnRef idx="2">
-            <a:schemeClr val="accent1"/>
-          </a:lnRef>
-          <a:fillRef idx="0">
-            <a:schemeClr val="accent1"/>
-          </a:fillRef>
-          <a:effectRef idx="1">
-            <a:schemeClr val="accent1"/>
-          </a:effectRef>
-          <a:fontRef idx="minor">
-            <a:schemeClr val="tx1"/>
-          </a:fontRef>
-        </p:style>
-      </p:cxnSp>
-      <p:sp>
-        <p:nvSpPr>
-          <p:cNvPr id="1321" name="제목 1">
-            <a:extLst>
-              <a:ext uri="{FF2B5EF4-FFF2-40B4-BE49-F238E27FC236}">
-                <a16:creationId xmlns:a16="http://schemas.microsoft.com/office/drawing/2014/main" id="{8B82FBC2-A70B-5056-EB88-E560B8E8DC46}"/>
+          <p:cNvPr id="1367" name="제목 1">
+            <a:extLst>
+              <a:ext uri="{FF2B5EF4-FFF2-40B4-BE49-F238E27FC236}">
+                <a16:creationId xmlns:a16="http://schemas.microsoft.com/office/drawing/2014/main" id="{BFC37B5B-63E9-32E3-3DC1-B5B458412B4A}"/>
               </a:ext>
             </a:extLst>
           </p:cNvPr>
@@ -11901,8 +11706,8 @@
         </p:nvSpPr>
         <p:spPr>
           <a:xfrm>
-            <a:off x="8252201" y="1920527"/>
-            <a:ext cx="926279" cy="267998"/>
+            <a:off x="14942127" y="4171482"/>
+            <a:ext cx="1651921" cy="267998"/>
           </a:xfrm>
           <a:prstGeom prst="rect">
             <a:avLst/>
@@ -11939,315 +11744,17 @@
                 <a:ea typeface="KoPubWorldDotum Bold" pitchFamily="2" charset="-127"/>
                 <a:cs typeface="KoPubWorldDotum Bold" pitchFamily="2" charset="-127"/>
               </a:rPr>
-              <a:t>API Gateway</a:t>
-            </a:r>
-            <a:endParaRPr kumimoji="1" lang="ko-KR" altLang="en-US" sz="900" b="1" dirty="0">
-              <a:latin typeface="KoPubWorldDotum Bold" pitchFamily="2" charset="-127"/>
-              <a:ea typeface="KoPubWorldDotum Bold" pitchFamily="2" charset="-127"/>
-              <a:cs typeface="KoPubWorldDotum Bold" pitchFamily="2" charset="-127"/>
-            </a:endParaRPr>
+              <a:t>Kakao Login OIDC</a:t>
+            </a:r>
           </a:p>
         </p:txBody>
       </p:sp>
-      <p:cxnSp>
-        <p:nvCxnSpPr>
-          <p:cNvPr id="1334" name="꺾인 연결선[E] 1333">
-            <a:extLst>
-              <a:ext uri="{FF2B5EF4-FFF2-40B4-BE49-F238E27FC236}">
-                <a16:creationId xmlns:a16="http://schemas.microsoft.com/office/drawing/2014/main" id="{F5ECF011-7393-BA08-54C1-834873A6AB76}"/>
-              </a:ext>
-            </a:extLst>
-          </p:cNvPr>
-          <p:cNvCxnSpPr>
-            <a:cxnSpLocks/>
-            <a:stCxn id="63" idx="0"/>
-            <a:endCxn id="1322" idx="2"/>
-          </p:cNvCxnSpPr>
-          <p:nvPr/>
-        </p:nvCxnSpPr>
-        <p:spPr>
-          <a:xfrm rot="16200000" flipV="1">
-            <a:off x="9389031" y="6061526"/>
-            <a:ext cx="1018356" cy="2365734"/>
-          </a:xfrm>
-          <a:prstGeom prst="bentConnector3">
-            <a:avLst>
-              <a:gd name="adj1" fmla="val 50000"/>
-            </a:avLst>
-          </a:prstGeom>
-        </p:spPr>
-        <p:style>
-          <a:lnRef idx="2">
-            <a:schemeClr val="accent1"/>
-          </a:lnRef>
-          <a:fillRef idx="0">
-            <a:schemeClr val="accent1"/>
-          </a:fillRef>
-          <a:effectRef idx="1">
-            <a:schemeClr val="accent1"/>
-          </a:effectRef>
-          <a:fontRef idx="minor">
-            <a:schemeClr val="tx1"/>
-          </a:fontRef>
-        </p:style>
-      </p:cxnSp>
-      <p:cxnSp>
-        <p:nvCxnSpPr>
-          <p:cNvPr id="1337" name="꺾인 연결선[E] 1336">
-            <a:extLst>
-              <a:ext uri="{FF2B5EF4-FFF2-40B4-BE49-F238E27FC236}">
-                <a16:creationId xmlns:a16="http://schemas.microsoft.com/office/drawing/2014/main" id="{0BF208C2-6827-7436-88CC-B13C6368456A}"/>
-              </a:ext>
-            </a:extLst>
-          </p:cNvPr>
-          <p:cNvCxnSpPr>
-            <a:cxnSpLocks/>
-            <a:stCxn id="1315" idx="2"/>
-            <a:endCxn id="63" idx="0"/>
-          </p:cNvCxnSpPr>
-          <p:nvPr/>
-        </p:nvCxnSpPr>
-        <p:spPr>
-          <a:xfrm rot="16200000" flipH="1">
-            <a:off x="10570428" y="7242923"/>
-            <a:ext cx="1021106" cy="190"/>
-          </a:xfrm>
-          <a:prstGeom prst="bentConnector3">
-            <a:avLst>
-              <a:gd name="adj1" fmla="val 50000"/>
-            </a:avLst>
-          </a:prstGeom>
-        </p:spPr>
-        <p:style>
-          <a:lnRef idx="2">
-            <a:schemeClr val="accent1"/>
-          </a:lnRef>
-          <a:fillRef idx="0">
-            <a:schemeClr val="accent1"/>
-          </a:fillRef>
-          <a:effectRef idx="1">
-            <a:schemeClr val="accent1"/>
-          </a:effectRef>
-          <a:fontRef idx="minor">
-            <a:schemeClr val="tx1"/>
-          </a:fontRef>
-        </p:style>
-      </p:cxnSp>
-      <p:cxnSp>
-        <p:nvCxnSpPr>
-          <p:cNvPr id="1340" name="꺾인 연결선[E] 1339">
-            <a:extLst>
-              <a:ext uri="{FF2B5EF4-FFF2-40B4-BE49-F238E27FC236}">
-                <a16:creationId xmlns:a16="http://schemas.microsoft.com/office/drawing/2014/main" id="{224E3202-9C11-7DF8-7567-A06FDA76AF41}"/>
-              </a:ext>
-            </a:extLst>
-          </p:cNvPr>
-          <p:cNvCxnSpPr>
-            <a:cxnSpLocks/>
-            <a:stCxn id="59" idx="2"/>
-            <a:endCxn id="63" idx="0"/>
-          </p:cNvCxnSpPr>
-          <p:nvPr/>
-        </p:nvCxnSpPr>
-        <p:spPr>
-          <a:xfrm rot="5400000">
-            <a:off x="11832796" y="5985725"/>
-            <a:ext cx="1016127" cy="2519565"/>
-          </a:xfrm>
-          <a:prstGeom prst="bentConnector3">
-            <a:avLst>
-              <a:gd name="adj1" fmla="val 50000"/>
-            </a:avLst>
-          </a:prstGeom>
-        </p:spPr>
-        <p:style>
-          <a:lnRef idx="2">
-            <a:schemeClr val="accent1"/>
-          </a:lnRef>
-          <a:fillRef idx="0">
-            <a:schemeClr val="accent1"/>
-          </a:fillRef>
-          <a:effectRef idx="1">
-            <a:schemeClr val="accent1"/>
-          </a:effectRef>
-          <a:fontRef idx="minor">
-            <a:schemeClr val="tx1"/>
-          </a:fontRef>
-        </p:style>
-      </p:cxnSp>
-      <p:cxnSp>
-        <p:nvCxnSpPr>
-          <p:cNvPr id="1354" name="꺾인 연결선[E] 1353">
-            <a:extLst>
-              <a:ext uri="{FF2B5EF4-FFF2-40B4-BE49-F238E27FC236}">
-                <a16:creationId xmlns:a16="http://schemas.microsoft.com/office/drawing/2014/main" id="{492316CD-3307-BE3B-2AD0-ED4FE4552EE6}"/>
-              </a:ext>
-            </a:extLst>
-          </p:cNvPr>
-          <p:cNvCxnSpPr>
-            <a:cxnSpLocks/>
-            <a:stCxn id="47" idx="2"/>
-            <a:endCxn id="1387" idx="3"/>
-          </p:cNvCxnSpPr>
-          <p:nvPr/>
-        </p:nvCxnSpPr>
-        <p:spPr>
-          <a:xfrm rot="5400000">
-            <a:off x="6405601" y="3876861"/>
-            <a:ext cx="308363" cy="1062787"/>
-          </a:xfrm>
-          <a:prstGeom prst="bentConnector2">
-            <a:avLst/>
-          </a:prstGeom>
-        </p:spPr>
-        <p:style>
-          <a:lnRef idx="2">
-            <a:schemeClr val="accent1"/>
-          </a:lnRef>
-          <a:fillRef idx="0">
-            <a:schemeClr val="accent1"/>
-          </a:fillRef>
-          <a:effectRef idx="1">
-            <a:schemeClr val="accent1"/>
-          </a:effectRef>
-          <a:fontRef idx="minor">
-            <a:schemeClr val="tx1"/>
-          </a:fontRef>
-        </p:style>
-      </p:cxnSp>
-      <p:cxnSp>
-        <p:nvCxnSpPr>
-          <p:cNvPr id="1358" name="직선 화살표 연결선 1357">
-            <a:extLst>
-              <a:ext uri="{FF2B5EF4-FFF2-40B4-BE49-F238E27FC236}">
-                <a16:creationId xmlns:a16="http://schemas.microsoft.com/office/drawing/2014/main" id="{E01261CE-497D-0011-2A75-393AF9C0E55A}"/>
-              </a:ext>
-            </a:extLst>
-          </p:cNvPr>
-          <p:cNvCxnSpPr>
-            <a:cxnSpLocks/>
-            <a:stCxn id="1322" idx="1"/>
-            <a:endCxn id="1387" idx="3"/>
-          </p:cNvCxnSpPr>
-          <p:nvPr/>
-        </p:nvCxnSpPr>
-        <p:spPr>
-          <a:xfrm flipH="1" flipV="1">
-            <a:off x="6028388" y="4562436"/>
-            <a:ext cx="2013983" cy="291"/>
-          </a:xfrm>
-          <a:prstGeom prst="straightConnector1">
-            <a:avLst/>
-          </a:prstGeom>
-          <a:ln>
-            <a:headEnd type="none" w="med" len="med"/>
-            <a:tailEnd type="none" w="med" len="med"/>
-          </a:ln>
-        </p:spPr>
-        <p:style>
-          <a:lnRef idx="2">
-            <a:schemeClr val="accent1"/>
-          </a:lnRef>
-          <a:fillRef idx="0">
-            <a:schemeClr val="accent1"/>
-          </a:fillRef>
-          <a:effectRef idx="1">
-            <a:schemeClr val="accent1"/>
-          </a:effectRef>
-          <a:fontRef idx="minor">
-            <a:schemeClr val="tx1"/>
-          </a:fontRef>
-        </p:style>
-      </p:cxnSp>
       <p:sp>
         <p:nvSpPr>
-          <p:cNvPr id="1387" name="직사각형 1386">
-            <a:extLst>
-              <a:ext uri="{FF2B5EF4-FFF2-40B4-BE49-F238E27FC236}">
-                <a16:creationId xmlns:a16="http://schemas.microsoft.com/office/drawing/2014/main" id="{92016821-DF80-2676-AC28-D1920624FCBF}"/>
-              </a:ext>
-            </a:extLst>
-          </p:cNvPr>
-          <p:cNvSpPr/>
-          <p:nvPr/>
-        </p:nvSpPr>
-        <p:spPr>
-          <a:xfrm>
-            <a:off x="4030491" y="4212088"/>
-            <a:ext cx="1997897" cy="700696"/>
-          </a:xfrm>
-          <a:prstGeom prst="rect">
-            <a:avLst/>
-          </a:prstGeom>
-          <a:noFill/>
-          <a:ln>
-            <a:solidFill>
-              <a:srgbClr val="156082"/>
-            </a:solidFill>
-            <a:prstDash val="sysDash"/>
-          </a:ln>
-        </p:spPr>
-        <p:style>
-          <a:lnRef idx="2">
-            <a:schemeClr val="accent1">
-              <a:shade val="15000"/>
-            </a:schemeClr>
-          </a:lnRef>
-          <a:fillRef idx="1">
-            <a:schemeClr val="accent1"/>
-          </a:fillRef>
-          <a:effectRef idx="0">
-            <a:schemeClr val="accent1"/>
-          </a:effectRef>
-          <a:fontRef idx="minor">
-            <a:schemeClr val="lt1"/>
-          </a:fontRef>
-        </p:style>
-        <p:txBody>
-          <a:bodyPr rtlCol="0" anchor="ctr"/>
-          <a:lstStyle/>
-          <a:p>
-            <a:pPr algn="ctr"/>
-            <a:endParaRPr kumimoji="1" lang="ko-KR" altLang="en-US" sz="900"/>
-          </a:p>
-        </p:txBody>
-      </p:sp>
-      <p:pic>
-        <p:nvPicPr>
-          <p:cNvPr id="1413" name="그림 1412">
-            <a:extLst>
-              <a:ext uri="{FF2B5EF4-FFF2-40B4-BE49-F238E27FC236}">
-                <a16:creationId xmlns:a16="http://schemas.microsoft.com/office/drawing/2014/main" id="{25F43465-C3FE-14B4-A013-BA2800C032DE}"/>
-              </a:ext>
-            </a:extLst>
-          </p:cNvPr>
-          <p:cNvPicPr>
-            <a:picLocks noChangeAspect="1"/>
-          </p:cNvPicPr>
-          <p:nvPr/>
-        </p:nvPicPr>
-        <p:blipFill>
-          <a:blip r:embed="rId21"/>
-          <a:stretch>
-            <a:fillRect/>
-          </a:stretch>
-        </p:blipFill>
-        <p:spPr>
-          <a:xfrm>
-            <a:off x="6827168" y="7755578"/>
-            <a:ext cx="462142" cy="462142"/>
-          </a:xfrm>
-          <a:prstGeom prst="rect">
-            <a:avLst/>
-          </a:prstGeom>
-        </p:spPr>
-      </p:pic>
-      <p:sp>
-        <p:nvSpPr>
-          <p:cNvPr id="5" name="제목 1">
-            <a:extLst>
-              <a:ext uri="{FF2B5EF4-FFF2-40B4-BE49-F238E27FC236}">
-                <a16:creationId xmlns:a16="http://schemas.microsoft.com/office/drawing/2014/main" id="{F791A400-F7BF-32A7-8AE2-901F5BEC124C}"/>
+          <p:cNvPr id="1368" name="제목 1">
+            <a:extLst>
+              <a:ext uri="{FF2B5EF4-FFF2-40B4-BE49-F238E27FC236}">
+                <a16:creationId xmlns:a16="http://schemas.microsoft.com/office/drawing/2014/main" id="{43D26DBF-2F2B-E865-3E43-F086A2A9C884}"/>
               </a:ext>
             </a:extLst>
           </p:cNvPr>
@@ -12258,12 +11765,15 @@
         </p:nvSpPr>
         <p:spPr>
           <a:xfrm>
-            <a:off x="6467483" y="8218463"/>
-            <a:ext cx="1257659" cy="267998"/>
+            <a:off x="9516207" y="4434957"/>
+            <a:ext cx="967879" cy="387771"/>
           </a:xfrm>
           <a:prstGeom prst="rect">
             <a:avLst/>
           </a:prstGeom>
+          <a:solidFill>
+            <a:srgbClr val="156082"/>
+          </a:solidFill>
         </p:spPr>
         <p:txBody>
           <a:bodyPr vert="horz" lIns="91440" tIns="45720" rIns="91440" bIns="45720" rtlCol="0" anchor="ctr">
@@ -12292,19 +11802,95 @@
             <a:pPr algn="ctr"/>
             <a:r>
               <a:rPr kumimoji="1" lang="en-US" altLang="ko-KR" sz="900" b="1" dirty="0">
+                <a:solidFill>
+                  <a:schemeClr val="bg1"/>
+                </a:solidFill>
                 <a:latin typeface="KoPubWorldDotum Bold" pitchFamily="2" charset="-127"/>
                 <a:ea typeface="KoPubWorldDotum Bold" pitchFamily="2" charset="-127"/>
                 <a:cs typeface="KoPubWorldDotum Bold" pitchFamily="2" charset="-127"/>
               </a:rPr>
-              <a:t>Kinesis </a:t>
-            </a:r>
+              <a:t>REST API</a:t>
+            </a:r>
+          </a:p>
+          <a:p>
+            <a:pPr algn="ctr"/>
+            <a:r>
+              <a:rPr kumimoji="1" lang="en-US" altLang="ko-KR" sz="900" b="1" dirty="0">
+                <a:solidFill>
+                  <a:schemeClr val="bg1"/>
+                </a:solidFill>
+                <a:latin typeface="KoPubWorldDotum Bold" pitchFamily="2" charset="-127"/>
+                <a:ea typeface="KoPubWorldDotum Bold" pitchFamily="2" charset="-127"/>
+                <a:cs typeface="KoPubWorldDotum Bold" pitchFamily="2" charset="-127"/>
+              </a:rPr>
+              <a:t>(Auth)</a:t>
+            </a:r>
+            <a:endParaRPr kumimoji="1" lang="ko-KR" altLang="en-US" sz="900" b="1" dirty="0">
+              <a:solidFill>
+                <a:schemeClr val="bg1"/>
+              </a:solidFill>
+              <a:latin typeface="KoPubWorldDotum Bold" pitchFamily="2" charset="-127"/>
+              <a:ea typeface="KoPubWorldDotum Bold" pitchFamily="2" charset="-127"/>
+              <a:cs typeface="KoPubWorldDotum Bold" pitchFamily="2" charset="-127"/>
+            </a:endParaRPr>
+          </a:p>
+        </p:txBody>
+      </p:sp>
+      <p:sp>
+        <p:nvSpPr>
+          <p:cNvPr id="1369" name="처리 1368">
+            <a:extLst>
+              <a:ext uri="{FF2B5EF4-FFF2-40B4-BE49-F238E27FC236}">
+                <a16:creationId xmlns:a16="http://schemas.microsoft.com/office/drawing/2014/main" id="{D2CA8690-2076-F6A0-6184-53D4C3004910}"/>
+              </a:ext>
+            </a:extLst>
+          </p:cNvPr>
+          <p:cNvSpPr/>
+          <p:nvPr/>
+        </p:nvSpPr>
+        <p:spPr>
+          <a:xfrm>
+            <a:off x="11805833" y="4504263"/>
+            <a:ext cx="1200406" cy="245334"/>
+          </a:xfrm>
+          <a:prstGeom prst="flowChartProcess">
+            <a:avLst/>
+          </a:prstGeom>
+          <a:solidFill>
+            <a:schemeClr val="accent1"/>
+          </a:solidFill>
+          <a:ln>
+            <a:noFill/>
+          </a:ln>
+        </p:spPr>
+        <p:style>
+          <a:lnRef idx="2">
+            <a:schemeClr val="accent1">
+              <a:shade val="15000"/>
+            </a:schemeClr>
+          </a:lnRef>
+          <a:fillRef idx="1">
+            <a:schemeClr val="accent1"/>
+          </a:fillRef>
+          <a:effectRef idx="0">
+            <a:schemeClr val="accent1"/>
+          </a:effectRef>
+          <a:fontRef idx="minor">
+            <a:schemeClr val="lt1"/>
+          </a:fontRef>
+        </p:style>
+        <p:txBody>
+          <a:bodyPr rtlCol="0" anchor="ctr"/>
+          <a:lstStyle/>
+          <a:p>
+            <a:pPr algn="ctr"/>
             <a:r>
               <a:rPr kumimoji="1" lang="en-US" altLang="ko-KR" sz="900" b="1" dirty="0" err="1">
                 <a:latin typeface="KoPubWorldDotum Bold" pitchFamily="2" charset="-127"/>
                 <a:ea typeface="KoPubWorldDotum Bold" pitchFamily="2" charset="-127"/>
                 <a:cs typeface="KoPubWorldDotum Bold" pitchFamily="2" charset="-127"/>
               </a:rPr>
-              <a:t>FireHose</a:t>
+              <a:t>UserInfo</a:t>
             </a:r>
             <a:endParaRPr kumimoji="1" lang="ko-KR" altLang="en-US" sz="900" b="1" dirty="0">
               <a:latin typeface="KoPubWorldDotum Bold" pitchFamily="2" charset="-127"/>
@@ -12314,42 +11900,772 @@
           </a:p>
         </p:txBody>
       </p:sp>
-      <p:pic>
-        <p:nvPicPr>
-          <p:cNvPr id="22" name="그림 21">
-            <a:extLst>
-              <a:ext uri="{FF2B5EF4-FFF2-40B4-BE49-F238E27FC236}">
-                <a16:creationId xmlns:a16="http://schemas.microsoft.com/office/drawing/2014/main" id="{D2333B75-D60C-9933-5A6C-1FC8BF360EB6}"/>
-              </a:ext>
-            </a:extLst>
-          </p:cNvPr>
-          <p:cNvPicPr>
-            <a:picLocks noChangeAspect="1"/>
-          </p:cNvPicPr>
-          <p:nvPr/>
-        </p:nvPicPr>
-        <p:blipFill>
-          <a:blip r:embed="rId22"/>
-          <a:stretch>
-            <a:fillRect/>
-          </a:stretch>
-        </p:blipFill>
-        <p:spPr>
-          <a:xfrm>
-            <a:off x="2691873" y="7643366"/>
-            <a:ext cx="462142" cy="462142"/>
-          </a:xfrm>
-          <a:prstGeom prst="rect">
-            <a:avLst/>
-          </a:prstGeom>
-        </p:spPr>
-      </p:pic>
+      <p:cxnSp>
+        <p:nvCxnSpPr>
+          <p:cNvPr id="1370" name="직선 화살표 연결선 1369">
+            <a:extLst>
+              <a:ext uri="{FF2B5EF4-FFF2-40B4-BE49-F238E27FC236}">
+                <a16:creationId xmlns:a16="http://schemas.microsoft.com/office/drawing/2014/main" id="{424A4335-B74B-DFB4-7C91-A338C96B432C}"/>
+              </a:ext>
+            </a:extLst>
+          </p:cNvPr>
+          <p:cNvCxnSpPr>
+            <a:cxnSpLocks/>
+            <a:stCxn id="1364" idx="1"/>
+            <a:endCxn id="1369" idx="3"/>
+          </p:cNvCxnSpPr>
+          <p:nvPr/>
+        </p:nvCxnSpPr>
+        <p:spPr>
+          <a:xfrm flipH="1" flipV="1">
+            <a:off x="13006239" y="4626930"/>
+            <a:ext cx="947546" cy="2812"/>
+          </a:xfrm>
+          <a:prstGeom prst="straightConnector1">
+            <a:avLst/>
+          </a:prstGeom>
+          <a:ln>
+            <a:headEnd type="none" w="med" len="med"/>
+            <a:tailEnd type="none" w="med" len="med"/>
+          </a:ln>
+        </p:spPr>
+        <p:style>
+          <a:lnRef idx="2">
+            <a:schemeClr val="accent1"/>
+          </a:lnRef>
+          <a:fillRef idx="0">
+            <a:schemeClr val="accent1"/>
+          </a:fillRef>
+          <a:effectRef idx="1">
+            <a:schemeClr val="accent1"/>
+          </a:effectRef>
+          <a:fontRef idx="minor">
+            <a:schemeClr val="tx1"/>
+          </a:fontRef>
+        </p:style>
+      </p:cxnSp>
+      <p:cxnSp>
+        <p:nvCxnSpPr>
+          <p:cNvPr id="1372" name="직선 화살표 연결선 1371">
+            <a:extLst>
+              <a:ext uri="{FF2B5EF4-FFF2-40B4-BE49-F238E27FC236}">
+                <a16:creationId xmlns:a16="http://schemas.microsoft.com/office/drawing/2014/main" id="{64D72915-3790-A5E4-0455-CC25D85AC716}"/>
+              </a:ext>
+            </a:extLst>
+          </p:cNvPr>
+          <p:cNvCxnSpPr>
+            <a:cxnSpLocks/>
+            <a:stCxn id="1366" idx="1"/>
+            <a:endCxn id="1364" idx="3"/>
+          </p:cNvCxnSpPr>
+          <p:nvPr/>
+        </p:nvCxnSpPr>
+        <p:spPr>
+          <a:xfrm flipH="1">
+            <a:off x="14415112" y="4629742"/>
+            <a:ext cx="1028181" cy="0"/>
+          </a:xfrm>
+          <a:prstGeom prst="straightConnector1">
+            <a:avLst/>
+          </a:prstGeom>
+          <a:ln>
+            <a:headEnd type="none" w="med" len="med"/>
+            <a:tailEnd type="none" w="med" len="med"/>
+          </a:ln>
+        </p:spPr>
+        <p:style>
+          <a:lnRef idx="2">
+            <a:schemeClr val="accent1"/>
+          </a:lnRef>
+          <a:fillRef idx="0">
+            <a:schemeClr val="accent1"/>
+          </a:fillRef>
+          <a:effectRef idx="1">
+            <a:schemeClr val="accent1"/>
+          </a:effectRef>
+          <a:fontRef idx="minor">
+            <a:schemeClr val="tx1"/>
+          </a:fontRef>
+        </p:style>
+      </p:cxnSp>
+      <p:cxnSp>
+        <p:nvCxnSpPr>
+          <p:cNvPr id="1373" name="직선 화살표 연결선 1372">
+            <a:extLst>
+              <a:ext uri="{FF2B5EF4-FFF2-40B4-BE49-F238E27FC236}">
+                <a16:creationId xmlns:a16="http://schemas.microsoft.com/office/drawing/2014/main" id="{6328338D-1EDA-576B-2BCD-525954597436}"/>
+              </a:ext>
+            </a:extLst>
+          </p:cNvPr>
+          <p:cNvCxnSpPr>
+            <a:cxnSpLocks/>
+            <a:stCxn id="1368" idx="3"/>
+            <a:endCxn id="1369" idx="1"/>
+          </p:cNvCxnSpPr>
+          <p:nvPr/>
+        </p:nvCxnSpPr>
+        <p:spPr>
+          <a:xfrm flipV="1">
+            <a:off x="10484086" y="4626930"/>
+            <a:ext cx="1321747" cy="1913"/>
+          </a:xfrm>
+          <a:prstGeom prst="straightConnector1">
+            <a:avLst/>
+          </a:prstGeom>
+          <a:ln>
+            <a:headEnd type="none" w="med" len="med"/>
+            <a:tailEnd type="none" w="med" len="med"/>
+          </a:ln>
+        </p:spPr>
+        <p:style>
+          <a:lnRef idx="2">
+            <a:schemeClr val="accent1"/>
+          </a:lnRef>
+          <a:fillRef idx="0">
+            <a:schemeClr val="accent1"/>
+          </a:fillRef>
+          <a:effectRef idx="1">
+            <a:schemeClr val="accent1"/>
+          </a:effectRef>
+          <a:fontRef idx="minor">
+            <a:schemeClr val="tx1"/>
+          </a:fontRef>
+        </p:style>
+      </p:cxnSp>
+      <p:cxnSp>
+        <p:nvCxnSpPr>
+          <p:cNvPr id="1374" name="꺾인 연결선[E] 1373">
+            <a:extLst>
+              <a:ext uri="{FF2B5EF4-FFF2-40B4-BE49-F238E27FC236}">
+                <a16:creationId xmlns:a16="http://schemas.microsoft.com/office/drawing/2014/main" id="{48F427D6-82E8-7274-B240-318AE0B781D8}"/>
+              </a:ext>
+            </a:extLst>
+          </p:cNvPr>
+          <p:cNvCxnSpPr>
+            <a:cxnSpLocks/>
+            <a:stCxn id="9" idx="1"/>
+            <a:endCxn id="58" idx="3"/>
+          </p:cNvCxnSpPr>
+          <p:nvPr/>
+        </p:nvCxnSpPr>
+        <p:spPr>
+          <a:xfrm rot="10800000" flipV="1">
+            <a:off x="10502409" y="5278856"/>
+            <a:ext cx="1295863" cy="455616"/>
+          </a:xfrm>
+          <a:prstGeom prst="bentConnector3">
+            <a:avLst>
+              <a:gd name="adj1" fmla="val 6798"/>
+            </a:avLst>
+          </a:prstGeom>
+        </p:spPr>
+        <p:style>
+          <a:lnRef idx="2">
+            <a:schemeClr val="accent1"/>
+          </a:lnRef>
+          <a:fillRef idx="0">
+            <a:schemeClr val="accent1"/>
+          </a:fillRef>
+          <a:effectRef idx="1">
+            <a:schemeClr val="accent1"/>
+          </a:effectRef>
+          <a:fontRef idx="minor">
+            <a:schemeClr val="tx1"/>
+          </a:fontRef>
+        </p:style>
+      </p:cxnSp>
+      <p:cxnSp>
+        <p:nvCxnSpPr>
+          <p:cNvPr id="1377" name="꺾인 연결선[E] 1376">
+            <a:extLst>
+              <a:ext uri="{FF2B5EF4-FFF2-40B4-BE49-F238E27FC236}">
+                <a16:creationId xmlns:a16="http://schemas.microsoft.com/office/drawing/2014/main" id="{71280AAB-918E-C4B7-3B8D-6FEEE7DA371F}"/>
+              </a:ext>
+            </a:extLst>
+          </p:cNvPr>
+          <p:cNvCxnSpPr>
+            <a:cxnSpLocks/>
+            <a:endCxn id="58" idx="3"/>
+          </p:cNvCxnSpPr>
+          <p:nvPr/>
+        </p:nvCxnSpPr>
+        <p:spPr>
+          <a:xfrm rot="10800000" flipV="1">
+            <a:off x="10502408" y="5627410"/>
+            <a:ext cx="1302356" cy="107061"/>
+          </a:xfrm>
+          <a:prstGeom prst="bentConnector3">
+            <a:avLst>
+              <a:gd name="adj1" fmla="val 7014"/>
+            </a:avLst>
+          </a:prstGeom>
+        </p:spPr>
+        <p:style>
+          <a:lnRef idx="2">
+            <a:schemeClr val="accent1"/>
+          </a:lnRef>
+          <a:fillRef idx="0">
+            <a:schemeClr val="accent1"/>
+          </a:fillRef>
+          <a:effectRef idx="1">
+            <a:schemeClr val="accent1"/>
+          </a:effectRef>
+          <a:fontRef idx="minor">
+            <a:schemeClr val="tx1"/>
+          </a:fontRef>
+        </p:style>
+      </p:cxnSp>
+      <p:cxnSp>
+        <p:nvCxnSpPr>
+          <p:cNvPr id="1384" name="꺾인 연결선[E] 1383">
+            <a:extLst>
+              <a:ext uri="{FF2B5EF4-FFF2-40B4-BE49-F238E27FC236}">
+                <a16:creationId xmlns:a16="http://schemas.microsoft.com/office/drawing/2014/main" id="{7C2D0A5F-676B-C64B-7D77-A6401874DD87}"/>
+              </a:ext>
+            </a:extLst>
+          </p:cNvPr>
+          <p:cNvCxnSpPr>
+            <a:cxnSpLocks/>
+            <a:stCxn id="2" idx="1"/>
+            <a:endCxn id="58" idx="3"/>
+          </p:cNvCxnSpPr>
+          <p:nvPr/>
+        </p:nvCxnSpPr>
+        <p:spPr>
+          <a:xfrm rot="10800000">
+            <a:off x="10502408" y="5734473"/>
+            <a:ext cx="1301544" cy="174299"/>
+          </a:xfrm>
+          <a:prstGeom prst="bentConnector3">
+            <a:avLst>
+              <a:gd name="adj1" fmla="val 6987"/>
+            </a:avLst>
+          </a:prstGeom>
+        </p:spPr>
+        <p:style>
+          <a:lnRef idx="2">
+            <a:schemeClr val="accent1"/>
+          </a:lnRef>
+          <a:fillRef idx="0">
+            <a:schemeClr val="accent1"/>
+          </a:fillRef>
+          <a:effectRef idx="1">
+            <a:schemeClr val="accent1"/>
+          </a:effectRef>
+          <a:fontRef idx="minor">
+            <a:schemeClr val="tx1"/>
+          </a:fontRef>
+        </p:style>
+      </p:cxnSp>
+      <p:cxnSp>
+        <p:nvCxnSpPr>
+          <p:cNvPr id="1388" name="꺾인 연결선[E] 1387">
+            <a:extLst>
+              <a:ext uri="{FF2B5EF4-FFF2-40B4-BE49-F238E27FC236}">
+                <a16:creationId xmlns:a16="http://schemas.microsoft.com/office/drawing/2014/main" id="{8278EAA9-22C5-8686-FDCA-9375183D0D58}"/>
+              </a:ext>
+            </a:extLst>
+          </p:cNvPr>
+          <p:cNvCxnSpPr>
+            <a:cxnSpLocks/>
+            <a:stCxn id="26" idx="1"/>
+            <a:endCxn id="58" idx="3"/>
+          </p:cNvCxnSpPr>
+          <p:nvPr/>
+        </p:nvCxnSpPr>
+        <p:spPr>
+          <a:xfrm rot="10800000">
+            <a:off x="10502408" y="5734472"/>
+            <a:ext cx="1301544" cy="481624"/>
+          </a:xfrm>
+          <a:prstGeom prst="bentConnector3">
+            <a:avLst>
+              <a:gd name="adj1" fmla="val 6987"/>
+            </a:avLst>
+          </a:prstGeom>
+        </p:spPr>
+        <p:style>
+          <a:lnRef idx="2">
+            <a:schemeClr val="accent1"/>
+          </a:lnRef>
+          <a:fillRef idx="0">
+            <a:schemeClr val="accent1"/>
+          </a:fillRef>
+          <a:effectRef idx="1">
+            <a:schemeClr val="accent1"/>
+          </a:effectRef>
+          <a:fontRef idx="minor">
+            <a:schemeClr val="tx1"/>
+          </a:fontRef>
+        </p:style>
+      </p:cxnSp>
+      <p:cxnSp>
+        <p:nvCxnSpPr>
+          <p:cNvPr id="1391" name="꺾인 연결선[E] 1390">
+            <a:extLst>
+              <a:ext uri="{FF2B5EF4-FFF2-40B4-BE49-F238E27FC236}">
+                <a16:creationId xmlns:a16="http://schemas.microsoft.com/office/drawing/2014/main" id="{EA783922-7968-CE26-A980-D6E00B57C17A}"/>
+              </a:ext>
+            </a:extLst>
+          </p:cNvPr>
+          <p:cNvCxnSpPr>
+            <a:cxnSpLocks/>
+            <a:stCxn id="1052" idx="1"/>
+            <a:endCxn id="48" idx="3"/>
+          </p:cNvCxnSpPr>
+          <p:nvPr/>
+        </p:nvCxnSpPr>
+        <p:spPr>
+          <a:xfrm rot="10800000" flipV="1">
+            <a:off x="10484087" y="6678648"/>
+            <a:ext cx="1321746" cy="293401"/>
+          </a:xfrm>
+          <a:prstGeom prst="bentConnector3">
+            <a:avLst>
+              <a:gd name="adj1" fmla="val 6232"/>
+            </a:avLst>
+          </a:prstGeom>
+        </p:spPr>
+        <p:style>
+          <a:lnRef idx="2">
+            <a:schemeClr val="accent1"/>
+          </a:lnRef>
+          <a:fillRef idx="0">
+            <a:schemeClr val="accent1"/>
+          </a:fillRef>
+          <a:effectRef idx="1">
+            <a:schemeClr val="accent1"/>
+          </a:effectRef>
+          <a:fontRef idx="minor">
+            <a:schemeClr val="tx1"/>
+          </a:fontRef>
+        </p:style>
+      </p:cxnSp>
+      <p:cxnSp>
+        <p:nvCxnSpPr>
+          <p:cNvPr id="1395" name="꺾인 연결선[E] 1394">
+            <a:extLst>
+              <a:ext uri="{FF2B5EF4-FFF2-40B4-BE49-F238E27FC236}">
+                <a16:creationId xmlns:a16="http://schemas.microsoft.com/office/drawing/2014/main" id="{5627ABDC-B092-3C1D-D5E6-B13773A09DA9}"/>
+              </a:ext>
+            </a:extLst>
+          </p:cNvPr>
+          <p:cNvCxnSpPr>
+            <a:cxnSpLocks/>
+            <a:stCxn id="1053" idx="1"/>
+            <a:endCxn id="48" idx="3"/>
+          </p:cNvCxnSpPr>
+          <p:nvPr/>
+        </p:nvCxnSpPr>
+        <p:spPr>
+          <a:xfrm rot="10800000" flipV="1">
+            <a:off x="10484087" y="6970128"/>
+            <a:ext cx="1321746" cy="1921"/>
+          </a:xfrm>
+          <a:prstGeom prst="bentConnector3">
+            <a:avLst>
+              <a:gd name="adj1" fmla="val 50000"/>
+            </a:avLst>
+          </a:prstGeom>
+        </p:spPr>
+        <p:style>
+          <a:lnRef idx="2">
+            <a:schemeClr val="accent1"/>
+          </a:lnRef>
+          <a:fillRef idx="0">
+            <a:schemeClr val="accent1"/>
+          </a:fillRef>
+          <a:effectRef idx="1">
+            <a:schemeClr val="accent1"/>
+          </a:effectRef>
+          <a:fontRef idx="minor">
+            <a:schemeClr val="tx1"/>
+          </a:fontRef>
+        </p:style>
+      </p:cxnSp>
+      <p:cxnSp>
+        <p:nvCxnSpPr>
+          <p:cNvPr id="1398" name="꺾인 연결선[E] 1397">
+            <a:extLst>
+              <a:ext uri="{FF2B5EF4-FFF2-40B4-BE49-F238E27FC236}">
+                <a16:creationId xmlns:a16="http://schemas.microsoft.com/office/drawing/2014/main" id="{E6CB37D0-D5AA-DD89-6C4A-81BA1F09DC2C}"/>
+              </a:ext>
+            </a:extLst>
+          </p:cNvPr>
+          <p:cNvCxnSpPr>
+            <a:cxnSpLocks/>
+            <a:stCxn id="1054" idx="1"/>
+            <a:endCxn id="48" idx="3"/>
+          </p:cNvCxnSpPr>
+          <p:nvPr/>
+        </p:nvCxnSpPr>
+        <p:spPr>
+          <a:xfrm rot="10800000">
+            <a:off x="10484087" y="6972051"/>
+            <a:ext cx="1321746" cy="286853"/>
+          </a:xfrm>
+          <a:prstGeom prst="bentConnector3">
+            <a:avLst>
+              <a:gd name="adj1" fmla="val 6232"/>
+            </a:avLst>
+          </a:prstGeom>
+        </p:spPr>
+        <p:style>
+          <a:lnRef idx="2">
+            <a:schemeClr val="accent1"/>
+          </a:lnRef>
+          <a:fillRef idx="0">
+            <a:schemeClr val="accent1"/>
+          </a:fillRef>
+          <a:effectRef idx="1">
+            <a:schemeClr val="accent1"/>
+          </a:effectRef>
+          <a:fontRef idx="minor">
+            <a:schemeClr val="tx1"/>
+          </a:fontRef>
+        </p:style>
+      </p:cxnSp>
+      <p:cxnSp>
+        <p:nvCxnSpPr>
+          <p:cNvPr id="1404" name="꺾인 연결선[E] 1403">
+            <a:extLst>
+              <a:ext uri="{FF2B5EF4-FFF2-40B4-BE49-F238E27FC236}">
+                <a16:creationId xmlns:a16="http://schemas.microsoft.com/office/drawing/2014/main" id="{A6CB1323-9FDC-0599-FB8D-1C4E800DDA81}"/>
+              </a:ext>
+            </a:extLst>
+          </p:cNvPr>
+          <p:cNvCxnSpPr>
+            <a:cxnSpLocks/>
+            <a:stCxn id="9" idx="3"/>
+            <a:endCxn id="18" idx="1"/>
+          </p:cNvCxnSpPr>
+          <p:nvPr/>
+        </p:nvCxnSpPr>
+        <p:spPr>
+          <a:xfrm>
+            <a:off x="13001380" y="5278856"/>
+            <a:ext cx="4070267" cy="441186"/>
+          </a:xfrm>
+          <a:prstGeom prst="bentConnector3">
+            <a:avLst>
+              <a:gd name="adj1" fmla="val 3168"/>
+            </a:avLst>
+          </a:prstGeom>
+        </p:spPr>
+        <p:style>
+          <a:lnRef idx="2">
+            <a:schemeClr val="accent1"/>
+          </a:lnRef>
+          <a:fillRef idx="0">
+            <a:schemeClr val="accent1"/>
+          </a:fillRef>
+          <a:effectRef idx="1">
+            <a:schemeClr val="accent1"/>
+          </a:effectRef>
+          <a:fontRef idx="minor">
+            <a:schemeClr val="tx1"/>
+          </a:fontRef>
+        </p:style>
+      </p:cxnSp>
+      <p:cxnSp>
+        <p:nvCxnSpPr>
+          <p:cNvPr id="1407" name="꺾인 연결선[E] 1406">
+            <a:extLst>
+              <a:ext uri="{FF2B5EF4-FFF2-40B4-BE49-F238E27FC236}">
+                <a16:creationId xmlns:a16="http://schemas.microsoft.com/office/drawing/2014/main" id="{13FF1740-66AD-2F9D-E312-C9387508257C}"/>
+              </a:ext>
+            </a:extLst>
+          </p:cNvPr>
+          <p:cNvCxnSpPr>
+            <a:cxnSpLocks/>
+            <a:stCxn id="7" idx="3"/>
+            <a:endCxn id="18" idx="1"/>
+          </p:cNvCxnSpPr>
+          <p:nvPr/>
+        </p:nvCxnSpPr>
+        <p:spPr>
+          <a:xfrm>
+            <a:off x="13008942" y="5603198"/>
+            <a:ext cx="4062705" cy="116844"/>
+          </a:xfrm>
+          <a:prstGeom prst="bentConnector3">
+            <a:avLst>
+              <a:gd name="adj1" fmla="val 2908"/>
+            </a:avLst>
+          </a:prstGeom>
+        </p:spPr>
+        <p:style>
+          <a:lnRef idx="2">
+            <a:schemeClr val="accent1"/>
+          </a:lnRef>
+          <a:fillRef idx="0">
+            <a:schemeClr val="accent1"/>
+          </a:fillRef>
+          <a:effectRef idx="1">
+            <a:schemeClr val="accent1"/>
+          </a:effectRef>
+          <a:fontRef idx="minor">
+            <a:schemeClr val="tx1"/>
+          </a:fontRef>
+        </p:style>
+      </p:cxnSp>
+      <p:cxnSp>
+        <p:nvCxnSpPr>
+          <p:cNvPr id="1410" name="꺾인 연결선[E] 1409">
+            <a:extLst>
+              <a:ext uri="{FF2B5EF4-FFF2-40B4-BE49-F238E27FC236}">
+                <a16:creationId xmlns:a16="http://schemas.microsoft.com/office/drawing/2014/main" id="{2AD31820-4914-7960-6614-D830081E061D}"/>
+              </a:ext>
+            </a:extLst>
+          </p:cNvPr>
+          <p:cNvCxnSpPr>
+            <a:cxnSpLocks/>
+            <a:stCxn id="2" idx="3"/>
+            <a:endCxn id="18" idx="1"/>
+          </p:cNvCxnSpPr>
+          <p:nvPr/>
+        </p:nvCxnSpPr>
+        <p:spPr>
+          <a:xfrm flipV="1">
+            <a:off x="13007061" y="5720042"/>
+            <a:ext cx="4064586" cy="188729"/>
+          </a:xfrm>
+          <a:prstGeom prst="bentConnector3">
+            <a:avLst>
+              <a:gd name="adj1" fmla="val 2930"/>
+            </a:avLst>
+          </a:prstGeom>
+        </p:spPr>
+        <p:style>
+          <a:lnRef idx="2">
+            <a:schemeClr val="accent1"/>
+          </a:lnRef>
+          <a:fillRef idx="0">
+            <a:schemeClr val="accent1"/>
+          </a:fillRef>
+          <a:effectRef idx="1">
+            <a:schemeClr val="accent1"/>
+          </a:effectRef>
+          <a:fontRef idx="minor">
+            <a:schemeClr val="tx1"/>
+          </a:fontRef>
+        </p:style>
+      </p:cxnSp>
+      <p:cxnSp>
+        <p:nvCxnSpPr>
+          <p:cNvPr id="1414" name="꺾인 연결선[E] 1413">
+            <a:extLst>
+              <a:ext uri="{FF2B5EF4-FFF2-40B4-BE49-F238E27FC236}">
+                <a16:creationId xmlns:a16="http://schemas.microsoft.com/office/drawing/2014/main" id="{D69A6A70-387E-EDF0-F765-C6AA253EE490}"/>
+              </a:ext>
+            </a:extLst>
+          </p:cNvPr>
+          <p:cNvCxnSpPr>
+            <a:cxnSpLocks/>
+            <a:endCxn id="18" idx="1"/>
+          </p:cNvCxnSpPr>
+          <p:nvPr/>
+        </p:nvCxnSpPr>
+        <p:spPr>
+          <a:xfrm flipV="1">
+            <a:off x="12119940" y="5720042"/>
+            <a:ext cx="4951707" cy="559131"/>
+          </a:xfrm>
+          <a:prstGeom prst="bentConnector3">
+            <a:avLst>
+              <a:gd name="adj1" fmla="val 2662"/>
+            </a:avLst>
+          </a:prstGeom>
+        </p:spPr>
+        <p:style>
+          <a:lnRef idx="2">
+            <a:schemeClr val="accent1"/>
+          </a:lnRef>
+          <a:fillRef idx="0">
+            <a:schemeClr val="accent1"/>
+          </a:fillRef>
+          <a:effectRef idx="1">
+            <a:schemeClr val="accent1"/>
+          </a:effectRef>
+          <a:fontRef idx="minor">
+            <a:schemeClr val="tx1"/>
+          </a:fontRef>
+        </p:style>
+      </p:cxnSp>
+      <p:cxnSp>
+        <p:nvCxnSpPr>
+          <p:cNvPr id="1466" name="꺾인 연결선[E] 1465">
+            <a:extLst>
+              <a:ext uri="{FF2B5EF4-FFF2-40B4-BE49-F238E27FC236}">
+                <a16:creationId xmlns:a16="http://schemas.microsoft.com/office/drawing/2014/main" id="{0CD098E9-0D26-937D-DB35-D974992EB817}"/>
+              </a:ext>
+            </a:extLst>
+          </p:cNvPr>
+          <p:cNvCxnSpPr>
+            <a:cxnSpLocks/>
+            <a:stCxn id="63" idx="2"/>
+            <a:endCxn id="1321" idx="0"/>
+          </p:cNvCxnSpPr>
+          <p:nvPr/>
+        </p:nvCxnSpPr>
+        <p:spPr>
+          <a:xfrm rot="5400000">
+            <a:off x="10827296" y="1456966"/>
+            <a:ext cx="722068" cy="2394073"/>
+          </a:xfrm>
+          <a:prstGeom prst="bentConnector3">
+            <a:avLst>
+              <a:gd name="adj1" fmla="val 79365"/>
+            </a:avLst>
+          </a:prstGeom>
+        </p:spPr>
+        <p:style>
+          <a:lnRef idx="2">
+            <a:schemeClr val="accent1"/>
+          </a:lnRef>
+          <a:fillRef idx="0">
+            <a:schemeClr val="accent1"/>
+          </a:fillRef>
+          <a:effectRef idx="1">
+            <a:schemeClr val="accent1"/>
+          </a:effectRef>
+          <a:fontRef idx="minor">
+            <a:schemeClr val="tx1"/>
+          </a:fontRef>
+        </p:style>
+      </p:cxnSp>
+      <p:cxnSp>
+        <p:nvCxnSpPr>
+          <p:cNvPr id="1469" name="꺾인 연결선[E] 1468">
+            <a:extLst>
+              <a:ext uri="{FF2B5EF4-FFF2-40B4-BE49-F238E27FC236}">
+                <a16:creationId xmlns:a16="http://schemas.microsoft.com/office/drawing/2014/main" id="{B7283620-4C7C-7419-6B05-ED96FACE55B0}"/>
+              </a:ext>
+            </a:extLst>
+          </p:cNvPr>
+          <p:cNvCxnSpPr>
+            <a:cxnSpLocks/>
+            <a:stCxn id="1281" idx="0"/>
+            <a:endCxn id="63" idx="2"/>
+          </p:cNvCxnSpPr>
+          <p:nvPr/>
+        </p:nvCxnSpPr>
+        <p:spPr>
+          <a:xfrm rot="5400000" flipH="1" flipV="1">
+            <a:off x="12037155" y="2639026"/>
+            <a:ext cx="694268" cy="2153"/>
+          </a:xfrm>
+          <a:prstGeom prst="bentConnector3">
+            <a:avLst>
+              <a:gd name="adj1" fmla="val 50000"/>
+            </a:avLst>
+          </a:prstGeom>
+        </p:spPr>
+        <p:style>
+          <a:lnRef idx="2">
+            <a:schemeClr val="accent1"/>
+          </a:lnRef>
+          <a:fillRef idx="0">
+            <a:schemeClr val="accent1"/>
+          </a:fillRef>
+          <a:effectRef idx="1">
+            <a:schemeClr val="accent1"/>
+          </a:effectRef>
+          <a:fontRef idx="minor">
+            <a:schemeClr val="tx1"/>
+          </a:fontRef>
+        </p:style>
+      </p:cxnSp>
+      <p:cxnSp>
+        <p:nvCxnSpPr>
+          <p:cNvPr id="1024" name="꺾인 연결선[E] 1023">
+            <a:extLst>
+              <a:ext uri="{FF2B5EF4-FFF2-40B4-BE49-F238E27FC236}">
+                <a16:creationId xmlns:a16="http://schemas.microsoft.com/office/drawing/2014/main" id="{FD03A196-F7E5-DA0C-885B-AD1D37B55149}"/>
+              </a:ext>
+            </a:extLst>
+          </p:cNvPr>
+          <p:cNvCxnSpPr>
+            <a:cxnSpLocks/>
+            <a:stCxn id="1365" idx="0"/>
+            <a:endCxn id="63" idx="2"/>
+          </p:cNvCxnSpPr>
+          <p:nvPr/>
+        </p:nvCxnSpPr>
+        <p:spPr>
+          <a:xfrm rot="16200000" flipV="1">
+            <a:off x="12323964" y="2354371"/>
+            <a:ext cx="1903793" cy="1780988"/>
+          </a:xfrm>
+          <a:prstGeom prst="bentConnector3">
+            <a:avLst>
+              <a:gd name="adj1" fmla="val 69839"/>
+            </a:avLst>
+          </a:prstGeom>
+        </p:spPr>
+        <p:style>
+          <a:lnRef idx="2">
+            <a:schemeClr val="accent1"/>
+          </a:lnRef>
+          <a:fillRef idx="0">
+            <a:schemeClr val="accent1"/>
+          </a:fillRef>
+          <a:effectRef idx="1">
+            <a:schemeClr val="accent1"/>
+          </a:effectRef>
+          <a:fontRef idx="minor">
+            <a:schemeClr val="tx1"/>
+          </a:fontRef>
+        </p:style>
+      </p:cxnSp>
+      <p:cxnSp>
+        <p:nvCxnSpPr>
+          <p:cNvPr id="1031" name="꺾인 연결선[E] 1030">
+            <a:extLst>
+              <a:ext uri="{FF2B5EF4-FFF2-40B4-BE49-F238E27FC236}">
+                <a16:creationId xmlns:a16="http://schemas.microsoft.com/office/drawing/2014/main" id="{84D7F42F-4A79-1658-4C36-6CEDAEEFC88C}"/>
+              </a:ext>
+            </a:extLst>
+          </p:cNvPr>
+          <p:cNvCxnSpPr>
+            <a:cxnSpLocks/>
+            <a:stCxn id="18" idx="0"/>
+            <a:endCxn id="63" idx="2"/>
+          </p:cNvCxnSpPr>
+          <p:nvPr/>
+        </p:nvCxnSpPr>
+        <p:spPr>
+          <a:xfrm rot="16200000" flipV="1">
+            <a:off x="13247685" y="1430650"/>
+            <a:ext cx="3194359" cy="4918996"/>
+          </a:xfrm>
+          <a:prstGeom prst="bentConnector3">
+            <a:avLst>
+              <a:gd name="adj1" fmla="val 81945"/>
+            </a:avLst>
+          </a:prstGeom>
+        </p:spPr>
+        <p:style>
+          <a:lnRef idx="2">
+            <a:schemeClr val="accent1"/>
+          </a:lnRef>
+          <a:fillRef idx="0">
+            <a:schemeClr val="accent1"/>
+          </a:fillRef>
+          <a:effectRef idx="1">
+            <a:schemeClr val="accent1"/>
+          </a:effectRef>
+          <a:fontRef idx="minor">
+            <a:schemeClr val="tx1"/>
+          </a:fontRef>
+        </p:style>
+      </p:cxnSp>
       <p:sp>
         <p:nvSpPr>
-          <p:cNvPr id="24" name="제목 1">
-            <a:extLst>
-              <a:ext uri="{FF2B5EF4-FFF2-40B4-BE49-F238E27FC236}">
-                <a16:creationId xmlns:a16="http://schemas.microsoft.com/office/drawing/2014/main" id="{F26C1E1A-00F8-52FD-9B29-C0DECBC994D6}"/>
+          <p:cNvPr id="1035" name="제목 1">
+            <a:extLst>
+              <a:ext uri="{FF2B5EF4-FFF2-40B4-BE49-F238E27FC236}">
+                <a16:creationId xmlns:a16="http://schemas.microsoft.com/office/drawing/2014/main" id="{71FF8702-FED6-127F-52F1-3D46423D98B5}"/>
               </a:ext>
             </a:extLst>
           </p:cNvPr>
@@ -12360,8 +12676,8 @@
         </p:nvSpPr>
         <p:spPr>
           <a:xfrm>
-            <a:off x="2294114" y="8115679"/>
-            <a:ext cx="1257659" cy="267998"/>
+            <a:off x="11743721" y="1635894"/>
+            <a:ext cx="1257659" cy="236354"/>
           </a:xfrm>
           <a:prstGeom prst="rect">
             <a:avLst/>
@@ -12393,12 +12709,20 @@
           <a:p>
             <a:pPr algn="ctr"/>
             <a:r>
+              <a:rPr kumimoji="1" lang="en-US" altLang="ko-KR" sz="900" b="1" dirty="0" err="1">
+                <a:latin typeface="KoPubWorldDotum Bold" pitchFamily="2" charset="-127"/>
+                <a:ea typeface="KoPubWorldDotum Bold" pitchFamily="2" charset="-127"/>
+                <a:cs typeface="KoPubWorldDotum Bold" pitchFamily="2" charset="-127"/>
+              </a:rPr>
+              <a:t>Cloudwatch</a:t>
+            </a:r>
+            <a:r>
               <a:rPr kumimoji="1" lang="en-US" altLang="ko-KR" sz="900" b="1" dirty="0">
                 <a:latin typeface="KoPubWorldDotum Bold" pitchFamily="2" charset="-127"/>
                 <a:ea typeface="KoPubWorldDotum Bold" pitchFamily="2" charset="-127"/>
                 <a:cs typeface="KoPubWorldDotum Bold" pitchFamily="2" charset="-127"/>
               </a:rPr>
-              <a:t>Athena</a:t>
+              <a:t> Logs</a:t>
             </a:r>
             <a:endParaRPr kumimoji="1" lang="ko-KR" altLang="en-US" sz="900" b="1" dirty="0">
               <a:latin typeface="KoPubWorldDotum Bold" pitchFamily="2" charset="-127"/>
@@ -12408,161 +12732,33 @@
           </a:p>
         </p:txBody>
       </p:sp>
-      <p:sp>
-        <p:nvSpPr>
-          <p:cNvPr id="25" name="직사각형 24">
-            <a:extLst>
-              <a:ext uri="{FF2B5EF4-FFF2-40B4-BE49-F238E27FC236}">
-                <a16:creationId xmlns:a16="http://schemas.microsoft.com/office/drawing/2014/main" id="{D9506844-BED0-1286-314E-61B7A01B1904}"/>
-              </a:ext>
-            </a:extLst>
-          </p:cNvPr>
-          <p:cNvSpPr/>
-          <p:nvPr/>
-        </p:nvSpPr>
-        <p:spPr>
-          <a:xfrm>
-            <a:off x="4027888" y="5018585"/>
-            <a:ext cx="1997897" cy="700696"/>
-          </a:xfrm>
-          <a:prstGeom prst="rect">
-            <a:avLst/>
-          </a:prstGeom>
-          <a:noFill/>
-          <a:ln>
-            <a:solidFill>
-              <a:srgbClr val="156082"/>
-            </a:solidFill>
-            <a:prstDash val="sysDash"/>
-          </a:ln>
-        </p:spPr>
-        <p:style>
-          <a:lnRef idx="2">
-            <a:schemeClr val="accent1">
-              <a:shade val="15000"/>
-            </a:schemeClr>
-          </a:lnRef>
-          <a:fillRef idx="1">
-            <a:schemeClr val="accent1"/>
-          </a:fillRef>
-          <a:effectRef idx="0">
-            <a:schemeClr val="accent1"/>
-          </a:effectRef>
-          <a:fontRef idx="minor">
-            <a:schemeClr val="lt1"/>
-          </a:fontRef>
-        </p:style>
-        <p:txBody>
-          <a:bodyPr rtlCol="0" anchor="ctr"/>
-          <a:lstStyle/>
-          <a:p>
-            <a:pPr algn="ctr"/>
-            <a:endParaRPr kumimoji="1" lang="ko-KR" altLang="en-US" sz="900"/>
-          </a:p>
-        </p:txBody>
-      </p:sp>
-      <p:sp>
-        <p:nvSpPr>
-          <p:cNvPr id="29" name="제목 1">
-            <a:extLst>
-              <a:ext uri="{FF2B5EF4-FFF2-40B4-BE49-F238E27FC236}">
-                <a16:creationId xmlns:a16="http://schemas.microsoft.com/office/drawing/2014/main" id="{A7EC2B79-50AE-8C30-7BE5-484D3CCB1FD2}"/>
-              </a:ext>
-            </a:extLst>
-          </p:cNvPr>
-          <p:cNvSpPr txBox="1">
-            <a:spLocks/>
-          </p:cNvSpPr>
-          <p:nvPr/>
-        </p:nvSpPr>
-        <p:spPr>
-          <a:xfrm>
-            <a:off x="4731966" y="5167273"/>
-            <a:ext cx="512382" cy="387771"/>
-          </a:xfrm>
-          <a:prstGeom prst="rect">
-            <a:avLst/>
-          </a:prstGeom>
-          <a:solidFill>
-            <a:srgbClr val="156082"/>
-          </a:solidFill>
-        </p:spPr>
-        <p:txBody>
-          <a:bodyPr vert="horz" lIns="91440" tIns="45720" rIns="91440" bIns="45720" rtlCol="0" anchor="ctr">
-            <a:normAutofit/>
-          </a:bodyPr>
-          <a:lstStyle>
-            <a:lvl1pPr algn="l" defTabSz="914400" rtl="0" eaLnBrk="1" latinLnBrk="1" hangingPunct="1">
-              <a:lnSpc>
-                <a:spcPct val="90000"/>
-              </a:lnSpc>
-              <a:spcBef>
-                <a:spcPct val="0"/>
-              </a:spcBef>
-              <a:buNone/>
-              <a:defRPr sz="4400" kern="1200">
-                <a:solidFill>
-                  <a:schemeClr val="tx1"/>
-                </a:solidFill>
-                <a:latin typeface="+mj-lt"/>
-                <a:ea typeface="+mj-ea"/>
-                <a:cs typeface="+mj-cs"/>
-              </a:defRPr>
-            </a:lvl1pPr>
-          </a:lstStyle>
-          <a:p>
-            <a:pPr algn="ctr"/>
-            <a:r>
-              <a:rPr kumimoji="1" lang="en-US" altLang="ko-KR" sz="900" b="1" dirty="0">
-                <a:solidFill>
-                  <a:schemeClr val="bg1"/>
-                </a:solidFill>
-                <a:latin typeface="KoPubWorldDotum Bold" pitchFamily="2" charset="-127"/>
-                <a:ea typeface="KoPubWorldDotum Bold" pitchFamily="2" charset="-127"/>
-                <a:cs typeface="KoPubWorldDotum Bold" pitchFamily="2" charset="-127"/>
-              </a:rPr>
-              <a:t>logs</a:t>
-            </a:r>
-            <a:endParaRPr kumimoji="1" lang="ko-KR" altLang="en-US" sz="900" b="1" dirty="0">
-              <a:solidFill>
-                <a:schemeClr val="bg1"/>
-              </a:solidFill>
-              <a:latin typeface="KoPubWorldDotum Bold" pitchFamily="2" charset="-127"/>
-              <a:ea typeface="KoPubWorldDotum Bold" pitchFamily="2" charset="-127"/>
-              <a:cs typeface="KoPubWorldDotum Bold" pitchFamily="2" charset="-127"/>
-            </a:endParaRPr>
-          </a:p>
-        </p:txBody>
-      </p:sp>
       <p:cxnSp>
         <p:nvCxnSpPr>
-          <p:cNvPr id="36" name="꺾인 연결선[E] 35">
-            <a:extLst>
-              <a:ext uri="{FF2B5EF4-FFF2-40B4-BE49-F238E27FC236}">
-                <a16:creationId xmlns:a16="http://schemas.microsoft.com/office/drawing/2014/main" id="{C9B237B3-DF88-41A9-09B5-5D485B068656}"/>
+          <p:cNvPr id="1036" name="직선 화살표 연결선 1035">
+            <a:extLst>
+              <a:ext uri="{FF2B5EF4-FFF2-40B4-BE49-F238E27FC236}">
+                <a16:creationId xmlns:a16="http://schemas.microsoft.com/office/drawing/2014/main" id="{2468F6CF-A7E1-688D-B452-15AF2328A4E6}"/>
               </a:ext>
             </a:extLst>
           </p:cNvPr>
           <p:cNvCxnSpPr>
             <a:cxnSpLocks/>
-            <a:stCxn id="1413" idx="1"/>
-            <a:endCxn id="29" idx="3"/>
+            <a:stCxn id="63" idx="1"/>
+            <a:endCxn id="22" idx="3"/>
           </p:cNvCxnSpPr>
           <p:nvPr/>
         </p:nvCxnSpPr>
         <p:spPr>
-          <a:xfrm rot="10800000">
-            <a:off x="5244348" y="5361159"/>
-            <a:ext cx="1582820" cy="2625490"/>
-          </a:xfrm>
-          <a:prstGeom prst="bentConnector3">
-            <a:avLst>
-              <a:gd name="adj1" fmla="val 74169"/>
-            </a:avLst>
+          <a:xfrm flipH="1">
+            <a:off x="8626349" y="2061897"/>
+            <a:ext cx="3527946" cy="2629"/>
+          </a:xfrm>
+          <a:prstGeom prst="straightConnector1">
+            <a:avLst/>
           </a:prstGeom>
           <a:ln>
             <a:headEnd type="none" w="med" len="med"/>
-            <a:tailEnd type="triangle" w="med" len="med"/>
+            <a:tailEnd type="none" w="med" len="med"/>
           </a:ln>
         </p:spPr>
         <p:style>
@@ -12582,32 +12778,30 @@
       </p:cxnSp>
       <p:cxnSp>
         <p:nvCxnSpPr>
-          <p:cNvPr id="60" name="직선 화살표 연결선 59">
-            <a:extLst>
-              <a:ext uri="{FF2B5EF4-FFF2-40B4-BE49-F238E27FC236}">
-                <a16:creationId xmlns:a16="http://schemas.microsoft.com/office/drawing/2014/main" id="{DE5DFF09-AC9B-F0A2-6E83-F92A89935CDD}"/>
+          <p:cNvPr id="1039" name="꺾인 연결선[E] 1038">
+            <a:extLst>
+              <a:ext uri="{FF2B5EF4-FFF2-40B4-BE49-F238E27FC236}">
+                <a16:creationId xmlns:a16="http://schemas.microsoft.com/office/drawing/2014/main" id="{3E7A12C3-2FBF-42E1-4C22-15FC7768F23E}"/>
               </a:ext>
             </a:extLst>
           </p:cNvPr>
           <p:cNvCxnSpPr>
             <a:cxnSpLocks/>
-            <a:stCxn id="28" idx="3"/>
-            <a:endCxn id="51" idx="1"/>
+            <a:stCxn id="22" idx="1"/>
+            <a:endCxn id="29" idx="3"/>
           </p:cNvCxnSpPr>
           <p:nvPr/>
         </p:nvCxnSpPr>
         <p:spPr>
-          <a:xfrm>
-            <a:off x="9181758" y="6219397"/>
-            <a:ext cx="1321747" cy="6875"/>
-          </a:xfrm>
-          <a:prstGeom prst="straightConnector1">
-            <a:avLst/>
-          </a:prstGeom>
-          <a:ln>
-            <a:headEnd type="none" w="med" len="med"/>
-            <a:tailEnd type="none" w="med" len="med"/>
-          </a:ln>
+          <a:xfrm rot="10800000" flipV="1">
+            <a:off x="6546677" y="2064525"/>
+            <a:ext cx="1617531" cy="2439737"/>
+          </a:xfrm>
+          <a:prstGeom prst="bentConnector3">
+            <a:avLst>
+              <a:gd name="adj1" fmla="val 70036"/>
+            </a:avLst>
+          </a:prstGeom>
         </p:spPr>
         <p:style>
           <a:lnRef idx="2">
@@ -12624,80 +12818,6 @@
           </a:fontRef>
         </p:style>
       </p:cxnSp>
-      <p:cxnSp>
-        <p:nvCxnSpPr>
-          <p:cNvPr id="1362" name="꺾인 연결선[E] 1361">
-            <a:extLst>
-              <a:ext uri="{FF2B5EF4-FFF2-40B4-BE49-F238E27FC236}">
-                <a16:creationId xmlns:a16="http://schemas.microsoft.com/office/drawing/2014/main" id="{DFBB3A9B-7E53-A4A7-B576-D847FFCC2B68}"/>
-              </a:ext>
-            </a:extLst>
-          </p:cNvPr>
-          <p:cNvCxnSpPr>
-            <a:cxnSpLocks/>
-            <a:stCxn id="29" idx="1"/>
-            <a:endCxn id="22" idx="0"/>
-          </p:cNvCxnSpPr>
-          <p:nvPr/>
-        </p:nvCxnSpPr>
-        <p:spPr>
-          <a:xfrm rot="10800000" flipV="1">
-            <a:off x="2922944" y="5361158"/>
-            <a:ext cx="1809022" cy="2282207"/>
-          </a:xfrm>
-          <a:prstGeom prst="bentConnector2">
-            <a:avLst/>
-          </a:prstGeom>
-          <a:ln>
-            <a:headEnd type="none" w="med" len="med"/>
-            <a:tailEnd type="triangle" w="med" len="med"/>
-          </a:ln>
-        </p:spPr>
-        <p:style>
-          <a:lnRef idx="2">
-            <a:schemeClr val="accent1"/>
-          </a:lnRef>
-          <a:fillRef idx="0">
-            <a:schemeClr val="accent1"/>
-          </a:fillRef>
-          <a:effectRef idx="1">
-            <a:schemeClr val="accent1"/>
-          </a:effectRef>
-          <a:fontRef idx="minor">
-            <a:schemeClr val="tx1"/>
-          </a:fontRef>
-        </p:style>
-      </p:cxnSp>
-      <p:pic>
-        <p:nvPicPr>
-          <p:cNvPr id="1371" name="그림 1370">
-            <a:extLst>
-              <a:ext uri="{FF2B5EF4-FFF2-40B4-BE49-F238E27FC236}">
-                <a16:creationId xmlns:a16="http://schemas.microsoft.com/office/drawing/2014/main" id="{0026A04F-7095-F1CD-8FED-036D83B80A8D}"/>
-              </a:ext>
-            </a:extLst>
-          </p:cNvPr>
-          <p:cNvPicPr>
-            <a:picLocks noChangeAspect="1"/>
-          </p:cNvPicPr>
-          <p:nvPr/>
-        </p:nvPicPr>
-        <p:blipFill>
-          <a:blip r:embed="rId23"/>
-          <a:stretch>
-            <a:fillRect/>
-          </a:stretch>
-        </p:blipFill>
-        <p:spPr>
-          <a:xfrm>
-            <a:off x="2691872" y="6182211"/>
-            <a:ext cx="462142" cy="462142"/>
-          </a:xfrm>
-          <a:prstGeom prst="rect">
-            <a:avLst/>
-          </a:prstGeom>
-        </p:spPr>
-      </p:pic>
     </p:spTree>
     <p:extLst>
       <p:ext uri="{BB962C8B-B14F-4D97-AF65-F5344CB8AC3E}">

--- a/documents/개발계획서.pptx
+++ b/documents/개발계획서.pptx
@@ -207,7 +207,7 @@
           <a:p>
             <a:fld id="{9458FFD9-5838-1449-9919-C8A4367C6D0D}" type="datetimeFigureOut">
               <a:rPr kumimoji="1" lang="ko-KR" altLang="en-US" smtClean="0"/>
-              <a:t>2025. 3. 7.</a:t>
+              <a:t>2025. 3. 8.</a:t>
             </a:fld>
             <a:endParaRPr kumimoji="1" lang="ko-KR" altLang="en-US"/>
           </a:p>
@@ -961,7 +961,7 @@
           <a:p>
             <a:fld id="{B2310862-A932-4A4D-BE7A-7832C8DBE490}" type="datetimeFigureOut">
               <a:rPr kumimoji="1" lang="ko-KR" altLang="en-US" smtClean="0"/>
-              <a:t>2025. 3. 7.</a:t>
+              <a:t>2025. 3. 8.</a:t>
             </a:fld>
             <a:endParaRPr kumimoji="1" lang="ko-KR" altLang="en-US"/>
           </a:p>
@@ -1131,7 +1131,7 @@
           <a:p>
             <a:fld id="{B2310862-A932-4A4D-BE7A-7832C8DBE490}" type="datetimeFigureOut">
               <a:rPr kumimoji="1" lang="ko-KR" altLang="en-US" smtClean="0"/>
-              <a:t>2025. 3. 7.</a:t>
+              <a:t>2025. 3. 8.</a:t>
             </a:fld>
             <a:endParaRPr kumimoji="1" lang="ko-KR" altLang="en-US"/>
           </a:p>
@@ -1311,7 +1311,7 @@
           <a:p>
             <a:fld id="{B2310862-A932-4A4D-BE7A-7832C8DBE490}" type="datetimeFigureOut">
               <a:rPr kumimoji="1" lang="ko-KR" altLang="en-US" smtClean="0"/>
-              <a:t>2025. 3. 7.</a:t>
+              <a:t>2025. 3. 8.</a:t>
             </a:fld>
             <a:endParaRPr kumimoji="1" lang="ko-KR" altLang="en-US"/>
           </a:p>
@@ -1481,7 +1481,7 @@
           <a:p>
             <a:fld id="{B2310862-A932-4A4D-BE7A-7832C8DBE490}" type="datetimeFigureOut">
               <a:rPr kumimoji="1" lang="ko-KR" altLang="en-US" smtClean="0"/>
-              <a:t>2025. 3. 7.</a:t>
+              <a:t>2025. 3. 8.</a:t>
             </a:fld>
             <a:endParaRPr kumimoji="1" lang="ko-KR" altLang="en-US"/>
           </a:p>
@@ -1727,7 +1727,7 @@
           <a:p>
             <a:fld id="{B2310862-A932-4A4D-BE7A-7832C8DBE490}" type="datetimeFigureOut">
               <a:rPr kumimoji="1" lang="ko-KR" altLang="en-US" smtClean="0"/>
-              <a:t>2025. 3. 7.</a:t>
+              <a:t>2025. 3. 8.</a:t>
             </a:fld>
             <a:endParaRPr kumimoji="1" lang="ko-KR" altLang="en-US"/>
           </a:p>
@@ -1959,7 +1959,7 @@
           <a:p>
             <a:fld id="{B2310862-A932-4A4D-BE7A-7832C8DBE490}" type="datetimeFigureOut">
               <a:rPr kumimoji="1" lang="ko-KR" altLang="en-US" smtClean="0"/>
-              <a:t>2025. 3. 7.</a:t>
+              <a:t>2025. 3. 8.</a:t>
             </a:fld>
             <a:endParaRPr kumimoji="1" lang="ko-KR" altLang="en-US"/>
           </a:p>
@@ -2326,7 +2326,7 @@
           <a:p>
             <a:fld id="{B2310862-A932-4A4D-BE7A-7832C8DBE490}" type="datetimeFigureOut">
               <a:rPr kumimoji="1" lang="ko-KR" altLang="en-US" smtClean="0"/>
-              <a:t>2025. 3. 7.</a:t>
+              <a:t>2025. 3. 8.</a:t>
             </a:fld>
             <a:endParaRPr kumimoji="1" lang="ko-KR" altLang="en-US"/>
           </a:p>
@@ -2444,7 +2444,7 @@
           <a:p>
             <a:fld id="{B2310862-A932-4A4D-BE7A-7832C8DBE490}" type="datetimeFigureOut">
               <a:rPr kumimoji="1" lang="ko-KR" altLang="en-US" smtClean="0"/>
-              <a:t>2025. 3. 7.</a:t>
+              <a:t>2025. 3. 8.</a:t>
             </a:fld>
             <a:endParaRPr kumimoji="1" lang="ko-KR" altLang="en-US"/>
           </a:p>
@@ -2539,7 +2539,7 @@
           <a:p>
             <a:fld id="{B2310862-A932-4A4D-BE7A-7832C8DBE490}" type="datetimeFigureOut">
               <a:rPr kumimoji="1" lang="ko-KR" altLang="en-US" smtClean="0"/>
-              <a:t>2025. 3. 7.</a:t>
+              <a:t>2025. 3. 8.</a:t>
             </a:fld>
             <a:endParaRPr kumimoji="1" lang="ko-KR" altLang="en-US"/>
           </a:p>
@@ -2816,7 +2816,7 @@
           <a:p>
             <a:fld id="{B2310862-A932-4A4D-BE7A-7832C8DBE490}" type="datetimeFigureOut">
               <a:rPr kumimoji="1" lang="ko-KR" altLang="en-US" smtClean="0"/>
-              <a:t>2025. 3. 7.</a:t>
+              <a:t>2025. 3. 8.</a:t>
             </a:fld>
             <a:endParaRPr kumimoji="1" lang="ko-KR" altLang="en-US"/>
           </a:p>
@@ -3073,7 +3073,7 @@
           <a:p>
             <a:fld id="{B2310862-A932-4A4D-BE7A-7832C8DBE490}" type="datetimeFigureOut">
               <a:rPr kumimoji="1" lang="ko-KR" altLang="en-US" smtClean="0"/>
-              <a:t>2025. 3. 7.</a:t>
+              <a:t>2025. 3. 8.</a:t>
             </a:fld>
             <a:endParaRPr kumimoji="1" lang="ko-KR" altLang="en-US"/>
           </a:p>
@@ -3286,7 +3286,7 @@
           <a:p>
             <a:fld id="{B2310862-A932-4A4D-BE7A-7832C8DBE490}" type="datetimeFigureOut">
               <a:rPr kumimoji="1" lang="ko-KR" altLang="en-US" smtClean="0"/>
-              <a:t>2025. 3. 7.</a:t>
+              <a:t>2025. 3. 8.</a:t>
             </a:fld>
             <a:endParaRPr kumimoji="1" lang="ko-KR" altLang="en-US"/>
           </a:p>
@@ -8536,8 +8536,8 @@
         </p:nvSpPr>
         <p:spPr>
           <a:xfrm>
-            <a:off x="9318323" y="3484747"/>
-            <a:ext cx="1345941" cy="4344977"/>
+            <a:off x="9318323" y="4161690"/>
+            <a:ext cx="1345941" cy="3369174"/>
           </a:xfrm>
           <a:prstGeom prst="rect">
             <a:avLst/>
@@ -8548,9 +8548,7 @@
             </a:srgbClr>
           </a:solidFill>
           <a:ln>
-            <a:solidFill>
-              <a:srgbClr val="156082"/>
-            </a:solidFill>
+            <a:noFill/>
             <a:prstDash val="sysDash"/>
           </a:ln>
         </p:spPr>
@@ -8593,8 +8591,8 @@
         </p:nvSpPr>
         <p:spPr>
           <a:xfrm>
-            <a:off x="11488340" y="3484748"/>
-            <a:ext cx="1789747" cy="4342226"/>
+            <a:off x="11488340" y="4158938"/>
+            <a:ext cx="1789747" cy="3374553"/>
           </a:xfrm>
           <a:prstGeom prst="rect">
             <a:avLst/>
@@ -8605,9 +8603,7 @@
             </a:srgbClr>
           </a:solidFill>
           <a:ln>
-            <a:solidFill>
-              <a:srgbClr val="156082"/>
-            </a:solidFill>
+            <a:noFill/>
             <a:prstDash val="sysDash"/>
           </a:ln>
         </p:spPr>
@@ -8638,57 +8634,40 @@
       </p:sp>
       <p:pic>
         <p:nvPicPr>
-          <p:cNvPr id="1026" name="Picture 2" descr="Amazon Bedrock Connector - Overview (O11) | OutSystems">
-            <a:extLst>
-              <a:ext uri="{FF2B5EF4-FFF2-40B4-BE49-F238E27FC236}">
-                <a16:creationId xmlns:a16="http://schemas.microsoft.com/office/drawing/2014/main" id="{6DA16296-BD32-D7F0-01D5-6C09271FAC81}"/>
+          <p:cNvPr id="18" name="그림 17">
+            <a:extLst>
+              <a:ext uri="{FF2B5EF4-FFF2-40B4-BE49-F238E27FC236}">
+                <a16:creationId xmlns:a16="http://schemas.microsoft.com/office/drawing/2014/main" id="{E4E2557D-5953-C1A9-118E-BEB9C692C0BE}"/>
               </a:ext>
             </a:extLst>
           </p:cNvPr>
           <p:cNvPicPr>
-            <a:picLocks noChangeAspect="1" noChangeArrowheads="1"/>
+            <a:picLocks noChangeAspect="1"/>
           </p:cNvPicPr>
           <p:nvPr/>
         </p:nvPicPr>
         <p:blipFill>
-          <a:blip r:embed="rId3">
-            <a:extLst>
-              <a:ext uri="{28A0092B-C50C-407E-A947-70E740481C1C}">
-                <a14:useLocalDpi xmlns:a14="http://schemas.microsoft.com/office/drawing/2010/main" val="0"/>
-              </a:ext>
-            </a:extLst>
-          </a:blip>
-          <a:srcRect/>
+          <a:blip r:embed="rId3"/>
           <a:stretch>
             <a:fillRect/>
           </a:stretch>
         </p:blipFill>
-        <p:spPr bwMode="auto">
-          <a:xfrm>
-            <a:off x="13909543" y="6266020"/>
-            <a:ext cx="465430" cy="465430"/>
+        <p:spPr>
+          <a:xfrm>
+            <a:off x="17071647" y="5487327"/>
+            <a:ext cx="465429" cy="465429"/>
           </a:xfrm>
           <a:prstGeom prst="rect">
             <a:avLst/>
           </a:prstGeom>
-          <a:noFill/>
-          <a:extLst>
-            <a:ext uri="{909E8E84-426E-40DD-AFC4-6F175D3DCCD1}">
-              <a14:hiddenFill xmlns:a14="http://schemas.microsoft.com/office/drawing/2010/main">
-                <a:solidFill>
-                  <a:srgbClr val="FFFFFF"/>
-                </a:solidFill>
-              </a14:hiddenFill>
-            </a:ext>
-          </a:extLst>
         </p:spPr>
       </p:pic>
       <p:sp>
         <p:nvSpPr>
-          <p:cNvPr id="4" name="제목 1">
-            <a:extLst>
-              <a:ext uri="{FF2B5EF4-FFF2-40B4-BE49-F238E27FC236}">
-                <a16:creationId xmlns:a16="http://schemas.microsoft.com/office/drawing/2014/main" id="{6B3A304C-BFF1-2B0E-6D04-E3EBC01A9BD6}"/>
+          <p:cNvPr id="19" name="제목 1">
+            <a:extLst>
+              <a:ext uri="{FF2B5EF4-FFF2-40B4-BE49-F238E27FC236}">
+                <a16:creationId xmlns:a16="http://schemas.microsoft.com/office/drawing/2014/main" id="{43B19051-C4DB-2973-13E0-26D3E5B051C2}"/>
               </a:ext>
             </a:extLst>
           </p:cNvPr>
@@ -8699,8 +8678,8 @@
         </p:nvSpPr>
         <p:spPr>
           <a:xfrm>
-            <a:off x="13781890" y="6038367"/>
-            <a:ext cx="739201" cy="267998"/>
+            <a:off x="16870029" y="5283845"/>
+            <a:ext cx="869150" cy="267998"/>
           </a:xfrm>
           <a:prstGeom prst="rect">
             <a:avLst/>
@@ -8737,7 +8716,7 @@
                 <a:ea typeface="KoPubWorldDotum Bold" pitchFamily="2" charset="-127"/>
                 <a:cs typeface="KoPubWorldDotum Bold" pitchFamily="2" charset="-127"/>
               </a:rPr>
-              <a:t>Bedrock</a:t>
+              <a:t>DynamoDB</a:t>
             </a:r>
             <a:endParaRPr kumimoji="1" lang="ko-KR" altLang="en-US" sz="900" b="1" dirty="0">
               <a:latin typeface="KoPubWorldDotum Bold" pitchFamily="2" charset="-127"/>
@@ -8747,12 +8726,117 @@
           </a:p>
         </p:txBody>
       </p:sp>
+      <p:pic>
+        <p:nvPicPr>
+          <p:cNvPr id="63" name="그림 62">
+            <a:extLst>
+              <a:ext uri="{FF2B5EF4-FFF2-40B4-BE49-F238E27FC236}">
+                <a16:creationId xmlns:a16="http://schemas.microsoft.com/office/drawing/2014/main" id="{30AA3DF9-0C34-53E0-3770-48ED28E21865}"/>
+              </a:ext>
+            </a:extLst>
+          </p:cNvPr>
+          <p:cNvPicPr>
+            <a:picLocks noChangeAspect="1"/>
+          </p:cNvPicPr>
+          <p:nvPr/>
+        </p:nvPicPr>
+        <p:blipFill>
+          <a:blip r:embed="rId4"/>
+          <a:stretch>
+            <a:fillRect/>
+          </a:stretch>
+        </p:blipFill>
+        <p:spPr>
+          <a:xfrm>
+            <a:off x="12154295" y="2612696"/>
+            <a:ext cx="462142" cy="462142"/>
+          </a:xfrm>
+          <a:prstGeom prst="rect">
+            <a:avLst/>
+          </a:prstGeom>
+        </p:spPr>
+      </p:pic>
+      <p:cxnSp>
+        <p:nvCxnSpPr>
+          <p:cNvPr id="32" name="직선 화살표 연결선 31">
+            <a:extLst>
+              <a:ext uri="{FF2B5EF4-FFF2-40B4-BE49-F238E27FC236}">
+                <a16:creationId xmlns:a16="http://schemas.microsoft.com/office/drawing/2014/main" id="{9C4C48DA-AB9C-66CF-5BC3-E8C3AB5FEC45}"/>
+              </a:ext>
+            </a:extLst>
+          </p:cNvPr>
+          <p:cNvCxnSpPr>
+            <a:cxnSpLocks/>
+            <a:stCxn id="39" idx="1"/>
+          </p:cNvCxnSpPr>
+          <p:nvPr/>
+        </p:nvCxnSpPr>
+        <p:spPr>
+          <a:xfrm flipH="1">
+            <a:off x="2522741" y="5655349"/>
+            <a:ext cx="367029" cy="0"/>
+          </a:xfrm>
+          <a:prstGeom prst="straightConnector1">
+            <a:avLst/>
+          </a:prstGeom>
+          <a:ln>
+            <a:headEnd type="none" w="med" len="med"/>
+            <a:tailEnd type="none" w="med" len="med"/>
+          </a:ln>
+        </p:spPr>
+        <p:style>
+          <a:lnRef idx="2">
+            <a:schemeClr val="accent1"/>
+          </a:lnRef>
+          <a:fillRef idx="0">
+            <a:schemeClr val="accent1"/>
+          </a:fillRef>
+          <a:effectRef idx="1">
+            <a:schemeClr val="accent1"/>
+          </a:effectRef>
+          <a:fontRef idx="minor">
+            <a:schemeClr val="tx1"/>
+          </a:fontRef>
+        </p:style>
+      </p:cxnSp>
+      <p:pic>
+        <p:nvPicPr>
+          <p:cNvPr id="33" name="그림 32">
+            <a:extLst>
+              <a:ext uri="{FF2B5EF4-FFF2-40B4-BE49-F238E27FC236}">
+                <a16:creationId xmlns:a16="http://schemas.microsoft.com/office/drawing/2014/main" id="{299B75B5-D8F0-18BC-D6BE-E676585A616C}"/>
+              </a:ext>
+            </a:extLst>
+          </p:cNvPr>
+          <p:cNvPicPr>
+            <a:picLocks noChangeAspect="1"/>
+          </p:cNvPicPr>
+          <p:nvPr/>
+        </p:nvPicPr>
+        <p:blipFill>
+          <a:blip r:embed="rId5">
+            <a:alphaModFix/>
+          </a:blip>
+          <a:stretch>
+            <a:fillRect/>
+          </a:stretch>
+        </p:blipFill>
+        <p:spPr>
+          <a:xfrm>
+            <a:off x="4047912" y="5425974"/>
+            <a:ext cx="462143" cy="462143"/>
+          </a:xfrm>
+          <a:prstGeom prst="rect">
+            <a:avLst/>
+          </a:prstGeom>
+        </p:spPr>
+      </p:pic>
       <p:sp>
         <p:nvSpPr>
-          <p:cNvPr id="8" name="제목 1">
-            <a:extLst>
-              <a:ext uri="{FF2B5EF4-FFF2-40B4-BE49-F238E27FC236}">
-                <a16:creationId xmlns:a16="http://schemas.microsoft.com/office/drawing/2014/main" id="{7CB821EA-A35B-3E71-C9DD-00E24904DF39}"/>
+          <p:cNvPr id="37" name="제목 1">
+            <a:extLst>
+              <a:ext uri="{FF2B5EF4-FFF2-40B4-BE49-F238E27FC236}">
+                <a16:creationId xmlns:a16="http://schemas.microsoft.com/office/drawing/2014/main" id="{4883C4EB-69F2-7707-5907-D402594B4B41}"/>
               </a:ext>
             </a:extLst>
           </p:cNvPr>
@@ -8763,8 +8847,8 @@
         </p:nvSpPr>
         <p:spPr>
           <a:xfrm>
-            <a:off x="15037028" y="6851766"/>
-            <a:ext cx="1304524" cy="262033"/>
+            <a:off x="3659857" y="5182344"/>
+            <a:ext cx="1260673" cy="267998"/>
           </a:xfrm>
           <a:prstGeom prst="rect">
             <a:avLst/>
@@ -8801,23 +8885,7 @@
                 <a:ea typeface="KoPubWorldDotum Bold" pitchFamily="2" charset="-127"/>
                 <a:cs typeface="KoPubWorldDotum Bold" pitchFamily="2" charset="-127"/>
               </a:rPr>
-              <a:t>Claude 3.5 Sonnet</a:t>
-            </a:r>
-            <a:r>
-              <a:rPr kumimoji="1" lang="ko-KR" altLang="en-US" sz="900" b="1" dirty="0">
-                <a:latin typeface="KoPubWorldDotum Bold" pitchFamily="2" charset="-127"/>
-                <a:ea typeface="KoPubWorldDotum Bold" pitchFamily="2" charset="-127"/>
-                <a:cs typeface="KoPubWorldDotum Bold" pitchFamily="2" charset="-127"/>
-              </a:rPr>
-              <a:t> </a:t>
-            </a:r>
-            <a:r>
-              <a:rPr kumimoji="1" lang="en-US" altLang="ko-KR" sz="900" b="1" dirty="0">
-                <a:latin typeface="KoPubWorldDotum Bold" pitchFamily="2" charset="-127"/>
-                <a:ea typeface="KoPubWorldDotum Bold" pitchFamily="2" charset="-127"/>
-                <a:cs typeface="KoPubWorldDotum Bold" pitchFamily="2" charset="-127"/>
-              </a:rPr>
-              <a:t>V2</a:t>
+              <a:t>CloudFront</a:t>
             </a:r>
             <a:endParaRPr kumimoji="1" lang="ko-KR" altLang="en-US" sz="900" b="1" dirty="0">
               <a:latin typeface="KoPubWorldDotum Bold" pitchFamily="2" charset="-127"/>
@@ -8829,55 +8897,78 @@
       </p:sp>
       <p:pic>
         <p:nvPicPr>
-          <p:cNvPr id="13" name="Picture 2" descr="The AI wars heat up with Claude 3, claimed to have “near-human” abilities |  Ars Technica">
-            <a:extLst>
-              <a:ext uri="{FF2B5EF4-FFF2-40B4-BE49-F238E27FC236}">
-                <a16:creationId xmlns:a16="http://schemas.microsoft.com/office/drawing/2014/main" id="{9106017E-A991-4292-85EB-1286A8B1B55F}"/>
+          <p:cNvPr id="38" name="그래픽 37" descr="사용자 단색으로 채워진">
+            <a:extLst>
+              <a:ext uri="{FF2B5EF4-FFF2-40B4-BE49-F238E27FC236}">
+                <a16:creationId xmlns:a16="http://schemas.microsoft.com/office/drawing/2014/main" id="{3CCFFB7A-B116-AF77-980D-C90D7C5B0E09}"/>
               </a:ext>
             </a:extLst>
           </p:cNvPr>
           <p:cNvPicPr>
-            <a:picLocks noChangeAspect="1" noChangeArrowheads="1"/>
+            <a:picLocks noChangeAspect="1"/>
           </p:cNvPicPr>
           <p:nvPr/>
         </p:nvPicPr>
-        <p:blipFill rotWithShape="1">
-          <a:blip r:embed="rId4">
-            <a:extLst>
-              <a:ext uri="{28A0092B-C50C-407E-A947-70E740481C1C}">
-                <a14:useLocalDpi xmlns:a14="http://schemas.microsoft.com/office/drawing/2010/main" val="0"/>
+        <p:blipFill>
+          <a:blip r:embed="rId6">
+            <a:extLst>
+              <a:ext uri="{96DAC541-7B7A-43D3-8B79-37D633B846F1}">
+                <asvg:svgBlip xmlns:asvg="http://schemas.microsoft.com/office/drawing/2016/SVG/main" r:embed="rId7"/>
               </a:ext>
             </a:extLst>
           </a:blip>
-          <a:srcRect l="28567" t="10984" r="29591" b="14630"/>
-          <a:stretch/>
+          <a:stretch>
+            <a:fillRect/>
+          </a:stretch>
         </p:blipFill>
-        <p:spPr bwMode="auto">
-          <a:xfrm>
-            <a:off x="15469733" y="7068062"/>
-            <a:ext cx="465430" cy="465430"/>
+        <p:spPr>
+          <a:xfrm>
+            <a:off x="1816757" y="5316675"/>
+            <a:ext cx="754027" cy="754027"/>
           </a:xfrm>
           <a:prstGeom prst="rect">
             <a:avLst/>
           </a:prstGeom>
-          <a:noFill/>
-          <a:extLst>
-            <a:ext uri="{909E8E84-426E-40DD-AFC4-6F175D3DCCD1}">
-              <a14:hiddenFill xmlns:a14="http://schemas.microsoft.com/office/drawing/2010/main">
-                <a:solidFill>
-                  <a:srgbClr val="FFFFFF"/>
-                </a:solidFill>
-              </a14:hiddenFill>
-            </a:ext>
-          </a:extLst>
+        </p:spPr>
+      </p:pic>
+      <p:pic>
+        <p:nvPicPr>
+          <p:cNvPr id="39" name="그림 38">
+            <a:extLst>
+              <a:ext uri="{FF2B5EF4-FFF2-40B4-BE49-F238E27FC236}">
+                <a16:creationId xmlns:a16="http://schemas.microsoft.com/office/drawing/2014/main" id="{4ECCA4A3-4896-020A-6E1B-A5C0CABA7AB0}"/>
+              </a:ext>
+            </a:extLst>
+          </p:cNvPr>
+          <p:cNvPicPr>
+            <a:picLocks noChangeAspect="1"/>
+          </p:cNvPicPr>
+          <p:nvPr/>
+        </p:nvPicPr>
+        <p:blipFill>
+          <a:blip r:embed="rId8">
+            <a:alphaModFix/>
+          </a:blip>
+          <a:stretch>
+            <a:fillRect/>
+          </a:stretch>
+        </p:blipFill>
+        <p:spPr>
+          <a:xfrm>
+            <a:off x="2889770" y="5424278"/>
+            <a:ext cx="462143" cy="462143"/>
+          </a:xfrm>
+          <a:prstGeom prst="rect">
+            <a:avLst/>
+          </a:prstGeom>
         </p:spPr>
       </p:pic>
       <p:sp>
         <p:nvSpPr>
-          <p:cNvPr id="6" name="제목 1">
-            <a:extLst>
-              <a:ext uri="{FF2B5EF4-FFF2-40B4-BE49-F238E27FC236}">
-                <a16:creationId xmlns:a16="http://schemas.microsoft.com/office/drawing/2014/main" id="{E3E7097A-D899-57F0-AA84-4CA445238B28}"/>
+          <p:cNvPr id="40" name="제목 1">
+            <a:extLst>
+              <a:ext uri="{FF2B5EF4-FFF2-40B4-BE49-F238E27FC236}">
+                <a16:creationId xmlns:a16="http://schemas.microsoft.com/office/drawing/2014/main" id="{D265A0A2-EE38-19E6-4AB8-846CED18BE20}"/>
               </a:ext>
             </a:extLst>
           </p:cNvPr>
@@ -8888,8 +8979,8 @@
         </p:nvSpPr>
         <p:spPr>
           <a:xfrm>
-            <a:off x="13524724" y="6835674"/>
-            <a:ext cx="1206609" cy="267998"/>
+            <a:off x="2640362" y="5176714"/>
+            <a:ext cx="967879" cy="267998"/>
           </a:xfrm>
           <a:prstGeom prst="rect">
             <a:avLst/>
@@ -8926,23 +9017,7 @@
                 <a:ea typeface="KoPubWorldDotum Bold" pitchFamily="2" charset="-127"/>
                 <a:cs typeface="KoPubWorldDotum Bold" pitchFamily="2" charset="-127"/>
               </a:rPr>
-              <a:t>Bedrock</a:t>
-            </a:r>
-            <a:r>
-              <a:rPr kumimoji="1" lang="ko-KR" altLang="en-US" sz="900" b="1" dirty="0">
-                <a:latin typeface="KoPubWorldDotum Bold" pitchFamily="2" charset="-127"/>
-                <a:ea typeface="KoPubWorldDotum Bold" pitchFamily="2" charset="-127"/>
-                <a:cs typeface="KoPubWorldDotum Bold" pitchFamily="2" charset="-127"/>
-              </a:rPr>
-              <a:t> </a:t>
-            </a:r>
-            <a:r>
-              <a:rPr kumimoji="1" lang="en-US" altLang="ko-KR" sz="900" b="1" dirty="0">
-                <a:latin typeface="KoPubWorldDotum Bold" pitchFamily="2" charset="-127"/>
-                <a:ea typeface="KoPubWorldDotum Bold" pitchFamily="2" charset="-127"/>
-                <a:cs typeface="KoPubWorldDotum Bold" pitchFamily="2" charset="-127"/>
-              </a:rPr>
-              <a:t>Agent</a:t>
+              <a:t>Route 53</a:t>
             </a:r>
             <a:endParaRPr kumimoji="1" lang="ko-KR" altLang="en-US" sz="900" b="1" dirty="0">
               <a:latin typeface="KoPubWorldDotum Bold" pitchFamily="2" charset="-127"/>
@@ -8952,42 +9027,12 @@
           </a:p>
         </p:txBody>
       </p:sp>
-      <p:pic>
-        <p:nvPicPr>
-          <p:cNvPr id="18" name="그림 17">
-            <a:extLst>
-              <a:ext uri="{FF2B5EF4-FFF2-40B4-BE49-F238E27FC236}">
-                <a16:creationId xmlns:a16="http://schemas.microsoft.com/office/drawing/2014/main" id="{E4E2557D-5953-C1A9-118E-BEB9C692C0BE}"/>
-              </a:ext>
-            </a:extLst>
-          </p:cNvPr>
-          <p:cNvPicPr>
-            <a:picLocks noChangeAspect="1"/>
-          </p:cNvPicPr>
-          <p:nvPr/>
-        </p:nvPicPr>
-        <p:blipFill>
-          <a:blip r:embed="rId5"/>
-          <a:stretch>
-            <a:fillRect/>
-          </a:stretch>
-        </p:blipFill>
-        <p:spPr>
-          <a:xfrm>
-            <a:off x="17071647" y="5487327"/>
-            <a:ext cx="465429" cy="465429"/>
-          </a:xfrm>
-          <a:prstGeom prst="rect">
-            <a:avLst/>
-          </a:prstGeom>
-        </p:spPr>
-      </p:pic>
       <p:sp>
         <p:nvSpPr>
-          <p:cNvPr id="19" name="제목 1">
-            <a:extLst>
-              <a:ext uri="{FF2B5EF4-FFF2-40B4-BE49-F238E27FC236}">
-                <a16:creationId xmlns:a16="http://schemas.microsoft.com/office/drawing/2014/main" id="{43B19051-C4DB-2973-13E0-26D3E5B051C2}"/>
+          <p:cNvPr id="48" name="제목 1">
+            <a:extLst>
+              <a:ext uri="{FF2B5EF4-FFF2-40B4-BE49-F238E27FC236}">
+                <a16:creationId xmlns:a16="http://schemas.microsoft.com/office/drawing/2014/main" id="{6666B4EF-DAA2-18A1-C3FB-6AA06B52EA62}"/>
               </a:ext>
             </a:extLst>
           </p:cNvPr>
@@ -8998,12 +9043,15 @@
         </p:nvSpPr>
         <p:spPr>
           <a:xfrm>
-            <a:off x="16870029" y="5927183"/>
-            <a:ext cx="869150" cy="267998"/>
+            <a:off x="9516208" y="6778164"/>
+            <a:ext cx="967879" cy="387771"/>
           </a:xfrm>
           <a:prstGeom prst="rect">
             <a:avLst/>
           </a:prstGeom>
+          <a:solidFill>
+            <a:srgbClr val="156082"/>
+          </a:solidFill>
         </p:spPr>
         <p:txBody>
           <a:bodyPr vert="horz" lIns="91440" tIns="45720" rIns="91440" bIns="45720" rtlCol="0" anchor="ctr">
@@ -9032,11 +9080,81 @@
             <a:pPr algn="ctr"/>
             <a:r>
               <a:rPr kumimoji="1" lang="en-US" altLang="ko-KR" sz="900" b="1" dirty="0">
+                <a:solidFill>
+                  <a:schemeClr val="bg1"/>
+                </a:solidFill>
                 <a:latin typeface="KoPubWorldDotum Bold" pitchFamily="2" charset="-127"/>
                 <a:ea typeface="KoPubWorldDotum Bold" pitchFamily="2" charset="-127"/>
                 <a:cs typeface="KoPubWorldDotum Bold" pitchFamily="2" charset="-127"/>
               </a:rPr>
-              <a:t>DynamoDB</a:t>
+              <a:t>WS API</a:t>
+            </a:r>
+            <a:endParaRPr kumimoji="1" lang="ko-KR" altLang="en-US" sz="900" b="1" dirty="0">
+              <a:solidFill>
+                <a:schemeClr val="bg1"/>
+              </a:solidFill>
+              <a:latin typeface="KoPubWorldDotum Bold" pitchFamily="2" charset="-127"/>
+              <a:ea typeface="KoPubWorldDotum Bold" pitchFamily="2" charset="-127"/>
+              <a:cs typeface="KoPubWorldDotum Bold" pitchFamily="2" charset="-127"/>
+            </a:endParaRPr>
+          </a:p>
+        </p:txBody>
+      </p:sp>
+      <p:sp>
+        <p:nvSpPr>
+          <p:cNvPr id="1052" name="처리 1051">
+            <a:extLst>
+              <a:ext uri="{FF2B5EF4-FFF2-40B4-BE49-F238E27FC236}">
+                <a16:creationId xmlns:a16="http://schemas.microsoft.com/office/drawing/2014/main" id="{2B3FAD64-4705-E1C2-42FE-94B44868B7B4}"/>
+              </a:ext>
+            </a:extLst>
+          </p:cNvPr>
+          <p:cNvSpPr/>
+          <p:nvPr/>
+        </p:nvSpPr>
+        <p:spPr>
+          <a:xfrm>
+            <a:off x="11805833" y="6556678"/>
+            <a:ext cx="1203109" cy="243942"/>
+          </a:xfrm>
+          <a:prstGeom prst="flowChartProcess">
+            <a:avLst/>
+          </a:prstGeom>
+          <a:solidFill>
+            <a:schemeClr val="accent1"/>
+          </a:solidFill>
+          <a:ln>
+            <a:noFill/>
+          </a:ln>
+        </p:spPr>
+        <p:style>
+          <a:lnRef idx="2">
+            <a:schemeClr val="accent1">
+              <a:shade val="15000"/>
+            </a:schemeClr>
+          </a:lnRef>
+          <a:fillRef idx="1">
+            <a:schemeClr val="accent1"/>
+          </a:fillRef>
+          <a:effectRef idx="0">
+            <a:schemeClr val="accent1"/>
+          </a:effectRef>
+          <a:fontRef idx="minor">
+            <a:schemeClr val="lt1"/>
+          </a:fontRef>
+        </p:style>
+        <p:txBody>
+          <a:bodyPr rtlCol="0" anchor="ctr"/>
+          <a:lstStyle/>
+          <a:p>
+            <a:pPr algn="ctr"/>
+            <a:r>
+              <a:rPr kumimoji="1" lang="en-US" altLang="ko-KR" sz="900" b="1" dirty="0">
+                <a:latin typeface="KoPubWorldDotum Bold" pitchFamily="2" charset="-127"/>
+                <a:ea typeface="KoPubWorldDotum Bold" pitchFamily="2" charset="-127"/>
+                <a:cs typeface="KoPubWorldDotum Bold" pitchFamily="2" charset="-127"/>
+              </a:rPr>
+              <a:t>Connect</a:t>
             </a:r>
             <a:endParaRPr kumimoji="1" lang="ko-KR" altLang="en-US" sz="900" b="1" dirty="0">
               <a:latin typeface="KoPubWorldDotum Bold" pitchFamily="2" charset="-127"/>
@@ -9046,55 +9164,154 @@
           </a:p>
         </p:txBody>
       </p:sp>
-      <p:pic>
-        <p:nvPicPr>
-          <p:cNvPr id="63" name="그림 62">
-            <a:extLst>
-              <a:ext uri="{FF2B5EF4-FFF2-40B4-BE49-F238E27FC236}">
-                <a16:creationId xmlns:a16="http://schemas.microsoft.com/office/drawing/2014/main" id="{30AA3DF9-0C34-53E0-3770-48ED28E21865}"/>
-              </a:ext>
-            </a:extLst>
-          </p:cNvPr>
-          <p:cNvPicPr>
-            <a:picLocks noChangeAspect="1"/>
-          </p:cNvPicPr>
-          <p:nvPr/>
-        </p:nvPicPr>
-        <p:blipFill>
-          <a:blip r:embed="rId6"/>
-          <a:stretch>
-            <a:fillRect/>
-          </a:stretch>
-        </p:blipFill>
-        <p:spPr>
-          <a:xfrm>
-            <a:off x="12154295" y="1830826"/>
-            <a:ext cx="462142" cy="462142"/>
-          </a:xfrm>
-          <a:prstGeom prst="rect">
-            <a:avLst/>
-          </a:prstGeom>
-        </p:spPr>
-      </p:pic>
+      <p:sp>
+        <p:nvSpPr>
+          <p:cNvPr id="1053" name="처리 1052">
+            <a:extLst>
+              <a:ext uri="{FF2B5EF4-FFF2-40B4-BE49-F238E27FC236}">
+                <a16:creationId xmlns:a16="http://schemas.microsoft.com/office/drawing/2014/main" id="{A45DEA1D-9009-4C1F-77FF-51C1DCDF71ED}"/>
+              </a:ext>
+            </a:extLst>
+          </p:cNvPr>
+          <p:cNvSpPr/>
+          <p:nvPr/>
+        </p:nvSpPr>
+        <p:spPr>
+          <a:xfrm>
+            <a:off x="11805833" y="6848158"/>
+            <a:ext cx="1203109" cy="243942"/>
+          </a:xfrm>
+          <a:prstGeom prst="flowChartProcess">
+            <a:avLst/>
+          </a:prstGeom>
+          <a:solidFill>
+            <a:schemeClr val="accent1"/>
+          </a:solidFill>
+          <a:ln>
+            <a:noFill/>
+          </a:ln>
+        </p:spPr>
+        <p:style>
+          <a:lnRef idx="2">
+            <a:schemeClr val="accent1">
+              <a:shade val="15000"/>
+            </a:schemeClr>
+          </a:lnRef>
+          <a:fillRef idx="1">
+            <a:schemeClr val="accent1"/>
+          </a:fillRef>
+          <a:effectRef idx="0">
+            <a:schemeClr val="accent1"/>
+          </a:effectRef>
+          <a:fontRef idx="minor">
+            <a:schemeClr val="lt1"/>
+          </a:fontRef>
+        </p:style>
+        <p:txBody>
+          <a:bodyPr rtlCol="0" anchor="ctr"/>
+          <a:lstStyle/>
+          <a:p>
+            <a:pPr algn="ctr"/>
+            <a:r>
+              <a:rPr kumimoji="1" lang="en-US" altLang="ko-KR" sz="900" b="1" dirty="0" err="1">
+                <a:latin typeface="KoPubWorldDotum Bold" pitchFamily="2" charset="-127"/>
+                <a:ea typeface="KoPubWorldDotum Bold" pitchFamily="2" charset="-127"/>
+                <a:cs typeface="KoPubWorldDotum Bold" pitchFamily="2" charset="-127"/>
+              </a:rPr>
+              <a:t>SendMsg</a:t>
+            </a:r>
+            <a:endParaRPr kumimoji="1" lang="ko-KR" altLang="en-US" sz="900" b="1" dirty="0">
+              <a:latin typeface="KoPubWorldDotum Bold" pitchFamily="2" charset="-127"/>
+              <a:ea typeface="KoPubWorldDotum Bold" pitchFamily="2" charset="-127"/>
+              <a:cs typeface="KoPubWorldDotum Bold" pitchFamily="2" charset="-127"/>
+            </a:endParaRPr>
+          </a:p>
+        </p:txBody>
+      </p:sp>
+      <p:sp>
+        <p:nvSpPr>
+          <p:cNvPr id="1054" name="처리 1053">
+            <a:extLst>
+              <a:ext uri="{FF2B5EF4-FFF2-40B4-BE49-F238E27FC236}">
+                <a16:creationId xmlns:a16="http://schemas.microsoft.com/office/drawing/2014/main" id="{3D678DE6-EA83-F61A-84F9-F9C57880A466}"/>
+              </a:ext>
+            </a:extLst>
+          </p:cNvPr>
+          <p:cNvSpPr/>
+          <p:nvPr/>
+        </p:nvSpPr>
+        <p:spPr>
+          <a:xfrm>
+            <a:off x="11805833" y="7136932"/>
+            <a:ext cx="1203109" cy="243942"/>
+          </a:xfrm>
+          <a:prstGeom prst="flowChartProcess">
+            <a:avLst/>
+          </a:prstGeom>
+          <a:solidFill>
+            <a:schemeClr val="accent1"/>
+          </a:solidFill>
+          <a:ln>
+            <a:noFill/>
+          </a:ln>
+        </p:spPr>
+        <p:style>
+          <a:lnRef idx="2">
+            <a:schemeClr val="accent1">
+              <a:shade val="15000"/>
+            </a:schemeClr>
+          </a:lnRef>
+          <a:fillRef idx="1">
+            <a:schemeClr val="accent1"/>
+          </a:fillRef>
+          <a:effectRef idx="0">
+            <a:schemeClr val="accent1"/>
+          </a:effectRef>
+          <a:fontRef idx="minor">
+            <a:schemeClr val="lt1"/>
+          </a:fontRef>
+        </p:style>
+        <p:txBody>
+          <a:bodyPr rtlCol="0" anchor="ctr"/>
+          <a:lstStyle/>
+          <a:p>
+            <a:pPr algn="ctr"/>
+            <a:r>
+              <a:rPr kumimoji="1" lang="en-US" altLang="ko-KR" sz="900" b="1" dirty="0">
+                <a:latin typeface="KoPubWorldDotum Bold" pitchFamily="2" charset="-127"/>
+                <a:ea typeface="KoPubWorldDotum Bold" pitchFamily="2" charset="-127"/>
+                <a:cs typeface="KoPubWorldDotum Bold" pitchFamily="2" charset="-127"/>
+              </a:rPr>
+              <a:t>Disconnect</a:t>
+            </a:r>
+            <a:endParaRPr kumimoji="1" lang="ko-KR" altLang="en-US" sz="900" b="1" dirty="0">
+              <a:latin typeface="KoPubWorldDotum Bold" pitchFamily="2" charset="-127"/>
+              <a:ea typeface="KoPubWorldDotum Bold" pitchFamily="2" charset="-127"/>
+              <a:cs typeface="KoPubWorldDotum Bold" pitchFamily="2" charset="-127"/>
+            </a:endParaRPr>
+          </a:p>
+        </p:txBody>
+      </p:sp>
       <p:cxnSp>
         <p:nvCxnSpPr>
-          <p:cNvPr id="32" name="직선 화살표 연결선 31">
-            <a:extLst>
-              <a:ext uri="{FF2B5EF4-FFF2-40B4-BE49-F238E27FC236}">
-                <a16:creationId xmlns:a16="http://schemas.microsoft.com/office/drawing/2014/main" id="{9C4C48DA-AB9C-66CF-5BC3-E8C3AB5FEC45}"/>
+          <p:cNvPr id="1089" name="직선 화살표 연결선 1088">
+            <a:extLst>
+              <a:ext uri="{FF2B5EF4-FFF2-40B4-BE49-F238E27FC236}">
+                <a16:creationId xmlns:a16="http://schemas.microsoft.com/office/drawing/2014/main" id="{E3317280-D50E-F500-87BA-9D60DB1CFD51}"/>
               </a:ext>
             </a:extLst>
           </p:cNvPr>
           <p:cNvCxnSpPr>
             <a:cxnSpLocks/>
-            <a:stCxn id="39" idx="1"/>
+            <a:stCxn id="33" idx="1"/>
+            <a:endCxn id="39" idx="3"/>
           </p:cNvCxnSpPr>
           <p:nvPr/>
         </p:nvCxnSpPr>
         <p:spPr>
-          <a:xfrm flipH="1">
-            <a:off x="2522741" y="5655349"/>
-            <a:ext cx="367029" cy="0"/>
+          <a:xfrm flipH="1" flipV="1">
+            <a:off x="3351913" y="5655350"/>
+            <a:ext cx="695999" cy="1696"/>
           </a:xfrm>
           <a:prstGeom prst="straightConnector1">
             <a:avLst/>
@@ -9119,44 +9336,12 @@
           </a:fontRef>
         </p:style>
       </p:cxnSp>
-      <p:pic>
-        <p:nvPicPr>
-          <p:cNvPr id="33" name="그림 32">
-            <a:extLst>
-              <a:ext uri="{FF2B5EF4-FFF2-40B4-BE49-F238E27FC236}">
-                <a16:creationId xmlns:a16="http://schemas.microsoft.com/office/drawing/2014/main" id="{299B75B5-D8F0-18BC-D6BE-E676585A616C}"/>
-              </a:ext>
-            </a:extLst>
-          </p:cNvPr>
-          <p:cNvPicPr>
-            <a:picLocks noChangeAspect="1"/>
-          </p:cNvPicPr>
-          <p:nvPr/>
-        </p:nvPicPr>
-        <p:blipFill>
-          <a:blip r:embed="rId7">
-            <a:alphaModFix/>
-          </a:blip>
-          <a:stretch>
-            <a:fillRect/>
-          </a:stretch>
-        </p:blipFill>
-        <p:spPr>
-          <a:xfrm>
-            <a:off x="4047912" y="5425974"/>
-            <a:ext cx="462143" cy="462143"/>
-          </a:xfrm>
-          <a:prstGeom prst="rect">
-            <a:avLst/>
-          </a:prstGeom>
-        </p:spPr>
-      </p:pic>
       <p:sp>
         <p:nvSpPr>
-          <p:cNvPr id="37" name="제목 1">
-            <a:extLst>
-              <a:ext uri="{FF2B5EF4-FFF2-40B4-BE49-F238E27FC236}">
-                <a16:creationId xmlns:a16="http://schemas.microsoft.com/office/drawing/2014/main" id="{4883C4EB-69F2-7707-5907-D402594B4B41}"/>
+          <p:cNvPr id="58" name="제목 1">
+            <a:extLst>
+              <a:ext uri="{FF2B5EF4-FFF2-40B4-BE49-F238E27FC236}">
+                <a16:creationId xmlns:a16="http://schemas.microsoft.com/office/drawing/2014/main" id="{454AAD7C-6AE8-FD86-81B3-FB5018671B41}"/>
               </a:ext>
             </a:extLst>
           </p:cNvPr>
@@ -9167,12 +9352,15 @@
         </p:nvSpPr>
         <p:spPr>
           <a:xfrm>
-            <a:off x="3659857" y="5182344"/>
-            <a:ext cx="1260673" cy="267998"/>
+            <a:off x="9534529" y="5540586"/>
+            <a:ext cx="967879" cy="387771"/>
           </a:xfrm>
           <a:prstGeom prst="rect">
             <a:avLst/>
           </a:prstGeom>
+          <a:solidFill>
+            <a:srgbClr val="156082"/>
+          </a:solidFill>
         </p:spPr>
         <p:txBody>
           <a:bodyPr vert="horz" lIns="91440" tIns="45720" rIns="91440" bIns="45720" rtlCol="0" anchor="ctr">
@@ -9201,11 +9389,139 @@
             <a:pPr algn="ctr"/>
             <a:r>
               <a:rPr kumimoji="1" lang="en-US" altLang="ko-KR" sz="900" b="1" dirty="0">
+                <a:solidFill>
+                  <a:schemeClr val="bg1"/>
+                </a:solidFill>
                 <a:latin typeface="KoPubWorldDotum Bold" pitchFamily="2" charset="-127"/>
                 <a:ea typeface="KoPubWorldDotum Bold" pitchFamily="2" charset="-127"/>
                 <a:cs typeface="KoPubWorldDotum Bold" pitchFamily="2" charset="-127"/>
               </a:rPr>
-              <a:t>CloudFront</a:t>
+              <a:t>REST API</a:t>
+            </a:r>
+          </a:p>
+          <a:p>
+            <a:pPr algn="ctr"/>
+            <a:r>
+              <a:rPr kumimoji="1" lang="en-US" altLang="ko-KR" sz="900" b="1" dirty="0">
+                <a:solidFill>
+                  <a:schemeClr val="bg1"/>
+                </a:solidFill>
+                <a:latin typeface="KoPubWorldDotum Bold" pitchFamily="2" charset="-127"/>
+                <a:ea typeface="KoPubWorldDotum Bold" pitchFamily="2" charset="-127"/>
+                <a:cs typeface="KoPubWorldDotum Bold" pitchFamily="2" charset="-127"/>
+              </a:rPr>
+              <a:t>(Session)</a:t>
+            </a:r>
+            <a:endParaRPr kumimoji="1" lang="ko-KR" altLang="en-US" sz="900" b="1" dirty="0">
+              <a:solidFill>
+                <a:schemeClr val="bg1"/>
+              </a:solidFill>
+              <a:latin typeface="KoPubWorldDotum Bold" pitchFamily="2" charset="-127"/>
+              <a:ea typeface="KoPubWorldDotum Bold" pitchFamily="2" charset="-127"/>
+              <a:cs typeface="KoPubWorldDotum Bold" pitchFamily="2" charset="-127"/>
+            </a:endParaRPr>
+          </a:p>
+        </p:txBody>
+      </p:sp>
+      <p:cxnSp>
+        <p:nvCxnSpPr>
+          <p:cNvPr id="1029" name="직선 화살표 연결선 1028">
+            <a:extLst>
+              <a:ext uri="{FF2B5EF4-FFF2-40B4-BE49-F238E27FC236}">
+                <a16:creationId xmlns:a16="http://schemas.microsoft.com/office/drawing/2014/main" id="{2289ADC0-8153-C4A0-F4DC-BB74F791A427}"/>
+              </a:ext>
+            </a:extLst>
+          </p:cNvPr>
+          <p:cNvCxnSpPr>
+            <a:cxnSpLocks/>
+            <a:stCxn id="1387" idx="1"/>
+            <a:endCxn id="33" idx="3"/>
+          </p:cNvCxnSpPr>
+          <p:nvPr/>
+        </p:nvCxnSpPr>
+        <p:spPr>
+          <a:xfrm flipH="1">
+            <a:off x="4510055" y="5656945"/>
+            <a:ext cx="822764" cy="101"/>
+          </a:xfrm>
+          <a:prstGeom prst="straightConnector1">
+            <a:avLst/>
+          </a:prstGeom>
+          <a:ln>
+            <a:headEnd type="none" w="med" len="med"/>
+            <a:tailEnd type="none" w="med" len="med"/>
+          </a:ln>
+        </p:spPr>
+        <p:style>
+          <a:lnRef idx="2">
+            <a:schemeClr val="accent1"/>
+          </a:lnRef>
+          <a:fillRef idx="0">
+            <a:schemeClr val="accent1"/>
+          </a:fillRef>
+          <a:effectRef idx="1">
+            <a:schemeClr val="accent1"/>
+          </a:effectRef>
+          <a:fontRef idx="minor">
+            <a:schemeClr val="tx1"/>
+          </a:fontRef>
+        </p:style>
+      </p:cxnSp>
+      <p:sp>
+        <p:nvSpPr>
+          <p:cNvPr id="2" name="처리 1">
+            <a:extLst>
+              <a:ext uri="{FF2B5EF4-FFF2-40B4-BE49-F238E27FC236}">
+                <a16:creationId xmlns:a16="http://schemas.microsoft.com/office/drawing/2014/main" id="{24D94196-81AC-D425-7880-C5EC9596E02E}"/>
+              </a:ext>
+            </a:extLst>
+          </p:cNvPr>
+          <p:cNvSpPr/>
+          <p:nvPr/>
+        </p:nvSpPr>
+        <p:spPr>
+          <a:xfrm>
+            <a:off x="11803952" y="5786800"/>
+            <a:ext cx="1203109" cy="243942"/>
+          </a:xfrm>
+          <a:prstGeom prst="flowChartProcess">
+            <a:avLst/>
+          </a:prstGeom>
+          <a:solidFill>
+            <a:schemeClr val="accent1"/>
+          </a:solidFill>
+          <a:ln>
+            <a:noFill/>
+          </a:ln>
+        </p:spPr>
+        <p:style>
+          <a:lnRef idx="2">
+            <a:schemeClr val="accent1">
+              <a:shade val="15000"/>
+            </a:schemeClr>
+          </a:lnRef>
+          <a:fillRef idx="1">
+            <a:schemeClr val="accent1"/>
+          </a:fillRef>
+          <a:effectRef idx="0">
+            <a:schemeClr val="accent1"/>
+          </a:effectRef>
+          <a:fontRef idx="minor">
+            <a:schemeClr val="lt1"/>
+          </a:fontRef>
+        </p:style>
+        <p:txBody>
+          <a:bodyPr rtlCol="0" anchor="ctr"/>
+          <a:lstStyle/>
+          <a:p>
+            <a:pPr algn="ctr"/>
+            <a:r>
+              <a:rPr kumimoji="1" lang="en-US" altLang="ko-KR" sz="900" b="1" dirty="0" err="1">
+                <a:latin typeface="KoPubWorldDotum Bold" pitchFamily="2" charset="-127"/>
+                <a:ea typeface="KoPubWorldDotum Bold" pitchFamily="2" charset="-127"/>
+                <a:cs typeface="KoPubWorldDotum Bold" pitchFamily="2" charset="-127"/>
+              </a:rPr>
+              <a:t>NewSession</a:t>
             </a:r>
             <a:endParaRPr kumimoji="1" lang="ko-KR" altLang="en-US" sz="900" b="1" dirty="0">
               <a:latin typeface="KoPubWorldDotum Bold" pitchFamily="2" charset="-127"/>
@@ -9215,12 +9531,195 @@
           </a:p>
         </p:txBody>
       </p:sp>
+      <p:sp>
+        <p:nvSpPr>
+          <p:cNvPr id="9" name="처리 8">
+            <a:extLst>
+              <a:ext uri="{FF2B5EF4-FFF2-40B4-BE49-F238E27FC236}">
+                <a16:creationId xmlns:a16="http://schemas.microsoft.com/office/drawing/2014/main" id="{D8114163-093C-360E-6931-8D0B6081B6F4}"/>
+              </a:ext>
+            </a:extLst>
+          </p:cNvPr>
+          <p:cNvSpPr/>
+          <p:nvPr/>
+        </p:nvSpPr>
+        <p:spPr>
+          <a:xfrm>
+            <a:off x="11798271" y="5156885"/>
+            <a:ext cx="1203109" cy="243942"/>
+          </a:xfrm>
+          <a:prstGeom prst="flowChartProcess">
+            <a:avLst/>
+          </a:prstGeom>
+          <a:solidFill>
+            <a:schemeClr val="accent1"/>
+          </a:solidFill>
+          <a:ln>
+            <a:noFill/>
+          </a:ln>
+        </p:spPr>
+        <p:style>
+          <a:lnRef idx="2">
+            <a:schemeClr val="accent1">
+              <a:shade val="15000"/>
+            </a:schemeClr>
+          </a:lnRef>
+          <a:fillRef idx="1">
+            <a:schemeClr val="accent1"/>
+          </a:fillRef>
+          <a:effectRef idx="0">
+            <a:schemeClr val="accent1"/>
+          </a:effectRef>
+          <a:fontRef idx="minor">
+            <a:schemeClr val="lt1"/>
+          </a:fontRef>
+        </p:style>
+        <p:txBody>
+          <a:bodyPr rtlCol="0" anchor="ctr"/>
+          <a:lstStyle/>
+          <a:p>
+            <a:pPr algn="ctr"/>
+            <a:r>
+              <a:rPr kumimoji="1" lang="en-US" altLang="ko-KR" sz="900" b="1" dirty="0" err="1">
+                <a:latin typeface="KoPubWorldDotum Bold" pitchFamily="2" charset="-127"/>
+                <a:ea typeface="KoPubWorldDotum Bold" pitchFamily="2" charset="-127"/>
+                <a:cs typeface="KoPubWorldDotum Bold" pitchFamily="2" charset="-127"/>
+              </a:rPr>
+              <a:t>GetSession</a:t>
+            </a:r>
+            <a:endParaRPr kumimoji="1" lang="ko-KR" altLang="en-US" sz="900" b="1" dirty="0">
+              <a:latin typeface="KoPubWorldDotum Bold" pitchFamily="2" charset="-127"/>
+              <a:ea typeface="KoPubWorldDotum Bold" pitchFamily="2" charset="-127"/>
+              <a:cs typeface="KoPubWorldDotum Bold" pitchFamily="2" charset="-127"/>
+            </a:endParaRPr>
+          </a:p>
+        </p:txBody>
+      </p:sp>
+      <p:sp>
+        <p:nvSpPr>
+          <p:cNvPr id="26" name="처리 25">
+            <a:extLst>
+              <a:ext uri="{FF2B5EF4-FFF2-40B4-BE49-F238E27FC236}">
+                <a16:creationId xmlns:a16="http://schemas.microsoft.com/office/drawing/2014/main" id="{EB7ADC3C-C91C-23BF-988B-06D1300A67FA}"/>
+              </a:ext>
+            </a:extLst>
+          </p:cNvPr>
+          <p:cNvSpPr/>
+          <p:nvPr/>
+        </p:nvSpPr>
+        <p:spPr>
+          <a:xfrm>
+            <a:off x="11803952" y="6094125"/>
+            <a:ext cx="1203109" cy="243942"/>
+          </a:xfrm>
+          <a:prstGeom prst="flowChartProcess">
+            <a:avLst/>
+          </a:prstGeom>
+          <a:solidFill>
+            <a:schemeClr val="accent1"/>
+          </a:solidFill>
+          <a:ln>
+            <a:noFill/>
+          </a:ln>
+        </p:spPr>
+        <p:style>
+          <a:lnRef idx="2">
+            <a:schemeClr val="accent1">
+              <a:shade val="15000"/>
+            </a:schemeClr>
+          </a:lnRef>
+          <a:fillRef idx="1">
+            <a:schemeClr val="accent1"/>
+          </a:fillRef>
+          <a:effectRef idx="0">
+            <a:schemeClr val="accent1"/>
+          </a:effectRef>
+          <a:fontRef idx="minor">
+            <a:schemeClr val="lt1"/>
+          </a:fontRef>
+        </p:style>
+        <p:txBody>
+          <a:bodyPr rtlCol="0" anchor="ctr"/>
+          <a:lstStyle/>
+          <a:p>
+            <a:pPr algn="ctr"/>
+            <a:r>
+              <a:rPr kumimoji="1" lang="en-US" altLang="ko-KR" sz="900" b="1" dirty="0" err="1">
+                <a:latin typeface="KoPubWorldDotum Bold" pitchFamily="2" charset="-127"/>
+                <a:ea typeface="KoPubWorldDotum Bold" pitchFamily="2" charset="-127"/>
+                <a:cs typeface="KoPubWorldDotum Bold" pitchFamily="2" charset="-127"/>
+              </a:rPr>
+              <a:t>DelteSession</a:t>
+            </a:r>
+            <a:endParaRPr kumimoji="1" lang="ko-KR" altLang="en-US" sz="900" b="1" dirty="0">
+              <a:latin typeface="KoPubWorldDotum Bold" pitchFamily="2" charset="-127"/>
+              <a:ea typeface="KoPubWorldDotum Bold" pitchFamily="2" charset="-127"/>
+              <a:cs typeface="KoPubWorldDotum Bold" pitchFamily="2" charset="-127"/>
+            </a:endParaRPr>
+          </a:p>
+        </p:txBody>
+      </p:sp>
+      <p:sp>
+        <p:nvSpPr>
+          <p:cNvPr id="31" name="직사각형 30">
+            <a:extLst>
+              <a:ext uri="{FF2B5EF4-FFF2-40B4-BE49-F238E27FC236}">
+                <a16:creationId xmlns:a16="http://schemas.microsoft.com/office/drawing/2014/main" id="{A713E7F9-51B9-8F73-7862-8A20497AA0F5}"/>
+              </a:ext>
+            </a:extLst>
+          </p:cNvPr>
+          <p:cNvSpPr/>
+          <p:nvPr/>
+        </p:nvSpPr>
+        <p:spPr>
+          <a:xfrm>
+            <a:off x="5160861" y="4012838"/>
+            <a:ext cx="2398096" cy="2138368"/>
+          </a:xfrm>
+          <a:prstGeom prst="rect">
+            <a:avLst/>
+          </a:prstGeom>
+          <a:solidFill>
+            <a:srgbClr val="60A436">
+              <a:alpha val="13000"/>
+            </a:srgbClr>
+          </a:solidFill>
+          <a:ln>
+            <a:noFill/>
+            <a:prstDash val="sysDash"/>
+          </a:ln>
+        </p:spPr>
+        <p:style>
+          <a:lnRef idx="2">
+            <a:schemeClr val="accent1">
+              <a:shade val="15000"/>
+            </a:schemeClr>
+          </a:lnRef>
+          <a:fillRef idx="1">
+            <a:schemeClr val="accent1"/>
+          </a:fillRef>
+          <a:effectRef idx="0">
+            <a:schemeClr val="accent1"/>
+          </a:effectRef>
+          <a:fontRef idx="minor">
+            <a:schemeClr val="lt1"/>
+          </a:fontRef>
+        </p:style>
+        <p:txBody>
+          <a:bodyPr rtlCol="0" anchor="ctr"/>
+          <a:lstStyle/>
+          <a:p>
+            <a:pPr algn="ctr"/>
+            <a:endParaRPr kumimoji="1" lang="ko-KR" altLang="en-US" sz="900"/>
+          </a:p>
+        </p:txBody>
+      </p:sp>
       <p:pic>
         <p:nvPicPr>
-          <p:cNvPr id="38" name="그래픽 37" descr="사용자 단색으로 채워진">
-            <a:extLst>
-              <a:ext uri="{FF2B5EF4-FFF2-40B4-BE49-F238E27FC236}">
-                <a16:creationId xmlns:a16="http://schemas.microsoft.com/office/drawing/2014/main" id="{3CCFFB7A-B116-AF77-980D-C90D7C5B0E09}"/>
+          <p:cNvPr id="1057" name="그림 1056">
+            <a:extLst>
+              <a:ext uri="{FF2B5EF4-FFF2-40B4-BE49-F238E27FC236}">
+                <a16:creationId xmlns:a16="http://schemas.microsoft.com/office/drawing/2014/main" id="{CC23FB97-2446-B0EA-050A-B105D2CBAE40}"/>
               </a:ext>
             </a:extLst>
           </p:cNvPr>
@@ -9230,53 +9729,15 @@
           <p:nvPr/>
         </p:nvPicPr>
         <p:blipFill>
-          <a:blip r:embed="rId8">
-            <a:extLst>
-              <a:ext uri="{96DAC541-7B7A-43D3-8B79-37D633B846F1}">
-                <asvg:svgBlip xmlns:asvg="http://schemas.microsoft.com/office/drawing/2016/SVG/main" r:embed="rId9"/>
-              </a:ext>
-            </a:extLst>
-          </a:blip>
+          <a:blip r:embed="rId9"/>
           <a:stretch>
             <a:fillRect/>
           </a:stretch>
         </p:blipFill>
         <p:spPr>
           <a:xfrm>
-            <a:off x="1816757" y="5316675"/>
-            <a:ext cx="754027" cy="754027"/>
-          </a:xfrm>
-          <a:prstGeom prst="rect">
-            <a:avLst/>
-          </a:prstGeom>
-        </p:spPr>
-      </p:pic>
-      <p:pic>
-        <p:nvPicPr>
-          <p:cNvPr id="39" name="그림 38">
-            <a:extLst>
-              <a:ext uri="{FF2B5EF4-FFF2-40B4-BE49-F238E27FC236}">
-                <a16:creationId xmlns:a16="http://schemas.microsoft.com/office/drawing/2014/main" id="{4ECCA4A3-4896-020A-6E1B-A5C0CABA7AB0}"/>
-              </a:ext>
-            </a:extLst>
-          </p:cNvPr>
-          <p:cNvPicPr>
-            <a:picLocks noChangeAspect="1"/>
-          </p:cNvPicPr>
-          <p:nvPr/>
-        </p:nvPicPr>
-        <p:blipFill>
-          <a:blip r:embed="rId10">
-            <a:alphaModFix/>
-          </a:blip>
-          <a:stretch>
-            <a:fillRect/>
-          </a:stretch>
-        </p:blipFill>
-        <p:spPr>
-          <a:xfrm>
-            <a:off x="2889770" y="5424278"/>
-            <a:ext cx="462143" cy="462143"/>
+            <a:off x="6096732" y="3792007"/>
+            <a:ext cx="462142" cy="462142"/>
           </a:xfrm>
           <a:prstGeom prst="rect">
             <a:avLst/>
@@ -9285,10 +9746,10 @@
       </p:pic>
       <p:sp>
         <p:nvSpPr>
-          <p:cNvPr id="40" name="제목 1">
-            <a:extLst>
-              <a:ext uri="{FF2B5EF4-FFF2-40B4-BE49-F238E27FC236}">
-                <a16:creationId xmlns:a16="http://schemas.microsoft.com/office/drawing/2014/main" id="{D265A0A2-EE38-19E6-4AB8-846CED18BE20}"/>
+          <p:cNvPr id="1059" name="제목 1">
+            <a:extLst>
+              <a:ext uri="{FF2B5EF4-FFF2-40B4-BE49-F238E27FC236}">
+                <a16:creationId xmlns:a16="http://schemas.microsoft.com/office/drawing/2014/main" id="{CBEBDBD3-3C67-6B6F-AE99-2105963B4185}"/>
               </a:ext>
             </a:extLst>
           </p:cNvPr>
@@ -9299,7 +9760,7 @@
         </p:nvSpPr>
         <p:spPr>
           <a:xfrm>
-            <a:off x="2640362" y="5176714"/>
+            <a:off x="5839361" y="3567587"/>
             <a:ext cx="967879" cy="267998"/>
           </a:xfrm>
           <a:prstGeom prst="rect">
@@ -9337,7 +9798,7 @@
                 <a:ea typeface="KoPubWorldDotum Bold" pitchFamily="2" charset="-127"/>
                 <a:cs typeface="KoPubWorldDotum Bold" pitchFamily="2" charset="-127"/>
               </a:rPr>
-              <a:t>Route 53</a:t>
+              <a:t>S3</a:t>
             </a:r>
             <a:endParaRPr kumimoji="1" lang="ko-KR" altLang="en-US" sz="900" b="1" dirty="0">
               <a:latin typeface="KoPubWorldDotum Bold" pitchFamily="2" charset="-127"/>
@@ -9347,12 +9808,106 @@
           </a:p>
         </p:txBody>
       </p:sp>
+      <p:pic>
+        <p:nvPicPr>
+          <p:cNvPr id="27" name="그림 26">
+            <a:extLst>
+              <a:ext uri="{FF2B5EF4-FFF2-40B4-BE49-F238E27FC236}">
+                <a16:creationId xmlns:a16="http://schemas.microsoft.com/office/drawing/2014/main" id="{5E9B27B5-6CBC-394E-6287-D2B0D931E509}"/>
+              </a:ext>
+            </a:extLst>
+          </p:cNvPr>
+          <p:cNvPicPr>
+            <a:picLocks noChangeAspect="1"/>
+          </p:cNvPicPr>
+          <p:nvPr/>
+        </p:nvPicPr>
+        <p:blipFill>
+          <a:blip r:embed="rId10"/>
+          <a:stretch>
+            <a:fillRect/>
+          </a:stretch>
+        </p:blipFill>
+        <p:spPr>
+          <a:xfrm>
+            <a:off x="9760631" y="3884690"/>
+            <a:ext cx="461326" cy="461326"/>
+          </a:xfrm>
+          <a:prstGeom prst="rect">
+            <a:avLst/>
+          </a:prstGeom>
+        </p:spPr>
+      </p:pic>
       <p:sp>
         <p:nvSpPr>
-          <p:cNvPr id="48" name="제목 1">
-            <a:extLst>
-              <a:ext uri="{FF2B5EF4-FFF2-40B4-BE49-F238E27FC236}">
-                <a16:creationId xmlns:a16="http://schemas.microsoft.com/office/drawing/2014/main" id="{6666B4EF-DAA2-18A1-C3FB-6AA06B52EA62}"/>
+          <p:cNvPr id="7" name="처리 6">
+            <a:extLst>
+              <a:ext uri="{FF2B5EF4-FFF2-40B4-BE49-F238E27FC236}">
+                <a16:creationId xmlns:a16="http://schemas.microsoft.com/office/drawing/2014/main" id="{2F58B189-C692-A414-8EA3-4589E9AFC6A9}"/>
+              </a:ext>
+            </a:extLst>
+          </p:cNvPr>
+          <p:cNvSpPr/>
+          <p:nvPr/>
+        </p:nvSpPr>
+        <p:spPr>
+          <a:xfrm>
+            <a:off x="11805833" y="5481227"/>
+            <a:ext cx="1203109" cy="243942"/>
+          </a:xfrm>
+          <a:prstGeom prst="flowChartProcess">
+            <a:avLst/>
+          </a:prstGeom>
+          <a:solidFill>
+            <a:schemeClr val="accent1"/>
+          </a:solidFill>
+          <a:ln>
+            <a:noFill/>
+          </a:ln>
+        </p:spPr>
+        <p:style>
+          <a:lnRef idx="2">
+            <a:schemeClr val="accent1">
+              <a:shade val="15000"/>
+            </a:schemeClr>
+          </a:lnRef>
+          <a:fillRef idx="1">
+            <a:schemeClr val="accent1"/>
+          </a:fillRef>
+          <a:effectRef idx="0">
+            <a:schemeClr val="accent1"/>
+          </a:effectRef>
+          <a:fontRef idx="minor">
+            <a:schemeClr val="lt1"/>
+          </a:fontRef>
+        </p:style>
+        <p:txBody>
+          <a:bodyPr rtlCol="0" anchor="ctr"/>
+          <a:lstStyle/>
+          <a:p>
+            <a:pPr algn="ctr"/>
+            <a:r>
+              <a:rPr kumimoji="1" lang="en-US" altLang="ko-KR" sz="900" b="1" dirty="0" err="1">
+                <a:latin typeface="KoPubWorldDotum Bold" pitchFamily="2" charset="-127"/>
+                <a:ea typeface="KoPubWorldDotum Bold" pitchFamily="2" charset="-127"/>
+                <a:cs typeface="KoPubWorldDotum Bold" pitchFamily="2" charset="-127"/>
+              </a:rPr>
+              <a:t>GetSessionMsg</a:t>
+            </a:r>
+            <a:endParaRPr kumimoji="1" lang="ko-KR" altLang="en-US" sz="900" b="1" dirty="0">
+              <a:latin typeface="KoPubWorldDotum Bold" pitchFamily="2" charset="-127"/>
+              <a:ea typeface="KoPubWorldDotum Bold" pitchFamily="2" charset="-127"/>
+              <a:cs typeface="KoPubWorldDotum Bold" pitchFamily="2" charset="-127"/>
+            </a:endParaRPr>
+          </a:p>
+        </p:txBody>
+      </p:sp>
+      <p:sp>
+        <p:nvSpPr>
+          <p:cNvPr id="1281" name="제목 1">
+            <a:extLst>
+              <a:ext uri="{FF2B5EF4-FFF2-40B4-BE49-F238E27FC236}">
+                <a16:creationId xmlns:a16="http://schemas.microsoft.com/office/drawing/2014/main" id="{FF0CFD82-8918-EA6B-8C9A-567BD293F0F1}"/>
               </a:ext>
             </a:extLst>
           </p:cNvPr>
@@ -9363,15 +9918,12 @@
         </p:nvSpPr>
         <p:spPr>
           <a:xfrm>
-            <a:off x="9516208" y="6778164"/>
-            <a:ext cx="967879" cy="387771"/>
+            <a:off x="12013612" y="3616355"/>
+            <a:ext cx="739201" cy="267998"/>
           </a:xfrm>
           <a:prstGeom prst="rect">
             <a:avLst/>
           </a:prstGeom>
-          <a:solidFill>
-            <a:srgbClr val="156082"/>
-          </a:solidFill>
         </p:spPr>
         <p:txBody>
           <a:bodyPr vert="horz" lIns="91440" tIns="45720" rIns="91440" bIns="45720" rtlCol="0" anchor="ctr">
@@ -9400,81 +9952,11 @@
             <a:pPr algn="ctr"/>
             <a:r>
               <a:rPr kumimoji="1" lang="en-US" altLang="ko-KR" sz="900" b="1" dirty="0">
-                <a:solidFill>
-                  <a:schemeClr val="bg1"/>
-                </a:solidFill>
                 <a:latin typeface="KoPubWorldDotum Bold" pitchFamily="2" charset="-127"/>
                 <a:ea typeface="KoPubWorldDotum Bold" pitchFamily="2" charset="-127"/>
                 <a:cs typeface="KoPubWorldDotum Bold" pitchFamily="2" charset="-127"/>
               </a:rPr>
-              <a:t>WS API</a:t>
-            </a:r>
-            <a:endParaRPr kumimoji="1" lang="ko-KR" altLang="en-US" sz="900" b="1" dirty="0">
-              <a:solidFill>
-                <a:schemeClr val="bg1"/>
-              </a:solidFill>
-              <a:latin typeface="KoPubWorldDotum Bold" pitchFamily="2" charset="-127"/>
-              <a:ea typeface="KoPubWorldDotum Bold" pitchFamily="2" charset="-127"/>
-              <a:cs typeface="KoPubWorldDotum Bold" pitchFamily="2" charset="-127"/>
-            </a:endParaRPr>
-          </a:p>
-        </p:txBody>
-      </p:sp>
-      <p:sp>
-        <p:nvSpPr>
-          <p:cNvPr id="1052" name="처리 1051">
-            <a:extLst>
-              <a:ext uri="{FF2B5EF4-FFF2-40B4-BE49-F238E27FC236}">
-                <a16:creationId xmlns:a16="http://schemas.microsoft.com/office/drawing/2014/main" id="{2B3FAD64-4705-E1C2-42FE-94B44868B7B4}"/>
-              </a:ext>
-            </a:extLst>
-          </p:cNvPr>
-          <p:cNvSpPr/>
-          <p:nvPr/>
-        </p:nvSpPr>
-        <p:spPr>
-          <a:xfrm>
-            <a:off x="11805833" y="6556678"/>
-            <a:ext cx="1203109" cy="243942"/>
-          </a:xfrm>
-          <a:prstGeom prst="flowChartProcess">
-            <a:avLst/>
-          </a:prstGeom>
-          <a:solidFill>
-            <a:schemeClr val="accent1"/>
-          </a:solidFill>
-          <a:ln>
-            <a:noFill/>
-          </a:ln>
-        </p:spPr>
-        <p:style>
-          <a:lnRef idx="2">
-            <a:schemeClr val="accent1">
-              <a:shade val="15000"/>
-            </a:schemeClr>
-          </a:lnRef>
-          <a:fillRef idx="1">
-            <a:schemeClr val="accent1"/>
-          </a:fillRef>
-          <a:effectRef idx="0">
-            <a:schemeClr val="accent1"/>
-          </a:effectRef>
-          <a:fontRef idx="minor">
-            <a:schemeClr val="lt1"/>
-          </a:fontRef>
-        </p:style>
-        <p:txBody>
-          <a:bodyPr rtlCol="0" anchor="ctr"/>
-          <a:lstStyle/>
-          <a:p>
-            <a:pPr algn="ctr"/>
-            <a:r>
-              <a:rPr kumimoji="1" lang="en-US" altLang="ko-KR" sz="900" b="1" dirty="0">
-                <a:latin typeface="KoPubWorldDotum Bold" pitchFamily="2" charset="-127"/>
-                <a:ea typeface="KoPubWorldDotum Bold" pitchFamily="2" charset="-127"/>
-                <a:cs typeface="KoPubWorldDotum Bold" pitchFamily="2" charset="-127"/>
-              </a:rPr>
-              <a:t>Connect</a:t>
+              <a:t>Lambda</a:t>
             </a:r>
             <a:endParaRPr kumimoji="1" lang="ko-KR" altLang="en-US" sz="900" b="1" dirty="0">
               <a:latin typeface="KoPubWorldDotum Bold" pitchFamily="2" charset="-127"/>
@@ -9484,159 +9966,32 @@
           </a:p>
         </p:txBody>
       </p:sp>
-      <p:sp>
-        <p:nvSpPr>
-          <p:cNvPr id="1053" name="처리 1052">
-            <a:extLst>
-              <a:ext uri="{FF2B5EF4-FFF2-40B4-BE49-F238E27FC236}">
-                <a16:creationId xmlns:a16="http://schemas.microsoft.com/office/drawing/2014/main" id="{A45DEA1D-9009-4C1F-77FF-51C1DCDF71ED}"/>
-              </a:ext>
-            </a:extLst>
-          </p:cNvPr>
-          <p:cNvSpPr/>
-          <p:nvPr/>
-        </p:nvSpPr>
-        <p:spPr>
-          <a:xfrm>
-            <a:off x="11805833" y="6848158"/>
-            <a:ext cx="1203109" cy="243942"/>
-          </a:xfrm>
-          <a:prstGeom prst="flowChartProcess">
-            <a:avLst/>
-          </a:prstGeom>
-          <a:solidFill>
-            <a:schemeClr val="accent1"/>
-          </a:solidFill>
-          <a:ln>
-            <a:noFill/>
-          </a:ln>
-        </p:spPr>
-        <p:style>
-          <a:lnRef idx="2">
-            <a:schemeClr val="accent1">
-              <a:shade val="15000"/>
-            </a:schemeClr>
-          </a:lnRef>
-          <a:fillRef idx="1">
-            <a:schemeClr val="accent1"/>
-          </a:fillRef>
-          <a:effectRef idx="0">
-            <a:schemeClr val="accent1"/>
-          </a:effectRef>
-          <a:fontRef idx="minor">
-            <a:schemeClr val="lt1"/>
-          </a:fontRef>
-        </p:style>
-        <p:txBody>
-          <a:bodyPr rtlCol="0" anchor="ctr"/>
-          <a:lstStyle/>
-          <a:p>
-            <a:pPr algn="ctr"/>
-            <a:r>
-              <a:rPr kumimoji="1" lang="en-US" altLang="ko-KR" sz="900" b="1" dirty="0" err="1">
-                <a:latin typeface="KoPubWorldDotum Bold" pitchFamily="2" charset="-127"/>
-                <a:ea typeface="KoPubWorldDotum Bold" pitchFamily="2" charset="-127"/>
-                <a:cs typeface="KoPubWorldDotum Bold" pitchFamily="2" charset="-127"/>
-              </a:rPr>
-              <a:t>SendMsg</a:t>
-            </a:r>
-            <a:endParaRPr kumimoji="1" lang="ko-KR" altLang="en-US" sz="900" b="1" dirty="0">
-              <a:latin typeface="KoPubWorldDotum Bold" pitchFamily="2" charset="-127"/>
-              <a:ea typeface="KoPubWorldDotum Bold" pitchFamily="2" charset="-127"/>
-              <a:cs typeface="KoPubWorldDotum Bold" pitchFamily="2" charset="-127"/>
-            </a:endParaRPr>
-          </a:p>
-        </p:txBody>
-      </p:sp>
-      <p:sp>
-        <p:nvSpPr>
-          <p:cNvPr id="1054" name="처리 1053">
-            <a:extLst>
-              <a:ext uri="{FF2B5EF4-FFF2-40B4-BE49-F238E27FC236}">
-                <a16:creationId xmlns:a16="http://schemas.microsoft.com/office/drawing/2014/main" id="{3D678DE6-EA83-F61A-84F9-F9C57880A466}"/>
-              </a:ext>
-            </a:extLst>
-          </p:cNvPr>
-          <p:cNvSpPr/>
-          <p:nvPr/>
-        </p:nvSpPr>
-        <p:spPr>
-          <a:xfrm>
-            <a:off x="11805833" y="7136932"/>
-            <a:ext cx="1203109" cy="243942"/>
-          </a:xfrm>
-          <a:prstGeom prst="flowChartProcess">
-            <a:avLst/>
-          </a:prstGeom>
-          <a:solidFill>
-            <a:schemeClr val="accent1"/>
-          </a:solidFill>
-          <a:ln>
-            <a:noFill/>
-          </a:ln>
-        </p:spPr>
-        <p:style>
-          <a:lnRef idx="2">
-            <a:schemeClr val="accent1">
-              <a:shade val="15000"/>
-            </a:schemeClr>
-          </a:lnRef>
-          <a:fillRef idx="1">
-            <a:schemeClr val="accent1"/>
-          </a:fillRef>
-          <a:effectRef idx="0">
-            <a:schemeClr val="accent1"/>
-          </a:effectRef>
-          <a:fontRef idx="minor">
-            <a:schemeClr val="lt1"/>
-          </a:fontRef>
-        </p:style>
-        <p:txBody>
-          <a:bodyPr rtlCol="0" anchor="ctr"/>
-          <a:lstStyle/>
-          <a:p>
-            <a:pPr algn="ctr"/>
-            <a:r>
-              <a:rPr kumimoji="1" lang="en-US" altLang="ko-KR" sz="900" b="1" dirty="0">
-                <a:latin typeface="KoPubWorldDotum Bold" pitchFamily="2" charset="-127"/>
-                <a:ea typeface="KoPubWorldDotum Bold" pitchFamily="2" charset="-127"/>
-                <a:cs typeface="KoPubWorldDotum Bold" pitchFamily="2" charset="-127"/>
-              </a:rPr>
-              <a:t>Disconnect</a:t>
-            </a:r>
-            <a:endParaRPr kumimoji="1" lang="ko-KR" altLang="en-US" sz="900" b="1" dirty="0">
-              <a:latin typeface="KoPubWorldDotum Bold" pitchFamily="2" charset="-127"/>
-              <a:ea typeface="KoPubWorldDotum Bold" pitchFamily="2" charset="-127"/>
-              <a:cs typeface="KoPubWorldDotum Bold" pitchFamily="2" charset="-127"/>
-            </a:endParaRPr>
-          </a:p>
-        </p:txBody>
-      </p:sp>
       <p:cxnSp>
         <p:nvCxnSpPr>
-          <p:cNvPr id="1089" name="직선 화살표 연결선 1088">
-            <a:extLst>
-              <a:ext uri="{FF2B5EF4-FFF2-40B4-BE49-F238E27FC236}">
-                <a16:creationId xmlns:a16="http://schemas.microsoft.com/office/drawing/2014/main" id="{E3317280-D50E-F500-87BA-9D60DB1CFD51}"/>
+          <p:cNvPr id="1330" name="직선 화살표 연결선 1329">
+            <a:extLst>
+              <a:ext uri="{FF2B5EF4-FFF2-40B4-BE49-F238E27FC236}">
+                <a16:creationId xmlns:a16="http://schemas.microsoft.com/office/drawing/2014/main" id="{0A4AD28A-ABAF-7706-8237-ECA08EB7CE5B}"/>
               </a:ext>
             </a:extLst>
           </p:cNvPr>
           <p:cNvCxnSpPr>
             <a:cxnSpLocks/>
-            <a:stCxn id="33" idx="1"/>
-            <a:endCxn id="39" idx="3"/>
           </p:cNvCxnSpPr>
           <p:nvPr/>
         </p:nvCxnSpPr>
         <p:spPr>
-          <a:xfrm flipH="1" flipV="1">
-            <a:off x="3351913" y="5655350"/>
-            <a:ext cx="695999" cy="1696"/>
+          <a:xfrm flipH="1">
+            <a:off x="1139846" y="11601513"/>
+            <a:ext cx="11198699" cy="0"/>
           </a:xfrm>
           <a:prstGeom prst="straightConnector1">
             <a:avLst/>
           </a:prstGeom>
           <a:ln>
+            <a:solidFill>
+              <a:srgbClr val="FF0000"/>
+            </a:solidFill>
             <a:headEnd type="none" w="med" len="med"/>
             <a:tailEnd type="none" w="med" len="med"/>
           </a:ln>
@@ -9656,12 +10011,42 @@
           </a:fontRef>
         </p:style>
       </p:cxnSp>
+      <p:pic>
+        <p:nvPicPr>
+          <p:cNvPr id="14" name="그림 13">
+            <a:extLst>
+              <a:ext uri="{FF2B5EF4-FFF2-40B4-BE49-F238E27FC236}">
+                <a16:creationId xmlns:a16="http://schemas.microsoft.com/office/drawing/2014/main" id="{71DBA4B4-25A0-5D0D-19A2-D02C50ACB8D0}"/>
+              </a:ext>
+            </a:extLst>
+          </p:cNvPr>
+          <p:cNvPicPr>
+            <a:picLocks noChangeAspect="1"/>
+          </p:cNvPicPr>
+          <p:nvPr/>
+        </p:nvPicPr>
+        <p:blipFill>
+          <a:blip r:embed="rId11"/>
+          <a:stretch>
+            <a:fillRect/>
+          </a:stretch>
+        </p:blipFill>
+        <p:spPr>
+          <a:xfrm>
+            <a:off x="6704783" y="6743472"/>
+            <a:ext cx="461326" cy="461326"/>
+          </a:xfrm>
+          <a:prstGeom prst="rect">
+            <a:avLst/>
+          </a:prstGeom>
+        </p:spPr>
+      </p:pic>
       <p:sp>
         <p:nvSpPr>
-          <p:cNvPr id="58" name="제목 1">
-            <a:extLst>
-              <a:ext uri="{FF2B5EF4-FFF2-40B4-BE49-F238E27FC236}">
-                <a16:creationId xmlns:a16="http://schemas.microsoft.com/office/drawing/2014/main" id="{454AAD7C-6AE8-FD86-81B3-FB5018671B41}"/>
+          <p:cNvPr id="47" name="제목 1">
+            <a:extLst>
+              <a:ext uri="{FF2B5EF4-FFF2-40B4-BE49-F238E27FC236}">
+                <a16:creationId xmlns:a16="http://schemas.microsoft.com/office/drawing/2014/main" id="{BA6437DA-1E87-2A60-6AEA-1DCAC8B6D3C7}"/>
               </a:ext>
             </a:extLst>
           </p:cNvPr>
@@ -9672,15 +10057,12 @@
         </p:nvSpPr>
         <p:spPr>
           <a:xfrm>
-            <a:off x="9534529" y="5540586"/>
-            <a:ext cx="967879" cy="387771"/>
+            <a:off x="6278361" y="6496947"/>
+            <a:ext cx="1314173" cy="267998"/>
           </a:xfrm>
           <a:prstGeom prst="rect">
             <a:avLst/>
           </a:prstGeom>
-          <a:solidFill>
-            <a:srgbClr val="156082"/>
-          </a:solidFill>
         </p:spPr>
         <p:txBody>
           <a:bodyPr vert="horz" lIns="91440" tIns="45720" rIns="91440" bIns="45720" rtlCol="0" anchor="ctr">
@@ -9709,68 +10091,182 @@
             <a:pPr algn="ctr"/>
             <a:r>
               <a:rPr kumimoji="1" lang="en-US" altLang="ko-KR" sz="900" b="1" dirty="0">
-                <a:solidFill>
-                  <a:schemeClr val="bg1"/>
-                </a:solidFill>
                 <a:latin typeface="KoPubWorldDotum Bold" pitchFamily="2" charset="-127"/>
                 <a:ea typeface="KoPubWorldDotum Bold" pitchFamily="2" charset="-127"/>
                 <a:cs typeface="KoPubWorldDotum Bold" pitchFamily="2" charset="-127"/>
               </a:rPr>
-              <a:t>REST API</a:t>
-            </a:r>
-          </a:p>
-          <a:p>
-            <a:pPr algn="ctr"/>
-            <a:r>
-              <a:rPr kumimoji="1" lang="en-US" altLang="ko-KR" sz="900" b="1" dirty="0">
-                <a:solidFill>
-                  <a:schemeClr val="bg1"/>
-                </a:solidFill>
-                <a:latin typeface="KoPubWorldDotum Bold" pitchFamily="2" charset="-127"/>
-                <a:ea typeface="KoPubWorldDotum Bold" pitchFamily="2" charset="-127"/>
-                <a:cs typeface="KoPubWorldDotum Bold" pitchFamily="2" charset="-127"/>
-              </a:rPr>
-              <a:t>(Session)</a:t>
-            </a:r>
-            <a:endParaRPr kumimoji="1" lang="ko-KR" altLang="en-US" sz="900" b="1" dirty="0">
-              <a:solidFill>
-                <a:schemeClr val="bg1"/>
-              </a:solidFill>
-              <a:latin typeface="KoPubWorldDotum Bold" pitchFamily="2" charset="-127"/>
-              <a:ea typeface="KoPubWorldDotum Bold" pitchFamily="2" charset="-127"/>
-              <a:cs typeface="KoPubWorldDotum Bold" pitchFamily="2" charset="-127"/>
-            </a:endParaRPr>
+              <a:t>SSM Parameter Store</a:t>
+            </a:r>
           </a:p>
         </p:txBody>
       </p:sp>
+      <p:pic>
+        <p:nvPicPr>
+          <p:cNvPr id="49" name="그림 48">
+            <a:extLst>
+              <a:ext uri="{FF2B5EF4-FFF2-40B4-BE49-F238E27FC236}">
+                <a16:creationId xmlns:a16="http://schemas.microsoft.com/office/drawing/2014/main" id="{6D309DDB-C7E9-A597-6773-2D20B90C08A9}"/>
+              </a:ext>
+            </a:extLst>
+          </p:cNvPr>
+          <p:cNvPicPr>
+            <a:picLocks noChangeAspect="1"/>
+          </p:cNvPicPr>
+          <p:nvPr/>
+        </p:nvPicPr>
+        <p:blipFill rotWithShape="1">
+          <a:blip r:embed="rId12">
+            <a:duotone>
+              <a:schemeClr val="accent1">
+                <a:shade val="45000"/>
+                <a:satMod val="135000"/>
+              </a:schemeClr>
+              <a:prstClr val="white"/>
+            </a:duotone>
+          </a:blip>
+          <a:srcRect l="15555" t="8281" r="15408" b="21898"/>
+          <a:stretch/>
+        </p:blipFill>
+        <p:spPr>
+          <a:xfrm>
+            <a:off x="5383110" y="5459614"/>
+            <a:ext cx="471321" cy="476674"/>
+          </a:xfrm>
+          <a:prstGeom prst="rect">
+            <a:avLst/>
+          </a:prstGeom>
+        </p:spPr>
+      </p:pic>
+      <p:pic>
+        <p:nvPicPr>
+          <p:cNvPr id="54" name="그림 53">
+            <a:extLst>
+              <a:ext uri="{FF2B5EF4-FFF2-40B4-BE49-F238E27FC236}">
+                <a16:creationId xmlns:a16="http://schemas.microsoft.com/office/drawing/2014/main" id="{F33E5A4C-52F1-1E6B-FF9B-30F3F9910BE2}"/>
+              </a:ext>
+            </a:extLst>
+          </p:cNvPr>
+          <p:cNvPicPr>
+            <a:picLocks noChangeAspect="1"/>
+          </p:cNvPicPr>
+          <p:nvPr/>
+        </p:nvPicPr>
+        <p:blipFill rotWithShape="1">
+          <a:blip r:embed="rId13">
+            <a:duotone>
+              <a:schemeClr val="accent1">
+                <a:shade val="45000"/>
+                <a:satMod val="135000"/>
+              </a:schemeClr>
+              <a:prstClr val="white"/>
+            </a:duotone>
+          </a:blip>
+          <a:srcRect l="15128" t="7976" r="15361" b="21421"/>
+          <a:stretch/>
+        </p:blipFill>
+        <p:spPr>
+          <a:xfrm>
+            <a:off x="6054112" y="5455412"/>
+            <a:ext cx="472963" cy="480395"/>
+          </a:xfrm>
+          <a:prstGeom prst="rect">
+            <a:avLst/>
+          </a:prstGeom>
+        </p:spPr>
+      </p:pic>
+      <p:pic>
+        <p:nvPicPr>
+          <p:cNvPr id="55" name="그림 54">
+            <a:extLst>
+              <a:ext uri="{FF2B5EF4-FFF2-40B4-BE49-F238E27FC236}">
+                <a16:creationId xmlns:a16="http://schemas.microsoft.com/office/drawing/2014/main" id="{225DE08C-E4D0-F0DF-3CDF-CB415D79D42E}"/>
+              </a:ext>
+            </a:extLst>
+          </p:cNvPr>
+          <p:cNvPicPr>
+            <a:picLocks noChangeAspect="1"/>
+          </p:cNvPicPr>
+          <p:nvPr/>
+        </p:nvPicPr>
+        <p:blipFill rotWithShape="1">
+          <a:blip r:embed="rId14">
+            <a:duotone>
+              <a:schemeClr val="accent1">
+                <a:shade val="45000"/>
+                <a:satMod val="135000"/>
+              </a:schemeClr>
+              <a:prstClr val="white"/>
+            </a:duotone>
+          </a:blip>
+          <a:srcRect l="6507" r="6483" b="14266"/>
+          <a:stretch/>
+        </p:blipFill>
+        <p:spPr>
+          <a:xfrm>
+            <a:off x="6706858" y="5443904"/>
+            <a:ext cx="444739" cy="438219"/>
+          </a:xfrm>
+          <a:prstGeom prst="rect">
+            <a:avLst/>
+          </a:prstGeom>
+        </p:spPr>
+      </p:pic>
+      <p:pic>
+        <p:nvPicPr>
+          <p:cNvPr id="1282" name="그림 1281">
+            <a:extLst>
+              <a:ext uri="{FF2B5EF4-FFF2-40B4-BE49-F238E27FC236}">
+                <a16:creationId xmlns:a16="http://schemas.microsoft.com/office/drawing/2014/main" id="{BBAFE351-B01F-24A6-C4B5-4A2B5D666E94}"/>
+              </a:ext>
+            </a:extLst>
+          </p:cNvPr>
+          <p:cNvPicPr>
+            <a:picLocks noChangeAspect="1"/>
+          </p:cNvPicPr>
+          <p:nvPr/>
+        </p:nvPicPr>
+        <p:blipFill>
+          <a:blip r:embed="rId15"/>
+          <a:stretch>
+            <a:fillRect/>
+          </a:stretch>
+        </p:blipFill>
+        <p:spPr>
+          <a:xfrm>
+            <a:off x="12121887" y="3884353"/>
+            <a:ext cx="462142" cy="462142"/>
+          </a:xfrm>
+          <a:prstGeom prst="rect">
+            <a:avLst/>
+          </a:prstGeom>
+        </p:spPr>
+      </p:pic>
       <p:cxnSp>
         <p:nvCxnSpPr>
-          <p:cNvPr id="1029" name="직선 화살표 연결선 1028">
-            <a:extLst>
-              <a:ext uri="{FF2B5EF4-FFF2-40B4-BE49-F238E27FC236}">
-                <a16:creationId xmlns:a16="http://schemas.microsoft.com/office/drawing/2014/main" id="{2289ADC0-8153-C4A0-F4DC-BB74F791A427}"/>
+          <p:cNvPr id="1304" name="꺾인 연결선[E] 1303">
+            <a:extLst>
+              <a:ext uri="{FF2B5EF4-FFF2-40B4-BE49-F238E27FC236}">
+                <a16:creationId xmlns:a16="http://schemas.microsoft.com/office/drawing/2014/main" id="{C72891EE-A97E-9D6E-47CA-21EE82787F87}"/>
               </a:ext>
             </a:extLst>
           </p:cNvPr>
           <p:cNvCxnSpPr>
             <a:cxnSpLocks/>
-            <a:stCxn id="1387" idx="1"/>
-            <a:endCxn id="33" idx="3"/>
+            <a:stCxn id="1405" idx="1"/>
+            <a:endCxn id="1053" idx="3"/>
           </p:cNvCxnSpPr>
           <p:nvPr/>
         </p:nvCxnSpPr>
         <p:spPr>
-          <a:xfrm flipH="1">
-            <a:off x="4510055" y="5656945"/>
-            <a:ext cx="822764" cy="101"/>
-          </a:xfrm>
-          <a:prstGeom prst="straightConnector1">
-            <a:avLst/>
-          </a:prstGeom>
-          <a:ln>
-            <a:headEnd type="none" w="med" len="med"/>
-            <a:tailEnd type="none" w="med" len="med"/>
-          </a:ln>
+          <a:xfrm rot="10800000" flipV="1">
+            <a:off x="13008942" y="6496947"/>
+            <a:ext cx="875984" cy="473182"/>
+          </a:xfrm>
+          <a:prstGeom prst="bentConnector3">
+            <a:avLst>
+              <a:gd name="adj1" fmla="val 84555"/>
+            </a:avLst>
+          </a:prstGeom>
         </p:spPr>
         <p:style>
           <a:lnRef idx="2">
@@ -9787,188 +10283,54 @@
           </a:fontRef>
         </p:style>
       </p:cxnSp>
-      <p:pic>
-        <p:nvPicPr>
-          <p:cNvPr id="3" name="Picture 2" descr="Amazon Bedrock Connector - Overview (O11) | OutSystems">
-            <a:extLst>
-              <a:ext uri="{FF2B5EF4-FFF2-40B4-BE49-F238E27FC236}">
-                <a16:creationId xmlns:a16="http://schemas.microsoft.com/office/drawing/2014/main" id="{0CC4E556-84F1-E509-8785-5CDBC5B57903}"/>
-              </a:ext>
-            </a:extLst>
-          </p:cNvPr>
-          <p:cNvPicPr>
-            <a:picLocks noChangeAspect="1" noChangeArrowheads="1"/>
-          </p:cNvPicPr>
-          <p:nvPr/>
-        </p:nvPicPr>
-        <p:blipFill>
-          <a:blip r:embed="rId3">
-            <a:alphaModFix/>
-            <a:extLst>
-              <a:ext uri="{28A0092B-C50C-407E-A947-70E740481C1C}">
-                <a14:useLocalDpi xmlns:a14="http://schemas.microsoft.com/office/drawing/2010/main" val="0"/>
-              </a:ext>
-            </a:extLst>
-          </a:blip>
-          <a:srcRect/>
-          <a:stretch>
-            <a:fillRect/>
-          </a:stretch>
-        </p:blipFill>
-        <p:spPr bwMode="auto">
-          <a:xfrm>
-            <a:off x="13884926" y="7071752"/>
-            <a:ext cx="465430" cy="465430"/>
-          </a:xfrm>
-          <a:prstGeom prst="rect">
-            <a:avLst/>
-          </a:prstGeom>
-          <a:noFill/>
-          <a:extLst>
-            <a:ext uri="{909E8E84-426E-40DD-AFC4-6F175D3DCCD1}">
-              <a14:hiddenFill xmlns:a14="http://schemas.microsoft.com/office/drawing/2010/main">
-                <a:solidFill>
-                  <a:srgbClr val="FFFFFF"/>
-                </a:solidFill>
-              </a14:hiddenFill>
-            </a:ext>
-          </a:extLst>
-        </p:spPr>
-      </p:pic>
+      <p:cxnSp>
+        <p:nvCxnSpPr>
+          <p:cNvPr id="1307" name="꺾인 연결선[E] 1306">
+            <a:extLst>
+              <a:ext uri="{FF2B5EF4-FFF2-40B4-BE49-F238E27FC236}">
+                <a16:creationId xmlns:a16="http://schemas.microsoft.com/office/drawing/2014/main" id="{85D0B392-BB4C-2A48-775D-6061FCA7F40C}"/>
+              </a:ext>
+            </a:extLst>
+          </p:cNvPr>
+          <p:cNvCxnSpPr>
+            <a:cxnSpLocks/>
+            <a:stCxn id="1394" idx="1"/>
+            <a:endCxn id="1053" idx="3"/>
+          </p:cNvCxnSpPr>
+          <p:nvPr/>
+        </p:nvCxnSpPr>
+        <p:spPr>
+          <a:xfrm rot="10800000">
+            <a:off x="13008943" y="6970129"/>
+            <a:ext cx="877613" cy="327100"/>
+          </a:xfrm>
+          <a:prstGeom prst="bentConnector3">
+            <a:avLst>
+              <a:gd name="adj1" fmla="val 84491"/>
+            </a:avLst>
+          </a:prstGeom>
+        </p:spPr>
+        <p:style>
+          <a:lnRef idx="2">
+            <a:schemeClr val="accent1"/>
+          </a:lnRef>
+          <a:fillRef idx="0">
+            <a:schemeClr val="accent1"/>
+          </a:fillRef>
+          <a:effectRef idx="1">
+            <a:schemeClr val="accent1"/>
+          </a:effectRef>
+          <a:fontRef idx="minor">
+            <a:schemeClr val="tx1"/>
+          </a:fontRef>
+        </p:style>
+      </p:cxnSp>
       <p:sp>
         <p:nvSpPr>
-          <p:cNvPr id="2" name="처리 1">
-            <a:extLst>
-              <a:ext uri="{FF2B5EF4-FFF2-40B4-BE49-F238E27FC236}">
-                <a16:creationId xmlns:a16="http://schemas.microsoft.com/office/drawing/2014/main" id="{24D94196-81AC-D425-7880-C5EC9596E02E}"/>
-              </a:ext>
-            </a:extLst>
-          </p:cNvPr>
-          <p:cNvSpPr/>
-          <p:nvPr/>
-        </p:nvSpPr>
-        <p:spPr>
-          <a:xfrm>
-            <a:off x="11803952" y="5786800"/>
-            <a:ext cx="1203109" cy="243942"/>
-          </a:xfrm>
-          <a:prstGeom prst="flowChartProcess">
-            <a:avLst/>
-          </a:prstGeom>
-          <a:solidFill>
-            <a:schemeClr val="accent1"/>
-          </a:solidFill>
-          <a:ln>
-            <a:noFill/>
-          </a:ln>
-        </p:spPr>
-        <p:style>
-          <a:lnRef idx="2">
-            <a:schemeClr val="accent1">
-              <a:shade val="15000"/>
-            </a:schemeClr>
-          </a:lnRef>
-          <a:fillRef idx="1">
-            <a:schemeClr val="accent1"/>
-          </a:fillRef>
-          <a:effectRef idx="0">
-            <a:schemeClr val="accent1"/>
-          </a:effectRef>
-          <a:fontRef idx="minor">
-            <a:schemeClr val="lt1"/>
-          </a:fontRef>
-        </p:style>
-        <p:txBody>
-          <a:bodyPr rtlCol="0" anchor="ctr"/>
-          <a:lstStyle/>
-          <a:p>
-            <a:pPr algn="ctr"/>
-            <a:r>
-              <a:rPr kumimoji="1" lang="en-US" altLang="ko-KR" sz="900" b="1" dirty="0" err="1">
-                <a:latin typeface="KoPubWorldDotum Bold" pitchFamily="2" charset="-127"/>
-                <a:ea typeface="KoPubWorldDotum Bold" pitchFamily="2" charset="-127"/>
-                <a:cs typeface="KoPubWorldDotum Bold" pitchFamily="2" charset="-127"/>
-              </a:rPr>
-              <a:t>NewSession</a:t>
-            </a:r>
-            <a:endParaRPr kumimoji="1" lang="ko-KR" altLang="en-US" sz="900" b="1" dirty="0">
-              <a:latin typeface="KoPubWorldDotum Bold" pitchFamily="2" charset="-127"/>
-              <a:ea typeface="KoPubWorldDotum Bold" pitchFamily="2" charset="-127"/>
-              <a:cs typeface="KoPubWorldDotum Bold" pitchFamily="2" charset="-127"/>
-            </a:endParaRPr>
-          </a:p>
-        </p:txBody>
-      </p:sp>
-      <p:sp>
-        <p:nvSpPr>
-          <p:cNvPr id="9" name="처리 8">
-            <a:extLst>
-              <a:ext uri="{FF2B5EF4-FFF2-40B4-BE49-F238E27FC236}">
-                <a16:creationId xmlns:a16="http://schemas.microsoft.com/office/drawing/2014/main" id="{D8114163-093C-360E-6931-8D0B6081B6F4}"/>
-              </a:ext>
-            </a:extLst>
-          </p:cNvPr>
-          <p:cNvSpPr/>
-          <p:nvPr/>
-        </p:nvSpPr>
-        <p:spPr>
-          <a:xfrm>
-            <a:off x="11798271" y="5156885"/>
-            <a:ext cx="1203109" cy="243942"/>
-          </a:xfrm>
-          <a:prstGeom prst="flowChartProcess">
-            <a:avLst/>
-          </a:prstGeom>
-          <a:solidFill>
-            <a:schemeClr val="accent1"/>
-          </a:solidFill>
-          <a:ln>
-            <a:noFill/>
-          </a:ln>
-        </p:spPr>
-        <p:style>
-          <a:lnRef idx="2">
-            <a:schemeClr val="accent1">
-              <a:shade val="15000"/>
-            </a:schemeClr>
-          </a:lnRef>
-          <a:fillRef idx="1">
-            <a:schemeClr val="accent1"/>
-          </a:fillRef>
-          <a:effectRef idx="0">
-            <a:schemeClr val="accent1"/>
-          </a:effectRef>
-          <a:fontRef idx="minor">
-            <a:schemeClr val="lt1"/>
-          </a:fontRef>
-        </p:style>
-        <p:txBody>
-          <a:bodyPr rtlCol="0" anchor="ctr"/>
-          <a:lstStyle/>
-          <a:p>
-            <a:pPr algn="ctr"/>
-            <a:r>
-              <a:rPr kumimoji="1" lang="en-US" altLang="ko-KR" sz="900" b="1" dirty="0" err="1">
-                <a:latin typeface="KoPubWorldDotum Bold" pitchFamily="2" charset="-127"/>
-                <a:ea typeface="KoPubWorldDotum Bold" pitchFamily="2" charset="-127"/>
-                <a:cs typeface="KoPubWorldDotum Bold" pitchFamily="2" charset="-127"/>
-              </a:rPr>
-              <a:t>GetSession</a:t>
-            </a:r>
-            <a:endParaRPr kumimoji="1" lang="ko-KR" altLang="en-US" sz="900" b="1" dirty="0">
-              <a:latin typeface="KoPubWorldDotum Bold" pitchFamily="2" charset="-127"/>
-              <a:ea typeface="KoPubWorldDotum Bold" pitchFamily="2" charset="-127"/>
-              <a:cs typeface="KoPubWorldDotum Bold" pitchFamily="2" charset="-127"/>
-            </a:endParaRPr>
-          </a:p>
-        </p:txBody>
-      </p:sp>
-      <p:sp>
-        <p:nvSpPr>
-          <p:cNvPr id="12" name="제목 1">
-            <a:extLst>
-              <a:ext uri="{FF2B5EF4-FFF2-40B4-BE49-F238E27FC236}">
-                <a16:creationId xmlns:a16="http://schemas.microsoft.com/office/drawing/2014/main" id="{FA4EB3BE-1A7B-21BC-2153-F4E39E61BC46}"/>
+          <p:cNvPr id="1321" name="제목 1">
+            <a:extLst>
+              <a:ext uri="{FF2B5EF4-FFF2-40B4-BE49-F238E27FC236}">
+                <a16:creationId xmlns:a16="http://schemas.microsoft.com/office/drawing/2014/main" id="{8B82FBC2-A70B-5056-EB88-E560B8E8DC46}"/>
               </a:ext>
             </a:extLst>
           </p:cNvPr>
@@ -9979,8 +10341,8 @@
         </p:nvSpPr>
         <p:spPr>
           <a:xfrm>
-            <a:off x="15055650" y="6044957"/>
-            <a:ext cx="1304524" cy="262033"/>
+            <a:off x="9528153" y="3644155"/>
+            <a:ext cx="926279" cy="267998"/>
           </a:xfrm>
           <a:prstGeom prst="rect">
             <a:avLst/>
@@ -10017,7 +10379,7 @@
                 <a:ea typeface="KoPubWorldDotum Bold" pitchFamily="2" charset="-127"/>
                 <a:cs typeface="KoPubWorldDotum Bold" pitchFamily="2" charset="-127"/>
               </a:rPr>
-              <a:t>Claude 3 Haiku</a:t>
+              <a:t>API Gateway</a:t>
             </a:r>
             <a:endParaRPr kumimoji="1" lang="ko-KR" altLang="en-US" sz="900" b="1" dirty="0">
               <a:latin typeface="KoPubWorldDotum Bold" pitchFamily="2" charset="-127"/>
@@ -10027,57 +10389,12 @@
           </a:p>
         </p:txBody>
       </p:sp>
-      <p:pic>
-        <p:nvPicPr>
-          <p:cNvPr id="17" name="Picture 2" descr="The AI wars heat up with Claude 3, claimed to have “near-human” abilities |  Ars Technica">
-            <a:extLst>
-              <a:ext uri="{FF2B5EF4-FFF2-40B4-BE49-F238E27FC236}">
-                <a16:creationId xmlns:a16="http://schemas.microsoft.com/office/drawing/2014/main" id="{46FC2761-7E9A-6124-5215-BA20F763E78A}"/>
-              </a:ext>
-            </a:extLst>
-          </p:cNvPr>
-          <p:cNvPicPr>
-            <a:picLocks noChangeAspect="1" noChangeArrowheads="1"/>
-          </p:cNvPicPr>
-          <p:nvPr/>
-        </p:nvPicPr>
-        <p:blipFill rotWithShape="1">
-          <a:blip r:embed="rId4">
-            <a:extLst>
-              <a:ext uri="{28A0092B-C50C-407E-A947-70E740481C1C}">
-                <a14:useLocalDpi xmlns:a14="http://schemas.microsoft.com/office/drawing/2010/main" val="0"/>
-              </a:ext>
-            </a:extLst>
-          </a:blip>
-          <a:srcRect l="28567" t="10984" r="29591" b="14630"/>
-          <a:stretch/>
-        </p:blipFill>
-        <p:spPr bwMode="auto">
-          <a:xfrm>
-            <a:off x="15492721" y="6265929"/>
-            <a:ext cx="465430" cy="465430"/>
-          </a:xfrm>
-          <a:prstGeom prst="rect">
-            <a:avLst/>
-          </a:prstGeom>
-          <a:noFill/>
-          <a:extLst>
-            <a:ext uri="{909E8E84-426E-40DD-AFC4-6F175D3DCCD1}">
-              <a14:hiddenFill xmlns:a14="http://schemas.microsoft.com/office/drawing/2010/main">
-                <a:solidFill>
-                  <a:srgbClr val="FFFFFF"/>
-                </a:solidFill>
-              </a14:hiddenFill>
-            </a:ext>
-          </a:extLst>
-        </p:spPr>
-      </p:pic>
       <p:sp>
         <p:nvSpPr>
-          <p:cNvPr id="26" name="처리 25">
-            <a:extLst>
-              <a:ext uri="{FF2B5EF4-FFF2-40B4-BE49-F238E27FC236}">
-                <a16:creationId xmlns:a16="http://schemas.microsoft.com/office/drawing/2014/main" id="{EB7ADC3C-C91C-23BF-988B-06D1300A67FA}"/>
+          <p:cNvPr id="1387" name="직사각형 1386">
+            <a:extLst>
+              <a:ext uri="{FF2B5EF4-FFF2-40B4-BE49-F238E27FC236}">
+                <a16:creationId xmlns:a16="http://schemas.microsoft.com/office/drawing/2014/main" id="{92016821-DF80-2676-AC28-D1920624FCBF}"/>
               </a:ext>
             </a:extLst>
           </p:cNvPr>
@@ -10086,17 +10403,18 @@
         </p:nvSpPr>
         <p:spPr>
           <a:xfrm>
-            <a:off x="11803952" y="6094125"/>
-            <a:ext cx="1203109" cy="243942"/>
-          </a:xfrm>
-          <a:prstGeom prst="flowChartProcess">
-            <a:avLst/>
-          </a:prstGeom>
-          <a:solidFill>
-            <a:schemeClr val="accent1"/>
-          </a:solidFill>
+            <a:off x="5332819" y="5306597"/>
+            <a:ext cx="1997897" cy="700696"/>
+          </a:xfrm>
+          <a:prstGeom prst="rect">
+            <a:avLst/>
+          </a:prstGeom>
+          <a:noFill/>
           <a:ln>
-            <a:noFill/>
+            <a:solidFill>
+              <a:srgbClr val="156082"/>
+            </a:solidFill>
+            <a:prstDash val="sysDash"/>
           </a:ln>
         </p:spPr>
         <p:style>
@@ -10120,83 +10438,16 @@
           <a:lstStyle/>
           <a:p>
             <a:pPr algn="ctr"/>
-            <a:r>
-              <a:rPr kumimoji="1" lang="en-US" altLang="ko-KR" sz="900" b="1" dirty="0" err="1">
-                <a:latin typeface="KoPubWorldDotum Bold" pitchFamily="2" charset="-127"/>
-                <a:ea typeface="KoPubWorldDotum Bold" pitchFamily="2" charset="-127"/>
-                <a:cs typeface="KoPubWorldDotum Bold" pitchFamily="2" charset="-127"/>
-              </a:rPr>
-              <a:t>DelteSession</a:t>
-            </a:r>
-            <a:endParaRPr kumimoji="1" lang="ko-KR" altLang="en-US" sz="900" b="1" dirty="0">
-              <a:latin typeface="KoPubWorldDotum Bold" pitchFamily="2" charset="-127"/>
-              <a:ea typeface="KoPubWorldDotum Bold" pitchFamily="2" charset="-127"/>
-              <a:cs typeface="KoPubWorldDotum Bold" pitchFamily="2" charset="-127"/>
-            </a:endParaRPr>
-          </a:p>
-        </p:txBody>
-      </p:sp>
-      <p:sp>
-        <p:nvSpPr>
-          <p:cNvPr id="31" name="직사각형 30">
-            <a:extLst>
-              <a:ext uri="{FF2B5EF4-FFF2-40B4-BE49-F238E27FC236}">
-                <a16:creationId xmlns:a16="http://schemas.microsoft.com/office/drawing/2014/main" id="{A713E7F9-51B9-8F73-7862-8A20497AA0F5}"/>
-              </a:ext>
-            </a:extLst>
-          </p:cNvPr>
-          <p:cNvSpPr/>
-          <p:nvPr/>
-        </p:nvSpPr>
-        <p:spPr>
-          <a:xfrm>
-            <a:off x="5160861" y="3484747"/>
-            <a:ext cx="2398096" cy="2666459"/>
-          </a:xfrm>
-          <a:prstGeom prst="rect">
-            <a:avLst/>
-          </a:prstGeom>
-          <a:solidFill>
-            <a:srgbClr val="60A436">
-              <a:alpha val="13000"/>
-            </a:srgbClr>
-          </a:solidFill>
-          <a:ln>
-            <a:noFill/>
-            <a:prstDash val="sysDash"/>
-          </a:ln>
-        </p:spPr>
-        <p:style>
-          <a:lnRef idx="2">
-            <a:schemeClr val="accent1">
-              <a:shade val="15000"/>
-            </a:schemeClr>
-          </a:lnRef>
-          <a:fillRef idx="1">
-            <a:schemeClr val="accent1"/>
-          </a:fillRef>
-          <a:effectRef idx="0">
-            <a:schemeClr val="accent1"/>
-          </a:effectRef>
-          <a:fontRef idx="minor">
-            <a:schemeClr val="lt1"/>
-          </a:fontRef>
-        </p:style>
-        <p:txBody>
-          <a:bodyPr rtlCol="0" anchor="ctr"/>
-          <a:lstStyle/>
-          <a:p>
-            <a:pPr algn="ctr"/>
             <a:endParaRPr kumimoji="1" lang="ko-KR" altLang="en-US" sz="900"/>
           </a:p>
         </p:txBody>
       </p:sp>
       <p:pic>
         <p:nvPicPr>
-          <p:cNvPr id="1057" name="그림 1056">
-            <a:extLst>
-              <a:ext uri="{FF2B5EF4-FFF2-40B4-BE49-F238E27FC236}">
-                <a16:creationId xmlns:a16="http://schemas.microsoft.com/office/drawing/2014/main" id="{CC23FB97-2446-B0EA-050A-B105D2CBAE40}"/>
+          <p:cNvPr id="22" name="그림 21">
+            <a:extLst>
+              <a:ext uri="{FF2B5EF4-FFF2-40B4-BE49-F238E27FC236}">
+                <a16:creationId xmlns:a16="http://schemas.microsoft.com/office/drawing/2014/main" id="{D2333B75-D60C-9933-5A6C-1FC8BF360EB6}"/>
               </a:ext>
             </a:extLst>
           </p:cNvPr>
@@ -10206,14 +10457,14 @@
           <p:nvPr/>
         </p:nvPicPr>
         <p:blipFill>
-          <a:blip r:embed="rId11"/>
+          <a:blip r:embed="rId16"/>
           <a:stretch>
             <a:fillRect/>
           </a:stretch>
         </p:blipFill>
         <p:spPr>
           <a:xfrm>
-            <a:off x="6096732" y="3260634"/>
+            <a:off x="8164207" y="2615325"/>
             <a:ext cx="462142" cy="462142"/>
           </a:xfrm>
           <a:prstGeom prst="rect">
@@ -10223,10 +10474,10 @@
       </p:pic>
       <p:sp>
         <p:nvSpPr>
-          <p:cNvPr id="1059" name="제목 1">
-            <a:extLst>
-              <a:ext uri="{FF2B5EF4-FFF2-40B4-BE49-F238E27FC236}">
-                <a16:creationId xmlns:a16="http://schemas.microsoft.com/office/drawing/2014/main" id="{CBEBDBD3-3C67-6B6F-AE99-2105963B4185}"/>
+          <p:cNvPr id="24" name="제목 1">
+            <a:extLst>
+              <a:ext uri="{FF2B5EF4-FFF2-40B4-BE49-F238E27FC236}">
+                <a16:creationId xmlns:a16="http://schemas.microsoft.com/office/drawing/2014/main" id="{F26C1E1A-00F8-52FD-9B29-C0DECBC994D6}"/>
               </a:ext>
             </a:extLst>
           </p:cNvPr>
@@ -10237,8 +10488,8 @@
         </p:nvSpPr>
         <p:spPr>
           <a:xfrm>
-            <a:off x="5839361" y="3036214"/>
-            <a:ext cx="967879" cy="267998"/>
+            <a:off x="7766448" y="2421442"/>
+            <a:ext cx="1257659" cy="236354"/>
           </a:xfrm>
           <a:prstGeom prst="rect">
             <a:avLst/>
@@ -10275,7 +10526,7 @@
                 <a:ea typeface="KoPubWorldDotum Bold" pitchFamily="2" charset="-127"/>
                 <a:cs typeface="KoPubWorldDotum Bold" pitchFamily="2" charset="-127"/>
               </a:rPr>
-              <a:t>S3</a:t>
+              <a:t>Athena</a:t>
             </a:r>
             <a:endParaRPr kumimoji="1" lang="ko-KR" altLang="en-US" sz="900" b="1" dirty="0">
               <a:latin typeface="KoPubWorldDotum Bold" pitchFamily="2" charset="-127"/>
@@ -10285,42 +10536,12 @@
           </a:p>
         </p:txBody>
       </p:sp>
-      <p:pic>
-        <p:nvPicPr>
-          <p:cNvPr id="27" name="그림 26">
-            <a:extLst>
-              <a:ext uri="{FF2B5EF4-FFF2-40B4-BE49-F238E27FC236}">
-                <a16:creationId xmlns:a16="http://schemas.microsoft.com/office/drawing/2014/main" id="{5E9B27B5-6CBC-394E-6287-D2B0D931E509}"/>
-              </a:ext>
-            </a:extLst>
-          </p:cNvPr>
-          <p:cNvPicPr>
-            <a:picLocks noChangeAspect="1"/>
-          </p:cNvPicPr>
-          <p:nvPr/>
-        </p:nvPicPr>
-        <p:blipFill>
-          <a:blip r:embed="rId12"/>
-          <a:stretch>
-            <a:fillRect/>
-          </a:stretch>
-        </p:blipFill>
-        <p:spPr>
-          <a:xfrm>
-            <a:off x="9760631" y="3255571"/>
-            <a:ext cx="461326" cy="461326"/>
-          </a:xfrm>
-          <a:prstGeom prst="rect">
-            <a:avLst/>
-          </a:prstGeom>
-        </p:spPr>
-      </p:pic>
       <p:sp>
         <p:nvSpPr>
-          <p:cNvPr id="7" name="처리 6">
-            <a:extLst>
-              <a:ext uri="{FF2B5EF4-FFF2-40B4-BE49-F238E27FC236}">
-                <a16:creationId xmlns:a16="http://schemas.microsoft.com/office/drawing/2014/main" id="{2F58B189-C692-A414-8EA3-4589E9AFC6A9}"/>
+          <p:cNvPr id="25" name="직사각형 24">
+            <a:extLst>
+              <a:ext uri="{FF2B5EF4-FFF2-40B4-BE49-F238E27FC236}">
+                <a16:creationId xmlns:a16="http://schemas.microsoft.com/office/drawing/2014/main" id="{D9506844-BED0-1286-314E-61B7A01B1904}"/>
               </a:ext>
             </a:extLst>
           </p:cNvPr>
@@ -10329,17 +10550,18 @@
         </p:nvSpPr>
         <p:spPr>
           <a:xfrm>
-            <a:off x="11805833" y="5481227"/>
-            <a:ext cx="1203109" cy="243942"/>
-          </a:xfrm>
-          <a:prstGeom prst="flowChartProcess">
-            <a:avLst/>
-          </a:prstGeom>
-          <a:solidFill>
-            <a:schemeClr val="accent1"/>
-          </a:solidFill>
+            <a:off x="5330216" y="4419207"/>
+            <a:ext cx="1997897" cy="700696"/>
+          </a:xfrm>
+          <a:prstGeom prst="rect">
+            <a:avLst/>
+          </a:prstGeom>
+          <a:noFill/>
           <a:ln>
-            <a:noFill/>
+            <a:solidFill>
+              <a:schemeClr val="accent5"/>
+            </a:solidFill>
+            <a:prstDash val="sysDash"/>
           </a:ln>
         </p:spPr>
         <p:style>
@@ -10363,28 +10585,16 @@
           <a:lstStyle/>
           <a:p>
             <a:pPr algn="ctr"/>
-            <a:r>
-              <a:rPr kumimoji="1" lang="en-US" altLang="ko-KR" sz="900" b="1" dirty="0" err="1">
-                <a:latin typeface="KoPubWorldDotum Bold" pitchFamily="2" charset="-127"/>
-                <a:ea typeface="KoPubWorldDotum Bold" pitchFamily="2" charset="-127"/>
-                <a:cs typeface="KoPubWorldDotum Bold" pitchFamily="2" charset="-127"/>
-              </a:rPr>
-              <a:t>GetSessionMsg</a:t>
-            </a:r>
-            <a:endParaRPr kumimoji="1" lang="ko-KR" altLang="en-US" sz="900" b="1" dirty="0">
-              <a:latin typeface="KoPubWorldDotum Bold" pitchFamily="2" charset="-127"/>
-              <a:ea typeface="KoPubWorldDotum Bold" pitchFamily="2" charset="-127"/>
-              <a:cs typeface="KoPubWorldDotum Bold" pitchFamily="2" charset="-127"/>
-            </a:endParaRPr>
+            <a:endParaRPr kumimoji="1" lang="ko-KR" altLang="en-US" sz="900"/>
           </a:p>
         </p:txBody>
       </p:sp>
       <p:sp>
         <p:nvSpPr>
-          <p:cNvPr id="1281" name="제목 1">
-            <a:extLst>
-              <a:ext uri="{FF2B5EF4-FFF2-40B4-BE49-F238E27FC236}">
-                <a16:creationId xmlns:a16="http://schemas.microsoft.com/office/drawing/2014/main" id="{FF0CFD82-8918-EA6B-8C9A-567BD293F0F1}"/>
+          <p:cNvPr id="29" name="제목 1">
+            <a:extLst>
+              <a:ext uri="{FF2B5EF4-FFF2-40B4-BE49-F238E27FC236}">
+                <a16:creationId xmlns:a16="http://schemas.microsoft.com/office/drawing/2014/main" id="{A7EC2B79-50AE-8C30-7BE5-484D3CCB1FD2}"/>
               </a:ext>
             </a:extLst>
           </p:cNvPr>
@@ -10395,12 +10605,15 @@
         </p:nvSpPr>
         <p:spPr>
           <a:xfrm>
-            <a:off x="12013612" y="2987236"/>
-            <a:ext cx="739201" cy="267998"/>
+            <a:off x="6034294" y="4567895"/>
+            <a:ext cx="512382" cy="387771"/>
           </a:xfrm>
           <a:prstGeom prst="rect">
             <a:avLst/>
           </a:prstGeom>
+          <a:solidFill>
+            <a:schemeClr val="accent5"/>
+          </a:solidFill>
         </p:spPr>
         <p:txBody>
           <a:bodyPr vert="horz" lIns="91440" tIns="45720" rIns="91440" bIns="45720" rtlCol="0" anchor="ctr">
@@ -10429,13 +10642,19 @@
             <a:pPr algn="ctr"/>
             <a:r>
               <a:rPr kumimoji="1" lang="en-US" altLang="ko-KR" sz="900" b="1" dirty="0">
+                <a:solidFill>
+                  <a:schemeClr val="bg1"/>
+                </a:solidFill>
                 <a:latin typeface="KoPubWorldDotum Bold" pitchFamily="2" charset="-127"/>
                 <a:ea typeface="KoPubWorldDotum Bold" pitchFamily="2" charset="-127"/>
                 <a:cs typeface="KoPubWorldDotum Bold" pitchFamily="2" charset="-127"/>
               </a:rPr>
-              <a:t>Lambda</a:t>
+              <a:t>logs</a:t>
             </a:r>
             <a:endParaRPr kumimoji="1" lang="ko-KR" altLang="en-US" sz="900" b="1" dirty="0">
+              <a:solidFill>
+                <a:schemeClr val="bg1"/>
+              </a:solidFill>
               <a:latin typeface="KoPubWorldDotum Bold" pitchFamily="2" charset="-127"/>
               <a:ea typeface="KoPubWorldDotum Bold" pitchFamily="2" charset="-127"/>
               <a:cs typeface="KoPubWorldDotum Bold" pitchFamily="2" charset="-127"/>
@@ -10445,33 +10664,114 @@
       </p:sp>
       <p:cxnSp>
         <p:nvCxnSpPr>
-          <p:cNvPr id="1330" name="직선 화살표 연결선 1329">
-            <a:extLst>
-              <a:ext uri="{FF2B5EF4-FFF2-40B4-BE49-F238E27FC236}">
-                <a16:creationId xmlns:a16="http://schemas.microsoft.com/office/drawing/2014/main" id="{0A4AD28A-ABAF-7706-8237-ECA08EB7CE5B}"/>
+          <p:cNvPr id="10" name="꺾인 연결선[E] 9">
+            <a:extLst>
+              <a:ext uri="{FF2B5EF4-FFF2-40B4-BE49-F238E27FC236}">
+                <a16:creationId xmlns:a16="http://schemas.microsoft.com/office/drawing/2014/main" id="{2D29D2D6-87F4-C7B4-E26C-5D92C501ECF4}"/>
               </a:ext>
             </a:extLst>
           </p:cNvPr>
           <p:cNvCxnSpPr>
             <a:cxnSpLocks/>
+            <a:stCxn id="58" idx="1"/>
+            <a:endCxn id="1387" idx="3"/>
           </p:cNvCxnSpPr>
           <p:nvPr/>
         </p:nvCxnSpPr>
         <p:spPr>
-          <a:xfrm flipH="1">
-            <a:off x="1139846" y="11601513"/>
-            <a:ext cx="11198699" cy="0"/>
-          </a:xfrm>
-          <a:prstGeom prst="straightConnector1">
-            <a:avLst/>
-          </a:prstGeom>
-          <a:ln>
-            <a:solidFill>
-              <a:srgbClr val="FF0000"/>
-            </a:solidFill>
-            <a:headEnd type="none" w="med" len="med"/>
-            <a:tailEnd type="none" w="med" len="med"/>
-          </a:ln>
+          <a:xfrm rot="10800000">
+            <a:off x="7330717" y="5656946"/>
+            <a:ext cx="2203813" cy="77527"/>
+          </a:xfrm>
+          <a:prstGeom prst="bentConnector3">
+            <a:avLst>
+              <a:gd name="adj1" fmla="val 4495"/>
+            </a:avLst>
+          </a:prstGeom>
+        </p:spPr>
+        <p:style>
+          <a:lnRef idx="2">
+            <a:schemeClr val="accent1"/>
+          </a:lnRef>
+          <a:fillRef idx="0">
+            <a:schemeClr val="accent1"/>
+          </a:fillRef>
+          <a:effectRef idx="1">
+            <a:schemeClr val="accent1"/>
+          </a:effectRef>
+          <a:fontRef idx="minor">
+            <a:schemeClr val="tx1"/>
+          </a:fontRef>
+        </p:style>
+      </p:cxnSp>
+      <p:cxnSp>
+        <p:nvCxnSpPr>
+          <p:cNvPr id="21" name="꺾인 연결선[E] 20">
+            <a:extLst>
+              <a:ext uri="{FF2B5EF4-FFF2-40B4-BE49-F238E27FC236}">
+                <a16:creationId xmlns:a16="http://schemas.microsoft.com/office/drawing/2014/main" id="{9F0380B2-BCFC-D739-F160-C58614F63999}"/>
+              </a:ext>
+            </a:extLst>
+          </p:cNvPr>
+          <p:cNvCxnSpPr>
+            <a:cxnSpLocks/>
+            <a:stCxn id="48" idx="1"/>
+            <a:endCxn id="1387" idx="3"/>
+          </p:cNvCxnSpPr>
+          <p:nvPr/>
+        </p:nvCxnSpPr>
+        <p:spPr>
+          <a:xfrm rot="10800000">
+            <a:off x="7330716" y="5656946"/>
+            <a:ext cx="2185492" cy="1315105"/>
+          </a:xfrm>
+          <a:prstGeom prst="bentConnector3">
+            <a:avLst>
+              <a:gd name="adj1" fmla="val 3554"/>
+            </a:avLst>
+          </a:prstGeom>
+        </p:spPr>
+        <p:style>
+          <a:lnRef idx="2">
+            <a:schemeClr val="accent1"/>
+          </a:lnRef>
+          <a:fillRef idx="0">
+            <a:schemeClr val="accent1"/>
+          </a:fillRef>
+          <a:effectRef idx="1">
+            <a:schemeClr val="accent1"/>
+          </a:effectRef>
+          <a:fontRef idx="minor">
+            <a:schemeClr val="tx1"/>
+          </a:fontRef>
+        </p:style>
+      </p:cxnSp>
+      <p:cxnSp>
+        <p:nvCxnSpPr>
+          <p:cNvPr id="35" name="꺾인 연결선[E] 34">
+            <a:extLst>
+              <a:ext uri="{FF2B5EF4-FFF2-40B4-BE49-F238E27FC236}">
+                <a16:creationId xmlns:a16="http://schemas.microsoft.com/office/drawing/2014/main" id="{785E2163-03A4-C769-BACC-C8EFA654FFDD}"/>
+              </a:ext>
+            </a:extLst>
+          </p:cNvPr>
+          <p:cNvCxnSpPr>
+            <a:cxnSpLocks/>
+            <a:stCxn id="1368" idx="1"/>
+            <a:endCxn id="1387" idx="3"/>
+          </p:cNvCxnSpPr>
+          <p:nvPr/>
+        </p:nvCxnSpPr>
+        <p:spPr>
+          <a:xfrm rot="10800000" flipV="1">
+            <a:off x="7330717" y="4628843"/>
+            <a:ext cx="2185491" cy="1028102"/>
+          </a:xfrm>
+          <a:prstGeom prst="bentConnector3">
+            <a:avLst>
+              <a:gd name="adj1" fmla="val 3512"/>
+            </a:avLst>
+          </a:prstGeom>
         </p:spPr>
         <p:style>
           <a:lnRef idx="2">
@@ -10490,10 +10790,10 @@
       </p:cxnSp>
       <p:pic>
         <p:nvPicPr>
-          <p:cNvPr id="23" name="그림 22">
-            <a:extLst>
-              <a:ext uri="{FF2B5EF4-FFF2-40B4-BE49-F238E27FC236}">
-                <a16:creationId xmlns:a16="http://schemas.microsoft.com/office/drawing/2014/main" id="{AC4A61BD-7967-6BC8-24DA-796154C8C30C}"/>
+          <p:cNvPr id="1364" name="그림 1363">
+            <a:extLst>
+              <a:ext uri="{FF2B5EF4-FFF2-40B4-BE49-F238E27FC236}">
+                <a16:creationId xmlns:a16="http://schemas.microsoft.com/office/drawing/2014/main" id="{341488FF-93C0-A601-6CE8-363A04D1A25A}"/>
               </a:ext>
             </a:extLst>
           </p:cNvPr>
@@ -10503,45 +10803,17 @@
           <p:nvPr/>
         </p:nvPicPr>
         <p:blipFill>
-          <a:blip r:embed="rId13"/>
+          <a:blip r:embed="rId17">
+            <a:alphaModFix/>
+          </a:blip>
           <a:stretch>
             <a:fillRect/>
           </a:stretch>
         </p:blipFill>
         <p:spPr>
           <a:xfrm>
-            <a:off x="17081360" y="7052942"/>
-            <a:ext cx="465430" cy="465430"/>
-          </a:xfrm>
-          <a:prstGeom prst="rect">
-            <a:avLst/>
-          </a:prstGeom>
-        </p:spPr>
-      </p:pic>
-      <p:pic>
-        <p:nvPicPr>
-          <p:cNvPr id="14" name="그림 13">
-            <a:extLst>
-              <a:ext uri="{FF2B5EF4-FFF2-40B4-BE49-F238E27FC236}">
-                <a16:creationId xmlns:a16="http://schemas.microsoft.com/office/drawing/2014/main" id="{71DBA4B4-25A0-5D0D-19A2-D02C50ACB8D0}"/>
-              </a:ext>
-            </a:extLst>
-          </p:cNvPr>
-          <p:cNvPicPr>
-            <a:picLocks noChangeAspect="1"/>
-          </p:cNvPicPr>
-          <p:nvPr/>
-        </p:nvPicPr>
-        <p:blipFill>
-          <a:blip r:embed="rId14"/>
-          <a:stretch>
-            <a:fillRect/>
-          </a:stretch>
-        </p:blipFill>
-        <p:spPr>
-          <a:xfrm>
-            <a:off x="8162838" y="3261561"/>
-            <a:ext cx="461326" cy="461326"/>
+            <a:off x="13953785" y="4399078"/>
+            <a:ext cx="461327" cy="461327"/>
           </a:xfrm>
           <a:prstGeom prst="rect">
             <a:avLst/>
@@ -10550,10 +10822,10 @@
       </p:pic>
       <p:sp>
         <p:nvSpPr>
-          <p:cNvPr id="47" name="제목 1">
-            <a:extLst>
-              <a:ext uri="{FF2B5EF4-FFF2-40B4-BE49-F238E27FC236}">
-                <a16:creationId xmlns:a16="http://schemas.microsoft.com/office/drawing/2014/main" id="{BA6437DA-1E87-2A60-6AEA-1DCAC8B6D3C7}"/>
+          <p:cNvPr id="1365" name="제목 1">
+            <a:extLst>
+              <a:ext uri="{FF2B5EF4-FFF2-40B4-BE49-F238E27FC236}">
+                <a16:creationId xmlns:a16="http://schemas.microsoft.com/office/drawing/2014/main" id="{EF62E46B-C322-4C4A-78D7-78862F5A2CC2}"/>
               </a:ext>
             </a:extLst>
           </p:cNvPr>
@@ -10564,8 +10836,8 @@
         </p:nvSpPr>
         <p:spPr>
           <a:xfrm>
-            <a:off x="7736416" y="3015036"/>
-            <a:ext cx="1314173" cy="267998"/>
+            <a:off x="13480012" y="4196761"/>
+            <a:ext cx="1372683" cy="267998"/>
           </a:xfrm>
           <a:prstGeom prst="rect">
             <a:avLst/>
@@ -10602,105 +10874,86 @@
                 <a:ea typeface="KoPubWorldDotum Bold" pitchFamily="2" charset="-127"/>
                 <a:cs typeface="KoPubWorldDotum Bold" pitchFamily="2" charset="-127"/>
               </a:rPr>
-              <a:t>SSM Parameter Store</a:t>
+              <a:t>Cognito</a:t>
+            </a:r>
+            <a:r>
+              <a:rPr kumimoji="1" lang="ko-KR" altLang="en-US" sz="900" b="1" dirty="0">
+                <a:latin typeface="KoPubWorldDotum Bold" pitchFamily="2" charset="-127"/>
+                <a:ea typeface="KoPubWorldDotum Bold" pitchFamily="2" charset="-127"/>
+                <a:cs typeface="KoPubWorldDotum Bold" pitchFamily="2" charset="-127"/>
+              </a:rPr>
+              <a:t> </a:t>
+            </a:r>
+            <a:r>
+              <a:rPr kumimoji="1" lang="en-US" altLang="ko-KR" sz="900" b="1" dirty="0">
+                <a:latin typeface="KoPubWorldDotum Bold" pitchFamily="2" charset="-127"/>
+                <a:ea typeface="KoPubWorldDotum Bold" pitchFamily="2" charset="-127"/>
+                <a:cs typeface="KoPubWorldDotum Bold" pitchFamily="2" charset="-127"/>
+              </a:rPr>
+              <a:t>User Pool</a:t>
+            </a:r>
+            <a:r>
+              <a:rPr kumimoji="1" lang="ko-KR" altLang="en-US" sz="900" b="1" dirty="0">
+                <a:latin typeface="KoPubWorldDotum Bold" pitchFamily="2" charset="-127"/>
+                <a:ea typeface="KoPubWorldDotum Bold" pitchFamily="2" charset="-127"/>
+                <a:cs typeface="KoPubWorldDotum Bold" pitchFamily="2" charset="-127"/>
+              </a:rPr>
+              <a:t> </a:t>
             </a:r>
           </a:p>
         </p:txBody>
       </p:sp>
-      <p:cxnSp>
-        <p:nvCxnSpPr>
-          <p:cNvPr id="1079" name="직선 화살표 연결선 1078">
-            <a:extLst>
-              <a:ext uri="{FF2B5EF4-FFF2-40B4-BE49-F238E27FC236}">
-                <a16:creationId xmlns:a16="http://schemas.microsoft.com/office/drawing/2014/main" id="{9CF04B74-8B16-40A4-2199-CE6A131D7B71}"/>
-              </a:ext>
-            </a:extLst>
-          </p:cNvPr>
-          <p:cNvCxnSpPr>
-            <a:cxnSpLocks/>
-            <a:stCxn id="17" idx="1"/>
-            <a:endCxn id="1026" idx="3"/>
-          </p:cNvCxnSpPr>
-          <p:nvPr/>
-        </p:nvCxnSpPr>
-        <p:spPr>
-          <a:xfrm flipH="1">
-            <a:off x="14374973" y="6498644"/>
-            <a:ext cx="1117748" cy="91"/>
-          </a:xfrm>
-          <a:prstGeom prst="straightConnector1">
-            <a:avLst/>
-          </a:prstGeom>
-          <a:ln>
-            <a:headEnd type="none" w="med" len="med"/>
-            <a:tailEnd type="none" w="med" len="med"/>
-          </a:ln>
-        </p:spPr>
-        <p:style>
-          <a:lnRef idx="2">
-            <a:schemeClr val="accent1"/>
-          </a:lnRef>
-          <a:fillRef idx="0">
-            <a:schemeClr val="accent1"/>
-          </a:fillRef>
-          <a:effectRef idx="1">
-            <a:schemeClr val="accent1"/>
-          </a:effectRef>
-          <a:fontRef idx="minor">
-            <a:schemeClr val="tx1"/>
-          </a:fontRef>
-        </p:style>
-      </p:cxnSp>
-      <p:cxnSp>
-        <p:nvCxnSpPr>
-          <p:cNvPr id="1081" name="직선 화살표 연결선 1080">
-            <a:extLst>
-              <a:ext uri="{FF2B5EF4-FFF2-40B4-BE49-F238E27FC236}">
-                <a16:creationId xmlns:a16="http://schemas.microsoft.com/office/drawing/2014/main" id="{499FAE31-E5A4-C799-5C85-5B36664045FB}"/>
-              </a:ext>
-            </a:extLst>
-          </p:cNvPr>
-          <p:cNvCxnSpPr>
-            <a:cxnSpLocks/>
-            <a:stCxn id="13" idx="1"/>
-            <a:endCxn id="3" idx="3"/>
-          </p:cNvCxnSpPr>
-          <p:nvPr/>
-        </p:nvCxnSpPr>
-        <p:spPr>
-          <a:xfrm flipH="1">
-            <a:off x="14350356" y="7300777"/>
-            <a:ext cx="1119377" cy="3690"/>
-          </a:xfrm>
-          <a:prstGeom prst="straightConnector1">
-            <a:avLst/>
-          </a:prstGeom>
-          <a:ln>
-            <a:headEnd type="none" w="med" len="med"/>
-            <a:tailEnd type="none" w="med" len="med"/>
-          </a:ln>
-        </p:spPr>
-        <p:style>
-          <a:lnRef idx="2">
-            <a:schemeClr val="accent1"/>
-          </a:lnRef>
-          <a:fillRef idx="0">
-            <a:schemeClr val="accent1"/>
-          </a:fillRef>
-          <a:effectRef idx="1">
-            <a:schemeClr val="accent1"/>
-          </a:effectRef>
-          <a:fontRef idx="minor">
-            <a:schemeClr val="tx1"/>
-          </a:fontRef>
-        </p:style>
-      </p:cxnSp>
+      <p:pic>
+        <p:nvPicPr>
+          <p:cNvPr id="1366" name="Picture 2" descr="JavaScript | Kakao Developers 문서">
+            <a:extLst>
+              <a:ext uri="{FF2B5EF4-FFF2-40B4-BE49-F238E27FC236}">
+                <a16:creationId xmlns:a16="http://schemas.microsoft.com/office/drawing/2014/main" id="{D9183634-D7D8-68FC-36F7-82A39535D445}"/>
+              </a:ext>
+            </a:extLst>
+          </p:cNvPr>
+          <p:cNvPicPr>
+            <a:picLocks noChangeAspect="1" noChangeArrowheads="1"/>
+          </p:cNvPicPr>
+          <p:nvPr/>
+        </p:nvPicPr>
+        <p:blipFill rotWithShape="1">
+          <a:blip r:embed="rId18">
+            <a:extLst>
+              <a:ext uri="{28A0092B-C50C-407E-A947-70E740481C1C}">
+                <a14:useLocalDpi xmlns:a14="http://schemas.microsoft.com/office/drawing/2010/main" val="0"/>
+              </a:ext>
+            </a:extLst>
+          </a:blip>
+          <a:srcRect l="35001" t="35938" r="20859" b="37167"/>
+          <a:stretch/>
+        </p:blipFill>
+        <p:spPr bwMode="auto">
+          <a:xfrm>
+            <a:off x="15443293" y="4463086"/>
+            <a:ext cx="649591" cy="333312"/>
+          </a:xfrm>
+          <a:prstGeom prst="rect">
+            <a:avLst/>
+          </a:prstGeom>
+          <a:noFill/>
+          <a:extLst>
+            <a:ext uri="{909E8E84-426E-40DD-AFC4-6F175D3DCCD1}">
+              <a14:hiddenFill xmlns:a14="http://schemas.microsoft.com/office/drawing/2010/main">
+                <a:solidFill>
+                  <a:srgbClr val="FFFFFF"/>
+                </a:solidFill>
+              </a14:hiddenFill>
+            </a:ext>
+          </a:extLst>
+        </p:spPr>
+      </p:pic>
       <p:sp>
         <p:nvSpPr>
-          <p:cNvPr id="1217" name="제목 1">
-            <a:extLst>
-              <a:ext uri="{FF2B5EF4-FFF2-40B4-BE49-F238E27FC236}">
-                <a16:creationId xmlns:a16="http://schemas.microsoft.com/office/drawing/2014/main" id="{9DFD3D5D-CDEB-B859-0DFB-9E92EE6AA8C9}"/>
+          <p:cNvPr id="1367" name="제목 1">
+            <a:extLst>
+              <a:ext uri="{FF2B5EF4-FFF2-40B4-BE49-F238E27FC236}">
+                <a16:creationId xmlns:a16="http://schemas.microsoft.com/office/drawing/2014/main" id="{BFC37B5B-63E9-32E3-3DC1-B5B458412B4A}"/>
               </a:ext>
             </a:extLst>
           </p:cNvPr>
@@ -10711,8 +10964,8 @@
         </p:nvSpPr>
         <p:spPr>
           <a:xfrm>
-            <a:off x="16870029" y="6845801"/>
-            <a:ext cx="869150" cy="267998"/>
+            <a:off x="14942127" y="4171482"/>
+            <a:ext cx="1651921" cy="267998"/>
           </a:xfrm>
           <a:prstGeom prst="rect">
             <a:avLst/>
@@ -10749,291 +11002,17 @@
                 <a:ea typeface="KoPubWorldDotum Bold" pitchFamily="2" charset="-127"/>
                 <a:cs typeface="KoPubWorldDotum Bold" pitchFamily="2" charset="-127"/>
               </a:rPr>
-              <a:t>RDS</a:t>
-            </a:r>
-            <a:endParaRPr kumimoji="1" lang="ko-KR" altLang="en-US" sz="900" b="1" dirty="0">
-              <a:latin typeface="KoPubWorldDotum Bold" pitchFamily="2" charset="-127"/>
-              <a:ea typeface="KoPubWorldDotum Bold" pitchFamily="2" charset="-127"/>
-              <a:cs typeface="KoPubWorldDotum Bold" pitchFamily="2" charset="-127"/>
-            </a:endParaRPr>
+              <a:t>Kakao Login OIDC</a:t>
+            </a:r>
           </a:p>
         </p:txBody>
       </p:sp>
-      <p:cxnSp>
-        <p:nvCxnSpPr>
-          <p:cNvPr id="1240" name="직선 화살표 연결선 1239">
-            <a:extLst>
-              <a:ext uri="{FF2B5EF4-FFF2-40B4-BE49-F238E27FC236}">
-                <a16:creationId xmlns:a16="http://schemas.microsoft.com/office/drawing/2014/main" id="{E1B90D06-F049-546C-298B-12F359379916}"/>
-              </a:ext>
-            </a:extLst>
-          </p:cNvPr>
-          <p:cNvCxnSpPr>
-            <a:cxnSpLocks/>
-            <a:stCxn id="13" idx="3"/>
-            <a:endCxn id="23" idx="1"/>
-          </p:cNvCxnSpPr>
-          <p:nvPr/>
-        </p:nvCxnSpPr>
-        <p:spPr>
-          <a:xfrm flipV="1">
-            <a:off x="15935163" y="7285657"/>
-            <a:ext cx="1146197" cy="15120"/>
-          </a:xfrm>
-          <a:prstGeom prst="straightConnector1">
-            <a:avLst/>
-          </a:prstGeom>
-          <a:ln>
-            <a:headEnd type="none" w="med" len="med"/>
-            <a:tailEnd type="none" w="med" len="med"/>
-          </a:ln>
-        </p:spPr>
-        <p:style>
-          <a:lnRef idx="2">
-            <a:schemeClr val="accent1"/>
-          </a:lnRef>
-          <a:fillRef idx="0">
-            <a:schemeClr val="accent1"/>
-          </a:fillRef>
-          <a:effectRef idx="1">
-            <a:schemeClr val="accent1"/>
-          </a:effectRef>
-          <a:fontRef idx="minor">
-            <a:schemeClr val="tx1"/>
-          </a:fontRef>
-        </p:style>
-      </p:cxnSp>
-      <p:pic>
-        <p:nvPicPr>
-          <p:cNvPr id="49" name="그림 48">
-            <a:extLst>
-              <a:ext uri="{FF2B5EF4-FFF2-40B4-BE49-F238E27FC236}">
-                <a16:creationId xmlns:a16="http://schemas.microsoft.com/office/drawing/2014/main" id="{6D309DDB-C7E9-A597-6773-2D20B90C08A9}"/>
-              </a:ext>
-            </a:extLst>
-          </p:cNvPr>
-          <p:cNvPicPr>
-            <a:picLocks noChangeAspect="1"/>
-          </p:cNvPicPr>
-          <p:nvPr/>
-        </p:nvPicPr>
-        <p:blipFill rotWithShape="1">
-          <a:blip r:embed="rId15">
-            <a:duotone>
-              <a:schemeClr val="accent1">
-                <a:shade val="45000"/>
-                <a:satMod val="135000"/>
-              </a:schemeClr>
-              <a:prstClr val="white"/>
-            </a:duotone>
-          </a:blip>
-          <a:srcRect l="15555" t="8281" r="15408" b="21898"/>
-          <a:stretch/>
-        </p:blipFill>
-        <p:spPr>
-          <a:xfrm>
-            <a:off x="5383110" y="5459614"/>
-            <a:ext cx="471321" cy="476674"/>
-          </a:xfrm>
-          <a:prstGeom prst="rect">
-            <a:avLst/>
-          </a:prstGeom>
-        </p:spPr>
-      </p:pic>
-      <p:pic>
-        <p:nvPicPr>
-          <p:cNvPr id="54" name="그림 53">
-            <a:extLst>
-              <a:ext uri="{FF2B5EF4-FFF2-40B4-BE49-F238E27FC236}">
-                <a16:creationId xmlns:a16="http://schemas.microsoft.com/office/drawing/2014/main" id="{F33E5A4C-52F1-1E6B-FF9B-30F3F9910BE2}"/>
-              </a:ext>
-            </a:extLst>
-          </p:cNvPr>
-          <p:cNvPicPr>
-            <a:picLocks noChangeAspect="1"/>
-          </p:cNvPicPr>
-          <p:nvPr/>
-        </p:nvPicPr>
-        <p:blipFill rotWithShape="1">
-          <a:blip r:embed="rId16">
-            <a:duotone>
-              <a:schemeClr val="accent1">
-                <a:shade val="45000"/>
-                <a:satMod val="135000"/>
-              </a:schemeClr>
-              <a:prstClr val="white"/>
-            </a:duotone>
-          </a:blip>
-          <a:srcRect l="15128" t="7976" r="15361" b="21421"/>
-          <a:stretch/>
-        </p:blipFill>
-        <p:spPr>
-          <a:xfrm>
-            <a:off x="6054112" y="5455412"/>
-            <a:ext cx="472963" cy="480395"/>
-          </a:xfrm>
-          <a:prstGeom prst="rect">
-            <a:avLst/>
-          </a:prstGeom>
-        </p:spPr>
-      </p:pic>
-      <p:pic>
-        <p:nvPicPr>
-          <p:cNvPr id="55" name="그림 54">
-            <a:extLst>
-              <a:ext uri="{FF2B5EF4-FFF2-40B4-BE49-F238E27FC236}">
-                <a16:creationId xmlns:a16="http://schemas.microsoft.com/office/drawing/2014/main" id="{225DE08C-E4D0-F0DF-3CDF-CB415D79D42E}"/>
-              </a:ext>
-            </a:extLst>
-          </p:cNvPr>
-          <p:cNvPicPr>
-            <a:picLocks noChangeAspect="1"/>
-          </p:cNvPicPr>
-          <p:nvPr/>
-        </p:nvPicPr>
-        <p:blipFill rotWithShape="1">
-          <a:blip r:embed="rId17">
-            <a:duotone>
-              <a:schemeClr val="accent1">
-                <a:shade val="45000"/>
-                <a:satMod val="135000"/>
-              </a:schemeClr>
-              <a:prstClr val="white"/>
-            </a:duotone>
-          </a:blip>
-          <a:srcRect l="6507" r="6483" b="14266"/>
-          <a:stretch/>
-        </p:blipFill>
-        <p:spPr>
-          <a:xfrm>
-            <a:off x="6706858" y="5443904"/>
-            <a:ext cx="444739" cy="438219"/>
-          </a:xfrm>
-          <a:prstGeom prst="rect">
-            <a:avLst/>
-          </a:prstGeom>
-        </p:spPr>
-      </p:pic>
-      <p:pic>
-        <p:nvPicPr>
-          <p:cNvPr id="1282" name="그림 1281">
-            <a:extLst>
-              <a:ext uri="{FF2B5EF4-FFF2-40B4-BE49-F238E27FC236}">
-                <a16:creationId xmlns:a16="http://schemas.microsoft.com/office/drawing/2014/main" id="{BBAFE351-B01F-24A6-C4B5-4A2B5D666E94}"/>
-              </a:ext>
-            </a:extLst>
-          </p:cNvPr>
-          <p:cNvPicPr>
-            <a:picLocks noChangeAspect="1"/>
-          </p:cNvPicPr>
-          <p:nvPr/>
-        </p:nvPicPr>
-        <p:blipFill>
-          <a:blip r:embed="rId18"/>
-          <a:stretch>
-            <a:fillRect/>
-          </a:stretch>
-        </p:blipFill>
-        <p:spPr>
-          <a:xfrm>
-            <a:off x="12121887" y="3255234"/>
-            <a:ext cx="462142" cy="462142"/>
-          </a:xfrm>
-          <a:prstGeom prst="rect">
-            <a:avLst/>
-          </a:prstGeom>
-        </p:spPr>
-      </p:pic>
-      <p:cxnSp>
-        <p:nvCxnSpPr>
-          <p:cNvPr id="1304" name="꺾인 연결선[E] 1303">
-            <a:extLst>
-              <a:ext uri="{FF2B5EF4-FFF2-40B4-BE49-F238E27FC236}">
-                <a16:creationId xmlns:a16="http://schemas.microsoft.com/office/drawing/2014/main" id="{C72891EE-A97E-9D6E-47CA-21EE82787F87}"/>
-              </a:ext>
-            </a:extLst>
-          </p:cNvPr>
-          <p:cNvCxnSpPr>
-            <a:cxnSpLocks/>
-            <a:stCxn id="1026" idx="1"/>
-            <a:endCxn id="1053" idx="3"/>
-          </p:cNvCxnSpPr>
-          <p:nvPr/>
-        </p:nvCxnSpPr>
-        <p:spPr>
-          <a:xfrm rot="10800000" flipV="1">
-            <a:off x="13008943" y="6498735"/>
-            <a:ext cx="900601" cy="471394"/>
-          </a:xfrm>
-          <a:prstGeom prst="bentConnector3">
-            <a:avLst>
-              <a:gd name="adj1" fmla="val 85927"/>
-            </a:avLst>
-          </a:prstGeom>
-        </p:spPr>
-        <p:style>
-          <a:lnRef idx="2">
-            <a:schemeClr val="accent1"/>
-          </a:lnRef>
-          <a:fillRef idx="0">
-            <a:schemeClr val="accent1"/>
-          </a:fillRef>
-          <a:effectRef idx="1">
-            <a:schemeClr val="accent1"/>
-          </a:effectRef>
-          <a:fontRef idx="minor">
-            <a:schemeClr val="tx1"/>
-          </a:fontRef>
-        </p:style>
-      </p:cxnSp>
-      <p:cxnSp>
-        <p:nvCxnSpPr>
-          <p:cNvPr id="1307" name="꺾인 연결선[E] 1306">
-            <a:extLst>
-              <a:ext uri="{FF2B5EF4-FFF2-40B4-BE49-F238E27FC236}">
-                <a16:creationId xmlns:a16="http://schemas.microsoft.com/office/drawing/2014/main" id="{85D0B392-BB4C-2A48-775D-6061FCA7F40C}"/>
-              </a:ext>
-            </a:extLst>
-          </p:cNvPr>
-          <p:cNvCxnSpPr>
-            <a:cxnSpLocks/>
-            <a:stCxn id="3" idx="1"/>
-            <a:endCxn id="1053" idx="3"/>
-          </p:cNvCxnSpPr>
-          <p:nvPr/>
-        </p:nvCxnSpPr>
-        <p:spPr>
-          <a:xfrm rot="10800000">
-            <a:off x="13008942" y="6970129"/>
-            <a:ext cx="875984" cy="334338"/>
-          </a:xfrm>
-          <a:prstGeom prst="bentConnector3">
-            <a:avLst>
-              <a:gd name="adj1" fmla="val 86426"/>
-            </a:avLst>
-          </a:prstGeom>
-        </p:spPr>
-        <p:style>
-          <a:lnRef idx="2">
-            <a:schemeClr val="accent1"/>
-          </a:lnRef>
-          <a:fillRef idx="0">
-            <a:schemeClr val="accent1"/>
-          </a:fillRef>
-          <a:effectRef idx="1">
-            <a:schemeClr val="accent1"/>
-          </a:effectRef>
-          <a:fontRef idx="minor">
-            <a:schemeClr val="tx1"/>
-          </a:fontRef>
-        </p:style>
-      </p:cxnSp>
       <p:sp>
         <p:nvSpPr>
-          <p:cNvPr id="1321" name="제목 1">
-            <a:extLst>
-              <a:ext uri="{FF2B5EF4-FFF2-40B4-BE49-F238E27FC236}">
-                <a16:creationId xmlns:a16="http://schemas.microsoft.com/office/drawing/2014/main" id="{8B82FBC2-A70B-5056-EB88-E560B8E8DC46}"/>
+          <p:cNvPr id="1368" name="제목 1">
+            <a:extLst>
+              <a:ext uri="{FF2B5EF4-FFF2-40B4-BE49-F238E27FC236}">
+                <a16:creationId xmlns:a16="http://schemas.microsoft.com/office/drawing/2014/main" id="{43D26DBF-2F2B-E865-3E43-F086A2A9C884}"/>
               </a:ext>
             </a:extLst>
           </p:cNvPr>
@@ -11044,12 +11023,15 @@
         </p:nvSpPr>
         <p:spPr>
           <a:xfrm>
-            <a:off x="9528153" y="3015036"/>
-            <a:ext cx="926279" cy="267998"/>
+            <a:off x="9516207" y="4434957"/>
+            <a:ext cx="967879" cy="387771"/>
           </a:xfrm>
           <a:prstGeom prst="rect">
             <a:avLst/>
           </a:prstGeom>
+          <a:solidFill>
+            <a:srgbClr val="156082"/>
+          </a:solidFill>
         </p:spPr>
         <p:txBody>
           <a:bodyPr vert="horz" lIns="91440" tIns="45720" rIns="91440" bIns="45720" rtlCol="0" anchor="ctr">
@@ -11078,13 +11060,33 @@
             <a:pPr algn="ctr"/>
             <a:r>
               <a:rPr kumimoji="1" lang="en-US" altLang="ko-KR" sz="900" b="1" dirty="0">
+                <a:solidFill>
+                  <a:schemeClr val="bg1"/>
+                </a:solidFill>
                 <a:latin typeface="KoPubWorldDotum Bold" pitchFamily="2" charset="-127"/>
                 <a:ea typeface="KoPubWorldDotum Bold" pitchFamily="2" charset="-127"/>
                 <a:cs typeface="KoPubWorldDotum Bold" pitchFamily="2" charset="-127"/>
               </a:rPr>
-              <a:t>API Gateway</a:t>
+              <a:t>REST API</a:t>
+            </a:r>
+          </a:p>
+          <a:p>
+            <a:pPr algn="ctr"/>
+            <a:r>
+              <a:rPr kumimoji="1" lang="en-US" altLang="ko-KR" sz="900" b="1" dirty="0">
+                <a:solidFill>
+                  <a:schemeClr val="bg1"/>
+                </a:solidFill>
+                <a:latin typeface="KoPubWorldDotum Bold" pitchFamily="2" charset="-127"/>
+                <a:ea typeface="KoPubWorldDotum Bold" pitchFamily="2" charset="-127"/>
+                <a:cs typeface="KoPubWorldDotum Bold" pitchFamily="2" charset="-127"/>
+              </a:rPr>
+              <a:t>(Auth)</a:t>
             </a:r>
             <a:endParaRPr kumimoji="1" lang="ko-KR" altLang="en-US" sz="900" b="1" dirty="0">
+              <a:solidFill>
+                <a:schemeClr val="bg1"/>
+              </a:solidFill>
               <a:latin typeface="KoPubWorldDotum Bold" pitchFamily="2" charset="-127"/>
               <a:ea typeface="KoPubWorldDotum Bold" pitchFamily="2" charset="-127"/>
               <a:cs typeface="KoPubWorldDotum Bold" pitchFamily="2" charset="-127"/>
@@ -11094,10 +11096,10 @@
       </p:sp>
       <p:sp>
         <p:nvSpPr>
-          <p:cNvPr id="1387" name="직사각형 1386">
-            <a:extLst>
-              <a:ext uri="{FF2B5EF4-FFF2-40B4-BE49-F238E27FC236}">
-                <a16:creationId xmlns:a16="http://schemas.microsoft.com/office/drawing/2014/main" id="{92016821-DF80-2676-AC28-D1920624FCBF}"/>
+          <p:cNvPr id="1369" name="처리 1368">
+            <a:extLst>
+              <a:ext uri="{FF2B5EF4-FFF2-40B4-BE49-F238E27FC236}">
+                <a16:creationId xmlns:a16="http://schemas.microsoft.com/office/drawing/2014/main" id="{D2CA8690-2076-F6A0-6184-53D4C3004910}"/>
               </a:ext>
             </a:extLst>
           </p:cNvPr>
@@ -11106,18 +11108,17 @@
         </p:nvSpPr>
         <p:spPr>
           <a:xfrm>
-            <a:off x="5332819" y="5306597"/>
-            <a:ext cx="1997897" cy="700696"/>
-          </a:xfrm>
-          <a:prstGeom prst="rect">
-            <a:avLst/>
-          </a:prstGeom>
-          <a:noFill/>
+            <a:off x="11805833" y="4504263"/>
+            <a:ext cx="1200406" cy="245334"/>
+          </a:xfrm>
+          <a:prstGeom prst="flowChartProcess">
+            <a:avLst/>
+          </a:prstGeom>
+          <a:solidFill>
+            <a:schemeClr val="accent1"/>
+          </a:solidFill>
           <a:ln>
-            <a:solidFill>
-              <a:srgbClr val="156082"/>
-            </a:solidFill>
-            <a:prstDash val="sysDash"/>
+            <a:noFill/>
           </a:ln>
         </p:spPr>
         <p:style>
@@ -11141,46 +11142,767 @@
           <a:lstStyle/>
           <a:p>
             <a:pPr algn="ctr"/>
-            <a:endParaRPr kumimoji="1" lang="ko-KR" altLang="en-US" sz="900"/>
+            <a:r>
+              <a:rPr kumimoji="1" lang="en-US" altLang="ko-KR" sz="900" b="1" dirty="0" err="1">
+                <a:latin typeface="KoPubWorldDotum Bold" pitchFamily="2" charset="-127"/>
+                <a:ea typeface="KoPubWorldDotum Bold" pitchFamily="2" charset="-127"/>
+                <a:cs typeface="KoPubWorldDotum Bold" pitchFamily="2" charset="-127"/>
+              </a:rPr>
+              <a:t>UserInfo</a:t>
+            </a:r>
+            <a:endParaRPr kumimoji="1" lang="ko-KR" altLang="en-US" sz="900" b="1" dirty="0">
+              <a:latin typeface="KoPubWorldDotum Bold" pitchFamily="2" charset="-127"/>
+              <a:ea typeface="KoPubWorldDotum Bold" pitchFamily="2" charset="-127"/>
+              <a:cs typeface="KoPubWorldDotum Bold" pitchFamily="2" charset="-127"/>
+            </a:endParaRPr>
           </a:p>
         </p:txBody>
       </p:sp>
-      <p:pic>
-        <p:nvPicPr>
-          <p:cNvPr id="22" name="그림 21">
-            <a:extLst>
-              <a:ext uri="{FF2B5EF4-FFF2-40B4-BE49-F238E27FC236}">
-                <a16:creationId xmlns:a16="http://schemas.microsoft.com/office/drawing/2014/main" id="{D2333B75-D60C-9933-5A6C-1FC8BF360EB6}"/>
-              </a:ext>
-            </a:extLst>
-          </p:cNvPr>
-          <p:cNvPicPr>
-            <a:picLocks noChangeAspect="1"/>
-          </p:cNvPicPr>
-          <p:nvPr/>
-        </p:nvPicPr>
-        <p:blipFill>
-          <a:blip r:embed="rId19"/>
-          <a:stretch>
-            <a:fillRect/>
-          </a:stretch>
-        </p:blipFill>
-        <p:spPr>
-          <a:xfrm>
-            <a:off x="8164207" y="1833455"/>
-            <a:ext cx="462142" cy="462142"/>
-          </a:xfrm>
-          <a:prstGeom prst="rect">
-            <a:avLst/>
-          </a:prstGeom>
-        </p:spPr>
-      </p:pic>
+      <p:cxnSp>
+        <p:nvCxnSpPr>
+          <p:cNvPr id="1370" name="직선 화살표 연결선 1369">
+            <a:extLst>
+              <a:ext uri="{FF2B5EF4-FFF2-40B4-BE49-F238E27FC236}">
+                <a16:creationId xmlns:a16="http://schemas.microsoft.com/office/drawing/2014/main" id="{424A4335-B74B-DFB4-7C91-A338C96B432C}"/>
+              </a:ext>
+            </a:extLst>
+          </p:cNvPr>
+          <p:cNvCxnSpPr>
+            <a:cxnSpLocks/>
+            <a:stCxn id="1364" idx="1"/>
+            <a:endCxn id="1369" idx="3"/>
+          </p:cNvCxnSpPr>
+          <p:nvPr/>
+        </p:nvCxnSpPr>
+        <p:spPr>
+          <a:xfrm flipH="1" flipV="1">
+            <a:off x="13006239" y="4626930"/>
+            <a:ext cx="947546" cy="2812"/>
+          </a:xfrm>
+          <a:prstGeom prst="straightConnector1">
+            <a:avLst/>
+          </a:prstGeom>
+          <a:ln>
+            <a:headEnd type="none" w="med" len="med"/>
+            <a:tailEnd type="none" w="med" len="med"/>
+          </a:ln>
+        </p:spPr>
+        <p:style>
+          <a:lnRef idx="2">
+            <a:schemeClr val="accent1"/>
+          </a:lnRef>
+          <a:fillRef idx="0">
+            <a:schemeClr val="accent1"/>
+          </a:fillRef>
+          <a:effectRef idx="1">
+            <a:schemeClr val="accent1"/>
+          </a:effectRef>
+          <a:fontRef idx="minor">
+            <a:schemeClr val="tx1"/>
+          </a:fontRef>
+        </p:style>
+      </p:cxnSp>
+      <p:cxnSp>
+        <p:nvCxnSpPr>
+          <p:cNvPr id="1372" name="직선 화살표 연결선 1371">
+            <a:extLst>
+              <a:ext uri="{FF2B5EF4-FFF2-40B4-BE49-F238E27FC236}">
+                <a16:creationId xmlns:a16="http://schemas.microsoft.com/office/drawing/2014/main" id="{64D72915-3790-A5E4-0455-CC25D85AC716}"/>
+              </a:ext>
+            </a:extLst>
+          </p:cNvPr>
+          <p:cNvCxnSpPr>
+            <a:cxnSpLocks/>
+            <a:stCxn id="1366" idx="1"/>
+            <a:endCxn id="1364" idx="3"/>
+          </p:cNvCxnSpPr>
+          <p:nvPr/>
+        </p:nvCxnSpPr>
+        <p:spPr>
+          <a:xfrm flipH="1">
+            <a:off x="14415112" y="4629742"/>
+            <a:ext cx="1028181" cy="0"/>
+          </a:xfrm>
+          <a:prstGeom prst="straightConnector1">
+            <a:avLst/>
+          </a:prstGeom>
+          <a:ln>
+            <a:headEnd type="none" w="med" len="med"/>
+            <a:tailEnd type="none" w="med" len="med"/>
+          </a:ln>
+        </p:spPr>
+        <p:style>
+          <a:lnRef idx="2">
+            <a:schemeClr val="accent1"/>
+          </a:lnRef>
+          <a:fillRef idx="0">
+            <a:schemeClr val="accent1"/>
+          </a:fillRef>
+          <a:effectRef idx="1">
+            <a:schemeClr val="accent1"/>
+          </a:effectRef>
+          <a:fontRef idx="minor">
+            <a:schemeClr val="tx1"/>
+          </a:fontRef>
+        </p:style>
+      </p:cxnSp>
+      <p:cxnSp>
+        <p:nvCxnSpPr>
+          <p:cNvPr id="1373" name="직선 화살표 연결선 1372">
+            <a:extLst>
+              <a:ext uri="{FF2B5EF4-FFF2-40B4-BE49-F238E27FC236}">
+                <a16:creationId xmlns:a16="http://schemas.microsoft.com/office/drawing/2014/main" id="{6328338D-1EDA-576B-2BCD-525954597436}"/>
+              </a:ext>
+            </a:extLst>
+          </p:cNvPr>
+          <p:cNvCxnSpPr>
+            <a:cxnSpLocks/>
+            <a:stCxn id="1368" idx="3"/>
+            <a:endCxn id="1369" idx="1"/>
+          </p:cNvCxnSpPr>
+          <p:nvPr/>
+        </p:nvCxnSpPr>
+        <p:spPr>
+          <a:xfrm flipV="1">
+            <a:off x="10484086" y="4626930"/>
+            <a:ext cx="1321747" cy="1913"/>
+          </a:xfrm>
+          <a:prstGeom prst="straightConnector1">
+            <a:avLst/>
+          </a:prstGeom>
+          <a:ln>
+            <a:headEnd type="none" w="med" len="med"/>
+            <a:tailEnd type="none" w="med" len="med"/>
+          </a:ln>
+        </p:spPr>
+        <p:style>
+          <a:lnRef idx="2">
+            <a:schemeClr val="accent1"/>
+          </a:lnRef>
+          <a:fillRef idx="0">
+            <a:schemeClr val="accent1"/>
+          </a:fillRef>
+          <a:effectRef idx="1">
+            <a:schemeClr val="accent1"/>
+          </a:effectRef>
+          <a:fontRef idx="minor">
+            <a:schemeClr val="tx1"/>
+          </a:fontRef>
+        </p:style>
+      </p:cxnSp>
+      <p:cxnSp>
+        <p:nvCxnSpPr>
+          <p:cNvPr id="1374" name="꺾인 연결선[E] 1373">
+            <a:extLst>
+              <a:ext uri="{FF2B5EF4-FFF2-40B4-BE49-F238E27FC236}">
+                <a16:creationId xmlns:a16="http://schemas.microsoft.com/office/drawing/2014/main" id="{48F427D6-82E8-7274-B240-318AE0B781D8}"/>
+              </a:ext>
+            </a:extLst>
+          </p:cNvPr>
+          <p:cNvCxnSpPr>
+            <a:cxnSpLocks/>
+            <a:stCxn id="9" idx="1"/>
+            <a:endCxn id="58" idx="3"/>
+          </p:cNvCxnSpPr>
+          <p:nvPr/>
+        </p:nvCxnSpPr>
+        <p:spPr>
+          <a:xfrm rot="10800000" flipV="1">
+            <a:off x="10502409" y="5278856"/>
+            <a:ext cx="1295863" cy="455616"/>
+          </a:xfrm>
+          <a:prstGeom prst="bentConnector3">
+            <a:avLst>
+              <a:gd name="adj1" fmla="val 6798"/>
+            </a:avLst>
+          </a:prstGeom>
+        </p:spPr>
+        <p:style>
+          <a:lnRef idx="2">
+            <a:schemeClr val="accent1"/>
+          </a:lnRef>
+          <a:fillRef idx="0">
+            <a:schemeClr val="accent1"/>
+          </a:fillRef>
+          <a:effectRef idx="1">
+            <a:schemeClr val="accent1"/>
+          </a:effectRef>
+          <a:fontRef idx="minor">
+            <a:schemeClr val="tx1"/>
+          </a:fontRef>
+        </p:style>
+      </p:cxnSp>
+      <p:cxnSp>
+        <p:nvCxnSpPr>
+          <p:cNvPr id="1377" name="꺾인 연결선[E] 1376">
+            <a:extLst>
+              <a:ext uri="{FF2B5EF4-FFF2-40B4-BE49-F238E27FC236}">
+                <a16:creationId xmlns:a16="http://schemas.microsoft.com/office/drawing/2014/main" id="{71280AAB-918E-C4B7-3B8D-6FEEE7DA371F}"/>
+              </a:ext>
+            </a:extLst>
+          </p:cNvPr>
+          <p:cNvCxnSpPr>
+            <a:cxnSpLocks/>
+            <a:endCxn id="58" idx="3"/>
+          </p:cNvCxnSpPr>
+          <p:nvPr/>
+        </p:nvCxnSpPr>
+        <p:spPr>
+          <a:xfrm rot="10800000" flipV="1">
+            <a:off x="10502408" y="5627410"/>
+            <a:ext cx="1302356" cy="107061"/>
+          </a:xfrm>
+          <a:prstGeom prst="bentConnector3">
+            <a:avLst>
+              <a:gd name="adj1" fmla="val 7014"/>
+            </a:avLst>
+          </a:prstGeom>
+        </p:spPr>
+        <p:style>
+          <a:lnRef idx="2">
+            <a:schemeClr val="accent1"/>
+          </a:lnRef>
+          <a:fillRef idx="0">
+            <a:schemeClr val="accent1"/>
+          </a:fillRef>
+          <a:effectRef idx="1">
+            <a:schemeClr val="accent1"/>
+          </a:effectRef>
+          <a:fontRef idx="minor">
+            <a:schemeClr val="tx1"/>
+          </a:fontRef>
+        </p:style>
+      </p:cxnSp>
+      <p:cxnSp>
+        <p:nvCxnSpPr>
+          <p:cNvPr id="1384" name="꺾인 연결선[E] 1383">
+            <a:extLst>
+              <a:ext uri="{FF2B5EF4-FFF2-40B4-BE49-F238E27FC236}">
+                <a16:creationId xmlns:a16="http://schemas.microsoft.com/office/drawing/2014/main" id="{7C2D0A5F-676B-C64B-7D77-A6401874DD87}"/>
+              </a:ext>
+            </a:extLst>
+          </p:cNvPr>
+          <p:cNvCxnSpPr>
+            <a:cxnSpLocks/>
+            <a:stCxn id="2" idx="1"/>
+            <a:endCxn id="58" idx="3"/>
+          </p:cNvCxnSpPr>
+          <p:nvPr/>
+        </p:nvCxnSpPr>
+        <p:spPr>
+          <a:xfrm rot="10800000">
+            <a:off x="10502408" y="5734473"/>
+            <a:ext cx="1301544" cy="174299"/>
+          </a:xfrm>
+          <a:prstGeom prst="bentConnector3">
+            <a:avLst>
+              <a:gd name="adj1" fmla="val 6987"/>
+            </a:avLst>
+          </a:prstGeom>
+        </p:spPr>
+        <p:style>
+          <a:lnRef idx="2">
+            <a:schemeClr val="accent1"/>
+          </a:lnRef>
+          <a:fillRef idx="0">
+            <a:schemeClr val="accent1"/>
+          </a:fillRef>
+          <a:effectRef idx="1">
+            <a:schemeClr val="accent1"/>
+          </a:effectRef>
+          <a:fontRef idx="minor">
+            <a:schemeClr val="tx1"/>
+          </a:fontRef>
+        </p:style>
+      </p:cxnSp>
+      <p:cxnSp>
+        <p:nvCxnSpPr>
+          <p:cNvPr id="1388" name="꺾인 연결선[E] 1387">
+            <a:extLst>
+              <a:ext uri="{FF2B5EF4-FFF2-40B4-BE49-F238E27FC236}">
+                <a16:creationId xmlns:a16="http://schemas.microsoft.com/office/drawing/2014/main" id="{8278EAA9-22C5-8686-FDCA-9375183D0D58}"/>
+              </a:ext>
+            </a:extLst>
+          </p:cNvPr>
+          <p:cNvCxnSpPr>
+            <a:cxnSpLocks/>
+            <a:stCxn id="26" idx="1"/>
+            <a:endCxn id="58" idx="3"/>
+          </p:cNvCxnSpPr>
+          <p:nvPr/>
+        </p:nvCxnSpPr>
+        <p:spPr>
+          <a:xfrm rot="10800000">
+            <a:off x="10502408" y="5734472"/>
+            <a:ext cx="1301544" cy="481624"/>
+          </a:xfrm>
+          <a:prstGeom prst="bentConnector3">
+            <a:avLst>
+              <a:gd name="adj1" fmla="val 6987"/>
+            </a:avLst>
+          </a:prstGeom>
+        </p:spPr>
+        <p:style>
+          <a:lnRef idx="2">
+            <a:schemeClr val="accent1"/>
+          </a:lnRef>
+          <a:fillRef idx="0">
+            <a:schemeClr val="accent1"/>
+          </a:fillRef>
+          <a:effectRef idx="1">
+            <a:schemeClr val="accent1"/>
+          </a:effectRef>
+          <a:fontRef idx="minor">
+            <a:schemeClr val="tx1"/>
+          </a:fontRef>
+        </p:style>
+      </p:cxnSp>
+      <p:cxnSp>
+        <p:nvCxnSpPr>
+          <p:cNvPr id="1391" name="꺾인 연결선[E] 1390">
+            <a:extLst>
+              <a:ext uri="{FF2B5EF4-FFF2-40B4-BE49-F238E27FC236}">
+                <a16:creationId xmlns:a16="http://schemas.microsoft.com/office/drawing/2014/main" id="{EA783922-7968-CE26-A980-D6E00B57C17A}"/>
+              </a:ext>
+            </a:extLst>
+          </p:cNvPr>
+          <p:cNvCxnSpPr>
+            <a:cxnSpLocks/>
+            <a:stCxn id="1052" idx="1"/>
+            <a:endCxn id="48" idx="3"/>
+          </p:cNvCxnSpPr>
+          <p:nvPr/>
+        </p:nvCxnSpPr>
+        <p:spPr>
+          <a:xfrm rot="10800000" flipV="1">
+            <a:off x="10484087" y="6678648"/>
+            <a:ext cx="1321746" cy="293401"/>
+          </a:xfrm>
+          <a:prstGeom prst="bentConnector3">
+            <a:avLst>
+              <a:gd name="adj1" fmla="val 6232"/>
+            </a:avLst>
+          </a:prstGeom>
+        </p:spPr>
+        <p:style>
+          <a:lnRef idx="2">
+            <a:schemeClr val="accent1"/>
+          </a:lnRef>
+          <a:fillRef idx="0">
+            <a:schemeClr val="accent1"/>
+          </a:fillRef>
+          <a:effectRef idx="1">
+            <a:schemeClr val="accent1"/>
+          </a:effectRef>
+          <a:fontRef idx="minor">
+            <a:schemeClr val="tx1"/>
+          </a:fontRef>
+        </p:style>
+      </p:cxnSp>
+      <p:cxnSp>
+        <p:nvCxnSpPr>
+          <p:cNvPr id="1395" name="꺾인 연결선[E] 1394">
+            <a:extLst>
+              <a:ext uri="{FF2B5EF4-FFF2-40B4-BE49-F238E27FC236}">
+                <a16:creationId xmlns:a16="http://schemas.microsoft.com/office/drawing/2014/main" id="{5627ABDC-B092-3C1D-D5E6-B13773A09DA9}"/>
+              </a:ext>
+            </a:extLst>
+          </p:cNvPr>
+          <p:cNvCxnSpPr>
+            <a:cxnSpLocks/>
+            <a:stCxn id="1053" idx="1"/>
+            <a:endCxn id="48" idx="3"/>
+          </p:cNvCxnSpPr>
+          <p:nvPr/>
+        </p:nvCxnSpPr>
+        <p:spPr>
+          <a:xfrm rot="10800000" flipV="1">
+            <a:off x="10484087" y="6970128"/>
+            <a:ext cx="1321746" cy="1921"/>
+          </a:xfrm>
+          <a:prstGeom prst="bentConnector3">
+            <a:avLst>
+              <a:gd name="adj1" fmla="val 50000"/>
+            </a:avLst>
+          </a:prstGeom>
+        </p:spPr>
+        <p:style>
+          <a:lnRef idx="2">
+            <a:schemeClr val="accent1"/>
+          </a:lnRef>
+          <a:fillRef idx="0">
+            <a:schemeClr val="accent1"/>
+          </a:fillRef>
+          <a:effectRef idx="1">
+            <a:schemeClr val="accent1"/>
+          </a:effectRef>
+          <a:fontRef idx="minor">
+            <a:schemeClr val="tx1"/>
+          </a:fontRef>
+        </p:style>
+      </p:cxnSp>
+      <p:cxnSp>
+        <p:nvCxnSpPr>
+          <p:cNvPr id="1398" name="꺾인 연결선[E] 1397">
+            <a:extLst>
+              <a:ext uri="{FF2B5EF4-FFF2-40B4-BE49-F238E27FC236}">
+                <a16:creationId xmlns:a16="http://schemas.microsoft.com/office/drawing/2014/main" id="{E6CB37D0-D5AA-DD89-6C4A-81BA1F09DC2C}"/>
+              </a:ext>
+            </a:extLst>
+          </p:cNvPr>
+          <p:cNvCxnSpPr>
+            <a:cxnSpLocks/>
+            <a:stCxn id="1054" idx="1"/>
+            <a:endCxn id="48" idx="3"/>
+          </p:cNvCxnSpPr>
+          <p:nvPr/>
+        </p:nvCxnSpPr>
+        <p:spPr>
+          <a:xfrm rot="10800000">
+            <a:off x="10484087" y="6972051"/>
+            <a:ext cx="1321746" cy="286853"/>
+          </a:xfrm>
+          <a:prstGeom prst="bentConnector3">
+            <a:avLst>
+              <a:gd name="adj1" fmla="val 6232"/>
+            </a:avLst>
+          </a:prstGeom>
+        </p:spPr>
+        <p:style>
+          <a:lnRef idx="2">
+            <a:schemeClr val="accent1"/>
+          </a:lnRef>
+          <a:fillRef idx="0">
+            <a:schemeClr val="accent1"/>
+          </a:fillRef>
+          <a:effectRef idx="1">
+            <a:schemeClr val="accent1"/>
+          </a:effectRef>
+          <a:fontRef idx="minor">
+            <a:schemeClr val="tx1"/>
+          </a:fontRef>
+        </p:style>
+      </p:cxnSp>
+      <p:cxnSp>
+        <p:nvCxnSpPr>
+          <p:cNvPr id="1404" name="꺾인 연결선[E] 1403">
+            <a:extLst>
+              <a:ext uri="{FF2B5EF4-FFF2-40B4-BE49-F238E27FC236}">
+                <a16:creationId xmlns:a16="http://schemas.microsoft.com/office/drawing/2014/main" id="{A6CB1323-9FDC-0599-FB8D-1C4E800DDA81}"/>
+              </a:ext>
+            </a:extLst>
+          </p:cNvPr>
+          <p:cNvCxnSpPr>
+            <a:cxnSpLocks/>
+            <a:stCxn id="9" idx="3"/>
+            <a:endCxn id="18" idx="1"/>
+          </p:cNvCxnSpPr>
+          <p:nvPr/>
+        </p:nvCxnSpPr>
+        <p:spPr>
+          <a:xfrm>
+            <a:off x="13001380" y="5278856"/>
+            <a:ext cx="4070267" cy="441186"/>
+          </a:xfrm>
+          <a:prstGeom prst="bentConnector3">
+            <a:avLst>
+              <a:gd name="adj1" fmla="val 3168"/>
+            </a:avLst>
+          </a:prstGeom>
+        </p:spPr>
+        <p:style>
+          <a:lnRef idx="2">
+            <a:schemeClr val="accent1"/>
+          </a:lnRef>
+          <a:fillRef idx="0">
+            <a:schemeClr val="accent1"/>
+          </a:fillRef>
+          <a:effectRef idx="1">
+            <a:schemeClr val="accent1"/>
+          </a:effectRef>
+          <a:fontRef idx="minor">
+            <a:schemeClr val="tx1"/>
+          </a:fontRef>
+        </p:style>
+      </p:cxnSp>
+      <p:cxnSp>
+        <p:nvCxnSpPr>
+          <p:cNvPr id="1407" name="꺾인 연결선[E] 1406">
+            <a:extLst>
+              <a:ext uri="{FF2B5EF4-FFF2-40B4-BE49-F238E27FC236}">
+                <a16:creationId xmlns:a16="http://schemas.microsoft.com/office/drawing/2014/main" id="{13FF1740-66AD-2F9D-E312-C9387508257C}"/>
+              </a:ext>
+            </a:extLst>
+          </p:cNvPr>
+          <p:cNvCxnSpPr>
+            <a:cxnSpLocks/>
+            <a:stCxn id="7" idx="3"/>
+            <a:endCxn id="18" idx="1"/>
+          </p:cNvCxnSpPr>
+          <p:nvPr/>
+        </p:nvCxnSpPr>
+        <p:spPr>
+          <a:xfrm>
+            <a:off x="13008942" y="5603198"/>
+            <a:ext cx="4062705" cy="116844"/>
+          </a:xfrm>
+          <a:prstGeom prst="bentConnector3">
+            <a:avLst>
+              <a:gd name="adj1" fmla="val 3030"/>
+            </a:avLst>
+          </a:prstGeom>
+        </p:spPr>
+        <p:style>
+          <a:lnRef idx="2">
+            <a:schemeClr val="accent1"/>
+          </a:lnRef>
+          <a:fillRef idx="0">
+            <a:schemeClr val="accent1"/>
+          </a:fillRef>
+          <a:effectRef idx="1">
+            <a:schemeClr val="accent1"/>
+          </a:effectRef>
+          <a:fontRef idx="minor">
+            <a:schemeClr val="tx1"/>
+          </a:fontRef>
+        </p:style>
+      </p:cxnSp>
+      <p:cxnSp>
+        <p:nvCxnSpPr>
+          <p:cNvPr id="1410" name="꺾인 연결선[E] 1409">
+            <a:extLst>
+              <a:ext uri="{FF2B5EF4-FFF2-40B4-BE49-F238E27FC236}">
+                <a16:creationId xmlns:a16="http://schemas.microsoft.com/office/drawing/2014/main" id="{2AD31820-4914-7960-6614-D830081E061D}"/>
+              </a:ext>
+            </a:extLst>
+          </p:cNvPr>
+          <p:cNvCxnSpPr>
+            <a:cxnSpLocks/>
+            <a:stCxn id="2" idx="3"/>
+            <a:endCxn id="18" idx="1"/>
+          </p:cNvCxnSpPr>
+          <p:nvPr/>
+        </p:nvCxnSpPr>
+        <p:spPr>
+          <a:xfrm flipV="1">
+            <a:off x="13007061" y="5720042"/>
+            <a:ext cx="4064586" cy="188729"/>
+          </a:xfrm>
+          <a:prstGeom prst="bentConnector3">
+            <a:avLst>
+              <a:gd name="adj1" fmla="val 3173"/>
+            </a:avLst>
+          </a:prstGeom>
+        </p:spPr>
+        <p:style>
+          <a:lnRef idx="2">
+            <a:schemeClr val="accent1"/>
+          </a:lnRef>
+          <a:fillRef idx="0">
+            <a:schemeClr val="accent1"/>
+          </a:fillRef>
+          <a:effectRef idx="1">
+            <a:schemeClr val="accent1"/>
+          </a:effectRef>
+          <a:fontRef idx="minor">
+            <a:schemeClr val="tx1"/>
+          </a:fontRef>
+        </p:style>
+      </p:cxnSp>
+      <p:cxnSp>
+        <p:nvCxnSpPr>
+          <p:cNvPr id="1466" name="꺾인 연결선[E] 1465">
+            <a:extLst>
+              <a:ext uri="{FF2B5EF4-FFF2-40B4-BE49-F238E27FC236}">
+                <a16:creationId xmlns:a16="http://schemas.microsoft.com/office/drawing/2014/main" id="{0CD098E9-0D26-937D-DB35-D974992EB817}"/>
+              </a:ext>
+            </a:extLst>
+          </p:cNvPr>
+          <p:cNvCxnSpPr>
+            <a:cxnSpLocks/>
+            <a:stCxn id="63" idx="2"/>
+            <a:endCxn id="1321" idx="0"/>
+          </p:cNvCxnSpPr>
+          <p:nvPr/>
+        </p:nvCxnSpPr>
+        <p:spPr>
+          <a:xfrm rot="5400000">
+            <a:off x="10903672" y="2162460"/>
+            <a:ext cx="569317" cy="2394073"/>
+          </a:xfrm>
+          <a:prstGeom prst="bentConnector3">
+            <a:avLst>
+              <a:gd name="adj1" fmla="val 50000"/>
+            </a:avLst>
+          </a:prstGeom>
+          <a:ln>
+            <a:solidFill>
+              <a:schemeClr val="accent5"/>
+            </a:solidFill>
+          </a:ln>
+        </p:spPr>
+        <p:style>
+          <a:lnRef idx="2">
+            <a:schemeClr val="accent1"/>
+          </a:lnRef>
+          <a:fillRef idx="0">
+            <a:schemeClr val="accent1"/>
+          </a:fillRef>
+          <a:effectRef idx="1">
+            <a:schemeClr val="accent1"/>
+          </a:effectRef>
+          <a:fontRef idx="minor">
+            <a:schemeClr val="tx1"/>
+          </a:fontRef>
+        </p:style>
+      </p:cxnSp>
+      <p:cxnSp>
+        <p:nvCxnSpPr>
+          <p:cNvPr id="1469" name="꺾인 연결선[E] 1468">
+            <a:extLst>
+              <a:ext uri="{FF2B5EF4-FFF2-40B4-BE49-F238E27FC236}">
+                <a16:creationId xmlns:a16="http://schemas.microsoft.com/office/drawing/2014/main" id="{B7283620-4C7C-7419-6B05-ED96FACE55B0}"/>
+              </a:ext>
+            </a:extLst>
+          </p:cNvPr>
+          <p:cNvCxnSpPr>
+            <a:cxnSpLocks/>
+            <a:stCxn id="1281" idx="0"/>
+            <a:endCxn id="63" idx="2"/>
+          </p:cNvCxnSpPr>
+          <p:nvPr/>
+        </p:nvCxnSpPr>
+        <p:spPr>
+          <a:xfrm rot="5400000" flipH="1" flipV="1">
+            <a:off x="12113531" y="3344521"/>
+            <a:ext cx="541517" cy="2153"/>
+          </a:xfrm>
+          <a:prstGeom prst="bentConnector3">
+            <a:avLst>
+              <a:gd name="adj1" fmla="val 50000"/>
+            </a:avLst>
+          </a:prstGeom>
+          <a:ln>
+            <a:solidFill>
+              <a:schemeClr val="accent5"/>
+            </a:solidFill>
+          </a:ln>
+        </p:spPr>
+        <p:style>
+          <a:lnRef idx="2">
+            <a:schemeClr val="accent1"/>
+          </a:lnRef>
+          <a:fillRef idx="0">
+            <a:schemeClr val="accent1"/>
+          </a:fillRef>
+          <a:effectRef idx="1">
+            <a:schemeClr val="accent1"/>
+          </a:effectRef>
+          <a:fontRef idx="minor">
+            <a:schemeClr val="tx1"/>
+          </a:fontRef>
+        </p:style>
+      </p:cxnSp>
+      <p:cxnSp>
+        <p:nvCxnSpPr>
+          <p:cNvPr id="1024" name="꺾인 연결선[E] 1023">
+            <a:extLst>
+              <a:ext uri="{FF2B5EF4-FFF2-40B4-BE49-F238E27FC236}">
+                <a16:creationId xmlns:a16="http://schemas.microsoft.com/office/drawing/2014/main" id="{FD03A196-F7E5-DA0C-885B-AD1D37B55149}"/>
+              </a:ext>
+            </a:extLst>
+          </p:cNvPr>
+          <p:cNvCxnSpPr>
+            <a:cxnSpLocks/>
+            <a:stCxn id="1365" idx="0"/>
+            <a:endCxn id="63" idx="2"/>
+          </p:cNvCxnSpPr>
+          <p:nvPr/>
+        </p:nvCxnSpPr>
+        <p:spPr>
+          <a:xfrm rot="16200000" flipV="1">
+            <a:off x="12714899" y="2745306"/>
+            <a:ext cx="1121923" cy="1780988"/>
+          </a:xfrm>
+          <a:prstGeom prst="bentConnector3">
+            <a:avLst>
+              <a:gd name="adj1" fmla="val 74563"/>
+            </a:avLst>
+          </a:prstGeom>
+          <a:ln>
+            <a:solidFill>
+              <a:schemeClr val="accent5"/>
+            </a:solidFill>
+          </a:ln>
+        </p:spPr>
+        <p:style>
+          <a:lnRef idx="2">
+            <a:schemeClr val="accent1"/>
+          </a:lnRef>
+          <a:fillRef idx="0">
+            <a:schemeClr val="accent1"/>
+          </a:fillRef>
+          <a:effectRef idx="1">
+            <a:schemeClr val="accent1"/>
+          </a:effectRef>
+          <a:fontRef idx="minor">
+            <a:schemeClr val="tx1"/>
+          </a:fontRef>
+        </p:style>
+      </p:cxnSp>
+      <p:cxnSp>
+        <p:nvCxnSpPr>
+          <p:cNvPr id="1031" name="꺾인 연결선[E] 1030">
+            <a:extLst>
+              <a:ext uri="{FF2B5EF4-FFF2-40B4-BE49-F238E27FC236}">
+                <a16:creationId xmlns:a16="http://schemas.microsoft.com/office/drawing/2014/main" id="{84D7F42F-4A79-1658-4C36-6CEDAEEFC88C}"/>
+              </a:ext>
+            </a:extLst>
+          </p:cNvPr>
+          <p:cNvCxnSpPr>
+            <a:cxnSpLocks/>
+            <a:stCxn id="19" idx="0"/>
+            <a:endCxn id="63" idx="2"/>
+          </p:cNvCxnSpPr>
+          <p:nvPr/>
+        </p:nvCxnSpPr>
+        <p:spPr>
+          <a:xfrm rot="16200000" flipV="1">
+            <a:off x="13740482" y="1719723"/>
+            <a:ext cx="2209007" cy="4919238"/>
+          </a:xfrm>
+          <a:prstGeom prst="bentConnector3">
+            <a:avLst>
+              <a:gd name="adj1" fmla="val 87225"/>
+            </a:avLst>
+          </a:prstGeom>
+          <a:ln>
+            <a:solidFill>
+              <a:schemeClr val="accent5"/>
+            </a:solidFill>
+          </a:ln>
+        </p:spPr>
+        <p:style>
+          <a:lnRef idx="2">
+            <a:schemeClr val="accent1"/>
+          </a:lnRef>
+          <a:fillRef idx="0">
+            <a:schemeClr val="accent1"/>
+          </a:fillRef>
+          <a:effectRef idx="1">
+            <a:schemeClr val="accent1"/>
+          </a:effectRef>
+          <a:fontRef idx="minor">
+            <a:schemeClr val="tx1"/>
+          </a:fontRef>
+        </p:style>
+      </p:cxnSp>
       <p:sp>
         <p:nvSpPr>
-          <p:cNvPr id="24" name="제목 1">
-            <a:extLst>
-              <a:ext uri="{FF2B5EF4-FFF2-40B4-BE49-F238E27FC236}">
-                <a16:creationId xmlns:a16="http://schemas.microsoft.com/office/drawing/2014/main" id="{F26C1E1A-00F8-52FD-9B29-C0DECBC994D6}"/>
+          <p:cNvPr id="1035" name="제목 1">
+            <a:extLst>
+              <a:ext uri="{FF2B5EF4-FFF2-40B4-BE49-F238E27FC236}">
+                <a16:creationId xmlns:a16="http://schemas.microsoft.com/office/drawing/2014/main" id="{71FF8702-FED6-127F-52F1-3D46423D98B5}"/>
               </a:ext>
             </a:extLst>
           </p:cNvPr>
@@ -11191,7 +11913,7 @@
         </p:nvSpPr>
         <p:spPr>
           <a:xfrm>
-            <a:off x="7766448" y="1639572"/>
+            <a:off x="11743721" y="2417764"/>
             <a:ext cx="1257659" cy="236354"/>
           </a:xfrm>
           <a:prstGeom prst="rect">
@@ -11224,12 +11946,20 @@
           <a:p>
             <a:pPr algn="ctr"/>
             <a:r>
+              <a:rPr kumimoji="1" lang="en-US" altLang="ko-KR" sz="900" b="1" dirty="0" err="1">
+                <a:latin typeface="KoPubWorldDotum Bold" pitchFamily="2" charset="-127"/>
+                <a:ea typeface="KoPubWorldDotum Bold" pitchFamily="2" charset="-127"/>
+                <a:cs typeface="KoPubWorldDotum Bold" pitchFamily="2" charset="-127"/>
+              </a:rPr>
+              <a:t>Cloudwatch</a:t>
+            </a:r>
+            <a:r>
               <a:rPr kumimoji="1" lang="en-US" altLang="ko-KR" sz="900" b="1" dirty="0">
                 <a:latin typeface="KoPubWorldDotum Bold" pitchFamily="2" charset="-127"/>
                 <a:ea typeface="KoPubWorldDotum Bold" pitchFamily="2" charset="-127"/>
                 <a:cs typeface="KoPubWorldDotum Bold" pitchFamily="2" charset="-127"/>
               </a:rPr>
-              <a:t>Athena</a:t>
+              <a:t> Logs</a:t>
             </a:r>
             <a:endParaRPr kumimoji="1" lang="ko-KR" altLang="en-US" sz="900" b="1" dirty="0">
               <a:latin typeface="KoPubWorldDotum Bold" pitchFamily="2" charset="-127"/>
@@ -11239,65 +11969,281 @@
           </a:p>
         </p:txBody>
       </p:sp>
+      <p:cxnSp>
+        <p:nvCxnSpPr>
+          <p:cNvPr id="1036" name="직선 화살표 연결선 1035">
+            <a:extLst>
+              <a:ext uri="{FF2B5EF4-FFF2-40B4-BE49-F238E27FC236}">
+                <a16:creationId xmlns:a16="http://schemas.microsoft.com/office/drawing/2014/main" id="{2468F6CF-A7E1-688D-B452-15AF2328A4E6}"/>
+              </a:ext>
+            </a:extLst>
+          </p:cNvPr>
+          <p:cNvCxnSpPr>
+            <a:cxnSpLocks/>
+            <a:stCxn id="63" idx="1"/>
+            <a:endCxn id="22" idx="3"/>
+          </p:cNvCxnSpPr>
+          <p:nvPr/>
+        </p:nvCxnSpPr>
+        <p:spPr>
+          <a:xfrm flipH="1">
+            <a:off x="8626349" y="2843767"/>
+            <a:ext cx="3527946" cy="2629"/>
+          </a:xfrm>
+          <a:prstGeom prst="straightConnector1">
+            <a:avLst/>
+          </a:prstGeom>
+          <a:ln>
+            <a:solidFill>
+              <a:schemeClr val="accent5"/>
+            </a:solidFill>
+            <a:headEnd type="none" w="med" len="med"/>
+            <a:tailEnd type="none" w="med" len="med"/>
+          </a:ln>
+        </p:spPr>
+        <p:style>
+          <a:lnRef idx="2">
+            <a:schemeClr val="accent1"/>
+          </a:lnRef>
+          <a:fillRef idx="0">
+            <a:schemeClr val="accent1"/>
+          </a:fillRef>
+          <a:effectRef idx="1">
+            <a:schemeClr val="accent1"/>
+          </a:effectRef>
+          <a:fontRef idx="minor">
+            <a:schemeClr val="tx1"/>
+          </a:fontRef>
+        </p:style>
+      </p:cxnSp>
+      <p:cxnSp>
+        <p:nvCxnSpPr>
+          <p:cNvPr id="1039" name="꺾인 연결선[E] 1038">
+            <a:extLst>
+              <a:ext uri="{FF2B5EF4-FFF2-40B4-BE49-F238E27FC236}">
+                <a16:creationId xmlns:a16="http://schemas.microsoft.com/office/drawing/2014/main" id="{3E7A12C3-2FBF-42E1-4C22-15FC7768F23E}"/>
+              </a:ext>
+            </a:extLst>
+          </p:cNvPr>
+          <p:cNvCxnSpPr>
+            <a:cxnSpLocks/>
+            <a:stCxn id="22" idx="1"/>
+            <a:endCxn id="29" idx="3"/>
+          </p:cNvCxnSpPr>
+          <p:nvPr/>
+        </p:nvCxnSpPr>
+        <p:spPr>
+          <a:xfrm rot="10800000" flipV="1">
+            <a:off x="6546677" y="2846395"/>
+            <a:ext cx="1617531" cy="1915385"/>
+          </a:xfrm>
+          <a:prstGeom prst="bentConnector3">
+            <a:avLst>
+              <a:gd name="adj1" fmla="val 76893"/>
+            </a:avLst>
+          </a:prstGeom>
+          <a:ln>
+            <a:solidFill>
+              <a:schemeClr val="accent5"/>
+            </a:solidFill>
+          </a:ln>
+        </p:spPr>
+        <p:style>
+          <a:lnRef idx="2">
+            <a:schemeClr val="accent1"/>
+          </a:lnRef>
+          <a:fillRef idx="0">
+            <a:schemeClr val="accent1"/>
+          </a:fillRef>
+          <a:effectRef idx="1">
+            <a:schemeClr val="accent1"/>
+          </a:effectRef>
+          <a:fontRef idx="minor">
+            <a:schemeClr val="tx1"/>
+          </a:fontRef>
+        </p:style>
+      </p:cxnSp>
+      <p:cxnSp>
+        <p:nvCxnSpPr>
+          <p:cNvPr id="16" name="꺾인 연결선[E] 15">
+            <a:extLst>
+              <a:ext uri="{FF2B5EF4-FFF2-40B4-BE49-F238E27FC236}">
+                <a16:creationId xmlns:a16="http://schemas.microsoft.com/office/drawing/2014/main" id="{3DAC308B-8DEB-DB98-BB79-DD4CC91C5F68}"/>
+              </a:ext>
+            </a:extLst>
+          </p:cNvPr>
+          <p:cNvCxnSpPr>
+            <a:cxnSpLocks/>
+            <a:stCxn id="26" idx="3"/>
+            <a:endCxn id="18" idx="1"/>
+          </p:cNvCxnSpPr>
+          <p:nvPr/>
+        </p:nvCxnSpPr>
+        <p:spPr>
+          <a:xfrm flipV="1">
+            <a:off x="13007061" y="5720042"/>
+            <a:ext cx="4064586" cy="496054"/>
+          </a:xfrm>
+          <a:prstGeom prst="bentConnector3">
+            <a:avLst>
+              <a:gd name="adj1" fmla="val 3109"/>
+            </a:avLst>
+          </a:prstGeom>
+        </p:spPr>
+        <p:style>
+          <a:lnRef idx="2">
+            <a:schemeClr val="accent1"/>
+          </a:lnRef>
+          <a:fillRef idx="0">
+            <a:schemeClr val="accent1"/>
+          </a:fillRef>
+          <a:effectRef idx="1">
+            <a:schemeClr val="accent1"/>
+          </a:effectRef>
+          <a:fontRef idx="minor">
+            <a:schemeClr val="tx1"/>
+          </a:fontRef>
+        </p:style>
+      </p:cxnSp>
+      <p:cxnSp>
+        <p:nvCxnSpPr>
+          <p:cNvPr id="1345" name="직선 화살표 연결선 1344">
+            <a:extLst>
+              <a:ext uri="{FF2B5EF4-FFF2-40B4-BE49-F238E27FC236}">
+                <a16:creationId xmlns:a16="http://schemas.microsoft.com/office/drawing/2014/main" id="{6FE09CF8-E4D9-FD95-582E-CD8BA2E71A4C}"/>
+              </a:ext>
+            </a:extLst>
+          </p:cNvPr>
+          <p:cNvCxnSpPr>
+            <a:cxnSpLocks/>
+            <a:stCxn id="55" idx="2"/>
+            <a:endCxn id="47" idx="0"/>
+          </p:cNvCxnSpPr>
+          <p:nvPr/>
+        </p:nvCxnSpPr>
+        <p:spPr>
+          <a:xfrm>
+            <a:off x="6929228" y="5882123"/>
+            <a:ext cx="6220" cy="614824"/>
+          </a:xfrm>
+          <a:prstGeom prst="straightConnector1">
+            <a:avLst/>
+          </a:prstGeom>
+          <a:ln>
+            <a:headEnd type="none" w="med" len="med"/>
+            <a:tailEnd type="none" w="med" len="med"/>
+          </a:ln>
+        </p:spPr>
+        <p:style>
+          <a:lnRef idx="2">
+            <a:schemeClr val="accent1"/>
+          </a:lnRef>
+          <a:fillRef idx="0">
+            <a:schemeClr val="accent1"/>
+          </a:fillRef>
+          <a:effectRef idx="1">
+            <a:schemeClr val="accent1"/>
+          </a:effectRef>
+          <a:fontRef idx="minor">
+            <a:schemeClr val="tx1"/>
+          </a:fontRef>
+        </p:style>
+      </p:cxnSp>
+      <p:cxnSp>
+        <p:nvCxnSpPr>
+          <p:cNvPr id="1389" name="꺾인 연결선[E] 1388">
+            <a:extLst>
+              <a:ext uri="{FF2B5EF4-FFF2-40B4-BE49-F238E27FC236}">
+                <a16:creationId xmlns:a16="http://schemas.microsoft.com/office/drawing/2014/main" id="{72BE46B1-8A40-A66C-2FC6-12215484F9D9}"/>
+              </a:ext>
+            </a:extLst>
+          </p:cNvPr>
+          <p:cNvCxnSpPr>
+            <a:cxnSpLocks/>
+            <a:stCxn id="18" idx="1"/>
+            <a:endCxn id="1402" idx="3"/>
+          </p:cNvCxnSpPr>
+          <p:nvPr/>
+        </p:nvCxnSpPr>
+        <p:spPr>
+          <a:xfrm rot="10800000" flipV="1">
+            <a:off x="15935163" y="5720041"/>
+            <a:ext cx="1136484" cy="773215"/>
+          </a:xfrm>
+          <a:prstGeom prst="bentConnector3">
+            <a:avLst>
+              <a:gd name="adj1" fmla="val 50000"/>
+            </a:avLst>
+          </a:prstGeom>
+        </p:spPr>
+        <p:style>
+          <a:lnRef idx="2">
+            <a:schemeClr val="accent1"/>
+          </a:lnRef>
+          <a:fillRef idx="0">
+            <a:schemeClr val="accent1"/>
+          </a:fillRef>
+          <a:effectRef idx="1">
+            <a:schemeClr val="accent1"/>
+          </a:effectRef>
+          <a:fontRef idx="minor">
+            <a:schemeClr val="tx1"/>
+          </a:fontRef>
+        </p:style>
+      </p:cxnSp>
+      <p:pic>
+        <p:nvPicPr>
+          <p:cNvPr id="1394" name="Picture 2" descr="Amazon Bedrock Connector - Overview (O11) | OutSystems">
+            <a:extLst>
+              <a:ext uri="{FF2B5EF4-FFF2-40B4-BE49-F238E27FC236}">
+                <a16:creationId xmlns:a16="http://schemas.microsoft.com/office/drawing/2014/main" id="{D76A8403-AB59-5F56-F93D-3436F3ECAE2C}"/>
+              </a:ext>
+            </a:extLst>
+          </p:cNvPr>
+          <p:cNvPicPr>
+            <a:picLocks noChangeAspect="1" noChangeArrowheads="1"/>
+          </p:cNvPicPr>
+          <p:nvPr/>
+        </p:nvPicPr>
+        <p:blipFill>
+          <a:blip r:embed="rId19">
+            <a:extLst>
+              <a:ext uri="{28A0092B-C50C-407E-A947-70E740481C1C}">
+                <a14:useLocalDpi xmlns:a14="http://schemas.microsoft.com/office/drawing/2010/main" val="0"/>
+              </a:ext>
+            </a:extLst>
+          </a:blip>
+          <a:srcRect/>
+          <a:stretch>
+            <a:fillRect/>
+          </a:stretch>
+        </p:blipFill>
+        <p:spPr bwMode="auto">
+          <a:xfrm>
+            <a:off x="13886555" y="7064514"/>
+            <a:ext cx="465430" cy="465430"/>
+          </a:xfrm>
+          <a:prstGeom prst="rect">
+            <a:avLst/>
+          </a:prstGeom>
+          <a:noFill/>
+          <a:extLst>
+            <a:ext uri="{909E8E84-426E-40DD-AFC4-6F175D3DCCD1}">
+              <a14:hiddenFill xmlns:a14="http://schemas.microsoft.com/office/drawing/2010/main">
+                <a:solidFill>
+                  <a:srgbClr val="FFFFFF"/>
+                </a:solidFill>
+              </a14:hiddenFill>
+            </a:ext>
+          </a:extLst>
+        </p:spPr>
+      </p:pic>
       <p:sp>
         <p:nvSpPr>
-          <p:cNvPr id="25" name="직사각형 24">
-            <a:extLst>
-              <a:ext uri="{FF2B5EF4-FFF2-40B4-BE49-F238E27FC236}">
-                <a16:creationId xmlns:a16="http://schemas.microsoft.com/office/drawing/2014/main" id="{D9506844-BED0-1286-314E-61B7A01B1904}"/>
-              </a:ext>
-            </a:extLst>
-          </p:cNvPr>
-          <p:cNvSpPr/>
-          <p:nvPr/>
-        </p:nvSpPr>
-        <p:spPr>
-          <a:xfrm>
-            <a:off x="5330216" y="4161689"/>
-            <a:ext cx="1997897" cy="700696"/>
-          </a:xfrm>
-          <a:prstGeom prst="rect">
-            <a:avLst/>
-          </a:prstGeom>
-          <a:noFill/>
-          <a:ln>
-            <a:solidFill>
-              <a:srgbClr val="156082"/>
-            </a:solidFill>
-            <a:prstDash val="sysDash"/>
-          </a:ln>
-        </p:spPr>
-        <p:style>
-          <a:lnRef idx="2">
-            <a:schemeClr val="accent1">
-              <a:shade val="15000"/>
-            </a:schemeClr>
-          </a:lnRef>
-          <a:fillRef idx="1">
-            <a:schemeClr val="accent1"/>
-          </a:fillRef>
-          <a:effectRef idx="0">
-            <a:schemeClr val="accent1"/>
-          </a:effectRef>
-          <a:fontRef idx="minor">
-            <a:schemeClr val="lt1"/>
-          </a:fontRef>
-        </p:style>
-        <p:txBody>
-          <a:bodyPr rtlCol="0" anchor="ctr"/>
-          <a:lstStyle/>
-          <a:p>
-            <a:pPr algn="ctr"/>
-            <a:endParaRPr kumimoji="1" lang="ko-KR" altLang="en-US" sz="900"/>
-          </a:p>
-        </p:txBody>
-      </p:sp>
-      <p:sp>
-        <p:nvSpPr>
-          <p:cNvPr id="29" name="제목 1">
-            <a:extLst>
-              <a:ext uri="{FF2B5EF4-FFF2-40B4-BE49-F238E27FC236}">
-                <a16:creationId xmlns:a16="http://schemas.microsoft.com/office/drawing/2014/main" id="{A7EC2B79-50AE-8C30-7BE5-484D3CCB1FD2}"/>
+          <p:cNvPr id="1396" name="제목 1">
+            <a:extLst>
+              <a:ext uri="{FF2B5EF4-FFF2-40B4-BE49-F238E27FC236}">
+                <a16:creationId xmlns:a16="http://schemas.microsoft.com/office/drawing/2014/main" id="{10EE7717-755C-1773-74F1-D8482F0EA898}"/>
               </a:ext>
             </a:extLst>
           </p:cNvPr>
@@ -11308,15 +12254,12 @@
         </p:nvSpPr>
         <p:spPr>
           <a:xfrm>
-            <a:off x="6034294" y="4310377"/>
-            <a:ext cx="512382" cy="387771"/>
+            <a:off x="13758902" y="6836861"/>
+            <a:ext cx="739201" cy="267998"/>
           </a:xfrm>
           <a:prstGeom prst="rect">
             <a:avLst/>
           </a:prstGeom>
-          <a:solidFill>
-            <a:srgbClr val="156082"/>
-          </a:solidFill>
         </p:spPr>
         <p:txBody>
           <a:bodyPr vert="horz" lIns="91440" tIns="45720" rIns="91440" bIns="45720" rtlCol="0" anchor="ctr">
@@ -11345,19 +12288,13 @@
             <a:pPr algn="ctr"/>
             <a:r>
               <a:rPr kumimoji="1" lang="en-US" altLang="ko-KR" sz="900" b="1" dirty="0">
-                <a:solidFill>
-                  <a:schemeClr val="bg1"/>
-                </a:solidFill>
                 <a:latin typeface="KoPubWorldDotum Bold" pitchFamily="2" charset="-127"/>
                 <a:ea typeface="KoPubWorldDotum Bold" pitchFamily="2" charset="-127"/>
                 <a:cs typeface="KoPubWorldDotum Bold" pitchFamily="2" charset="-127"/>
               </a:rPr>
-              <a:t>logs</a:t>
+              <a:t>Bedrock</a:t>
             </a:r>
             <a:endParaRPr kumimoji="1" lang="ko-KR" altLang="en-US" sz="900" b="1" dirty="0">
-              <a:solidFill>
-                <a:schemeClr val="bg1"/>
-              </a:solidFill>
               <a:latin typeface="KoPubWorldDotum Bold" pitchFamily="2" charset="-127"/>
               <a:ea typeface="KoPubWorldDotum Bold" pitchFamily="2" charset="-127"/>
               <a:cs typeface="KoPubWorldDotum Bold" pitchFamily="2" charset="-127"/>
@@ -11365,209 +12302,12 @@
           </a:p>
         </p:txBody>
       </p:sp>
-      <p:cxnSp>
-        <p:nvCxnSpPr>
-          <p:cNvPr id="10" name="꺾인 연결선[E] 9">
-            <a:extLst>
-              <a:ext uri="{FF2B5EF4-FFF2-40B4-BE49-F238E27FC236}">
-                <a16:creationId xmlns:a16="http://schemas.microsoft.com/office/drawing/2014/main" id="{2D29D2D6-87F4-C7B4-E26C-5D92C501ECF4}"/>
-              </a:ext>
-            </a:extLst>
-          </p:cNvPr>
-          <p:cNvCxnSpPr>
-            <a:cxnSpLocks/>
-            <a:stCxn id="58" idx="1"/>
-            <a:endCxn id="1387" idx="3"/>
-          </p:cNvCxnSpPr>
-          <p:nvPr/>
-        </p:nvCxnSpPr>
-        <p:spPr>
-          <a:xfrm rot="10800000">
-            <a:off x="7330717" y="5656946"/>
-            <a:ext cx="2203813" cy="77527"/>
-          </a:xfrm>
-          <a:prstGeom prst="bentConnector3">
-            <a:avLst>
-              <a:gd name="adj1" fmla="val 4495"/>
-            </a:avLst>
-          </a:prstGeom>
-        </p:spPr>
-        <p:style>
-          <a:lnRef idx="2">
-            <a:schemeClr val="accent1"/>
-          </a:lnRef>
-          <a:fillRef idx="0">
-            <a:schemeClr val="accent1"/>
-          </a:fillRef>
-          <a:effectRef idx="1">
-            <a:schemeClr val="accent1"/>
-          </a:effectRef>
-          <a:fontRef idx="minor">
-            <a:schemeClr val="tx1"/>
-          </a:fontRef>
-        </p:style>
-      </p:cxnSp>
-      <p:cxnSp>
-        <p:nvCxnSpPr>
-          <p:cNvPr id="21" name="꺾인 연결선[E] 20">
-            <a:extLst>
-              <a:ext uri="{FF2B5EF4-FFF2-40B4-BE49-F238E27FC236}">
-                <a16:creationId xmlns:a16="http://schemas.microsoft.com/office/drawing/2014/main" id="{9F0380B2-BCFC-D739-F160-C58614F63999}"/>
-              </a:ext>
-            </a:extLst>
-          </p:cNvPr>
-          <p:cNvCxnSpPr>
-            <a:cxnSpLocks/>
-            <a:stCxn id="48" idx="1"/>
-            <a:endCxn id="1387" idx="3"/>
-          </p:cNvCxnSpPr>
-          <p:nvPr/>
-        </p:nvCxnSpPr>
-        <p:spPr>
-          <a:xfrm rot="10800000">
-            <a:off x="7330716" y="5656946"/>
-            <a:ext cx="2185492" cy="1315105"/>
-          </a:xfrm>
-          <a:prstGeom prst="bentConnector3">
-            <a:avLst>
-              <a:gd name="adj1" fmla="val 3554"/>
-            </a:avLst>
-          </a:prstGeom>
-        </p:spPr>
-        <p:style>
-          <a:lnRef idx="2">
-            <a:schemeClr val="accent1"/>
-          </a:lnRef>
-          <a:fillRef idx="0">
-            <a:schemeClr val="accent1"/>
-          </a:fillRef>
-          <a:effectRef idx="1">
-            <a:schemeClr val="accent1"/>
-          </a:effectRef>
-          <a:fontRef idx="minor">
-            <a:schemeClr val="tx1"/>
-          </a:fontRef>
-        </p:style>
-      </p:cxnSp>
-      <p:cxnSp>
-        <p:nvCxnSpPr>
-          <p:cNvPr id="35" name="꺾인 연결선[E] 34">
-            <a:extLst>
-              <a:ext uri="{FF2B5EF4-FFF2-40B4-BE49-F238E27FC236}">
-                <a16:creationId xmlns:a16="http://schemas.microsoft.com/office/drawing/2014/main" id="{785E2163-03A4-C769-BACC-C8EFA654FFDD}"/>
-              </a:ext>
-            </a:extLst>
-          </p:cNvPr>
-          <p:cNvCxnSpPr>
-            <a:cxnSpLocks/>
-            <a:stCxn id="1368" idx="1"/>
-            <a:endCxn id="1387" idx="3"/>
-          </p:cNvCxnSpPr>
-          <p:nvPr/>
-        </p:nvCxnSpPr>
-        <p:spPr>
-          <a:xfrm rot="10800000" flipV="1">
-            <a:off x="7330717" y="4628843"/>
-            <a:ext cx="2185491" cy="1028102"/>
-          </a:xfrm>
-          <a:prstGeom prst="bentConnector3">
-            <a:avLst>
-              <a:gd name="adj1" fmla="val 3512"/>
-            </a:avLst>
-          </a:prstGeom>
-        </p:spPr>
-        <p:style>
-          <a:lnRef idx="2">
-            <a:schemeClr val="accent1"/>
-          </a:lnRef>
-          <a:fillRef idx="0">
-            <a:schemeClr val="accent1"/>
-          </a:fillRef>
-          <a:effectRef idx="1">
-            <a:schemeClr val="accent1"/>
-          </a:effectRef>
-          <a:fontRef idx="minor">
-            <a:schemeClr val="tx1"/>
-          </a:fontRef>
-        </p:style>
-      </p:cxnSp>
-      <p:cxnSp>
-        <p:nvCxnSpPr>
-          <p:cNvPr id="46" name="꺾인 연결선[E] 45">
-            <a:extLst>
-              <a:ext uri="{FF2B5EF4-FFF2-40B4-BE49-F238E27FC236}">
-                <a16:creationId xmlns:a16="http://schemas.microsoft.com/office/drawing/2014/main" id="{73601330-F47C-B76E-4E47-FEC090DDEB75}"/>
-              </a:ext>
-            </a:extLst>
-          </p:cNvPr>
-          <p:cNvCxnSpPr>
-            <a:cxnSpLocks/>
-            <a:endCxn id="1387" idx="3"/>
-          </p:cNvCxnSpPr>
-          <p:nvPr/>
-        </p:nvCxnSpPr>
-        <p:spPr>
-          <a:xfrm rot="5400000">
-            <a:off x="6951291" y="4193780"/>
-            <a:ext cx="1842590" cy="1083740"/>
-          </a:xfrm>
-          <a:prstGeom prst="bentConnector2">
-            <a:avLst/>
-          </a:prstGeom>
-        </p:spPr>
-        <p:style>
-          <a:lnRef idx="2">
-            <a:schemeClr val="accent1"/>
-          </a:lnRef>
-          <a:fillRef idx="0">
-            <a:schemeClr val="accent1"/>
-          </a:fillRef>
-          <a:effectRef idx="1">
-            <a:schemeClr val="accent1"/>
-          </a:effectRef>
-          <a:fontRef idx="minor">
-            <a:schemeClr val="tx1"/>
-          </a:fontRef>
-        </p:style>
-      </p:cxnSp>
-      <p:pic>
-        <p:nvPicPr>
-          <p:cNvPr id="1364" name="그림 1363">
-            <a:extLst>
-              <a:ext uri="{FF2B5EF4-FFF2-40B4-BE49-F238E27FC236}">
-                <a16:creationId xmlns:a16="http://schemas.microsoft.com/office/drawing/2014/main" id="{341488FF-93C0-A601-6CE8-363A04D1A25A}"/>
-              </a:ext>
-            </a:extLst>
-          </p:cNvPr>
-          <p:cNvPicPr>
-            <a:picLocks noChangeAspect="1"/>
-          </p:cNvPicPr>
-          <p:nvPr/>
-        </p:nvPicPr>
-        <p:blipFill>
-          <a:blip r:embed="rId20">
-            <a:alphaModFix/>
-          </a:blip>
-          <a:stretch>
-            <a:fillRect/>
-          </a:stretch>
-        </p:blipFill>
-        <p:spPr>
-          <a:xfrm>
-            <a:off x="13953785" y="4399078"/>
-            <a:ext cx="461327" cy="461327"/>
-          </a:xfrm>
-          <a:prstGeom prst="rect">
-            <a:avLst/>
-          </a:prstGeom>
-        </p:spPr>
-      </p:pic>
       <p:sp>
         <p:nvSpPr>
-          <p:cNvPr id="1365" name="제목 1">
-            <a:extLst>
-              <a:ext uri="{FF2B5EF4-FFF2-40B4-BE49-F238E27FC236}">
-                <a16:creationId xmlns:a16="http://schemas.microsoft.com/office/drawing/2014/main" id="{EF62E46B-C322-4C4A-78D7-78862F5A2CC2}"/>
+          <p:cNvPr id="1397" name="제목 1">
+            <a:extLst>
+              <a:ext uri="{FF2B5EF4-FFF2-40B4-BE49-F238E27FC236}">
+                <a16:creationId xmlns:a16="http://schemas.microsoft.com/office/drawing/2014/main" id="{5F0DBADA-6E28-A6A2-8134-D353F321B803}"/>
               </a:ext>
             </a:extLst>
           </p:cNvPr>
@@ -11578,8 +12318,8 @@
         </p:nvSpPr>
         <p:spPr>
           <a:xfrm>
-            <a:off x="13480012" y="4196761"/>
-            <a:ext cx="1372683" cy="267998"/>
+            <a:off x="15032662" y="6843451"/>
+            <a:ext cx="1304524" cy="262033"/>
           </a:xfrm>
           <a:prstGeom prst="rect">
             <a:avLst/>
@@ -11616,41 +12356,22 @@
                 <a:ea typeface="KoPubWorldDotum Bold" pitchFamily="2" charset="-127"/>
                 <a:cs typeface="KoPubWorldDotum Bold" pitchFamily="2" charset="-127"/>
               </a:rPr>
-              <a:t>Cognito</a:t>
-            </a:r>
-            <a:r>
-              <a:rPr kumimoji="1" lang="ko-KR" altLang="en-US" sz="900" b="1" dirty="0">
-                <a:latin typeface="KoPubWorldDotum Bold" pitchFamily="2" charset="-127"/>
-                <a:ea typeface="KoPubWorldDotum Bold" pitchFamily="2" charset="-127"/>
-                <a:cs typeface="KoPubWorldDotum Bold" pitchFamily="2" charset="-127"/>
-              </a:rPr>
-              <a:t> </a:t>
-            </a:r>
-            <a:r>
-              <a:rPr kumimoji="1" lang="en-US" altLang="ko-KR" sz="900" b="1" dirty="0">
-                <a:latin typeface="KoPubWorldDotum Bold" pitchFamily="2" charset="-127"/>
-                <a:ea typeface="KoPubWorldDotum Bold" pitchFamily="2" charset="-127"/>
-                <a:cs typeface="KoPubWorldDotum Bold" pitchFamily="2" charset="-127"/>
-              </a:rPr>
-              <a:t>User Pool</a:t>
-            </a:r>
-            <a:r>
-              <a:rPr kumimoji="1" lang="ko-KR" altLang="en-US" sz="900" b="1" dirty="0">
-                <a:latin typeface="KoPubWorldDotum Bold" pitchFamily="2" charset="-127"/>
-                <a:ea typeface="KoPubWorldDotum Bold" pitchFamily="2" charset="-127"/>
-                <a:cs typeface="KoPubWorldDotum Bold" pitchFamily="2" charset="-127"/>
-              </a:rPr>
-              <a:t> </a:t>
-            </a:r>
+              <a:t>Claude 3 Haiku</a:t>
+            </a:r>
+            <a:endParaRPr kumimoji="1" lang="ko-KR" altLang="en-US" sz="900" b="1" dirty="0">
+              <a:latin typeface="KoPubWorldDotum Bold" pitchFamily="2" charset="-127"/>
+              <a:ea typeface="KoPubWorldDotum Bold" pitchFamily="2" charset="-127"/>
+              <a:cs typeface="KoPubWorldDotum Bold" pitchFamily="2" charset="-127"/>
+            </a:endParaRPr>
           </a:p>
         </p:txBody>
       </p:sp>
       <p:pic>
         <p:nvPicPr>
-          <p:cNvPr id="1366" name="Picture 2" descr="JavaScript | Kakao Developers 문서">
-            <a:extLst>
-              <a:ext uri="{FF2B5EF4-FFF2-40B4-BE49-F238E27FC236}">
-                <a16:creationId xmlns:a16="http://schemas.microsoft.com/office/drawing/2014/main" id="{D9183634-D7D8-68FC-36F7-82A39535D445}"/>
+          <p:cNvPr id="1399" name="Picture 2" descr="The AI wars heat up with Claude 3, claimed to have “near-human” abilities |  Ars Technica">
+            <a:extLst>
+              <a:ext uri="{FF2B5EF4-FFF2-40B4-BE49-F238E27FC236}">
+                <a16:creationId xmlns:a16="http://schemas.microsoft.com/office/drawing/2014/main" id="{53463989-5D77-4C43-13E9-6CCFC135E486}"/>
               </a:ext>
             </a:extLst>
           </p:cNvPr>
@@ -11660,20 +12381,20 @@
           <p:nvPr/>
         </p:nvPicPr>
         <p:blipFill rotWithShape="1">
-          <a:blip r:embed="rId21">
+          <a:blip r:embed="rId20">
             <a:extLst>
               <a:ext uri="{28A0092B-C50C-407E-A947-70E740481C1C}">
                 <a14:useLocalDpi xmlns:a14="http://schemas.microsoft.com/office/drawing/2010/main" val="0"/>
               </a:ext>
             </a:extLst>
           </a:blip>
-          <a:srcRect l="35001" t="35938" r="20859" b="37167"/>
+          <a:srcRect l="28567" t="10984" r="29591" b="14630"/>
           <a:stretch/>
         </p:blipFill>
         <p:spPr bwMode="auto">
           <a:xfrm>
-            <a:off x="15443293" y="4463086"/>
-            <a:ext cx="649591" cy="333312"/>
+            <a:off x="15469733" y="7064423"/>
+            <a:ext cx="465430" cy="465430"/>
           </a:xfrm>
           <a:prstGeom prst="rect">
             <a:avLst/>
@@ -11690,12 +12411,56 @@
           </a:extLst>
         </p:spPr>
       </p:pic>
+      <p:cxnSp>
+        <p:nvCxnSpPr>
+          <p:cNvPr id="1400" name="직선 화살표 연결선 1399">
+            <a:extLst>
+              <a:ext uri="{FF2B5EF4-FFF2-40B4-BE49-F238E27FC236}">
+                <a16:creationId xmlns:a16="http://schemas.microsoft.com/office/drawing/2014/main" id="{994F1499-F788-38F8-F254-DEF95FBBC516}"/>
+              </a:ext>
+            </a:extLst>
+          </p:cNvPr>
+          <p:cNvCxnSpPr>
+            <a:cxnSpLocks/>
+            <a:stCxn id="1399" idx="1"/>
+            <a:endCxn id="1394" idx="3"/>
+          </p:cNvCxnSpPr>
+          <p:nvPr/>
+        </p:nvCxnSpPr>
+        <p:spPr>
+          <a:xfrm flipH="1">
+            <a:off x="14351985" y="7297138"/>
+            <a:ext cx="1117748" cy="91"/>
+          </a:xfrm>
+          <a:prstGeom prst="straightConnector1">
+            <a:avLst/>
+          </a:prstGeom>
+          <a:ln>
+            <a:headEnd type="none" w="med" len="med"/>
+            <a:tailEnd type="none" w="med" len="med"/>
+          </a:ln>
+        </p:spPr>
+        <p:style>
+          <a:lnRef idx="2">
+            <a:schemeClr val="accent1"/>
+          </a:lnRef>
+          <a:fillRef idx="0">
+            <a:schemeClr val="accent1"/>
+          </a:fillRef>
+          <a:effectRef idx="1">
+            <a:schemeClr val="accent1"/>
+          </a:effectRef>
+          <a:fontRef idx="minor">
+            <a:schemeClr val="tx1"/>
+          </a:fontRef>
+        </p:style>
+      </p:cxnSp>
       <p:sp>
         <p:nvSpPr>
-          <p:cNvPr id="1367" name="제목 1">
-            <a:extLst>
-              <a:ext uri="{FF2B5EF4-FFF2-40B4-BE49-F238E27FC236}">
-                <a16:creationId xmlns:a16="http://schemas.microsoft.com/office/drawing/2014/main" id="{BFC37B5B-63E9-32E3-3DC1-B5B458412B4A}"/>
+          <p:cNvPr id="1401" name="제목 1">
+            <a:extLst>
+              <a:ext uri="{FF2B5EF4-FFF2-40B4-BE49-F238E27FC236}">
+                <a16:creationId xmlns:a16="http://schemas.microsoft.com/office/drawing/2014/main" id="{7AFCC29E-F4C4-7F16-F51E-1940D08D258F}"/>
               </a:ext>
             </a:extLst>
           </p:cNvPr>
@@ -11706,8 +12471,8 @@
         </p:nvSpPr>
         <p:spPr>
           <a:xfrm>
-            <a:off x="14942127" y="4171482"/>
-            <a:ext cx="1651921" cy="267998"/>
+            <a:off x="15037028" y="6044246"/>
+            <a:ext cx="1304524" cy="262033"/>
           </a:xfrm>
           <a:prstGeom prst="rect">
             <a:avLst/>
@@ -11744,17 +12509,83 @@
                 <a:ea typeface="KoPubWorldDotum Bold" pitchFamily="2" charset="-127"/>
                 <a:cs typeface="KoPubWorldDotum Bold" pitchFamily="2" charset="-127"/>
               </a:rPr>
-              <a:t>Kakao Login OIDC</a:t>
-            </a:r>
+              <a:t>Claude 3.5 Sonnet</a:t>
+            </a:r>
+            <a:r>
+              <a:rPr kumimoji="1" lang="ko-KR" altLang="en-US" sz="900" b="1" dirty="0">
+                <a:latin typeface="KoPubWorldDotum Bold" pitchFamily="2" charset="-127"/>
+                <a:ea typeface="KoPubWorldDotum Bold" pitchFamily="2" charset="-127"/>
+                <a:cs typeface="KoPubWorldDotum Bold" pitchFamily="2" charset="-127"/>
+              </a:rPr>
+              <a:t> </a:t>
+            </a:r>
+            <a:r>
+              <a:rPr kumimoji="1" lang="en-US" altLang="ko-KR" sz="900" b="1" dirty="0">
+                <a:latin typeface="KoPubWorldDotum Bold" pitchFamily="2" charset="-127"/>
+                <a:ea typeface="KoPubWorldDotum Bold" pitchFamily="2" charset="-127"/>
+                <a:cs typeface="KoPubWorldDotum Bold" pitchFamily="2" charset="-127"/>
+              </a:rPr>
+              <a:t>V2</a:t>
+            </a:r>
+            <a:endParaRPr kumimoji="1" lang="ko-KR" altLang="en-US" sz="900" b="1" dirty="0">
+              <a:latin typeface="KoPubWorldDotum Bold" pitchFamily="2" charset="-127"/>
+              <a:ea typeface="KoPubWorldDotum Bold" pitchFamily="2" charset="-127"/>
+              <a:cs typeface="KoPubWorldDotum Bold" pitchFamily="2" charset="-127"/>
+            </a:endParaRPr>
           </a:p>
         </p:txBody>
       </p:sp>
+      <p:pic>
+        <p:nvPicPr>
+          <p:cNvPr id="1402" name="Picture 2" descr="The AI wars heat up with Claude 3, claimed to have “near-human” abilities |  Ars Technica">
+            <a:extLst>
+              <a:ext uri="{FF2B5EF4-FFF2-40B4-BE49-F238E27FC236}">
+                <a16:creationId xmlns:a16="http://schemas.microsoft.com/office/drawing/2014/main" id="{DE106FA1-FAB0-CC7A-1C9C-57E0F2AB60DA}"/>
+              </a:ext>
+            </a:extLst>
+          </p:cNvPr>
+          <p:cNvPicPr>
+            <a:picLocks noChangeAspect="1" noChangeArrowheads="1"/>
+          </p:cNvPicPr>
+          <p:nvPr/>
+        </p:nvPicPr>
+        <p:blipFill rotWithShape="1">
+          <a:blip r:embed="rId20">
+            <a:extLst>
+              <a:ext uri="{28A0092B-C50C-407E-A947-70E740481C1C}">
+                <a14:useLocalDpi xmlns:a14="http://schemas.microsoft.com/office/drawing/2010/main" val="0"/>
+              </a:ext>
+            </a:extLst>
+          </a:blip>
+          <a:srcRect l="28567" t="10984" r="29591" b="14630"/>
+          <a:stretch/>
+        </p:blipFill>
+        <p:spPr bwMode="auto">
+          <a:xfrm>
+            <a:off x="15469733" y="6260542"/>
+            <a:ext cx="465430" cy="465430"/>
+          </a:xfrm>
+          <a:prstGeom prst="rect">
+            <a:avLst/>
+          </a:prstGeom>
+          <a:noFill/>
+          <a:extLst>
+            <a:ext uri="{909E8E84-426E-40DD-AFC4-6F175D3DCCD1}">
+              <a14:hiddenFill xmlns:a14="http://schemas.microsoft.com/office/drawing/2010/main">
+                <a:solidFill>
+                  <a:srgbClr val="FFFFFF"/>
+                </a:solidFill>
+              </a14:hiddenFill>
+            </a:ext>
+          </a:extLst>
+        </p:spPr>
+      </p:pic>
       <p:sp>
         <p:nvSpPr>
-          <p:cNvPr id="1368" name="제목 1">
-            <a:extLst>
-              <a:ext uri="{FF2B5EF4-FFF2-40B4-BE49-F238E27FC236}">
-                <a16:creationId xmlns:a16="http://schemas.microsoft.com/office/drawing/2014/main" id="{43D26DBF-2F2B-E865-3E43-F086A2A9C884}"/>
+          <p:cNvPr id="1403" name="제목 1">
+            <a:extLst>
+              <a:ext uri="{FF2B5EF4-FFF2-40B4-BE49-F238E27FC236}">
+                <a16:creationId xmlns:a16="http://schemas.microsoft.com/office/drawing/2014/main" id="{F9B01412-5E48-FB8A-F9B0-A305FEF0562A}"/>
               </a:ext>
             </a:extLst>
           </p:cNvPr>
@@ -11765,15 +12596,12 @@
         </p:nvSpPr>
         <p:spPr>
           <a:xfrm>
-            <a:off x="9516207" y="4434957"/>
-            <a:ext cx="967879" cy="387771"/>
+            <a:off x="13524724" y="6028154"/>
+            <a:ext cx="1206609" cy="267998"/>
           </a:xfrm>
           <a:prstGeom prst="rect">
             <a:avLst/>
           </a:prstGeom>
-          <a:solidFill>
-            <a:srgbClr val="156082"/>
-          </a:solidFill>
         </p:spPr>
         <p:txBody>
           <a:bodyPr vert="horz" lIns="91440" tIns="45720" rIns="91440" bIns="45720" rtlCol="0" anchor="ctr">
@@ -11802,95 +12630,27 @@
             <a:pPr algn="ctr"/>
             <a:r>
               <a:rPr kumimoji="1" lang="en-US" altLang="ko-KR" sz="900" b="1" dirty="0">
-                <a:solidFill>
-                  <a:schemeClr val="bg1"/>
-                </a:solidFill>
                 <a:latin typeface="KoPubWorldDotum Bold" pitchFamily="2" charset="-127"/>
                 <a:ea typeface="KoPubWorldDotum Bold" pitchFamily="2" charset="-127"/>
                 <a:cs typeface="KoPubWorldDotum Bold" pitchFamily="2" charset="-127"/>
               </a:rPr>
-              <a:t>REST API</a:t>
-            </a:r>
-          </a:p>
-          <a:p>
-            <a:pPr algn="ctr"/>
-            <a:r>
-              <a:rPr kumimoji="1" lang="en-US" altLang="ko-KR" sz="900" b="1" dirty="0">
-                <a:solidFill>
-                  <a:schemeClr val="bg1"/>
-                </a:solidFill>
+              <a:t>Bedrock</a:t>
+            </a:r>
+            <a:r>
+              <a:rPr kumimoji="1" lang="ko-KR" altLang="en-US" sz="900" b="1" dirty="0">
                 <a:latin typeface="KoPubWorldDotum Bold" pitchFamily="2" charset="-127"/>
                 <a:ea typeface="KoPubWorldDotum Bold" pitchFamily="2" charset="-127"/>
                 <a:cs typeface="KoPubWorldDotum Bold" pitchFamily="2" charset="-127"/>
               </a:rPr>
-              <a:t>(Auth)</a:t>
-            </a:r>
-            <a:endParaRPr kumimoji="1" lang="ko-KR" altLang="en-US" sz="900" b="1" dirty="0">
-              <a:solidFill>
-                <a:schemeClr val="bg1"/>
-              </a:solidFill>
-              <a:latin typeface="KoPubWorldDotum Bold" pitchFamily="2" charset="-127"/>
-              <a:ea typeface="KoPubWorldDotum Bold" pitchFamily="2" charset="-127"/>
-              <a:cs typeface="KoPubWorldDotum Bold" pitchFamily="2" charset="-127"/>
-            </a:endParaRPr>
-          </a:p>
-        </p:txBody>
-      </p:sp>
-      <p:sp>
-        <p:nvSpPr>
-          <p:cNvPr id="1369" name="처리 1368">
-            <a:extLst>
-              <a:ext uri="{FF2B5EF4-FFF2-40B4-BE49-F238E27FC236}">
-                <a16:creationId xmlns:a16="http://schemas.microsoft.com/office/drawing/2014/main" id="{D2CA8690-2076-F6A0-6184-53D4C3004910}"/>
-              </a:ext>
-            </a:extLst>
-          </p:cNvPr>
-          <p:cNvSpPr/>
-          <p:nvPr/>
-        </p:nvSpPr>
-        <p:spPr>
-          <a:xfrm>
-            <a:off x="11805833" y="4504263"/>
-            <a:ext cx="1200406" cy="245334"/>
-          </a:xfrm>
-          <a:prstGeom prst="flowChartProcess">
-            <a:avLst/>
-          </a:prstGeom>
-          <a:solidFill>
-            <a:schemeClr val="accent1"/>
-          </a:solidFill>
-          <a:ln>
-            <a:noFill/>
-          </a:ln>
-        </p:spPr>
-        <p:style>
-          <a:lnRef idx="2">
-            <a:schemeClr val="accent1">
-              <a:shade val="15000"/>
-            </a:schemeClr>
-          </a:lnRef>
-          <a:fillRef idx="1">
-            <a:schemeClr val="accent1"/>
-          </a:fillRef>
-          <a:effectRef idx="0">
-            <a:schemeClr val="accent1"/>
-          </a:effectRef>
-          <a:fontRef idx="minor">
-            <a:schemeClr val="lt1"/>
-          </a:fontRef>
-        </p:style>
-        <p:txBody>
-          <a:bodyPr rtlCol="0" anchor="ctr"/>
-          <a:lstStyle/>
-          <a:p>
-            <a:pPr algn="ctr"/>
-            <a:r>
-              <a:rPr kumimoji="1" lang="en-US" altLang="ko-KR" sz="900" b="1" dirty="0" err="1">
+              <a:t> </a:t>
+            </a:r>
+            <a:r>
+              <a:rPr kumimoji="1" lang="en-US" altLang="ko-KR" sz="900" b="1" dirty="0">
                 <a:latin typeface="KoPubWorldDotum Bold" pitchFamily="2" charset="-127"/>
                 <a:ea typeface="KoPubWorldDotum Bold" pitchFamily="2" charset="-127"/>
                 <a:cs typeface="KoPubWorldDotum Bold" pitchFamily="2" charset="-127"/>
               </a:rPr>
-              <a:t>UserInfo</a:t>
+              <a:t>Agent</a:t>
             </a:r>
             <a:endParaRPr kumimoji="1" lang="ko-KR" altLang="en-US" sz="900" b="1" dirty="0">
               <a:latin typeface="KoPubWorldDotum Bold" pitchFamily="2" charset="-127"/>
@@ -11900,26 +12660,104 @@
           </a:p>
         </p:txBody>
       </p:sp>
+      <p:pic>
+        <p:nvPicPr>
+          <p:cNvPr id="1405" name="Picture 2" descr="Amazon Bedrock Connector - Overview (O11) | OutSystems">
+            <a:extLst>
+              <a:ext uri="{FF2B5EF4-FFF2-40B4-BE49-F238E27FC236}">
+                <a16:creationId xmlns:a16="http://schemas.microsoft.com/office/drawing/2014/main" id="{7D41D965-1736-CB1F-7BA5-C6980DF18ED4}"/>
+              </a:ext>
+            </a:extLst>
+          </p:cNvPr>
+          <p:cNvPicPr>
+            <a:picLocks noChangeAspect="1" noChangeArrowheads="1"/>
+          </p:cNvPicPr>
+          <p:nvPr/>
+        </p:nvPicPr>
+        <p:blipFill>
+          <a:blip r:embed="rId19">
+            <a:alphaModFix/>
+            <a:extLst>
+              <a:ext uri="{28A0092B-C50C-407E-A947-70E740481C1C}">
+                <a14:useLocalDpi xmlns:a14="http://schemas.microsoft.com/office/drawing/2010/main" val="0"/>
+              </a:ext>
+            </a:extLst>
+          </a:blip>
+          <a:srcRect/>
+          <a:stretch>
+            <a:fillRect/>
+          </a:stretch>
+        </p:blipFill>
+        <p:spPr bwMode="auto">
+          <a:xfrm>
+            <a:off x="13884926" y="6264232"/>
+            <a:ext cx="465430" cy="465430"/>
+          </a:xfrm>
+          <a:prstGeom prst="rect">
+            <a:avLst/>
+          </a:prstGeom>
+          <a:noFill/>
+          <a:extLst>
+            <a:ext uri="{909E8E84-426E-40DD-AFC4-6F175D3DCCD1}">
+              <a14:hiddenFill xmlns:a14="http://schemas.microsoft.com/office/drawing/2010/main">
+                <a:solidFill>
+                  <a:srgbClr val="FFFFFF"/>
+                </a:solidFill>
+              </a14:hiddenFill>
+            </a:ext>
+          </a:extLst>
+        </p:spPr>
+      </p:pic>
+      <p:pic>
+        <p:nvPicPr>
+          <p:cNvPr id="1406" name="그림 1405">
+            <a:extLst>
+              <a:ext uri="{FF2B5EF4-FFF2-40B4-BE49-F238E27FC236}">
+                <a16:creationId xmlns:a16="http://schemas.microsoft.com/office/drawing/2014/main" id="{75F89F16-1286-353A-1893-C46DDE077E33}"/>
+              </a:ext>
+            </a:extLst>
+          </p:cNvPr>
+          <p:cNvPicPr>
+            <a:picLocks noChangeAspect="1"/>
+          </p:cNvPicPr>
+          <p:nvPr/>
+        </p:nvPicPr>
+        <p:blipFill>
+          <a:blip r:embed="rId21"/>
+          <a:stretch>
+            <a:fillRect/>
+          </a:stretch>
+        </p:blipFill>
+        <p:spPr>
+          <a:xfrm>
+            <a:off x="17081360" y="6604414"/>
+            <a:ext cx="465430" cy="465430"/>
+          </a:xfrm>
+          <a:prstGeom prst="rect">
+            <a:avLst/>
+          </a:prstGeom>
+        </p:spPr>
+      </p:pic>
       <p:cxnSp>
         <p:nvCxnSpPr>
-          <p:cNvPr id="1370" name="직선 화살표 연결선 1369">
-            <a:extLst>
-              <a:ext uri="{FF2B5EF4-FFF2-40B4-BE49-F238E27FC236}">
-                <a16:creationId xmlns:a16="http://schemas.microsoft.com/office/drawing/2014/main" id="{424A4335-B74B-DFB4-7C91-A338C96B432C}"/>
+          <p:cNvPr id="1408" name="직선 화살표 연결선 1407">
+            <a:extLst>
+              <a:ext uri="{FF2B5EF4-FFF2-40B4-BE49-F238E27FC236}">
+                <a16:creationId xmlns:a16="http://schemas.microsoft.com/office/drawing/2014/main" id="{AADDBA02-411F-8211-B753-362151A949E9}"/>
               </a:ext>
             </a:extLst>
           </p:cNvPr>
           <p:cNvCxnSpPr>
             <a:cxnSpLocks/>
-            <a:stCxn id="1364" idx="1"/>
-            <a:endCxn id="1369" idx="3"/>
+            <a:stCxn id="1402" idx="1"/>
+            <a:endCxn id="1405" idx="3"/>
           </p:cNvCxnSpPr>
           <p:nvPr/>
         </p:nvCxnSpPr>
         <p:spPr>
-          <a:xfrm flipH="1" flipV="1">
-            <a:off x="13006239" y="4626930"/>
-            <a:ext cx="947546" cy="2812"/>
+          <a:xfrm flipH="1">
+            <a:off x="14350356" y="6493257"/>
+            <a:ext cx="1119377" cy="3690"/>
           </a:xfrm>
           <a:prstGeom prst="straightConnector1">
             <a:avLst/>
@@ -11928,722 +12766,6 @@
             <a:headEnd type="none" w="med" len="med"/>
             <a:tailEnd type="none" w="med" len="med"/>
           </a:ln>
-        </p:spPr>
-        <p:style>
-          <a:lnRef idx="2">
-            <a:schemeClr val="accent1"/>
-          </a:lnRef>
-          <a:fillRef idx="0">
-            <a:schemeClr val="accent1"/>
-          </a:fillRef>
-          <a:effectRef idx="1">
-            <a:schemeClr val="accent1"/>
-          </a:effectRef>
-          <a:fontRef idx="minor">
-            <a:schemeClr val="tx1"/>
-          </a:fontRef>
-        </p:style>
-      </p:cxnSp>
-      <p:cxnSp>
-        <p:nvCxnSpPr>
-          <p:cNvPr id="1372" name="직선 화살표 연결선 1371">
-            <a:extLst>
-              <a:ext uri="{FF2B5EF4-FFF2-40B4-BE49-F238E27FC236}">
-                <a16:creationId xmlns:a16="http://schemas.microsoft.com/office/drawing/2014/main" id="{64D72915-3790-A5E4-0455-CC25D85AC716}"/>
-              </a:ext>
-            </a:extLst>
-          </p:cNvPr>
-          <p:cNvCxnSpPr>
-            <a:cxnSpLocks/>
-            <a:stCxn id="1366" idx="1"/>
-            <a:endCxn id="1364" idx="3"/>
-          </p:cNvCxnSpPr>
-          <p:nvPr/>
-        </p:nvCxnSpPr>
-        <p:spPr>
-          <a:xfrm flipH="1">
-            <a:off x="14415112" y="4629742"/>
-            <a:ext cx="1028181" cy="0"/>
-          </a:xfrm>
-          <a:prstGeom prst="straightConnector1">
-            <a:avLst/>
-          </a:prstGeom>
-          <a:ln>
-            <a:headEnd type="none" w="med" len="med"/>
-            <a:tailEnd type="none" w="med" len="med"/>
-          </a:ln>
-        </p:spPr>
-        <p:style>
-          <a:lnRef idx="2">
-            <a:schemeClr val="accent1"/>
-          </a:lnRef>
-          <a:fillRef idx="0">
-            <a:schemeClr val="accent1"/>
-          </a:fillRef>
-          <a:effectRef idx="1">
-            <a:schemeClr val="accent1"/>
-          </a:effectRef>
-          <a:fontRef idx="minor">
-            <a:schemeClr val="tx1"/>
-          </a:fontRef>
-        </p:style>
-      </p:cxnSp>
-      <p:cxnSp>
-        <p:nvCxnSpPr>
-          <p:cNvPr id="1373" name="직선 화살표 연결선 1372">
-            <a:extLst>
-              <a:ext uri="{FF2B5EF4-FFF2-40B4-BE49-F238E27FC236}">
-                <a16:creationId xmlns:a16="http://schemas.microsoft.com/office/drawing/2014/main" id="{6328338D-1EDA-576B-2BCD-525954597436}"/>
-              </a:ext>
-            </a:extLst>
-          </p:cNvPr>
-          <p:cNvCxnSpPr>
-            <a:cxnSpLocks/>
-            <a:stCxn id="1368" idx="3"/>
-            <a:endCxn id="1369" idx="1"/>
-          </p:cNvCxnSpPr>
-          <p:nvPr/>
-        </p:nvCxnSpPr>
-        <p:spPr>
-          <a:xfrm flipV="1">
-            <a:off x="10484086" y="4626930"/>
-            <a:ext cx="1321747" cy="1913"/>
-          </a:xfrm>
-          <a:prstGeom prst="straightConnector1">
-            <a:avLst/>
-          </a:prstGeom>
-          <a:ln>
-            <a:headEnd type="none" w="med" len="med"/>
-            <a:tailEnd type="none" w="med" len="med"/>
-          </a:ln>
-        </p:spPr>
-        <p:style>
-          <a:lnRef idx="2">
-            <a:schemeClr val="accent1"/>
-          </a:lnRef>
-          <a:fillRef idx="0">
-            <a:schemeClr val="accent1"/>
-          </a:fillRef>
-          <a:effectRef idx="1">
-            <a:schemeClr val="accent1"/>
-          </a:effectRef>
-          <a:fontRef idx="minor">
-            <a:schemeClr val="tx1"/>
-          </a:fontRef>
-        </p:style>
-      </p:cxnSp>
-      <p:cxnSp>
-        <p:nvCxnSpPr>
-          <p:cNvPr id="1374" name="꺾인 연결선[E] 1373">
-            <a:extLst>
-              <a:ext uri="{FF2B5EF4-FFF2-40B4-BE49-F238E27FC236}">
-                <a16:creationId xmlns:a16="http://schemas.microsoft.com/office/drawing/2014/main" id="{48F427D6-82E8-7274-B240-318AE0B781D8}"/>
-              </a:ext>
-            </a:extLst>
-          </p:cNvPr>
-          <p:cNvCxnSpPr>
-            <a:cxnSpLocks/>
-            <a:stCxn id="9" idx="1"/>
-            <a:endCxn id="58" idx="3"/>
-          </p:cNvCxnSpPr>
-          <p:nvPr/>
-        </p:nvCxnSpPr>
-        <p:spPr>
-          <a:xfrm rot="10800000" flipV="1">
-            <a:off x="10502409" y="5278856"/>
-            <a:ext cx="1295863" cy="455616"/>
-          </a:xfrm>
-          <a:prstGeom prst="bentConnector3">
-            <a:avLst>
-              <a:gd name="adj1" fmla="val 6798"/>
-            </a:avLst>
-          </a:prstGeom>
-        </p:spPr>
-        <p:style>
-          <a:lnRef idx="2">
-            <a:schemeClr val="accent1"/>
-          </a:lnRef>
-          <a:fillRef idx="0">
-            <a:schemeClr val="accent1"/>
-          </a:fillRef>
-          <a:effectRef idx="1">
-            <a:schemeClr val="accent1"/>
-          </a:effectRef>
-          <a:fontRef idx="minor">
-            <a:schemeClr val="tx1"/>
-          </a:fontRef>
-        </p:style>
-      </p:cxnSp>
-      <p:cxnSp>
-        <p:nvCxnSpPr>
-          <p:cNvPr id="1377" name="꺾인 연결선[E] 1376">
-            <a:extLst>
-              <a:ext uri="{FF2B5EF4-FFF2-40B4-BE49-F238E27FC236}">
-                <a16:creationId xmlns:a16="http://schemas.microsoft.com/office/drawing/2014/main" id="{71280AAB-918E-C4B7-3B8D-6FEEE7DA371F}"/>
-              </a:ext>
-            </a:extLst>
-          </p:cNvPr>
-          <p:cNvCxnSpPr>
-            <a:cxnSpLocks/>
-            <a:endCxn id="58" idx="3"/>
-          </p:cNvCxnSpPr>
-          <p:nvPr/>
-        </p:nvCxnSpPr>
-        <p:spPr>
-          <a:xfrm rot="10800000" flipV="1">
-            <a:off x="10502408" y="5627410"/>
-            <a:ext cx="1302356" cy="107061"/>
-          </a:xfrm>
-          <a:prstGeom prst="bentConnector3">
-            <a:avLst>
-              <a:gd name="adj1" fmla="val 7014"/>
-            </a:avLst>
-          </a:prstGeom>
-        </p:spPr>
-        <p:style>
-          <a:lnRef idx="2">
-            <a:schemeClr val="accent1"/>
-          </a:lnRef>
-          <a:fillRef idx="0">
-            <a:schemeClr val="accent1"/>
-          </a:fillRef>
-          <a:effectRef idx="1">
-            <a:schemeClr val="accent1"/>
-          </a:effectRef>
-          <a:fontRef idx="minor">
-            <a:schemeClr val="tx1"/>
-          </a:fontRef>
-        </p:style>
-      </p:cxnSp>
-      <p:cxnSp>
-        <p:nvCxnSpPr>
-          <p:cNvPr id="1384" name="꺾인 연결선[E] 1383">
-            <a:extLst>
-              <a:ext uri="{FF2B5EF4-FFF2-40B4-BE49-F238E27FC236}">
-                <a16:creationId xmlns:a16="http://schemas.microsoft.com/office/drawing/2014/main" id="{7C2D0A5F-676B-C64B-7D77-A6401874DD87}"/>
-              </a:ext>
-            </a:extLst>
-          </p:cNvPr>
-          <p:cNvCxnSpPr>
-            <a:cxnSpLocks/>
-            <a:stCxn id="2" idx="1"/>
-            <a:endCxn id="58" idx="3"/>
-          </p:cNvCxnSpPr>
-          <p:nvPr/>
-        </p:nvCxnSpPr>
-        <p:spPr>
-          <a:xfrm rot="10800000">
-            <a:off x="10502408" y="5734473"/>
-            <a:ext cx="1301544" cy="174299"/>
-          </a:xfrm>
-          <a:prstGeom prst="bentConnector3">
-            <a:avLst>
-              <a:gd name="adj1" fmla="val 6987"/>
-            </a:avLst>
-          </a:prstGeom>
-        </p:spPr>
-        <p:style>
-          <a:lnRef idx="2">
-            <a:schemeClr val="accent1"/>
-          </a:lnRef>
-          <a:fillRef idx="0">
-            <a:schemeClr val="accent1"/>
-          </a:fillRef>
-          <a:effectRef idx="1">
-            <a:schemeClr val="accent1"/>
-          </a:effectRef>
-          <a:fontRef idx="minor">
-            <a:schemeClr val="tx1"/>
-          </a:fontRef>
-        </p:style>
-      </p:cxnSp>
-      <p:cxnSp>
-        <p:nvCxnSpPr>
-          <p:cNvPr id="1388" name="꺾인 연결선[E] 1387">
-            <a:extLst>
-              <a:ext uri="{FF2B5EF4-FFF2-40B4-BE49-F238E27FC236}">
-                <a16:creationId xmlns:a16="http://schemas.microsoft.com/office/drawing/2014/main" id="{8278EAA9-22C5-8686-FDCA-9375183D0D58}"/>
-              </a:ext>
-            </a:extLst>
-          </p:cNvPr>
-          <p:cNvCxnSpPr>
-            <a:cxnSpLocks/>
-            <a:stCxn id="26" idx="1"/>
-            <a:endCxn id="58" idx="3"/>
-          </p:cNvCxnSpPr>
-          <p:nvPr/>
-        </p:nvCxnSpPr>
-        <p:spPr>
-          <a:xfrm rot="10800000">
-            <a:off x="10502408" y="5734472"/>
-            <a:ext cx="1301544" cy="481624"/>
-          </a:xfrm>
-          <a:prstGeom prst="bentConnector3">
-            <a:avLst>
-              <a:gd name="adj1" fmla="val 6987"/>
-            </a:avLst>
-          </a:prstGeom>
-        </p:spPr>
-        <p:style>
-          <a:lnRef idx="2">
-            <a:schemeClr val="accent1"/>
-          </a:lnRef>
-          <a:fillRef idx="0">
-            <a:schemeClr val="accent1"/>
-          </a:fillRef>
-          <a:effectRef idx="1">
-            <a:schemeClr val="accent1"/>
-          </a:effectRef>
-          <a:fontRef idx="minor">
-            <a:schemeClr val="tx1"/>
-          </a:fontRef>
-        </p:style>
-      </p:cxnSp>
-      <p:cxnSp>
-        <p:nvCxnSpPr>
-          <p:cNvPr id="1391" name="꺾인 연결선[E] 1390">
-            <a:extLst>
-              <a:ext uri="{FF2B5EF4-FFF2-40B4-BE49-F238E27FC236}">
-                <a16:creationId xmlns:a16="http://schemas.microsoft.com/office/drawing/2014/main" id="{EA783922-7968-CE26-A980-D6E00B57C17A}"/>
-              </a:ext>
-            </a:extLst>
-          </p:cNvPr>
-          <p:cNvCxnSpPr>
-            <a:cxnSpLocks/>
-            <a:stCxn id="1052" idx="1"/>
-            <a:endCxn id="48" idx="3"/>
-          </p:cNvCxnSpPr>
-          <p:nvPr/>
-        </p:nvCxnSpPr>
-        <p:spPr>
-          <a:xfrm rot="10800000" flipV="1">
-            <a:off x="10484087" y="6678648"/>
-            <a:ext cx="1321746" cy="293401"/>
-          </a:xfrm>
-          <a:prstGeom prst="bentConnector3">
-            <a:avLst>
-              <a:gd name="adj1" fmla="val 6232"/>
-            </a:avLst>
-          </a:prstGeom>
-        </p:spPr>
-        <p:style>
-          <a:lnRef idx="2">
-            <a:schemeClr val="accent1"/>
-          </a:lnRef>
-          <a:fillRef idx="0">
-            <a:schemeClr val="accent1"/>
-          </a:fillRef>
-          <a:effectRef idx="1">
-            <a:schemeClr val="accent1"/>
-          </a:effectRef>
-          <a:fontRef idx="minor">
-            <a:schemeClr val="tx1"/>
-          </a:fontRef>
-        </p:style>
-      </p:cxnSp>
-      <p:cxnSp>
-        <p:nvCxnSpPr>
-          <p:cNvPr id="1395" name="꺾인 연결선[E] 1394">
-            <a:extLst>
-              <a:ext uri="{FF2B5EF4-FFF2-40B4-BE49-F238E27FC236}">
-                <a16:creationId xmlns:a16="http://schemas.microsoft.com/office/drawing/2014/main" id="{5627ABDC-B092-3C1D-D5E6-B13773A09DA9}"/>
-              </a:ext>
-            </a:extLst>
-          </p:cNvPr>
-          <p:cNvCxnSpPr>
-            <a:cxnSpLocks/>
-            <a:stCxn id="1053" idx="1"/>
-            <a:endCxn id="48" idx="3"/>
-          </p:cNvCxnSpPr>
-          <p:nvPr/>
-        </p:nvCxnSpPr>
-        <p:spPr>
-          <a:xfrm rot="10800000" flipV="1">
-            <a:off x="10484087" y="6970128"/>
-            <a:ext cx="1321746" cy="1921"/>
-          </a:xfrm>
-          <a:prstGeom prst="bentConnector3">
-            <a:avLst>
-              <a:gd name="adj1" fmla="val 50000"/>
-            </a:avLst>
-          </a:prstGeom>
-        </p:spPr>
-        <p:style>
-          <a:lnRef idx="2">
-            <a:schemeClr val="accent1"/>
-          </a:lnRef>
-          <a:fillRef idx="0">
-            <a:schemeClr val="accent1"/>
-          </a:fillRef>
-          <a:effectRef idx="1">
-            <a:schemeClr val="accent1"/>
-          </a:effectRef>
-          <a:fontRef idx="minor">
-            <a:schemeClr val="tx1"/>
-          </a:fontRef>
-        </p:style>
-      </p:cxnSp>
-      <p:cxnSp>
-        <p:nvCxnSpPr>
-          <p:cNvPr id="1398" name="꺾인 연결선[E] 1397">
-            <a:extLst>
-              <a:ext uri="{FF2B5EF4-FFF2-40B4-BE49-F238E27FC236}">
-                <a16:creationId xmlns:a16="http://schemas.microsoft.com/office/drawing/2014/main" id="{E6CB37D0-D5AA-DD89-6C4A-81BA1F09DC2C}"/>
-              </a:ext>
-            </a:extLst>
-          </p:cNvPr>
-          <p:cNvCxnSpPr>
-            <a:cxnSpLocks/>
-            <a:stCxn id="1054" idx="1"/>
-            <a:endCxn id="48" idx="3"/>
-          </p:cNvCxnSpPr>
-          <p:nvPr/>
-        </p:nvCxnSpPr>
-        <p:spPr>
-          <a:xfrm rot="10800000">
-            <a:off x="10484087" y="6972051"/>
-            <a:ext cx="1321746" cy="286853"/>
-          </a:xfrm>
-          <a:prstGeom prst="bentConnector3">
-            <a:avLst>
-              <a:gd name="adj1" fmla="val 6232"/>
-            </a:avLst>
-          </a:prstGeom>
-        </p:spPr>
-        <p:style>
-          <a:lnRef idx="2">
-            <a:schemeClr val="accent1"/>
-          </a:lnRef>
-          <a:fillRef idx="0">
-            <a:schemeClr val="accent1"/>
-          </a:fillRef>
-          <a:effectRef idx="1">
-            <a:schemeClr val="accent1"/>
-          </a:effectRef>
-          <a:fontRef idx="minor">
-            <a:schemeClr val="tx1"/>
-          </a:fontRef>
-        </p:style>
-      </p:cxnSp>
-      <p:cxnSp>
-        <p:nvCxnSpPr>
-          <p:cNvPr id="1404" name="꺾인 연결선[E] 1403">
-            <a:extLst>
-              <a:ext uri="{FF2B5EF4-FFF2-40B4-BE49-F238E27FC236}">
-                <a16:creationId xmlns:a16="http://schemas.microsoft.com/office/drawing/2014/main" id="{A6CB1323-9FDC-0599-FB8D-1C4E800DDA81}"/>
-              </a:ext>
-            </a:extLst>
-          </p:cNvPr>
-          <p:cNvCxnSpPr>
-            <a:cxnSpLocks/>
-            <a:stCxn id="9" idx="3"/>
-            <a:endCxn id="18" idx="1"/>
-          </p:cNvCxnSpPr>
-          <p:nvPr/>
-        </p:nvCxnSpPr>
-        <p:spPr>
-          <a:xfrm>
-            <a:off x="13001380" y="5278856"/>
-            <a:ext cx="4070267" cy="441186"/>
-          </a:xfrm>
-          <a:prstGeom prst="bentConnector3">
-            <a:avLst>
-              <a:gd name="adj1" fmla="val 3168"/>
-            </a:avLst>
-          </a:prstGeom>
-        </p:spPr>
-        <p:style>
-          <a:lnRef idx="2">
-            <a:schemeClr val="accent1"/>
-          </a:lnRef>
-          <a:fillRef idx="0">
-            <a:schemeClr val="accent1"/>
-          </a:fillRef>
-          <a:effectRef idx="1">
-            <a:schemeClr val="accent1"/>
-          </a:effectRef>
-          <a:fontRef idx="minor">
-            <a:schemeClr val="tx1"/>
-          </a:fontRef>
-        </p:style>
-      </p:cxnSp>
-      <p:cxnSp>
-        <p:nvCxnSpPr>
-          <p:cNvPr id="1407" name="꺾인 연결선[E] 1406">
-            <a:extLst>
-              <a:ext uri="{FF2B5EF4-FFF2-40B4-BE49-F238E27FC236}">
-                <a16:creationId xmlns:a16="http://schemas.microsoft.com/office/drawing/2014/main" id="{13FF1740-66AD-2F9D-E312-C9387508257C}"/>
-              </a:ext>
-            </a:extLst>
-          </p:cNvPr>
-          <p:cNvCxnSpPr>
-            <a:cxnSpLocks/>
-            <a:stCxn id="7" idx="3"/>
-            <a:endCxn id="18" idx="1"/>
-          </p:cNvCxnSpPr>
-          <p:nvPr/>
-        </p:nvCxnSpPr>
-        <p:spPr>
-          <a:xfrm>
-            <a:off x="13008942" y="5603198"/>
-            <a:ext cx="4062705" cy="116844"/>
-          </a:xfrm>
-          <a:prstGeom prst="bentConnector3">
-            <a:avLst>
-              <a:gd name="adj1" fmla="val 2908"/>
-            </a:avLst>
-          </a:prstGeom>
-        </p:spPr>
-        <p:style>
-          <a:lnRef idx="2">
-            <a:schemeClr val="accent1"/>
-          </a:lnRef>
-          <a:fillRef idx="0">
-            <a:schemeClr val="accent1"/>
-          </a:fillRef>
-          <a:effectRef idx="1">
-            <a:schemeClr val="accent1"/>
-          </a:effectRef>
-          <a:fontRef idx="minor">
-            <a:schemeClr val="tx1"/>
-          </a:fontRef>
-        </p:style>
-      </p:cxnSp>
-      <p:cxnSp>
-        <p:nvCxnSpPr>
-          <p:cNvPr id="1410" name="꺾인 연결선[E] 1409">
-            <a:extLst>
-              <a:ext uri="{FF2B5EF4-FFF2-40B4-BE49-F238E27FC236}">
-                <a16:creationId xmlns:a16="http://schemas.microsoft.com/office/drawing/2014/main" id="{2AD31820-4914-7960-6614-D830081E061D}"/>
-              </a:ext>
-            </a:extLst>
-          </p:cNvPr>
-          <p:cNvCxnSpPr>
-            <a:cxnSpLocks/>
-            <a:stCxn id="2" idx="3"/>
-            <a:endCxn id="18" idx="1"/>
-          </p:cNvCxnSpPr>
-          <p:nvPr/>
-        </p:nvCxnSpPr>
-        <p:spPr>
-          <a:xfrm flipV="1">
-            <a:off x="13007061" y="5720042"/>
-            <a:ext cx="4064586" cy="188729"/>
-          </a:xfrm>
-          <a:prstGeom prst="bentConnector3">
-            <a:avLst>
-              <a:gd name="adj1" fmla="val 2930"/>
-            </a:avLst>
-          </a:prstGeom>
-        </p:spPr>
-        <p:style>
-          <a:lnRef idx="2">
-            <a:schemeClr val="accent1"/>
-          </a:lnRef>
-          <a:fillRef idx="0">
-            <a:schemeClr val="accent1"/>
-          </a:fillRef>
-          <a:effectRef idx="1">
-            <a:schemeClr val="accent1"/>
-          </a:effectRef>
-          <a:fontRef idx="minor">
-            <a:schemeClr val="tx1"/>
-          </a:fontRef>
-        </p:style>
-      </p:cxnSp>
-      <p:cxnSp>
-        <p:nvCxnSpPr>
-          <p:cNvPr id="1414" name="꺾인 연결선[E] 1413">
-            <a:extLst>
-              <a:ext uri="{FF2B5EF4-FFF2-40B4-BE49-F238E27FC236}">
-                <a16:creationId xmlns:a16="http://schemas.microsoft.com/office/drawing/2014/main" id="{D69A6A70-387E-EDF0-F765-C6AA253EE490}"/>
-              </a:ext>
-            </a:extLst>
-          </p:cNvPr>
-          <p:cNvCxnSpPr>
-            <a:cxnSpLocks/>
-            <a:endCxn id="18" idx="1"/>
-          </p:cNvCxnSpPr>
-          <p:nvPr/>
-        </p:nvCxnSpPr>
-        <p:spPr>
-          <a:xfrm flipV="1">
-            <a:off x="12119940" y="5720042"/>
-            <a:ext cx="4951707" cy="559131"/>
-          </a:xfrm>
-          <a:prstGeom prst="bentConnector3">
-            <a:avLst>
-              <a:gd name="adj1" fmla="val 2662"/>
-            </a:avLst>
-          </a:prstGeom>
-        </p:spPr>
-        <p:style>
-          <a:lnRef idx="2">
-            <a:schemeClr val="accent1"/>
-          </a:lnRef>
-          <a:fillRef idx="0">
-            <a:schemeClr val="accent1"/>
-          </a:fillRef>
-          <a:effectRef idx="1">
-            <a:schemeClr val="accent1"/>
-          </a:effectRef>
-          <a:fontRef idx="minor">
-            <a:schemeClr val="tx1"/>
-          </a:fontRef>
-        </p:style>
-      </p:cxnSp>
-      <p:cxnSp>
-        <p:nvCxnSpPr>
-          <p:cNvPr id="1466" name="꺾인 연결선[E] 1465">
-            <a:extLst>
-              <a:ext uri="{FF2B5EF4-FFF2-40B4-BE49-F238E27FC236}">
-                <a16:creationId xmlns:a16="http://schemas.microsoft.com/office/drawing/2014/main" id="{0CD098E9-0D26-937D-DB35-D974992EB817}"/>
-              </a:ext>
-            </a:extLst>
-          </p:cNvPr>
-          <p:cNvCxnSpPr>
-            <a:cxnSpLocks/>
-            <a:stCxn id="63" idx="2"/>
-            <a:endCxn id="1321" idx="0"/>
-          </p:cNvCxnSpPr>
-          <p:nvPr/>
-        </p:nvCxnSpPr>
-        <p:spPr>
-          <a:xfrm rot="5400000">
-            <a:off x="10827296" y="1456966"/>
-            <a:ext cx="722068" cy="2394073"/>
-          </a:xfrm>
-          <a:prstGeom prst="bentConnector3">
-            <a:avLst>
-              <a:gd name="adj1" fmla="val 79365"/>
-            </a:avLst>
-          </a:prstGeom>
-        </p:spPr>
-        <p:style>
-          <a:lnRef idx="2">
-            <a:schemeClr val="accent1"/>
-          </a:lnRef>
-          <a:fillRef idx="0">
-            <a:schemeClr val="accent1"/>
-          </a:fillRef>
-          <a:effectRef idx="1">
-            <a:schemeClr val="accent1"/>
-          </a:effectRef>
-          <a:fontRef idx="minor">
-            <a:schemeClr val="tx1"/>
-          </a:fontRef>
-        </p:style>
-      </p:cxnSp>
-      <p:cxnSp>
-        <p:nvCxnSpPr>
-          <p:cNvPr id="1469" name="꺾인 연결선[E] 1468">
-            <a:extLst>
-              <a:ext uri="{FF2B5EF4-FFF2-40B4-BE49-F238E27FC236}">
-                <a16:creationId xmlns:a16="http://schemas.microsoft.com/office/drawing/2014/main" id="{B7283620-4C7C-7419-6B05-ED96FACE55B0}"/>
-              </a:ext>
-            </a:extLst>
-          </p:cNvPr>
-          <p:cNvCxnSpPr>
-            <a:cxnSpLocks/>
-            <a:stCxn id="1281" idx="0"/>
-            <a:endCxn id="63" idx="2"/>
-          </p:cNvCxnSpPr>
-          <p:nvPr/>
-        </p:nvCxnSpPr>
-        <p:spPr>
-          <a:xfrm rot="5400000" flipH="1" flipV="1">
-            <a:off x="12037155" y="2639026"/>
-            <a:ext cx="694268" cy="2153"/>
-          </a:xfrm>
-          <a:prstGeom prst="bentConnector3">
-            <a:avLst>
-              <a:gd name="adj1" fmla="val 50000"/>
-            </a:avLst>
-          </a:prstGeom>
-        </p:spPr>
-        <p:style>
-          <a:lnRef idx="2">
-            <a:schemeClr val="accent1"/>
-          </a:lnRef>
-          <a:fillRef idx="0">
-            <a:schemeClr val="accent1"/>
-          </a:fillRef>
-          <a:effectRef idx="1">
-            <a:schemeClr val="accent1"/>
-          </a:effectRef>
-          <a:fontRef idx="minor">
-            <a:schemeClr val="tx1"/>
-          </a:fontRef>
-        </p:style>
-      </p:cxnSp>
-      <p:cxnSp>
-        <p:nvCxnSpPr>
-          <p:cNvPr id="1024" name="꺾인 연결선[E] 1023">
-            <a:extLst>
-              <a:ext uri="{FF2B5EF4-FFF2-40B4-BE49-F238E27FC236}">
-                <a16:creationId xmlns:a16="http://schemas.microsoft.com/office/drawing/2014/main" id="{FD03A196-F7E5-DA0C-885B-AD1D37B55149}"/>
-              </a:ext>
-            </a:extLst>
-          </p:cNvPr>
-          <p:cNvCxnSpPr>
-            <a:cxnSpLocks/>
-            <a:stCxn id="1365" idx="0"/>
-            <a:endCxn id="63" idx="2"/>
-          </p:cNvCxnSpPr>
-          <p:nvPr/>
-        </p:nvCxnSpPr>
-        <p:spPr>
-          <a:xfrm rot="16200000" flipV="1">
-            <a:off x="12323964" y="2354371"/>
-            <a:ext cx="1903793" cy="1780988"/>
-          </a:xfrm>
-          <a:prstGeom prst="bentConnector3">
-            <a:avLst>
-              <a:gd name="adj1" fmla="val 69839"/>
-            </a:avLst>
-          </a:prstGeom>
-        </p:spPr>
-        <p:style>
-          <a:lnRef idx="2">
-            <a:schemeClr val="accent1"/>
-          </a:lnRef>
-          <a:fillRef idx="0">
-            <a:schemeClr val="accent1"/>
-          </a:fillRef>
-          <a:effectRef idx="1">
-            <a:schemeClr val="accent1"/>
-          </a:effectRef>
-          <a:fontRef idx="minor">
-            <a:schemeClr val="tx1"/>
-          </a:fontRef>
-        </p:style>
-      </p:cxnSp>
-      <p:cxnSp>
-        <p:nvCxnSpPr>
-          <p:cNvPr id="1031" name="꺾인 연결선[E] 1030">
-            <a:extLst>
-              <a:ext uri="{FF2B5EF4-FFF2-40B4-BE49-F238E27FC236}">
-                <a16:creationId xmlns:a16="http://schemas.microsoft.com/office/drawing/2014/main" id="{84D7F42F-4A79-1658-4C36-6CEDAEEFC88C}"/>
-              </a:ext>
-            </a:extLst>
-          </p:cNvPr>
-          <p:cNvCxnSpPr>
-            <a:cxnSpLocks/>
-            <a:stCxn id="18" idx="0"/>
-            <a:endCxn id="63" idx="2"/>
-          </p:cNvCxnSpPr>
-          <p:nvPr/>
-        </p:nvCxnSpPr>
-        <p:spPr>
-          <a:xfrm rot="16200000" flipV="1">
-            <a:off x="13247685" y="1430650"/>
-            <a:ext cx="3194359" cy="4918996"/>
-          </a:xfrm>
-          <a:prstGeom prst="bentConnector3">
-            <a:avLst>
-              <a:gd name="adj1" fmla="val 81945"/>
-            </a:avLst>
-          </a:prstGeom>
         </p:spPr>
         <p:style>
           <a:lnRef idx="2">
@@ -12662,10 +12784,10 @@
       </p:cxnSp>
       <p:sp>
         <p:nvSpPr>
-          <p:cNvPr id="1035" name="제목 1">
-            <a:extLst>
-              <a:ext uri="{FF2B5EF4-FFF2-40B4-BE49-F238E27FC236}">
-                <a16:creationId xmlns:a16="http://schemas.microsoft.com/office/drawing/2014/main" id="{71FF8702-FED6-127F-52F1-3D46423D98B5}"/>
+          <p:cNvPr id="1409" name="제목 1">
+            <a:extLst>
+              <a:ext uri="{FF2B5EF4-FFF2-40B4-BE49-F238E27FC236}">
+                <a16:creationId xmlns:a16="http://schemas.microsoft.com/office/drawing/2014/main" id="{CBECEA5A-C026-1315-DECB-AE5C377042C2}"/>
               </a:ext>
             </a:extLst>
           </p:cNvPr>
@@ -12676,8 +12798,8 @@
         </p:nvSpPr>
         <p:spPr>
           <a:xfrm>
-            <a:off x="11743721" y="1635894"/>
-            <a:ext cx="1257659" cy="236354"/>
+            <a:off x="16975695" y="6397273"/>
+            <a:ext cx="676761" cy="267998"/>
           </a:xfrm>
           <a:prstGeom prst="rect">
             <a:avLst/>
@@ -12709,20 +12831,12 @@
           <a:p>
             <a:pPr algn="ctr"/>
             <a:r>
-              <a:rPr kumimoji="1" lang="en-US" altLang="ko-KR" sz="900" b="1" dirty="0" err="1">
-                <a:latin typeface="KoPubWorldDotum Bold" pitchFamily="2" charset="-127"/>
-                <a:ea typeface="KoPubWorldDotum Bold" pitchFamily="2" charset="-127"/>
-                <a:cs typeface="KoPubWorldDotum Bold" pitchFamily="2" charset="-127"/>
-              </a:rPr>
-              <a:t>Cloudwatch</a:t>
-            </a:r>
-            <a:r>
               <a:rPr kumimoji="1" lang="en-US" altLang="ko-KR" sz="900" b="1" dirty="0">
                 <a:latin typeface="KoPubWorldDotum Bold" pitchFamily="2" charset="-127"/>
                 <a:ea typeface="KoPubWorldDotum Bold" pitchFamily="2" charset="-127"/>
                 <a:cs typeface="KoPubWorldDotum Bold" pitchFamily="2" charset="-127"/>
               </a:rPr>
-              <a:t> Logs</a:t>
+              <a:t>RDS</a:t>
             </a:r>
             <a:endParaRPr kumimoji="1" lang="ko-KR" altLang="en-US" sz="900" b="1" dirty="0">
               <a:latin typeface="KoPubWorldDotum Bold" pitchFamily="2" charset="-127"/>
@@ -12734,72 +12848,28 @@
       </p:sp>
       <p:cxnSp>
         <p:nvCxnSpPr>
-          <p:cNvPr id="1036" name="직선 화살표 연결선 1035">
-            <a:extLst>
-              <a:ext uri="{FF2B5EF4-FFF2-40B4-BE49-F238E27FC236}">
-                <a16:creationId xmlns:a16="http://schemas.microsoft.com/office/drawing/2014/main" id="{2468F6CF-A7E1-688D-B452-15AF2328A4E6}"/>
+          <p:cNvPr id="1421" name="꺾인 연결선[E] 1420">
+            <a:extLst>
+              <a:ext uri="{FF2B5EF4-FFF2-40B4-BE49-F238E27FC236}">
+                <a16:creationId xmlns:a16="http://schemas.microsoft.com/office/drawing/2014/main" id="{92C239DB-852A-A318-0FE2-4697CECED05F}"/>
               </a:ext>
             </a:extLst>
           </p:cNvPr>
           <p:cNvCxnSpPr>
             <a:cxnSpLocks/>
-            <a:stCxn id="63" idx="1"/>
-            <a:endCxn id="22" idx="3"/>
+            <a:stCxn id="1406" idx="1"/>
+            <a:endCxn id="1402" idx="3"/>
           </p:cNvCxnSpPr>
           <p:nvPr/>
         </p:nvCxnSpPr>
         <p:spPr>
-          <a:xfrm flipH="1">
-            <a:off x="8626349" y="2061897"/>
-            <a:ext cx="3527946" cy="2629"/>
-          </a:xfrm>
-          <a:prstGeom prst="straightConnector1">
-            <a:avLst/>
-          </a:prstGeom>
-          <a:ln>
-            <a:headEnd type="none" w="med" len="med"/>
-            <a:tailEnd type="none" w="med" len="med"/>
-          </a:ln>
-        </p:spPr>
-        <p:style>
-          <a:lnRef idx="2">
-            <a:schemeClr val="accent1"/>
-          </a:lnRef>
-          <a:fillRef idx="0">
-            <a:schemeClr val="accent1"/>
-          </a:fillRef>
-          <a:effectRef idx="1">
-            <a:schemeClr val="accent1"/>
-          </a:effectRef>
-          <a:fontRef idx="minor">
-            <a:schemeClr val="tx1"/>
-          </a:fontRef>
-        </p:style>
-      </p:cxnSp>
-      <p:cxnSp>
-        <p:nvCxnSpPr>
-          <p:cNvPr id="1039" name="꺾인 연결선[E] 1038">
-            <a:extLst>
-              <a:ext uri="{FF2B5EF4-FFF2-40B4-BE49-F238E27FC236}">
-                <a16:creationId xmlns:a16="http://schemas.microsoft.com/office/drawing/2014/main" id="{3E7A12C3-2FBF-42E1-4C22-15FC7768F23E}"/>
-              </a:ext>
-            </a:extLst>
-          </p:cNvPr>
-          <p:cNvCxnSpPr>
-            <a:cxnSpLocks/>
-            <a:stCxn id="22" idx="1"/>
-            <a:endCxn id="29" idx="3"/>
-          </p:cNvCxnSpPr>
-          <p:nvPr/>
-        </p:nvCxnSpPr>
-        <p:spPr>
-          <a:xfrm rot="10800000" flipV="1">
-            <a:off x="6546677" y="2064525"/>
-            <a:ext cx="1617531" cy="2439737"/>
+          <a:xfrm rot="10800000">
+            <a:off x="15935164" y="6493257"/>
+            <a:ext cx="1146197" cy="343872"/>
           </a:xfrm>
           <a:prstGeom prst="bentConnector3">
             <a:avLst>
-              <a:gd name="adj1" fmla="val 70036"/>
+              <a:gd name="adj1" fmla="val 50831"/>
             </a:avLst>
           </a:prstGeom>
         </p:spPr>

--- a/documents/개발계획서.pptx
+++ b/documents/개발계획서.pptx
@@ -207,7 +207,7 @@
           <a:p>
             <a:fld id="{9458FFD9-5838-1449-9919-C8A4367C6D0D}" type="datetimeFigureOut">
               <a:rPr kumimoji="1" lang="ko-KR" altLang="en-US" smtClean="0"/>
-              <a:t>2025. 3. 8.</a:t>
+              <a:t>2025. 3. 13.</a:t>
             </a:fld>
             <a:endParaRPr kumimoji="1" lang="ko-KR" altLang="en-US"/>
           </a:p>
@@ -961,7 +961,7 @@
           <a:p>
             <a:fld id="{B2310862-A932-4A4D-BE7A-7832C8DBE490}" type="datetimeFigureOut">
               <a:rPr kumimoji="1" lang="ko-KR" altLang="en-US" smtClean="0"/>
-              <a:t>2025. 3. 8.</a:t>
+              <a:t>2025. 3. 13.</a:t>
             </a:fld>
             <a:endParaRPr kumimoji="1" lang="ko-KR" altLang="en-US"/>
           </a:p>
@@ -1131,7 +1131,7 @@
           <a:p>
             <a:fld id="{B2310862-A932-4A4D-BE7A-7832C8DBE490}" type="datetimeFigureOut">
               <a:rPr kumimoji="1" lang="ko-KR" altLang="en-US" smtClean="0"/>
-              <a:t>2025. 3. 8.</a:t>
+              <a:t>2025. 3. 13.</a:t>
             </a:fld>
             <a:endParaRPr kumimoji="1" lang="ko-KR" altLang="en-US"/>
           </a:p>
@@ -1311,7 +1311,7 @@
           <a:p>
             <a:fld id="{B2310862-A932-4A4D-BE7A-7832C8DBE490}" type="datetimeFigureOut">
               <a:rPr kumimoji="1" lang="ko-KR" altLang="en-US" smtClean="0"/>
-              <a:t>2025. 3. 8.</a:t>
+              <a:t>2025. 3. 13.</a:t>
             </a:fld>
             <a:endParaRPr kumimoji="1" lang="ko-KR" altLang="en-US"/>
           </a:p>
@@ -1481,7 +1481,7 @@
           <a:p>
             <a:fld id="{B2310862-A932-4A4D-BE7A-7832C8DBE490}" type="datetimeFigureOut">
               <a:rPr kumimoji="1" lang="ko-KR" altLang="en-US" smtClean="0"/>
-              <a:t>2025. 3. 8.</a:t>
+              <a:t>2025. 3. 13.</a:t>
             </a:fld>
             <a:endParaRPr kumimoji="1" lang="ko-KR" altLang="en-US"/>
           </a:p>
@@ -1727,7 +1727,7 @@
           <a:p>
             <a:fld id="{B2310862-A932-4A4D-BE7A-7832C8DBE490}" type="datetimeFigureOut">
               <a:rPr kumimoji="1" lang="ko-KR" altLang="en-US" smtClean="0"/>
-              <a:t>2025. 3. 8.</a:t>
+              <a:t>2025. 3. 13.</a:t>
             </a:fld>
             <a:endParaRPr kumimoji="1" lang="ko-KR" altLang="en-US"/>
           </a:p>
@@ -1959,7 +1959,7 @@
           <a:p>
             <a:fld id="{B2310862-A932-4A4D-BE7A-7832C8DBE490}" type="datetimeFigureOut">
               <a:rPr kumimoji="1" lang="ko-KR" altLang="en-US" smtClean="0"/>
-              <a:t>2025. 3. 8.</a:t>
+              <a:t>2025. 3. 13.</a:t>
             </a:fld>
             <a:endParaRPr kumimoji="1" lang="ko-KR" altLang="en-US"/>
           </a:p>
@@ -2326,7 +2326,7 @@
           <a:p>
             <a:fld id="{B2310862-A932-4A4D-BE7A-7832C8DBE490}" type="datetimeFigureOut">
               <a:rPr kumimoji="1" lang="ko-KR" altLang="en-US" smtClean="0"/>
-              <a:t>2025. 3. 8.</a:t>
+              <a:t>2025. 3. 13.</a:t>
             </a:fld>
             <a:endParaRPr kumimoji="1" lang="ko-KR" altLang="en-US"/>
           </a:p>
@@ -2444,7 +2444,7 @@
           <a:p>
             <a:fld id="{B2310862-A932-4A4D-BE7A-7832C8DBE490}" type="datetimeFigureOut">
               <a:rPr kumimoji="1" lang="ko-KR" altLang="en-US" smtClean="0"/>
-              <a:t>2025. 3. 8.</a:t>
+              <a:t>2025. 3. 13.</a:t>
             </a:fld>
             <a:endParaRPr kumimoji="1" lang="ko-KR" altLang="en-US"/>
           </a:p>
@@ -2539,7 +2539,7 @@
           <a:p>
             <a:fld id="{B2310862-A932-4A4D-BE7A-7832C8DBE490}" type="datetimeFigureOut">
               <a:rPr kumimoji="1" lang="ko-KR" altLang="en-US" smtClean="0"/>
-              <a:t>2025. 3. 8.</a:t>
+              <a:t>2025. 3. 13.</a:t>
             </a:fld>
             <a:endParaRPr kumimoji="1" lang="ko-KR" altLang="en-US"/>
           </a:p>
@@ -2816,7 +2816,7 @@
           <a:p>
             <a:fld id="{B2310862-A932-4A4D-BE7A-7832C8DBE490}" type="datetimeFigureOut">
               <a:rPr kumimoji="1" lang="ko-KR" altLang="en-US" smtClean="0"/>
-              <a:t>2025. 3. 8.</a:t>
+              <a:t>2025. 3. 13.</a:t>
             </a:fld>
             <a:endParaRPr kumimoji="1" lang="ko-KR" altLang="en-US"/>
           </a:p>
@@ -3073,7 +3073,7 @@
           <a:p>
             <a:fld id="{B2310862-A932-4A4D-BE7A-7832C8DBE490}" type="datetimeFigureOut">
               <a:rPr kumimoji="1" lang="ko-KR" altLang="en-US" smtClean="0"/>
-              <a:t>2025. 3. 8.</a:t>
+              <a:t>2025. 3. 13.</a:t>
             </a:fld>
             <a:endParaRPr kumimoji="1" lang="ko-KR" altLang="en-US"/>
           </a:p>
@@ -3286,7 +3286,7 @@
           <a:p>
             <a:fld id="{B2310862-A932-4A4D-BE7A-7832C8DBE490}" type="datetimeFigureOut">
               <a:rPr kumimoji="1" lang="ko-KR" altLang="en-US" smtClean="0"/>
-              <a:t>2025. 3. 8.</a:t>
+              <a:t>2025. 3. 13.</a:t>
             </a:fld>
             <a:endParaRPr kumimoji="1" lang="ko-KR" altLang="en-US"/>
           </a:p>
@@ -12888,6 +12888,162 @@
           </a:fontRef>
         </p:style>
       </p:cxnSp>
+      <p:pic>
+        <p:nvPicPr>
+          <p:cNvPr id="1026" name="Picture 2" descr="Grafana - Wikipedia">
+            <a:extLst>
+              <a:ext uri="{FF2B5EF4-FFF2-40B4-BE49-F238E27FC236}">
+                <a16:creationId xmlns:a16="http://schemas.microsoft.com/office/drawing/2014/main" id="{7CC70EF4-EE44-C73A-5B09-20833F58D96F}"/>
+              </a:ext>
+            </a:extLst>
+          </p:cNvPr>
+          <p:cNvPicPr>
+            <a:picLocks noChangeAspect="1" noChangeArrowheads="1"/>
+          </p:cNvPicPr>
+          <p:nvPr/>
+        </p:nvPicPr>
+        <p:blipFill rotWithShape="1">
+          <a:blip r:embed="rId22">
+            <a:extLst>
+              <a:ext uri="{28A0092B-C50C-407E-A947-70E740481C1C}">
+                <a14:useLocalDpi xmlns:a14="http://schemas.microsoft.com/office/drawing/2010/main" val="0"/>
+              </a:ext>
+            </a:extLst>
+          </a:blip>
+          <a:srcRect l="12063" r="11797" b="21604"/>
+          <a:stretch/>
+        </p:blipFill>
+        <p:spPr bwMode="auto">
+          <a:xfrm>
+            <a:off x="4002429" y="3668371"/>
+            <a:ext cx="557498" cy="586931"/>
+          </a:xfrm>
+          <a:prstGeom prst="rect">
+            <a:avLst/>
+          </a:prstGeom>
+          <a:noFill/>
+          <a:extLst>
+            <a:ext uri="{909E8E84-426E-40DD-AFC4-6F175D3DCCD1}">
+              <a14:hiddenFill xmlns:a14="http://schemas.microsoft.com/office/drawing/2010/main">
+                <a:solidFill>
+                  <a:srgbClr val="FFFFFF"/>
+                </a:solidFill>
+              </a14:hiddenFill>
+            </a:ext>
+          </a:extLst>
+        </p:spPr>
+      </p:pic>
+      <p:cxnSp>
+        <p:nvCxnSpPr>
+          <p:cNvPr id="3" name="꺾인 연결선[E] 2">
+            <a:extLst>
+              <a:ext uri="{FF2B5EF4-FFF2-40B4-BE49-F238E27FC236}">
+                <a16:creationId xmlns:a16="http://schemas.microsoft.com/office/drawing/2014/main" id="{AF53ADA5-7303-06F5-EE9D-753562049B55}"/>
+              </a:ext>
+            </a:extLst>
+          </p:cNvPr>
+          <p:cNvCxnSpPr>
+            <a:cxnSpLocks/>
+            <a:stCxn id="29" idx="1"/>
+            <a:endCxn id="1026" idx="3"/>
+          </p:cNvCxnSpPr>
+          <p:nvPr/>
+        </p:nvCxnSpPr>
+        <p:spPr>
+          <a:xfrm rot="10800000">
+            <a:off x="4559928" y="3961837"/>
+            <a:ext cx="1474367" cy="799944"/>
+          </a:xfrm>
+          <a:prstGeom prst="bentConnector3">
+            <a:avLst>
+              <a:gd name="adj1" fmla="val 76416"/>
+            </a:avLst>
+          </a:prstGeom>
+          <a:ln>
+            <a:solidFill>
+              <a:schemeClr val="accent5"/>
+            </a:solidFill>
+          </a:ln>
+        </p:spPr>
+        <p:style>
+          <a:lnRef idx="2">
+            <a:schemeClr val="accent1"/>
+          </a:lnRef>
+          <a:fillRef idx="0">
+            <a:schemeClr val="accent1"/>
+          </a:fillRef>
+          <a:effectRef idx="1">
+            <a:schemeClr val="accent1"/>
+          </a:effectRef>
+          <a:fontRef idx="minor">
+            <a:schemeClr val="tx1"/>
+          </a:fontRef>
+        </p:style>
+      </p:cxnSp>
+      <p:sp>
+        <p:nvSpPr>
+          <p:cNvPr id="11" name="제목 1">
+            <a:extLst>
+              <a:ext uri="{FF2B5EF4-FFF2-40B4-BE49-F238E27FC236}">
+                <a16:creationId xmlns:a16="http://schemas.microsoft.com/office/drawing/2014/main" id="{C3610C31-5632-65E2-5388-3024BE2A3423}"/>
+              </a:ext>
+            </a:extLst>
+          </p:cNvPr>
+          <p:cNvSpPr txBox="1">
+            <a:spLocks/>
+          </p:cNvSpPr>
+          <p:nvPr/>
+        </p:nvSpPr>
+        <p:spPr>
+          <a:xfrm>
+            <a:off x="3644508" y="3378948"/>
+            <a:ext cx="1260673" cy="267998"/>
+          </a:xfrm>
+          <a:prstGeom prst="rect">
+            <a:avLst/>
+          </a:prstGeom>
+        </p:spPr>
+        <p:txBody>
+          <a:bodyPr vert="horz" lIns="91440" tIns="45720" rIns="91440" bIns="45720" rtlCol="0" anchor="ctr">
+            <a:normAutofit/>
+          </a:bodyPr>
+          <a:lstStyle>
+            <a:lvl1pPr algn="l" defTabSz="914400" rtl="0" eaLnBrk="1" latinLnBrk="1" hangingPunct="1">
+              <a:lnSpc>
+                <a:spcPct val="90000"/>
+              </a:lnSpc>
+              <a:spcBef>
+                <a:spcPct val="0"/>
+              </a:spcBef>
+              <a:buNone/>
+              <a:defRPr sz="4400" kern="1200">
+                <a:solidFill>
+                  <a:schemeClr val="tx1"/>
+                </a:solidFill>
+                <a:latin typeface="+mj-lt"/>
+                <a:ea typeface="+mj-ea"/>
+                <a:cs typeface="+mj-cs"/>
+              </a:defRPr>
+            </a:lvl1pPr>
+          </a:lstStyle>
+          <a:p>
+            <a:pPr algn="ctr"/>
+            <a:r>
+              <a:rPr kumimoji="1" lang="en-US" altLang="ko-KR" sz="900" b="1" dirty="0">
+                <a:latin typeface="KoPubWorldDotum Bold" pitchFamily="2" charset="-127"/>
+                <a:ea typeface="KoPubWorldDotum Bold" pitchFamily="2" charset="-127"/>
+                <a:cs typeface="KoPubWorldDotum Bold" pitchFamily="2" charset="-127"/>
+              </a:rPr>
+              <a:t>Grafana</a:t>
+            </a:r>
+            <a:endParaRPr kumimoji="1" lang="ko-KR" altLang="en-US" sz="900" b="1" dirty="0">
+              <a:latin typeface="KoPubWorldDotum Bold" pitchFamily="2" charset="-127"/>
+              <a:ea typeface="KoPubWorldDotum Bold" pitchFamily="2" charset="-127"/>
+              <a:cs typeface="KoPubWorldDotum Bold" pitchFamily="2" charset="-127"/>
+            </a:endParaRPr>
+          </a:p>
+        </p:txBody>
+      </p:sp>
     </p:spTree>
     <p:extLst>
       <p:ext uri="{BB962C8B-B14F-4D97-AF65-F5344CB8AC3E}">

--- a/documents/개발계획서.pptx
+++ b/documents/개발계획서.pptx
@@ -207,7 +207,7 @@
           <a:p>
             <a:fld id="{9458FFD9-5838-1449-9919-C8A4367C6D0D}" type="datetimeFigureOut">
               <a:rPr kumimoji="1" lang="ko-KR" altLang="en-US" smtClean="0"/>
-              <a:t>2025. 3. 13.</a:t>
+              <a:t>2025. 3. 20.</a:t>
             </a:fld>
             <a:endParaRPr kumimoji="1" lang="ko-KR" altLang="en-US"/>
           </a:p>
@@ -961,7 +961,7 @@
           <a:p>
             <a:fld id="{B2310862-A932-4A4D-BE7A-7832C8DBE490}" type="datetimeFigureOut">
               <a:rPr kumimoji="1" lang="ko-KR" altLang="en-US" smtClean="0"/>
-              <a:t>2025. 3. 13.</a:t>
+              <a:t>2025. 3. 20.</a:t>
             </a:fld>
             <a:endParaRPr kumimoji="1" lang="ko-KR" altLang="en-US"/>
           </a:p>
@@ -1131,7 +1131,7 @@
           <a:p>
             <a:fld id="{B2310862-A932-4A4D-BE7A-7832C8DBE490}" type="datetimeFigureOut">
               <a:rPr kumimoji="1" lang="ko-KR" altLang="en-US" smtClean="0"/>
-              <a:t>2025. 3. 13.</a:t>
+              <a:t>2025. 3. 20.</a:t>
             </a:fld>
             <a:endParaRPr kumimoji="1" lang="ko-KR" altLang="en-US"/>
           </a:p>
@@ -1311,7 +1311,7 @@
           <a:p>
             <a:fld id="{B2310862-A932-4A4D-BE7A-7832C8DBE490}" type="datetimeFigureOut">
               <a:rPr kumimoji="1" lang="ko-KR" altLang="en-US" smtClean="0"/>
-              <a:t>2025. 3. 13.</a:t>
+              <a:t>2025. 3. 20.</a:t>
             </a:fld>
             <a:endParaRPr kumimoji="1" lang="ko-KR" altLang="en-US"/>
           </a:p>
@@ -1481,7 +1481,7 @@
           <a:p>
             <a:fld id="{B2310862-A932-4A4D-BE7A-7832C8DBE490}" type="datetimeFigureOut">
               <a:rPr kumimoji="1" lang="ko-KR" altLang="en-US" smtClean="0"/>
-              <a:t>2025. 3. 13.</a:t>
+              <a:t>2025. 3. 20.</a:t>
             </a:fld>
             <a:endParaRPr kumimoji="1" lang="ko-KR" altLang="en-US"/>
           </a:p>
@@ -1727,7 +1727,7 @@
           <a:p>
             <a:fld id="{B2310862-A932-4A4D-BE7A-7832C8DBE490}" type="datetimeFigureOut">
               <a:rPr kumimoji="1" lang="ko-KR" altLang="en-US" smtClean="0"/>
-              <a:t>2025. 3. 13.</a:t>
+              <a:t>2025. 3. 20.</a:t>
             </a:fld>
             <a:endParaRPr kumimoji="1" lang="ko-KR" altLang="en-US"/>
           </a:p>
@@ -1959,7 +1959,7 @@
           <a:p>
             <a:fld id="{B2310862-A932-4A4D-BE7A-7832C8DBE490}" type="datetimeFigureOut">
               <a:rPr kumimoji="1" lang="ko-KR" altLang="en-US" smtClean="0"/>
-              <a:t>2025. 3. 13.</a:t>
+              <a:t>2025. 3. 20.</a:t>
             </a:fld>
             <a:endParaRPr kumimoji="1" lang="ko-KR" altLang="en-US"/>
           </a:p>
@@ -2326,7 +2326,7 @@
           <a:p>
             <a:fld id="{B2310862-A932-4A4D-BE7A-7832C8DBE490}" type="datetimeFigureOut">
               <a:rPr kumimoji="1" lang="ko-KR" altLang="en-US" smtClean="0"/>
-              <a:t>2025. 3. 13.</a:t>
+              <a:t>2025. 3. 20.</a:t>
             </a:fld>
             <a:endParaRPr kumimoji="1" lang="ko-KR" altLang="en-US"/>
           </a:p>
@@ -2444,7 +2444,7 @@
           <a:p>
             <a:fld id="{B2310862-A932-4A4D-BE7A-7832C8DBE490}" type="datetimeFigureOut">
               <a:rPr kumimoji="1" lang="ko-KR" altLang="en-US" smtClean="0"/>
-              <a:t>2025. 3. 13.</a:t>
+              <a:t>2025. 3. 20.</a:t>
             </a:fld>
             <a:endParaRPr kumimoji="1" lang="ko-KR" altLang="en-US"/>
           </a:p>
@@ -2539,7 +2539,7 @@
           <a:p>
             <a:fld id="{B2310862-A932-4A4D-BE7A-7832C8DBE490}" type="datetimeFigureOut">
               <a:rPr kumimoji="1" lang="ko-KR" altLang="en-US" smtClean="0"/>
-              <a:t>2025. 3. 13.</a:t>
+              <a:t>2025. 3. 20.</a:t>
             </a:fld>
             <a:endParaRPr kumimoji="1" lang="ko-KR" altLang="en-US"/>
           </a:p>
@@ -2816,7 +2816,7 @@
           <a:p>
             <a:fld id="{B2310862-A932-4A4D-BE7A-7832C8DBE490}" type="datetimeFigureOut">
               <a:rPr kumimoji="1" lang="ko-KR" altLang="en-US" smtClean="0"/>
-              <a:t>2025. 3. 13.</a:t>
+              <a:t>2025. 3. 20.</a:t>
             </a:fld>
             <a:endParaRPr kumimoji="1" lang="ko-KR" altLang="en-US"/>
           </a:p>
@@ -3073,7 +3073,7 @@
           <a:p>
             <a:fld id="{B2310862-A932-4A4D-BE7A-7832C8DBE490}" type="datetimeFigureOut">
               <a:rPr kumimoji="1" lang="ko-KR" altLang="en-US" smtClean="0"/>
-              <a:t>2025. 3. 13.</a:t>
+              <a:t>2025. 3. 20.</a:t>
             </a:fld>
             <a:endParaRPr kumimoji="1" lang="ko-KR" altLang="en-US"/>
           </a:p>
@@ -3286,7 +3286,7 @@
           <a:p>
             <a:fld id="{B2310862-A932-4A4D-BE7A-7832C8DBE490}" type="datetimeFigureOut">
               <a:rPr kumimoji="1" lang="ko-KR" altLang="en-US" smtClean="0"/>
-              <a:t>2025. 3. 13.</a:t>
+              <a:t>2025. 3. 20.</a:t>
             </a:fld>
             <a:endParaRPr kumimoji="1" lang="ko-KR" altLang="en-US"/>
           </a:p>
@@ -8536,8 +8536,8 @@
         </p:nvSpPr>
         <p:spPr>
           <a:xfrm>
-            <a:off x="9318323" y="4161690"/>
-            <a:ext cx="1345941" cy="3369174"/>
+            <a:off x="8810325" y="4022715"/>
+            <a:ext cx="1345941" cy="3724050"/>
           </a:xfrm>
           <a:prstGeom prst="rect">
             <a:avLst/>
@@ -8591,8 +8591,8 @@
         </p:nvSpPr>
         <p:spPr>
           <a:xfrm>
-            <a:off x="11488340" y="4158938"/>
-            <a:ext cx="1789747" cy="3374553"/>
+            <a:off x="10980342" y="4022568"/>
+            <a:ext cx="1789747" cy="3726824"/>
           </a:xfrm>
           <a:prstGeom prst="rect">
             <a:avLst/>
@@ -8654,7 +8654,7 @@
         </p:blipFill>
         <p:spPr>
           <a:xfrm>
-            <a:off x="17071647" y="5487327"/>
+            <a:off x="16563649" y="5487327"/>
             <a:ext cx="465429" cy="465429"/>
           </a:xfrm>
           <a:prstGeom prst="rect">
@@ -8678,7 +8678,7 @@
         </p:nvSpPr>
         <p:spPr>
           <a:xfrm>
-            <a:off x="16870029" y="5283845"/>
+            <a:off x="16362031" y="5938884"/>
             <a:ext cx="869150" cy="267998"/>
           </a:xfrm>
           <a:prstGeom prst="rect">
@@ -8748,7 +8748,7 @@
         </p:blipFill>
         <p:spPr>
           <a:xfrm>
-            <a:off x="12154295" y="2612696"/>
+            <a:off x="17953918" y="5985025"/>
             <a:ext cx="462142" cy="462142"/>
           </a:xfrm>
           <a:prstGeom prst="rect">
@@ -8773,7 +8773,7 @@
         </p:nvCxnSpPr>
         <p:spPr>
           <a:xfrm flipH="1">
-            <a:off x="2522741" y="5655349"/>
+            <a:off x="2963008" y="5655349"/>
             <a:ext cx="367029" cy="0"/>
           </a:xfrm>
           <a:prstGeom prst="straightConnector1">
@@ -8823,7 +8823,7 @@
         </p:blipFill>
         <p:spPr>
           <a:xfrm>
-            <a:off x="4047912" y="5425974"/>
+            <a:off x="4488179" y="5425974"/>
             <a:ext cx="462143" cy="462143"/>
           </a:xfrm>
           <a:prstGeom prst="rect">
@@ -8847,7 +8847,7 @@
         </p:nvSpPr>
         <p:spPr>
           <a:xfrm>
-            <a:off x="3659857" y="5182344"/>
+            <a:off x="4100124" y="5882992"/>
             <a:ext cx="1260673" cy="267998"/>
           </a:xfrm>
           <a:prstGeom prst="rect">
@@ -8923,7 +8923,7 @@
         </p:blipFill>
         <p:spPr>
           <a:xfrm>
-            <a:off x="1816757" y="5316675"/>
+            <a:off x="2257024" y="5316675"/>
             <a:ext cx="754027" cy="754027"/>
           </a:xfrm>
           <a:prstGeom prst="rect">
@@ -8955,7 +8955,7 @@
         </p:blipFill>
         <p:spPr>
           <a:xfrm>
-            <a:off x="2889770" y="5424278"/>
+            <a:off x="3330037" y="5424278"/>
             <a:ext cx="462143" cy="462143"/>
           </a:xfrm>
           <a:prstGeom prst="rect">
@@ -8979,7 +8979,7 @@
         </p:nvSpPr>
         <p:spPr>
           <a:xfrm>
-            <a:off x="2640362" y="5176714"/>
+            <a:off x="3080629" y="5877362"/>
             <a:ext cx="967879" cy="267998"/>
           </a:xfrm>
           <a:prstGeom prst="rect">
@@ -9043,7 +9043,7 @@
         </p:nvSpPr>
         <p:spPr>
           <a:xfrm>
-            <a:off x="9516208" y="6778164"/>
+            <a:off x="9008210" y="6778164"/>
             <a:ext cx="967879" cy="387771"/>
           </a:xfrm>
           <a:prstGeom prst="rect">
@@ -9114,7 +9114,7 @@
         </p:nvSpPr>
         <p:spPr>
           <a:xfrm>
-            <a:off x="11805833" y="6556678"/>
+            <a:off x="11297835" y="6556678"/>
             <a:ext cx="1203109" cy="243942"/>
           </a:xfrm>
           <a:prstGeom prst="flowChartProcess">
@@ -9178,7 +9178,7 @@
         </p:nvSpPr>
         <p:spPr>
           <a:xfrm>
-            <a:off x="11805833" y="6848158"/>
+            <a:off x="11297835" y="6848158"/>
             <a:ext cx="1203109" cy="243942"/>
           </a:xfrm>
           <a:prstGeom prst="flowChartProcess">
@@ -9242,7 +9242,7 @@
         </p:nvSpPr>
         <p:spPr>
           <a:xfrm>
-            <a:off x="11805833" y="7136932"/>
+            <a:off x="11297835" y="7136932"/>
             <a:ext cx="1203109" cy="243942"/>
           </a:xfrm>
           <a:prstGeom prst="flowChartProcess">
@@ -9310,7 +9310,7 @@
         </p:nvCxnSpPr>
         <p:spPr>
           <a:xfrm flipH="1" flipV="1">
-            <a:off x="3351913" y="5655350"/>
+            <a:off x="3792180" y="5655350"/>
             <a:ext cx="695999" cy="1696"/>
           </a:xfrm>
           <a:prstGeom prst="straightConnector1">
@@ -9352,7 +9352,7 @@
         </p:nvSpPr>
         <p:spPr>
           <a:xfrm>
-            <a:off x="9534529" y="5540586"/>
+            <a:off x="9026531" y="5540586"/>
             <a:ext cx="967879" cy="387771"/>
           </a:xfrm>
           <a:prstGeom prst="rect">
@@ -9441,7 +9441,7 @@
         </p:nvCxnSpPr>
         <p:spPr>
           <a:xfrm flipH="1">
-            <a:off x="4510055" y="5656945"/>
+            <a:off x="4950322" y="5656945"/>
             <a:ext cx="822764" cy="101"/>
           </a:xfrm>
           <a:prstGeom prst="straightConnector1">
@@ -9481,7 +9481,7 @@
         </p:nvSpPr>
         <p:spPr>
           <a:xfrm>
-            <a:off x="11803952" y="5786800"/>
+            <a:off x="11295954" y="5786800"/>
             <a:ext cx="1203109" cy="243942"/>
           </a:xfrm>
           <a:prstGeom prst="flowChartProcess">
@@ -9545,7 +9545,7 @@
         </p:nvSpPr>
         <p:spPr>
           <a:xfrm>
-            <a:off x="11798271" y="5156885"/>
+            <a:off x="11290273" y="5156885"/>
             <a:ext cx="1203109" cy="243942"/>
           </a:xfrm>
           <a:prstGeom prst="flowChartProcess">
@@ -9609,7 +9609,7 @@
         </p:nvSpPr>
         <p:spPr>
           <a:xfrm>
-            <a:off x="11803952" y="6094125"/>
+            <a:off x="11295954" y="6094125"/>
             <a:ext cx="1203109" cy="243942"/>
           </a:xfrm>
           <a:prstGeom prst="flowChartProcess">
@@ -9673,8 +9673,8 @@
         </p:nvSpPr>
         <p:spPr>
           <a:xfrm>
-            <a:off x="5160861" y="4012838"/>
-            <a:ext cx="2398096" cy="2138368"/>
+            <a:off x="5601128" y="5194750"/>
+            <a:ext cx="2398096" cy="1134584"/>
           </a:xfrm>
           <a:prstGeom prst="rect">
             <a:avLst/>
@@ -9736,7 +9736,7 @@
         </p:blipFill>
         <p:spPr>
           <a:xfrm>
-            <a:off x="6096732" y="3792007"/>
+            <a:off x="6527270" y="6180843"/>
             <a:ext cx="462142" cy="462142"/>
           </a:xfrm>
           <a:prstGeom prst="rect">
@@ -9760,7 +9760,7 @@
         </p:nvSpPr>
         <p:spPr>
           <a:xfrm>
-            <a:off x="5839361" y="3567587"/>
+            <a:off x="6269899" y="6657071"/>
             <a:ext cx="967879" cy="267998"/>
           </a:xfrm>
           <a:prstGeom prst="rect">
@@ -9798,7 +9798,7 @@
                 <a:ea typeface="KoPubWorldDotum Bold" pitchFamily="2" charset="-127"/>
                 <a:cs typeface="KoPubWorldDotum Bold" pitchFamily="2" charset="-127"/>
               </a:rPr>
-              <a:t>S3</a:t>
+              <a:t>S3 (Hosting)</a:t>
             </a:r>
             <a:endParaRPr kumimoji="1" lang="ko-KR" altLang="en-US" sz="900" b="1" dirty="0">
               <a:latin typeface="KoPubWorldDotum Bold" pitchFamily="2" charset="-127"/>
@@ -9830,7 +9830,7 @@
         </p:blipFill>
         <p:spPr>
           <a:xfrm>
-            <a:off x="9760631" y="3884690"/>
+            <a:off x="9252633" y="7497814"/>
             <a:ext cx="461326" cy="461326"/>
           </a:xfrm>
           <a:prstGeom prst="rect">
@@ -9852,7 +9852,7 @@
         </p:nvSpPr>
         <p:spPr>
           <a:xfrm>
-            <a:off x="11805833" y="5481227"/>
+            <a:off x="11297835" y="5481227"/>
             <a:ext cx="1203109" cy="243942"/>
           </a:xfrm>
           <a:prstGeom prst="flowChartProcess">
@@ -9918,7 +9918,7 @@
         </p:nvSpPr>
         <p:spPr>
           <a:xfrm>
-            <a:off x="12013612" y="3616355"/>
+            <a:off x="11505614" y="7966251"/>
             <a:ext cx="739201" cy="267998"/>
           </a:xfrm>
           <a:prstGeom prst="rect">
@@ -10033,7 +10033,7 @@
         </p:blipFill>
         <p:spPr>
           <a:xfrm>
-            <a:off x="6704783" y="6743472"/>
+            <a:off x="7165021" y="7501886"/>
             <a:ext cx="461326" cy="461326"/>
           </a:xfrm>
           <a:prstGeom prst="rect">
@@ -10057,7 +10057,7 @@
         </p:nvSpPr>
         <p:spPr>
           <a:xfrm>
-            <a:off x="6278361" y="6496947"/>
+            <a:off x="6738599" y="7956009"/>
             <a:ext cx="1314173" cy="267998"/>
           </a:xfrm>
           <a:prstGeom prst="rect">
@@ -10129,7 +10129,7 @@
         </p:blipFill>
         <p:spPr>
           <a:xfrm>
-            <a:off x="5383110" y="5459614"/>
+            <a:off x="5823377" y="5459614"/>
             <a:ext cx="471321" cy="476674"/>
           </a:xfrm>
           <a:prstGeom prst="rect">
@@ -10166,7 +10166,7 @@
         </p:blipFill>
         <p:spPr>
           <a:xfrm>
-            <a:off x="6054112" y="5455412"/>
+            <a:off x="6494379" y="5455412"/>
             <a:ext cx="472963" cy="480395"/>
           </a:xfrm>
           <a:prstGeom prst="rect">
@@ -10203,7 +10203,7 @@
         </p:blipFill>
         <p:spPr>
           <a:xfrm>
-            <a:off x="6706858" y="5443904"/>
+            <a:off x="7147125" y="5443904"/>
             <a:ext cx="444739" cy="438219"/>
           </a:xfrm>
           <a:prstGeom prst="rect">
@@ -10233,7 +10233,7 @@
         </p:blipFill>
         <p:spPr>
           <a:xfrm>
-            <a:off x="12121887" y="3884353"/>
+            <a:off x="11613889" y="7497477"/>
             <a:ext cx="462142" cy="462142"/>
           </a:xfrm>
           <a:prstGeom prst="rect">
@@ -10259,7 +10259,7 @@
         </p:nvCxnSpPr>
         <p:spPr>
           <a:xfrm rot="10800000" flipV="1">
-            <a:off x="13008942" y="6496947"/>
+            <a:off x="12500944" y="6496947"/>
             <a:ext cx="875984" cy="473182"/>
           </a:xfrm>
           <a:prstGeom prst="bentConnector3">
@@ -10301,7 +10301,7 @@
         </p:nvCxnSpPr>
         <p:spPr>
           <a:xfrm rot="10800000">
-            <a:off x="13008943" y="6970129"/>
+            <a:off x="12500945" y="6970129"/>
             <a:ext cx="877613" cy="327100"/>
           </a:xfrm>
           <a:prstGeom prst="bentConnector3">
@@ -10341,7 +10341,7 @@
         </p:nvSpPr>
         <p:spPr>
           <a:xfrm>
-            <a:off x="9528153" y="3644155"/>
+            <a:off x="9020155" y="7994051"/>
             <a:ext cx="926279" cy="267998"/>
           </a:xfrm>
           <a:prstGeom prst="rect">
@@ -10403,7 +10403,7 @@
         </p:nvSpPr>
         <p:spPr>
           <a:xfrm>
-            <a:off x="5332819" y="5306597"/>
+            <a:off x="5773086" y="5306597"/>
             <a:ext cx="1997897" cy="700696"/>
           </a:xfrm>
           <a:prstGeom prst="rect">
@@ -10442,12 +10442,138 @@
           </a:p>
         </p:txBody>
       </p:sp>
+      <p:cxnSp>
+        <p:nvCxnSpPr>
+          <p:cNvPr id="10" name="꺾인 연결선[E] 9">
+            <a:extLst>
+              <a:ext uri="{FF2B5EF4-FFF2-40B4-BE49-F238E27FC236}">
+                <a16:creationId xmlns:a16="http://schemas.microsoft.com/office/drawing/2014/main" id="{2D29D2D6-87F4-C7B4-E26C-5D92C501ECF4}"/>
+              </a:ext>
+            </a:extLst>
+          </p:cNvPr>
+          <p:cNvCxnSpPr>
+            <a:cxnSpLocks/>
+            <a:stCxn id="58" idx="1"/>
+            <a:endCxn id="1387" idx="3"/>
+          </p:cNvCxnSpPr>
+          <p:nvPr/>
+        </p:nvCxnSpPr>
+        <p:spPr>
+          <a:xfrm rot="10800000">
+            <a:off x="7770983" y="5656946"/>
+            <a:ext cx="1255548" cy="77527"/>
+          </a:xfrm>
+          <a:prstGeom prst="bentConnector3">
+            <a:avLst>
+              <a:gd name="adj1" fmla="val 50862"/>
+            </a:avLst>
+          </a:prstGeom>
+        </p:spPr>
+        <p:style>
+          <a:lnRef idx="2">
+            <a:schemeClr val="accent1"/>
+          </a:lnRef>
+          <a:fillRef idx="0">
+            <a:schemeClr val="accent1"/>
+          </a:fillRef>
+          <a:effectRef idx="1">
+            <a:schemeClr val="accent1"/>
+          </a:effectRef>
+          <a:fontRef idx="minor">
+            <a:schemeClr val="tx1"/>
+          </a:fontRef>
+        </p:style>
+      </p:cxnSp>
+      <p:cxnSp>
+        <p:nvCxnSpPr>
+          <p:cNvPr id="21" name="꺾인 연결선[E] 20">
+            <a:extLst>
+              <a:ext uri="{FF2B5EF4-FFF2-40B4-BE49-F238E27FC236}">
+                <a16:creationId xmlns:a16="http://schemas.microsoft.com/office/drawing/2014/main" id="{9F0380B2-BCFC-D739-F160-C58614F63999}"/>
+              </a:ext>
+            </a:extLst>
+          </p:cNvPr>
+          <p:cNvCxnSpPr>
+            <a:cxnSpLocks/>
+            <a:stCxn id="48" idx="1"/>
+            <a:endCxn id="1387" idx="3"/>
+          </p:cNvCxnSpPr>
+          <p:nvPr/>
+        </p:nvCxnSpPr>
+        <p:spPr>
+          <a:xfrm rot="10800000">
+            <a:off x="7770984" y="5656946"/>
+            <a:ext cx="1237227" cy="1315105"/>
+          </a:xfrm>
+          <a:prstGeom prst="bentConnector3">
+            <a:avLst>
+              <a:gd name="adj1" fmla="val 50000"/>
+            </a:avLst>
+          </a:prstGeom>
+        </p:spPr>
+        <p:style>
+          <a:lnRef idx="2">
+            <a:schemeClr val="accent1"/>
+          </a:lnRef>
+          <a:fillRef idx="0">
+            <a:schemeClr val="accent1"/>
+          </a:fillRef>
+          <a:effectRef idx="1">
+            <a:schemeClr val="accent1"/>
+          </a:effectRef>
+          <a:fontRef idx="minor">
+            <a:schemeClr val="tx1"/>
+          </a:fontRef>
+        </p:style>
+      </p:cxnSp>
+      <p:cxnSp>
+        <p:nvCxnSpPr>
+          <p:cNvPr id="35" name="꺾인 연결선[E] 34">
+            <a:extLst>
+              <a:ext uri="{FF2B5EF4-FFF2-40B4-BE49-F238E27FC236}">
+                <a16:creationId xmlns:a16="http://schemas.microsoft.com/office/drawing/2014/main" id="{785E2163-03A4-C769-BACC-C8EFA654FFDD}"/>
+              </a:ext>
+            </a:extLst>
+          </p:cNvPr>
+          <p:cNvCxnSpPr>
+            <a:cxnSpLocks/>
+            <a:stCxn id="1368" idx="1"/>
+            <a:endCxn id="1387" idx="3"/>
+          </p:cNvCxnSpPr>
+          <p:nvPr/>
+        </p:nvCxnSpPr>
+        <p:spPr>
+          <a:xfrm rot="10800000" flipV="1">
+            <a:off x="7770983" y="4174651"/>
+            <a:ext cx="1237226" cy="1482293"/>
+          </a:xfrm>
+          <a:prstGeom prst="bentConnector3">
+            <a:avLst>
+              <a:gd name="adj1" fmla="val 50000"/>
+            </a:avLst>
+          </a:prstGeom>
+        </p:spPr>
+        <p:style>
+          <a:lnRef idx="2">
+            <a:schemeClr val="accent1"/>
+          </a:lnRef>
+          <a:fillRef idx="0">
+            <a:schemeClr val="accent1"/>
+          </a:fillRef>
+          <a:effectRef idx="1">
+            <a:schemeClr val="accent1"/>
+          </a:effectRef>
+          <a:fontRef idx="minor">
+            <a:schemeClr val="tx1"/>
+          </a:fontRef>
+        </p:style>
+      </p:cxnSp>
       <p:pic>
         <p:nvPicPr>
-          <p:cNvPr id="22" name="그림 21">
-            <a:extLst>
-              <a:ext uri="{FF2B5EF4-FFF2-40B4-BE49-F238E27FC236}">
-                <a16:creationId xmlns:a16="http://schemas.microsoft.com/office/drawing/2014/main" id="{D2333B75-D60C-9933-5A6C-1FC8BF360EB6}"/>
+          <p:cNvPr id="1364" name="그림 1363">
+            <a:extLst>
+              <a:ext uri="{FF2B5EF4-FFF2-40B4-BE49-F238E27FC236}">
+                <a16:creationId xmlns:a16="http://schemas.microsoft.com/office/drawing/2014/main" id="{341488FF-93C0-A601-6CE8-363A04D1A25A}"/>
               </a:ext>
             </a:extLst>
           </p:cNvPr>
@@ -10457,15 +10583,17 @@
           <p:nvPr/>
         </p:nvPicPr>
         <p:blipFill>
-          <a:blip r:embed="rId16"/>
+          <a:blip r:embed="rId16">
+            <a:alphaModFix/>
+          </a:blip>
           <a:stretch>
             <a:fillRect/>
           </a:stretch>
         </p:blipFill>
         <p:spPr>
           <a:xfrm>
-            <a:off x="8164207" y="2615325"/>
-            <a:ext cx="462142" cy="462142"/>
+            <a:off x="13445787" y="3944887"/>
+            <a:ext cx="461327" cy="461327"/>
           </a:xfrm>
           <a:prstGeom prst="rect">
             <a:avLst/>
@@ -10474,10 +10602,10 @@
       </p:pic>
       <p:sp>
         <p:nvSpPr>
-          <p:cNvPr id="24" name="제목 1">
-            <a:extLst>
-              <a:ext uri="{FF2B5EF4-FFF2-40B4-BE49-F238E27FC236}">
-                <a16:creationId xmlns:a16="http://schemas.microsoft.com/office/drawing/2014/main" id="{F26C1E1A-00F8-52FD-9B29-C0DECBC994D6}"/>
+          <p:cNvPr id="1365" name="제목 1">
+            <a:extLst>
+              <a:ext uri="{FF2B5EF4-FFF2-40B4-BE49-F238E27FC236}">
+                <a16:creationId xmlns:a16="http://schemas.microsoft.com/office/drawing/2014/main" id="{EF62E46B-C322-4C4A-78D7-78862F5A2CC2}"/>
               </a:ext>
             </a:extLst>
           </p:cNvPr>
@@ -10488,8 +10616,8 @@
         </p:nvSpPr>
         <p:spPr>
           <a:xfrm>
-            <a:off x="7766448" y="2421442"/>
-            <a:ext cx="1257659" cy="236354"/>
+            <a:off x="12972014" y="4399216"/>
+            <a:ext cx="1372683" cy="267998"/>
           </a:xfrm>
           <a:prstGeom prst="rect">
             <a:avLst/>
@@ -10526,75 +10654,86 @@
                 <a:ea typeface="KoPubWorldDotum Bold" pitchFamily="2" charset="-127"/>
                 <a:cs typeface="KoPubWorldDotum Bold" pitchFamily="2" charset="-127"/>
               </a:rPr>
-              <a:t>Athena</a:t>
-            </a:r>
-            <a:endParaRPr kumimoji="1" lang="ko-KR" altLang="en-US" sz="900" b="1" dirty="0">
-              <a:latin typeface="KoPubWorldDotum Bold" pitchFamily="2" charset="-127"/>
-              <a:ea typeface="KoPubWorldDotum Bold" pitchFamily="2" charset="-127"/>
-              <a:cs typeface="KoPubWorldDotum Bold" pitchFamily="2" charset="-127"/>
-            </a:endParaRPr>
+              <a:t>Cognito</a:t>
+            </a:r>
+            <a:r>
+              <a:rPr kumimoji="1" lang="ko-KR" altLang="en-US" sz="900" b="1" dirty="0">
+                <a:latin typeface="KoPubWorldDotum Bold" pitchFamily="2" charset="-127"/>
+                <a:ea typeface="KoPubWorldDotum Bold" pitchFamily="2" charset="-127"/>
+                <a:cs typeface="KoPubWorldDotum Bold" pitchFamily="2" charset="-127"/>
+              </a:rPr>
+              <a:t> </a:t>
+            </a:r>
+            <a:r>
+              <a:rPr kumimoji="1" lang="en-US" altLang="ko-KR" sz="900" b="1" dirty="0">
+                <a:latin typeface="KoPubWorldDotum Bold" pitchFamily="2" charset="-127"/>
+                <a:ea typeface="KoPubWorldDotum Bold" pitchFamily="2" charset="-127"/>
+                <a:cs typeface="KoPubWorldDotum Bold" pitchFamily="2" charset="-127"/>
+              </a:rPr>
+              <a:t>User Pool</a:t>
+            </a:r>
+            <a:r>
+              <a:rPr kumimoji="1" lang="ko-KR" altLang="en-US" sz="900" b="1" dirty="0">
+                <a:latin typeface="KoPubWorldDotum Bold" pitchFamily="2" charset="-127"/>
+                <a:ea typeface="KoPubWorldDotum Bold" pitchFamily="2" charset="-127"/>
+                <a:cs typeface="KoPubWorldDotum Bold" pitchFamily="2" charset="-127"/>
+              </a:rPr>
+              <a:t> </a:t>
+            </a:r>
           </a:p>
         </p:txBody>
       </p:sp>
+      <p:pic>
+        <p:nvPicPr>
+          <p:cNvPr id="1366" name="Picture 2" descr="JavaScript | Kakao Developers 문서">
+            <a:extLst>
+              <a:ext uri="{FF2B5EF4-FFF2-40B4-BE49-F238E27FC236}">
+                <a16:creationId xmlns:a16="http://schemas.microsoft.com/office/drawing/2014/main" id="{D9183634-D7D8-68FC-36F7-82A39535D445}"/>
+              </a:ext>
+            </a:extLst>
+          </p:cNvPr>
+          <p:cNvPicPr>
+            <a:picLocks noChangeAspect="1" noChangeArrowheads="1"/>
+          </p:cNvPicPr>
+          <p:nvPr/>
+        </p:nvPicPr>
+        <p:blipFill rotWithShape="1">
+          <a:blip r:embed="rId17">
+            <a:extLst>
+              <a:ext uri="{28A0092B-C50C-407E-A947-70E740481C1C}">
+                <a14:useLocalDpi xmlns:a14="http://schemas.microsoft.com/office/drawing/2010/main" val="0"/>
+              </a:ext>
+            </a:extLst>
+          </a:blip>
+          <a:srcRect l="35001" t="35938" r="20859" b="37167"/>
+          <a:stretch/>
+        </p:blipFill>
+        <p:spPr bwMode="auto">
+          <a:xfrm>
+            <a:off x="14935295" y="4008895"/>
+            <a:ext cx="649591" cy="333312"/>
+          </a:xfrm>
+          <a:prstGeom prst="rect">
+            <a:avLst/>
+          </a:prstGeom>
+          <a:noFill/>
+          <a:extLst>
+            <a:ext uri="{909E8E84-426E-40DD-AFC4-6F175D3DCCD1}">
+              <a14:hiddenFill xmlns:a14="http://schemas.microsoft.com/office/drawing/2010/main">
+                <a:solidFill>
+                  <a:srgbClr val="FFFFFF"/>
+                </a:solidFill>
+              </a14:hiddenFill>
+            </a:ext>
+          </a:extLst>
+        </p:spPr>
+      </p:pic>
       <p:sp>
         <p:nvSpPr>
-          <p:cNvPr id="25" name="직사각형 24">
-            <a:extLst>
-              <a:ext uri="{FF2B5EF4-FFF2-40B4-BE49-F238E27FC236}">
-                <a16:creationId xmlns:a16="http://schemas.microsoft.com/office/drawing/2014/main" id="{D9506844-BED0-1286-314E-61B7A01B1904}"/>
-              </a:ext>
-            </a:extLst>
-          </p:cNvPr>
-          <p:cNvSpPr/>
-          <p:nvPr/>
-        </p:nvSpPr>
-        <p:spPr>
-          <a:xfrm>
-            <a:off x="5330216" y="4419207"/>
-            <a:ext cx="1997897" cy="700696"/>
-          </a:xfrm>
-          <a:prstGeom prst="rect">
-            <a:avLst/>
-          </a:prstGeom>
-          <a:noFill/>
-          <a:ln>
-            <a:solidFill>
-              <a:schemeClr val="accent5"/>
-            </a:solidFill>
-            <a:prstDash val="sysDash"/>
-          </a:ln>
-        </p:spPr>
-        <p:style>
-          <a:lnRef idx="2">
-            <a:schemeClr val="accent1">
-              <a:shade val="15000"/>
-            </a:schemeClr>
-          </a:lnRef>
-          <a:fillRef idx="1">
-            <a:schemeClr val="accent1"/>
-          </a:fillRef>
-          <a:effectRef idx="0">
-            <a:schemeClr val="accent1"/>
-          </a:effectRef>
-          <a:fontRef idx="minor">
-            <a:schemeClr val="lt1"/>
-          </a:fontRef>
-        </p:style>
-        <p:txBody>
-          <a:bodyPr rtlCol="0" anchor="ctr"/>
-          <a:lstStyle/>
-          <a:p>
-            <a:pPr algn="ctr"/>
-            <a:endParaRPr kumimoji="1" lang="ko-KR" altLang="en-US" sz="900"/>
-          </a:p>
-        </p:txBody>
-      </p:sp>
-      <p:sp>
-        <p:nvSpPr>
-          <p:cNvPr id="29" name="제목 1">
-            <a:extLst>
-              <a:ext uri="{FF2B5EF4-FFF2-40B4-BE49-F238E27FC236}">
-                <a16:creationId xmlns:a16="http://schemas.microsoft.com/office/drawing/2014/main" id="{A7EC2B79-50AE-8C30-7BE5-484D3CCB1FD2}"/>
+          <p:cNvPr id="1367" name="제목 1">
+            <a:extLst>
+              <a:ext uri="{FF2B5EF4-FFF2-40B4-BE49-F238E27FC236}">
+                <a16:creationId xmlns:a16="http://schemas.microsoft.com/office/drawing/2014/main" id="{BFC37B5B-63E9-32E3-3DC1-B5B458412B4A}"/>
               </a:ext>
             </a:extLst>
           </p:cNvPr>
@@ -10605,15 +10744,12 @@
         </p:nvSpPr>
         <p:spPr>
           <a:xfrm>
-            <a:off x="6034294" y="4567895"/>
-            <a:ext cx="512382" cy="387771"/>
+            <a:off x="14434129" y="4399216"/>
+            <a:ext cx="1651921" cy="267998"/>
           </a:xfrm>
           <a:prstGeom prst="rect">
             <a:avLst/>
           </a:prstGeom>
-          <a:solidFill>
-            <a:schemeClr val="accent5"/>
-          </a:solidFill>
         </p:spPr>
         <p:txBody>
           <a:bodyPr vert="horz" lIns="91440" tIns="45720" rIns="91440" bIns="45720" rtlCol="0" anchor="ctr">
@@ -10642,190 +10778,21 @@
             <a:pPr algn="ctr"/>
             <a:r>
               <a:rPr kumimoji="1" lang="en-US" altLang="ko-KR" sz="900" b="1" dirty="0">
-                <a:solidFill>
-                  <a:schemeClr val="bg1"/>
-                </a:solidFill>
                 <a:latin typeface="KoPubWorldDotum Bold" pitchFamily="2" charset="-127"/>
                 <a:ea typeface="KoPubWorldDotum Bold" pitchFamily="2" charset="-127"/>
                 <a:cs typeface="KoPubWorldDotum Bold" pitchFamily="2" charset="-127"/>
               </a:rPr>
-              <a:t>logs</a:t>
-            </a:r>
-            <a:endParaRPr kumimoji="1" lang="ko-KR" altLang="en-US" sz="900" b="1" dirty="0">
-              <a:solidFill>
-                <a:schemeClr val="bg1"/>
-              </a:solidFill>
-              <a:latin typeface="KoPubWorldDotum Bold" pitchFamily="2" charset="-127"/>
-              <a:ea typeface="KoPubWorldDotum Bold" pitchFamily="2" charset="-127"/>
-              <a:cs typeface="KoPubWorldDotum Bold" pitchFamily="2" charset="-127"/>
-            </a:endParaRPr>
+              <a:t>Kakao Login OIDC</a:t>
+            </a:r>
           </a:p>
         </p:txBody>
       </p:sp>
-      <p:cxnSp>
-        <p:nvCxnSpPr>
-          <p:cNvPr id="10" name="꺾인 연결선[E] 9">
-            <a:extLst>
-              <a:ext uri="{FF2B5EF4-FFF2-40B4-BE49-F238E27FC236}">
-                <a16:creationId xmlns:a16="http://schemas.microsoft.com/office/drawing/2014/main" id="{2D29D2D6-87F4-C7B4-E26C-5D92C501ECF4}"/>
-              </a:ext>
-            </a:extLst>
-          </p:cNvPr>
-          <p:cNvCxnSpPr>
-            <a:cxnSpLocks/>
-            <a:stCxn id="58" idx="1"/>
-            <a:endCxn id="1387" idx="3"/>
-          </p:cNvCxnSpPr>
-          <p:nvPr/>
-        </p:nvCxnSpPr>
-        <p:spPr>
-          <a:xfrm rot="10800000">
-            <a:off x="7330717" y="5656946"/>
-            <a:ext cx="2203813" cy="77527"/>
-          </a:xfrm>
-          <a:prstGeom prst="bentConnector3">
-            <a:avLst>
-              <a:gd name="adj1" fmla="val 4495"/>
-            </a:avLst>
-          </a:prstGeom>
-        </p:spPr>
-        <p:style>
-          <a:lnRef idx="2">
-            <a:schemeClr val="accent1"/>
-          </a:lnRef>
-          <a:fillRef idx="0">
-            <a:schemeClr val="accent1"/>
-          </a:fillRef>
-          <a:effectRef idx="1">
-            <a:schemeClr val="accent1"/>
-          </a:effectRef>
-          <a:fontRef idx="minor">
-            <a:schemeClr val="tx1"/>
-          </a:fontRef>
-        </p:style>
-      </p:cxnSp>
-      <p:cxnSp>
-        <p:nvCxnSpPr>
-          <p:cNvPr id="21" name="꺾인 연결선[E] 20">
-            <a:extLst>
-              <a:ext uri="{FF2B5EF4-FFF2-40B4-BE49-F238E27FC236}">
-                <a16:creationId xmlns:a16="http://schemas.microsoft.com/office/drawing/2014/main" id="{9F0380B2-BCFC-D739-F160-C58614F63999}"/>
-              </a:ext>
-            </a:extLst>
-          </p:cNvPr>
-          <p:cNvCxnSpPr>
-            <a:cxnSpLocks/>
-            <a:stCxn id="48" idx="1"/>
-            <a:endCxn id="1387" idx="3"/>
-          </p:cNvCxnSpPr>
-          <p:nvPr/>
-        </p:nvCxnSpPr>
-        <p:spPr>
-          <a:xfrm rot="10800000">
-            <a:off x="7330716" y="5656946"/>
-            <a:ext cx="2185492" cy="1315105"/>
-          </a:xfrm>
-          <a:prstGeom prst="bentConnector3">
-            <a:avLst>
-              <a:gd name="adj1" fmla="val 3554"/>
-            </a:avLst>
-          </a:prstGeom>
-        </p:spPr>
-        <p:style>
-          <a:lnRef idx="2">
-            <a:schemeClr val="accent1"/>
-          </a:lnRef>
-          <a:fillRef idx="0">
-            <a:schemeClr val="accent1"/>
-          </a:fillRef>
-          <a:effectRef idx="1">
-            <a:schemeClr val="accent1"/>
-          </a:effectRef>
-          <a:fontRef idx="minor">
-            <a:schemeClr val="tx1"/>
-          </a:fontRef>
-        </p:style>
-      </p:cxnSp>
-      <p:cxnSp>
-        <p:nvCxnSpPr>
-          <p:cNvPr id="35" name="꺾인 연결선[E] 34">
-            <a:extLst>
-              <a:ext uri="{FF2B5EF4-FFF2-40B4-BE49-F238E27FC236}">
-                <a16:creationId xmlns:a16="http://schemas.microsoft.com/office/drawing/2014/main" id="{785E2163-03A4-C769-BACC-C8EFA654FFDD}"/>
-              </a:ext>
-            </a:extLst>
-          </p:cNvPr>
-          <p:cNvCxnSpPr>
-            <a:cxnSpLocks/>
-            <a:stCxn id="1368" idx="1"/>
-            <a:endCxn id="1387" idx="3"/>
-          </p:cNvCxnSpPr>
-          <p:nvPr/>
-        </p:nvCxnSpPr>
-        <p:spPr>
-          <a:xfrm rot="10800000" flipV="1">
-            <a:off x="7330717" y="4628843"/>
-            <a:ext cx="2185491" cy="1028102"/>
-          </a:xfrm>
-          <a:prstGeom prst="bentConnector3">
-            <a:avLst>
-              <a:gd name="adj1" fmla="val 3512"/>
-            </a:avLst>
-          </a:prstGeom>
-        </p:spPr>
-        <p:style>
-          <a:lnRef idx="2">
-            <a:schemeClr val="accent1"/>
-          </a:lnRef>
-          <a:fillRef idx="0">
-            <a:schemeClr val="accent1"/>
-          </a:fillRef>
-          <a:effectRef idx="1">
-            <a:schemeClr val="accent1"/>
-          </a:effectRef>
-          <a:fontRef idx="minor">
-            <a:schemeClr val="tx1"/>
-          </a:fontRef>
-        </p:style>
-      </p:cxnSp>
-      <p:pic>
-        <p:nvPicPr>
-          <p:cNvPr id="1364" name="그림 1363">
-            <a:extLst>
-              <a:ext uri="{FF2B5EF4-FFF2-40B4-BE49-F238E27FC236}">
-                <a16:creationId xmlns:a16="http://schemas.microsoft.com/office/drawing/2014/main" id="{341488FF-93C0-A601-6CE8-363A04D1A25A}"/>
-              </a:ext>
-            </a:extLst>
-          </p:cNvPr>
-          <p:cNvPicPr>
-            <a:picLocks noChangeAspect="1"/>
-          </p:cNvPicPr>
-          <p:nvPr/>
-        </p:nvPicPr>
-        <p:blipFill>
-          <a:blip r:embed="rId17">
-            <a:alphaModFix/>
-          </a:blip>
-          <a:stretch>
-            <a:fillRect/>
-          </a:stretch>
-        </p:blipFill>
-        <p:spPr>
-          <a:xfrm>
-            <a:off x="13953785" y="4399078"/>
-            <a:ext cx="461327" cy="461327"/>
-          </a:xfrm>
-          <a:prstGeom prst="rect">
-            <a:avLst/>
-          </a:prstGeom>
-        </p:spPr>
-      </p:pic>
       <p:sp>
         <p:nvSpPr>
-          <p:cNvPr id="1365" name="제목 1">
-            <a:extLst>
-              <a:ext uri="{FF2B5EF4-FFF2-40B4-BE49-F238E27FC236}">
-                <a16:creationId xmlns:a16="http://schemas.microsoft.com/office/drawing/2014/main" id="{EF62E46B-C322-4C4A-78D7-78862F5A2CC2}"/>
+          <p:cNvPr id="1368" name="제목 1">
+            <a:extLst>
+              <a:ext uri="{FF2B5EF4-FFF2-40B4-BE49-F238E27FC236}">
+                <a16:creationId xmlns:a16="http://schemas.microsoft.com/office/drawing/2014/main" id="{43D26DBF-2F2B-E865-3E43-F086A2A9C884}"/>
               </a:ext>
             </a:extLst>
           </p:cNvPr>
@@ -10836,12 +10803,15 @@
         </p:nvSpPr>
         <p:spPr>
           <a:xfrm>
-            <a:off x="13480012" y="4196761"/>
-            <a:ext cx="1372683" cy="267998"/>
+            <a:off x="9008209" y="3980766"/>
+            <a:ext cx="967879" cy="387771"/>
           </a:xfrm>
           <a:prstGeom prst="rect">
             <a:avLst/>
           </a:prstGeom>
+          <a:solidFill>
+            <a:srgbClr val="156082"/>
+          </a:solidFill>
         </p:spPr>
         <p:txBody>
           <a:bodyPr vert="horz" lIns="91440" tIns="45720" rIns="91440" bIns="45720" rtlCol="0" anchor="ctr">
@@ -10870,90 +10840,804 @@
             <a:pPr algn="ctr"/>
             <a:r>
               <a:rPr kumimoji="1" lang="en-US" altLang="ko-KR" sz="900" b="1" dirty="0">
+                <a:solidFill>
+                  <a:schemeClr val="bg1"/>
+                </a:solidFill>
                 <a:latin typeface="KoPubWorldDotum Bold" pitchFamily="2" charset="-127"/>
                 <a:ea typeface="KoPubWorldDotum Bold" pitchFamily="2" charset="-127"/>
                 <a:cs typeface="KoPubWorldDotum Bold" pitchFamily="2" charset="-127"/>
               </a:rPr>
-              <a:t>Cognito</a:t>
-            </a:r>
-            <a:r>
-              <a:rPr kumimoji="1" lang="ko-KR" altLang="en-US" sz="900" b="1" dirty="0">
+              <a:t>REST API</a:t>
+            </a:r>
+          </a:p>
+          <a:p>
+            <a:pPr algn="ctr"/>
+            <a:r>
+              <a:rPr kumimoji="1" lang="en-US" altLang="ko-KR" sz="900" b="1" dirty="0">
+                <a:solidFill>
+                  <a:schemeClr val="bg1"/>
+                </a:solidFill>
                 <a:latin typeface="KoPubWorldDotum Bold" pitchFamily="2" charset="-127"/>
                 <a:ea typeface="KoPubWorldDotum Bold" pitchFamily="2" charset="-127"/>
                 <a:cs typeface="KoPubWorldDotum Bold" pitchFamily="2" charset="-127"/>
               </a:rPr>
-              <a:t> </a:t>
-            </a:r>
-            <a:r>
-              <a:rPr kumimoji="1" lang="en-US" altLang="ko-KR" sz="900" b="1" dirty="0">
+              <a:t>(Auth)</a:t>
+            </a:r>
+            <a:endParaRPr kumimoji="1" lang="ko-KR" altLang="en-US" sz="900" b="1" dirty="0">
+              <a:solidFill>
+                <a:schemeClr val="bg1"/>
+              </a:solidFill>
+              <a:latin typeface="KoPubWorldDotum Bold" pitchFamily="2" charset="-127"/>
+              <a:ea typeface="KoPubWorldDotum Bold" pitchFamily="2" charset="-127"/>
+              <a:cs typeface="KoPubWorldDotum Bold" pitchFamily="2" charset="-127"/>
+            </a:endParaRPr>
+          </a:p>
+        </p:txBody>
+      </p:sp>
+      <p:sp>
+        <p:nvSpPr>
+          <p:cNvPr id="1369" name="처리 1368">
+            <a:extLst>
+              <a:ext uri="{FF2B5EF4-FFF2-40B4-BE49-F238E27FC236}">
+                <a16:creationId xmlns:a16="http://schemas.microsoft.com/office/drawing/2014/main" id="{D2CA8690-2076-F6A0-6184-53D4C3004910}"/>
+              </a:ext>
+            </a:extLst>
+          </p:cNvPr>
+          <p:cNvSpPr/>
+          <p:nvPr/>
+        </p:nvSpPr>
+        <p:spPr>
+          <a:xfrm>
+            <a:off x="11297835" y="4050072"/>
+            <a:ext cx="1200406" cy="245334"/>
+          </a:xfrm>
+          <a:prstGeom prst="flowChartProcess">
+            <a:avLst/>
+          </a:prstGeom>
+          <a:solidFill>
+            <a:schemeClr val="accent1"/>
+          </a:solidFill>
+          <a:ln>
+            <a:noFill/>
+          </a:ln>
+        </p:spPr>
+        <p:style>
+          <a:lnRef idx="2">
+            <a:schemeClr val="accent1">
+              <a:shade val="15000"/>
+            </a:schemeClr>
+          </a:lnRef>
+          <a:fillRef idx="1">
+            <a:schemeClr val="accent1"/>
+          </a:fillRef>
+          <a:effectRef idx="0">
+            <a:schemeClr val="accent1"/>
+          </a:effectRef>
+          <a:fontRef idx="minor">
+            <a:schemeClr val="lt1"/>
+          </a:fontRef>
+        </p:style>
+        <p:txBody>
+          <a:bodyPr rtlCol="0" anchor="ctr"/>
+          <a:lstStyle/>
+          <a:p>
+            <a:pPr algn="ctr"/>
+            <a:r>
+              <a:rPr kumimoji="1" lang="en-US" altLang="ko-KR" sz="900" b="1" dirty="0" err="1">
                 <a:latin typeface="KoPubWorldDotum Bold" pitchFamily="2" charset="-127"/>
                 <a:ea typeface="KoPubWorldDotum Bold" pitchFamily="2" charset="-127"/>
                 <a:cs typeface="KoPubWorldDotum Bold" pitchFamily="2" charset="-127"/>
               </a:rPr>
-              <a:t>User Pool</a:t>
-            </a:r>
-            <a:r>
-              <a:rPr kumimoji="1" lang="ko-KR" altLang="en-US" sz="900" b="1" dirty="0">
-                <a:latin typeface="KoPubWorldDotum Bold" pitchFamily="2" charset="-127"/>
-                <a:ea typeface="KoPubWorldDotum Bold" pitchFamily="2" charset="-127"/>
-                <a:cs typeface="KoPubWorldDotum Bold" pitchFamily="2" charset="-127"/>
-              </a:rPr>
-              <a:t> </a:t>
-            </a:r>
+              <a:t>UserInfo</a:t>
+            </a:r>
+            <a:endParaRPr kumimoji="1" lang="ko-KR" altLang="en-US" sz="900" b="1" dirty="0">
+              <a:latin typeface="KoPubWorldDotum Bold" pitchFamily="2" charset="-127"/>
+              <a:ea typeface="KoPubWorldDotum Bold" pitchFamily="2" charset="-127"/>
+              <a:cs typeface="KoPubWorldDotum Bold" pitchFamily="2" charset="-127"/>
+            </a:endParaRPr>
           </a:p>
         </p:txBody>
       </p:sp>
-      <p:pic>
-        <p:nvPicPr>
-          <p:cNvPr id="1366" name="Picture 2" descr="JavaScript | Kakao Developers 문서">
-            <a:extLst>
-              <a:ext uri="{FF2B5EF4-FFF2-40B4-BE49-F238E27FC236}">
-                <a16:creationId xmlns:a16="http://schemas.microsoft.com/office/drawing/2014/main" id="{D9183634-D7D8-68FC-36F7-82A39535D445}"/>
-              </a:ext>
-            </a:extLst>
-          </p:cNvPr>
-          <p:cNvPicPr>
-            <a:picLocks noChangeAspect="1" noChangeArrowheads="1"/>
-          </p:cNvPicPr>
-          <p:nvPr/>
-        </p:nvPicPr>
-        <p:blipFill rotWithShape="1">
-          <a:blip r:embed="rId18">
-            <a:extLst>
-              <a:ext uri="{28A0092B-C50C-407E-A947-70E740481C1C}">
-                <a14:useLocalDpi xmlns:a14="http://schemas.microsoft.com/office/drawing/2010/main" val="0"/>
-              </a:ext>
-            </a:extLst>
-          </a:blip>
-          <a:srcRect l="35001" t="35938" r="20859" b="37167"/>
-          <a:stretch/>
-        </p:blipFill>
-        <p:spPr bwMode="auto">
-          <a:xfrm>
-            <a:off x="15443293" y="4463086"/>
-            <a:ext cx="649591" cy="333312"/>
-          </a:xfrm>
-          <a:prstGeom prst="rect">
-            <a:avLst/>
-          </a:prstGeom>
-          <a:noFill/>
-          <a:extLst>
-            <a:ext uri="{909E8E84-426E-40DD-AFC4-6F175D3DCCD1}">
-              <a14:hiddenFill xmlns:a14="http://schemas.microsoft.com/office/drawing/2010/main">
-                <a:solidFill>
-                  <a:srgbClr val="FFFFFF"/>
-                </a:solidFill>
-              </a14:hiddenFill>
-            </a:ext>
-          </a:extLst>
-        </p:spPr>
-      </p:pic>
+      <p:cxnSp>
+        <p:nvCxnSpPr>
+          <p:cNvPr id="1370" name="직선 화살표 연결선 1369">
+            <a:extLst>
+              <a:ext uri="{FF2B5EF4-FFF2-40B4-BE49-F238E27FC236}">
+                <a16:creationId xmlns:a16="http://schemas.microsoft.com/office/drawing/2014/main" id="{424A4335-B74B-DFB4-7C91-A338C96B432C}"/>
+              </a:ext>
+            </a:extLst>
+          </p:cNvPr>
+          <p:cNvCxnSpPr>
+            <a:cxnSpLocks/>
+            <a:stCxn id="1364" idx="1"/>
+            <a:endCxn id="1369" idx="3"/>
+          </p:cNvCxnSpPr>
+          <p:nvPr/>
+        </p:nvCxnSpPr>
+        <p:spPr>
+          <a:xfrm flipH="1" flipV="1">
+            <a:off x="12498241" y="4172739"/>
+            <a:ext cx="947546" cy="2812"/>
+          </a:xfrm>
+          <a:prstGeom prst="straightConnector1">
+            <a:avLst/>
+          </a:prstGeom>
+          <a:ln>
+            <a:headEnd type="none" w="med" len="med"/>
+            <a:tailEnd type="none" w="med" len="med"/>
+          </a:ln>
+        </p:spPr>
+        <p:style>
+          <a:lnRef idx="2">
+            <a:schemeClr val="accent1"/>
+          </a:lnRef>
+          <a:fillRef idx="0">
+            <a:schemeClr val="accent1"/>
+          </a:fillRef>
+          <a:effectRef idx="1">
+            <a:schemeClr val="accent1"/>
+          </a:effectRef>
+          <a:fontRef idx="minor">
+            <a:schemeClr val="tx1"/>
+          </a:fontRef>
+        </p:style>
+      </p:cxnSp>
+      <p:cxnSp>
+        <p:nvCxnSpPr>
+          <p:cNvPr id="1372" name="직선 화살표 연결선 1371">
+            <a:extLst>
+              <a:ext uri="{FF2B5EF4-FFF2-40B4-BE49-F238E27FC236}">
+                <a16:creationId xmlns:a16="http://schemas.microsoft.com/office/drawing/2014/main" id="{64D72915-3790-A5E4-0455-CC25D85AC716}"/>
+              </a:ext>
+            </a:extLst>
+          </p:cNvPr>
+          <p:cNvCxnSpPr>
+            <a:cxnSpLocks/>
+            <a:stCxn id="1366" idx="1"/>
+            <a:endCxn id="1364" idx="3"/>
+          </p:cNvCxnSpPr>
+          <p:nvPr/>
+        </p:nvCxnSpPr>
+        <p:spPr>
+          <a:xfrm flipH="1">
+            <a:off x="13907114" y="4175551"/>
+            <a:ext cx="1028181" cy="0"/>
+          </a:xfrm>
+          <a:prstGeom prst="straightConnector1">
+            <a:avLst/>
+          </a:prstGeom>
+          <a:ln>
+            <a:headEnd type="none" w="med" len="med"/>
+            <a:tailEnd type="none" w="med" len="med"/>
+          </a:ln>
+        </p:spPr>
+        <p:style>
+          <a:lnRef idx="2">
+            <a:schemeClr val="accent1"/>
+          </a:lnRef>
+          <a:fillRef idx="0">
+            <a:schemeClr val="accent1"/>
+          </a:fillRef>
+          <a:effectRef idx="1">
+            <a:schemeClr val="accent1"/>
+          </a:effectRef>
+          <a:fontRef idx="minor">
+            <a:schemeClr val="tx1"/>
+          </a:fontRef>
+        </p:style>
+      </p:cxnSp>
+      <p:cxnSp>
+        <p:nvCxnSpPr>
+          <p:cNvPr id="1373" name="직선 화살표 연결선 1372">
+            <a:extLst>
+              <a:ext uri="{FF2B5EF4-FFF2-40B4-BE49-F238E27FC236}">
+                <a16:creationId xmlns:a16="http://schemas.microsoft.com/office/drawing/2014/main" id="{6328338D-1EDA-576B-2BCD-525954597436}"/>
+              </a:ext>
+            </a:extLst>
+          </p:cNvPr>
+          <p:cNvCxnSpPr>
+            <a:cxnSpLocks/>
+            <a:stCxn id="1368" idx="3"/>
+            <a:endCxn id="1369" idx="1"/>
+          </p:cNvCxnSpPr>
+          <p:nvPr/>
+        </p:nvCxnSpPr>
+        <p:spPr>
+          <a:xfrm flipV="1">
+            <a:off x="9976088" y="4172739"/>
+            <a:ext cx="1321747" cy="1913"/>
+          </a:xfrm>
+          <a:prstGeom prst="straightConnector1">
+            <a:avLst/>
+          </a:prstGeom>
+          <a:ln>
+            <a:headEnd type="none" w="med" len="med"/>
+            <a:tailEnd type="none" w="med" len="med"/>
+          </a:ln>
+        </p:spPr>
+        <p:style>
+          <a:lnRef idx="2">
+            <a:schemeClr val="accent1"/>
+          </a:lnRef>
+          <a:fillRef idx="0">
+            <a:schemeClr val="accent1"/>
+          </a:fillRef>
+          <a:effectRef idx="1">
+            <a:schemeClr val="accent1"/>
+          </a:effectRef>
+          <a:fontRef idx="minor">
+            <a:schemeClr val="tx1"/>
+          </a:fontRef>
+        </p:style>
+      </p:cxnSp>
+      <p:cxnSp>
+        <p:nvCxnSpPr>
+          <p:cNvPr id="1374" name="꺾인 연결선[E] 1373">
+            <a:extLst>
+              <a:ext uri="{FF2B5EF4-FFF2-40B4-BE49-F238E27FC236}">
+                <a16:creationId xmlns:a16="http://schemas.microsoft.com/office/drawing/2014/main" id="{48F427D6-82E8-7274-B240-318AE0B781D8}"/>
+              </a:ext>
+            </a:extLst>
+          </p:cNvPr>
+          <p:cNvCxnSpPr>
+            <a:cxnSpLocks/>
+            <a:stCxn id="9" idx="1"/>
+            <a:endCxn id="58" idx="3"/>
+          </p:cNvCxnSpPr>
+          <p:nvPr/>
+        </p:nvCxnSpPr>
+        <p:spPr>
+          <a:xfrm rot="10800000" flipV="1">
+            <a:off x="9994411" y="5278856"/>
+            <a:ext cx="1295863" cy="455616"/>
+          </a:xfrm>
+          <a:prstGeom prst="bentConnector3">
+            <a:avLst>
+              <a:gd name="adj1" fmla="val 6798"/>
+            </a:avLst>
+          </a:prstGeom>
+        </p:spPr>
+        <p:style>
+          <a:lnRef idx="2">
+            <a:schemeClr val="accent1"/>
+          </a:lnRef>
+          <a:fillRef idx="0">
+            <a:schemeClr val="accent1"/>
+          </a:fillRef>
+          <a:effectRef idx="1">
+            <a:schemeClr val="accent1"/>
+          </a:effectRef>
+          <a:fontRef idx="minor">
+            <a:schemeClr val="tx1"/>
+          </a:fontRef>
+        </p:style>
+      </p:cxnSp>
+      <p:cxnSp>
+        <p:nvCxnSpPr>
+          <p:cNvPr id="1377" name="꺾인 연결선[E] 1376">
+            <a:extLst>
+              <a:ext uri="{FF2B5EF4-FFF2-40B4-BE49-F238E27FC236}">
+                <a16:creationId xmlns:a16="http://schemas.microsoft.com/office/drawing/2014/main" id="{71280AAB-918E-C4B7-3B8D-6FEEE7DA371F}"/>
+              </a:ext>
+            </a:extLst>
+          </p:cNvPr>
+          <p:cNvCxnSpPr>
+            <a:cxnSpLocks/>
+            <a:endCxn id="58" idx="3"/>
+          </p:cNvCxnSpPr>
+          <p:nvPr/>
+        </p:nvCxnSpPr>
+        <p:spPr>
+          <a:xfrm rot="10800000" flipV="1">
+            <a:off x="9994410" y="5627410"/>
+            <a:ext cx="1302356" cy="107061"/>
+          </a:xfrm>
+          <a:prstGeom prst="bentConnector3">
+            <a:avLst>
+              <a:gd name="adj1" fmla="val 7014"/>
+            </a:avLst>
+          </a:prstGeom>
+        </p:spPr>
+        <p:style>
+          <a:lnRef idx="2">
+            <a:schemeClr val="accent1"/>
+          </a:lnRef>
+          <a:fillRef idx="0">
+            <a:schemeClr val="accent1"/>
+          </a:fillRef>
+          <a:effectRef idx="1">
+            <a:schemeClr val="accent1"/>
+          </a:effectRef>
+          <a:fontRef idx="minor">
+            <a:schemeClr val="tx1"/>
+          </a:fontRef>
+        </p:style>
+      </p:cxnSp>
+      <p:cxnSp>
+        <p:nvCxnSpPr>
+          <p:cNvPr id="1384" name="꺾인 연결선[E] 1383">
+            <a:extLst>
+              <a:ext uri="{FF2B5EF4-FFF2-40B4-BE49-F238E27FC236}">
+                <a16:creationId xmlns:a16="http://schemas.microsoft.com/office/drawing/2014/main" id="{7C2D0A5F-676B-C64B-7D77-A6401874DD87}"/>
+              </a:ext>
+            </a:extLst>
+          </p:cNvPr>
+          <p:cNvCxnSpPr>
+            <a:cxnSpLocks/>
+            <a:stCxn id="2" idx="1"/>
+            <a:endCxn id="58" idx="3"/>
+          </p:cNvCxnSpPr>
+          <p:nvPr/>
+        </p:nvCxnSpPr>
+        <p:spPr>
+          <a:xfrm rot="10800000">
+            <a:off x="9994410" y="5734473"/>
+            <a:ext cx="1301544" cy="174299"/>
+          </a:xfrm>
+          <a:prstGeom prst="bentConnector3">
+            <a:avLst>
+              <a:gd name="adj1" fmla="val 6987"/>
+            </a:avLst>
+          </a:prstGeom>
+        </p:spPr>
+        <p:style>
+          <a:lnRef idx="2">
+            <a:schemeClr val="accent1"/>
+          </a:lnRef>
+          <a:fillRef idx="0">
+            <a:schemeClr val="accent1"/>
+          </a:fillRef>
+          <a:effectRef idx="1">
+            <a:schemeClr val="accent1"/>
+          </a:effectRef>
+          <a:fontRef idx="minor">
+            <a:schemeClr val="tx1"/>
+          </a:fontRef>
+        </p:style>
+      </p:cxnSp>
+      <p:cxnSp>
+        <p:nvCxnSpPr>
+          <p:cNvPr id="1388" name="꺾인 연결선[E] 1387">
+            <a:extLst>
+              <a:ext uri="{FF2B5EF4-FFF2-40B4-BE49-F238E27FC236}">
+                <a16:creationId xmlns:a16="http://schemas.microsoft.com/office/drawing/2014/main" id="{8278EAA9-22C5-8686-FDCA-9375183D0D58}"/>
+              </a:ext>
+            </a:extLst>
+          </p:cNvPr>
+          <p:cNvCxnSpPr>
+            <a:cxnSpLocks/>
+            <a:stCxn id="26" idx="1"/>
+            <a:endCxn id="58" idx="3"/>
+          </p:cNvCxnSpPr>
+          <p:nvPr/>
+        </p:nvCxnSpPr>
+        <p:spPr>
+          <a:xfrm rot="10800000">
+            <a:off x="9994410" y="5734472"/>
+            <a:ext cx="1301544" cy="481624"/>
+          </a:xfrm>
+          <a:prstGeom prst="bentConnector3">
+            <a:avLst>
+              <a:gd name="adj1" fmla="val 6987"/>
+            </a:avLst>
+          </a:prstGeom>
+        </p:spPr>
+        <p:style>
+          <a:lnRef idx="2">
+            <a:schemeClr val="accent1"/>
+          </a:lnRef>
+          <a:fillRef idx="0">
+            <a:schemeClr val="accent1"/>
+          </a:fillRef>
+          <a:effectRef idx="1">
+            <a:schemeClr val="accent1"/>
+          </a:effectRef>
+          <a:fontRef idx="minor">
+            <a:schemeClr val="tx1"/>
+          </a:fontRef>
+        </p:style>
+      </p:cxnSp>
+      <p:cxnSp>
+        <p:nvCxnSpPr>
+          <p:cNvPr id="1391" name="꺾인 연결선[E] 1390">
+            <a:extLst>
+              <a:ext uri="{FF2B5EF4-FFF2-40B4-BE49-F238E27FC236}">
+                <a16:creationId xmlns:a16="http://schemas.microsoft.com/office/drawing/2014/main" id="{EA783922-7968-CE26-A980-D6E00B57C17A}"/>
+              </a:ext>
+            </a:extLst>
+          </p:cNvPr>
+          <p:cNvCxnSpPr>
+            <a:cxnSpLocks/>
+            <a:stCxn id="1052" idx="1"/>
+            <a:endCxn id="48" idx="3"/>
+          </p:cNvCxnSpPr>
+          <p:nvPr/>
+        </p:nvCxnSpPr>
+        <p:spPr>
+          <a:xfrm rot="10800000" flipV="1">
+            <a:off x="9976089" y="6678648"/>
+            <a:ext cx="1321746" cy="293401"/>
+          </a:xfrm>
+          <a:prstGeom prst="bentConnector3">
+            <a:avLst>
+              <a:gd name="adj1" fmla="val 6232"/>
+            </a:avLst>
+          </a:prstGeom>
+        </p:spPr>
+        <p:style>
+          <a:lnRef idx="2">
+            <a:schemeClr val="accent1"/>
+          </a:lnRef>
+          <a:fillRef idx="0">
+            <a:schemeClr val="accent1"/>
+          </a:fillRef>
+          <a:effectRef idx="1">
+            <a:schemeClr val="accent1"/>
+          </a:effectRef>
+          <a:fontRef idx="minor">
+            <a:schemeClr val="tx1"/>
+          </a:fontRef>
+        </p:style>
+      </p:cxnSp>
+      <p:cxnSp>
+        <p:nvCxnSpPr>
+          <p:cNvPr id="1395" name="꺾인 연결선[E] 1394">
+            <a:extLst>
+              <a:ext uri="{FF2B5EF4-FFF2-40B4-BE49-F238E27FC236}">
+                <a16:creationId xmlns:a16="http://schemas.microsoft.com/office/drawing/2014/main" id="{5627ABDC-B092-3C1D-D5E6-B13773A09DA9}"/>
+              </a:ext>
+            </a:extLst>
+          </p:cNvPr>
+          <p:cNvCxnSpPr>
+            <a:cxnSpLocks/>
+            <a:stCxn id="1053" idx="1"/>
+            <a:endCxn id="48" idx="3"/>
+          </p:cNvCxnSpPr>
+          <p:nvPr/>
+        </p:nvCxnSpPr>
+        <p:spPr>
+          <a:xfrm rot="10800000" flipV="1">
+            <a:off x="9976089" y="6970128"/>
+            <a:ext cx="1321746" cy="1921"/>
+          </a:xfrm>
+          <a:prstGeom prst="bentConnector3">
+            <a:avLst>
+              <a:gd name="adj1" fmla="val 50000"/>
+            </a:avLst>
+          </a:prstGeom>
+        </p:spPr>
+        <p:style>
+          <a:lnRef idx="2">
+            <a:schemeClr val="accent1"/>
+          </a:lnRef>
+          <a:fillRef idx="0">
+            <a:schemeClr val="accent1"/>
+          </a:fillRef>
+          <a:effectRef idx="1">
+            <a:schemeClr val="accent1"/>
+          </a:effectRef>
+          <a:fontRef idx="minor">
+            <a:schemeClr val="tx1"/>
+          </a:fontRef>
+        </p:style>
+      </p:cxnSp>
+      <p:cxnSp>
+        <p:nvCxnSpPr>
+          <p:cNvPr id="1398" name="꺾인 연결선[E] 1397">
+            <a:extLst>
+              <a:ext uri="{FF2B5EF4-FFF2-40B4-BE49-F238E27FC236}">
+                <a16:creationId xmlns:a16="http://schemas.microsoft.com/office/drawing/2014/main" id="{E6CB37D0-D5AA-DD89-6C4A-81BA1F09DC2C}"/>
+              </a:ext>
+            </a:extLst>
+          </p:cNvPr>
+          <p:cNvCxnSpPr>
+            <a:cxnSpLocks/>
+            <a:stCxn id="1054" idx="1"/>
+            <a:endCxn id="48" idx="3"/>
+          </p:cNvCxnSpPr>
+          <p:nvPr/>
+        </p:nvCxnSpPr>
+        <p:spPr>
+          <a:xfrm rot="10800000">
+            <a:off x="9976089" y="6972051"/>
+            <a:ext cx="1321746" cy="286853"/>
+          </a:xfrm>
+          <a:prstGeom prst="bentConnector3">
+            <a:avLst>
+              <a:gd name="adj1" fmla="val 6232"/>
+            </a:avLst>
+          </a:prstGeom>
+        </p:spPr>
+        <p:style>
+          <a:lnRef idx="2">
+            <a:schemeClr val="accent1"/>
+          </a:lnRef>
+          <a:fillRef idx="0">
+            <a:schemeClr val="accent1"/>
+          </a:fillRef>
+          <a:effectRef idx="1">
+            <a:schemeClr val="accent1"/>
+          </a:effectRef>
+          <a:fontRef idx="minor">
+            <a:schemeClr val="tx1"/>
+          </a:fontRef>
+        </p:style>
+      </p:cxnSp>
+      <p:cxnSp>
+        <p:nvCxnSpPr>
+          <p:cNvPr id="1404" name="꺾인 연결선[E] 1403">
+            <a:extLst>
+              <a:ext uri="{FF2B5EF4-FFF2-40B4-BE49-F238E27FC236}">
+                <a16:creationId xmlns:a16="http://schemas.microsoft.com/office/drawing/2014/main" id="{A6CB1323-9FDC-0599-FB8D-1C4E800DDA81}"/>
+              </a:ext>
+            </a:extLst>
+          </p:cNvPr>
+          <p:cNvCxnSpPr>
+            <a:cxnSpLocks/>
+            <a:stCxn id="9" idx="3"/>
+            <a:endCxn id="18" idx="1"/>
+          </p:cNvCxnSpPr>
+          <p:nvPr/>
+        </p:nvCxnSpPr>
+        <p:spPr>
+          <a:xfrm>
+            <a:off x="12493382" y="5278856"/>
+            <a:ext cx="4070267" cy="441186"/>
+          </a:xfrm>
+          <a:prstGeom prst="bentConnector3">
+            <a:avLst>
+              <a:gd name="adj1" fmla="val 3168"/>
+            </a:avLst>
+          </a:prstGeom>
+        </p:spPr>
+        <p:style>
+          <a:lnRef idx="2">
+            <a:schemeClr val="accent1"/>
+          </a:lnRef>
+          <a:fillRef idx="0">
+            <a:schemeClr val="accent1"/>
+          </a:fillRef>
+          <a:effectRef idx="1">
+            <a:schemeClr val="accent1"/>
+          </a:effectRef>
+          <a:fontRef idx="minor">
+            <a:schemeClr val="tx1"/>
+          </a:fontRef>
+        </p:style>
+      </p:cxnSp>
+      <p:cxnSp>
+        <p:nvCxnSpPr>
+          <p:cNvPr id="1407" name="꺾인 연결선[E] 1406">
+            <a:extLst>
+              <a:ext uri="{FF2B5EF4-FFF2-40B4-BE49-F238E27FC236}">
+                <a16:creationId xmlns:a16="http://schemas.microsoft.com/office/drawing/2014/main" id="{13FF1740-66AD-2F9D-E312-C9387508257C}"/>
+              </a:ext>
+            </a:extLst>
+          </p:cNvPr>
+          <p:cNvCxnSpPr>
+            <a:cxnSpLocks/>
+            <a:stCxn id="7" idx="3"/>
+            <a:endCxn id="18" idx="1"/>
+          </p:cNvCxnSpPr>
+          <p:nvPr/>
+        </p:nvCxnSpPr>
+        <p:spPr>
+          <a:xfrm>
+            <a:off x="12500944" y="5603198"/>
+            <a:ext cx="4062705" cy="116844"/>
+          </a:xfrm>
+          <a:prstGeom prst="bentConnector3">
+            <a:avLst>
+              <a:gd name="adj1" fmla="val 3030"/>
+            </a:avLst>
+          </a:prstGeom>
+        </p:spPr>
+        <p:style>
+          <a:lnRef idx="2">
+            <a:schemeClr val="accent1"/>
+          </a:lnRef>
+          <a:fillRef idx="0">
+            <a:schemeClr val="accent1"/>
+          </a:fillRef>
+          <a:effectRef idx="1">
+            <a:schemeClr val="accent1"/>
+          </a:effectRef>
+          <a:fontRef idx="minor">
+            <a:schemeClr val="tx1"/>
+          </a:fontRef>
+        </p:style>
+      </p:cxnSp>
+      <p:cxnSp>
+        <p:nvCxnSpPr>
+          <p:cNvPr id="1410" name="꺾인 연결선[E] 1409">
+            <a:extLst>
+              <a:ext uri="{FF2B5EF4-FFF2-40B4-BE49-F238E27FC236}">
+                <a16:creationId xmlns:a16="http://schemas.microsoft.com/office/drawing/2014/main" id="{2AD31820-4914-7960-6614-D830081E061D}"/>
+              </a:ext>
+            </a:extLst>
+          </p:cNvPr>
+          <p:cNvCxnSpPr>
+            <a:cxnSpLocks/>
+            <a:stCxn id="2" idx="3"/>
+            <a:endCxn id="18" idx="1"/>
+          </p:cNvCxnSpPr>
+          <p:nvPr/>
+        </p:nvCxnSpPr>
+        <p:spPr>
+          <a:xfrm flipV="1">
+            <a:off x="12499063" y="5720042"/>
+            <a:ext cx="4064586" cy="188729"/>
+          </a:xfrm>
+          <a:prstGeom prst="bentConnector3">
+            <a:avLst>
+              <a:gd name="adj1" fmla="val 3173"/>
+            </a:avLst>
+          </a:prstGeom>
+        </p:spPr>
+        <p:style>
+          <a:lnRef idx="2">
+            <a:schemeClr val="accent1"/>
+          </a:lnRef>
+          <a:fillRef idx="0">
+            <a:schemeClr val="accent1"/>
+          </a:fillRef>
+          <a:effectRef idx="1">
+            <a:schemeClr val="accent1"/>
+          </a:effectRef>
+          <a:fontRef idx="minor">
+            <a:schemeClr val="tx1"/>
+          </a:fontRef>
+        </p:style>
+      </p:cxnSp>
+      <p:cxnSp>
+        <p:nvCxnSpPr>
+          <p:cNvPr id="1466" name="꺾인 연결선[E] 1465">
+            <a:extLst>
+              <a:ext uri="{FF2B5EF4-FFF2-40B4-BE49-F238E27FC236}">
+                <a16:creationId xmlns:a16="http://schemas.microsoft.com/office/drawing/2014/main" id="{0CD098E9-0D26-937D-DB35-D974992EB817}"/>
+              </a:ext>
+            </a:extLst>
+          </p:cNvPr>
+          <p:cNvCxnSpPr>
+            <a:cxnSpLocks/>
+            <a:stCxn id="63" idx="1"/>
+            <a:endCxn id="1321" idx="2"/>
+          </p:cNvCxnSpPr>
+          <p:nvPr/>
+        </p:nvCxnSpPr>
+        <p:spPr>
+          <a:xfrm rot="10800000" flipV="1">
+            <a:off x="9483296" y="6216095"/>
+            <a:ext cx="8470623" cy="2045953"/>
+          </a:xfrm>
+          <a:prstGeom prst="bentConnector4">
+            <a:avLst>
+              <a:gd name="adj1" fmla="val 5377"/>
+              <a:gd name="adj2" fmla="val 111173"/>
+            </a:avLst>
+          </a:prstGeom>
+          <a:ln>
+            <a:solidFill>
+              <a:schemeClr val="accent2"/>
+            </a:solidFill>
+          </a:ln>
+        </p:spPr>
+        <p:style>
+          <a:lnRef idx="2">
+            <a:schemeClr val="accent1"/>
+          </a:lnRef>
+          <a:fillRef idx="0">
+            <a:schemeClr val="accent1"/>
+          </a:fillRef>
+          <a:effectRef idx="1">
+            <a:schemeClr val="accent1"/>
+          </a:effectRef>
+          <a:fontRef idx="minor">
+            <a:schemeClr val="tx1"/>
+          </a:fontRef>
+        </p:style>
+      </p:cxnSp>
+      <p:cxnSp>
+        <p:nvCxnSpPr>
+          <p:cNvPr id="1469" name="꺾인 연결선[E] 1468">
+            <a:extLst>
+              <a:ext uri="{FF2B5EF4-FFF2-40B4-BE49-F238E27FC236}">
+                <a16:creationId xmlns:a16="http://schemas.microsoft.com/office/drawing/2014/main" id="{B7283620-4C7C-7419-6B05-ED96FACE55B0}"/>
+              </a:ext>
+            </a:extLst>
+          </p:cNvPr>
+          <p:cNvCxnSpPr>
+            <a:cxnSpLocks/>
+            <a:stCxn id="1281" idx="2"/>
+            <a:endCxn id="63" idx="1"/>
+          </p:cNvCxnSpPr>
+          <p:nvPr/>
+        </p:nvCxnSpPr>
+        <p:spPr>
+          <a:xfrm rot="5400000" flipH="1" flipV="1">
+            <a:off x="13905489" y="4185821"/>
+            <a:ext cx="2018153" cy="6078703"/>
+          </a:xfrm>
+          <a:prstGeom prst="bentConnector4">
+            <a:avLst>
+              <a:gd name="adj1" fmla="val -12406"/>
+              <a:gd name="adj2" fmla="val 92510"/>
+            </a:avLst>
+          </a:prstGeom>
+          <a:ln>
+            <a:solidFill>
+              <a:schemeClr val="accent2"/>
+            </a:solidFill>
+          </a:ln>
+        </p:spPr>
+        <p:style>
+          <a:lnRef idx="2">
+            <a:schemeClr val="accent1"/>
+          </a:lnRef>
+          <a:fillRef idx="0">
+            <a:schemeClr val="accent1"/>
+          </a:fillRef>
+          <a:effectRef idx="1">
+            <a:schemeClr val="accent1"/>
+          </a:effectRef>
+          <a:fontRef idx="minor">
+            <a:schemeClr val="tx1"/>
+          </a:fontRef>
+        </p:style>
+      </p:cxnSp>
+      <p:cxnSp>
+        <p:nvCxnSpPr>
+          <p:cNvPr id="1031" name="꺾인 연결선[E] 1030">
+            <a:extLst>
+              <a:ext uri="{FF2B5EF4-FFF2-40B4-BE49-F238E27FC236}">
+                <a16:creationId xmlns:a16="http://schemas.microsoft.com/office/drawing/2014/main" id="{84D7F42F-4A79-1658-4C36-6CEDAEEFC88C}"/>
+              </a:ext>
+            </a:extLst>
+          </p:cNvPr>
+          <p:cNvCxnSpPr>
+            <a:cxnSpLocks/>
+            <a:stCxn id="18" idx="3"/>
+            <a:endCxn id="63" idx="1"/>
+          </p:cNvCxnSpPr>
+          <p:nvPr/>
+        </p:nvCxnSpPr>
+        <p:spPr>
+          <a:xfrm>
+            <a:off x="17029078" y="5720042"/>
+            <a:ext cx="924840" cy="496054"/>
+          </a:xfrm>
+          <a:prstGeom prst="bentConnector3">
+            <a:avLst>
+              <a:gd name="adj1" fmla="val 50655"/>
+            </a:avLst>
+          </a:prstGeom>
+          <a:ln>
+            <a:solidFill>
+              <a:schemeClr val="accent2"/>
+            </a:solidFill>
+          </a:ln>
+        </p:spPr>
+        <p:style>
+          <a:lnRef idx="2">
+            <a:schemeClr val="accent1"/>
+          </a:lnRef>
+          <a:fillRef idx="0">
+            <a:schemeClr val="accent1"/>
+          </a:fillRef>
+          <a:effectRef idx="1">
+            <a:schemeClr val="accent1"/>
+          </a:effectRef>
+          <a:fontRef idx="minor">
+            <a:schemeClr val="tx1"/>
+          </a:fontRef>
+        </p:style>
+      </p:cxnSp>
       <p:sp>
         <p:nvSpPr>
-          <p:cNvPr id="1367" name="제목 1">
-            <a:extLst>
-              <a:ext uri="{FF2B5EF4-FFF2-40B4-BE49-F238E27FC236}">
-                <a16:creationId xmlns:a16="http://schemas.microsoft.com/office/drawing/2014/main" id="{BFC37B5B-63E9-32E3-3DC1-B5B458412B4A}"/>
+          <p:cNvPr id="1035" name="제목 1">
+            <a:extLst>
+              <a:ext uri="{FF2B5EF4-FFF2-40B4-BE49-F238E27FC236}">
+                <a16:creationId xmlns:a16="http://schemas.microsoft.com/office/drawing/2014/main" id="{71FF8702-FED6-127F-52F1-3D46423D98B5}"/>
               </a:ext>
             </a:extLst>
           </p:cNvPr>
@@ -10964,8 +11648,8 @@
         </p:nvSpPr>
         <p:spPr>
           <a:xfrm>
-            <a:off x="14942127" y="4171482"/>
-            <a:ext cx="1651921" cy="267998"/>
+            <a:off x="17562659" y="6428839"/>
+            <a:ext cx="1257659" cy="236354"/>
           </a:xfrm>
           <a:prstGeom prst="rect">
             <a:avLst/>
@@ -10997,22 +11681,210 @@
           <a:p>
             <a:pPr algn="ctr"/>
             <a:r>
+              <a:rPr kumimoji="1" lang="en-US" altLang="ko-KR" sz="900" b="1" dirty="0" err="1">
+                <a:latin typeface="KoPubWorldDotum Bold" pitchFamily="2" charset="-127"/>
+                <a:ea typeface="KoPubWorldDotum Bold" pitchFamily="2" charset="-127"/>
+                <a:cs typeface="KoPubWorldDotum Bold" pitchFamily="2" charset="-127"/>
+              </a:rPr>
+              <a:t>Cloudwatch</a:t>
+            </a:r>
+            <a:r>
               <a:rPr kumimoji="1" lang="en-US" altLang="ko-KR" sz="900" b="1" dirty="0">
                 <a:latin typeface="KoPubWorldDotum Bold" pitchFamily="2" charset="-127"/>
                 <a:ea typeface="KoPubWorldDotum Bold" pitchFamily="2" charset="-127"/>
                 <a:cs typeface="KoPubWorldDotum Bold" pitchFamily="2" charset="-127"/>
               </a:rPr>
-              <a:t>Kakao Login OIDC</a:t>
-            </a:r>
+              <a:t> Logs</a:t>
+            </a:r>
+            <a:endParaRPr kumimoji="1" lang="ko-KR" altLang="en-US" sz="900" b="1" dirty="0">
+              <a:latin typeface="KoPubWorldDotum Bold" pitchFamily="2" charset="-127"/>
+              <a:ea typeface="KoPubWorldDotum Bold" pitchFamily="2" charset="-127"/>
+              <a:cs typeface="KoPubWorldDotum Bold" pitchFamily="2" charset="-127"/>
+            </a:endParaRPr>
           </a:p>
         </p:txBody>
       </p:sp>
+      <p:cxnSp>
+        <p:nvCxnSpPr>
+          <p:cNvPr id="16" name="꺾인 연결선[E] 15">
+            <a:extLst>
+              <a:ext uri="{FF2B5EF4-FFF2-40B4-BE49-F238E27FC236}">
+                <a16:creationId xmlns:a16="http://schemas.microsoft.com/office/drawing/2014/main" id="{3DAC308B-8DEB-DB98-BB79-DD4CC91C5F68}"/>
+              </a:ext>
+            </a:extLst>
+          </p:cNvPr>
+          <p:cNvCxnSpPr>
+            <a:cxnSpLocks/>
+            <a:stCxn id="26" idx="3"/>
+            <a:endCxn id="18" idx="1"/>
+          </p:cNvCxnSpPr>
+          <p:nvPr/>
+        </p:nvCxnSpPr>
+        <p:spPr>
+          <a:xfrm flipV="1">
+            <a:off x="12499063" y="5720042"/>
+            <a:ext cx="4064586" cy="496054"/>
+          </a:xfrm>
+          <a:prstGeom prst="bentConnector3">
+            <a:avLst>
+              <a:gd name="adj1" fmla="val 3109"/>
+            </a:avLst>
+          </a:prstGeom>
+        </p:spPr>
+        <p:style>
+          <a:lnRef idx="2">
+            <a:schemeClr val="accent1"/>
+          </a:lnRef>
+          <a:fillRef idx="0">
+            <a:schemeClr val="accent1"/>
+          </a:fillRef>
+          <a:effectRef idx="1">
+            <a:schemeClr val="accent1"/>
+          </a:effectRef>
+          <a:fontRef idx="minor">
+            <a:schemeClr val="tx1"/>
+          </a:fontRef>
+        </p:style>
+      </p:cxnSp>
+      <p:cxnSp>
+        <p:nvCxnSpPr>
+          <p:cNvPr id="1345" name="직선 화살표 연결선 1344">
+            <a:extLst>
+              <a:ext uri="{FF2B5EF4-FFF2-40B4-BE49-F238E27FC236}">
+                <a16:creationId xmlns:a16="http://schemas.microsoft.com/office/drawing/2014/main" id="{6FE09CF8-E4D9-FD95-582E-CD8BA2E71A4C}"/>
+              </a:ext>
+            </a:extLst>
+          </p:cNvPr>
+          <p:cNvCxnSpPr>
+            <a:cxnSpLocks/>
+            <a:stCxn id="55" idx="2"/>
+            <a:endCxn id="14" idx="0"/>
+          </p:cNvCxnSpPr>
+          <p:nvPr/>
+        </p:nvCxnSpPr>
+        <p:spPr>
+          <a:xfrm>
+            <a:off x="7369495" y="5882123"/>
+            <a:ext cx="26189" cy="1619763"/>
+          </a:xfrm>
+          <a:prstGeom prst="straightConnector1">
+            <a:avLst/>
+          </a:prstGeom>
+          <a:ln>
+            <a:headEnd type="none" w="med" len="med"/>
+            <a:tailEnd type="none" w="med" len="med"/>
+          </a:ln>
+        </p:spPr>
+        <p:style>
+          <a:lnRef idx="2">
+            <a:schemeClr val="accent1"/>
+          </a:lnRef>
+          <a:fillRef idx="0">
+            <a:schemeClr val="accent1"/>
+          </a:fillRef>
+          <a:effectRef idx="1">
+            <a:schemeClr val="accent1"/>
+          </a:effectRef>
+          <a:fontRef idx="minor">
+            <a:schemeClr val="tx1"/>
+          </a:fontRef>
+        </p:style>
+      </p:cxnSp>
+      <p:cxnSp>
+        <p:nvCxnSpPr>
+          <p:cNvPr id="1389" name="꺾인 연결선[E] 1388">
+            <a:extLst>
+              <a:ext uri="{FF2B5EF4-FFF2-40B4-BE49-F238E27FC236}">
+                <a16:creationId xmlns:a16="http://schemas.microsoft.com/office/drawing/2014/main" id="{72BE46B1-8A40-A66C-2FC6-12215484F9D9}"/>
+              </a:ext>
+            </a:extLst>
+          </p:cNvPr>
+          <p:cNvCxnSpPr>
+            <a:cxnSpLocks/>
+            <a:stCxn id="18" idx="1"/>
+            <a:endCxn id="1402" idx="3"/>
+          </p:cNvCxnSpPr>
+          <p:nvPr/>
+        </p:nvCxnSpPr>
+        <p:spPr>
+          <a:xfrm rot="10800000" flipV="1">
+            <a:off x="15427165" y="5720041"/>
+            <a:ext cx="1136484" cy="773215"/>
+          </a:xfrm>
+          <a:prstGeom prst="bentConnector3">
+            <a:avLst>
+              <a:gd name="adj1" fmla="val 50000"/>
+            </a:avLst>
+          </a:prstGeom>
+        </p:spPr>
+        <p:style>
+          <a:lnRef idx="2">
+            <a:schemeClr val="accent1"/>
+          </a:lnRef>
+          <a:fillRef idx="0">
+            <a:schemeClr val="accent1"/>
+          </a:fillRef>
+          <a:effectRef idx="1">
+            <a:schemeClr val="accent1"/>
+          </a:effectRef>
+          <a:fontRef idx="minor">
+            <a:schemeClr val="tx1"/>
+          </a:fontRef>
+        </p:style>
+      </p:cxnSp>
+      <p:pic>
+        <p:nvPicPr>
+          <p:cNvPr id="1394" name="Picture 2" descr="Amazon Bedrock Connector - Overview (O11) | OutSystems">
+            <a:extLst>
+              <a:ext uri="{FF2B5EF4-FFF2-40B4-BE49-F238E27FC236}">
+                <a16:creationId xmlns:a16="http://schemas.microsoft.com/office/drawing/2014/main" id="{D76A8403-AB59-5F56-F93D-3436F3ECAE2C}"/>
+              </a:ext>
+            </a:extLst>
+          </p:cNvPr>
+          <p:cNvPicPr>
+            <a:picLocks noChangeAspect="1" noChangeArrowheads="1"/>
+          </p:cNvPicPr>
+          <p:nvPr/>
+        </p:nvPicPr>
+        <p:blipFill>
+          <a:blip r:embed="rId18">
+            <a:extLst>
+              <a:ext uri="{28A0092B-C50C-407E-A947-70E740481C1C}">
+                <a14:useLocalDpi xmlns:a14="http://schemas.microsoft.com/office/drawing/2010/main" val="0"/>
+              </a:ext>
+            </a:extLst>
+          </a:blip>
+          <a:srcRect/>
+          <a:stretch>
+            <a:fillRect/>
+          </a:stretch>
+        </p:blipFill>
+        <p:spPr bwMode="auto">
+          <a:xfrm>
+            <a:off x="13378557" y="7064514"/>
+            <a:ext cx="465430" cy="465430"/>
+          </a:xfrm>
+          <a:prstGeom prst="rect">
+            <a:avLst/>
+          </a:prstGeom>
+          <a:noFill/>
+          <a:extLst>
+            <a:ext uri="{909E8E84-426E-40DD-AFC4-6F175D3DCCD1}">
+              <a14:hiddenFill xmlns:a14="http://schemas.microsoft.com/office/drawing/2010/main">
+                <a:solidFill>
+                  <a:srgbClr val="FFFFFF"/>
+                </a:solidFill>
+              </a14:hiddenFill>
+            </a:ext>
+          </a:extLst>
+        </p:spPr>
+      </p:pic>
       <p:sp>
         <p:nvSpPr>
-          <p:cNvPr id="1368" name="제목 1">
-            <a:extLst>
-              <a:ext uri="{FF2B5EF4-FFF2-40B4-BE49-F238E27FC236}">
-                <a16:creationId xmlns:a16="http://schemas.microsoft.com/office/drawing/2014/main" id="{43D26DBF-2F2B-E865-3E43-F086A2A9C884}"/>
+          <p:cNvPr id="1396" name="제목 1">
+            <a:extLst>
+              <a:ext uri="{FF2B5EF4-FFF2-40B4-BE49-F238E27FC236}">
+                <a16:creationId xmlns:a16="http://schemas.microsoft.com/office/drawing/2014/main" id="{10EE7717-755C-1773-74F1-D8482F0EA898}"/>
               </a:ext>
             </a:extLst>
           </p:cNvPr>
@@ -11023,15 +11895,12 @@
         </p:nvSpPr>
         <p:spPr>
           <a:xfrm>
-            <a:off x="9516207" y="4434957"/>
-            <a:ext cx="967879" cy="387771"/>
+            <a:off x="13250904" y="7537509"/>
+            <a:ext cx="739201" cy="267998"/>
           </a:xfrm>
           <a:prstGeom prst="rect">
             <a:avLst/>
           </a:prstGeom>
-          <a:solidFill>
-            <a:srgbClr val="156082"/>
-          </a:solidFill>
         </p:spPr>
         <p:txBody>
           <a:bodyPr vert="horz" lIns="91440" tIns="45720" rIns="91440" bIns="45720" rtlCol="0" anchor="ctr">
@@ -11060,95 +11929,11 @@
             <a:pPr algn="ctr"/>
             <a:r>
               <a:rPr kumimoji="1" lang="en-US" altLang="ko-KR" sz="900" b="1" dirty="0">
-                <a:solidFill>
-                  <a:schemeClr val="bg1"/>
-                </a:solidFill>
                 <a:latin typeface="KoPubWorldDotum Bold" pitchFamily="2" charset="-127"/>
                 <a:ea typeface="KoPubWorldDotum Bold" pitchFamily="2" charset="-127"/>
                 <a:cs typeface="KoPubWorldDotum Bold" pitchFamily="2" charset="-127"/>
               </a:rPr>
-              <a:t>REST API</a:t>
-            </a:r>
-          </a:p>
-          <a:p>
-            <a:pPr algn="ctr"/>
-            <a:r>
-              <a:rPr kumimoji="1" lang="en-US" altLang="ko-KR" sz="900" b="1" dirty="0">
-                <a:solidFill>
-                  <a:schemeClr val="bg1"/>
-                </a:solidFill>
-                <a:latin typeface="KoPubWorldDotum Bold" pitchFamily="2" charset="-127"/>
-                <a:ea typeface="KoPubWorldDotum Bold" pitchFamily="2" charset="-127"/>
-                <a:cs typeface="KoPubWorldDotum Bold" pitchFamily="2" charset="-127"/>
-              </a:rPr>
-              <a:t>(Auth)</a:t>
-            </a:r>
-            <a:endParaRPr kumimoji="1" lang="ko-KR" altLang="en-US" sz="900" b="1" dirty="0">
-              <a:solidFill>
-                <a:schemeClr val="bg1"/>
-              </a:solidFill>
-              <a:latin typeface="KoPubWorldDotum Bold" pitchFamily="2" charset="-127"/>
-              <a:ea typeface="KoPubWorldDotum Bold" pitchFamily="2" charset="-127"/>
-              <a:cs typeface="KoPubWorldDotum Bold" pitchFamily="2" charset="-127"/>
-            </a:endParaRPr>
-          </a:p>
-        </p:txBody>
-      </p:sp>
-      <p:sp>
-        <p:nvSpPr>
-          <p:cNvPr id="1369" name="처리 1368">
-            <a:extLst>
-              <a:ext uri="{FF2B5EF4-FFF2-40B4-BE49-F238E27FC236}">
-                <a16:creationId xmlns:a16="http://schemas.microsoft.com/office/drawing/2014/main" id="{D2CA8690-2076-F6A0-6184-53D4C3004910}"/>
-              </a:ext>
-            </a:extLst>
-          </p:cNvPr>
-          <p:cNvSpPr/>
-          <p:nvPr/>
-        </p:nvSpPr>
-        <p:spPr>
-          <a:xfrm>
-            <a:off x="11805833" y="4504263"/>
-            <a:ext cx="1200406" cy="245334"/>
-          </a:xfrm>
-          <a:prstGeom prst="flowChartProcess">
-            <a:avLst/>
-          </a:prstGeom>
-          <a:solidFill>
-            <a:schemeClr val="accent1"/>
-          </a:solidFill>
-          <a:ln>
-            <a:noFill/>
-          </a:ln>
-        </p:spPr>
-        <p:style>
-          <a:lnRef idx="2">
-            <a:schemeClr val="accent1">
-              <a:shade val="15000"/>
-            </a:schemeClr>
-          </a:lnRef>
-          <a:fillRef idx="1">
-            <a:schemeClr val="accent1"/>
-          </a:fillRef>
-          <a:effectRef idx="0">
-            <a:schemeClr val="accent1"/>
-          </a:effectRef>
-          <a:fontRef idx="minor">
-            <a:schemeClr val="lt1"/>
-          </a:fontRef>
-        </p:style>
-        <p:txBody>
-          <a:bodyPr rtlCol="0" anchor="ctr"/>
-          <a:lstStyle/>
-          <a:p>
-            <a:pPr algn="ctr"/>
-            <a:r>
-              <a:rPr kumimoji="1" lang="en-US" altLang="ko-KR" sz="900" b="1" dirty="0" err="1">
-                <a:latin typeface="KoPubWorldDotum Bold" pitchFamily="2" charset="-127"/>
-                <a:ea typeface="KoPubWorldDotum Bold" pitchFamily="2" charset="-127"/>
-                <a:cs typeface="KoPubWorldDotum Bold" pitchFamily="2" charset="-127"/>
-              </a:rPr>
-              <a:t>UserInfo</a:t>
+              <a:t>Bedrock</a:t>
             </a:r>
             <a:endParaRPr kumimoji="1" lang="ko-KR" altLang="en-US" sz="900" b="1" dirty="0">
               <a:latin typeface="KoPubWorldDotum Bold" pitchFamily="2" charset="-127"/>
@@ -11158,751 +11943,12 @@
           </a:p>
         </p:txBody>
       </p:sp>
-      <p:cxnSp>
-        <p:nvCxnSpPr>
-          <p:cNvPr id="1370" name="직선 화살표 연결선 1369">
-            <a:extLst>
-              <a:ext uri="{FF2B5EF4-FFF2-40B4-BE49-F238E27FC236}">
-                <a16:creationId xmlns:a16="http://schemas.microsoft.com/office/drawing/2014/main" id="{424A4335-B74B-DFB4-7C91-A338C96B432C}"/>
-              </a:ext>
-            </a:extLst>
-          </p:cNvPr>
-          <p:cNvCxnSpPr>
-            <a:cxnSpLocks/>
-            <a:stCxn id="1364" idx="1"/>
-            <a:endCxn id="1369" idx="3"/>
-          </p:cNvCxnSpPr>
-          <p:nvPr/>
-        </p:nvCxnSpPr>
-        <p:spPr>
-          <a:xfrm flipH="1" flipV="1">
-            <a:off x="13006239" y="4626930"/>
-            <a:ext cx="947546" cy="2812"/>
-          </a:xfrm>
-          <a:prstGeom prst="straightConnector1">
-            <a:avLst/>
-          </a:prstGeom>
-          <a:ln>
-            <a:headEnd type="none" w="med" len="med"/>
-            <a:tailEnd type="none" w="med" len="med"/>
-          </a:ln>
-        </p:spPr>
-        <p:style>
-          <a:lnRef idx="2">
-            <a:schemeClr val="accent1"/>
-          </a:lnRef>
-          <a:fillRef idx="0">
-            <a:schemeClr val="accent1"/>
-          </a:fillRef>
-          <a:effectRef idx="1">
-            <a:schemeClr val="accent1"/>
-          </a:effectRef>
-          <a:fontRef idx="minor">
-            <a:schemeClr val="tx1"/>
-          </a:fontRef>
-        </p:style>
-      </p:cxnSp>
-      <p:cxnSp>
-        <p:nvCxnSpPr>
-          <p:cNvPr id="1372" name="직선 화살표 연결선 1371">
-            <a:extLst>
-              <a:ext uri="{FF2B5EF4-FFF2-40B4-BE49-F238E27FC236}">
-                <a16:creationId xmlns:a16="http://schemas.microsoft.com/office/drawing/2014/main" id="{64D72915-3790-A5E4-0455-CC25D85AC716}"/>
-              </a:ext>
-            </a:extLst>
-          </p:cNvPr>
-          <p:cNvCxnSpPr>
-            <a:cxnSpLocks/>
-            <a:stCxn id="1366" idx="1"/>
-            <a:endCxn id="1364" idx="3"/>
-          </p:cNvCxnSpPr>
-          <p:nvPr/>
-        </p:nvCxnSpPr>
-        <p:spPr>
-          <a:xfrm flipH="1">
-            <a:off x="14415112" y="4629742"/>
-            <a:ext cx="1028181" cy="0"/>
-          </a:xfrm>
-          <a:prstGeom prst="straightConnector1">
-            <a:avLst/>
-          </a:prstGeom>
-          <a:ln>
-            <a:headEnd type="none" w="med" len="med"/>
-            <a:tailEnd type="none" w="med" len="med"/>
-          </a:ln>
-        </p:spPr>
-        <p:style>
-          <a:lnRef idx="2">
-            <a:schemeClr val="accent1"/>
-          </a:lnRef>
-          <a:fillRef idx="0">
-            <a:schemeClr val="accent1"/>
-          </a:fillRef>
-          <a:effectRef idx="1">
-            <a:schemeClr val="accent1"/>
-          </a:effectRef>
-          <a:fontRef idx="minor">
-            <a:schemeClr val="tx1"/>
-          </a:fontRef>
-        </p:style>
-      </p:cxnSp>
-      <p:cxnSp>
-        <p:nvCxnSpPr>
-          <p:cNvPr id="1373" name="직선 화살표 연결선 1372">
-            <a:extLst>
-              <a:ext uri="{FF2B5EF4-FFF2-40B4-BE49-F238E27FC236}">
-                <a16:creationId xmlns:a16="http://schemas.microsoft.com/office/drawing/2014/main" id="{6328338D-1EDA-576B-2BCD-525954597436}"/>
-              </a:ext>
-            </a:extLst>
-          </p:cNvPr>
-          <p:cNvCxnSpPr>
-            <a:cxnSpLocks/>
-            <a:stCxn id="1368" idx="3"/>
-            <a:endCxn id="1369" idx="1"/>
-          </p:cNvCxnSpPr>
-          <p:nvPr/>
-        </p:nvCxnSpPr>
-        <p:spPr>
-          <a:xfrm flipV="1">
-            <a:off x="10484086" y="4626930"/>
-            <a:ext cx="1321747" cy="1913"/>
-          </a:xfrm>
-          <a:prstGeom prst="straightConnector1">
-            <a:avLst/>
-          </a:prstGeom>
-          <a:ln>
-            <a:headEnd type="none" w="med" len="med"/>
-            <a:tailEnd type="none" w="med" len="med"/>
-          </a:ln>
-        </p:spPr>
-        <p:style>
-          <a:lnRef idx="2">
-            <a:schemeClr val="accent1"/>
-          </a:lnRef>
-          <a:fillRef idx="0">
-            <a:schemeClr val="accent1"/>
-          </a:fillRef>
-          <a:effectRef idx="1">
-            <a:schemeClr val="accent1"/>
-          </a:effectRef>
-          <a:fontRef idx="minor">
-            <a:schemeClr val="tx1"/>
-          </a:fontRef>
-        </p:style>
-      </p:cxnSp>
-      <p:cxnSp>
-        <p:nvCxnSpPr>
-          <p:cNvPr id="1374" name="꺾인 연결선[E] 1373">
-            <a:extLst>
-              <a:ext uri="{FF2B5EF4-FFF2-40B4-BE49-F238E27FC236}">
-                <a16:creationId xmlns:a16="http://schemas.microsoft.com/office/drawing/2014/main" id="{48F427D6-82E8-7274-B240-318AE0B781D8}"/>
-              </a:ext>
-            </a:extLst>
-          </p:cNvPr>
-          <p:cNvCxnSpPr>
-            <a:cxnSpLocks/>
-            <a:stCxn id="9" idx="1"/>
-            <a:endCxn id="58" idx="3"/>
-          </p:cNvCxnSpPr>
-          <p:nvPr/>
-        </p:nvCxnSpPr>
-        <p:spPr>
-          <a:xfrm rot="10800000" flipV="1">
-            <a:off x="10502409" y="5278856"/>
-            <a:ext cx="1295863" cy="455616"/>
-          </a:xfrm>
-          <a:prstGeom prst="bentConnector3">
-            <a:avLst>
-              <a:gd name="adj1" fmla="val 6798"/>
-            </a:avLst>
-          </a:prstGeom>
-        </p:spPr>
-        <p:style>
-          <a:lnRef idx="2">
-            <a:schemeClr val="accent1"/>
-          </a:lnRef>
-          <a:fillRef idx="0">
-            <a:schemeClr val="accent1"/>
-          </a:fillRef>
-          <a:effectRef idx="1">
-            <a:schemeClr val="accent1"/>
-          </a:effectRef>
-          <a:fontRef idx="minor">
-            <a:schemeClr val="tx1"/>
-          </a:fontRef>
-        </p:style>
-      </p:cxnSp>
-      <p:cxnSp>
-        <p:nvCxnSpPr>
-          <p:cNvPr id="1377" name="꺾인 연결선[E] 1376">
-            <a:extLst>
-              <a:ext uri="{FF2B5EF4-FFF2-40B4-BE49-F238E27FC236}">
-                <a16:creationId xmlns:a16="http://schemas.microsoft.com/office/drawing/2014/main" id="{71280AAB-918E-C4B7-3B8D-6FEEE7DA371F}"/>
-              </a:ext>
-            </a:extLst>
-          </p:cNvPr>
-          <p:cNvCxnSpPr>
-            <a:cxnSpLocks/>
-            <a:endCxn id="58" idx="3"/>
-          </p:cNvCxnSpPr>
-          <p:nvPr/>
-        </p:nvCxnSpPr>
-        <p:spPr>
-          <a:xfrm rot="10800000" flipV="1">
-            <a:off x="10502408" y="5627410"/>
-            <a:ext cx="1302356" cy="107061"/>
-          </a:xfrm>
-          <a:prstGeom prst="bentConnector3">
-            <a:avLst>
-              <a:gd name="adj1" fmla="val 7014"/>
-            </a:avLst>
-          </a:prstGeom>
-        </p:spPr>
-        <p:style>
-          <a:lnRef idx="2">
-            <a:schemeClr val="accent1"/>
-          </a:lnRef>
-          <a:fillRef idx="0">
-            <a:schemeClr val="accent1"/>
-          </a:fillRef>
-          <a:effectRef idx="1">
-            <a:schemeClr val="accent1"/>
-          </a:effectRef>
-          <a:fontRef idx="minor">
-            <a:schemeClr val="tx1"/>
-          </a:fontRef>
-        </p:style>
-      </p:cxnSp>
-      <p:cxnSp>
-        <p:nvCxnSpPr>
-          <p:cNvPr id="1384" name="꺾인 연결선[E] 1383">
-            <a:extLst>
-              <a:ext uri="{FF2B5EF4-FFF2-40B4-BE49-F238E27FC236}">
-                <a16:creationId xmlns:a16="http://schemas.microsoft.com/office/drawing/2014/main" id="{7C2D0A5F-676B-C64B-7D77-A6401874DD87}"/>
-              </a:ext>
-            </a:extLst>
-          </p:cNvPr>
-          <p:cNvCxnSpPr>
-            <a:cxnSpLocks/>
-            <a:stCxn id="2" idx="1"/>
-            <a:endCxn id="58" idx="3"/>
-          </p:cNvCxnSpPr>
-          <p:nvPr/>
-        </p:nvCxnSpPr>
-        <p:spPr>
-          <a:xfrm rot="10800000">
-            <a:off x="10502408" y="5734473"/>
-            <a:ext cx="1301544" cy="174299"/>
-          </a:xfrm>
-          <a:prstGeom prst="bentConnector3">
-            <a:avLst>
-              <a:gd name="adj1" fmla="val 6987"/>
-            </a:avLst>
-          </a:prstGeom>
-        </p:spPr>
-        <p:style>
-          <a:lnRef idx="2">
-            <a:schemeClr val="accent1"/>
-          </a:lnRef>
-          <a:fillRef idx="0">
-            <a:schemeClr val="accent1"/>
-          </a:fillRef>
-          <a:effectRef idx="1">
-            <a:schemeClr val="accent1"/>
-          </a:effectRef>
-          <a:fontRef idx="minor">
-            <a:schemeClr val="tx1"/>
-          </a:fontRef>
-        </p:style>
-      </p:cxnSp>
-      <p:cxnSp>
-        <p:nvCxnSpPr>
-          <p:cNvPr id="1388" name="꺾인 연결선[E] 1387">
-            <a:extLst>
-              <a:ext uri="{FF2B5EF4-FFF2-40B4-BE49-F238E27FC236}">
-                <a16:creationId xmlns:a16="http://schemas.microsoft.com/office/drawing/2014/main" id="{8278EAA9-22C5-8686-FDCA-9375183D0D58}"/>
-              </a:ext>
-            </a:extLst>
-          </p:cNvPr>
-          <p:cNvCxnSpPr>
-            <a:cxnSpLocks/>
-            <a:stCxn id="26" idx="1"/>
-            <a:endCxn id="58" idx="3"/>
-          </p:cNvCxnSpPr>
-          <p:nvPr/>
-        </p:nvCxnSpPr>
-        <p:spPr>
-          <a:xfrm rot="10800000">
-            <a:off x="10502408" y="5734472"/>
-            <a:ext cx="1301544" cy="481624"/>
-          </a:xfrm>
-          <a:prstGeom prst="bentConnector3">
-            <a:avLst>
-              <a:gd name="adj1" fmla="val 6987"/>
-            </a:avLst>
-          </a:prstGeom>
-        </p:spPr>
-        <p:style>
-          <a:lnRef idx="2">
-            <a:schemeClr val="accent1"/>
-          </a:lnRef>
-          <a:fillRef idx="0">
-            <a:schemeClr val="accent1"/>
-          </a:fillRef>
-          <a:effectRef idx="1">
-            <a:schemeClr val="accent1"/>
-          </a:effectRef>
-          <a:fontRef idx="minor">
-            <a:schemeClr val="tx1"/>
-          </a:fontRef>
-        </p:style>
-      </p:cxnSp>
-      <p:cxnSp>
-        <p:nvCxnSpPr>
-          <p:cNvPr id="1391" name="꺾인 연결선[E] 1390">
-            <a:extLst>
-              <a:ext uri="{FF2B5EF4-FFF2-40B4-BE49-F238E27FC236}">
-                <a16:creationId xmlns:a16="http://schemas.microsoft.com/office/drawing/2014/main" id="{EA783922-7968-CE26-A980-D6E00B57C17A}"/>
-              </a:ext>
-            </a:extLst>
-          </p:cNvPr>
-          <p:cNvCxnSpPr>
-            <a:cxnSpLocks/>
-            <a:stCxn id="1052" idx="1"/>
-            <a:endCxn id="48" idx="3"/>
-          </p:cNvCxnSpPr>
-          <p:nvPr/>
-        </p:nvCxnSpPr>
-        <p:spPr>
-          <a:xfrm rot="10800000" flipV="1">
-            <a:off x="10484087" y="6678648"/>
-            <a:ext cx="1321746" cy="293401"/>
-          </a:xfrm>
-          <a:prstGeom prst="bentConnector3">
-            <a:avLst>
-              <a:gd name="adj1" fmla="val 6232"/>
-            </a:avLst>
-          </a:prstGeom>
-        </p:spPr>
-        <p:style>
-          <a:lnRef idx="2">
-            <a:schemeClr val="accent1"/>
-          </a:lnRef>
-          <a:fillRef idx="0">
-            <a:schemeClr val="accent1"/>
-          </a:fillRef>
-          <a:effectRef idx="1">
-            <a:schemeClr val="accent1"/>
-          </a:effectRef>
-          <a:fontRef idx="minor">
-            <a:schemeClr val="tx1"/>
-          </a:fontRef>
-        </p:style>
-      </p:cxnSp>
-      <p:cxnSp>
-        <p:nvCxnSpPr>
-          <p:cNvPr id="1395" name="꺾인 연결선[E] 1394">
-            <a:extLst>
-              <a:ext uri="{FF2B5EF4-FFF2-40B4-BE49-F238E27FC236}">
-                <a16:creationId xmlns:a16="http://schemas.microsoft.com/office/drawing/2014/main" id="{5627ABDC-B092-3C1D-D5E6-B13773A09DA9}"/>
-              </a:ext>
-            </a:extLst>
-          </p:cNvPr>
-          <p:cNvCxnSpPr>
-            <a:cxnSpLocks/>
-            <a:stCxn id="1053" idx="1"/>
-            <a:endCxn id="48" idx="3"/>
-          </p:cNvCxnSpPr>
-          <p:nvPr/>
-        </p:nvCxnSpPr>
-        <p:spPr>
-          <a:xfrm rot="10800000" flipV="1">
-            <a:off x="10484087" y="6970128"/>
-            <a:ext cx="1321746" cy="1921"/>
-          </a:xfrm>
-          <a:prstGeom prst="bentConnector3">
-            <a:avLst>
-              <a:gd name="adj1" fmla="val 50000"/>
-            </a:avLst>
-          </a:prstGeom>
-        </p:spPr>
-        <p:style>
-          <a:lnRef idx="2">
-            <a:schemeClr val="accent1"/>
-          </a:lnRef>
-          <a:fillRef idx="0">
-            <a:schemeClr val="accent1"/>
-          </a:fillRef>
-          <a:effectRef idx="1">
-            <a:schemeClr val="accent1"/>
-          </a:effectRef>
-          <a:fontRef idx="minor">
-            <a:schemeClr val="tx1"/>
-          </a:fontRef>
-        </p:style>
-      </p:cxnSp>
-      <p:cxnSp>
-        <p:nvCxnSpPr>
-          <p:cNvPr id="1398" name="꺾인 연결선[E] 1397">
-            <a:extLst>
-              <a:ext uri="{FF2B5EF4-FFF2-40B4-BE49-F238E27FC236}">
-                <a16:creationId xmlns:a16="http://schemas.microsoft.com/office/drawing/2014/main" id="{E6CB37D0-D5AA-DD89-6C4A-81BA1F09DC2C}"/>
-              </a:ext>
-            </a:extLst>
-          </p:cNvPr>
-          <p:cNvCxnSpPr>
-            <a:cxnSpLocks/>
-            <a:stCxn id="1054" idx="1"/>
-            <a:endCxn id="48" idx="3"/>
-          </p:cNvCxnSpPr>
-          <p:nvPr/>
-        </p:nvCxnSpPr>
-        <p:spPr>
-          <a:xfrm rot="10800000">
-            <a:off x="10484087" y="6972051"/>
-            <a:ext cx="1321746" cy="286853"/>
-          </a:xfrm>
-          <a:prstGeom prst="bentConnector3">
-            <a:avLst>
-              <a:gd name="adj1" fmla="val 6232"/>
-            </a:avLst>
-          </a:prstGeom>
-        </p:spPr>
-        <p:style>
-          <a:lnRef idx="2">
-            <a:schemeClr val="accent1"/>
-          </a:lnRef>
-          <a:fillRef idx="0">
-            <a:schemeClr val="accent1"/>
-          </a:fillRef>
-          <a:effectRef idx="1">
-            <a:schemeClr val="accent1"/>
-          </a:effectRef>
-          <a:fontRef idx="minor">
-            <a:schemeClr val="tx1"/>
-          </a:fontRef>
-        </p:style>
-      </p:cxnSp>
-      <p:cxnSp>
-        <p:nvCxnSpPr>
-          <p:cNvPr id="1404" name="꺾인 연결선[E] 1403">
-            <a:extLst>
-              <a:ext uri="{FF2B5EF4-FFF2-40B4-BE49-F238E27FC236}">
-                <a16:creationId xmlns:a16="http://schemas.microsoft.com/office/drawing/2014/main" id="{A6CB1323-9FDC-0599-FB8D-1C4E800DDA81}"/>
-              </a:ext>
-            </a:extLst>
-          </p:cNvPr>
-          <p:cNvCxnSpPr>
-            <a:cxnSpLocks/>
-            <a:stCxn id="9" idx="3"/>
-            <a:endCxn id="18" idx="1"/>
-          </p:cNvCxnSpPr>
-          <p:nvPr/>
-        </p:nvCxnSpPr>
-        <p:spPr>
-          <a:xfrm>
-            <a:off x="13001380" y="5278856"/>
-            <a:ext cx="4070267" cy="441186"/>
-          </a:xfrm>
-          <a:prstGeom prst="bentConnector3">
-            <a:avLst>
-              <a:gd name="adj1" fmla="val 3168"/>
-            </a:avLst>
-          </a:prstGeom>
-        </p:spPr>
-        <p:style>
-          <a:lnRef idx="2">
-            <a:schemeClr val="accent1"/>
-          </a:lnRef>
-          <a:fillRef idx="0">
-            <a:schemeClr val="accent1"/>
-          </a:fillRef>
-          <a:effectRef idx="1">
-            <a:schemeClr val="accent1"/>
-          </a:effectRef>
-          <a:fontRef idx="minor">
-            <a:schemeClr val="tx1"/>
-          </a:fontRef>
-        </p:style>
-      </p:cxnSp>
-      <p:cxnSp>
-        <p:nvCxnSpPr>
-          <p:cNvPr id="1407" name="꺾인 연결선[E] 1406">
-            <a:extLst>
-              <a:ext uri="{FF2B5EF4-FFF2-40B4-BE49-F238E27FC236}">
-                <a16:creationId xmlns:a16="http://schemas.microsoft.com/office/drawing/2014/main" id="{13FF1740-66AD-2F9D-E312-C9387508257C}"/>
-              </a:ext>
-            </a:extLst>
-          </p:cNvPr>
-          <p:cNvCxnSpPr>
-            <a:cxnSpLocks/>
-            <a:stCxn id="7" idx="3"/>
-            <a:endCxn id="18" idx="1"/>
-          </p:cNvCxnSpPr>
-          <p:nvPr/>
-        </p:nvCxnSpPr>
-        <p:spPr>
-          <a:xfrm>
-            <a:off x="13008942" y="5603198"/>
-            <a:ext cx="4062705" cy="116844"/>
-          </a:xfrm>
-          <a:prstGeom prst="bentConnector3">
-            <a:avLst>
-              <a:gd name="adj1" fmla="val 3030"/>
-            </a:avLst>
-          </a:prstGeom>
-        </p:spPr>
-        <p:style>
-          <a:lnRef idx="2">
-            <a:schemeClr val="accent1"/>
-          </a:lnRef>
-          <a:fillRef idx="0">
-            <a:schemeClr val="accent1"/>
-          </a:fillRef>
-          <a:effectRef idx="1">
-            <a:schemeClr val="accent1"/>
-          </a:effectRef>
-          <a:fontRef idx="minor">
-            <a:schemeClr val="tx1"/>
-          </a:fontRef>
-        </p:style>
-      </p:cxnSp>
-      <p:cxnSp>
-        <p:nvCxnSpPr>
-          <p:cNvPr id="1410" name="꺾인 연결선[E] 1409">
-            <a:extLst>
-              <a:ext uri="{FF2B5EF4-FFF2-40B4-BE49-F238E27FC236}">
-                <a16:creationId xmlns:a16="http://schemas.microsoft.com/office/drawing/2014/main" id="{2AD31820-4914-7960-6614-D830081E061D}"/>
-              </a:ext>
-            </a:extLst>
-          </p:cNvPr>
-          <p:cNvCxnSpPr>
-            <a:cxnSpLocks/>
-            <a:stCxn id="2" idx="3"/>
-            <a:endCxn id="18" idx="1"/>
-          </p:cNvCxnSpPr>
-          <p:nvPr/>
-        </p:nvCxnSpPr>
-        <p:spPr>
-          <a:xfrm flipV="1">
-            <a:off x="13007061" y="5720042"/>
-            <a:ext cx="4064586" cy="188729"/>
-          </a:xfrm>
-          <a:prstGeom prst="bentConnector3">
-            <a:avLst>
-              <a:gd name="adj1" fmla="val 3173"/>
-            </a:avLst>
-          </a:prstGeom>
-        </p:spPr>
-        <p:style>
-          <a:lnRef idx="2">
-            <a:schemeClr val="accent1"/>
-          </a:lnRef>
-          <a:fillRef idx="0">
-            <a:schemeClr val="accent1"/>
-          </a:fillRef>
-          <a:effectRef idx="1">
-            <a:schemeClr val="accent1"/>
-          </a:effectRef>
-          <a:fontRef idx="minor">
-            <a:schemeClr val="tx1"/>
-          </a:fontRef>
-        </p:style>
-      </p:cxnSp>
-      <p:cxnSp>
-        <p:nvCxnSpPr>
-          <p:cNvPr id="1466" name="꺾인 연결선[E] 1465">
-            <a:extLst>
-              <a:ext uri="{FF2B5EF4-FFF2-40B4-BE49-F238E27FC236}">
-                <a16:creationId xmlns:a16="http://schemas.microsoft.com/office/drawing/2014/main" id="{0CD098E9-0D26-937D-DB35-D974992EB817}"/>
-              </a:ext>
-            </a:extLst>
-          </p:cNvPr>
-          <p:cNvCxnSpPr>
-            <a:cxnSpLocks/>
-            <a:stCxn id="63" idx="2"/>
-            <a:endCxn id="1321" idx="0"/>
-          </p:cNvCxnSpPr>
-          <p:nvPr/>
-        </p:nvCxnSpPr>
-        <p:spPr>
-          <a:xfrm rot="5400000">
-            <a:off x="10903672" y="2162460"/>
-            <a:ext cx="569317" cy="2394073"/>
-          </a:xfrm>
-          <a:prstGeom prst="bentConnector3">
-            <a:avLst>
-              <a:gd name="adj1" fmla="val 50000"/>
-            </a:avLst>
-          </a:prstGeom>
-          <a:ln>
-            <a:solidFill>
-              <a:schemeClr val="accent5"/>
-            </a:solidFill>
-          </a:ln>
-        </p:spPr>
-        <p:style>
-          <a:lnRef idx="2">
-            <a:schemeClr val="accent1"/>
-          </a:lnRef>
-          <a:fillRef idx="0">
-            <a:schemeClr val="accent1"/>
-          </a:fillRef>
-          <a:effectRef idx="1">
-            <a:schemeClr val="accent1"/>
-          </a:effectRef>
-          <a:fontRef idx="minor">
-            <a:schemeClr val="tx1"/>
-          </a:fontRef>
-        </p:style>
-      </p:cxnSp>
-      <p:cxnSp>
-        <p:nvCxnSpPr>
-          <p:cNvPr id="1469" name="꺾인 연결선[E] 1468">
-            <a:extLst>
-              <a:ext uri="{FF2B5EF4-FFF2-40B4-BE49-F238E27FC236}">
-                <a16:creationId xmlns:a16="http://schemas.microsoft.com/office/drawing/2014/main" id="{B7283620-4C7C-7419-6B05-ED96FACE55B0}"/>
-              </a:ext>
-            </a:extLst>
-          </p:cNvPr>
-          <p:cNvCxnSpPr>
-            <a:cxnSpLocks/>
-            <a:stCxn id="1281" idx="0"/>
-            <a:endCxn id="63" idx="2"/>
-          </p:cNvCxnSpPr>
-          <p:nvPr/>
-        </p:nvCxnSpPr>
-        <p:spPr>
-          <a:xfrm rot="5400000" flipH="1" flipV="1">
-            <a:off x="12113531" y="3344521"/>
-            <a:ext cx="541517" cy="2153"/>
-          </a:xfrm>
-          <a:prstGeom prst="bentConnector3">
-            <a:avLst>
-              <a:gd name="adj1" fmla="val 50000"/>
-            </a:avLst>
-          </a:prstGeom>
-          <a:ln>
-            <a:solidFill>
-              <a:schemeClr val="accent5"/>
-            </a:solidFill>
-          </a:ln>
-        </p:spPr>
-        <p:style>
-          <a:lnRef idx="2">
-            <a:schemeClr val="accent1"/>
-          </a:lnRef>
-          <a:fillRef idx="0">
-            <a:schemeClr val="accent1"/>
-          </a:fillRef>
-          <a:effectRef idx="1">
-            <a:schemeClr val="accent1"/>
-          </a:effectRef>
-          <a:fontRef idx="minor">
-            <a:schemeClr val="tx1"/>
-          </a:fontRef>
-        </p:style>
-      </p:cxnSp>
-      <p:cxnSp>
-        <p:nvCxnSpPr>
-          <p:cNvPr id="1024" name="꺾인 연결선[E] 1023">
-            <a:extLst>
-              <a:ext uri="{FF2B5EF4-FFF2-40B4-BE49-F238E27FC236}">
-                <a16:creationId xmlns:a16="http://schemas.microsoft.com/office/drawing/2014/main" id="{FD03A196-F7E5-DA0C-885B-AD1D37B55149}"/>
-              </a:ext>
-            </a:extLst>
-          </p:cNvPr>
-          <p:cNvCxnSpPr>
-            <a:cxnSpLocks/>
-            <a:stCxn id="1365" idx="0"/>
-            <a:endCxn id="63" idx="2"/>
-          </p:cNvCxnSpPr>
-          <p:nvPr/>
-        </p:nvCxnSpPr>
-        <p:spPr>
-          <a:xfrm rot="16200000" flipV="1">
-            <a:off x="12714899" y="2745306"/>
-            <a:ext cx="1121923" cy="1780988"/>
-          </a:xfrm>
-          <a:prstGeom prst="bentConnector3">
-            <a:avLst>
-              <a:gd name="adj1" fmla="val 74563"/>
-            </a:avLst>
-          </a:prstGeom>
-          <a:ln>
-            <a:solidFill>
-              <a:schemeClr val="accent5"/>
-            </a:solidFill>
-          </a:ln>
-        </p:spPr>
-        <p:style>
-          <a:lnRef idx="2">
-            <a:schemeClr val="accent1"/>
-          </a:lnRef>
-          <a:fillRef idx="0">
-            <a:schemeClr val="accent1"/>
-          </a:fillRef>
-          <a:effectRef idx="1">
-            <a:schemeClr val="accent1"/>
-          </a:effectRef>
-          <a:fontRef idx="minor">
-            <a:schemeClr val="tx1"/>
-          </a:fontRef>
-        </p:style>
-      </p:cxnSp>
-      <p:cxnSp>
-        <p:nvCxnSpPr>
-          <p:cNvPr id="1031" name="꺾인 연결선[E] 1030">
-            <a:extLst>
-              <a:ext uri="{FF2B5EF4-FFF2-40B4-BE49-F238E27FC236}">
-                <a16:creationId xmlns:a16="http://schemas.microsoft.com/office/drawing/2014/main" id="{84D7F42F-4A79-1658-4C36-6CEDAEEFC88C}"/>
-              </a:ext>
-            </a:extLst>
-          </p:cNvPr>
-          <p:cNvCxnSpPr>
-            <a:cxnSpLocks/>
-            <a:stCxn id="19" idx="0"/>
-            <a:endCxn id="63" idx="2"/>
-          </p:cNvCxnSpPr>
-          <p:nvPr/>
-        </p:nvCxnSpPr>
-        <p:spPr>
-          <a:xfrm rot="16200000" flipV="1">
-            <a:off x="13740482" y="1719723"/>
-            <a:ext cx="2209007" cy="4919238"/>
-          </a:xfrm>
-          <a:prstGeom prst="bentConnector3">
-            <a:avLst>
-              <a:gd name="adj1" fmla="val 87225"/>
-            </a:avLst>
-          </a:prstGeom>
-          <a:ln>
-            <a:solidFill>
-              <a:schemeClr val="accent5"/>
-            </a:solidFill>
-          </a:ln>
-        </p:spPr>
-        <p:style>
-          <a:lnRef idx="2">
-            <a:schemeClr val="accent1"/>
-          </a:lnRef>
-          <a:fillRef idx="0">
-            <a:schemeClr val="accent1"/>
-          </a:fillRef>
-          <a:effectRef idx="1">
-            <a:schemeClr val="accent1"/>
-          </a:effectRef>
-          <a:fontRef idx="minor">
-            <a:schemeClr val="tx1"/>
-          </a:fontRef>
-        </p:style>
-      </p:cxnSp>
       <p:sp>
         <p:nvSpPr>
-          <p:cNvPr id="1035" name="제목 1">
-            <a:extLst>
-              <a:ext uri="{FF2B5EF4-FFF2-40B4-BE49-F238E27FC236}">
-                <a16:creationId xmlns:a16="http://schemas.microsoft.com/office/drawing/2014/main" id="{71FF8702-FED6-127F-52F1-3D46423D98B5}"/>
+          <p:cNvPr id="1397" name="제목 1">
+            <a:extLst>
+              <a:ext uri="{FF2B5EF4-FFF2-40B4-BE49-F238E27FC236}">
+                <a16:creationId xmlns:a16="http://schemas.microsoft.com/office/drawing/2014/main" id="{5F0DBADA-6E28-A6A2-8134-D353F321B803}"/>
               </a:ext>
             </a:extLst>
           </p:cNvPr>
@@ -11913,8 +11959,8 @@
         </p:nvSpPr>
         <p:spPr>
           <a:xfrm>
-            <a:off x="11743721" y="2417764"/>
-            <a:ext cx="1257659" cy="236354"/>
+            <a:off x="14524664" y="7544099"/>
+            <a:ext cx="1304524" cy="262033"/>
           </a:xfrm>
           <a:prstGeom prst="rect">
             <a:avLst/>
@@ -11946,20 +11992,12 @@
           <a:p>
             <a:pPr algn="ctr"/>
             <a:r>
-              <a:rPr kumimoji="1" lang="en-US" altLang="ko-KR" sz="900" b="1" dirty="0" err="1">
-                <a:latin typeface="KoPubWorldDotum Bold" pitchFamily="2" charset="-127"/>
-                <a:ea typeface="KoPubWorldDotum Bold" pitchFamily="2" charset="-127"/>
-                <a:cs typeface="KoPubWorldDotum Bold" pitchFamily="2" charset="-127"/>
-              </a:rPr>
-              <a:t>Cloudwatch</a:t>
-            </a:r>
-            <a:r>
               <a:rPr kumimoji="1" lang="en-US" altLang="ko-KR" sz="900" b="1" dirty="0">
                 <a:latin typeface="KoPubWorldDotum Bold" pitchFamily="2" charset="-127"/>
                 <a:ea typeface="KoPubWorldDotum Bold" pitchFamily="2" charset="-127"/>
                 <a:cs typeface="KoPubWorldDotum Bold" pitchFamily="2" charset="-127"/>
               </a:rPr>
-              <a:t> Logs</a:t>
+              <a:t>Claude 3 Haiku</a:t>
             </a:r>
             <a:endParaRPr kumimoji="1" lang="ko-KR" altLang="en-US" sz="900" b="1" dirty="0">
               <a:latin typeface="KoPubWorldDotum Bold" pitchFamily="2" charset="-127"/>
@@ -11969,234 +12007,12 @@
           </a:p>
         </p:txBody>
       </p:sp>
-      <p:cxnSp>
-        <p:nvCxnSpPr>
-          <p:cNvPr id="1036" name="직선 화살표 연결선 1035">
-            <a:extLst>
-              <a:ext uri="{FF2B5EF4-FFF2-40B4-BE49-F238E27FC236}">
-                <a16:creationId xmlns:a16="http://schemas.microsoft.com/office/drawing/2014/main" id="{2468F6CF-A7E1-688D-B452-15AF2328A4E6}"/>
-              </a:ext>
-            </a:extLst>
-          </p:cNvPr>
-          <p:cNvCxnSpPr>
-            <a:cxnSpLocks/>
-            <a:stCxn id="63" idx="1"/>
-            <a:endCxn id="22" idx="3"/>
-          </p:cNvCxnSpPr>
-          <p:nvPr/>
-        </p:nvCxnSpPr>
-        <p:spPr>
-          <a:xfrm flipH="1">
-            <a:off x="8626349" y="2843767"/>
-            <a:ext cx="3527946" cy="2629"/>
-          </a:xfrm>
-          <a:prstGeom prst="straightConnector1">
-            <a:avLst/>
-          </a:prstGeom>
-          <a:ln>
-            <a:solidFill>
-              <a:schemeClr val="accent5"/>
-            </a:solidFill>
-            <a:headEnd type="none" w="med" len="med"/>
-            <a:tailEnd type="none" w="med" len="med"/>
-          </a:ln>
-        </p:spPr>
-        <p:style>
-          <a:lnRef idx="2">
-            <a:schemeClr val="accent1"/>
-          </a:lnRef>
-          <a:fillRef idx="0">
-            <a:schemeClr val="accent1"/>
-          </a:fillRef>
-          <a:effectRef idx="1">
-            <a:schemeClr val="accent1"/>
-          </a:effectRef>
-          <a:fontRef idx="minor">
-            <a:schemeClr val="tx1"/>
-          </a:fontRef>
-        </p:style>
-      </p:cxnSp>
-      <p:cxnSp>
-        <p:nvCxnSpPr>
-          <p:cNvPr id="1039" name="꺾인 연결선[E] 1038">
-            <a:extLst>
-              <a:ext uri="{FF2B5EF4-FFF2-40B4-BE49-F238E27FC236}">
-                <a16:creationId xmlns:a16="http://schemas.microsoft.com/office/drawing/2014/main" id="{3E7A12C3-2FBF-42E1-4C22-15FC7768F23E}"/>
-              </a:ext>
-            </a:extLst>
-          </p:cNvPr>
-          <p:cNvCxnSpPr>
-            <a:cxnSpLocks/>
-            <a:stCxn id="22" idx="1"/>
-            <a:endCxn id="29" idx="3"/>
-          </p:cNvCxnSpPr>
-          <p:nvPr/>
-        </p:nvCxnSpPr>
-        <p:spPr>
-          <a:xfrm rot="10800000" flipV="1">
-            <a:off x="6546677" y="2846395"/>
-            <a:ext cx="1617531" cy="1915385"/>
-          </a:xfrm>
-          <a:prstGeom prst="bentConnector3">
-            <a:avLst>
-              <a:gd name="adj1" fmla="val 76893"/>
-            </a:avLst>
-          </a:prstGeom>
-          <a:ln>
-            <a:solidFill>
-              <a:schemeClr val="accent5"/>
-            </a:solidFill>
-          </a:ln>
-        </p:spPr>
-        <p:style>
-          <a:lnRef idx="2">
-            <a:schemeClr val="accent1"/>
-          </a:lnRef>
-          <a:fillRef idx="0">
-            <a:schemeClr val="accent1"/>
-          </a:fillRef>
-          <a:effectRef idx="1">
-            <a:schemeClr val="accent1"/>
-          </a:effectRef>
-          <a:fontRef idx="minor">
-            <a:schemeClr val="tx1"/>
-          </a:fontRef>
-        </p:style>
-      </p:cxnSp>
-      <p:cxnSp>
-        <p:nvCxnSpPr>
-          <p:cNvPr id="16" name="꺾인 연결선[E] 15">
-            <a:extLst>
-              <a:ext uri="{FF2B5EF4-FFF2-40B4-BE49-F238E27FC236}">
-                <a16:creationId xmlns:a16="http://schemas.microsoft.com/office/drawing/2014/main" id="{3DAC308B-8DEB-DB98-BB79-DD4CC91C5F68}"/>
-              </a:ext>
-            </a:extLst>
-          </p:cNvPr>
-          <p:cNvCxnSpPr>
-            <a:cxnSpLocks/>
-            <a:stCxn id="26" idx="3"/>
-            <a:endCxn id="18" idx="1"/>
-          </p:cNvCxnSpPr>
-          <p:nvPr/>
-        </p:nvCxnSpPr>
-        <p:spPr>
-          <a:xfrm flipV="1">
-            <a:off x="13007061" y="5720042"/>
-            <a:ext cx="4064586" cy="496054"/>
-          </a:xfrm>
-          <a:prstGeom prst="bentConnector3">
-            <a:avLst>
-              <a:gd name="adj1" fmla="val 3109"/>
-            </a:avLst>
-          </a:prstGeom>
-        </p:spPr>
-        <p:style>
-          <a:lnRef idx="2">
-            <a:schemeClr val="accent1"/>
-          </a:lnRef>
-          <a:fillRef idx="0">
-            <a:schemeClr val="accent1"/>
-          </a:fillRef>
-          <a:effectRef idx="1">
-            <a:schemeClr val="accent1"/>
-          </a:effectRef>
-          <a:fontRef idx="minor">
-            <a:schemeClr val="tx1"/>
-          </a:fontRef>
-        </p:style>
-      </p:cxnSp>
-      <p:cxnSp>
-        <p:nvCxnSpPr>
-          <p:cNvPr id="1345" name="직선 화살표 연결선 1344">
-            <a:extLst>
-              <a:ext uri="{FF2B5EF4-FFF2-40B4-BE49-F238E27FC236}">
-                <a16:creationId xmlns:a16="http://schemas.microsoft.com/office/drawing/2014/main" id="{6FE09CF8-E4D9-FD95-582E-CD8BA2E71A4C}"/>
-              </a:ext>
-            </a:extLst>
-          </p:cNvPr>
-          <p:cNvCxnSpPr>
-            <a:cxnSpLocks/>
-            <a:stCxn id="55" idx="2"/>
-            <a:endCxn id="47" idx="0"/>
-          </p:cNvCxnSpPr>
-          <p:nvPr/>
-        </p:nvCxnSpPr>
-        <p:spPr>
-          <a:xfrm>
-            <a:off x="6929228" y="5882123"/>
-            <a:ext cx="6220" cy="614824"/>
-          </a:xfrm>
-          <a:prstGeom prst="straightConnector1">
-            <a:avLst/>
-          </a:prstGeom>
-          <a:ln>
-            <a:headEnd type="none" w="med" len="med"/>
-            <a:tailEnd type="none" w="med" len="med"/>
-          </a:ln>
-        </p:spPr>
-        <p:style>
-          <a:lnRef idx="2">
-            <a:schemeClr val="accent1"/>
-          </a:lnRef>
-          <a:fillRef idx="0">
-            <a:schemeClr val="accent1"/>
-          </a:fillRef>
-          <a:effectRef idx="1">
-            <a:schemeClr val="accent1"/>
-          </a:effectRef>
-          <a:fontRef idx="minor">
-            <a:schemeClr val="tx1"/>
-          </a:fontRef>
-        </p:style>
-      </p:cxnSp>
-      <p:cxnSp>
-        <p:nvCxnSpPr>
-          <p:cNvPr id="1389" name="꺾인 연결선[E] 1388">
-            <a:extLst>
-              <a:ext uri="{FF2B5EF4-FFF2-40B4-BE49-F238E27FC236}">
-                <a16:creationId xmlns:a16="http://schemas.microsoft.com/office/drawing/2014/main" id="{72BE46B1-8A40-A66C-2FC6-12215484F9D9}"/>
-              </a:ext>
-            </a:extLst>
-          </p:cNvPr>
-          <p:cNvCxnSpPr>
-            <a:cxnSpLocks/>
-            <a:stCxn id="18" idx="1"/>
-            <a:endCxn id="1402" idx="3"/>
-          </p:cNvCxnSpPr>
-          <p:nvPr/>
-        </p:nvCxnSpPr>
-        <p:spPr>
-          <a:xfrm rot="10800000" flipV="1">
-            <a:off x="15935163" y="5720041"/>
-            <a:ext cx="1136484" cy="773215"/>
-          </a:xfrm>
-          <a:prstGeom prst="bentConnector3">
-            <a:avLst>
-              <a:gd name="adj1" fmla="val 50000"/>
-            </a:avLst>
-          </a:prstGeom>
-        </p:spPr>
-        <p:style>
-          <a:lnRef idx="2">
-            <a:schemeClr val="accent1"/>
-          </a:lnRef>
-          <a:fillRef idx="0">
-            <a:schemeClr val="accent1"/>
-          </a:fillRef>
-          <a:effectRef idx="1">
-            <a:schemeClr val="accent1"/>
-          </a:effectRef>
-          <a:fontRef idx="minor">
-            <a:schemeClr val="tx1"/>
-          </a:fontRef>
-        </p:style>
-      </p:cxnSp>
       <p:pic>
         <p:nvPicPr>
-          <p:cNvPr id="1394" name="Picture 2" descr="Amazon Bedrock Connector - Overview (O11) | OutSystems">
-            <a:extLst>
-              <a:ext uri="{FF2B5EF4-FFF2-40B4-BE49-F238E27FC236}">
-                <a16:creationId xmlns:a16="http://schemas.microsoft.com/office/drawing/2014/main" id="{D76A8403-AB59-5F56-F93D-3436F3ECAE2C}"/>
+          <p:cNvPr id="1399" name="Picture 2" descr="The AI wars heat up with Claude 3, claimed to have “near-human” abilities |  Ars Technica">
+            <a:extLst>
+              <a:ext uri="{FF2B5EF4-FFF2-40B4-BE49-F238E27FC236}">
+                <a16:creationId xmlns:a16="http://schemas.microsoft.com/office/drawing/2014/main" id="{53463989-5D77-4C43-13E9-6CCFC135E486}"/>
               </a:ext>
             </a:extLst>
           </p:cNvPr>
@@ -12205,7 +12021,7 @@
           </p:cNvPicPr>
           <p:nvPr/>
         </p:nvPicPr>
-        <p:blipFill>
+        <p:blipFill rotWithShape="1">
           <a:blip r:embed="rId19">
             <a:extLst>
               <a:ext uri="{28A0092B-C50C-407E-A947-70E740481C1C}">
@@ -12213,14 +12029,12 @@
               </a:ext>
             </a:extLst>
           </a:blip>
-          <a:srcRect/>
-          <a:stretch>
-            <a:fillRect/>
-          </a:stretch>
+          <a:srcRect l="28567" t="10984" r="29591" b="14630"/>
+          <a:stretch/>
         </p:blipFill>
         <p:spPr bwMode="auto">
           <a:xfrm>
-            <a:off x="13886555" y="7064514"/>
+            <a:off x="14961735" y="7064423"/>
             <a:ext cx="465430" cy="465430"/>
           </a:xfrm>
           <a:prstGeom prst="rect">
@@ -12238,12 +12052,56 @@
           </a:extLst>
         </p:spPr>
       </p:pic>
+      <p:cxnSp>
+        <p:nvCxnSpPr>
+          <p:cNvPr id="1400" name="직선 화살표 연결선 1399">
+            <a:extLst>
+              <a:ext uri="{FF2B5EF4-FFF2-40B4-BE49-F238E27FC236}">
+                <a16:creationId xmlns:a16="http://schemas.microsoft.com/office/drawing/2014/main" id="{994F1499-F788-38F8-F254-DEF95FBBC516}"/>
+              </a:ext>
+            </a:extLst>
+          </p:cNvPr>
+          <p:cNvCxnSpPr>
+            <a:cxnSpLocks/>
+            <a:stCxn id="1399" idx="1"/>
+            <a:endCxn id="1394" idx="3"/>
+          </p:cNvCxnSpPr>
+          <p:nvPr/>
+        </p:nvCxnSpPr>
+        <p:spPr>
+          <a:xfrm flipH="1">
+            <a:off x="13843987" y="7297138"/>
+            <a:ext cx="1117748" cy="91"/>
+          </a:xfrm>
+          <a:prstGeom prst="straightConnector1">
+            <a:avLst/>
+          </a:prstGeom>
+          <a:ln>
+            <a:headEnd type="none" w="med" len="med"/>
+            <a:tailEnd type="none" w="med" len="med"/>
+          </a:ln>
+        </p:spPr>
+        <p:style>
+          <a:lnRef idx="2">
+            <a:schemeClr val="accent1"/>
+          </a:lnRef>
+          <a:fillRef idx="0">
+            <a:schemeClr val="accent1"/>
+          </a:fillRef>
+          <a:effectRef idx="1">
+            <a:schemeClr val="accent1"/>
+          </a:effectRef>
+          <a:fontRef idx="minor">
+            <a:schemeClr val="tx1"/>
+          </a:fontRef>
+        </p:style>
+      </p:cxnSp>
       <p:sp>
         <p:nvSpPr>
-          <p:cNvPr id="1396" name="제목 1">
-            <a:extLst>
-              <a:ext uri="{FF2B5EF4-FFF2-40B4-BE49-F238E27FC236}">
-                <a16:creationId xmlns:a16="http://schemas.microsoft.com/office/drawing/2014/main" id="{10EE7717-755C-1773-74F1-D8482F0EA898}"/>
+          <p:cNvPr id="1401" name="제목 1">
+            <a:extLst>
+              <a:ext uri="{FF2B5EF4-FFF2-40B4-BE49-F238E27FC236}">
+                <a16:creationId xmlns:a16="http://schemas.microsoft.com/office/drawing/2014/main" id="{7AFCC29E-F4C4-7F16-F51E-1940D08D258F}"/>
               </a:ext>
             </a:extLst>
           </p:cNvPr>
@@ -12254,8 +12112,8 @@
         </p:nvSpPr>
         <p:spPr>
           <a:xfrm>
-            <a:off x="13758902" y="6836861"/>
-            <a:ext cx="739201" cy="267998"/>
+            <a:off x="14529030" y="6744894"/>
+            <a:ext cx="1304524" cy="262033"/>
           </a:xfrm>
           <a:prstGeom prst="rect">
             <a:avLst/>
@@ -12292,7 +12150,23 @@
                 <a:ea typeface="KoPubWorldDotum Bold" pitchFamily="2" charset="-127"/>
                 <a:cs typeface="KoPubWorldDotum Bold" pitchFamily="2" charset="-127"/>
               </a:rPr>
-              <a:t>Bedrock</a:t>
+              <a:t>Claude 3.5 Sonnet</a:t>
+            </a:r>
+            <a:r>
+              <a:rPr kumimoji="1" lang="ko-KR" altLang="en-US" sz="900" b="1" dirty="0">
+                <a:latin typeface="KoPubWorldDotum Bold" pitchFamily="2" charset="-127"/>
+                <a:ea typeface="KoPubWorldDotum Bold" pitchFamily="2" charset="-127"/>
+                <a:cs typeface="KoPubWorldDotum Bold" pitchFamily="2" charset="-127"/>
+              </a:rPr>
+              <a:t> </a:t>
+            </a:r>
+            <a:r>
+              <a:rPr kumimoji="1" lang="en-US" altLang="ko-KR" sz="900" b="1" dirty="0">
+                <a:latin typeface="KoPubWorldDotum Bold" pitchFamily="2" charset="-127"/>
+                <a:ea typeface="KoPubWorldDotum Bold" pitchFamily="2" charset="-127"/>
+                <a:cs typeface="KoPubWorldDotum Bold" pitchFamily="2" charset="-127"/>
+              </a:rPr>
+              <a:t>V2</a:t>
             </a:r>
             <a:endParaRPr kumimoji="1" lang="ko-KR" altLang="en-US" sz="900" b="1" dirty="0">
               <a:latin typeface="KoPubWorldDotum Bold" pitchFamily="2" charset="-127"/>
@@ -12302,12 +12176,57 @@
           </a:p>
         </p:txBody>
       </p:sp>
+      <p:pic>
+        <p:nvPicPr>
+          <p:cNvPr id="1402" name="Picture 2" descr="The AI wars heat up with Claude 3, claimed to have “near-human” abilities |  Ars Technica">
+            <a:extLst>
+              <a:ext uri="{FF2B5EF4-FFF2-40B4-BE49-F238E27FC236}">
+                <a16:creationId xmlns:a16="http://schemas.microsoft.com/office/drawing/2014/main" id="{DE106FA1-FAB0-CC7A-1C9C-57E0F2AB60DA}"/>
+              </a:ext>
+            </a:extLst>
+          </p:cNvPr>
+          <p:cNvPicPr>
+            <a:picLocks noChangeAspect="1" noChangeArrowheads="1"/>
+          </p:cNvPicPr>
+          <p:nvPr/>
+        </p:nvPicPr>
+        <p:blipFill rotWithShape="1">
+          <a:blip r:embed="rId19">
+            <a:extLst>
+              <a:ext uri="{28A0092B-C50C-407E-A947-70E740481C1C}">
+                <a14:useLocalDpi xmlns:a14="http://schemas.microsoft.com/office/drawing/2010/main" val="0"/>
+              </a:ext>
+            </a:extLst>
+          </a:blip>
+          <a:srcRect l="28567" t="10984" r="29591" b="14630"/>
+          <a:stretch/>
+        </p:blipFill>
+        <p:spPr bwMode="auto">
+          <a:xfrm>
+            <a:off x="14961735" y="6260542"/>
+            <a:ext cx="465430" cy="465430"/>
+          </a:xfrm>
+          <a:prstGeom prst="rect">
+            <a:avLst/>
+          </a:prstGeom>
+          <a:noFill/>
+          <a:extLst>
+            <a:ext uri="{909E8E84-426E-40DD-AFC4-6F175D3DCCD1}">
+              <a14:hiddenFill xmlns:a14="http://schemas.microsoft.com/office/drawing/2010/main">
+                <a:solidFill>
+                  <a:srgbClr val="FFFFFF"/>
+                </a:solidFill>
+              </a14:hiddenFill>
+            </a:ext>
+          </a:extLst>
+        </p:spPr>
+      </p:pic>
       <p:sp>
         <p:nvSpPr>
-          <p:cNvPr id="1397" name="제목 1">
-            <a:extLst>
-              <a:ext uri="{FF2B5EF4-FFF2-40B4-BE49-F238E27FC236}">
-                <a16:creationId xmlns:a16="http://schemas.microsoft.com/office/drawing/2014/main" id="{5F0DBADA-6E28-A6A2-8134-D353F321B803}"/>
+          <p:cNvPr id="1403" name="제목 1">
+            <a:extLst>
+              <a:ext uri="{FF2B5EF4-FFF2-40B4-BE49-F238E27FC236}">
+                <a16:creationId xmlns:a16="http://schemas.microsoft.com/office/drawing/2014/main" id="{F9B01412-5E48-FB8A-F9B0-A305FEF0562A}"/>
               </a:ext>
             </a:extLst>
           </p:cNvPr>
@@ -12318,8 +12237,8 @@
         </p:nvSpPr>
         <p:spPr>
           <a:xfrm>
-            <a:off x="15032662" y="6843451"/>
-            <a:ext cx="1304524" cy="262033"/>
+            <a:off x="13016726" y="6728802"/>
+            <a:ext cx="1206609" cy="267998"/>
           </a:xfrm>
           <a:prstGeom prst="rect">
             <a:avLst/>
@@ -12356,7 +12275,23 @@
                 <a:ea typeface="KoPubWorldDotum Bold" pitchFamily="2" charset="-127"/>
                 <a:cs typeface="KoPubWorldDotum Bold" pitchFamily="2" charset="-127"/>
               </a:rPr>
-              <a:t>Claude 3 Haiku</a:t>
+              <a:t>Bedrock</a:t>
+            </a:r>
+            <a:r>
+              <a:rPr kumimoji="1" lang="ko-KR" altLang="en-US" sz="900" b="1" dirty="0">
+                <a:latin typeface="KoPubWorldDotum Bold" pitchFamily="2" charset="-127"/>
+                <a:ea typeface="KoPubWorldDotum Bold" pitchFamily="2" charset="-127"/>
+                <a:cs typeface="KoPubWorldDotum Bold" pitchFamily="2" charset="-127"/>
+              </a:rPr>
+              <a:t> </a:t>
+            </a:r>
+            <a:r>
+              <a:rPr kumimoji="1" lang="en-US" altLang="ko-KR" sz="900" b="1" dirty="0">
+                <a:latin typeface="KoPubWorldDotum Bold" pitchFamily="2" charset="-127"/>
+                <a:ea typeface="KoPubWorldDotum Bold" pitchFamily="2" charset="-127"/>
+                <a:cs typeface="KoPubWorldDotum Bold" pitchFamily="2" charset="-127"/>
+              </a:rPr>
+              <a:t>Agent</a:t>
             </a:r>
             <a:endParaRPr kumimoji="1" lang="ko-KR" altLang="en-US" sz="900" b="1" dirty="0">
               <a:latin typeface="KoPubWorldDotum Bold" pitchFamily="2" charset="-127"/>
@@ -12368,10 +12303,10 @@
       </p:sp>
       <p:pic>
         <p:nvPicPr>
-          <p:cNvPr id="1399" name="Picture 2" descr="The AI wars heat up with Claude 3, claimed to have “near-human” abilities |  Ars Technica">
-            <a:extLst>
-              <a:ext uri="{FF2B5EF4-FFF2-40B4-BE49-F238E27FC236}">
-                <a16:creationId xmlns:a16="http://schemas.microsoft.com/office/drawing/2014/main" id="{53463989-5D77-4C43-13E9-6CCFC135E486}"/>
+          <p:cNvPr id="1405" name="Picture 2" descr="Amazon Bedrock Connector - Overview (O11) | OutSystems">
+            <a:extLst>
+              <a:ext uri="{FF2B5EF4-FFF2-40B4-BE49-F238E27FC236}">
+                <a16:creationId xmlns:a16="http://schemas.microsoft.com/office/drawing/2014/main" id="{7D41D965-1736-CB1F-7BA5-C6980DF18ED4}"/>
               </a:ext>
             </a:extLst>
           </p:cNvPr>
@@ -12380,20 +12315,23 @@
           </p:cNvPicPr>
           <p:nvPr/>
         </p:nvPicPr>
-        <p:blipFill rotWithShape="1">
-          <a:blip r:embed="rId20">
+        <p:blipFill>
+          <a:blip r:embed="rId18">
+            <a:alphaModFix/>
             <a:extLst>
               <a:ext uri="{28A0092B-C50C-407E-A947-70E740481C1C}">
                 <a14:useLocalDpi xmlns:a14="http://schemas.microsoft.com/office/drawing/2010/main" val="0"/>
               </a:ext>
             </a:extLst>
           </a:blip>
-          <a:srcRect l="28567" t="10984" r="29591" b="14630"/>
-          <a:stretch/>
+          <a:srcRect/>
+          <a:stretch>
+            <a:fillRect/>
+          </a:stretch>
         </p:blipFill>
         <p:spPr bwMode="auto">
           <a:xfrm>
-            <a:off x="15469733" y="7064423"/>
+            <a:off x="13376928" y="6264232"/>
             <a:ext cx="465430" cy="465430"/>
           </a:xfrm>
           <a:prstGeom prst="rect">
@@ -12411,26 +12349,56 @@
           </a:extLst>
         </p:spPr>
       </p:pic>
+      <p:pic>
+        <p:nvPicPr>
+          <p:cNvPr id="1406" name="그림 1405">
+            <a:extLst>
+              <a:ext uri="{FF2B5EF4-FFF2-40B4-BE49-F238E27FC236}">
+                <a16:creationId xmlns:a16="http://schemas.microsoft.com/office/drawing/2014/main" id="{75F89F16-1286-353A-1893-C46DDE077E33}"/>
+              </a:ext>
+            </a:extLst>
+          </p:cNvPr>
+          <p:cNvPicPr>
+            <a:picLocks noChangeAspect="1"/>
+          </p:cNvPicPr>
+          <p:nvPr/>
+        </p:nvPicPr>
+        <p:blipFill>
+          <a:blip r:embed="rId20"/>
+          <a:stretch>
+            <a:fillRect/>
+          </a:stretch>
+        </p:blipFill>
+        <p:spPr>
+          <a:xfrm>
+            <a:off x="16573362" y="6604414"/>
+            <a:ext cx="465430" cy="465430"/>
+          </a:xfrm>
+          <a:prstGeom prst="rect">
+            <a:avLst/>
+          </a:prstGeom>
+        </p:spPr>
+      </p:pic>
       <p:cxnSp>
         <p:nvCxnSpPr>
-          <p:cNvPr id="1400" name="직선 화살표 연결선 1399">
-            <a:extLst>
-              <a:ext uri="{FF2B5EF4-FFF2-40B4-BE49-F238E27FC236}">
-                <a16:creationId xmlns:a16="http://schemas.microsoft.com/office/drawing/2014/main" id="{994F1499-F788-38F8-F254-DEF95FBBC516}"/>
+          <p:cNvPr id="1408" name="직선 화살표 연결선 1407">
+            <a:extLst>
+              <a:ext uri="{FF2B5EF4-FFF2-40B4-BE49-F238E27FC236}">
+                <a16:creationId xmlns:a16="http://schemas.microsoft.com/office/drawing/2014/main" id="{AADDBA02-411F-8211-B753-362151A949E9}"/>
               </a:ext>
             </a:extLst>
           </p:cNvPr>
           <p:cNvCxnSpPr>
             <a:cxnSpLocks/>
-            <a:stCxn id="1399" idx="1"/>
-            <a:endCxn id="1394" idx="3"/>
+            <a:stCxn id="1402" idx="1"/>
+            <a:endCxn id="1405" idx="3"/>
           </p:cNvCxnSpPr>
           <p:nvPr/>
         </p:nvCxnSpPr>
         <p:spPr>
           <a:xfrm flipH="1">
-            <a:off x="14351985" y="7297138"/>
-            <a:ext cx="1117748" cy="91"/>
+            <a:off x="13842358" y="6493257"/>
+            <a:ext cx="1119377" cy="3690"/>
           </a:xfrm>
           <a:prstGeom prst="straightConnector1">
             <a:avLst/>
@@ -12457,10 +12425,10 @@
       </p:cxnSp>
       <p:sp>
         <p:nvSpPr>
-          <p:cNvPr id="1401" name="제목 1">
-            <a:extLst>
-              <a:ext uri="{FF2B5EF4-FFF2-40B4-BE49-F238E27FC236}">
-                <a16:creationId xmlns:a16="http://schemas.microsoft.com/office/drawing/2014/main" id="{7AFCC29E-F4C4-7F16-F51E-1940D08D258F}"/>
+          <p:cNvPr id="1409" name="제목 1">
+            <a:extLst>
+              <a:ext uri="{FF2B5EF4-FFF2-40B4-BE49-F238E27FC236}">
+                <a16:creationId xmlns:a16="http://schemas.microsoft.com/office/drawing/2014/main" id="{CBECEA5A-C026-1315-DECB-AE5C377042C2}"/>
               </a:ext>
             </a:extLst>
           </p:cNvPr>
@@ -12471,8 +12439,8 @@
         </p:nvSpPr>
         <p:spPr>
           <a:xfrm>
-            <a:off x="15037028" y="6044246"/>
-            <a:ext cx="1304524" cy="262033"/>
+            <a:off x="16467697" y="7052312"/>
+            <a:ext cx="676761" cy="267998"/>
           </a:xfrm>
           <a:prstGeom prst="rect">
             <a:avLst/>
@@ -12509,23 +12477,7 @@
                 <a:ea typeface="KoPubWorldDotum Bold" pitchFamily="2" charset="-127"/>
                 <a:cs typeface="KoPubWorldDotum Bold" pitchFamily="2" charset="-127"/>
               </a:rPr>
-              <a:t>Claude 3.5 Sonnet</a:t>
-            </a:r>
-            <a:r>
-              <a:rPr kumimoji="1" lang="ko-KR" altLang="en-US" sz="900" b="1" dirty="0">
-                <a:latin typeface="KoPubWorldDotum Bold" pitchFamily="2" charset="-127"/>
-                <a:ea typeface="KoPubWorldDotum Bold" pitchFamily="2" charset="-127"/>
-                <a:cs typeface="KoPubWorldDotum Bold" pitchFamily="2" charset="-127"/>
-              </a:rPr>
-              <a:t> </a:t>
-            </a:r>
-            <a:r>
-              <a:rPr kumimoji="1" lang="en-US" altLang="ko-KR" sz="900" b="1" dirty="0">
-                <a:latin typeface="KoPubWorldDotum Bold" pitchFamily="2" charset="-127"/>
-                <a:ea typeface="KoPubWorldDotum Bold" pitchFamily="2" charset="-127"/>
-                <a:cs typeface="KoPubWorldDotum Bold" pitchFamily="2" charset="-127"/>
-              </a:rPr>
-              <a:t>V2</a:t>
+              <a:t>RDS</a:t>
             </a:r>
             <a:endParaRPr kumimoji="1" lang="ko-KR" altLang="en-US" sz="900" b="1" dirty="0">
               <a:latin typeface="KoPubWorldDotum Bold" pitchFamily="2" charset="-127"/>
@@ -12535,12 +12487,54 @@
           </a:p>
         </p:txBody>
       </p:sp>
+      <p:cxnSp>
+        <p:nvCxnSpPr>
+          <p:cNvPr id="1421" name="꺾인 연결선[E] 1420">
+            <a:extLst>
+              <a:ext uri="{FF2B5EF4-FFF2-40B4-BE49-F238E27FC236}">
+                <a16:creationId xmlns:a16="http://schemas.microsoft.com/office/drawing/2014/main" id="{92C239DB-852A-A318-0FE2-4697CECED05F}"/>
+              </a:ext>
+            </a:extLst>
+          </p:cNvPr>
+          <p:cNvCxnSpPr>
+            <a:cxnSpLocks/>
+            <a:stCxn id="1406" idx="1"/>
+            <a:endCxn id="1402" idx="3"/>
+          </p:cNvCxnSpPr>
+          <p:nvPr/>
+        </p:nvCxnSpPr>
+        <p:spPr>
+          <a:xfrm rot="10800000">
+            <a:off x="15427166" y="6493257"/>
+            <a:ext cx="1146197" cy="343872"/>
+          </a:xfrm>
+          <a:prstGeom prst="bentConnector3">
+            <a:avLst>
+              <a:gd name="adj1" fmla="val 50831"/>
+            </a:avLst>
+          </a:prstGeom>
+        </p:spPr>
+        <p:style>
+          <a:lnRef idx="2">
+            <a:schemeClr val="accent1"/>
+          </a:lnRef>
+          <a:fillRef idx="0">
+            <a:schemeClr val="accent1"/>
+          </a:fillRef>
+          <a:effectRef idx="1">
+            <a:schemeClr val="accent1"/>
+          </a:effectRef>
+          <a:fontRef idx="minor">
+            <a:schemeClr val="tx1"/>
+          </a:fontRef>
+        </p:style>
+      </p:cxnSp>
       <p:pic>
         <p:nvPicPr>
-          <p:cNvPr id="1402" name="Picture 2" descr="The AI wars heat up with Claude 3, claimed to have “near-human” abilities |  Ars Technica">
-            <a:extLst>
-              <a:ext uri="{FF2B5EF4-FFF2-40B4-BE49-F238E27FC236}">
-                <a16:creationId xmlns:a16="http://schemas.microsoft.com/office/drawing/2014/main" id="{DE106FA1-FAB0-CC7A-1C9C-57E0F2AB60DA}"/>
+          <p:cNvPr id="1026" name="Picture 2" descr="Grafana - Wikipedia">
+            <a:extLst>
+              <a:ext uri="{FF2B5EF4-FFF2-40B4-BE49-F238E27FC236}">
+                <a16:creationId xmlns:a16="http://schemas.microsoft.com/office/drawing/2014/main" id="{7CC70EF4-EE44-C73A-5B09-20833F58D96F}"/>
               </a:ext>
             </a:extLst>
           </p:cNvPr>
@@ -12550,20 +12544,20 @@
           <p:nvPr/>
         </p:nvPicPr>
         <p:blipFill rotWithShape="1">
-          <a:blip r:embed="rId20">
+          <a:blip r:embed="rId21">
             <a:extLst>
               <a:ext uri="{28A0092B-C50C-407E-A947-70E740481C1C}">
                 <a14:useLocalDpi xmlns:a14="http://schemas.microsoft.com/office/drawing/2010/main" val="0"/>
               </a:ext>
             </a:extLst>
           </a:blip>
-          <a:srcRect l="28567" t="10984" r="29591" b="14630"/>
+          <a:srcRect l="12063" r="11797" b="21604"/>
           <a:stretch/>
         </p:blipFill>
         <p:spPr bwMode="auto">
           <a:xfrm>
-            <a:off x="15469733" y="6260542"/>
-            <a:ext cx="465430" cy="465430"/>
+            <a:off x="19557674" y="5922570"/>
+            <a:ext cx="557498" cy="586931"/>
           </a:xfrm>
           <a:prstGeom prst="rect">
             <a:avLst/>
@@ -12582,10 +12576,10 @@
       </p:pic>
       <p:sp>
         <p:nvSpPr>
-          <p:cNvPr id="1403" name="제목 1">
-            <a:extLst>
-              <a:ext uri="{FF2B5EF4-FFF2-40B4-BE49-F238E27FC236}">
-                <a16:creationId xmlns:a16="http://schemas.microsoft.com/office/drawing/2014/main" id="{F9B01412-5E48-FB8A-F9B0-A305FEF0562A}"/>
+          <p:cNvPr id="11" name="제목 1">
+            <a:extLst>
+              <a:ext uri="{FF2B5EF4-FFF2-40B4-BE49-F238E27FC236}">
+                <a16:creationId xmlns:a16="http://schemas.microsoft.com/office/drawing/2014/main" id="{C3610C31-5632-65E2-5388-3024BE2A3423}"/>
               </a:ext>
             </a:extLst>
           </p:cNvPr>
@@ -12596,8 +12590,8 @@
         </p:nvSpPr>
         <p:spPr>
           <a:xfrm>
-            <a:off x="13524724" y="6028154"/>
-            <a:ext cx="1206609" cy="267998"/>
+            <a:off x="19206086" y="6452110"/>
+            <a:ext cx="1260673" cy="252462"/>
           </a:xfrm>
           <a:prstGeom prst="rect">
             <a:avLst/>
@@ -12634,23 +12628,7 @@
                 <a:ea typeface="KoPubWorldDotum Bold" pitchFamily="2" charset="-127"/>
                 <a:cs typeface="KoPubWorldDotum Bold" pitchFamily="2" charset="-127"/>
               </a:rPr>
-              <a:t>Bedrock</a:t>
-            </a:r>
-            <a:r>
-              <a:rPr kumimoji="1" lang="ko-KR" altLang="en-US" sz="900" b="1" dirty="0">
-                <a:latin typeface="KoPubWorldDotum Bold" pitchFamily="2" charset="-127"/>
-                <a:ea typeface="KoPubWorldDotum Bold" pitchFamily="2" charset="-127"/>
-                <a:cs typeface="KoPubWorldDotum Bold" pitchFamily="2" charset="-127"/>
-              </a:rPr>
-              <a:t> </a:t>
-            </a:r>
-            <a:r>
-              <a:rPr kumimoji="1" lang="en-US" altLang="ko-KR" sz="900" b="1" dirty="0">
-                <a:latin typeface="KoPubWorldDotum Bold" pitchFamily="2" charset="-127"/>
-                <a:ea typeface="KoPubWorldDotum Bold" pitchFamily="2" charset="-127"/>
-                <a:cs typeface="KoPubWorldDotum Bold" pitchFamily="2" charset="-127"/>
-              </a:rPr>
-              <a:t>Agent</a:t>
+              <a:t>Grafana</a:t>
             </a:r>
             <a:endParaRPr kumimoji="1" lang="ko-KR" altLang="en-US" sz="900" b="1" dirty="0">
               <a:latin typeface="KoPubWorldDotum Bold" pitchFamily="2" charset="-127"/>
@@ -12660,111 +12638,34 @@
           </a:p>
         </p:txBody>
       </p:sp>
-      <p:pic>
-        <p:nvPicPr>
-          <p:cNvPr id="1405" name="Picture 2" descr="Amazon Bedrock Connector - Overview (O11) | OutSystems">
-            <a:extLst>
-              <a:ext uri="{FF2B5EF4-FFF2-40B4-BE49-F238E27FC236}">
-                <a16:creationId xmlns:a16="http://schemas.microsoft.com/office/drawing/2014/main" id="{7D41D965-1736-CB1F-7BA5-C6980DF18ED4}"/>
-              </a:ext>
-            </a:extLst>
-          </p:cNvPr>
-          <p:cNvPicPr>
-            <a:picLocks noChangeAspect="1" noChangeArrowheads="1"/>
-          </p:cNvPicPr>
-          <p:nvPr/>
-        </p:nvPicPr>
-        <p:blipFill>
-          <a:blip r:embed="rId19">
-            <a:alphaModFix/>
-            <a:extLst>
-              <a:ext uri="{28A0092B-C50C-407E-A947-70E740481C1C}">
-                <a14:useLocalDpi xmlns:a14="http://schemas.microsoft.com/office/drawing/2010/main" val="0"/>
-              </a:ext>
-            </a:extLst>
-          </a:blip>
-          <a:srcRect/>
-          <a:stretch>
-            <a:fillRect/>
-          </a:stretch>
-        </p:blipFill>
-        <p:spPr bwMode="auto">
-          <a:xfrm>
-            <a:off x="13884926" y="6264232"/>
-            <a:ext cx="465430" cy="465430"/>
-          </a:xfrm>
-          <a:prstGeom prst="rect">
-            <a:avLst/>
-          </a:prstGeom>
-          <a:noFill/>
-          <a:extLst>
-            <a:ext uri="{909E8E84-426E-40DD-AFC4-6F175D3DCCD1}">
-              <a14:hiddenFill xmlns:a14="http://schemas.microsoft.com/office/drawing/2010/main">
-                <a:solidFill>
-                  <a:srgbClr val="FFFFFF"/>
-                </a:solidFill>
-              </a14:hiddenFill>
-            </a:ext>
-          </a:extLst>
-        </p:spPr>
-      </p:pic>
-      <p:pic>
-        <p:nvPicPr>
-          <p:cNvPr id="1406" name="그림 1405">
-            <a:extLst>
-              <a:ext uri="{FF2B5EF4-FFF2-40B4-BE49-F238E27FC236}">
-                <a16:creationId xmlns:a16="http://schemas.microsoft.com/office/drawing/2014/main" id="{75F89F16-1286-353A-1893-C46DDE077E33}"/>
-              </a:ext>
-            </a:extLst>
-          </p:cNvPr>
-          <p:cNvPicPr>
-            <a:picLocks noChangeAspect="1"/>
-          </p:cNvPicPr>
-          <p:nvPr/>
-        </p:nvPicPr>
-        <p:blipFill>
-          <a:blip r:embed="rId21"/>
-          <a:stretch>
-            <a:fillRect/>
-          </a:stretch>
-        </p:blipFill>
-        <p:spPr>
-          <a:xfrm>
-            <a:off x="17081360" y="6604414"/>
-            <a:ext cx="465430" cy="465430"/>
-          </a:xfrm>
-          <a:prstGeom prst="rect">
-            <a:avLst/>
-          </a:prstGeom>
-        </p:spPr>
-      </p:pic>
       <p:cxnSp>
         <p:nvCxnSpPr>
-          <p:cNvPr id="1408" name="직선 화살표 연결선 1407">
-            <a:extLst>
-              <a:ext uri="{FF2B5EF4-FFF2-40B4-BE49-F238E27FC236}">
-                <a16:creationId xmlns:a16="http://schemas.microsoft.com/office/drawing/2014/main" id="{AADDBA02-411F-8211-B753-362151A949E9}"/>
+          <p:cNvPr id="13" name="직선 연결선[R] 12">
+            <a:extLst>
+              <a:ext uri="{FF2B5EF4-FFF2-40B4-BE49-F238E27FC236}">
+                <a16:creationId xmlns:a16="http://schemas.microsoft.com/office/drawing/2014/main" id="{88257A03-EE39-DE14-B934-789F9A8B7E8D}"/>
               </a:ext>
             </a:extLst>
           </p:cNvPr>
           <p:cNvCxnSpPr>
             <a:cxnSpLocks/>
-            <a:stCxn id="1402" idx="1"/>
-            <a:endCxn id="1405" idx="3"/>
+            <a:stCxn id="1026" idx="1"/>
+            <a:endCxn id="63" idx="3"/>
           </p:cNvCxnSpPr>
           <p:nvPr/>
         </p:nvCxnSpPr>
         <p:spPr>
           <a:xfrm flipH="1">
-            <a:off x="14350356" y="6493257"/>
-            <a:ext cx="1119377" cy="3690"/>
-          </a:xfrm>
-          <a:prstGeom prst="straightConnector1">
+            <a:off x="18416060" y="6216036"/>
+            <a:ext cx="1141614" cy="60"/>
+          </a:xfrm>
+          <a:prstGeom prst="line">
             <a:avLst/>
           </a:prstGeom>
           <a:ln>
-            <a:headEnd type="none" w="med" len="med"/>
-            <a:tailEnd type="none" w="med" len="med"/>
+            <a:solidFill>
+              <a:schemeClr val="accent2"/>
+            </a:solidFill>
           </a:ln>
         </p:spPr>
         <p:style>
@@ -12784,10 +12685,192 @@
       </p:cxnSp>
       <p:sp>
         <p:nvSpPr>
-          <p:cNvPr id="1409" name="제목 1">
-            <a:extLst>
-              <a:ext uri="{FF2B5EF4-FFF2-40B4-BE49-F238E27FC236}">
-                <a16:creationId xmlns:a16="http://schemas.microsoft.com/office/drawing/2014/main" id="{CBECEA5A-C026-1315-DECB-AE5C377042C2}"/>
+          <p:cNvPr id="4" name="처리 3">
+            <a:extLst>
+              <a:ext uri="{FF2B5EF4-FFF2-40B4-BE49-F238E27FC236}">
+                <a16:creationId xmlns:a16="http://schemas.microsoft.com/office/drawing/2014/main" id="{070D1035-48EA-B30A-7D2B-5CFA2839C878}"/>
+              </a:ext>
+            </a:extLst>
+          </p:cNvPr>
+          <p:cNvSpPr/>
+          <p:nvPr/>
+        </p:nvSpPr>
+        <p:spPr>
+          <a:xfrm>
+            <a:off x="11291624" y="4864294"/>
+            <a:ext cx="1200406" cy="245334"/>
+          </a:xfrm>
+          <a:prstGeom prst="flowChartProcess">
+            <a:avLst/>
+          </a:prstGeom>
+          <a:solidFill>
+            <a:schemeClr val="accent1"/>
+          </a:solidFill>
+          <a:ln>
+            <a:noFill/>
+          </a:ln>
+        </p:spPr>
+        <p:style>
+          <a:lnRef idx="2">
+            <a:schemeClr val="accent1">
+              <a:shade val="15000"/>
+            </a:schemeClr>
+          </a:lnRef>
+          <a:fillRef idx="1">
+            <a:schemeClr val="accent1"/>
+          </a:fillRef>
+          <a:effectRef idx="0">
+            <a:schemeClr val="accent1"/>
+          </a:effectRef>
+          <a:fontRef idx="minor">
+            <a:schemeClr val="lt1"/>
+          </a:fontRef>
+        </p:style>
+        <p:txBody>
+          <a:bodyPr rtlCol="0" anchor="ctr"/>
+          <a:lstStyle/>
+          <a:p>
+            <a:pPr algn="ctr"/>
+            <a:r>
+              <a:rPr kumimoji="1" lang="en-US" altLang="ko-KR" sz="900" b="1" dirty="0">
+                <a:latin typeface="KoPubWorldDotum Bold" pitchFamily="2" charset="-127"/>
+                <a:ea typeface="KoPubWorldDotum Bold" pitchFamily="2" charset="-127"/>
+                <a:cs typeface="KoPubWorldDotum Bold" pitchFamily="2" charset="-127"/>
+              </a:rPr>
+              <a:t>Logger</a:t>
+            </a:r>
+            <a:endParaRPr kumimoji="1" lang="ko-KR" altLang="en-US" sz="900" b="1" dirty="0">
+              <a:latin typeface="KoPubWorldDotum Bold" pitchFamily="2" charset="-127"/>
+              <a:ea typeface="KoPubWorldDotum Bold" pitchFamily="2" charset="-127"/>
+              <a:cs typeface="KoPubWorldDotum Bold" pitchFamily="2" charset="-127"/>
+            </a:endParaRPr>
+          </a:p>
+        </p:txBody>
+      </p:sp>
+      <p:cxnSp>
+        <p:nvCxnSpPr>
+          <p:cNvPr id="5" name="꺾인 연결선[E] 4">
+            <a:extLst>
+              <a:ext uri="{FF2B5EF4-FFF2-40B4-BE49-F238E27FC236}">
+                <a16:creationId xmlns:a16="http://schemas.microsoft.com/office/drawing/2014/main" id="{612E929A-D828-C85F-CFBD-21308F69B9D0}"/>
+              </a:ext>
+            </a:extLst>
+          </p:cNvPr>
+          <p:cNvCxnSpPr>
+            <a:cxnSpLocks/>
+            <a:stCxn id="4" idx="1"/>
+          </p:cNvCxnSpPr>
+          <p:nvPr/>
+        </p:nvCxnSpPr>
+        <p:spPr>
+          <a:xfrm rot="10800000" flipV="1">
+            <a:off x="10011996" y="4986961"/>
+            <a:ext cx="1279629" cy="747512"/>
+          </a:xfrm>
+          <a:prstGeom prst="bentConnector3">
+            <a:avLst>
+              <a:gd name="adj1" fmla="val 6757"/>
+            </a:avLst>
+          </a:prstGeom>
+        </p:spPr>
+        <p:style>
+          <a:lnRef idx="2">
+            <a:schemeClr val="accent1"/>
+          </a:lnRef>
+          <a:fillRef idx="0">
+            <a:schemeClr val="accent1"/>
+          </a:fillRef>
+          <a:effectRef idx="1">
+            <a:schemeClr val="accent1"/>
+          </a:effectRef>
+          <a:fontRef idx="minor">
+            <a:schemeClr val="tx1"/>
+          </a:fontRef>
+        </p:style>
+      </p:cxnSp>
+      <p:cxnSp>
+        <p:nvCxnSpPr>
+          <p:cNvPr id="23" name="꺾인 연결선[E] 22">
+            <a:extLst>
+              <a:ext uri="{FF2B5EF4-FFF2-40B4-BE49-F238E27FC236}">
+                <a16:creationId xmlns:a16="http://schemas.microsoft.com/office/drawing/2014/main" id="{254F340F-BC74-0213-85C5-5EDC1FA67E44}"/>
+              </a:ext>
+            </a:extLst>
+          </p:cNvPr>
+          <p:cNvCxnSpPr>
+            <a:cxnSpLocks/>
+            <a:stCxn id="1406" idx="3"/>
+            <a:endCxn id="63" idx="1"/>
+          </p:cNvCxnSpPr>
+          <p:nvPr/>
+        </p:nvCxnSpPr>
+        <p:spPr>
+          <a:xfrm flipV="1">
+            <a:off x="17038792" y="6216096"/>
+            <a:ext cx="915126" cy="621033"/>
+          </a:xfrm>
+          <a:prstGeom prst="bentConnector3">
+            <a:avLst>
+              <a:gd name="adj1" fmla="val 49624"/>
+            </a:avLst>
+          </a:prstGeom>
+          <a:ln>
+            <a:solidFill>
+              <a:schemeClr val="accent2"/>
+            </a:solidFill>
+          </a:ln>
+        </p:spPr>
+        <p:style>
+          <a:lnRef idx="2">
+            <a:schemeClr val="accent1"/>
+          </a:lnRef>
+          <a:fillRef idx="0">
+            <a:schemeClr val="accent1"/>
+          </a:fillRef>
+          <a:effectRef idx="1">
+            <a:schemeClr val="accent1"/>
+          </a:effectRef>
+          <a:fontRef idx="minor">
+            <a:schemeClr val="tx1"/>
+          </a:fontRef>
+        </p:style>
+      </p:cxnSp>
+      <p:pic>
+        <p:nvPicPr>
+          <p:cNvPr id="51" name="그림 50">
+            <a:extLst>
+              <a:ext uri="{FF2B5EF4-FFF2-40B4-BE49-F238E27FC236}">
+                <a16:creationId xmlns:a16="http://schemas.microsoft.com/office/drawing/2014/main" id="{4C12E145-2AD3-DF9B-0C1C-942E88A54D63}"/>
+              </a:ext>
+            </a:extLst>
+          </p:cNvPr>
+          <p:cNvPicPr>
+            <a:picLocks noChangeAspect="1"/>
+          </p:cNvPicPr>
+          <p:nvPr/>
+        </p:nvPicPr>
+        <p:blipFill>
+          <a:blip r:embed="rId22"/>
+          <a:stretch>
+            <a:fillRect/>
+          </a:stretch>
+        </p:blipFill>
+        <p:spPr>
+          <a:xfrm>
+            <a:off x="13420050" y="4754487"/>
+            <a:ext cx="465457" cy="465457"/>
+          </a:xfrm>
+          <a:prstGeom prst="rect">
+            <a:avLst/>
+          </a:prstGeom>
+        </p:spPr>
+      </p:pic>
+      <p:sp>
+        <p:nvSpPr>
+          <p:cNvPr id="1375" name="제목 1">
+            <a:extLst>
+              <a:ext uri="{FF2B5EF4-FFF2-40B4-BE49-F238E27FC236}">
+                <a16:creationId xmlns:a16="http://schemas.microsoft.com/office/drawing/2014/main" id="{EBB956E2-302F-53B3-AED1-A00E810FCB2B}"/>
               </a:ext>
             </a:extLst>
           </p:cNvPr>
@@ -12798,8 +12881,8 @@
         </p:nvSpPr>
         <p:spPr>
           <a:xfrm>
-            <a:off x="16975695" y="6397273"/>
-            <a:ext cx="676761" cy="267998"/>
+            <a:off x="12991929" y="5201326"/>
+            <a:ext cx="1372683" cy="267998"/>
           </a:xfrm>
           <a:prstGeom prst="rect">
             <a:avLst/>
@@ -12836,7 +12919,7 @@
                 <a:ea typeface="KoPubWorldDotum Bold" pitchFamily="2" charset="-127"/>
                 <a:cs typeface="KoPubWorldDotum Bold" pitchFamily="2" charset="-127"/>
               </a:rPr>
-              <a:t>RDS</a:t>
+              <a:t>Kinesis Firehose</a:t>
             </a:r>
             <a:endParaRPr kumimoji="1" lang="ko-KR" altLang="en-US" sz="900" b="1" dirty="0">
               <a:latin typeface="KoPubWorldDotum Bold" pitchFamily="2" charset="-127"/>
@@ -12846,32 +12929,101 @@
           </a:p>
         </p:txBody>
       </p:sp>
+      <p:sp>
+        <p:nvSpPr>
+          <p:cNvPr id="1383" name="처리 1382">
+            <a:extLst>
+              <a:ext uri="{FF2B5EF4-FFF2-40B4-BE49-F238E27FC236}">
+                <a16:creationId xmlns:a16="http://schemas.microsoft.com/office/drawing/2014/main" id="{6D968E77-07DF-9186-E0E9-A32168D92E3B}"/>
+              </a:ext>
+            </a:extLst>
+          </p:cNvPr>
+          <p:cNvSpPr/>
+          <p:nvPr/>
+        </p:nvSpPr>
+        <p:spPr>
+          <a:xfrm>
+            <a:off x="14779632" y="4866515"/>
+            <a:ext cx="960913" cy="245334"/>
+          </a:xfrm>
+          <a:prstGeom prst="flowChartProcess">
+            <a:avLst/>
+          </a:prstGeom>
+          <a:solidFill>
+            <a:schemeClr val="accent1"/>
+          </a:solidFill>
+          <a:ln>
+            <a:noFill/>
+          </a:ln>
+        </p:spPr>
+        <p:style>
+          <a:lnRef idx="2">
+            <a:schemeClr val="accent1">
+              <a:shade val="15000"/>
+            </a:schemeClr>
+          </a:lnRef>
+          <a:fillRef idx="1">
+            <a:schemeClr val="accent1"/>
+          </a:fillRef>
+          <a:effectRef idx="0">
+            <a:schemeClr val="accent1"/>
+          </a:effectRef>
+          <a:fontRef idx="minor">
+            <a:schemeClr val="lt1"/>
+          </a:fontRef>
+        </p:style>
+        <p:txBody>
+          <a:bodyPr rtlCol="0" anchor="ctr"/>
+          <a:lstStyle/>
+          <a:p>
+            <a:pPr algn="ctr"/>
+            <a:r>
+              <a:rPr kumimoji="1" lang="en-US" altLang="ko-KR" sz="900" b="1" dirty="0">
+                <a:latin typeface="KoPubWorldDotum Bold" pitchFamily="2" charset="-127"/>
+                <a:ea typeface="KoPubWorldDotum Bold" pitchFamily="2" charset="-127"/>
+                <a:cs typeface="KoPubWorldDotum Bold" pitchFamily="2" charset="-127"/>
+              </a:rPr>
+              <a:t>Logs</a:t>
+            </a:r>
+            <a:endParaRPr kumimoji="1" lang="ko-KR" altLang="en-US" sz="900" b="1" dirty="0">
+              <a:latin typeface="KoPubWorldDotum Bold" pitchFamily="2" charset="-127"/>
+              <a:ea typeface="KoPubWorldDotum Bold" pitchFamily="2" charset="-127"/>
+              <a:cs typeface="KoPubWorldDotum Bold" pitchFamily="2" charset="-127"/>
+            </a:endParaRPr>
+          </a:p>
+        </p:txBody>
+      </p:sp>
       <p:cxnSp>
         <p:nvCxnSpPr>
-          <p:cNvPr id="1421" name="꺾인 연결선[E] 1420">
-            <a:extLst>
-              <a:ext uri="{FF2B5EF4-FFF2-40B4-BE49-F238E27FC236}">
-                <a16:creationId xmlns:a16="http://schemas.microsoft.com/office/drawing/2014/main" id="{92C239DB-852A-A318-0FE2-4697CECED05F}"/>
+          <p:cNvPr id="1385" name="직선 화살표 연결선 1384">
+            <a:extLst>
+              <a:ext uri="{FF2B5EF4-FFF2-40B4-BE49-F238E27FC236}">
+                <a16:creationId xmlns:a16="http://schemas.microsoft.com/office/drawing/2014/main" id="{740897B9-E5D3-62A2-3E72-B1502FEA4EDC}"/>
               </a:ext>
             </a:extLst>
           </p:cNvPr>
           <p:cNvCxnSpPr>
             <a:cxnSpLocks/>
-            <a:stCxn id="1406" idx="1"/>
-            <a:endCxn id="1402" idx="3"/>
+            <a:stCxn id="1383" idx="1"/>
+            <a:endCxn id="51" idx="3"/>
           </p:cNvCxnSpPr>
           <p:nvPr/>
         </p:nvCxnSpPr>
         <p:spPr>
-          <a:xfrm rot="10800000">
-            <a:off x="15935164" y="6493257"/>
-            <a:ext cx="1146197" cy="343872"/>
-          </a:xfrm>
-          <a:prstGeom prst="bentConnector3">
-            <a:avLst>
-              <a:gd name="adj1" fmla="val 50831"/>
-            </a:avLst>
-          </a:prstGeom>
+          <a:xfrm flipH="1" flipV="1">
+            <a:off x="13885507" y="4987216"/>
+            <a:ext cx="894125" cy="1966"/>
+          </a:xfrm>
+          <a:prstGeom prst="straightConnector1">
+            <a:avLst/>
+          </a:prstGeom>
+          <a:ln>
+            <a:solidFill>
+              <a:schemeClr val="accent2"/>
+            </a:solidFill>
+            <a:headEnd type="none" w="med" len="med"/>
+            <a:tailEnd type="none" w="med" len="med"/>
+          </a:ln>
         </p:spPr>
         <p:style>
           <a:lnRef idx="2">
@@ -12890,79 +13042,111 @@
       </p:cxnSp>
       <p:pic>
         <p:nvPicPr>
-          <p:cNvPr id="1026" name="Picture 2" descr="Grafana - Wikipedia">
-            <a:extLst>
-              <a:ext uri="{FF2B5EF4-FFF2-40B4-BE49-F238E27FC236}">
-                <a16:creationId xmlns:a16="http://schemas.microsoft.com/office/drawing/2014/main" id="{7CC70EF4-EE44-C73A-5B09-20833F58D96F}"/>
+          <p:cNvPr id="1393" name="그림 1392">
+            <a:extLst>
+              <a:ext uri="{FF2B5EF4-FFF2-40B4-BE49-F238E27FC236}">
+                <a16:creationId xmlns:a16="http://schemas.microsoft.com/office/drawing/2014/main" id="{578C87AC-F05B-E41E-29AC-425CA739536E}"/>
               </a:ext>
             </a:extLst>
           </p:cNvPr>
           <p:cNvPicPr>
-            <a:picLocks noChangeAspect="1" noChangeArrowheads="1"/>
+            <a:picLocks noChangeAspect="1"/>
           </p:cNvPicPr>
           <p:nvPr/>
         </p:nvPicPr>
-        <p:blipFill rotWithShape="1">
-          <a:blip r:embed="rId22">
-            <a:extLst>
-              <a:ext uri="{28A0092B-C50C-407E-A947-70E740481C1C}">
-                <a14:useLocalDpi xmlns:a14="http://schemas.microsoft.com/office/drawing/2010/main" val="0"/>
-              </a:ext>
-            </a:extLst>
-          </a:blip>
-          <a:srcRect l="12063" r="11797" b="21604"/>
-          <a:stretch/>
+        <p:blipFill>
+          <a:blip r:embed="rId23"/>
+          <a:stretch>
+            <a:fillRect/>
+          </a:stretch>
         </p:blipFill>
-        <p:spPr bwMode="auto">
-          <a:xfrm>
-            <a:off x="4002429" y="3668371"/>
-            <a:ext cx="557498" cy="586931"/>
+        <p:spPr>
+          <a:xfrm>
+            <a:off x="16577669" y="4760384"/>
+            <a:ext cx="461123" cy="461123"/>
           </a:xfrm>
           <a:prstGeom prst="rect">
             <a:avLst/>
           </a:prstGeom>
-          <a:noFill/>
-          <a:extLst>
-            <a:ext uri="{909E8E84-426E-40DD-AFC4-6F175D3DCCD1}">
-              <a14:hiddenFill xmlns:a14="http://schemas.microsoft.com/office/drawing/2010/main">
-                <a:solidFill>
-                  <a:srgbClr val="FFFFFF"/>
-                </a:solidFill>
-              </a14:hiddenFill>
-            </a:ext>
-          </a:extLst>
         </p:spPr>
       </p:pic>
       <p:cxnSp>
         <p:nvCxnSpPr>
-          <p:cNvPr id="3" name="꺾인 연결선[E] 2">
-            <a:extLst>
-              <a:ext uri="{FF2B5EF4-FFF2-40B4-BE49-F238E27FC236}">
-                <a16:creationId xmlns:a16="http://schemas.microsoft.com/office/drawing/2014/main" id="{AF53ADA5-7303-06F5-EE9D-753562049B55}"/>
+          <p:cNvPr id="1411" name="직선 화살표 연결선 1410">
+            <a:extLst>
+              <a:ext uri="{FF2B5EF4-FFF2-40B4-BE49-F238E27FC236}">
+                <a16:creationId xmlns:a16="http://schemas.microsoft.com/office/drawing/2014/main" id="{BAA1EEA6-51A0-7D95-1878-12E0AE39985F}"/>
               </a:ext>
             </a:extLst>
           </p:cNvPr>
           <p:cNvCxnSpPr>
             <a:cxnSpLocks/>
-            <a:stCxn id="29" idx="1"/>
-            <a:endCxn id="1026" idx="3"/>
+            <a:stCxn id="51" idx="1"/>
+            <a:endCxn id="4" idx="3"/>
           </p:cNvCxnSpPr>
           <p:nvPr/>
         </p:nvCxnSpPr>
         <p:spPr>
-          <a:xfrm rot="10800000">
-            <a:off x="4559928" y="3961837"/>
-            <a:ext cx="1474367" cy="799944"/>
-          </a:xfrm>
-          <a:prstGeom prst="bentConnector3">
-            <a:avLst>
-              <a:gd name="adj1" fmla="val 76416"/>
-            </a:avLst>
+          <a:xfrm flipH="1" flipV="1">
+            <a:off x="12492030" y="4986961"/>
+            <a:ext cx="928020" cy="255"/>
+          </a:xfrm>
+          <a:prstGeom prst="straightConnector1">
+            <a:avLst/>
           </a:prstGeom>
           <a:ln>
             <a:solidFill>
-              <a:schemeClr val="accent5"/>
+              <a:schemeClr val="accent2"/>
             </a:solidFill>
+            <a:headEnd type="none" w="med" len="med"/>
+            <a:tailEnd type="none" w="med" len="med"/>
+          </a:ln>
+        </p:spPr>
+        <p:style>
+          <a:lnRef idx="2">
+            <a:schemeClr val="accent1"/>
+          </a:lnRef>
+          <a:fillRef idx="0">
+            <a:schemeClr val="accent1"/>
+          </a:fillRef>
+          <a:effectRef idx="1">
+            <a:schemeClr val="accent1"/>
+          </a:effectRef>
+          <a:fontRef idx="minor">
+            <a:schemeClr val="tx1"/>
+          </a:fontRef>
+        </p:style>
+      </p:cxnSp>
+      <p:cxnSp>
+        <p:nvCxnSpPr>
+          <p:cNvPr id="1416" name="직선 화살표 연결선 1415">
+            <a:extLst>
+              <a:ext uri="{FF2B5EF4-FFF2-40B4-BE49-F238E27FC236}">
+                <a16:creationId xmlns:a16="http://schemas.microsoft.com/office/drawing/2014/main" id="{FE222B66-F88B-2875-3C0E-47BFD3363CDF}"/>
+              </a:ext>
+            </a:extLst>
+          </p:cNvPr>
+          <p:cNvCxnSpPr>
+            <a:cxnSpLocks/>
+            <a:stCxn id="1393" idx="1"/>
+            <a:endCxn id="1383" idx="3"/>
+          </p:cNvCxnSpPr>
+          <p:nvPr/>
+        </p:nvCxnSpPr>
+        <p:spPr>
+          <a:xfrm flipH="1" flipV="1">
+            <a:off x="15740545" y="4989182"/>
+            <a:ext cx="837124" cy="1764"/>
+          </a:xfrm>
+          <a:prstGeom prst="straightConnector1">
+            <a:avLst/>
+          </a:prstGeom>
+          <a:ln>
+            <a:solidFill>
+              <a:schemeClr val="accent2"/>
+            </a:solidFill>
+            <a:headEnd type="none" w="med" len="med"/>
+            <a:tailEnd type="none" w="med" len="med"/>
           </a:ln>
         </p:spPr>
         <p:style>
@@ -12982,10 +13166,10 @@
       </p:cxnSp>
       <p:sp>
         <p:nvSpPr>
-          <p:cNvPr id="11" name="제목 1">
-            <a:extLst>
-              <a:ext uri="{FF2B5EF4-FFF2-40B4-BE49-F238E27FC236}">
-                <a16:creationId xmlns:a16="http://schemas.microsoft.com/office/drawing/2014/main" id="{C3610C31-5632-65E2-5388-3024BE2A3423}"/>
+          <p:cNvPr id="1419" name="제목 1">
+            <a:extLst>
+              <a:ext uri="{FF2B5EF4-FFF2-40B4-BE49-F238E27FC236}">
+                <a16:creationId xmlns:a16="http://schemas.microsoft.com/office/drawing/2014/main" id="{B74156B3-1C2D-39FF-863B-72890714E535}"/>
               </a:ext>
             </a:extLst>
           </p:cNvPr>
@@ -12996,8 +13180,8 @@
         </p:nvSpPr>
         <p:spPr>
           <a:xfrm>
-            <a:off x="3644508" y="3378948"/>
-            <a:ext cx="1260673" cy="267998"/>
+            <a:off x="16487642" y="5175723"/>
+            <a:ext cx="631119" cy="267998"/>
           </a:xfrm>
           <a:prstGeom prst="rect">
             <a:avLst/>
@@ -13034,7 +13218,7 @@
                 <a:ea typeface="KoPubWorldDotum Bold" pitchFamily="2" charset="-127"/>
                 <a:cs typeface="KoPubWorldDotum Bold" pitchFamily="2" charset="-127"/>
               </a:rPr>
-              <a:t>Grafana</a:t>
+              <a:t>Athena</a:t>
             </a:r>
             <a:endParaRPr kumimoji="1" lang="ko-KR" altLang="en-US" sz="900" b="1" dirty="0">
               <a:latin typeface="KoPubWorldDotum Bold" pitchFamily="2" charset="-127"/>
@@ -13044,6 +13228,145 @@
           </a:p>
         </p:txBody>
       </p:sp>
+      <p:cxnSp>
+        <p:nvCxnSpPr>
+          <p:cNvPr id="1420" name="직선 화살표 연결선 1419">
+            <a:extLst>
+              <a:ext uri="{FF2B5EF4-FFF2-40B4-BE49-F238E27FC236}">
+                <a16:creationId xmlns:a16="http://schemas.microsoft.com/office/drawing/2014/main" id="{914023C7-FBD5-DDFF-E8BF-01C6A8896488}"/>
+              </a:ext>
+            </a:extLst>
+          </p:cNvPr>
+          <p:cNvCxnSpPr>
+            <a:cxnSpLocks/>
+            <a:stCxn id="1422" idx="1"/>
+            <a:endCxn id="1393" idx="3"/>
+          </p:cNvCxnSpPr>
+          <p:nvPr/>
+        </p:nvCxnSpPr>
+        <p:spPr>
+          <a:xfrm flipH="1">
+            <a:off x="17038792" y="4986961"/>
+            <a:ext cx="824783" cy="3985"/>
+          </a:xfrm>
+          <a:prstGeom prst="straightConnector1">
+            <a:avLst/>
+          </a:prstGeom>
+          <a:ln>
+            <a:solidFill>
+              <a:schemeClr val="accent2"/>
+            </a:solidFill>
+            <a:headEnd type="none" w="med" len="med"/>
+            <a:tailEnd type="none" w="med" len="med"/>
+          </a:ln>
+        </p:spPr>
+        <p:style>
+          <a:lnRef idx="2">
+            <a:schemeClr val="accent1"/>
+          </a:lnRef>
+          <a:fillRef idx="0">
+            <a:schemeClr val="accent1"/>
+          </a:fillRef>
+          <a:effectRef idx="1">
+            <a:schemeClr val="accent1"/>
+          </a:effectRef>
+          <a:fontRef idx="minor">
+            <a:schemeClr val="tx1"/>
+          </a:fontRef>
+        </p:style>
+      </p:cxnSp>
+      <p:pic>
+        <p:nvPicPr>
+          <p:cNvPr id="1422" name="Picture 2" descr="Marketplace - Tableau">
+            <a:extLst>
+              <a:ext uri="{FF2B5EF4-FFF2-40B4-BE49-F238E27FC236}">
+                <a16:creationId xmlns:a16="http://schemas.microsoft.com/office/drawing/2014/main" id="{8B3C3CAF-C16C-7555-8ADE-C9E648F3606D}"/>
+              </a:ext>
+            </a:extLst>
+          </p:cNvPr>
+          <p:cNvPicPr>
+            <a:picLocks noChangeAspect="1" noChangeArrowheads="1"/>
+          </p:cNvPicPr>
+          <p:nvPr/>
+        </p:nvPicPr>
+        <p:blipFill rotWithShape="1">
+          <a:blip r:embed="rId24">
+            <a:extLst>
+              <a:ext uri="{28A0092B-C50C-407E-A947-70E740481C1C}">
+                <a14:useLocalDpi xmlns:a14="http://schemas.microsoft.com/office/drawing/2010/main" val="0"/>
+              </a:ext>
+            </a:extLst>
+          </a:blip>
+          <a:srcRect t="30411" r="77209" b="30705"/>
+          <a:stretch/>
+        </p:blipFill>
+        <p:spPr bwMode="auto">
+          <a:xfrm>
+            <a:off x="17863575" y="4686579"/>
+            <a:ext cx="625997" cy="600763"/>
+          </a:xfrm>
+          <a:prstGeom prst="rect">
+            <a:avLst/>
+          </a:prstGeom>
+          <a:noFill/>
+          <a:extLst>
+            <a:ext uri="{909E8E84-426E-40DD-AFC4-6F175D3DCCD1}">
+              <a14:hiddenFill xmlns:a14="http://schemas.microsoft.com/office/drawing/2010/main">
+                <a:solidFill>
+                  <a:srgbClr val="FFFFFF"/>
+                </a:solidFill>
+              </a14:hiddenFill>
+            </a:ext>
+          </a:extLst>
+        </p:spPr>
+      </p:pic>
+      <p:cxnSp>
+        <p:nvCxnSpPr>
+          <p:cNvPr id="1427" name="꺾인 연결선[E] 1426">
+            <a:extLst>
+              <a:ext uri="{FF2B5EF4-FFF2-40B4-BE49-F238E27FC236}">
+                <a16:creationId xmlns:a16="http://schemas.microsoft.com/office/drawing/2014/main" id="{829EDCEA-D05B-0876-4DEE-FF53A55CC9D8}"/>
+              </a:ext>
+            </a:extLst>
+          </p:cNvPr>
+          <p:cNvCxnSpPr>
+            <a:cxnSpLocks/>
+            <a:stCxn id="1393" idx="3"/>
+            <a:endCxn id="63" idx="1"/>
+          </p:cNvCxnSpPr>
+          <p:nvPr/>
+        </p:nvCxnSpPr>
+        <p:spPr>
+          <a:xfrm>
+            <a:off x="17038792" y="4990946"/>
+            <a:ext cx="915126" cy="1225150"/>
+          </a:xfrm>
+          <a:prstGeom prst="bentConnector3">
+            <a:avLst>
+              <a:gd name="adj1" fmla="val 50000"/>
+            </a:avLst>
+          </a:prstGeom>
+          <a:ln>
+            <a:solidFill>
+              <a:schemeClr val="accent2"/>
+            </a:solidFill>
+          </a:ln>
+        </p:spPr>
+        <p:style>
+          <a:lnRef idx="2">
+            <a:schemeClr val="accent1"/>
+          </a:lnRef>
+          <a:fillRef idx="0">
+            <a:schemeClr val="accent1"/>
+          </a:fillRef>
+          <a:effectRef idx="1">
+            <a:schemeClr val="accent1"/>
+          </a:effectRef>
+          <a:fontRef idx="minor">
+            <a:schemeClr val="tx1"/>
+          </a:fontRef>
+        </p:style>
+      </p:cxnSp>
     </p:spTree>
     <p:extLst>
       <p:ext uri="{BB962C8B-B14F-4D97-AF65-F5344CB8AC3E}">

--- a/documents/개발계획서.pptx
+++ b/documents/개발계획서.pptx
@@ -207,7 +207,7 @@
           <a:p>
             <a:fld id="{9458FFD9-5838-1449-9919-C8A4367C6D0D}" type="datetimeFigureOut">
               <a:rPr kumimoji="1" lang="ko-KR" altLang="en-US" smtClean="0"/>
-              <a:t>2025. 3. 20.</a:t>
+              <a:t>2025. 3. 21.</a:t>
             </a:fld>
             <a:endParaRPr kumimoji="1" lang="ko-KR" altLang="en-US"/>
           </a:p>
@@ -961,7 +961,7 @@
           <a:p>
             <a:fld id="{B2310862-A932-4A4D-BE7A-7832C8DBE490}" type="datetimeFigureOut">
               <a:rPr kumimoji="1" lang="ko-KR" altLang="en-US" smtClean="0"/>
-              <a:t>2025. 3. 20.</a:t>
+              <a:t>2025. 3. 21.</a:t>
             </a:fld>
             <a:endParaRPr kumimoji="1" lang="ko-KR" altLang="en-US"/>
           </a:p>
@@ -1131,7 +1131,7 @@
           <a:p>
             <a:fld id="{B2310862-A932-4A4D-BE7A-7832C8DBE490}" type="datetimeFigureOut">
               <a:rPr kumimoji="1" lang="ko-KR" altLang="en-US" smtClean="0"/>
-              <a:t>2025. 3. 20.</a:t>
+              <a:t>2025. 3. 21.</a:t>
             </a:fld>
             <a:endParaRPr kumimoji="1" lang="ko-KR" altLang="en-US"/>
           </a:p>
@@ -1311,7 +1311,7 @@
           <a:p>
             <a:fld id="{B2310862-A932-4A4D-BE7A-7832C8DBE490}" type="datetimeFigureOut">
               <a:rPr kumimoji="1" lang="ko-KR" altLang="en-US" smtClean="0"/>
-              <a:t>2025. 3. 20.</a:t>
+              <a:t>2025. 3. 21.</a:t>
             </a:fld>
             <a:endParaRPr kumimoji="1" lang="ko-KR" altLang="en-US"/>
           </a:p>
@@ -1481,7 +1481,7 @@
           <a:p>
             <a:fld id="{B2310862-A932-4A4D-BE7A-7832C8DBE490}" type="datetimeFigureOut">
               <a:rPr kumimoji="1" lang="ko-KR" altLang="en-US" smtClean="0"/>
-              <a:t>2025. 3. 20.</a:t>
+              <a:t>2025. 3. 21.</a:t>
             </a:fld>
             <a:endParaRPr kumimoji="1" lang="ko-KR" altLang="en-US"/>
           </a:p>
@@ -1727,7 +1727,7 @@
           <a:p>
             <a:fld id="{B2310862-A932-4A4D-BE7A-7832C8DBE490}" type="datetimeFigureOut">
               <a:rPr kumimoji="1" lang="ko-KR" altLang="en-US" smtClean="0"/>
-              <a:t>2025. 3. 20.</a:t>
+              <a:t>2025. 3. 21.</a:t>
             </a:fld>
             <a:endParaRPr kumimoji="1" lang="ko-KR" altLang="en-US"/>
           </a:p>
@@ -1959,7 +1959,7 @@
           <a:p>
             <a:fld id="{B2310862-A932-4A4D-BE7A-7832C8DBE490}" type="datetimeFigureOut">
               <a:rPr kumimoji="1" lang="ko-KR" altLang="en-US" smtClean="0"/>
-              <a:t>2025. 3. 20.</a:t>
+              <a:t>2025. 3. 21.</a:t>
             </a:fld>
             <a:endParaRPr kumimoji="1" lang="ko-KR" altLang="en-US"/>
           </a:p>
@@ -2326,7 +2326,7 @@
           <a:p>
             <a:fld id="{B2310862-A932-4A4D-BE7A-7832C8DBE490}" type="datetimeFigureOut">
               <a:rPr kumimoji="1" lang="ko-KR" altLang="en-US" smtClean="0"/>
-              <a:t>2025. 3. 20.</a:t>
+              <a:t>2025. 3. 21.</a:t>
             </a:fld>
             <a:endParaRPr kumimoji="1" lang="ko-KR" altLang="en-US"/>
           </a:p>
@@ -2444,7 +2444,7 @@
           <a:p>
             <a:fld id="{B2310862-A932-4A4D-BE7A-7832C8DBE490}" type="datetimeFigureOut">
               <a:rPr kumimoji="1" lang="ko-KR" altLang="en-US" smtClean="0"/>
-              <a:t>2025. 3. 20.</a:t>
+              <a:t>2025. 3. 21.</a:t>
             </a:fld>
             <a:endParaRPr kumimoji="1" lang="ko-KR" altLang="en-US"/>
           </a:p>
@@ -2539,7 +2539,7 @@
           <a:p>
             <a:fld id="{B2310862-A932-4A4D-BE7A-7832C8DBE490}" type="datetimeFigureOut">
               <a:rPr kumimoji="1" lang="ko-KR" altLang="en-US" smtClean="0"/>
-              <a:t>2025. 3. 20.</a:t>
+              <a:t>2025. 3. 21.</a:t>
             </a:fld>
             <a:endParaRPr kumimoji="1" lang="ko-KR" altLang="en-US"/>
           </a:p>
@@ -2816,7 +2816,7 @@
           <a:p>
             <a:fld id="{B2310862-A932-4A4D-BE7A-7832C8DBE490}" type="datetimeFigureOut">
               <a:rPr kumimoji="1" lang="ko-KR" altLang="en-US" smtClean="0"/>
-              <a:t>2025. 3. 20.</a:t>
+              <a:t>2025. 3. 21.</a:t>
             </a:fld>
             <a:endParaRPr kumimoji="1" lang="ko-KR" altLang="en-US"/>
           </a:p>
@@ -3073,7 +3073,7 @@
           <a:p>
             <a:fld id="{B2310862-A932-4A4D-BE7A-7832C8DBE490}" type="datetimeFigureOut">
               <a:rPr kumimoji="1" lang="ko-KR" altLang="en-US" smtClean="0"/>
-              <a:t>2025. 3. 20.</a:t>
+              <a:t>2025. 3. 21.</a:t>
             </a:fld>
             <a:endParaRPr kumimoji="1" lang="ko-KR" altLang="en-US"/>
           </a:p>
@@ -3286,7 +3286,7 @@
           <a:p>
             <a:fld id="{B2310862-A932-4A4D-BE7A-7832C8DBE490}" type="datetimeFigureOut">
               <a:rPr kumimoji="1" lang="ko-KR" altLang="en-US" smtClean="0"/>
-              <a:t>2025. 3. 20.</a:t>
+              <a:t>2025. 3. 21.</a:t>
             </a:fld>
             <a:endParaRPr kumimoji="1" lang="ko-KR" altLang="en-US"/>
           </a:p>
@@ -8536,8 +8536,8 @@
         </p:nvSpPr>
         <p:spPr>
           <a:xfrm>
-            <a:off x="8810325" y="4022715"/>
-            <a:ext cx="1345941" cy="3724050"/>
+            <a:off x="8810325" y="3831024"/>
+            <a:ext cx="1345941" cy="3915741"/>
           </a:xfrm>
           <a:prstGeom prst="rect">
             <a:avLst/>
@@ -8591,8 +8591,8 @@
         </p:nvSpPr>
         <p:spPr>
           <a:xfrm>
-            <a:off x="10980342" y="4022568"/>
-            <a:ext cx="1789747" cy="3726824"/>
+            <a:off x="10980342" y="3831024"/>
+            <a:ext cx="1789747" cy="3918368"/>
           </a:xfrm>
           <a:prstGeom prst="rect">
             <a:avLst/>
@@ -8654,7 +8654,7 @@
         </p:blipFill>
         <p:spPr>
           <a:xfrm>
-            <a:off x="16563649" y="5487327"/>
+            <a:off x="16563649" y="5823824"/>
             <a:ext cx="465429" cy="465429"/>
           </a:xfrm>
           <a:prstGeom prst="rect">
@@ -8678,7 +8678,7 @@
         </p:nvSpPr>
         <p:spPr>
           <a:xfrm>
-            <a:off x="16362031" y="5938884"/>
+            <a:off x="16362031" y="6275381"/>
             <a:ext cx="869150" cy="267998"/>
           </a:xfrm>
           <a:prstGeom prst="rect">
@@ -9798,7 +9798,7 @@
                 <a:ea typeface="KoPubWorldDotum Bold" pitchFamily="2" charset="-127"/>
                 <a:cs typeface="KoPubWorldDotum Bold" pitchFamily="2" charset="-127"/>
               </a:rPr>
-              <a:t>S3 (Hosting)</a:t>
+              <a:t>S3</a:t>
             </a:r>
             <a:endParaRPr kumimoji="1" lang="ko-KR" altLang="en-US" sz="900" b="1" dirty="0">
               <a:latin typeface="KoPubWorldDotum Bold" pitchFamily="2" charset="-127"/>
@@ -11382,11 +11382,11 @@
         <p:spPr>
           <a:xfrm>
             <a:off x="12493382" y="5278856"/>
-            <a:ext cx="4070267" cy="441186"/>
+            <a:ext cx="4070267" cy="777683"/>
           </a:xfrm>
           <a:prstGeom prst="bentConnector3">
             <a:avLst>
-              <a:gd name="adj1" fmla="val 3168"/>
+              <a:gd name="adj1" fmla="val 3452"/>
             </a:avLst>
           </a:prstGeom>
         </p:spPr>
@@ -11424,11 +11424,11 @@
         <p:spPr>
           <a:xfrm>
             <a:off x="12500944" y="5603198"/>
-            <a:ext cx="4062705" cy="116844"/>
+            <a:ext cx="4062705" cy="453341"/>
           </a:xfrm>
           <a:prstGeom prst="bentConnector3">
             <a:avLst>
-              <a:gd name="adj1" fmla="val 3030"/>
+              <a:gd name="adj1" fmla="val 3005"/>
             </a:avLst>
           </a:prstGeom>
         </p:spPr>
@@ -11464,13 +11464,13 @@
           <p:nvPr/>
         </p:nvCxnSpPr>
         <p:spPr>
-          <a:xfrm flipV="1">
-            <a:off x="12499063" y="5720042"/>
-            <a:ext cx="4064586" cy="188729"/>
+          <a:xfrm>
+            <a:off x="12499063" y="5908771"/>
+            <a:ext cx="4064586" cy="147768"/>
           </a:xfrm>
           <a:prstGeom prst="bentConnector3">
             <a:avLst>
-              <a:gd name="adj1" fmla="val 3173"/>
+              <a:gd name="adj1" fmla="val 3027"/>
             </a:avLst>
           </a:prstGeom>
         </p:spPr>
@@ -11603,12 +11603,12 @@
         </p:nvCxnSpPr>
         <p:spPr>
           <a:xfrm>
-            <a:off x="17029078" y="5720042"/>
-            <a:ext cx="924840" cy="496054"/>
+            <a:off x="17029078" y="6056539"/>
+            <a:ext cx="924840" cy="159557"/>
           </a:xfrm>
           <a:prstGeom prst="bentConnector3">
             <a:avLst>
-              <a:gd name="adj1" fmla="val 50655"/>
+              <a:gd name="adj1" fmla="val 50000"/>
             </a:avLst>
           </a:prstGeom>
           <a:ln>
@@ -11722,12 +11722,12 @@
         </p:nvCxnSpPr>
         <p:spPr>
           <a:xfrm flipV="1">
-            <a:off x="12499063" y="5720042"/>
-            <a:ext cx="4064586" cy="496054"/>
+            <a:off x="12499063" y="6056539"/>
+            <a:ext cx="4064586" cy="159557"/>
           </a:xfrm>
           <a:prstGeom prst="bentConnector3">
             <a:avLst>
-              <a:gd name="adj1" fmla="val 3109"/>
+              <a:gd name="adj1" fmla="val 3207"/>
             </a:avLst>
           </a:prstGeom>
         </p:spPr>
@@ -11808,8 +11808,8 @@
         </p:nvCxnSpPr>
         <p:spPr>
           <a:xfrm rot="10800000" flipV="1">
-            <a:off x="15427165" y="5720041"/>
-            <a:ext cx="1136484" cy="773215"/>
+            <a:off x="15427165" y="6056539"/>
+            <a:ext cx="1136484" cy="436718"/>
           </a:xfrm>
           <a:prstGeom prst="bentConnector3">
             <a:avLst>
@@ -13367,6 +13367,155 @@
           </a:fontRef>
         </p:style>
       </p:cxnSp>
+      <p:sp>
+        <p:nvSpPr>
+          <p:cNvPr id="3" name="직사각형 2">
+            <a:extLst>
+              <a:ext uri="{FF2B5EF4-FFF2-40B4-BE49-F238E27FC236}">
+                <a16:creationId xmlns:a16="http://schemas.microsoft.com/office/drawing/2014/main" id="{61A289DC-1A35-D34B-1B1E-309667CD0220}"/>
+              </a:ext>
+            </a:extLst>
+          </p:cNvPr>
+          <p:cNvSpPr/>
+          <p:nvPr/>
+        </p:nvSpPr>
+        <p:spPr>
+          <a:xfrm>
+            <a:off x="14586452" y="4719065"/>
+            <a:ext cx="1275193" cy="703246"/>
+          </a:xfrm>
+          <a:prstGeom prst="rect">
+            <a:avLst/>
+          </a:prstGeom>
+          <a:solidFill>
+            <a:srgbClr val="60A436">
+              <a:alpha val="13000"/>
+            </a:srgbClr>
+          </a:solidFill>
+          <a:ln>
+            <a:noFill/>
+            <a:prstDash val="sysDash"/>
+          </a:ln>
+        </p:spPr>
+        <p:style>
+          <a:lnRef idx="2">
+            <a:schemeClr val="accent1">
+              <a:shade val="15000"/>
+            </a:schemeClr>
+          </a:lnRef>
+          <a:fillRef idx="1">
+            <a:schemeClr val="accent1"/>
+          </a:fillRef>
+          <a:effectRef idx="0">
+            <a:schemeClr val="accent1"/>
+          </a:effectRef>
+          <a:fontRef idx="minor">
+            <a:schemeClr val="lt1"/>
+          </a:fontRef>
+        </p:style>
+        <p:txBody>
+          <a:bodyPr rtlCol="0" anchor="ctr"/>
+          <a:lstStyle/>
+          <a:p>
+            <a:pPr algn="ctr"/>
+            <a:endParaRPr kumimoji="1" lang="ko-KR" altLang="en-US" sz="900"/>
+          </a:p>
+        </p:txBody>
+      </p:sp>
+      <p:pic>
+        <p:nvPicPr>
+          <p:cNvPr id="6" name="그림 5">
+            <a:extLst>
+              <a:ext uri="{FF2B5EF4-FFF2-40B4-BE49-F238E27FC236}">
+                <a16:creationId xmlns:a16="http://schemas.microsoft.com/office/drawing/2014/main" id="{044EC3C9-B173-E0C3-3243-8F839CF99BA3}"/>
+              </a:ext>
+            </a:extLst>
+          </p:cNvPr>
+          <p:cNvPicPr>
+            <a:picLocks noChangeAspect="1"/>
+          </p:cNvPicPr>
+          <p:nvPr/>
+        </p:nvPicPr>
+        <p:blipFill>
+          <a:blip r:embed="rId9"/>
+          <a:stretch>
+            <a:fillRect/>
+          </a:stretch>
+        </p:blipFill>
+        <p:spPr>
+          <a:xfrm>
+            <a:off x="15027867" y="5147660"/>
+            <a:ext cx="462142" cy="462142"/>
+          </a:xfrm>
+          <a:prstGeom prst="rect">
+            <a:avLst/>
+          </a:prstGeom>
+        </p:spPr>
+      </p:pic>
+      <p:sp>
+        <p:nvSpPr>
+          <p:cNvPr id="20" name="제목 1">
+            <a:extLst>
+              <a:ext uri="{FF2B5EF4-FFF2-40B4-BE49-F238E27FC236}">
+                <a16:creationId xmlns:a16="http://schemas.microsoft.com/office/drawing/2014/main" id="{4A24A5FC-1621-60A7-F1CF-CD4A0CAF017E}"/>
+              </a:ext>
+            </a:extLst>
+          </p:cNvPr>
+          <p:cNvSpPr txBox="1">
+            <a:spLocks/>
+          </p:cNvSpPr>
+          <p:nvPr/>
+        </p:nvSpPr>
+        <p:spPr>
+          <a:xfrm>
+            <a:off x="14569181" y="5616228"/>
+            <a:ext cx="1372683" cy="267998"/>
+          </a:xfrm>
+          <a:prstGeom prst="rect">
+            <a:avLst/>
+          </a:prstGeom>
+        </p:spPr>
+        <p:txBody>
+          <a:bodyPr vert="horz" lIns="91440" tIns="45720" rIns="91440" bIns="45720" rtlCol="0" anchor="ctr">
+            <a:normAutofit/>
+          </a:bodyPr>
+          <a:lstStyle>
+            <a:lvl1pPr algn="l" defTabSz="914400" rtl="0" eaLnBrk="1" latinLnBrk="1" hangingPunct="1">
+              <a:lnSpc>
+                <a:spcPct val="90000"/>
+              </a:lnSpc>
+              <a:spcBef>
+                <a:spcPct val="0"/>
+              </a:spcBef>
+              <a:buNone/>
+              <a:defRPr sz="4400" kern="1200">
+                <a:solidFill>
+                  <a:schemeClr val="tx1"/>
+                </a:solidFill>
+                <a:latin typeface="+mj-lt"/>
+                <a:ea typeface="+mj-ea"/>
+                <a:cs typeface="+mj-cs"/>
+              </a:defRPr>
+            </a:lvl1pPr>
+          </a:lstStyle>
+          <a:p>
+            <a:pPr algn="ctr"/>
+            <a:r>
+              <a:rPr kumimoji="1" lang="en-US" altLang="ko-KR" sz="900" b="1" dirty="0">
+                <a:latin typeface="KoPubWorldDotum Bold" pitchFamily="2" charset="-127"/>
+                <a:ea typeface="KoPubWorldDotum Bold" pitchFamily="2" charset="-127"/>
+                <a:cs typeface="KoPubWorldDotum Bold" pitchFamily="2" charset="-127"/>
+              </a:rPr>
+              <a:t>S3</a:t>
+            </a:r>
+            <a:endParaRPr kumimoji="1" lang="ko-KR" altLang="en-US" sz="900" b="1" dirty="0">
+              <a:latin typeface="KoPubWorldDotum Bold" pitchFamily="2" charset="-127"/>
+              <a:ea typeface="KoPubWorldDotum Bold" pitchFamily="2" charset="-127"/>
+              <a:cs typeface="KoPubWorldDotum Bold" pitchFamily="2" charset="-127"/>
+            </a:endParaRPr>
+          </a:p>
+        </p:txBody>
+      </p:sp>
     </p:spTree>
     <p:extLst>
       <p:ext uri="{BB962C8B-B14F-4D97-AF65-F5344CB8AC3E}">

--- a/documents/개발계획서.pptx
+++ b/documents/개발계획서.pptx
@@ -207,7 +207,7 @@
           <a:p>
             <a:fld id="{9458FFD9-5838-1449-9919-C8A4367C6D0D}" type="datetimeFigureOut">
               <a:rPr kumimoji="1" lang="ko-KR" altLang="en-US" smtClean="0"/>
-              <a:t>2025. 3. 21.</a:t>
+              <a:t>2025. 3. 24.</a:t>
             </a:fld>
             <a:endParaRPr kumimoji="1" lang="ko-KR" altLang="en-US"/>
           </a:p>
@@ -961,7 +961,7 @@
           <a:p>
             <a:fld id="{B2310862-A932-4A4D-BE7A-7832C8DBE490}" type="datetimeFigureOut">
               <a:rPr kumimoji="1" lang="ko-KR" altLang="en-US" smtClean="0"/>
-              <a:t>2025. 3. 21.</a:t>
+              <a:t>2025. 3. 24.</a:t>
             </a:fld>
             <a:endParaRPr kumimoji="1" lang="ko-KR" altLang="en-US"/>
           </a:p>
@@ -1131,7 +1131,7 @@
           <a:p>
             <a:fld id="{B2310862-A932-4A4D-BE7A-7832C8DBE490}" type="datetimeFigureOut">
               <a:rPr kumimoji="1" lang="ko-KR" altLang="en-US" smtClean="0"/>
-              <a:t>2025. 3. 21.</a:t>
+              <a:t>2025. 3. 24.</a:t>
             </a:fld>
             <a:endParaRPr kumimoji="1" lang="ko-KR" altLang="en-US"/>
           </a:p>
@@ -1311,7 +1311,7 @@
           <a:p>
             <a:fld id="{B2310862-A932-4A4D-BE7A-7832C8DBE490}" type="datetimeFigureOut">
               <a:rPr kumimoji="1" lang="ko-KR" altLang="en-US" smtClean="0"/>
-              <a:t>2025. 3. 21.</a:t>
+              <a:t>2025. 3. 24.</a:t>
             </a:fld>
             <a:endParaRPr kumimoji="1" lang="ko-KR" altLang="en-US"/>
           </a:p>
@@ -1481,7 +1481,7 @@
           <a:p>
             <a:fld id="{B2310862-A932-4A4D-BE7A-7832C8DBE490}" type="datetimeFigureOut">
               <a:rPr kumimoji="1" lang="ko-KR" altLang="en-US" smtClean="0"/>
-              <a:t>2025. 3. 21.</a:t>
+              <a:t>2025. 3. 24.</a:t>
             </a:fld>
             <a:endParaRPr kumimoji="1" lang="ko-KR" altLang="en-US"/>
           </a:p>
@@ -1727,7 +1727,7 @@
           <a:p>
             <a:fld id="{B2310862-A932-4A4D-BE7A-7832C8DBE490}" type="datetimeFigureOut">
               <a:rPr kumimoji="1" lang="ko-KR" altLang="en-US" smtClean="0"/>
-              <a:t>2025. 3. 21.</a:t>
+              <a:t>2025. 3. 24.</a:t>
             </a:fld>
             <a:endParaRPr kumimoji="1" lang="ko-KR" altLang="en-US"/>
           </a:p>
@@ -1959,7 +1959,7 @@
           <a:p>
             <a:fld id="{B2310862-A932-4A4D-BE7A-7832C8DBE490}" type="datetimeFigureOut">
               <a:rPr kumimoji="1" lang="ko-KR" altLang="en-US" smtClean="0"/>
-              <a:t>2025. 3. 21.</a:t>
+              <a:t>2025. 3. 24.</a:t>
             </a:fld>
             <a:endParaRPr kumimoji="1" lang="ko-KR" altLang="en-US"/>
           </a:p>
@@ -2326,7 +2326,7 @@
           <a:p>
             <a:fld id="{B2310862-A932-4A4D-BE7A-7832C8DBE490}" type="datetimeFigureOut">
               <a:rPr kumimoji="1" lang="ko-KR" altLang="en-US" smtClean="0"/>
-              <a:t>2025. 3. 21.</a:t>
+              <a:t>2025. 3. 24.</a:t>
             </a:fld>
             <a:endParaRPr kumimoji="1" lang="ko-KR" altLang="en-US"/>
           </a:p>
@@ -2444,7 +2444,7 @@
           <a:p>
             <a:fld id="{B2310862-A932-4A4D-BE7A-7832C8DBE490}" type="datetimeFigureOut">
               <a:rPr kumimoji="1" lang="ko-KR" altLang="en-US" smtClean="0"/>
-              <a:t>2025. 3. 21.</a:t>
+              <a:t>2025. 3. 24.</a:t>
             </a:fld>
             <a:endParaRPr kumimoji="1" lang="ko-KR" altLang="en-US"/>
           </a:p>
@@ -2539,7 +2539,7 @@
           <a:p>
             <a:fld id="{B2310862-A932-4A4D-BE7A-7832C8DBE490}" type="datetimeFigureOut">
               <a:rPr kumimoji="1" lang="ko-KR" altLang="en-US" smtClean="0"/>
-              <a:t>2025. 3. 21.</a:t>
+              <a:t>2025. 3. 24.</a:t>
             </a:fld>
             <a:endParaRPr kumimoji="1" lang="ko-KR" altLang="en-US"/>
           </a:p>
@@ -2816,7 +2816,7 @@
           <a:p>
             <a:fld id="{B2310862-A932-4A4D-BE7A-7832C8DBE490}" type="datetimeFigureOut">
               <a:rPr kumimoji="1" lang="ko-KR" altLang="en-US" smtClean="0"/>
-              <a:t>2025. 3. 21.</a:t>
+              <a:t>2025. 3. 24.</a:t>
             </a:fld>
             <a:endParaRPr kumimoji="1" lang="ko-KR" altLang="en-US"/>
           </a:p>
@@ -3073,7 +3073,7 @@
           <a:p>
             <a:fld id="{B2310862-A932-4A4D-BE7A-7832C8DBE490}" type="datetimeFigureOut">
               <a:rPr kumimoji="1" lang="ko-KR" altLang="en-US" smtClean="0"/>
-              <a:t>2025. 3. 21.</a:t>
+              <a:t>2025. 3. 24.</a:t>
             </a:fld>
             <a:endParaRPr kumimoji="1" lang="ko-KR" altLang="en-US"/>
           </a:p>
@@ -3286,7 +3286,7 @@
           <a:p>
             <a:fld id="{B2310862-A932-4A4D-BE7A-7832C8DBE490}" type="datetimeFigureOut">
               <a:rPr kumimoji="1" lang="ko-KR" altLang="en-US" smtClean="0"/>
-              <a:t>2025. 3. 21.</a:t>
+              <a:t>2025. 3. 24.</a:t>
             </a:fld>
             <a:endParaRPr kumimoji="1" lang="ko-KR" altLang="en-US"/>
           </a:p>
@@ -8654,7 +8654,7 @@
         </p:blipFill>
         <p:spPr>
           <a:xfrm>
-            <a:off x="16563649" y="5823824"/>
+            <a:off x="16563649" y="5802659"/>
             <a:ext cx="465429" cy="465429"/>
           </a:xfrm>
           <a:prstGeom prst="rect">
@@ -8678,7 +8678,7 @@
         </p:nvSpPr>
         <p:spPr>
           <a:xfrm>
-            <a:off x="16362031" y="6275381"/>
+            <a:off x="16362031" y="6245750"/>
             <a:ext cx="869150" cy="267998"/>
           </a:xfrm>
           <a:prstGeom prst="rect">
@@ -8773,8 +8773,8 @@
         </p:nvCxnSpPr>
         <p:spPr>
           <a:xfrm flipH="1">
-            <a:off x="2963008" y="5655349"/>
-            <a:ext cx="367029" cy="0"/>
+            <a:off x="3353565" y="5729476"/>
+            <a:ext cx="353623" cy="2330"/>
           </a:xfrm>
           <a:prstGeom prst="straightConnector1">
             <a:avLst/>
@@ -8823,7 +8823,7 @@
         </p:blipFill>
         <p:spPr>
           <a:xfrm>
-            <a:off x="4488179" y="5425974"/>
+            <a:off x="4858047" y="5498166"/>
             <a:ext cx="462143" cy="462143"/>
           </a:xfrm>
           <a:prstGeom prst="rect">
@@ -8847,7 +8847,7 @@
         </p:nvSpPr>
         <p:spPr>
           <a:xfrm>
-            <a:off x="4100124" y="5882992"/>
+            <a:off x="4469992" y="5955184"/>
             <a:ext cx="1260673" cy="267998"/>
           </a:xfrm>
           <a:prstGeom prst="rect">
@@ -8923,7 +8923,7 @@
         </p:blipFill>
         <p:spPr>
           <a:xfrm>
-            <a:off x="2257024" y="5316675"/>
+            <a:off x="2625556" y="5383806"/>
             <a:ext cx="754027" cy="754027"/>
           </a:xfrm>
           <a:prstGeom prst="rect">
@@ -8947,7 +8947,7 @@
         </p:nvPicPr>
         <p:blipFill>
           <a:blip r:embed="rId8">
-            <a:alphaModFix/>
+            <a:alphaModFix amt="35000"/>
           </a:blip>
           <a:stretch>
             <a:fillRect/>
@@ -8955,8 +8955,8 @@
         </p:blipFill>
         <p:spPr>
           <a:xfrm>
-            <a:off x="3330037" y="5424278"/>
-            <a:ext cx="462143" cy="462143"/>
+            <a:off x="3707188" y="5503401"/>
+            <a:ext cx="452150" cy="452150"/>
           </a:xfrm>
           <a:prstGeom prst="rect">
             <a:avLst/>
@@ -8979,7 +8979,7 @@
         </p:nvSpPr>
         <p:spPr>
           <a:xfrm>
-            <a:off x="3080629" y="5877362"/>
+            <a:off x="3450497" y="5949554"/>
             <a:ext cx="967879" cy="267998"/>
           </a:xfrm>
           <a:prstGeom prst="rect">
@@ -9309,9 +9309,9 @@
           <p:nvPr/>
         </p:nvCxnSpPr>
         <p:spPr>
-          <a:xfrm flipH="1" flipV="1">
-            <a:off x="3792180" y="5655350"/>
-            <a:ext cx="695999" cy="1696"/>
+          <a:xfrm flipH="1">
+            <a:off x="4159338" y="5729238"/>
+            <a:ext cx="698709" cy="238"/>
           </a:xfrm>
           <a:prstGeom prst="straightConnector1">
             <a:avLst/>
@@ -9441,8 +9441,8 @@
         </p:nvCxnSpPr>
         <p:spPr>
           <a:xfrm flipH="1">
-            <a:off x="4950322" y="5656945"/>
-            <a:ext cx="822764" cy="101"/>
+            <a:off x="5320190" y="5729137"/>
+            <a:ext cx="452896" cy="101"/>
           </a:xfrm>
           <a:prstGeom prst="straightConnector1">
             <a:avLst/>
@@ -9673,8 +9673,8 @@
         </p:nvSpPr>
         <p:spPr>
           <a:xfrm>
-            <a:off x="5601128" y="5194750"/>
-            <a:ext cx="2398096" cy="1134584"/>
+            <a:off x="5601128" y="4619510"/>
+            <a:ext cx="2398096" cy="1782016"/>
           </a:xfrm>
           <a:prstGeom prst="rect">
             <a:avLst/>
@@ -9710,7 +9710,7 @@
           <a:lstStyle/>
           <a:p>
             <a:pPr algn="ctr"/>
-            <a:endParaRPr kumimoji="1" lang="ko-KR" altLang="en-US" sz="900"/>
+            <a:endParaRPr kumimoji="1" lang="ko-KR" altLang="en-US" sz="900" dirty="0"/>
           </a:p>
         </p:txBody>
       </p:sp>
@@ -9736,7 +9736,7 @@
         </p:blipFill>
         <p:spPr>
           <a:xfrm>
-            <a:off x="6527270" y="6180843"/>
+            <a:off x="6527270" y="6253035"/>
             <a:ext cx="462142" cy="462142"/>
           </a:xfrm>
           <a:prstGeom prst="rect">
@@ -9760,7 +9760,7 @@
         </p:nvSpPr>
         <p:spPr>
           <a:xfrm>
-            <a:off x="6269899" y="6657071"/>
+            <a:off x="6269899" y="6729263"/>
             <a:ext cx="967879" cy="267998"/>
           </a:xfrm>
           <a:prstGeom prst="rect">
@@ -10026,15 +10026,17 @@
           <p:nvPr/>
         </p:nvPicPr>
         <p:blipFill>
-          <a:blip r:embed="rId11"/>
+          <a:blip r:embed="rId11">
+            <a:alphaModFix amt="35000"/>
+          </a:blip>
           <a:stretch>
             <a:fillRect/>
           </a:stretch>
         </p:blipFill>
         <p:spPr>
           <a:xfrm>
-            <a:off x="7165021" y="7501886"/>
-            <a:ext cx="461326" cy="461326"/>
+            <a:off x="7153040" y="7574078"/>
+            <a:ext cx="435553" cy="435553"/>
           </a:xfrm>
           <a:prstGeom prst="rect">
             <a:avLst/>
@@ -10057,7 +10059,7 @@
         </p:nvSpPr>
         <p:spPr>
           <a:xfrm>
-            <a:off x="6738599" y="7956009"/>
+            <a:off x="6738599" y="8028201"/>
             <a:ext cx="1314173" cy="267998"/>
           </a:xfrm>
           <a:prstGeom prst="rect">
@@ -10129,7 +10131,7 @@
         </p:blipFill>
         <p:spPr>
           <a:xfrm>
-            <a:off x="5823377" y="5459614"/>
+            <a:off x="5823377" y="5531806"/>
             <a:ext cx="471321" cy="476674"/>
           </a:xfrm>
           <a:prstGeom prst="rect">
@@ -10166,7 +10168,7 @@
         </p:blipFill>
         <p:spPr>
           <a:xfrm>
-            <a:off x="6494379" y="5455412"/>
+            <a:off x="6494379" y="5527604"/>
             <a:ext cx="472963" cy="480395"/>
           </a:xfrm>
           <a:prstGeom prst="rect">
@@ -10203,7 +10205,7 @@
         </p:blipFill>
         <p:spPr>
           <a:xfrm>
-            <a:off x="7147125" y="5443904"/>
+            <a:off x="7147125" y="5516096"/>
             <a:ext cx="444739" cy="438219"/>
           </a:xfrm>
           <a:prstGeom prst="rect">
@@ -10403,7 +10405,7 @@
         </p:nvSpPr>
         <p:spPr>
           <a:xfrm>
-            <a:off x="5773086" y="5306597"/>
+            <a:off x="5773086" y="5378789"/>
             <a:ext cx="1997897" cy="700696"/>
           </a:xfrm>
           <a:prstGeom prst="rect">
@@ -10460,12 +10462,12 @@
         </p:nvCxnSpPr>
         <p:spPr>
           <a:xfrm rot="10800000">
-            <a:off x="7770983" y="5656946"/>
-            <a:ext cx="1255548" cy="77527"/>
+            <a:off x="7770983" y="5729138"/>
+            <a:ext cx="1255548" cy="5335"/>
           </a:xfrm>
           <a:prstGeom prst="bentConnector3">
             <a:avLst>
-              <a:gd name="adj1" fmla="val 50862"/>
+              <a:gd name="adj1" fmla="val 50000"/>
             </a:avLst>
           </a:prstGeom>
         </p:spPr>
@@ -10502,8 +10504,8 @@
         </p:nvCxnSpPr>
         <p:spPr>
           <a:xfrm rot="10800000">
-            <a:off x="7770984" y="5656946"/>
-            <a:ext cx="1237227" cy="1315105"/>
+            <a:off x="7770984" y="5729138"/>
+            <a:ext cx="1237227" cy="1242913"/>
           </a:xfrm>
           <a:prstGeom prst="bentConnector3">
             <a:avLst>
@@ -10545,7 +10547,7 @@
         <p:spPr>
           <a:xfrm rot="10800000" flipV="1">
             <a:off x="7770983" y="4174651"/>
-            <a:ext cx="1237226" cy="1482293"/>
+            <a:ext cx="1237226" cy="1554485"/>
           </a:xfrm>
           <a:prstGeom prst="bentConnector3">
             <a:avLst>
@@ -11382,11 +11384,11 @@
         <p:spPr>
           <a:xfrm>
             <a:off x="12493382" y="5278856"/>
-            <a:ext cx="4070267" cy="777683"/>
+            <a:ext cx="4070267" cy="756518"/>
           </a:xfrm>
           <a:prstGeom prst="bentConnector3">
             <a:avLst>
-              <a:gd name="adj1" fmla="val 3452"/>
+              <a:gd name="adj1" fmla="val 3982"/>
             </a:avLst>
           </a:prstGeom>
         </p:spPr>
@@ -11424,11 +11426,11 @@
         <p:spPr>
           <a:xfrm>
             <a:off x="12500944" y="5603198"/>
-            <a:ext cx="4062705" cy="453341"/>
+            <a:ext cx="4062705" cy="432176"/>
           </a:xfrm>
           <a:prstGeom prst="bentConnector3">
             <a:avLst>
-              <a:gd name="adj1" fmla="val 3005"/>
+              <a:gd name="adj1" fmla="val 3793"/>
             </a:avLst>
           </a:prstGeom>
         </p:spPr>
@@ -11466,11 +11468,11 @@
         <p:spPr>
           <a:xfrm>
             <a:off x="12499063" y="5908771"/>
-            <a:ext cx="4064586" cy="147768"/>
+            <a:ext cx="4064586" cy="126603"/>
           </a:xfrm>
           <a:prstGeom prst="bentConnector3">
             <a:avLst>
-              <a:gd name="adj1" fmla="val 3027"/>
+              <a:gd name="adj1" fmla="val 3814"/>
             </a:avLst>
           </a:prstGeom>
         </p:spPr>
@@ -11560,8 +11562,8 @@
           </a:xfrm>
           <a:prstGeom prst="bentConnector4">
             <a:avLst>
-              <a:gd name="adj1" fmla="val -12406"/>
-              <a:gd name="adj2" fmla="val 92510"/>
+              <a:gd name="adj1" fmla="val -12648"/>
+              <a:gd name="adj2" fmla="val 92437"/>
             </a:avLst>
           </a:prstGeom>
           <a:ln>
@@ -11603,8 +11605,8 @@
         </p:nvCxnSpPr>
         <p:spPr>
           <a:xfrm>
-            <a:off x="17029078" y="6056539"/>
-            <a:ext cx="924840" cy="159557"/>
+            <a:off x="17029078" y="6035374"/>
+            <a:ext cx="924840" cy="180722"/>
           </a:xfrm>
           <a:prstGeom prst="bentConnector3">
             <a:avLst>
@@ -11722,12 +11724,12 @@
         </p:nvCxnSpPr>
         <p:spPr>
           <a:xfrm flipV="1">
-            <a:off x="12499063" y="6056539"/>
-            <a:ext cx="4064586" cy="159557"/>
+            <a:off x="12499063" y="6035374"/>
+            <a:ext cx="4064586" cy="180722"/>
           </a:xfrm>
           <a:prstGeom prst="bentConnector3">
             <a:avLst>
-              <a:gd name="adj1" fmla="val 3207"/>
+              <a:gd name="adj1" fmla="val 3814"/>
             </a:avLst>
           </a:prstGeom>
         </p:spPr>
@@ -11764,8 +11766,8 @@
         </p:nvCxnSpPr>
         <p:spPr>
           <a:xfrm>
-            <a:off x="7369495" y="5882123"/>
-            <a:ext cx="26189" cy="1619763"/>
+            <a:off x="7369495" y="5954315"/>
+            <a:ext cx="1322" cy="1619763"/>
           </a:xfrm>
           <a:prstGeom prst="straightConnector1">
             <a:avLst/>
@@ -11808,12 +11810,12 @@
         </p:nvCxnSpPr>
         <p:spPr>
           <a:xfrm rot="10800000" flipV="1">
-            <a:off x="15427165" y="6056539"/>
-            <a:ext cx="1136484" cy="436718"/>
+            <a:off x="15427165" y="6035373"/>
+            <a:ext cx="1136484" cy="457883"/>
           </a:xfrm>
           <a:prstGeom prst="bentConnector3">
             <a:avLst>
-              <a:gd name="adj1" fmla="val 50000"/>
+              <a:gd name="adj1" fmla="val 50373"/>
             </a:avLst>
           </a:prstGeom>
         </p:spPr>
@@ -12590,7 +12592,7 @@
         </p:nvSpPr>
         <p:spPr>
           <a:xfrm>
-            <a:off x="19206086" y="6452110"/>
+            <a:off x="19285159" y="6447107"/>
             <a:ext cx="1260673" cy="252462"/>
           </a:xfrm>
           <a:prstGeom prst="rect">
@@ -13055,7 +13057,9 @@
           <p:nvPr/>
         </p:nvPicPr>
         <p:blipFill>
-          <a:blip r:embed="rId23"/>
+          <a:blip r:embed="rId23">
+            <a:alphaModFix amt="35000"/>
+          </a:blip>
           <a:stretch>
             <a:fillRect/>
           </a:stretch>
@@ -13246,8 +13250,8 @@
         </p:nvCxnSpPr>
         <p:spPr>
           <a:xfrm flipH="1">
-            <a:off x="17038792" y="4986961"/>
-            <a:ext cx="824783" cy="3985"/>
+            <a:off x="17038792" y="4988617"/>
+            <a:ext cx="824783" cy="2329"/>
           </a:xfrm>
           <a:prstGeom prst="straightConnector1">
             <a:avLst/>
@@ -13291,6 +13295,7 @@
         </p:nvPicPr>
         <p:blipFill rotWithShape="1">
           <a:blip r:embed="rId24">
+            <a:alphaModFix amt="35000"/>
             <a:extLst>
               <a:ext uri="{28A0092B-C50C-407E-A947-70E740481C1C}">
                 <a14:useLocalDpi xmlns:a14="http://schemas.microsoft.com/office/drawing/2010/main" val="0"/>
@@ -13302,8 +13307,8 @@
         </p:blipFill>
         <p:spPr bwMode="auto">
           <a:xfrm>
-            <a:off x="17863575" y="4686579"/>
-            <a:ext cx="625997" cy="600763"/>
+            <a:off x="17863575" y="4778203"/>
+            <a:ext cx="438503" cy="420827"/>
           </a:xfrm>
           <a:prstGeom prst="rect">
             <a:avLst/>
@@ -13343,7 +13348,7 @@
           </a:xfrm>
           <a:prstGeom prst="bentConnector3">
             <a:avLst>
-              <a:gd name="adj1" fmla="val 50000"/>
+              <a:gd name="adj1" fmla="val 49513"/>
             </a:avLst>
           </a:prstGeom>
           <a:ln>
@@ -13516,6 +13521,227 @@
           </a:p>
         </p:txBody>
       </p:sp>
+      <p:sp>
+        <p:nvSpPr>
+          <p:cNvPr id="8" name="제목 1">
+            <a:extLst>
+              <a:ext uri="{FF2B5EF4-FFF2-40B4-BE49-F238E27FC236}">
+                <a16:creationId xmlns:a16="http://schemas.microsoft.com/office/drawing/2014/main" id="{1E5CA70B-F6C4-A9AD-89B5-A2A892741ACD}"/>
+              </a:ext>
+            </a:extLst>
+          </p:cNvPr>
+          <p:cNvSpPr txBox="1">
+            <a:spLocks/>
+          </p:cNvSpPr>
+          <p:nvPr/>
+        </p:nvSpPr>
+        <p:spPr>
+          <a:xfrm>
+            <a:off x="17396484" y="5195861"/>
+            <a:ext cx="1372683" cy="267998"/>
+          </a:xfrm>
+          <a:prstGeom prst="rect">
+            <a:avLst/>
+          </a:prstGeom>
+        </p:spPr>
+        <p:txBody>
+          <a:bodyPr vert="horz" lIns="91440" tIns="45720" rIns="91440" bIns="45720" rtlCol="0" anchor="ctr">
+            <a:normAutofit/>
+          </a:bodyPr>
+          <a:lstStyle>
+            <a:lvl1pPr algn="l" defTabSz="914400" rtl="0" eaLnBrk="1" latinLnBrk="1" hangingPunct="1">
+              <a:lnSpc>
+                <a:spcPct val="90000"/>
+              </a:lnSpc>
+              <a:spcBef>
+                <a:spcPct val="0"/>
+              </a:spcBef>
+              <a:buNone/>
+              <a:defRPr sz="4400" kern="1200">
+                <a:solidFill>
+                  <a:schemeClr val="tx1"/>
+                </a:solidFill>
+                <a:latin typeface="+mj-lt"/>
+                <a:ea typeface="+mj-ea"/>
+                <a:cs typeface="+mj-cs"/>
+              </a:defRPr>
+            </a:lvl1pPr>
+          </a:lstStyle>
+          <a:p>
+            <a:pPr algn="ctr"/>
+            <a:r>
+              <a:rPr kumimoji="1" lang="en-US" altLang="ko-KR" sz="900" b="1" dirty="0">
+                <a:latin typeface="KoPubWorldDotum Bold" pitchFamily="2" charset="-127"/>
+                <a:ea typeface="KoPubWorldDotum Bold" pitchFamily="2" charset="-127"/>
+                <a:cs typeface="KoPubWorldDotum Bold" pitchFamily="2" charset="-127"/>
+              </a:rPr>
+              <a:t>Tableau</a:t>
+            </a:r>
+            <a:endParaRPr kumimoji="1" lang="ko-KR" altLang="en-US" sz="900" b="1" dirty="0">
+              <a:latin typeface="KoPubWorldDotum Bold" pitchFamily="2" charset="-127"/>
+              <a:ea typeface="KoPubWorldDotum Bold" pitchFamily="2" charset="-127"/>
+              <a:cs typeface="KoPubWorldDotum Bold" pitchFamily="2" charset="-127"/>
+            </a:endParaRPr>
+          </a:p>
+        </p:txBody>
+      </p:sp>
+      <p:sp>
+        <p:nvSpPr>
+          <p:cNvPr id="1371" name="직사각형 1370">
+            <a:extLst>
+              <a:ext uri="{FF2B5EF4-FFF2-40B4-BE49-F238E27FC236}">
+                <a16:creationId xmlns:a16="http://schemas.microsoft.com/office/drawing/2014/main" id="{1A11A6B3-FA06-5B8F-A18C-89EDBBB47673}"/>
+              </a:ext>
+            </a:extLst>
+          </p:cNvPr>
+          <p:cNvSpPr/>
+          <p:nvPr/>
+        </p:nvSpPr>
+        <p:spPr>
+          <a:xfrm>
+            <a:off x="5766876" y="4760383"/>
+            <a:ext cx="1997897" cy="527045"/>
+          </a:xfrm>
+          <a:prstGeom prst="rect">
+            <a:avLst/>
+          </a:prstGeom>
+          <a:noFill/>
+          <a:ln>
+            <a:solidFill>
+              <a:srgbClr val="156082"/>
+            </a:solidFill>
+            <a:prstDash val="sysDash"/>
+          </a:ln>
+        </p:spPr>
+        <p:style>
+          <a:lnRef idx="2">
+            <a:schemeClr val="accent1">
+              <a:shade val="15000"/>
+            </a:schemeClr>
+          </a:lnRef>
+          <a:fillRef idx="1">
+            <a:schemeClr val="accent1"/>
+          </a:fillRef>
+          <a:effectRef idx="0">
+            <a:schemeClr val="accent1"/>
+          </a:effectRef>
+          <a:fontRef idx="minor">
+            <a:schemeClr val="lt1"/>
+          </a:fontRef>
+        </p:style>
+        <p:txBody>
+          <a:bodyPr rtlCol="0" anchor="ctr"/>
+          <a:lstStyle/>
+          <a:p>
+            <a:pPr algn="ctr"/>
+            <a:endParaRPr kumimoji="1" lang="ko-KR" altLang="en-US" sz="900"/>
+          </a:p>
+        </p:txBody>
+      </p:sp>
+      <p:sp>
+        <p:nvSpPr>
+          <p:cNvPr id="1376" name="처리 1375">
+            <a:extLst>
+              <a:ext uri="{FF2B5EF4-FFF2-40B4-BE49-F238E27FC236}">
+                <a16:creationId xmlns:a16="http://schemas.microsoft.com/office/drawing/2014/main" id="{FD68981E-C74B-3637-D221-89067E1FA1B8}"/>
+              </a:ext>
+            </a:extLst>
+          </p:cNvPr>
+          <p:cNvSpPr/>
+          <p:nvPr/>
+        </p:nvSpPr>
+        <p:spPr>
+          <a:xfrm>
+            <a:off x="6348012" y="4911551"/>
+            <a:ext cx="781173" cy="245334"/>
+          </a:xfrm>
+          <a:prstGeom prst="flowChartProcess">
+            <a:avLst/>
+          </a:prstGeom>
+          <a:solidFill>
+            <a:schemeClr val="accent1"/>
+          </a:solidFill>
+          <a:ln>
+            <a:noFill/>
+          </a:ln>
+        </p:spPr>
+        <p:style>
+          <a:lnRef idx="2">
+            <a:schemeClr val="accent1">
+              <a:shade val="15000"/>
+            </a:schemeClr>
+          </a:lnRef>
+          <a:fillRef idx="1">
+            <a:schemeClr val="accent1"/>
+          </a:fillRef>
+          <a:effectRef idx="0">
+            <a:schemeClr val="accent1"/>
+          </a:effectRef>
+          <a:fontRef idx="minor">
+            <a:schemeClr val="lt1"/>
+          </a:fontRef>
+        </p:style>
+        <p:txBody>
+          <a:bodyPr rtlCol="0" anchor="ctr"/>
+          <a:lstStyle/>
+          <a:p>
+            <a:pPr algn="ctr"/>
+            <a:r>
+              <a:rPr kumimoji="1" lang="en-US" altLang="ko-KR" sz="900" b="1" dirty="0">
+                <a:latin typeface="KoPubWorldDotum Bold" pitchFamily="2" charset="-127"/>
+                <a:ea typeface="KoPubWorldDotum Bold" pitchFamily="2" charset="-127"/>
+                <a:cs typeface="KoPubWorldDotum Bold" pitchFamily="2" charset="-127"/>
+              </a:rPr>
+              <a:t>Assets</a:t>
+            </a:r>
+            <a:endParaRPr kumimoji="1" lang="ko-KR" altLang="en-US" sz="900" b="1" dirty="0">
+              <a:latin typeface="KoPubWorldDotum Bold" pitchFamily="2" charset="-127"/>
+              <a:ea typeface="KoPubWorldDotum Bold" pitchFamily="2" charset="-127"/>
+              <a:cs typeface="KoPubWorldDotum Bold" pitchFamily="2" charset="-127"/>
+            </a:endParaRPr>
+          </a:p>
+        </p:txBody>
+      </p:sp>
+      <p:cxnSp>
+        <p:nvCxnSpPr>
+          <p:cNvPr id="1378" name="꺾인 연결선[E] 1377">
+            <a:extLst>
+              <a:ext uri="{FF2B5EF4-FFF2-40B4-BE49-F238E27FC236}">
+                <a16:creationId xmlns:a16="http://schemas.microsoft.com/office/drawing/2014/main" id="{7F306590-EC6D-6F22-767A-80795E9F268E}"/>
+              </a:ext>
+            </a:extLst>
+          </p:cNvPr>
+          <p:cNvCxnSpPr>
+            <a:cxnSpLocks/>
+            <a:stCxn id="1376" idx="1"/>
+            <a:endCxn id="49" idx="0"/>
+          </p:cNvCxnSpPr>
+          <p:nvPr/>
+        </p:nvCxnSpPr>
+        <p:spPr>
+          <a:xfrm rot="10800000" flipV="1">
+            <a:off x="6059038" y="5034218"/>
+            <a:ext cx="288974" cy="497588"/>
+          </a:xfrm>
+          <a:prstGeom prst="bentConnector2">
+            <a:avLst/>
+          </a:prstGeom>
+        </p:spPr>
+        <p:style>
+          <a:lnRef idx="2">
+            <a:schemeClr val="accent1"/>
+          </a:lnRef>
+          <a:fillRef idx="0">
+            <a:schemeClr val="accent1"/>
+          </a:fillRef>
+          <a:effectRef idx="1">
+            <a:schemeClr val="accent1"/>
+          </a:effectRef>
+          <a:fontRef idx="minor">
+            <a:schemeClr val="tx1"/>
+          </a:fontRef>
+        </p:style>
+      </p:cxnSp>
     </p:spTree>
     <p:extLst>
       <p:ext uri="{BB962C8B-B14F-4D97-AF65-F5344CB8AC3E}">

--- a/documents/개발계획서.pptx
+++ b/documents/개발계획서.pptx
@@ -207,7 +207,7 @@
           <a:p>
             <a:fld id="{9458FFD9-5838-1449-9919-C8A4367C6D0D}" type="datetimeFigureOut">
               <a:rPr kumimoji="1" lang="ko-KR" altLang="en-US" smtClean="0"/>
-              <a:t>2025. 3. 24.</a:t>
+              <a:t>2025. 3. 30.</a:t>
             </a:fld>
             <a:endParaRPr kumimoji="1" lang="ko-KR" altLang="en-US"/>
           </a:p>
@@ -961,7 +961,7 @@
           <a:p>
             <a:fld id="{B2310862-A932-4A4D-BE7A-7832C8DBE490}" type="datetimeFigureOut">
               <a:rPr kumimoji="1" lang="ko-KR" altLang="en-US" smtClean="0"/>
-              <a:t>2025. 3. 24.</a:t>
+              <a:t>2025. 3. 30.</a:t>
             </a:fld>
             <a:endParaRPr kumimoji="1" lang="ko-KR" altLang="en-US"/>
           </a:p>
@@ -1131,7 +1131,7 @@
           <a:p>
             <a:fld id="{B2310862-A932-4A4D-BE7A-7832C8DBE490}" type="datetimeFigureOut">
               <a:rPr kumimoji="1" lang="ko-KR" altLang="en-US" smtClean="0"/>
-              <a:t>2025. 3. 24.</a:t>
+              <a:t>2025. 3. 30.</a:t>
             </a:fld>
             <a:endParaRPr kumimoji="1" lang="ko-KR" altLang="en-US"/>
           </a:p>
@@ -1311,7 +1311,7 @@
           <a:p>
             <a:fld id="{B2310862-A932-4A4D-BE7A-7832C8DBE490}" type="datetimeFigureOut">
               <a:rPr kumimoji="1" lang="ko-KR" altLang="en-US" smtClean="0"/>
-              <a:t>2025. 3. 24.</a:t>
+              <a:t>2025. 3. 30.</a:t>
             </a:fld>
             <a:endParaRPr kumimoji="1" lang="ko-KR" altLang="en-US"/>
           </a:p>
@@ -1481,7 +1481,7 @@
           <a:p>
             <a:fld id="{B2310862-A932-4A4D-BE7A-7832C8DBE490}" type="datetimeFigureOut">
               <a:rPr kumimoji="1" lang="ko-KR" altLang="en-US" smtClean="0"/>
-              <a:t>2025. 3. 24.</a:t>
+              <a:t>2025. 3. 30.</a:t>
             </a:fld>
             <a:endParaRPr kumimoji="1" lang="ko-KR" altLang="en-US"/>
           </a:p>
@@ -1727,7 +1727,7 @@
           <a:p>
             <a:fld id="{B2310862-A932-4A4D-BE7A-7832C8DBE490}" type="datetimeFigureOut">
               <a:rPr kumimoji="1" lang="ko-KR" altLang="en-US" smtClean="0"/>
-              <a:t>2025. 3. 24.</a:t>
+              <a:t>2025. 3. 30.</a:t>
             </a:fld>
             <a:endParaRPr kumimoji="1" lang="ko-KR" altLang="en-US"/>
           </a:p>
@@ -1959,7 +1959,7 @@
           <a:p>
             <a:fld id="{B2310862-A932-4A4D-BE7A-7832C8DBE490}" type="datetimeFigureOut">
               <a:rPr kumimoji="1" lang="ko-KR" altLang="en-US" smtClean="0"/>
-              <a:t>2025. 3. 24.</a:t>
+              <a:t>2025. 3. 30.</a:t>
             </a:fld>
             <a:endParaRPr kumimoji="1" lang="ko-KR" altLang="en-US"/>
           </a:p>
@@ -2326,7 +2326,7 @@
           <a:p>
             <a:fld id="{B2310862-A932-4A4D-BE7A-7832C8DBE490}" type="datetimeFigureOut">
               <a:rPr kumimoji="1" lang="ko-KR" altLang="en-US" smtClean="0"/>
-              <a:t>2025. 3. 24.</a:t>
+              <a:t>2025. 3. 30.</a:t>
             </a:fld>
             <a:endParaRPr kumimoji="1" lang="ko-KR" altLang="en-US"/>
           </a:p>
@@ -2444,7 +2444,7 @@
           <a:p>
             <a:fld id="{B2310862-A932-4A4D-BE7A-7832C8DBE490}" type="datetimeFigureOut">
               <a:rPr kumimoji="1" lang="ko-KR" altLang="en-US" smtClean="0"/>
-              <a:t>2025. 3. 24.</a:t>
+              <a:t>2025. 3. 30.</a:t>
             </a:fld>
             <a:endParaRPr kumimoji="1" lang="ko-KR" altLang="en-US"/>
           </a:p>
@@ -2539,7 +2539,7 @@
           <a:p>
             <a:fld id="{B2310862-A932-4A4D-BE7A-7832C8DBE490}" type="datetimeFigureOut">
               <a:rPr kumimoji="1" lang="ko-KR" altLang="en-US" smtClean="0"/>
-              <a:t>2025. 3. 24.</a:t>
+              <a:t>2025. 3. 30.</a:t>
             </a:fld>
             <a:endParaRPr kumimoji="1" lang="ko-KR" altLang="en-US"/>
           </a:p>
@@ -2816,7 +2816,7 @@
           <a:p>
             <a:fld id="{B2310862-A932-4A4D-BE7A-7832C8DBE490}" type="datetimeFigureOut">
               <a:rPr kumimoji="1" lang="ko-KR" altLang="en-US" smtClean="0"/>
-              <a:t>2025. 3. 24.</a:t>
+              <a:t>2025. 3. 30.</a:t>
             </a:fld>
             <a:endParaRPr kumimoji="1" lang="ko-KR" altLang="en-US"/>
           </a:p>
@@ -3073,7 +3073,7 @@
           <a:p>
             <a:fld id="{B2310862-A932-4A4D-BE7A-7832C8DBE490}" type="datetimeFigureOut">
               <a:rPr kumimoji="1" lang="ko-KR" altLang="en-US" smtClean="0"/>
-              <a:t>2025. 3. 24.</a:t>
+              <a:t>2025. 3. 30.</a:t>
             </a:fld>
             <a:endParaRPr kumimoji="1" lang="ko-KR" altLang="en-US"/>
           </a:p>
@@ -3286,7 +3286,7 @@
           <a:p>
             <a:fld id="{B2310862-A932-4A4D-BE7A-7832C8DBE490}" type="datetimeFigureOut">
               <a:rPr kumimoji="1" lang="ko-KR" altLang="en-US" smtClean="0"/>
-              <a:t>2025. 3. 24.</a:t>
+              <a:t>2025. 3. 30.</a:t>
             </a:fld>
             <a:endParaRPr kumimoji="1" lang="ko-KR" altLang="en-US"/>
           </a:p>
@@ -8524,6 +8524,61 @@
       </p:grpSpPr>
       <p:sp>
         <p:nvSpPr>
+          <p:cNvPr id="3" name="직사각형 2">
+            <a:extLst>
+              <a:ext uri="{FF2B5EF4-FFF2-40B4-BE49-F238E27FC236}">
+                <a16:creationId xmlns:a16="http://schemas.microsoft.com/office/drawing/2014/main" id="{61A289DC-1A35-D34B-1B1E-309667CD0220}"/>
+              </a:ext>
+            </a:extLst>
+          </p:cNvPr>
+          <p:cNvSpPr/>
+          <p:nvPr/>
+        </p:nvSpPr>
+        <p:spPr>
+          <a:xfrm>
+            <a:off x="14586452" y="4719065"/>
+            <a:ext cx="1275193" cy="703246"/>
+          </a:xfrm>
+          <a:prstGeom prst="rect">
+            <a:avLst/>
+          </a:prstGeom>
+          <a:solidFill>
+            <a:srgbClr val="60A436">
+              <a:alpha val="13000"/>
+            </a:srgbClr>
+          </a:solidFill>
+          <a:ln>
+            <a:noFill/>
+            <a:prstDash val="sysDash"/>
+          </a:ln>
+        </p:spPr>
+        <p:style>
+          <a:lnRef idx="2">
+            <a:schemeClr val="accent1">
+              <a:shade val="15000"/>
+            </a:schemeClr>
+          </a:lnRef>
+          <a:fillRef idx="1">
+            <a:schemeClr val="accent1"/>
+          </a:fillRef>
+          <a:effectRef idx="0">
+            <a:schemeClr val="accent1"/>
+          </a:effectRef>
+          <a:fontRef idx="minor">
+            <a:schemeClr val="lt1"/>
+          </a:fontRef>
+        </p:style>
+        <p:txBody>
+          <a:bodyPr rtlCol="0" anchor="ctr"/>
+          <a:lstStyle/>
+          <a:p>
+            <a:pPr algn="ctr"/>
+            <a:endParaRPr kumimoji="1" lang="ko-KR" altLang="en-US" sz="900"/>
+          </a:p>
+        </p:txBody>
+      </p:sp>
+      <p:sp>
+        <p:nvSpPr>
           <p:cNvPr id="1322" name="직사각형 1321">
             <a:extLst>
               <a:ext uri="{FF2B5EF4-FFF2-40B4-BE49-F238E27FC236}">
@@ -12706,7 +12761,7 @@
             <a:avLst/>
           </a:prstGeom>
           <a:solidFill>
-            <a:schemeClr val="accent1"/>
+            <a:schemeClr val="accent2"/>
           </a:solidFill>
           <a:ln>
             <a:noFill/>
@@ -12952,7 +13007,7 @@
             <a:avLst/>
           </a:prstGeom>
           <a:solidFill>
-            <a:schemeClr val="accent1"/>
+            <a:schemeClr val="accent2"/>
           </a:solidFill>
           <a:ln>
             <a:noFill/>
@@ -13372,61 +13427,6 @@
           </a:fontRef>
         </p:style>
       </p:cxnSp>
-      <p:sp>
-        <p:nvSpPr>
-          <p:cNvPr id="3" name="직사각형 2">
-            <a:extLst>
-              <a:ext uri="{FF2B5EF4-FFF2-40B4-BE49-F238E27FC236}">
-                <a16:creationId xmlns:a16="http://schemas.microsoft.com/office/drawing/2014/main" id="{61A289DC-1A35-D34B-1B1E-309667CD0220}"/>
-              </a:ext>
-            </a:extLst>
-          </p:cNvPr>
-          <p:cNvSpPr/>
-          <p:nvPr/>
-        </p:nvSpPr>
-        <p:spPr>
-          <a:xfrm>
-            <a:off x="14586452" y="4719065"/>
-            <a:ext cx="1275193" cy="703246"/>
-          </a:xfrm>
-          <a:prstGeom prst="rect">
-            <a:avLst/>
-          </a:prstGeom>
-          <a:solidFill>
-            <a:srgbClr val="60A436">
-              <a:alpha val="13000"/>
-            </a:srgbClr>
-          </a:solidFill>
-          <a:ln>
-            <a:noFill/>
-            <a:prstDash val="sysDash"/>
-          </a:ln>
-        </p:spPr>
-        <p:style>
-          <a:lnRef idx="2">
-            <a:schemeClr val="accent1">
-              <a:shade val="15000"/>
-            </a:schemeClr>
-          </a:lnRef>
-          <a:fillRef idx="1">
-            <a:schemeClr val="accent1"/>
-          </a:fillRef>
-          <a:effectRef idx="0">
-            <a:schemeClr val="accent1"/>
-          </a:effectRef>
-          <a:fontRef idx="minor">
-            <a:schemeClr val="lt1"/>
-          </a:fontRef>
-        </p:style>
-        <p:txBody>
-          <a:bodyPr rtlCol="0" anchor="ctr"/>
-          <a:lstStyle/>
-          <a:p>
-            <a:pPr algn="ctr"/>
-            <a:endParaRPr kumimoji="1" lang="ko-KR" altLang="en-US" sz="900"/>
-          </a:p>
-        </p:txBody>
-      </p:sp>
       <p:pic>
         <p:nvPicPr>
           <p:cNvPr id="6" name="그림 5">
@@ -13725,6 +13725,49 @@
           </a:xfrm>
           <a:prstGeom prst="bentConnector2">
             <a:avLst/>
+          </a:prstGeom>
+        </p:spPr>
+        <p:style>
+          <a:lnRef idx="2">
+            <a:schemeClr val="accent1"/>
+          </a:lnRef>
+          <a:fillRef idx="0">
+            <a:schemeClr val="accent1"/>
+          </a:fillRef>
+          <a:effectRef idx="1">
+            <a:schemeClr val="accent1"/>
+          </a:effectRef>
+          <a:fontRef idx="minor">
+            <a:schemeClr val="tx1"/>
+          </a:fontRef>
+        </p:style>
+      </p:cxnSp>
+      <p:cxnSp>
+        <p:nvCxnSpPr>
+          <p:cNvPr id="12" name="꺾인 연결선[E] 11">
+            <a:extLst>
+              <a:ext uri="{FF2B5EF4-FFF2-40B4-BE49-F238E27FC236}">
+                <a16:creationId xmlns:a16="http://schemas.microsoft.com/office/drawing/2014/main" id="{5780A8E5-B214-B31D-96A2-7CB6BFDC8999}"/>
+              </a:ext>
+            </a:extLst>
+          </p:cNvPr>
+          <p:cNvCxnSpPr>
+            <a:cxnSpLocks/>
+            <a:stCxn id="1364" idx="0"/>
+            <a:endCxn id="1387" idx="3"/>
+          </p:cNvCxnSpPr>
+          <p:nvPr/>
+        </p:nvCxnSpPr>
+        <p:spPr>
+          <a:xfrm rot="16200000" flipH="1" flipV="1">
+            <a:off x="9831592" y="1884278"/>
+            <a:ext cx="1784250" cy="5905468"/>
+          </a:xfrm>
+          <a:prstGeom prst="bentConnector4">
+            <a:avLst>
+              <a:gd name="adj1" fmla="val -29523"/>
+              <a:gd name="adj2" fmla="val 89507"/>
+            </a:avLst>
           </a:prstGeom>
         </p:spPr>
         <p:style>

--- a/documents/개발계획서.pptx
+++ b/documents/개발계획서.pptx
@@ -5,7 +5,7 @@
     <p:sldMasterId id="2147483672" r:id="rId1"/>
   </p:sldMasterIdLst>
   <p:notesMasterIdLst>
-    <p:notesMasterId r:id="rId13"/>
+    <p:notesMasterId r:id="rId14"/>
   </p:notesMasterIdLst>
   <p:sldIdLst>
     <p:sldId id="257" r:id="rId2"/>
@@ -19,6 +19,7 @@
     <p:sldId id="275" r:id="rId10"/>
     <p:sldId id="276" r:id="rId11"/>
     <p:sldId id="277" r:id="rId12"/>
+    <p:sldId id="278" r:id="rId13"/>
   </p:sldIdLst>
   <p:sldSz cx="21677313" cy="12193588"/>
   <p:notesSz cx="6858000" cy="9144000"/>
@@ -207,7 +208,7 @@
           <a:p>
             <a:fld id="{9458FFD9-5838-1449-9919-C8A4367C6D0D}" type="datetimeFigureOut">
               <a:rPr kumimoji="1" lang="ko-KR" altLang="en-US" smtClean="0"/>
-              <a:t>2025. 3. 30.</a:t>
+              <a:t>2025. 4. 10.</a:t>
             </a:fld>
             <a:endParaRPr kumimoji="1" lang="ko-KR" altLang="en-US"/>
           </a:p>
@@ -830,6 +831,95 @@
 </p:notes>
 </file>
 
+<file path=ppt/notesSlides/notesSlide5.xml><?xml version="1.0" encoding="utf-8"?>
+<p:notes xmlns:a="http://schemas.openxmlformats.org/drawingml/2006/main" xmlns:r="http://schemas.openxmlformats.org/officeDocument/2006/relationships" xmlns:p="http://schemas.openxmlformats.org/presentationml/2006/main">
+  <p:cSld>
+    <p:spTree>
+      <p:nvGrpSpPr>
+        <p:cNvPr id="1" name=""/>
+        <p:cNvGrpSpPr/>
+        <p:nvPr/>
+      </p:nvGrpSpPr>
+      <p:grpSpPr>
+        <a:xfrm>
+          <a:off x="0" y="0"/>
+          <a:ext cx="0" cy="0"/>
+          <a:chOff x="0" y="0"/>
+          <a:chExt cx="0" cy="0"/>
+        </a:xfrm>
+      </p:grpSpPr>
+      <p:sp>
+        <p:nvSpPr>
+          <p:cNvPr id="2" name="슬라이드 이미지 개체 틀 1"/>
+          <p:cNvSpPr>
+            <a:spLocks noGrp="1" noRot="1" noChangeAspect="1"/>
+          </p:cNvSpPr>
+          <p:nvPr>
+            <p:ph type="sldImg"/>
+          </p:nvPr>
+        </p:nvSpPr>
+        <p:spPr>
+          <a:xfrm>
+            <a:off x="687388" y="1143000"/>
+            <a:ext cx="5483225" cy="3086100"/>
+          </a:xfrm>
+        </p:spPr>
+      </p:sp>
+      <p:sp>
+        <p:nvSpPr>
+          <p:cNvPr id="3" name="슬라이드 노트 개체 틀 2"/>
+          <p:cNvSpPr>
+            <a:spLocks noGrp="1"/>
+          </p:cNvSpPr>
+          <p:nvPr>
+            <p:ph type="body" idx="1"/>
+          </p:nvPr>
+        </p:nvSpPr>
+        <p:spPr/>
+        <p:txBody>
+          <a:bodyPr/>
+          <a:lstStyle/>
+          <a:p>
+            <a:endParaRPr kumimoji="1" lang="ko-KR" altLang="en-US" dirty="0"/>
+          </a:p>
+        </p:txBody>
+      </p:sp>
+      <p:sp>
+        <p:nvSpPr>
+          <p:cNvPr id="4" name="슬라이드 번호 개체 틀 3"/>
+          <p:cNvSpPr>
+            <a:spLocks noGrp="1"/>
+          </p:cNvSpPr>
+          <p:nvPr>
+            <p:ph type="sldNum" sz="quarter" idx="5"/>
+          </p:nvPr>
+        </p:nvSpPr>
+        <p:spPr/>
+        <p:txBody>
+          <a:bodyPr/>
+          <a:lstStyle/>
+          <a:p>
+            <a:fld id="{C7D1C44E-14C5-4047-905B-19D9AA244188}" type="slidenum">
+              <a:rPr kumimoji="1" lang="ko-KR" altLang="en-US" smtClean="0"/>
+              <a:t>12</a:t>
+            </a:fld>
+            <a:endParaRPr kumimoji="1" lang="ko-KR" altLang="en-US"/>
+          </a:p>
+        </p:txBody>
+      </p:sp>
+    </p:spTree>
+    <p:extLst>
+      <p:ext uri="{BB962C8B-B14F-4D97-AF65-F5344CB8AC3E}">
+        <p14:creationId xmlns:p14="http://schemas.microsoft.com/office/powerpoint/2010/main" val="4203138174"/>
+      </p:ext>
+    </p:extLst>
+  </p:cSld>
+  <p:clrMapOvr>
+    <a:masterClrMapping/>
+  </p:clrMapOvr>
+</p:notes>
+</file>
+
 <file path=ppt/slideLayouts/slideLayout1.xml><?xml version="1.0" encoding="utf-8"?>
 <p:sldLayout xmlns:a="http://schemas.openxmlformats.org/drawingml/2006/main" xmlns:r="http://schemas.openxmlformats.org/officeDocument/2006/relationships" xmlns:p="http://schemas.openxmlformats.org/presentationml/2006/main" type="title" preserve="1">
   <p:cSld name="제목 슬라이드">
@@ -961,7 +1051,7 @@
           <a:p>
             <a:fld id="{B2310862-A932-4A4D-BE7A-7832C8DBE490}" type="datetimeFigureOut">
               <a:rPr kumimoji="1" lang="ko-KR" altLang="en-US" smtClean="0"/>
-              <a:t>2025. 3. 30.</a:t>
+              <a:t>2025. 4. 10.</a:t>
             </a:fld>
             <a:endParaRPr kumimoji="1" lang="ko-KR" altLang="en-US"/>
           </a:p>
@@ -1131,7 +1221,7 @@
           <a:p>
             <a:fld id="{B2310862-A932-4A4D-BE7A-7832C8DBE490}" type="datetimeFigureOut">
               <a:rPr kumimoji="1" lang="ko-KR" altLang="en-US" smtClean="0"/>
-              <a:t>2025. 3. 30.</a:t>
+              <a:t>2025. 4. 10.</a:t>
             </a:fld>
             <a:endParaRPr kumimoji="1" lang="ko-KR" altLang="en-US"/>
           </a:p>
@@ -1311,7 +1401,7 @@
           <a:p>
             <a:fld id="{B2310862-A932-4A4D-BE7A-7832C8DBE490}" type="datetimeFigureOut">
               <a:rPr kumimoji="1" lang="ko-KR" altLang="en-US" smtClean="0"/>
-              <a:t>2025. 3. 30.</a:t>
+              <a:t>2025. 4. 10.</a:t>
             </a:fld>
             <a:endParaRPr kumimoji="1" lang="ko-KR" altLang="en-US"/>
           </a:p>
@@ -1481,7 +1571,7 @@
           <a:p>
             <a:fld id="{B2310862-A932-4A4D-BE7A-7832C8DBE490}" type="datetimeFigureOut">
               <a:rPr kumimoji="1" lang="ko-KR" altLang="en-US" smtClean="0"/>
-              <a:t>2025. 3. 30.</a:t>
+              <a:t>2025. 4. 10.</a:t>
             </a:fld>
             <a:endParaRPr kumimoji="1" lang="ko-KR" altLang="en-US"/>
           </a:p>
@@ -1727,7 +1817,7 @@
           <a:p>
             <a:fld id="{B2310862-A932-4A4D-BE7A-7832C8DBE490}" type="datetimeFigureOut">
               <a:rPr kumimoji="1" lang="ko-KR" altLang="en-US" smtClean="0"/>
-              <a:t>2025. 3. 30.</a:t>
+              <a:t>2025. 4. 10.</a:t>
             </a:fld>
             <a:endParaRPr kumimoji="1" lang="ko-KR" altLang="en-US"/>
           </a:p>
@@ -1959,7 +2049,7 @@
           <a:p>
             <a:fld id="{B2310862-A932-4A4D-BE7A-7832C8DBE490}" type="datetimeFigureOut">
               <a:rPr kumimoji="1" lang="ko-KR" altLang="en-US" smtClean="0"/>
-              <a:t>2025. 3. 30.</a:t>
+              <a:t>2025. 4. 10.</a:t>
             </a:fld>
             <a:endParaRPr kumimoji="1" lang="ko-KR" altLang="en-US"/>
           </a:p>
@@ -2326,7 +2416,7 @@
           <a:p>
             <a:fld id="{B2310862-A932-4A4D-BE7A-7832C8DBE490}" type="datetimeFigureOut">
               <a:rPr kumimoji="1" lang="ko-KR" altLang="en-US" smtClean="0"/>
-              <a:t>2025. 3. 30.</a:t>
+              <a:t>2025. 4. 10.</a:t>
             </a:fld>
             <a:endParaRPr kumimoji="1" lang="ko-KR" altLang="en-US"/>
           </a:p>
@@ -2444,7 +2534,7 @@
           <a:p>
             <a:fld id="{B2310862-A932-4A4D-BE7A-7832C8DBE490}" type="datetimeFigureOut">
               <a:rPr kumimoji="1" lang="ko-KR" altLang="en-US" smtClean="0"/>
-              <a:t>2025. 3. 30.</a:t>
+              <a:t>2025. 4. 10.</a:t>
             </a:fld>
             <a:endParaRPr kumimoji="1" lang="ko-KR" altLang="en-US"/>
           </a:p>
@@ -2539,7 +2629,7 @@
           <a:p>
             <a:fld id="{B2310862-A932-4A4D-BE7A-7832C8DBE490}" type="datetimeFigureOut">
               <a:rPr kumimoji="1" lang="ko-KR" altLang="en-US" smtClean="0"/>
-              <a:t>2025. 3. 30.</a:t>
+              <a:t>2025. 4. 10.</a:t>
             </a:fld>
             <a:endParaRPr kumimoji="1" lang="ko-KR" altLang="en-US"/>
           </a:p>
@@ -2816,7 +2906,7 @@
           <a:p>
             <a:fld id="{B2310862-A932-4A4D-BE7A-7832C8DBE490}" type="datetimeFigureOut">
               <a:rPr kumimoji="1" lang="ko-KR" altLang="en-US" smtClean="0"/>
-              <a:t>2025. 3. 30.</a:t>
+              <a:t>2025. 4. 10.</a:t>
             </a:fld>
             <a:endParaRPr kumimoji="1" lang="ko-KR" altLang="en-US"/>
           </a:p>
@@ -3073,7 +3163,7 @@
           <a:p>
             <a:fld id="{B2310862-A932-4A4D-BE7A-7832C8DBE490}" type="datetimeFigureOut">
               <a:rPr kumimoji="1" lang="ko-KR" altLang="en-US" smtClean="0"/>
-              <a:t>2025. 3. 30.</a:t>
+              <a:t>2025. 4. 10.</a:t>
             </a:fld>
             <a:endParaRPr kumimoji="1" lang="ko-KR" altLang="en-US"/>
           </a:p>
@@ -3286,7 +3376,7 @@
           <a:p>
             <a:fld id="{B2310862-A932-4A4D-BE7A-7832C8DBE490}" type="datetimeFigureOut">
               <a:rPr kumimoji="1" lang="ko-KR" altLang="en-US" smtClean="0"/>
-              <a:t>2025. 3. 30.</a:t>
+              <a:t>2025. 4. 10.</a:t>
             </a:fld>
             <a:endParaRPr kumimoji="1" lang="ko-KR" altLang="en-US"/>
           </a:p>
@@ -13789,6 +13879,5536 @@
     <p:extLst>
       <p:ext uri="{BB962C8B-B14F-4D97-AF65-F5344CB8AC3E}">
         <p14:creationId xmlns:p14="http://schemas.microsoft.com/office/powerpoint/2010/main" val="191943867"/>
+      </p:ext>
+    </p:extLst>
+  </p:cSld>
+  <p:clrMapOvr>
+    <a:masterClrMapping/>
+  </p:clrMapOvr>
+</p:sld>
+</file>
+
+<file path=ppt/slides/slide12.xml><?xml version="1.0" encoding="utf-8"?>
+<p:sld xmlns:a="http://schemas.openxmlformats.org/drawingml/2006/main" xmlns:r="http://schemas.openxmlformats.org/officeDocument/2006/relationships" xmlns:p="http://schemas.openxmlformats.org/presentationml/2006/main">
+  <p:cSld>
+    <p:spTree>
+      <p:nvGrpSpPr>
+        <p:cNvPr id="1" name=""/>
+        <p:cNvGrpSpPr/>
+        <p:nvPr/>
+      </p:nvGrpSpPr>
+      <p:grpSpPr>
+        <a:xfrm>
+          <a:off x="0" y="0"/>
+          <a:ext cx="0" cy="0"/>
+          <a:chOff x="0" y="0"/>
+          <a:chExt cx="0" cy="0"/>
+        </a:xfrm>
+      </p:grpSpPr>
+      <p:sp>
+        <p:nvSpPr>
+          <p:cNvPr id="3" name="직사각형 2">
+            <a:extLst>
+              <a:ext uri="{FF2B5EF4-FFF2-40B4-BE49-F238E27FC236}">
+                <a16:creationId xmlns:a16="http://schemas.microsoft.com/office/drawing/2014/main" id="{61A289DC-1A35-D34B-1B1E-309667CD0220}"/>
+              </a:ext>
+            </a:extLst>
+          </p:cNvPr>
+          <p:cNvSpPr/>
+          <p:nvPr/>
+        </p:nvSpPr>
+        <p:spPr>
+          <a:xfrm>
+            <a:off x="14586452" y="4719065"/>
+            <a:ext cx="1275193" cy="703246"/>
+          </a:xfrm>
+          <a:prstGeom prst="rect">
+            <a:avLst/>
+          </a:prstGeom>
+          <a:solidFill>
+            <a:srgbClr val="60A436">
+              <a:alpha val="13000"/>
+            </a:srgbClr>
+          </a:solidFill>
+          <a:ln>
+            <a:noFill/>
+            <a:prstDash val="sysDash"/>
+          </a:ln>
+        </p:spPr>
+        <p:style>
+          <a:lnRef idx="2">
+            <a:schemeClr val="accent1">
+              <a:shade val="15000"/>
+            </a:schemeClr>
+          </a:lnRef>
+          <a:fillRef idx="1">
+            <a:schemeClr val="accent1"/>
+          </a:fillRef>
+          <a:effectRef idx="0">
+            <a:schemeClr val="accent1"/>
+          </a:effectRef>
+          <a:fontRef idx="minor">
+            <a:schemeClr val="lt1"/>
+          </a:fontRef>
+        </p:style>
+        <p:txBody>
+          <a:bodyPr rtlCol="0" anchor="ctr"/>
+          <a:lstStyle/>
+          <a:p>
+            <a:pPr algn="ctr"/>
+            <a:endParaRPr kumimoji="1" lang="ko-KR" altLang="en-US" sz="900"/>
+          </a:p>
+        </p:txBody>
+      </p:sp>
+      <p:sp>
+        <p:nvSpPr>
+          <p:cNvPr id="1322" name="직사각형 1321">
+            <a:extLst>
+              <a:ext uri="{FF2B5EF4-FFF2-40B4-BE49-F238E27FC236}">
+                <a16:creationId xmlns:a16="http://schemas.microsoft.com/office/drawing/2014/main" id="{31038B88-F7AE-43D2-3A38-0859B8072AF2}"/>
+              </a:ext>
+            </a:extLst>
+          </p:cNvPr>
+          <p:cNvSpPr/>
+          <p:nvPr/>
+        </p:nvSpPr>
+        <p:spPr>
+          <a:xfrm>
+            <a:off x="8810325" y="3044668"/>
+            <a:ext cx="1345941" cy="4702098"/>
+          </a:xfrm>
+          <a:prstGeom prst="rect">
+            <a:avLst/>
+          </a:prstGeom>
+          <a:solidFill>
+            <a:srgbClr val="D82C6C">
+              <a:alpha val="13000"/>
+            </a:srgbClr>
+          </a:solidFill>
+          <a:ln>
+            <a:noFill/>
+            <a:prstDash val="sysDash"/>
+          </a:ln>
+        </p:spPr>
+        <p:style>
+          <a:lnRef idx="2">
+            <a:schemeClr val="accent1">
+              <a:shade val="15000"/>
+            </a:schemeClr>
+          </a:lnRef>
+          <a:fillRef idx="1">
+            <a:schemeClr val="accent1"/>
+          </a:fillRef>
+          <a:effectRef idx="0">
+            <a:schemeClr val="accent1"/>
+          </a:effectRef>
+          <a:fontRef idx="minor">
+            <a:schemeClr val="lt1"/>
+          </a:fontRef>
+        </p:style>
+        <p:txBody>
+          <a:bodyPr rtlCol="0" anchor="ctr"/>
+          <a:lstStyle/>
+          <a:p>
+            <a:pPr algn="ctr"/>
+            <a:endParaRPr kumimoji="1" lang="ko-KR" altLang="en-US" sz="900"/>
+          </a:p>
+        </p:txBody>
+      </p:sp>
+      <p:sp>
+        <p:nvSpPr>
+          <p:cNvPr id="1315" name="직사각형 1314">
+            <a:extLst>
+              <a:ext uri="{FF2B5EF4-FFF2-40B4-BE49-F238E27FC236}">
+                <a16:creationId xmlns:a16="http://schemas.microsoft.com/office/drawing/2014/main" id="{C6426C93-F7E6-94F0-C6F7-9E3EB42582BD}"/>
+              </a:ext>
+            </a:extLst>
+          </p:cNvPr>
+          <p:cNvSpPr/>
+          <p:nvPr/>
+        </p:nvSpPr>
+        <p:spPr>
+          <a:xfrm>
+            <a:off x="10980342" y="3831024"/>
+            <a:ext cx="1789747" cy="3918368"/>
+          </a:xfrm>
+          <a:prstGeom prst="rect">
+            <a:avLst/>
+          </a:prstGeom>
+          <a:solidFill>
+            <a:srgbClr val="EB7D0B">
+              <a:alpha val="11000"/>
+            </a:srgbClr>
+          </a:solidFill>
+          <a:ln>
+            <a:noFill/>
+            <a:prstDash val="sysDash"/>
+          </a:ln>
+        </p:spPr>
+        <p:style>
+          <a:lnRef idx="2">
+            <a:schemeClr val="accent1">
+              <a:shade val="15000"/>
+            </a:schemeClr>
+          </a:lnRef>
+          <a:fillRef idx="1">
+            <a:schemeClr val="accent1"/>
+          </a:fillRef>
+          <a:effectRef idx="0">
+            <a:schemeClr val="accent1"/>
+          </a:effectRef>
+          <a:fontRef idx="minor">
+            <a:schemeClr val="lt1"/>
+          </a:fontRef>
+        </p:style>
+        <p:txBody>
+          <a:bodyPr rtlCol="0" anchor="ctr"/>
+          <a:lstStyle/>
+          <a:p>
+            <a:pPr algn="ctr"/>
+            <a:endParaRPr kumimoji="1" lang="ko-KR" altLang="en-US" sz="900" dirty="0"/>
+          </a:p>
+        </p:txBody>
+      </p:sp>
+      <p:pic>
+        <p:nvPicPr>
+          <p:cNvPr id="18" name="그림 17">
+            <a:extLst>
+              <a:ext uri="{FF2B5EF4-FFF2-40B4-BE49-F238E27FC236}">
+                <a16:creationId xmlns:a16="http://schemas.microsoft.com/office/drawing/2014/main" id="{E4E2557D-5953-C1A9-118E-BEB9C692C0BE}"/>
+              </a:ext>
+            </a:extLst>
+          </p:cNvPr>
+          <p:cNvPicPr>
+            <a:picLocks noChangeAspect="1"/>
+          </p:cNvPicPr>
+          <p:nvPr/>
+        </p:nvPicPr>
+        <p:blipFill>
+          <a:blip r:embed="rId3"/>
+          <a:stretch>
+            <a:fillRect/>
+          </a:stretch>
+        </p:blipFill>
+        <p:spPr>
+          <a:xfrm>
+            <a:off x="16563649" y="5802659"/>
+            <a:ext cx="465429" cy="465429"/>
+          </a:xfrm>
+          <a:prstGeom prst="rect">
+            <a:avLst/>
+          </a:prstGeom>
+        </p:spPr>
+      </p:pic>
+      <p:sp>
+        <p:nvSpPr>
+          <p:cNvPr id="19" name="제목 1">
+            <a:extLst>
+              <a:ext uri="{FF2B5EF4-FFF2-40B4-BE49-F238E27FC236}">
+                <a16:creationId xmlns:a16="http://schemas.microsoft.com/office/drawing/2014/main" id="{43B19051-C4DB-2973-13E0-26D3E5B051C2}"/>
+              </a:ext>
+            </a:extLst>
+          </p:cNvPr>
+          <p:cNvSpPr txBox="1">
+            <a:spLocks/>
+          </p:cNvSpPr>
+          <p:nvPr/>
+        </p:nvSpPr>
+        <p:spPr>
+          <a:xfrm>
+            <a:off x="16362031" y="6245750"/>
+            <a:ext cx="869150" cy="267998"/>
+          </a:xfrm>
+          <a:prstGeom prst="rect">
+            <a:avLst/>
+          </a:prstGeom>
+        </p:spPr>
+        <p:txBody>
+          <a:bodyPr vert="horz" lIns="91440" tIns="45720" rIns="91440" bIns="45720" rtlCol="0" anchor="ctr">
+            <a:normAutofit/>
+          </a:bodyPr>
+          <a:lstStyle>
+            <a:lvl1pPr algn="l" defTabSz="914400" rtl="0" eaLnBrk="1" latinLnBrk="1" hangingPunct="1">
+              <a:lnSpc>
+                <a:spcPct val="90000"/>
+              </a:lnSpc>
+              <a:spcBef>
+                <a:spcPct val="0"/>
+              </a:spcBef>
+              <a:buNone/>
+              <a:defRPr sz="4400" kern="1200">
+                <a:solidFill>
+                  <a:schemeClr val="tx1"/>
+                </a:solidFill>
+                <a:latin typeface="+mj-lt"/>
+                <a:ea typeface="+mj-ea"/>
+                <a:cs typeface="+mj-cs"/>
+              </a:defRPr>
+            </a:lvl1pPr>
+          </a:lstStyle>
+          <a:p>
+            <a:pPr algn="ctr"/>
+            <a:r>
+              <a:rPr kumimoji="1" lang="en-US" altLang="ko-KR" sz="900" b="1" dirty="0">
+                <a:latin typeface="KoPubWorldDotum Bold" pitchFamily="2" charset="-127"/>
+                <a:ea typeface="KoPubWorldDotum Bold" pitchFamily="2" charset="-127"/>
+                <a:cs typeface="KoPubWorldDotum Bold" pitchFamily="2" charset="-127"/>
+              </a:rPr>
+              <a:t>DynamoDB</a:t>
+            </a:r>
+            <a:endParaRPr kumimoji="1" lang="ko-KR" altLang="en-US" sz="900" b="1" dirty="0">
+              <a:latin typeface="KoPubWorldDotum Bold" pitchFamily="2" charset="-127"/>
+              <a:ea typeface="KoPubWorldDotum Bold" pitchFamily="2" charset="-127"/>
+              <a:cs typeface="KoPubWorldDotum Bold" pitchFamily="2" charset="-127"/>
+            </a:endParaRPr>
+          </a:p>
+        </p:txBody>
+      </p:sp>
+      <p:pic>
+        <p:nvPicPr>
+          <p:cNvPr id="63" name="그림 62">
+            <a:extLst>
+              <a:ext uri="{FF2B5EF4-FFF2-40B4-BE49-F238E27FC236}">
+                <a16:creationId xmlns:a16="http://schemas.microsoft.com/office/drawing/2014/main" id="{30AA3DF9-0C34-53E0-3770-48ED28E21865}"/>
+              </a:ext>
+            </a:extLst>
+          </p:cNvPr>
+          <p:cNvPicPr>
+            <a:picLocks noChangeAspect="1"/>
+          </p:cNvPicPr>
+          <p:nvPr/>
+        </p:nvPicPr>
+        <p:blipFill>
+          <a:blip r:embed="rId4"/>
+          <a:stretch>
+            <a:fillRect/>
+          </a:stretch>
+        </p:blipFill>
+        <p:spPr>
+          <a:xfrm>
+            <a:off x="17953918" y="5985025"/>
+            <a:ext cx="462142" cy="462142"/>
+          </a:xfrm>
+          <a:prstGeom prst="rect">
+            <a:avLst/>
+          </a:prstGeom>
+        </p:spPr>
+      </p:pic>
+      <p:cxnSp>
+        <p:nvCxnSpPr>
+          <p:cNvPr id="32" name="직선 화살표 연결선 31">
+            <a:extLst>
+              <a:ext uri="{FF2B5EF4-FFF2-40B4-BE49-F238E27FC236}">
+                <a16:creationId xmlns:a16="http://schemas.microsoft.com/office/drawing/2014/main" id="{9C4C48DA-AB9C-66CF-5BC3-E8C3AB5FEC45}"/>
+              </a:ext>
+            </a:extLst>
+          </p:cNvPr>
+          <p:cNvCxnSpPr>
+            <a:cxnSpLocks/>
+            <a:stCxn id="39" idx="1"/>
+          </p:cNvCxnSpPr>
+          <p:nvPr/>
+        </p:nvCxnSpPr>
+        <p:spPr>
+          <a:xfrm flipH="1">
+            <a:off x="3353565" y="5729476"/>
+            <a:ext cx="353623" cy="2330"/>
+          </a:xfrm>
+          <a:prstGeom prst="straightConnector1">
+            <a:avLst/>
+          </a:prstGeom>
+          <a:ln>
+            <a:headEnd type="none" w="med" len="med"/>
+            <a:tailEnd type="none" w="med" len="med"/>
+          </a:ln>
+        </p:spPr>
+        <p:style>
+          <a:lnRef idx="2">
+            <a:schemeClr val="accent1"/>
+          </a:lnRef>
+          <a:fillRef idx="0">
+            <a:schemeClr val="accent1"/>
+          </a:fillRef>
+          <a:effectRef idx="1">
+            <a:schemeClr val="accent1"/>
+          </a:effectRef>
+          <a:fontRef idx="minor">
+            <a:schemeClr val="tx1"/>
+          </a:fontRef>
+        </p:style>
+      </p:cxnSp>
+      <p:pic>
+        <p:nvPicPr>
+          <p:cNvPr id="33" name="그림 32">
+            <a:extLst>
+              <a:ext uri="{FF2B5EF4-FFF2-40B4-BE49-F238E27FC236}">
+                <a16:creationId xmlns:a16="http://schemas.microsoft.com/office/drawing/2014/main" id="{299B75B5-D8F0-18BC-D6BE-E676585A616C}"/>
+              </a:ext>
+            </a:extLst>
+          </p:cNvPr>
+          <p:cNvPicPr>
+            <a:picLocks noChangeAspect="1"/>
+          </p:cNvPicPr>
+          <p:nvPr/>
+        </p:nvPicPr>
+        <p:blipFill>
+          <a:blip r:embed="rId5">
+            <a:alphaModFix/>
+          </a:blip>
+          <a:stretch>
+            <a:fillRect/>
+          </a:stretch>
+        </p:blipFill>
+        <p:spPr>
+          <a:xfrm>
+            <a:off x="4858047" y="5498166"/>
+            <a:ext cx="462143" cy="462143"/>
+          </a:xfrm>
+          <a:prstGeom prst="rect">
+            <a:avLst/>
+          </a:prstGeom>
+        </p:spPr>
+      </p:pic>
+      <p:sp>
+        <p:nvSpPr>
+          <p:cNvPr id="37" name="제목 1">
+            <a:extLst>
+              <a:ext uri="{FF2B5EF4-FFF2-40B4-BE49-F238E27FC236}">
+                <a16:creationId xmlns:a16="http://schemas.microsoft.com/office/drawing/2014/main" id="{4883C4EB-69F2-7707-5907-D402594B4B41}"/>
+              </a:ext>
+            </a:extLst>
+          </p:cNvPr>
+          <p:cNvSpPr txBox="1">
+            <a:spLocks/>
+          </p:cNvSpPr>
+          <p:nvPr/>
+        </p:nvSpPr>
+        <p:spPr>
+          <a:xfrm>
+            <a:off x="4469992" y="5955184"/>
+            <a:ext cx="1260673" cy="267998"/>
+          </a:xfrm>
+          <a:prstGeom prst="rect">
+            <a:avLst/>
+          </a:prstGeom>
+        </p:spPr>
+        <p:txBody>
+          <a:bodyPr vert="horz" lIns="91440" tIns="45720" rIns="91440" bIns="45720" rtlCol="0" anchor="ctr">
+            <a:normAutofit/>
+          </a:bodyPr>
+          <a:lstStyle>
+            <a:lvl1pPr algn="l" defTabSz="914400" rtl="0" eaLnBrk="1" latinLnBrk="1" hangingPunct="1">
+              <a:lnSpc>
+                <a:spcPct val="90000"/>
+              </a:lnSpc>
+              <a:spcBef>
+                <a:spcPct val="0"/>
+              </a:spcBef>
+              <a:buNone/>
+              <a:defRPr sz="4400" kern="1200">
+                <a:solidFill>
+                  <a:schemeClr val="tx1"/>
+                </a:solidFill>
+                <a:latin typeface="+mj-lt"/>
+                <a:ea typeface="+mj-ea"/>
+                <a:cs typeface="+mj-cs"/>
+              </a:defRPr>
+            </a:lvl1pPr>
+          </a:lstStyle>
+          <a:p>
+            <a:pPr algn="ctr"/>
+            <a:r>
+              <a:rPr kumimoji="1" lang="en-US" altLang="ko-KR" sz="900" b="1" dirty="0">
+                <a:latin typeface="KoPubWorldDotum Bold" pitchFamily="2" charset="-127"/>
+                <a:ea typeface="KoPubWorldDotum Bold" pitchFamily="2" charset="-127"/>
+                <a:cs typeface="KoPubWorldDotum Bold" pitchFamily="2" charset="-127"/>
+              </a:rPr>
+              <a:t>CloudFront</a:t>
+            </a:r>
+            <a:endParaRPr kumimoji="1" lang="ko-KR" altLang="en-US" sz="900" b="1" dirty="0">
+              <a:latin typeface="KoPubWorldDotum Bold" pitchFamily="2" charset="-127"/>
+              <a:ea typeface="KoPubWorldDotum Bold" pitchFamily="2" charset="-127"/>
+              <a:cs typeface="KoPubWorldDotum Bold" pitchFamily="2" charset="-127"/>
+            </a:endParaRPr>
+          </a:p>
+        </p:txBody>
+      </p:sp>
+      <p:pic>
+        <p:nvPicPr>
+          <p:cNvPr id="38" name="그래픽 37" descr="사용자 단색으로 채워진">
+            <a:extLst>
+              <a:ext uri="{FF2B5EF4-FFF2-40B4-BE49-F238E27FC236}">
+                <a16:creationId xmlns:a16="http://schemas.microsoft.com/office/drawing/2014/main" id="{3CCFFB7A-B116-AF77-980D-C90D7C5B0E09}"/>
+              </a:ext>
+            </a:extLst>
+          </p:cNvPr>
+          <p:cNvPicPr>
+            <a:picLocks noChangeAspect="1"/>
+          </p:cNvPicPr>
+          <p:nvPr/>
+        </p:nvPicPr>
+        <p:blipFill>
+          <a:blip r:embed="rId6">
+            <a:extLst>
+              <a:ext uri="{96DAC541-7B7A-43D3-8B79-37D633B846F1}">
+                <asvg:svgBlip xmlns:asvg="http://schemas.microsoft.com/office/drawing/2016/SVG/main" r:embed="rId7"/>
+              </a:ext>
+            </a:extLst>
+          </a:blip>
+          <a:stretch>
+            <a:fillRect/>
+          </a:stretch>
+        </p:blipFill>
+        <p:spPr>
+          <a:xfrm>
+            <a:off x="2625556" y="5383806"/>
+            <a:ext cx="754027" cy="754027"/>
+          </a:xfrm>
+          <a:prstGeom prst="rect">
+            <a:avLst/>
+          </a:prstGeom>
+        </p:spPr>
+      </p:pic>
+      <p:pic>
+        <p:nvPicPr>
+          <p:cNvPr id="39" name="그림 38">
+            <a:extLst>
+              <a:ext uri="{FF2B5EF4-FFF2-40B4-BE49-F238E27FC236}">
+                <a16:creationId xmlns:a16="http://schemas.microsoft.com/office/drawing/2014/main" id="{4ECCA4A3-4896-020A-6E1B-A5C0CABA7AB0}"/>
+              </a:ext>
+            </a:extLst>
+          </p:cNvPr>
+          <p:cNvPicPr>
+            <a:picLocks noChangeAspect="1"/>
+          </p:cNvPicPr>
+          <p:nvPr/>
+        </p:nvPicPr>
+        <p:blipFill>
+          <a:blip r:embed="rId8">
+            <a:alphaModFix amt="35000"/>
+          </a:blip>
+          <a:stretch>
+            <a:fillRect/>
+          </a:stretch>
+        </p:blipFill>
+        <p:spPr>
+          <a:xfrm>
+            <a:off x="3707188" y="5503401"/>
+            <a:ext cx="452150" cy="452150"/>
+          </a:xfrm>
+          <a:prstGeom prst="rect">
+            <a:avLst/>
+          </a:prstGeom>
+        </p:spPr>
+      </p:pic>
+      <p:sp>
+        <p:nvSpPr>
+          <p:cNvPr id="40" name="제목 1">
+            <a:extLst>
+              <a:ext uri="{FF2B5EF4-FFF2-40B4-BE49-F238E27FC236}">
+                <a16:creationId xmlns:a16="http://schemas.microsoft.com/office/drawing/2014/main" id="{D265A0A2-EE38-19E6-4AB8-846CED18BE20}"/>
+              </a:ext>
+            </a:extLst>
+          </p:cNvPr>
+          <p:cNvSpPr txBox="1">
+            <a:spLocks/>
+          </p:cNvSpPr>
+          <p:nvPr/>
+        </p:nvSpPr>
+        <p:spPr>
+          <a:xfrm>
+            <a:off x="3450497" y="5949554"/>
+            <a:ext cx="967879" cy="267998"/>
+          </a:xfrm>
+          <a:prstGeom prst="rect">
+            <a:avLst/>
+          </a:prstGeom>
+        </p:spPr>
+        <p:txBody>
+          <a:bodyPr vert="horz" lIns="91440" tIns="45720" rIns="91440" bIns="45720" rtlCol="0" anchor="ctr">
+            <a:normAutofit/>
+          </a:bodyPr>
+          <a:lstStyle>
+            <a:lvl1pPr algn="l" defTabSz="914400" rtl="0" eaLnBrk="1" latinLnBrk="1" hangingPunct="1">
+              <a:lnSpc>
+                <a:spcPct val="90000"/>
+              </a:lnSpc>
+              <a:spcBef>
+                <a:spcPct val="0"/>
+              </a:spcBef>
+              <a:buNone/>
+              <a:defRPr sz="4400" kern="1200">
+                <a:solidFill>
+                  <a:schemeClr val="tx1"/>
+                </a:solidFill>
+                <a:latin typeface="+mj-lt"/>
+                <a:ea typeface="+mj-ea"/>
+                <a:cs typeface="+mj-cs"/>
+              </a:defRPr>
+            </a:lvl1pPr>
+          </a:lstStyle>
+          <a:p>
+            <a:pPr algn="ctr"/>
+            <a:r>
+              <a:rPr kumimoji="1" lang="en-US" altLang="ko-KR" sz="900" b="1" dirty="0">
+                <a:latin typeface="KoPubWorldDotum Bold" pitchFamily="2" charset="-127"/>
+                <a:ea typeface="KoPubWorldDotum Bold" pitchFamily="2" charset="-127"/>
+                <a:cs typeface="KoPubWorldDotum Bold" pitchFamily="2" charset="-127"/>
+              </a:rPr>
+              <a:t>Route 53</a:t>
+            </a:r>
+            <a:endParaRPr kumimoji="1" lang="ko-KR" altLang="en-US" sz="900" b="1" dirty="0">
+              <a:latin typeface="KoPubWorldDotum Bold" pitchFamily="2" charset="-127"/>
+              <a:ea typeface="KoPubWorldDotum Bold" pitchFamily="2" charset="-127"/>
+              <a:cs typeface="KoPubWorldDotum Bold" pitchFamily="2" charset="-127"/>
+            </a:endParaRPr>
+          </a:p>
+        </p:txBody>
+      </p:sp>
+      <p:sp>
+        <p:nvSpPr>
+          <p:cNvPr id="48" name="제목 1">
+            <a:extLst>
+              <a:ext uri="{FF2B5EF4-FFF2-40B4-BE49-F238E27FC236}">
+                <a16:creationId xmlns:a16="http://schemas.microsoft.com/office/drawing/2014/main" id="{6666B4EF-DAA2-18A1-C3FB-6AA06B52EA62}"/>
+              </a:ext>
+            </a:extLst>
+          </p:cNvPr>
+          <p:cNvSpPr txBox="1">
+            <a:spLocks/>
+          </p:cNvSpPr>
+          <p:nvPr/>
+        </p:nvSpPr>
+        <p:spPr>
+          <a:xfrm>
+            <a:off x="9008210" y="6778164"/>
+            <a:ext cx="967879" cy="387771"/>
+          </a:xfrm>
+          <a:prstGeom prst="rect">
+            <a:avLst/>
+          </a:prstGeom>
+          <a:solidFill>
+            <a:srgbClr val="156082"/>
+          </a:solidFill>
+        </p:spPr>
+        <p:txBody>
+          <a:bodyPr vert="horz" lIns="91440" tIns="45720" rIns="91440" bIns="45720" rtlCol="0" anchor="ctr">
+            <a:normAutofit/>
+          </a:bodyPr>
+          <a:lstStyle>
+            <a:lvl1pPr algn="l" defTabSz="914400" rtl="0" eaLnBrk="1" latinLnBrk="1" hangingPunct="1">
+              <a:lnSpc>
+                <a:spcPct val="90000"/>
+              </a:lnSpc>
+              <a:spcBef>
+                <a:spcPct val="0"/>
+              </a:spcBef>
+              <a:buNone/>
+              <a:defRPr sz="4400" kern="1200">
+                <a:solidFill>
+                  <a:schemeClr val="tx1"/>
+                </a:solidFill>
+                <a:latin typeface="+mj-lt"/>
+                <a:ea typeface="+mj-ea"/>
+                <a:cs typeface="+mj-cs"/>
+              </a:defRPr>
+            </a:lvl1pPr>
+          </a:lstStyle>
+          <a:p>
+            <a:pPr algn="ctr"/>
+            <a:r>
+              <a:rPr kumimoji="1" lang="en-US" altLang="ko-KR" sz="900" b="1" dirty="0">
+                <a:solidFill>
+                  <a:schemeClr val="bg1"/>
+                </a:solidFill>
+                <a:latin typeface="KoPubWorldDotum Bold" pitchFamily="2" charset="-127"/>
+                <a:ea typeface="KoPubWorldDotum Bold" pitchFamily="2" charset="-127"/>
+                <a:cs typeface="KoPubWorldDotum Bold" pitchFamily="2" charset="-127"/>
+              </a:rPr>
+              <a:t>WS API</a:t>
+            </a:r>
+            <a:endParaRPr kumimoji="1" lang="ko-KR" altLang="en-US" sz="900" b="1" dirty="0">
+              <a:solidFill>
+                <a:schemeClr val="bg1"/>
+              </a:solidFill>
+              <a:latin typeface="KoPubWorldDotum Bold" pitchFamily="2" charset="-127"/>
+              <a:ea typeface="KoPubWorldDotum Bold" pitchFamily="2" charset="-127"/>
+              <a:cs typeface="KoPubWorldDotum Bold" pitchFamily="2" charset="-127"/>
+            </a:endParaRPr>
+          </a:p>
+        </p:txBody>
+      </p:sp>
+      <p:sp>
+        <p:nvSpPr>
+          <p:cNvPr id="1052" name="처리 1051">
+            <a:extLst>
+              <a:ext uri="{FF2B5EF4-FFF2-40B4-BE49-F238E27FC236}">
+                <a16:creationId xmlns:a16="http://schemas.microsoft.com/office/drawing/2014/main" id="{2B3FAD64-4705-E1C2-42FE-94B44868B7B4}"/>
+              </a:ext>
+            </a:extLst>
+          </p:cNvPr>
+          <p:cNvSpPr/>
+          <p:nvPr/>
+        </p:nvSpPr>
+        <p:spPr>
+          <a:xfrm>
+            <a:off x="11297835" y="6556678"/>
+            <a:ext cx="1203109" cy="243942"/>
+          </a:xfrm>
+          <a:prstGeom prst="flowChartProcess">
+            <a:avLst/>
+          </a:prstGeom>
+          <a:solidFill>
+            <a:schemeClr val="accent1"/>
+          </a:solidFill>
+          <a:ln>
+            <a:noFill/>
+          </a:ln>
+        </p:spPr>
+        <p:style>
+          <a:lnRef idx="2">
+            <a:schemeClr val="accent1">
+              <a:shade val="15000"/>
+            </a:schemeClr>
+          </a:lnRef>
+          <a:fillRef idx="1">
+            <a:schemeClr val="accent1"/>
+          </a:fillRef>
+          <a:effectRef idx="0">
+            <a:schemeClr val="accent1"/>
+          </a:effectRef>
+          <a:fontRef idx="minor">
+            <a:schemeClr val="lt1"/>
+          </a:fontRef>
+        </p:style>
+        <p:txBody>
+          <a:bodyPr rtlCol="0" anchor="ctr"/>
+          <a:lstStyle/>
+          <a:p>
+            <a:pPr algn="ctr"/>
+            <a:r>
+              <a:rPr kumimoji="1" lang="en-US" altLang="ko-KR" sz="900" b="1" dirty="0">
+                <a:latin typeface="KoPubWorldDotum Bold" pitchFamily="2" charset="-127"/>
+                <a:ea typeface="KoPubWorldDotum Bold" pitchFamily="2" charset="-127"/>
+                <a:cs typeface="KoPubWorldDotum Bold" pitchFamily="2" charset="-127"/>
+              </a:rPr>
+              <a:t>Connect</a:t>
+            </a:r>
+            <a:endParaRPr kumimoji="1" lang="ko-KR" altLang="en-US" sz="900" b="1" dirty="0">
+              <a:latin typeface="KoPubWorldDotum Bold" pitchFamily="2" charset="-127"/>
+              <a:ea typeface="KoPubWorldDotum Bold" pitchFamily="2" charset="-127"/>
+              <a:cs typeface="KoPubWorldDotum Bold" pitchFamily="2" charset="-127"/>
+            </a:endParaRPr>
+          </a:p>
+        </p:txBody>
+      </p:sp>
+      <p:sp>
+        <p:nvSpPr>
+          <p:cNvPr id="1053" name="처리 1052">
+            <a:extLst>
+              <a:ext uri="{FF2B5EF4-FFF2-40B4-BE49-F238E27FC236}">
+                <a16:creationId xmlns:a16="http://schemas.microsoft.com/office/drawing/2014/main" id="{A45DEA1D-9009-4C1F-77FF-51C1DCDF71ED}"/>
+              </a:ext>
+            </a:extLst>
+          </p:cNvPr>
+          <p:cNvSpPr/>
+          <p:nvPr/>
+        </p:nvSpPr>
+        <p:spPr>
+          <a:xfrm>
+            <a:off x="11297835" y="6848158"/>
+            <a:ext cx="1203109" cy="243942"/>
+          </a:xfrm>
+          <a:prstGeom prst="flowChartProcess">
+            <a:avLst/>
+          </a:prstGeom>
+          <a:solidFill>
+            <a:schemeClr val="accent1"/>
+          </a:solidFill>
+          <a:ln>
+            <a:noFill/>
+          </a:ln>
+        </p:spPr>
+        <p:style>
+          <a:lnRef idx="2">
+            <a:schemeClr val="accent1">
+              <a:shade val="15000"/>
+            </a:schemeClr>
+          </a:lnRef>
+          <a:fillRef idx="1">
+            <a:schemeClr val="accent1"/>
+          </a:fillRef>
+          <a:effectRef idx="0">
+            <a:schemeClr val="accent1"/>
+          </a:effectRef>
+          <a:fontRef idx="minor">
+            <a:schemeClr val="lt1"/>
+          </a:fontRef>
+        </p:style>
+        <p:txBody>
+          <a:bodyPr rtlCol="0" anchor="ctr"/>
+          <a:lstStyle/>
+          <a:p>
+            <a:pPr algn="ctr"/>
+            <a:r>
+              <a:rPr kumimoji="1" lang="en-US" altLang="ko-KR" sz="900" b="1" dirty="0" err="1">
+                <a:latin typeface="KoPubWorldDotum Bold" pitchFamily="2" charset="-127"/>
+                <a:ea typeface="KoPubWorldDotum Bold" pitchFamily="2" charset="-127"/>
+                <a:cs typeface="KoPubWorldDotum Bold" pitchFamily="2" charset="-127"/>
+              </a:rPr>
+              <a:t>SendMsg</a:t>
+            </a:r>
+            <a:endParaRPr kumimoji="1" lang="ko-KR" altLang="en-US" sz="900" b="1" dirty="0">
+              <a:latin typeface="KoPubWorldDotum Bold" pitchFamily="2" charset="-127"/>
+              <a:ea typeface="KoPubWorldDotum Bold" pitchFamily="2" charset="-127"/>
+              <a:cs typeface="KoPubWorldDotum Bold" pitchFamily="2" charset="-127"/>
+            </a:endParaRPr>
+          </a:p>
+        </p:txBody>
+      </p:sp>
+      <p:sp>
+        <p:nvSpPr>
+          <p:cNvPr id="1054" name="처리 1053">
+            <a:extLst>
+              <a:ext uri="{FF2B5EF4-FFF2-40B4-BE49-F238E27FC236}">
+                <a16:creationId xmlns:a16="http://schemas.microsoft.com/office/drawing/2014/main" id="{3D678DE6-EA83-F61A-84F9-F9C57880A466}"/>
+              </a:ext>
+            </a:extLst>
+          </p:cNvPr>
+          <p:cNvSpPr/>
+          <p:nvPr/>
+        </p:nvSpPr>
+        <p:spPr>
+          <a:xfrm>
+            <a:off x="11297835" y="7136932"/>
+            <a:ext cx="1203109" cy="243942"/>
+          </a:xfrm>
+          <a:prstGeom prst="flowChartProcess">
+            <a:avLst/>
+          </a:prstGeom>
+          <a:solidFill>
+            <a:schemeClr val="accent1"/>
+          </a:solidFill>
+          <a:ln>
+            <a:noFill/>
+          </a:ln>
+        </p:spPr>
+        <p:style>
+          <a:lnRef idx="2">
+            <a:schemeClr val="accent1">
+              <a:shade val="15000"/>
+            </a:schemeClr>
+          </a:lnRef>
+          <a:fillRef idx="1">
+            <a:schemeClr val="accent1"/>
+          </a:fillRef>
+          <a:effectRef idx="0">
+            <a:schemeClr val="accent1"/>
+          </a:effectRef>
+          <a:fontRef idx="minor">
+            <a:schemeClr val="lt1"/>
+          </a:fontRef>
+        </p:style>
+        <p:txBody>
+          <a:bodyPr rtlCol="0" anchor="ctr"/>
+          <a:lstStyle/>
+          <a:p>
+            <a:pPr algn="ctr"/>
+            <a:r>
+              <a:rPr kumimoji="1" lang="en-US" altLang="ko-KR" sz="900" b="1" dirty="0">
+                <a:latin typeface="KoPubWorldDotum Bold" pitchFamily="2" charset="-127"/>
+                <a:ea typeface="KoPubWorldDotum Bold" pitchFamily="2" charset="-127"/>
+                <a:cs typeface="KoPubWorldDotum Bold" pitchFamily="2" charset="-127"/>
+              </a:rPr>
+              <a:t>Disconnect</a:t>
+            </a:r>
+            <a:endParaRPr kumimoji="1" lang="ko-KR" altLang="en-US" sz="900" b="1" dirty="0">
+              <a:latin typeface="KoPubWorldDotum Bold" pitchFamily="2" charset="-127"/>
+              <a:ea typeface="KoPubWorldDotum Bold" pitchFamily="2" charset="-127"/>
+              <a:cs typeface="KoPubWorldDotum Bold" pitchFamily="2" charset="-127"/>
+            </a:endParaRPr>
+          </a:p>
+        </p:txBody>
+      </p:sp>
+      <p:cxnSp>
+        <p:nvCxnSpPr>
+          <p:cNvPr id="1089" name="직선 화살표 연결선 1088">
+            <a:extLst>
+              <a:ext uri="{FF2B5EF4-FFF2-40B4-BE49-F238E27FC236}">
+                <a16:creationId xmlns:a16="http://schemas.microsoft.com/office/drawing/2014/main" id="{E3317280-D50E-F500-87BA-9D60DB1CFD51}"/>
+              </a:ext>
+            </a:extLst>
+          </p:cNvPr>
+          <p:cNvCxnSpPr>
+            <a:cxnSpLocks/>
+            <a:stCxn id="33" idx="1"/>
+            <a:endCxn id="39" idx="3"/>
+          </p:cNvCxnSpPr>
+          <p:nvPr/>
+        </p:nvCxnSpPr>
+        <p:spPr>
+          <a:xfrm flipH="1">
+            <a:off x="4159338" y="5729238"/>
+            <a:ext cx="698709" cy="238"/>
+          </a:xfrm>
+          <a:prstGeom prst="straightConnector1">
+            <a:avLst/>
+          </a:prstGeom>
+          <a:ln>
+            <a:headEnd type="none" w="med" len="med"/>
+            <a:tailEnd type="none" w="med" len="med"/>
+          </a:ln>
+        </p:spPr>
+        <p:style>
+          <a:lnRef idx="2">
+            <a:schemeClr val="accent1"/>
+          </a:lnRef>
+          <a:fillRef idx="0">
+            <a:schemeClr val="accent1"/>
+          </a:fillRef>
+          <a:effectRef idx="1">
+            <a:schemeClr val="accent1"/>
+          </a:effectRef>
+          <a:fontRef idx="minor">
+            <a:schemeClr val="tx1"/>
+          </a:fontRef>
+        </p:style>
+      </p:cxnSp>
+      <p:sp>
+        <p:nvSpPr>
+          <p:cNvPr id="58" name="제목 1">
+            <a:extLst>
+              <a:ext uri="{FF2B5EF4-FFF2-40B4-BE49-F238E27FC236}">
+                <a16:creationId xmlns:a16="http://schemas.microsoft.com/office/drawing/2014/main" id="{454AAD7C-6AE8-FD86-81B3-FB5018671B41}"/>
+              </a:ext>
+            </a:extLst>
+          </p:cNvPr>
+          <p:cNvSpPr txBox="1">
+            <a:spLocks/>
+          </p:cNvSpPr>
+          <p:nvPr/>
+        </p:nvSpPr>
+        <p:spPr>
+          <a:xfrm>
+            <a:off x="9026531" y="5540586"/>
+            <a:ext cx="967879" cy="387771"/>
+          </a:xfrm>
+          <a:prstGeom prst="rect">
+            <a:avLst/>
+          </a:prstGeom>
+          <a:solidFill>
+            <a:srgbClr val="156082"/>
+          </a:solidFill>
+        </p:spPr>
+        <p:txBody>
+          <a:bodyPr vert="horz" lIns="91440" tIns="45720" rIns="91440" bIns="45720" rtlCol="0" anchor="ctr">
+            <a:normAutofit/>
+          </a:bodyPr>
+          <a:lstStyle>
+            <a:lvl1pPr algn="l" defTabSz="914400" rtl="0" eaLnBrk="1" latinLnBrk="1" hangingPunct="1">
+              <a:lnSpc>
+                <a:spcPct val="90000"/>
+              </a:lnSpc>
+              <a:spcBef>
+                <a:spcPct val="0"/>
+              </a:spcBef>
+              <a:buNone/>
+              <a:defRPr sz="4400" kern="1200">
+                <a:solidFill>
+                  <a:schemeClr val="tx1"/>
+                </a:solidFill>
+                <a:latin typeface="+mj-lt"/>
+                <a:ea typeface="+mj-ea"/>
+                <a:cs typeface="+mj-cs"/>
+              </a:defRPr>
+            </a:lvl1pPr>
+          </a:lstStyle>
+          <a:p>
+            <a:pPr algn="ctr"/>
+            <a:r>
+              <a:rPr kumimoji="1" lang="en-US" altLang="ko-KR" sz="900" b="1" dirty="0">
+                <a:solidFill>
+                  <a:schemeClr val="bg1"/>
+                </a:solidFill>
+                <a:latin typeface="KoPubWorldDotum Bold" pitchFamily="2" charset="-127"/>
+                <a:ea typeface="KoPubWorldDotum Bold" pitchFamily="2" charset="-127"/>
+                <a:cs typeface="KoPubWorldDotum Bold" pitchFamily="2" charset="-127"/>
+              </a:rPr>
+              <a:t>REST API</a:t>
+            </a:r>
+          </a:p>
+          <a:p>
+            <a:pPr algn="ctr"/>
+            <a:r>
+              <a:rPr kumimoji="1" lang="en-US" altLang="ko-KR" sz="900" b="1" dirty="0">
+                <a:solidFill>
+                  <a:schemeClr val="bg1"/>
+                </a:solidFill>
+                <a:latin typeface="KoPubWorldDotum Bold" pitchFamily="2" charset="-127"/>
+                <a:ea typeface="KoPubWorldDotum Bold" pitchFamily="2" charset="-127"/>
+                <a:cs typeface="KoPubWorldDotum Bold" pitchFamily="2" charset="-127"/>
+              </a:rPr>
+              <a:t>(Session)</a:t>
+            </a:r>
+            <a:endParaRPr kumimoji="1" lang="ko-KR" altLang="en-US" sz="900" b="1" dirty="0">
+              <a:solidFill>
+                <a:schemeClr val="bg1"/>
+              </a:solidFill>
+              <a:latin typeface="KoPubWorldDotum Bold" pitchFamily="2" charset="-127"/>
+              <a:ea typeface="KoPubWorldDotum Bold" pitchFamily="2" charset="-127"/>
+              <a:cs typeface="KoPubWorldDotum Bold" pitchFamily="2" charset="-127"/>
+            </a:endParaRPr>
+          </a:p>
+        </p:txBody>
+      </p:sp>
+      <p:cxnSp>
+        <p:nvCxnSpPr>
+          <p:cNvPr id="1029" name="직선 화살표 연결선 1028">
+            <a:extLst>
+              <a:ext uri="{FF2B5EF4-FFF2-40B4-BE49-F238E27FC236}">
+                <a16:creationId xmlns:a16="http://schemas.microsoft.com/office/drawing/2014/main" id="{2289ADC0-8153-C4A0-F4DC-BB74F791A427}"/>
+              </a:ext>
+            </a:extLst>
+          </p:cNvPr>
+          <p:cNvCxnSpPr>
+            <a:cxnSpLocks/>
+            <a:stCxn id="1387" idx="1"/>
+            <a:endCxn id="33" idx="3"/>
+          </p:cNvCxnSpPr>
+          <p:nvPr/>
+        </p:nvCxnSpPr>
+        <p:spPr>
+          <a:xfrm flipH="1">
+            <a:off x="5320190" y="5729137"/>
+            <a:ext cx="452896" cy="101"/>
+          </a:xfrm>
+          <a:prstGeom prst="straightConnector1">
+            <a:avLst/>
+          </a:prstGeom>
+          <a:ln>
+            <a:headEnd type="none" w="med" len="med"/>
+            <a:tailEnd type="none" w="med" len="med"/>
+          </a:ln>
+        </p:spPr>
+        <p:style>
+          <a:lnRef idx="2">
+            <a:schemeClr val="accent1"/>
+          </a:lnRef>
+          <a:fillRef idx="0">
+            <a:schemeClr val="accent1"/>
+          </a:fillRef>
+          <a:effectRef idx="1">
+            <a:schemeClr val="accent1"/>
+          </a:effectRef>
+          <a:fontRef idx="minor">
+            <a:schemeClr val="tx1"/>
+          </a:fontRef>
+        </p:style>
+      </p:cxnSp>
+      <p:sp>
+        <p:nvSpPr>
+          <p:cNvPr id="2" name="처리 1">
+            <a:extLst>
+              <a:ext uri="{FF2B5EF4-FFF2-40B4-BE49-F238E27FC236}">
+                <a16:creationId xmlns:a16="http://schemas.microsoft.com/office/drawing/2014/main" id="{24D94196-81AC-D425-7880-C5EC9596E02E}"/>
+              </a:ext>
+            </a:extLst>
+          </p:cNvPr>
+          <p:cNvSpPr/>
+          <p:nvPr/>
+        </p:nvSpPr>
+        <p:spPr>
+          <a:xfrm>
+            <a:off x="11295954" y="5786800"/>
+            <a:ext cx="1203109" cy="243942"/>
+          </a:xfrm>
+          <a:prstGeom prst="flowChartProcess">
+            <a:avLst/>
+          </a:prstGeom>
+          <a:solidFill>
+            <a:schemeClr val="accent1"/>
+          </a:solidFill>
+          <a:ln>
+            <a:noFill/>
+          </a:ln>
+        </p:spPr>
+        <p:style>
+          <a:lnRef idx="2">
+            <a:schemeClr val="accent1">
+              <a:shade val="15000"/>
+            </a:schemeClr>
+          </a:lnRef>
+          <a:fillRef idx="1">
+            <a:schemeClr val="accent1"/>
+          </a:fillRef>
+          <a:effectRef idx="0">
+            <a:schemeClr val="accent1"/>
+          </a:effectRef>
+          <a:fontRef idx="minor">
+            <a:schemeClr val="lt1"/>
+          </a:fontRef>
+        </p:style>
+        <p:txBody>
+          <a:bodyPr rtlCol="0" anchor="ctr"/>
+          <a:lstStyle/>
+          <a:p>
+            <a:pPr algn="ctr"/>
+            <a:r>
+              <a:rPr kumimoji="1" lang="en-US" altLang="ko-KR" sz="900" b="1" dirty="0" err="1">
+                <a:latin typeface="KoPubWorldDotum Bold" pitchFamily="2" charset="-127"/>
+                <a:ea typeface="KoPubWorldDotum Bold" pitchFamily="2" charset="-127"/>
+                <a:cs typeface="KoPubWorldDotum Bold" pitchFamily="2" charset="-127"/>
+              </a:rPr>
+              <a:t>NewSession</a:t>
+            </a:r>
+            <a:endParaRPr kumimoji="1" lang="ko-KR" altLang="en-US" sz="900" b="1" dirty="0">
+              <a:latin typeface="KoPubWorldDotum Bold" pitchFamily="2" charset="-127"/>
+              <a:ea typeface="KoPubWorldDotum Bold" pitchFamily="2" charset="-127"/>
+              <a:cs typeface="KoPubWorldDotum Bold" pitchFamily="2" charset="-127"/>
+            </a:endParaRPr>
+          </a:p>
+        </p:txBody>
+      </p:sp>
+      <p:sp>
+        <p:nvSpPr>
+          <p:cNvPr id="9" name="처리 8">
+            <a:extLst>
+              <a:ext uri="{FF2B5EF4-FFF2-40B4-BE49-F238E27FC236}">
+                <a16:creationId xmlns:a16="http://schemas.microsoft.com/office/drawing/2014/main" id="{D8114163-093C-360E-6931-8D0B6081B6F4}"/>
+              </a:ext>
+            </a:extLst>
+          </p:cNvPr>
+          <p:cNvSpPr/>
+          <p:nvPr/>
+        </p:nvSpPr>
+        <p:spPr>
+          <a:xfrm>
+            <a:off x="11290273" y="5156885"/>
+            <a:ext cx="1203109" cy="243942"/>
+          </a:xfrm>
+          <a:prstGeom prst="flowChartProcess">
+            <a:avLst/>
+          </a:prstGeom>
+          <a:solidFill>
+            <a:schemeClr val="accent1"/>
+          </a:solidFill>
+          <a:ln>
+            <a:noFill/>
+          </a:ln>
+        </p:spPr>
+        <p:style>
+          <a:lnRef idx="2">
+            <a:schemeClr val="accent1">
+              <a:shade val="15000"/>
+            </a:schemeClr>
+          </a:lnRef>
+          <a:fillRef idx="1">
+            <a:schemeClr val="accent1"/>
+          </a:fillRef>
+          <a:effectRef idx="0">
+            <a:schemeClr val="accent1"/>
+          </a:effectRef>
+          <a:fontRef idx="minor">
+            <a:schemeClr val="lt1"/>
+          </a:fontRef>
+        </p:style>
+        <p:txBody>
+          <a:bodyPr rtlCol="0" anchor="ctr"/>
+          <a:lstStyle/>
+          <a:p>
+            <a:pPr algn="ctr"/>
+            <a:r>
+              <a:rPr kumimoji="1" lang="en-US" altLang="ko-KR" sz="900" b="1" dirty="0" err="1">
+                <a:latin typeface="KoPubWorldDotum Bold" pitchFamily="2" charset="-127"/>
+                <a:ea typeface="KoPubWorldDotum Bold" pitchFamily="2" charset="-127"/>
+                <a:cs typeface="KoPubWorldDotum Bold" pitchFamily="2" charset="-127"/>
+              </a:rPr>
+              <a:t>GetSession</a:t>
+            </a:r>
+            <a:endParaRPr kumimoji="1" lang="ko-KR" altLang="en-US" sz="900" b="1" dirty="0">
+              <a:latin typeface="KoPubWorldDotum Bold" pitchFamily="2" charset="-127"/>
+              <a:ea typeface="KoPubWorldDotum Bold" pitchFamily="2" charset="-127"/>
+              <a:cs typeface="KoPubWorldDotum Bold" pitchFamily="2" charset="-127"/>
+            </a:endParaRPr>
+          </a:p>
+        </p:txBody>
+      </p:sp>
+      <p:sp>
+        <p:nvSpPr>
+          <p:cNvPr id="26" name="처리 25">
+            <a:extLst>
+              <a:ext uri="{FF2B5EF4-FFF2-40B4-BE49-F238E27FC236}">
+                <a16:creationId xmlns:a16="http://schemas.microsoft.com/office/drawing/2014/main" id="{EB7ADC3C-C91C-23BF-988B-06D1300A67FA}"/>
+              </a:ext>
+            </a:extLst>
+          </p:cNvPr>
+          <p:cNvSpPr/>
+          <p:nvPr/>
+        </p:nvSpPr>
+        <p:spPr>
+          <a:xfrm>
+            <a:off x="11295954" y="6094125"/>
+            <a:ext cx="1203109" cy="243942"/>
+          </a:xfrm>
+          <a:prstGeom prst="flowChartProcess">
+            <a:avLst/>
+          </a:prstGeom>
+          <a:solidFill>
+            <a:schemeClr val="accent1"/>
+          </a:solidFill>
+          <a:ln>
+            <a:noFill/>
+          </a:ln>
+        </p:spPr>
+        <p:style>
+          <a:lnRef idx="2">
+            <a:schemeClr val="accent1">
+              <a:shade val="15000"/>
+            </a:schemeClr>
+          </a:lnRef>
+          <a:fillRef idx="1">
+            <a:schemeClr val="accent1"/>
+          </a:fillRef>
+          <a:effectRef idx="0">
+            <a:schemeClr val="accent1"/>
+          </a:effectRef>
+          <a:fontRef idx="minor">
+            <a:schemeClr val="lt1"/>
+          </a:fontRef>
+        </p:style>
+        <p:txBody>
+          <a:bodyPr rtlCol="0" anchor="ctr"/>
+          <a:lstStyle/>
+          <a:p>
+            <a:pPr algn="ctr"/>
+            <a:r>
+              <a:rPr kumimoji="1" lang="en-US" altLang="ko-KR" sz="900" b="1" dirty="0" err="1">
+                <a:latin typeface="KoPubWorldDotum Bold" pitchFamily="2" charset="-127"/>
+                <a:ea typeface="KoPubWorldDotum Bold" pitchFamily="2" charset="-127"/>
+                <a:cs typeface="KoPubWorldDotum Bold" pitchFamily="2" charset="-127"/>
+              </a:rPr>
+              <a:t>DelteSession</a:t>
+            </a:r>
+            <a:endParaRPr kumimoji="1" lang="ko-KR" altLang="en-US" sz="900" b="1" dirty="0">
+              <a:latin typeface="KoPubWorldDotum Bold" pitchFamily="2" charset="-127"/>
+              <a:ea typeface="KoPubWorldDotum Bold" pitchFamily="2" charset="-127"/>
+              <a:cs typeface="KoPubWorldDotum Bold" pitchFamily="2" charset="-127"/>
+            </a:endParaRPr>
+          </a:p>
+        </p:txBody>
+      </p:sp>
+      <p:sp>
+        <p:nvSpPr>
+          <p:cNvPr id="31" name="직사각형 30">
+            <a:extLst>
+              <a:ext uri="{FF2B5EF4-FFF2-40B4-BE49-F238E27FC236}">
+                <a16:creationId xmlns:a16="http://schemas.microsoft.com/office/drawing/2014/main" id="{A713E7F9-51B9-8F73-7862-8A20497AA0F5}"/>
+              </a:ext>
+            </a:extLst>
+          </p:cNvPr>
+          <p:cNvSpPr/>
+          <p:nvPr/>
+        </p:nvSpPr>
+        <p:spPr>
+          <a:xfrm>
+            <a:off x="5601128" y="4619510"/>
+            <a:ext cx="2398096" cy="1782016"/>
+          </a:xfrm>
+          <a:prstGeom prst="rect">
+            <a:avLst/>
+          </a:prstGeom>
+          <a:solidFill>
+            <a:srgbClr val="60A436">
+              <a:alpha val="13000"/>
+            </a:srgbClr>
+          </a:solidFill>
+          <a:ln>
+            <a:noFill/>
+            <a:prstDash val="sysDash"/>
+          </a:ln>
+        </p:spPr>
+        <p:style>
+          <a:lnRef idx="2">
+            <a:schemeClr val="accent1">
+              <a:shade val="15000"/>
+            </a:schemeClr>
+          </a:lnRef>
+          <a:fillRef idx="1">
+            <a:schemeClr val="accent1"/>
+          </a:fillRef>
+          <a:effectRef idx="0">
+            <a:schemeClr val="accent1"/>
+          </a:effectRef>
+          <a:fontRef idx="minor">
+            <a:schemeClr val="lt1"/>
+          </a:fontRef>
+        </p:style>
+        <p:txBody>
+          <a:bodyPr rtlCol="0" anchor="ctr"/>
+          <a:lstStyle/>
+          <a:p>
+            <a:pPr algn="ctr"/>
+            <a:endParaRPr kumimoji="1" lang="ko-KR" altLang="en-US" sz="900" dirty="0"/>
+          </a:p>
+        </p:txBody>
+      </p:sp>
+      <p:pic>
+        <p:nvPicPr>
+          <p:cNvPr id="1057" name="그림 1056">
+            <a:extLst>
+              <a:ext uri="{FF2B5EF4-FFF2-40B4-BE49-F238E27FC236}">
+                <a16:creationId xmlns:a16="http://schemas.microsoft.com/office/drawing/2014/main" id="{CC23FB97-2446-B0EA-050A-B105D2CBAE40}"/>
+              </a:ext>
+            </a:extLst>
+          </p:cNvPr>
+          <p:cNvPicPr>
+            <a:picLocks noChangeAspect="1"/>
+          </p:cNvPicPr>
+          <p:nvPr/>
+        </p:nvPicPr>
+        <p:blipFill>
+          <a:blip r:embed="rId9"/>
+          <a:stretch>
+            <a:fillRect/>
+          </a:stretch>
+        </p:blipFill>
+        <p:spPr>
+          <a:xfrm>
+            <a:off x="6527270" y="6253035"/>
+            <a:ext cx="462142" cy="462142"/>
+          </a:xfrm>
+          <a:prstGeom prst="rect">
+            <a:avLst/>
+          </a:prstGeom>
+        </p:spPr>
+      </p:pic>
+      <p:sp>
+        <p:nvSpPr>
+          <p:cNvPr id="1059" name="제목 1">
+            <a:extLst>
+              <a:ext uri="{FF2B5EF4-FFF2-40B4-BE49-F238E27FC236}">
+                <a16:creationId xmlns:a16="http://schemas.microsoft.com/office/drawing/2014/main" id="{CBEBDBD3-3C67-6B6F-AE99-2105963B4185}"/>
+              </a:ext>
+            </a:extLst>
+          </p:cNvPr>
+          <p:cNvSpPr txBox="1">
+            <a:spLocks/>
+          </p:cNvSpPr>
+          <p:nvPr/>
+        </p:nvSpPr>
+        <p:spPr>
+          <a:xfrm>
+            <a:off x="6269899" y="6729263"/>
+            <a:ext cx="967879" cy="267998"/>
+          </a:xfrm>
+          <a:prstGeom prst="rect">
+            <a:avLst/>
+          </a:prstGeom>
+        </p:spPr>
+        <p:txBody>
+          <a:bodyPr vert="horz" lIns="91440" tIns="45720" rIns="91440" bIns="45720" rtlCol="0" anchor="ctr">
+            <a:normAutofit/>
+          </a:bodyPr>
+          <a:lstStyle>
+            <a:lvl1pPr algn="l" defTabSz="914400" rtl="0" eaLnBrk="1" latinLnBrk="1" hangingPunct="1">
+              <a:lnSpc>
+                <a:spcPct val="90000"/>
+              </a:lnSpc>
+              <a:spcBef>
+                <a:spcPct val="0"/>
+              </a:spcBef>
+              <a:buNone/>
+              <a:defRPr sz="4400" kern="1200">
+                <a:solidFill>
+                  <a:schemeClr val="tx1"/>
+                </a:solidFill>
+                <a:latin typeface="+mj-lt"/>
+                <a:ea typeface="+mj-ea"/>
+                <a:cs typeface="+mj-cs"/>
+              </a:defRPr>
+            </a:lvl1pPr>
+          </a:lstStyle>
+          <a:p>
+            <a:pPr algn="ctr"/>
+            <a:r>
+              <a:rPr kumimoji="1" lang="en-US" altLang="ko-KR" sz="900" b="1" dirty="0">
+                <a:latin typeface="KoPubWorldDotum Bold" pitchFamily="2" charset="-127"/>
+                <a:ea typeface="KoPubWorldDotum Bold" pitchFamily="2" charset="-127"/>
+                <a:cs typeface="KoPubWorldDotum Bold" pitchFamily="2" charset="-127"/>
+              </a:rPr>
+              <a:t>S3</a:t>
+            </a:r>
+            <a:endParaRPr kumimoji="1" lang="ko-KR" altLang="en-US" sz="900" b="1" dirty="0">
+              <a:latin typeface="KoPubWorldDotum Bold" pitchFamily="2" charset="-127"/>
+              <a:ea typeface="KoPubWorldDotum Bold" pitchFamily="2" charset="-127"/>
+              <a:cs typeface="KoPubWorldDotum Bold" pitchFamily="2" charset="-127"/>
+            </a:endParaRPr>
+          </a:p>
+        </p:txBody>
+      </p:sp>
+      <p:pic>
+        <p:nvPicPr>
+          <p:cNvPr id="27" name="그림 26">
+            <a:extLst>
+              <a:ext uri="{FF2B5EF4-FFF2-40B4-BE49-F238E27FC236}">
+                <a16:creationId xmlns:a16="http://schemas.microsoft.com/office/drawing/2014/main" id="{5E9B27B5-6CBC-394E-6287-D2B0D931E509}"/>
+              </a:ext>
+            </a:extLst>
+          </p:cNvPr>
+          <p:cNvPicPr>
+            <a:picLocks noChangeAspect="1"/>
+          </p:cNvPicPr>
+          <p:nvPr/>
+        </p:nvPicPr>
+        <p:blipFill>
+          <a:blip r:embed="rId10"/>
+          <a:stretch>
+            <a:fillRect/>
+          </a:stretch>
+        </p:blipFill>
+        <p:spPr>
+          <a:xfrm>
+            <a:off x="9252633" y="7497814"/>
+            <a:ext cx="461326" cy="461326"/>
+          </a:xfrm>
+          <a:prstGeom prst="rect">
+            <a:avLst/>
+          </a:prstGeom>
+        </p:spPr>
+      </p:pic>
+      <p:sp>
+        <p:nvSpPr>
+          <p:cNvPr id="7" name="처리 6">
+            <a:extLst>
+              <a:ext uri="{FF2B5EF4-FFF2-40B4-BE49-F238E27FC236}">
+                <a16:creationId xmlns:a16="http://schemas.microsoft.com/office/drawing/2014/main" id="{2F58B189-C692-A414-8EA3-4589E9AFC6A9}"/>
+              </a:ext>
+            </a:extLst>
+          </p:cNvPr>
+          <p:cNvSpPr/>
+          <p:nvPr/>
+        </p:nvSpPr>
+        <p:spPr>
+          <a:xfrm>
+            <a:off x="11297835" y="5481227"/>
+            <a:ext cx="1203109" cy="243942"/>
+          </a:xfrm>
+          <a:prstGeom prst="flowChartProcess">
+            <a:avLst/>
+          </a:prstGeom>
+          <a:solidFill>
+            <a:schemeClr val="accent1"/>
+          </a:solidFill>
+          <a:ln>
+            <a:noFill/>
+          </a:ln>
+        </p:spPr>
+        <p:style>
+          <a:lnRef idx="2">
+            <a:schemeClr val="accent1">
+              <a:shade val="15000"/>
+            </a:schemeClr>
+          </a:lnRef>
+          <a:fillRef idx="1">
+            <a:schemeClr val="accent1"/>
+          </a:fillRef>
+          <a:effectRef idx="0">
+            <a:schemeClr val="accent1"/>
+          </a:effectRef>
+          <a:fontRef idx="minor">
+            <a:schemeClr val="lt1"/>
+          </a:fontRef>
+        </p:style>
+        <p:txBody>
+          <a:bodyPr rtlCol="0" anchor="ctr"/>
+          <a:lstStyle/>
+          <a:p>
+            <a:pPr algn="ctr"/>
+            <a:r>
+              <a:rPr kumimoji="1" lang="en-US" altLang="ko-KR" sz="900" b="1" dirty="0" err="1">
+                <a:latin typeface="KoPubWorldDotum Bold" pitchFamily="2" charset="-127"/>
+                <a:ea typeface="KoPubWorldDotum Bold" pitchFamily="2" charset="-127"/>
+                <a:cs typeface="KoPubWorldDotum Bold" pitchFamily="2" charset="-127"/>
+              </a:rPr>
+              <a:t>GetSessionMsg</a:t>
+            </a:r>
+            <a:endParaRPr kumimoji="1" lang="ko-KR" altLang="en-US" sz="900" b="1" dirty="0">
+              <a:latin typeface="KoPubWorldDotum Bold" pitchFamily="2" charset="-127"/>
+              <a:ea typeface="KoPubWorldDotum Bold" pitchFamily="2" charset="-127"/>
+              <a:cs typeface="KoPubWorldDotum Bold" pitchFamily="2" charset="-127"/>
+            </a:endParaRPr>
+          </a:p>
+        </p:txBody>
+      </p:sp>
+      <p:sp>
+        <p:nvSpPr>
+          <p:cNvPr id="1281" name="제목 1">
+            <a:extLst>
+              <a:ext uri="{FF2B5EF4-FFF2-40B4-BE49-F238E27FC236}">
+                <a16:creationId xmlns:a16="http://schemas.microsoft.com/office/drawing/2014/main" id="{FF0CFD82-8918-EA6B-8C9A-567BD293F0F1}"/>
+              </a:ext>
+            </a:extLst>
+          </p:cNvPr>
+          <p:cNvSpPr txBox="1">
+            <a:spLocks/>
+          </p:cNvSpPr>
+          <p:nvPr/>
+        </p:nvSpPr>
+        <p:spPr>
+          <a:xfrm>
+            <a:off x="11505614" y="7966251"/>
+            <a:ext cx="739201" cy="267998"/>
+          </a:xfrm>
+          <a:prstGeom prst="rect">
+            <a:avLst/>
+          </a:prstGeom>
+        </p:spPr>
+        <p:txBody>
+          <a:bodyPr vert="horz" lIns="91440" tIns="45720" rIns="91440" bIns="45720" rtlCol="0" anchor="ctr">
+            <a:normAutofit/>
+          </a:bodyPr>
+          <a:lstStyle>
+            <a:lvl1pPr algn="l" defTabSz="914400" rtl="0" eaLnBrk="1" latinLnBrk="1" hangingPunct="1">
+              <a:lnSpc>
+                <a:spcPct val="90000"/>
+              </a:lnSpc>
+              <a:spcBef>
+                <a:spcPct val="0"/>
+              </a:spcBef>
+              <a:buNone/>
+              <a:defRPr sz="4400" kern="1200">
+                <a:solidFill>
+                  <a:schemeClr val="tx1"/>
+                </a:solidFill>
+                <a:latin typeface="+mj-lt"/>
+                <a:ea typeface="+mj-ea"/>
+                <a:cs typeface="+mj-cs"/>
+              </a:defRPr>
+            </a:lvl1pPr>
+          </a:lstStyle>
+          <a:p>
+            <a:pPr algn="ctr"/>
+            <a:r>
+              <a:rPr kumimoji="1" lang="en-US" altLang="ko-KR" sz="900" b="1" dirty="0">
+                <a:latin typeface="KoPubWorldDotum Bold" pitchFamily="2" charset="-127"/>
+                <a:ea typeface="KoPubWorldDotum Bold" pitchFamily="2" charset="-127"/>
+                <a:cs typeface="KoPubWorldDotum Bold" pitchFamily="2" charset="-127"/>
+              </a:rPr>
+              <a:t>Lambda</a:t>
+            </a:r>
+            <a:endParaRPr kumimoji="1" lang="ko-KR" altLang="en-US" sz="900" b="1" dirty="0">
+              <a:latin typeface="KoPubWorldDotum Bold" pitchFamily="2" charset="-127"/>
+              <a:ea typeface="KoPubWorldDotum Bold" pitchFamily="2" charset="-127"/>
+              <a:cs typeface="KoPubWorldDotum Bold" pitchFamily="2" charset="-127"/>
+            </a:endParaRPr>
+          </a:p>
+        </p:txBody>
+      </p:sp>
+      <p:cxnSp>
+        <p:nvCxnSpPr>
+          <p:cNvPr id="1330" name="직선 화살표 연결선 1329">
+            <a:extLst>
+              <a:ext uri="{FF2B5EF4-FFF2-40B4-BE49-F238E27FC236}">
+                <a16:creationId xmlns:a16="http://schemas.microsoft.com/office/drawing/2014/main" id="{0A4AD28A-ABAF-7706-8237-ECA08EB7CE5B}"/>
+              </a:ext>
+            </a:extLst>
+          </p:cNvPr>
+          <p:cNvCxnSpPr>
+            <a:cxnSpLocks/>
+          </p:cNvCxnSpPr>
+          <p:nvPr/>
+        </p:nvCxnSpPr>
+        <p:spPr>
+          <a:xfrm flipH="1">
+            <a:off x="1139846" y="11601513"/>
+            <a:ext cx="11198699" cy="0"/>
+          </a:xfrm>
+          <a:prstGeom prst="straightConnector1">
+            <a:avLst/>
+          </a:prstGeom>
+          <a:ln>
+            <a:solidFill>
+              <a:srgbClr val="FF0000"/>
+            </a:solidFill>
+            <a:headEnd type="none" w="med" len="med"/>
+            <a:tailEnd type="none" w="med" len="med"/>
+          </a:ln>
+        </p:spPr>
+        <p:style>
+          <a:lnRef idx="2">
+            <a:schemeClr val="accent1"/>
+          </a:lnRef>
+          <a:fillRef idx="0">
+            <a:schemeClr val="accent1"/>
+          </a:fillRef>
+          <a:effectRef idx="1">
+            <a:schemeClr val="accent1"/>
+          </a:effectRef>
+          <a:fontRef idx="minor">
+            <a:schemeClr val="tx1"/>
+          </a:fontRef>
+        </p:style>
+      </p:cxnSp>
+      <p:pic>
+        <p:nvPicPr>
+          <p:cNvPr id="49" name="그림 48">
+            <a:extLst>
+              <a:ext uri="{FF2B5EF4-FFF2-40B4-BE49-F238E27FC236}">
+                <a16:creationId xmlns:a16="http://schemas.microsoft.com/office/drawing/2014/main" id="{6D309DDB-C7E9-A597-6773-2D20B90C08A9}"/>
+              </a:ext>
+            </a:extLst>
+          </p:cNvPr>
+          <p:cNvPicPr>
+            <a:picLocks noChangeAspect="1"/>
+          </p:cNvPicPr>
+          <p:nvPr/>
+        </p:nvPicPr>
+        <p:blipFill rotWithShape="1">
+          <a:blip r:embed="rId11">
+            <a:duotone>
+              <a:schemeClr val="accent1">
+                <a:shade val="45000"/>
+                <a:satMod val="135000"/>
+              </a:schemeClr>
+              <a:prstClr val="white"/>
+            </a:duotone>
+          </a:blip>
+          <a:srcRect l="15555" t="8281" r="15408" b="21898"/>
+          <a:stretch/>
+        </p:blipFill>
+        <p:spPr>
+          <a:xfrm>
+            <a:off x="5823377" y="5531806"/>
+            <a:ext cx="471321" cy="476674"/>
+          </a:xfrm>
+          <a:prstGeom prst="rect">
+            <a:avLst/>
+          </a:prstGeom>
+        </p:spPr>
+      </p:pic>
+      <p:pic>
+        <p:nvPicPr>
+          <p:cNvPr id="54" name="그림 53">
+            <a:extLst>
+              <a:ext uri="{FF2B5EF4-FFF2-40B4-BE49-F238E27FC236}">
+                <a16:creationId xmlns:a16="http://schemas.microsoft.com/office/drawing/2014/main" id="{F33E5A4C-52F1-1E6B-FF9B-30F3F9910BE2}"/>
+              </a:ext>
+            </a:extLst>
+          </p:cNvPr>
+          <p:cNvPicPr>
+            <a:picLocks noChangeAspect="1"/>
+          </p:cNvPicPr>
+          <p:nvPr/>
+        </p:nvPicPr>
+        <p:blipFill rotWithShape="1">
+          <a:blip r:embed="rId12">
+            <a:duotone>
+              <a:schemeClr val="accent1">
+                <a:shade val="45000"/>
+                <a:satMod val="135000"/>
+              </a:schemeClr>
+              <a:prstClr val="white"/>
+            </a:duotone>
+          </a:blip>
+          <a:srcRect l="15128" t="7976" r="15361" b="21421"/>
+          <a:stretch/>
+        </p:blipFill>
+        <p:spPr>
+          <a:xfrm>
+            <a:off x="6494379" y="5527604"/>
+            <a:ext cx="472963" cy="480395"/>
+          </a:xfrm>
+          <a:prstGeom prst="rect">
+            <a:avLst/>
+          </a:prstGeom>
+        </p:spPr>
+      </p:pic>
+      <p:pic>
+        <p:nvPicPr>
+          <p:cNvPr id="55" name="그림 54">
+            <a:extLst>
+              <a:ext uri="{FF2B5EF4-FFF2-40B4-BE49-F238E27FC236}">
+                <a16:creationId xmlns:a16="http://schemas.microsoft.com/office/drawing/2014/main" id="{225DE08C-E4D0-F0DF-3CDF-CB415D79D42E}"/>
+              </a:ext>
+            </a:extLst>
+          </p:cNvPr>
+          <p:cNvPicPr>
+            <a:picLocks noChangeAspect="1"/>
+          </p:cNvPicPr>
+          <p:nvPr/>
+        </p:nvPicPr>
+        <p:blipFill rotWithShape="1">
+          <a:blip r:embed="rId13">
+            <a:duotone>
+              <a:schemeClr val="accent1">
+                <a:shade val="45000"/>
+                <a:satMod val="135000"/>
+              </a:schemeClr>
+              <a:prstClr val="white"/>
+            </a:duotone>
+          </a:blip>
+          <a:srcRect l="6507" r="6483" b="14266"/>
+          <a:stretch/>
+        </p:blipFill>
+        <p:spPr>
+          <a:xfrm>
+            <a:off x="7147125" y="5516096"/>
+            <a:ext cx="444739" cy="438219"/>
+          </a:xfrm>
+          <a:prstGeom prst="rect">
+            <a:avLst/>
+          </a:prstGeom>
+        </p:spPr>
+      </p:pic>
+      <p:pic>
+        <p:nvPicPr>
+          <p:cNvPr id="1282" name="그림 1281">
+            <a:extLst>
+              <a:ext uri="{FF2B5EF4-FFF2-40B4-BE49-F238E27FC236}">
+                <a16:creationId xmlns:a16="http://schemas.microsoft.com/office/drawing/2014/main" id="{BBAFE351-B01F-24A6-C4B5-4A2B5D666E94}"/>
+              </a:ext>
+            </a:extLst>
+          </p:cNvPr>
+          <p:cNvPicPr>
+            <a:picLocks noChangeAspect="1"/>
+          </p:cNvPicPr>
+          <p:nvPr/>
+        </p:nvPicPr>
+        <p:blipFill>
+          <a:blip r:embed="rId14"/>
+          <a:stretch>
+            <a:fillRect/>
+          </a:stretch>
+        </p:blipFill>
+        <p:spPr>
+          <a:xfrm>
+            <a:off x="11613889" y="7497477"/>
+            <a:ext cx="462142" cy="462142"/>
+          </a:xfrm>
+          <a:prstGeom prst="rect">
+            <a:avLst/>
+          </a:prstGeom>
+        </p:spPr>
+      </p:pic>
+      <p:cxnSp>
+        <p:nvCxnSpPr>
+          <p:cNvPr id="1304" name="꺾인 연결선[E] 1303">
+            <a:extLst>
+              <a:ext uri="{FF2B5EF4-FFF2-40B4-BE49-F238E27FC236}">
+                <a16:creationId xmlns:a16="http://schemas.microsoft.com/office/drawing/2014/main" id="{C72891EE-A97E-9D6E-47CA-21EE82787F87}"/>
+              </a:ext>
+            </a:extLst>
+          </p:cNvPr>
+          <p:cNvCxnSpPr>
+            <a:cxnSpLocks/>
+            <a:stCxn id="1405" idx="1"/>
+            <a:endCxn id="1053" idx="3"/>
+          </p:cNvCxnSpPr>
+          <p:nvPr/>
+        </p:nvCxnSpPr>
+        <p:spPr>
+          <a:xfrm rot="10800000" flipV="1">
+            <a:off x="12500944" y="6496947"/>
+            <a:ext cx="875984" cy="473182"/>
+          </a:xfrm>
+          <a:prstGeom prst="bentConnector3">
+            <a:avLst>
+              <a:gd name="adj1" fmla="val 84555"/>
+            </a:avLst>
+          </a:prstGeom>
+        </p:spPr>
+        <p:style>
+          <a:lnRef idx="2">
+            <a:schemeClr val="accent1"/>
+          </a:lnRef>
+          <a:fillRef idx="0">
+            <a:schemeClr val="accent1"/>
+          </a:fillRef>
+          <a:effectRef idx="1">
+            <a:schemeClr val="accent1"/>
+          </a:effectRef>
+          <a:fontRef idx="minor">
+            <a:schemeClr val="tx1"/>
+          </a:fontRef>
+        </p:style>
+      </p:cxnSp>
+      <p:cxnSp>
+        <p:nvCxnSpPr>
+          <p:cNvPr id="1307" name="꺾인 연결선[E] 1306">
+            <a:extLst>
+              <a:ext uri="{FF2B5EF4-FFF2-40B4-BE49-F238E27FC236}">
+                <a16:creationId xmlns:a16="http://schemas.microsoft.com/office/drawing/2014/main" id="{85D0B392-BB4C-2A48-775D-6061FCA7F40C}"/>
+              </a:ext>
+            </a:extLst>
+          </p:cNvPr>
+          <p:cNvCxnSpPr>
+            <a:cxnSpLocks/>
+            <a:stCxn id="1394" idx="1"/>
+            <a:endCxn id="1053" idx="3"/>
+          </p:cNvCxnSpPr>
+          <p:nvPr/>
+        </p:nvCxnSpPr>
+        <p:spPr>
+          <a:xfrm rot="10800000">
+            <a:off x="12500945" y="6970129"/>
+            <a:ext cx="877613" cy="327100"/>
+          </a:xfrm>
+          <a:prstGeom prst="bentConnector3">
+            <a:avLst>
+              <a:gd name="adj1" fmla="val 84491"/>
+            </a:avLst>
+          </a:prstGeom>
+        </p:spPr>
+        <p:style>
+          <a:lnRef idx="2">
+            <a:schemeClr val="accent1"/>
+          </a:lnRef>
+          <a:fillRef idx="0">
+            <a:schemeClr val="accent1"/>
+          </a:fillRef>
+          <a:effectRef idx="1">
+            <a:schemeClr val="accent1"/>
+          </a:effectRef>
+          <a:fontRef idx="minor">
+            <a:schemeClr val="tx1"/>
+          </a:fontRef>
+        </p:style>
+      </p:cxnSp>
+      <p:sp>
+        <p:nvSpPr>
+          <p:cNvPr id="1321" name="제목 1">
+            <a:extLst>
+              <a:ext uri="{FF2B5EF4-FFF2-40B4-BE49-F238E27FC236}">
+                <a16:creationId xmlns:a16="http://schemas.microsoft.com/office/drawing/2014/main" id="{8B82FBC2-A70B-5056-EB88-E560B8E8DC46}"/>
+              </a:ext>
+            </a:extLst>
+          </p:cNvPr>
+          <p:cNvSpPr txBox="1">
+            <a:spLocks/>
+          </p:cNvSpPr>
+          <p:nvPr/>
+        </p:nvSpPr>
+        <p:spPr>
+          <a:xfrm>
+            <a:off x="9020155" y="7994051"/>
+            <a:ext cx="926279" cy="267998"/>
+          </a:xfrm>
+          <a:prstGeom prst="rect">
+            <a:avLst/>
+          </a:prstGeom>
+        </p:spPr>
+        <p:txBody>
+          <a:bodyPr vert="horz" lIns="91440" tIns="45720" rIns="91440" bIns="45720" rtlCol="0" anchor="ctr">
+            <a:normAutofit/>
+          </a:bodyPr>
+          <a:lstStyle>
+            <a:lvl1pPr algn="l" defTabSz="914400" rtl="0" eaLnBrk="1" latinLnBrk="1" hangingPunct="1">
+              <a:lnSpc>
+                <a:spcPct val="90000"/>
+              </a:lnSpc>
+              <a:spcBef>
+                <a:spcPct val="0"/>
+              </a:spcBef>
+              <a:buNone/>
+              <a:defRPr sz="4400" kern="1200">
+                <a:solidFill>
+                  <a:schemeClr val="tx1"/>
+                </a:solidFill>
+                <a:latin typeface="+mj-lt"/>
+                <a:ea typeface="+mj-ea"/>
+                <a:cs typeface="+mj-cs"/>
+              </a:defRPr>
+            </a:lvl1pPr>
+          </a:lstStyle>
+          <a:p>
+            <a:pPr algn="ctr"/>
+            <a:r>
+              <a:rPr kumimoji="1" lang="en-US" altLang="ko-KR" sz="900" b="1" dirty="0">
+                <a:latin typeface="KoPubWorldDotum Bold" pitchFamily="2" charset="-127"/>
+                <a:ea typeface="KoPubWorldDotum Bold" pitchFamily="2" charset="-127"/>
+                <a:cs typeface="KoPubWorldDotum Bold" pitchFamily="2" charset="-127"/>
+              </a:rPr>
+              <a:t>API Gateway</a:t>
+            </a:r>
+            <a:endParaRPr kumimoji="1" lang="ko-KR" altLang="en-US" sz="900" b="1" dirty="0">
+              <a:latin typeface="KoPubWorldDotum Bold" pitchFamily="2" charset="-127"/>
+              <a:ea typeface="KoPubWorldDotum Bold" pitchFamily="2" charset="-127"/>
+              <a:cs typeface="KoPubWorldDotum Bold" pitchFamily="2" charset="-127"/>
+            </a:endParaRPr>
+          </a:p>
+        </p:txBody>
+      </p:sp>
+      <p:sp>
+        <p:nvSpPr>
+          <p:cNvPr id="1387" name="직사각형 1386">
+            <a:extLst>
+              <a:ext uri="{FF2B5EF4-FFF2-40B4-BE49-F238E27FC236}">
+                <a16:creationId xmlns:a16="http://schemas.microsoft.com/office/drawing/2014/main" id="{92016821-DF80-2676-AC28-D1920624FCBF}"/>
+              </a:ext>
+            </a:extLst>
+          </p:cNvPr>
+          <p:cNvSpPr/>
+          <p:nvPr/>
+        </p:nvSpPr>
+        <p:spPr>
+          <a:xfrm>
+            <a:off x="5773086" y="5378789"/>
+            <a:ext cx="1997897" cy="700696"/>
+          </a:xfrm>
+          <a:prstGeom prst="rect">
+            <a:avLst/>
+          </a:prstGeom>
+          <a:noFill/>
+          <a:ln>
+            <a:solidFill>
+              <a:srgbClr val="156082"/>
+            </a:solidFill>
+            <a:prstDash val="sysDash"/>
+          </a:ln>
+        </p:spPr>
+        <p:style>
+          <a:lnRef idx="2">
+            <a:schemeClr val="accent1">
+              <a:shade val="15000"/>
+            </a:schemeClr>
+          </a:lnRef>
+          <a:fillRef idx="1">
+            <a:schemeClr val="accent1"/>
+          </a:fillRef>
+          <a:effectRef idx="0">
+            <a:schemeClr val="accent1"/>
+          </a:effectRef>
+          <a:fontRef idx="minor">
+            <a:schemeClr val="lt1"/>
+          </a:fontRef>
+        </p:style>
+        <p:txBody>
+          <a:bodyPr rtlCol="0" anchor="ctr"/>
+          <a:lstStyle/>
+          <a:p>
+            <a:pPr algn="ctr"/>
+            <a:endParaRPr kumimoji="1" lang="ko-KR" altLang="en-US" sz="900"/>
+          </a:p>
+        </p:txBody>
+      </p:sp>
+      <p:cxnSp>
+        <p:nvCxnSpPr>
+          <p:cNvPr id="10" name="꺾인 연결선[E] 9">
+            <a:extLst>
+              <a:ext uri="{FF2B5EF4-FFF2-40B4-BE49-F238E27FC236}">
+                <a16:creationId xmlns:a16="http://schemas.microsoft.com/office/drawing/2014/main" id="{2D29D2D6-87F4-C7B4-E26C-5D92C501ECF4}"/>
+              </a:ext>
+            </a:extLst>
+          </p:cNvPr>
+          <p:cNvCxnSpPr>
+            <a:cxnSpLocks/>
+            <a:stCxn id="58" idx="1"/>
+            <a:endCxn id="1387" idx="3"/>
+          </p:cNvCxnSpPr>
+          <p:nvPr/>
+        </p:nvCxnSpPr>
+        <p:spPr>
+          <a:xfrm rot="10800000">
+            <a:off x="7770983" y="5729138"/>
+            <a:ext cx="1255548" cy="5335"/>
+          </a:xfrm>
+          <a:prstGeom prst="bentConnector3">
+            <a:avLst>
+              <a:gd name="adj1" fmla="val 50000"/>
+            </a:avLst>
+          </a:prstGeom>
+        </p:spPr>
+        <p:style>
+          <a:lnRef idx="2">
+            <a:schemeClr val="accent1"/>
+          </a:lnRef>
+          <a:fillRef idx="0">
+            <a:schemeClr val="accent1"/>
+          </a:fillRef>
+          <a:effectRef idx="1">
+            <a:schemeClr val="accent1"/>
+          </a:effectRef>
+          <a:fontRef idx="minor">
+            <a:schemeClr val="tx1"/>
+          </a:fontRef>
+        </p:style>
+      </p:cxnSp>
+      <p:cxnSp>
+        <p:nvCxnSpPr>
+          <p:cNvPr id="21" name="꺾인 연결선[E] 20">
+            <a:extLst>
+              <a:ext uri="{FF2B5EF4-FFF2-40B4-BE49-F238E27FC236}">
+                <a16:creationId xmlns:a16="http://schemas.microsoft.com/office/drawing/2014/main" id="{9F0380B2-BCFC-D739-F160-C58614F63999}"/>
+              </a:ext>
+            </a:extLst>
+          </p:cNvPr>
+          <p:cNvCxnSpPr>
+            <a:cxnSpLocks/>
+            <a:stCxn id="48" idx="1"/>
+            <a:endCxn id="1387" idx="3"/>
+          </p:cNvCxnSpPr>
+          <p:nvPr/>
+        </p:nvCxnSpPr>
+        <p:spPr>
+          <a:xfrm rot="10800000">
+            <a:off x="7770984" y="5729138"/>
+            <a:ext cx="1237227" cy="1242913"/>
+          </a:xfrm>
+          <a:prstGeom prst="bentConnector3">
+            <a:avLst>
+              <a:gd name="adj1" fmla="val 50000"/>
+            </a:avLst>
+          </a:prstGeom>
+        </p:spPr>
+        <p:style>
+          <a:lnRef idx="2">
+            <a:schemeClr val="accent1"/>
+          </a:lnRef>
+          <a:fillRef idx="0">
+            <a:schemeClr val="accent1"/>
+          </a:fillRef>
+          <a:effectRef idx="1">
+            <a:schemeClr val="accent1"/>
+          </a:effectRef>
+          <a:fontRef idx="minor">
+            <a:schemeClr val="tx1"/>
+          </a:fontRef>
+        </p:style>
+      </p:cxnSp>
+      <p:cxnSp>
+        <p:nvCxnSpPr>
+          <p:cNvPr id="35" name="꺾인 연결선[E] 34">
+            <a:extLst>
+              <a:ext uri="{FF2B5EF4-FFF2-40B4-BE49-F238E27FC236}">
+                <a16:creationId xmlns:a16="http://schemas.microsoft.com/office/drawing/2014/main" id="{785E2163-03A4-C769-BACC-C8EFA654FFDD}"/>
+              </a:ext>
+            </a:extLst>
+          </p:cNvPr>
+          <p:cNvCxnSpPr>
+            <a:cxnSpLocks/>
+            <a:stCxn id="1368" idx="1"/>
+            <a:endCxn id="1387" idx="3"/>
+          </p:cNvCxnSpPr>
+          <p:nvPr/>
+        </p:nvCxnSpPr>
+        <p:spPr>
+          <a:xfrm rot="10800000" flipV="1">
+            <a:off x="7770983" y="3362659"/>
+            <a:ext cx="1237226" cy="2366478"/>
+          </a:xfrm>
+          <a:prstGeom prst="bentConnector3">
+            <a:avLst>
+              <a:gd name="adj1" fmla="val 50000"/>
+            </a:avLst>
+          </a:prstGeom>
+        </p:spPr>
+        <p:style>
+          <a:lnRef idx="2">
+            <a:schemeClr val="accent1"/>
+          </a:lnRef>
+          <a:fillRef idx="0">
+            <a:schemeClr val="accent1"/>
+          </a:fillRef>
+          <a:effectRef idx="1">
+            <a:schemeClr val="accent1"/>
+          </a:effectRef>
+          <a:fontRef idx="minor">
+            <a:schemeClr val="tx1"/>
+          </a:fontRef>
+        </p:style>
+      </p:cxnSp>
+      <p:pic>
+        <p:nvPicPr>
+          <p:cNvPr id="1364" name="그림 1363">
+            <a:extLst>
+              <a:ext uri="{FF2B5EF4-FFF2-40B4-BE49-F238E27FC236}">
+                <a16:creationId xmlns:a16="http://schemas.microsoft.com/office/drawing/2014/main" id="{341488FF-93C0-A601-6CE8-363A04D1A25A}"/>
+              </a:ext>
+            </a:extLst>
+          </p:cNvPr>
+          <p:cNvPicPr>
+            <a:picLocks noChangeAspect="1"/>
+          </p:cNvPicPr>
+          <p:nvPr/>
+        </p:nvPicPr>
+        <p:blipFill>
+          <a:blip r:embed="rId15">
+            <a:alphaModFix/>
+          </a:blip>
+          <a:stretch>
+            <a:fillRect/>
+          </a:stretch>
+        </p:blipFill>
+        <p:spPr>
+          <a:xfrm>
+            <a:off x="13445787" y="3132894"/>
+            <a:ext cx="461327" cy="461327"/>
+          </a:xfrm>
+          <a:prstGeom prst="rect">
+            <a:avLst/>
+          </a:prstGeom>
+        </p:spPr>
+      </p:pic>
+      <p:sp>
+        <p:nvSpPr>
+          <p:cNvPr id="1365" name="제목 1">
+            <a:extLst>
+              <a:ext uri="{FF2B5EF4-FFF2-40B4-BE49-F238E27FC236}">
+                <a16:creationId xmlns:a16="http://schemas.microsoft.com/office/drawing/2014/main" id="{EF62E46B-C322-4C4A-78D7-78862F5A2CC2}"/>
+              </a:ext>
+            </a:extLst>
+          </p:cNvPr>
+          <p:cNvSpPr txBox="1">
+            <a:spLocks/>
+          </p:cNvSpPr>
+          <p:nvPr/>
+        </p:nvSpPr>
+        <p:spPr>
+          <a:xfrm>
+            <a:off x="12972014" y="3587223"/>
+            <a:ext cx="1372683" cy="267998"/>
+          </a:xfrm>
+          <a:prstGeom prst="rect">
+            <a:avLst/>
+          </a:prstGeom>
+        </p:spPr>
+        <p:txBody>
+          <a:bodyPr vert="horz" lIns="91440" tIns="45720" rIns="91440" bIns="45720" rtlCol="0" anchor="ctr">
+            <a:normAutofit/>
+          </a:bodyPr>
+          <a:lstStyle>
+            <a:lvl1pPr algn="l" defTabSz="914400" rtl="0" eaLnBrk="1" latinLnBrk="1" hangingPunct="1">
+              <a:lnSpc>
+                <a:spcPct val="90000"/>
+              </a:lnSpc>
+              <a:spcBef>
+                <a:spcPct val="0"/>
+              </a:spcBef>
+              <a:buNone/>
+              <a:defRPr sz="4400" kern="1200">
+                <a:solidFill>
+                  <a:schemeClr val="tx1"/>
+                </a:solidFill>
+                <a:latin typeface="+mj-lt"/>
+                <a:ea typeface="+mj-ea"/>
+                <a:cs typeface="+mj-cs"/>
+              </a:defRPr>
+            </a:lvl1pPr>
+          </a:lstStyle>
+          <a:p>
+            <a:pPr algn="ctr"/>
+            <a:r>
+              <a:rPr kumimoji="1" lang="en-US" altLang="ko-KR" sz="900" b="1" dirty="0">
+                <a:latin typeface="KoPubWorldDotum Bold" pitchFamily="2" charset="-127"/>
+                <a:ea typeface="KoPubWorldDotum Bold" pitchFamily="2" charset="-127"/>
+                <a:cs typeface="KoPubWorldDotum Bold" pitchFamily="2" charset="-127"/>
+              </a:rPr>
+              <a:t>Cognito</a:t>
+            </a:r>
+            <a:r>
+              <a:rPr kumimoji="1" lang="ko-KR" altLang="en-US" sz="900" b="1" dirty="0">
+                <a:latin typeface="KoPubWorldDotum Bold" pitchFamily="2" charset="-127"/>
+                <a:ea typeface="KoPubWorldDotum Bold" pitchFamily="2" charset="-127"/>
+                <a:cs typeface="KoPubWorldDotum Bold" pitchFamily="2" charset="-127"/>
+              </a:rPr>
+              <a:t> </a:t>
+            </a:r>
+            <a:r>
+              <a:rPr kumimoji="1" lang="en-US" altLang="ko-KR" sz="900" b="1" dirty="0">
+                <a:latin typeface="KoPubWorldDotum Bold" pitchFamily="2" charset="-127"/>
+                <a:ea typeface="KoPubWorldDotum Bold" pitchFamily="2" charset="-127"/>
+                <a:cs typeface="KoPubWorldDotum Bold" pitchFamily="2" charset="-127"/>
+              </a:rPr>
+              <a:t>User Pool</a:t>
+            </a:r>
+            <a:r>
+              <a:rPr kumimoji="1" lang="ko-KR" altLang="en-US" sz="900" b="1" dirty="0">
+                <a:latin typeface="KoPubWorldDotum Bold" pitchFamily="2" charset="-127"/>
+                <a:ea typeface="KoPubWorldDotum Bold" pitchFamily="2" charset="-127"/>
+                <a:cs typeface="KoPubWorldDotum Bold" pitchFamily="2" charset="-127"/>
+              </a:rPr>
+              <a:t> </a:t>
+            </a:r>
+          </a:p>
+        </p:txBody>
+      </p:sp>
+      <p:pic>
+        <p:nvPicPr>
+          <p:cNvPr id="1366" name="Picture 2" descr="JavaScript | Kakao Developers 문서">
+            <a:extLst>
+              <a:ext uri="{FF2B5EF4-FFF2-40B4-BE49-F238E27FC236}">
+                <a16:creationId xmlns:a16="http://schemas.microsoft.com/office/drawing/2014/main" id="{D9183634-D7D8-68FC-36F7-82A39535D445}"/>
+              </a:ext>
+            </a:extLst>
+          </p:cNvPr>
+          <p:cNvPicPr>
+            <a:picLocks noChangeAspect="1" noChangeArrowheads="1"/>
+          </p:cNvPicPr>
+          <p:nvPr/>
+        </p:nvPicPr>
+        <p:blipFill rotWithShape="1">
+          <a:blip r:embed="rId16">
+            <a:extLst>
+              <a:ext uri="{28A0092B-C50C-407E-A947-70E740481C1C}">
+                <a14:useLocalDpi xmlns:a14="http://schemas.microsoft.com/office/drawing/2010/main" val="0"/>
+              </a:ext>
+            </a:extLst>
+          </a:blip>
+          <a:srcRect l="35001" t="35938" r="20859" b="37167"/>
+          <a:stretch/>
+        </p:blipFill>
+        <p:spPr bwMode="auto">
+          <a:xfrm>
+            <a:off x="14935295" y="3196902"/>
+            <a:ext cx="649591" cy="333312"/>
+          </a:xfrm>
+          <a:prstGeom prst="rect">
+            <a:avLst/>
+          </a:prstGeom>
+          <a:noFill/>
+          <a:extLst>
+            <a:ext uri="{909E8E84-426E-40DD-AFC4-6F175D3DCCD1}">
+              <a14:hiddenFill xmlns:a14="http://schemas.microsoft.com/office/drawing/2010/main">
+                <a:solidFill>
+                  <a:srgbClr val="FFFFFF"/>
+                </a:solidFill>
+              </a14:hiddenFill>
+            </a:ext>
+          </a:extLst>
+        </p:spPr>
+      </p:pic>
+      <p:sp>
+        <p:nvSpPr>
+          <p:cNvPr id="1367" name="제목 1">
+            <a:extLst>
+              <a:ext uri="{FF2B5EF4-FFF2-40B4-BE49-F238E27FC236}">
+                <a16:creationId xmlns:a16="http://schemas.microsoft.com/office/drawing/2014/main" id="{BFC37B5B-63E9-32E3-3DC1-B5B458412B4A}"/>
+              </a:ext>
+            </a:extLst>
+          </p:cNvPr>
+          <p:cNvSpPr txBox="1">
+            <a:spLocks/>
+          </p:cNvSpPr>
+          <p:nvPr/>
+        </p:nvSpPr>
+        <p:spPr>
+          <a:xfrm>
+            <a:off x="14434129" y="3587223"/>
+            <a:ext cx="1651921" cy="267998"/>
+          </a:xfrm>
+          <a:prstGeom prst="rect">
+            <a:avLst/>
+          </a:prstGeom>
+        </p:spPr>
+        <p:txBody>
+          <a:bodyPr vert="horz" lIns="91440" tIns="45720" rIns="91440" bIns="45720" rtlCol="0" anchor="ctr">
+            <a:normAutofit/>
+          </a:bodyPr>
+          <a:lstStyle>
+            <a:lvl1pPr algn="l" defTabSz="914400" rtl="0" eaLnBrk="1" latinLnBrk="1" hangingPunct="1">
+              <a:lnSpc>
+                <a:spcPct val="90000"/>
+              </a:lnSpc>
+              <a:spcBef>
+                <a:spcPct val="0"/>
+              </a:spcBef>
+              <a:buNone/>
+              <a:defRPr sz="4400" kern="1200">
+                <a:solidFill>
+                  <a:schemeClr val="tx1"/>
+                </a:solidFill>
+                <a:latin typeface="+mj-lt"/>
+                <a:ea typeface="+mj-ea"/>
+                <a:cs typeface="+mj-cs"/>
+              </a:defRPr>
+            </a:lvl1pPr>
+          </a:lstStyle>
+          <a:p>
+            <a:pPr algn="ctr"/>
+            <a:r>
+              <a:rPr kumimoji="1" lang="en-US" altLang="ko-KR" sz="900" b="1" dirty="0">
+                <a:latin typeface="KoPubWorldDotum Bold" pitchFamily="2" charset="-127"/>
+                <a:ea typeface="KoPubWorldDotum Bold" pitchFamily="2" charset="-127"/>
+                <a:cs typeface="KoPubWorldDotum Bold" pitchFamily="2" charset="-127"/>
+              </a:rPr>
+              <a:t>Kakao Login OIDC</a:t>
+            </a:r>
+          </a:p>
+        </p:txBody>
+      </p:sp>
+      <p:sp>
+        <p:nvSpPr>
+          <p:cNvPr id="1368" name="제목 1">
+            <a:extLst>
+              <a:ext uri="{FF2B5EF4-FFF2-40B4-BE49-F238E27FC236}">
+                <a16:creationId xmlns:a16="http://schemas.microsoft.com/office/drawing/2014/main" id="{43D26DBF-2F2B-E865-3E43-F086A2A9C884}"/>
+              </a:ext>
+            </a:extLst>
+          </p:cNvPr>
+          <p:cNvSpPr txBox="1">
+            <a:spLocks/>
+          </p:cNvSpPr>
+          <p:nvPr/>
+        </p:nvSpPr>
+        <p:spPr>
+          <a:xfrm>
+            <a:off x="9008209" y="3168773"/>
+            <a:ext cx="967879" cy="387771"/>
+          </a:xfrm>
+          <a:prstGeom prst="rect">
+            <a:avLst/>
+          </a:prstGeom>
+          <a:solidFill>
+            <a:srgbClr val="156082"/>
+          </a:solidFill>
+        </p:spPr>
+        <p:txBody>
+          <a:bodyPr vert="horz" lIns="91440" tIns="45720" rIns="91440" bIns="45720" rtlCol="0" anchor="ctr">
+            <a:normAutofit/>
+          </a:bodyPr>
+          <a:lstStyle>
+            <a:lvl1pPr algn="l" defTabSz="914400" rtl="0" eaLnBrk="1" latinLnBrk="1" hangingPunct="1">
+              <a:lnSpc>
+                <a:spcPct val="90000"/>
+              </a:lnSpc>
+              <a:spcBef>
+                <a:spcPct val="0"/>
+              </a:spcBef>
+              <a:buNone/>
+              <a:defRPr sz="4400" kern="1200">
+                <a:solidFill>
+                  <a:schemeClr val="tx1"/>
+                </a:solidFill>
+                <a:latin typeface="+mj-lt"/>
+                <a:ea typeface="+mj-ea"/>
+                <a:cs typeface="+mj-cs"/>
+              </a:defRPr>
+            </a:lvl1pPr>
+          </a:lstStyle>
+          <a:p>
+            <a:pPr algn="ctr"/>
+            <a:r>
+              <a:rPr kumimoji="1" lang="en-US" altLang="ko-KR" sz="900" b="1" dirty="0">
+                <a:solidFill>
+                  <a:schemeClr val="bg1"/>
+                </a:solidFill>
+                <a:latin typeface="KoPubWorldDotum Bold" pitchFamily="2" charset="-127"/>
+                <a:ea typeface="KoPubWorldDotum Bold" pitchFamily="2" charset="-127"/>
+                <a:cs typeface="KoPubWorldDotum Bold" pitchFamily="2" charset="-127"/>
+              </a:rPr>
+              <a:t>REST API</a:t>
+            </a:r>
+          </a:p>
+          <a:p>
+            <a:pPr algn="ctr"/>
+            <a:r>
+              <a:rPr kumimoji="1" lang="en-US" altLang="ko-KR" sz="900" b="1" dirty="0">
+                <a:solidFill>
+                  <a:schemeClr val="bg1"/>
+                </a:solidFill>
+                <a:latin typeface="KoPubWorldDotum Bold" pitchFamily="2" charset="-127"/>
+                <a:ea typeface="KoPubWorldDotum Bold" pitchFamily="2" charset="-127"/>
+                <a:cs typeface="KoPubWorldDotum Bold" pitchFamily="2" charset="-127"/>
+              </a:rPr>
+              <a:t>(Auth)</a:t>
+            </a:r>
+            <a:endParaRPr kumimoji="1" lang="ko-KR" altLang="en-US" sz="900" b="1" dirty="0">
+              <a:solidFill>
+                <a:schemeClr val="bg1"/>
+              </a:solidFill>
+              <a:latin typeface="KoPubWorldDotum Bold" pitchFamily="2" charset="-127"/>
+              <a:ea typeface="KoPubWorldDotum Bold" pitchFamily="2" charset="-127"/>
+              <a:cs typeface="KoPubWorldDotum Bold" pitchFamily="2" charset="-127"/>
+            </a:endParaRPr>
+          </a:p>
+        </p:txBody>
+      </p:sp>
+      <p:sp>
+        <p:nvSpPr>
+          <p:cNvPr id="1369" name="처리 1368">
+            <a:extLst>
+              <a:ext uri="{FF2B5EF4-FFF2-40B4-BE49-F238E27FC236}">
+                <a16:creationId xmlns:a16="http://schemas.microsoft.com/office/drawing/2014/main" id="{D2CA8690-2076-F6A0-6184-53D4C3004910}"/>
+              </a:ext>
+            </a:extLst>
+          </p:cNvPr>
+          <p:cNvSpPr/>
+          <p:nvPr/>
+        </p:nvSpPr>
+        <p:spPr>
+          <a:xfrm>
+            <a:off x="11297835" y="3238079"/>
+            <a:ext cx="1200406" cy="245334"/>
+          </a:xfrm>
+          <a:prstGeom prst="flowChartProcess">
+            <a:avLst/>
+          </a:prstGeom>
+          <a:solidFill>
+            <a:schemeClr val="accent1"/>
+          </a:solidFill>
+          <a:ln>
+            <a:noFill/>
+          </a:ln>
+        </p:spPr>
+        <p:style>
+          <a:lnRef idx="2">
+            <a:schemeClr val="accent1">
+              <a:shade val="15000"/>
+            </a:schemeClr>
+          </a:lnRef>
+          <a:fillRef idx="1">
+            <a:schemeClr val="accent1"/>
+          </a:fillRef>
+          <a:effectRef idx="0">
+            <a:schemeClr val="accent1"/>
+          </a:effectRef>
+          <a:fontRef idx="minor">
+            <a:schemeClr val="lt1"/>
+          </a:fontRef>
+        </p:style>
+        <p:txBody>
+          <a:bodyPr rtlCol="0" anchor="ctr"/>
+          <a:lstStyle/>
+          <a:p>
+            <a:pPr algn="ctr"/>
+            <a:r>
+              <a:rPr kumimoji="1" lang="en-US" altLang="ko-KR" sz="900" b="1" dirty="0" err="1">
+                <a:latin typeface="KoPubWorldDotum Bold" pitchFamily="2" charset="-127"/>
+                <a:ea typeface="KoPubWorldDotum Bold" pitchFamily="2" charset="-127"/>
+                <a:cs typeface="KoPubWorldDotum Bold" pitchFamily="2" charset="-127"/>
+              </a:rPr>
+              <a:t>UserInfo</a:t>
+            </a:r>
+            <a:endParaRPr kumimoji="1" lang="ko-KR" altLang="en-US" sz="900" b="1" dirty="0">
+              <a:latin typeface="KoPubWorldDotum Bold" pitchFamily="2" charset="-127"/>
+              <a:ea typeface="KoPubWorldDotum Bold" pitchFamily="2" charset="-127"/>
+              <a:cs typeface="KoPubWorldDotum Bold" pitchFamily="2" charset="-127"/>
+            </a:endParaRPr>
+          </a:p>
+        </p:txBody>
+      </p:sp>
+      <p:cxnSp>
+        <p:nvCxnSpPr>
+          <p:cNvPr id="1370" name="직선 화살표 연결선 1369">
+            <a:extLst>
+              <a:ext uri="{FF2B5EF4-FFF2-40B4-BE49-F238E27FC236}">
+                <a16:creationId xmlns:a16="http://schemas.microsoft.com/office/drawing/2014/main" id="{424A4335-B74B-DFB4-7C91-A338C96B432C}"/>
+              </a:ext>
+            </a:extLst>
+          </p:cNvPr>
+          <p:cNvCxnSpPr>
+            <a:cxnSpLocks/>
+            <a:stCxn id="1364" idx="1"/>
+            <a:endCxn id="1369" idx="3"/>
+          </p:cNvCxnSpPr>
+          <p:nvPr/>
+        </p:nvCxnSpPr>
+        <p:spPr>
+          <a:xfrm flipH="1" flipV="1">
+            <a:off x="12498241" y="3360746"/>
+            <a:ext cx="947546" cy="2812"/>
+          </a:xfrm>
+          <a:prstGeom prst="straightConnector1">
+            <a:avLst/>
+          </a:prstGeom>
+          <a:ln>
+            <a:headEnd type="none" w="med" len="med"/>
+            <a:tailEnd type="none" w="med" len="med"/>
+          </a:ln>
+        </p:spPr>
+        <p:style>
+          <a:lnRef idx="2">
+            <a:schemeClr val="accent1"/>
+          </a:lnRef>
+          <a:fillRef idx="0">
+            <a:schemeClr val="accent1"/>
+          </a:fillRef>
+          <a:effectRef idx="1">
+            <a:schemeClr val="accent1"/>
+          </a:effectRef>
+          <a:fontRef idx="minor">
+            <a:schemeClr val="tx1"/>
+          </a:fontRef>
+        </p:style>
+      </p:cxnSp>
+      <p:cxnSp>
+        <p:nvCxnSpPr>
+          <p:cNvPr id="1372" name="직선 화살표 연결선 1371">
+            <a:extLst>
+              <a:ext uri="{FF2B5EF4-FFF2-40B4-BE49-F238E27FC236}">
+                <a16:creationId xmlns:a16="http://schemas.microsoft.com/office/drawing/2014/main" id="{64D72915-3790-A5E4-0455-CC25D85AC716}"/>
+              </a:ext>
+            </a:extLst>
+          </p:cNvPr>
+          <p:cNvCxnSpPr>
+            <a:cxnSpLocks/>
+            <a:stCxn id="1366" idx="1"/>
+            <a:endCxn id="1364" idx="3"/>
+          </p:cNvCxnSpPr>
+          <p:nvPr/>
+        </p:nvCxnSpPr>
+        <p:spPr>
+          <a:xfrm flipH="1">
+            <a:off x="13907114" y="3363558"/>
+            <a:ext cx="1028181" cy="0"/>
+          </a:xfrm>
+          <a:prstGeom prst="straightConnector1">
+            <a:avLst/>
+          </a:prstGeom>
+          <a:ln>
+            <a:headEnd type="none" w="med" len="med"/>
+            <a:tailEnd type="none" w="med" len="med"/>
+          </a:ln>
+        </p:spPr>
+        <p:style>
+          <a:lnRef idx="2">
+            <a:schemeClr val="accent1"/>
+          </a:lnRef>
+          <a:fillRef idx="0">
+            <a:schemeClr val="accent1"/>
+          </a:fillRef>
+          <a:effectRef idx="1">
+            <a:schemeClr val="accent1"/>
+          </a:effectRef>
+          <a:fontRef idx="minor">
+            <a:schemeClr val="tx1"/>
+          </a:fontRef>
+        </p:style>
+      </p:cxnSp>
+      <p:cxnSp>
+        <p:nvCxnSpPr>
+          <p:cNvPr id="1373" name="직선 화살표 연결선 1372">
+            <a:extLst>
+              <a:ext uri="{FF2B5EF4-FFF2-40B4-BE49-F238E27FC236}">
+                <a16:creationId xmlns:a16="http://schemas.microsoft.com/office/drawing/2014/main" id="{6328338D-1EDA-576B-2BCD-525954597436}"/>
+              </a:ext>
+            </a:extLst>
+          </p:cNvPr>
+          <p:cNvCxnSpPr>
+            <a:cxnSpLocks/>
+            <a:stCxn id="1368" idx="3"/>
+            <a:endCxn id="1369" idx="1"/>
+          </p:cNvCxnSpPr>
+          <p:nvPr/>
+        </p:nvCxnSpPr>
+        <p:spPr>
+          <a:xfrm flipV="1">
+            <a:off x="9976088" y="3360746"/>
+            <a:ext cx="1321747" cy="1913"/>
+          </a:xfrm>
+          <a:prstGeom prst="straightConnector1">
+            <a:avLst/>
+          </a:prstGeom>
+          <a:ln>
+            <a:headEnd type="none" w="med" len="med"/>
+            <a:tailEnd type="none" w="med" len="med"/>
+          </a:ln>
+        </p:spPr>
+        <p:style>
+          <a:lnRef idx="2">
+            <a:schemeClr val="accent1"/>
+          </a:lnRef>
+          <a:fillRef idx="0">
+            <a:schemeClr val="accent1"/>
+          </a:fillRef>
+          <a:effectRef idx="1">
+            <a:schemeClr val="accent1"/>
+          </a:effectRef>
+          <a:fontRef idx="minor">
+            <a:schemeClr val="tx1"/>
+          </a:fontRef>
+        </p:style>
+      </p:cxnSp>
+      <p:cxnSp>
+        <p:nvCxnSpPr>
+          <p:cNvPr id="1374" name="꺾인 연결선[E] 1373">
+            <a:extLst>
+              <a:ext uri="{FF2B5EF4-FFF2-40B4-BE49-F238E27FC236}">
+                <a16:creationId xmlns:a16="http://schemas.microsoft.com/office/drawing/2014/main" id="{48F427D6-82E8-7274-B240-318AE0B781D8}"/>
+              </a:ext>
+            </a:extLst>
+          </p:cNvPr>
+          <p:cNvCxnSpPr>
+            <a:cxnSpLocks/>
+            <a:stCxn id="9" idx="1"/>
+            <a:endCxn id="58" idx="3"/>
+          </p:cNvCxnSpPr>
+          <p:nvPr/>
+        </p:nvCxnSpPr>
+        <p:spPr>
+          <a:xfrm rot="10800000" flipV="1">
+            <a:off x="9994411" y="5278856"/>
+            <a:ext cx="1295863" cy="455616"/>
+          </a:xfrm>
+          <a:prstGeom prst="bentConnector3">
+            <a:avLst>
+              <a:gd name="adj1" fmla="val 6798"/>
+            </a:avLst>
+          </a:prstGeom>
+        </p:spPr>
+        <p:style>
+          <a:lnRef idx="2">
+            <a:schemeClr val="accent1"/>
+          </a:lnRef>
+          <a:fillRef idx="0">
+            <a:schemeClr val="accent1"/>
+          </a:fillRef>
+          <a:effectRef idx="1">
+            <a:schemeClr val="accent1"/>
+          </a:effectRef>
+          <a:fontRef idx="minor">
+            <a:schemeClr val="tx1"/>
+          </a:fontRef>
+        </p:style>
+      </p:cxnSp>
+      <p:cxnSp>
+        <p:nvCxnSpPr>
+          <p:cNvPr id="1377" name="꺾인 연결선[E] 1376">
+            <a:extLst>
+              <a:ext uri="{FF2B5EF4-FFF2-40B4-BE49-F238E27FC236}">
+                <a16:creationId xmlns:a16="http://schemas.microsoft.com/office/drawing/2014/main" id="{71280AAB-918E-C4B7-3B8D-6FEEE7DA371F}"/>
+              </a:ext>
+            </a:extLst>
+          </p:cNvPr>
+          <p:cNvCxnSpPr>
+            <a:cxnSpLocks/>
+            <a:endCxn id="58" idx="3"/>
+          </p:cNvCxnSpPr>
+          <p:nvPr/>
+        </p:nvCxnSpPr>
+        <p:spPr>
+          <a:xfrm rot="10800000" flipV="1">
+            <a:off x="9994410" y="5627410"/>
+            <a:ext cx="1302356" cy="107061"/>
+          </a:xfrm>
+          <a:prstGeom prst="bentConnector3">
+            <a:avLst>
+              <a:gd name="adj1" fmla="val 7014"/>
+            </a:avLst>
+          </a:prstGeom>
+        </p:spPr>
+        <p:style>
+          <a:lnRef idx="2">
+            <a:schemeClr val="accent1"/>
+          </a:lnRef>
+          <a:fillRef idx="0">
+            <a:schemeClr val="accent1"/>
+          </a:fillRef>
+          <a:effectRef idx="1">
+            <a:schemeClr val="accent1"/>
+          </a:effectRef>
+          <a:fontRef idx="minor">
+            <a:schemeClr val="tx1"/>
+          </a:fontRef>
+        </p:style>
+      </p:cxnSp>
+      <p:cxnSp>
+        <p:nvCxnSpPr>
+          <p:cNvPr id="1384" name="꺾인 연결선[E] 1383">
+            <a:extLst>
+              <a:ext uri="{FF2B5EF4-FFF2-40B4-BE49-F238E27FC236}">
+                <a16:creationId xmlns:a16="http://schemas.microsoft.com/office/drawing/2014/main" id="{7C2D0A5F-676B-C64B-7D77-A6401874DD87}"/>
+              </a:ext>
+            </a:extLst>
+          </p:cNvPr>
+          <p:cNvCxnSpPr>
+            <a:cxnSpLocks/>
+            <a:stCxn id="2" idx="1"/>
+            <a:endCxn id="58" idx="3"/>
+          </p:cNvCxnSpPr>
+          <p:nvPr/>
+        </p:nvCxnSpPr>
+        <p:spPr>
+          <a:xfrm rot="10800000">
+            <a:off x="9994410" y="5734473"/>
+            <a:ext cx="1301544" cy="174299"/>
+          </a:xfrm>
+          <a:prstGeom prst="bentConnector3">
+            <a:avLst>
+              <a:gd name="adj1" fmla="val 6987"/>
+            </a:avLst>
+          </a:prstGeom>
+        </p:spPr>
+        <p:style>
+          <a:lnRef idx="2">
+            <a:schemeClr val="accent1"/>
+          </a:lnRef>
+          <a:fillRef idx="0">
+            <a:schemeClr val="accent1"/>
+          </a:fillRef>
+          <a:effectRef idx="1">
+            <a:schemeClr val="accent1"/>
+          </a:effectRef>
+          <a:fontRef idx="minor">
+            <a:schemeClr val="tx1"/>
+          </a:fontRef>
+        </p:style>
+      </p:cxnSp>
+      <p:cxnSp>
+        <p:nvCxnSpPr>
+          <p:cNvPr id="1388" name="꺾인 연결선[E] 1387">
+            <a:extLst>
+              <a:ext uri="{FF2B5EF4-FFF2-40B4-BE49-F238E27FC236}">
+                <a16:creationId xmlns:a16="http://schemas.microsoft.com/office/drawing/2014/main" id="{8278EAA9-22C5-8686-FDCA-9375183D0D58}"/>
+              </a:ext>
+            </a:extLst>
+          </p:cNvPr>
+          <p:cNvCxnSpPr>
+            <a:cxnSpLocks/>
+            <a:stCxn id="26" idx="1"/>
+            <a:endCxn id="58" idx="3"/>
+          </p:cNvCxnSpPr>
+          <p:nvPr/>
+        </p:nvCxnSpPr>
+        <p:spPr>
+          <a:xfrm rot="10800000">
+            <a:off x="9994410" y="5734472"/>
+            <a:ext cx="1301544" cy="481624"/>
+          </a:xfrm>
+          <a:prstGeom prst="bentConnector3">
+            <a:avLst>
+              <a:gd name="adj1" fmla="val 6987"/>
+            </a:avLst>
+          </a:prstGeom>
+        </p:spPr>
+        <p:style>
+          <a:lnRef idx="2">
+            <a:schemeClr val="accent1"/>
+          </a:lnRef>
+          <a:fillRef idx="0">
+            <a:schemeClr val="accent1"/>
+          </a:fillRef>
+          <a:effectRef idx="1">
+            <a:schemeClr val="accent1"/>
+          </a:effectRef>
+          <a:fontRef idx="minor">
+            <a:schemeClr val="tx1"/>
+          </a:fontRef>
+        </p:style>
+      </p:cxnSp>
+      <p:cxnSp>
+        <p:nvCxnSpPr>
+          <p:cNvPr id="1391" name="꺾인 연결선[E] 1390">
+            <a:extLst>
+              <a:ext uri="{FF2B5EF4-FFF2-40B4-BE49-F238E27FC236}">
+                <a16:creationId xmlns:a16="http://schemas.microsoft.com/office/drawing/2014/main" id="{EA783922-7968-CE26-A980-D6E00B57C17A}"/>
+              </a:ext>
+            </a:extLst>
+          </p:cNvPr>
+          <p:cNvCxnSpPr>
+            <a:cxnSpLocks/>
+            <a:stCxn id="1052" idx="1"/>
+            <a:endCxn id="48" idx="3"/>
+          </p:cNvCxnSpPr>
+          <p:nvPr/>
+        </p:nvCxnSpPr>
+        <p:spPr>
+          <a:xfrm rot="10800000" flipV="1">
+            <a:off x="9976089" y="6678648"/>
+            <a:ext cx="1321746" cy="293401"/>
+          </a:xfrm>
+          <a:prstGeom prst="bentConnector3">
+            <a:avLst>
+              <a:gd name="adj1" fmla="val 6232"/>
+            </a:avLst>
+          </a:prstGeom>
+        </p:spPr>
+        <p:style>
+          <a:lnRef idx="2">
+            <a:schemeClr val="accent1"/>
+          </a:lnRef>
+          <a:fillRef idx="0">
+            <a:schemeClr val="accent1"/>
+          </a:fillRef>
+          <a:effectRef idx="1">
+            <a:schemeClr val="accent1"/>
+          </a:effectRef>
+          <a:fontRef idx="minor">
+            <a:schemeClr val="tx1"/>
+          </a:fontRef>
+        </p:style>
+      </p:cxnSp>
+      <p:cxnSp>
+        <p:nvCxnSpPr>
+          <p:cNvPr id="1395" name="꺾인 연결선[E] 1394">
+            <a:extLst>
+              <a:ext uri="{FF2B5EF4-FFF2-40B4-BE49-F238E27FC236}">
+                <a16:creationId xmlns:a16="http://schemas.microsoft.com/office/drawing/2014/main" id="{5627ABDC-B092-3C1D-D5E6-B13773A09DA9}"/>
+              </a:ext>
+            </a:extLst>
+          </p:cNvPr>
+          <p:cNvCxnSpPr>
+            <a:cxnSpLocks/>
+            <a:stCxn id="1053" idx="1"/>
+            <a:endCxn id="48" idx="3"/>
+          </p:cNvCxnSpPr>
+          <p:nvPr/>
+        </p:nvCxnSpPr>
+        <p:spPr>
+          <a:xfrm rot="10800000" flipV="1">
+            <a:off x="9976089" y="6970128"/>
+            <a:ext cx="1321746" cy="1921"/>
+          </a:xfrm>
+          <a:prstGeom prst="bentConnector3">
+            <a:avLst>
+              <a:gd name="adj1" fmla="val 50000"/>
+            </a:avLst>
+          </a:prstGeom>
+        </p:spPr>
+        <p:style>
+          <a:lnRef idx="2">
+            <a:schemeClr val="accent1"/>
+          </a:lnRef>
+          <a:fillRef idx="0">
+            <a:schemeClr val="accent1"/>
+          </a:fillRef>
+          <a:effectRef idx="1">
+            <a:schemeClr val="accent1"/>
+          </a:effectRef>
+          <a:fontRef idx="minor">
+            <a:schemeClr val="tx1"/>
+          </a:fontRef>
+        </p:style>
+      </p:cxnSp>
+      <p:cxnSp>
+        <p:nvCxnSpPr>
+          <p:cNvPr id="1398" name="꺾인 연결선[E] 1397">
+            <a:extLst>
+              <a:ext uri="{FF2B5EF4-FFF2-40B4-BE49-F238E27FC236}">
+                <a16:creationId xmlns:a16="http://schemas.microsoft.com/office/drawing/2014/main" id="{E6CB37D0-D5AA-DD89-6C4A-81BA1F09DC2C}"/>
+              </a:ext>
+            </a:extLst>
+          </p:cNvPr>
+          <p:cNvCxnSpPr>
+            <a:cxnSpLocks/>
+            <a:stCxn id="1054" idx="1"/>
+            <a:endCxn id="48" idx="3"/>
+          </p:cNvCxnSpPr>
+          <p:nvPr/>
+        </p:nvCxnSpPr>
+        <p:spPr>
+          <a:xfrm rot="10800000">
+            <a:off x="9976089" y="6972051"/>
+            <a:ext cx="1321746" cy="286853"/>
+          </a:xfrm>
+          <a:prstGeom prst="bentConnector3">
+            <a:avLst>
+              <a:gd name="adj1" fmla="val 6232"/>
+            </a:avLst>
+          </a:prstGeom>
+        </p:spPr>
+        <p:style>
+          <a:lnRef idx="2">
+            <a:schemeClr val="accent1"/>
+          </a:lnRef>
+          <a:fillRef idx="0">
+            <a:schemeClr val="accent1"/>
+          </a:fillRef>
+          <a:effectRef idx="1">
+            <a:schemeClr val="accent1"/>
+          </a:effectRef>
+          <a:fontRef idx="minor">
+            <a:schemeClr val="tx1"/>
+          </a:fontRef>
+        </p:style>
+      </p:cxnSp>
+      <p:cxnSp>
+        <p:nvCxnSpPr>
+          <p:cNvPr id="1404" name="꺾인 연결선[E] 1403">
+            <a:extLst>
+              <a:ext uri="{FF2B5EF4-FFF2-40B4-BE49-F238E27FC236}">
+                <a16:creationId xmlns:a16="http://schemas.microsoft.com/office/drawing/2014/main" id="{A6CB1323-9FDC-0599-FB8D-1C4E800DDA81}"/>
+              </a:ext>
+            </a:extLst>
+          </p:cNvPr>
+          <p:cNvCxnSpPr>
+            <a:cxnSpLocks/>
+            <a:stCxn id="9" idx="3"/>
+            <a:endCxn id="18" idx="1"/>
+          </p:cNvCxnSpPr>
+          <p:nvPr/>
+        </p:nvCxnSpPr>
+        <p:spPr>
+          <a:xfrm>
+            <a:off x="12493382" y="5278856"/>
+            <a:ext cx="4070267" cy="756518"/>
+          </a:xfrm>
+          <a:prstGeom prst="bentConnector3">
+            <a:avLst>
+              <a:gd name="adj1" fmla="val 3982"/>
+            </a:avLst>
+          </a:prstGeom>
+        </p:spPr>
+        <p:style>
+          <a:lnRef idx="2">
+            <a:schemeClr val="accent1"/>
+          </a:lnRef>
+          <a:fillRef idx="0">
+            <a:schemeClr val="accent1"/>
+          </a:fillRef>
+          <a:effectRef idx="1">
+            <a:schemeClr val="accent1"/>
+          </a:effectRef>
+          <a:fontRef idx="minor">
+            <a:schemeClr val="tx1"/>
+          </a:fontRef>
+        </p:style>
+      </p:cxnSp>
+      <p:cxnSp>
+        <p:nvCxnSpPr>
+          <p:cNvPr id="1407" name="꺾인 연결선[E] 1406">
+            <a:extLst>
+              <a:ext uri="{FF2B5EF4-FFF2-40B4-BE49-F238E27FC236}">
+                <a16:creationId xmlns:a16="http://schemas.microsoft.com/office/drawing/2014/main" id="{13FF1740-66AD-2F9D-E312-C9387508257C}"/>
+              </a:ext>
+            </a:extLst>
+          </p:cNvPr>
+          <p:cNvCxnSpPr>
+            <a:cxnSpLocks/>
+            <a:stCxn id="7" idx="3"/>
+            <a:endCxn id="18" idx="1"/>
+          </p:cNvCxnSpPr>
+          <p:nvPr/>
+        </p:nvCxnSpPr>
+        <p:spPr>
+          <a:xfrm>
+            <a:off x="12500944" y="5603198"/>
+            <a:ext cx="4062705" cy="432176"/>
+          </a:xfrm>
+          <a:prstGeom prst="bentConnector3">
+            <a:avLst>
+              <a:gd name="adj1" fmla="val 3793"/>
+            </a:avLst>
+          </a:prstGeom>
+        </p:spPr>
+        <p:style>
+          <a:lnRef idx="2">
+            <a:schemeClr val="accent1"/>
+          </a:lnRef>
+          <a:fillRef idx="0">
+            <a:schemeClr val="accent1"/>
+          </a:fillRef>
+          <a:effectRef idx="1">
+            <a:schemeClr val="accent1"/>
+          </a:effectRef>
+          <a:fontRef idx="minor">
+            <a:schemeClr val="tx1"/>
+          </a:fontRef>
+        </p:style>
+      </p:cxnSp>
+      <p:cxnSp>
+        <p:nvCxnSpPr>
+          <p:cNvPr id="1410" name="꺾인 연결선[E] 1409">
+            <a:extLst>
+              <a:ext uri="{FF2B5EF4-FFF2-40B4-BE49-F238E27FC236}">
+                <a16:creationId xmlns:a16="http://schemas.microsoft.com/office/drawing/2014/main" id="{2AD31820-4914-7960-6614-D830081E061D}"/>
+              </a:ext>
+            </a:extLst>
+          </p:cNvPr>
+          <p:cNvCxnSpPr>
+            <a:cxnSpLocks/>
+            <a:stCxn id="2" idx="3"/>
+            <a:endCxn id="18" idx="1"/>
+          </p:cNvCxnSpPr>
+          <p:nvPr/>
+        </p:nvCxnSpPr>
+        <p:spPr>
+          <a:xfrm>
+            <a:off x="12499063" y="5908771"/>
+            <a:ext cx="4064586" cy="126603"/>
+          </a:xfrm>
+          <a:prstGeom prst="bentConnector3">
+            <a:avLst>
+              <a:gd name="adj1" fmla="val 3814"/>
+            </a:avLst>
+          </a:prstGeom>
+        </p:spPr>
+        <p:style>
+          <a:lnRef idx="2">
+            <a:schemeClr val="accent1"/>
+          </a:lnRef>
+          <a:fillRef idx="0">
+            <a:schemeClr val="accent1"/>
+          </a:fillRef>
+          <a:effectRef idx="1">
+            <a:schemeClr val="accent1"/>
+          </a:effectRef>
+          <a:fontRef idx="minor">
+            <a:schemeClr val="tx1"/>
+          </a:fontRef>
+        </p:style>
+      </p:cxnSp>
+      <p:cxnSp>
+        <p:nvCxnSpPr>
+          <p:cNvPr id="1466" name="꺾인 연결선[E] 1465">
+            <a:extLst>
+              <a:ext uri="{FF2B5EF4-FFF2-40B4-BE49-F238E27FC236}">
+                <a16:creationId xmlns:a16="http://schemas.microsoft.com/office/drawing/2014/main" id="{0CD098E9-0D26-937D-DB35-D974992EB817}"/>
+              </a:ext>
+            </a:extLst>
+          </p:cNvPr>
+          <p:cNvCxnSpPr>
+            <a:cxnSpLocks/>
+            <a:stCxn id="63" idx="1"/>
+            <a:endCxn id="1321" idx="2"/>
+          </p:cNvCxnSpPr>
+          <p:nvPr/>
+        </p:nvCxnSpPr>
+        <p:spPr>
+          <a:xfrm rot="10800000" flipV="1">
+            <a:off x="9483296" y="6216095"/>
+            <a:ext cx="8470623" cy="2045953"/>
+          </a:xfrm>
+          <a:prstGeom prst="bentConnector4">
+            <a:avLst>
+              <a:gd name="adj1" fmla="val 5377"/>
+              <a:gd name="adj2" fmla="val 111173"/>
+            </a:avLst>
+          </a:prstGeom>
+          <a:ln>
+            <a:solidFill>
+              <a:schemeClr val="accent2"/>
+            </a:solidFill>
+          </a:ln>
+        </p:spPr>
+        <p:style>
+          <a:lnRef idx="2">
+            <a:schemeClr val="accent1"/>
+          </a:lnRef>
+          <a:fillRef idx="0">
+            <a:schemeClr val="accent1"/>
+          </a:fillRef>
+          <a:effectRef idx="1">
+            <a:schemeClr val="accent1"/>
+          </a:effectRef>
+          <a:fontRef idx="minor">
+            <a:schemeClr val="tx1"/>
+          </a:fontRef>
+        </p:style>
+      </p:cxnSp>
+      <p:cxnSp>
+        <p:nvCxnSpPr>
+          <p:cNvPr id="1469" name="꺾인 연결선[E] 1468">
+            <a:extLst>
+              <a:ext uri="{FF2B5EF4-FFF2-40B4-BE49-F238E27FC236}">
+                <a16:creationId xmlns:a16="http://schemas.microsoft.com/office/drawing/2014/main" id="{B7283620-4C7C-7419-6B05-ED96FACE55B0}"/>
+              </a:ext>
+            </a:extLst>
+          </p:cNvPr>
+          <p:cNvCxnSpPr>
+            <a:cxnSpLocks/>
+            <a:stCxn id="1281" idx="2"/>
+            <a:endCxn id="63" idx="1"/>
+          </p:cNvCxnSpPr>
+          <p:nvPr/>
+        </p:nvCxnSpPr>
+        <p:spPr>
+          <a:xfrm rot="5400000" flipH="1" flipV="1">
+            <a:off x="13905489" y="4185821"/>
+            <a:ext cx="2018153" cy="6078703"/>
+          </a:xfrm>
+          <a:prstGeom prst="bentConnector4">
+            <a:avLst>
+              <a:gd name="adj1" fmla="val -12648"/>
+              <a:gd name="adj2" fmla="val 92437"/>
+            </a:avLst>
+          </a:prstGeom>
+          <a:ln>
+            <a:solidFill>
+              <a:schemeClr val="accent2"/>
+            </a:solidFill>
+          </a:ln>
+        </p:spPr>
+        <p:style>
+          <a:lnRef idx="2">
+            <a:schemeClr val="accent1"/>
+          </a:lnRef>
+          <a:fillRef idx="0">
+            <a:schemeClr val="accent1"/>
+          </a:fillRef>
+          <a:effectRef idx="1">
+            <a:schemeClr val="accent1"/>
+          </a:effectRef>
+          <a:fontRef idx="minor">
+            <a:schemeClr val="tx1"/>
+          </a:fontRef>
+        </p:style>
+      </p:cxnSp>
+      <p:cxnSp>
+        <p:nvCxnSpPr>
+          <p:cNvPr id="1031" name="꺾인 연결선[E] 1030">
+            <a:extLst>
+              <a:ext uri="{FF2B5EF4-FFF2-40B4-BE49-F238E27FC236}">
+                <a16:creationId xmlns:a16="http://schemas.microsoft.com/office/drawing/2014/main" id="{84D7F42F-4A79-1658-4C36-6CEDAEEFC88C}"/>
+              </a:ext>
+            </a:extLst>
+          </p:cNvPr>
+          <p:cNvCxnSpPr>
+            <a:cxnSpLocks/>
+            <a:stCxn id="18" idx="3"/>
+            <a:endCxn id="63" idx="1"/>
+          </p:cNvCxnSpPr>
+          <p:nvPr/>
+        </p:nvCxnSpPr>
+        <p:spPr>
+          <a:xfrm>
+            <a:off x="17029078" y="6035374"/>
+            <a:ext cx="924840" cy="180722"/>
+          </a:xfrm>
+          <a:prstGeom prst="bentConnector3">
+            <a:avLst>
+              <a:gd name="adj1" fmla="val 50000"/>
+            </a:avLst>
+          </a:prstGeom>
+          <a:ln>
+            <a:solidFill>
+              <a:schemeClr val="accent2"/>
+            </a:solidFill>
+          </a:ln>
+        </p:spPr>
+        <p:style>
+          <a:lnRef idx="2">
+            <a:schemeClr val="accent1"/>
+          </a:lnRef>
+          <a:fillRef idx="0">
+            <a:schemeClr val="accent1"/>
+          </a:fillRef>
+          <a:effectRef idx="1">
+            <a:schemeClr val="accent1"/>
+          </a:effectRef>
+          <a:fontRef idx="minor">
+            <a:schemeClr val="tx1"/>
+          </a:fontRef>
+        </p:style>
+      </p:cxnSp>
+      <p:sp>
+        <p:nvSpPr>
+          <p:cNvPr id="1035" name="제목 1">
+            <a:extLst>
+              <a:ext uri="{FF2B5EF4-FFF2-40B4-BE49-F238E27FC236}">
+                <a16:creationId xmlns:a16="http://schemas.microsoft.com/office/drawing/2014/main" id="{71FF8702-FED6-127F-52F1-3D46423D98B5}"/>
+              </a:ext>
+            </a:extLst>
+          </p:cNvPr>
+          <p:cNvSpPr txBox="1">
+            <a:spLocks/>
+          </p:cNvSpPr>
+          <p:nvPr/>
+        </p:nvSpPr>
+        <p:spPr>
+          <a:xfrm>
+            <a:off x="17562659" y="6428839"/>
+            <a:ext cx="1257659" cy="236354"/>
+          </a:xfrm>
+          <a:prstGeom prst="rect">
+            <a:avLst/>
+          </a:prstGeom>
+        </p:spPr>
+        <p:txBody>
+          <a:bodyPr vert="horz" lIns="91440" tIns="45720" rIns="91440" bIns="45720" rtlCol="0" anchor="ctr">
+            <a:normAutofit/>
+          </a:bodyPr>
+          <a:lstStyle>
+            <a:lvl1pPr algn="l" defTabSz="914400" rtl="0" eaLnBrk="1" latinLnBrk="1" hangingPunct="1">
+              <a:lnSpc>
+                <a:spcPct val="90000"/>
+              </a:lnSpc>
+              <a:spcBef>
+                <a:spcPct val="0"/>
+              </a:spcBef>
+              <a:buNone/>
+              <a:defRPr sz="4400" kern="1200">
+                <a:solidFill>
+                  <a:schemeClr val="tx1"/>
+                </a:solidFill>
+                <a:latin typeface="+mj-lt"/>
+                <a:ea typeface="+mj-ea"/>
+                <a:cs typeface="+mj-cs"/>
+              </a:defRPr>
+            </a:lvl1pPr>
+          </a:lstStyle>
+          <a:p>
+            <a:pPr algn="ctr"/>
+            <a:r>
+              <a:rPr kumimoji="1" lang="en-US" altLang="ko-KR" sz="900" b="1" dirty="0" err="1">
+                <a:latin typeface="KoPubWorldDotum Bold" pitchFamily="2" charset="-127"/>
+                <a:ea typeface="KoPubWorldDotum Bold" pitchFamily="2" charset="-127"/>
+                <a:cs typeface="KoPubWorldDotum Bold" pitchFamily="2" charset="-127"/>
+              </a:rPr>
+              <a:t>Cloudwatch</a:t>
+            </a:r>
+            <a:r>
+              <a:rPr kumimoji="1" lang="en-US" altLang="ko-KR" sz="900" b="1" dirty="0">
+                <a:latin typeface="KoPubWorldDotum Bold" pitchFamily="2" charset="-127"/>
+                <a:ea typeface="KoPubWorldDotum Bold" pitchFamily="2" charset="-127"/>
+                <a:cs typeface="KoPubWorldDotum Bold" pitchFamily="2" charset="-127"/>
+              </a:rPr>
+              <a:t> Logs</a:t>
+            </a:r>
+            <a:endParaRPr kumimoji="1" lang="ko-KR" altLang="en-US" sz="900" b="1" dirty="0">
+              <a:latin typeface="KoPubWorldDotum Bold" pitchFamily="2" charset="-127"/>
+              <a:ea typeface="KoPubWorldDotum Bold" pitchFamily="2" charset="-127"/>
+              <a:cs typeface="KoPubWorldDotum Bold" pitchFamily="2" charset="-127"/>
+            </a:endParaRPr>
+          </a:p>
+        </p:txBody>
+      </p:sp>
+      <p:cxnSp>
+        <p:nvCxnSpPr>
+          <p:cNvPr id="16" name="꺾인 연결선[E] 15">
+            <a:extLst>
+              <a:ext uri="{FF2B5EF4-FFF2-40B4-BE49-F238E27FC236}">
+                <a16:creationId xmlns:a16="http://schemas.microsoft.com/office/drawing/2014/main" id="{3DAC308B-8DEB-DB98-BB79-DD4CC91C5F68}"/>
+              </a:ext>
+            </a:extLst>
+          </p:cNvPr>
+          <p:cNvCxnSpPr>
+            <a:cxnSpLocks/>
+            <a:stCxn id="26" idx="3"/>
+            <a:endCxn id="18" idx="1"/>
+          </p:cNvCxnSpPr>
+          <p:nvPr/>
+        </p:nvCxnSpPr>
+        <p:spPr>
+          <a:xfrm flipV="1">
+            <a:off x="12499063" y="6035374"/>
+            <a:ext cx="4064586" cy="180722"/>
+          </a:xfrm>
+          <a:prstGeom prst="bentConnector3">
+            <a:avLst>
+              <a:gd name="adj1" fmla="val 3814"/>
+            </a:avLst>
+          </a:prstGeom>
+        </p:spPr>
+        <p:style>
+          <a:lnRef idx="2">
+            <a:schemeClr val="accent1"/>
+          </a:lnRef>
+          <a:fillRef idx="0">
+            <a:schemeClr val="accent1"/>
+          </a:fillRef>
+          <a:effectRef idx="1">
+            <a:schemeClr val="accent1"/>
+          </a:effectRef>
+          <a:fontRef idx="minor">
+            <a:schemeClr val="tx1"/>
+          </a:fontRef>
+        </p:style>
+      </p:cxnSp>
+      <p:cxnSp>
+        <p:nvCxnSpPr>
+          <p:cNvPr id="1389" name="꺾인 연결선[E] 1388">
+            <a:extLst>
+              <a:ext uri="{FF2B5EF4-FFF2-40B4-BE49-F238E27FC236}">
+                <a16:creationId xmlns:a16="http://schemas.microsoft.com/office/drawing/2014/main" id="{72BE46B1-8A40-A66C-2FC6-12215484F9D9}"/>
+              </a:ext>
+            </a:extLst>
+          </p:cNvPr>
+          <p:cNvCxnSpPr>
+            <a:cxnSpLocks/>
+            <a:stCxn id="18" idx="1"/>
+            <a:endCxn id="1402" idx="3"/>
+          </p:cNvCxnSpPr>
+          <p:nvPr/>
+        </p:nvCxnSpPr>
+        <p:spPr>
+          <a:xfrm rot="10800000" flipV="1">
+            <a:off x="15427165" y="6035373"/>
+            <a:ext cx="1136484" cy="457883"/>
+          </a:xfrm>
+          <a:prstGeom prst="bentConnector3">
+            <a:avLst>
+              <a:gd name="adj1" fmla="val 50373"/>
+            </a:avLst>
+          </a:prstGeom>
+        </p:spPr>
+        <p:style>
+          <a:lnRef idx="2">
+            <a:schemeClr val="accent1"/>
+          </a:lnRef>
+          <a:fillRef idx="0">
+            <a:schemeClr val="accent1"/>
+          </a:fillRef>
+          <a:effectRef idx="1">
+            <a:schemeClr val="accent1"/>
+          </a:effectRef>
+          <a:fontRef idx="minor">
+            <a:schemeClr val="tx1"/>
+          </a:fontRef>
+        </p:style>
+      </p:cxnSp>
+      <p:pic>
+        <p:nvPicPr>
+          <p:cNvPr id="1394" name="Picture 2" descr="Amazon Bedrock Connector - Overview (O11) | OutSystems">
+            <a:extLst>
+              <a:ext uri="{FF2B5EF4-FFF2-40B4-BE49-F238E27FC236}">
+                <a16:creationId xmlns:a16="http://schemas.microsoft.com/office/drawing/2014/main" id="{D76A8403-AB59-5F56-F93D-3436F3ECAE2C}"/>
+              </a:ext>
+            </a:extLst>
+          </p:cNvPr>
+          <p:cNvPicPr>
+            <a:picLocks noChangeAspect="1" noChangeArrowheads="1"/>
+          </p:cNvPicPr>
+          <p:nvPr/>
+        </p:nvPicPr>
+        <p:blipFill>
+          <a:blip r:embed="rId17">
+            <a:extLst>
+              <a:ext uri="{28A0092B-C50C-407E-A947-70E740481C1C}">
+                <a14:useLocalDpi xmlns:a14="http://schemas.microsoft.com/office/drawing/2010/main" val="0"/>
+              </a:ext>
+            </a:extLst>
+          </a:blip>
+          <a:srcRect/>
+          <a:stretch>
+            <a:fillRect/>
+          </a:stretch>
+        </p:blipFill>
+        <p:spPr bwMode="auto">
+          <a:xfrm>
+            <a:off x="13378557" y="7064514"/>
+            <a:ext cx="465430" cy="465430"/>
+          </a:xfrm>
+          <a:prstGeom prst="rect">
+            <a:avLst/>
+          </a:prstGeom>
+          <a:noFill/>
+          <a:extLst>
+            <a:ext uri="{909E8E84-426E-40DD-AFC4-6F175D3DCCD1}">
+              <a14:hiddenFill xmlns:a14="http://schemas.microsoft.com/office/drawing/2010/main">
+                <a:solidFill>
+                  <a:srgbClr val="FFFFFF"/>
+                </a:solidFill>
+              </a14:hiddenFill>
+            </a:ext>
+          </a:extLst>
+        </p:spPr>
+      </p:pic>
+      <p:sp>
+        <p:nvSpPr>
+          <p:cNvPr id="1396" name="제목 1">
+            <a:extLst>
+              <a:ext uri="{FF2B5EF4-FFF2-40B4-BE49-F238E27FC236}">
+                <a16:creationId xmlns:a16="http://schemas.microsoft.com/office/drawing/2014/main" id="{10EE7717-755C-1773-74F1-D8482F0EA898}"/>
+              </a:ext>
+            </a:extLst>
+          </p:cNvPr>
+          <p:cNvSpPr txBox="1">
+            <a:spLocks/>
+          </p:cNvSpPr>
+          <p:nvPr/>
+        </p:nvSpPr>
+        <p:spPr>
+          <a:xfrm>
+            <a:off x="13250904" y="7537509"/>
+            <a:ext cx="739201" cy="267998"/>
+          </a:xfrm>
+          <a:prstGeom prst="rect">
+            <a:avLst/>
+          </a:prstGeom>
+        </p:spPr>
+        <p:txBody>
+          <a:bodyPr vert="horz" lIns="91440" tIns="45720" rIns="91440" bIns="45720" rtlCol="0" anchor="ctr">
+            <a:normAutofit/>
+          </a:bodyPr>
+          <a:lstStyle>
+            <a:lvl1pPr algn="l" defTabSz="914400" rtl="0" eaLnBrk="1" latinLnBrk="1" hangingPunct="1">
+              <a:lnSpc>
+                <a:spcPct val="90000"/>
+              </a:lnSpc>
+              <a:spcBef>
+                <a:spcPct val="0"/>
+              </a:spcBef>
+              <a:buNone/>
+              <a:defRPr sz="4400" kern="1200">
+                <a:solidFill>
+                  <a:schemeClr val="tx1"/>
+                </a:solidFill>
+                <a:latin typeface="+mj-lt"/>
+                <a:ea typeface="+mj-ea"/>
+                <a:cs typeface="+mj-cs"/>
+              </a:defRPr>
+            </a:lvl1pPr>
+          </a:lstStyle>
+          <a:p>
+            <a:pPr algn="ctr"/>
+            <a:r>
+              <a:rPr kumimoji="1" lang="en-US" altLang="ko-KR" sz="900" b="1" dirty="0">
+                <a:latin typeface="KoPubWorldDotum Bold" pitchFamily="2" charset="-127"/>
+                <a:ea typeface="KoPubWorldDotum Bold" pitchFamily="2" charset="-127"/>
+                <a:cs typeface="KoPubWorldDotum Bold" pitchFamily="2" charset="-127"/>
+              </a:rPr>
+              <a:t>Bedrock</a:t>
+            </a:r>
+            <a:endParaRPr kumimoji="1" lang="ko-KR" altLang="en-US" sz="900" b="1" dirty="0">
+              <a:latin typeface="KoPubWorldDotum Bold" pitchFamily="2" charset="-127"/>
+              <a:ea typeface="KoPubWorldDotum Bold" pitchFamily="2" charset="-127"/>
+              <a:cs typeface="KoPubWorldDotum Bold" pitchFamily="2" charset="-127"/>
+            </a:endParaRPr>
+          </a:p>
+        </p:txBody>
+      </p:sp>
+      <p:sp>
+        <p:nvSpPr>
+          <p:cNvPr id="1397" name="제목 1">
+            <a:extLst>
+              <a:ext uri="{FF2B5EF4-FFF2-40B4-BE49-F238E27FC236}">
+                <a16:creationId xmlns:a16="http://schemas.microsoft.com/office/drawing/2014/main" id="{5F0DBADA-6E28-A6A2-8134-D353F321B803}"/>
+              </a:ext>
+            </a:extLst>
+          </p:cNvPr>
+          <p:cNvSpPr txBox="1">
+            <a:spLocks/>
+          </p:cNvSpPr>
+          <p:nvPr/>
+        </p:nvSpPr>
+        <p:spPr>
+          <a:xfrm>
+            <a:off x="14524664" y="7544099"/>
+            <a:ext cx="1304524" cy="262033"/>
+          </a:xfrm>
+          <a:prstGeom prst="rect">
+            <a:avLst/>
+          </a:prstGeom>
+        </p:spPr>
+        <p:txBody>
+          <a:bodyPr vert="horz" lIns="91440" tIns="45720" rIns="91440" bIns="45720" rtlCol="0" anchor="ctr">
+            <a:normAutofit/>
+          </a:bodyPr>
+          <a:lstStyle>
+            <a:lvl1pPr algn="l" defTabSz="914400" rtl="0" eaLnBrk="1" latinLnBrk="1" hangingPunct="1">
+              <a:lnSpc>
+                <a:spcPct val="90000"/>
+              </a:lnSpc>
+              <a:spcBef>
+                <a:spcPct val="0"/>
+              </a:spcBef>
+              <a:buNone/>
+              <a:defRPr sz="4400" kern="1200">
+                <a:solidFill>
+                  <a:schemeClr val="tx1"/>
+                </a:solidFill>
+                <a:latin typeface="+mj-lt"/>
+                <a:ea typeface="+mj-ea"/>
+                <a:cs typeface="+mj-cs"/>
+              </a:defRPr>
+            </a:lvl1pPr>
+          </a:lstStyle>
+          <a:p>
+            <a:pPr algn="ctr"/>
+            <a:r>
+              <a:rPr kumimoji="1" lang="en-US" altLang="ko-KR" sz="900" b="1" dirty="0">
+                <a:latin typeface="KoPubWorldDotum Bold" pitchFamily="2" charset="-127"/>
+                <a:ea typeface="KoPubWorldDotum Bold" pitchFamily="2" charset="-127"/>
+                <a:cs typeface="KoPubWorldDotum Bold" pitchFamily="2" charset="-127"/>
+              </a:rPr>
+              <a:t>Claude 3 Haiku</a:t>
+            </a:r>
+            <a:endParaRPr kumimoji="1" lang="ko-KR" altLang="en-US" sz="900" b="1" dirty="0">
+              <a:latin typeface="KoPubWorldDotum Bold" pitchFamily="2" charset="-127"/>
+              <a:ea typeface="KoPubWorldDotum Bold" pitchFamily="2" charset="-127"/>
+              <a:cs typeface="KoPubWorldDotum Bold" pitchFamily="2" charset="-127"/>
+            </a:endParaRPr>
+          </a:p>
+        </p:txBody>
+      </p:sp>
+      <p:pic>
+        <p:nvPicPr>
+          <p:cNvPr id="1399" name="Picture 2" descr="The AI wars heat up with Claude 3, claimed to have “near-human” abilities |  Ars Technica">
+            <a:extLst>
+              <a:ext uri="{FF2B5EF4-FFF2-40B4-BE49-F238E27FC236}">
+                <a16:creationId xmlns:a16="http://schemas.microsoft.com/office/drawing/2014/main" id="{53463989-5D77-4C43-13E9-6CCFC135E486}"/>
+              </a:ext>
+            </a:extLst>
+          </p:cNvPr>
+          <p:cNvPicPr>
+            <a:picLocks noChangeAspect="1" noChangeArrowheads="1"/>
+          </p:cNvPicPr>
+          <p:nvPr/>
+        </p:nvPicPr>
+        <p:blipFill rotWithShape="1">
+          <a:blip r:embed="rId18">
+            <a:extLst>
+              <a:ext uri="{28A0092B-C50C-407E-A947-70E740481C1C}">
+                <a14:useLocalDpi xmlns:a14="http://schemas.microsoft.com/office/drawing/2010/main" val="0"/>
+              </a:ext>
+            </a:extLst>
+          </a:blip>
+          <a:srcRect l="28567" t="10984" r="29591" b="14630"/>
+          <a:stretch/>
+        </p:blipFill>
+        <p:spPr bwMode="auto">
+          <a:xfrm>
+            <a:off x="14961735" y="7064423"/>
+            <a:ext cx="465430" cy="465430"/>
+          </a:xfrm>
+          <a:prstGeom prst="rect">
+            <a:avLst/>
+          </a:prstGeom>
+          <a:noFill/>
+          <a:extLst>
+            <a:ext uri="{909E8E84-426E-40DD-AFC4-6F175D3DCCD1}">
+              <a14:hiddenFill xmlns:a14="http://schemas.microsoft.com/office/drawing/2010/main">
+                <a:solidFill>
+                  <a:srgbClr val="FFFFFF"/>
+                </a:solidFill>
+              </a14:hiddenFill>
+            </a:ext>
+          </a:extLst>
+        </p:spPr>
+      </p:pic>
+      <p:cxnSp>
+        <p:nvCxnSpPr>
+          <p:cNvPr id="1400" name="직선 화살표 연결선 1399">
+            <a:extLst>
+              <a:ext uri="{FF2B5EF4-FFF2-40B4-BE49-F238E27FC236}">
+                <a16:creationId xmlns:a16="http://schemas.microsoft.com/office/drawing/2014/main" id="{994F1499-F788-38F8-F254-DEF95FBBC516}"/>
+              </a:ext>
+            </a:extLst>
+          </p:cNvPr>
+          <p:cNvCxnSpPr>
+            <a:cxnSpLocks/>
+            <a:stCxn id="1399" idx="1"/>
+            <a:endCxn id="1394" idx="3"/>
+          </p:cNvCxnSpPr>
+          <p:nvPr/>
+        </p:nvCxnSpPr>
+        <p:spPr>
+          <a:xfrm flipH="1">
+            <a:off x="13843987" y="7297138"/>
+            <a:ext cx="1117748" cy="91"/>
+          </a:xfrm>
+          <a:prstGeom prst="straightConnector1">
+            <a:avLst/>
+          </a:prstGeom>
+          <a:ln>
+            <a:headEnd type="none" w="med" len="med"/>
+            <a:tailEnd type="none" w="med" len="med"/>
+          </a:ln>
+        </p:spPr>
+        <p:style>
+          <a:lnRef idx="2">
+            <a:schemeClr val="accent1"/>
+          </a:lnRef>
+          <a:fillRef idx="0">
+            <a:schemeClr val="accent1"/>
+          </a:fillRef>
+          <a:effectRef idx="1">
+            <a:schemeClr val="accent1"/>
+          </a:effectRef>
+          <a:fontRef idx="minor">
+            <a:schemeClr val="tx1"/>
+          </a:fontRef>
+        </p:style>
+      </p:cxnSp>
+      <p:sp>
+        <p:nvSpPr>
+          <p:cNvPr id="1401" name="제목 1">
+            <a:extLst>
+              <a:ext uri="{FF2B5EF4-FFF2-40B4-BE49-F238E27FC236}">
+                <a16:creationId xmlns:a16="http://schemas.microsoft.com/office/drawing/2014/main" id="{7AFCC29E-F4C4-7F16-F51E-1940D08D258F}"/>
+              </a:ext>
+            </a:extLst>
+          </p:cNvPr>
+          <p:cNvSpPr txBox="1">
+            <a:spLocks/>
+          </p:cNvSpPr>
+          <p:nvPr/>
+        </p:nvSpPr>
+        <p:spPr>
+          <a:xfrm>
+            <a:off x="14529030" y="6744894"/>
+            <a:ext cx="1304524" cy="262033"/>
+          </a:xfrm>
+          <a:prstGeom prst="rect">
+            <a:avLst/>
+          </a:prstGeom>
+        </p:spPr>
+        <p:txBody>
+          <a:bodyPr vert="horz" lIns="91440" tIns="45720" rIns="91440" bIns="45720" rtlCol="0" anchor="ctr">
+            <a:normAutofit/>
+          </a:bodyPr>
+          <a:lstStyle>
+            <a:lvl1pPr algn="l" defTabSz="914400" rtl="0" eaLnBrk="1" latinLnBrk="1" hangingPunct="1">
+              <a:lnSpc>
+                <a:spcPct val="90000"/>
+              </a:lnSpc>
+              <a:spcBef>
+                <a:spcPct val="0"/>
+              </a:spcBef>
+              <a:buNone/>
+              <a:defRPr sz="4400" kern="1200">
+                <a:solidFill>
+                  <a:schemeClr val="tx1"/>
+                </a:solidFill>
+                <a:latin typeface="+mj-lt"/>
+                <a:ea typeface="+mj-ea"/>
+                <a:cs typeface="+mj-cs"/>
+              </a:defRPr>
+            </a:lvl1pPr>
+          </a:lstStyle>
+          <a:p>
+            <a:pPr algn="ctr"/>
+            <a:r>
+              <a:rPr kumimoji="1" lang="en-US" altLang="ko-KR" sz="900" b="1" dirty="0">
+                <a:latin typeface="KoPubWorldDotum Bold" pitchFamily="2" charset="-127"/>
+                <a:ea typeface="KoPubWorldDotum Bold" pitchFamily="2" charset="-127"/>
+                <a:cs typeface="KoPubWorldDotum Bold" pitchFamily="2" charset="-127"/>
+              </a:rPr>
+              <a:t>Claude 3.5 Sonnet</a:t>
+            </a:r>
+            <a:r>
+              <a:rPr kumimoji="1" lang="ko-KR" altLang="en-US" sz="900" b="1" dirty="0">
+                <a:latin typeface="KoPubWorldDotum Bold" pitchFamily="2" charset="-127"/>
+                <a:ea typeface="KoPubWorldDotum Bold" pitchFamily="2" charset="-127"/>
+                <a:cs typeface="KoPubWorldDotum Bold" pitchFamily="2" charset="-127"/>
+              </a:rPr>
+              <a:t> </a:t>
+            </a:r>
+            <a:r>
+              <a:rPr kumimoji="1" lang="en-US" altLang="ko-KR" sz="900" b="1" dirty="0">
+                <a:latin typeface="KoPubWorldDotum Bold" pitchFamily="2" charset="-127"/>
+                <a:ea typeface="KoPubWorldDotum Bold" pitchFamily="2" charset="-127"/>
+                <a:cs typeface="KoPubWorldDotum Bold" pitchFamily="2" charset="-127"/>
+              </a:rPr>
+              <a:t>V2</a:t>
+            </a:r>
+            <a:endParaRPr kumimoji="1" lang="ko-KR" altLang="en-US" sz="900" b="1" dirty="0">
+              <a:latin typeface="KoPubWorldDotum Bold" pitchFamily="2" charset="-127"/>
+              <a:ea typeface="KoPubWorldDotum Bold" pitchFamily="2" charset="-127"/>
+              <a:cs typeface="KoPubWorldDotum Bold" pitchFamily="2" charset="-127"/>
+            </a:endParaRPr>
+          </a:p>
+        </p:txBody>
+      </p:sp>
+      <p:pic>
+        <p:nvPicPr>
+          <p:cNvPr id="1402" name="Picture 2" descr="The AI wars heat up with Claude 3, claimed to have “near-human” abilities |  Ars Technica">
+            <a:extLst>
+              <a:ext uri="{FF2B5EF4-FFF2-40B4-BE49-F238E27FC236}">
+                <a16:creationId xmlns:a16="http://schemas.microsoft.com/office/drawing/2014/main" id="{DE106FA1-FAB0-CC7A-1C9C-57E0F2AB60DA}"/>
+              </a:ext>
+            </a:extLst>
+          </p:cNvPr>
+          <p:cNvPicPr>
+            <a:picLocks noChangeAspect="1" noChangeArrowheads="1"/>
+          </p:cNvPicPr>
+          <p:nvPr/>
+        </p:nvPicPr>
+        <p:blipFill rotWithShape="1">
+          <a:blip r:embed="rId18">
+            <a:extLst>
+              <a:ext uri="{28A0092B-C50C-407E-A947-70E740481C1C}">
+                <a14:useLocalDpi xmlns:a14="http://schemas.microsoft.com/office/drawing/2010/main" val="0"/>
+              </a:ext>
+            </a:extLst>
+          </a:blip>
+          <a:srcRect l="28567" t="10984" r="29591" b="14630"/>
+          <a:stretch/>
+        </p:blipFill>
+        <p:spPr bwMode="auto">
+          <a:xfrm>
+            <a:off x="14961735" y="6260542"/>
+            <a:ext cx="465430" cy="465430"/>
+          </a:xfrm>
+          <a:prstGeom prst="rect">
+            <a:avLst/>
+          </a:prstGeom>
+          <a:noFill/>
+          <a:extLst>
+            <a:ext uri="{909E8E84-426E-40DD-AFC4-6F175D3DCCD1}">
+              <a14:hiddenFill xmlns:a14="http://schemas.microsoft.com/office/drawing/2010/main">
+                <a:solidFill>
+                  <a:srgbClr val="FFFFFF"/>
+                </a:solidFill>
+              </a14:hiddenFill>
+            </a:ext>
+          </a:extLst>
+        </p:spPr>
+      </p:pic>
+      <p:sp>
+        <p:nvSpPr>
+          <p:cNvPr id="1403" name="제목 1">
+            <a:extLst>
+              <a:ext uri="{FF2B5EF4-FFF2-40B4-BE49-F238E27FC236}">
+                <a16:creationId xmlns:a16="http://schemas.microsoft.com/office/drawing/2014/main" id="{F9B01412-5E48-FB8A-F9B0-A305FEF0562A}"/>
+              </a:ext>
+            </a:extLst>
+          </p:cNvPr>
+          <p:cNvSpPr txBox="1">
+            <a:spLocks/>
+          </p:cNvSpPr>
+          <p:nvPr/>
+        </p:nvSpPr>
+        <p:spPr>
+          <a:xfrm>
+            <a:off x="13016726" y="6728802"/>
+            <a:ext cx="1206609" cy="267998"/>
+          </a:xfrm>
+          <a:prstGeom prst="rect">
+            <a:avLst/>
+          </a:prstGeom>
+        </p:spPr>
+        <p:txBody>
+          <a:bodyPr vert="horz" lIns="91440" tIns="45720" rIns="91440" bIns="45720" rtlCol="0" anchor="ctr">
+            <a:normAutofit/>
+          </a:bodyPr>
+          <a:lstStyle>
+            <a:lvl1pPr algn="l" defTabSz="914400" rtl="0" eaLnBrk="1" latinLnBrk="1" hangingPunct="1">
+              <a:lnSpc>
+                <a:spcPct val="90000"/>
+              </a:lnSpc>
+              <a:spcBef>
+                <a:spcPct val="0"/>
+              </a:spcBef>
+              <a:buNone/>
+              <a:defRPr sz="4400" kern="1200">
+                <a:solidFill>
+                  <a:schemeClr val="tx1"/>
+                </a:solidFill>
+                <a:latin typeface="+mj-lt"/>
+                <a:ea typeface="+mj-ea"/>
+                <a:cs typeface="+mj-cs"/>
+              </a:defRPr>
+            </a:lvl1pPr>
+          </a:lstStyle>
+          <a:p>
+            <a:pPr algn="ctr"/>
+            <a:r>
+              <a:rPr kumimoji="1" lang="en-US" altLang="ko-KR" sz="900" b="1" dirty="0">
+                <a:latin typeface="KoPubWorldDotum Bold" pitchFamily="2" charset="-127"/>
+                <a:ea typeface="KoPubWorldDotum Bold" pitchFamily="2" charset="-127"/>
+                <a:cs typeface="KoPubWorldDotum Bold" pitchFamily="2" charset="-127"/>
+              </a:rPr>
+              <a:t>Bedrock</a:t>
+            </a:r>
+            <a:r>
+              <a:rPr kumimoji="1" lang="ko-KR" altLang="en-US" sz="900" b="1" dirty="0">
+                <a:latin typeface="KoPubWorldDotum Bold" pitchFamily="2" charset="-127"/>
+                <a:ea typeface="KoPubWorldDotum Bold" pitchFamily="2" charset="-127"/>
+                <a:cs typeface="KoPubWorldDotum Bold" pitchFamily="2" charset="-127"/>
+              </a:rPr>
+              <a:t> </a:t>
+            </a:r>
+            <a:r>
+              <a:rPr kumimoji="1" lang="en-US" altLang="ko-KR" sz="900" b="1" dirty="0">
+                <a:latin typeface="KoPubWorldDotum Bold" pitchFamily="2" charset="-127"/>
+                <a:ea typeface="KoPubWorldDotum Bold" pitchFamily="2" charset="-127"/>
+                <a:cs typeface="KoPubWorldDotum Bold" pitchFamily="2" charset="-127"/>
+              </a:rPr>
+              <a:t>Agent</a:t>
+            </a:r>
+            <a:endParaRPr kumimoji="1" lang="ko-KR" altLang="en-US" sz="900" b="1" dirty="0">
+              <a:latin typeface="KoPubWorldDotum Bold" pitchFamily="2" charset="-127"/>
+              <a:ea typeface="KoPubWorldDotum Bold" pitchFamily="2" charset="-127"/>
+              <a:cs typeface="KoPubWorldDotum Bold" pitchFamily="2" charset="-127"/>
+            </a:endParaRPr>
+          </a:p>
+        </p:txBody>
+      </p:sp>
+      <p:pic>
+        <p:nvPicPr>
+          <p:cNvPr id="1405" name="Picture 2" descr="Amazon Bedrock Connector - Overview (O11) | OutSystems">
+            <a:extLst>
+              <a:ext uri="{FF2B5EF4-FFF2-40B4-BE49-F238E27FC236}">
+                <a16:creationId xmlns:a16="http://schemas.microsoft.com/office/drawing/2014/main" id="{7D41D965-1736-CB1F-7BA5-C6980DF18ED4}"/>
+              </a:ext>
+            </a:extLst>
+          </p:cNvPr>
+          <p:cNvPicPr>
+            <a:picLocks noChangeAspect="1" noChangeArrowheads="1"/>
+          </p:cNvPicPr>
+          <p:nvPr/>
+        </p:nvPicPr>
+        <p:blipFill>
+          <a:blip r:embed="rId17">
+            <a:alphaModFix/>
+            <a:extLst>
+              <a:ext uri="{28A0092B-C50C-407E-A947-70E740481C1C}">
+                <a14:useLocalDpi xmlns:a14="http://schemas.microsoft.com/office/drawing/2010/main" val="0"/>
+              </a:ext>
+            </a:extLst>
+          </a:blip>
+          <a:srcRect/>
+          <a:stretch>
+            <a:fillRect/>
+          </a:stretch>
+        </p:blipFill>
+        <p:spPr bwMode="auto">
+          <a:xfrm>
+            <a:off x="13376928" y="6264232"/>
+            <a:ext cx="465430" cy="465430"/>
+          </a:xfrm>
+          <a:prstGeom prst="rect">
+            <a:avLst/>
+          </a:prstGeom>
+          <a:noFill/>
+          <a:extLst>
+            <a:ext uri="{909E8E84-426E-40DD-AFC4-6F175D3DCCD1}">
+              <a14:hiddenFill xmlns:a14="http://schemas.microsoft.com/office/drawing/2010/main">
+                <a:solidFill>
+                  <a:srgbClr val="FFFFFF"/>
+                </a:solidFill>
+              </a14:hiddenFill>
+            </a:ext>
+          </a:extLst>
+        </p:spPr>
+      </p:pic>
+      <p:pic>
+        <p:nvPicPr>
+          <p:cNvPr id="1406" name="그림 1405">
+            <a:extLst>
+              <a:ext uri="{FF2B5EF4-FFF2-40B4-BE49-F238E27FC236}">
+                <a16:creationId xmlns:a16="http://schemas.microsoft.com/office/drawing/2014/main" id="{75F89F16-1286-353A-1893-C46DDE077E33}"/>
+              </a:ext>
+            </a:extLst>
+          </p:cNvPr>
+          <p:cNvPicPr>
+            <a:picLocks noChangeAspect="1"/>
+          </p:cNvPicPr>
+          <p:nvPr/>
+        </p:nvPicPr>
+        <p:blipFill>
+          <a:blip r:embed="rId19"/>
+          <a:stretch>
+            <a:fillRect/>
+          </a:stretch>
+        </p:blipFill>
+        <p:spPr>
+          <a:xfrm>
+            <a:off x="16573362" y="6604414"/>
+            <a:ext cx="465430" cy="465430"/>
+          </a:xfrm>
+          <a:prstGeom prst="rect">
+            <a:avLst/>
+          </a:prstGeom>
+        </p:spPr>
+      </p:pic>
+      <p:cxnSp>
+        <p:nvCxnSpPr>
+          <p:cNvPr id="1408" name="직선 화살표 연결선 1407">
+            <a:extLst>
+              <a:ext uri="{FF2B5EF4-FFF2-40B4-BE49-F238E27FC236}">
+                <a16:creationId xmlns:a16="http://schemas.microsoft.com/office/drawing/2014/main" id="{AADDBA02-411F-8211-B753-362151A949E9}"/>
+              </a:ext>
+            </a:extLst>
+          </p:cNvPr>
+          <p:cNvCxnSpPr>
+            <a:cxnSpLocks/>
+            <a:stCxn id="1402" idx="1"/>
+            <a:endCxn id="1405" idx="3"/>
+          </p:cNvCxnSpPr>
+          <p:nvPr/>
+        </p:nvCxnSpPr>
+        <p:spPr>
+          <a:xfrm flipH="1">
+            <a:off x="13842358" y="6493257"/>
+            <a:ext cx="1119377" cy="3690"/>
+          </a:xfrm>
+          <a:prstGeom prst="straightConnector1">
+            <a:avLst/>
+          </a:prstGeom>
+          <a:ln>
+            <a:headEnd type="none" w="med" len="med"/>
+            <a:tailEnd type="none" w="med" len="med"/>
+          </a:ln>
+        </p:spPr>
+        <p:style>
+          <a:lnRef idx="2">
+            <a:schemeClr val="accent1"/>
+          </a:lnRef>
+          <a:fillRef idx="0">
+            <a:schemeClr val="accent1"/>
+          </a:fillRef>
+          <a:effectRef idx="1">
+            <a:schemeClr val="accent1"/>
+          </a:effectRef>
+          <a:fontRef idx="minor">
+            <a:schemeClr val="tx1"/>
+          </a:fontRef>
+        </p:style>
+      </p:cxnSp>
+      <p:sp>
+        <p:nvSpPr>
+          <p:cNvPr id="1409" name="제목 1">
+            <a:extLst>
+              <a:ext uri="{FF2B5EF4-FFF2-40B4-BE49-F238E27FC236}">
+                <a16:creationId xmlns:a16="http://schemas.microsoft.com/office/drawing/2014/main" id="{CBECEA5A-C026-1315-DECB-AE5C377042C2}"/>
+              </a:ext>
+            </a:extLst>
+          </p:cNvPr>
+          <p:cNvSpPr txBox="1">
+            <a:spLocks/>
+          </p:cNvSpPr>
+          <p:nvPr/>
+        </p:nvSpPr>
+        <p:spPr>
+          <a:xfrm>
+            <a:off x="16467697" y="7052312"/>
+            <a:ext cx="676761" cy="267998"/>
+          </a:xfrm>
+          <a:prstGeom prst="rect">
+            <a:avLst/>
+          </a:prstGeom>
+        </p:spPr>
+        <p:txBody>
+          <a:bodyPr vert="horz" lIns="91440" tIns="45720" rIns="91440" bIns="45720" rtlCol="0" anchor="ctr">
+            <a:normAutofit/>
+          </a:bodyPr>
+          <a:lstStyle>
+            <a:lvl1pPr algn="l" defTabSz="914400" rtl="0" eaLnBrk="1" latinLnBrk="1" hangingPunct="1">
+              <a:lnSpc>
+                <a:spcPct val="90000"/>
+              </a:lnSpc>
+              <a:spcBef>
+                <a:spcPct val="0"/>
+              </a:spcBef>
+              <a:buNone/>
+              <a:defRPr sz="4400" kern="1200">
+                <a:solidFill>
+                  <a:schemeClr val="tx1"/>
+                </a:solidFill>
+                <a:latin typeface="+mj-lt"/>
+                <a:ea typeface="+mj-ea"/>
+                <a:cs typeface="+mj-cs"/>
+              </a:defRPr>
+            </a:lvl1pPr>
+          </a:lstStyle>
+          <a:p>
+            <a:pPr algn="ctr"/>
+            <a:r>
+              <a:rPr kumimoji="1" lang="en-US" altLang="ko-KR" sz="900" b="1" dirty="0">
+                <a:latin typeface="KoPubWorldDotum Bold" pitchFamily="2" charset="-127"/>
+                <a:ea typeface="KoPubWorldDotum Bold" pitchFamily="2" charset="-127"/>
+                <a:cs typeface="KoPubWorldDotum Bold" pitchFamily="2" charset="-127"/>
+              </a:rPr>
+              <a:t>RDS</a:t>
+            </a:r>
+            <a:endParaRPr kumimoji="1" lang="ko-KR" altLang="en-US" sz="900" b="1" dirty="0">
+              <a:latin typeface="KoPubWorldDotum Bold" pitchFamily="2" charset="-127"/>
+              <a:ea typeface="KoPubWorldDotum Bold" pitchFamily="2" charset="-127"/>
+              <a:cs typeface="KoPubWorldDotum Bold" pitchFamily="2" charset="-127"/>
+            </a:endParaRPr>
+          </a:p>
+        </p:txBody>
+      </p:sp>
+      <p:cxnSp>
+        <p:nvCxnSpPr>
+          <p:cNvPr id="1421" name="꺾인 연결선[E] 1420">
+            <a:extLst>
+              <a:ext uri="{FF2B5EF4-FFF2-40B4-BE49-F238E27FC236}">
+                <a16:creationId xmlns:a16="http://schemas.microsoft.com/office/drawing/2014/main" id="{92C239DB-852A-A318-0FE2-4697CECED05F}"/>
+              </a:ext>
+            </a:extLst>
+          </p:cNvPr>
+          <p:cNvCxnSpPr>
+            <a:cxnSpLocks/>
+            <a:stCxn id="1406" idx="1"/>
+            <a:endCxn id="1402" idx="3"/>
+          </p:cNvCxnSpPr>
+          <p:nvPr/>
+        </p:nvCxnSpPr>
+        <p:spPr>
+          <a:xfrm rot="10800000">
+            <a:off x="15427166" y="6493257"/>
+            <a:ext cx="1146197" cy="343872"/>
+          </a:xfrm>
+          <a:prstGeom prst="bentConnector3">
+            <a:avLst>
+              <a:gd name="adj1" fmla="val 50831"/>
+            </a:avLst>
+          </a:prstGeom>
+        </p:spPr>
+        <p:style>
+          <a:lnRef idx="2">
+            <a:schemeClr val="accent1"/>
+          </a:lnRef>
+          <a:fillRef idx="0">
+            <a:schemeClr val="accent1"/>
+          </a:fillRef>
+          <a:effectRef idx="1">
+            <a:schemeClr val="accent1"/>
+          </a:effectRef>
+          <a:fontRef idx="minor">
+            <a:schemeClr val="tx1"/>
+          </a:fontRef>
+        </p:style>
+      </p:cxnSp>
+      <p:pic>
+        <p:nvPicPr>
+          <p:cNvPr id="1026" name="Picture 2" descr="Grafana - Wikipedia">
+            <a:extLst>
+              <a:ext uri="{FF2B5EF4-FFF2-40B4-BE49-F238E27FC236}">
+                <a16:creationId xmlns:a16="http://schemas.microsoft.com/office/drawing/2014/main" id="{7CC70EF4-EE44-C73A-5B09-20833F58D96F}"/>
+              </a:ext>
+            </a:extLst>
+          </p:cNvPr>
+          <p:cNvPicPr>
+            <a:picLocks noChangeAspect="1" noChangeArrowheads="1"/>
+          </p:cNvPicPr>
+          <p:nvPr/>
+        </p:nvPicPr>
+        <p:blipFill rotWithShape="1">
+          <a:blip r:embed="rId20">
+            <a:extLst>
+              <a:ext uri="{28A0092B-C50C-407E-A947-70E740481C1C}">
+                <a14:useLocalDpi xmlns:a14="http://schemas.microsoft.com/office/drawing/2010/main" val="0"/>
+              </a:ext>
+            </a:extLst>
+          </a:blip>
+          <a:srcRect l="12063" r="11797" b="21604"/>
+          <a:stretch/>
+        </p:blipFill>
+        <p:spPr bwMode="auto">
+          <a:xfrm>
+            <a:off x="19557674" y="5922570"/>
+            <a:ext cx="557498" cy="586931"/>
+          </a:xfrm>
+          <a:prstGeom prst="rect">
+            <a:avLst/>
+          </a:prstGeom>
+          <a:noFill/>
+          <a:extLst>
+            <a:ext uri="{909E8E84-426E-40DD-AFC4-6F175D3DCCD1}">
+              <a14:hiddenFill xmlns:a14="http://schemas.microsoft.com/office/drawing/2010/main">
+                <a:solidFill>
+                  <a:srgbClr val="FFFFFF"/>
+                </a:solidFill>
+              </a14:hiddenFill>
+            </a:ext>
+          </a:extLst>
+        </p:spPr>
+      </p:pic>
+      <p:sp>
+        <p:nvSpPr>
+          <p:cNvPr id="11" name="제목 1">
+            <a:extLst>
+              <a:ext uri="{FF2B5EF4-FFF2-40B4-BE49-F238E27FC236}">
+                <a16:creationId xmlns:a16="http://schemas.microsoft.com/office/drawing/2014/main" id="{C3610C31-5632-65E2-5388-3024BE2A3423}"/>
+              </a:ext>
+            </a:extLst>
+          </p:cNvPr>
+          <p:cNvSpPr txBox="1">
+            <a:spLocks/>
+          </p:cNvSpPr>
+          <p:nvPr/>
+        </p:nvSpPr>
+        <p:spPr>
+          <a:xfrm>
+            <a:off x="19285159" y="6447107"/>
+            <a:ext cx="1260673" cy="252462"/>
+          </a:xfrm>
+          <a:prstGeom prst="rect">
+            <a:avLst/>
+          </a:prstGeom>
+        </p:spPr>
+        <p:txBody>
+          <a:bodyPr vert="horz" lIns="91440" tIns="45720" rIns="91440" bIns="45720" rtlCol="0" anchor="ctr">
+            <a:normAutofit/>
+          </a:bodyPr>
+          <a:lstStyle>
+            <a:lvl1pPr algn="l" defTabSz="914400" rtl="0" eaLnBrk="1" latinLnBrk="1" hangingPunct="1">
+              <a:lnSpc>
+                <a:spcPct val="90000"/>
+              </a:lnSpc>
+              <a:spcBef>
+                <a:spcPct val="0"/>
+              </a:spcBef>
+              <a:buNone/>
+              <a:defRPr sz="4400" kern="1200">
+                <a:solidFill>
+                  <a:schemeClr val="tx1"/>
+                </a:solidFill>
+                <a:latin typeface="+mj-lt"/>
+                <a:ea typeface="+mj-ea"/>
+                <a:cs typeface="+mj-cs"/>
+              </a:defRPr>
+            </a:lvl1pPr>
+          </a:lstStyle>
+          <a:p>
+            <a:pPr algn="ctr"/>
+            <a:r>
+              <a:rPr kumimoji="1" lang="en-US" altLang="ko-KR" sz="900" b="1" dirty="0">
+                <a:latin typeface="KoPubWorldDotum Bold" pitchFamily="2" charset="-127"/>
+                <a:ea typeface="KoPubWorldDotum Bold" pitchFamily="2" charset="-127"/>
+                <a:cs typeface="KoPubWorldDotum Bold" pitchFamily="2" charset="-127"/>
+              </a:rPr>
+              <a:t>Grafana</a:t>
+            </a:r>
+            <a:endParaRPr kumimoji="1" lang="ko-KR" altLang="en-US" sz="900" b="1" dirty="0">
+              <a:latin typeface="KoPubWorldDotum Bold" pitchFamily="2" charset="-127"/>
+              <a:ea typeface="KoPubWorldDotum Bold" pitchFamily="2" charset="-127"/>
+              <a:cs typeface="KoPubWorldDotum Bold" pitchFamily="2" charset="-127"/>
+            </a:endParaRPr>
+          </a:p>
+        </p:txBody>
+      </p:sp>
+      <p:cxnSp>
+        <p:nvCxnSpPr>
+          <p:cNvPr id="13" name="직선 연결선[R] 12">
+            <a:extLst>
+              <a:ext uri="{FF2B5EF4-FFF2-40B4-BE49-F238E27FC236}">
+                <a16:creationId xmlns:a16="http://schemas.microsoft.com/office/drawing/2014/main" id="{88257A03-EE39-DE14-B934-789F9A8B7E8D}"/>
+              </a:ext>
+            </a:extLst>
+          </p:cNvPr>
+          <p:cNvCxnSpPr>
+            <a:cxnSpLocks/>
+            <a:stCxn id="1026" idx="1"/>
+            <a:endCxn id="63" idx="3"/>
+          </p:cNvCxnSpPr>
+          <p:nvPr/>
+        </p:nvCxnSpPr>
+        <p:spPr>
+          <a:xfrm flipH="1">
+            <a:off x="18416060" y="6216036"/>
+            <a:ext cx="1141614" cy="60"/>
+          </a:xfrm>
+          <a:prstGeom prst="line">
+            <a:avLst/>
+          </a:prstGeom>
+          <a:ln>
+            <a:solidFill>
+              <a:schemeClr val="accent2"/>
+            </a:solidFill>
+          </a:ln>
+        </p:spPr>
+        <p:style>
+          <a:lnRef idx="2">
+            <a:schemeClr val="accent1"/>
+          </a:lnRef>
+          <a:fillRef idx="0">
+            <a:schemeClr val="accent1"/>
+          </a:fillRef>
+          <a:effectRef idx="1">
+            <a:schemeClr val="accent1"/>
+          </a:effectRef>
+          <a:fontRef idx="minor">
+            <a:schemeClr val="tx1"/>
+          </a:fontRef>
+        </p:style>
+      </p:cxnSp>
+      <p:sp>
+        <p:nvSpPr>
+          <p:cNvPr id="4" name="처리 3">
+            <a:extLst>
+              <a:ext uri="{FF2B5EF4-FFF2-40B4-BE49-F238E27FC236}">
+                <a16:creationId xmlns:a16="http://schemas.microsoft.com/office/drawing/2014/main" id="{070D1035-48EA-B30A-7D2B-5CFA2839C878}"/>
+              </a:ext>
+            </a:extLst>
+          </p:cNvPr>
+          <p:cNvSpPr/>
+          <p:nvPr/>
+        </p:nvSpPr>
+        <p:spPr>
+          <a:xfrm>
+            <a:off x="11291624" y="4864294"/>
+            <a:ext cx="1200406" cy="245334"/>
+          </a:xfrm>
+          <a:prstGeom prst="flowChartProcess">
+            <a:avLst/>
+          </a:prstGeom>
+          <a:solidFill>
+            <a:schemeClr val="accent2"/>
+          </a:solidFill>
+          <a:ln>
+            <a:noFill/>
+          </a:ln>
+        </p:spPr>
+        <p:style>
+          <a:lnRef idx="2">
+            <a:schemeClr val="accent1">
+              <a:shade val="15000"/>
+            </a:schemeClr>
+          </a:lnRef>
+          <a:fillRef idx="1">
+            <a:schemeClr val="accent1"/>
+          </a:fillRef>
+          <a:effectRef idx="0">
+            <a:schemeClr val="accent1"/>
+          </a:effectRef>
+          <a:fontRef idx="minor">
+            <a:schemeClr val="lt1"/>
+          </a:fontRef>
+        </p:style>
+        <p:txBody>
+          <a:bodyPr rtlCol="0" anchor="ctr"/>
+          <a:lstStyle/>
+          <a:p>
+            <a:pPr algn="ctr"/>
+            <a:r>
+              <a:rPr kumimoji="1" lang="en-US" altLang="ko-KR" sz="900" b="1" dirty="0">
+                <a:latin typeface="KoPubWorldDotum Bold" pitchFamily="2" charset="-127"/>
+                <a:ea typeface="KoPubWorldDotum Bold" pitchFamily="2" charset="-127"/>
+                <a:cs typeface="KoPubWorldDotum Bold" pitchFamily="2" charset="-127"/>
+              </a:rPr>
+              <a:t>Logger</a:t>
+            </a:r>
+            <a:endParaRPr kumimoji="1" lang="ko-KR" altLang="en-US" sz="900" b="1" dirty="0">
+              <a:latin typeface="KoPubWorldDotum Bold" pitchFamily="2" charset="-127"/>
+              <a:ea typeface="KoPubWorldDotum Bold" pitchFamily="2" charset="-127"/>
+              <a:cs typeface="KoPubWorldDotum Bold" pitchFamily="2" charset="-127"/>
+            </a:endParaRPr>
+          </a:p>
+        </p:txBody>
+      </p:sp>
+      <p:cxnSp>
+        <p:nvCxnSpPr>
+          <p:cNvPr id="5" name="꺾인 연결선[E] 4">
+            <a:extLst>
+              <a:ext uri="{FF2B5EF4-FFF2-40B4-BE49-F238E27FC236}">
+                <a16:creationId xmlns:a16="http://schemas.microsoft.com/office/drawing/2014/main" id="{612E929A-D828-C85F-CFBD-21308F69B9D0}"/>
+              </a:ext>
+            </a:extLst>
+          </p:cNvPr>
+          <p:cNvCxnSpPr>
+            <a:cxnSpLocks/>
+            <a:stCxn id="4" idx="1"/>
+          </p:cNvCxnSpPr>
+          <p:nvPr/>
+        </p:nvCxnSpPr>
+        <p:spPr>
+          <a:xfrm rot="10800000" flipV="1">
+            <a:off x="10011996" y="4986961"/>
+            <a:ext cx="1279629" cy="747512"/>
+          </a:xfrm>
+          <a:prstGeom prst="bentConnector3">
+            <a:avLst>
+              <a:gd name="adj1" fmla="val 6757"/>
+            </a:avLst>
+          </a:prstGeom>
+        </p:spPr>
+        <p:style>
+          <a:lnRef idx="2">
+            <a:schemeClr val="accent1"/>
+          </a:lnRef>
+          <a:fillRef idx="0">
+            <a:schemeClr val="accent1"/>
+          </a:fillRef>
+          <a:effectRef idx="1">
+            <a:schemeClr val="accent1"/>
+          </a:effectRef>
+          <a:fontRef idx="minor">
+            <a:schemeClr val="tx1"/>
+          </a:fontRef>
+        </p:style>
+      </p:cxnSp>
+      <p:cxnSp>
+        <p:nvCxnSpPr>
+          <p:cNvPr id="23" name="꺾인 연결선[E] 22">
+            <a:extLst>
+              <a:ext uri="{FF2B5EF4-FFF2-40B4-BE49-F238E27FC236}">
+                <a16:creationId xmlns:a16="http://schemas.microsoft.com/office/drawing/2014/main" id="{254F340F-BC74-0213-85C5-5EDC1FA67E44}"/>
+              </a:ext>
+            </a:extLst>
+          </p:cNvPr>
+          <p:cNvCxnSpPr>
+            <a:cxnSpLocks/>
+            <a:stCxn id="1406" idx="3"/>
+            <a:endCxn id="63" idx="1"/>
+          </p:cNvCxnSpPr>
+          <p:nvPr/>
+        </p:nvCxnSpPr>
+        <p:spPr>
+          <a:xfrm flipV="1">
+            <a:off x="17038792" y="6216096"/>
+            <a:ext cx="915126" cy="621033"/>
+          </a:xfrm>
+          <a:prstGeom prst="bentConnector3">
+            <a:avLst>
+              <a:gd name="adj1" fmla="val 49624"/>
+            </a:avLst>
+          </a:prstGeom>
+          <a:ln>
+            <a:solidFill>
+              <a:schemeClr val="accent2"/>
+            </a:solidFill>
+          </a:ln>
+        </p:spPr>
+        <p:style>
+          <a:lnRef idx="2">
+            <a:schemeClr val="accent1"/>
+          </a:lnRef>
+          <a:fillRef idx="0">
+            <a:schemeClr val="accent1"/>
+          </a:fillRef>
+          <a:effectRef idx="1">
+            <a:schemeClr val="accent1"/>
+          </a:effectRef>
+          <a:fontRef idx="minor">
+            <a:schemeClr val="tx1"/>
+          </a:fontRef>
+        </p:style>
+      </p:cxnSp>
+      <p:pic>
+        <p:nvPicPr>
+          <p:cNvPr id="51" name="그림 50">
+            <a:extLst>
+              <a:ext uri="{FF2B5EF4-FFF2-40B4-BE49-F238E27FC236}">
+                <a16:creationId xmlns:a16="http://schemas.microsoft.com/office/drawing/2014/main" id="{4C12E145-2AD3-DF9B-0C1C-942E88A54D63}"/>
+              </a:ext>
+            </a:extLst>
+          </p:cNvPr>
+          <p:cNvPicPr>
+            <a:picLocks noChangeAspect="1"/>
+          </p:cNvPicPr>
+          <p:nvPr/>
+        </p:nvPicPr>
+        <p:blipFill>
+          <a:blip r:embed="rId21"/>
+          <a:stretch>
+            <a:fillRect/>
+          </a:stretch>
+        </p:blipFill>
+        <p:spPr>
+          <a:xfrm>
+            <a:off x="13420050" y="4754487"/>
+            <a:ext cx="465457" cy="465457"/>
+          </a:xfrm>
+          <a:prstGeom prst="rect">
+            <a:avLst/>
+          </a:prstGeom>
+        </p:spPr>
+      </p:pic>
+      <p:sp>
+        <p:nvSpPr>
+          <p:cNvPr id="1375" name="제목 1">
+            <a:extLst>
+              <a:ext uri="{FF2B5EF4-FFF2-40B4-BE49-F238E27FC236}">
+                <a16:creationId xmlns:a16="http://schemas.microsoft.com/office/drawing/2014/main" id="{EBB956E2-302F-53B3-AED1-A00E810FCB2B}"/>
+              </a:ext>
+            </a:extLst>
+          </p:cNvPr>
+          <p:cNvSpPr txBox="1">
+            <a:spLocks/>
+          </p:cNvSpPr>
+          <p:nvPr/>
+        </p:nvSpPr>
+        <p:spPr>
+          <a:xfrm>
+            <a:off x="12991929" y="5201326"/>
+            <a:ext cx="1372683" cy="267998"/>
+          </a:xfrm>
+          <a:prstGeom prst="rect">
+            <a:avLst/>
+          </a:prstGeom>
+        </p:spPr>
+        <p:txBody>
+          <a:bodyPr vert="horz" lIns="91440" tIns="45720" rIns="91440" bIns="45720" rtlCol="0" anchor="ctr">
+            <a:normAutofit/>
+          </a:bodyPr>
+          <a:lstStyle>
+            <a:lvl1pPr algn="l" defTabSz="914400" rtl="0" eaLnBrk="1" latinLnBrk="1" hangingPunct="1">
+              <a:lnSpc>
+                <a:spcPct val="90000"/>
+              </a:lnSpc>
+              <a:spcBef>
+                <a:spcPct val="0"/>
+              </a:spcBef>
+              <a:buNone/>
+              <a:defRPr sz="4400" kern="1200">
+                <a:solidFill>
+                  <a:schemeClr val="tx1"/>
+                </a:solidFill>
+                <a:latin typeface="+mj-lt"/>
+                <a:ea typeface="+mj-ea"/>
+                <a:cs typeface="+mj-cs"/>
+              </a:defRPr>
+            </a:lvl1pPr>
+          </a:lstStyle>
+          <a:p>
+            <a:pPr algn="ctr"/>
+            <a:r>
+              <a:rPr kumimoji="1" lang="en-US" altLang="ko-KR" sz="900" b="1" dirty="0">
+                <a:latin typeface="KoPubWorldDotum Bold" pitchFamily="2" charset="-127"/>
+                <a:ea typeface="KoPubWorldDotum Bold" pitchFamily="2" charset="-127"/>
+                <a:cs typeface="KoPubWorldDotum Bold" pitchFamily="2" charset="-127"/>
+              </a:rPr>
+              <a:t>Kinesis Firehose</a:t>
+            </a:r>
+            <a:endParaRPr kumimoji="1" lang="ko-KR" altLang="en-US" sz="900" b="1" dirty="0">
+              <a:latin typeface="KoPubWorldDotum Bold" pitchFamily="2" charset="-127"/>
+              <a:ea typeface="KoPubWorldDotum Bold" pitchFamily="2" charset="-127"/>
+              <a:cs typeface="KoPubWorldDotum Bold" pitchFamily="2" charset="-127"/>
+            </a:endParaRPr>
+          </a:p>
+        </p:txBody>
+      </p:sp>
+      <p:sp>
+        <p:nvSpPr>
+          <p:cNvPr id="1383" name="처리 1382">
+            <a:extLst>
+              <a:ext uri="{FF2B5EF4-FFF2-40B4-BE49-F238E27FC236}">
+                <a16:creationId xmlns:a16="http://schemas.microsoft.com/office/drawing/2014/main" id="{6D968E77-07DF-9186-E0E9-A32168D92E3B}"/>
+              </a:ext>
+            </a:extLst>
+          </p:cNvPr>
+          <p:cNvSpPr/>
+          <p:nvPr/>
+        </p:nvSpPr>
+        <p:spPr>
+          <a:xfrm>
+            <a:off x="14779632" y="4866515"/>
+            <a:ext cx="960913" cy="245334"/>
+          </a:xfrm>
+          <a:prstGeom prst="flowChartProcess">
+            <a:avLst/>
+          </a:prstGeom>
+          <a:solidFill>
+            <a:schemeClr val="accent2"/>
+          </a:solidFill>
+          <a:ln>
+            <a:noFill/>
+          </a:ln>
+        </p:spPr>
+        <p:style>
+          <a:lnRef idx="2">
+            <a:schemeClr val="accent1">
+              <a:shade val="15000"/>
+            </a:schemeClr>
+          </a:lnRef>
+          <a:fillRef idx="1">
+            <a:schemeClr val="accent1"/>
+          </a:fillRef>
+          <a:effectRef idx="0">
+            <a:schemeClr val="accent1"/>
+          </a:effectRef>
+          <a:fontRef idx="minor">
+            <a:schemeClr val="lt1"/>
+          </a:fontRef>
+        </p:style>
+        <p:txBody>
+          <a:bodyPr rtlCol="0" anchor="ctr"/>
+          <a:lstStyle/>
+          <a:p>
+            <a:pPr algn="ctr"/>
+            <a:r>
+              <a:rPr kumimoji="1" lang="en-US" altLang="ko-KR" sz="900" b="1" dirty="0">
+                <a:latin typeface="KoPubWorldDotum Bold" pitchFamily="2" charset="-127"/>
+                <a:ea typeface="KoPubWorldDotum Bold" pitchFamily="2" charset="-127"/>
+                <a:cs typeface="KoPubWorldDotum Bold" pitchFamily="2" charset="-127"/>
+              </a:rPr>
+              <a:t>Logs</a:t>
+            </a:r>
+            <a:endParaRPr kumimoji="1" lang="ko-KR" altLang="en-US" sz="900" b="1" dirty="0">
+              <a:latin typeface="KoPubWorldDotum Bold" pitchFamily="2" charset="-127"/>
+              <a:ea typeface="KoPubWorldDotum Bold" pitchFamily="2" charset="-127"/>
+              <a:cs typeface="KoPubWorldDotum Bold" pitchFamily="2" charset="-127"/>
+            </a:endParaRPr>
+          </a:p>
+        </p:txBody>
+      </p:sp>
+      <p:cxnSp>
+        <p:nvCxnSpPr>
+          <p:cNvPr id="1385" name="직선 화살표 연결선 1384">
+            <a:extLst>
+              <a:ext uri="{FF2B5EF4-FFF2-40B4-BE49-F238E27FC236}">
+                <a16:creationId xmlns:a16="http://schemas.microsoft.com/office/drawing/2014/main" id="{740897B9-E5D3-62A2-3E72-B1502FEA4EDC}"/>
+              </a:ext>
+            </a:extLst>
+          </p:cNvPr>
+          <p:cNvCxnSpPr>
+            <a:cxnSpLocks/>
+            <a:stCxn id="1383" idx="1"/>
+            <a:endCxn id="51" idx="3"/>
+          </p:cNvCxnSpPr>
+          <p:nvPr/>
+        </p:nvCxnSpPr>
+        <p:spPr>
+          <a:xfrm flipH="1" flipV="1">
+            <a:off x="13885507" y="4987216"/>
+            <a:ext cx="894125" cy="1966"/>
+          </a:xfrm>
+          <a:prstGeom prst="straightConnector1">
+            <a:avLst/>
+          </a:prstGeom>
+          <a:ln>
+            <a:solidFill>
+              <a:schemeClr val="accent2"/>
+            </a:solidFill>
+            <a:headEnd type="none" w="med" len="med"/>
+            <a:tailEnd type="none" w="med" len="med"/>
+          </a:ln>
+        </p:spPr>
+        <p:style>
+          <a:lnRef idx="2">
+            <a:schemeClr val="accent1"/>
+          </a:lnRef>
+          <a:fillRef idx="0">
+            <a:schemeClr val="accent1"/>
+          </a:fillRef>
+          <a:effectRef idx="1">
+            <a:schemeClr val="accent1"/>
+          </a:effectRef>
+          <a:fontRef idx="minor">
+            <a:schemeClr val="tx1"/>
+          </a:fontRef>
+        </p:style>
+      </p:cxnSp>
+      <p:pic>
+        <p:nvPicPr>
+          <p:cNvPr id="1393" name="그림 1392">
+            <a:extLst>
+              <a:ext uri="{FF2B5EF4-FFF2-40B4-BE49-F238E27FC236}">
+                <a16:creationId xmlns:a16="http://schemas.microsoft.com/office/drawing/2014/main" id="{578C87AC-F05B-E41E-29AC-425CA739536E}"/>
+              </a:ext>
+            </a:extLst>
+          </p:cNvPr>
+          <p:cNvPicPr>
+            <a:picLocks noChangeAspect="1"/>
+          </p:cNvPicPr>
+          <p:nvPr/>
+        </p:nvPicPr>
+        <p:blipFill>
+          <a:blip r:embed="rId22">
+            <a:alphaModFix amt="35000"/>
+          </a:blip>
+          <a:stretch>
+            <a:fillRect/>
+          </a:stretch>
+        </p:blipFill>
+        <p:spPr>
+          <a:xfrm>
+            <a:off x="16577669" y="4760384"/>
+            <a:ext cx="461123" cy="461123"/>
+          </a:xfrm>
+          <a:prstGeom prst="rect">
+            <a:avLst/>
+          </a:prstGeom>
+        </p:spPr>
+      </p:pic>
+      <p:cxnSp>
+        <p:nvCxnSpPr>
+          <p:cNvPr id="1411" name="직선 화살표 연결선 1410">
+            <a:extLst>
+              <a:ext uri="{FF2B5EF4-FFF2-40B4-BE49-F238E27FC236}">
+                <a16:creationId xmlns:a16="http://schemas.microsoft.com/office/drawing/2014/main" id="{BAA1EEA6-51A0-7D95-1878-12E0AE39985F}"/>
+              </a:ext>
+            </a:extLst>
+          </p:cNvPr>
+          <p:cNvCxnSpPr>
+            <a:cxnSpLocks/>
+            <a:stCxn id="51" idx="1"/>
+            <a:endCxn id="4" idx="3"/>
+          </p:cNvCxnSpPr>
+          <p:nvPr/>
+        </p:nvCxnSpPr>
+        <p:spPr>
+          <a:xfrm flipH="1" flipV="1">
+            <a:off x="12492030" y="4986961"/>
+            <a:ext cx="928020" cy="255"/>
+          </a:xfrm>
+          <a:prstGeom prst="straightConnector1">
+            <a:avLst/>
+          </a:prstGeom>
+          <a:ln>
+            <a:solidFill>
+              <a:schemeClr val="accent2"/>
+            </a:solidFill>
+            <a:headEnd type="none" w="med" len="med"/>
+            <a:tailEnd type="none" w="med" len="med"/>
+          </a:ln>
+        </p:spPr>
+        <p:style>
+          <a:lnRef idx="2">
+            <a:schemeClr val="accent1"/>
+          </a:lnRef>
+          <a:fillRef idx="0">
+            <a:schemeClr val="accent1"/>
+          </a:fillRef>
+          <a:effectRef idx="1">
+            <a:schemeClr val="accent1"/>
+          </a:effectRef>
+          <a:fontRef idx="minor">
+            <a:schemeClr val="tx1"/>
+          </a:fontRef>
+        </p:style>
+      </p:cxnSp>
+      <p:cxnSp>
+        <p:nvCxnSpPr>
+          <p:cNvPr id="1416" name="직선 화살표 연결선 1415">
+            <a:extLst>
+              <a:ext uri="{FF2B5EF4-FFF2-40B4-BE49-F238E27FC236}">
+                <a16:creationId xmlns:a16="http://schemas.microsoft.com/office/drawing/2014/main" id="{FE222B66-F88B-2875-3C0E-47BFD3363CDF}"/>
+              </a:ext>
+            </a:extLst>
+          </p:cNvPr>
+          <p:cNvCxnSpPr>
+            <a:cxnSpLocks/>
+            <a:stCxn id="1393" idx="1"/>
+            <a:endCxn id="1383" idx="3"/>
+          </p:cNvCxnSpPr>
+          <p:nvPr/>
+        </p:nvCxnSpPr>
+        <p:spPr>
+          <a:xfrm flipH="1" flipV="1">
+            <a:off x="15740545" y="4989182"/>
+            <a:ext cx="837124" cy="1764"/>
+          </a:xfrm>
+          <a:prstGeom prst="straightConnector1">
+            <a:avLst/>
+          </a:prstGeom>
+          <a:ln>
+            <a:solidFill>
+              <a:schemeClr val="accent2"/>
+            </a:solidFill>
+            <a:headEnd type="none" w="med" len="med"/>
+            <a:tailEnd type="none" w="med" len="med"/>
+          </a:ln>
+        </p:spPr>
+        <p:style>
+          <a:lnRef idx="2">
+            <a:schemeClr val="accent1"/>
+          </a:lnRef>
+          <a:fillRef idx="0">
+            <a:schemeClr val="accent1"/>
+          </a:fillRef>
+          <a:effectRef idx="1">
+            <a:schemeClr val="accent1"/>
+          </a:effectRef>
+          <a:fontRef idx="minor">
+            <a:schemeClr val="tx1"/>
+          </a:fontRef>
+        </p:style>
+      </p:cxnSp>
+      <p:sp>
+        <p:nvSpPr>
+          <p:cNvPr id="1419" name="제목 1">
+            <a:extLst>
+              <a:ext uri="{FF2B5EF4-FFF2-40B4-BE49-F238E27FC236}">
+                <a16:creationId xmlns:a16="http://schemas.microsoft.com/office/drawing/2014/main" id="{B74156B3-1C2D-39FF-863B-72890714E535}"/>
+              </a:ext>
+            </a:extLst>
+          </p:cNvPr>
+          <p:cNvSpPr txBox="1">
+            <a:spLocks/>
+          </p:cNvSpPr>
+          <p:nvPr/>
+        </p:nvSpPr>
+        <p:spPr>
+          <a:xfrm>
+            <a:off x="16487642" y="5175723"/>
+            <a:ext cx="631119" cy="267998"/>
+          </a:xfrm>
+          <a:prstGeom prst="rect">
+            <a:avLst/>
+          </a:prstGeom>
+        </p:spPr>
+        <p:txBody>
+          <a:bodyPr vert="horz" lIns="91440" tIns="45720" rIns="91440" bIns="45720" rtlCol="0" anchor="ctr">
+            <a:normAutofit/>
+          </a:bodyPr>
+          <a:lstStyle>
+            <a:lvl1pPr algn="l" defTabSz="914400" rtl="0" eaLnBrk="1" latinLnBrk="1" hangingPunct="1">
+              <a:lnSpc>
+                <a:spcPct val="90000"/>
+              </a:lnSpc>
+              <a:spcBef>
+                <a:spcPct val="0"/>
+              </a:spcBef>
+              <a:buNone/>
+              <a:defRPr sz="4400" kern="1200">
+                <a:solidFill>
+                  <a:schemeClr val="tx1"/>
+                </a:solidFill>
+                <a:latin typeface="+mj-lt"/>
+                <a:ea typeface="+mj-ea"/>
+                <a:cs typeface="+mj-cs"/>
+              </a:defRPr>
+            </a:lvl1pPr>
+          </a:lstStyle>
+          <a:p>
+            <a:pPr algn="ctr"/>
+            <a:r>
+              <a:rPr kumimoji="1" lang="en-US" altLang="ko-KR" sz="900" b="1" dirty="0">
+                <a:latin typeface="KoPubWorldDotum Bold" pitchFamily="2" charset="-127"/>
+                <a:ea typeface="KoPubWorldDotum Bold" pitchFamily="2" charset="-127"/>
+                <a:cs typeface="KoPubWorldDotum Bold" pitchFamily="2" charset="-127"/>
+              </a:rPr>
+              <a:t>Athena</a:t>
+            </a:r>
+            <a:endParaRPr kumimoji="1" lang="ko-KR" altLang="en-US" sz="900" b="1" dirty="0">
+              <a:latin typeface="KoPubWorldDotum Bold" pitchFamily="2" charset="-127"/>
+              <a:ea typeface="KoPubWorldDotum Bold" pitchFamily="2" charset="-127"/>
+              <a:cs typeface="KoPubWorldDotum Bold" pitchFamily="2" charset="-127"/>
+            </a:endParaRPr>
+          </a:p>
+        </p:txBody>
+      </p:sp>
+      <p:cxnSp>
+        <p:nvCxnSpPr>
+          <p:cNvPr id="1420" name="직선 화살표 연결선 1419">
+            <a:extLst>
+              <a:ext uri="{FF2B5EF4-FFF2-40B4-BE49-F238E27FC236}">
+                <a16:creationId xmlns:a16="http://schemas.microsoft.com/office/drawing/2014/main" id="{914023C7-FBD5-DDFF-E8BF-01C6A8896488}"/>
+              </a:ext>
+            </a:extLst>
+          </p:cNvPr>
+          <p:cNvCxnSpPr>
+            <a:cxnSpLocks/>
+            <a:stCxn id="1422" idx="1"/>
+            <a:endCxn id="1393" idx="3"/>
+          </p:cNvCxnSpPr>
+          <p:nvPr/>
+        </p:nvCxnSpPr>
+        <p:spPr>
+          <a:xfrm flipH="1">
+            <a:off x="17038792" y="4988617"/>
+            <a:ext cx="824783" cy="2329"/>
+          </a:xfrm>
+          <a:prstGeom prst="straightConnector1">
+            <a:avLst/>
+          </a:prstGeom>
+          <a:ln>
+            <a:solidFill>
+              <a:schemeClr val="accent2"/>
+            </a:solidFill>
+            <a:headEnd type="none" w="med" len="med"/>
+            <a:tailEnd type="none" w="med" len="med"/>
+          </a:ln>
+        </p:spPr>
+        <p:style>
+          <a:lnRef idx="2">
+            <a:schemeClr val="accent1"/>
+          </a:lnRef>
+          <a:fillRef idx="0">
+            <a:schemeClr val="accent1"/>
+          </a:fillRef>
+          <a:effectRef idx="1">
+            <a:schemeClr val="accent1"/>
+          </a:effectRef>
+          <a:fontRef idx="minor">
+            <a:schemeClr val="tx1"/>
+          </a:fontRef>
+        </p:style>
+      </p:cxnSp>
+      <p:pic>
+        <p:nvPicPr>
+          <p:cNvPr id="1422" name="Picture 2" descr="Marketplace - Tableau">
+            <a:extLst>
+              <a:ext uri="{FF2B5EF4-FFF2-40B4-BE49-F238E27FC236}">
+                <a16:creationId xmlns:a16="http://schemas.microsoft.com/office/drawing/2014/main" id="{8B3C3CAF-C16C-7555-8ADE-C9E648F3606D}"/>
+              </a:ext>
+            </a:extLst>
+          </p:cNvPr>
+          <p:cNvPicPr>
+            <a:picLocks noChangeAspect="1" noChangeArrowheads="1"/>
+          </p:cNvPicPr>
+          <p:nvPr/>
+        </p:nvPicPr>
+        <p:blipFill rotWithShape="1">
+          <a:blip r:embed="rId23">
+            <a:alphaModFix amt="35000"/>
+            <a:extLst>
+              <a:ext uri="{28A0092B-C50C-407E-A947-70E740481C1C}">
+                <a14:useLocalDpi xmlns:a14="http://schemas.microsoft.com/office/drawing/2010/main" val="0"/>
+              </a:ext>
+            </a:extLst>
+          </a:blip>
+          <a:srcRect t="30411" r="77209" b="30705"/>
+          <a:stretch/>
+        </p:blipFill>
+        <p:spPr bwMode="auto">
+          <a:xfrm>
+            <a:off x="17863575" y="4778203"/>
+            <a:ext cx="438503" cy="420827"/>
+          </a:xfrm>
+          <a:prstGeom prst="rect">
+            <a:avLst/>
+          </a:prstGeom>
+          <a:noFill/>
+          <a:extLst>
+            <a:ext uri="{909E8E84-426E-40DD-AFC4-6F175D3DCCD1}">
+              <a14:hiddenFill xmlns:a14="http://schemas.microsoft.com/office/drawing/2010/main">
+                <a:solidFill>
+                  <a:srgbClr val="FFFFFF"/>
+                </a:solidFill>
+              </a14:hiddenFill>
+            </a:ext>
+          </a:extLst>
+        </p:spPr>
+      </p:pic>
+      <p:cxnSp>
+        <p:nvCxnSpPr>
+          <p:cNvPr id="1427" name="꺾인 연결선[E] 1426">
+            <a:extLst>
+              <a:ext uri="{FF2B5EF4-FFF2-40B4-BE49-F238E27FC236}">
+                <a16:creationId xmlns:a16="http://schemas.microsoft.com/office/drawing/2014/main" id="{829EDCEA-D05B-0876-4DEE-FF53A55CC9D8}"/>
+              </a:ext>
+            </a:extLst>
+          </p:cNvPr>
+          <p:cNvCxnSpPr>
+            <a:cxnSpLocks/>
+            <a:stCxn id="1393" idx="3"/>
+            <a:endCxn id="63" idx="1"/>
+          </p:cNvCxnSpPr>
+          <p:nvPr/>
+        </p:nvCxnSpPr>
+        <p:spPr>
+          <a:xfrm>
+            <a:off x="17038792" y="4990946"/>
+            <a:ext cx="915126" cy="1225150"/>
+          </a:xfrm>
+          <a:prstGeom prst="bentConnector3">
+            <a:avLst>
+              <a:gd name="adj1" fmla="val 49513"/>
+            </a:avLst>
+          </a:prstGeom>
+          <a:ln>
+            <a:solidFill>
+              <a:schemeClr val="accent2"/>
+            </a:solidFill>
+          </a:ln>
+        </p:spPr>
+        <p:style>
+          <a:lnRef idx="2">
+            <a:schemeClr val="accent1"/>
+          </a:lnRef>
+          <a:fillRef idx="0">
+            <a:schemeClr val="accent1"/>
+          </a:fillRef>
+          <a:effectRef idx="1">
+            <a:schemeClr val="accent1"/>
+          </a:effectRef>
+          <a:fontRef idx="minor">
+            <a:schemeClr val="tx1"/>
+          </a:fontRef>
+        </p:style>
+      </p:cxnSp>
+      <p:pic>
+        <p:nvPicPr>
+          <p:cNvPr id="6" name="그림 5">
+            <a:extLst>
+              <a:ext uri="{FF2B5EF4-FFF2-40B4-BE49-F238E27FC236}">
+                <a16:creationId xmlns:a16="http://schemas.microsoft.com/office/drawing/2014/main" id="{044EC3C9-B173-E0C3-3243-8F839CF99BA3}"/>
+              </a:ext>
+            </a:extLst>
+          </p:cNvPr>
+          <p:cNvPicPr>
+            <a:picLocks noChangeAspect="1"/>
+          </p:cNvPicPr>
+          <p:nvPr/>
+        </p:nvPicPr>
+        <p:blipFill>
+          <a:blip r:embed="rId9"/>
+          <a:stretch>
+            <a:fillRect/>
+          </a:stretch>
+        </p:blipFill>
+        <p:spPr>
+          <a:xfrm>
+            <a:off x="15027867" y="5147660"/>
+            <a:ext cx="462142" cy="462142"/>
+          </a:xfrm>
+          <a:prstGeom prst="rect">
+            <a:avLst/>
+          </a:prstGeom>
+        </p:spPr>
+      </p:pic>
+      <p:sp>
+        <p:nvSpPr>
+          <p:cNvPr id="20" name="제목 1">
+            <a:extLst>
+              <a:ext uri="{FF2B5EF4-FFF2-40B4-BE49-F238E27FC236}">
+                <a16:creationId xmlns:a16="http://schemas.microsoft.com/office/drawing/2014/main" id="{4A24A5FC-1621-60A7-F1CF-CD4A0CAF017E}"/>
+              </a:ext>
+            </a:extLst>
+          </p:cNvPr>
+          <p:cNvSpPr txBox="1">
+            <a:spLocks/>
+          </p:cNvSpPr>
+          <p:nvPr/>
+        </p:nvSpPr>
+        <p:spPr>
+          <a:xfrm>
+            <a:off x="14569181" y="5616228"/>
+            <a:ext cx="1372683" cy="267998"/>
+          </a:xfrm>
+          <a:prstGeom prst="rect">
+            <a:avLst/>
+          </a:prstGeom>
+        </p:spPr>
+        <p:txBody>
+          <a:bodyPr vert="horz" lIns="91440" tIns="45720" rIns="91440" bIns="45720" rtlCol="0" anchor="ctr">
+            <a:normAutofit/>
+          </a:bodyPr>
+          <a:lstStyle>
+            <a:lvl1pPr algn="l" defTabSz="914400" rtl="0" eaLnBrk="1" latinLnBrk="1" hangingPunct="1">
+              <a:lnSpc>
+                <a:spcPct val="90000"/>
+              </a:lnSpc>
+              <a:spcBef>
+                <a:spcPct val="0"/>
+              </a:spcBef>
+              <a:buNone/>
+              <a:defRPr sz="4400" kern="1200">
+                <a:solidFill>
+                  <a:schemeClr val="tx1"/>
+                </a:solidFill>
+                <a:latin typeface="+mj-lt"/>
+                <a:ea typeface="+mj-ea"/>
+                <a:cs typeface="+mj-cs"/>
+              </a:defRPr>
+            </a:lvl1pPr>
+          </a:lstStyle>
+          <a:p>
+            <a:pPr algn="ctr"/>
+            <a:r>
+              <a:rPr kumimoji="1" lang="en-US" altLang="ko-KR" sz="900" b="1" dirty="0">
+                <a:latin typeface="KoPubWorldDotum Bold" pitchFamily="2" charset="-127"/>
+                <a:ea typeface="KoPubWorldDotum Bold" pitchFamily="2" charset="-127"/>
+                <a:cs typeface="KoPubWorldDotum Bold" pitchFamily="2" charset="-127"/>
+              </a:rPr>
+              <a:t>S3</a:t>
+            </a:r>
+            <a:endParaRPr kumimoji="1" lang="ko-KR" altLang="en-US" sz="900" b="1" dirty="0">
+              <a:latin typeface="KoPubWorldDotum Bold" pitchFamily="2" charset="-127"/>
+              <a:ea typeface="KoPubWorldDotum Bold" pitchFamily="2" charset="-127"/>
+              <a:cs typeface="KoPubWorldDotum Bold" pitchFamily="2" charset="-127"/>
+            </a:endParaRPr>
+          </a:p>
+        </p:txBody>
+      </p:sp>
+      <p:sp>
+        <p:nvSpPr>
+          <p:cNvPr id="8" name="제목 1">
+            <a:extLst>
+              <a:ext uri="{FF2B5EF4-FFF2-40B4-BE49-F238E27FC236}">
+                <a16:creationId xmlns:a16="http://schemas.microsoft.com/office/drawing/2014/main" id="{1E5CA70B-F6C4-A9AD-89B5-A2A892741ACD}"/>
+              </a:ext>
+            </a:extLst>
+          </p:cNvPr>
+          <p:cNvSpPr txBox="1">
+            <a:spLocks/>
+          </p:cNvSpPr>
+          <p:nvPr/>
+        </p:nvSpPr>
+        <p:spPr>
+          <a:xfrm>
+            <a:off x="17396484" y="5195861"/>
+            <a:ext cx="1372683" cy="267998"/>
+          </a:xfrm>
+          <a:prstGeom prst="rect">
+            <a:avLst/>
+          </a:prstGeom>
+        </p:spPr>
+        <p:txBody>
+          <a:bodyPr vert="horz" lIns="91440" tIns="45720" rIns="91440" bIns="45720" rtlCol="0" anchor="ctr">
+            <a:normAutofit/>
+          </a:bodyPr>
+          <a:lstStyle>
+            <a:lvl1pPr algn="l" defTabSz="914400" rtl="0" eaLnBrk="1" latinLnBrk="1" hangingPunct="1">
+              <a:lnSpc>
+                <a:spcPct val="90000"/>
+              </a:lnSpc>
+              <a:spcBef>
+                <a:spcPct val="0"/>
+              </a:spcBef>
+              <a:buNone/>
+              <a:defRPr sz="4400" kern="1200">
+                <a:solidFill>
+                  <a:schemeClr val="tx1"/>
+                </a:solidFill>
+                <a:latin typeface="+mj-lt"/>
+                <a:ea typeface="+mj-ea"/>
+                <a:cs typeface="+mj-cs"/>
+              </a:defRPr>
+            </a:lvl1pPr>
+          </a:lstStyle>
+          <a:p>
+            <a:pPr algn="ctr"/>
+            <a:r>
+              <a:rPr kumimoji="1" lang="en-US" altLang="ko-KR" sz="900" b="1" dirty="0">
+                <a:latin typeface="KoPubWorldDotum Bold" pitchFamily="2" charset="-127"/>
+                <a:ea typeface="KoPubWorldDotum Bold" pitchFamily="2" charset="-127"/>
+                <a:cs typeface="KoPubWorldDotum Bold" pitchFamily="2" charset="-127"/>
+              </a:rPr>
+              <a:t>Tableau</a:t>
+            </a:r>
+            <a:endParaRPr kumimoji="1" lang="ko-KR" altLang="en-US" sz="900" b="1" dirty="0">
+              <a:latin typeface="KoPubWorldDotum Bold" pitchFamily="2" charset="-127"/>
+              <a:ea typeface="KoPubWorldDotum Bold" pitchFamily="2" charset="-127"/>
+              <a:cs typeface="KoPubWorldDotum Bold" pitchFamily="2" charset="-127"/>
+            </a:endParaRPr>
+          </a:p>
+        </p:txBody>
+      </p:sp>
+      <p:sp>
+        <p:nvSpPr>
+          <p:cNvPr id="1371" name="직사각형 1370">
+            <a:extLst>
+              <a:ext uri="{FF2B5EF4-FFF2-40B4-BE49-F238E27FC236}">
+                <a16:creationId xmlns:a16="http://schemas.microsoft.com/office/drawing/2014/main" id="{1A11A6B3-FA06-5B8F-A18C-89EDBBB47673}"/>
+              </a:ext>
+            </a:extLst>
+          </p:cNvPr>
+          <p:cNvSpPr/>
+          <p:nvPr/>
+        </p:nvSpPr>
+        <p:spPr>
+          <a:xfrm>
+            <a:off x="5766876" y="4760383"/>
+            <a:ext cx="1439693" cy="527045"/>
+          </a:xfrm>
+          <a:prstGeom prst="rect">
+            <a:avLst/>
+          </a:prstGeom>
+          <a:noFill/>
+          <a:ln>
+            <a:solidFill>
+              <a:srgbClr val="156082"/>
+            </a:solidFill>
+            <a:prstDash val="sysDash"/>
+          </a:ln>
+        </p:spPr>
+        <p:style>
+          <a:lnRef idx="2">
+            <a:schemeClr val="accent1">
+              <a:shade val="15000"/>
+            </a:schemeClr>
+          </a:lnRef>
+          <a:fillRef idx="1">
+            <a:schemeClr val="accent1"/>
+          </a:fillRef>
+          <a:effectRef idx="0">
+            <a:schemeClr val="accent1"/>
+          </a:effectRef>
+          <a:fontRef idx="minor">
+            <a:schemeClr val="lt1"/>
+          </a:fontRef>
+        </p:style>
+        <p:txBody>
+          <a:bodyPr rtlCol="0" anchor="ctr"/>
+          <a:lstStyle/>
+          <a:p>
+            <a:pPr algn="ctr"/>
+            <a:endParaRPr kumimoji="1" lang="ko-KR" altLang="en-US" sz="900"/>
+          </a:p>
+        </p:txBody>
+      </p:sp>
+      <p:sp>
+        <p:nvSpPr>
+          <p:cNvPr id="1376" name="처리 1375">
+            <a:extLst>
+              <a:ext uri="{FF2B5EF4-FFF2-40B4-BE49-F238E27FC236}">
+                <a16:creationId xmlns:a16="http://schemas.microsoft.com/office/drawing/2014/main" id="{FD68981E-C74B-3637-D221-89067E1FA1B8}"/>
+              </a:ext>
+            </a:extLst>
+          </p:cNvPr>
+          <p:cNvSpPr/>
+          <p:nvPr/>
+        </p:nvSpPr>
+        <p:spPr>
+          <a:xfrm>
+            <a:off x="6116142" y="4911551"/>
+            <a:ext cx="781173" cy="245334"/>
+          </a:xfrm>
+          <a:prstGeom prst="flowChartProcess">
+            <a:avLst/>
+          </a:prstGeom>
+          <a:solidFill>
+            <a:schemeClr val="accent1"/>
+          </a:solidFill>
+          <a:ln>
+            <a:noFill/>
+          </a:ln>
+        </p:spPr>
+        <p:style>
+          <a:lnRef idx="2">
+            <a:schemeClr val="accent1">
+              <a:shade val="15000"/>
+            </a:schemeClr>
+          </a:lnRef>
+          <a:fillRef idx="1">
+            <a:schemeClr val="accent1"/>
+          </a:fillRef>
+          <a:effectRef idx="0">
+            <a:schemeClr val="accent1"/>
+          </a:effectRef>
+          <a:fontRef idx="minor">
+            <a:schemeClr val="lt1"/>
+          </a:fontRef>
+        </p:style>
+        <p:txBody>
+          <a:bodyPr rtlCol="0" anchor="ctr"/>
+          <a:lstStyle/>
+          <a:p>
+            <a:pPr algn="ctr"/>
+            <a:r>
+              <a:rPr kumimoji="1" lang="en-US" altLang="ko-KR" sz="900" b="1" dirty="0">
+                <a:latin typeface="KoPubWorldDotum Bold" pitchFamily="2" charset="-127"/>
+                <a:ea typeface="KoPubWorldDotum Bold" pitchFamily="2" charset="-127"/>
+                <a:cs typeface="KoPubWorldDotum Bold" pitchFamily="2" charset="-127"/>
+              </a:rPr>
+              <a:t>Assets</a:t>
+            </a:r>
+            <a:endParaRPr kumimoji="1" lang="ko-KR" altLang="en-US" sz="900" b="1" dirty="0">
+              <a:latin typeface="KoPubWorldDotum Bold" pitchFamily="2" charset="-127"/>
+              <a:ea typeface="KoPubWorldDotum Bold" pitchFamily="2" charset="-127"/>
+              <a:cs typeface="KoPubWorldDotum Bold" pitchFamily="2" charset="-127"/>
+            </a:endParaRPr>
+          </a:p>
+        </p:txBody>
+      </p:sp>
+      <p:cxnSp>
+        <p:nvCxnSpPr>
+          <p:cNvPr id="1378" name="꺾인 연결선[E] 1377">
+            <a:extLst>
+              <a:ext uri="{FF2B5EF4-FFF2-40B4-BE49-F238E27FC236}">
+                <a16:creationId xmlns:a16="http://schemas.microsoft.com/office/drawing/2014/main" id="{7F306590-EC6D-6F22-767A-80795E9F268E}"/>
+              </a:ext>
+            </a:extLst>
+          </p:cNvPr>
+          <p:cNvCxnSpPr>
+            <a:cxnSpLocks/>
+            <a:stCxn id="1376" idx="1"/>
+            <a:endCxn id="49" idx="0"/>
+          </p:cNvCxnSpPr>
+          <p:nvPr/>
+        </p:nvCxnSpPr>
+        <p:spPr>
+          <a:xfrm rot="10800000" flipV="1">
+            <a:off x="6059038" y="5034218"/>
+            <a:ext cx="57104" cy="497588"/>
+          </a:xfrm>
+          <a:prstGeom prst="bentConnector2">
+            <a:avLst/>
+          </a:prstGeom>
+        </p:spPr>
+        <p:style>
+          <a:lnRef idx="2">
+            <a:schemeClr val="accent1"/>
+          </a:lnRef>
+          <a:fillRef idx="0">
+            <a:schemeClr val="accent1"/>
+          </a:fillRef>
+          <a:effectRef idx="1">
+            <a:schemeClr val="accent1"/>
+          </a:effectRef>
+          <a:fontRef idx="minor">
+            <a:schemeClr val="tx1"/>
+          </a:fontRef>
+        </p:style>
+      </p:cxnSp>
+      <p:cxnSp>
+        <p:nvCxnSpPr>
+          <p:cNvPr id="12" name="꺾인 연결선[E] 11">
+            <a:extLst>
+              <a:ext uri="{FF2B5EF4-FFF2-40B4-BE49-F238E27FC236}">
+                <a16:creationId xmlns:a16="http://schemas.microsoft.com/office/drawing/2014/main" id="{5780A8E5-B214-B31D-96A2-7CB6BFDC8999}"/>
+              </a:ext>
+            </a:extLst>
+          </p:cNvPr>
+          <p:cNvCxnSpPr>
+            <a:cxnSpLocks/>
+            <a:stCxn id="1364" idx="0"/>
+            <a:endCxn id="1387" idx="3"/>
+          </p:cNvCxnSpPr>
+          <p:nvPr/>
+        </p:nvCxnSpPr>
+        <p:spPr>
+          <a:xfrm rot="16200000" flipH="1" flipV="1">
+            <a:off x="9425595" y="1478281"/>
+            <a:ext cx="2596243" cy="5905468"/>
+          </a:xfrm>
+          <a:prstGeom prst="bentConnector4">
+            <a:avLst>
+              <a:gd name="adj1" fmla="val -12675"/>
+              <a:gd name="adj2" fmla="val 89557"/>
+            </a:avLst>
+          </a:prstGeom>
+        </p:spPr>
+        <p:style>
+          <a:lnRef idx="2">
+            <a:schemeClr val="accent1"/>
+          </a:lnRef>
+          <a:fillRef idx="0">
+            <a:schemeClr val="accent1"/>
+          </a:fillRef>
+          <a:effectRef idx="1">
+            <a:schemeClr val="accent1"/>
+          </a:effectRef>
+          <a:fontRef idx="minor">
+            <a:schemeClr val="tx1"/>
+          </a:fontRef>
+        </p:style>
+      </p:cxnSp>
+      <p:sp>
+        <p:nvSpPr>
+          <p:cNvPr id="15" name="제목 1">
+            <a:extLst>
+              <a:ext uri="{FF2B5EF4-FFF2-40B4-BE49-F238E27FC236}">
+                <a16:creationId xmlns:a16="http://schemas.microsoft.com/office/drawing/2014/main" id="{2912D5A1-3167-0644-1059-AACF3EC3BFC9}"/>
+              </a:ext>
+            </a:extLst>
+          </p:cNvPr>
+          <p:cNvSpPr txBox="1">
+            <a:spLocks/>
+          </p:cNvSpPr>
+          <p:nvPr/>
+        </p:nvSpPr>
+        <p:spPr>
+          <a:xfrm>
+            <a:off x="9026163" y="4035982"/>
+            <a:ext cx="967879" cy="387771"/>
+          </a:xfrm>
+          <a:prstGeom prst="rect">
+            <a:avLst/>
+          </a:prstGeom>
+          <a:solidFill>
+            <a:srgbClr val="156082"/>
+          </a:solidFill>
+        </p:spPr>
+        <p:txBody>
+          <a:bodyPr vert="horz" lIns="91440" tIns="45720" rIns="91440" bIns="45720" rtlCol="0" anchor="ctr">
+            <a:normAutofit/>
+          </a:bodyPr>
+          <a:lstStyle>
+            <a:lvl1pPr algn="l" defTabSz="914400" rtl="0" eaLnBrk="1" latinLnBrk="1" hangingPunct="1">
+              <a:lnSpc>
+                <a:spcPct val="90000"/>
+              </a:lnSpc>
+              <a:spcBef>
+                <a:spcPct val="0"/>
+              </a:spcBef>
+              <a:buNone/>
+              <a:defRPr sz="4400" kern="1200">
+                <a:solidFill>
+                  <a:schemeClr val="tx1"/>
+                </a:solidFill>
+                <a:latin typeface="+mj-lt"/>
+                <a:ea typeface="+mj-ea"/>
+                <a:cs typeface="+mj-cs"/>
+              </a:defRPr>
+            </a:lvl1pPr>
+          </a:lstStyle>
+          <a:p>
+            <a:pPr algn="ctr"/>
+            <a:r>
+              <a:rPr kumimoji="1" lang="en-US" altLang="ko-KR" sz="900" b="1" dirty="0">
+                <a:solidFill>
+                  <a:schemeClr val="bg1"/>
+                </a:solidFill>
+                <a:latin typeface="KoPubWorldDotum Bold" pitchFamily="2" charset="-127"/>
+                <a:ea typeface="KoPubWorldDotum Bold" pitchFamily="2" charset="-127"/>
+                <a:cs typeface="KoPubWorldDotum Bold" pitchFamily="2" charset="-127"/>
+              </a:rPr>
+              <a:t>REST API</a:t>
+            </a:r>
+          </a:p>
+          <a:p>
+            <a:pPr algn="ctr"/>
+            <a:r>
+              <a:rPr kumimoji="1" lang="en-US" altLang="ko-KR" sz="900" b="1" dirty="0">
+                <a:solidFill>
+                  <a:schemeClr val="bg1"/>
+                </a:solidFill>
+                <a:latin typeface="KoPubWorldDotum Bold" pitchFamily="2" charset="-127"/>
+                <a:ea typeface="KoPubWorldDotum Bold" pitchFamily="2" charset="-127"/>
+                <a:cs typeface="KoPubWorldDotum Bold" pitchFamily="2" charset="-127"/>
+              </a:rPr>
+              <a:t>(Config)</a:t>
+            </a:r>
+            <a:endParaRPr kumimoji="1" lang="ko-KR" altLang="en-US" sz="900" b="1" dirty="0">
+              <a:solidFill>
+                <a:schemeClr val="bg1"/>
+              </a:solidFill>
+              <a:latin typeface="KoPubWorldDotum Bold" pitchFamily="2" charset="-127"/>
+              <a:ea typeface="KoPubWorldDotum Bold" pitchFamily="2" charset="-127"/>
+              <a:cs typeface="KoPubWorldDotum Bold" pitchFamily="2" charset="-127"/>
+            </a:endParaRPr>
+          </a:p>
+        </p:txBody>
+      </p:sp>
+      <p:sp>
+        <p:nvSpPr>
+          <p:cNvPr id="17" name="처리 16">
+            <a:extLst>
+              <a:ext uri="{FF2B5EF4-FFF2-40B4-BE49-F238E27FC236}">
+                <a16:creationId xmlns:a16="http://schemas.microsoft.com/office/drawing/2014/main" id="{428A7ACE-1660-55D0-1201-41BDB16937AF}"/>
+              </a:ext>
+            </a:extLst>
+          </p:cNvPr>
+          <p:cNvSpPr/>
+          <p:nvPr/>
+        </p:nvSpPr>
+        <p:spPr>
+          <a:xfrm>
+            <a:off x="11307329" y="4108789"/>
+            <a:ext cx="1200406" cy="245334"/>
+          </a:xfrm>
+          <a:prstGeom prst="flowChartProcess">
+            <a:avLst/>
+          </a:prstGeom>
+          <a:solidFill>
+            <a:schemeClr val="accent1"/>
+          </a:solidFill>
+          <a:ln>
+            <a:noFill/>
+          </a:ln>
+        </p:spPr>
+        <p:style>
+          <a:lnRef idx="2">
+            <a:schemeClr val="accent1">
+              <a:shade val="15000"/>
+            </a:schemeClr>
+          </a:lnRef>
+          <a:fillRef idx="1">
+            <a:schemeClr val="accent1"/>
+          </a:fillRef>
+          <a:effectRef idx="0">
+            <a:schemeClr val="accent1"/>
+          </a:effectRef>
+          <a:fontRef idx="minor">
+            <a:schemeClr val="lt1"/>
+          </a:fontRef>
+        </p:style>
+        <p:txBody>
+          <a:bodyPr rtlCol="0" anchor="ctr"/>
+          <a:lstStyle/>
+          <a:p>
+            <a:pPr algn="ctr"/>
+            <a:r>
+              <a:rPr kumimoji="1" lang="en-US" altLang="ko-KR" sz="900" b="1" dirty="0">
+                <a:latin typeface="KoPubWorldDotum Bold" pitchFamily="2" charset="-127"/>
+                <a:ea typeface="KoPubWorldDotum Bold" pitchFamily="2" charset="-127"/>
+                <a:cs typeface="KoPubWorldDotum Bold" pitchFamily="2" charset="-127"/>
+              </a:rPr>
+              <a:t>Config</a:t>
+            </a:r>
+            <a:endParaRPr kumimoji="1" lang="ko-KR" altLang="en-US" sz="900" b="1" dirty="0">
+              <a:latin typeface="KoPubWorldDotum Bold" pitchFamily="2" charset="-127"/>
+              <a:ea typeface="KoPubWorldDotum Bold" pitchFamily="2" charset="-127"/>
+              <a:cs typeface="KoPubWorldDotum Bold" pitchFamily="2" charset="-127"/>
+            </a:endParaRPr>
+          </a:p>
+        </p:txBody>
+      </p:sp>
+      <p:pic>
+        <p:nvPicPr>
+          <p:cNvPr id="22" name="그림 21">
+            <a:extLst>
+              <a:ext uri="{FF2B5EF4-FFF2-40B4-BE49-F238E27FC236}">
+                <a16:creationId xmlns:a16="http://schemas.microsoft.com/office/drawing/2014/main" id="{F72A00CF-5E22-CC6E-7AC4-0670DFCD93CE}"/>
+              </a:ext>
+            </a:extLst>
+          </p:cNvPr>
+          <p:cNvPicPr>
+            <a:picLocks noChangeAspect="1"/>
+          </p:cNvPicPr>
+          <p:nvPr/>
+        </p:nvPicPr>
+        <p:blipFill>
+          <a:blip r:embed="rId24">
+            <a:alphaModFix amt="35000"/>
+          </a:blip>
+          <a:stretch>
+            <a:fillRect/>
+          </a:stretch>
+        </p:blipFill>
+        <p:spPr>
+          <a:xfrm>
+            <a:off x="13430825" y="4002090"/>
+            <a:ext cx="461327" cy="461327"/>
+          </a:xfrm>
+          <a:prstGeom prst="rect">
+            <a:avLst/>
+          </a:prstGeom>
+        </p:spPr>
+      </p:pic>
+      <p:sp>
+        <p:nvSpPr>
+          <p:cNvPr id="24" name="제목 1">
+            <a:extLst>
+              <a:ext uri="{FF2B5EF4-FFF2-40B4-BE49-F238E27FC236}">
+                <a16:creationId xmlns:a16="http://schemas.microsoft.com/office/drawing/2014/main" id="{BC9F16D5-39C5-1C39-EC8B-6ACA0250D34F}"/>
+              </a:ext>
+            </a:extLst>
+          </p:cNvPr>
+          <p:cNvSpPr txBox="1">
+            <a:spLocks/>
+          </p:cNvSpPr>
+          <p:nvPr/>
+        </p:nvSpPr>
+        <p:spPr>
+          <a:xfrm>
+            <a:off x="13043514" y="4481987"/>
+            <a:ext cx="1314173" cy="267998"/>
+          </a:xfrm>
+          <a:prstGeom prst="rect">
+            <a:avLst/>
+          </a:prstGeom>
+        </p:spPr>
+        <p:txBody>
+          <a:bodyPr vert="horz" lIns="91440" tIns="45720" rIns="91440" bIns="45720" rtlCol="0" anchor="ctr">
+            <a:normAutofit/>
+          </a:bodyPr>
+          <a:lstStyle>
+            <a:lvl1pPr algn="l" defTabSz="914400" rtl="0" eaLnBrk="1" latinLnBrk="1" hangingPunct="1">
+              <a:lnSpc>
+                <a:spcPct val="90000"/>
+              </a:lnSpc>
+              <a:spcBef>
+                <a:spcPct val="0"/>
+              </a:spcBef>
+              <a:buNone/>
+              <a:defRPr sz="4400" kern="1200">
+                <a:solidFill>
+                  <a:schemeClr val="tx1"/>
+                </a:solidFill>
+                <a:latin typeface="+mj-lt"/>
+                <a:ea typeface="+mj-ea"/>
+                <a:cs typeface="+mj-cs"/>
+              </a:defRPr>
+            </a:lvl1pPr>
+          </a:lstStyle>
+          <a:p>
+            <a:pPr algn="ctr"/>
+            <a:r>
+              <a:rPr kumimoji="1" lang="en-US" altLang="ko-KR" sz="900" b="1" dirty="0">
+                <a:latin typeface="KoPubWorldDotum Bold" pitchFamily="2" charset="-127"/>
+                <a:ea typeface="KoPubWorldDotum Bold" pitchFamily="2" charset="-127"/>
+                <a:cs typeface="KoPubWorldDotum Bold" pitchFamily="2" charset="-127"/>
+              </a:rPr>
+              <a:t>SSM Parameter Store</a:t>
+            </a:r>
+          </a:p>
+        </p:txBody>
+      </p:sp>
+      <p:cxnSp>
+        <p:nvCxnSpPr>
+          <p:cNvPr id="28" name="꺾인 연결선[E] 27">
+            <a:extLst>
+              <a:ext uri="{FF2B5EF4-FFF2-40B4-BE49-F238E27FC236}">
+                <a16:creationId xmlns:a16="http://schemas.microsoft.com/office/drawing/2014/main" id="{3CA1A980-0227-E9FE-3AE2-F17DD49DDDB8}"/>
+              </a:ext>
+            </a:extLst>
+          </p:cNvPr>
+          <p:cNvCxnSpPr>
+            <a:cxnSpLocks/>
+            <a:stCxn id="15" idx="1"/>
+            <a:endCxn id="1387" idx="3"/>
+          </p:cNvCxnSpPr>
+          <p:nvPr/>
+        </p:nvCxnSpPr>
+        <p:spPr>
+          <a:xfrm rot="10800000" flipV="1">
+            <a:off x="7770983" y="4229867"/>
+            <a:ext cx="1255180" cy="1499269"/>
+          </a:xfrm>
+          <a:prstGeom prst="bentConnector3">
+            <a:avLst>
+              <a:gd name="adj1" fmla="val 50801"/>
+            </a:avLst>
+          </a:prstGeom>
+        </p:spPr>
+        <p:style>
+          <a:lnRef idx="2">
+            <a:schemeClr val="accent1"/>
+          </a:lnRef>
+          <a:fillRef idx="0">
+            <a:schemeClr val="accent1"/>
+          </a:fillRef>
+          <a:effectRef idx="1">
+            <a:schemeClr val="accent1"/>
+          </a:effectRef>
+          <a:fontRef idx="minor">
+            <a:schemeClr val="tx1"/>
+          </a:fontRef>
+        </p:style>
+      </p:cxnSp>
+      <p:cxnSp>
+        <p:nvCxnSpPr>
+          <p:cNvPr id="36" name="직선 화살표 연결선 35">
+            <a:extLst>
+              <a:ext uri="{FF2B5EF4-FFF2-40B4-BE49-F238E27FC236}">
+                <a16:creationId xmlns:a16="http://schemas.microsoft.com/office/drawing/2014/main" id="{1ED56639-AF89-6F17-2EE5-C6E90F1BF273}"/>
+              </a:ext>
+            </a:extLst>
+          </p:cNvPr>
+          <p:cNvCxnSpPr>
+            <a:cxnSpLocks/>
+            <a:stCxn id="15" idx="3"/>
+            <a:endCxn id="17" idx="1"/>
+          </p:cNvCxnSpPr>
+          <p:nvPr/>
+        </p:nvCxnSpPr>
+        <p:spPr>
+          <a:xfrm>
+            <a:off x="9994042" y="4229868"/>
+            <a:ext cx="1313287" cy="1588"/>
+          </a:xfrm>
+          <a:prstGeom prst="straightConnector1">
+            <a:avLst/>
+          </a:prstGeom>
+          <a:ln>
+            <a:headEnd type="none" w="med" len="med"/>
+            <a:tailEnd type="none" w="med" len="med"/>
+          </a:ln>
+        </p:spPr>
+        <p:style>
+          <a:lnRef idx="2">
+            <a:schemeClr val="accent1"/>
+          </a:lnRef>
+          <a:fillRef idx="0">
+            <a:schemeClr val="accent1"/>
+          </a:fillRef>
+          <a:effectRef idx="1">
+            <a:schemeClr val="accent1"/>
+          </a:effectRef>
+          <a:fontRef idx="minor">
+            <a:schemeClr val="tx1"/>
+          </a:fontRef>
+        </p:style>
+      </p:cxnSp>
+      <p:cxnSp>
+        <p:nvCxnSpPr>
+          <p:cNvPr id="44" name="직선 화살표 연결선 43">
+            <a:extLst>
+              <a:ext uri="{FF2B5EF4-FFF2-40B4-BE49-F238E27FC236}">
+                <a16:creationId xmlns:a16="http://schemas.microsoft.com/office/drawing/2014/main" id="{88435C69-1977-63EF-0E80-22E620A4234D}"/>
+              </a:ext>
+            </a:extLst>
+          </p:cNvPr>
+          <p:cNvCxnSpPr>
+            <a:cxnSpLocks/>
+            <a:stCxn id="22" idx="1"/>
+            <a:endCxn id="17" idx="3"/>
+          </p:cNvCxnSpPr>
+          <p:nvPr/>
+        </p:nvCxnSpPr>
+        <p:spPr>
+          <a:xfrm flipH="1" flipV="1">
+            <a:off x="12507735" y="4231456"/>
+            <a:ext cx="923090" cy="1298"/>
+          </a:xfrm>
+          <a:prstGeom prst="straightConnector1">
+            <a:avLst/>
+          </a:prstGeom>
+          <a:ln>
+            <a:headEnd type="none" w="med" len="med"/>
+            <a:tailEnd type="none" w="med" len="med"/>
+          </a:ln>
+        </p:spPr>
+        <p:style>
+          <a:lnRef idx="2">
+            <a:schemeClr val="accent1"/>
+          </a:lnRef>
+          <a:fillRef idx="0">
+            <a:schemeClr val="accent1"/>
+          </a:fillRef>
+          <a:effectRef idx="1">
+            <a:schemeClr val="accent1"/>
+          </a:effectRef>
+          <a:fontRef idx="minor">
+            <a:schemeClr val="tx1"/>
+          </a:fontRef>
+        </p:style>
+      </p:cxnSp>
+    </p:spTree>
+    <p:extLst>
+      <p:ext uri="{BB962C8B-B14F-4D97-AF65-F5344CB8AC3E}">
+        <p14:creationId xmlns:p14="http://schemas.microsoft.com/office/powerpoint/2010/main" val="3854304873"/>
       </p:ext>
     </p:extLst>
   </p:cSld>

--- a/documents/개발계획서.pptx
+++ b/documents/개발계획서.pptx
@@ -208,7 +208,7 @@
           <a:p>
             <a:fld id="{9458FFD9-5838-1449-9919-C8A4367C6D0D}" type="datetimeFigureOut">
               <a:rPr kumimoji="1" lang="ko-KR" altLang="en-US" smtClean="0"/>
-              <a:t>2025. 4. 10.</a:t>
+              <a:t>2025. 4. 14.</a:t>
             </a:fld>
             <a:endParaRPr kumimoji="1" lang="ko-KR" altLang="en-US"/>
           </a:p>
@@ -1051,7 +1051,7 @@
           <a:p>
             <a:fld id="{B2310862-A932-4A4D-BE7A-7832C8DBE490}" type="datetimeFigureOut">
               <a:rPr kumimoji="1" lang="ko-KR" altLang="en-US" smtClean="0"/>
-              <a:t>2025. 4. 10.</a:t>
+              <a:t>2025. 4. 14.</a:t>
             </a:fld>
             <a:endParaRPr kumimoji="1" lang="ko-KR" altLang="en-US"/>
           </a:p>
@@ -1221,7 +1221,7 @@
           <a:p>
             <a:fld id="{B2310862-A932-4A4D-BE7A-7832C8DBE490}" type="datetimeFigureOut">
               <a:rPr kumimoji="1" lang="ko-KR" altLang="en-US" smtClean="0"/>
-              <a:t>2025. 4. 10.</a:t>
+              <a:t>2025. 4. 14.</a:t>
             </a:fld>
             <a:endParaRPr kumimoji="1" lang="ko-KR" altLang="en-US"/>
           </a:p>
@@ -1401,7 +1401,7 @@
           <a:p>
             <a:fld id="{B2310862-A932-4A4D-BE7A-7832C8DBE490}" type="datetimeFigureOut">
               <a:rPr kumimoji="1" lang="ko-KR" altLang="en-US" smtClean="0"/>
-              <a:t>2025. 4. 10.</a:t>
+              <a:t>2025. 4. 14.</a:t>
             </a:fld>
             <a:endParaRPr kumimoji="1" lang="ko-KR" altLang="en-US"/>
           </a:p>
@@ -1571,7 +1571,7 @@
           <a:p>
             <a:fld id="{B2310862-A932-4A4D-BE7A-7832C8DBE490}" type="datetimeFigureOut">
               <a:rPr kumimoji="1" lang="ko-KR" altLang="en-US" smtClean="0"/>
-              <a:t>2025. 4. 10.</a:t>
+              <a:t>2025. 4. 14.</a:t>
             </a:fld>
             <a:endParaRPr kumimoji="1" lang="ko-KR" altLang="en-US"/>
           </a:p>
@@ -1817,7 +1817,7 @@
           <a:p>
             <a:fld id="{B2310862-A932-4A4D-BE7A-7832C8DBE490}" type="datetimeFigureOut">
               <a:rPr kumimoji="1" lang="ko-KR" altLang="en-US" smtClean="0"/>
-              <a:t>2025. 4. 10.</a:t>
+              <a:t>2025. 4. 14.</a:t>
             </a:fld>
             <a:endParaRPr kumimoji="1" lang="ko-KR" altLang="en-US"/>
           </a:p>
@@ -2049,7 +2049,7 @@
           <a:p>
             <a:fld id="{B2310862-A932-4A4D-BE7A-7832C8DBE490}" type="datetimeFigureOut">
               <a:rPr kumimoji="1" lang="ko-KR" altLang="en-US" smtClean="0"/>
-              <a:t>2025. 4. 10.</a:t>
+              <a:t>2025. 4. 14.</a:t>
             </a:fld>
             <a:endParaRPr kumimoji="1" lang="ko-KR" altLang="en-US"/>
           </a:p>
@@ -2416,7 +2416,7 @@
           <a:p>
             <a:fld id="{B2310862-A932-4A4D-BE7A-7832C8DBE490}" type="datetimeFigureOut">
               <a:rPr kumimoji="1" lang="ko-KR" altLang="en-US" smtClean="0"/>
-              <a:t>2025. 4. 10.</a:t>
+              <a:t>2025. 4. 14.</a:t>
             </a:fld>
             <a:endParaRPr kumimoji="1" lang="ko-KR" altLang="en-US"/>
           </a:p>
@@ -2534,7 +2534,7 @@
           <a:p>
             <a:fld id="{B2310862-A932-4A4D-BE7A-7832C8DBE490}" type="datetimeFigureOut">
               <a:rPr kumimoji="1" lang="ko-KR" altLang="en-US" smtClean="0"/>
-              <a:t>2025. 4. 10.</a:t>
+              <a:t>2025. 4. 14.</a:t>
             </a:fld>
             <a:endParaRPr kumimoji="1" lang="ko-KR" altLang="en-US"/>
           </a:p>
@@ -2629,7 +2629,7 @@
           <a:p>
             <a:fld id="{B2310862-A932-4A4D-BE7A-7832C8DBE490}" type="datetimeFigureOut">
               <a:rPr kumimoji="1" lang="ko-KR" altLang="en-US" smtClean="0"/>
-              <a:t>2025. 4. 10.</a:t>
+              <a:t>2025. 4. 14.</a:t>
             </a:fld>
             <a:endParaRPr kumimoji="1" lang="ko-KR" altLang="en-US"/>
           </a:p>
@@ -2906,7 +2906,7 @@
           <a:p>
             <a:fld id="{B2310862-A932-4A4D-BE7A-7832C8DBE490}" type="datetimeFigureOut">
               <a:rPr kumimoji="1" lang="ko-KR" altLang="en-US" smtClean="0"/>
-              <a:t>2025. 4. 10.</a:t>
+              <a:t>2025. 4. 14.</a:t>
             </a:fld>
             <a:endParaRPr kumimoji="1" lang="ko-KR" altLang="en-US"/>
           </a:p>
@@ -3163,7 +3163,7 @@
           <a:p>
             <a:fld id="{B2310862-A932-4A4D-BE7A-7832C8DBE490}" type="datetimeFigureOut">
               <a:rPr kumimoji="1" lang="ko-KR" altLang="en-US" smtClean="0"/>
-              <a:t>2025. 4. 10.</a:t>
+              <a:t>2025. 4. 14.</a:t>
             </a:fld>
             <a:endParaRPr kumimoji="1" lang="ko-KR" altLang="en-US"/>
           </a:p>
@@ -3376,7 +3376,7 @@
           <a:p>
             <a:fld id="{B2310862-A932-4A4D-BE7A-7832C8DBE490}" type="datetimeFigureOut">
               <a:rPr kumimoji="1" lang="ko-KR" altLang="en-US" smtClean="0"/>
-              <a:t>2025. 4. 10.</a:t>
+              <a:t>2025. 4. 14.</a:t>
             </a:fld>
             <a:endParaRPr kumimoji="1" lang="ko-KR" altLang="en-US"/>
           </a:p>
@@ -19200,7 +19200,7 @@
         </p:nvPicPr>
         <p:blipFill>
           <a:blip r:embed="rId24">
-            <a:alphaModFix amt="35000"/>
+            <a:alphaModFix/>
           </a:blip>
           <a:stretch>
             <a:fillRect/>
